--- a/Stephen_Stark_Analysis.pptx
+++ b/Stephen_Stark_Analysis.pptx
@@ -8,15 +8,16 @@
     <p:sldId id="256" r:id="rId2"/>
     <p:sldId id="257" r:id="rId3"/>
     <p:sldId id="258" r:id="rId4"/>
-    <p:sldId id="259" r:id="rId5"/>
-    <p:sldId id="260" r:id="rId6"/>
-    <p:sldId id="261" r:id="rId7"/>
-    <p:sldId id="262" r:id="rId8"/>
-    <p:sldId id="263" r:id="rId9"/>
-    <p:sldId id="264" r:id="rId10"/>
-    <p:sldId id="265" r:id="rId11"/>
-    <p:sldId id="266" r:id="rId12"/>
-    <p:sldId id="267" r:id="rId13"/>
+    <p:sldId id="268" r:id="rId5"/>
+    <p:sldId id="259" r:id="rId6"/>
+    <p:sldId id="260" r:id="rId7"/>
+    <p:sldId id="261" r:id="rId8"/>
+    <p:sldId id="262" r:id="rId9"/>
+    <p:sldId id="263" r:id="rId10"/>
+    <p:sldId id="264" r:id="rId11"/>
+    <p:sldId id="265" r:id="rId12"/>
+    <p:sldId id="266" r:id="rId13"/>
+    <p:sldId id="267" r:id="rId14"/>
   </p:sldIdLst>
   <p:sldSz cx="12192000" cy="6858000"/>
   <p:notesSz cx="6858000" cy="9144000"/>
@@ -116,6 +117,3043 @@
     </a:lvl9pPr>
   </p:defaultTextStyle>
 </p:presentation>
+</file>
+
+<file path=ppt/diagrams/colors1.xml><?xml version="1.0" encoding="utf-8"?>
+<dgm:colorsDef xmlns:dgm="http://schemas.openxmlformats.org/drawingml/2006/diagram" xmlns:a="http://schemas.openxmlformats.org/drawingml/2006/main" uniqueId="urn:microsoft.com/office/officeart/2005/8/colors/accent1_2">
+  <dgm:title val=""/>
+  <dgm:desc val=""/>
+  <dgm:catLst>
+    <dgm:cat type="accent1" pri="11200"/>
+  </dgm:catLst>
+  <dgm:styleLbl name="node0">
+    <dgm:fillClrLst meth="repeat">
+      <a:schemeClr val="accent1"/>
+    </dgm:fillClrLst>
+    <dgm:linClrLst meth="repeat">
+      <a:schemeClr val="lt1"/>
+    </dgm:linClrLst>
+    <dgm:effectClrLst/>
+    <dgm:txLinClrLst/>
+    <dgm:txFillClrLst/>
+    <dgm:txEffectClrLst/>
+  </dgm:styleLbl>
+  <dgm:styleLbl name="alignNode1">
+    <dgm:fillClrLst meth="repeat">
+      <a:schemeClr val="accent1"/>
+    </dgm:fillClrLst>
+    <dgm:linClrLst meth="repeat">
+      <a:schemeClr val="accent1"/>
+    </dgm:linClrLst>
+    <dgm:effectClrLst/>
+    <dgm:txLinClrLst/>
+    <dgm:txFillClrLst/>
+    <dgm:txEffectClrLst/>
+  </dgm:styleLbl>
+  <dgm:styleLbl name="node1">
+    <dgm:fillClrLst meth="repeat">
+      <a:schemeClr val="accent1"/>
+    </dgm:fillClrLst>
+    <dgm:linClrLst meth="repeat">
+      <a:schemeClr val="lt1"/>
+    </dgm:linClrLst>
+    <dgm:effectClrLst/>
+    <dgm:txLinClrLst/>
+    <dgm:txFillClrLst/>
+    <dgm:txEffectClrLst/>
+  </dgm:styleLbl>
+  <dgm:styleLbl name="lnNode1">
+    <dgm:fillClrLst meth="repeat">
+      <a:schemeClr val="accent1"/>
+    </dgm:fillClrLst>
+    <dgm:linClrLst meth="repeat">
+      <a:schemeClr val="lt1"/>
+    </dgm:linClrLst>
+    <dgm:effectClrLst/>
+    <dgm:txLinClrLst/>
+    <dgm:txFillClrLst/>
+    <dgm:txEffectClrLst/>
+  </dgm:styleLbl>
+  <dgm:styleLbl name="vennNode1">
+    <dgm:fillClrLst meth="repeat">
+      <a:schemeClr val="accent1">
+        <a:alpha val="50000"/>
+      </a:schemeClr>
+    </dgm:fillClrLst>
+    <dgm:linClrLst meth="repeat">
+      <a:schemeClr val="lt1"/>
+    </dgm:linClrLst>
+    <dgm:effectClrLst/>
+    <dgm:txLinClrLst/>
+    <dgm:txFillClrLst/>
+    <dgm:txEffectClrLst/>
+  </dgm:styleLbl>
+  <dgm:styleLbl name="node2">
+    <dgm:fillClrLst meth="repeat">
+      <a:schemeClr val="accent1"/>
+    </dgm:fillClrLst>
+    <dgm:linClrLst meth="repeat">
+      <a:schemeClr val="lt1"/>
+    </dgm:linClrLst>
+    <dgm:effectClrLst/>
+    <dgm:txLinClrLst/>
+    <dgm:txFillClrLst/>
+    <dgm:txEffectClrLst/>
+  </dgm:styleLbl>
+  <dgm:styleLbl name="node3">
+    <dgm:fillClrLst meth="repeat">
+      <a:schemeClr val="accent1"/>
+    </dgm:fillClrLst>
+    <dgm:linClrLst meth="repeat">
+      <a:schemeClr val="lt1"/>
+    </dgm:linClrLst>
+    <dgm:effectClrLst/>
+    <dgm:txLinClrLst/>
+    <dgm:txFillClrLst/>
+    <dgm:txEffectClrLst/>
+  </dgm:styleLbl>
+  <dgm:styleLbl name="node4">
+    <dgm:fillClrLst meth="repeat">
+      <a:schemeClr val="accent1"/>
+    </dgm:fillClrLst>
+    <dgm:linClrLst meth="repeat">
+      <a:schemeClr val="lt1"/>
+    </dgm:linClrLst>
+    <dgm:effectClrLst/>
+    <dgm:txLinClrLst/>
+    <dgm:txFillClrLst/>
+    <dgm:txEffectClrLst/>
+  </dgm:styleLbl>
+  <dgm:styleLbl name="fgImgPlace1">
+    <dgm:fillClrLst meth="repeat">
+      <a:schemeClr val="accent1">
+        <a:tint val="50000"/>
+      </a:schemeClr>
+    </dgm:fillClrLst>
+    <dgm:linClrLst meth="repeat">
+      <a:schemeClr val="lt1"/>
+    </dgm:linClrLst>
+    <dgm:effectClrLst/>
+    <dgm:txLinClrLst/>
+    <dgm:txFillClrLst meth="repeat">
+      <a:schemeClr val="lt1"/>
+    </dgm:txFillClrLst>
+    <dgm:txEffectClrLst/>
+  </dgm:styleLbl>
+  <dgm:styleLbl name="alignImgPlace1">
+    <dgm:fillClrLst meth="repeat">
+      <a:schemeClr val="accent1">
+        <a:tint val="50000"/>
+      </a:schemeClr>
+    </dgm:fillClrLst>
+    <dgm:linClrLst meth="repeat">
+      <a:schemeClr val="lt1"/>
+    </dgm:linClrLst>
+    <dgm:effectClrLst/>
+    <dgm:txLinClrLst/>
+    <dgm:txFillClrLst meth="repeat">
+      <a:schemeClr val="lt1"/>
+    </dgm:txFillClrLst>
+    <dgm:txEffectClrLst/>
+  </dgm:styleLbl>
+  <dgm:styleLbl name="bgImgPlace1">
+    <dgm:fillClrLst meth="repeat">
+      <a:schemeClr val="accent1">
+        <a:tint val="50000"/>
+      </a:schemeClr>
+    </dgm:fillClrLst>
+    <dgm:linClrLst meth="repeat">
+      <a:schemeClr val="lt1"/>
+    </dgm:linClrLst>
+    <dgm:effectClrLst/>
+    <dgm:txLinClrLst/>
+    <dgm:txFillClrLst meth="repeat">
+      <a:schemeClr val="lt1"/>
+    </dgm:txFillClrLst>
+    <dgm:txEffectClrLst/>
+  </dgm:styleLbl>
+  <dgm:styleLbl name="sibTrans2D1">
+    <dgm:fillClrLst meth="repeat">
+      <a:schemeClr val="accent1">
+        <a:tint val="60000"/>
+      </a:schemeClr>
+    </dgm:fillClrLst>
+    <dgm:linClrLst meth="repeat">
+      <a:schemeClr val="accent1">
+        <a:tint val="60000"/>
+      </a:schemeClr>
+    </dgm:linClrLst>
+    <dgm:effectClrLst/>
+    <dgm:txLinClrLst/>
+    <dgm:txFillClrLst/>
+    <dgm:txEffectClrLst/>
+  </dgm:styleLbl>
+  <dgm:styleLbl name="fgSibTrans2D1">
+    <dgm:fillClrLst meth="repeat">
+      <a:schemeClr val="accent1">
+        <a:tint val="60000"/>
+      </a:schemeClr>
+    </dgm:fillClrLst>
+    <dgm:linClrLst meth="repeat">
+      <a:schemeClr val="accent1">
+        <a:tint val="60000"/>
+      </a:schemeClr>
+    </dgm:linClrLst>
+    <dgm:effectClrLst/>
+    <dgm:txLinClrLst/>
+    <dgm:txFillClrLst/>
+    <dgm:txEffectClrLst/>
+  </dgm:styleLbl>
+  <dgm:styleLbl name="bgSibTrans2D1">
+    <dgm:fillClrLst meth="repeat">
+      <a:schemeClr val="accent1">
+        <a:tint val="60000"/>
+      </a:schemeClr>
+    </dgm:fillClrLst>
+    <dgm:linClrLst meth="repeat">
+      <a:schemeClr val="accent1">
+        <a:tint val="60000"/>
+      </a:schemeClr>
+    </dgm:linClrLst>
+    <dgm:effectClrLst/>
+    <dgm:txLinClrLst/>
+    <dgm:txFillClrLst/>
+    <dgm:txEffectClrLst/>
+  </dgm:styleLbl>
+  <dgm:styleLbl name="sibTrans1D1">
+    <dgm:fillClrLst meth="repeat">
+      <a:schemeClr val="accent1"/>
+    </dgm:fillClrLst>
+    <dgm:linClrLst meth="repeat">
+      <a:schemeClr val="accent1"/>
+    </dgm:linClrLst>
+    <dgm:effectClrLst/>
+    <dgm:txLinClrLst/>
+    <dgm:txFillClrLst meth="repeat">
+      <a:schemeClr val="tx1"/>
+    </dgm:txFillClrLst>
+    <dgm:txEffectClrLst/>
+  </dgm:styleLbl>
+  <dgm:styleLbl name="callout">
+    <dgm:fillClrLst meth="repeat">
+      <a:schemeClr val="accent1"/>
+    </dgm:fillClrLst>
+    <dgm:linClrLst meth="repeat">
+      <a:schemeClr val="accent1">
+        <a:tint val="50000"/>
+      </a:schemeClr>
+    </dgm:linClrLst>
+    <dgm:effectClrLst/>
+    <dgm:txLinClrLst/>
+    <dgm:txFillClrLst meth="repeat">
+      <a:schemeClr val="tx1"/>
+    </dgm:txFillClrLst>
+    <dgm:txEffectClrLst/>
+  </dgm:styleLbl>
+  <dgm:styleLbl name="asst0">
+    <dgm:fillClrLst meth="repeat">
+      <a:schemeClr val="accent1"/>
+    </dgm:fillClrLst>
+    <dgm:linClrLst meth="repeat">
+      <a:schemeClr val="lt1"/>
+    </dgm:linClrLst>
+    <dgm:effectClrLst/>
+    <dgm:txLinClrLst/>
+    <dgm:txFillClrLst/>
+    <dgm:txEffectClrLst/>
+  </dgm:styleLbl>
+  <dgm:styleLbl name="asst1">
+    <dgm:fillClrLst meth="repeat">
+      <a:schemeClr val="accent1"/>
+    </dgm:fillClrLst>
+    <dgm:linClrLst meth="repeat">
+      <a:schemeClr val="lt1"/>
+    </dgm:linClrLst>
+    <dgm:effectClrLst/>
+    <dgm:txLinClrLst/>
+    <dgm:txFillClrLst/>
+    <dgm:txEffectClrLst/>
+  </dgm:styleLbl>
+  <dgm:styleLbl name="asst2">
+    <dgm:fillClrLst meth="repeat">
+      <a:schemeClr val="accent1"/>
+    </dgm:fillClrLst>
+    <dgm:linClrLst meth="repeat">
+      <a:schemeClr val="lt1"/>
+    </dgm:linClrLst>
+    <dgm:effectClrLst/>
+    <dgm:txLinClrLst/>
+    <dgm:txFillClrLst/>
+    <dgm:txEffectClrLst/>
+  </dgm:styleLbl>
+  <dgm:styleLbl name="asst3">
+    <dgm:fillClrLst meth="repeat">
+      <a:schemeClr val="accent1"/>
+    </dgm:fillClrLst>
+    <dgm:linClrLst meth="repeat">
+      <a:schemeClr val="lt1"/>
+    </dgm:linClrLst>
+    <dgm:effectClrLst/>
+    <dgm:txLinClrLst/>
+    <dgm:txFillClrLst/>
+    <dgm:txEffectClrLst/>
+  </dgm:styleLbl>
+  <dgm:styleLbl name="asst4">
+    <dgm:fillClrLst meth="repeat">
+      <a:schemeClr val="accent1"/>
+    </dgm:fillClrLst>
+    <dgm:linClrLst meth="repeat">
+      <a:schemeClr val="lt1"/>
+    </dgm:linClrLst>
+    <dgm:effectClrLst/>
+    <dgm:txLinClrLst/>
+    <dgm:txFillClrLst/>
+    <dgm:txEffectClrLst/>
+  </dgm:styleLbl>
+  <dgm:styleLbl name="parChTrans2D1">
+    <dgm:fillClrLst meth="repeat">
+      <a:schemeClr val="accent1">
+        <a:tint val="60000"/>
+      </a:schemeClr>
+    </dgm:fillClrLst>
+    <dgm:linClrLst meth="repeat">
+      <a:schemeClr val="accent1">
+        <a:tint val="60000"/>
+      </a:schemeClr>
+    </dgm:linClrLst>
+    <dgm:effectClrLst/>
+    <dgm:txLinClrLst/>
+    <dgm:txFillClrLst meth="repeat">
+      <a:schemeClr val="lt1"/>
+    </dgm:txFillClrLst>
+    <dgm:txEffectClrLst/>
+  </dgm:styleLbl>
+  <dgm:styleLbl name="parChTrans2D2">
+    <dgm:fillClrLst meth="repeat">
+      <a:schemeClr val="accent1"/>
+    </dgm:fillClrLst>
+    <dgm:linClrLst meth="repeat">
+      <a:schemeClr val="accent1"/>
+    </dgm:linClrLst>
+    <dgm:effectClrLst/>
+    <dgm:txLinClrLst/>
+    <dgm:txFillClrLst meth="repeat">
+      <a:schemeClr val="lt1"/>
+    </dgm:txFillClrLst>
+    <dgm:txEffectClrLst/>
+  </dgm:styleLbl>
+  <dgm:styleLbl name="parChTrans2D3">
+    <dgm:fillClrLst meth="repeat">
+      <a:schemeClr val="accent1"/>
+    </dgm:fillClrLst>
+    <dgm:linClrLst meth="repeat">
+      <a:schemeClr val="accent1"/>
+    </dgm:linClrLst>
+    <dgm:effectClrLst/>
+    <dgm:txLinClrLst/>
+    <dgm:txFillClrLst meth="repeat">
+      <a:schemeClr val="lt1"/>
+    </dgm:txFillClrLst>
+    <dgm:txEffectClrLst/>
+  </dgm:styleLbl>
+  <dgm:styleLbl name="parChTrans2D4">
+    <dgm:fillClrLst meth="repeat">
+      <a:schemeClr val="accent1"/>
+    </dgm:fillClrLst>
+    <dgm:linClrLst meth="repeat">
+      <a:schemeClr val="accent1"/>
+    </dgm:linClrLst>
+    <dgm:effectClrLst/>
+    <dgm:txLinClrLst/>
+    <dgm:txFillClrLst meth="repeat">
+      <a:schemeClr val="lt1"/>
+    </dgm:txFillClrLst>
+    <dgm:txEffectClrLst/>
+  </dgm:styleLbl>
+  <dgm:styleLbl name="parChTrans1D1">
+    <dgm:fillClrLst meth="repeat">
+      <a:schemeClr val="accent1"/>
+    </dgm:fillClrLst>
+    <dgm:linClrLst meth="repeat">
+      <a:schemeClr val="accent1">
+        <a:shade val="60000"/>
+      </a:schemeClr>
+    </dgm:linClrLst>
+    <dgm:effectClrLst/>
+    <dgm:txLinClrLst/>
+    <dgm:txFillClrLst meth="repeat">
+      <a:schemeClr val="tx1"/>
+    </dgm:txFillClrLst>
+    <dgm:txEffectClrLst/>
+  </dgm:styleLbl>
+  <dgm:styleLbl name="parChTrans1D2">
+    <dgm:fillClrLst meth="repeat">
+      <a:schemeClr val="accent1"/>
+    </dgm:fillClrLst>
+    <dgm:linClrLst meth="repeat">
+      <a:schemeClr val="accent1">
+        <a:shade val="60000"/>
+      </a:schemeClr>
+    </dgm:linClrLst>
+    <dgm:effectClrLst/>
+    <dgm:txLinClrLst/>
+    <dgm:txFillClrLst meth="repeat">
+      <a:schemeClr val="tx1"/>
+    </dgm:txFillClrLst>
+    <dgm:txEffectClrLst/>
+  </dgm:styleLbl>
+  <dgm:styleLbl name="parChTrans1D3">
+    <dgm:fillClrLst meth="repeat">
+      <a:schemeClr val="accent1"/>
+    </dgm:fillClrLst>
+    <dgm:linClrLst meth="repeat">
+      <a:schemeClr val="accent1">
+        <a:shade val="80000"/>
+      </a:schemeClr>
+    </dgm:linClrLst>
+    <dgm:effectClrLst/>
+    <dgm:txLinClrLst/>
+    <dgm:txFillClrLst meth="repeat">
+      <a:schemeClr val="tx1"/>
+    </dgm:txFillClrLst>
+    <dgm:txEffectClrLst/>
+  </dgm:styleLbl>
+  <dgm:styleLbl name="parChTrans1D4">
+    <dgm:fillClrLst meth="repeat">
+      <a:schemeClr val="accent1"/>
+    </dgm:fillClrLst>
+    <dgm:linClrLst meth="repeat">
+      <a:schemeClr val="accent1">
+        <a:shade val="80000"/>
+      </a:schemeClr>
+    </dgm:linClrLst>
+    <dgm:effectClrLst/>
+    <dgm:txLinClrLst/>
+    <dgm:txFillClrLst meth="repeat">
+      <a:schemeClr val="tx1"/>
+    </dgm:txFillClrLst>
+    <dgm:txEffectClrLst/>
+  </dgm:styleLbl>
+  <dgm:styleLbl name="fgAcc1">
+    <dgm:fillClrLst meth="repeat">
+      <a:schemeClr val="lt1">
+        <a:alpha val="90000"/>
+      </a:schemeClr>
+    </dgm:fillClrLst>
+    <dgm:linClrLst meth="repeat">
+      <a:schemeClr val="accent1"/>
+    </dgm:linClrLst>
+    <dgm:effectClrLst/>
+    <dgm:txLinClrLst/>
+    <dgm:txFillClrLst meth="repeat">
+      <a:schemeClr val="dk1"/>
+    </dgm:txFillClrLst>
+    <dgm:txEffectClrLst/>
+  </dgm:styleLbl>
+  <dgm:styleLbl name="conFgAcc1">
+    <dgm:fillClrLst meth="repeat">
+      <a:schemeClr val="lt1">
+        <a:alpha val="90000"/>
+      </a:schemeClr>
+    </dgm:fillClrLst>
+    <dgm:linClrLst meth="repeat">
+      <a:schemeClr val="accent1"/>
+    </dgm:linClrLst>
+    <dgm:effectClrLst/>
+    <dgm:txLinClrLst/>
+    <dgm:txFillClrLst meth="repeat">
+      <a:schemeClr val="dk1"/>
+    </dgm:txFillClrLst>
+    <dgm:txEffectClrLst/>
+  </dgm:styleLbl>
+  <dgm:styleLbl name="alignAcc1">
+    <dgm:fillClrLst meth="repeat">
+      <a:schemeClr val="lt1">
+        <a:alpha val="90000"/>
+      </a:schemeClr>
+    </dgm:fillClrLst>
+    <dgm:linClrLst meth="repeat">
+      <a:schemeClr val="accent1"/>
+    </dgm:linClrLst>
+    <dgm:effectClrLst/>
+    <dgm:txLinClrLst/>
+    <dgm:txFillClrLst meth="repeat">
+      <a:schemeClr val="dk1"/>
+    </dgm:txFillClrLst>
+    <dgm:txEffectClrLst/>
+  </dgm:styleLbl>
+  <dgm:styleLbl name="trAlignAcc1">
+    <dgm:fillClrLst meth="repeat">
+      <a:schemeClr val="lt1">
+        <a:alpha val="40000"/>
+      </a:schemeClr>
+    </dgm:fillClrLst>
+    <dgm:linClrLst meth="repeat">
+      <a:schemeClr val="accent1"/>
+    </dgm:linClrLst>
+    <dgm:effectClrLst/>
+    <dgm:txLinClrLst/>
+    <dgm:txFillClrLst meth="repeat">
+      <a:schemeClr val="dk1"/>
+    </dgm:txFillClrLst>
+    <dgm:txEffectClrLst/>
+  </dgm:styleLbl>
+  <dgm:styleLbl name="bgAcc1">
+    <dgm:fillClrLst meth="repeat">
+      <a:schemeClr val="lt1">
+        <a:alpha val="90000"/>
+      </a:schemeClr>
+    </dgm:fillClrLst>
+    <dgm:linClrLst meth="repeat">
+      <a:schemeClr val="accent1"/>
+    </dgm:linClrLst>
+    <dgm:effectClrLst/>
+    <dgm:txLinClrLst/>
+    <dgm:txFillClrLst meth="repeat">
+      <a:schemeClr val="dk1"/>
+    </dgm:txFillClrLst>
+    <dgm:txEffectClrLst/>
+  </dgm:styleLbl>
+  <dgm:styleLbl name="solidFgAcc1">
+    <dgm:fillClrLst meth="repeat">
+      <a:schemeClr val="lt1"/>
+    </dgm:fillClrLst>
+    <dgm:linClrLst meth="repeat">
+      <a:schemeClr val="accent1"/>
+    </dgm:linClrLst>
+    <dgm:effectClrLst/>
+    <dgm:txLinClrLst/>
+    <dgm:txFillClrLst meth="repeat">
+      <a:schemeClr val="dk1"/>
+    </dgm:txFillClrLst>
+    <dgm:txEffectClrLst/>
+  </dgm:styleLbl>
+  <dgm:styleLbl name="solidAlignAcc1">
+    <dgm:fillClrLst meth="repeat">
+      <a:schemeClr val="lt1"/>
+    </dgm:fillClrLst>
+    <dgm:linClrLst meth="repeat">
+      <a:schemeClr val="accent1"/>
+    </dgm:linClrLst>
+    <dgm:effectClrLst/>
+    <dgm:txLinClrLst/>
+    <dgm:txFillClrLst meth="repeat">
+      <a:schemeClr val="dk1"/>
+    </dgm:txFillClrLst>
+    <dgm:txEffectClrLst/>
+  </dgm:styleLbl>
+  <dgm:styleLbl name="solidBgAcc1">
+    <dgm:fillClrLst meth="repeat">
+      <a:schemeClr val="lt1"/>
+    </dgm:fillClrLst>
+    <dgm:linClrLst meth="repeat">
+      <a:schemeClr val="accent1"/>
+    </dgm:linClrLst>
+    <dgm:effectClrLst/>
+    <dgm:txLinClrLst/>
+    <dgm:txFillClrLst meth="repeat">
+      <a:schemeClr val="dk1"/>
+    </dgm:txFillClrLst>
+    <dgm:txEffectClrLst/>
+  </dgm:styleLbl>
+  <dgm:styleLbl name="fgAccFollowNode1">
+    <dgm:fillClrLst meth="repeat">
+      <a:schemeClr val="accent1">
+        <a:alpha val="90000"/>
+        <a:tint val="40000"/>
+      </a:schemeClr>
+    </dgm:fillClrLst>
+    <dgm:linClrLst meth="repeat">
+      <a:schemeClr val="accent1">
+        <a:alpha val="90000"/>
+        <a:tint val="40000"/>
+      </a:schemeClr>
+    </dgm:linClrLst>
+    <dgm:effectClrLst/>
+    <dgm:txLinClrLst/>
+    <dgm:txFillClrLst meth="repeat">
+      <a:schemeClr val="dk1"/>
+    </dgm:txFillClrLst>
+    <dgm:txEffectClrLst/>
+  </dgm:styleLbl>
+  <dgm:styleLbl name="alignAccFollowNode1">
+    <dgm:fillClrLst meth="repeat">
+      <a:schemeClr val="accent1">
+        <a:alpha val="90000"/>
+        <a:tint val="40000"/>
+      </a:schemeClr>
+    </dgm:fillClrLst>
+    <dgm:linClrLst meth="repeat">
+      <a:schemeClr val="accent1">
+        <a:alpha val="90000"/>
+        <a:tint val="40000"/>
+      </a:schemeClr>
+    </dgm:linClrLst>
+    <dgm:effectClrLst/>
+    <dgm:txLinClrLst/>
+    <dgm:txFillClrLst meth="repeat">
+      <a:schemeClr val="dk1"/>
+    </dgm:txFillClrLst>
+    <dgm:txEffectClrLst/>
+  </dgm:styleLbl>
+  <dgm:styleLbl name="bgAccFollowNode1">
+    <dgm:fillClrLst meth="repeat">
+      <a:schemeClr val="accent1">
+        <a:alpha val="90000"/>
+        <a:tint val="40000"/>
+      </a:schemeClr>
+    </dgm:fillClrLst>
+    <dgm:linClrLst meth="repeat">
+      <a:schemeClr val="accent1">
+        <a:alpha val="90000"/>
+        <a:tint val="40000"/>
+      </a:schemeClr>
+    </dgm:linClrLst>
+    <dgm:effectClrLst/>
+    <dgm:txLinClrLst/>
+    <dgm:txFillClrLst meth="repeat">
+      <a:schemeClr val="dk1"/>
+    </dgm:txFillClrLst>
+    <dgm:txEffectClrLst/>
+  </dgm:styleLbl>
+  <dgm:styleLbl name="fgAcc0">
+    <dgm:fillClrLst meth="repeat">
+      <a:schemeClr val="lt1">
+        <a:alpha val="90000"/>
+      </a:schemeClr>
+    </dgm:fillClrLst>
+    <dgm:linClrLst meth="repeat">
+      <a:schemeClr val="accent1"/>
+    </dgm:linClrLst>
+    <dgm:effectClrLst/>
+    <dgm:txLinClrLst/>
+    <dgm:txFillClrLst meth="repeat">
+      <a:schemeClr val="dk1"/>
+    </dgm:txFillClrLst>
+    <dgm:txEffectClrLst/>
+  </dgm:styleLbl>
+  <dgm:styleLbl name="fgAcc2">
+    <dgm:fillClrLst meth="repeat">
+      <a:schemeClr val="lt1">
+        <a:alpha val="90000"/>
+      </a:schemeClr>
+    </dgm:fillClrLst>
+    <dgm:linClrLst meth="repeat">
+      <a:schemeClr val="accent1"/>
+    </dgm:linClrLst>
+    <dgm:effectClrLst/>
+    <dgm:txLinClrLst/>
+    <dgm:txFillClrLst meth="repeat">
+      <a:schemeClr val="dk1"/>
+    </dgm:txFillClrLst>
+    <dgm:txEffectClrLst/>
+  </dgm:styleLbl>
+  <dgm:styleLbl name="fgAcc3">
+    <dgm:fillClrLst meth="repeat">
+      <a:schemeClr val="lt1">
+        <a:alpha val="90000"/>
+      </a:schemeClr>
+    </dgm:fillClrLst>
+    <dgm:linClrLst meth="repeat">
+      <a:schemeClr val="accent1"/>
+    </dgm:linClrLst>
+    <dgm:effectClrLst/>
+    <dgm:txLinClrLst/>
+    <dgm:txFillClrLst meth="repeat">
+      <a:schemeClr val="dk1"/>
+    </dgm:txFillClrLst>
+    <dgm:txEffectClrLst/>
+  </dgm:styleLbl>
+  <dgm:styleLbl name="fgAcc4">
+    <dgm:fillClrLst meth="repeat">
+      <a:schemeClr val="lt1">
+        <a:alpha val="90000"/>
+      </a:schemeClr>
+    </dgm:fillClrLst>
+    <dgm:linClrLst meth="repeat">
+      <a:schemeClr val="accent1"/>
+    </dgm:linClrLst>
+    <dgm:effectClrLst/>
+    <dgm:txLinClrLst/>
+    <dgm:txFillClrLst meth="repeat">
+      <a:schemeClr val="dk1"/>
+    </dgm:txFillClrLst>
+    <dgm:txEffectClrLst/>
+  </dgm:styleLbl>
+  <dgm:styleLbl name="bgShp">
+    <dgm:fillClrLst meth="repeat">
+      <a:schemeClr val="accent1">
+        <a:tint val="40000"/>
+      </a:schemeClr>
+    </dgm:fillClrLst>
+    <dgm:linClrLst meth="repeat">
+      <a:schemeClr val="accent1"/>
+    </dgm:linClrLst>
+    <dgm:effectClrLst/>
+    <dgm:txLinClrLst/>
+    <dgm:txFillClrLst meth="repeat">
+      <a:schemeClr val="dk1"/>
+    </dgm:txFillClrLst>
+    <dgm:txEffectClrLst/>
+  </dgm:styleLbl>
+  <dgm:styleLbl name="dkBgShp">
+    <dgm:fillClrLst meth="repeat">
+      <a:schemeClr val="accent1">
+        <a:shade val="80000"/>
+      </a:schemeClr>
+    </dgm:fillClrLst>
+    <dgm:linClrLst meth="repeat">
+      <a:schemeClr val="accent1"/>
+    </dgm:linClrLst>
+    <dgm:effectClrLst/>
+    <dgm:txLinClrLst/>
+    <dgm:txFillClrLst meth="repeat">
+      <a:schemeClr val="lt1"/>
+    </dgm:txFillClrLst>
+    <dgm:txEffectClrLst/>
+  </dgm:styleLbl>
+  <dgm:styleLbl name="trBgShp">
+    <dgm:fillClrLst meth="repeat">
+      <a:schemeClr val="accent1">
+        <a:tint val="50000"/>
+        <a:alpha val="40000"/>
+      </a:schemeClr>
+    </dgm:fillClrLst>
+    <dgm:linClrLst meth="repeat">
+      <a:schemeClr val="accent1"/>
+    </dgm:linClrLst>
+    <dgm:effectClrLst/>
+    <dgm:txLinClrLst/>
+    <dgm:txFillClrLst meth="repeat">
+      <a:schemeClr val="lt1"/>
+    </dgm:txFillClrLst>
+    <dgm:txEffectClrLst/>
+  </dgm:styleLbl>
+  <dgm:styleLbl name="fgShp">
+    <dgm:fillClrLst meth="repeat">
+      <a:schemeClr val="accent1">
+        <a:tint val="60000"/>
+      </a:schemeClr>
+    </dgm:fillClrLst>
+    <dgm:linClrLst meth="repeat">
+      <a:schemeClr val="lt1"/>
+    </dgm:linClrLst>
+    <dgm:effectClrLst/>
+    <dgm:txLinClrLst/>
+    <dgm:txFillClrLst meth="repeat">
+      <a:schemeClr val="dk1"/>
+    </dgm:txFillClrLst>
+    <dgm:txEffectClrLst/>
+  </dgm:styleLbl>
+  <dgm:styleLbl name="revTx">
+    <dgm:fillClrLst meth="repeat">
+      <a:schemeClr val="lt1">
+        <a:alpha val="0"/>
+      </a:schemeClr>
+    </dgm:fillClrLst>
+    <dgm:linClrLst meth="repeat">
+      <a:schemeClr val="dk1">
+        <a:alpha val="0"/>
+      </a:schemeClr>
+    </dgm:linClrLst>
+    <dgm:effectClrLst/>
+    <dgm:txLinClrLst/>
+    <dgm:txFillClrLst meth="repeat">
+      <a:schemeClr val="tx1"/>
+    </dgm:txFillClrLst>
+    <dgm:txEffectClrLst/>
+  </dgm:styleLbl>
+</dgm:colorsDef>
+</file>
+
+<file path=ppt/diagrams/data1.xml><?xml version="1.0" encoding="utf-8"?>
+<dgm:dataModel xmlns:dgm="http://schemas.openxmlformats.org/drawingml/2006/diagram" xmlns:a="http://schemas.openxmlformats.org/drawingml/2006/main">
+  <dgm:ptLst>
+    <dgm:pt modelId="{3D25C2D2-3536-F642-8641-20C73DA28C0F}" type="doc">
+      <dgm:prSet loTypeId="urn:microsoft.com/office/officeart/2005/8/layout/bProcess2" loCatId="process" qsTypeId="urn:microsoft.com/office/officeart/2005/8/quickstyle/simple2" qsCatId="simple" csTypeId="urn:microsoft.com/office/officeart/2005/8/colors/accent1_2" csCatId="accent1" phldr="1"/>
+      <dgm:spPr/>
+      <dgm:t>
+        <a:bodyPr/>
+        <a:lstStyle/>
+        <a:p>
+          <a:endParaRPr lang="en-US"/>
+        </a:p>
+      </dgm:t>
+    </dgm:pt>
+    <dgm:pt modelId="{C752241A-0F4E-FD48-8D65-0199361F30DD}">
+      <dgm:prSet phldrT="[Text]"/>
+      <dgm:spPr/>
+      <dgm:t>
+        <a:bodyPr/>
+        <a:lstStyle/>
+        <a:p>
+          <a:r>
+            <a:rPr lang="en-US" dirty="0"/>
+            <a:t>Customer places order</a:t>
+          </a:r>
+        </a:p>
+        <a:p>
+          <a:endParaRPr lang="en-US" dirty="0"/>
+        </a:p>
+        <a:p>
+          <a:r>
+            <a:rPr lang="en-US" dirty="0"/>
+            <a:t>Delivery Starts</a:t>
+          </a:r>
+        </a:p>
+      </dgm:t>
+    </dgm:pt>
+    <dgm:pt modelId="{19D518B4-4222-C640-A63D-67AB2AD755C5}" type="parTrans" cxnId="{CDF468E9-ED26-FB4C-A866-65FC3429CCB0}">
+      <dgm:prSet/>
+      <dgm:spPr/>
+      <dgm:t>
+        <a:bodyPr/>
+        <a:lstStyle/>
+        <a:p>
+          <a:endParaRPr lang="en-US"/>
+        </a:p>
+      </dgm:t>
+    </dgm:pt>
+    <dgm:pt modelId="{9185D108-7C1E-9F4D-AB89-D6B99EEDEBB9}" type="sibTrans" cxnId="{CDF468E9-ED26-FB4C-A866-65FC3429CCB0}">
+      <dgm:prSet/>
+      <dgm:spPr/>
+      <dgm:t>
+        <a:bodyPr/>
+        <a:lstStyle/>
+        <a:p>
+          <a:endParaRPr lang="en-US"/>
+        </a:p>
+      </dgm:t>
+    </dgm:pt>
+    <dgm:pt modelId="{FE85DE84-78C9-EA47-BE85-DE72A9C989DA}">
+      <dgm:prSet phldrT="[Text]"/>
+      <dgm:spPr/>
+      <dgm:t>
+        <a:bodyPr/>
+        <a:lstStyle/>
+        <a:p>
+          <a:r>
+            <a:rPr lang="en-US" dirty="0" err="1"/>
+            <a:t>Jumpman</a:t>
+          </a:r>
+          <a:r>
+            <a:rPr lang="en-US" dirty="0"/>
+            <a:t> arrives at the pickup location</a:t>
+          </a:r>
+        </a:p>
+      </dgm:t>
+    </dgm:pt>
+    <dgm:pt modelId="{7FA47C18-C713-8B43-87E8-33B12C1F07C3}" type="parTrans" cxnId="{3CDB8B7A-D991-E448-A33D-9FED75E26A04}">
+      <dgm:prSet/>
+      <dgm:spPr/>
+      <dgm:t>
+        <a:bodyPr/>
+        <a:lstStyle/>
+        <a:p>
+          <a:endParaRPr lang="en-US"/>
+        </a:p>
+      </dgm:t>
+    </dgm:pt>
+    <dgm:pt modelId="{2346E134-A72C-9A42-818D-FB740A91B355}" type="sibTrans" cxnId="{3CDB8B7A-D991-E448-A33D-9FED75E26A04}">
+      <dgm:prSet/>
+      <dgm:spPr/>
+      <dgm:t>
+        <a:bodyPr/>
+        <a:lstStyle/>
+        <a:p>
+          <a:endParaRPr lang="en-US"/>
+        </a:p>
+      </dgm:t>
+    </dgm:pt>
+    <dgm:pt modelId="{5A419FD9-0A61-EF42-818E-FC2846925242}">
+      <dgm:prSet phldrT="[Text]"/>
+      <dgm:spPr/>
+      <dgm:t>
+        <a:bodyPr/>
+        <a:lstStyle/>
+        <a:p>
+          <a:r>
+            <a:rPr lang="en-US" dirty="0"/>
+            <a:t>Places order</a:t>
+          </a:r>
+        </a:p>
+      </dgm:t>
+    </dgm:pt>
+    <dgm:pt modelId="{DDD43733-2271-5A4A-819E-BCDCED741A52}" type="parTrans" cxnId="{59AE9FEB-0EB6-D84A-BF23-A8304A1600F0}">
+      <dgm:prSet/>
+      <dgm:spPr/>
+      <dgm:t>
+        <a:bodyPr/>
+        <a:lstStyle/>
+        <a:p>
+          <a:endParaRPr lang="en-US"/>
+        </a:p>
+      </dgm:t>
+    </dgm:pt>
+    <dgm:pt modelId="{3EF00779-9CC1-6F48-9511-955AC0551AEC}" type="sibTrans" cxnId="{59AE9FEB-0EB6-D84A-BF23-A8304A1600F0}">
+      <dgm:prSet/>
+      <dgm:spPr/>
+      <dgm:t>
+        <a:bodyPr/>
+        <a:lstStyle/>
+        <a:p>
+          <a:endParaRPr lang="en-US"/>
+        </a:p>
+      </dgm:t>
+    </dgm:pt>
+    <dgm:pt modelId="{294520A4-D6F2-F14D-AC23-0C63912202DD}">
+      <dgm:prSet/>
+      <dgm:spPr/>
+      <dgm:t>
+        <a:bodyPr/>
+        <a:lstStyle/>
+        <a:p>
+          <a:r>
+            <a:rPr lang="en-US" dirty="0"/>
+            <a:t>Departs pickup location</a:t>
+          </a:r>
+        </a:p>
+      </dgm:t>
+    </dgm:pt>
+    <dgm:pt modelId="{62271ED4-32C5-5B48-B216-655937A2C46A}" type="parTrans" cxnId="{11E6B731-77F1-534F-BF84-D3BD370BAC7C}">
+      <dgm:prSet/>
+      <dgm:spPr/>
+      <dgm:t>
+        <a:bodyPr/>
+        <a:lstStyle/>
+        <a:p>
+          <a:endParaRPr lang="en-US"/>
+        </a:p>
+      </dgm:t>
+    </dgm:pt>
+    <dgm:pt modelId="{1818DB60-B6EE-CF4A-8D4E-0D9B4D213C44}" type="sibTrans" cxnId="{11E6B731-77F1-534F-BF84-D3BD370BAC7C}">
+      <dgm:prSet/>
+      <dgm:spPr/>
+      <dgm:t>
+        <a:bodyPr/>
+        <a:lstStyle/>
+        <a:p>
+          <a:endParaRPr lang="en-US"/>
+        </a:p>
+      </dgm:t>
+    </dgm:pt>
+    <dgm:pt modelId="{AC8AB0A1-021D-7746-B6F8-30B9C0E7DBDE}">
+      <dgm:prSet/>
+      <dgm:spPr/>
+      <dgm:t>
+        <a:bodyPr/>
+        <a:lstStyle/>
+        <a:p>
+          <a:r>
+            <a:rPr lang="en-US" dirty="0"/>
+            <a:t>Arrives at customer’s location</a:t>
+          </a:r>
+        </a:p>
+      </dgm:t>
+    </dgm:pt>
+    <dgm:pt modelId="{2248FD00-0321-DE4E-B01F-EE565583627A}" type="parTrans" cxnId="{935DBBA6-263D-0245-BD44-7299F0BCA819}">
+      <dgm:prSet/>
+      <dgm:spPr/>
+      <dgm:t>
+        <a:bodyPr/>
+        <a:lstStyle/>
+        <a:p>
+          <a:endParaRPr lang="en-US"/>
+        </a:p>
+      </dgm:t>
+    </dgm:pt>
+    <dgm:pt modelId="{44F745B9-A1A5-CB42-BA64-0AD12D147080}" type="sibTrans" cxnId="{935DBBA6-263D-0245-BD44-7299F0BCA819}">
+      <dgm:prSet/>
+      <dgm:spPr/>
+      <dgm:t>
+        <a:bodyPr/>
+        <a:lstStyle/>
+        <a:p>
+          <a:endParaRPr lang="en-US"/>
+        </a:p>
+      </dgm:t>
+    </dgm:pt>
+    <dgm:pt modelId="{1C6C0906-DBBA-1542-83FC-7F3A0702F274}" type="pres">
+      <dgm:prSet presAssocID="{3D25C2D2-3536-F642-8641-20C73DA28C0F}" presName="diagram" presStyleCnt="0">
+        <dgm:presLayoutVars>
+          <dgm:dir/>
+          <dgm:resizeHandles/>
+        </dgm:presLayoutVars>
+      </dgm:prSet>
+      <dgm:spPr/>
+    </dgm:pt>
+    <dgm:pt modelId="{403A3458-7795-0E40-9ABE-031785B2514A}" type="pres">
+      <dgm:prSet presAssocID="{C752241A-0F4E-FD48-8D65-0199361F30DD}" presName="firstNode" presStyleLbl="node1" presStyleIdx="0" presStyleCnt="5">
+        <dgm:presLayoutVars>
+          <dgm:bulletEnabled val="1"/>
+        </dgm:presLayoutVars>
+      </dgm:prSet>
+      <dgm:spPr/>
+    </dgm:pt>
+    <dgm:pt modelId="{024E906C-CF03-6349-B1E4-68F948D24703}" type="pres">
+      <dgm:prSet presAssocID="{9185D108-7C1E-9F4D-AB89-D6B99EEDEBB9}" presName="sibTrans" presStyleLbl="sibTrans2D1" presStyleIdx="0" presStyleCnt="4"/>
+      <dgm:spPr/>
+    </dgm:pt>
+    <dgm:pt modelId="{5A5E529D-E10B-C140-A125-F805AA120B4E}" type="pres">
+      <dgm:prSet presAssocID="{FE85DE84-78C9-EA47-BE85-DE72A9C989DA}" presName="middleNode" presStyleCnt="0"/>
+      <dgm:spPr/>
+    </dgm:pt>
+    <dgm:pt modelId="{8A65C1E6-9C1B-B744-B3C1-9EF71E227E61}" type="pres">
+      <dgm:prSet presAssocID="{FE85DE84-78C9-EA47-BE85-DE72A9C989DA}" presName="padding" presStyleLbl="node1" presStyleIdx="0" presStyleCnt="5"/>
+      <dgm:spPr/>
+    </dgm:pt>
+    <dgm:pt modelId="{8F7A775E-E697-6440-A82D-46B56FD37423}" type="pres">
+      <dgm:prSet presAssocID="{FE85DE84-78C9-EA47-BE85-DE72A9C989DA}" presName="shape" presStyleLbl="node1" presStyleIdx="1" presStyleCnt="5">
+        <dgm:presLayoutVars>
+          <dgm:bulletEnabled val="1"/>
+        </dgm:presLayoutVars>
+      </dgm:prSet>
+      <dgm:spPr/>
+    </dgm:pt>
+    <dgm:pt modelId="{02D92FCD-E0AD-1C49-B681-227C31DE661D}" type="pres">
+      <dgm:prSet presAssocID="{2346E134-A72C-9A42-818D-FB740A91B355}" presName="sibTrans" presStyleLbl="sibTrans2D1" presStyleIdx="1" presStyleCnt="4"/>
+      <dgm:spPr/>
+    </dgm:pt>
+    <dgm:pt modelId="{58733A81-3605-B140-9690-8730A33D8490}" type="pres">
+      <dgm:prSet presAssocID="{5A419FD9-0A61-EF42-818E-FC2846925242}" presName="middleNode" presStyleCnt="0"/>
+      <dgm:spPr/>
+    </dgm:pt>
+    <dgm:pt modelId="{68ED8220-A91E-3544-B939-02345A64C934}" type="pres">
+      <dgm:prSet presAssocID="{5A419FD9-0A61-EF42-818E-FC2846925242}" presName="padding" presStyleLbl="node1" presStyleIdx="1" presStyleCnt="5"/>
+      <dgm:spPr/>
+    </dgm:pt>
+    <dgm:pt modelId="{A310E91C-F63C-E34A-99BA-23DA4131EEF4}" type="pres">
+      <dgm:prSet presAssocID="{5A419FD9-0A61-EF42-818E-FC2846925242}" presName="shape" presStyleLbl="node1" presStyleIdx="2" presStyleCnt="5">
+        <dgm:presLayoutVars>
+          <dgm:bulletEnabled val="1"/>
+        </dgm:presLayoutVars>
+      </dgm:prSet>
+      <dgm:spPr/>
+    </dgm:pt>
+    <dgm:pt modelId="{86375F91-05D8-1342-BA0D-1B047795C5EE}" type="pres">
+      <dgm:prSet presAssocID="{3EF00779-9CC1-6F48-9511-955AC0551AEC}" presName="sibTrans" presStyleLbl="sibTrans2D1" presStyleIdx="2" presStyleCnt="4"/>
+      <dgm:spPr/>
+    </dgm:pt>
+    <dgm:pt modelId="{4B8F2AE8-82BC-5F4B-93FE-A5027EDEF220}" type="pres">
+      <dgm:prSet presAssocID="{294520A4-D6F2-F14D-AC23-0C63912202DD}" presName="middleNode" presStyleCnt="0"/>
+      <dgm:spPr/>
+    </dgm:pt>
+    <dgm:pt modelId="{77792AE9-1DF9-AB40-B41F-A130D7217A5B}" type="pres">
+      <dgm:prSet presAssocID="{294520A4-D6F2-F14D-AC23-0C63912202DD}" presName="padding" presStyleLbl="node1" presStyleIdx="2" presStyleCnt="5"/>
+      <dgm:spPr/>
+    </dgm:pt>
+    <dgm:pt modelId="{34F2E51D-58D3-5D4D-AF89-C703FFEB56B4}" type="pres">
+      <dgm:prSet presAssocID="{294520A4-D6F2-F14D-AC23-0C63912202DD}" presName="shape" presStyleLbl="node1" presStyleIdx="3" presStyleCnt="5">
+        <dgm:presLayoutVars>
+          <dgm:bulletEnabled val="1"/>
+        </dgm:presLayoutVars>
+      </dgm:prSet>
+      <dgm:spPr/>
+    </dgm:pt>
+    <dgm:pt modelId="{0F4A7086-36B2-AE4A-9AAC-A72904CB2BED}" type="pres">
+      <dgm:prSet presAssocID="{1818DB60-B6EE-CF4A-8D4E-0D9B4D213C44}" presName="sibTrans" presStyleLbl="sibTrans2D1" presStyleIdx="3" presStyleCnt="4"/>
+      <dgm:spPr/>
+    </dgm:pt>
+    <dgm:pt modelId="{A922131C-A9AE-5347-BD31-DFC129884ECF}" type="pres">
+      <dgm:prSet presAssocID="{AC8AB0A1-021D-7746-B6F8-30B9C0E7DBDE}" presName="lastNode" presStyleLbl="node1" presStyleIdx="4" presStyleCnt="5">
+        <dgm:presLayoutVars>
+          <dgm:bulletEnabled val="1"/>
+        </dgm:presLayoutVars>
+      </dgm:prSet>
+      <dgm:spPr/>
+    </dgm:pt>
+  </dgm:ptLst>
+  <dgm:cxnLst>
+    <dgm:cxn modelId="{8E14B208-72BB-2249-9FDD-43A497916FF1}" type="presOf" srcId="{294520A4-D6F2-F14D-AC23-0C63912202DD}" destId="{34F2E51D-58D3-5D4D-AF89-C703FFEB56B4}" srcOrd="0" destOrd="0" presId="urn:microsoft.com/office/officeart/2005/8/layout/bProcess2"/>
+    <dgm:cxn modelId="{11E6B731-77F1-534F-BF84-D3BD370BAC7C}" srcId="{3D25C2D2-3536-F642-8641-20C73DA28C0F}" destId="{294520A4-D6F2-F14D-AC23-0C63912202DD}" srcOrd="3" destOrd="0" parTransId="{62271ED4-32C5-5B48-B216-655937A2C46A}" sibTransId="{1818DB60-B6EE-CF4A-8D4E-0D9B4D213C44}"/>
+    <dgm:cxn modelId="{65A4D54E-927D-214C-B48E-94F808B9476C}" type="presOf" srcId="{3D25C2D2-3536-F642-8641-20C73DA28C0F}" destId="{1C6C0906-DBBA-1542-83FC-7F3A0702F274}" srcOrd="0" destOrd="0" presId="urn:microsoft.com/office/officeart/2005/8/layout/bProcess2"/>
+    <dgm:cxn modelId="{C867FA5C-E647-544A-89A5-AC9D4E7B472D}" type="presOf" srcId="{AC8AB0A1-021D-7746-B6F8-30B9C0E7DBDE}" destId="{A922131C-A9AE-5347-BD31-DFC129884ECF}" srcOrd="0" destOrd="0" presId="urn:microsoft.com/office/officeart/2005/8/layout/bProcess2"/>
+    <dgm:cxn modelId="{97D1906D-E668-B549-BDE4-601D8C1CC248}" type="presOf" srcId="{5A419FD9-0A61-EF42-818E-FC2846925242}" destId="{A310E91C-F63C-E34A-99BA-23DA4131EEF4}" srcOrd="0" destOrd="0" presId="urn:microsoft.com/office/officeart/2005/8/layout/bProcess2"/>
+    <dgm:cxn modelId="{3CDB8B7A-D991-E448-A33D-9FED75E26A04}" srcId="{3D25C2D2-3536-F642-8641-20C73DA28C0F}" destId="{FE85DE84-78C9-EA47-BE85-DE72A9C989DA}" srcOrd="1" destOrd="0" parTransId="{7FA47C18-C713-8B43-87E8-33B12C1F07C3}" sibTransId="{2346E134-A72C-9A42-818D-FB740A91B355}"/>
+    <dgm:cxn modelId="{2E387A7C-AE15-3442-8E0A-D22CE980AA22}" type="presOf" srcId="{2346E134-A72C-9A42-818D-FB740A91B355}" destId="{02D92FCD-E0AD-1C49-B681-227C31DE661D}" srcOrd="0" destOrd="0" presId="urn:microsoft.com/office/officeart/2005/8/layout/bProcess2"/>
+    <dgm:cxn modelId="{B2DF3C7E-6F95-BA4C-9ED2-6F29190048F4}" type="presOf" srcId="{1818DB60-B6EE-CF4A-8D4E-0D9B4D213C44}" destId="{0F4A7086-36B2-AE4A-9AAC-A72904CB2BED}" srcOrd="0" destOrd="0" presId="urn:microsoft.com/office/officeart/2005/8/layout/bProcess2"/>
+    <dgm:cxn modelId="{935DBBA6-263D-0245-BD44-7299F0BCA819}" srcId="{3D25C2D2-3536-F642-8641-20C73DA28C0F}" destId="{AC8AB0A1-021D-7746-B6F8-30B9C0E7DBDE}" srcOrd="4" destOrd="0" parTransId="{2248FD00-0321-DE4E-B01F-EE565583627A}" sibTransId="{44F745B9-A1A5-CB42-BA64-0AD12D147080}"/>
+    <dgm:cxn modelId="{72F2FEA7-24E2-D54E-9511-549FB0C4460A}" type="presOf" srcId="{9185D108-7C1E-9F4D-AB89-D6B99EEDEBB9}" destId="{024E906C-CF03-6349-B1E4-68F948D24703}" srcOrd="0" destOrd="0" presId="urn:microsoft.com/office/officeart/2005/8/layout/bProcess2"/>
+    <dgm:cxn modelId="{26D11CC3-C460-4540-AB6A-FC9D74353CB5}" type="presOf" srcId="{3EF00779-9CC1-6F48-9511-955AC0551AEC}" destId="{86375F91-05D8-1342-BA0D-1B047795C5EE}" srcOrd="0" destOrd="0" presId="urn:microsoft.com/office/officeart/2005/8/layout/bProcess2"/>
+    <dgm:cxn modelId="{EFAF2DCB-B6BB-CE4E-B9F2-5A632B8F90F3}" type="presOf" srcId="{C752241A-0F4E-FD48-8D65-0199361F30DD}" destId="{403A3458-7795-0E40-9ABE-031785B2514A}" srcOrd="0" destOrd="0" presId="urn:microsoft.com/office/officeart/2005/8/layout/bProcess2"/>
+    <dgm:cxn modelId="{CDF468E9-ED26-FB4C-A866-65FC3429CCB0}" srcId="{3D25C2D2-3536-F642-8641-20C73DA28C0F}" destId="{C752241A-0F4E-FD48-8D65-0199361F30DD}" srcOrd="0" destOrd="0" parTransId="{19D518B4-4222-C640-A63D-67AB2AD755C5}" sibTransId="{9185D108-7C1E-9F4D-AB89-D6B99EEDEBB9}"/>
+    <dgm:cxn modelId="{59AE9FEB-0EB6-D84A-BF23-A8304A1600F0}" srcId="{3D25C2D2-3536-F642-8641-20C73DA28C0F}" destId="{5A419FD9-0A61-EF42-818E-FC2846925242}" srcOrd="2" destOrd="0" parTransId="{DDD43733-2271-5A4A-819E-BCDCED741A52}" sibTransId="{3EF00779-9CC1-6F48-9511-955AC0551AEC}"/>
+    <dgm:cxn modelId="{FBDBB7FA-240C-DB4C-8AC2-0DA78215A147}" type="presOf" srcId="{FE85DE84-78C9-EA47-BE85-DE72A9C989DA}" destId="{8F7A775E-E697-6440-A82D-46B56FD37423}" srcOrd="0" destOrd="0" presId="urn:microsoft.com/office/officeart/2005/8/layout/bProcess2"/>
+    <dgm:cxn modelId="{3C88AE04-95B2-0146-A27B-96079BB845EC}" type="presParOf" srcId="{1C6C0906-DBBA-1542-83FC-7F3A0702F274}" destId="{403A3458-7795-0E40-9ABE-031785B2514A}" srcOrd="0" destOrd="0" presId="urn:microsoft.com/office/officeart/2005/8/layout/bProcess2"/>
+    <dgm:cxn modelId="{6BCC1236-7E5C-4C4C-AC53-FE7F7D831EA9}" type="presParOf" srcId="{1C6C0906-DBBA-1542-83FC-7F3A0702F274}" destId="{024E906C-CF03-6349-B1E4-68F948D24703}" srcOrd="1" destOrd="0" presId="urn:microsoft.com/office/officeart/2005/8/layout/bProcess2"/>
+    <dgm:cxn modelId="{8774AE73-DB3C-214E-B73B-B202A4AB7C5B}" type="presParOf" srcId="{1C6C0906-DBBA-1542-83FC-7F3A0702F274}" destId="{5A5E529D-E10B-C140-A125-F805AA120B4E}" srcOrd="2" destOrd="0" presId="urn:microsoft.com/office/officeart/2005/8/layout/bProcess2"/>
+    <dgm:cxn modelId="{48074DBC-6DC8-AB40-BC4B-431C4A78B7FF}" type="presParOf" srcId="{5A5E529D-E10B-C140-A125-F805AA120B4E}" destId="{8A65C1E6-9C1B-B744-B3C1-9EF71E227E61}" srcOrd="0" destOrd="0" presId="urn:microsoft.com/office/officeart/2005/8/layout/bProcess2"/>
+    <dgm:cxn modelId="{76E49625-E89C-6348-9224-F1B738C4A2BF}" type="presParOf" srcId="{5A5E529D-E10B-C140-A125-F805AA120B4E}" destId="{8F7A775E-E697-6440-A82D-46B56FD37423}" srcOrd="1" destOrd="0" presId="urn:microsoft.com/office/officeart/2005/8/layout/bProcess2"/>
+    <dgm:cxn modelId="{9182FA50-92D1-D44B-98A0-20301B34B884}" type="presParOf" srcId="{1C6C0906-DBBA-1542-83FC-7F3A0702F274}" destId="{02D92FCD-E0AD-1C49-B681-227C31DE661D}" srcOrd="3" destOrd="0" presId="urn:microsoft.com/office/officeart/2005/8/layout/bProcess2"/>
+    <dgm:cxn modelId="{D80027AA-72E0-0647-9A13-9D41978EC197}" type="presParOf" srcId="{1C6C0906-DBBA-1542-83FC-7F3A0702F274}" destId="{58733A81-3605-B140-9690-8730A33D8490}" srcOrd="4" destOrd="0" presId="urn:microsoft.com/office/officeart/2005/8/layout/bProcess2"/>
+    <dgm:cxn modelId="{8CF2A8BB-930A-A241-8CC6-E96FFDCB844A}" type="presParOf" srcId="{58733A81-3605-B140-9690-8730A33D8490}" destId="{68ED8220-A91E-3544-B939-02345A64C934}" srcOrd="0" destOrd="0" presId="urn:microsoft.com/office/officeart/2005/8/layout/bProcess2"/>
+    <dgm:cxn modelId="{1EFA9F1E-0051-404C-A9A3-F4E336282233}" type="presParOf" srcId="{58733A81-3605-B140-9690-8730A33D8490}" destId="{A310E91C-F63C-E34A-99BA-23DA4131EEF4}" srcOrd="1" destOrd="0" presId="urn:microsoft.com/office/officeart/2005/8/layout/bProcess2"/>
+    <dgm:cxn modelId="{E708369A-CAC3-9F4E-B35F-B18414C1DA5B}" type="presParOf" srcId="{1C6C0906-DBBA-1542-83FC-7F3A0702F274}" destId="{86375F91-05D8-1342-BA0D-1B047795C5EE}" srcOrd="5" destOrd="0" presId="urn:microsoft.com/office/officeart/2005/8/layout/bProcess2"/>
+    <dgm:cxn modelId="{7B503360-1F1D-8842-ACFE-8D2B4B784BC0}" type="presParOf" srcId="{1C6C0906-DBBA-1542-83FC-7F3A0702F274}" destId="{4B8F2AE8-82BC-5F4B-93FE-A5027EDEF220}" srcOrd="6" destOrd="0" presId="urn:microsoft.com/office/officeart/2005/8/layout/bProcess2"/>
+    <dgm:cxn modelId="{B1BE0082-650D-324C-815F-2E694D5DFE24}" type="presParOf" srcId="{4B8F2AE8-82BC-5F4B-93FE-A5027EDEF220}" destId="{77792AE9-1DF9-AB40-B41F-A130D7217A5B}" srcOrd="0" destOrd="0" presId="urn:microsoft.com/office/officeart/2005/8/layout/bProcess2"/>
+    <dgm:cxn modelId="{93998708-1CD8-2643-B681-53F72E90C39D}" type="presParOf" srcId="{4B8F2AE8-82BC-5F4B-93FE-A5027EDEF220}" destId="{34F2E51D-58D3-5D4D-AF89-C703FFEB56B4}" srcOrd="1" destOrd="0" presId="urn:microsoft.com/office/officeart/2005/8/layout/bProcess2"/>
+    <dgm:cxn modelId="{7911FE26-9344-2A49-B7CA-66B525D0164A}" type="presParOf" srcId="{1C6C0906-DBBA-1542-83FC-7F3A0702F274}" destId="{0F4A7086-36B2-AE4A-9AAC-A72904CB2BED}" srcOrd="7" destOrd="0" presId="urn:microsoft.com/office/officeart/2005/8/layout/bProcess2"/>
+    <dgm:cxn modelId="{FEDAAF4F-CFFF-4948-A541-B466ED8927EF}" type="presParOf" srcId="{1C6C0906-DBBA-1542-83FC-7F3A0702F274}" destId="{A922131C-A9AE-5347-BD31-DFC129884ECF}" srcOrd="8" destOrd="0" presId="urn:microsoft.com/office/officeart/2005/8/layout/bProcess2"/>
+  </dgm:cxnLst>
+  <dgm:bg/>
+  <dgm:whole/>
+  <dgm:extLst>
+    <a:ext uri="http://schemas.microsoft.com/office/drawing/2008/diagram">
+      <dsp:dataModelExt xmlns:dsp="http://schemas.microsoft.com/office/drawing/2008/diagram" relId="rId6" minVer="http://schemas.openxmlformats.org/drawingml/2006/diagram"/>
+    </a:ext>
+  </dgm:extLst>
+</dgm:dataModel>
+</file>
+
+<file path=ppt/diagrams/drawing1.xml><?xml version="1.0" encoding="utf-8"?>
+<dsp:drawing xmlns:dgm="http://schemas.openxmlformats.org/drawingml/2006/diagram" xmlns:dsp="http://schemas.microsoft.com/office/drawing/2008/diagram" xmlns:a="http://schemas.openxmlformats.org/drawingml/2006/main">
+  <dsp:spTree>
+    <dsp:nvGrpSpPr>
+      <dsp:cNvPr id="0" name=""/>
+      <dsp:cNvGrpSpPr/>
+    </dsp:nvGrpSpPr>
+    <dsp:grpSpPr/>
+    <dsp:sp modelId="{403A3458-7795-0E40-9ABE-031785B2514A}">
+      <dsp:nvSpPr>
+        <dsp:cNvPr id="0" name=""/>
+        <dsp:cNvSpPr/>
+      </dsp:nvSpPr>
+      <dsp:spPr>
+        <a:xfrm>
+          <a:off x="0" y="321733"/>
+          <a:ext cx="2032000" cy="2032000"/>
+        </a:xfrm>
+        <a:prstGeom prst="ellipse">
+          <a:avLst/>
+        </a:prstGeom>
+        <a:solidFill>
+          <a:schemeClr val="accent1">
+            <a:hueOff val="0"/>
+            <a:satOff val="0"/>
+            <a:lumOff val="0"/>
+            <a:alphaOff val="0"/>
+          </a:schemeClr>
+        </a:solidFill>
+        <a:ln w="19050" cap="flat" cmpd="sng" algn="ctr">
+          <a:solidFill>
+            <a:schemeClr val="lt1">
+              <a:hueOff val="0"/>
+              <a:satOff val="0"/>
+              <a:lumOff val="0"/>
+              <a:alphaOff val="0"/>
+            </a:schemeClr>
+          </a:solidFill>
+          <a:prstDash val="solid"/>
+          <a:miter lim="800000"/>
+        </a:ln>
+        <a:effectLst/>
+      </dsp:spPr>
+      <dsp:style>
+        <a:lnRef idx="3">
+          <a:scrgbClr r="0" g="0" b="0"/>
+        </a:lnRef>
+        <a:fillRef idx="1">
+          <a:scrgbClr r="0" g="0" b="0"/>
+        </a:fillRef>
+        <a:effectRef idx="1">
+          <a:scrgbClr r="0" g="0" b="0"/>
+        </a:effectRef>
+        <a:fontRef idx="minor">
+          <a:schemeClr val="lt1"/>
+        </a:fontRef>
+      </dsp:style>
+      <dsp:txBody>
+        <a:bodyPr spcFirstLastPara="0" vert="horz" wrap="square" lIns="22860" tIns="22860" rIns="22860" bIns="22860" numCol="1" spcCol="1270" anchor="ctr" anchorCtr="0">
+          <a:noAutofit/>
+        </a:bodyPr>
+        <a:lstStyle/>
+        <a:p>
+          <a:pPr marL="0" lvl="0" indent="0" algn="ctr" defTabSz="800100">
+            <a:lnSpc>
+              <a:spcPct val="90000"/>
+            </a:lnSpc>
+            <a:spcBef>
+              <a:spcPct val="0"/>
+            </a:spcBef>
+            <a:spcAft>
+              <a:spcPct val="35000"/>
+            </a:spcAft>
+            <a:buNone/>
+          </a:pPr>
+          <a:r>
+            <a:rPr lang="en-US" sz="1800" kern="1200" dirty="0"/>
+            <a:t>Customer places order</a:t>
+          </a:r>
+        </a:p>
+        <a:p>
+          <a:pPr marL="0" lvl="0" indent="0" algn="ctr" defTabSz="800100">
+            <a:lnSpc>
+              <a:spcPct val="90000"/>
+            </a:lnSpc>
+            <a:spcBef>
+              <a:spcPct val="0"/>
+            </a:spcBef>
+            <a:spcAft>
+              <a:spcPct val="35000"/>
+            </a:spcAft>
+            <a:buNone/>
+          </a:pPr>
+          <a:endParaRPr lang="en-US" sz="1800" kern="1200" dirty="0"/>
+        </a:p>
+        <a:p>
+          <a:pPr marL="0" lvl="0" indent="0" algn="ctr" defTabSz="800100">
+            <a:lnSpc>
+              <a:spcPct val="90000"/>
+            </a:lnSpc>
+            <a:spcBef>
+              <a:spcPct val="0"/>
+            </a:spcBef>
+            <a:spcAft>
+              <a:spcPct val="35000"/>
+            </a:spcAft>
+            <a:buNone/>
+          </a:pPr>
+          <a:r>
+            <a:rPr lang="en-US" sz="1800" kern="1200" dirty="0"/>
+            <a:t>Delivery Starts</a:t>
+          </a:r>
+        </a:p>
+      </dsp:txBody>
+      <dsp:txXfrm>
+        <a:off x="297580" y="619313"/>
+        <a:ext cx="1436840" cy="1436840"/>
+      </dsp:txXfrm>
+    </dsp:sp>
+    <dsp:sp modelId="{024E906C-CF03-6349-B1E4-68F948D24703}">
+      <dsp:nvSpPr>
+        <dsp:cNvPr id="0" name=""/>
+        <dsp:cNvSpPr/>
+      </dsp:nvSpPr>
+      <dsp:spPr>
+        <a:xfrm rot="10800000">
+          <a:off x="660399" y="2616115"/>
+          <a:ext cx="711200" cy="556249"/>
+        </a:xfrm>
+        <a:prstGeom prst="triangle">
+          <a:avLst/>
+        </a:prstGeom>
+        <a:solidFill>
+          <a:schemeClr val="accent1">
+            <a:tint val="60000"/>
+            <a:hueOff val="0"/>
+            <a:satOff val="0"/>
+            <a:lumOff val="0"/>
+            <a:alphaOff val="0"/>
+          </a:schemeClr>
+        </a:solidFill>
+        <a:ln>
+          <a:noFill/>
+        </a:ln>
+        <a:effectLst/>
+      </dsp:spPr>
+      <dsp:style>
+        <a:lnRef idx="0">
+          <a:scrgbClr r="0" g="0" b="0"/>
+        </a:lnRef>
+        <a:fillRef idx="1">
+          <a:scrgbClr r="0" g="0" b="0"/>
+        </a:fillRef>
+        <a:effectRef idx="1">
+          <a:scrgbClr r="0" g="0" b="0"/>
+        </a:effectRef>
+        <a:fontRef idx="minor">
+          <a:schemeClr val="lt1"/>
+        </a:fontRef>
+      </dsp:style>
+    </dsp:sp>
+    <dsp:sp modelId="{8F7A775E-E697-6440-A82D-46B56FD37423}">
+      <dsp:nvSpPr>
+        <dsp:cNvPr id="0" name=""/>
+        <dsp:cNvSpPr/>
+      </dsp:nvSpPr>
+      <dsp:spPr>
+        <a:xfrm>
+          <a:off x="338327" y="3403261"/>
+          <a:ext cx="1355344" cy="1355344"/>
+        </a:xfrm>
+        <a:prstGeom prst="ellipse">
+          <a:avLst/>
+        </a:prstGeom>
+        <a:solidFill>
+          <a:schemeClr val="accent1">
+            <a:hueOff val="0"/>
+            <a:satOff val="0"/>
+            <a:lumOff val="0"/>
+            <a:alphaOff val="0"/>
+          </a:schemeClr>
+        </a:solidFill>
+        <a:ln w="19050" cap="flat" cmpd="sng" algn="ctr">
+          <a:solidFill>
+            <a:schemeClr val="lt1">
+              <a:hueOff val="0"/>
+              <a:satOff val="0"/>
+              <a:lumOff val="0"/>
+              <a:alphaOff val="0"/>
+            </a:schemeClr>
+          </a:solidFill>
+          <a:prstDash val="solid"/>
+          <a:miter lim="800000"/>
+        </a:ln>
+        <a:effectLst/>
+      </dsp:spPr>
+      <dsp:style>
+        <a:lnRef idx="3">
+          <a:scrgbClr r="0" g="0" b="0"/>
+        </a:lnRef>
+        <a:fillRef idx="1">
+          <a:scrgbClr r="0" g="0" b="0"/>
+        </a:fillRef>
+        <a:effectRef idx="1">
+          <a:scrgbClr r="0" g="0" b="0"/>
+        </a:effectRef>
+        <a:fontRef idx="minor">
+          <a:schemeClr val="lt1"/>
+        </a:fontRef>
+      </dsp:style>
+      <dsp:txBody>
+        <a:bodyPr spcFirstLastPara="0" vert="horz" wrap="square" lIns="20320" tIns="20320" rIns="20320" bIns="20320" numCol="1" spcCol="1270" anchor="ctr" anchorCtr="0">
+          <a:noAutofit/>
+        </a:bodyPr>
+        <a:lstStyle/>
+        <a:p>
+          <a:pPr marL="0" lvl="0" indent="0" algn="ctr" defTabSz="711200">
+            <a:lnSpc>
+              <a:spcPct val="90000"/>
+            </a:lnSpc>
+            <a:spcBef>
+              <a:spcPct val="0"/>
+            </a:spcBef>
+            <a:spcAft>
+              <a:spcPct val="35000"/>
+            </a:spcAft>
+            <a:buNone/>
+          </a:pPr>
+          <a:r>
+            <a:rPr lang="en-US" sz="1600" kern="1200" dirty="0" err="1"/>
+            <a:t>Jumpman</a:t>
+          </a:r>
+          <a:r>
+            <a:rPr lang="en-US" sz="1600" kern="1200" dirty="0"/>
+            <a:t> arrives at the pickup location</a:t>
+          </a:r>
+        </a:p>
+      </dsp:txBody>
+      <dsp:txXfrm>
+        <a:off x="536813" y="3601747"/>
+        <a:ext cx="958372" cy="958372"/>
+      </dsp:txXfrm>
+    </dsp:sp>
+    <dsp:sp modelId="{02D92FCD-E0AD-1C49-B681-227C31DE661D}">
+      <dsp:nvSpPr>
+        <dsp:cNvPr id="0" name=""/>
+        <dsp:cNvSpPr/>
+      </dsp:nvSpPr>
+      <dsp:spPr>
+        <a:xfrm rot="5400000">
+          <a:off x="2200142" y="3802808"/>
+          <a:ext cx="711200" cy="556249"/>
+        </a:xfrm>
+        <a:prstGeom prst="triangle">
+          <a:avLst/>
+        </a:prstGeom>
+        <a:solidFill>
+          <a:schemeClr val="accent1">
+            <a:tint val="60000"/>
+            <a:hueOff val="0"/>
+            <a:satOff val="0"/>
+            <a:lumOff val="0"/>
+            <a:alphaOff val="0"/>
+          </a:schemeClr>
+        </a:solidFill>
+        <a:ln>
+          <a:noFill/>
+        </a:ln>
+        <a:effectLst/>
+      </dsp:spPr>
+      <dsp:style>
+        <a:lnRef idx="0">
+          <a:scrgbClr r="0" g="0" b="0"/>
+        </a:lnRef>
+        <a:fillRef idx="1">
+          <a:scrgbClr r="0" g="0" b="0"/>
+        </a:fillRef>
+        <a:effectRef idx="1">
+          <a:scrgbClr r="0" g="0" b="0"/>
+        </a:effectRef>
+        <a:fontRef idx="minor">
+          <a:schemeClr val="lt1"/>
+        </a:fontRef>
+      </dsp:style>
+    </dsp:sp>
+    <dsp:sp modelId="{A310E91C-F63C-E34A-99BA-23DA4131EEF4}">
+      <dsp:nvSpPr>
+        <dsp:cNvPr id="0" name=""/>
+        <dsp:cNvSpPr/>
+      </dsp:nvSpPr>
+      <dsp:spPr>
+        <a:xfrm>
+          <a:off x="3386328" y="3403261"/>
+          <a:ext cx="1355344" cy="1355344"/>
+        </a:xfrm>
+        <a:prstGeom prst="ellipse">
+          <a:avLst/>
+        </a:prstGeom>
+        <a:solidFill>
+          <a:schemeClr val="accent1">
+            <a:hueOff val="0"/>
+            <a:satOff val="0"/>
+            <a:lumOff val="0"/>
+            <a:alphaOff val="0"/>
+          </a:schemeClr>
+        </a:solidFill>
+        <a:ln w="19050" cap="flat" cmpd="sng" algn="ctr">
+          <a:solidFill>
+            <a:schemeClr val="lt1">
+              <a:hueOff val="0"/>
+              <a:satOff val="0"/>
+              <a:lumOff val="0"/>
+              <a:alphaOff val="0"/>
+            </a:schemeClr>
+          </a:solidFill>
+          <a:prstDash val="solid"/>
+          <a:miter lim="800000"/>
+        </a:ln>
+        <a:effectLst/>
+      </dsp:spPr>
+      <dsp:style>
+        <a:lnRef idx="3">
+          <a:scrgbClr r="0" g="0" b="0"/>
+        </a:lnRef>
+        <a:fillRef idx="1">
+          <a:scrgbClr r="0" g="0" b="0"/>
+        </a:fillRef>
+        <a:effectRef idx="1">
+          <a:scrgbClr r="0" g="0" b="0"/>
+        </a:effectRef>
+        <a:fontRef idx="minor">
+          <a:schemeClr val="lt1"/>
+        </a:fontRef>
+      </dsp:style>
+      <dsp:txBody>
+        <a:bodyPr spcFirstLastPara="0" vert="horz" wrap="square" lIns="20320" tIns="20320" rIns="20320" bIns="20320" numCol="1" spcCol="1270" anchor="ctr" anchorCtr="0">
+          <a:noAutofit/>
+        </a:bodyPr>
+        <a:lstStyle/>
+        <a:p>
+          <a:pPr marL="0" lvl="0" indent="0" algn="ctr" defTabSz="711200">
+            <a:lnSpc>
+              <a:spcPct val="90000"/>
+            </a:lnSpc>
+            <a:spcBef>
+              <a:spcPct val="0"/>
+            </a:spcBef>
+            <a:spcAft>
+              <a:spcPct val="35000"/>
+            </a:spcAft>
+            <a:buNone/>
+          </a:pPr>
+          <a:r>
+            <a:rPr lang="en-US" sz="1600" kern="1200" dirty="0"/>
+            <a:t>Places order</a:t>
+          </a:r>
+        </a:p>
+      </dsp:txBody>
+      <dsp:txXfrm>
+        <a:off x="3584814" y="3601747"/>
+        <a:ext cx="958372" cy="958372"/>
+      </dsp:txXfrm>
+    </dsp:sp>
+    <dsp:sp modelId="{86375F91-05D8-1342-BA0D-1B047795C5EE}">
+      <dsp:nvSpPr>
+        <dsp:cNvPr id="0" name=""/>
+        <dsp:cNvSpPr/>
+      </dsp:nvSpPr>
+      <dsp:spPr>
+        <a:xfrm>
+          <a:off x="3708400" y="2415465"/>
+          <a:ext cx="711200" cy="556249"/>
+        </a:xfrm>
+        <a:prstGeom prst="triangle">
+          <a:avLst/>
+        </a:prstGeom>
+        <a:solidFill>
+          <a:schemeClr val="accent1">
+            <a:tint val="60000"/>
+            <a:hueOff val="0"/>
+            <a:satOff val="0"/>
+            <a:lumOff val="0"/>
+            <a:alphaOff val="0"/>
+          </a:schemeClr>
+        </a:solidFill>
+        <a:ln>
+          <a:noFill/>
+        </a:ln>
+        <a:effectLst/>
+      </dsp:spPr>
+      <dsp:style>
+        <a:lnRef idx="0">
+          <a:scrgbClr r="0" g="0" b="0"/>
+        </a:lnRef>
+        <a:fillRef idx="1">
+          <a:scrgbClr r="0" g="0" b="0"/>
+        </a:fillRef>
+        <a:effectRef idx="1">
+          <a:scrgbClr r="0" g="0" b="0"/>
+        </a:effectRef>
+        <a:fontRef idx="minor">
+          <a:schemeClr val="lt1"/>
+        </a:fontRef>
+      </dsp:style>
+    </dsp:sp>
+    <dsp:sp modelId="{34F2E51D-58D3-5D4D-AF89-C703FFEB56B4}">
+      <dsp:nvSpPr>
+        <dsp:cNvPr id="0" name=""/>
+        <dsp:cNvSpPr/>
+      </dsp:nvSpPr>
+      <dsp:spPr>
+        <a:xfrm>
+          <a:off x="3386327" y="660061"/>
+          <a:ext cx="1355344" cy="1355344"/>
+        </a:xfrm>
+        <a:prstGeom prst="ellipse">
+          <a:avLst/>
+        </a:prstGeom>
+        <a:solidFill>
+          <a:schemeClr val="accent1">
+            <a:hueOff val="0"/>
+            <a:satOff val="0"/>
+            <a:lumOff val="0"/>
+            <a:alphaOff val="0"/>
+          </a:schemeClr>
+        </a:solidFill>
+        <a:ln w="19050" cap="flat" cmpd="sng" algn="ctr">
+          <a:solidFill>
+            <a:schemeClr val="lt1">
+              <a:hueOff val="0"/>
+              <a:satOff val="0"/>
+              <a:lumOff val="0"/>
+              <a:alphaOff val="0"/>
+            </a:schemeClr>
+          </a:solidFill>
+          <a:prstDash val="solid"/>
+          <a:miter lim="800000"/>
+        </a:ln>
+        <a:effectLst/>
+      </dsp:spPr>
+      <dsp:style>
+        <a:lnRef idx="3">
+          <a:scrgbClr r="0" g="0" b="0"/>
+        </a:lnRef>
+        <a:fillRef idx="1">
+          <a:scrgbClr r="0" g="0" b="0"/>
+        </a:fillRef>
+        <a:effectRef idx="1">
+          <a:scrgbClr r="0" g="0" b="0"/>
+        </a:effectRef>
+        <a:fontRef idx="minor">
+          <a:schemeClr val="lt1"/>
+        </a:fontRef>
+      </dsp:style>
+      <dsp:txBody>
+        <a:bodyPr spcFirstLastPara="0" vert="horz" wrap="square" lIns="20320" tIns="20320" rIns="20320" bIns="20320" numCol="1" spcCol="1270" anchor="ctr" anchorCtr="0">
+          <a:noAutofit/>
+        </a:bodyPr>
+        <a:lstStyle/>
+        <a:p>
+          <a:pPr marL="0" lvl="0" indent="0" algn="ctr" defTabSz="711200">
+            <a:lnSpc>
+              <a:spcPct val="90000"/>
+            </a:lnSpc>
+            <a:spcBef>
+              <a:spcPct val="0"/>
+            </a:spcBef>
+            <a:spcAft>
+              <a:spcPct val="35000"/>
+            </a:spcAft>
+            <a:buNone/>
+          </a:pPr>
+          <a:r>
+            <a:rPr lang="en-US" sz="1600" kern="1200" dirty="0"/>
+            <a:t>Departs pickup location</a:t>
+          </a:r>
+        </a:p>
+      </dsp:txBody>
+      <dsp:txXfrm>
+        <a:off x="3584813" y="858547"/>
+        <a:ext cx="958372" cy="958372"/>
+      </dsp:txXfrm>
+    </dsp:sp>
+    <dsp:sp modelId="{0F4A7086-36B2-AE4A-9AAC-A72904CB2BED}">
+      <dsp:nvSpPr>
+        <dsp:cNvPr id="0" name=""/>
+        <dsp:cNvSpPr/>
+      </dsp:nvSpPr>
+      <dsp:spPr>
+        <a:xfrm rot="5400000">
+          <a:off x="5078978" y="1059608"/>
+          <a:ext cx="711200" cy="556249"/>
+        </a:xfrm>
+        <a:prstGeom prst="triangle">
+          <a:avLst/>
+        </a:prstGeom>
+        <a:solidFill>
+          <a:schemeClr val="accent1">
+            <a:tint val="60000"/>
+            <a:hueOff val="0"/>
+            <a:satOff val="0"/>
+            <a:lumOff val="0"/>
+            <a:alphaOff val="0"/>
+          </a:schemeClr>
+        </a:solidFill>
+        <a:ln>
+          <a:noFill/>
+        </a:ln>
+        <a:effectLst/>
+      </dsp:spPr>
+      <dsp:style>
+        <a:lnRef idx="0">
+          <a:scrgbClr r="0" g="0" b="0"/>
+        </a:lnRef>
+        <a:fillRef idx="1">
+          <a:scrgbClr r="0" g="0" b="0"/>
+        </a:fillRef>
+        <a:effectRef idx="1">
+          <a:scrgbClr r="0" g="0" b="0"/>
+        </a:effectRef>
+        <a:fontRef idx="minor">
+          <a:schemeClr val="lt1"/>
+        </a:fontRef>
+      </dsp:style>
+    </dsp:sp>
+    <dsp:sp modelId="{A922131C-A9AE-5347-BD31-DFC129884ECF}">
+      <dsp:nvSpPr>
+        <dsp:cNvPr id="0" name=""/>
+        <dsp:cNvSpPr/>
+      </dsp:nvSpPr>
+      <dsp:spPr>
+        <a:xfrm>
+          <a:off x="6095999" y="321733"/>
+          <a:ext cx="2032000" cy="2032000"/>
+        </a:xfrm>
+        <a:prstGeom prst="ellipse">
+          <a:avLst/>
+        </a:prstGeom>
+        <a:solidFill>
+          <a:schemeClr val="accent1">
+            <a:hueOff val="0"/>
+            <a:satOff val="0"/>
+            <a:lumOff val="0"/>
+            <a:alphaOff val="0"/>
+          </a:schemeClr>
+        </a:solidFill>
+        <a:ln w="19050" cap="flat" cmpd="sng" algn="ctr">
+          <a:solidFill>
+            <a:schemeClr val="lt1">
+              <a:hueOff val="0"/>
+              <a:satOff val="0"/>
+              <a:lumOff val="0"/>
+              <a:alphaOff val="0"/>
+            </a:schemeClr>
+          </a:solidFill>
+          <a:prstDash val="solid"/>
+          <a:miter lim="800000"/>
+        </a:ln>
+        <a:effectLst/>
+      </dsp:spPr>
+      <dsp:style>
+        <a:lnRef idx="3">
+          <a:scrgbClr r="0" g="0" b="0"/>
+        </a:lnRef>
+        <a:fillRef idx="1">
+          <a:scrgbClr r="0" g="0" b="0"/>
+        </a:fillRef>
+        <a:effectRef idx="1">
+          <a:scrgbClr r="0" g="0" b="0"/>
+        </a:effectRef>
+        <a:fontRef idx="minor">
+          <a:schemeClr val="lt1"/>
+        </a:fontRef>
+      </dsp:style>
+      <dsp:txBody>
+        <a:bodyPr spcFirstLastPara="0" vert="horz" wrap="square" lIns="22860" tIns="22860" rIns="22860" bIns="22860" numCol="1" spcCol="1270" anchor="ctr" anchorCtr="0">
+          <a:noAutofit/>
+        </a:bodyPr>
+        <a:lstStyle/>
+        <a:p>
+          <a:pPr marL="0" lvl="0" indent="0" algn="ctr" defTabSz="800100">
+            <a:lnSpc>
+              <a:spcPct val="90000"/>
+            </a:lnSpc>
+            <a:spcBef>
+              <a:spcPct val="0"/>
+            </a:spcBef>
+            <a:spcAft>
+              <a:spcPct val="35000"/>
+            </a:spcAft>
+            <a:buNone/>
+          </a:pPr>
+          <a:r>
+            <a:rPr lang="en-US" sz="1800" kern="1200" dirty="0"/>
+            <a:t>Arrives at customer’s location</a:t>
+          </a:r>
+        </a:p>
+      </dsp:txBody>
+      <dsp:txXfrm>
+        <a:off x="6393579" y="619313"/>
+        <a:ext cx="1436840" cy="1436840"/>
+      </dsp:txXfrm>
+    </dsp:sp>
+  </dsp:spTree>
+</dsp:drawing>
+</file>
+
+<file path=ppt/diagrams/layout1.xml><?xml version="1.0" encoding="utf-8"?>
+<dgm:layoutDef xmlns:dgm="http://schemas.openxmlformats.org/drawingml/2006/diagram" xmlns:a="http://schemas.openxmlformats.org/drawingml/2006/main" uniqueId="urn:microsoft.com/office/officeart/2005/8/layout/bProcess2">
+  <dgm:title val=""/>
+  <dgm:desc val=""/>
+  <dgm:catLst>
+    <dgm:cat type="process" pri="24000"/>
+  </dgm:catLst>
+  <dgm:sampData>
+    <dgm:dataModel>
+      <dgm:ptLst>
+        <dgm:pt modelId="0" type="doc"/>
+        <dgm:pt modelId="1">
+          <dgm:prSet phldr="1"/>
+        </dgm:pt>
+        <dgm:pt modelId="2">
+          <dgm:prSet phldr="1"/>
+        </dgm:pt>
+        <dgm:pt modelId="3">
+          <dgm:prSet phldr="1"/>
+        </dgm:pt>
+        <dgm:pt modelId="4">
+          <dgm:prSet phldr="1"/>
+        </dgm:pt>
+        <dgm:pt modelId="5">
+          <dgm:prSet phldr="1"/>
+        </dgm:pt>
+        <dgm:pt modelId="6">
+          <dgm:prSet phldr="1"/>
+        </dgm:pt>
+        <dgm:pt modelId="7">
+          <dgm:prSet phldr="1"/>
+        </dgm:pt>
+        <dgm:pt modelId="8">
+          <dgm:prSet phldr="1"/>
+        </dgm:pt>
+        <dgm:pt modelId="9">
+          <dgm:prSet phldr="1"/>
+        </dgm:pt>
+      </dgm:ptLst>
+      <dgm:cxnLst>
+        <dgm:cxn modelId="10" srcId="0" destId="1" srcOrd="0" destOrd="0"/>
+        <dgm:cxn modelId="11" srcId="0" destId="2" srcOrd="1" destOrd="0"/>
+        <dgm:cxn modelId="12" srcId="0" destId="3" srcOrd="2" destOrd="0"/>
+        <dgm:cxn modelId="13" srcId="0" destId="4" srcOrd="3" destOrd="0"/>
+        <dgm:cxn modelId="14" srcId="0" destId="5" srcOrd="4" destOrd="0"/>
+        <dgm:cxn modelId="15" srcId="0" destId="6" srcOrd="5" destOrd="0"/>
+        <dgm:cxn modelId="16" srcId="0" destId="7" srcOrd="6" destOrd="0"/>
+        <dgm:cxn modelId="17" srcId="0" destId="8" srcOrd="7" destOrd="0"/>
+        <dgm:cxn modelId="18" srcId="0" destId="9" srcOrd="8" destOrd="0"/>
+      </dgm:cxnLst>
+      <dgm:bg/>
+      <dgm:whole/>
+    </dgm:dataModel>
+  </dgm:sampData>
+  <dgm:styleData>
+    <dgm:dataModel>
+      <dgm:ptLst>
+        <dgm:pt modelId="0" type="doc"/>
+        <dgm:pt modelId="1"/>
+        <dgm:pt modelId="2"/>
+      </dgm:ptLst>
+      <dgm:cxnLst>
+        <dgm:cxn modelId="3" srcId="0" destId="1" srcOrd="0" destOrd="0"/>
+        <dgm:cxn modelId="4" srcId="0" destId="2" srcOrd="1" destOrd="0"/>
+      </dgm:cxnLst>
+      <dgm:bg/>
+      <dgm:whole/>
+    </dgm:dataModel>
+  </dgm:styleData>
+  <dgm:clrData>
+    <dgm:dataModel>
+      <dgm:ptLst>
+        <dgm:pt modelId="0" type="doc"/>
+        <dgm:pt modelId="1"/>
+        <dgm:pt modelId="2"/>
+        <dgm:pt modelId="3"/>
+        <dgm:pt modelId="4"/>
+        <dgm:pt modelId="5"/>
+        <dgm:pt modelId="6"/>
+      </dgm:ptLst>
+      <dgm:cxnLst>
+        <dgm:cxn modelId="7" srcId="0" destId="1" srcOrd="0" destOrd="0"/>
+        <dgm:cxn modelId="8" srcId="0" destId="2" srcOrd="1" destOrd="0"/>
+        <dgm:cxn modelId="9" srcId="0" destId="3" srcOrd="2" destOrd="0"/>
+        <dgm:cxn modelId="10" srcId="0" destId="4" srcOrd="3" destOrd="0"/>
+        <dgm:cxn modelId="11" srcId="0" destId="5" srcOrd="4" destOrd="0"/>
+        <dgm:cxn modelId="12" srcId="0" destId="6" srcOrd="5" destOrd="0"/>
+      </dgm:cxnLst>
+      <dgm:bg/>
+      <dgm:whole/>
+    </dgm:dataModel>
+  </dgm:clrData>
+  <dgm:layoutNode name="diagram">
+    <dgm:varLst>
+      <dgm:dir/>
+      <dgm:resizeHandles/>
+    </dgm:varLst>
+    <dgm:choose name="Name0">
+      <dgm:if name="Name1" func="var" arg="dir" op="equ" val="norm">
+        <dgm:alg type="snake">
+          <dgm:param type="grDir" val="tL"/>
+          <dgm:param type="flowDir" val="col"/>
+          <dgm:param type="contDir" val="revDir"/>
+        </dgm:alg>
+      </dgm:if>
+      <dgm:else name="Name2">
+        <dgm:alg type="snake">
+          <dgm:param type="grDir" val="tR"/>
+          <dgm:param type="flowDir" val="col"/>
+          <dgm:param type="contDir" val="revDir"/>
+        </dgm:alg>
+      </dgm:else>
+    </dgm:choose>
+    <dgm:shape xmlns:r="http://schemas.openxmlformats.org/officeDocument/2006/relationships" r:blip="">
+      <dgm:adjLst/>
+    </dgm:shape>
+    <dgm:presOf/>
+    <dgm:constrLst>
+      <dgm:constr type="w" for="ch" forName="firstNode" refType="w"/>
+      <dgm:constr type="w" for="ch" forName="lastNode" refType="w" refFor="ch" refForName="firstNode" op="equ"/>
+      <dgm:constr type="w" for="ch" forName="middleNode" refType="w" refFor="ch" refForName="firstNode" op="equ"/>
+      <dgm:constr type="h" for="ch" ptType="sibTrans" refType="w" refFor="ch" refForName="middleNode" op="equ" fact="0.35"/>
+      <dgm:constr type="sp" refType="w" refFor="ch" refForName="middleNode" fact="0.5"/>
+      <dgm:constr type="connDist" for="des" ptType="sibTrans" op="equ"/>
+      <dgm:constr type="primFontSz" for="ch" forName="firstNode" val="65"/>
+      <dgm:constr type="primFontSz" for="ch" forName="lastNode" refType="primFontSz" refFor="ch" refForName="firstNode" op="equ"/>
+      <dgm:constr type="primFontSz" for="des" forName="shape" val="65"/>
+      <dgm:constr type="primFontSz" for="des" forName="shape" refType="primFontSz" refFor="ch" refForName="firstNode" op="lte"/>
+      <dgm:constr type="primFontSz" for="des" forName="shape" refType="primFontSz" refFor="ch" refForName="lastNode" op="lte"/>
+    </dgm:constrLst>
+    <dgm:ruleLst/>
+    <dgm:forEach name="Name3" axis="ch" ptType="node">
+      <dgm:choose name="Name4">
+        <dgm:if name="Name5" axis="self" ptType="node" func="pos" op="equ" val="1">
+          <dgm:layoutNode name="firstNode">
+            <dgm:varLst>
+              <dgm:bulletEnabled val="1"/>
+            </dgm:varLst>
+            <dgm:alg type="tx">
+              <dgm:param type="txAnchorVertCh" val="mid"/>
+            </dgm:alg>
+            <dgm:shape xmlns:r="http://schemas.openxmlformats.org/officeDocument/2006/relationships" type="ellipse" r:blip="">
+              <dgm:adjLst/>
+            </dgm:shape>
+            <dgm:presOf axis="desOrSelf" ptType="node"/>
+            <dgm:constrLst>
+              <dgm:constr type="h" refType="w"/>
+              <dgm:constr type="tMarg" refType="primFontSz" fact="0.1"/>
+              <dgm:constr type="bMarg" refType="primFontSz" fact="0.1"/>
+              <dgm:constr type="lMarg" refType="primFontSz" fact="0.1"/>
+              <dgm:constr type="rMarg" refType="primFontSz" fact="0.1"/>
+            </dgm:constrLst>
+            <dgm:ruleLst>
+              <dgm:rule type="primFontSz" val="5" fact="NaN" max="NaN"/>
+            </dgm:ruleLst>
+          </dgm:layoutNode>
+        </dgm:if>
+        <dgm:if name="Name6" axis="self" ptType="node" func="revPos" op="equ" val="1">
+          <dgm:layoutNode name="lastNode">
+            <dgm:varLst>
+              <dgm:bulletEnabled val="1"/>
+            </dgm:varLst>
+            <dgm:alg type="tx">
+              <dgm:param type="txAnchorVertCh" val="mid"/>
+            </dgm:alg>
+            <dgm:shape xmlns:r="http://schemas.openxmlformats.org/officeDocument/2006/relationships" type="ellipse" r:blip="">
+              <dgm:adjLst/>
+            </dgm:shape>
+            <dgm:presOf axis="desOrSelf" ptType="node"/>
+            <dgm:constrLst>
+              <dgm:constr type="h" refType="w"/>
+              <dgm:constr type="tMarg" refType="primFontSz" fact="0.1"/>
+              <dgm:constr type="bMarg" refType="primFontSz" fact="0.1"/>
+              <dgm:constr type="lMarg" refType="primFontSz" fact="0.1"/>
+              <dgm:constr type="rMarg" refType="primFontSz" fact="0.1"/>
+            </dgm:constrLst>
+            <dgm:ruleLst>
+              <dgm:rule type="primFontSz" val="5" fact="NaN" max="NaN"/>
+            </dgm:ruleLst>
+          </dgm:layoutNode>
+        </dgm:if>
+        <dgm:else name="Name7">
+          <dgm:layoutNode name="middleNode">
+            <dgm:alg type="composite"/>
+            <dgm:shape xmlns:r="http://schemas.openxmlformats.org/officeDocument/2006/relationships" r:blip="">
+              <dgm:adjLst/>
+            </dgm:shape>
+            <dgm:presOf/>
+            <dgm:constrLst>
+              <dgm:constr type="h" refType="w"/>
+              <dgm:constr type="w" for="ch" forName="padding" refType="w"/>
+              <dgm:constr type="h" for="ch" forName="padding" refType="h"/>
+              <dgm:constr type="w" for="ch" forName="shape" refType="w" fact="0.667"/>
+              <dgm:constr type="h" for="ch" forName="shape" refType="h" fact="0.667"/>
+              <dgm:constr type="ctrX" for="ch" forName="shape" refType="w" fact="0.5"/>
+              <dgm:constr type="ctrY" for="ch" forName="shape" refType="h" fact="0.5"/>
+            </dgm:constrLst>
+            <dgm:ruleLst/>
+            <dgm:layoutNode name="padding">
+              <dgm:alg type="sp"/>
+              <dgm:shape xmlns:r="http://schemas.openxmlformats.org/officeDocument/2006/relationships" type="ellipse" r:blip="" hideGeom="1">
+                <dgm:adjLst/>
+              </dgm:shape>
+              <dgm:presOf/>
+              <dgm:constrLst/>
+              <dgm:ruleLst/>
+            </dgm:layoutNode>
+            <dgm:layoutNode name="shape">
+              <dgm:varLst>
+                <dgm:bulletEnabled val="1"/>
+              </dgm:varLst>
+              <dgm:alg type="tx">
+                <dgm:param type="txAnchorVertCh" val="mid"/>
+              </dgm:alg>
+              <dgm:shape xmlns:r="http://schemas.openxmlformats.org/officeDocument/2006/relationships" type="ellipse" r:blip="">
+                <dgm:adjLst/>
+              </dgm:shape>
+              <dgm:presOf axis="desOrSelf" ptType="node"/>
+              <dgm:constrLst>
+                <dgm:constr type="h" refType="w"/>
+                <dgm:constr type="tMarg" refType="primFontSz" fact="0.1"/>
+                <dgm:constr type="bMarg" refType="primFontSz" fact="0.1"/>
+                <dgm:constr type="lMarg" refType="primFontSz" fact="0.1"/>
+                <dgm:constr type="rMarg" refType="primFontSz" fact="0.1"/>
+              </dgm:constrLst>
+              <dgm:ruleLst>
+                <dgm:rule type="primFontSz" val="5" fact="NaN" max="NaN"/>
+              </dgm:ruleLst>
+            </dgm:layoutNode>
+          </dgm:layoutNode>
+        </dgm:else>
+      </dgm:choose>
+      <dgm:forEach name="Name8" axis="followSib" ptType="sibTrans" cnt="1">
+        <dgm:layoutNode name="sibTrans">
+          <dgm:choose name="Name9">
+            <dgm:if name="Name10" func="var" arg="dir" op="equ" val="norm">
+              <dgm:choose name="Name11">
+                <dgm:if name="Name12" axis="self" ptType="sibTrans" func="pos" op="equ" val="1">
+                  <dgm:alg type="conn">
+                    <dgm:param type="begPts" val="auto"/>
+                    <dgm:param type="endPts" val="auto"/>
+                    <dgm:param type="srcNode" val="firstNode"/>
+                    <dgm:param type="dstNode" val="shape"/>
+                  </dgm:alg>
+                </dgm:if>
+                <dgm:if name="Name13" axis="self" ptType="sibTrans" func="revPos" op="equ" val="1">
+                  <dgm:alg type="conn">
+                    <dgm:param type="begPts" val="auto"/>
+                    <dgm:param type="endPts" val="auto"/>
+                    <dgm:param type="srcNode" val="shape"/>
+                    <dgm:param type="dstNode" val="lastNode"/>
+                  </dgm:alg>
+                </dgm:if>
+                <dgm:else name="Name14">
+                  <dgm:alg type="conn">
+                    <dgm:param type="begPts" val="auto"/>
+                    <dgm:param type="endPts" val="auto"/>
+                    <dgm:param type="srcNode" val="shape"/>
+                    <dgm:param type="dstNode" val="shape"/>
+                  </dgm:alg>
+                </dgm:else>
+              </dgm:choose>
+            </dgm:if>
+            <dgm:else name="Name15">
+              <dgm:choose name="Name16">
+                <dgm:if name="Name17" axis="self" ptType="sibTrans" func="pos" op="equ" val="1">
+                  <dgm:alg type="conn">
+                    <dgm:param type="begPts" val="auto"/>
+                    <dgm:param type="endPts" val="auto"/>
+                    <dgm:param type="srcNode" val="firstNode"/>
+                    <dgm:param type="dstNode" val="shape"/>
+                  </dgm:alg>
+                </dgm:if>
+                <dgm:if name="Name18" axis="self" ptType="sibTrans" func="revPos" op="equ" val="1">
+                  <dgm:alg type="conn">
+                    <dgm:param type="begPts" val="auto"/>
+                    <dgm:param type="endPts" val="auto"/>
+                    <dgm:param type="srcNode" val="shape"/>
+                    <dgm:param type="dstNode" val="lastNode"/>
+                  </dgm:alg>
+                </dgm:if>
+                <dgm:else name="Name19">
+                  <dgm:alg type="conn">
+                    <dgm:param type="begPts" val="auto"/>
+                    <dgm:param type="endPts" val="auto"/>
+                    <dgm:param type="srcNode" val="shape"/>
+                    <dgm:param type="dstNode" val="shape"/>
+                  </dgm:alg>
+                </dgm:else>
+              </dgm:choose>
+            </dgm:else>
+          </dgm:choose>
+          <dgm:shape xmlns:r="http://schemas.openxmlformats.org/officeDocument/2006/relationships" rot="90" type="triangle" r:blip="">
+            <dgm:adjLst/>
+          </dgm:shape>
+          <dgm:presOf axis="self"/>
+          <dgm:constrLst>
+            <dgm:constr type="w" refType="h"/>
+            <dgm:constr type="connDist"/>
+            <dgm:constr type="begPad" refType="connDist" fact="0.25"/>
+            <dgm:constr type="endPad" refType="connDist" fact="0.22"/>
+          </dgm:constrLst>
+          <dgm:ruleLst/>
+        </dgm:layoutNode>
+      </dgm:forEach>
+    </dgm:forEach>
+  </dgm:layoutNode>
+</dgm:layoutDef>
+</file>
+
+<file path=ppt/diagrams/quickStyle1.xml><?xml version="1.0" encoding="utf-8"?>
+<dgm:styleDef xmlns:dgm="http://schemas.openxmlformats.org/drawingml/2006/diagram" xmlns:a="http://schemas.openxmlformats.org/drawingml/2006/main" uniqueId="urn:microsoft.com/office/officeart/2005/8/quickstyle/simple2">
+  <dgm:title val=""/>
+  <dgm:desc val=""/>
+  <dgm:catLst>
+    <dgm:cat type="simple" pri="10200"/>
+  </dgm:catLst>
+  <dgm:scene3d>
+    <a:camera prst="orthographicFront"/>
+    <a:lightRig rig="threePt" dir="t"/>
+  </dgm:scene3d>
+  <dgm:styleLbl name="node0">
+    <dgm:scene3d>
+      <a:camera prst="orthographicFront"/>
+      <a:lightRig rig="threePt" dir="t"/>
+    </dgm:scene3d>
+    <dgm:sp3d/>
+    <dgm:txPr/>
+    <dgm:style>
+      <a:lnRef idx="3">
+        <a:scrgbClr r="0" g="0" b="0"/>
+      </a:lnRef>
+      <a:fillRef idx="1">
+        <a:scrgbClr r="0" g="0" b="0"/>
+      </a:fillRef>
+      <a:effectRef idx="1">
+        <a:scrgbClr r="0" g="0" b="0"/>
+      </a:effectRef>
+      <a:fontRef idx="minor">
+        <a:schemeClr val="lt1"/>
+      </a:fontRef>
+    </dgm:style>
+  </dgm:styleLbl>
+  <dgm:styleLbl name="lnNode1">
+    <dgm:scene3d>
+      <a:camera prst="orthographicFront"/>
+      <a:lightRig rig="threePt" dir="t"/>
+    </dgm:scene3d>
+    <dgm:sp3d/>
+    <dgm:txPr/>
+    <dgm:style>
+      <a:lnRef idx="3">
+        <a:scrgbClr r="0" g="0" b="0"/>
+      </a:lnRef>
+      <a:fillRef idx="1">
+        <a:scrgbClr r="0" g="0" b="0"/>
+      </a:fillRef>
+      <a:effectRef idx="1">
+        <a:scrgbClr r="0" g="0" b="0"/>
+      </a:effectRef>
+      <a:fontRef idx="minor">
+        <a:schemeClr val="lt1"/>
+      </a:fontRef>
+    </dgm:style>
+  </dgm:styleLbl>
+  <dgm:styleLbl name="vennNode1">
+    <dgm:scene3d>
+      <a:camera prst="orthographicFront"/>
+      <a:lightRig rig="threePt" dir="t"/>
+    </dgm:scene3d>
+    <dgm:sp3d/>
+    <dgm:txPr/>
+    <dgm:style>
+      <a:lnRef idx="3">
+        <a:scrgbClr r="0" g="0" b="0"/>
+      </a:lnRef>
+      <a:fillRef idx="1">
+        <a:scrgbClr r="0" g="0" b="0"/>
+      </a:fillRef>
+      <a:effectRef idx="0">
+        <a:scrgbClr r="0" g="0" b="0"/>
+      </a:effectRef>
+      <a:fontRef idx="minor">
+        <a:schemeClr val="tx1"/>
+      </a:fontRef>
+    </dgm:style>
+  </dgm:styleLbl>
+  <dgm:styleLbl name="alignNode1">
+    <dgm:scene3d>
+      <a:camera prst="orthographicFront"/>
+      <a:lightRig rig="threePt" dir="t"/>
+    </dgm:scene3d>
+    <dgm:sp3d/>
+    <dgm:txPr/>
+    <dgm:style>
+      <a:lnRef idx="2">
+        <a:scrgbClr r="0" g="0" b="0"/>
+      </a:lnRef>
+      <a:fillRef idx="1">
+        <a:scrgbClr r="0" g="0" b="0"/>
+      </a:fillRef>
+      <a:effectRef idx="1">
+        <a:scrgbClr r="0" g="0" b="0"/>
+      </a:effectRef>
+      <a:fontRef idx="minor">
+        <a:schemeClr val="lt1"/>
+      </a:fontRef>
+    </dgm:style>
+  </dgm:styleLbl>
+  <dgm:styleLbl name="node1">
+    <dgm:scene3d>
+      <a:camera prst="orthographicFront"/>
+      <a:lightRig rig="threePt" dir="t"/>
+    </dgm:scene3d>
+    <dgm:sp3d/>
+    <dgm:txPr/>
+    <dgm:style>
+      <a:lnRef idx="3">
+        <a:scrgbClr r="0" g="0" b="0"/>
+      </a:lnRef>
+      <a:fillRef idx="1">
+        <a:scrgbClr r="0" g="0" b="0"/>
+      </a:fillRef>
+      <a:effectRef idx="1">
+        <a:scrgbClr r="0" g="0" b="0"/>
+      </a:effectRef>
+      <a:fontRef idx="minor">
+        <a:schemeClr val="lt1"/>
+      </a:fontRef>
+    </dgm:style>
+  </dgm:styleLbl>
+  <dgm:styleLbl name="node2">
+    <dgm:scene3d>
+      <a:camera prst="orthographicFront"/>
+      <a:lightRig rig="threePt" dir="t"/>
+    </dgm:scene3d>
+    <dgm:sp3d/>
+    <dgm:txPr/>
+    <dgm:style>
+      <a:lnRef idx="3">
+        <a:scrgbClr r="0" g="0" b="0"/>
+      </a:lnRef>
+      <a:fillRef idx="1">
+        <a:scrgbClr r="0" g="0" b="0"/>
+      </a:fillRef>
+      <a:effectRef idx="1">
+        <a:scrgbClr r="0" g="0" b="0"/>
+      </a:effectRef>
+      <a:fontRef idx="minor">
+        <a:schemeClr val="lt1"/>
+      </a:fontRef>
+    </dgm:style>
+  </dgm:styleLbl>
+  <dgm:styleLbl name="node3">
+    <dgm:scene3d>
+      <a:camera prst="orthographicFront"/>
+      <a:lightRig rig="threePt" dir="t"/>
+    </dgm:scene3d>
+    <dgm:sp3d/>
+    <dgm:txPr/>
+    <dgm:style>
+      <a:lnRef idx="3">
+        <a:scrgbClr r="0" g="0" b="0"/>
+      </a:lnRef>
+      <a:fillRef idx="1">
+        <a:scrgbClr r="0" g="0" b="0"/>
+      </a:fillRef>
+      <a:effectRef idx="1">
+        <a:scrgbClr r="0" g="0" b="0"/>
+      </a:effectRef>
+      <a:fontRef idx="minor">
+        <a:schemeClr val="lt1"/>
+      </a:fontRef>
+    </dgm:style>
+  </dgm:styleLbl>
+  <dgm:styleLbl name="node4">
+    <dgm:scene3d>
+      <a:camera prst="orthographicFront"/>
+      <a:lightRig rig="threePt" dir="t"/>
+    </dgm:scene3d>
+    <dgm:sp3d/>
+    <dgm:txPr/>
+    <dgm:style>
+      <a:lnRef idx="3">
+        <a:scrgbClr r="0" g="0" b="0"/>
+      </a:lnRef>
+      <a:fillRef idx="1">
+        <a:scrgbClr r="0" g="0" b="0"/>
+      </a:fillRef>
+      <a:effectRef idx="1">
+        <a:scrgbClr r="0" g="0" b="0"/>
+      </a:effectRef>
+      <a:fontRef idx="minor">
+        <a:schemeClr val="lt1"/>
+      </a:fontRef>
+    </dgm:style>
+  </dgm:styleLbl>
+  <dgm:styleLbl name="fgImgPlace1">
+    <dgm:scene3d>
+      <a:camera prst="orthographicFront"/>
+      <a:lightRig rig="threePt" dir="t"/>
+    </dgm:scene3d>
+    <dgm:sp3d/>
+    <dgm:txPr/>
+    <dgm:style>
+      <a:lnRef idx="3">
+        <a:scrgbClr r="0" g="0" b="0"/>
+      </a:lnRef>
+      <a:fillRef idx="1">
+        <a:scrgbClr r="0" g="0" b="0"/>
+      </a:fillRef>
+      <a:effectRef idx="1">
+        <a:scrgbClr r="0" g="0" b="0"/>
+      </a:effectRef>
+      <a:fontRef idx="minor"/>
+    </dgm:style>
+  </dgm:styleLbl>
+  <dgm:styleLbl name="alignImgPlace1">
+    <dgm:scene3d>
+      <a:camera prst="orthographicFront"/>
+      <a:lightRig rig="threePt" dir="t"/>
+    </dgm:scene3d>
+    <dgm:sp3d/>
+    <dgm:txPr/>
+    <dgm:style>
+      <a:lnRef idx="3">
+        <a:scrgbClr r="0" g="0" b="0"/>
+      </a:lnRef>
+      <a:fillRef idx="1">
+        <a:scrgbClr r="0" g="0" b="0"/>
+      </a:fillRef>
+      <a:effectRef idx="1">
+        <a:scrgbClr r="0" g="0" b="0"/>
+      </a:effectRef>
+      <a:fontRef idx="minor"/>
+    </dgm:style>
+  </dgm:styleLbl>
+  <dgm:styleLbl name="bgImgPlace1">
+    <dgm:scene3d>
+      <a:camera prst="orthographicFront"/>
+      <a:lightRig rig="threePt" dir="t"/>
+    </dgm:scene3d>
+    <dgm:sp3d/>
+    <dgm:txPr/>
+    <dgm:style>
+      <a:lnRef idx="3">
+        <a:scrgbClr r="0" g="0" b="0"/>
+      </a:lnRef>
+      <a:fillRef idx="1">
+        <a:scrgbClr r="0" g="0" b="0"/>
+      </a:fillRef>
+      <a:effectRef idx="1">
+        <a:scrgbClr r="0" g="0" b="0"/>
+      </a:effectRef>
+      <a:fontRef idx="minor"/>
+    </dgm:style>
+  </dgm:styleLbl>
+  <dgm:styleLbl name="sibTrans2D1">
+    <dgm:scene3d>
+      <a:camera prst="orthographicFront"/>
+      <a:lightRig rig="threePt" dir="t"/>
+    </dgm:scene3d>
+    <dgm:sp3d/>
+    <dgm:txPr/>
+    <dgm:style>
+      <a:lnRef idx="0">
+        <a:scrgbClr r="0" g="0" b="0"/>
+      </a:lnRef>
+      <a:fillRef idx="1">
+        <a:scrgbClr r="0" g="0" b="0"/>
+      </a:fillRef>
+      <a:effectRef idx="1">
+        <a:scrgbClr r="0" g="0" b="0"/>
+      </a:effectRef>
+      <a:fontRef idx="minor">
+        <a:schemeClr val="lt1"/>
+      </a:fontRef>
+    </dgm:style>
+  </dgm:styleLbl>
+  <dgm:styleLbl name="fgSibTrans2D1">
+    <dgm:scene3d>
+      <a:camera prst="orthographicFront"/>
+      <a:lightRig rig="threePt" dir="t"/>
+    </dgm:scene3d>
+    <dgm:sp3d/>
+    <dgm:txPr/>
+    <dgm:style>
+      <a:lnRef idx="0">
+        <a:scrgbClr r="0" g="0" b="0"/>
+      </a:lnRef>
+      <a:fillRef idx="1">
+        <a:scrgbClr r="0" g="0" b="0"/>
+      </a:fillRef>
+      <a:effectRef idx="1">
+        <a:scrgbClr r="0" g="0" b="0"/>
+      </a:effectRef>
+      <a:fontRef idx="minor">
+        <a:schemeClr val="lt1"/>
+      </a:fontRef>
+    </dgm:style>
+  </dgm:styleLbl>
+  <dgm:styleLbl name="bgSibTrans2D1">
+    <dgm:scene3d>
+      <a:camera prst="orthographicFront"/>
+      <a:lightRig rig="threePt" dir="t"/>
+    </dgm:scene3d>
+    <dgm:sp3d/>
+    <dgm:txPr/>
+    <dgm:style>
+      <a:lnRef idx="0">
+        <a:scrgbClr r="0" g="0" b="0"/>
+      </a:lnRef>
+      <a:fillRef idx="1">
+        <a:scrgbClr r="0" g="0" b="0"/>
+      </a:fillRef>
+      <a:effectRef idx="1">
+        <a:scrgbClr r="0" g="0" b="0"/>
+      </a:effectRef>
+      <a:fontRef idx="minor">
+        <a:schemeClr val="lt1"/>
+      </a:fontRef>
+    </dgm:style>
+  </dgm:styleLbl>
+  <dgm:styleLbl name="sibTrans1D1">
+    <dgm:scene3d>
+      <a:camera prst="orthographicFront"/>
+      <a:lightRig rig="threePt" dir="t"/>
+    </dgm:scene3d>
+    <dgm:sp3d/>
+    <dgm:txPr/>
+    <dgm:style>
+      <a:lnRef idx="1">
+        <a:scrgbClr r="0" g="0" b="0"/>
+      </a:lnRef>
+      <a:fillRef idx="0">
+        <a:scrgbClr r="0" g="0" b="0"/>
+      </a:fillRef>
+      <a:effectRef idx="0">
+        <a:scrgbClr r="0" g="0" b="0"/>
+      </a:effectRef>
+      <a:fontRef idx="minor"/>
+    </dgm:style>
+  </dgm:styleLbl>
+  <dgm:styleLbl name="callout">
+    <dgm:scene3d>
+      <a:camera prst="orthographicFront"/>
+      <a:lightRig rig="threePt" dir="t"/>
+    </dgm:scene3d>
+    <dgm:sp3d/>
+    <dgm:txPr/>
+    <dgm:style>
+      <a:lnRef idx="2">
+        <a:scrgbClr r="0" g="0" b="0"/>
+      </a:lnRef>
+      <a:fillRef idx="1">
+        <a:scrgbClr r="0" g="0" b="0"/>
+      </a:fillRef>
+      <a:effectRef idx="1">
+        <a:scrgbClr r="0" g="0" b="0"/>
+      </a:effectRef>
+      <a:fontRef idx="minor"/>
+    </dgm:style>
+  </dgm:styleLbl>
+  <dgm:styleLbl name="asst0">
+    <dgm:scene3d>
+      <a:camera prst="orthographicFront"/>
+      <a:lightRig rig="threePt" dir="t"/>
+    </dgm:scene3d>
+    <dgm:sp3d/>
+    <dgm:txPr/>
+    <dgm:style>
+      <a:lnRef idx="3">
+        <a:scrgbClr r="0" g="0" b="0"/>
+      </a:lnRef>
+      <a:fillRef idx="1">
+        <a:scrgbClr r="0" g="0" b="0"/>
+      </a:fillRef>
+      <a:effectRef idx="1">
+        <a:scrgbClr r="0" g="0" b="0"/>
+      </a:effectRef>
+      <a:fontRef idx="minor">
+        <a:schemeClr val="lt1"/>
+      </a:fontRef>
+    </dgm:style>
+  </dgm:styleLbl>
+  <dgm:styleLbl name="asst1">
+    <dgm:scene3d>
+      <a:camera prst="orthographicFront"/>
+      <a:lightRig rig="threePt" dir="t"/>
+    </dgm:scene3d>
+    <dgm:sp3d/>
+    <dgm:txPr/>
+    <dgm:style>
+      <a:lnRef idx="3">
+        <a:scrgbClr r="0" g="0" b="0"/>
+      </a:lnRef>
+      <a:fillRef idx="1">
+        <a:scrgbClr r="0" g="0" b="0"/>
+      </a:fillRef>
+      <a:effectRef idx="1">
+        <a:scrgbClr r="0" g="0" b="0"/>
+      </a:effectRef>
+      <a:fontRef idx="minor">
+        <a:schemeClr val="lt1"/>
+      </a:fontRef>
+    </dgm:style>
+  </dgm:styleLbl>
+  <dgm:styleLbl name="asst2">
+    <dgm:scene3d>
+      <a:camera prst="orthographicFront"/>
+      <a:lightRig rig="threePt" dir="t"/>
+    </dgm:scene3d>
+    <dgm:sp3d/>
+    <dgm:txPr/>
+    <dgm:style>
+      <a:lnRef idx="3">
+        <a:scrgbClr r="0" g="0" b="0"/>
+      </a:lnRef>
+      <a:fillRef idx="1">
+        <a:scrgbClr r="0" g="0" b="0"/>
+      </a:fillRef>
+      <a:effectRef idx="1">
+        <a:scrgbClr r="0" g="0" b="0"/>
+      </a:effectRef>
+      <a:fontRef idx="minor">
+        <a:schemeClr val="lt1"/>
+      </a:fontRef>
+    </dgm:style>
+  </dgm:styleLbl>
+  <dgm:styleLbl name="asst3">
+    <dgm:scene3d>
+      <a:camera prst="orthographicFront"/>
+      <a:lightRig rig="threePt" dir="t"/>
+    </dgm:scene3d>
+    <dgm:sp3d/>
+    <dgm:txPr/>
+    <dgm:style>
+      <a:lnRef idx="3">
+        <a:scrgbClr r="0" g="0" b="0"/>
+      </a:lnRef>
+      <a:fillRef idx="1">
+        <a:scrgbClr r="0" g="0" b="0"/>
+      </a:fillRef>
+      <a:effectRef idx="1">
+        <a:scrgbClr r="0" g="0" b="0"/>
+      </a:effectRef>
+      <a:fontRef idx="minor">
+        <a:schemeClr val="lt1"/>
+      </a:fontRef>
+    </dgm:style>
+  </dgm:styleLbl>
+  <dgm:styleLbl name="asst4">
+    <dgm:scene3d>
+      <a:camera prst="orthographicFront"/>
+      <a:lightRig rig="threePt" dir="t"/>
+    </dgm:scene3d>
+    <dgm:sp3d/>
+    <dgm:txPr/>
+    <dgm:style>
+      <a:lnRef idx="3">
+        <a:scrgbClr r="0" g="0" b="0"/>
+      </a:lnRef>
+      <a:fillRef idx="1">
+        <a:scrgbClr r="0" g="0" b="0"/>
+      </a:fillRef>
+      <a:effectRef idx="1">
+        <a:scrgbClr r="0" g="0" b="0"/>
+      </a:effectRef>
+      <a:fontRef idx="minor">
+        <a:schemeClr val="lt1"/>
+      </a:fontRef>
+    </dgm:style>
+  </dgm:styleLbl>
+  <dgm:styleLbl name="parChTrans2D1">
+    <dgm:scene3d>
+      <a:camera prst="orthographicFront"/>
+      <a:lightRig rig="threePt" dir="t"/>
+    </dgm:scene3d>
+    <dgm:sp3d/>
+    <dgm:txPr/>
+    <dgm:style>
+      <a:lnRef idx="3">
+        <a:scrgbClr r="0" g="0" b="0"/>
+      </a:lnRef>
+      <a:fillRef idx="1">
+        <a:scrgbClr r="0" g="0" b="0"/>
+      </a:fillRef>
+      <a:effectRef idx="1">
+        <a:scrgbClr r="0" g="0" b="0"/>
+      </a:effectRef>
+      <a:fontRef idx="minor">
+        <a:schemeClr val="lt1"/>
+      </a:fontRef>
+    </dgm:style>
+  </dgm:styleLbl>
+  <dgm:styleLbl name="parChTrans2D2">
+    <dgm:scene3d>
+      <a:camera prst="orthographicFront"/>
+      <a:lightRig rig="threePt" dir="t"/>
+    </dgm:scene3d>
+    <dgm:sp3d/>
+    <dgm:txPr/>
+    <dgm:style>
+      <a:lnRef idx="3">
+        <a:scrgbClr r="0" g="0" b="0"/>
+      </a:lnRef>
+      <a:fillRef idx="1">
+        <a:scrgbClr r="0" g="0" b="0"/>
+      </a:fillRef>
+      <a:effectRef idx="1">
+        <a:scrgbClr r="0" g="0" b="0"/>
+      </a:effectRef>
+      <a:fontRef idx="minor">
+        <a:schemeClr val="lt1"/>
+      </a:fontRef>
+    </dgm:style>
+  </dgm:styleLbl>
+  <dgm:styleLbl name="parChTrans2D3">
+    <dgm:scene3d>
+      <a:camera prst="orthographicFront"/>
+      <a:lightRig rig="threePt" dir="t"/>
+    </dgm:scene3d>
+    <dgm:sp3d/>
+    <dgm:txPr/>
+    <dgm:style>
+      <a:lnRef idx="3">
+        <a:scrgbClr r="0" g="0" b="0"/>
+      </a:lnRef>
+      <a:fillRef idx="1">
+        <a:scrgbClr r="0" g="0" b="0"/>
+      </a:fillRef>
+      <a:effectRef idx="1">
+        <a:scrgbClr r="0" g="0" b="0"/>
+      </a:effectRef>
+      <a:fontRef idx="minor">
+        <a:schemeClr val="lt1"/>
+      </a:fontRef>
+    </dgm:style>
+  </dgm:styleLbl>
+  <dgm:styleLbl name="parChTrans2D4">
+    <dgm:scene3d>
+      <a:camera prst="orthographicFront"/>
+      <a:lightRig rig="threePt" dir="t"/>
+    </dgm:scene3d>
+    <dgm:sp3d/>
+    <dgm:txPr/>
+    <dgm:style>
+      <a:lnRef idx="3">
+        <a:scrgbClr r="0" g="0" b="0"/>
+      </a:lnRef>
+      <a:fillRef idx="1">
+        <a:scrgbClr r="0" g="0" b="0"/>
+      </a:fillRef>
+      <a:effectRef idx="1">
+        <a:scrgbClr r="0" g="0" b="0"/>
+      </a:effectRef>
+      <a:fontRef idx="minor">
+        <a:schemeClr val="lt1"/>
+      </a:fontRef>
+    </dgm:style>
+  </dgm:styleLbl>
+  <dgm:styleLbl name="parChTrans1D1">
+    <dgm:scene3d>
+      <a:camera prst="orthographicFront"/>
+      <a:lightRig rig="threePt" dir="t"/>
+    </dgm:scene3d>
+    <dgm:sp3d/>
+    <dgm:txPr/>
+    <dgm:style>
+      <a:lnRef idx="2">
+        <a:scrgbClr r="0" g="0" b="0"/>
+      </a:lnRef>
+      <a:fillRef idx="0">
+        <a:scrgbClr r="0" g="0" b="0"/>
+      </a:fillRef>
+      <a:effectRef idx="0">
+        <a:scrgbClr r="0" g="0" b="0"/>
+      </a:effectRef>
+      <a:fontRef idx="minor"/>
+    </dgm:style>
+  </dgm:styleLbl>
+  <dgm:styleLbl name="parChTrans1D2">
+    <dgm:scene3d>
+      <a:camera prst="orthographicFront"/>
+      <a:lightRig rig="threePt" dir="t"/>
+    </dgm:scene3d>
+    <dgm:sp3d/>
+    <dgm:txPr/>
+    <dgm:style>
+      <a:lnRef idx="2">
+        <a:scrgbClr r="0" g="0" b="0"/>
+      </a:lnRef>
+      <a:fillRef idx="0">
+        <a:scrgbClr r="0" g="0" b="0"/>
+      </a:fillRef>
+      <a:effectRef idx="0">
+        <a:scrgbClr r="0" g="0" b="0"/>
+      </a:effectRef>
+      <a:fontRef idx="minor"/>
+    </dgm:style>
+  </dgm:styleLbl>
+  <dgm:styleLbl name="parChTrans1D3">
+    <dgm:scene3d>
+      <a:camera prst="orthographicFront"/>
+      <a:lightRig rig="threePt" dir="t"/>
+    </dgm:scene3d>
+    <dgm:sp3d/>
+    <dgm:txPr/>
+    <dgm:style>
+      <a:lnRef idx="2">
+        <a:scrgbClr r="0" g="0" b="0"/>
+      </a:lnRef>
+      <a:fillRef idx="0">
+        <a:scrgbClr r="0" g="0" b="0"/>
+      </a:fillRef>
+      <a:effectRef idx="0">
+        <a:scrgbClr r="0" g="0" b="0"/>
+      </a:effectRef>
+      <a:fontRef idx="minor"/>
+    </dgm:style>
+  </dgm:styleLbl>
+  <dgm:styleLbl name="parChTrans1D4">
+    <dgm:scene3d>
+      <a:camera prst="orthographicFront"/>
+      <a:lightRig rig="threePt" dir="t"/>
+    </dgm:scene3d>
+    <dgm:sp3d/>
+    <dgm:txPr/>
+    <dgm:style>
+      <a:lnRef idx="2">
+        <a:scrgbClr r="0" g="0" b="0"/>
+      </a:lnRef>
+      <a:fillRef idx="0">
+        <a:scrgbClr r="0" g="0" b="0"/>
+      </a:fillRef>
+      <a:effectRef idx="0">
+        <a:scrgbClr r="0" g="0" b="0"/>
+      </a:effectRef>
+      <a:fontRef idx="minor"/>
+    </dgm:style>
+  </dgm:styleLbl>
+  <dgm:styleLbl name="fgAcc1">
+    <dgm:scene3d>
+      <a:camera prst="orthographicFront"/>
+      <a:lightRig rig="threePt" dir="t"/>
+    </dgm:scene3d>
+    <dgm:sp3d/>
+    <dgm:txPr/>
+    <dgm:style>
+      <a:lnRef idx="2">
+        <a:scrgbClr r="0" g="0" b="0"/>
+      </a:lnRef>
+      <a:fillRef idx="1">
+        <a:scrgbClr r="0" g="0" b="0"/>
+      </a:fillRef>
+      <a:effectRef idx="0">
+        <a:scrgbClr r="0" g="0" b="0"/>
+      </a:effectRef>
+      <a:fontRef idx="minor"/>
+    </dgm:style>
+  </dgm:styleLbl>
+  <dgm:styleLbl name="conFgAcc1">
+    <dgm:scene3d>
+      <a:camera prst="orthographicFront"/>
+      <a:lightRig rig="threePt" dir="t"/>
+    </dgm:scene3d>
+    <dgm:sp3d/>
+    <dgm:txPr/>
+    <dgm:style>
+      <a:lnRef idx="2">
+        <a:scrgbClr r="0" g="0" b="0"/>
+      </a:lnRef>
+      <a:fillRef idx="1">
+        <a:scrgbClr r="0" g="0" b="0"/>
+      </a:fillRef>
+      <a:effectRef idx="0">
+        <a:scrgbClr r="0" g="0" b="0"/>
+      </a:effectRef>
+      <a:fontRef idx="minor"/>
+    </dgm:style>
+  </dgm:styleLbl>
+  <dgm:styleLbl name="alignAcc1">
+    <dgm:scene3d>
+      <a:camera prst="orthographicFront"/>
+      <a:lightRig rig="threePt" dir="t"/>
+    </dgm:scene3d>
+    <dgm:sp3d/>
+    <dgm:txPr/>
+    <dgm:style>
+      <a:lnRef idx="2">
+        <a:scrgbClr r="0" g="0" b="0"/>
+      </a:lnRef>
+      <a:fillRef idx="1">
+        <a:scrgbClr r="0" g="0" b="0"/>
+      </a:fillRef>
+      <a:effectRef idx="0">
+        <a:scrgbClr r="0" g="0" b="0"/>
+      </a:effectRef>
+      <a:fontRef idx="minor"/>
+    </dgm:style>
+  </dgm:styleLbl>
+  <dgm:styleLbl name="trAlignAcc1">
+    <dgm:scene3d>
+      <a:camera prst="orthographicFront"/>
+      <a:lightRig rig="threePt" dir="t"/>
+    </dgm:scene3d>
+    <dgm:sp3d/>
+    <dgm:txPr/>
+    <dgm:style>
+      <a:lnRef idx="1">
+        <a:scrgbClr r="0" g="0" b="0"/>
+      </a:lnRef>
+      <a:fillRef idx="1">
+        <a:scrgbClr r="0" g="0" b="0"/>
+      </a:fillRef>
+      <a:effectRef idx="0">
+        <a:scrgbClr r="0" g="0" b="0"/>
+      </a:effectRef>
+      <a:fontRef idx="minor"/>
+    </dgm:style>
+  </dgm:styleLbl>
+  <dgm:styleLbl name="bgAcc1">
+    <dgm:scene3d>
+      <a:camera prst="orthographicFront"/>
+      <a:lightRig rig="threePt" dir="t"/>
+    </dgm:scene3d>
+    <dgm:sp3d/>
+    <dgm:txPr/>
+    <dgm:style>
+      <a:lnRef idx="2">
+        <a:scrgbClr r="0" g="0" b="0"/>
+      </a:lnRef>
+      <a:fillRef idx="1">
+        <a:scrgbClr r="0" g="0" b="0"/>
+      </a:fillRef>
+      <a:effectRef idx="0">
+        <a:scrgbClr r="0" g="0" b="0"/>
+      </a:effectRef>
+      <a:fontRef idx="minor"/>
+    </dgm:style>
+  </dgm:styleLbl>
+  <dgm:styleLbl name="solidFgAcc1">
+    <dgm:scene3d>
+      <a:camera prst="orthographicFront"/>
+      <a:lightRig rig="threePt" dir="t"/>
+    </dgm:scene3d>
+    <dgm:sp3d/>
+    <dgm:txPr/>
+    <dgm:style>
+      <a:lnRef idx="2">
+        <a:scrgbClr r="0" g="0" b="0"/>
+      </a:lnRef>
+      <a:fillRef idx="1">
+        <a:scrgbClr r="0" g="0" b="0"/>
+      </a:fillRef>
+      <a:effectRef idx="0">
+        <a:scrgbClr r="0" g="0" b="0"/>
+      </a:effectRef>
+      <a:fontRef idx="minor"/>
+    </dgm:style>
+  </dgm:styleLbl>
+  <dgm:styleLbl name="solidAlignAcc1">
+    <dgm:scene3d>
+      <a:camera prst="orthographicFront"/>
+      <a:lightRig rig="threePt" dir="t"/>
+    </dgm:scene3d>
+    <dgm:sp3d/>
+    <dgm:txPr/>
+    <dgm:style>
+      <a:lnRef idx="2">
+        <a:scrgbClr r="0" g="0" b="0"/>
+      </a:lnRef>
+      <a:fillRef idx="1">
+        <a:scrgbClr r="0" g="0" b="0"/>
+      </a:fillRef>
+      <a:effectRef idx="0">
+        <a:scrgbClr r="0" g="0" b="0"/>
+      </a:effectRef>
+      <a:fontRef idx="minor"/>
+    </dgm:style>
+  </dgm:styleLbl>
+  <dgm:styleLbl name="solidBgAcc1">
+    <dgm:scene3d>
+      <a:camera prst="orthographicFront"/>
+      <a:lightRig rig="threePt" dir="t"/>
+    </dgm:scene3d>
+    <dgm:sp3d/>
+    <dgm:txPr/>
+    <dgm:style>
+      <a:lnRef idx="2">
+        <a:scrgbClr r="0" g="0" b="0"/>
+      </a:lnRef>
+      <a:fillRef idx="1">
+        <a:scrgbClr r="0" g="0" b="0"/>
+      </a:fillRef>
+      <a:effectRef idx="0">
+        <a:scrgbClr r="0" g="0" b="0"/>
+      </a:effectRef>
+      <a:fontRef idx="minor"/>
+    </dgm:style>
+  </dgm:styleLbl>
+  <dgm:styleLbl name="fgAccFollowNode1">
+    <dgm:scene3d>
+      <a:camera prst="orthographicFront"/>
+      <a:lightRig rig="threePt" dir="t"/>
+    </dgm:scene3d>
+    <dgm:sp3d/>
+    <dgm:txPr/>
+    <dgm:style>
+      <a:lnRef idx="2">
+        <a:scrgbClr r="0" g="0" b="0"/>
+      </a:lnRef>
+      <a:fillRef idx="1">
+        <a:scrgbClr r="0" g="0" b="0"/>
+      </a:fillRef>
+      <a:effectRef idx="0">
+        <a:scrgbClr r="0" g="0" b="0"/>
+      </a:effectRef>
+      <a:fontRef idx="minor"/>
+    </dgm:style>
+  </dgm:styleLbl>
+  <dgm:styleLbl name="alignAccFollowNode1">
+    <dgm:scene3d>
+      <a:camera prst="orthographicFront"/>
+      <a:lightRig rig="threePt" dir="t"/>
+    </dgm:scene3d>
+    <dgm:sp3d/>
+    <dgm:txPr/>
+    <dgm:style>
+      <a:lnRef idx="2">
+        <a:scrgbClr r="0" g="0" b="0"/>
+      </a:lnRef>
+      <a:fillRef idx="1">
+        <a:scrgbClr r="0" g="0" b="0"/>
+      </a:fillRef>
+      <a:effectRef idx="0">
+        <a:scrgbClr r="0" g="0" b="0"/>
+      </a:effectRef>
+      <a:fontRef idx="minor"/>
+    </dgm:style>
+  </dgm:styleLbl>
+  <dgm:styleLbl name="bgAccFollowNode1">
+    <dgm:scene3d>
+      <a:camera prst="orthographicFront"/>
+      <a:lightRig rig="threePt" dir="t"/>
+    </dgm:scene3d>
+    <dgm:sp3d/>
+    <dgm:txPr/>
+    <dgm:style>
+      <a:lnRef idx="2">
+        <a:scrgbClr r="0" g="0" b="0"/>
+      </a:lnRef>
+      <a:fillRef idx="1">
+        <a:scrgbClr r="0" g="0" b="0"/>
+      </a:fillRef>
+      <a:effectRef idx="0">
+        <a:scrgbClr r="0" g="0" b="0"/>
+      </a:effectRef>
+      <a:fontRef idx="minor"/>
+    </dgm:style>
+  </dgm:styleLbl>
+  <dgm:styleLbl name="fgAcc0">
+    <dgm:scene3d>
+      <a:camera prst="orthographicFront"/>
+      <a:lightRig rig="threePt" dir="t"/>
+    </dgm:scene3d>
+    <dgm:sp3d/>
+    <dgm:txPr/>
+    <dgm:style>
+      <a:lnRef idx="2">
+        <a:scrgbClr r="0" g="0" b="0"/>
+      </a:lnRef>
+      <a:fillRef idx="1">
+        <a:scrgbClr r="0" g="0" b="0"/>
+      </a:fillRef>
+      <a:effectRef idx="0">
+        <a:scrgbClr r="0" g="0" b="0"/>
+      </a:effectRef>
+      <a:fontRef idx="minor"/>
+    </dgm:style>
+  </dgm:styleLbl>
+  <dgm:styleLbl name="fgAcc2">
+    <dgm:scene3d>
+      <a:camera prst="orthographicFront"/>
+      <a:lightRig rig="threePt" dir="t"/>
+    </dgm:scene3d>
+    <dgm:sp3d/>
+    <dgm:txPr/>
+    <dgm:style>
+      <a:lnRef idx="2">
+        <a:scrgbClr r="0" g="0" b="0"/>
+      </a:lnRef>
+      <a:fillRef idx="1">
+        <a:scrgbClr r="0" g="0" b="0"/>
+      </a:fillRef>
+      <a:effectRef idx="0">
+        <a:scrgbClr r="0" g="0" b="0"/>
+      </a:effectRef>
+      <a:fontRef idx="minor"/>
+    </dgm:style>
+  </dgm:styleLbl>
+  <dgm:styleLbl name="fgAcc3">
+    <dgm:scene3d>
+      <a:camera prst="orthographicFront"/>
+      <a:lightRig rig="threePt" dir="t"/>
+    </dgm:scene3d>
+    <dgm:sp3d/>
+    <dgm:txPr/>
+    <dgm:style>
+      <a:lnRef idx="2">
+        <a:scrgbClr r="0" g="0" b="0"/>
+      </a:lnRef>
+      <a:fillRef idx="1">
+        <a:scrgbClr r="0" g="0" b="0"/>
+      </a:fillRef>
+      <a:effectRef idx="0">
+        <a:scrgbClr r="0" g="0" b="0"/>
+      </a:effectRef>
+      <a:fontRef idx="minor"/>
+    </dgm:style>
+  </dgm:styleLbl>
+  <dgm:styleLbl name="fgAcc4">
+    <dgm:scene3d>
+      <a:camera prst="orthographicFront"/>
+      <a:lightRig rig="threePt" dir="t"/>
+    </dgm:scene3d>
+    <dgm:sp3d/>
+    <dgm:txPr/>
+    <dgm:style>
+      <a:lnRef idx="2">
+        <a:scrgbClr r="0" g="0" b="0"/>
+      </a:lnRef>
+      <a:fillRef idx="1">
+        <a:scrgbClr r="0" g="0" b="0"/>
+      </a:fillRef>
+      <a:effectRef idx="0">
+        <a:scrgbClr r="0" g="0" b="0"/>
+      </a:effectRef>
+      <a:fontRef idx="minor"/>
+    </dgm:style>
+  </dgm:styleLbl>
+  <dgm:styleLbl name="bgShp">
+    <dgm:scene3d>
+      <a:camera prst="orthographicFront"/>
+      <a:lightRig rig="threePt" dir="t"/>
+    </dgm:scene3d>
+    <dgm:sp3d/>
+    <dgm:txPr/>
+    <dgm:style>
+      <a:lnRef idx="0">
+        <a:scrgbClr r="0" g="0" b="0"/>
+      </a:lnRef>
+      <a:fillRef idx="1">
+        <a:scrgbClr r="0" g="0" b="0"/>
+      </a:fillRef>
+      <a:effectRef idx="0">
+        <a:scrgbClr r="0" g="0" b="0"/>
+      </a:effectRef>
+      <a:fontRef idx="minor"/>
+    </dgm:style>
+  </dgm:styleLbl>
+  <dgm:styleLbl name="dkBgShp">
+    <dgm:scene3d>
+      <a:camera prst="orthographicFront"/>
+      <a:lightRig rig="threePt" dir="t"/>
+    </dgm:scene3d>
+    <dgm:sp3d/>
+    <dgm:txPr/>
+    <dgm:style>
+      <a:lnRef idx="0">
+        <a:scrgbClr r="0" g="0" b="0"/>
+      </a:lnRef>
+      <a:fillRef idx="1">
+        <a:scrgbClr r="0" g="0" b="0"/>
+      </a:fillRef>
+      <a:effectRef idx="0">
+        <a:scrgbClr r="0" g="0" b="0"/>
+      </a:effectRef>
+      <a:fontRef idx="minor"/>
+    </dgm:style>
+  </dgm:styleLbl>
+  <dgm:styleLbl name="trBgShp">
+    <dgm:scene3d>
+      <a:camera prst="orthographicFront"/>
+      <a:lightRig rig="threePt" dir="t"/>
+    </dgm:scene3d>
+    <dgm:sp3d/>
+    <dgm:txPr/>
+    <dgm:style>
+      <a:lnRef idx="0">
+        <a:scrgbClr r="0" g="0" b="0"/>
+      </a:lnRef>
+      <a:fillRef idx="1">
+        <a:scrgbClr r="0" g="0" b="0"/>
+      </a:fillRef>
+      <a:effectRef idx="0">
+        <a:scrgbClr r="0" g="0" b="0"/>
+      </a:effectRef>
+      <a:fontRef idx="minor"/>
+    </dgm:style>
+  </dgm:styleLbl>
+  <dgm:styleLbl name="fgShp">
+    <dgm:scene3d>
+      <a:camera prst="orthographicFront"/>
+      <a:lightRig rig="threePt" dir="t"/>
+    </dgm:scene3d>
+    <dgm:sp3d/>
+    <dgm:txPr/>
+    <dgm:style>
+      <a:lnRef idx="3">
+        <a:scrgbClr r="0" g="0" b="0"/>
+      </a:lnRef>
+      <a:fillRef idx="1">
+        <a:scrgbClr r="0" g="0" b="0"/>
+      </a:fillRef>
+      <a:effectRef idx="1">
+        <a:scrgbClr r="0" g="0" b="0"/>
+      </a:effectRef>
+      <a:fontRef idx="minor"/>
+    </dgm:style>
+  </dgm:styleLbl>
+  <dgm:styleLbl name="revTx">
+    <dgm:scene3d>
+      <a:camera prst="orthographicFront"/>
+      <a:lightRig rig="threePt" dir="t"/>
+    </dgm:scene3d>
+    <dgm:sp3d/>
+    <dgm:txPr/>
+    <dgm:style>
+      <a:lnRef idx="0">
+        <a:scrgbClr r="0" g="0" b="0"/>
+      </a:lnRef>
+      <a:fillRef idx="0">
+        <a:scrgbClr r="0" g="0" b="0"/>
+      </a:fillRef>
+      <a:effectRef idx="0">
+        <a:scrgbClr r="0" g="0" b="0"/>
+      </a:effectRef>
+      <a:fontRef idx="minor"/>
+    </dgm:style>
+  </dgm:styleLbl>
+</dgm:styleDef>
 </file>
 
 <file path=ppt/slideLayouts/slideLayout1.xml><?xml version="1.0" encoding="utf-8"?>
@@ -3435,7 +6473,7 @@
           <p:cNvPr id="2" name="Title 1">
             <a:extLst>
               <a:ext uri="{FF2B5EF4-FFF2-40B4-BE49-F238E27FC236}">
-                <a16:creationId xmlns:a16="http://schemas.microsoft.com/office/drawing/2014/main" id="{EA828DC8-7E80-CD42-B487-C09E734905B6}"/>
+                <a16:creationId xmlns:a16="http://schemas.microsoft.com/office/drawing/2014/main" id="{F85A7569-74D4-0A4B-9638-8C36D6B9A994}"/>
               </a:ext>
             </a:extLst>
           </p:cNvPr>
@@ -3460,7 +6498,7 @@
           <p:cNvPr id="3" name="Content Placeholder 2">
             <a:extLst>
               <a:ext uri="{FF2B5EF4-FFF2-40B4-BE49-F238E27FC236}">
-                <a16:creationId xmlns:a16="http://schemas.microsoft.com/office/drawing/2014/main" id="{129C6951-E656-014C-8931-822A4DCA16C7}"/>
+                <a16:creationId xmlns:a16="http://schemas.microsoft.com/office/drawing/2014/main" id="{B580BBD8-F835-AB4B-A27B-538A6962D9F0}"/>
               </a:ext>
             </a:extLst>
           </p:cNvPr>
@@ -3483,7 +6521,7 @@
     </p:spTree>
     <p:extLst>
       <p:ext uri="{BB962C8B-B14F-4D97-AF65-F5344CB8AC3E}">
-        <p14:creationId xmlns:p14="http://schemas.microsoft.com/office/powerpoint/2010/main" val="2045204373"/>
+        <p14:creationId xmlns:p14="http://schemas.microsoft.com/office/powerpoint/2010/main" val="3027111478"/>
       </p:ext>
     </p:extLst>
   </p:cSld>
@@ -3515,7 +6553,7 @@
           <p:cNvPr id="2" name="Title 1">
             <a:extLst>
               <a:ext uri="{FF2B5EF4-FFF2-40B4-BE49-F238E27FC236}">
-                <a16:creationId xmlns:a16="http://schemas.microsoft.com/office/drawing/2014/main" id="{29C75E93-C07D-1440-89C1-F0E2D13644DB}"/>
+                <a16:creationId xmlns:a16="http://schemas.microsoft.com/office/drawing/2014/main" id="{EA828DC8-7E80-CD42-B487-C09E734905B6}"/>
               </a:ext>
             </a:extLst>
           </p:cNvPr>
@@ -3540,7 +6578,7 @@
           <p:cNvPr id="3" name="Content Placeholder 2">
             <a:extLst>
               <a:ext uri="{FF2B5EF4-FFF2-40B4-BE49-F238E27FC236}">
-                <a16:creationId xmlns:a16="http://schemas.microsoft.com/office/drawing/2014/main" id="{2B0F38EE-7E16-F643-A3EB-890C5E4B4856}"/>
+                <a16:creationId xmlns:a16="http://schemas.microsoft.com/office/drawing/2014/main" id="{129C6951-E656-014C-8931-822A4DCA16C7}"/>
               </a:ext>
             </a:extLst>
           </p:cNvPr>
@@ -3563,7 +6601,7 @@
     </p:spTree>
     <p:extLst>
       <p:ext uri="{BB962C8B-B14F-4D97-AF65-F5344CB8AC3E}">
-        <p14:creationId xmlns:p14="http://schemas.microsoft.com/office/powerpoint/2010/main" val="1833784149"/>
+        <p14:creationId xmlns:p14="http://schemas.microsoft.com/office/powerpoint/2010/main" val="2045204373"/>
       </p:ext>
     </p:extLst>
   </p:cSld>
@@ -3595,7 +6633,7 @@
           <p:cNvPr id="2" name="Title 1">
             <a:extLst>
               <a:ext uri="{FF2B5EF4-FFF2-40B4-BE49-F238E27FC236}">
-                <a16:creationId xmlns:a16="http://schemas.microsoft.com/office/drawing/2014/main" id="{8738DA99-C362-584A-B5CC-2CDA40E3F694}"/>
+                <a16:creationId xmlns:a16="http://schemas.microsoft.com/office/drawing/2014/main" id="{29C75E93-C07D-1440-89C1-F0E2D13644DB}"/>
               </a:ext>
             </a:extLst>
           </p:cNvPr>
@@ -3620,7 +6658,7 @@
           <p:cNvPr id="3" name="Content Placeholder 2">
             <a:extLst>
               <a:ext uri="{FF2B5EF4-FFF2-40B4-BE49-F238E27FC236}">
-                <a16:creationId xmlns:a16="http://schemas.microsoft.com/office/drawing/2014/main" id="{A1D82CB1-4D3C-C84E-BC17-72AC1020EB2E}"/>
+                <a16:creationId xmlns:a16="http://schemas.microsoft.com/office/drawing/2014/main" id="{2B0F38EE-7E16-F643-A3EB-890C5E4B4856}"/>
               </a:ext>
             </a:extLst>
           </p:cNvPr>
@@ -3637,6 +6675,132 @@
           <a:lstStyle/>
           <a:p>
             <a:endParaRPr lang="en-US"/>
+          </a:p>
+        </p:txBody>
+      </p:sp>
+    </p:spTree>
+    <p:extLst>
+      <p:ext uri="{BB962C8B-B14F-4D97-AF65-F5344CB8AC3E}">
+        <p14:creationId xmlns:p14="http://schemas.microsoft.com/office/powerpoint/2010/main" val="1833784149"/>
+      </p:ext>
+    </p:extLst>
+  </p:cSld>
+  <p:clrMapOvr>
+    <a:masterClrMapping/>
+  </p:clrMapOvr>
+</p:sld>
+</file>
+
+<file path=ppt/slides/slide13.xml><?xml version="1.0" encoding="utf-8"?>
+<p:sld xmlns:a="http://schemas.openxmlformats.org/drawingml/2006/main" xmlns:r="http://schemas.openxmlformats.org/officeDocument/2006/relationships" xmlns:p="http://schemas.openxmlformats.org/presentationml/2006/main">
+  <p:cSld>
+    <p:spTree>
+      <p:nvGrpSpPr>
+        <p:cNvPr id="1" name=""/>
+        <p:cNvGrpSpPr/>
+        <p:nvPr/>
+      </p:nvGrpSpPr>
+      <p:grpSpPr>
+        <a:xfrm>
+          <a:off x="0" y="0"/>
+          <a:ext cx="0" cy="0"/>
+          <a:chOff x="0" y="0"/>
+          <a:chExt cx="0" cy="0"/>
+        </a:xfrm>
+      </p:grpSpPr>
+      <p:sp>
+        <p:nvSpPr>
+          <p:cNvPr id="2" name="Title 1">
+            <a:extLst>
+              <a:ext uri="{FF2B5EF4-FFF2-40B4-BE49-F238E27FC236}">
+                <a16:creationId xmlns:a16="http://schemas.microsoft.com/office/drawing/2014/main" id="{8738DA99-C362-584A-B5CC-2CDA40E3F694}"/>
+              </a:ext>
+            </a:extLst>
+          </p:cNvPr>
+          <p:cNvSpPr>
+            <a:spLocks noGrp="1"/>
+          </p:cNvSpPr>
+          <p:nvPr>
+            <p:ph type="title"/>
+          </p:nvPr>
+        </p:nvSpPr>
+        <p:spPr/>
+        <p:txBody>
+          <a:bodyPr/>
+          <a:lstStyle/>
+          <a:p>
+            <a:r>
+              <a:rPr lang="en-US" dirty="0"/>
+              <a:t>Appendix</a:t>
+            </a:r>
+          </a:p>
+        </p:txBody>
+      </p:sp>
+      <p:sp>
+        <p:nvSpPr>
+          <p:cNvPr id="3" name="Content Placeholder 2">
+            <a:extLst>
+              <a:ext uri="{FF2B5EF4-FFF2-40B4-BE49-F238E27FC236}">
+                <a16:creationId xmlns:a16="http://schemas.microsoft.com/office/drawing/2014/main" id="{A1D82CB1-4D3C-C84E-BC17-72AC1020EB2E}"/>
+              </a:ext>
+            </a:extLst>
+          </p:cNvPr>
+          <p:cNvSpPr>
+            <a:spLocks noGrp="1"/>
+          </p:cNvSpPr>
+          <p:nvPr>
+            <p:ph idx="1"/>
+          </p:nvPr>
+        </p:nvSpPr>
+        <p:spPr/>
+        <p:txBody>
+          <a:bodyPr/>
+          <a:lstStyle/>
+          <a:p>
+            <a:r>
+              <a:rPr lang="en-US" dirty="0"/>
+              <a:t>Links to Analysis</a:t>
+            </a:r>
+          </a:p>
+          <a:p>
+            <a:r>
+              <a:rPr lang="en-US" dirty="0"/>
+              <a:t>Thank you for the opportunity, I can be reached at </a:t>
+            </a:r>
+          </a:p>
+          <a:p>
+            <a:pPr lvl="1"/>
+            <a:r>
+              <a:rPr lang="en-US" dirty="0">
+                <a:hlinkClick r:id="rId2"/>
+              </a:rPr>
+              <a:t>stephenstark@uchicago.edu</a:t>
+            </a:r>
+            <a:endParaRPr lang="en-US" dirty="0"/>
+          </a:p>
+          <a:p>
+            <a:pPr lvl="1"/>
+            <a:r>
+              <a:rPr lang="en-US" dirty="0"/>
+              <a:t>Stephen stark </a:t>
+            </a:r>
+            <a:r>
+              <a:rPr lang="en-US" dirty="0" err="1"/>
+              <a:t>linkedin</a:t>
+            </a:r>
+            <a:endParaRPr lang="en-US" dirty="0"/>
+          </a:p>
+          <a:p>
+            <a:pPr lvl="1"/>
+            <a:r>
+              <a:rPr lang="en-US" dirty="0"/>
+              <a:t>Stephen stark </a:t>
+            </a:r>
+            <a:r>
+              <a:rPr lang="en-US" dirty="0" err="1"/>
+              <a:t>github</a:t>
+            </a:r>
+            <a:endParaRPr lang="en-US" dirty="0"/>
           </a:p>
         </p:txBody>
       </p:sp>
@@ -3656,6 +6820,14 @@
 <file path=ppt/slides/slide2.xml><?xml version="1.0" encoding="utf-8"?>
 <p:sld xmlns:a="http://schemas.openxmlformats.org/drawingml/2006/main" xmlns:r="http://schemas.openxmlformats.org/officeDocument/2006/relationships" xmlns:p="http://schemas.openxmlformats.org/presentationml/2006/main">
   <p:cSld>
+    <p:bg>
+      <p:bgPr>
+        <a:solidFill>
+          <a:schemeClr val="bg1"/>
+        </a:solidFill>
+        <a:effectLst/>
+      </p:bgPr>
+    </p:bg>
     <p:spTree>
       <p:nvGrpSpPr>
         <p:cNvPr id="1" name=""/>
@@ -3670,6 +6842,181 @@
           <a:chExt cx="0" cy="0"/>
         </a:xfrm>
       </p:grpSpPr>
+      <p:sp useBgFill="1">
+        <p:nvSpPr>
+          <p:cNvPr id="18" name="Rectangle 17">
+            <a:extLst>
+              <a:ext uri="{FF2B5EF4-FFF2-40B4-BE49-F238E27FC236}">
+                <a16:creationId xmlns:a16="http://schemas.microsoft.com/office/drawing/2014/main" id="{8FC9BE17-9A7B-462D-AE50-3D8777387304}"/>
+              </a:ext>
+              <a:ext uri="{C183D7F6-B498-43B3-948B-1728B52AA6E4}">
+                <adec:decorative xmlns:adec="http://schemas.microsoft.com/office/drawing/2017/decorative" val="1"/>
+              </a:ext>
+            </a:extLst>
+          </p:cNvPr>
+          <p:cNvSpPr>
+            <a:spLocks noGrp="1" noRot="1" noChangeAspect="1" noMove="1" noResize="1" noEditPoints="1" noAdjustHandles="1" noChangeArrowheads="1" noChangeShapeType="1" noTextEdit="1"/>
+          </p:cNvSpPr>
+          <p:nvPr>
+            <p:extLst>
+              <p:ext uri="{386F3935-93C4-4BCD-93E2-E3B085C9AB24}">
+                <p16:designElem xmlns:p16="http://schemas.microsoft.com/office/powerpoint/2015/main" val="1"/>
+              </p:ext>
+            </p:extLst>
+          </p:nvPr>
+        </p:nvSpPr>
+        <p:spPr>
+          <a:xfrm>
+            <a:off x="0" y="0"/>
+            <a:ext cx="12192000" cy="6858000"/>
+          </a:xfrm>
+          <a:prstGeom prst="rect">
+            <a:avLst/>
+          </a:prstGeom>
+          <a:ln>
+            <a:noFill/>
+          </a:ln>
+        </p:spPr>
+        <p:style>
+          <a:lnRef idx="2">
+            <a:schemeClr val="accent1">
+              <a:shade val="50000"/>
+            </a:schemeClr>
+          </a:lnRef>
+          <a:fillRef idx="1">
+            <a:schemeClr val="accent1"/>
+          </a:fillRef>
+          <a:effectRef idx="0">
+            <a:schemeClr val="accent1"/>
+          </a:effectRef>
+          <a:fontRef idx="minor">
+            <a:schemeClr val="lt1"/>
+          </a:fontRef>
+        </p:style>
+        <p:txBody>
+          <a:bodyPr rtlCol="0" anchor="ctr"/>
+          <a:lstStyle/>
+          <a:p>
+            <a:pPr algn="ctr"/>
+            <a:endParaRPr lang="en-US"/>
+          </a:p>
+        </p:txBody>
+      </p:sp>
+      <p:pic>
+        <p:nvPicPr>
+          <p:cNvPr id="13" name="Picture 12" descr="List of dates on a digital screen">
+            <a:extLst>
+              <a:ext uri="{FF2B5EF4-FFF2-40B4-BE49-F238E27FC236}">
+                <a16:creationId xmlns:a16="http://schemas.microsoft.com/office/drawing/2014/main" id="{8B47FE7D-FCEB-5C4F-A1FE-BE143340C00F}"/>
+              </a:ext>
+            </a:extLst>
+          </p:cNvPr>
+          <p:cNvPicPr>
+            <a:picLocks noChangeAspect="1"/>
+          </p:cNvPicPr>
+          <p:nvPr/>
+        </p:nvPicPr>
+        <p:blipFill rotWithShape="1">
+          <a:blip r:embed="rId2"/>
+          <a:srcRect t="6174" r="23298" b="2917"/>
+          <a:stretch/>
+        </p:blipFill>
+        <p:spPr>
+          <a:xfrm>
+            <a:off x="3523488" y="10"/>
+            <a:ext cx="8668512" cy="6857990"/>
+          </a:xfrm>
+          <a:prstGeom prst="rect">
+            <a:avLst/>
+          </a:prstGeom>
+        </p:spPr>
+      </p:pic>
+      <p:sp>
+        <p:nvSpPr>
+          <p:cNvPr id="20" name="Rectangle 19">
+            <a:extLst>
+              <a:ext uri="{FF2B5EF4-FFF2-40B4-BE49-F238E27FC236}">
+                <a16:creationId xmlns:a16="http://schemas.microsoft.com/office/drawing/2014/main" id="{3EBE8569-6AEC-4B8C-8D53-2DE337CDBA65}"/>
+              </a:ext>
+              <a:ext uri="{C183D7F6-B498-43B3-948B-1728B52AA6E4}">
+                <adec:decorative xmlns:adec="http://schemas.microsoft.com/office/drawing/2017/decorative" val="1"/>
+              </a:ext>
+            </a:extLst>
+          </p:cNvPr>
+          <p:cNvSpPr>
+            <a:spLocks noGrp="1" noRot="1" noChangeAspect="1" noMove="1" noResize="1" noEditPoints="1" noAdjustHandles="1" noChangeArrowheads="1" noChangeShapeType="1" noTextEdit="1"/>
+          </p:cNvSpPr>
+          <p:nvPr>
+            <p:extLst>
+              <p:ext uri="{386F3935-93C4-4BCD-93E2-E3B085C9AB24}">
+                <p16:designElem xmlns:p16="http://schemas.microsoft.com/office/powerpoint/2015/main" val="1"/>
+              </p:ext>
+            </p:extLst>
+          </p:nvPr>
+        </p:nvSpPr>
+        <p:spPr>
+          <a:xfrm>
+            <a:off x="2" y="0"/>
+            <a:ext cx="9756601" cy="6858000"/>
+          </a:xfrm>
+          <a:prstGeom prst="rect">
+            <a:avLst/>
+          </a:prstGeom>
+          <a:gradFill>
+            <a:gsLst>
+              <a:gs pos="58000">
+                <a:schemeClr val="bg1"/>
+              </a:gs>
+              <a:gs pos="35000">
+                <a:schemeClr val="bg1">
+                  <a:alpha val="78000"/>
+                </a:schemeClr>
+              </a:gs>
+              <a:gs pos="19000">
+                <a:schemeClr val="bg1">
+                  <a:alpha val="38000"/>
+                </a:schemeClr>
+              </a:gs>
+              <a:gs pos="0">
+                <a:schemeClr val="bg1">
+                  <a:alpha val="0"/>
+                </a:schemeClr>
+              </a:gs>
+              <a:gs pos="100000">
+                <a:schemeClr val="bg1"/>
+              </a:gs>
+            </a:gsLst>
+            <a:lin ang="10800000" scaled="0"/>
+          </a:gradFill>
+          <a:ln>
+            <a:noFill/>
+          </a:ln>
+        </p:spPr>
+        <p:style>
+          <a:lnRef idx="2">
+            <a:schemeClr val="accent1">
+              <a:shade val="50000"/>
+            </a:schemeClr>
+          </a:lnRef>
+          <a:fillRef idx="1">
+            <a:schemeClr val="accent1"/>
+          </a:fillRef>
+          <a:effectRef idx="0">
+            <a:schemeClr val="accent1"/>
+          </a:effectRef>
+          <a:fontRef idx="minor">
+            <a:schemeClr val="lt1"/>
+          </a:fontRef>
+        </p:style>
+        <p:txBody>
+          <a:bodyPr rtlCol="0" anchor="ctr"/>
+          <a:lstStyle/>
+          <a:p>
+            <a:pPr algn="ctr"/>
+            <a:endParaRPr lang="en-US" dirty="0"/>
+          </a:p>
+        </p:txBody>
+      </p:sp>
       <p:sp>
         <p:nvSpPr>
           <p:cNvPr id="2" name="Title 1">
@@ -3686,13 +7033,20 @@
             <p:ph type="title"/>
           </p:nvPr>
         </p:nvSpPr>
-        <p:spPr/>
-        <p:txBody>
-          <a:bodyPr/>
+        <p:spPr>
+          <a:xfrm>
+            <a:off x="371094" y="1161288"/>
+            <a:ext cx="3438144" cy="1124712"/>
+          </a:xfrm>
+        </p:spPr>
+        <p:txBody>
+          <a:bodyPr anchor="b">
+            <a:normAutofit/>
+          </a:bodyPr>
           <a:lstStyle/>
           <a:p>
             <a:r>
-              <a:rPr lang="en-US" dirty="0"/>
+              <a:rPr lang="en-US" sz="2800"/>
               <a:t>Problem Overview</a:t>
             </a:r>
           </a:p>
@@ -3700,6 +7054,169 @@
       </p:sp>
       <p:sp>
         <p:nvSpPr>
+          <p:cNvPr id="22" name="Rectangle 21">
+            <a:extLst>
+              <a:ext uri="{FF2B5EF4-FFF2-40B4-BE49-F238E27FC236}">
+                <a16:creationId xmlns:a16="http://schemas.microsoft.com/office/drawing/2014/main" id="{55D4142C-5077-457F-A6AD-3FECFDB39685}"/>
+              </a:ext>
+              <a:ext uri="{C183D7F6-B498-43B3-948B-1728B52AA6E4}">
+                <adec:decorative xmlns:adec="http://schemas.microsoft.com/office/drawing/2017/decorative" val="1"/>
+              </a:ext>
+            </a:extLst>
+          </p:cNvPr>
+          <p:cNvSpPr>
+            <a:spLocks noGrp="1" noRot="1" noChangeAspect="1" noMove="1" noResize="1" noEditPoints="1" noAdjustHandles="1" noChangeArrowheads="1" noChangeShapeType="1" noTextEdit="1"/>
+          </p:cNvSpPr>
+          <p:nvPr>
+            <p:extLst>
+              <p:ext uri="{386F3935-93C4-4BCD-93E2-E3B085C9AB24}">
+                <p16:designElem xmlns:p16="http://schemas.microsoft.com/office/powerpoint/2015/main" val="1"/>
+              </p:ext>
+            </p:extLst>
+          </p:nvPr>
+        </p:nvSpPr>
+        <p:spPr>
+          <a:xfrm rot="5400000">
+            <a:off x="662559" y="605790"/>
+            <a:ext cx="73152" cy="548640"/>
+          </a:xfrm>
+          <a:prstGeom prst="rect">
+            <a:avLst/>
+          </a:prstGeom>
+          <a:solidFill>
+            <a:schemeClr val="accent2"/>
+          </a:solidFill>
+          <a:ln>
+            <a:noFill/>
+          </a:ln>
+        </p:spPr>
+        <p:style>
+          <a:lnRef idx="2">
+            <a:schemeClr val="accent1">
+              <a:shade val="50000"/>
+            </a:schemeClr>
+          </a:lnRef>
+          <a:fillRef idx="1">
+            <a:schemeClr val="accent1"/>
+          </a:fillRef>
+          <a:effectRef idx="0">
+            <a:schemeClr val="accent1"/>
+          </a:effectRef>
+          <a:fontRef idx="minor">
+            <a:schemeClr val="lt1"/>
+          </a:fontRef>
+        </p:style>
+        <p:txBody>
+          <a:bodyPr rtlCol="0" anchor="ctr"/>
+          <a:lstStyle/>
+          <a:p>
+            <a:pPr algn="ctr"/>
+            <a:endParaRPr lang="en-US">
+              <a:solidFill>
+                <a:prstClr val="white"/>
+              </a:solidFill>
+              <a:latin typeface="Calibri" panose="020F0502020204030204"/>
+            </a:endParaRPr>
+          </a:p>
+        </p:txBody>
+      </p:sp>
+      <p:sp>
+        <p:nvSpPr>
+          <p:cNvPr id="24" name="Rectangle 23">
+            <a:extLst>
+              <a:ext uri="{FF2B5EF4-FFF2-40B4-BE49-F238E27FC236}">
+                <a16:creationId xmlns:a16="http://schemas.microsoft.com/office/drawing/2014/main" id="{7A5F0580-5EE9-419F-96EE-B6529EF6E7D0}"/>
+              </a:ext>
+              <a:ext uri="{C183D7F6-B498-43B3-948B-1728B52AA6E4}">
+                <adec:decorative xmlns:adec="http://schemas.microsoft.com/office/drawing/2017/decorative" val="1"/>
+              </a:ext>
+            </a:extLst>
+          </p:cNvPr>
+          <p:cNvSpPr>
+            <a:spLocks noGrp="1" noRot="1" noChangeAspect="1" noMove="1" noResize="1" noEditPoints="1" noAdjustHandles="1" noChangeArrowheads="1" noChangeShapeType="1" noTextEdit="1"/>
+          </p:cNvSpPr>
+          <p:nvPr>
+            <p:extLst>
+              <p:ext uri="{386F3935-93C4-4BCD-93E2-E3B085C9AB24}">
+                <p16:designElem xmlns:p16="http://schemas.microsoft.com/office/powerpoint/2015/main" val="1"/>
+              </p:ext>
+            </p:extLst>
+          </p:nvPr>
+        </p:nvSpPr>
+        <p:spPr>
+          <a:xfrm>
+            <a:off x="428244" y="2443480"/>
+            <a:ext cx="3300984" cy="9144"/>
+          </a:xfrm>
+          <a:prstGeom prst="rect">
+            <a:avLst/>
+          </a:prstGeom>
+          <a:solidFill>
+            <a:srgbClr val="D5D5D5"/>
+          </a:solidFill>
+          <a:ln w="3175">
+            <a:solidFill>
+              <a:srgbClr val="D5D5D5"/>
+            </a:solidFill>
+          </a:ln>
+          <a:effectLst/>
+        </p:spPr>
+        <p:style>
+          <a:lnRef idx="2">
+            <a:schemeClr val="accent1">
+              <a:shade val="50000"/>
+            </a:schemeClr>
+          </a:lnRef>
+          <a:fillRef idx="1">
+            <a:schemeClr val="accent1"/>
+          </a:fillRef>
+          <a:effectRef idx="0">
+            <a:schemeClr val="accent1"/>
+          </a:effectRef>
+          <a:fontRef idx="minor">
+            <a:schemeClr val="lt1"/>
+          </a:fontRef>
+        </p:style>
+        <p:txBody>
+          <a:bodyPr rtlCol="0" anchor="ctr"/>
+          <a:lstStyle/>
+          <a:p>
+            <a:pPr marL="0" marR="0" lvl="0" indent="0" algn="ctr" defTabSz="914400" rtl="0" eaLnBrk="1" fontAlgn="auto" latinLnBrk="0" hangingPunct="1">
+              <a:lnSpc>
+                <a:spcPct val="100000"/>
+              </a:lnSpc>
+              <a:spcBef>
+                <a:spcPts val="0"/>
+              </a:spcBef>
+              <a:spcAft>
+                <a:spcPts val="0"/>
+              </a:spcAft>
+              <a:buClrTx/>
+              <a:buSzTx/>
+              <a:buFontTx/>
+              <a:buNone/>
+              <a:tabLst/>
+              <a:defRPr/>
+            </a:pPr>
+            <a:endParaRPr kumimoji="0" lang="en-US" sz="1800" b="0" i="0" u="none" strike="noStrike" kern="1200" cap="none" spc="0" normalizeH="0" baseline="0" noProof="0">
+              <a:ln>
+                <a:noFill/>
+              </a:ln>
+              <a:solidFill>
+                <a:prstClr val="white"/>
+              </a:solidFill>
+              <a:effectLst/>
+              <a:uLnTx/>
+              <a:uFillTx/>
+              <a:latin typeface="Calibri" panose="020F0502020204030204"/>
+              <a:ea typeface="+mn-ea"/>
+              <a:cs typeface="+mn-cs"/>
+            </a:endParaRPr>
+          </a:p>
+        </p:txBody>
+      </p:sp>
+      <p:sp>
+        <p:nvSpPr>
           <p:cNvPr id="3" name="Content Placeholder 2">
             <a:extLst>
               <a:ext uri="{FF2B5EF4-FFF2-40B4-BE49-F238E27FC236}">
@@ -3714,48 +7231,55 @@
             <p:ph idx="1"/>
           </p:nvPr>
         </p:nvSpPr>
-        <p:spPr/>
-        <p:txBody>
-          <a:bodyPr/>
+        <p:spPr>
+          <a:xfrm>
+            <a:off x="371094" y="2718054"/>
+            <a:ext cx="3438906" cy="3207258"/>
+          </a:xfrm>
+        </p:spPr>
+        <p:txBody>
+          <a:bodyPr anchor="t">
+            <a:normAutofit/>
+          </a:bodyPr>
           <a:lstStyle/>
           <a:p>
             <a:r>
-              <a:rPr lang="en-US" dirty="0"/>
+              <a:rPr lang="en-US" sz="1700" dirty="0"/>
               <a:t>Executive Summary</a:t>
             </a:r>
           </a:p>
           <a:p>
             <a:r>
-              <a:rPr lang="en-US" dirty="0"/>
+              <a:rPr lang="en-US" sz="1700" dirty="0"/>
               <a:t>Dataset</a:t>
             </a:r>
           </a:p>
           <a:p>
             <a:r>
-              <a:rPr lang="en-US" dirty="0"/>
+              <a:rPr lang="en-US" sz="1700" dirty="0"/>
               <a:t>Data Integrity Issues</a:t>
             </a:r>
           </a:p>
           <a:p>
             <a:r>
-              <a:rPr lang="en-US" dirty="0"/>
+              <a:rPr lang="en-US" sz="1700" dirty="0"/>
               <a:t>New York Market Update</a:t>
             </a:r>
           </a:p>
           <a:p>
             <a:r>
-              <a:rPr lang="en-US" dirty="0"/>
+              <a:rPr lang="en-US" sz="1700" dirty="0"/>
               <a:t>Growth Strategies</a:t>
             </a:r>
           </a:p>
           <a:p>
             <a:r>
-              <a:rPr lang="en-US" dirty="0"/>
-              <a:t>Final Results &amp; Next Steps</a:t>
-            </a:r>
-          </a:p>
-          <a:p>
-            <a:endParaRPr lang="en-US" dirty="0"/>
+              <a:rPr lang="en-US" sz="1700" dirty="0"/>
+              <a:t>Results &amp; Next Steps</a:t>
+            </a:r>
+          </a:p>
+          <a:p>
+            <a:endParaRPr lang="en-US" sz="1700" dirty="0"/>
           </a:p>
         </p:txBody>
       </p:sp>
@@ -3949,7 +7473,7 @@
           <p:cNvPr id="2" name="Title 1">
             <a:extLst>
               <a:ext uri="{FF2B5EF4-FFF2-40B4-BE49-F238E27FC236}">
-                <a16:creationId xmlns:a16="http://schemas.microsoft.com/office/drawing/2014/main" id="{DB1B22F0-7CDB-9642-A3A7-9748E62EB525}"/>
+                <a16:creationId xmlns:a16="http://schemas.microsoft.com/office/drawing/2014/main" id="{A84722D2-D305-994E-9DB7-08152701F673}"/>
               </a:ext>
             </a:extLst>
           </p:cNvPr>
@@ -3966,41 +7490,156 @@
           <a:lstStyle/>
           <a:p>
             <a:r>
+              <a:rPr lang="en-US" dirty="0" err="1"/>
+              <a:t>Jumpman</a:t>
+            </a:r>
+            <a:r>
               <a:rPr lang="en-US" dirty="0"/>
-              <a:t>Dataset</a:t>
-            </a:r>
-          </a:p>
-        </p:txBody>
-      </p:sp>
-      <p:sp>
-        <p:nvSpPr>
-          <p:cNvPr id="3" name="Content Placeholder 2">
-            <a:extLst>
-              <a:ext uri="{FF2B5EF4-FFF2-40B4-BE49-F238E27FC236}">
-                <a16:creationId xmlns:a16="http://schemas.microsoft.com/office/drawing/2014/main" id="{A485DBCC-2D84-E546-A67A-8E4A40AFA0F9}"/>
-              </a:ext>
-            </a:extLst>
-          </p:cNvPr>
-          <p:cNvSpPr>
-            <a:spLocks noGrp="1"/>
-          </p:cNvSpPr>
-          <p:nvPr>
-            <p:ph idx="1"/>
-          </p:nvPr>
-        </p:nvSpPr>
-        <p:spPr/>
-        <p:txBody>
-          <a:bodyPr/>
-          <a:lstStyle/>
-          <a:p>
-            <a:endParaRPr lang="en-US"/>
-          </a:p>
-        </p:txBody>
-      </p:sp>
+              <a:t> to Customer Delivery Process</a:t>
+            </a:r>
+          </a:p>
+        </p:txBody>
+      </p:sp>
+      <p:graphicFrame>
+        <p:nvGraphicFramePr>
+          <p:cNvPr id="4" name="Diagram 3">
+            <a:extLst>
+              <a:ext uri="{FF2B5EF4-FFF2-40B4-BE49-F238E27FC236}">
+                <a16:creationId xmlns:a16="http://schemas.microsoft.com/office/drawing/2014/main" id="{FA3C3F24-4393-BB4C-8E69-B89EDE9F0781}"/>
+              </a:ext>
+            </a:extLst>
+          </p:cNvPr>
+          <p:cNvGraphicFramePr/>
+          <p:nvPr>
+            <p:extLst>
+              <p:ext uri="{D42A27DB-BD31-4B8C-83A1-F6EECF244321}">
+                <p14:modId xmlns:p14="http://schemas.microsoft.com/office/powerpoint/2010/main" val="4184683673"/>
+              </p:ext>
+            </p:extLst>
+          </p:nvPr>
+        </p:nvGraphicFramePr>
+        <p:xfrm>
+          <a:off x="2032000" y="719666"/>
+          <a:ext cx="8128000" cy="5418667"/>
+        </p:xfrm>
+        <a:graphic>
+          <a:graphicData uri="http://schemas.openxmlformats.org/drawingml/2006/diagram">
+            <dgm:relIds xmlns:dgm="http://schemas.openxmlformats.org/drawingml/2006/diagram" xmlns:r="http://schemas.openxmlformats.org/officeDocument/2006/relationships" r:dm="rId2" r:lo="rId3" r:qs="rId4" r:cs="rId5"/>
+          </a:graphicData>
+        </a:graphic>
+      </p:graphicFrame>
+      <p:pic>
+        <p:nvPicPr>
+          <p:cNvPr id="8" name="Graphic 7" descr="Stopwatch">
+            <a:extLst>
+              <a:ext uri="{FF2B5EF4-FFF2-40B4-BE49-F238E27FC236}">
+                <a16:creationId xmlns:a16="http://schemas.microsoft.com/office/drawing/2014/main" id="{5C3F48F3-A8FD-9A44-897A-A9E8F5F35D3E}"/>
+              </a:ext>
+            </a:extLst>
+          </p:cNvPr>
+          <p:cNvPicPr>
+            <a:picLocks noChangeAspect="1"/>
+          </p:cNvPicPr>
+          <p:nvPr/>
+        </p:nvPicPr>
+        <p:blipFill>
+          <a:blip r:embed="rId7">
+            <a:extLst>
+              <a:ext uri="{96DAC541-7B7A-43D3-8B79-37D633B846F1}">
+                <asvg:svgBlip xmlns:asvg="http://schemas.microsoft.com/office/drawing/2016/SVG/main" r:embed="rId8"/>
+              </a:ext>
+            </a:extLst>
+          </a:blip>
+          <a:stretch>
+            <a:fillRect/>
+          </a:stretch>
+        </p:blipFill>
+        <p:spPr>
+          <a:xfrm>
+            <a:off x="8124825" y="3457310"/>
+            <a:ext cx="914400" cy="914400"/>
+          </a:xfrm>
+          <a:prstGeom prst="rect">
+            <a:avLst/>
+          </a:prstGeom>
+        </p:spPr>
+      </p:pic>
+      <p:pic>
+        <p:nvPicPr>
+          <p:cNvPr id="10" name="Graphic 9" descr="Hourglass Finished">
+            <a:extLst>
+              <a:ext uri="{FF2B5EF4-FFF2-40B4-BE49-F238E27FC236}">
+                <a16:creationId xmlns:a16="http://schemas.microsoft.com/office/drawing/2014/main" id="{8AF26DCF-8EF1-AE4D-8966-CE16D7515456}"/>
+              </a:ext>
+            </a:extLst>
+          </p:cNvPr>
+          <p:cNvPicPr>
+            <a:picLocks noChangeAspect="1"/>
+          </p:cNvPicPr>
+          <p:nvPr/>
+        </p:nvPicPr>
+        <p:blipFill>
+          <a:blip r:embed="rId9">
+            <a:extLst>
+              <a:ext uri="{96DAC541-7B7A-43D3-8B79-37D633B846F1}">
+                <asvg:svgBlip xmlns:asvg="http://schemas.microsoft.com/office/drawing/2016/SVG/main" r:embed="rId10"/>
+              </a:ext>
+            </a:extLst>
+          </a:blip>
+          <a:stretch>
+            <a:fillRect/>
+          </a:stretch>
+        </p:blipFill>
+        <p:spPr>
+          <a:xfrm>
+            <a:off x="5638800" y="5681133"/>
+            <a:ext cx="914400" cy="914400"/>
+          </a:xfrm>
+          <a:prstGeom prst="rect">
+            <a:avLst/>
+          </a:prstGeom>
+        </p:spPr>
+      </p:pic>
+      <p:pic>
+        <p:nvPicPr>
+          <p:cNvPr id="12" name="Graphic 11" descr="Marker">
+            <a:extLst>
+              <a:ext uri="{FF2B5EF4-FFF2-40B4-BE49-F238E27FC236}">
+                <a16:creationId xmlns:a16="http://schemas.microsoft.com/office/drawing/2014/main" id="{0A4035FC-A054-0F49-B7D8-D1448F4CACEC}"/>
+              </a:ext>
+            </a:extLst>
+          </p:cNvPr>
+          <p:cNvPicPr>
+            <a:picLocks noChangeAspect="1"/>
+          </p:cNvPicPr>
+          <p:nvPr/>
+        </p:nvPicPr>
+        <p:blipFill>
+          <a:blip r:embed="rId11">
+            <a:extLst>
+              <a:ext uri="{96DAC541-7B7A-43D3-8B79-37D633B846F1}">
+                <asvg:svgBlip xmlns:asvg="http://schemas.microsoft.com/office/drawing/2016/SVG/main" r:embed="rId12"/>
+              </a:ext>
+            </a:extLst>
+          </a:blip>
+          <a:stretch>
+            <a:fillRect/>
+          </a:stretch>
+        </p:blipFill>
+        <p:spPr>
+          <a:xfrm>
+            <a:off x="10299700" y="1500187"/>
+            <a:ext cx="914400" cy="914400"/>
+          </a:xfrm>
+          <a:prstGeom prst="rect">
+            <a:avLst/>
+          </a:prstGeom>
+        </p:spPr>
+      </p:pic>
     </p:spTree>
     <p:extLst>
       <p:ext uri="{BB962C8B-B14F-4D97-AF65-F5344CB8AC3E}">
-        <p14:creationId xmlns:p14="http://schemas.microsoft.com/office/powerpoint/2010/main" val="1465185019"/>
+        <p14:creationId xmlns:p14="http://schemas.microsoft.com/office/powerpoint/2010/main" val="1601087690"/>
       </p:ext>
     </p:extLst>
   </p:cSld>
@@ -4029,10 +7668,10 @@
       </p:grpSpPr>
       <p:sp>
         <p:nvSpPr>
-          <p:cNvPr id="2" name="Title 1">
-            <a:extLst>
-              <a:ext uri="{FF2B5EF4-FFF2-40B4-BE49-F238E27FC236}">
-                <a16:creationId xmlns:a16="http://schemas.microsoft.com/office/drawing/2014/main" id="{E6D31B3F-7BFC-2140-B2D5-809FEF6159AA}"/>
+          <p:cNvPr id="10" name="Title 9">
+            <a:extLst>
+              <a:ext uri="{FF2B5EF4-FFF2-40B4-BE49-F238E27FC236}">
+                <a16:creationId xmlns:a16="http://schemas.microsoft.com/office/drawing/2014/main" id="{D43C1890-5AEA-3A48-8A35-4F5D310BCD35}"/>
               </a:ext>
             </a:extLst>
           </p:cNvPr>
@@ -4050,25 +7689,54 @@
           <a:p>
             <a:r>
               <a:rPr lang="en-US" dirty="0"/>
-              <a:t>Integrity Concerns</a:t>
-            </a:r>
-          </a:p>
-        </p:txBody>
-      </p:sp>
-      <p:sp>
-        <p:nvSpPr>
-          <p:cNvPr id="3" name="Content Placeholder 2">
-            <a:extLst>
-              <a:ext uri="{FF2B5EF4-FFF2-40B4-BE49-F238E27FC236}">
-                <a16:creationId xmlns:a16="http://schemas.microsoft.com/office/drawing/2014/main" id="{7D3C1924-C9F5-A44D-ABF1-D455A7B438F1}"/>
-              </a:ext>
-            </a:extLst>
-          </p:cNvPr>
-          <p:cNvSpPr>
-            <a:spLocks noGrp="1"/>
-          </p:cNvSpPr>
+              <a:t>Dataset</a:t>
+            </a:r>
+          </a:p>
+        </p:txBody>
+      </p:sp>
+      <p:pic>
+        <p:nvPicPr>
+          <p:cNvPr id="14" name="Content Placeholder 13">
+            <a:extLst>
+              <a:ext uri="{FF2B5EF4-FFF2-40B4-BE49-F238E27FC236}">
+                <a16:creationId xmlns:a16="http://schemas.microsoft.com/office/drawing/2014/main" id="{0954911C-0D40-CA4C-BE52-3E922EA40882}"/>
+              </a:ext>
+            </a:extLst>
+          </p:cNvPr>
+          <p:cNvPicPr>
+            <a:picLocks noGrp="1" noChangeAspect="1"/>
+          </p:cNvPicPr>
           <p:nvPr>
             <p:ph idx="1"/>
+          </p:nvPr>
+        </p:nvPicPr>
+        <p:blipFill>
+          <a:blip r:embed="rId2"/>
+          <a:stretch>
+            <a:fillRect/>
+          </a:stretch>
+        </p:blipFill>
+        <p:spPr>
+          <a:xfrm>
+            <a:off x="5278654" y="987425"/>
+            <a:ext cx="5981267" cy="4873625"/>
+          </a:xfrm>
+        </p:spPr>
+      </p:pic>
+      <p:sp>
+        <p:nvSpPr>
+          <p:cNvPr id="12" name="Text Placeholder 11">
+            <a:extLst>
+              <a:ext uri="{FF2B5EF4-FFF2-40B4-BE49-F238E27FC236}">
+                <a16:creationId xmlns:a16="http://schemas.microsoft.com/office/drawing/2014/main" id="{ABFC9FF7-0F74-DC46-B1BA-0E0A7080891F}"/>
+              </a:ext>
+            </a:extLst>
+          </p:cNvPr>
+          <p:cNvSpPr>
+            <a:spLocks noGrp="1"/>
+          </p:cNvSpPr>
+          <p:nvPr>
+            <p:ph type="body" sz="half" idx="2"/>
           </p:nvPr>
         </p:nvSpPr>
         <p:spPr/>
@@ -4076,14 +7744,44 @@
           <a:bodyPr/>
           <a:lstStyle/>
           <a:p>
-            <a:endParaRPr lang="en-US"/>
+            <a:r>
+              <a:rPr lang="en-US" dirty="0"/>
+              <a:t>5,900+ records and 18 features</a:t>
+            </a:r>
+          </a:p>
+          <a:p>
+            <a:r>
+              <a:rPr lang="en-US" dirty="0"/>
+              <a:t>Engineered Features:</a:t>
+            </a:r>
+          </a:p>
+          <a:p>
+            <a:r>
+              <a:rPr lang="en-US" dirty="0"/>
+              <a:t>-One </a:t>
+            </a:r>
+          </a:p>
+          <a:p>
+            <a:r>
+              <a:rPr lang="en-US" dirty="0"/>
+              <a:t>-Two</a:t>
+            </a:r>
+          </a:p>
+          <a:p>
+            <a:r>
+              <a:rPr lang="en-US" dirty="0"/>
+              <a:t>-Three</a:t>
+            </a:r>
+          </a:p>
+          <a:p>
+            <a:endParaRPr lang="en-US" dirty="0"/>
           </a:p>
         </p:txBody>
       </p:sp>
     </p:spTree>
     <p:extLst>
       <p:ext uri="{BB962C8B-B14F-4D97-AF65-F5344CB8AC3E}">
-        <p14:creationId xmlns:p14="http://schemas.microsoft.com/office/powerpoint/2010/main" val="3691253493"/>
+        <p14:creationId xmlns:p14="http://schemas.microsoft.com/office/powerpoint/2010/main" val="1465185019"/>
       </p:ext>
     </p:extLst>
   </p:cSld>
@@ -4115,7 +7813,7 @@
           <p:cNvPr id="2" name="Title 1">
             <a:extLst>
               <a:ext uri="{FF2B5EF4-FFF2-40B4-BE49-F238E27FC236}">
-                <a16:creationId xmlns:a16="http://schemas.microsoft.com/office/drawing/2014/main" id="{4F8A69E6-EAC1-CA49-9AB5-A2179A65F403}"/>
+                <a16:creationId xmlns:a16="http://schemas.microsoft.com/office/drawing/2014/main" id="{E6D31B3F-7BFC-2140-B2D5-809FEF6159AA}"/>
               </a:ext>
             </a:extLst>
           </p:cNvPr>
@@ -4131,39 +7829,47 @@
           <a:bodyPr/>
           <a:lstStyle/>
           <a:p>
-            <a:endParaRPr lang="en-US"/>
-          </a:p>
-        </p:txBody>
-      </p:sp>
-      <p:sp>
-        <p:nvSpPr>
-          <p:cNvPr id="3" name="Content Placeholder 2">
-            <a:extLst>
-              <a:ext uri="{FF2B5EF4-FFF2-40B4-BE49-F238E27FC236}">
-                <a16:creationId xmlns:a16="http://schemas.microsoft.com/office/drawing/2014/main" id="{37DAE5F2-5099-0145-8024-578D3D914973}"/>
-              </a:ext>
-            </a:extLst>
-          </p:cNvPr>
-          <p:cNvSpPr>
-            <a:spLocks noGrp="1"/>
-          </p:cNvSpPr>
-          <p:nvPr>
-            <p:ph idx="1"/>
-          </p:nvPr>
-        </p:nvSpPr>
-        <p:spPr/>
-        <p:txBody>
-          <a:bodyPr/>
-          <a:lstStyle/>
-          <a:p>
-            <a:endParaRPr lang="en-US"/>
-          </a:p>
-        </p:txBody>
-      </p:sp>
+            <a:r>
+              <a:rPr lang="en-US" dirty="0"/>
+              <a:t>Integrity Concerns</a:t>
+            </a:r>
+          </a:p>
+        </p:txBody>
+      </p:sp>
+      <p:pic>
+        <p:nvPicPr>
+          <p:cNvPr id="5" name="Picture 4">
+            <a:extLst>
+              <a:ext uri="{FF2B5EF4-FFF2-40B4-BE49-F238E27FC236}">
+                <a16:creationId xmlns:a16="http://schemas.microsoft.com/office/drawing/2014/main" id="{205BA09C-4854-A344-8923-403A2A3BBB50}"/>
+              </a:ext>
+            </a:extLst>
+          </p:cNvPr>
+          <p:cNvPicPr>
+            <a:picLocks noChangeAspect="1"/>
+          </p:cNvPicPr>
+          <p:nvPr/>
+        </p:nvPicPr>
+        <p:blipFill>
+          <a:blip r:embed="rId2"/>
+          <a:stretch>
+            <a:fillRect/>
+          </a:stretch>
+        </p:blipFill>
+        <p:spPr>
+          <a:xfrm>
+            <a:off x="228600" y="1690688"/>
+            <a:ext cx="5867400" cy="4330555"/>
+          </a:xfrm>
+          <a:prstGeom prst="rect">
+            <a:avLst/>
+          </a:prstGeom>
+        </p:spPr>
+      </p:pic>
     </p:spTree>
     <p:extLst>
       <p:ext uri="{BB962C8B-B14F-4D97-AF65-F5344CB8AC3E}">
-        <p14:creationId xmlns:p14="http://schemas.microsoft.com/office/powerpoint/2010/main" val="4215003581"/>
+        <p14:creationId xmlns:p14="http://schemas.microsoft.com/office/powerpoint/2010/main" val="3691253493"/>
       </p:ext>
     </p:extLst>
   </p:cSld>
@@ -4195,7 +7901,7 @@
           <p:cNvPr id="2" name="Title 1">
             <a:extLst>
               <a:ext uri="{FF2B5EF4-FFF2-40B4-BE49-F238E27FC236}">
-                <a16:creationId xmlns:a16="http://schemas.microsoft.com/office/drawing/2014/main" id="{F1E7F9AC-AAE7-4345-A416-E07CA295B92C}"/>
+                <a16:creationId xmlns:a16="http://schemas.microsoft.com/office/drawing/2014/main" id="{4F8A69E6-EAC1-CA49-9AB5-A2179A65F403}"/>
               </a:ext>
             </a:extLst>
           </p:cNvPr>
@@ -4215,35 +7921,70 @@
           </a:p>
         </p:txBody>
       </p:sp>
-      <p:sp>
-        <p:nvSpPr>
-          <p:cNvPr id="3" name="Content Placeholder 2">
-            <a:extLst>
-              <a:ext uri="{FF2B5EF4-FFF2-40B4-BE49-F238E27FC236}">
-                <a16:creationId xmlns:a16="http://schemas.microsoft.com/office/drawing/2014/main" id="{747E2B0C-1D33-2143-B837-19DC659A7C30}"/>
-              </a:ext>
-            </a:extLst>
-          </p:cNvPr>
-          <p:cNvSpPr>
-            <a:spLocks noGrp="1"/>
-          </p:cNvSpPr>
-          <p:nvPr>
-            <p:ph idx="1"/>
-          </p:nvPr>
-        </p:nvSpPr>
-        <p:spPr/>
-        <p:txBody>
-          <a:bodyPr/>
-          <a:lstStyle/>
-          <a:p>
-            <a:endParaRPr lang="en-US"/>
-          </a:p>
-        </p:txBody>
-      </p:sp>
+      <p:pic>
+        <p:nvPicPr>
+          <p:cNvPr id="5" name="Picture 4">
+            <a:extLst>
+              <a:ext uri="{FF2B5EF4-FFF2-40B4-BE49-F238E27FC236}">
+                <a16:creationId xmlns:a16="http://schemas.microsoft.com/office/drawing/2014/main" id="{C087BD82-DE94-2D4B-BBFE-B128B957F7C3}"/>
+              </a:ext>
+            </a:extLst>
+          </p:cNvPr>
+          <p:cNvPicPr>
+            <a:picLocks noChangeAspect="1"/>
+          </p:cNvPicPr>
+          <p:nvPr/>
+        </p:nvPicPr>
+        <p:blipFill>
+          <a:blip r:embed="rId2"/>
+          <a:stretch>
+            <a:fillRect/>
+          </a:stretch>
+        </p:blipFill>
+        <p:spPr>
+          <a:xfrm>
+            <a:off x="102721" y="3183217"/>
+            <a:ext cx="4940300" cy="3530600"/>
+          </a:xfrm>
+          <a:prstGeom prst="rect">
+            <a:avLst/>
+          </a:prstGeom>
+        </p:spPr>
+      </p:pic>
+      <p:pic>
+        <p:nvPicPr>
+          <p:cNvPr id="6" name="Picture 5">
+            <a:extLst>
+              <a:ext uri="{FF2B5EF4-FFF2-40B4-BE49-F238E27FC236}">
+                <a16:creationId xmlns:a16="http://schemas.microsoft.com/office/drawing/2014/main" id="{A6D4A592-9907-ED43-9094-9502AD4AA337}"/>
+              </a:ext>
+            </a:extLst>
+          </p:cNvPr>
+          <p:cNvPicPr>
+            <a:picLocks noChangeAspect="1"/>
+          </p:cNvPicPr>
+          <p:nvPr/>
+        </p:nvPicPr>
+        <p:blipFill>
+          <a:blip r:embed="rId3"/>
+          <a:stretch>
+            <a:fillRect/>
+          </a:stretch>
+        </p:blipFill>
+        <p:spPr>
+          <a:xfrm>
+            <a:off x="5452176" y="2962275"/>
+            <a:ext cx="5016500" cy="3530600"/>
+          </a:xfrm>
+          <a:prstGeom prst="rect">
+            <a:avLst/>
+          </a:prstGeom>
+        </p:spPr>
+      </p:pic>
     </p:spTree>
     <p:extLst>
       <p:ext uri="{BB962C8B-B14F-4D97-AF65-F5344CB8AC3E}">
-        <p14:creationId xmlns:p14="http://schemas.microsoft.com/office/powerpoint/2010/main" val="982642825"/>
+        <p14:creationId xmlns:p14="http://schemas.microsoft.com/office/powerpoint/2010/main" val="4215003581"/>
       </p:ext>
     </p:extLst>
   </p:cSld>
@@ -4275,7 +8016,7 @@
           <p:cNvPr id="2" name="Title 1">
             <a:extLst>
               <a:ext uri="{FF2B5EF4-FFF2-40B4-BE49-F238E27FC236}">
-                <a16:creationId xmlns:a16="http://schemas.microsoft.com/office/drawing/2014/main" id="{8B893835-7093-2148-9141-44AE6A0B0095}"/>
+                <a16:creationId xmlns:a16="http://schemas.microsoft.com/office/drawing/2014/main" id="{F1E7F9AC-AAE7-4345-A416-E07CA295B92C}"/>
               </a:ext>
             </a:extLst>
           </p:cNvPr>
@@ -4300,7 +8041,7 @@
           <p:cNvPr id="3" name="Content Placeholder 2">
             <a:extLst>
               <a:ext uri="{FF2B5EF4-FFF2-40B4-BE49-F238E27FC236}">
-                <a16:creationId xmlns:a16="http://schemas.microsoft.com/office/drawing/2014/main" id="{10E23F0F-BE41-0A41-9705-141A1F6AD0D5}"/>
+                <a16:creationId xmlns:a16="http://schemas.microsoft.com/office/drawing/2014/main" id="{747E2B0C-1D33-2143-B837-19DC659A7C30}"/>
               </a:ext>
             </a:extLst>
           </p:cNvPr>
@@ -4323,7 +8064,7 @@
     </p:spTree>
     <p:extLst>
       <p:ext uri="{BB962C8B-B14F-4D97-AF65-F5344CB8AC3E}">
-        <p14:creationId xmlns:p14="http://schemas.microsoft.com/office/powerpoint/2010/main" val="398813395"/>
+        <p14:creationId xmlns:p14="http://schemas.microsoft.com/office/powerpoint/2010/main" val="982642825"/>
       </p:ext>
     </p:extLst>
   </p:cSld>
@@ -4355,7 +8096,7 @@
           <p:cNvPr id="2" name="Title 1">
             <a:extLst>
               <a:ext uri="{FF2B5EF4-FFF2-40B4-BE49-F238E27FC236}">
-                <a16:creationId xmlns:a16="http://schemas.microsoft.com/office/drawing/2014/main" id="{F85A7569-74D4-0A4B-9638-8C36D6B9A994}"/>
+                <a16:creationId xmlns:a16="http://schemas.microsoft.com/office/drawing/2014/main" id="{8B893835-7093-2148-9141-44AE6A0B0095}"/>
               </a:ext>
             </a:extLst>
           </p:cNvPr>
@@ -4380,7 +8121,7 @@
           <p:cNvPr id="3" name="Content Placeholder 2">
             <a:extLst>
               <a:ext uri="{FF2B5EF4-FFF2-40B4-BE49-F238E27FC236}">
-                <a16:creationId xmlns:a16="http://schemas.microsoft.com/office/drawing/2014/main" id="{B580BBD8-F835-AB4B-A27B-538A6962D9F0}"/>
+                <a16:creationId xmlns:a16="http://schemas.microsoft.com/office/drawing/2014/main" id="{10E23F0F-BE41-0A41-9705-141A1F6AD0D5}"/>
               </a:ext>
             </a:extLst>
           </p:cNvPr>
@@ -4403,7 +8144,7 @@
     </p:spTree>
     <p:extLst>
       <p:ext uri="{BB962C8B-B14F-4D97-AF65-F5344CB8AC3E}">
-        <p14:creationId xmlns:p14="http://schemas.microsoft.com/office/powerpoint/2010/main" val="3027111478"/>
+        <p14:creationId xmlns:p14="http://schemas.microsoft.com/office/powerpoint/2010/main" val="398813395"/>
       </p:ext>
     </p:extLst>
   </p:cSld>

--- a/Stephen_Stark_Analysis.pptx
+++ b/Stephen_Stark_Analysis.pptx
@@ -17,10 +17,10 @@
     <p:sldId id="274" r:id="rId8"/>
     <p:sldId id="275" r:id="rId9"/>
     <p:sldId id="273" r:id="rId10"/>
-    <p:sldId id="270" r:id="rId11"/>
-    <p:sldId id="259" r:id="rId12"/>
-    <p:sldId id="269" r:id="rId13"/>
-    <p:sldId id="260" r:id="rId14"/>
+    <p:sldId id="260" r:id="rId11"/>
+    <p:sldId id="270" r:id="rId12"/>
+    <p:sldId id="259" r:id="rId13"/>
+    <p:sldId id="269" r:id="rId14"/>
     <p:sldId id="261" r:id="rId15"/>
     <p:sldId id="262" r:id="rId16"/>
     <p:sldId id="263" r:id="rId17"/>
@@ -7904,6 +7904,1113 @@
           <p:cNvPr id="2" name="Title 1">
             <a:extLst>
               <a:ext uri="{FF2B5EF4-FFF2-40B4-BE49-F238E27FC236}">
+                <a16:creationId xmlns:a16="http://schemas.microsoft.com/office/drawing/2014/main" id="{E6D31B3F-7BFC-2140-B2D5-809FEF6159AA}"/>
+              </a:ext>
+            </a:extLst>
+          </p:cNvPr>
+          <p:cNvSpPr>
+            <a:spLocks noGrp="1"/>
+          </p:cNvSpPr>
+          <p:nvPr>
+            <p:ph type="title"/>
+          </p:nvPr>
+        </p:nvSpPr>
+        <p:spPr>
+          <a:xfrm>
+            <a:off x="838200" y="365125"/>
+            <a:ext cx="10515600" cy="1325563"/>
+          </a:xfrm>
+        </p:spPr>
+        <p:txBody>
+          <a:bodyPr/>
+          <a:lstStyle/>
+          <a:p>
+            <a:r>
+              <a:rPr lang="en-US" b="1" dirty="0"/>
+              <a:t>04 DATA INTEGRITY CONCERNS</a:t>
+            </a:r>
+          </a:p>
+        </p:txBody>
+      </p:sp>
+      <p:sp>
+        <p:nvSpPr>
+          <p:cNvPr id="13" name="Content Placeholder 12">
+            <a:extLst>
+              <a:ext uri="{FF2B5EF4-FFF2-40B4-BE49-F238E27FC236}">
+                <a16:creationId xmlns:a16="http://schemas.microsoft.com/office/drawing/2014/main" id="{68253D8F-FB7E-A847-A7E6-A28325B5B8A3}"/>
+              </a:ext>
+            </a:extLst>
+          </p:cNvPr>
+          <p:cNvSpPr>
+            <a:spLocks noGrp="1"/>
+          </p:cNvSpPr>
+          <p:nvPr>
+            <p:ph sz="half" idx="2"/>
+          </p:nvPr>
+        </p:nvSpPr>
+        <p:spPr/>
+        <p:txBody>
+          <a:bodyPr>
+            <a:noAutofit/>
+          </a:bodyPr>
+          <a:lstStyle/>
+          <a:p>
+            <a:pPr marL="0" indent="0">
+              <a:buNone/>
+            </a:pPr>
+            <a:r>
+              <a:rPr lang="en-US" sz="1500" dirty="0"/>
+              <a:t>There is a systematic issue in data collection as evidence by the missing records. Assumptions:</a:t>
+            </a:r>
+          </a:p>
+          <a:p>
+            <a:r>
+              <a:rPr lang="en-US" sz="1500" dirty="0"/>
+              <a:t>Place category, item name, item quantity, category name were all replaced with “not disclosed”</a:t>
+            </a:r>
+          </a:p>
+          <a:p>
+            <a:r>
+              <a:rPr lang="en-US" sz="1500" dirty="0"/>
+              <a:t>Estimated time to order using an average value for the dataset as my analysis did not show meaningful deviation by place category </a:t>
+            </a:r>
+          </a:p>
+          <a:p>
+            <a:r>
+              <a:rPr lang="en-US" sz="1500" dirty="0"/>
+              <a:t>Dropped records that did not have </a:t>
+            </a:r>
+            <a:r>
+              <a:rPr lang="en-US" sz="1500" dirty="0" err="1"/>
+              <a:t>Jumpman</a:t>
+            </a:r>
+            <a:r>
+              <a:rPr lang="en-US" sz="1500" dirty="0"/>
+              <a:t> pickup arrival and departure times</a:t>
+            </a:r>
+          </a:p>
+          <a:p>
+            <a:endParaRPr lang="en-US" sz="1500" dirty="0"/>
+          </a:p>
+          <a:p>
+            <a:pPr marL="0" indent="0">
+              <a:buNone/>
+            </a:pPr>
+            <a:r>
+              <a:rPr lang="en-US" sz="1500" dirty="0">
+                <a:solidFill>
+                  <a:srgbClr val="FF0000"/>
+                </a:solidFill>
+              </a:rPr>
+              <a:t>For next steps, I would recommend a classification model to predict the category of the restaurant name. This could be implemented using natural language processing and a simple machine learning.</a:t>
+            </a:r>
+          </a:p>
+          <a:p>
+            <a:pPr marL="0" indent="0">
+              <a:buNone/>
+            </a:pPr>
+            <a:endParaRPr lang="en-US" sz="1500" dirty="0"/>
+          </a:p>
+          <a:p>
+            <a:pPr marL="0" indent="0">
+              <a:buNone/>
+            </a:pPr>
+            <a:endParaRPr lang="en-US" sz="1500" dirty="0"/>
+          </a:p>
+        </p:txBody>
+      </p:sp>
+      <p:graphicFrame>
+        <p:nvGraphicFramePr>
+          <p:cNvPr id="8" name="Table 8">
+            <a:extLst>
+              <a:ext uri="{FF2B5EF4-FFF2-40B4-BE49-F238E27FC236}">
+                <a16:creationId xmlns:a16="http://schemas.microsoft.com/office/drawing/2014/main" id="{80B0255E-711B-F54C-9B3B-ABE81D6B5E27}"/>
+              </a:ext>
+            </a:extLst>
+          </p:cNvPr>
+          <p:cNvGraphicFramePr>
+            <a:graphicFrameLocks noGrp="1"/>
+          </p:cNvGraphicFramePr>
+          <p:nvPr>
+            <p:extLst>
+              <p:ext uri="{D42A27DB-BD31-4B8C-83A1-F6EECF244321}">
+                <p14:modId xmlns:p14="http://schemas.microsoft.com/office/powerpoint/2010/main" val="3055552297"/>
+              </p:ext>
+            </p:extLst>
+          </p:nvPr>
+        </p:nvGraphicFramePr>
+        <p:xfrm>
+          <a:off x="513737" y="1425217"/>
+          <a:ext cx="2140974" cy="4844503"/>
+        </p:xfrm>
+        <a:graphic>
+          <a:graphicData uri="http://schemas.openxmlformats.org/drawingml/2006/table">
+            <a:tbl>
+              <a:tblPr firstRow="1" bandRow="1">
+                <a:tableStyleId>{5C22544A-7EE6-4342-B048-85BDC9FD1C3A}</a:tableStyleId>
+              </a:tblPr>
+              <a:tblGrid>
+                <a:gridCol w="1418287">
+                  <a:extLst>
+                    <a:ext uri="{9D8B030D-6E8A-4147-A177-3AD203B41FA5}">
+                      <a16:colId xmlns:a16="http://schemas.microsoft.com/office/drawing/2014/main" val="1258085703"/>
+                    </a:ext>
+                  </a:extLst>
+                </a:gridCol>
+                <a:gridCol w="722687">
+                  <a:extLst>
+                    <a:ext uri="{9D8B030D-6E8A-4147-A177-3AD203B41FA5}">
+                      <a16:colId xmlns:a16="http://schemas.microsoft.com/office/drawing/2014/main" val="3386613569"/>
+                    </a:ext>
+                  </a:extLst>
+                </a:gridCol>
+              </a:tblGrid>
+              <a:tr h="183644">
+                <a:tc>
+                  <a:txBody>
+                    <a:bodyPr/>
+                    <a:lstStyle/>
+                    <a:p>
+                      <a:pPr algn="l" fontAlgn="b"/>
+                      <a:r>
+                        <a:rPr lang="en-US" sz="1200" b="1" i="0" u="none" strike="noStrike" dirty="0">
+                          <a:solidFill>
+                            <a:srgbClr val="000000"/>
+                          </a:solidFill>
+                          <a:effectLst/>
+                          <a:latin typeface="Calibri" panose="020F0502020204030204" pitchFamily="34" charset="0"/>
+                        </a:rPr>
+                        <a:t>Attribute</a:t>
+                      </a:r>
+                    </a:p>
+                  </a:txBody>
+                  <a:tcPr marL="4717" marR="4717" marT="4717" marB="0" anchor="b"/>
+                </a:tc>
+                <a:tc>
+                  <a:txBody>
+                    <a:bodyPr/>
+                    <a:lstStyle/>
+                    <a:p>
+                      <a:pPr algn="ctr" fontAlgn="b"/>
+                      <a:r>
+                        <a:rPr lang="en-US" sz="1200" b="1" i="0" u="none" strike="noStrike" dirty="0">
+                          <a:solidFill>
+                            <a:srgbClr val="000000"/>
+                          </a:solidFill>
+                          <a:effectLst/>
+                          <a:latin typeface="Calibri" panose="020F0502020204030204" pitchFamily="34" charset="0"/>
+                        </a:rPr>
+                        <a:t>Missing Value Count</a:t>
+                      </a:r>
+                    </a:p>
+                  </a:txBody>
+                  <a:tcPr marL="4717" marR="4717" marT="4717" marB="0" anchor="b"/>
+                </a:tc>
+                <a:extLst>
+                  <a:ext uri="{0D108BD9-81ED-4DB2-BD59-A6C34878D82A}">
+                    <a16:rowId xmlns:a16="http://schemas.microsoft.com/office/drawing/2014/main" val="1366333991"/>
+                  </a:ext>
+                </a:extLst>
+              </a:tr>
+              <a:tr h="183644">
+                <a:tc>
+                  <a:txBody>
+                    <a:bodyPr/>
+                    <a:lstStyle/>
+                    <a:p>
+                      <a:pPr algn="l" fontAlgn="b"/>
+                      <a:r>
+                        <a:rPr lang="en-US" sz="1200" b="0" i="0" u="none" strike="noStrike">
+                          <a:solidFill>
+                            <a:srgbClr val="000000"/>
+                          </a:solidFill>
+                          <a:effectLst/>
+                          <a:latin typeface="Calibri" panose="020F0502020204030204" pitchFamily="34" charset="0"/>
+                        </a:rPr>
+                        <a:t>delivery_id</a:t>
+                      </a:r>
+                    </a:p>
+                  </a:txBody>
+                  <a:tcPr marL="4717" marR="4717" marT="4717" marB="0" anchor="b"/>
+                </a:tc>
+                <a:tc>
+                  <a:txBody>
+                    <a:bodyPr/>
+                    <a:lstStyle/>
+                    <a:p>
+                      <a:pPr algn="ctr" fontAlgn="b"/>
+                      <a:r>
+                        <a:rPr lang="en-US" sz="1200" b="0" i="0" u="none" strike="noStrike" dirty="0">
+                          <a:solidFill>
+                            <a:srgbClr val="000000"/>
+                          </a:solidFill>
+                          <a:effectLst/>
+                          <a:latin typeface="Calibri" panose="020F0502020204030204" pitchFamily="34" charset="0"/>
+                        </a:rPr>
+                        <a:t>0</a:t>
+                      </a:r>
+                    </a:p>
+                  </a:txBody>
+                  <a:tcPr marL="4717" marR="4717" marT="4717" marB="0" anchor="b"/>
+                </a:tc>
+                <a:extLst>
+                  <a:ext uri="{0D108BD9-81ED-4DB2-BD59-A6C34878D82A}">
+                    <a16:rowId xmlns:a16="http://schemas.microsoft.com/office/drawing/2014/main" val="600843719"/>
+                  </a:ext>
+                </a:extLst>
+              </a:tr>
+              <a:tr h="183644">
+                <a:tc>
+                  <a:txBody>
+                    <a:bodyPr/>
+                    <a:lstStyle/>
+                    <a:p>
+                      <a:pPr algn="l" fontAlgn="b"/>
+                      <a:r>
+                        <a:rPr lang="en-US" sz="1200" b="0" i="0" u="none" strike="noStrike" dirty="0" err="1">
+                          <a:solidFill>
+                            <a:srgbClr val="000000"/>
+                          </a:solidFill>
+                          <a:effectLst/>
+                          <a:latin typeface="Calibri" panose="020F0502020204030204" pitchFamily="34" charset="0"/>
+                        </a:rPr>
+                        <a:t>customer_id</a:t>
+                      </a:r>
+                      <a:endParaRPr lang="en-US" sz="1200" b="0" i="0" u="none" strike="noStrike" dirty="0">
+                        <a:solidFill>
+                          <a:srgbClr val="000000"/>
+                        </a:solidFill>
+                        <a:effectLst/>
+                        <a:latin typeface="Calibri" panose="020F0502020204030204" pitchFamily="34" charset="0"/>
+                      </a:endParaRPr>
+                    </a:p>
+                  </a:txBody>
+                  <a:tcPr marL="4717" marR="4717" marT="4717" marB="0" anchor="b"/>
+                </a:tc>
+                <a:tc>
+                  <a:txBody>
+                    <a:bodyPr/>
+                    <a:lstStyle/>
+                    <a:p>
+                      <a:pPr algn="ctr" fontAlgn="b"/>
+                      <a:r>
+                        <a:rPr lang="en-US" sz="1200" b="0" i="0" u="none" strike="noStrike" dirty="0">
+                          <a:solidFill>
+                            <a:srgbClr val="000000"/>
+                          </a:solidFill>
+                          <a:effectLst/>
+                          <a:latin typeface="Calibri" panose="020F0502020204030204" pitchFamily="34" charset="0"/>
+                        </a:rPr>
+                        <a:t>0</a:t>
+                      </a:r>
+                    </a:p>
+                  </a:txBody>
+                  <a:tcPr marL="4717" marR="4717" marT="4717" marB="0" anchor="b"/>
+                </a:tc>
+                <a:extLst>
+                  <a:ext uri="{0D108BD9-81ED-4DB2-BD59-A6C34878D82A}">
+                    <a16:rowId xmlns:a16="http://schemas.microsoft.com/office/drawing/2014/main" val="3673899072"/>
+                  </a:ext>
+                </a:extLst>
+              </a:tr>
+              <a:tr h="183644">
+                <a:tc>
+                  <a:txBody>
+                    <a:bodyPr/>
+                    <a:lstStyle/>
+                    <a:p>
+                      <a:pPr algn="l" fontAlgn="b"/>
+                      <a:r>
+                        <a:rPr lang="en-US" sz="1200" b="0" i="0" u="none" strike="noStrike">
+                          <a:solidFill>
+                            <a:srgbClr val="000000"/>
+                          </a:solidFill>
+                          <a:effectLst/>
+                          <a:latin typeface="Calibri" panose="020F0502020204030204" pitchFamily="34" charset="0"/>
+                        </a:rPr>
+                        <a:t>jumpman_id</a:t>
+                      </a:r>
+                    </a:p>
+                  </a:txBody>
+                  <a:tcPr marL="4717" marR="4717" marT="4717" marB="0" anchor="b"/>
+                </a:tc>
+                <a:tc>
+                  <a:txBody>
+                    <a:bodyPr/>
+                    <a:lstStyle/>
+                    <a:p>
+                      <a:pPr algn="ctr" fontAlgn="b"/>
+                      <a:r>
+                        <a:rPr lang="en-US" sz="1200" b="0" i="0" u="none" strike="noStrike" dirty="0">
+                          <a:solidFill>
+                            <a:srgbClr val="000000"/>
+                          </a:solidFill>
+                          <a:effectLst/>
+                          <a:latin typeface="Calibri" panose="020F0502020204030204" pitchFamily="34" charset="0"/>
+                        </a:rPr>
+                        <a:t>0</a:t>
+                      </a:r>
+                    </a:p>
+                  </a:txBody>
+                  <a:tcPr marL="4717" marR="4717" marT="4717" marB="0" anchor="b"/>
+                </a:tc>
+                <a:extLst>
+                  <a:ext uri="{0D108BD9-81ED-4DB2-BD59-A6C34878D82A}">
+                    <a16:rowId xmlns:a16="http://schemas.microsoft.com/office/drawing/2014/main" val="3129033879"/>
+                  </a:ext>
+                </a:extLst>
+              </a:tr>
+              <a:tr h="183644">
+                <a:tc>
+                  <a:txBody>
+                    <a:bodyPr/>
+                    <a:lstStyle/>
+                    <a:p>
+                      <a:pPr algn="l" fontAlgn="b"/>
+                      <a:r>
+                        <a:rPr lang="en-US" sz="1200" b="0" i="0" u="none" strike="noStrike">
+                          <a:solidFill>
+                            <a:srgbClr val="000000"/>
+                          </a:solidFill>
+                          <a:effectLst/>
+                          <a:latin typeface="Calibri" panose="020F0502020204030204" pitchFamily="34" charset="0"/>
+                        </a:rPr>
+                        <a:t>vehicle_type</a:t>
+                      </a:r>
+                    </a:p>
+                  </a:txBody>
+                  <a:tcPr marL="4717" marR="4717" marT="4717" marB="0" anchor="b"/>
+                </a:tc>
+                <a:tc>
+                  <a:txBody>
+                    <a:bodyPr/>
+                    <a:lstStyle/>
+                    <a:p>
+                      <a:pPr algn="ctr" fontAlgn="b"/>
+                      <a:r>
+                        <a:rPr lang="en-US" sz="1200" b="0" i="0" u="none" strike="noStrike" dirty="0">
+                          <a:solidFill>
+                            <a:srgbClr val="000000"/>
+                          </a:solidFill>
+                          <a:effectLst/>
+                          <a:latin typeface="Calibri" panose="020F0502020204030204" pitchFamily="34" charset="0"/>
+                        </a:rPr>
+                        <a:t>0</a:t>
+                      </a:r>
+                    </a:p>
+                  </a:txBody>
+                  <a:tcPr marL="4717" marR="4717" marT="4717" marB="0" anchor="b"/>
+                </a:tc>
+                <a:extLst>
+                  <a:ext uri="{0D108BD9-81ED-4DB2-BD59-A6C34878D82A}">
+                    <a16:rowId xmlns:a16="http://schemas.microsoft.com/office/drawing/2014/main" val="506514451"/>
+                  </a:ext>
+                </a:extLst>
+              </a:tr>
+              <a:tr h="183644">
+                <a:tc>
+                  <a:txBody>
+                    <a:bodyPr/>
+                    <a:lstStyle/>
+                    <a:p>
+                      <a:pPr algn="l" fontAlgn="b"/>
+                      <a:r>
+                        <a:rPr lang="en-US" sz="1200" b="0" i="0" u="none" strike="noStrike">
+                          <a:solidFill>
+                            <a:srgbClr val="000000"/>
+                          </a:solidFill>
+                          <a:effectLst/>
+                          <a:latin typeface="Calibri" panose="020F0502020204030204" pitchFamily="34" charset="0"/>
+                        </a:rPr>
+                        <a:t>pickup_place</a:t>
+                      </a:r>
+                    </a:p>
+                  </a:txBody>
+                  <a:tcPr marL="4717" marR="4717" marT="4717" marB="0" anchor="b"/>
+                </a:tc>
+                <a:tc>
+                  <a:txBody>
+                    <a:bodyPr/>
+                    <a:lstStyle/>
+                    <a:p>
+                      <a:pPr algn="ctr" fontAlgn="b"/>
+                      <a:r>
+                        <a:rPr lang="en-US" sz="1200" b="0" i="0" u="none" strike="noStrike" dirty="0">
+                          <a:solidFill>
+                            <a:srgbClr val="000000"/>
+                          </a:solidFill>
+                          <a:effectLst/>
+                          <a:latin typeface="Calibri" panose="020F0502020204030204" pitchFamily="34" charset="0"/>
+                        </a:rPr>
+                        <a:t>0</a:t>
+                      </a:r>
+                    </a:p>
+                  </a:txBody>
+                  <a:tcPr marL="4717" marR="4717" marT="4717" marB="0" anchor="b"/>
+                </a:tc>
+                <a:extLst>
+                  <a:ext uri="{0D108BD9-81ED-4DB2-BD59-A6C34878D82A}">
+                    <a16:rowId xmlns:a16="http://schemas.microsoft.com/office/drawing/2014/main" val="913727068"/>
+                  </a:ext>
+                </a:extLst>
+              </a:tr>
+              <a:tr h="183644">
+                <a:tc>
+                  <a:txBody>
+                    <a:bodyPr/>
+                    <a:lstStyle/>
+                    <a:p>
+                      <a:pPr algn="l" fontAlgn="b"/>
+                      <a:r>
+                        <a:rPr lang="en-US" sz="1200" b="0" i="0" u="none" strike="noStrike" dirty="0" err="1">
+                          <a:solidFill>
+                            <a:srgbClr val="000000"/>
+                          </a:solidFill>
+                          <a:effectLst/>
+                          <a:latin typeface="Calibri" panose="020F0502020204030204" pitchFamily="34" charset="0"/>
+                        </a:rPr>
+                        <a:t>place_category</a:t>
+                      </a:r>
+                      <a:endParaRPr lang="en-US" sz="1200" b="0" i="0" u="none" strike="noStrike" dirty="0">
+                        <a:solidFill>
+                          <a:srgbClr val="000000"/>
+                        </a:solidFill>
+                        <a:effectLst/>
+                        <a:latin typeface="Calibri" panose="020F0502020204030204" pitchFamily="34" charset="0"/>
+                      </a:endParaRPr>
+                    </a:p>
+                  </a:txBody>
+                  <a:tcPr marL="4717" marR="4717" marT="4717" marB="0" anchor="b"/>
+                </a:tc>
+                <a:tc>
+                  <a:txBody>
+                    <a:bodyPr/>
+                    <a:lstStyle/>
+                    <a:p>
+                      <a:pPr algn="ctr" fontAlgn="b"/>
+                      <a:r>
+                        <a:rPr lang="en-US" sz="1200" b="0" i="0" u="none" strike="noStrike" dirty="0">
+                          <a:solidFill>
+                            <a:srgbClr val="000000"/>
+                          </a:solidFill>
+                          <a:effectLst/>
+                          <a:latin typeface="Calibri" panose="020F0502020204030204" pitchFamily="34" charset="0"/>
+                        </a:rPr>
+                        <a:t>883</a:t>
+                      </a:r>
+                    </a:p>
+                  </a:txBody>
+                  <a:tcPr marL="4717" marR="4717" marT="4717" marB="0" anchor="b"/>
+                </a:tc>
+                <a:extLst>
+                  <a:ext uri="{0D108BD9-81ED-4DB2-BD59-A6C34878D82A}">
+                    <a16:rowId xmlns:a16="http://schemas.microsoft.com/office/drawing/2014/main" val="500561858"/>
+                  </a:ext>
+                </a:extLst>
+              </a:tr>
+              <a:tr h="183644">
+                <a:tc>
+                  <a:txBody>
+                    <a:bodyPr/>
+                    <a:lstStyle/>
+                    <a:p>
+                      <a:pPr algn="l" fontAlgn="b"/>
+                      <a:r>
+                        <a:rPr lang="en-US" sz="1200" b="0" i="0" u="none" strike="noStrike">
+                          <a:solidFill>
+                            <a:srgbClr val="000000"/>
+                          </a:solidFill>
+                          <a:effectLst/>
+                          <a:latin typeface="Calibri" panose="020F0502020204030204" pitchFamily="34" charset="0"/>
+                        </a:rPr>
+                        <a:t>item_name</a:t>
+                      </a:r>
+                    </a:p>
+                  </a:txBody>
+                  <a:tcPr marL="4717" marR="4717" marT="4717" marB="0" anchor="b"/>
+                </a:tc>
+                <a:tc>
+                  <a:txBody>
+                    <a:bodyPr/>
+                    <a:lstStyle/>
+                    <a:p>
+                      <a:pPr algn="ctr" fontAlgn="b"/>
+                      <a:r>
+                        <a:rPr lang="en-US" sz="1200" b="0" i="0" u="none" strike="noStrike" dirty="0">
+                          <a:solidFill>
+                            <a:srgbClr val="000000"/>
+                          </a:solidFill>
+                          <a:effectLst/>
+                          <a:latin typeface="Calibri" panose="020F0502020204030204" pitchFamily="34" charset="0"/>
+                        </a:rPr>
+                        <a:t>1230</a:t>
+                      </a:r>
+                    </a:p>
+                  </a:txBody>
+                  <a:tcPr marL="4717" marR="4717" marT="4717" marB="0" anchor="b"/>
+                </a:tc>
+                <a:extLst>
+                  <a:ext uri="{0D108BD9-81ED-4DB2-BD59-A6C34878D82A}">
+                    <a16:rowId xmlns:a16="http://schemas.microsoft.com/office/drawing/2014/main" val="1309561289"/>
+                  </a:ext>
+                </a:extLst>
+              </a:tr>
+              <a:tr h="183644">
+                <a:tc>
+                  <a:txBody>
+                    <a:bodyPr/>
+                    <a:lstStyle/>
+                    <a:p>
+                      <a:pPr algn="l" fontAlgn="b"/>
+                      <a:r>
+                        <a:rPr lang="en-US" sz="1200" b="0" i="0" u="none" strike="noStrike">
+                          <a:solidFill>
+                            <a:srgbClr val="000000"/>
+                          </a:solidFill>
+                          <a:effectLst/>
+                          <a:latin typeface="Calibri" panose="020F0502020204030204" pitchFamily="34" charset="0"/>
+                        </a:rPr>
+                        <a:t>item_quantity</a:t>
+                      </a:r>
+                    </a:p>
+                  </a:txBody>
+                  <a:tcPr marL="4717" marR="4717" marT="4717" marB="0" anchor="b"/>
+                </a:tc>
+                <a:tc>
+                  <a:txBody>
+                    <a:bodyPr/>
+                    <a:lstStyle/>
+                    <a:p>
+                      <a:pPr algn="ctr" fontAlgn="b"/>
+                      <a:r>
+                        <a:rPr lang="en-US" sz="1200" b="0" i="0" u="none" strike="noStrike" dirty="0">
+                          <a:solidFill>
+                            <a:srgbClr val="000000"/>
+                          </a:solidFill>
+                          <a:effectLst/>
+                          <a:latin typeface="Calibri" panose="020F0502020204030204" pitchFamily="34" charset="0"/>
+                        </a:rPr>
+                        <a:t>1230</a:t>
+                      </a:r>
+                    </a:p>
+                  </a:txBody>
+                  <a:tcPr marL="4717" marR="4717" marT="4717" marB="0" anchor="b"/>
+                </a:tc>
+                <a:extLst>
+                  <a:ext uri="{0D108BD9-81ED-4DB2-BD59-A6C34878D82A}">
+                    <a16:rowId xmlns:a16="http://schemas.microsoft.com/office/drawing/2014/main" val="2440365531"/>
+                  </a:ext>
+                </a:extLst>
+              </a:tr>
+              <a:tr h="183644">
+                <a:tc>
+                  <a:txBody>
+                    <a:bodyPr/>
+                    <a:lstStyle/>
+                    <a:p>
+                      <a:pPr algn="l" fontAlgn="b"/>
+                      <a:r>
+                        <a:rPr lang="en-US" sz="1200" b="0" i="0" u="none" strike="noStrike">
+                          <a:solidFill>
+                            <a:srgbClr val="000000"/>
+                          </a:solidFill>
+                          <a:effectLst/>
+                          <a:latin typeface="Calibri" panose="020F0502020204030204" pitchFamily="34" charset="0"/>
+                        </a:rPr>
+                        <a:t>item_category_name</a:t>
+                      </a:r>
+                    </a:p>
+                  </a:txBody>
+                  <a:tcPr marL="4717" marR="4717" marT="4717" marB="0" anchor="b"/>
+                </a:tc>
+                <a:tc>
+                  <a:txBody>
+                    <a:bodyPr/>
+                    <a:lstStyle/>
+                    <a:p>
+                      <a:pPr algn="ctr" fontAlgn="b"/>
+                      <a:r>
+                        <a:rPr lang="en-US" sz="1200" b="0" i="0" u="none" strike="noStrike" dirty="0">
+                          <a:solidFill>
+                            <a:srgbClr val="000000"/>
+                          </a:solidFill>
+                          <a:effectLst/>
+                          <a:latin typeface="Calibri" panose="020F0502020204030204" pitchFamily="34" charset="0"/>
+                        </a:rPr>
+                        <a:t>1230</a:t>
+                      </a:r>
+                    </a:p>
+                  </a:txBody>
+                  <a:tcPr marL="4717" marR="4717" marT="4717" marB="0" anchor="b"/>
+                </a:tc>
+                <a:extLst>
+                  <a:ext uri="{0D108BD9-81ED-4DB2-BD59-A6C34878D82A}">
+                    <a16:rowId xmlns:a16="http://schemas.microsoft.com/office/drawing/2014/main" val="2757871755"/>
+                  </a:ext>
+                </a:extLst>
+              </a:tr>
+              <a:tr h="183644">
+                <a:tc>
+                  <a:txBody>
+                    <a:bodyPr/>
+                    <a:lstStyle/>
+                    <a:p>
+                      <a:pPr algn="l" fontAlgn="b"/>
+                      <a:r>
+                        <a:rPr lang="en-US" sz="1200" b="0" i="0" u="none" strike="noStrike">
+                          <a:solidFill>
+                            <a:srgbClr val="000000"/>
+                          </a:solidFill>
+                          <a:effectLst/>
+                          <a:latin typeface="Calibri" panose="020F0502020204030204" pitchFamily="34" charset="0"/>
+                        </a:rPr>
+                        <a:t>how_long_it_took_to_order</a:t>
+                      </a:r>
+                    </a:p>
+                  </a:txBody>
+                  <a:tcPr marL="4717" marR="4717" marT="4717" marB="0" anchor="b"/>
+                </a:tc>
+                <a:tc>
+                  <a:txBody>
+                    <a:bodyPr/>
+                    <a:lstStyle/>
+                    <a:p>
+                      <a:pPr algn="ctr" fontAlgn="b"/>
+                      <a:r>
+                        <a:rPr lang="en-US" sz="1200" b="0" i="0" u="none" strike="noStrike" dirty="0">
+                          <a:solidFill>
+                            <a:srgbClr val="000000"/>
+                          </a:solidFill>
+                          <a:effectLst/>
+                          <a:latin typeface="Calibri" panose="020F0502020204030204" pitchFamily="34" charset="0"/>
+                        </a:rPr>
+                        <a:t>2945</a:t>
+                      </a:r>
+                    </a:p>
+                  </a:txBody>
+                  <a:tcPr marL="4717" marR="4717" marT="4717" marB="0" anchor="b"/>
+                </a:tc>
+                <a:extLst>
+                  <a:ext uri="{0D108BD9-81ED-4DB2-BD59-A6C34878D82A}">
+                    <a16:rowId xmlns:a16="http://schemas.microsoft.com/office/drawing/2014/main" val="847256094"/>
+                  </a:ext>
+                </a:extLst>
+              </a:tr>
+              <a:tr h="183644">
+                <a:tc>
+                  <a:txBody>
+                    <a:bodyPr/>
+                    <a:lstStyle/>
+                    <a:p>
+                      <a:pPr algn="l" fontAlgn="b"/>
+                      <a:r>
+                        <a:rPr lang="en-US" sz="1200" b="0" i="0" u="none" strike="noStrike">
+                          <a:solidFill>
+                            <a:srgbClr val="000000"/>
+                          </a:solidFill>
+                          <a:effectLst/>
+                          <a:latin typeface="Calibri" panose="020F0502020204030204" pitchFamily="34" charset="0"/>
+                        </a:rPr>
+                        <a:t>pickup_lat</a:t>
+                      </a:r>
+                    </a:p>
+                  </a:txBody>
+                  <a:tcPr marL="4717" marR="4717" marT="4717" marB="0" anchor="b"/>
+                </a:tc>
+                <a:tc>
+                  <a:txBody>
+                    <a:bodyPr/>
+                    <a:lstStyle/>
+                    <a:p>
+                      <a:pPr algn="ctr" fontAlgn="b"/>
+                      <a:r>
+                        <a:rPr lang="en-US" sz="1200" b="0" i="0" u="none" strike="noStrike" dirty="0">
+                          <a:solidFill>
+                            <a:srgbClr val="000000"/>
+                          </a:solidFill>
+                          <a:effectLst/>
+                          <a:latin typeface="Calibri" panose="020F0502020204030204" pitchFamily="34" charset="0"/>
+                        </a:rPr>
+                        <a:t>0</a:t>
+                      </a:r>
+                    </a:p>
+                  </a:txBody>
+                  <a:tcPr marL="4717" marR="4717" marT="4717" marB="0" anchor="b"/>
+                </a:tc>
+                <a:extLst>
+                  <a:ext uri="{0D108BD9-81ED-4DB2-BD59-A6C34878D82A}">
+                    <a16:rowId xmlns:a16="http://schemas.microsoft.com/office/drawing/2014/main" val="1091114394"/>
+                  </a:ext>
+                </a:extLst>
+              </a:tr>
+              <a:tr h="183644">
+                <a:tc>
+                  <a:txBody>
+                    <a:bodyPr/>
+                    <a:lstStyle/>
+                    <a:p>
+                      <a:pPr algn="l" fontAlgn="b"/>
+                      <a:r>
+                        <a:rPr lang="en-US" sz="1200" b="0" i="0" u="none" strike="noStrike">
+                          <a:solidFill>
+                            <a:srgbClr val="000000"/>
+                          </a:solidFill>
+                          <a:effectLst/>
+                          <a:latin typeface="Calibri" panose="020F0502020204030204" pitchFamily="34" charset="0"/>
+                        </a:rPr>
+                        <a:t>pickup_lon</a:t>
+                      </a:r>
+                    </a:p>
+                  </a:txBody>
+                  <a:tcPr marL="4717" marR="4717" marT="4717" marB="0" anchor="b"/>
+                </a:tc>
+                <a:tc>
+                  <a:txBody>
+                    <a:bodyPr/>
+                    <a:lstStyle/>
+                    <a:p>
+                      <a:pPr algn="ctr" fontAlgn="b"/>
+                      <a:r>
+                        <a:rPr lang="en-US" sz="1200" b="0" i="0" u="none" strike="noStrike" dirty="0">
+                          <a:solidFill>
+                            <a:srgbClr val="000000"/>
+                          </a:solidFill>
+                          <a:effectLst/>
+                          <a:latin typeface="Calibri" panose="020F0502020204030204" pitchFamily="34" charset="0"/>
+                        </a:rPr>
+                        <a:t>0</a:t>
+                      </a:r>
+                    </a:p>
+                  </a:txBody>
+                  <a:tcPr marL="4717" marR="4717" marT="4717" marB="0" anchor="b"/>
+                </a:tc>
+                <a:extLst>
+                  <a:ext uri="{0D108BD9-81ED-4DB2-BD59-A6C34878D82A}">
+                    <a16:rowId xmlns:a16="http://schemas.microsoft.com/office/drawing/2014/main" val="1946054561"/>
+                  </a:ext>
+                </a:extLst>
+              </a:tr>
+              <a:tr h="183644">
+                <a:tc>
+                  <a:txBody>
+                    <a:bodyPr/>
+                    <a:lstStyle/>
+                    <a:p>
+                      <a:pPr algn="l" fontAlgn="b"/>
+                      <a:r>
+                        <a:rPr lang="en-US" sz="1200" b="0" i="0" u="none" strike="noStrike">
+                          <a:solidFill>
+                            <a:srgbClr val="000000"/>
+                          </a:solidFill>
+                          <a:effectLst/>
+                          <a:latin typeface="Calibri" panose="020F0502020204030204" pitchFamily="34" charset="0"/>
+                        </a:rPr>
+                        <a:t>dropoff_lat</a:t>
+                      </a:r>
+                    </a:p>
+                  </a:txBody>
+                  <a:tcPr marL="4717" marR="4717" marT="4717" marB="0" anchor="b"/>
+                </a:tc>
+                <a:tc>
+                  <a:txBody>
+                    <a:bodyPr/>
+                    <a:lstStyle/>
+                    <a:p>
+                      <a:pPr algn="ctr" fontAlgn="b"/>
+                      <a:r>
+                        <a:rPr lang="en-US" sz="1200" b="0" i="0" u="none" strike="noStrike" dirty="0">
+                          <a:solidFill>
+                            <a:srgbClr val="000000"/>
+                          </a:solidFill>
+                          <a:effectLst/>
+                          <a:latin typeface="Calibri" panose="020F0502020204030204" pitchFamily="34" charset="0"/>
+                        </a:rPr>
+                        <a:t>0</a:t>
+                      </a:r>
+                    </a:p>
+                  </a:txBody>
+                  <a:tcPr marL="4717" marR="4717" marT="4717" marB="0" anchor="b"/>
+                </a:tc>
+                <a:extLst>
+                  <a:ext uri="{0D108BD9-81ED-4DB2-BD59-A6C34878D82A}">
+                    <a16:rowId xmlns:a16="http://schemas.microsoft.com/office/drawing/2014/main" val="523002916"/>
+                  </a:ext>
+                </a:extLst>
+              </a:tr>
+              <a:tr h="183644">
+                <a:tc>
+                  <a:txBody>
+                    <a:bodyPr/>
+                    <a:lstStyle/>
+                    <a:p>
+                      <a:pPr algn="l" fontAlgn="b"/>
+                      <a:r>
+                        <a:rPr lang="en-US" sz="1200" b="0" i="0" u="none" strike="noStrike">
+                          <a:solidFill>
+                            <a:srgbClr val="000000"/>
+                          </a:solidFill>
+                          <a:effectLst/>
+                          <a:latin typeface="Calibri" panose="020F0502020204030204" pitchFamily="34" charset="0"/>
+                        </a:rPr>
+                        <a:t>dropoff_lon</a:t>
+                      </a:r>
+                    </a:p>
+                  </a:txBody>
+                  <a:tcPr marL="4717" marR="4717" marT="4717" marB="0" anchor="b"/>
+                </a:tc>
+                <a:tc>
+                  <a:txBody>
+                    <a:bodyPr/>
+                    <a:lstStyle/>
+                    <a:p>
+                      <a:pPr algn="ctr" fontAlgn="b"/>
+                      <a:r>
+                        <a:rPr lang="en-US" sz="1200" b="0" i="0" u="none" strike="noStrike" dirty="0">
+                          <a:solidFill>
+                            <a:srgbClr val="000000"/>
+                          </a:solidFill>
+                          <a:effectLst/>
+                          <a:latin typeface="Calibri" panose="020F0502020204030204" pitchFamily="34" charset="0"/>
+                        </a:rPr>
+                        <a:t>0</a:t>
+                      </a:r>
+                    </a:p>
+                  </a:txBody>
+                  <a:tcPr marL="4717" marR="4717" marT="4717" marB="0" anchor="b"/>
+                </a:tc>
+                <a:extLst>
+                  <a:ext uri="{0D108BD9-81ED-4DB2-BD59-A6C34878D82A}">
+                    <a16:rowId xmlns:a16="http://schemas.microsoft.com/office/drawing/2014/main" val="101667824"/>
+                  </a:ext>
+                </a:extLst>
+              </a:tr>
+              <a:tr h="183644">
+                <a:tc>
+                  <a:txBody>
+                    <a:bodyPr/>
+                    <a:lstStyle/>
+                    <a:p>
+                      <a:pPr algn="l" fontAlgn="b"/>
+                      <a:r>
+                        <a:rPr lang="en-US" sz="1200" b="0" i="0" u="none" strike="noStrike">
+                          <a:solidFill>
+                            <a:srgbClr val="000000"/>
+                          </a:solidFill>
+                          <a:effectLst/>
+                          <a:latin typeface="Calibri" panose="020F0502020204030204" pitchFamily="34" charset="0"/>
+                        </a:rPr>
+                        <a:t>when_the_delivery_started</a:t>
+                      </a:r>
+                    </a:p>
+                  </a:txBody>
+                  <a:tcPr marL="4717" marR="4717" marT="4717" marB="0" anchor="b"/>
+                </a:tc>
+                <a:tc>
+                  <a:txBody>
+                    <a:bodyPr/>
+                    <a:lstStyle/>
+                    <a:p>
+                      <a:pPr algn="ctr" fontAlgn="b"/>
+                      <a:r>
+                        <a:rPr lang="en-US" sz="1200" b="0" i="0" u="none" strike="noStrike" dirty="0">
+                          <a:solidFill>
+                            <a:srgbClr val="000000"/>
+                          </a:solidFill>
+                          <a:effectLst/>
+                          <a:latin typeface="Calibri" panose="020F0502020204030204" pitchFamily="34" charset="0"/>
+                        </a:rPr>
+                        <a:t>0</a:t>
+                      </a:r>
+                    </a:p>
+                  </a:txBody>
+                  <a:tcPr marL="4717" marR="4717" marT="4717" marB="0" anchor="b"/>
+                </a:tc>
+                <a:extLst>
+                  <a:ext uri="{0D108BD9-81ED-4DB2-BD59-A6C34878D82A}">
+                    <a16:rowId xmlns:a16="http://schemas.microsoft.com/office/drawing/2014/main" val="3564062226"/>
+                  </a:ext>
+                </a:extLst>
+              </a:tr>
+              <a:tr h="342354">
+                <a:tc>
+                  <a:txBody>
+                    <a:bodyPr/>
+                    <a:lstStyle/>
+                    <a:p>
+                      <a:pPr algn="l" fontAlgn="b"/>
+                      <a:r>
+                        <a:rPr lang="en-US" sz="1200" b="0" i="0" u="none" strike="noStrike">
+                          <a:solidFill>
+                            <a:srgbClr val="000000"/>
+                          </a:solidFill>
+                          <a:effectLst/>
+                          <a:latin typeface="Calibri" panose="020F0502020204030204" pitchFamily="34" charset="0"/>
+                        </a:rPr>
+                        <a:t>when_the_Jumpman_arrived_at_pickup</a:t>
+                      </a:r>
+                    </a:p>
+                  </a:txBody>
+                  <a:tcPr marL="4717" marR="4717" marT="4717" marB="0" anchor="b"/>
+                </a:tc>
+                <a:tc>
+                  <a:txBody>
+                    <a:bodyPr/>
+                    <a:lstStyle/>
+                    <a:p>
+                      <a:pPr algn="ctr" fontAlgn="b"/>
+                      <a:r>
+                        <a:rPr lang="en-US" sz="1200" b="0" i="0" u="none" strike="noStrike" dirty="0">
+                          <a:solidFill>
+                            <a:srgbClr val="000000"/>
+                          </a:solidFill>
+                          <a:effectLst/>
+                          <a:latin typeface="Calibri" panose="020F0502020204030204" pitchFamily="34" charset="0"/>
+                        </a:rPr>
+                        <a:t>550</a:t>
+                      </a:r>
+                    </a:p>
+                  </a:txBody>
+                  <a:tcPr marL="4717" marR="4717" marT="4717" marB="0" anchor="b"/>
+                </a:tc>
+                <a:extLst>
+                  <a:ext uri="{0D108BD9-81ED-4DB2-BD59-A6C34878D82A}">
+                    <a16:rowId xmlns:a16="http://schemas.microsoft.com/office/drawing/2014/main" val="962977973"/>
+                  </a:ext>
+                </a:extLst>
+              </a:tr>
+              <a:tr h="342354">
+                <a:tc>
+                  <a:txBody>
+                    <a:bodyPr/>
+                    <a:lstStyle/>
+                    <a:p>
+                      <a:pPr algn="l" fontAlgn="b"/>
+                      <a:r>
+                        <a:rPr lang="en-US" sz="1200" b="0" i="0" u="none" strike="noStrike">
+                          <a:solidFill>
+                            <a:srgbClr val="000000"/>
+                          </a:solidFill>
+                          <a:effectLst/>
+                          <a:latin typeface="Calibri" panose="020F0502020204030204" pitchFamily="34" charset="0"/>
+                        </a:rPr>
+                        <a:t>when_the_Jumpman_left_pickup</a:t>
+                      </a:r>
+                    </a:p>
+                  </a:txBody>
+                  <a:tcPr marL="4717" marR="4717" marT="4717" marB="0" anchor="b"/>
+                </a:tc>
+                <a:tc>
+                  <a:txBody>
+                    <a:bodyPr/>
+                    <a:lstStyle/>
+                    <a:p>
+                      <a:pPr algn="ctr" fontAlgn="b"/>
+                      <a:r>
+                        <a:rPr lang="en-US" sz="1200" b="0" i="0" u="none" strike="noStrike" dirty="0">
+                          <a:solidFill>
+                            <a:srgbClr val="000000"/>
+                          </a:solidFill>
+                          <a:effectLst/>
+                          <a:latin typeface="Calibri" panose="020F0502020204030204" pitchFamily="34" charset="0"/>
+                        </a:rPr>
+                        <a:t>550</a:t>
+                      </a:r>
+                    </a:p>
+                  </a:txBody>
+                  <a:tcPr marL="4717" marR="4717" marT="4717" marB="0" anchor="b"/>
+                </a:tc>
+                <a:extLst>
+                  <a:ext uri="{0D108BD9-81ED-4DB2-BD59-A6C34878D82A}">
+                    <a16:rowId xmlns:a16="http://schemas.microsoft.com/office/drawing/2014/main" val="3536399374"/>
+                  </a:ext>
+                </a:extLst>
+              </a:tr>
+              <a:tr h="342354">
+                <a:tc>
+                  <a:txBody>
+                    <a:bodyPr/>
+                    <a:lstStyle/>
+                    <a:p>
+                      <a:pPr algn="l" fontAlgn="b"/>
+                      <a:r>
+                        <a:rPr lang="en-US" sz="1200" b="0" i="0" u="none" strike="noStrike">
+                          <a:solidFill>
+                            <a:srgbClr val="000000"/>
+                          </a:solidFill>
+                          <a:effectLst/>
+                          <a:latin typeface="Calibri" panose="020F0502020204030204" pitchFamily="34" charset="0"/>
+                        </a:rPr>
+                        <a:t>when_the_Jumpman_arrived_at_dropoff</a:t>
+                      </a:r>
+                    </a:p>
+                  </a:txBody>
+                  <a:tcPr marL="4717" marR="4717" marT="4717" marB="0" anchor="b"/>
+                </a:tc>
+                <a:tc>
+                  <a:txBody>
+                    <a:bodyPr/>
+                    <a:lstStyle/>
+                    <a:p>
+                      <a:pPr algn="ctr" fontAlgn="b"/>
+                      <a:r>
+                        <a:rPr lang="en-US" sz="1200" b="0" i="0" u="none" strike="noStrike" dirty="0">
+                          <a:solidFill>
+                            <a:srgbClr val="000000"/>
+                          </a:solidFill>
+                          <a:effectLst/>
+                          <a:latin typeface="Calibri" panose="020F0502020204030204" pitchFamily="34" charset="0"/>
+                        </a:rPr>
+                        <a:t>0</a:t>
+                      </a:r>
+                    </a:p>
+                  </a:txBody>
+                  <a:tcPr marL="4717" marR="4717" marT="4717" marB="0" anchor="b"/>
+                </a:tc>
+                <a:extLst>
+                  <a:ext uri="{0D108BD9-81ED-4DB2-BD59-A6C34878D82A}">
+                    <a16:rowId xmlns:a16="http://schemas.microsoft.com/office/drawing/2014/main" val="3560837287"/>
+                  </a:ext>
+                </a:extLst>
+              </a:tr>
+            </a:tbl>
+          </a:graphicData>
+        </a:graphic>
+      </p:graphicFrame>
+    </p:spTree>
+    <p:extLst>
+      <p:ext uri="{BB962C8B-B14F-4D97-AF65-F5344CB8AC3E}">
+        <p14:creationId xmlns:p14="http://schemas.microsoft.com/office/powerpoint/2010/main" val="3691253493"/>
+      </p:ext>
+    </p:extLst>
+  </p:cSld>
+  <p:clrMapOvr>
+    <a:masterClrMapping/>
+  </p:clrMapOvr>
+</p:sld>
+</file>
+
+<file path=ppt/slides/slide11.xml><?xml version="1.0" encoding="utf-8"?>
+<p:sld xmlns:a="http://schemas.openxmlformats.org/drawingml/2006/main" xmlns:r="http://schemas.openxmlformats.org/officeDocument/2006/relationships" xmlns:p="http://schemas.openxmlformats.org/presentationml/2006/main">
+  <p:cSld>
+    <p:spTree>
+      <p:nvGrpSpPr>
+        <p:cNvPr id="1" name=""/>
+        <p:cNvGrpSpPr/>
+        <p:nvPr/>
+      </p:nvGrpSpPr>
+      <p:grpSpPr>
+        <a:xfrm>
+          <a:off x="0" y="0"/>
+          <a:ext cx="0" cy="0"/>
+          <a:chOff x="0" y="0"/>
+          <a:chExt cx="0" cy="0"/>
+        </a:xfrm>
+      </p:grpSpPr>
+      <p:sp>
+        <p:nvSpPr>
+          <p:cNvPr id="2" name="Title 1">
+            <a:extLst>
+              <a:ext uri="{FF2B5EF4-FFF2-40B4-BE49-F238E27FC236}">
                 <a16:creationId xmlns:a16="http://schemas.microsoft.com/office/drawing/2014/main" id="{D8565DAE-6CB9-1345-97EF-A2A8394AB0BB}"/>
               </a:ext>
             </a:extLst>
@@ -8901,7 +10008,7 @@
 </p:sld>
 </file>
 
-<file path=ppt/slides/slide11.xml><?xml version="1.0" encoding="utf-8"?>
+<file path=ppt/slides/slide12.xml><?xml version="1.0" encoding="utf-8"?>
 <p:sld xmlns:a="http://schemas.openxmlformats.org/drawingml/2006/main" xmlns:r="http://schemas.openxmlformats.org/officeDocument/2006/relationships" xmlns:p="http://schemas.openxmlformats.org/presentationml/2006/main">
   <p:cSld>
     <p:spTree>
@@ -10013,7 +11120,7 @@
 </p:sld>
 </file>
 
-<file path=ppt/slides/slide12.xml><?xml version="1.0" encoding="utf-8"?>
+<file path=ppt/slides/slide13.xml><?xml version="1.0" encoding="utf-8"?>
 <p:sld xmlns:a="http://schemas.openxmlformats.org/drawingml/2006/main" xmlns:r="http://schemas.openxmlformats.org/officeDocument/2006/relationships" xmlns:p="http://schemas.openxmlformats.org/presentationml/2006/main">
   <p:cSld>
     <p:spTree>
@@ -10097,1109 +11204,6 @@
     <p:extLst>
       <p:ext uri="{BB962C8B-B14F-4D97-AF65-F5344CB8AC3E}">
         <p14:creationId xmlns:p14="http://schemas.microsoft.com/office/powerpoint/2010/main" val="1797046035"/>
-      </p:ext>
-    </p:extLst>
-  </p:cSld>
-  <p:clrMapOvr>
-    <a:masterClrMapping/>
-  </p:clrMapOvr>
-</p:sld>
-</file>
-
-<file path=ppt/slides/slide13.xml><?xml version="1.0" encoding="utf-8"?>
-<p:sld xmlns:a="http://schemas.openxmlformats.org/drawingml/2006/main" xmlns:r="http://schemas.openxmlformats.org/officeDocument/2006/relationships" xmlns:p="http://schemas.openxmlformats.org/presentationml/2006/main">
-  <p:cSld>
-    <p:spTree>
-      <p:nvGrpSpPr>
-        <p:cNvPr id="1" name=""/>
-        <p:cNvGrpSpPr/>
-        <p:nvPr/>
-      </p:nvGrpSpPr>
-      <p:grpSpPr>
-        <a:xfrm>
-          <a:off x="0" y="0"/>
-          <a:ext cx="0" cy="0"/>
-          <a:chOff x="0" y="0"/>
-          <a:chExt cx="0" cy="0"/>
-        </a:xfrm>
-      </p:grpSpPr>
-      <p:sp>
-        <p:nvSpPr>
-          <p:cNvPr id="2" name="Title 1">
-            <a:extLst>
-              <a:ext uri="{FF2B5EF4-FFF2-40B4-BE49-F238E27FC236}">
-                <a16:creationId xmlns:a16="http://schemas.microsoft.com/office/drawing/2014/main" id="{E6D31B3F-7BFC-2140-B2D5-809FEF6159AA}"/>
-              </a:ext>
-            </a:extLst>
-          </p:cNvPr>
-          <p:cNvSpPr>
-            <a:spLocks noGrp="1"/>
-          </p:cNvSpPr>
-          <p:nvPr>
-            <p:ph type="title"/>
-          </p:nvPr>
-        </p:nvSpPr>
-        <p:spPr>
-          <a:xfrm>
-            <a:off x="838200" y="365125"/>
-            <a:ext cx="10515600" cy="1325563"/>
-          </a:xfrm>
-        </p:spPr>
-        <p:txBody>
-          <a:bodyPr/>
-          <a:lstStyle/>
-          <a:p>
-            <a:r>
-              <a:rPr lang="en-US" dirty="0"/>
-              <a:t>Data Integrity Concerns</a:t>
-            </a:r>
-          </a:p>
-        </p:txBody>
-      </p:sp>
-      <p:sp>
-        <p:nvSpPr>
-          <p:cNvPr id="13" name="Content Placeholder 12">
-            <a:extLst>
-              <a:ext uri="{FF2B5EF4-FFF2-40B4-BE49-F238E27FC236}">
-                <a16:creationId xmlns:a16="http://schemas.microsoft.com/office/drawing/2014/main" id="{68253D8F-FB7E-A847-A7E6-A28325B5B8A3}"/>
-              </a:ext>
-            </a:extLst>
-          </p:cNvPr>
-          <p:cNvSpPr>
-            <a:spLocks noGrp="1"/>
-          </p:cNvSpPr>
-          <p:nvPr>
-            <p:ph sz="half" idx="2"/>
-          </p:nvPr>
-        </p:nvSpPr>
-        <p:spPr/>
-        <p:txBody>
-          <a:bodyPr>
-            <a:noAutofit/>
-          </a:bodyPr>
-          <a:lstStyle/>
-          <a:p>
-            <a:pPr marL="0" indent="0">
-              <a:buNone/>
-            </a:pPr>
-            <a:r>
-              <a:rPr lang="en-US" sz="1500" dirty="0"/>
-              <a:t>There is a clear systematic issue in data collection. Many of the records with with missing data are missing for multiple attributes. For the purposes of this analysis, I assumed the following:</a:t>
-            </a:r>
-          </a:p>
-          <a:p>
-            <a:r>
-              <a:rPr lang="en-US" sz="1500" dirty="0"/>
-              <a:t>Place category, item name, item quantity, category name were all replaced with “not disclosed”</a:t>
-            </a:r>
-          </a:p>
-          <a:p>
-            <a:r>
-              <a:rPr lang="en-US" sz="1500" dirty="0"/>
-              <a:t>Estimated how long it took to order using an average value for the dataset. My analysis showed there was not meaningful deviation by place category with sufficient data</a:t>
-            </a:r>
-          </a:p>
-          <a:p>
-            <a:r>
-              <a:rPr lang="en-US" sz="1500" dirty="0"/>
-              <a:t>Records missing </a:t>
-            </a:r>
-            <a:r>
-              <a:rPr lang="en-US" sz="1500" dirty="0" err="1"/>
-              <a:t>Jumpman</a:t>
-            </a:r>
-            <a:r>
-              <a:rPr lang="en-US" sz="1500" dirty="0"/>
-              <a:t> pickup arrival and departure times were dropped from the dataset</a:t>
-            </a:r>
-          </a:p>
-          <a:p>
-            <a:endParaRPr lang="en-US" sz="1500" dirty="0"/>
-          </a:p>
-          <a:p>
-            <a:pPr marL="0" indent="0">
-              <a:buNone/>
-            </a:pPr>
-            <a:r>
-              <a:rPr lang="en-US" sz="1500" dirty="0"/>
-              <a:t>For next steps, I would recommend a classification model to predict the category of the restaurant name. This could be implemented using natural language processing and a simple machine learning.</a:t>
-            </a:r>
-          </a:p>
-          <a:p>
-            <a:pPr marL="0" indent="0">
-              <a:buNone/>
-            </a:pPr>
-            <a:endParaRPr lang="en-US" sz="1500" dirty="0"/>
-          </a:p>
-          <a:p>
-            <a:pPr marL="0" indent="0">
-              <a:buNone/>
-            </a:pPr>
-            <a:endParaRPr lang="en-US" sz="1500" dirty="0"/>
-          </a:p>
-        </p:txBody>
-      </p:sp>
-      <p:graphicFrame>
-        <p:nvGraphicFramePr>
-          <p:cNvPr id="8" name="Table 8">
-            <a:extLst>
-              <a:ext uri="{FF2B5EF4-FFF2-40B4-BE49-F238E27FC236}">
-                <a16:creationId xmlns:a16="http://schemas.microsoft.com/office/drawing/2014/main" id="{80B0255E-711B-F54C-9B3B-ABE81D6B5E27}"/>
-              </a:ext>
-            </a:extLst>
-          </p:cNvPr>
-          <p:cNvGraphicFramePr>
-            <a:graphicFrameLocks noGrp="1"/>
-          </p:cNvGraphicFramePr>
-          <p:nvPr>
-            <p:extLst>
-              <p:ext uri="{D42A27DB-BD31-4B8C-83A1-F6EECF244321}">
-                <p14:modId xmlns:p14="http://schemas.microsoft.com/office/powerpoint/2010/main" val="878832867"/>
-              </p:ext>
-            </p:extLst>
-          </p:nvPr>
-        </p:nvGraphicFramePr>
-        <p:xfrm>
-          <a:off x="1898904" y="2019871"/>
-          <a:ext cx="2444497" cy="3965366"/>
-        </p:xfrm>
-        <a:graphic>
-          <a:graphicData uri="http://schemas.openxmlformats.org/drawingml/2006/table">
-            <a:tbl>
-              <a:tblPr firstRow="1" bandRow="1">
-                <a:tableStyleId>{5C22544A-7EE6-4342-B048-85BDC9FD1C3A}</a:tableStyleId>
-              </a:tblPr>
-              <a:tblGrid>
-                <a:gridCol w="1917782">
-                  <a:extLst>
-                    <a:ext uri="{9D8B030D-6E8A-4147-A177-3AD203B41FA5}">
-                      <a16:colId xmlns:a16="http://schemas.microsoft.com/office/drawing/2014/main" val="1258085703"/>
-                    </a:ext>
-                  </a:extLst>
-                </a:gridCol>
-                <a:gridCol w="526715">
-                  <a:extLst>
-                    <a:ext uri="{9D8B030D-6E8A-4147-A177-3AD203B41FA5}">
-                      <a16:colId xmlns:a16="http://schemas.microsoft.com/office/drawing/2014/main" val="3386613569"/>
-                    </a:ext>
-                  </a:extLst>
-                </a:gridCol>
-              </a:tblGrid>
-              <a:tr h="183644">
-                <a:tc>
-                  <a:txBody>
-                    <a:bodyPr/>
-                    <a:lstStyle/>
-                    <a:p>
-                      <a:pPr algn="l" fontAlgn="b"/>
-                      <a:r>
-                        <a:rPr lang="en-US" sz="1100" b="1" i="0" u="none" strike="noStrike" dirty="0">
-                          <a:solidFill>
-                            <a:srgbClr val="000000"/>
-                          </a:solidFill>
-                          <a:effectLst/>
-                          <a:latin typeface="Calibri" panose="020F0502020204030204" pitchFamily="34" charset="0"/>
-                        </a:rPr>
-                        <a:t>Attribute</a:t>
-                      </a:r>
-                    </a:p>
-                  </a:txBody>
-                  <a:tcPr marL="4717" marR="4717" marT="4717" marB="0" anchor="b"/>
-                </a:tc>
-                <a:tc>
-                  <a:txBody>
-                    <a:bodyPr/>
-                    <a:lstStyle/>
-                    <a:p>
-                      <a:pPr algn="l" fontAlgn="b"/>
-                      <a:r>
-                        <a:rPr lang="en-US" sz="1100" b="1" i="0" u="none" strike="noStrike" dirty="0">
-                          <a:solidFill>
-                            <a:srgbClr val="000000"/>
-                          </a:solidFill>
-                          <a:effectLst/>
-                          <a:latin typeface="Calibri" panose="020F0502020204030204" pitchFamily="34" charset="0"/>
-                        </a:rPr>
-                        <a:t>Count</a:t>
-                      </a:r>
-                    </a:p>
-                  </a:txBody>
-                  <a:tcPr marL="4717" marR="4717" marT="4717" marB="0" anchor="b"/>
-                </a:tc>
-                <a:extLst>
-                  <a:ext uri="{0D108BD9-81ED-4DB2-BD59-A6C34878D82A}">
-                    <a16:rowId xmlns:a16="http://schemas.microsoft.com/office/drawing/2014/main" val="1366333991"/>
-                  </a:ext>
-                </a:extLst>
-              </a:tr>
-              <a:tr h="183644">
-                <a:tc>
-                  <a:txBody>
-                    <a:bodyPr/>
-                    <a:lstStyle/>
-                    <a:p>
-                      <a:pPr algn="l" fontAlgn="b"/>
-                      <a:r>
-                        <a:rPr lang="en-US" sz="1100" b="0" i="0" u="none" strike="noStrike">
-                          <a:solidFill>
-                            <a:srgbClr val="000000"/>
-                          </a:solidFill>
-                          <a:effectLst/>
-                          <a:latin typeface="Calibri" panose="020F0502020204030204" pitchFamily="34" charset="0"/>
-                        </a:rPr>
-                        <a:t>delivery_id</a:t>
-                      </a:r>
-                    </a:p>
-                  </a:txBody>
-                  <a:tcPr marL="4717" marR="4717" marT="4717" marB="0" anchor="b"/>
-                </a:tc>
-                <a:tc>
-                  <a:txBody>
-                    <a:bodyPr/>
-                    <a:lstStyle/>
-                    <a:p>
-                      <a:pPr algn="l" fontAlgn="b"/>
-                      <a:r>
-                        <a:rPr lang="en-US" sz="1100" b="0" i="0" u="none" strike="noStrike" dirty="0">
-                          <a:solidFill>
-                            <a:srgbClr val="000000"/>
-                          </a:solidFill>
-                          <a:effectLst/>
-                          <a:latin typeface="Calibri" panose="020F0502020204030204" pitchFamily="34" charset="0"/>
-                        </a:rPr>
-                        <a:t>0</a:t>
-                      </a:r>
-                    </a:p>
-                  </a:txBody>
-                  <a:tcPr marL="4717" marR="4717" marT="4717" marB="0" anchor="b"/>
-                </a:tc>
-                <a:extLst>
-                  <a:ext uri="{0D108BD9-81ED-4DB2-BD59-A6C34878D82A}">
-                    <a16:rowId xmlns:a16="http://schemas.microsoft.com/office/drawing/2014/main" val="600843719"/>
-                  </a:ext>
-                </a:extLst>
-              </a:tr>
-              <a:tr h="183644">
-                <a:tc>
-                  <a:txBody>
-                    <a:bodyPr/>
-                    <a:lstStyle/>
-                    <a:p>
-                      <a:pPr algn="l" fontAlgn="b"/>
-                      <a:r>
-                        <a:rPr lang="en-US" sz="1100" b="0" i="0" u="none" strike="noStrike" dirty="0" err="1">
-                          <a:solidFill>
-                            <a:srgbClr val="000000"/>
-                          </a:solidFill>
-                          <a:effectLst/>
-                          <a:latin typeface="Calibri" panose="020F0502020204030204" pitchFamily="34" charset="0"/>
-                        </a:rPr>
-                        <a:t>customer_id</a:t>
-                      </a:r>
-                      <a:endParaRPr lang="en-US" sz="1100" b="0" i="0" u="none" strike="noStrike" dirty="0">
-                        <a:solidFill>
-                          <a:srgbClr val="000000"/>
-                        </a:solidFill>
-                        <a:effectLst/>
-                        <a:latin typeface="Calibri" panose="020F0502020204030204" pitchFamily="34" charset="0"/>
-                      </a:endParaRPr>
-                    </a:p>
-                  </a:txBody>
-                  <a:tcPr marL="4717" marR="4717" marT="4717" marB="0" anchor="b"/>
-                </a:tc>
-                <a:tc>
-                  <a:txBody>
-                    <a:bodyPr/>
-                    <a:lstStyle/>
-                    <a:p>
-                      <a:pPr algn="l" fontAlgn="b"/>
-                      <a:r>
-                        <a:rPr lang="en-US" sz="1100" b="0" i="0" u="none" strike="noStrike" dirty="0">
-                          <a:solidFill>
-                            <a:srgbClr val="000000"/>
-                          </a:solidFill>
-                          <a:effectLst/>
-                          <a:latin typeface="Calibri" panose="020F0502020204030204" pitchFamily="34" charset="0"/>
-                        </a:rPr>
-                        <a:t>0</a:t>
-                      </a:r>
-                    </a:p>
-                  </a:txBody>
-                  <a:tcPr marL="4717" marR="4717" marT="4717" marB="0" anchor="b"/>
-                </a:tc>
-                <a:extLst>
-                  <a:ext uri="{0D108BD9-81ED-4DB2-BD59-A6C34878D82A}">
-                    <a16:rowId xmlns:a16="http://schemas.microsoft.com/office/drawing/2014/main" val="3673899072"/>
-                  </a:ext>
-                </a:extLst>
-              </a:tr>
-              <a:tr h="183644">
-                <a:tc>
-                  <a:txBody>
-                    <a:bodyPr/>
-                    <a:lstStyle/>
-                    <a:p>
-                      <a:pPr algn="l" fontAlgn="b"/>
-                      <a:r>
-                        <a:rPr lang="en-US" sz="1100" b="0" i="0" u="none" strike="noStrike">
-                          <a:solidFill>
-                            <a:srgbClr val="000000"/>
-                          </a:solidFill>
-                          <a:effectLst/>
-                          <a:latin typeface="Calibri" panose="020F0502020204030204" pitchFamily="34" charset="0"/>
-                        </a:rPr>
-                        <a:t>jumpman_id</a:t>
-                      </a:r>
-                    </a:p>
-                  </a:txBody>
-                  <a:tcPr marL="4717" marR="4717" marT="4717" marB="0" anchor="b"/>
-                </a:tc>
-                <a:tc>
-                  <a:txBody>
-                    <a:bodyPr/>
-                    <a:lstStyle/>
-                    <a:p>
-                      <a:pPr algn="l" fontAlgn="b"/>
-                      <a:r>
-                        <a:rPr lang="en-US" sz="1100" b="0" i="0" u="none" strike="noStrike" dirty="0">
-                          <a:solidFill>
-                            <a:srgbClr val="000000"/>
-                          </a:solidFill>
-                          <a:effectLst/>
-                          <a:latin typeface="Calibri" panose="020F0502020204030204" pitchFamily="34" charset="0"/>
-                        </a:rPr>
-                        <a:t>0</a:t>
-                      </a:r>
-                    </a:p>
-                  </a:txBody>
-                  <a:tcPr marL="4717" marR="4717" marT="4717" marB="0" anchor="b"/>
-                </a:tc>
-                <a:extLst>
-                  <a:ext uri="{0D108BD9-81ED-4DB2-BD59-A6C34878D82A}">
-                    <a16:rowId xmlns:a16="http://schemas.microsoft.com/office/drawing/2014/main" val="3129033879"/>
-                  </a:ext>
-                </a:extLst>
-              </a:tr>
-              <a:tr h="183644">
-                <a:tc>
-                  <a:txBody>
-                    <a:bodyPr/>
-                    <a:lstStyle/>
-                    <a:p>
-                      <a:pPr algn="l" fontAlgn="b"/>
-                      <a:r>
-                        <a:rPr lang="en-US" sz="1100" b="0" i="0" u="none" strike="noStrike">
-                          <a:solidFill>
-                            <a:srgbClr val="000000"/>
-                          </a:solidFill>
-                          <a:effectLst/>
-                          <a:latin typeface="Calibri" panose="020F0502020204030204" pitchFamily="34" charset="0"/>
-                        </a:rPr>
-                        <a:t>vehicle_type</a:t>
-                      </a:r>
-                    </a:p>
-                  </a:txBody>
-                  <a:tcPr marL="4717" marR="4717" marT="4717" marB="0" anchor="b"/>
-                </a:tc>
-                <a:tc>
-                  <a:txBody>
-                    <a:bodyPr/>
-                    <a:lstStyle/>
-                    <a:p>
-                      <a:pPr algn="l" fontAlgn="b"/>
-                      <a:r>
-                        <a:rPr lang="en-US" sz="1100" b="0" i="0" u="none" strike="noStrike" dirty="0">
-                          <a:solidFill>
-                            <a:srgbClr val="000000"/>
-                          </a:solidFill>
-                          <a:effectLst/>
-                          <a:latin typeface="Calibri" panose="020F0502020204030204" pitchFamily="34" charset="0"/>
-                        </a:rPr>
-                        <a:t>0</a:t>
-                      </a:r>
-                    </a:p>
-                  </a:txBody>
-                  <a:tcPr marL="4717" marR="4717" marT="4717" marB="0" anchor="b"/>
-                </a:tc>
-                <a:extLst>
-                  <a:ext uri="{0D108BD9-81ED-4DB2-BD59-A6C34878D82A}">
-                    <a16:rowId xmlns:a16="http://schemas.microsoft.com/office/drawing/2014/main" val="506514451"/>
-                  </a:ext>
-                </a:extLst>
-              </a:tr>
-              <a:tr h="183644">
-                <a:tc>
-                  <a:txBody>
-                    <a:bodyPr/>
-                    <a:lstStyle/>
-                    <a:p>
-                      <a:pPr algn="l" fontAlgn="b"/>
-                      <a:r>
-                        <a:rPr lang="en-US" sz="1100" b="0" i="0" u="none" strike="noStrike">
-                          <a:solidFill>
-                            <a:srgbClr val="000000"/>
-                          </a:solidFill>
-                          <a:effectLst/>
-                          <a:latin typeface="Calibri" panose="020F0502020204030204" pitchFamily="34" charset="0"/>
-                        </a:rPr>
-                        <a:t>pickup_place</a:t>
-                      </a:r>
-                    </a:p>
-                  </a:txBody>
-                  <a:tcPr marL="4717" marR="4717" marT="4717" marB="0" anchor="b"/>
-                </a:tc>
-                <a:tc>
-                  <a:txBody>
-                    <a:bodyPr/>
-                    <a:lstStyle/>
-                    <a:p>
-                      <a:pPr algn="l" fontAlgn="b"/>
-                      <a:r>
-                        <a:rPr lang="en-US" sz="1100" b="0" i="0" u="none" strike="noStrike" dirty="0">
-                          <a:solidFill>
-                            <a:srgbClr val="000000"/>
-                          </a:solidFill>
-                          <a:effectLst/>
-                          <a:latin typeface="Calibri" panose="020F0502020204030204" pitchFamily="34" charset="0"/>
-                        </a:rPr>
-                        <a:t>0</a:t>
-                      </a:r>
-                    </a:p>
-                  </a:txBody>
-                  <a:tcPr marL="4717" marR="4717" marT="4717" marB="0" anchor="b"/>
-                </a:tc>
-                <a:extLst>
-                  <a:ext uri="{0D108BD9-81ED-4DB2-BD59-A6C34878D82A}">
-                    <a16:rowId xmlns:a16="http://schemas.microsoft.com/office/drawing/2014/main" val="913727068"/>
-                  </a:ext>
-                </a:extLst>
-              </a:tr>
-              <a:tr h="183644">
-                <a:tc>
-                  <a:txBody>
-                    <a:bodyPr/>
-                    <a:lstStyle/>
-                    <a:p>
-                      <a:pPr algn="l" fontAlgn="b"/>
-                      <a:r>
-                        <a:rPr lang="en-US" sz="1100" b="0" i="0" u="none" strike="noStrike" dirty="0" err="1">
-                          <a:solidFill>
-                            <a:srgbClr val="000000"/>
-                          </a:solidFill>
-                          <a:effectLst/>
-                          <a:latin typeface="Calibri" panose="020F0502020204030204" pitchFamily="34" charset="0"/>
-                        </a:rPr>
-                        <a:t>place_category</a:t>
-                      </a:r>
-                      <a:endParaRPr lang="en-US" sz="1100" b="0" i="0" u="none" strike="noStrike" dirty="0">
-                        <a:solidFill>
-                          <a:srgbClr val="000000"/>
-                        </a:solidFill>
-                        <a:effectLst/>
-                        <a:latin typeface="Calibri" panose="020F0502020204030204" pitchFamily="34" charset="0"/>
-                      </a:endParaRPr>
-                    </a:p>
-                  </a:txBody>
-                  <a:tcPr marL="4717" marR="4717" marT="4717" marB="0" anchor="b"/>
-                </a:tc>
-                <a:tc>
-                  <a:txBody>
-                    <a:bodyPr/>
-                    <a:lstStyle/>
-                    <a:p>
-                      <a:pPr algn="l" fontAlgn="b"/>
-                      <a:r>
-                        <a:rPr lang="en-US" sz="1100" b="0" i="0" u="none" strike="noStrike" dirty="0">
-                          <a:solidFill>
-                            <a:srgbClr val="000000"/>
-                          </a:solidFill>
-                          <a:effectLst/>
-                          <a:latin typeface="Calibri" panose="020F0502020204030204" pitchFamily="34" charset="0"/>
-                        </a:rPr>
-                        <a:t>883</a:t>
-                      </a:r>
-                    </a:p>
-                  </a:txBody>
-                  <a:tcPr marL="4717" marR="4717" marT="4717" marB="0" anchor="b"/>
-                </a:tc>
-                <a:extLst>
-                  <a:ext uri="{0D108BD9-81ED-4DB2-BD59-A6C34878D82A}">
-                    <a16:rowId xmlns:a16="http://schemas.microsoft.com/office/drawing/2014/main" val="500561858"/>
-                  </a:ext>
-                </a:extLst>
-              </a:tr>
-              <a:tr h="183644">
-                <a:tc>
-                  <a:txBody>
-                    <a:bodyPr/>
-                    <a:lstStyle/>
-                    <a:p>
-                      <a:pPr algn="l" fontAlgn="b"/>
-                      <a:r>
-                        <a:rPr lang="en-US" sz="1100" b="0" i="0" u="none" strike="noStrike">
-                          <a:solidFill>
-                            <a:srgbClr val="000000"/>
-                          </a:solidFill>
-                          <a:effectLst/>
-                          <a:latin typeface="Calibri" panose="020F0502020204030204" pitchFamily="34" charset="0"/>
-                        </a:rPr>
-                        <a:t>item_name</a:t>
-                      </a:r>
-                    </a:p>
-                  </a:txBody>
-                  <a:tcPr marL="4717" marR="4717" marT="4717" marB="0" anchor="b"/>
-                </a:tc>
-                <a:tc>
-                  <a:txBody>
-                    <a:bodyPr/>
-                    <a:lstStyle/>
-                    <a:p>
-                      <a:pPr algn="l" fontAlgn="b"/>
-                      <a:r>
-                        <a:rPr lang="en-US" sz="1100" b="0" i="0" u="none" strike="noStrike" dirty="0">
-                          <a:solidFill>
-                            <a:srgbClr val="000000"/>
-                          </a:solidFill>
-                          <a:effectLst/>
-                          <a:latin typeface="Calibri" panose="020F0502020204030204" pitchFamily="34" charset="0"/>
-                        </a:rPr>
-                        <a:t>1230</a:t>
-                      </a:r>
-                    </a:p>
-                  </a:txBody>
-                  <a:tcPr marL="4717" marR="4717" marT="4717" marB="0" anchor="b"/>
-                </a:tc>
-                <a:extLst>
-                  <a:ext uri="{0D108BD9-81ED-4DB2-BD59-A6C34878D82A}">
-                    <a16:rowId xmlns:a16="http://schemas.microsoft.com/office/drawing/2014/main" val="1309561289"/>
-                  </a:ext>
-                </a:extLst>
-              </a:tr>
-              <a:tr h="183644">
-                <a:tc>
-                  <a:txBody>
-                    <a:bodyPr/>
-                    <a:lstStyle/>
-                    <a:p>
-                      <a:pPr algn="l" fontAlgn="b"/>
-                      <a:r>
-                        <a:rPr lang="en-US" sz="1100" b="0" i="0" u="none" strike="noStrike">
-                          <a:solidFill>
-                            <a:srgbClr val="000000"/>
-                          </a:solidFill>
-                          <a:effectLst/>
-                          <a:latin typeface="Calibri" panose="020F0502020204030204" pitchFamily="34" charset="0"/>
-                        </a:rPr>
-                        <a:t>item_quantity</a:t>
-                      </a:r>
-                    </a:p>
-                  </a:txBody>
-                  <a:tcPr marL="4717" marR="4717" marT="4717" marB="0" anchor="b"/>
-                </a:tc>
-                <a:tc>
-                  <a:txBody>
-                    <a:bodyPr/>
-                    <a:lstStyle/>
-                    <a:p>
-                      <a:pPr algn="l" fontAlgn="b"/>
-                      <a:r>
-                        <a:rPr lang="en-US" sz="1100" b="0" i="0" u="none" strike="noStrike" dirty="0">
-                          <a:solidFill>
-                            <a:srgbClr val="000000"/>
-                          </a:solidFill>
-                          <a:effectLst/>
-                          <a:latin typeface="Calibri" panose="020F0502020204030204" pitchFamily="34" charset="0"/>
-                        </a:rPr>
-                        <a:t>1230</a:t>
-                      </a:r>
-                    </a:p>
-                  </a:txBody>
-                  <a:tcPr marL="4717" marR="4717" marT="4717" marB="0" anchor="b"/>
-                </a:tc>
-                <a:extLst>
-                  <a:ext uri="{0D108BD9-81ED-4DB2-BD59-A6C34878D82A}">
-                    <a16:rowId xmlns:a16="http://schemas.microsoft.com/office/drawing/2014/main" val="2440365531"/>
-                  </a:ext>
-                </a:extLst>
-              </a:tr>
-              <a:tr h="183644">
-                <a:tc>
-                  <a:txBody>
-                    <a:bodyPr/>
-                    <a:lstStyle/>
-                    <a:p>
-                      <a:pPr algn="l" fontAlgn="b"/>
-                      <a:r>
-                        <a:rPr lang="en-US" sz="1100" b="0" i="0" u="none" strike="noStrike">
-                          <a:solidFill>
-                            <a:srgbClr val="000000"/>
-                          </a:solidFill>
-                          <a:effectLst/>
-                          <a:latin typeface="Calibri" panose="020F0502020204030204" pitchFamily="34" charset="0"/>
-                        </a:rPr>
-                        <a:t>item_category_name</a:t>
-                      </a:r>
-                    </a:p>
-                  </a:txBody>
-                  <a:tcPr marL="4717" marR="4717" marT="4717" marB="0" anchor="b"/>
-                </a:tc>
-                <a:tc>
-                  <a:txBody>
-                    <a:bodyPr/>
-                    <a:lstStyle/>
-                    <a:p>
-                      <a:pPr algn="l" fontAlgn="b"/>
-                      <a:r>
-                        <a:rPr lang="en-US" sz="1100" b="0" i="0" u="none" strike="noStrike" dirty="0">
-                          <a:solidFill>
-                            <a:srgbClr val="000000"/>
-                          </a:solidFill>
-                          <a:effectLst/>
-                          <a:latin typeface="Calibri" panose="020F0502020204030204" pitchFamily="34" charset="0"/>
-                        </a:rPr>
-                        <a:t>1230</a:t>
-                      </a:r>
-                    </a:p>
-                  </a:txBody>
-                  <a:tcPr marL="4717" marR="4717" marT="4717" marB="0" anchor="b"/>
-                </a:tc>
-                <a:extLst>
-                  <a:ext uri="{0D108BD9-81ED-4DB2-BD59-A6C34878D82A}">
-                    <a16:rowId xmlns:a16="http://schemas.microsoft.com/office/drawing/2014/main" val="2757871755"/>
-                  </a:ext>
-                </a:extLst>
-              </a:tr>
-              <a:tr h="183644">
-                <a:tc>
-                  <a:txBody>
-                    <a:bodyPr/>
-                    <a:lstStyle/>
-                    <a:p>
-                      <a:pPr algn="l" fontAlgn="b"/>
-                      <a:r>
-                        <a:rPr lang="en-US" sz="1100" b="0" i="0" u="none" strike="noStrike">
-                          <a:solidFill>
-                            <a:srgbClr val="000000"/>
-                          </a:solidFill>
-                          <a:effectLst/>
-                          <a:latin typeface="Calibri" panose="020F0502020204030204" pitchFamily="34" charset="0"/>
-                        </a:rPr>
-                        <a:t>how_long_it_took_to_order</a:t>
-                      </a:r>
-                    </a:p>
-                  </a:txBody>
-                  <a:tcPr marL="4717" marR="4717" marT="4717" marB="0" anchor="b"/>
-                </a:tc>
-                <a:tc>
-                  <a:txBody>
-                    <a:bodyPr/>
-                    <a:lstStyle/>
-                    <a:p>
-                      <a:pPr algn="l" fontAlgn="b"/>
-                      <a:r>
-                        <a:rPr lang="en-US" sz="1100" b="0" i="0" u="none" strike="noStrike" dirty="0">
-                          <a:solidFill>
-                            <a:srgbClr val="000000"/>
-                          </a:solidFill>
-                          <a:effectLst/>
-                          <a:latin typeface="Calibri" panose="020F0502020204030204" pitchFamily="34" charset="0"/>
-                        </a:rPr>
-                        <a:t>2945</a:t>
-                      </a:r>
-                    </a:p>
-                  </a:txBody>
-                  <a:tcPr marL="4717" marR="4717" marT="4717" marB="0" anchor="b"/>
-                </a:tc>
-                <a:extLst>
-                  <a:ext uri="{0D108BD9-81ED-4DB2-BD59-A6C34878D82A}">
-                    <a16:rowId xmlns:a16="http://schemas.microsoft.com/office/drawing/2014/main" val="847256094"/>
-                  </a:ext>
-                </a:extLst>
-              </a:tr>
-              <a:tr h="183644">
-                <a:tc>
-                  <a:txBody>
-                    <a:bodyPr/>
-                    <a:lstStyle/>
-                    <a:p>
-                      <a:pPr algn="l" fontAlgn="b"/>
-                      <a:r>
-                        <a:rPr lang="en-US" sz="1100" b="0" i="0" u="none" strike="noStrike">
-                          <a:solidFill>
-                            <a:srgbClr val="000000"/>
-                          </a:solidFill>
-                          <a:effectLst/>
-                          <a:latin typeface="Calibri" panose="020F0502020204030204" pitchFamily="34" charset="0"/>
-                        </a:rPr>
-                        <a:t>pickup_lat</a:t>
-                      </a:r>
-                    </a:p>
-                  </a:txBody>
-                  <a:tcPr marL="4717" marR="4717" marT="4717" marB="0" anchor="b"/>
-                </a:tc>
-                <a:tc>
-                  <a:txBody>
-                    <a:bodyPr/>
-                    <a:lstStyle/>
-                    <a:p>
-                      <a:pPr algn="l" fontAlgn="b"/>
-                      <a:r>
-                        <a:rPr lang="en-US" sz="1100" b="0" i="0" u="none" strike="noStrike" dirty="0">
-                          <a:solidFill>
-                            <a:srgbClr val="000000"/>
-                          </a:solidFill>
-                          <a:effectLst/>
-                          <a:latin typeface="Calibri" panose="020F0502020204030204" pitchFamily="34" charset="0"/>
-                        </a:rPr>
-                        <a:t>0</a:t>
-                      </a:r>
-                    </a:p>
-                  </a:txBody>
-                  <a:tcPr marL="4717" marR="4717" marT="4717" marB="0" anchor="b"/>
-                </a:tc>
-                <a:extLst>
-                  <a:ext uri="{0D108BD9-81ED-4DB2-BD59-A6C34878D82A}">
-                    <a16:rowId xmlns:a16="http://schemas.microsoft.com/office/drawing/2014/main" val="1091114394"/>
-                  </a:ext>
-                </a:extLst>
-              </a:tr>
-              <a:tr h="183644">
-                <a:tc>
-                  <a:txBody>
-                    <a:bodyPr/>
-                    <a:lstStyle/>
-                    <a:p>
-                      <a:pPr algn="l" fontAlgn="b"/>
-                      <a:r>
-                        <a:rPr lang="en-US" sz="1100" b="0" i="0" u="none" strike="noStrike">
-                          <a:solidFill>
-                            <a:srgbClr val="000000"/>
-                          </a:solidFill>
-                          <a:effectLst/>
-                          <a:latin typeface="Calibri" panose="020F0502020204030204" pitchFamily="34" charset="0"/>
-                        </a:rPr>
-                        <a:t>pickup_lon</a:t>
-                      </a:r>
-                    </a:p>
-                  </a:txBody>
-                  <a:tcPr marL="4717" marR="4717" marT="4717" marB="0" anchor="b"/>
-                </a:tc>
-                <a:tc>
-                  <a:txBody>
-                    <a:bodyPr/>
-                    <a:lstStyle/>
-                    <a:p>
-                      <a:pPr algn="l" fontAlgn="b"/>
-                      <a:r>
-                        <a:rPr lang="en-US" sz="1100" b="0" i="0" u="none" strike="noStrike" dirty="0">
-                          <a:solidFill>
-                            <a:srgbClr val="000000"/>
-                          </a:solidFill>
-                          <a:effectLst/>
-                          <a:latin typeface="Calibri" panose="020F0502020204030204" pitchFamily="34" charset="0"/>
-                        </a:rPr>
-                        <a:t>0</a:t>
-                      </a:r>
-                    </a:p>
-                  </a:txBody>
-                  <a:tcPr marL="4717" marR="4717" marT="4717" marB="0" anchor="b"/>
-                </a:tc>
-                <a:extLst>
-                  <a:ext uri="{0D108BD9-81ED-4DB2-BD59-A6C34878D82A}">
-                    <a16:rowId xmlns:a16="http://schemas.microsoft.com/office/drawing/2014/main" val="1946054561"/>
-                  </a:ext>
-                </a:extLst>
-              </a:tr>
-              <a:tr h="183644">
-                <a:tc>
-                  <a:txBody>
-                    <a:bodyPr/>
-                    <a:lstStyle/>
-                    <a:p>
-                      <a:pPr algn="l" fontAlgn="b"/>
-                      <a:r>
-                        <a:rPr lang="en-US" sz="1100" b="0" i="0" u="none" strike="noStrike">
-                          <a:solidFill>
-                            <a:srgbClr val="000000"/>
-                          </a:solidFill>
-                          <a:effectLst/>
-                          <a:latin typeface="Calibri" panose="020F0502020204030204" pitchFamily="34" charset="0"/>
-                        </a:rPr>
-                        <a:t>dropoff_lat</a:t>
-                      </a:r>
-                    </a:p>
-                  </a:txBody>
-                  <a:tcPr marL="4717" marR="4717" marT="4717" marB="0" anchor="b"/>
-                </a:tc>
-                <a:tc>
-                  <a:txBody>
-                    <a:bodyPr/>
-                    <a:lstStyle/>
-                    <a:p>
-                      <a:pPr algn="l" fontAlgn="b"/>
-                      <a:r>
-                        <a:rPr lang="en-US" sz="1100" b="0" i="0" u="none" strike="noStrike" dirty="0">
-                          <a:solidFill>
-                            <a:srgbClr val="000000"/>
-                          </a:solidFill>
-                          <a:effectLst/>
-                          <a:latin typeface="Calibri" panose="020F0502020204030204" pitchFamily="34" charset="0"/>
-                        </a:rPr>
-                        <a:t>0</a:t>
-                      </a:r>
-                    </a:p>
-                  </a:txBody>
-                  <a:tcPr marL="4717" marR="4717" marT="4717" marB="0" anchor="b"/>
-                </a:tc>
-                <a:extLst>
-                  <a:ext uri="{0D108BD9-81ED-4DB2-BD59-A6C34878D82A}">
-                    <a16:rowId xmlns:a16="http://schemas.microsoft.com/office/drawing/2014/main" val="523002916"/>
-                  </a:ext>
-                </a:extLst>
-              </a:tr>
-              <a:tr h="183644">
-                <a:tc>
-                  <a:txBody>
-                    <a:bodyPr/>
-                    <a:lstStyle/>
-                    <a:p>
-                      <a:pPr algn="l" fontAlgn="b"/>
-                      <a:r>
-                        <a:rPr lang="en-US" sz="1100" b="0" i="0" u="none" strike="noStrike">
-                          <a:solidFill>
-                            <a:srgbClr val="000000"/>
-                          </a:solidFill>
-                          <a:effectLst/>
-                          <a:latin typeface="Calibri" panose="020F0502020204030204" pitchFamily="34" charset="0"/>
-                        </a:rPr>
-                        <a:t>dropoff_lon</a:t>
-                      </a:r>
-                    </a:p>
-                  </a:txBody>
-                  <a:tcPr marL="4717" marR="4717" marT="4717" marB="0" anchor="b"/>
-                </a:tc>
-                <a:tc>
-                  <a:txBody>
-                    <a:bodyPr/>
-                    <a:lstStyle/>
-                    <a:p>
-                      <a:pPr algn="l" fontAlgn="b"/>
-                      <a:r>
-                        <a:rPr lang="en-US" sz="1100" b="0" i="0" u="none" strike="noStrike" dirty="0">
-                          <a:solidFill>
-                            <a:srgbClr val="000000"/>
-                          </a:solidFill>
-                          <a:effectLst/>
-                          <a:latin typeface="Calibri" panose="020F0502020204030204" pitchFamily="34" charset="0"/>
-                        </a:rPr>
-                        <a:t>0</a:t>
-                      </a:r>
-                    </a:p>
-                  </a:txBody>
-                  <a:tcPr marL="4717" marR="4717" marT="4717" marB="0" anchor="b"/>
-                </a:tc>
-                <a:extLst>
-                  <a:ext uri="{0D108BD9-81ED-4DB2-BD59-A6C34878D82A}">
-                    <a16:rowId xmlns:a16="http://schemas.microsoft.com/office/drawing/2014/main" val="101667824"/>
-                  </a:ext>
-                </a:extLst>
-              </a:tr>
-              <a:tr h="183644">
-                <a:tc>
-                  <a:txBody>
-                    <a:bodyPr/>
-                    <a:lstStyle/>
-                    <a:p>
-                      <a:pPr algn="l" fontAlgn="b"/>
-                      <a:r>
-                        <a:rPr lang="en-US" sz="1100" b="0" i="0" u="none" strike="noStrike">
-                          <a:solidFill>
-                            <a:srgbClr val="000000"/>
-                          </a:solidFill>
-                          <a:effectLst/>
-                          <a:latin typeface="Calibri" panose="020F0502020204030204" pitchFamily="34" charset="0"/>
-                        </a:rPr>
-                        <a:t>when_the_delivery_started</a:t>
-                      </a:r>
-                    </a:p>
-                  </a:txBody>
-                  <a:tcPr marL="4717" marR="4717" marT="4717" marB="0" anchor="b"/>
-                </a:tc>
-                <a:tc>
-                  <a:txBody>
-                    <a:bodyPr/>
-                    <a:lstStyle/>
-                    <a:p>
-                      <a:pPr algn="l" fontAlgn="b"/>
-                      <a:r>
-                        <a:rPr lang="en-US" sz="1100" b="0" i="0" u="none" strike="noStrike" dirty="0">
-                          <a:solidFill>
-                            <a:srgbClr val="000000"/>
-                          </a:solidFill>
-                          <a:effectLst/>
-                          <a:latin typeface="Calibri" panose="020F0502020204030204" pitchFamily="34" charset="0"/>
-                        </a:rPr>
-                        <a:t>0</a:t>
-                      </a:r>
-                    </a:p>
-                  </a:txBody>
-                  <a:tcPr marL="4717" marR="4717" marT="4717" marB="0" anchor="b"/>
-                </a:tc>
-                <a:extLst>
-                  <a:ext uri="{0D108BD9-81ED-4DB2-BD59-A6C34878D82A}">
-                    <a16:rowId xmlns:a16="http://schemas.microsoft.com/office/drawing/2014/main" val="3564062226"/>
-                  </a:ext>
-                </a:extLst>
-              </a:tr>
-              <a:tr h="342354">
-                <a:tc>
-                  <a:txBody>
-                    <a:bodyPr/>
-                    <a:lstStyle/>
-                    <a:p>
-                      <a:pPr algn="l" fontAlgn="b"/>
-                      <a:r>
-                        <a:rPr lang="en-US" sz="1100" b="0" i="0" u="none" strike="noStrike">
-                          <a:solidFill>
-                            <a:srgbClr val="000000"/>
-                          </a:solidFill>
-                          <a:effectLst/>
-                          <a:latin typeface="Calibri" panose="020F0502020204030204" pitchFamily="34" charset="0"/>
-                        </a:rPr>
-                        <a:t>when_the_Jumpman_arrived_at_pickup</a:t>
-                      </a:r>
-                    </a:p>
-                  </a:txBody>
-                  <a:tcPr marL="4717" marR="4717" marT="4717" marB="0" anchor="b"/>
-                </a:tc>
-                <a:tc>
-                  <a:txBody>
-                    <a:bodyPr/>
-                    <a:lstStyle/>
-                    <a:p>
-                      <a:pPr algn="l" fontAlgn="b"/>
-                      <a:r>
-                        <a:rPr lang="en-US" sz="1100" b="0" i="0" u="none" strike="noStrike" dirty="0">
-                          <a:solidFill>
-                            <a:srgbClr val="000000"/>
-                          </a:solidFill>
-                          <a:effectLst/>
-                          <a:latin typeface="Calibri" panose="020F0502020204030204" pitchFamily="34" charset="0"/>
-                        </a:rPr>
-                        <a:t>550</a:t>
-                      </a:r>
-                    </a:p>
-                  </a:txBody>
-                  <a:tcPr marL="4717" marR="4717" marT="4717" marB="0" anchor="b"/>
-                </a:tc>
-                <a:extLst>
-                  <a:ext uri="{0D108BD9-81ED-4DB2-BD59-A6C34878D82A}">
-                    <a16:rowId xmlns:a16="http://schemas.microsoft.com/office/drawing/2014/main" val="962977973"/>
-                  </a:ext>
-                </a:extLst>
-              </a:tr>
-              <a:tr h="342354">
-                <a:tc>
-                  <a:txBody>
-                    <a:bodyPr/>
-                    <a:lstStyle/>
-                    <a:p>
-                      <a:pPr algn="l" fontAlgn="b"/>
-                      <a:r>
-                        <a:rPr lang="en-US" sz="1100" b="0" i="0" u="none" strike="noStrike">
-                          <a:solidFill>
-                            <a:srgbClr val="000000"/>
-                          </a:solidFill>
-                          <a:effectLst/>
-                          <a:latin typeface="Calibri" panose="020F0502020204030204" pitchFamily="34" charset="0"/>
-                        </a:rPr>
-                        <a:t>when_the_Jumpman_left_pickup</a:t>
-                      </a:r>
-                    </a:p>
-                  </a:txBody>
-                  <a:tcPr marL="4717" marR="4717" marT="4717" marB="0" anchor="b"/>
-                </a:tc>
-                <a:tc>
-                  <a:txBody>
-                    <a:bodyPr/>
-                    <a:lstStyle/>
-                    <a:p>
-                      <a:pPr algn="l" fontAlgn="b"/>
-                      <a:r>
-                        <a:rPr lang="en-US" sz="1100" b="0" i="0" u="none" strike="noStrike" dirty="0">
-                          <a:solidFill>
-                            <a:srgbClr val="000000"/>
-                          </a:solidFill>
-                          <a:effectLst/>
-                          <a:latin typeface="Calibri" panose="020F0502020204030204" pitchFamily="34" charset="0"/>
-                        </a:rPr>
-                        <a:t>550</a:t>
-                      </a:r>
-                    </a:p>
-                  </a:txBody>
-                  <a:tcPr marL="4717" marR="4717" marT="4717" marB="0" anchor="b"/>
-                </a:tc>
-                <a:extLst>
-                  <a:ext uri="{0D108BD9-81ED-4DB2-BD59-A6C34878D82A}">
-                    <a16:rowId xmlns:a16="http://schemas.microsoft.com/office/drawing/2014/main" val="3536399374"/>
-                  </a:ext>
-                </a:extLst>
-              </a:tr>
-              <a:tr h="342354">
-                <a:tc>
-                  <a:txBody>
-                    <a:bodyPr/>
-                    <a:lstStyle/>
-                    <a:p>
-                      <a:pPr algn="l" fontAlgn="b"/>
-                      <a:r>
-                        <a:rPr lang="en-US" sz="1100" b="0" i="0" u="none" strike="noStrike">
-                          <a:solidFill>
-                            <a:srgbClr val="000000"/>
-                          </a:solidFill>
-                          <a:effectLst/>
-                          <a:latin typeface="Calibri" panose="020F0502020204030204" pitchFamily="34" charset="0"/>
-                        </a:rPr>
-                        <a:t>when_the_Jumpman_arrived_at_dropoff</a:t>
-                      </a:r>
-                    </a:p>
-                  </a:txBody>
-                  <a:tcPr marL="4717" marR="4717" marT="4717" marB="0" anchor="b"/>
-                </a:tc>
-                <a:tc>
-                  <a:txBody>
-                    <a:bodyPr/>
-                    <a:lstStyle/>
-                    <a:p>
-                      <a:pPr algn="l" fontAlgn="b"/>
-                      <a:r>
-                        <a:rPr lang="en-US" sz="1100" b="0" i="0" u="none" strike="noStrike" dirty="0">
-                          <a:solidFill>
-                            <a:srgbClr val="000000"/>
-                          </a:solidFill>
-                          <a:effectLst/>
-                          <a:latin typeface="Calibri" panose="020F0502020204030204" pitchFamily="34" charset="0"/>
-                        </a:rPr>
-                        <a:t>0</a:t>
-                      </a:r>
-                    </a:p>
-                  </a:txBody>
-                  <a:tcPr marL="4717" marR="4717" marT="4717" marB="0" anchor="b"/>
-                </a:tc>
-                <a:extLst>
-                  <a:ext uri="{0D108BD9-81ED-4DB2-BD59-A6C34878D82A}">
-                    <a16:rowId xmlns:a16="http://schemas.microsoft.com/office/drawing/2014/main" val="3560837287"/>
-                  </a:ext>
-                </a:extLst>
-              </a:tr>
-            </a:tbl>
-          </a:graphicData>
-        </a:graphic>
-      </p:graphicFrame>
-    </p:spTree>
-    <p:extLst>
-      <p:ext uri="{BB962C8B-B14F-4D97-AF65-F5344CB8AC3E}">
-        <p14:creationId xmlns:p14="http://schemas.microsoft.com/office/powerpoint/2010/main" val="3691253493"/>
       </p:ext>
     </p:extLst>
   </p:cSld>
@@ -14418,7 +14422,7 @@
           <a:p>
             <a:r>
               <a:rPr lang="en-US" b="1" dirty="0"/>
-              <a:t>INTRODUCTION</a:t>
+              <a:t>02 INTRODUCTION</a:t>
             </a:r>
           </a:p>
         </p:txBody>
@@ -14641,10 +14645,9 @@
           <a:lstStyle/>
           <a:p>
             <a:r>
-              <a:rPr lang="en-US" b="1"/>
+              <a:rPr lang="en-US" b="1" dirty="0"/>
               <a:t>03 NEW MARKET ANALYSIS</a:t>
             </a:r>
-            <a:endParaRPr lang="en-US" b="1" dirty="0"/>
           </a:p>
         </p:txBody>
       </p:sp>
@@ -14789,7 +14792,7 @@
           <a:p>
             <a:r>
               <a:rPr lang="en-US" b="1" dirty="0"/>
-              <a:t>CUSTOMERS</a:t>
+              <a:t>03 NEW MARKET ANALYSIS [CUSTOMERS]</a:t>
             </a:r>
           </a:p>
         </p:txBody>
@@ -14872,7 +14875,7 @@
           <a:p>
             <a:r>
               <a:rPr lang="en-US" b="1" dirty="0"/>
-              <a:t>JUMPMEN</a:t>
+              <a:t>03 NEW MARKET ANALYSIS [JUMPMEN]</a:t>
             </a:r>
           </a:p>
         </p:txBody>
@@ -14895,8 +14898,8 @@
         </p:nvSpPr>
         <p:spPr>
           <a:xfrm>
-            <a:off x="6192698" y="1825625"/>
-            <a:ext cx="5161102" cy="4351338"/>
+            <a:off x="6449960" y="1825625"/>
+            <a:ext cx="4903839" cy="4351338"/>
           </a:xfrm>
         </p:spPr>
         <p:txBody>
@@ -14905,18 +14908,23 @@
           </a:bodyPr>
           <a:lstStyle/>
           <a:p>
+            <a:pPr marL="0" indent="0" algn="ctr">
+              <a:buNone/>
+            </a:pPr>
+            <a:r>
+              <a:rPr lang="en-US" sz="2600" dirty="0"/>
+              <a:t>In the month of </a:t>
+            </a:r>
+            <a:r>
+              <a:rPr lang="en-US" sz="2600" b="1" dirty="0"/>
+              <a:t>October 2014:</a:t>
+            </a:r>
+          </a:p>
+          <a:p>
             <a:pPr marL="0" indent="0">
               <a:buNone/>
             </a:pPr>
-            <a:r>
-              <a:rPr lang="en-US" sz="2600" dirty="0"/>
-              <a:t>In the month of </a:t>
-            </a:r>
-            <a:r>
-              <a:rPr lang="en-US" sz="2600" b="1" dirty="0"/>
-              <a:t>October 2014:</a:t>
-            </a:r>
-            <a:endParaRPr lang="en-US" sz="2600" dirty="0"/>
+            <a:endParaRPr lang="en-US" sz="100" dirty="0"/>
           </a:p>
           <a:p>
             <a:pPr marL="0" indent="0">
@@ -14941,22 +14949,30 @@
             </a:pPr>
             <a:r>
               <a:rPr lang="en-US" sz="1300" dirty="0"/>
-              <a:t>      Average </a:t>
-            </a:r>
-            <a:r>
-              <a:rPr lang="en-US" sz="1300" dirty="0" err="1"/>
+              <a:t>      </a:t>
+            </a:r>
+            <a:r>
+              <a:rPr lang="en-US" sz="1200" dirty="0"/>
+              <a:t>The average </a:t>
+            </a:r>
+            <a:r>
+              <a:rPr lang="en-US" sz="1200" dirty="0" err="1"/>
               <a:t>Jumpman</a:t>
             </a:r>
             <a:r>
+              <a:rPr lang="en-US" sz="1200" dirty="0"/>
+              <a:t> completed 8.3 deliveries, or one every four day</a:t>
+            </a:r>
+            <a:r>
               <a:rPr lang="en-US" sz="1300" dirty="0"/>
-              <a:t> completed 8.3 deliveries, or one every four days</a:t>
+              <a:t>s</a:t>
             </a:r>
           </a:p>
           <a:p>
             <a:pPr marL="0" indent="0">
               <a:buNone/>
             </a:pPr>
-            <a:endParaRPr lang="en-US" sz="1000" dirty="0"/>
+            <a:endParaRPr lang="en-US" sz="1400" dirty="0"/>
           </a:p>
           <a:p>
             <a:pPr marL="0" indent="0">
@@ -14980,7 +14996,7 @@
             <a:pPr marL="0" indent="0">
               <a:buNone/>
             </a:pPr>
-            <a:endParaRPr lang="en-US" sz="1000" dirty="0"/>
+            <a:endParaRPr lang="en-US" sz="1400" dirty="0"/>
           </a:p>
           <a:p>
             <a:pPr marL="0" indent="0">
@@ -14988,7 +15004,7 @@
             </a:pPr>
             <a:r>
               <a:rPr lang="en-US" sz="2600" dirty="0"/>
-              <a:t>Waited a total 83,000 minutes at businesses, or ~1,400 hours</a:t>
+              <a:t>83,000 minutes spent waiting at businesses, or ~1,400 hours</a:t>
             </a:r>
           </a:p>
           <a:p>
@@ -14997,12 +15013,9 @@
             </a:pPr>
             <a:r>
               <a:rPr lang="en-US" sz="1200" dirty="0"/>
-              <a:t>      Average wait time of 17 minutes</a:t>
-            </a:r>
-            <a:r>
-              <a:rPr lang="en-US" sz="2600" dirty="0"/>
-              <a:t>  </a:t>
-            </a:r>
+              <a:t>      </a:t>
+            </a:r>
+            <a:endParaRPr lang="en-US" sz="2600" dirty="0"/>
           </a:p>
           <a:p>
             <a:pPr marL="0" indent="0">
@@ -15043,7 +15056,7 @@
         </p:blipFill>
         <p:spPr>
           <a:xfrm>
-            <a:off x="143350" y="1777668"/>
+            <a:off x="104022" y="1777668"/>
             <a:ext cx="5161102" cy="2432869"/>
           </a:xfrm>
           <a:prstGeom prst="rect">
@@ -15073,7 +15086,7 @@
         </p:blipFill>
         <p:spPr>
           <a:xfrm>
-            <a:off x="20527" y="4513595"/>
+            <a:off x="-8969" y="4513595"/>
             <a:ext cx="2727807" cy="2286000"/>
           </a:xfrm>
           <a:prstGeom prst="rect">
@@ -15103,7 +15116,7 @@
         </p:blipFill>
         <p:spPr>
           <a:xfrm>
-            <a:off x="2891208" y="4513595"/>
+            <a:off x="2861712" y="4513595"/>
             <a:ext cx="2752512" cy="2286000"/>
           </a:xfrm>
           <a:prstGeom prst="rect">
@@ -15125,7 +15138,7 @@
         </p:nvSpPr>
         <p:spPr>
           <a:xfrm>
-            <a:off x="6449961" y="6461041"/>
+            <a:off x="6192698" y="6461041"/>
             <a:ext cx="1504336" cy="338554"/>
           </a:xfrm>
           <a:prstGeom prst="rect">
@@ -15165,7 +15178,7 @@
         </p:nvSpPr>
         <p:spPr>
           <a:xfrm>
-            <a:off x="2056830" y="6176963"/>
+            <a:off x="1963573" y="6069241"/>
             <a:ext cx="570799" cy="215444"/>
           </a:xfrm>
           <a:prstGeom prst="rect">
@@ -15229,6 +15242,150 @@
           </a:p>
         </p:txBody>
       </p:sp>
+      <p:sp>
+        <p:nvSpPr>
+          <p:cNvPr id="19" name="TextBox 18">
+            <a:extLst>
+              <a:ext uri="{FF2B5EF4-FFF2-40B4-BE49-F238E27FC236}">
+                <a16:creationId xmlns:a16="http://schemas.microsoft.com/office/drawing/2014/main" id="{FEC5783A-9E1C-1D48-B802-9B0ADF0D8B3A}"/>
+              </a:ext>
+            </a:extLst>
+          </p:cNvPr>
+          <p:cNvSpPr txBox="1"/>
+          <p:nvPr/>
+        </p:nvSpPr>
+        <p:spPr>
+          <a:xfrm>
+            <a:off x="6193949" y="5250732"/>
+            <a:ext cx="2579300" cy="276999"/>
+          </a:xfrm>
+          <a:prstGeom prst="rect">
+            <a:avLst/>
+          </a:prstGeom>
+          <a:noFill/>
+        </p:spPr>
+        <p:txBody>
+          <a:bodyPr wrap="square" rtlCol="0">
+            <a:spAutoFit/>
+          </a:bodyPr>
+          <a:lstStyle/>
+          <a:p>
+            <a:pPr algn="ctr"/>
+            <a:r>
+              <a:rPr lang="en-US" sz="1200" dirty="0"/>
+              <a:t>Average wait time of 17 minutes</a:t>
+            </a:r>
+          </a:p>
+        </p:txBody>
+      </p:sp>
+      <p:pic>
+        <p:nvPicPr>
+          <p:cNvPr id="21" name="Graphic 20" descr="Lightbulb">
+            <a:extLst>
+              <a:ext uri="{FF2B5EF4-FFF2-40B4-BE49-F238E27FC236}">
+                <a16:creationId xmlns:a16="http://schemas.microsoft.com/office/drawing/2014/main" id="{9FF22450-4728-CD43-8641-D3C97B451123}"/>
+              </a:ext>
+            </a:extLst>
+          </p:cNvPr>
+          <p:cNvPicPr>
+            <a:picLocks noChangeAspect="1"/>
+          </p:cNvPicPr>
+          <p:nvPr/>
+        </p:nvPicPr>
+        <p:blipFill>
+          <a:blip r:embed="rId5">
+            <a:extLst>
+              <a:ext uri="{96DAC541-7B7A-43D3-8B79-37D633B846F1}">
+                <asvg:svgBlip xmlns:asvg="http://schemas.microsoft.com/office/drawing/2016/SVG/main" r:embed="rId6"/>
+              </a:ext>
+            </a:extLst>
+          </a:blip>
+          <a:stretch>
+            <a:fillRect/>
+          </a:stretch>
+        </p:blipFill>
+        <p:spPr>
+          <a:xfrm>
+            <a:off x="6069791" y="2476064"/>
+            <a:ext cx="358879" cy="358879"/>
+          </a:xfrm>
+          <a:prstGeom prst="rect">
+            <a:avLst/>
+          </a:prstGeom>
+        </p:spPr>
+      </p:pic>
+      <p:pic>
+        <p:nvPicPr>
+          <p:cNvPr id="22" name="Graphic 21" descr="Lightbulb">
+            <a:extLst>
+              <a:ext uri="{FF2B5EF4-FFF2-40B4-BE49-F238E27FC236}">
+                <a16:creationId xmlns:a16="http://schemas.microsoft.com/office/drawing/2014/main" id="{E2F62179-F737-524A-A265-B78EE95BE976}"/>
+              </a:ext>
+            </a:extLst>
+          </p:cNvPr>
+          <p:cNvPicPr>
+            <a:picLocks noChangeAspect="1"/>
+          </p:cNvPicPr>
+          <p:nvPr/>
+        </p:nvPicPr>
+        <p:blipFill>
+          <a:blip r:embed="rId5">
+            <a:extLst>
+              <a:ext uri="{96DAC541-7B7A-43D3-8B79-37D633B846F1}">
+                <asvg:svgBlip xmlns:asvg="http://schemas.microsoft.com/office/drawing/2016/SVG/main" r:embed="rId6"/>
+              </a:ext>
+            </a:extLst>
+          </a:blip>
+          <a:stretch>
+            <a:fillRect/>
+          </a:stretch>
+        </p:blipFill>
+        <p:spPr>
+          <a:xfrm>
+            <a:off x="6069791" y="3642415"/>
+            <a:ext cx="358879" cy="358879"/>
+          </a:xfrm>
+          <a:prstGeom prst="rect">
+            <a:avLst/>
+          </a:prstGeom>
+        </p:spPr>
+      </p:pic>
+      <p:pic>
+        <p:nvPicPr>
+          <p:cNvPr id="23" name="Graphic 22" descr="Lightbulb">
+            <a:extLst>
+              <a:ext uri="{FF2B5EF4-FFF2-40B4-BE49-F238E27FC236}">
+                <a16:creationId xmlns:a16="http://schemas.microsoft.com/office/drawing/2014/main" id="{E9752F84-0B32-2941-A9D5-026734D4EF6A}"/>
+              </a:ext>
+            </a:extLst>
+          </p:cNvPr>
+          <p:cNvPicPr>
+            <a:picLocks noChangeAspect="1"/>
+          </p:cNvPicPr>
+          <p:nvPr/>
+        </p:nvPicPr>
+        <p:blipFill>
+          <a:blip r:embed="rId5">
+            <a:extLst>
+              <a:ext uri="{96DAC541-7B7A-43D3-8B79-37D633B846F1}">
+                <asvg:svgBlip xmlns:asvg="http://schemas.microsoft.com/office/drawing/2016/SVG/main" r:embed="rId6"/>
+              </a:ext>
+            </a:extLst>
+          </a:blip>
+          <a:stretch>
+            <a:fillRect/>
+          </a:stretch>
+        </p:blipFill>
+        <p:spPr>
+          <a:xfrm>
+            <a:off x="6069792" y="4749814"/>
+            <a:ext cx="358879" cy="358879"/>
+          </a:xfrm>
+          <a:prstGeom prst="rect">
+            <a:avLst/>
+          </a:prstGeom>
+        </p:spPr>
+      </p:pic>
     </p:spTree>
     <p:extLst>
       <p:ext uri="{BB962C8B-B14F-4D97-AF65-F5344CB8AC3E}">
@@ -15404,10 +15561,9 @@
           <a:lstStyle/>
           <a:p>
             <a:r>
-              <a:rPr lang="en-US" b="1"/>
-              <a:t>BUSINESSES</a:t>
-            </a:r>
-            <a:endParaRPr lang="en-US" b="1" dirty="0"/>
+              <a:rPr lang="en-US" b="1" dirty="0"/>
+              <a:t>03 NEW MARKET ANALYSIS [BUSINESSES]</a:t>
+            </a:r>
           </a:p>
         </p:txBody>
       </p:sp>
@@ -15438,7 +15594,7 @@
         </p:blipFill>
         <p:spPr>
           <a:xfrm>
-            <a:off x="7169563" y="1128513"/>
+            <a:off x="7248221" y="1462810"/>
             <a:ext cx="4572756" cy="4572000"/>
           </a:xfrm>
           <a:prstGeom prst="rect">

--- a/Stephen_Stark_Analysis.pptx
+++ b/Stephen_Stark_Analysis.pptx
@@ -15,18 +15,18 @@
     <p:sldId id="271" r:id="rId6"/>
     <p:sldId id="272" r:id="rId7"/>
     <p:sldId id="274" r:id="rId8"/>
-    <p:sldId id="275" r:id="rId9"/>
-    <p:sldId id="273" r:id="rId10"/>
-    <p:sldId id="260" r:id="rId11"/>
-    <p:sldId id="270" r:id="rId12"/>
-    <p:sldId id="259" r:id="rId13"/>
-    <p:sldId id="269" r:id="rId14"/>
-    <p:sldId id="261" r:id="rId15"/>
-    <p:sldId id="262" r:id="rId16"/>
-    <p:sldId id="263" r:id="rId17"/>
-    <p:sldId id="264" r:id="rId18"/>
-    <p:sldId id="265" r:id="rId19"/>
-    <p:sldId id="266" r:id="rId20"/>
+    <p:sldId id="277" r:id="rId9"/>
+    <p:sldId id="275" r:id="rId10"/>
+    <p:sldId id="273" r:id="rId11"/>
+    <p:sldId id="278" r:id="rId12"/>
+    <p:sldId id="260" r:id="rId13"/>
+    <p:sldId id="259" r:id="rId14"/>
+    <p:sldId id="269" r:id="rId15"/>
+    <p:sldId id="261" r:id="rId16"/>
+    <p:sldId id="262" r:id="rId17"/>
+    <p:sldId id="263" r:id="rId18"/>
+    <p:sldId id="264" r:id="rId19"/>
+    <p:sldId id="265" r:id="rId20"/>
     <p:sldId id="267" r:id="rId21"/>
   </p:sldIdLst>
   <p:sldSz cx="12192000" cy="6858000"/>
@@ -127,6 +127,18 @@
     </a:lvl9pPr>
   </p:defaultTextStyle>
 </p:presentation>
+</file>
+
+<file path=ppt/commentAuthors.xml><?xml version="1.0" encoding="utf-8"?>
+<p:cmAuthorLst xmlns:a="http://schemas.openxmlformats.org/drawingml/2006/main" xmlns:r="http://schemas.openxmlformats.org/officeDocument/2006/relationships" xmlns:p="http://schemas.openxmlformats.org/presentationml/2006/main">
+  <p:cmAuthor id="1" name="Stephen Stark" initials="SS" lastIdx="7" clrIdx="0">
+    <p:extLst>
+      <p:ext uri="{19B8F6BF-5375-455C-9EA6-DF929625EA0E}">
+        <p15:presenceInfo xmlns:p15="http://schemas.microsoft.com/office/powerpoint/2012/main" userId="S::stephenstark@uchicago.edu::603017bf-3246-4e71-b6d2-32f26e5e61cb" providerId="AD"/>
+      </p:ext>
+    </p:extLst>
+  </p:cmAuthor>
+</p:cmAuthorLst>
 </file>
 
 <file path=ppt/charts/chart1.xml><?xml version="1.0" encoding="utf-8"?>
@@ -1098,6 +1110,80 @@
 </cs:chartStyle>
 </file>
 
+<file path=ppt/comments/comment1.xml><?xml version="1.0" encoding="utf-8"?>
+<p:cmLst xmlns:a="http://schemas.openxmlformats.org/drawingml/2006/main" xmlns:r="http://schemas.openxmlformats.org/officeDocument/2006/relationships" xmlns:p="http://schemas.openxmlformats.org/presentationml/2006/main">
+  <p:cm authorId="1" dt="2020-10-08T22:24:59.816" idx="4">
+    <p:pos x="3294" y="1278"/>
+    <p:text>Maybe include increase in rates per day</p:text>
+    <p:extLst>
+      <p:ext uri="{C676402C-5697-4E1C-873F-D02D1690AC5C}">
+        <p15:threadingInfo xmlns:p15="http://schemas.microsoft.com/office/powerpoint/2012/main" timeZoneBias="300"/>
+      </p:ext>
+    </p:extLst>
+  </p:cm>
+  <p:cm authorId="1" dt="2020-10-08T22:30:39.851" idx="5">
+    <p:pos x="3231" y="2907"/>
+    <p:text>What about the jumpmen?</p:text>
+    <p:extLst>
+      <p:ext uri="{C676402C-5697-4E1C-873F-D02D1690AC5C}">
+        <p15:threadingInfo xmlns:p15="http://schemas.microsoft.com/office/powerpoint/2012/main" timeZoneBias="300"/>
+      </p:ext>
+    </p:extLst>
+  </p:cm>
+  <p:cm authorId="1" dt="2020-10-08T22:31:35.104" idx="6">
+    <p:pos x="4392" y="2178"/>
+    <p:text>What about a set rev opportunity metric here too?</p:text>
+    <p:extLst>
+      <p:ext uri="{C676402C-5697-4E1C-873F-D02D1690AC5C}">
+        <p15:threadingInfo xmlns:p15="http://schemas.microsoft.com/office/powerpoint/2012/main" timeZoneBias="300"/>
+      </p:ext>
+    </p:extLst>
+  </p:cm>
+</p:cmLst>
+</file>
+
+<file path=ppt/comments/comment2.xml><?xml version="1.0" encoding="utf-8"?>
+<p:cmLst xmlns:a="http://schemas.openxmlformats.org/drawingml/2006/main" xmlns:r="http://schemas.openxmlformats.org/officeDocument/2006/relationships" xmlns:p="http://schemas.openxmlformats.org/presentationml/2006/main">
+  <p:cm authorId="1" dt="2020-10-08T22:35:12.738" idx="7">
+    <p:pos x="2799" y="459"/>
+    <p:text>This should be more about what data was used etc - maybe more like methodology</p:text>
+    <p:extLst>
+      <p:ext uri="{C676402C-5697-4E1C-873F-D02D1690AC5C}">
+        <p15:threadingInfo xmlns:p15="http://schemas.microsoft.com/office/powerpoint/2012/main" timeZoneBias="300"/>
+      </p:ext>
+    </p:extLst>
+  </p:cm>
+</p:cmLst>
+</file>
+
+<file path=ppt/comments/comment3.xml><?xml version="1.0" encoding="utf-8"?>
+<p:cmLst xmlns:a="http://schemas.openxmlformats.org/drawingml/2006/main" xmlns:r="http://schemas.openxmlformats.org/officeDocument/2006/relationships" xmlns:p="http://schemas.openxmlformats.org/presentationml/2006/main">
+  <p:cm authorId="1" dt="2020-10-08T22:08:54.471" idx="1">
+    <p:pos x="10" y="10"/>
+    <p:text>Can you do this by zip so there are less dots?</p:text>
+    <p:extLst>
+      <p:ext uri="{C676402C-5697-4E1C-873F-D02D1690AC5C}">
+        <p15:threadingInfo xmlns:p15="http://schemas.microsoft.com/office/powerpoint/2012/main" timeZoneBias="300"/>
+      </p:ext>
+    </p:extLst>
+  </p:cm>
+</p:cmLst>
+</file>
+
+<file path=ppt/comments/comment4.xml><?xml version="1.0" encoding="utf-8"?>
+<p:cmLst xmlns:a="http://schemas.openxmlformats.org/drawingml/2006/main" xmlns:r="http://schemas.openxmlformats.org/officeDocument/2006/relationships" xmlns:p="http://schemas.openxmlformats.org/presentationml/2006/main">
+  <p:cm authorId="1" dt="2020-10-08T22:11:33.527" idx="2">
+    <p:pos x="2799" y="1359"/>
+    <p:text>What about estimate revenue opportunity based on multiplying median spend by zip times potential customer count - might also want to factor in a benchmark of 30% conversion rate</p:text>
+    <p:extLst>
+      <p:ext uri="{C676402C-5697-4E1C-873F-D02D1690AC5C}">
+        <p15:threadingInfo xmlns:p15="http://schemas.microsoft.com/office/powerpoint/2012/main" timeZoneBias="300"/>
+      </p:ext>
+    </p:extLst>
+  </p:cm>
+</p:cmLst>
+</file>
+
 <file path=ppt/diagrams/colors1.xml><?xml version="1.0" encoding="utf-8"?>
 <dgm:colorsDef xmlns:dgm="http://schemas.openxmlformats.org/drawingml/2006/diagram" xmlns:a="http://schemas.openxmlformats.org/drawingml/2006/main" uniqueId="urn:microsoft.com/office/officeart/2005/8/colors/accent1_2">
   <dgm:title val=""/>
@@ -1906,12 +1992,8 @@
         <a:lstStyle/>
         <a:p>
           <a:r>
-            <a:rPr lang="en-US" sz="1600" dirty="0" err="1"/>
-            <a:t>Jumpman</a:t>
-          </a:r>
-          <a:r>
             <a:rPr lang="en-US" sz="1600" dirty="0"/>
-            <a:t> arrives at the pickup location</a:t>
+            <a:t>Jumpman arrives at the pickup location</a:t>
           </a:r>
         </a:p>
       </dgm:t>
@@ -2368,12 +2450,8 @@
             <a:buNone/>
           </a:pPr>
           <a:r>
-            <a:rPr lang="en-US" sz="1600" kern="1200" dirty="0" err="1"/>
-            <a:t>Jumpman</a:t>
-          </a:r>
-          <a:r>
             <a:rPr lang="en-US" sz="1600" kern="1200" dirty="0"/>
-            <a:t> arrives at the pickup location</a:t>
+            <a:t>Jumpman arrives at the pickup location</a:t>
           </a:r>
         </a:p>
       </dsp:txBody>
@@ -4436,9 +4514,9 @@
           <a:p>
             <a:fld id="{32C76CD2-7D08-0F4E-B13E-E2A58BE107D2}" type="slidenum">
               <a:rPr lang="en-US" smtClean="0"/>
-              <a:t>9</a:t>
+              <a:t>10</a:t>
             </a:fld>
-            <a:endParaRPr lang="en-US"/>
+            <a:endParaRPr lang="en-US" dirty="0"/>
           </a:p>
         </p:txBody>
       </p:sp>
@@ -4500,7 +4578,7 @@
           <a:lstStyle/>
           <a:p>
             <a:r>
-              <a:rPr lang="en-US" dirty="0"/>
+              <a:rPr lang="en-US"/>
               <a:t>The time to delivery is a simple function of the the time the delivery starts, the time spent waiting at the pickup place, and the time spent traveling to the customer. We should seek to minimize time spent waiting at the business since the time spent traveling to the customer is out of our control.</a:t>
             </a:r>
           </a:p>
@@ -4523,7 +4601,7 @@
           <a:p>
             <a:fld id="{32C76CD2-7D08-0F4E-B13E-E2A58BE107D2}" type="slidenum">
               <a:rPr lang="en-US" smtClean="0"/>
-              <a:t>16</a:t>
+              <a:t>17</a:t>
             </a:fld>
             <a:endParaRPr lang="en-US"/>
           </a:p>
@@ -5346,7 +5424,7 @@
           <a:lstStyle/>
           <a:p>
             <a:r>
-              <a:rPr lang="en-US" dirty="0"/>
+              <a:rPr lang="en-US"/>
               <a:t>#</a:t>
             </a:r>
           </a:p>
@@ -7785,14 +7863,14 @@
           <a:p>
             <a:pPr algn="l"/>
             <a:r>
-              <a:rPr lang="en-US" dirty="0"/>
+              <a:rPr lang="en-US" b="1" dirty="0"/>
               <a:t>Jumpman23 </a:t>
             </a:r>
             <a:br>
-              <a:rPr lang="en-US" dirty="0"/>
+              <a:rPr lang="en-US" b="1" dirty="0"/>
             </a:br>
             <a:r>
-              <a:rPr lang="en-US" dirty="0"/>
+              <a:rPr lang="en-US" b="1" dirty="0"/>
               <a:t>New Market Analysis</a:t>
             </a:r>
           </a:p>
@@ -7821,7 +7899,9 @@
           </a:xfrm>
         </p:spPr>
         <p:txBody>
-          <a:bodyPr/>
+          <a:bodyPr>
+            <a:normAutofit lnSpcReduction="10000"/>
+          </a:bodyPr>
           <a:lstStyle/>
           <a:p>
             <a:pPr algn="l"/>
@@ -7835,6 +7915,17 @@
             <a:r>
               <a:rPr lang="en-US" dirty="0"/>
               <a:t>October 2020</a:t>
+            </a:r>
+          </a:p>
+          <a:p>
+            <a:pPr algn="l"/>
+            <a:endParaRPr lang="en-US" dirty="0"/>
+          </a:p>
+          <a:p>
+            <a:pPr algn="l"/>
+            <a:r>
+              <a:rPr lang="en-US" dirty="0"/>
+              <a:t>Presented to:</a:t>
             </a:r>
           </a:p>
         </p:txBody>
@@ -7861,7 +7952,7 @@
         </p:blipFill>
         <p:spPr>
           <a:xfrm>
-            <a:off x="9218549" y="5172727"/>
+            <a:off x="1323975" y="5172727"/>
             <a:ext cx="2975102" cy="1125819"/>
           </a:xfrm>
           <a:prstGeom prst="rect">
@@ -7904,7 +7995,7 @@
           <p:cNvPr id="2" name="Title 1">
             <a:extLst>
               <a:ext uri="{FF2B5EF4-FFF2-40B4-BE49-F238E27FC236}">
-                <a16:creationId xmlns:a16="http://schemas.microsoft.com/office/drawing/2014/main" id="{E6D31B3F-7BFC-2140-B2D5-809FEF6159AA}"/>
+                <a16:creationId xmlns:a16="http://schemas.microsoft.com/office/drawing/2014/main" id="{FB41548D-C3D9-F640-99CE-71F1CF5E7F96}"/>
               </a:ext>
             </a:extLst>
           </p:cNvPr>
@@ -7915,1071 +8006,215 @@
             <p:ph type="title"/>
           </p:nvPr>
         </p:nvSpPr>
-        <p:spPr>
-          <a:xfrm>
-            <a:off x="838200" y="365125"/>
-            <a:ext cx="10515600" cy="1325563"/>
-          </a:xfrm>
-        </p:spPr>
+        <p:spPr/>
         <p:txBody>
           <a:bodyPr/>
           <a:lstStyle/>
           <a:p>
             <a:r>
+              <a:rPr lang="en-US" dirty="0">
+                <a:solidFill>
+                  <a:schemeClr val="tx1">
+                    <a:lumMod val="50000"/>
+                    <a:lumOff val="50000"/>
+                  </a:schemeClr>
+                </a:solidFill>
+              </a:rPr>
+              <a:t>3.3 </a:t>
+            </a:r>
+            <a:r>
               <a:rPr lang="en-US" b="1" dirty="0"/>
-              <a:t>04 DATA INTEGRITY CONCERNS</a:t>
+              <a:t>NEW MARKET ANALYSIS [BUSINESSES]</a:t>
+            </a:r>
+          </a:p>
+        </p:txBody>
+      </p:sp>
+      <p:pic>
+        <p:nvPicPr>
+          <p:cNvPr id="4" name="slide2" descr="Pickup">
+            <a:extLst>
+              <a:ext uri="{FF2B5EF4-FFF2-40B4-BE49-F238E27FC236}">
+                <a16:creationId xmlns:a16="http://schemas.microsoft.com/office/drawing/2014/main" id="{7F02E02E-6222-D147-98D0-687819BA61CF}"/>
+              </a:ext>
+            </a:extLst>
+          </p:cNvPr>
+          <p:cNvPicPr>
+            <a:picLocks noChangeAspect="1"/>
+          </p:cNvPicPr>
+          <p:nvPr/>
+        </p:nvPicPr>
+        <p:blipFill rotWithShape="1">
+          <a:blip r:embed="rId3">
+            <a:extLst>
+              <a:ext uri="{28A0092B-C50C-407E-A947-70E740481C1C}">
+                <a14:useLocalDpi xmlns:a14="http://schemas.microsoft.com/office/drawing/2010/main" val="0"/>
+              </a:ext>
+            </a:extLst>
+          </a:blip>
+          <a:srcRect l="-1" r="42097"/>
+          <a:stretch/>
+        </p:blipFill>
+        <p:spPr>
+          <a:xfrm>
+            <a:off x="6539696" y="2779689"/>
+            <a:ext cx="3568228" cy="3567638"/>
+          </a:xfrm>
+          <a:prstGeom prst="rect">
+            <a:avLst/>
+          </a:prstGeom>
+        </p:spPr>
+      </p:pic>
+      <p:pic>
+        <p:nvPicPr>
+          <p:cNvPr id="7" name="Picture 6">
+            <a:extLst>
+              <a:ext uri="{FF2B5EF4-FFF2-40B4-BE49-F238E27FC236}">
+                <a16:creationId xmlns:a16="http://schemas.microsoft.com/office/drawing/2014/main" id="{743012C2-9548-054E-BDA5-B4A381F6E674}"/>
+              </a:ext>
+            </a:extLst>
+          </p:cNvPr>
+          <p:cNvPicPr>
+            <a:picLocks noChangeAspect="1"/>
+          </p:cNvPicPr>
+          <p:nvPr/>
+        </p:nvPicPr>
+        <p:blipFill>
+          <a:blip r:embed="rId4"/>
+          <a:stretch>
+            <a:fillRect/>
+          </a:stretch>
+        </p:blipFill>
+        <p:spPr>
+          <a:xfrm>
+            <a:off x="1018572" y="3661499"/>
+            <a:ext cx="3652838" cy="2373311"/>
+          </a:xfrm>
+          <a:prstGeom prst="rect">
+            <a:avLst/>
+          </a:prstGeom>
+        </p:spPr>
+      </p:pic>
+      <p:sp>
+        <p:nvSpPr>
+          <p:cNvPr id="9" name="TextBox 8">
+            <a:extLst>
+              <a:ext uri="{FF2B5EF4-FFF2-40B4-BE49-F238E27FC236}">
+                <a16:creationId xmlns:a16="http://schemas.microsoft.com/office/drawing/2014/main" id="{0AC6D36F-B33F-544A-BF15-D4DC7E9B56D2}"/>
+              </a:ext>
+            </a:extLst>
+          </p:cNvPr>
+          <p:cNvSpPr txBox="1"/>
+          <p:nvPr/>
+        </p:nvSpPr>
+        <p:spPr>
+          <a:xfrm>
+            <a:off x="1018572" y="1840375"/>
+            <a:ext cx="4595150" cy="369332"/>
+          </a:xfrm>
+          <a:prstGeom prst="rect">
+            <a:avLst/>
+          </a:prstGeom>
+          <a:noFill/>
+        </p:spPr>
+        <p:txBody>
+          <a:bodyPr wrap="square" rtlCol="0">
+            <a:spAutoFit/>
+          </a:bodyPr>
+          <a:lstStyle/>
+          <a:p>
+            <a:r>
+              <a:rPr lang="en-US" dirty="0">
+                <a:solidFill>
+                  <a:srgbClr val="FF0000"/>
+                </a:solidFill>
+              </a:rPr>
+              <a:t>What are the key findings?</a:t>
             </a:r>
           </a:p>
         </p:txBody>
       </p:sp>
       <p:sp>
         <p:nvSpPr>
-          <p:cNvPr id="13" name="Content Placeholder 12">
+          <p:cNvPr id="10" name="TextBox 9">
             <a:extLst>
               <a:ext uri="{FF2B5EF4-FFF2-40B4-BE49-F238E27FC236}">
-                <a16:creationId xmlns:a16="http://schemas.microsoft.com/office/drawing/2014/main" id="{68253D8F-FB7E-A847-A7E6-A28325B5B8A3}"/>
+                <a16:creationId xmlns:a16="http://schemas.microsoft.com/office/drawing/2014/main" id="{A3497F13-9E83-F742-A50B-9206278C11BF}"/>
               </a:ext>
             </a:extLst>
           </p:cNvPr>
-          <p:cNvSpPr>
-            <a:spLocks noGrp="1"/>
-          </p:cNvSpPr>
-          <p:nvPr>
-            <p:ph sz="half" idx="2"/>
-          </p:nvPr>
+          <p:cNvSpPr txBox="1"/>
+          <p:nvPr/>
         </p:nvSpPr>
-        <p:spPr/>
+        <p:spPr>
+          <a:xfrm>
+            <a:off x="6758650" y="1865856"/>
+            <a:ext cx="4595150" cy="369332"/>
+          </a:xfrm>
+          <a:prstGeom prst="rect">
+            <a:avLst/>
+          </a:prstGeom>
+          <a:noFill/>
+        </p:spPr>
         <p:txBody>
-          <a:bodyPr>
-            <a:noAutofit/>
+          <a:bodyPr wrap="square" rtlCol="0">
+            <a:spAutoFit/>
           </a:bodyPr>
           <a:lstStyle/>
           <a:p>
-            <a:pPr marL="0" indent="0">
-              <a:buNone/>
-            </a:pPr>
-            <a:r>
-              <a:rPr lang="en-US" sz="1500" dirty="0"/>
-              <a:t>There is a systematic issue in data collection as evidence by the missing records. Assumptions:</a:t>
-            </a:r>
-          </a:p>
-          <a:p>
-            <a:r>
-              <a:rPr lang="en-US" sz="1500" dirty="0"/>
-              <a:t>Place category, item name, item quantity, category name were all replaced with “not disclosed”</a:t>
-            </a:r>
-          </a:p>
-          <a:p>
-            <a:r>
-              <a:rPr lang="en-US" sz="1500" dirty="0"/>
-              <a:t>Estimated time to order using an average value for the dataset as my analysis did not show meaningful deviation by place category </a:t>
-            </a:r>
-          </a:p>
-          <a:p>
-            <a:r>
-              <a:rPr lang="en-US" sz="1500" dirty="0"/>
-              <a:t>Dropped records that did not have </a:t>
-            </a:r>
-            <a:r>
-              <a:rPr lang="en-US" sz="1500" dirty="0" err="1"/>
-              <a:t>Jumpman</a:t>
-            </a:r>
-            <a:r>
-              <a:rPr lang="en-US" sz="1500" dirty="0"/>
-              <a:t> pickup arrival and departure times</a:t>
-            </a:r>
-          </a:p>
-          <a:p>
-            <a:endParaRPr lang="en-US" sz="1500" dirty="0"/>
-          </a:p>
-          <a:p>
-            <a:pPr marL="0" indent="0">
-              <a:buNone/>
-            </a:pPr>
-            <a:r>
-              <a:rPr lang="en-US" sz="1500" dirty="0">
+            <a:r>
+              <a:rPr lang="en-US" dirty="0">
                 <a:solidFill>
                   <a:srgbClr val="FF0000"/>
                 </a:solidFill>
               </a:rPr>
-              <a:t>For next steps, I would recommend a classification model to predict the category of the restaurant name. This could be implemented using natural language processing and a simple machine learning.</a:t>
-            </a:r>
-          </a:p>
-          <a:p>
-            <a:pPr marL="0" indent="0">
-              <a:buNone/>
-            </a:pPr>
-            <a:endParaRPr lang="en-US" sz="1500" dirty="0"/>
-          </a:p>
-          <a:p>
-            <a:pPr marL="0" indent="0">
-              <a:buNone/>
-            </a:pPr>
-            <a:endParaRPr lang="en-US" sz="1500" dirty="0"/>
+              <a:t>What are the key findings?</a:t>
+            </a:r>
           </a:p>
         </p:txBody>
       </p:sp>
-      <p:graphicFrame>
-        <p:nvGraphicFramePr>
-          <p:cNvPr id="8" name="Table 8">
+      <p:cxnSp>
+        <p:nvCxnSpPr>
+          <p:cNvPr id="12" name="Straight Connector 11">
             <a:extLst>
               <a:ext uri="{FF2B5EF4-FFF2-40B4-BE49-F238E27FC236}">
-                <a16:creationId xmlns:a16="http://schemas.microsoft.com/office/drawing/2014/main" id="{80B0255E-711B-F54C-9B3B-ABE81D6B5E27}"/>
+                <a16:creationId xmlns:a16="http://schemas.microsoft.com/office/drawing/2014/main" id="{3219A36D-0468-304E-B5DC-C42CBB74736D}"/>
               </a:ext>
             </a:extLst>
           </p:cNvPr>
-          <p:cNvGraphicFramePr>
-            <a:graphicFrameLocks noGrp="1"/>
-          </p:cNvGraphicFramePr>
-          <p:nvPr>
-            <p:extLst>
-              <p:ext uri="{D42A27DB-BD31-4B8C-83A1-F6EECF244321}">
-                <p14:modId xmlns:p14="http://schemas.microsoft.com/office/powerpoint/2010/main" val="3055552297"/>
-              </p:ext>
-            </p:extLst>
-          </p:nvPr>
-        </p:nvGraphicFramePr>
-        <p:xfrm>
-          <a:off x="513737" y="1425217"/>
-          <a:ext cx="2140974" cy="4844503"/>
-        </p:xfrm>
-        <a:graphic>
-          <a:graphicData uri="http://schemas.openxmlformats.org/drawingml/2006/table">
-            <a:tbl>
-              <a:tblPr firstRow="1" bandRow="1">
-                <a:tableStyleId>{5C22544A-7EE6-4342-B048-85BDC9FD1C3A}</a:tableStyleId>
-              </a:tblPr>
-              <a:tblGrid>
-                <a:gridCol w="1418287">
-                  <a:extLst>
-                    <a:ext uri="{9D8B030D-6E8A-4147-A177-3AD203B41FA5}">
-                      <a16:colId xmlns:a16="http://schemas.microsoft.com/office/drawing/2014/main" val="1258085703"/>
-                    </a:ext>
-                  </a:extLst>
-                </a:gridCol>
-                <a:gridCol w="722687">
-                  <a:extLst>
-                    <a:ext uri="{9D8B030D-6E8A-4147-A177-3AD203B41FA5}">
-                      <a16:colId xmlns:a16="http://schemas.microsoft.com/office/drawing/2014/main" val="3386613569"/>
-                    </a:ext>
-                  </a:extLst>
-                </a:gridCol>
-              </a:tblGrid>
-              <a:tr h="183644">
-                <a:tc>
-                  <a:txBody>
-                    <a:bodyPr/>
-                    <a:lstStyle/>
-                    <a:p>
-                      <a:pPr algn="l" fontAlgn="b"/>
-                      <a:r>
-                        <a:rPr lang="en-US" sz="1200" b="1" i="0" u="none" strike="noStrike" dirty="0">
-                          <a:solidFill>
-                            <a:srgbClr val="000000"/>
-                          </a:solidFill>
-                          <a:effectLst/>
-                          <a:latin typeface="Calibri" panose="020F0502020204030204" pitchFamily="34" charset="0"/>
-                        </a:rPr>
-                        <a:t>Attribute</a:t>
-                      </a:r>
-                    </a:p>
-                  </a:txBody>
-                  <a:tcPr marL="4717" marR="4717" marT="4717" marB="0" anchor="b"/>
-                </a:tc>
-                <a:tc>
-                  <a:txBody>
-                    <a:bodyPr/>
-                    <a:lstStyle/>
-                    <a:p>
-                      <a:pPr algn="ctr" fontAlgn="b"/>
-                      <a:r>
-                        <a:rPr lang="en-US" sz="1200" b="1" i="0" u="none" strike="noStrike" dirty="0">
-                          <a:solidFill>
-                            <a:srgbClr val="000000"/>
-                          </a:solidFill>
-                          <a:effectLst/>
-                          <a:latin typeface="Calibri" panose="020F0502020204030204" pitchFamily="34" charset="0"/>
-                        </a:rPr>
-                        <a:t>Missing Value Count</a:t>
-                      </a:r>
-                    </a:p>
-                  </a:txBody>
-                  <a:tcPr marL="4717" marR="4717" marT="4717" marB="0" anchor="b"/>
-                </a:tc>
-                <a:extLst>
-                  <a:ext uri="{0D108BD9-81ED-4DB2-BD59-A6C34878D82A}">
-                    <a16:rowId xmlns:a16="http://schemas.microsoft.com/office/drawing/2014/main" val="1366333991"/>
-                  </a:ext>
-                </a:extLst>
-              </a:tr>
-              <a:tr h="183644">
-                <a:tc>
-                  <a:txBody>
-                    <a:bodyPr/>
-                    <a:lstStyle/>
-                    <a:p>
-                      <a:pPr algn="l" fontAlgn="b"/>
-                      <a:r>
-                        <a:rPr lang="en-US" sz="1200" b="0" i="0" u="none" strike="noStrike">
-                          <a:solidFill>
-                            <a:srgbClr val="000000"/>
-                          </a:solidFill>
-                          <a:effectLst/>
-                          <a:latin typeface="Calibri" panose="020F0502020204030204" pitchFamily="34" charset="0"/>
-                        </a:rPr>
-                        <a:t>delivery_id</a:t>
-                      </a:r>
-                    </a:p>
-                  </a:txBody>
-                  <a:tcPr marL="4717" marR="4717" marT="4717" marB="0" anchor="b"/>
-                </a:tc>
-                <a:tc>
-                  <a:txBody>
-                    <a:bodyPr/>
-                    <a:lstStyle/>
-                    <a:p>
-                      <a:pPr algn="ctr" fontAlgn="b"/>
-                      <a:r>
-                        <a:rPr lang="en-US" sz="1200" b="0" i="0" u="none" strike="noStrike" dirty="0">
-                          <a:solidFill>
-                            <a:srgbClr val="000000"/>
-                          </a:solidFill>
-                          <a:effectLst/>
-                          <a:latin typeface="Calibri" panose="020F0502020204030204" pitchFamily="34" charset="0"/>
-                        </a:rPr>
-                        <a:t>0</a:t>
-                      </a:r>
-                    </a:p>
-                  </a:txBody>
-                  <a:tcPr marL="4717" marR="4717" marT="4717" marB="0" anchor="b"/>
-                </a:tc>
-                <a:extLst>
-                  <a:ext uri="{0D108BD9-81ED-4DB2-BD59-A6C34878D82A}">
-                    <a16:rowId xmlns:a16="http://schemas.microsoft.com/office/drawing/2014/main" val="600843719"/>
-                  </a:ext>
-                </a:extLst>
-              </a:tr>
-              <a:tr h="183644">
-                <a:tc>
-                  <a:txBody>
-                    <a:bodyPr/>
-                    <a:lstStyle/>
-                    <a:p>
-                      <a:pPr algn="l" fontAlgn="b"/>
-                      <a:r>
-                        <a:rPr lang="en-US" sz="1200" b="0" i="0" u="none" strike="noStrike" dirty="0" err="1">
-                          <a:solidFill>
-                            <a:srgbClr val="000000"/>
-                          </a:solidFill>
-                          <a:effectLst/>
-                          <a:latin typeface="Calibri" panose="020F0502020204030204" pitchFamily="34" charset="0"/>
-                        </a:rPr>
-                        <a:t>customer_id</a:t>
-                      </a:r>
-                      <a:endParaRPr lang="en-US" sz="1200" b="0" i="0" u="none" strike="noStrike" dirty="0">
-                        <a:solidFill>
-                          <a:srgbClr val="000000"/>
-                        </a:solidFill>
-                        <a:effectLst/>
-                        <a:latin typeface="Calibri" panose="020F0502020204030204" pitchFamily="34" charset="0"/>
-                      </a:endParaRPr>
-                    </a:p>
-                  </a:txBody>
-                  <a:tcPr marL="4717" marR="4717" marT="4717" marB="0" anchor="b"/>
-                </a:tc>
-                <a:tc>
-                  <a:txBody>
-                    <a:bodyPr/>
-                    <a:lstStyle/>
-                    <a:p>
-                      <a:pPr algn="ctr" fontAlgn="b"/>
-                      <a:r>
-                        <a:rPr lang="en-US" sz="1200" b="0" i="0" u="none" strike="noStrike" dirty="0">
-                          <a:solidFill>
-                            <a:srgbClr val="000000"/>
-                          </a:solidFill>
-                          <a:effectLst/>
-                          <a:latin typeface="Calibri" panose="020F0502020204030204" pitchFamily="34" charset="0"/>
-                        </a:rPr>
-                        <a:t>0</a:t>
-                      </a:r>
-                    </a:p>
-                  </a:txBody>
-                  <a:tcPr marL="4717" marR="4717" marT="4717" marB="0" anchor="b"/>
-                </a:tc>
-                <a:extLst>
-                  <a:ext uri="{0D108BD9-81ED-4DB2-BD59-A6C34878D82A}">
-                    <a16:rowId xmlns:a16="http://schemas.microsoft.com/office/drawing/2014/main" val="3673899072"/>
-                  </a:ext>
-                </a:extLst>
-              </a:tr>
-              <a:tr h="183644">
-                <a:tc>
-                  <a:txBody>
-                    <a:bodyPr/>
-                    <a:lstStyle/>
-                    <a:p>
-                      <a:pPr algn="l" fontAlgn="b"/>
-                      <a:r>
-                        <a:rPr lang="en-US" sz="1200" b="0" i="0" u="none" strike="noStrike">
-                          <a:solidFill>
-                            <a:srgbClr val="000000"/>
-                          </a:solidFill>
-                          <a:effectLst/>
-                          <a:latin typeface="Calibri" panose="020F0502020204030204" pitchFamily="34" charset="0"/>
-                        </a:rPr>
-                        <a:t>jumpman_id</a:t>
-                      </a:r>
-                    </a:p>
-                  </a:txBody>
-                  <a:tcPr marL="4717" marR="4717" marT="4717" marB="0" anchor="b"/>
-                </a:tc>
-                <a:tc>
-                  <a:txBody>
-                    <a:bodyPr/>
-                    <a:lstStyle/>
-                    <a:p>
-                      <a:pPr algn="ctr" fontAlgn="b"/>
-                      <a:r>
-                        <a:rPr lang="en-US" sz="1200" b="0" i="0" u="none" strike="noStrike" dirty="0">
-                          <a:solidFill>
-                            <a:srgbClr val="000000"/>
-                          </a:solidFill>
-                          <a:effectLst/>
-                          <a:latin typeface="Calibri" panose="020F0502020204030204" pitchFamily="34" charset="0"/>
-                        </a:rPr>
-                        <a:t>0</a:t>
-                      </a:r>
-                    </a:p>
-                  </a:txBody>
-                  <a:tcPr marL="4717" marR="4717" marT="4717" marB="0" anchor="b"/>
-                </a:tc>
-                <a:extLst>
-                  <a:ext uri="{0D108BD9-81ED-4DB2-BD59-A6C34878D82A}">
-                    <a16:rowId xmlns:a16="http://schemas.microsoft.com/office/drawing/2014/main" val="3129033879"/>
-                  </a:ext>
-                </a:extLst>
-              </a:tr>
-              <a:tr h="183644">
-                <a:tc>
-                  <a:txBody>
-                    <a:bodyPr/>
-                    <a:lstStyle/>
-                    <a:p>
-                      <a:pPr algn="l" fontAlgn="b"/>
-                      <a:r>
-                        <a:rPr lang="en-US" sz="1200" b="0" i="0" u="none" strike="noStrike">
-                          <a:solidFill>
-                            <a:srgbClr val="000000"/>
-                          </a:solidFill>
-                          <a:effectLst/>
-                          <a:latin typeface="Calibri" panose="020F0502020204030204" pitchFamily="34" charset="0"/>
-                        </a:rPr>
-                        <a:t>vehicle_type</a:t>
-                      </a:r>
-                    </a:p>
-                  </a:txBody>
-                  <a:tcPr marL="4717" marR="4717" marT="4717" marB="0" anchor="b"/>
-                </a:tc>
-                <a:tc>
-                  <a:txBody>
-                    <a:bodyPr/>
-                    <a:lstStyle/>
-                    <a:p>
-                      <a:pPr algn="ctr" fontAlgn="b"/>
-                      <a:r>
-                        <a:rPr lang="en-US" sz="1200" b="0" i="0" u="none" strike="noStrike" dirty="0">
-                          <a:solidFill>
-                            <a:srgbClr val="000000"/>
-                          </a:solidFill>
-                          <a:effectLst/>
-                          <a:latin typeface="Calibri" panose="020F0502020204030204" pitchFamily="34" charset="0"/>
-                        </a:rPr>
-                        <a:t>0</a:t>
-                      </a:r>
-                    </a:p>
-                  </a:txBody>
-                  <a:tcPr marL="4717" marR="4717" marT="4717" marB="0" anchor="b"/>
-                </a:tc>
-                <a:extLst>
-                  <a:ext uri="{0D108BD9-81ED-4DB2-BD59-A6C34878D82A}">
-                    <a16:rowId xmlns:a16="http://schemas.microsoft.com/office/drawing/2014/main" val="506514451"/>
-                  </a:ext>
-                </a:extLst>
-              </a:tr>
-              <a:tr h="183644">
-                <a:tc>
-                  <a:txBody>
-                    <a:bodyPr/>
-                    <a:lstStyle/>
-                    <a:p>
-                      <a:pPr algn="l" fontAlgn="b"/>
-                      <a:r>
-                        <a:rPr lang="en-US" sz="1200" b="0" i="0" u="none" strike="noStrike">
-                          <a:solidFill>
-                            <a:srgbClr val="000000"/>
-                          </a:solidFill>
-                          <a:effectLst/>
-                          <a:latin typeface="Calibri" panose="020F0502020204030204" pitchFamily="34" charset="0"/>
-                        </a:rPr>
-                        <a:t>pickup_place</a:t>
-                      </a:r>
-                    </a:p>
-                  </a:txBody>
-                  <a:tcPr marL="4717" marR="4717" marT="4717" marB="0" anchor="b"/>
-                </a:tc>
-                <a:tc>
-                  <a:txBody>
-                    <a:bodyPr/>
-                    <a:lstStyle/>
-                    <a:p>
-                      <a:pPr algn="ctr" fontAlgn="b"/>
-                      <a:r>
-                        <a:rPr lang="en-US" sz="1200" b="0" i="0" u="none" strike="noStrike" dirty="0">
-                          <a:solidFill>
-                            <a:srgbClr val="000000"/>
-                          </a:solidFill>
-                          <a:effectLst/>
-                          <a:latin typeface="Calibri" panose="020F0502020204030204" pitchFamily="34" charset="0"/>
-                        </a:rPr>
-                        <a:t>0</a:t>
-                      </a:r>
-                    </a:p>
-                  </a:txBody>
-                  <a:tcPr marL="4717" marR="4717" marT="4717" marB="0" anchor="b"/>
-                </a:tc>
-                <a:extLst>
-                  <a:ext uri="{0D108BD9-81ED-4DB2-BD59-A6C34878D82A}">
-                    <a16:rowId xmlns:a16="http://schemas.microsoft.com/office/drawing/2014/main" val="913727068"/>
-                  </a:ext>
-                </a:extLst>
-              </a:tr>
-              <a:tr h="183644">
-                <a:tc>
-                  <a:txBody>
-                    <a:bodyPr/>
-                    <a:lstStyle/>
-                    <a:p>
-                      <a:pPr algn="l" fontAlgn="b"/>
-                      <a:r>
-                        <a:rPr lang="en-US" sz="1200" b="0" i="0" u="none" strike="noStrike" dirty="0" err="1">
-                          <a:solidFill>
-                            <a:srgbClr val="000000"/>
-                          </a:solidFill>
-                          <a:effectLst/>
-                          <a:latin typeface="Calibri" panose="020F0502020204030204" pitchFamily="34" charset="0"/>
-                        </a:rPr>
-                        <a:t>place_category</a:t>
-                      </a:r>
-                      <a:endParaRPr lang="en-US" sz="1200" b="0" i="0" u="none" strike="noStrike" dirty="0">
-                        <a:solidFill>
-                          <a:srgbClr val="000000"/>
-                        </a:solidFill>
-                        <a:effectLst/>
-                        <a:latin typeface="Calibri" panose="020F0502020204030204" pitchFamily="34" charset="0"/>
-                      </a:endParaRPr>
-                    </a:p>
-                  </a:txBody>
-                  <a:tcPr marL="4717" marR="4717" marT="4717" marB="0" anchor="b"/>
-                </a:tc>
-                <a:tc>
-                  <a:txBody>
-                    <a:bodyPr/>
-                    <a:lstStyle/>
-                    <a:p>
-                      <a:pPr algn="ctr" fontAlgn="b"/>
-                      <a:r>
-                        <a:rPr lang="en-US" sz="1200" b="0" i="0" u="none" strike="noStrike" dirty="0">
-                          <a:solidFill>
-                            <a:srgbClr val="000000"/>
-                          </a:solidFill>
-                          <a:effectLst/>
-                          <a:latin typeface="Calibri" panose="020F0502020204030204" pitchFamily="34" charset="0"/>
-                        </a:rPr>
-                        <a:t>883</a:t>
-                      </a:r>
-                    </a:p>
-                  </a:txBody>
-                  <a:tcPr marL="4717" marR="4717" marT="4717" marB="0" anchor="b"/>
-                </a:tc>
-                <a:extLst>
-                  <a:ext uri="{0D108BD9-81ED-4DB2-BD59-A6C34878D82A}">
-                    <a16:rowId xmlns:a16="http://schemas.microsoft.com/office/drawing/2014/main" val="500561858"/>
-                  </a:ext>
-                </a:extLst>
-              </a:tr>
-              <a:tr h="183644">
-                <a:tc>
-                  <a:txBody>
-                    <a:bodyPr/>
-                    <a:lstStyle/>
-                    <a:p>
-                      <a:pPr algn="l" fontAlgn="b"/>
-                      <a:r>
-                        <a:rPr lang="en-US" sz="1200" b="0" i="0" u="none" strike="noStrike">
-                          <a:solidFill>
-                            <a:srgbClr val="000000"/>
-                          </a:solidFill>
-                          <a:effectLst/>
-                          <a:latin typeface="Calibri" panose="020F0502020204030204" pitchFamily="34" charset="0"/>
-                        </a:rPr>
-                        <a:t>item_name</a:t>
-                      </a:r>
-                    </a:p>
-                  </a:txBody>
-                  <a:tcPr marL="4717" marR="4717" marT="4717" marB="0" anchor="b"/>
-                </a:tc>
-                <a:tc>
-                  <a:txBody>
-                    <a:bodyPr/>
-                    <a:lstStyle/>
-                    <a:p>
-                      <a:pPr algn="ctr" fontAlgn="b"/>
-                      <a:r>
-                        <a:rPr lang="en-US" sz="1200" b="0" i="0" u="none" strike="noStrike" dirty="0">
-                          <a:solidFill>
-                            <a:srgbClr val="000000"/>
-                          </a:solidFill>
-                          <a:effectLst/>
-                          <a:latin typeface="Calibri" panose="020F0502020204030204" pitchFamily="34" charset="0"/>
-                        </a:rPr>
-                        <a:t>1230</a:t>
-                      </a:r>
-                    </a:p>
-                  </a:txBody>
-                  <a:tcPr marL="4717" marR="4717" marT="4717" marB="0" anchor="b"/>
-                </a:tc>
-                <a:extLst>
-                  <a:ext uri="{0D108BD9-81ED-4DB2-BD59-A6C34878D82A}">
-                    <a16:rowId xmlns:a16="http://schemas.microsoft.com/office/drawing/2014/main" val="1309561289"/>
-                  </a:ext>
-                </a:extLst>
-              </a:tr>
-              <a:tr h="183644">
-                <a:tc>
-                  <a:txBody>
-                    <a:bodyPr/>
-                    <a:lstStyle/>
-                    <a:p>
-                      <a:pPr algn="l" fontAlgn="b"/>
-                      <a:r>
-                        <a:rPr lang="en-US" sz="1200" b="0" i="0" u="none" strike="noStrike">
-                          <a:solidFill>
-                            <a:srgbClr val="000000"/>
-                          </a:solidFill>
-                          <a:effectLst/>
-                          <a:latin typeface="Calibri" panose="020F0502020204030204" pitchFamily="34" charset="0"/>
-                        </a:rPr>
-                        <a:t>item_quantity</a:t>
-                      </a:r>
-                    </a:p>
-                  </a:txBody>
-                  <a:tcPr marL="4717" marR="4717" marT="4717" marB="0" anchor="b"/>
-                </a:tc>
-                <a:tc>
-                  <a:txBody>
-                    <a:bodyPr/>
-                    <a:lstStyle/>
-                    <a:p>
-                      <a:pPr algn="ctr" fontAlgn="b"/>
-                      <a:r>
-                        <a:rPr lang="en-US" sz="1200" b="0" i="0" u="none" strike="noStrike" dirty="0">
-                          <a:solidFill>
-                            <a:srgbClr val="000000"/>
-                          </a:solidFill>
-                          <a:effectLst/>
-                          <a:latin typeface="Calibri" panose="020F0502020204030204" pitchFamily="34" charset="0"/>
-                        </a:rPr>
-                        <a:t>1230</a:t>
-                      </a:r>
-                    </a:p>
-                  </a:txBody>
-                  <a:tcPr marL="4717" marR="4717" marT="4717" marB="0" anchor="b"/>
-                </a:tc>
-                <a:extLst>
-                  <a:ext uri="{0D108BD9-81ED-4DB2-BD59-A6C34878D82A}">
-                    <a16:rowId xmlns:a16="http://schemas.microsoft.com/office/drawing/2014/main" val="2440365531"/>
-                  </a:ext>
-                </a:extLst>
-              </a:tr>
-              <a:tr h="183644">
-                <a:tc>
-                  <a:txBody>
-                    <a:bodyPr/>
-                    <a:lstStyle/>
-                    <a:p>
-                      <a:pPr algn="l" fontAlgn="b"/>
-                      <a:r>
-                        <a:rPr lang="en-US" sz="1200" b="0" i="0" u="none" strike="noStrike">
-                          <a:solidFill>
-                            <a:srgbClr val="000000"/>
-                          </a:solidFill>
-                          <a:effectLst/>
-                          <a:latin typeface="Calibri" panose="020F0502020204030204" pitchFamily="34" charset="0"/>
-                        </a:rPr>
-                        <a:t>item_category_name</a:t>
-                      </a:r>
-                    </a:p>
-                  </a:txBody>
-                  <a:tcPr marL="4717" marR="4717" marT="4717" marB="0" anchor="b"/>
-                </a:tc>
-                <a:tc>
-                  <a:txBody>
-                    <a:bodyPr/>
-                    <a:lstStyle/>
-                    <a:p>
-                      <a:pPr algn="ctr" fontAlgn="b"/>
-                      <a:r>
-                        <a:rPr lang="en-US" sz="1200" b="0" i="0" u="none" strike="noStrike" dirty="0">
-                          <a:solidFill>
-                            <a:srgbClr val="000000"/>
-                          </a:solidFill>
-                          <a:effectLst/>
-                          <a:latin typeface="Calibri" panose="020F0502020204030204" pitchFamily="34" charset="0"/>
-                        </a:rPr>
-                        <a:t>1230</a:t>
-                      </a:r>
-                    </a:p>
-                  </a:txBody>
-                  <a:tcPr marL="4717" marR="4717" marT="4717" marB="0" anchor="b"/>
-                </a:tc>
-                <a:extLst>
-                  <a:ext uri="{0D108BD9-81ED-4DB2-BD59-A6C34878D82A}">
-                    <a16:rowId xmlns:a16="http://schemas.microsoft.com/office/drawing/2014/main" val="2757871755"/>
-                  </a:ext>
-                </a:extLst>
-              </a:tr>
-              <a:tr h="183644">
-                <a:tc>
-                  <a:txBody>
-                    <a:bodyPr/>
-                    <a:lstStyle/>
-                    <a:p>
-                      <a:pPr algn="l" fontAlgn="b"/>
-                      <a:r>
-                        <a:rPr lang="en-US" sz="1200" b="0" i="0" u="none" strike="noStrike">
-                          <a:solidFill>
-                            <a:srgbClr val="000000"/>
-                          </a:solidFill>
-                          <a:effectLst/>
-                          <a:latin typeface="Calibri" panose="020F0502020204030204" pitchFamily="34" charset="0"/>
-                        </a:rPr>
-                        <a:t>how_long_it_took_to_order</a:t>
-                      </a:r>
-                    </a:p>
-                  </a:txBody>
-                  <a:tcPr marL="4717" marR="4717" marT="4717" marB="0" anchor="b"/>
-                </a:tc>
-                <a:tc>
-                  <a:txBody>
-                    <a:bodyPr/>
-                    <a:lstStyle/>
-                    <a:p>
-                      <a:pPr algn="ctr" fontAlgn="b"/>
-                      <a:r>
-                        <a:rPr lang="en-US" sz="1200" b="0" i="0" u="none" strike="noStrike" dirty="0">
-                          <a:solidFill>
-                            <a:srgbClr val="000000"/>
-                          </a:solidFill>
-                          <a:effectLst/>
-                          <a:latin typeface="Calibri" panose="020F0502020204030204" pitchFamily="34" charset="0"/>
-                        </a:rPr>
-                        <a:t>2945</a:t>
-                      </a:r>
-                    </a:p>
-                  </a:txBody>
-                  <a:tcPr marL="4717" marR="4717" marT="4717" marB="0" anchor="b"/>
-                </a:tc>
-                <a:extLst>
-                  <a:ext uri="{0D108BD9-81ED-4DB2-BD59-A6C34878D82A}">
-                    <a16:rowId xmlns:a16="http://schemas.microsoft.com/office/drawing/2014/main" val="847256094"/>
-                  </a:ext>
-                </a:extLst>
-              </a:tr>
-              <a:tr h="183644">
-                <a:tc>
-                  <a:txBody>
-                    <a:bodyPr/>
-                    <a:lstStyle/>
-                    <a:p>
-                      <a:pPr algn="l" fontAlgn="b"/>
-                      <a:r>
-                        <a:rPr lang="en-US" sz="1200" b="0" i="0" u="none" strike="noStrike">
-                          <a:solidFill>
-                            <a:srgbClr val="000000"/>
-                          </a:solidFill>
-                          <a:effectLst/>
-                          <a:latin typeface="Calibri" panose="020F0502020204030204" pitchFamily="34" charset="0"/>
-                        </a:rPr>
-                        <a:t>pickup_lat</a:t>
-                      </a:r>
-                    </a:p>
-                  </a:txBody>
-                  <a:tcPr marL="4717" marR="4717" marT="4717" marB="0" anchor="b"/>
-                </a:tc>
-                <a:tc>
-                  <a:txBody>
-                    <a:bodyPr/>
-                    <a:lstStyle/>
-                    <a:p>
-                      <a:pPr algn="ctr" fontAlgn="b"/>
-                      <a:r>
-                        <a:rPr lang="en-US" sz="1200" b="0" i="0" u="none" strike="noStrike" dirty="0">
-                          <a:solidFill>
-                            <a:srgbClr val="000000"/>
-                          </a:solidFill>
-                          <a:effectLst/>
-                          <a:latin typeface="Calibri" panose="020F0502020204030204" pitchFamily="34" charset="0"/>
-                        </a:rPr>
-                        <a:t>0</a:t>
-                      </a:r>
-                    </a:p>
-                  </a:txBody>
-                  <a:tcPr marL="4717" marR="4717" marT="4717" marB="0" anchor="b"/>
-                </a:tc>
-                <a:extLst>
-                  <a:ext uri="{0D108BD9-81ED-4DB2-BD59-A6C34878D82A}">
-                    <a16:rowId xmlns:a16="http://schemas.microsoft.com/office/drawing/2014/main" val="1091114394"/>
-                  </a:ext>
-                </a:extLst>
-              </a:tr>
-              <a:tr h="183644">
-                <a:tc>
-                  <a:txBody>
-                    <a:bodyPr/>
-                    <a:lstStyle/>
-                    <a:p>
-                      <a:pPr algn="l" fontAlgn="b"/>
-                      <a:r>
-                        <a:rPr lang="en-US" sz="1200" b="0" i="0" u="none" strike="noStrike">
-                          <a:solidFill>
-                            <a:srgbClr val="000000"/>
-                          </a:solidFill>
-                          <a:effectLst/>
-                          <a:latin typeface="Calibri" panose="020F0502020204030204" pitchFamily="34" charset="0"/>
-                        </a:rPr>
-                        <a:t>pickup_lon</a:t>
-                      </a:r>
-                    </a:p>
-                  </a:txBody>
-                  <a:tcPr marL="4717" marR="4717" marT="4717" marB="0" anchor="b"/>
-                </a:tc>
-                <a:tc>
-                  <a:txBody>
-                    <a:bodyPr/>
-                    <a:lstStyle/>
-                    <a:p>
-                      <a:pPr algn="ctr" fontAlgn="b"/>
-                      <a:r>
-                        <a:rPr lang="en-US" sz="1200" b="0" i="0" u="none" strike="noStrike" dirty="0">
-                          <a:solidFill>
-                            <a:srgbClr val="000000"/>
-                          </a:solidFill>
-                          <a:effectLst/>
-                          <a:latin typeface="Calibri" panose="020F0502020204030204" pitchFamily="34" charset="0"/>
-                        </a:rPr>
-                        <a:t>0</a:t>
-                      </a:r>
-                    </a:p>
-                  </a:txBody>
-                  <a:tcPr marL="4717" marR="4717" marT="4717" marB="0" anchor="b"/>
-                </a:tc>
-                <a:extLst>
-                  <a:ext uri="{0D108BD9-81ED-4DB2-BD59-A6C34878D82A}">
-                    <a16:rowId xmlns:a16="http://schemas.microsoft.com/office/drawing/2014/main" val="1946054561"/>
-                  </a:ext>
-                </a:extLst>
-              </a:tr>
-              <a:tr h="183644">
-                <a:tc>
-                  <a:txBody>
-                    <a:bodyPr/>
-                    <a:lstStyle/>
-                    <a:p>
-                      <a:pPr algn="l" fontAlgn="b"/>
-                      <a:r>
-                        <a:rPr lang="en-US" sz="1200" b="0" i="0" u="none" strike="noStrike">
-                          <a:solidFill>
-                            <a:srgbClr val="000000"/>
-                          </a:solidFill>
-                          <a:effectLst/>
-                          <a:latin typeface="Calibri" panose="020F0502020204030204" pitchFamily="34" charset="0"/>
-                        </a:rPr>
-                        <a:t>dropoff_lat</a:t>
-                      </a:r>
-                    </a:p>
-                  </a:txBody>
-                  <a:tcPr marL="4717" marR="4717" marT="4717" marB="0" anchor="b"/>
-                </a:tc>
-                <a:tc>
-                  <a:txBody>
-                    <a:bodyPr/>
-                    <a:lstStyle/>
-                    <a:p>
-                      <a:pPr algn="ctr" fontAlgn="b"/>
-                      <a:r>
-                        <a:rPr lang="en-US" sz="1200" b="0" i="0" u="none" strike="noStrike" dirty="0">
-                          <a:solidFill>
-                            <a:srgbClr val="000000"/>
-                          </a:solidFill>
-                          <a:effectLst/>
-                          <a:latin typeface="Calibri" panose="020F0502020204030204" pitchFamily="34" charset="0"/>
-                        </a:rPr>
-                        <a:t>0</a:t>
-                      </a:r>
-                    </a:p>
-                  </a:txBody>
-                  <a:tcPr marL="4717" marR="4717" marT="4717" marB="0" anchor="b"/>
-                </a:tc>
-                <a:extLst>
-                  <a:ext uri="{0D108BD9-81ED-4DB2-BD59-A6C34878D82A}">
-                    <a16:rowId xmlns:a16="http://schemas.microsoft.com/office/drawing/2014/main" val="523002916"/>
-                  </a:ext>
-                </a:extLst>
-              </a:tr>
-              <a:tr h="183644">
-                <a:tc>
-                  <a:txBody>
-                    <a:bodyPr/>
-                    <a:lstStyle/>
-                    <a:p>
-                      <a:pPr algn="l" fontAlgn="b"/>
-                      <a:r>
-                        <a:rPr lang="en-US" sz="1200" b="0" i="0" u="none" strike="noStrike">
-                          <a:solidFill>
-                            <a:srgbClr val="000000"/>
-                          </a:solidFill>
-                          <a:effectLst/>
-                          <a:latin typeface="Calibri" panose="020F0502020204030204" pitchFamily="34" charset="0"/>
-                        </a:rPr>
-                        <a:t>dropoff_lon</a:t>
-                      </a:r>
-                    </a:p>
-                  </a:txBody>
-                  <a:tcPr marL="4717" marR="4717" marT="4717" marB="0" anchor="b"/>
-                </a:tc>
-                <a:tc>
-                  <a:txBody>
-                    <a:bodyPr/>
-                    <a:lstStyle/>
-                    <a:p>
-                      <a:pPr algn="ctr" fontAlgn="b"/>
-                      <a:r>
-                        <a:rPr lang="en-US" sz="1200" b="0" i="0" u="none" strike="noStrike" dirty="0">
-                          <a:solidFill>
-                            <a:srgbClr val="000000"/>
-                          </a:solidFill>
-                          <a:effectLst/>
-                          <a:latin typeface="Calibri" panose="020F0502020204030204" pitchFamily="34" charset="0"/>
-                        </a:rPr>
-                        <a:t>0</a:t>
-                      </a:r>
-                    </a:p>
-                  </a:txBody>
-                  <a:tcPr marL="4717" marR="4717" marT="4717" marB="0" anchor="b"/>
-                </a:tc>
-                <a:extLst>
-                  <a:ext uri="{0D108BD9-81ED-4DB2-BD59-A6C34878D82A}">
-                    <a16:rowId xmlns:a16="http://schemas.microsoft.com/office/drawing/2014/main" val="101667824"/>
-                  </a:ext>
-                </a:extLst>
-              </a:tr>
-              <a:tr h="183644">
-                <a:tc>
-                  <a:txBody>
-                    <a:bodyPr/>
-                    <a:lstStyle/>
-                    <a:p>
-                      <a:pPr algn="l" fontAlgn="b"/>
-                      <a:r>
-                        <a:rPr lang="en-US" sz="1200" b="0" i="0" u="none" strike="noStrike">
-                          <a:solidFill>
-                            <a:srgbClr val="000000"/>
-                          </a:solidFill>
-                          <a:effectLst/>
-                          <a:latin typeface="Calibri" panose="020F0502020204030204" pitchFamily="34" charset="0"/>
-                        </a:rPr>
-                        <a:t>when_the_delivery_started</a:t>
-                      </a:r>
-                    </a:p>
-                  </a:txBody>
-                  <a:tcPr marL="4717" marR="4717" marT="4717" marB="0" anchor="b"/>
-                </a:tc>
-                <a:tc>
-                  <a:txBody>
-                    <a:bodyPr/>
-                    <a:lstStyle/>
-                    <a:p>
-                      <a:pPr algn="ctr" fontAlgn="b"/>
-                      <a:r>
-                        <a:rPr lang="en-US" sz="1200" b="0" i="0" u="none" strike="noStrike" dirty="0">
-                          <a:solidFill>
-                            <a:srgbClr val="000000"/>
-                          </a:solidFill>
-                          <a:effectLst/>
-                          <a:latin typeface="Calibri" panose="020F0502020204030204" pitchFamily="34" charset="0"/>
-                        </a:rPr>
-                        <a:t>0</a:t>
-                      </a:r>
-                    </a:p>
-                  </a:txBody>
-                  <a:tcPr marL="4717" marR="4717" marT="4717" marB="0" anchor="b"/>
-                </a:tc>
-                <a:extLst>
-                  <a:ext uri="{0D108BD9-81ED-4DB2-BD59-A6C34878D82A}">
-                    <a16:rowId xmlns:a16="http://schemas.microsoft.com/office/drawing/2014/main" val="3564062226"/>
-                  </a:ext>
-                </a:extLst>
-              </a:tr>
-              <a:tr h="342354">
-                <a:tc>
-                  <a:txBody>
-                    <a:bodyPr/>
-                    <a:lstStyle/>
-                    <a:p>
-                      <a:pPr algn="l" fontAlgn="b"/>
-                      <a:r>
-                        <a:rPr lang="en-US" sz="1200" b="0" i="0" u="none" strike="noStrike">
-                          <a:solidFill>
-                            <a:srgbClr val="000000"/>
-                          </a:solidFill>
-                          <a:effectLst/>
-                          <a:latin typeface="Calibri" panose="020F0502020204030204" pitchFamily="34" charset="0"/>
-                        </a:rPr>
-                        <a:t>when_the_Jumpman_arrived_at_pickup</a:t>
-                      </a:r>
-                    </a:p>
-                  </a:txBody>
-                  <a:tcPr marL="4717" marR="4717" marT="4717" marB="0" anchor="b"/>
-                </a:tc>
-                <a:tc>
-                  <a:txBody>
-                    <a:bodyPr/>
-                    <a:lstStyle/>
-                    <a:p>
-                      <a:pPr algn="ctr" fontAlgn="b"/>
-                      <a:r>
-                        <a:rPr lang="en-US" sz="1200" b="0" i="0" u="none" strike="noStrike" dirty="0">
-                          <a:solidFill>
-                            <a:srgbClr val="000000"/>
-                          </a:solidFill>
-                          <a:effectLst/>
-                          <a:latin typeface="Calibri" panose="020F0502020204030204" pitchFamily="34" charset="0"/>
-                        </a:rPr>
-                        <a:t>550</a:t>
-                      </a:r>
-                    </a:p>
-                  </a:txBody>
-                  <a:tcPr marL="4717" marR="4717" marT="4717" marB="0" anchor="b"/>
-                </a:tc>
-                <a:extLst>
-                  <a:ext uri="{0D108BD9-81ED-4DB2-BD59-A6C34878D82A}">
-                    <a16:rowId xmlns:a16="http://schemas.microsoft.com/office/drawing/2014/main" val="962977973"/>
-                  </a:ext>
-                </a:extLst>
-              </a:tr>
-              <a:tr h="342354">
-                <a:tc>
-                  <a:txBody>
-                    <a:bodyPr/>
-                    <a:lstStyle/>
-                    <a:p>
-                      <a:pPr algn="l" fontAlgn="b"/>
-                      <a:r>
-                        <a:rPr lang="en-US" sz="1200" b="0" i="0" u="none" strike="noStrike">
-                          <a:solidFill>
-                            <a:srgbClr val="000000"/>
-                          </a:solidFill>
-                          <a:effectLst/>
-                          <a:latin typeface="Calibri" panose="020F0502020204030204" pitchFamily="34" charset="0"/>
-                        </a:rPr>
-                        <a:t>when_the_Jumpman_left_pickup</a:t>
-                      </a:r>
-                    </a:p>
-                  </a:txBody>
-                  <a:tcPr marL="4717" marR="4717" marT="4717" marB="0" anchor="b"/>
-                </a:tc>
-                <a:tc>
-                  <a:txBody>
-                    <a:bodyPr/>
-                    <a:lstStyle/>
-                    <a:p>
-                      <a:pPr algn="ctr" fontAlgn="b"/>
-                      <a:r>
-                        <a:rPr lang="en-US" sz="1200" b="0" i="0" u="none" strike="noStrike" dirty="0">
-                          <a:solidFill>
-                            <a:srgbClr val="000000"/>
-                          </a:solidFill>
-                          <a:effectLst/>
-                          <a:latin typeface="Calibri" panose="020F0502020204030204" pitchFamily="34" charset="0"/>
-                        </a:rPr>
-                        <a:t>550</a:t>
-                      </a:r>
-                    </a:p>
-                  </a:txBody>
-                  <a:tcPr marL="4717" marR="4717" marT="4717" marB="0" anchor="b"/>
-                </a:tc>
-                <a:extLst>
-                  <a:ext uri="{0D108BD9-81ED-4DB2-BD59-A6C34878D82A}">
-                    <a16:rowId xmlns:a16="http://schemas.microsoft.com/office/drawing/2014/main" val="3536399374"/>
-                  </a:ext>
-                </a:extLst>
-              </a:tr>
-              <a:tr h="342354">
-                <a:tc>
-                  <a:txBody>
-                    <a:bodyPr/>
-                    <a:lstStyle/>
-                    <a:p>
-                      <a:pPr algn="l" fontAlgn="b"/>
-                      <a:r>
-                        <a:rPr lang="en-US" sz="1200" b="0" i="0" u="none" strike="noStrike">
-                          <a:solidFill>
-                            <a:srgbClr val="000000"/>
-                          </a:solidFill>
-                          <a:effectLst/>
-                          <a:latin typeface="Calibri" panose="020F0502020204030204" pitchFamily="34" charset="0"/>
-                        </a:rPr>
-                        <a:t>when_the_Jumpman_arrived_at_dropoff</a:t>
-                      </a:r>
-                    </a:p>
-                  </a:txBody>
-                  <a:tcPr marL="4717" marR="4717" marT="4717" marB="0" anchor="b"/>
-                </a:tc>
-                <a:tc>
-                  <a:txBody>
-                    <a:bodyPr/>
-                    <a:lstStyle/>
-                    <a:p>
-                      <a:pPr algn="ctr" fontAlgn="b"/>
-                      <a:r>
-                        <a:rPr lang="en-US" sz="1200" b="0" i="0" u="none" strike="noStrike" dirty="0">
-                          <a:solidFill>
-                            <a:srgbClr val="000000"/>
-                          </a:solidFill>
-                          <a:effectLst/>
-                          <a:latin typeface="Calibri" panose="020F0502020204030204" pitchFamily="34" charset="0"/>
-                        </a:rPr>
-                        <a:t>0</a:t>
-                      </a:r>
-                    </a:p>
-                  </a:txBody>
-                  <a:tcPr marL="4717" marR="4717" marT="4717" marB="0" anchor="b"/>
-                </a:tc>
-                <a:extLst>
-                  <a:ext uri="{0D108BD9-81ED-4DB2-BD59-A6C34878D82A}">
-                    <a16:rowId xmlns:a16="http://schemas.microsoft.com/office/drawing/2014/main" val="3560837287"/>
-                  </a:ext>
-                </a:extLst>
-              </a:tr>
-            </a:tbl>
-          </a:graphicData>
-        </a:graphic>
-      </p:graphicFrame>
+          <p:cNvCxnSpPr>
+            <a:cxnSpLocks/>
+            <a:stCxn id="9" idx="3"/>
+          </p:cNvCxnSpPr>
+          <p:nvPr/>
+        </p:nvCxnSpPr>
+        <p:spPr>
+          <a:xfrm>
+            <a:off x="5613722" y="2025041"/>
+            <a:ext cx="0" cy="4213713"/>
+          </a:xfrm>
+          <a:prstGeom prst="line">
+            <a:avLst/>
+          </a:prstGeom>
+        </p:spPr>
+        <p:style>
+          <a:lnRef idx="1">
+            <a:schemeClr val="dk1"/>
+          </a:lnRef>
+          <a:fillRef idx="0">
+            <a:schemeClr val="dk1"/>
+          </a:fillRef>
+          <a:effectRef idx="0">
+            <a:schemeClr val="dk1"/>
+          </a:effectRef>
+          <a:fontRef idx="minor">
+            <a:schemeClr val="tx1"/>
+          </a:fontRef>
+        </p:style>
+      </p:cxnSp>
     </p:spTree>
     <p:extLst>
       <p:ext uri="{BB962C8B-B14F-4D97-AF65-F5344CB8AC3E}">
-        <p14:creationId xmlns:p14="http://schemas.microsoft.com/office/powerpoint/2010/main" val="3691253493"/>
+        <p14:creationId xmlns:p14="http://schemas.microsoft.com/office/powerpoint/2010/main" val="1006251923"/>
       </p:ext>
     </p:extLst>
   </p:cSld>
@@ -9011,7 +8246,7 @@
           <p:cNvPr id="2" name="Title 1">
             <a:extLst>
               <a:ext uri="{FF2B5EF4-FFF2-40B4-BE49-F238E27FC236}">
-                <a16:creationId xmlns:a16="http://schemas.microsoft.com/office/drawing/2014/main" id="{D8565DAE-6CB9-1345-97EF-A2A8394AB0BB}"/>
+                <a16:creationId xmlns:a16="http://schemas.microsoft.com/office/drawing/2014/main" id="{FF56ADD9-E57F-D746-9C93-1EB9E9DC5146}"/>
               </a:ext>
             </a:extLst>
           </p:cNvPr>
@@ -9027,16 +8262,186 @@
           <a:bodyPr/>
           <a:lstStyle/>
           <a:p>
-            <a:endParaRPr lang="en-US"/>
+            <a:endParaRPr lang="en-US" dirty="0"/>
+          </a:p>
+        </p:txBody>
+      </p:sp>
+      <p:pic>
+        <p:nvPicPr>
+          <p:cNvPr id="4" name="Picture 3" descr="Text&#10;&#10;Description automatically generated">
+            <a:extLst>
+              <a:ext uri="{FF2B5EF4-FFF2-40B4-BE49-F238E27FC236}">
+                <a16:creationId xmlns:a16="http://schemas.microsoft.com/office/drawing/2014/main" id="{887984CE-403B-B941-B7A1-D436A8341824}"/>
+              </a:ext>
+            </a:extLst>
+          </p:cNvPr>
+          <p:cNvPicPr>
+            <a:picLocks noChangeAspect="1"/>
+          </p:cNvPicPr>
+          <p:nvPr/>
+        </p:nvPicPr>
+        <p:blipFill>
+          <a:blip r:embed="rId2"/>
+          <a:stretch>
+            <a:fillRect/>
+          </a:stretch>
+        </p:blipFill>
+        <p:spPr>
+          <a:xfrm>
+            <a:off x="2526840" y="1825625"/>
+            <a:ext cx="6698574" cy="5042296"/>
+          </a:xfrm>
+          <a:prstGeom prst="rect">
+            <a:avLst/>
+          </a:prstGeom>
+        </p:spPr>
+      </p:pic>
+      <p:sp>
+        <p:nvSpPr>
+          <p:cNvPr id="5" name="TextBox 4">
+            <a:extLst>
+              <a:ext uri="{FF2B5EF4-FFF2-40B4-BE49-F238E27FC236}">
+                <a16:creationId xmlns:a16="http://schemas.microsoft.com/office/drawing/2014/main" id="{74AD0AD4-C2DD-864F-B805-43D0BC5BE62B}"/>
+              </a:ext>
+            </a:extLst>
+          </p:cNvPr>
+          <p:cNvSpPr txBox="1"/>
+          <p:nvPr/>
+        </p:nvSpPr>
+        <p:spPr>
+          <a:xfrm>
+            <a:off x="838200" y="2051051"/>
+            <a:ext cx="4595150" cy="369332"/>
+          </a:xfrm>
+          <a:prstGeom prst="rect">
+            <a:avLst/>
+          </a:prstGeom>
+          <a:noFill/>
+        </p:spPr>
+        <p:txBody>
+          <a:bodyPr wrap="square" rtlCol="0">
+            <a:spAutoFit/>
+          </a:bodyPr>
+          <a:lstStyle/>
+          <a:p>
+            <a:r>
+              <a:rPr lang="en-US" dirty="0">
+                <a:solidFill>
+                  <a:srgbClr val="FF0000"/>
+                </a:solidFill>
+              </a:rPr>
+              <a:t>What are the key findings?</a:t>
+            </a:r>
+          </a:p>
+        </p:txBody>
+      </p:sp>
+    </p:spTree>
+    <p:extLst>
+      <p:ext uri="{BB962C8B-B14F-4D97-AF65-F5344CB8AC3E}">
+        <p14:creationId xmlns:p14="http://schemas.microsoft.com/office/powerpoint/2010/main" val="2734165954"/>
+      </p:ext>
+    </p:extLst>
+  </p:cSld>
+  <p:clrMapOvr>
+    <a:masterClrMapping/>
+  </p:clrMapOvr>
+</p:sld>
+</file>
+
+<file path=ppt/slides/slide12.xml><?xml version="1.0" encoding="utf-8"?>
+<p:sld xmlns:a="http://schemas.openxmlformats.org/drawingml/2006/main" xmlns:r="http://schemas.openxmlformats.org/officeDocument/2006/relationships" xmlns:p="http://schemas.openxmlformats.org/presentationml/2006/main">
+  <p:cSld>
+    <p:spTree>
+      <p:nvGrpSpPr>
+        <p:cNvPr id="1" name=""/>
+        <p:cNvGrpSpPr/>
+        <p:nvPr/>
+      </p:nvGrpSpPr>
+      <p:grpSpPr>
+        <a:xfrm>
+          <a:off x="0" y="0"/>
+          <a:ext cx="0" cy="0"/>
+          <a:chOff x="0" y="0"/>
+          <a:chExt cx="0" cy="0"/>
+        </a:xfrm>
+      </p:grpSpPr>
+      <p:sp>
+        <p:nvSpPr>
+          <p:cNvPr id="2" name="Title 1">
+            <a:extLst>
+              <a:ext uri="{FF2B5EF4-FFF2-40B4-BE49-F238E27FC236}">
+                <a16:creationId xmlns:a16="http://schemas.microsoft.com/office/drawing/2014/main" id="{E6D31B3F-7BFC-2140-B2D5-809FEF6159AA}"/>
+              </a:ext>
+            </a:extLst>
+          </p:cNvPr>
+          <p:cNvSpPr>
+            <a:spLocks noGrp="1"/>
+          </p:cNvSpPr>
+          <p:nvPr>
+            <p:ph type="title"/>
+          </p:nvPr>
+        </p:nvSpPr>
+        <p:spPr>
+          <a:xfrm>
+            <a:off x="838200" y="365125"/>
+            <a:ext cx="10515600" cy="1325563"/>
+          </a:xfrm>
+        </p:spPr>
+        <p:txBody>
+          <a:bodyPr/>
+          <a:lstStyle/>
+          <a:p>
+            <a:r>
+              <a:rPr lang="en-US" b="1" dirty="0"/>
+              <a:t>04 DATA INTEGRITY CONCERNS</a:t>
+            </a:r>
+          </a:p>
+        </p:txBody>
+      </p:sp>
+      <p:sp>
+        <p:nvSpPr>
+          <p:cNvPr id="13" name="Content Placeholder 12">
+            <a:extLst>
+              <a:ext uri="{FF2B5EF4-FFF2-40B4-BE49-F238E27FC236}">
+                <a16:creationId xmlns:a16="http://schemas.microsoft.com/office/drawing/2014/main" id="{68253D8F-FB7E-A847-A7E6-A28325B5B8A3}"/>
+              </a:ext>
+            </a:extLst>
+          </p:cNvPr>
+          <p:cNvSpPr>
+            <a:spLocks noGrp="1"/>
+          </p:cNvSpPr>
+          <p:nvPr>
+            <p:ph sz="half" idx="2"/>
+          </p:nvPr>
+        </p:nvSpPr>
+        <p:spPr>
+          <a:xfrm>
+            <a:off x="914400" y="1690688"/>
+            <a:ext cx="5181600" cy="431438"/>
+          </a:xfrm>
+        </p:spPr>
+        <p:txBody>
+          <a:bodyPr>
+            <a:noAutofit/>
+          </a:bodyPr>
+          <a:lstStyle/>
+          <a:p>
+            <a:pPr marL="0" indent="0">
+              <a:buNone/>
+            </a:pPr>
+            <a:r>
+              <a:rPr lang="en-US" sz="1200" dirty="0"/>
+              <a:t>There is a systematic issue in data collection as evidence by the missing records:</a:t>
+            </a:r>
           </a:p>
         </p:txBody>
       </p:sp>
       <p:graphicFrame>
         <p:nvGraphicFramePr>
-          <p:cNvPr id="5" name="Table 16">
+          <p:cNvPr id="8" name="Table 8">
             <a:extLst>
               <a:ext uri="{FF2B5EF4-FFF2-40B4-BE49-F238E27FC236}">
-                <a16:creationId xmlns:a16="http://schemas.microsoft.com/office/drawing/2014/main" id="{EE4638CC-FD6C-2F4B-B6BB-4D6F22833FF8}"/>
+                <a16:creationId xmlns:a16="http://schemas.microsoft.com/office/drawing/2014/main" id="{80B0255E-711B-F54C-9B3B-ABE81D6B5E27}"/>
               </a:ext>
             </a:extLst>
           </p:cNvPr>
@@ -9046,14 +8451,14 @@
           <p:nvPr>
             <p:extLst>
               <p:ext uri="{D42A27DB-BD31-4B8C-83A1-F6EECF244321}">
-                <p14:modId xmlns:p14="http://schemas.microsoft.com/office/powerpoint/2010/main" val="1267728142"/>
+                <p14:modId xmlns:p14="http://schemas.microsoft.com/office/powerpoint/2010/main" val="3865230126"/>
               </p:ext>
             </p:extLst>
           </p:nvPr>
         </p:nvGraphicFramePr>
         <p:xfrm>
-          <a:off x="838200" y="2142456"/>
-          <a:ext cx="2617026" cy="3653612"/>
+          <a:off x="995423" y="2227225"/>
+          <a:ext cx="4734045" cy="3590482"/>
         </p:xfrm>
         <a:graphic>
           <a:graphicData uri="http://schemas.openxmlformats.org/drawingml/2006/table">
@@ -9062,55 +8467,69 @@
                 <a:tableStyleId>{5C22544A-7EE6-4342-B048-85BDC9FD1C3A}</a:tableStyleId>
               </a:tblPr>
               <a:tblGrid>
-                <a:gridCol w="1839786">
+                <a:gridCol w="3136065">
                   <a:extLst>
                     <a:ext uri="{9D8B030D-6E8A-4147-A177-3AD203B41FA5}">
-                      <a16:colId xmlns:a16="http://schemas.microsoft.com/office/drawing/2014/main" val="844011352"/>
+                      <a16:colId xmlns:a16="http://schemas.microsoft.com/office/drawing/2014/main" val="1258085703"/>
                     </a:ext>
                   </a:extLst>
                 </a:gridCol>
-                <a:gridCol w="777240">
+                <a:gridCol w="1597980">
                   <a:extLst>
                     <a:ext uri="{9D8B030D-6E8A-4147-A177-3AD203B41FA5}">
-                      <a16:colId xmlns:a16="http://schemas.microsoft.com/office/drawing/2014/main" val="3467470163"/>
+                      <a16:colId xmlns:a16="http://schemas.microsoft.com/office/drawing/2014/main" val="3386613569"/>
                     </a:ext>
                   </a:extLst>
                 </a:gridCol>
               </a:tblGrid>
-              <a:tr h="213452">
-                <a:tc>
-                  <a:txBody>
-                    <a:bodyPr/>
-                    <a:lstStyle/>
-                    <a:p>
-                      <a:r>
-                        <a:rPr lang="en-US" sz="1100" dirty="0"/>
+              <a:tr h="107570">
+                <a:tc>
+                  <a:txBody>
+                    <a:bodyPr/>
+                    <a:lstStyle/>
+                    <a:p>
+                      <a:pPr algn="l" fontAlgn="b"/>
+                      <a:r>
+                        <a:rPr lang="en-US" sz="1200" b="1" i="0" u="none" strike="noStrike" dirty="0">
+                          <a:solidFill>
+                            <a:srgbClr val="000000"/>
+                          </a:solidFill>
+                          <a:effectLst/>
+                          <a:latin typeface="Calibri" panose="020F0502020204030204" pitchFamily="34" charset="0"/>
+                        </a:rPr>
                         <a:t>Attribute</a:t>
                       </a:r>
                     </a:p>
                   </a:txBody>
-                  <a:tcPr marL="54381" marR="54381" marT="27190" marB="27190"/>
-                </a:tc>
-                <a:tc>
-                  <a:txBody>
-                    <a:bodyPr/>
-                    <a:lstStyle/>
-                    <a:p>
-                      <a:r>
-                        <a:rPr lang="en-US" sz="1100" dirty="0"/>
-                        <a:t>Entry</a:t>
-                      </a:r>
-                    </a:p>
-                  </a:txBody>
-                  <a:tcPr marL="54381" marR="54381" marT="27190" marB="27190"/>
+                  <a:tcPr marL="4717" marR="4717" marT="4717" marB="0" anchor="b"/>
+                </a:tc>
+                <a:tc>
+                  <a:txBody>
+                    <a:bodyPr/>
+                    <a:lstStyle/>
+                    <a:p>
+                      <a:pPr algn="ctr" fontAlgn="b"/>
+                      <a:r>
+                        <a:rPr lang="en-US" sz="1200" b="1" i="0" u="none" strike="noStrike" dirty="0">
+                          <a:solidFill>
+                            <a:srgbClr val="000000"/>
+                          </a:solidFill>
+                          <a:effectLst/>
+                          <a:latin typeface="Calibri" panose="020F0502020204030204" pitchFamily="34" charset="0"/>
+                        </a:rPr>
+                        <a:t>Missing Value Count</a:t>
+                      </a:r>
+                    </a:p>
+                  </a:txBody>
+                  <a:tcPr marL="4717" marR="4717" marT="4717" marB="0" anchor="b"/>
                 </a:tc>
                 <a:extLst>
                   <a:ext uri="{0D108BD9-81ED-4DB2-BD59-A6C34878D82A}">
-                    <a16:rowId xmlns:a16="http://schemas.microsoft.com/office/drawing/2014/main" val="2226192427"/>
+                    <a16:rowId xmlns:a16="http://schemas.microsoft.com/office/drawing/2014/main" val="1366333991"/>
                   </a:ext>
                 </a:extLst>
               </a:tr>
-              <a:tr h="190644">
+              <a:tr h="107570">
                 <a:tc>
                   <a:txBody>
                     <a:bodyPr/>
@@ -9118,53 +8537,46 @@
                     <a:p>
                       <a:pPr algn="l" fontAlgn="b"/>
                       <a:r>
-                        <a:rPr lang="en-US" sz="700" b="0" i="0" u="none" strike="noStrike" dirty="0" err="1">
+                        <a:rPr lang="en-US" sz="1200" b="0" i="0" u="none" strike="noStrike" dirty="0">
                           <a:solidFill>
                             <a:srgbClr val="000000"/>
                           </a:solidFill>
                           <a:effectLst/>
-                          <a:latin typeface="Arial" panose="020B0604020202020204" pitchFamily="34" charset="0"/>
+                          <a:latin typeface="Calibri" panose="020F0502020204030204" pitchFamily="34" charset="0"/>
                         </a:rPr>
                         <a:t>delivery_id</a:t>
                       </a:r>
-                      <a:endParaRPr lang="en-US" sz="700" b="0" i="0" u="none" strike="noStrike" dirty="0">
-                        <a:solidFill>
-                          <a:srgbClr val="000000"/>
-                        </a:solidFill>
-                        <a:effectLst/>
-                        <a:latin typeface="Arial" panose="020B0604020202020204" pitchFamily="34" charset="0"/>
-                      </a:endParaRPr>
-                    </a:p>
-                  </a:txBody>
-                  <a:tcPr marL="5665" marR="5665" marT="5665" marB="0" anchor="ctr"/>
-                </a:tc>
-                <a:tc>
-                  <a:txBody>
-                    <a:bodyPr/>
-                    <a:lstStyle/>
-                    <a:p>
-                      <a:pPr algn="l" fontAlgn="b"/>
-                      <a:r>
-                        <a:rPr lang="en-US" sz="700" b="0" i="0" u="none" strike="noStrike" dirty="0">
+                    </a:p>
+                  </a:txBody>
+                  <a:tcPr marL="4717" marR="4717" marT="4717" marB="0" anchor="b"/>
+                </a:tc>
+                <a:tc>
+                  <a:txBody>
+                    <a:bodyPr/>
+                    <a:lstStyle/>
+                    <a:p>
+                      <a:pPr algn="ctr" fontAlgn="b"/>
+                      <a:r>
+                        <a:rPr lang="en-US" sz="1200" b="0" i="0" u="none" strike="noStrike" dirty="0">
                           <a:solidFill>
                             <a:srgbClr val="000000"/>
                           </a:solidFill>
                           <a:effectLst/>
-                          <a:latin typeface="Arial" panose="020B0604020202020204" pitchFamily="34" charset="0"/>
-                        </a:rPr>
-                        <a:t>1476547</a:t>
-                      </a:r>
-                    </a:p>
-                  </a:txBody>
-                  <a:tcPr marL="5665" marR="5665" marT="5665" marB="0" anchor="ctr"/>
+                          <a:latin typeface="Calibri" panose="020F0502020204030204" pitchFamily="34" charset="0"/>
+                        </a:rPr>
+                        <a:t>0</a:t>
+                      </a:r>
+                    </a:p>
+                  </a:txBody>
+                  <a:tcPr marL="4717" marR="4717" marT="4717" marB="0" anchor="b"/>
                 </a:tc>
                 <a:extLst>
                   <a:ext uri="{0D108BD9-81ED-4DB2-BD59-A6C34878D82A}">
-                    <a16:rowId xmlns:a16="http://schemas.microsoft.com/office/drawing/2014/main" val="3460892982"/>
+                    <a16:rowId xmlns:a16="http://schemas.microsoft.com/office/drawing/2014/main" val="600843719"/>
                   </a:ext>
                 </a:extLst>
               </a:tr>
-              <a:tr h="190644">
+              <a:tr h="107570">
                 <a:tc>
                   <a:txBody>
                     <a:bodyPr/>
@@ -9172,53 +8584,46 @@
                     <a:p>
                       <a:pPr algn="l" fontAlgn="b"/>
                       <a:r>
-                        <a:rPr lang="en-US" sz="700" b="0" i="0" u="none" strike="noStrike" dirty="0" err="1">
+                        <a:rPr lang="en-US" sz="1200" b="0" i="0" u="none" strike="noStrike" dirty="0">
                           <a:solidFill>
                             <a:srgbClr val="000000"/>
                           </a:solidFill>
                           <a:effectLst/>
-                          <a:latin typeface="Arial" panose="020B0604020202020204" pitchFamily="34" charset="0"/>
+                          <a:latin typeface="Calibri" panose="020F0502020204030204" pitchFamily="34" charset="0"/>
                         </a:rPr>
                         <a:t>customer_id</a:t>
                       </a:r>
-                      <a:endParaRPr lang="en-US" sz="700" b="0" i="0" u="none" strike="noStrike" dirty="0">
-                        <a:solidFill>
-                          <a:srgbClr val="000000"/>
-                        </a:solidFill>
-                        <a:effectLst/>
-                        <a:latin typeface="Arial" panose="020B0604020202020204" pitchFamily="34" charset="0"/>
-                      </a:endParaRPr>
-                    </a:p>
-                  </a:txBody>
-                  <a:tcPr marL="5665" marR="5665" marT="5665" marB="0" anchor="ctr"/>
-                </a:tc>
-                <a:tc>
-                  <a:txBody>
-                    <a:bodyPr/>
-                    <a:lstStyle/>
-                    <a:p>
-                      <a:pPr algn="l" fontAlgn="b"/>
-                      <a:r>
-                        <a:rPr lang="en-US" sz="700" b="0" i="0" u="none" strike="noStrike" dirty="0">
+                    </a:p>
+                  </a:txBody>
+                  <a:tcPr marL="4717" marR="4717" marT="4717" marB="0" anchor="b"/>
+                </a:tc>
+                <a:tc>
+                  <a:txBody>
+                    <a:bodyPr/>
+                    <a:lstStyle/>
+                    <a:p>
+                      <a:pPr algn="ctr" fontAlgn="b"/>
+                      <a:r>
+                        <a:rPr lang="en-US" sz="1200" b="0" i="0" u="none" strike="noStrike" dirty="0">
                           <a:solidFill>
                             <a:srgbClr val="000000"/>
                           </a:solidFill>
                           <a:effectLst/>
-                          <a:latin typeface="Arial" panose="020B0604020202020204" pitchFamily="34" charset="0"/>
-                        </a:rPr>
-                        <a:t>83095</a:t>
-                      </a:r>
-                    </a:p>
-                  </a:txBody>
-                  <a:tcPr marL="5665" marR="5665" marT="5665" marB="0" anchor="ctr"/>
+                          <a:latin typeface="Calibri" panose="020F0502020204030204" pitchFamily="34" charset="0"/>
+                        </a:rPr>
+                        <a:t>0</a:t>
+                      </a:r>
+                    </a:p>
+                  </a:txBody>
+                  <a:tcPr marL="4717" marR="4717" marT="4717" marB="0" anchor="b"/>
                 </a:tc>
                 <a:extLst>
                   <a:ext uri="{0D108BD9-81ED-4DB2-BD59-A6C34878D82A}">
-                    <a16:rowId xmlns:a16="http://schemas.microsoft.com/office/drawing/2014/main" val="4049968888"/>
+                    <a16:rowId xmlns:a16="http://schemas.microsoft.com/office/drawing/2014/main" val="3673899072"/>
                   </a:ext>
                 </a:extLst>
               </a:tr>
-              <a:tr h="190644">
+              <a:tr h="107570">
                 <a:tc>
                   <a:txBody>
                     <a:bodyPr/>
@@ -9226,46 +8631,46 @@
                     <a:p>
                       <a:pPr algn="l" fontAlgn="b"/>
                       <a:r>
-                        <a:rPr lang="en-US" sz="700" b="0" i="0" u="none" strike="noStrike">
+                        <a:rPr lang="en-US" sz="1200" b="0" i="0" u="none" strike="noStrike" dirty="0">
                           <a:solidFill>
                             <a:srgbClr val="000000"/>
                           </a:solidFill>
                           <a:effectLst/>
-                          <a:latin typeface="Arial" panose="020B0604020202020204" pitchFamily="34" charset="0"/>
+                          <a:latin typeface="Calibri" panose="020F0502020204030204" pitchFamily="34" charset="0"/>
                         </a:rPr>
                         <a:t>jumpman_id</a:t>
                       </a:r>
                     </a:p>
                   </a:txBody>
-                  <a:tcPr marL="5665" marR="5665" marT="5665" marB="0" anchor="ctr"/>
-                </a:tc>
-                <a:tc>
-                  <a:txBody>
-                    <a:bodyPr/>
-                    <a:lstStyle/>
-                    <a:p>
-                      <a:pPr algn="l" fontAlgn="b"/>
-                      <a:r>
-                        <a:rPr lang="en-US" sz="700" b="0" i="0" u="none" strike="noStrike" dirty="0">
+                  <a:tcPr marL="4717" marR="4717" marT="4717" marB="0" anchor="b"/>
+                </a:tc>
+                <a:tc>
+                  <a:txBody>
+                    <a:bodyPr/>
+                    <a:lstStyle/>
+                    <a:p>
+                      <a:pPr algn="ctr" fontAlgn="b"/>
+                      <a:r>
+                        <a:rPr lang="en-US" sz="1200" b="0" i="0" u="none" strike="noStrike" dirty="0">
                           <a:solidFill>
                             <a:srgbClr val="000000"/>
                           </a:solidFill>
                           <a:effectLst/>
-                          <a:latin typeface="Arial" panose="020B0604020202020204" pitchFamily="34" charset="0"/>
-                        </a:rPr>
-                        <a:t>132725</a:t>
-                      </a:r>
-                    </a:p>
-                  </a:txBody>
-                  <a:tcPr marL="5665" marR="5665" marT="5665" marB="0" anchor="ctr"/>
+                          <a:latin typeface="Calibri" panose="020F0502020204030204" pitchFamily="34" charset="0"/>
+                        </a:rPr>
+                        <a:t>0</a:t>
+                      </a:r>
+                    </a:p>
+                  </a:txBody>
+                  <a:tcPr marL="4717" marR="4717" marT="4717" marB="0" anchor="b"/>
                 </a:tc>
                 <a:extLst>
                   <a:ext uri="{0D108BD9-81ED-4DB2-BD59-A6C34878D82A}">
-                    <a16:rowId xmlns:a16="http://schemas.microsoft.com/office/drawing/2014/main" val="3865530348"/>
+                    <a16:rowId xmlns:a16="http://schemas.microsoft.com/office/drawing/2014/main" val="3129033879"/>
                   </a:ext>
                 </a:extLst>
               </a:tr>
-              <a:tr h="190644">
+              <a:tr h="107570">
                 <a:tc>
                   <a:txBody>
                     <a:bodyPr/>
@@ -9273,46 +8678,46 @@
                     <a:p>
                       <a:pPr algn="l" fontAlgn="b"/>
                       <a:r>
-                        <a:rPr lang="en-US" sz="700" b="0" i="0" u="none" strike="noStrike">
+                        <a:rPr lang="en-US" sz="1200" b="0" i="0" u="none" strike="noStrike" dirty="0">
                           <a:solidFill>
                             <a:srgbClr val="000000"/>
                           </a:solidFill>
                           <a:effectLst/>
-                          <a:latin typeface="Arial" panose="020B0604020202020204" pitchFamily="34" charset="0"/>
+                          <a:latin typeface="Calibri" panose="020F0502020204030204" pitchFamily="34" charset="0"/>
                         </a:rPr>
                         <a:t>vehicle_type</a:t>
                       </a:r>
                     </a:p>
                   </a:txBody>
-                  <a:tcPr marL="5665" marR="5665" marT="5665" marB="0" anchor="ctr"/>
-                </a:tc>
-                <a:tc>
-                  <a:txBody>
-                    <a:bodyPr/>
-                    <a:lstStyle/>
-                    <a:p>
-                      <a:pPr algn="l" fontAlgn="b"/>
-                      <a:r>
-                        <a:rPr lang="en-US" sz="700" b="0" i="0" u="none" strike="noStrike" dirty="0">
+                  <a:tcPr marL="4717" marR="4717" marT="4717" marB="0" anchor="b"/>
+                </a:tc>
+                <a:tc>
+                  <a:txBody>
+                    <a:bodyPr/>
+                    <a:lstStyle/>
+                    <a:p>
+                      <a:pPr algn="ctr" fontAlgn="b"/>
+                      <a:r>
+                        <a:rPr lang="en-US" sz="1200" b="0" i="0" u="none" strike="noStrike" dirty="0">
                           <a:solidFill>
                             <a:srgbClr val="000000"/>
                           </a:solidFill>
                           <a:effectLst/>
-                          <a:latin typeface="Arial" panose="020B0604020202020204" pitchFamily="34" charset="0"/>
-                        </a:rPr>
-                        <a:t>bicycle</a:t>
-                      </a:r>
-                    </a:p>
-                  </a:txBody>
-                  <a:tcPr marL="5665" marR="5665" marT="5665" marB="0" anchor="ctr"/>
+                          <a:latin typeface="Calibri" panose="020F0502020204030204" pitchFamily="34" charset="0"/>
+                        </a:rPr>
+                        <a:t>0</a:t>
+                      </a:r>
+                    </a:p>
+                  </a:txBody>
+                  <a:tcPr marL="4717" marR="4717" marT="4717" marB="0" anchor="b"/>
                 </a:tc>
                 <a:extLst>
                   <a:ext uri="{0D108BD9-81ED-4DB2-BD59-A6C34878D82A}">
-                    <a16:rowId xmlns:a16="http://schemas.microsoft.com/office/drawing/2014/main" val="1400598826"/>
+                    <a16:rowId xmlns:a16="http://schemas.microsoft.com/office/drawing/2014/main" val="506514451"/>
                   </a:ext>
                 </a:extLst>
               </a:tr>
-              <a:tr h="190644">
+              <a:tr h="107570">
                 <a:tc>
                   <a:txBody>
                     <a:bodyPr/>
@@ -9320,53 +8725,46 @@
                     <a:p>
                       <a:pPr algn="l" fontAlgn="b"/>
                       <a:r>
-                        <a:rPr lang="en-US" sz="700" b="0" i="0" u="none" strike="noStrike">
+                        <a:rPr lang="en-US" sz="1200" b="0" i="0" u="none" strike="noStrike" dirty="0">
                           <a:solidFill>
                             <a:srgbClr val="000000"/>
                           </a:solidFill>
                           <a:effectLst/>
-                          <a:latin typeface="Arial" panose="020B0604020202020204" pitchFamily="34" charset="0"/>
+                          <a:latin typeface="Calibri" panose="020F0502020204030204" pitchFamily="34" charset="0"/>
                         </a:rPr>
                         <a:t>pickup_place</a:t>
                       </a:r>
                     </a:p>
                   </a:txBody>
-                  <a:tcPr marL="5665" marR="5665" marT="5665" marB="0" anchor="ctr"/>
-                </a:tc>
-                <a:tc>
-                  <a:txBody>
-                    <a:bodyPr/>
-                    <a:lstStyle/>
-                    <a:p>
-                      <a:pPr algn="l" fontAlgn="b"/>
-                      <a:r>
-                        <a:rPr lang="en-US" sz="700" b="0" i="0" u="none" strike="noStrike" dirty="0" err="1">
+                  <a:tcPr marL="4717" marR="4717" marT="4717" marB="0" anchor="b"/>
+                </a:tc>
+                <a:tc>
+                  <a:txBody>
+                    <a:bodyPr/>
+                    <a:lstStyle/>
+                    <a:p>
+                      <a:pPr algn="ctr" fontAlgn="b"/>
+                      <a:r>
+                        <a:rPr lang="en-US" sz="1200" b="0" i="0" u="none" strike="noStrike" dirty="0">
                           <a:solidFill>
                             <a:srgbClr val="000000"/>
                           </a:solidFill>
                           <a:effectLst/>
-                          <a:latin typeface="Arial" panose="020B0604020202020204" pitchFamily="34" charset="0"/>
-                        </a:rPr>
-                        <a:t>Bareburger</a:t>
-                      </a:r>
-                      <a:endParaRPr lang="en-US" sz="700" b="0" i="0" u="none" strike="noStrike" dirty="0">
-                        <a:solidFill>
-                          <a:srgbClr val="000000"/>
-                        </a:solidFill>
-                        <a:effectLst/>
-                        <a:latin typeface="Arial" panose="020B0604020202020204" pitchFamily="34" charset="0"/>
-                      </a:endParaRPr>
-                    </a:p>
-                  </a:txBody>
-                  <a:tcPr marL="5665" marR="5665" marT="5665" marB="0" anchor="ctr"/>
+                          <a:latin typeface="Calibri" panose="020F0502020204030204" pitchFamily="34" charset="0"/>
+                        </a:rPr>
+                        <a:t>0</a:t>
+                      </a:r>
+                    </a:p>
+                  </a:txBody>
+                  <a:tcPr marL="4717" marR="4717" marT="4717" marB="0" anchor="b"/>
                 </a:tc>
                 <a:extLst>
                   <a:ext uri="{0D108BD9-81ED-4DB2-BD59-A6C34878D82A}">
-                    <a16:rowId xmlns:a16="http://schemas.microsoft.com/office/drawing/2014/main" val="2576138324"/>
+                    <a16:rowId xmlns:a16="http://schemas.microsoft.com/office/drawing/2014/main" val="913727068"/>
                   </a:ext>
                 </a:extLst>
               </a:tr>
-              <a:tr h="190644">
+              <a:tr h="107570">
                 <a:tc>
                   <a:txBody>
                     <a:bodyPr/>
@@ -9374,53 +8772,46 @@
                     <a:p>
                       <a:pPr algn="l" fontAlgn="b"/>
                       <a:r>
-                        <a:rPr lang="en-US" sz="700" b="0" i="0" u="none" strike="noStrike" dirty="0" err="1">
+                        <a:rPr lang="en-US" sz="1200" b="0" i="0" u="none" strike="noStrike" dirty="0">
                           <a:solidFill>
                             <a:srgbClr val="000000"/>
                           </a:solidFill>
                           <a:effectLst/>
-                          <a:latin typeface="Arial" panose="020B0604020202020204" pitchFamily="34" charset="0"/>
+                          <a:latin typeface="Calibri" panose="020F0502020204030204" pitchFamily="34" charset="0"/>
                         </a:rPr>
                         <a:t>place_category</a:t>
                       </a:r>
-                      <a:endParaRPr lang="en-US" sz="700" b="0" i="0" u="none" strike="noStrike" dirty="0">
-                        <a:solidFill>
-                          <a:srgbClr val="000000"/>
-                        </a:solidFill>
-                        <a:effectLst/>
-                        <a:latin typeface="Arial" panose="020B0604020202020204" pitchFamily="34" charset="0"/>
-                      </a:endParaRPr>
-                    </a:p>
-                  </a:txBody>
-                  <a:tcPr marL="5665" marR="5665" marT="5665" marB="0" anchor="ctr"/>
-                </a:tc>
-                <a:tc>
-                  <a:txBody>
-                    <a:bodyPr/>
-                    <a:lstStyle/>
-                    <a:p>
-                      <a:pPr algn="l" fontAlgn="b"/>
-                      <a:r>
-                        <a:rPr lang="en-US" sz="700" b="0" i="0" u="none" strike="noStrike" dirty="0">
+                    </a:p>
+                  </a:txBody>
+                  <a:tcPr marL="4717" marR="4717" marT="4717" marB="0" anchor="b"/>
+                </a:tc>
+                <a:tc>
+                  <a:txBody>
+                    <a:bodyPr/>
+                    <a:lstStyle/>
+                    <a:p>
+                      <a:pPr algn="ctr" fontAlgn="b"/>
+                      <a:r>
+                        <a:rPr lang="en-US" sz="1200" b="0" i="0" u="none" strike="noStrike" dirty="0">
                           <a:solidFill>
                             <a:srgbClr val="000000"/>
                           </a:solidFill>
                           <a:effectLst/>
-                          <a:latin typeface="Arial" panose="020B0604020202020204" pitchFamily="34" charset="0"/>
-                        </a:rPr>
-                        <a:t>Burger</a:t>
-                      </a:r>
-                    </a:p>
-                  </a:txBody>
-                  <a:tcPr marL="5665" marR="5665" marT="5665" marB="0" anchor="ctr"/>
+                          <a:latin typeface="Calibri" panose="020F0502020204030204" pitchFamily="34" charset="0"/>
+                        </a:rPr>
+                        <a:t>883</a:t>
+                      </a:r>
+                    </a:p>
+                  </a:txBody>
+                  <a:tcPr marL="4717" marR="4717" marT="4717" marB="0" anchor="b"/>
                 </a:tc>
                 <a:extLst>
                   <a:ext uri="{0D108BD9-81ED-4DB2-BD59-A6C34878D82A}">
-                    <a16:rowId xmlns:a16="http://schemas.microsoft.com/office/drawing/2014/main" val="3029226444"/>
+                    <a16:rowId xmlns:a16="http://schemas.microsoft.com/office/drawing/2014/main" val="500561858"/>
                   </a:ext>
                 </a:extLst>
               </a:tr>
-              <a:tr h="190644">
+              <a:tr h="107570">
                 <a:tc>
                   <a:txBody>
                     <a:bodyPr/>
@@ -9428,46 +8819,46 @@
                     <a:p>
                       <a:pPr algn="l" fontAlgn="b"/>
                       <a:r>
-                        <a:rPr lang="en-US" sz="700" b="0" i="0" u="none" strike="noStrike">
+                        <a:rPr lang="en-US" sz="1200" b="0" i="0" u="none" strike="noStrike" dirty="0">
                           <a:solidFill>
                             <a:srgbClr val="000000"/>
                           </a:solidFill>
                           <a:effectLst/>
-                          <a:latin typeface="Arial" panose="020B0604020202020204" pitchFamily="34" charset="0"/>
+                          <a:latin typeface="Calibri" panose="020F0502020204030204" pitchFamily="34" charset="0"/>
                         </a:rPr>
                         <a:t>item_name</a:t>
                       </a:r>
                     </a:p>
                   </a:txBody>
-                  <a:tcPr marL="5665" marR="5665" marT="5665" marB="0" anchor="ctr"/>
-                </a:tc>
-                <a:tc>
-                  <a:txBody>
-                    <a:bodyPr/>
-                    <a:lstStyle/>
-                    <a:p>
-                      <a:pPr algn="l" fontAlgn="b"/>
-                      <a:r>
-                        <a:rPr lang="en-US" sz="700" b="0" i="0" u="none" strike="noStrike" dirty="0">
+                  <a:tcPr marL="4717" marR="4717" marT="4717" marB="0" anchor="b"/>
+                </a:tc>
+                <a:tc>
+                  <a:txBody>
+                    <a:bodyPr/>
+                    <a:lstStyle/>
+                    <a:p>
+                      <a:pPr algn="ctr" fontAlgn="b"/>
+                      <a:r>
+                        <a:rPr lang="en-US" sz="1200" b="0" i="0" u="none" strike="noStrike" dirty="0">
                           <a:solidFill>
                             <a:srgbClr val="000000"/>
                           </a:solidFill>
                           <a:effectLst/>
-                          <a:latin typeface="Arial" panose="020B0604020202020204" pitchFamily="34" charset="0"/>
-                        </a:rPr>
-                        <a:t>Bare Sodas</a:t>
-                      </a:r>
-                    </a:p>
-                  </a:txBody>
-                  <a:tcPr marL="5665" marR="5665" marT="5665" marB="0" anchor="ctr"/>
+                          <a:latin typeface="Calibri" panose="020F0502020204030204" pitchFamily="34" charset="0"/>
+                        </a:rPr>
+                        <a:t>1230</a:t>
+                      </a:r>
+                    </a:p>
+                  </a:txBody>
+                  <a:tcPr marL="4717" marR="4717" marT="4717" marB="0" anchor="b"/>
                 </a:tc>
                 <a:extLst>
                   <a:ext uri="{0D108BD9-81ED-4DB2-BD59-A6C34878D82A}">
-                    <a16:rowId xmlns:a16="http://schemas.microsoft.com/office/drawing/2014/main" val="1397852573"/>
+                    <a16:rowId xmlns:a16="http://schemas.microsoft.com/office/drawing/2014/main" val="1309561289"/>
                   </a:ext>
                 </a:extLst>
               </a:tr>
-              <a:tr h="190644">
+              <a:tr h="107570">
                 <a:tc>
                   <a:txBody>
                     <a:bodyPr/>
@@ -9475,46 +8866,46 @@
                     <a:p>
                       <a:pPr algn="l" fontAlgn="b"/>
                       <a:r>
-                        <a:rPr lang="en-US" sz="700" b="0" i="0" u="none" strike="noStrike">
+                        <a:rPr lang="en-US" sz="1200" b="0" i="0" u="none" strike="noStrike" dirty="0">
                           <a:solidFill>
                             <a:srgbClr val="000000"/>
                           </a:solidFill>
                           <a:effectLst/>
-                          <a:latin typeface="Arial" panose="020B0604020202020204" pitchFamily="34" charset="0"/>
+                          <a:latin typeface="Calibri" panose="020F0502020204030204" pitchFamily="34" charset="0"/>
                         </a:rPr>
                         <a:t>item_quantity</a:t>
                       </a:r>
                     </a:p>
                   </a:txBody>
-                  <a:tcPr marL="5665" marR="5665" marT="5665" marB="0" anchor="ctr"/>
-                </a:tc>
-                <a:tc>
-                  <a:txBody>
-                    <a:bodyPr/>
-                    <a:lstStyle/>
-                    <a:p>
-                      <a:pPr algn="l" fontAlgn="b"/>
-                      <a:r>
-                        <a:rPr lang="en-US" sz="700" b="0" i="0" u="none" strike="noStrike" dirty="0">
+                  <a:tcPr marL="4717" marR="4717" marT="4717" marB="0" anchor="b"/>
+                </a:tc>
+                <a:tc>
+                  <a:txBody>
+                    <a:bodyPr/>
+                    <a:lstStyle/>
+                    <a:p>
+                      <a:pPr algn="ctr" fontAlgn="b"/>
+                      <a:r>
+                        <a:rPr lang="en-US" sz="1200" b="0" i="0" u="none" strike="noStrike" dirty="0">
                           <a:solidFill>
                             <a:srgbClr val="000000"/>
                           </a:solidFill>
                           <a:effectLst/>
-                          <a:latin typeface="Arial" panose="020B0604020202020204" pitchFamily="34" charset="0"/>
-                        </a:rPr>
-                        <a:t>1</a:t>
-                      </a:r>
-                    </a:p>
-                  </a:txBody>
-                  <a:tcPr marL="5665" marR="5665" marT="5665" marB="0" anchor="ctr"/>
+                          <a:latin typeface="Calibri" panose="020F0502020204030204" pitchFamily="34" charset="0"/>
+                        </a:rPr>
+                        <a:t>1230</a:t>
+                      </a:r>
+                    </a:p>
+                  </a:txBody>
+                  <a:tcPr marL="4717" marR="4717" marT="4717" marB="0" anchor="b"/>
                 </a:tc>
                 <a:extLst>
                   <a:ext uri="{0D108BD9-81ED-4DB2-BD59-A6C34878D82A}">
-                    <a16:rowId xmlns:a16="http://schemas.microsoft.com/office/drawing/2014/main" val="1474757276"/>
+                    <a16:rowId xmlns:a16="http://schemas.microsoft.com/office/drawing/2014/main" val="2440365531"/>
                   </a:ext>
                 </a:extLst>
               </a:tr>
-              <a:tr h="190644">
+              <a:tr h="107570">
                 <a:tc>
                   <a:txBody>
                     <a:bodyPr/>
@@ -9522,46 +8913,46 @@
                     <a:p>
                       <a:pPr algn="l" fontAlgn="b"/>
                       <a:r>
-                        <a:rPr lang="en-US" sz="700" b="0" i="0" u="none" strike="noStrike">
+                        <a:rPr lang="en-US" sz="1200" b="0" i="0" u="none" strike="noStrike" dirty="0">
                           <a:solidFill>
                             <a:srgbClr val="000000"/>
                           </a:solidFill>
                           <a:effectLst/>
-                          <a:latin typeface="Arial" panose="020B0604020202020204" pitchFamily="34" charset="0"/>
+                          <a:latin typeface="Calibri" panose="020F0502020204030204" pitchFamily="34" charset="0"/>
                         </a:rPr>
                         <a:t>item_category_name</a:t>
                       </a:r>
                     </a:p>
                   </a:txBody>
-                  <a:tcPr marL="5665" marR="5665" marT="5665" marB="0" anchor="ctr"/>
-                </a:tc>
-                <a:tc>
-                  <a:txBody>
-                    <a:bodyPr/>
-                    <a:lstStyle/>
-                    <a:p>
-                      <a:pPr algn="l" fontAlgn="b"/>
-                      <a:r>
-                        <a:rPr lang="en-US" sz="700" b="0" i="0" u="none" strike="noStrike" dirty="0">
+                  <a:tcPr marL="4717" marR="4717" marT="4717" marB="0" anchor="b"/>
+                </a:tc>
+                <a:tc>
+                  <a:txBody>
+                    <a:bodyPr/>
+                    <a:lstStyle/>
+                    <a:p>
+                      <a:pPr algn="ctr" fontAlgn="b"/>
+                      <a:r>
+                        <a:rPr lang="en-US" sz="1200" b="0" i="0" u="none" strike="noStrike" dirty="0">
                           <a:solidFill>
                             <a:srgbClr val="000000"/>
                           </a:solidFill>
                           <a:effectLst/>
-                          <a:latin typeface="Arial" panose="020B0604020202020204" pitchFamily="34" charset="0"/>
-                        </a:rPr>
-                        <a:t>Drinks</a:t>
-                      </a:r>
-                    </a:p>
-                  </a:txBody>
-                  <a:tcPr marL="5665" marR="5665" marT="5665" marB="0" anchor="ctr"/>
+                          <a:latin typeface="Calibri" panose="020F0502020204030204" pitchFamily="34" charset="0"/>
+                        </a:rPr>
+                        <a:t>1230</a:t>
+                      </a:r>
+                    </a:p>
+                  </a:txBody>
+                  <a:tcPr marL="4717" marR="4717" marT="4717" marB="0" anchor="b"/>
                 </a:tc>
                 <a:extLst>
                   <a:ext uri="{0D108BD9-81ED-4DB2-BD59-A6C34878D82A}">
-                    <a16:rowId xmlns:a16="http://schemas.microsoft.com/office/drawing/2014/main" val="2269621261"/>
+                    <a16:rowId xmlns:a16="http://schemas.microsoft.com/office/drawing/2014/main" val="2757871755"/>
                   </a:ext>
                 </a:extLst>
               </a:tr>
-              <a:tr h="190644">
+              <a:tr h="107570">
                 <a:tc>
                   <a:txBody>
                     <a:bodyPr/>
@@ -9569,46 +8960,46 @@
                     <a:p>
                       <a:pPr algn="l" fontAlgn="b"/>
                       <a:r>
-                        <a:rPr lang="en-US" sz="700" b="0" i="0" u="none" strike="noStrike">
+                        <a:rPr lang="en-US" sz="1200" b="0" i="0" u="none" strike="noStrike" dirty="0">
                           <a:solidFill>
                             <a:srgbClr val="000000"/>
                           </a:solidFill>
                           <a:effectLst/>
-                          <a:latin typeface="Arial" panose="020B0604020202020204" pitchFamily="34" charset="0"/>
+                          <a:latin typeface="Calibri" panose="020F0502020204030204" pitchFamily="34" charset="0"/>
                         </a:rPr>
                         <a:t>how_long_it_took_to_order</a:t>
                       </a:r>
                     </a:p>
                   </a:txBody>
-                  <a:tcPr marL="5665" marR="5665" marT="5665" marB="0" anchor="ctr"/>
-                </a:tc>
-                <a:tc>
-                  <a:txBody>
-                    <a:bodyPr/>
-                    <a:lstStyle/>
-                    <a:p>
-                      <a:pPr algn="l" fontAlgn="b"/>
-                      <a:r>
-                        <a:rPr lang="en-US" sz="700" b="0" i="0" u="none" strike="noStrike" dirty="0">
+                  <a:tcPr marL="4717" marR="4717" marT="4717" marB="0" anchor="b"/>
+                </a:tc>
+                <a:tc>
+                  <a:txBody>
+                    <a:bodyPr/>
+                    <a:lstStyle/>
+                    <a:p>
+                      <a:pPr algn="ctr" fontAlgn="b"/>
+                      <a:r>
+                        <a:rPr lang="en-US" sz="1200" b="0" i="0" u="none" strike="noStrike" dirty="0">
                           <a:solidFill>
                             <a:srgbClr val="000000"/>
                           </a:solidFill>
                           <a:effectLst/>
-                          <a:latin typeface="Arial" panose="020B0604020202020204" pitchFamily="34" charset="0"/>
-                        </a:rPr>
-                        <a:t>0:06:45</a:t>
-                      </a:r>
-                    </a:p>
-                  </a:txBody>
-                  <a:tcPr marL="9525" marR="9525" marT="9525" marB="0" anchor="ctr"/>
+                          <a:latin typeface="Calibri" panose="020F0502020204030204" pitchFamily="34" charset="0"/>
+                        </a:rPr>
+                        <a:t>2945</a:t>
+                      </a:r>
+                    </a:p>
+                  </a:txBody>
+                  <a:tcPr marL="4717" marR="4717" marT="4717" marB="0" anchor="b"/>
                 </a:tc>
                 <a:extLst>
                   <a:ext uri="{0D108BD9-81ED-4DB2-BD59-A6C34878D82A}">
-                    <a16:rowId xmlns:a16="http://schemas.microsoft.com/office/drawing/2014/main" val="536241634"/>
+                    <a16:rowId xmlns:a16="http://schemas.microsoft.com/office/drawing/2014/main" val="847256094"/>
                   </a:ext>
                 </a:extLst>
               </a:tr>
-              <a:tr h="190644">
+              <a:tr h="107570">
                 <a:tc>
                   <a:txBody>
                     <a:bodyPr/>
@@ -9616,46 +9007,46 @@
                     <a:p>
                       <a:pPr algn="l" fontAlgn="b"/>
                       <a:r>
-                        <a:rPr lang="en-US" sz="700" b="0" i="0" u="none" strike="noStrike">
+                        <a:rPr lang="en-US" sz="1200" b="0" i="0" u="none" strike="noStrike" dirty="0">
                           <a:solidFill>
                             <a:srgbClr val="000000"/>
                           </a:solidFill>
                           <a:effectLst/>
-                          <a:latin typeface="Arial" panose="020B0604020202020204" pitchFamily="34" charset="0"/>
+                          <a:latin typeface="Calibri" panose="020F0502020204030204" pitchFamily="34" charset="0"/>
                         </a:rPr>
                         <a:t>pickup_lat</a:t>
                       </a:r>
                     </a:p>
                   </a:txBody>
-                  <a:tcPr marL="5665" marR="5665" marT="5665" marB="0" anchor="ctr"/>
-                </a:tc>
-                <a:tc>
-                  <a:txBody>
-                    <a:bodyPr/>
-                    <a:lstStyle/>
-                    <a:p>
-                      <a:pPr algn="l" fontAlgn="b"/>
-                      <a:r>
-                        <a:rPr lang="en-US" sz="700" b="0" i="0" u="none" strike="noStrike" dirty="0">
+                  <a:tcPr marL="4717" marR="4717" marT="4717" marB="0" anchor="b"/>
+                </a:tc>
+                <a:tc>
+                  <a:txBody>
+                    <a:bodyPr/>
+                    <a:lstStyle/>
+                    <a:p>
+                      <a:pPr algn="ctr" fontAlgn="b"/>
+                      <a:r>
+                        <a:rPr lang="en-US" sz="1200" b="0" i="0" u="none" strike="noStrike" dirty="0">
                           <a:solidFill>
                             <a:srgbClr val="000000"/>
                           </a:solidFill>
                           <a:effectLst/>
-                          <a:latin typeface="Arial" panose="020B0604020202020204" pitchFamily="34" charset="0"/>
-                        </a:rPr>
-                        <a:t>40.7285</a:t>
-                      </a:r>
-                    </a:p>
-                  </a:txBody>
-                  <a:tcPr marL="5665" marR="5665" marT="5665" marB="0" anchor="ctr"/>
+                          <a:latin typeface="Calibri" panose="020F0502020204030204" pitchFamily="34" charset="0"/>
+                        </a:rPr>
+                        <a:t>0</a:t>
+                      </a:r>
+                    </a:p>
+                  </a:txBody>
+                  <a:tcPr marL="4717" marR="4717" marT="4717" marB="0" anchor="b"/>
                 </a:tc>
                 <a:extLst>
                   <a:ext uri="{0D108BD9-81ED-4DB2-BD59-A6C34878D82A}">
-                    <a16:rowId xmlns:a16="http://schemas.microsoft.com/office/drawing/2014/main" val="3798466228"/>
+                    <a16:rowId xmlns:a16="http://schemas.microsoft.com/office/drawing/2014/main" val="1091114394"/>
                   </a:ext>
                 </a:extLst>
               </a:tr>
-              <a:tr h="190644">
+              <a:tr h="107570">
                 <a:tc>
                   <a:txBody>
                     <a:bodyPr/>
@@ -9663,46 +9054,46 @@
                     <a:p>
                       <a:pPr algn="l" fontAlgn="b"/>
                       <a:r>
-                        <a:rPr lang="en-US" sz="700" b="0" i="0" u="none" strike="noStrike">
+                        <a:rPr lang="en-US" sz="1200" b="0" i="0" u="none" strike="noStrike" dirty="0">
                           <a:solidFill>
                             <a:srgbClr val="000000"/>
                           </a:solidFill>
                           <a:effectLst/>
-                          <a:latin typeface="Arial" panose="020B0604020202020204" pitchFamily="34" charset="0"/>
+                          <a:latin typeface="Calibri" panose="020F0502020204030204" pitchFamily="34" charset="0"/>
                         </a:rPr>
                         <a:t>pickup_lon</a:t>
                       </a:r>
                     </a:p>
                   </a:txBody>
-                  <a:tcPr marL="5665" marR="5665" marT="5665" marB="0" anchor="ctr"/>
-                </a:tc>
-                <a:tc>
-                  <a:txBody>
-                    <a:bodyPr/>
-                    <a:lstStyle/>
-                    <a:p>
-                      <a:pPr algn="l" fontAlgn="b"/>
-                      <a:r>
-                        <a:rPr lang="en-US" sz="700" b="0" i="0" u="none" strike="noStrike">
+                  <a:tcPr marL="4717" marR="4717" marT="4717" marB="0" anchor="b"/>
+                </a:tc>
+                <a:tc>
+                  <a:txBody>
+                    <a:bodyPr/>
+                    <a:lstStyle/>
+                    <a:p>
+                      <a:pPr algn="ctr" fontAlgn="b"/>
+                      <a:r>
+                        <a:rPr lang="en-US" sz="1200" b="0" i="0" u="none" strike="noStrike" dirty="0">
                           <a:solidFill>
                             <a:srgbClr val="000000"/>
                           </a:solidFill>
                           <a:effectLst/>
-                          <a:latin typeface="Arial" panose="020B0604020202020204" pitchFamily="34" charset="0"/>
-                        </a:rPr>
-                        <a:t>-73.9984</a:t>
-                      </a:r>
-                    </a:p>
-                  </a:txBody>
-                  <a:tcPr marL="5665" marR="5665" marT="5665" marB="0" anchor="ctr"/>
+                          <a:latin typeface="Calibri" panose="020F0502020204030204" pitchFamily="34" charset="0"/>
+                        </a:rPr>
+                        <a:t>0</a:t>
+                      </a:r>
+                    </a:p>
+                  </a:txBody>
+                  <a:tcPr marL="4717" marR="4717" marT="4717" marB="0" anchor="b"/>
                 </a:tc>
                 <a:extLst>
                   <a:ext uri="{0D108BD9-81ED-4DB2-BD59-A6C34878D82A}">
-                    <a16:rowId xmlns:a16="http://schemas.microsoft.com/office/drawing/2014/main" val="1683948745"/>
+                    <a16:rowId xmlns:a16="http://schemas.microsoft.com/office/drawing/2014/main" val="1946054561"/>
                   </a:ext>
                 </a:extLst>
               </a:tr>
-              <a:tr h="190644">
+              <a:tr h="107570">
                 <a:tc>
                   <a:txBody>
                     <a:bodyPr/>
@@ -9710,46 +9101,46 @@
                     <a:p>
                       <a:pPr algn="l" fontAlgn="b"/>
                       <a:r>
-                        <a:rPr lang="en-US" sz="700" b="0" i="0" u="none" strike="noStrike">
+                        <a:rPr lang="en-US" sz="1200" b="0" i="0" u="none" strike="noStrike" dirty="0">
                           <a:solidFill>
                             <a:srgbClr val="000000"/>
                           </a:solidFill>
                           <a:effectLst/>
-                          <a:latin typeface="Arial" panose="020B0604020202020204" pitchFamily="34" charset="0"/>
+                          <a:latin typeface="Calibri" panose="020F0502020204030204" pitchFamily="34" charset="0"/>
                         </a:rPr>
                         <a:t>dropoff_lat</a:t>
                       </a:r>
                     </a:p>
                   </a:txBody>
-                  <a:tcPr marL="5665" marR="5665" marT="5665" marB="0" anchor="ctr"/>
-                </a:tc>
-                <a:tc>
-                  <a:txBody>
-                    <a:bodyPr/>
-                    <a:lstStyle/>
-                    <a:p>
-                      <a:pPr algn="l" fontAlgn="b"/>
-                      <a:r>
-                        <a:rPr lang="en-US" sz="700" b="0" i="0" u="none" strike="noStrike" dirty="0">
+                  <a:tcPr marL="4717" marR="4717" marT="4717" marB="0" anchor="b"/>
+                </a:tc>
+                <a:tc>
+                  <a:txBody>
+                    <a:bodyPr/>
+                    <a:lstStyle/>
+                    <a:p>
+                      <a:pPr algn="ctr" fontAlgn="b"/>
+                      <a:r>
+                        <a:rPr lang="en-US" sz="1200" b="0" i="0" u="none" strike="noStrike" dirty="0">
                           <a:solidFill>
                             <a:srgbClr val="000000"/>
                           </a:solidFill>
                           <a:effectLst/>
-                          <a:latin typeface="Arial" panose="020B0604020202020204" pitchFamily="34" charset="0"/>
-                        </a:rPr>
-                        <a:t>40.7286</a:t>
-                      </a:r>
-                    </a:p>
-                  </a:txBody>
-                  <a:tcPr marL="5665" marR="5665" marT="5665" marB="0" anchor="ctr"/>
+                          <a:latin typeface="Calibri" panose="020F0502020204030204" pitchFamily="34" charset="0"/>
+                        </a:rPr>
+                        <a:t>0</a:t>
+                      </a:r>
+                    </a:p>
+                  </a:txBody>
+                  <a:tcPr marL="4717" marR="4717" marT="4717" marB="0" anchor="b"/>
                 </a:tc>
                 <a:extLst>
                   <a:ext uri="{0D108BD9-81ED-4DB2-BD59-A6C34878D82A}">
-                    <a16:rowId xmlns:a16="http://schemas.microsoft.com/office/drawing/2014/main" val="568431819"/>
+                    <a16:rowId xmlns:a16="http://schemas.microsoft.com/office/drawing/2014/main" val="523002916"/>
                   </a:ext>
                 </a:extLst>
               </a:tr>
-              <a:tr h="190644">
+              <a:tr h="107570">
                 <a:tc>
                   <a:txBody>
                     <a:bodyPr/>
@@ -9757,46 +9148,46 @@
                     <a:p>
                       <a:pPr algn="l" fontAlgn="b"/>
                       <a:r>
-                        <a:rPr lang="en-US" sz="700" b="0" i="0" u="none" strike="noStrike">
+                        <a:rPr lang="en-US" sz="1200" b="0" i="0" u="none" strike="noStrike" dirty="0">
                           <a:solidFill>
                             <a:srgbClr val="000000"/>
                           </a:solidFill>
                           <a:effectLst/>
-                          <a:latin typeface="Arial" panose="020B0604020202020204" pitchFamily="34" charset="0"/>
+                          <a:latin typeface="Calibri" panose="020F0502020204030204" pitchFamily="34" charset="0"/>
                         </a:rPr>
                         <a:t>dropoff_lon</a:t>
                       </a:r>
                     </a:p>
                   </a:txBody>
-                  <a:tcPr marL="5665" marR="5665" marT="5665" marB="0" anchor="ctr"/>
-                </a:tc>
-                <a:tc>
-                  <a:txBody>
-                    <a:bodyPr/>
-                    <a:lstStyle/>
-                    <a:p>
-                      <a:pPr algn="l" fontAlgn="b"/>
-                      <a:r>
-                        <a:rPr lang="en-US" sz="700" b="0" i="0" u="none" strike="noStrike" dirty="0">
+                  <a:tcPr marL="4717" marR="4717" marT="4717" marB="0" anchor="b"/>
+                </a:tc>
+                <a:tc>
+                  <a:txBody>
+                    <a:bodyPr/>
+                    <a:lstStyle/>
+                    <a:p>
+                      <a:pPr algn="ctr" fontAlgn="b"/>
+                      <a:r>
+                        <a:rPr lang="en-US" sz="1200" b="0" i="0" u="none" strike="noStrike" dirty="0">
                           <a:solidFill>
                             <a:srgbClr val="000000"/>
                           </a:solidFill>
                           <a:effectLst/>
-                          <a:latin typeface="Arial" panose="020B0604020202020204" pitchFamily="34" charset="0"/>
-                        </a:rPr>
-                        <a:t>-73.9951</a:t>
-                      </a:r>
-                    </a:p>
-                  </a:txBody>
-                  <a:tcPr marL="5665" marR="5665" marT="5665" marB="0" anchor="ctr"/>
+                          <a:latin typeface="Calibri" panose="020F0502020204030204" pitchFamily="34" charset="0"/>
+                        </a:rPr>
+                        <a:t>0</a:t>
+                      </a:r>
+                    </a:p>
+                  </a:txBody>
+                  <a:tcPr marL="4717" marR="4717" marT="4717" marB="0" anchor="b"/>
                 </a:tc>
                 <a:extLst>
                   <a:ext uri="{0D108BD9-81ED-4DB2-BD59-A6C34878D82A}">
-                    <a16:rowId xmlns:a16="http://schemas.microsoft.com/office/drawing/2014/main" val="2841978685"/>
+                    <a16:rowId xmlns:a16="http://schemas.microsoft.com/office/drawing/2014/main" val="101667824"/>
                   </a:ext>
                 </a:extLst>
               </a:tr>
-              <a:tr h="190644">
+              <a:tr h="107570">
                 <a:tc>
                   <a:txBody>
                     <a:bodyPr/>
@@ -9804,46 +9195,46 @@
                     <a:p>
                       <a:pPr algn="l" fontAlgn="b"/>
                       <a:r>
-                        <a:rPr lang="en-US" sz="700" b="0" i="0" u="none" strike="noStrike">
+                        <a:rPr lang="en-US" sz="1200" b="0" i="0" u="none" strike="noStrike" dirty="0">
                           <a:solidFill>
                             <a:srgbClr val="000000"/>
                           </a:solidFill>
                           <a:effectLst/>
-                          <a:latin typeface="Arial" panose="020B0604020202020204" pitchFamily="34" charset="0"/>
+                          <a:latin typeface="Calibri" panose="020F0502020204030204" pitchFamily="34" charset="0"/>
                         </a:rPr>
                         <a:t>when_the_delivery_started</a:t>
                       </a:r>
                     </a:p>
                   </a:txBody>
-                  <a:tcPr marL="5665" marR="5665" marT="5665" marB="0" anchor="ctr"/>
-                </a:tc>
-                <a:tc>
-                  <a:txBody>
-                    <a:bodyPr/>
-                    <a:lstStyle/>
-                    <a:p>
-                      <a:pPr algn="l" fontAlgn="b"/>
-                      <a:r>
-                        <a:rPr lang="en-US" sz="700" b="0" i="0" u="none" strike="noStrike" dirty="0">
+                  <a:tcPr marL="4717" marR="4717" marT="4717" marB="0" anchor="b"/>
+                </a:tc>
+                <a:tc>
+                  <a:txBody>
+                    <a:bodyPr/>
+                    <a:lstStyle/>
+                    <a:p>
+                      <a:pPr algn="ctr" fontAlgn="b"/>
+                      <a:r>
+                        <a:rPr lang="en-US" sz="1200" b="0" i="0" u="none" strike="noStrike" dirty="0">
                           <a:solidFill>
                             <a:srgbClr val="000000"/>
                           </a:solidFill>
                           <a:effectLst/>
-                          <a:latin typeface="Arial" panose="020B0604020202020204" pitchFamily="34" charset="0"/>
-                        </a:rPr>
-                        <a:t>10/28/14 21:39</a:t>
-                      </a:r>
-                    </a:p>
-                  </a:txBody>
-                  <a:tcPr marL="5665" marR="5665" marT="5665" marB="0" anchor="ctr"/>
+                          <a:latin typeface="Calibri" panose="020F0502020204030204" pitchFamily="34" charset="0"/>
+                        </a:rPr>
+                        <a:t>0</a:t>
+                      </a:r>
+                    </a:p>
+                  </a:txBody>
+                  <a:tcPr marL="4717" marR="4717" marT="4717" marB="0" anchor="b"/>
                 </a:tc>
                 <a:extLst>
                   <a:ext uri="{0D108BD9-81ED-4DB2-BD59-A6C34878D82A}">
-                    <a16:rowId xmlns:a16="http://schemas.microsoft.com/office/drawing/2014/main" val="4158170500"/>
+                    <a16:rowId xmlns:a16="http://schemas.microsoft.com/office/drawing/2014/main" val="3564062226"/>
                   </a:ext>
                 </a:extLst>
               </a:tr>
-              <a:tr h="190644">
+              <a:tr h="196310">
                 <a:tc>
                   <a:txBody>
                     <a:bodyPr/>
@@ -9851,46 +9242,46 @@
                     <a:p>
                       <a:pPr algn="l" fontAlgn="b"/>
                       <a:r>
-                        <a:rPr lang="en-US" sz="700" b="0" i="0" u="none" strike="noStrike">
+                        <a:rPr lang="en-US" sz="1200" b="0" i="0" u="none" strike="noStrike" dirty="0">
                           <a:solidFill>
                             <a:srgbClr val="000000"/>
                           </a:solidFill>
                           <a:effectLst/>
-                          <a:latin typeface="Arial" panose="020B0604020202020204" pitchFamily="34" charset="0"/>
+                          <a:latin typeface="Calibri" panose="020F0502020204030204" pitchFamily="34" charset="0"/>
                         </a:rPr>
                         <a:t>when_the_Jumpman_arrived_at_pickup</a:t>
                       </a:r>
                     </a:p>
                   </a:txBody>
-                  <a:tcPr marL="5665" marR="5665" marT="5665" marB="0" anchor="ctr"/>
-                </a:tc>
-                <a:tc>
-                  <a:txBody>
-                    <a:bodyPr/>
-                    <a:lstStyle/>
-                    <a:p>
-                      <a:pPr algn="l" fontAlgn="b"/>
-                      <a:r>
-                        <a:rPr lang="en-US" sz="700" b="0" i="0" u="none" strike="noStrike" dirty="0">
+                  <a:tcPr marL="4717" marR="4717" marT="4717" marB="0" anchor="b"/>
+                </a:tc>
+                <a:tc>
+                  <a:txBody>
+                    <a:bodyPr/>
+                    <a:lstStyle/>
+                    <a:p>
+                      <a:pPr algn="ctr" fontAlgn="b"/>
+                      <a:r>
+                        <a:rPr lang="en-US" sz="1200" b="0" i="0" u="none" strike="noStrike" dirty="0">
                           <a:solidFill>
                             <a:srgbClr val="000000"/>
                           </a:solidFill>
                           <a:effectLst/>
-                          <a:latin typeface="Arial" panose="020B0604020202020204" pitchFamily="34" charset="0"/>
-                        </a:rPr>
-                        <a:t>10/28/14 21:37</a:t>
-                      </a:r>
-                    </a:p>
-                  </a:txBody>
-                  <a:tcPr marL="5665" marR="5665" marT="5665" marB="0" anchor="ctr"/>
+                          <a:latin typeface="Calibri" panose="020F0502020204030204" pitchFamily="34" charset="0"/>
+                        </a:rPr>
+                        <a:t>550</a:t>
+                      </a:r>
+                    </a:p>
+                  </a:txBody>
+                  <a:tcPr marL="4717" marR="4717" marT="4717" marB="0" anchor="b"/>
                 </a:tc>
                 <a:extLst>
                   <a:ext uri="{0D108BD9-81ED-4DB2-BD59-A6C34878D82A}">
-                    <a16:rowId xmlns:a16="http://schemas.microsoft.com/office/drawing/2014/main" val="2140023924"/>
+                    <a16:rowId xmlns:a16="http://schemas.microsoft.com/office/drawing/2014/main" val="962977973"/>
                   </a:ext>
                 </a:extLst>
               </a:tr>
-              <a:tr h="190644">
+              <a:tr h="196310">
                 <a:tc>
                   <a:txBody>
                     <a:bodyPr/>
@@ -9898,46 +9289,46 @@
                     <a:p>
                       <a:pPr algn="l" fontAlgn="b"/>
                       <a:r>
-                        <a:rPr lang="en-US" sz="700" b="0" i="0" u="none" strike="noStrike">
+                        <a:rPr lang="en-US" sz="1200" b="0" i="0" u="none" strike="noStrike" dirty="0">
                           <a:solidFill>
                             <a:srgbClr val="000000"/>
                           </a:solidFill>
                           <a:effectLst/>
-                          <a:latin typeface="Arial" panose="020B0604020202020204" pitchFamily="34" charset="0"/>
+                          <a:latin typeface="Calibri" panose="020F0502020204030204" pitchFamily="34" charset="0"/>
                         </a:rPr>
                         <a:t>when_the_Jumpman_left_pickup</a:t>
                       </a:r>
                     </a:p>
                   </a:txBody>
-                  <a:tcPr marL="5665" marR="5665" marT="5665" marB="0" anchor="ctr"/>
-                </a:tc>
-                <a:tc>
-                  <a:txBody>
-                    <a:bodyPr/>
-                    <a:lstStyle/>
-                    <a:p>
-                      <a:pPr algn="l" fontAlgn="b"/>
-                      <a:r>
-                        <a:rPr lang="en-US" sz="700" b="0" i="0" u="none" strike="noStrike" dirty="0">
+                  <a:tcPr marL="4717" marR="4717" marT="4717" marB="0" anchor="b"/>
+                </a:tc>
+                <a:tc>
+                  <a:txBody>
+                    <a:bodyPr/>
+                    <a:lstStyle/>
+                    <a:p>
+                      <a:pPr algn="ctr" fontAlgn="b"/>
+                      <a:r>
+                        <a:rPr lang="en-US" sz="1200" b="0" i="0" u="none" strike="noStrike" dirty="0">
                           <a:solidFill>
                             <a:srgbClr val="000000"/>
                           </a:solidFill>
                           <a:effectLst/>
-                          <a:latin typeface="Arial" panose="020B0604020202020204" pitchFamily="34" charset="0"/>
-                        </a:rPr>
-                        <a:t>10/28/14 21:59</a:t>
-                      </a:r>
-                    </a:p>
-                  </a:txBody>
-                  <a:tcPr marL="5665" marR="5665" marT="5665" marB="0" anchor="ctr"/>
+                          <a:latin typeface="Calibri" panose="020F0502020204030204" pitchFamily="34" charset="0"/>
+                        </a:rPr>
+                        <a:t>550</a:t>
+                      </a:r>
+                    </a:p>
+                  </a:txBody>
+                  <a:tcPr marL="4717" marR="4717" marT="4717" marB="0" anchor="b"/>
                 </a:tc>
                 <a:extLst>
                   <a:ext uri="{0D108BD9-81ED-4DB2-BD59-A6C34878D82A}">
-                    <a16:rowId xmlns:a16="http://schemas.microsoft.com/office/drawing/2014/main" val="1935126913"/>
+                    <a16:rowId xmlns:a16="http://schemas.microsoft.com/office/drawing/2014/main" val="3536399374"/>
                   </a:ext>
                 </a:extLst>
               </a:tr>
-              <a:tr h="190644">
+              <a:tr h="196310">
                 <a:tc>
                   <a:txBody>
                     <a:bodyPr/>
@@ -9945,49 +9336,42 @@
                     <a:p>
                       <a:pPr algn="l" fontAlgn="b"/>
                       <a:r>
-                        <a:rPr lang="en-US" sz="700" b="0" i="0" u="none" strike="noStrike" dirty="0" err="1">
+                        <a:rPr lang="en-US" sz="1200" b="0" i="0" u="none" strike="noStrike" dirty="0">
                           <a:solidFill>
                             <a:srgbClr val="000000"/>
                           </a:solidFill>
                           <a:effectLst/>
-                          <a:latin typeface="Arial" panose="020B0604020202020204" pitchFamily="34" charset="0"/>
+                          <a:latin typeface="Calibri" panose="020F0502020204030204" pitchFamily="34" charset="0"/>
                         </a:rPr>
                         <a:t>when_the_Jumpman_arrived_at_dropoff</a:t>
                       </a:r>
-                      <a:endParaRPr lang="en-US" sz="700" b="0" i="0" u="none" strike="noStrike" dirty="0">
-                        <a:solidFill>
-                          <a:srgbClr val="000000"/>
-                        </a:solidFill>
-                        <a:effectLst/>
-                        <a:latin typeface="Arial" panose="020B0604020202020204" pitchFamily="34" charset="0"/>
-                      </a:endParaRPr>
-                    </a:p>
-                  </a:txBody>
-                  <a:tcPr marL="5665" marR="5665" marT="5665" marB="0" anchor="ctr"/>
-                </a:tc>
-                <a:tc>
-                  <a:txBody>
-                    <a:bodyPr/>
-                    <a:lstStyle/>
-                    <a:p>
-                      <a:pPr algn="l" fontAlgn="b"/>
-                      <a:r>
-                        <a:rPr lang="en-US" sz="700" b="0" i="0" u="none" strike="noStrike" dirty="0">
+                    </a:p>
+                  </a:txBody>
+                  <a:tcPr marL="4717" marR="4717" marT="4717" marB="0" anchor="b"/>
+                </a:tc>
+                <a:tc>
+                  <a:txBody>
+                    <a:bodyPr/>
+                    <a:lstStyle/>
+                    <a:p>
+                      <a:pPr algn="ctr" fontAlgn="b"/>
+                      <a:r>
+                        <a:rPr lang="en-US" sz="1200" b="0" i="0" u="none" strike="noStrike" dirty="0">
                           <a:solidFill>
                             <a:srgbClr val="000000"/>
                           </a:solidFill>
                           <a:effectLst/>
-                          <a:latin typeface="Arial" panose="020B0604020202020204" pitchFamily="34" charset="0"/>
-                        </a:rPr>
-                        <a:t>10/28/14 22:04</a:t>
-                      </a:r>
-                    </a:p>
-                  </a:txBody>
-                  <a:tcPr marL="5665" marR="5665" marT="5665" marB="0" anchor="ctr"/>
+                          <a:latin typeface="Calibri" panose="020F0502020204030204" pitchFamily="34" charset="0"/>
+                        </a:rPr>
+                        <a:t>0</a:t>
+                      </a:r>
+                    </a:p>
+                  </a:txBody>
+                  <a:tcPr marL="4717" marR="4717" marT="4717" marB="0" anchor="b"/>
                 </a:tc>
                 <a:extLst>
                   <a:ext uri="{0D108BD9-81ED-4DB2-BD59-A6C34878D82A}">
-                    <a16:rowId xmlns:a16="http://schemas.microsoft.com/office/drawing/2014/main" val="3447613622"/>
+                    <a16:rowId xmlns:a16="http://schemas.microsoft.com/office/drawing/2014/main" val="3560837287"/>
                   </a:ext>
                 </a:extLst>
               </a:tr>
@@ -9998,7 +9382,7 @@
     </p:spTree>
     <p:extLst>
       <p:ext uri="{BB962C8B-B14F-4D97-AF65-F5344CB8AC3E}">
-        <p14:creationId xmlns:p14="http://schemas.microsoft.com/office/powerpoint/2010/main" val="455099375"/>
+        <p14:creationId xmlns:p14="http://schemas.microsoft.com/office/powerpoint/2010/main" val="3691253493"/>
       </p:ext>
     </p:extLst>
   </p:cSld>
@@ -10008,7 +9392,7 @@
 </p:sld>
 </file>
 
-<file path=ppt/slides/slide12.xml><?xml version="1.0" encoding="utf-8"?>
+<file path=ppt/slides/slide13.xml><?xml version="1.0" encoding="utf-8"?>
 <p:sld xmlns:a="http://schemas.openxmlformats.org/drawingml/2006/main" xmlns:r="http://schemas.openxmlformats.org/officeDocument/2006/relationships" xmlns:p="http://schemas.openxmlformats.org/presentationml/2006/main">
   <p:cSld>
     <p:spTree>
@@ -10123,7 +9507,7 @@
           <p:nvPr>
             <p:extLst>
               <p:ext uri="{D42A27DB-BD31-4B8C-83A1-F6EECF244321}">
-                <p14:modId xmlns:p14="http://schemas.microsoft.com/office/powerpoint/2010/main" val="3676415473"/>
+                <p14:modId xmlns:p14="http://schemas.microsoft.com/office/powerpoint/2010/main" val="2836559622"/>
               </p:ext>
             </p:extLst>
           </p:nvPr>
@@ -10195,6 +9579,100 @@
                     <a:p>
                       <a:pPr algn="l" fontAlgn="b"/>
                       <a:r>
+                        <a:rPr lang="en-US" sz="700" b="0" i="0" u="none" strike="noStrike" dirty="0">
+                          <a:solidFill>
+                            <a:srgbClr val="000000"/>
+                          </a:solidFill>
+                          <a:effectLst/>
+                          <a:latin typeface="Arial" panose="020B0604020202020204" pitchFamily="34" charset="0"/>
+                        </a:rPr>
+                        <a:t>delivery_id</a:t>
+                      </a:r>
+                    </a:p>
+                  </a:txBody>
+                  <a:tcPr marL="5665" marR="5665" marT="5665" marB="0" anchor="ctr"/>
+                </a:tc>
+                <a:tc>
+                  <a:txBody>
+                    <a:bodyPr/>
+                    <a:lstStyle/>
+                    <a:p>
+                      <a:pPr algn="l" fontAlgn="b"/>
+                      <a:r>
+                        <a:rPr lang="en-US" sz="700" b="0" i="0" u="none" strike="noStrike" dirty="0">
+                          <a:solidFill>
+                            <a:srgbClr val="000000"/>
+                          </a:solidFill>
+                          <a:effectLst/>
+                          <a:latin typeface="Arial" panose="020B0604020202020204" pitchFamily="34" charset="0"/>
+                        </a:rPr>
+                        <a:t>1476547</a:t>
+                      </a:r>
+                    </a:p>
+                  </a:txBody>
+                  <a:tcPr marL="5665" marR="5665" marT="5665" marB="0" anchor="ctr"/>
+                </a:tc>
+                <a:extLst>
+                  <a:ext uri="{0D108BD9-81ED-4DB2-BD59-A6C34878D82A}">
+                    <a16:rowId xmlns:a16="http://schemas.microsoft.com/office/drawing/2014/main" val="3460892982"/>
+                  </a:ext>
+                </a:extLst>
+              </a:tr>
+              <a:tr h="190644">
+                <a:tc>
+                  <a:txBody>
+                    <a:bodyPr/>
+                    <a:lstStyle/>
+                    <a:p>
+                      <a:pPr algn="l" fontAlgn="b"/>
+                      <a:r>
+                        <a:rPr lang="en-US" sz="700" b="0" i="0" u="none" strike="noStrike" dirty="0">
+                          <a:solidFill>
+                            <a:srgbClr val="000000"/>
+                          </a:solidFill>
+                          <a:effectLst/>
+                          <a:latin typeface="Arial" panose="020B0604020202020204" pitchFamily="34" charset="0"/>
+                        </a:rPr>
+                        <a:t>customer_id</a:t>
+                      </a:r>
+                    </a:p>
+                  </a:txBody>
+                  <a:tcPr marL="5665" marR="5665" marT="5665" marB="0" anchor="ctr"/>
+                </a:tc>
+                <a:tc>
+                  <a:txBody>
+                    <a:bodyPr/>
+                    <a:lstStyle/>
+                    <a:p>
+                      <a:pPr algn="l" fontAlgn="b"/>
+                      <a:r>
+                        <a:rPr lang="en-US" sz="700" b="0" i="0" u="none" strike="noStrike" dirty="0">
+                          <a:solidFill>
+                            <a:srgbClr val="000000"/>
+                          </a:solidFill>
+                          <a:effectLst/>
+                          <a:latin typeface="Arial" panose="020B0604020202020204" pitchFamily="34" charset="0"/>
+                        </a:rPr>
+                        <a:t>83095</a:t>
+                      </a:r>
+                    </a:p>
+                  </a:txBody>
+                  <a:tcPr marL="5665" marR="5665" marT="5665" marB="0" anchor="ctr"/>
+                </a:tc>
+                <a:extLst>
+                  <a:ext uri="{0D108BD9-81ED-4DB2-BD59-A6C34878D82A}">
+                    <a16:rowId xmlns:a16="http://schemas.microsoft.com/office/drawing/2014/main" val="4049968888"/>
+                  </a:ext>
+                </a:extLst>
+              </a:tr>
+              <a:tr h="190644">
+                <a:tc>
+                  <a:txBody>
+                    <a:bodyPr/>
+                    <a:lstStyle/>
+                    <a:p>
+                      <a:pPr algn="l" fontAlgn="b"/>
+                      <a:r>
                         <a:rPr lang="en-US" sz="700" b="0" i="0" u="none" strike="noStrike" dirty="0" err="1">
                           <a:solidFill>
                             <a:srgbClr val="000000"/>
@@ -10202,7 +9680,7 @@
                           <a:effectLst/>
                           <a:latin typeface="Arial" panose="020B0604020202020204" pitchFamily="34" charset="0"/>
                         </a:rPr>
-                        <a:t>delivery_id</a:t>
+                        <a:t>jumpman_id</a:t>
                       </a:r>
                       <a:endParaRPr lang="en-US" sz="700" b="0" i="0" u="none" strike="noStrike" dirty="0">
                         <a:solidFill>
@@ -10222,108 +9700,7 @@
                     <a:p>
                       <a:pPr algn="l" fontAlgn="b"/>
                       <a:r>
-                        <a:rPr lang="en-US" sz="700" b="0" i="0" u="none" strike="noStrike" dirty="0">
-                          <a:solidFill>
-                            <a:srgbClr val="000000"/>
-                          </a:solidFill>
-                          <a:effectLst/>
-                          <a:latin typeface="Arial" panose="020B0604020202020204" pitchFamily="34" charset="0"/>
-                        </a:rPr>
-                        <a:t>1476547</a:t>
-                      </a:r>
-                    </a:p>
-                  </a:txBody>
-                  <a:tcPr marL="5665" marR="5665" marT="5665" marB="0" anchor="ctr"/>
-                </a:tc>
-                <a:extLst>
-                  <a:ext uri="{0D108BD9-81ED-4DB2-BD59-A6C34878D82A}">
-                    <a16:rowId xmlns:a16="http://schemas.microsoft.com/office/drawing/2014/main" val="3460892982"/>
-                  </a:ext>
-                </a:extLst>
-              </a:tr>
-              <a:tr h="190644">
-                <a:tc>
-                  <a:txBody>
-                    <a:bodyPr/>
-                    <a:lstStyle/>
-                    <a:p>
-                      <a:pPr algn="l" fontAlgn="b"/>
-                      <a:r>
-                        <a:rPr lang="en-US" sz="700" b="0" i="0" u="none" strike="noStrike" dirty="0" err="1">
-                          <a:solidFill>
-                            <a:srgbClr val="000000"/>
-                          </a:solidFill>
-                          <a:effectLst/>
-                          <a:latin typeface="Arial" panose="020B0604020202020204" pitchFamily="34" charset="0"/>
-                        </a:rPr>
-                        <a:t>customer_id</a:t>
-                      </a:r>
-                      <a:endParaRPr lang="en-US" sz="700" b="0" i="0" u="none" strike="noStrike" dirty="0">
-                        <a:solidFill>
-                          <a:srgbClr val="000000"/>
-                        </a:solidFill>
-                        <a:effectLst/>
-                        <a:latin typeface="Arial" panose="020B0604020202020204" pitchFamily="34" charset="0"/>
-                      </a:endParaRPr>
-                    </a:p>
-                  </a:txBody>
-                  <a:tcPr marL="5665" marR="5665" marT="5665" marB="0" anchor="ctr"/>
-                </a:tc>
-                <a:tc>
-                  <a:txBody>
-                    <a:bodyPr/>
-                    <a:lstStyle/>
-                    <a:p>
-                      <a:pPr algn="l" fontAlgn="b"/>
-                      <a:r>
-                        <a:rPr lang="en-US" sz="700" b="0" i="0" u="none" strike="noStrike" dirty="0">
-                          <a:solidFill>
-                            <a:srgbClr val="000000"/>
-                          </a:solidFill>
-                          <a:effectLst/>
-                          <a:latin typeface="Arial" panose="020B0604020202020204" pitchFamily="34" charset="0"/>
-                        </a:rPr>
-                        <a:t>83095</a:t>
-                      </a:r>
-                    </a:p>
-                  </a:txBody>
-                  <a:tcPr marL="5665" marR="5665" marT="5665" marB="0" anchor="ctr"/>
-                </a:tc>
-                <a:extLst>
-                  <a:ext uri="{0D108BD9-81ED-4DB2-BD59-A6C34878D82A}">
-                    <a16:rowId xmlns:a16="http://schemas.microsoft.com/office/drawing/2014/main" val="4049968888"/>
-                  </a:ext>
-                </a:extLst>
-              </a:tr>
-              <a:tr h="190644">
-                <a:tc>
-                  <a:txBody>
-                    <a:bodyPr/>
-                    <a:lstStyle/>
-                    <a:p>
-                      <a:pPr algn="l" fontAlgn="b"/>
-                      <a:r>
                         <a:rPr lang="en-US" sz="700" b="0" i="0" u="none" strike="noStrike">
-                          <a:solidFill>
-                            <a:srgbClr val="000000"/>
-                          </a:solidFill>
-                          <a:effectLst/>
-                          <a:latin typeface="Arial" panose="020B0604020202020204" pitchFamily="34" charset="0"/>
-                        </a:rPr>
-                        <a:t>jumpman_id</a:t>
-                      </a:r>
-                    </a:p>
-                  </a:txBody>
-                  <a:tcPr marL="5665" marR="5665" marT="5665" marB="0" anchor="ctr"/>
-                </a:tc>
-                <a:tc>
-                  <a:txBody>
-                    <a:bodyPr/>
-                    <a:lstStyle/>
-                    <a:p>
-                      <a:pPr algn="l" fontAlgn="b"/>
-                      <a:r>
-                        <a:rPr lang="en-US" sz="700" b="0" i="0" u="none" strike="noStrike" dirty="0">
                           <a:solidFill>
                             <a:srgbClr val="000000"/>
                           </a:solidFill>
@@ -10370,7 +9747,7 @@
                     <a:p>
                       <a:pPr algn="l" fontAlgn="b"/>
                       <a:r>
-                        <a:rPr lang="en-US" sz="700" b="0" i="0" u="none" strike="noStrike" dirty="0">
+                        <a:rPr lang="en-US" sz="700" b="0" i="0" u="none" strike="noStrike">
                           <a:solidFill>
                             <a:srgbClr val="000000"/>
                           </a:solidFill>
@@ -10397,7 +9774,7 @@
                     <a:p>
                       <a:pPr algn="l" fontAlgn="b"/>
                       <a:r>
-                        <a:rPr lang="en-US" sz="700" b="0" i="0" u="none" strike="noStrike" dirty="0" err="1">
+                        <a:rPr lang="en-US" sz="700" b="0" i="0" u="none" strike="noStrike" err="1">
                           <a:solidFill>
                             <a:srgbClr val="000000"/>
                           </a:solidFill>
@@ -10406,7 +9783,7 @@
                         </a:rPr>
                         <a:t>pickup_place</a:t>
                       </a:r>
-                      <a:endParaRPr lang="en-US" sz="700" b="0" i="0" u="none" strike="noStrike" dirty="0">
+                      <a:endParaRPr lang="en-US" sz="700" b="0" i="0" u="none" strike="noStrike">
                         <a:solidFill>
                           <a:srgbClr val="000000"/>
                         </a:solidFill>
@@ -10424,7 +9801,7 @@
                     <a:p>
                       <a:pPr algn="l" fontAlgn="b"/>
                       <a:r>
-                        <a:rPr lang="en-US" sz="700" b="0" i="0" u="none" strike="noStrike" dirty="0" err="1">
+                        <a:rPr lang="en-US" sz="700" b="0" i="0" u="none" strike="noStrike" err="1">
                           <a:solidFill>
                             <a:srgbClr val="000000"/>
                           </a:solidFill>
@@ -10433,7 +9810,7 @@
                         </a:rPr>
                         <a:t>Bareburger</a:t>
                       </a:r>
-                      <a:endParaRPr lang="en-US" sz="700" b="0" i="0" u="none" strike="noStrike" dirty="0">
+                      <a:endParaRPr lang="en-US" sz="700" b="0" i="0" u="none" strike="noStrike">
                         <a:solidFill>
                           <a:srgbClr val="000000"/>
                         </a:solidFill>
@@ -10458,7 +9835,7 @@
                     <a:p>
                       <a:pPr algn="l" fontAlgn="b"/>
                       <a:r>
-                        <a:rPr lang="en-US" sz="700" b="0" i="0" u="none" strike="noStrike" dirty="0" err="1">
+                        <a:rPr lang="en-US" sz="700" b="0" i="0" u="none" strike="noStrike" err="1">
                           <a:solidFill>
                             <a:srgbClr val="000000"/>
                           </a:solidFill>
@@ -10467,7 +9844,7 @@
                         </a:rPr>
                         <a:t>place_category</a:t>
                       </a:r>
-                      <a:endParaRPr lang="en-US" sz="700" b="0" i="0" u="none" strike="noStrike" dirty="0">
+                      <a:endParaRPr lang="en-US" sz="700" b="0" i="0" u="none" strike="noStrike">
                         <a:solidFill>
                           <a:srgbClr val="000000"/>
                         </a:solidFill>
@@ -10485,7 +9862,7 @@
                     <a:p>
                       <a:pPr algn="l" fontAlgn="b"/>
                       <a:r>
-                        <a:rPr lang="en-US" sz="700" b="0" i="0" u="none" strike="noStrike" dirty="0">
+                        <a:rPr lang="en-US" sz="700" b="0" i="0" u="none" strike="noStrike">
                           <a:solidFill>
                             <a:srgbClr val="000000"/>
                           </a:solidFill>
@@ -10532,7 +9909,7 @@
                     <a:p>
                       <a:pPr algn="l" fontAlgn="b"/>
                       <a:r>
-                        <a:rPr lang="en-US" sz="700" b="0" i="0" u="none" strike="noStrike" dirty="0">
+                        <a:rPr lang="en-US" sz="700" b="0" i="0" u="none" strike="noStrike">
                           <a:solidFill>
                             <a:srgbClr val="000000"/>
                           </a:solidFill>
@@ -10579,7 +9956,7 @@
                     <a:p>
                       <a:pPr algn="l" fontAlgn="b"/>
                       <a:r>
-                        <a:rPr lang="en-US" sz="700" b="0" i="0" u="none" strike="noStrike" dirty="0">
+                        <a:rPr lang="en-US" sz="700" b="0" i="0" u="none" strike="noStrike">
                           <a:solidFill>
                             <a:srgbClr val="000000"/>
                           </a:solidFill>
@@ -10626,7 +10003,7 @@
                     <a:p>
                       <a:pPr algn="l" fontAlgn="b"/>
                       <a:r>
-                        <a:rPr lang="en-US" sz="700" b="0" i="0" u="none" strike="noStrike" dirty="0">
+                        <a:rPr lang="en-US" sz="700" b="0" i="0" u="none" strike="noStrike">
                           <a:solidFill>
                             <a:srgbClr val="000000"/>
                           </a:solidFill>
@@ -10673,7 +10050,7 @@
                     <a:p>
                       <a:pPr algn="l" fontAlgn="b"/>
                       <a:r>
-                        <a:rPr lang="en-US" sz="700" b="0" i="0" u="none" strike="noStrike" dirty="0">
+                        <a:rPr lang="en-US" sz="700" b="0" i="0" u="none" strike="noStrike">
                           <a:solidFill>
                             <a:srgbClr val="000000"/>
                           </a:solidFill>
@@ -10720,7 +10097,7 @@
                     <a:p>
                       <a:pPr algn="l" fontAlgn="b"/>
                       <a:r>
-                        <a:rPr lang="en-US" sz="700" b="0" i="0" u="none" strike="noStrike" dirty="0">
+                        <a:rPr lang="en-US" sz="700" b="0" i="0" u="none" strike="noStrike">
                           <a:solidFill>
                             <a:srgbClr val="000000"/>
                           </a:solidFill>
@@ -10814,7 +10191,7 @@
                     <a:p>
                       <a:pPr algn="l" fontAlgn="b"/>
                       <a:r>
-                        <a:rPr lang="en-US" sz="700" b="0" i="0" u="none" strike="noStrike" dirty="0">
+                        <a:rPr lang="en-US" sz="700" b="0" i="0" u="none" strike="noStrike">
                           <a:solidFill>
                             <a:srgbClr val="000000"/>
                           </a:solidFill>
@@ -10861,7 +10238,7 @@
                     <a:p>
                       <a:pPr algn="l" fontAlgn="b"/>
                       <a:r>
-                        <a:rPr lang="en-US" sz="700" b="0" i="0" u="none" strike="noStrike" dirty="0">
+                        <a:rPr lang="en-US" sz="700" b="0" i="0" u="none" strike="noStrike">
                           <a:solidFill>
                             <a:srgbClr val="000000"/>
                           </a:solidFill>
@@ -10908,7 +10285,7 @@
                     <a:p>
                       <a:pPr algn="l" fontAlgn="b"/>
                       <a:r>
-                        <a:rPr lang="en-US" sz="700" b="0" i="0" u="none" strike="noStrike" dirty="0">
+                        <a:rPr lang="en-US" sz="700" b="0" i="0" u="none" strike="noStrike">
                           <a:solidFill>
                             <a:srgbClr val="000000"/>
                           </a:solidFill>
@@ -10955,7 +10332,7 @@
                     <a:p>
                       <a:pPr algn="l" fontAlgn="b"/>
                       <a:r>
-                        <a:rPr lang="en-US" sz="700" b="0" i="0" u="none" strike="noStrike" dirty="0">
+                        <a:rPr lang="en-US" sz="700" b="0" i="0" u="none" strike="noStrike">
                           <a:solidFill>
                             <a:srgbClr val="000000"/>
                           </a:solidFill>
@@ -11002,7 +10379,7 @@
                     <a:p>
                       <a:pPr algn="l" fontAlgn="b"/>
                       <a:r>
-                        <a:rPr lang="en-US" sz="700" b="0" i="0" u="none" strike="noStrike" dirty="0">
+                        <a:rPr lang="en-US" sz="700" b="0" i="0" u="none" strike="noStrike">
                           <a:solidFill>
                             <a:srgbClr val="000000"/>
                           </a:solidFill>
@@ -11049,7 +10426,7 @@
                     <a:p>
                       <a:pPr algn="l" fontAlgn="b"/>
                       <a:r>
-                        <a:rPr lang="en-US" sz="700" b="0" i="0" u="none" strike="noStrike" dirty="0">
+                        <a:rPr lang="en-US" sz="700" b="0" i="0" u="none" strike="noStrike">
                           <a:solidFill>
                             <a:srgbClr val="000000"/>
                           </a:solidFill>
@@ -11101,12 +10478,983 @@
           <a:lstStyle/>
           <a:p>
             <a:r>
-              <a:rPr lang="en-US" dirty="0"/>
+              <a:rPr lang="en-US"/>
               <a:t>Sample Record</a:t>
             </a:r>
           </a:p>
         </p:txBody>
       </p:sp>
+      <p:graphicFrame>
+        <p:nvGraphicFramePr>
+          <p:cNvPr id="19" name="Table 16">
+            <a:extLst>
+              <a:ext uri="{FF2B5EF4-FFF2-40B4-BE49-F238E27FC236}">
+                <a16:creationId xmlns:a16="http://schemas.microsoft.com/office/drawing/2014/main" id="{E8395635-868F-6548-9B58-8E869A22BD47}"/>
+              </a:ext>
+            </a:extLst>
+          </p:cNvPr>
+          <p:cNvGraphicFramePr>
+            <a:graphicFrameLocks noGrp="1"/>
+          </p:cNvGraphicFramePr>
+          <p:nvPr>
+            <p:extLst>
+              <p:ext uri="{D42A27DB-BD31-4B8C-83A1-F6EECF244321}">
+                <p14:modId xmlns:p14="http://schemas.microsoft.com/office/powerpoint/2010/main" val="209029473"/>
+              </p:ext>
+            </p:extLst>
+          </p:nvPr>
+        </p:nvGraphicFramePr>
+        <p:xfrm>
+          <a:off x="8704262" y="1679188"/>
+          <a:ext cx="2617026" cy="3653612"/>
+        </p:xfrm>
+        <a:graphic>
+          <a:graphicData uri="http://schemas.openxmlformats.org/drawingml/2006/table">
+            <a:tbl>
+              <a:tblPr firstRow="1" bandRow="1">
+                <a:tableStyleId>{5C22544A-7EE6-4342-B048-85BDC9FD1C3A}</a:tableStyleId>
+              </a:tblPr>
+              <a:tblGrid>
+                <a:gridCol w="1839786">
+                  <a:extLst>
+                    <a:ext uri="{9D8B030D-6E8A-4147-A177-3AD203B41FA5}">
+                      <a16:colId xmlns:a16="http://schemas.microsoft.com/office/drawing/2014/main" val="844011352"/>
+                    </a:ext>
+                  </a:extLst>
+                </a:gridCol>
+                <a:gridCol w="777240">
+                  <a:extLst>
+                    <a:ext uri="{9D8B030D-6E8A-4147-A177-3AD203B41FA5}">
+                      <a16:colId xmlns:a16="http://schemas.microsoft.com/office/drawing/2014/main" val="3467470163"/>
+                    </a:ext>
+                  </a:extLst>
+                </a:gridCol>
+              </a:tblGrid>
+              <a:tr h="213452">
+                <a:tc>
+                  <a:txBody>
+                    <a:bodyPr/>
+                    <a:lstStyle/>
+                    <a:p>
+                      <a:r>
+                        <a:rPr lang="en-US" sz="1100"/>
+                        <a:t>Attribute</a:t>
+                      </a:r>
+                    </a:p>
+                  </a:txBody>
+                  <a:tcPr marL="54381" marR="54381" marT="27190" marB="27190"/>
+                </a:tc>
+                <a:tc>
+                  <a:txBody>
+                    <a:bodyPr/>
+                    <a:lstStyle/>
+                    <a:p>
+                      <a:r>
+                        <a:rPr lang="en-US" sz="1100"/>
+                        <a:t>Entry</a:t>
+                      </a:r>
+                    </a:p>
+                  </a:txBody>
+                  <a:tcPr marL="54381" marR="54381" marT="27190" marB="27190"/>
+                </a:tc>
+                <a:extLst>
+                  <a:ext uri="{0D108BD9-81ED-4DB2-BD59-A6C34878D82A}">
+                    <a16:rowId xmlns:a16="http://schemas.microsoft.com/office/drawing/2014/main" val="2226192427"/>
+                  </a:ext>
+                </a:extLst>
+              </a:tr>
+              <a:tr h="190644">
+                <a:tc>
+                  <a:txBody>
+                    <a:bodyPr/>
+                    <a:lstStyle/>
+                    <a:p>
+                      <a:pPr algn="l" fontAlgn="b"/>
+                      <a:r>
+                        <a:rPr lang="en-US" sz="700" b="0" i="0" u="none" strike="noStrike" err="1">
+                          <a:solidFill>
+                            <a:srgbClr val="000000"/>
+                          </a:solidFill>
+                          <a:effectLst/>
+                          <a:latin typeface="Arial" panose="020B0604020202020204" pitchFamily="34" charset="0"/>
+                        </a:rPr>
+                        <a:t>delivery_id</a:t>
+                      </a:r>
+                      <a:endParaRPr lang="en-US" sz="700" b="0" i="0" u="none" strike="noStrike">
+                        <a:solidFill>
+                          <a:srgbClr val="000000"/>
+                        </a:solidFill>
+                        <a:effectLst/>
+                        <a:latin typeface="Arial" panose="020B0604020202020204" pitchFamily="34" charset="0"/>
+                      </a:endParaRPr>
+                    </a:p>
+                  </a:txBody>
+                  <a:tcPr marL="5665" marR="5665" marT="5665" marB="0" anchor="ctr"/>
+                </a:tc>
+                <a:tc>
+                  <a:txBody>
+                    <a:bodyPr/>
+                    <a:lstStyle/>
+                    <a:p>
+                      <a:pPr algn="l" fontAlgn="b"/>
+                      <a:r>
+                        <a:rPr lang="en-US" sz="700" b="0" i="0" u="none" strike="noStrike">
+                          <a:solidFill>
+                            <a:srgbClr val="000000"/>
+                          </a:solidFill>
+                          <a:effectLst/>
+                          <a:latin typeface="Arial" panose="020B0604020202020204" pitchFamily="34" charset="0"/>
+                        </a:rPr>
+                        <a:t>1476547</a:t>
+                      </a:r>
+                    </a:p>
+                  </a:txBody>
+                  <a:tcPr marL="5665" marR="5665" marT="5665" marB="0" anchor="ctr"/>
+                </a:tc>
+                <a:extLst>
+                  <a:ext uri="{0D108BD9-81ED-4DB2-BD59-A6C34878D82A}">
+                    <a16:rowId xmlns:a16="http://schemas.microsoft.com/office/drawing/2014/main" val="3460892982"/>
+                  </a:ext>
+                </a:extLst>
+              </a:tr>
+              <a:tr h="190644">
+                <a:tc>
+                  <a:txBody>
+                    <a:bodyPr/>
+                    <a:lstStyle/>
+                    <a:p>
+                      <a:pPr algn="l" fontAlgn="b"/>
+                      <a:r>
+                        <a:rPr lang="en-US" sz="700" b="0" i="0" u="none" strike="noStrike" err="1">
+                          <a:solidFill>
+                            <a:srgbClr val="000000"/>
+                          </a:solidFill>
+                          <a:effectLst/>
+                          <a:latin typeface="Arial" panose="020B0604020202020204" pitchFamily="34" charset="0"/>
+                        </a:rPr>
+                        <a:t>customer_id</a:t>
+                      </a:r>
+                      <a:endParaRPr lang="en-US" sz="700" b="0" i="0" u="none" strike="noStrike">
+                        <a:solidFill>
+                          <a:srgbClr val="000000"/>
+                        </a:solidFill>
+                        <a:effectLst/>
+                        <a:latin typeface="Arial" panose="020B0604020202020204" pitchFamily="34" charset="0"/>
+                      </a:endParaRPr>
+                    </a:p>
+                  </a:txBody>
+                  <a:tcPr marL="5665" marR="5665" marT="5665" marB="0" anchor="ctr"/>
+                </a:tc>
+                <a:tc>
+                  <a:txBody>
+                    <a:bodyPr/>
+                    <a:lstStyle/>
+                    <a:p>
+                      <a:pPr algn="l" fontAlgn="b"/>
+                      <a:r>
+                        <a:rPr lang="en-US" sz="700" b="0" i="0" u="none" strike="noStrike">
+                          <a:solidFill>
+                            <a:srgbClr val="000000"/>
+                          </a:solidFill>
+                          <a:effectLst/>
+                          <a:latin typeface="Arial" panose="020B0604020202020204" pitchFamily="34" charset="0"/>
+                        </a:rPr>
+                        <a:t>83095</a:t>
+                      </a:r>
+                    </a:p>
+                  </a:txBody>
+                  <a:tcPr marL="5665" marR="5665" marT="5665" marB="0" anchor="ctr"/>
+                </a:tc>
+                <a:extLst>
+                  <a:ext uri="{0D108BD9-81ED-4DB2-BD59-A6C34878D82A}">
+                    <a16:rowId xmlns:a16="http://schemas.microsoft.com/office/drawing/2014/main" val="4049968888"/>
+                  </a:ext>
+                </a:extLst>
+              </a:tr>
+              <a:tr h="190644">
+                <a:tc>
+                  <a:txBody>
+                    <a:bodyPr/>
+                    <a:lstStyle/>
+                    <a:p>
+                      <a:pPr algn="l" fontAlgn="b"/>
+                      <a:r>
+                        <a:rPr lang="en-US" sz="700" b="0" i="0" u="none" strike="noStrike">
+                          <a:solidFill>
+                            <a:srgbClr val="000000"/>
+                          </a:solidFill>
+                          <a:effectLst/>
+                          <a:latin typeface="Arial" panose="020B0604020202020204" pitchFamily="34" charset="0"/>
+                        </a:rPr>
+                        <a:t>jumpman_id</a:t>
+                      </a:r>
+                    </a:p>
+                  </a:txBody>
+                  <a:tcPr marL="5665" marR="5665" marT="5665" marB="0" anchor="ctr"/>
+                </a:tc>
+                <a:tc>
+                  <a:txBody>
+                    <a:bodyPr/>
+                    <a:lstStyle/>
+                    <a:p>
+                      <a:pPr algn="l" fontAlgn="b"/>
+                      <a:r>
+                        <a:rPr lang="en-US" sz="700" b="0" i="0" u="none" strike="noStrike">
+                          <a:solidFill>
+                            <a:srgbClr val="000000"/>
+                          </a:solidFill>
+                          <a:effectLst/>
+                          <a:latin typeface="Arial" panose="020B0604020202020204" pitchFamily="34" charset="0"/>
+                        </a:rPr>
+                        <a:t>132725</a:t>
+                      </a:r>
+                    </a:p>
+                  </a:txBody>
+                  <a:tcPr marL="5665" marR="5665" marT="5665" marB="0" anchor="ctr"/>
+                </a:tc>
+                <a:extLst>
+                  <a:ext uri="{0D108BD9-81ED-4DB2-BD59-A6C34878D82A}">
+                    <a16:rowId xmlns:a16="http://schemas.microsoft.com/office/drawing/2014/main" val="3865530348"/>
+                  </a:ext>
+                </a:extLst>
+              </a:tr>
+              <a:tr h="190644">
+                <a:tc>
+                  <a:txBody>
+                    <a:bodyPr/>
+                    <a:lstStyle/>
+                    <a:p>
+                      <a:pPr algn="l" fontAlgn="b"/>
+                      <a:r>
+                        <a:rPr lang="en-US" sz="700" b="0" i="0" u="none" strike="noStrike">
+                          <a:solidFill>
+                            <a:srgbClr val="000000"/>
+                          </a:solidFill>
+                          <a:effectLst/>
+                          <a:latin typeface="Arial" panose="020B0604020202020204" pitchFamily="34" charset="0"/>
+                        </a:rPr>
+                        <a:t>vehicle_type</a:t>
+                      </a:r>
+                    </a:p>
+                  </a:txBody>
+                  <a:tcPr marL="5665" marR="5665" marT="5665" marB="0" anchor="ctr"/>
+                </a:tc>
+                <a:tc>
+                  <a:txBody>
+                    <a:bodyPr/>
+                    <a:lstStyle/>
+                    <a:p>
+                      <a:pPr algn="l" fontAlgn="b"/>
+                      <a:r>
+                        <a:rPr lang="en-US" sz="700" b="0" i="0" u="none" strike="noStrike">
+                          <a:solidFill>
+                            <a:srgbClr val="000000"/>
+                          </a:solidFill>
+                          <a:effectLst/>
+                          <a:latin typeface="Arial" panose="020B0604020202020204" pitchFamily="34" charset="0"/>
+                        </a:rPr>
+                        <a:t>bicycle</a:t>
+                      </a:r>
+                    </a:p>
+                  </a:txBody>
+                  <a:tcPr marL="5665" marR="5665" marT="5665" marB="0" anchor="ctr"/>
+                </a:tc>
+                <a:extLst>
+                  <a:ext uri="{0D108BD9-81ED-4DB2-BD59-A6C34878D82A}">
+                    <a16:rowId xmlns:a16="http://schemas.microsoft.com/office/drawing/2014/main" val="1400598826"/>
+                  </a:ext>
+                </a:extLst>
+              </a:tr>
+              <a:tr h="190644">
+                <a:tc>
+                  <a:txBody>
+                    <a:bodyPr/>
+                    <a:lstStyle/>
+                    <a:p>
+                      <a:pPr algn="l" fontAlgn="b"/>
+                      <a:r>
+                        <a:rPr lang="en-US" sz="700" b="0" i="0" u="none" strike="noStrike">
+                          <a:solidFill>
+                            <a:srgbClr val="000000"/>
+                          </a:solidFill>
+                          <a:effectLst/>
+                          <a:latin typeface="Arial" panose="020B0604020202020204" pitchFamily="34" charset="0"/>
+                        </a:rPr>
+                        <a:t>pickup_place</a:t>
+                      </a:r>
+                    </a:p>
+                  </a:txBody>
+                  <a:tcPr marL="5665" marR="5665" marT="5665" marB="0" anchor="ctr"/>
+                </a:tc>
+                <a:tc>
+                  <a:txBody>
+                    <a:bodyPr/>
+                    <a:lstStyle/>
+                    <a:p>
+                      <a:pPr algn="l" fontAlgn="b"/>
+                      <a:r>
+                        <a:rPr lang="en-US" sz="700" b="0" i="0" u="none" strike="noStrike" err="1">
+                          <a:solidFill>
+                            <a:srgbClr val="000000"/>
+                          </a:solidFill>
+                          <a:effectLst/>
+                          <a:latin typeface="Arial" panose="020B0604020202020204" pitchFamily="34" charset="0"/>
+                        </a:rPr>
+                        <a:t>Bareburger</a:t>
+                      </a:r>
+                      <a:endParaRPr lang="en-US" sz="700" b="0" i="0" u="none" strike="noStrike">
+                        <a:solidFill>
+                          <a:srgbClr val="000000"/>
+                        </a:solidFill>
+                        <a:effectLst/>
+                        <a:latin typeface="Arial" panose="020B0604020202020204" pitchFamily="34" charset="0"/>
+                      </a:endParaRPr>
+                    </a:p>
+                  </a:txBody>
+                  <a:tcPr marL="5665" marR="5665" marT="5665" marB="0" anchor="ctr"/>
+                </a:tc>
+                <a:extLst>
+                  <a:ext uri="{0D108BD9-81ED-4DB2-BD59-A6C34878D82A}">
+                    <a16:rowId xmlns:a16="http://schemas.microsoft.com/office/drawing/2014/main" val="2576138324"/>
+                  </a:ext>
+                </a:extLst>
+              </a:tr>
+              <a:tr h="190644">
+                <a:tc>
+                  <a:txBody>
+                    <a:bodyPr/>
+                    <a:lstStyle/>
+                    <a:p>
+                      <a:pPr algn="l" fontAlgn="b"/>
+                      <a:r>
+                        <a:rPr lang="en-US" sz="700" b="0" i="0" u="none" strike="noStrike" err="1">
+                          <a:solidFill>
+                            <a:srgbClr val="000000"/>
+                          </a:solidFill>
+                          <a:effectLst/>
+                          <a:latin typeface="Arial" panose="020B0604020202020204" pitchFamily="34" charset="0"/>
+                        </a:rPr>
+                        <a:t>place_category</a:t>
+                      </a:r>
+                      <a:endParaRPr lang="en-US" sz="700" b="0" i="0" u="none" strike="noStrike">
+                        <a:solidFill>
+                          <a:srgbClr val="000000"/>
+                        </a:solidFill>
+                        <a:effectLst/>
+                        <a:latin typeface="Arial" panose="020B0604020202020204" pitchFamily="34" charset="0"/>
+                      </a:endParaRPr>
+                    </a:p>
+                  </a:txBody>
+                  <a:tcPr marL="5665" marR="5665" marT="5665" marB="0" anchor="ctr"/>
+                </a:tc>
+                <a:tc>
+                  <a:txBody>
+                    <a:bodyPr/>
+                    <a:lstStyle/>
+                    <a:p>
+                      <a:pPr algn="l" fontAlgn="b"/>
+                      <a:r>
+                        <a:rPr lang="en-US" sz="700" b="0" i="0" u="none" strike="noStrike">
+                          <a:solidFill>
+                            <a:srgbClr val="000000"/>
+                          </a:solidFill>
+                          <a:effectLst/>
+                          <a:latin typeface="Arial" panose="020B0604020202020204" pitchFamily="34" charset="0"/>
+                        </a:rPr>
+                        <a:t>Burger</a:t>
+                      </a:r>
+                    </a:p>
+                  </a:txBody>
+                  <a:tcPr marL="5665" marR="5665" marT="5665" marB="0" anchor="ctr"/>
+                </a:tc>
+                <a:extLst>
+                  <a:ext uri="{0D108BD9-81ED-4DB2-BD59-A6C34878D82A}">
+                    <a16:rowId xmlns:a16="http://schemas.microsoft.com/office/drawing/2014/main" val="3029226444"/>
+                  </a:ext>
+                </a:extLst>
+              </a:tr>
+              <a:tr h="190644">
+                <a:tc>
+                  <a:txBody>
+                    <a:bodyPr/>
+                    <a:lstStyle/>
+                    <a:p>
+                      <a:pPr algn="l" fontAlgn="b"/>
+                      <a:r>
+                        <a:rPr lang="en-US" sz="700" b="0" i="0" u="none" strike="noStrike">
+                          <a:solidFill>
+                            <a:srgbClr val="000000"/>
+                          </a:solidFill>
+                          <a:effectLst/>
+                          <a:latin typeface="Arial" panose="020B0604020202020204" pitchFamily="34" charset="0"/>
+                        </a:rPr>
+                        <a:t>item_name</a:t>
+                      </a:r>
+                    </a:p>
+                  </a:txBody>
+                  <a:tcPr marL="5665" marR="5665" marT="5665" marB="0" anchor="ctr"/>
+                </a:tc>
+                <a:tc>
+                  <a:txBody>
+                    <a:bodyPr/>
+                    <a:lstStyle/>
+                    <a:p>
+                      <a:pPr algn="l" fontAlgn="b"/>
+                      <a:r>
+                        <a:rPr lang="en-US" sz="700" b="0" i="0" u="none" strike="noStrike">
+                          <a:solidFill>
+                            <a:srgbClr val="000000"/>
+                          </a:solidFill>
+                          <a:effectLst/>
+                          <a:latin typeface="Arial" panose="020B0604020202020204" pitchFamily="34" charset="0"/>
+                        </a:rPr>
+                        <a:t>Bare Sodas</a:t>
+                      </a:r>
+                    </a:p>
+                  </a:txBody>
+                  <a:tcPr marL="5665" marR="5665" marT="5665" marB="0" anchor="ctr"/>
+                </a:tc>
+                <a:extLst>
+                  <a:ext uri="{0D108BD9-81ED-4DB2-BD59-A6C34878D82A}">
+                    <a16:rowId xmlns:a16="http://schemas.microsoft.com/office/drawing/2014/main" val="1397852573"/>
+                  </a:ext>
+                </a:extLst>
+              </a:tr>
+              <a:tr h="190644">
+                <a:tc>
+                  <a:txBody>
+                    <a:bodyPr/>
+                    <a:lstStyle/>
+                    <a:p>
+                      <a:pPr algn="l" fontAlgn="b"/>
+                      <a:r>
+                        <a:rPr lang="en-US" sz="700" b="0" i="0" u="none" strike="noStrike">
+                          <a:solidFill>
+                            <a:srgbClr val="000000"/>
+                          </a:solidFill>
+                          <a:effectLst/>
+                          <a:latin typeface="Arial" panose="020B0604020202020204" pitchFamily="34" charset="0"/>
+                        </a:rPr>
+                        <a:t>item_quantity</a:t>
+                      </a:r>
+                    </a:p>
+                  </a:txBody>
+                  <a:tcPr marL="5665" marR="5665" marT="5665" marB="0" anchor="ctr"/>
+                </a:tc>
+                <a:tc>
+                  <a:txBody>
+                    <a:bodyPr/>
+                    <a:lstStyle/>
+                    <a:p>
+                      <a:pPr algn="l" fontAlgn="b"/>
+                      <a:r>
+                        <a:rPr lang="en-US" sz="700" b="0" i="0" u="none" strike="noStrike">
+                          <a:solidFill>
+                            <a:srgbClr val="000000"/>
+                          </a:solidFill>
+                          <a:effectLst/>
+                          <a:latin typeface="Arial" panose="020B0604020202020204" pitchFamily="34" charset="0"/>
+                        </a:rPr>
+                        <a:t>1</a:t>
+                      </a:r>
+                    </a:p>
+                  </a:txBody>
+                  <a:tcPr marL="5665" marR="5665" marT="5665" marB="0" anchor="ctr"/>
+                </a:tc>
+                <a:extLst>
+                  <a:ext uri="{0D108BD9-81ED-4DB2-BD59-A6C34878D82A}">
+                    <a16:rowId xmlns:a16="http://schemas.microsoft.com/office/drawing/2014/main" val="1474757276"/>
+                  </a:ext>
+                </a:extLst>
+              </a:tr>
+              <a:tr h="190644">
+                <a:tc>
+                  <a:txBody>
+                    <a:bodyPr/>
+                    <a:lstStyle/>
+                    <a:p>
+                      <a:pPr algn="l" fontAlgn="b"/>
+                      <a:r>
+                        <a:rPr lang="en-US" sz="700" b="0" i="0" u="none" strike="noStrike" err="1">
+                          <a:solidFill>
+                            <a:srgbClr val="000000"/>
+                          </a:solidFill>
+                          <a:effectLst/>
+                          <a:latin typeface="Arial" panose="020B0604020202020204" pitchFamily="34" charset="0"/>
+                        </a:rPr>
+                        <a:t>item_category_name</a:t>
+                      </a:r>
+                      <a:endParaRPr lang="en-US" sz="700" b="0" i="0" u="none" strike="noStrike">
+                        <a:solidFill>
+                          <a:srgbClr val="000000"/>
+                        </a:solidFill>
+                        <a:effectLst/>
+                        <a:latin typeface="Arial" panose="020B0604020202020204" pitchFamily="34" charset="0"/>
+                      </a:endParaRPr>
+                    </a:p>
+                  </a:txBody>
+                  <a:tcPr marL="5665" marR="5665" marT="5665" marB="0" anchor="ctr"/>
+                </a:tc>
+                <a:tc>
+                  <a:txBody>
+                    <a:bodyPr/>
+                    <a:lstStyle/>
+                    <a:p>
+                      <a:pPr algn="l" fontAlgn="b"/>
+                      <a:r>
+                        <a:rPr lang="en-US" sz="700" b="0" i="0" u="none" strike="noStrike">
+                          <a:solidFill>
+                            <a:srgbClr val="000000"/>
+                          </a:solidFill>
+                          <a:effectLst/>
+                          <a:latin typeface="Arial" panose="020B0604020202020204" pitchFamily="34" charset="0"/>
+                        </a:rPr>
+                        <a:t>Drinks</a:t>
+                      </a:r>
+                    </a:p>
+                  </a:txBody>
+                  <a:tcPr marL="5665" marR="5665" marT="5665" marB="0" anchor="ctr"/>
+                </a:tc>
+                <a:extLst>
+                  <a:ext uri="{0D108BD9-81ED-4DB2-BD59-A6C34878D82A}">
+                    <a16:rowId xmlns:a16="http://schemas.microsoft.com/office/drawing/2014/main" val="2269621261"/>
+                  </a:ext>
+                </a:extLst>
+              </a:tr>
+              <a:tr h="190644">
+                <a:tc>
+                  <a:txBody>
+                    <a:bodyPr/>
+                    <a:lstStyle/>
+                    <a:p>
+                      <a:pPr algn="l" fontAlgn="b"/>
+                      <a:r>
+                        <a:rPr lang="en-US" sz="700" b="0" i="0" u="none" strike="noStrike">
+                          <a:solidFill>
+                            <a:srgbClr val="000000"/>
+                          </a:solidFill>
+                          <a:effectLst/>
+                          <a:latin typeface="Arial" panose="020B0604020202020204" pitchFamily="34" charset="0"/>
+                        </a:rPr>
+                        <a:t>how_long_it_took_to_order</a:t>
+                      </a:r>
+                    </a:p>
+                  </a:txBody>
+                  <a:tcPr marL="5665" marR="5665" marT="5665" marB="0" anchor="ctr"/>
+                </a:tc>
+                <a:tc>
+                  <a:txBody>
+                    <a:bodyPr/>
+                    <a:lstStyle/>
+                    <a:p>
+                      <a:pPr algn="l" fontAlgn="b"/>
+                      <a:r>
+                        <a:rPr lang="en-US" sz="700" b="0" i="0" u="none" strike="noStrike">
+                          <a:solidFill>
+                            <a:srgbClr val="000000"/>
+                          </a:solidFill>
+                          <a:effectLst/>
+                          <a:latin typeface="Arial" panose="020B0604020202020204" pitchFamily="34" charset="0"/>
+                        </a:rPr>
+                        <a:t>0:06:45</a:t>
+                      </a:r>
+                    </a:p>
+                  </a:txBody>
+                  <a:tcPr marL="9525" marR="9525" marT="9525" marB="0" anchor="ctr"/>
+                </a:tc>
+                <a:extLst>
+                  <a:ext uri="{0D108BD9-81ED-4DB2-BD59-A6C34878D82A}">
+                    <a16:rowId xmlns:a16="http://schemas.microsoft.com/office/drawing/2014/main" val="536241634"/>
+                  </a:ext>
+                </a:extLst>
+              </a:tr>
+              <a:tr h="190644">
+                <a:tc>
+                  <a:txBody>
+                    <a:bodyPr/>
+                    <a:lstStyle/>
+                    <a:p>
+                      <a:pPr algn="l" fontAlgn="b"/>
+                      <a:r>
+                        <a:rPr lang="en-US" sz="700" b="0" i="0" u="none" strike="noStrike">
+                          <a:solidFill>
+                            <a:srgbClr val="000000"/>
+                          </a:solidFill>
+                          <a:effectLst/>
+                          <a:latin typeface="Arial" panose="020B0604020202020204" pitchFamily="34" charset="0"/>
+                        </a:rPr>
+                        <a:t>pickup_lat</a:t>
+                      </a:r>
+                    </a:p>
+                  </a:txBody>
+                  <a:tcPr marL="5665" marR="5665" marT="5665" marB="0" anchor="ctr"/>
+                </a:tc>
+                <a:tc>
+                  <a:txBody>
+                    <a:bodyPr/>
+                    <a:lstStyle/>
+                    <a:p>
+                      <a:pPr algn="l" fontAlgn="b"/>
+                      <a:r>
+                        <a:rPr lang="en-US" sz="700" b="0" i="0" u="none" strike="noStrike">
+                          <a:solidFill>
+                            <a:srgbClr val="000000"/>
+                          </a:solidFill>
+                          <a:effectLst/>
+                          <a:latin typeface="Arial" panose="020B0604020202020204" pitchFamily="34" charset="0"/>
+                        </a:rPr>
+                        <a:t>40.7285</a:t>
+                      </a:r>
+                    </a:p>
+                  </a:txBody>
+                  <a:tcPr marL="5665" marR="5665" marT="5665" marB="0" anchor="ctr"/>
+                </a:tc>
+                <a:extLst>
+                  <a:ext uri="{0D108BD9-81ED-4DB2-BD59-A6C34878D82A}">
+                    <a16:rowId xmlns:a16="http://schemas.microsoft.com/office/drawing/2014/main" val="3798466228"/>
+                  </a:ext>
+                </a:extLst>
+              </a:tr>
+              <a:tr h="190644">
+                <a:tc>
+                  <a:txBody>
+                    <a:bodyPr/>
+                    <a:lstStyle/>
+                    <a:p>
+                      <a:pPr algn="l" fontAlgn="b"/>
+                      <a:r>
+                        <a:rPr lang="en-US" sz="700" b="0" i="0" u="none" strike="noStrike">
+                          <a:solidFill>
+                            <a:srgbClr val="000000"/>
+                          </a:solidFill>
+                          <a:effectLst/>
+                          <a:latin typeface="Arial" panose="020B0604020202020204" pitchFamily="34" charset="0"/>
+                        </a:rPr>
+                        <a:t>pickup_lon</a:t>
+                      </a:r>
+                    </a:p>
+                  </a:txBody>
+                  <a:tcPr marL="5665" marR="5665" marT="5665" marB="0" anchor="ctr"/>
+                </a:tc>
+                <a:tc>
+                  <a:txBody>
+                    <a:bodyPr/>
+                    <a:lstStyle/>
+                    <a:p>
+                      <a:pPr algn="l" fontAlgn="b"/>
+                      <a:r>
+                        <a:rPr lang="en-US" sz="700" b="0" i="0" u="none" strike="noStrike">
+                          <a:solidFill>
+                            <a:srgbClr val="000000"/>
+                          </a:solidFill>
+                          <a:effectLst/>
+                          <a:latin typeface="Arial" panose="020B0604020202020204" pitchFamily="34" charset="0"/>
+                        </a:rPr>
+                        <a:t>-73.9984</a:t>
+                      </a:r>
+                    </a:p>
+                  </a:txBody>
+                  <a:tcPr marL="5665" marR="5665" marT="5665" marB="0" anchor="ctr"/>
+                </a:tc>
+                <a:extLst>
+                  <a:ext uri="{0D108BD9-81ED-4DB2-BD59-A6C34878D82A}">
+                    <a16:rowId xmlns:a16="http://schemas.microsoft.com/office/drawing/2014/main" val="1683948745"/>
+                  </a:ext>
+                </a:extLst>
+              </a:tr>
+              <a:tr h="190644">
+                <a:tc>
+                  <a:txBody>
+                    <a:bodyPr/>
+                    <a:lstStyle/>
+                    <a:p>
+                      <a:pPr algn="l" fontAlgn="b"/>
+                      <a:r>
+                        <a:rPr lang="en-US" sz="700" b="0" i="0" u="none" strike="noStrike">
+                          <a:solidFill>
+                            <a:srgbClr val="000000"/>
+                          </a:solidFill>
+                          <a:effectLst/>
+                          <a:latin typeface="Arial" panose="020B0604020202020204" pitchFamily="34" charset="0"/>
+                        </a:rPr>
+                        <a:t>dropoff_lat</a:t>
+                      </a:r>
+                    </a:p>
+                  </a:txBody>
+                  <a:tcPr marL="5665" marR="5665" marT="5665" marB="0" anchor="ctr"/>
+                </a:tc>
+                <a:tc>
+                  <a:txBody>
+                    <a:bodyPr/>
+                    <a:lstStyle/>
+                    <a:p>
+                      <a:pPr algn="l" fontAlgn="b"/>
+                      <a:r>
+                        <a:rPr lang="en-US" sz="700" b="0" i="0" u="none" strike="noStrike">
+                          <a:solidFill>
+                            <a:srgbClr val="000000"/>
+                          </a:solidFill>
+                          <a:effectLst/>
+                          <a:latin typeface="Arial" panose="020B0604020202020204" pitchFamily="34" charset="0"/>
+                        </a:rPr>
+                        <a:t>40.7286</a:t>
+                      </a:r>
+                    </a:p>
+                  </a:txBody>
+                  <a:tcPr marL="5665" marR="5665" marT="5665" marB="0" anchor="ctr"/>
+                </a:tc>
+                <a:extLst>
+                  <a:ext uri="{0D108BD9-81ED-4DB2-BD59-A6C34878D82A}">
+                    <a16:rowId xmlns:a16="http://schemas.microsoft.com/office/drawing/2014/main" val="568431819"/>
+                  </a:ext>
+                </a:extLst>
+              </a:tr>
+              <a:tr h="190644">
+                <a:tc>
+                  <a:txBody>
+                    <a:bodyPr/>
+                    <a:lstStyle/>
+                    <a:p>
+                      <a:pPr algn="l" fontAlgn="b"/>
+                      <a:r>
+                        <a:rPr lang="en-US" sz="700" b="0" i="0" u="none" strike="noStrike">
+                          <a:solidFill>
+                            <a:srgbClr val="000000"/>
+                          </a:solidFill>
+                          <a:effectLst/>
+                          <a:latin typeface="Arial" panose="020B0604020202020204" pitchFamily="34" charset="0"/>
+                        </a:rPr>
+                        <a:t>dropoff_lon</a:t>
+                      </a:r>
+                    </a:p>
+                  </a:txBody>
+                  <a:tcPr marL="5665" marR="5665" marT="5665" marB="0" anchor="ctr"/>
+                </a:tc>
+                <a:tc>
+                  <a:txBody>
+                    <a:bodyPr/>
+                    <a:lstStyle/>
+                    <a:p>
+                      <a:pPr algn="l" fontAlgn="b"/>
+                      <a:r>
+                        <a:rPr lang="en-US" sz="700" b="0" i="0" u="none" strike="noStrike">
+                          <a:solidFill>
+                            <a:srgbClr val="000000"/>
+                          </a:solidFill>
+                          <a:effectLst/>
+                          <a:latin typeface="Arial" panose="020B0604020202020204" pitchFamily="34" charset="0"/>
+                        </a:rPr>
+                        <a:t>-73.9951</a:t>
+                      </a:r>
+                    </a:p>
+                  </a:txBody>
+                  <a:tcPr marL="5665" marR="5665" marT="5665" marB="0" anchor="ctr"/>
+                </a:tc>
+                <a:extLst>
+                  <a:ext uri="{0D108BD9-81ED-4DB2-BD59-A6C34878D82A}">
+                    <a16:rowId xmlns:a16="http://schemas.microsoft.com/office/drawing/2014/main" val="2841978685"/>
+                  </a:ext>
+                </a:extLst>
+              </a:tr>
+              <a:tr h="190644">
+                <a:tc>
+                  <a:txBody>
+                    <a:bodyPr/>
+                    <a:lstStyle/>
+                    <a:p>
+                      <a:pPr algn="l" fontAlgn="b"/>
+                      <a:r>
+                        <a:rPr lang="en-US" sz="700" b="0" i="0" u="none" strike="noStrike">
+                          <a:solidFill>
+                            <a:srgbClr val="000000"/>
+                          </a:solidFill>
+                          <a:effectLst/>
+                          <a:latin typeface="Arial" panose="020B0604020202020204" pitchFamily="34" charset="0"/>
+                        </a:rPr>
+                        <a:t>when_the_delivery_started</a:t>
+                      </a:r>
+                    </a:p>
+                  </a:txBody>
+                  <a:tcPr marL="5665" marR="5665" marT="5665" marB="0" anchor="ctr"/>
+                </a:tc>
+                <a:tc>
+                  <a:txBody>
+                    <a:bodyPr/>
+                    <a:lstStyle/>
+                    <a:p>
+                      <a:pPr algn="l" fontAlgn="b"/>
+                      <a:r>
+                        <a:rPr lang="en-US" sz="700" b="0" i="0" u="none" strike="noStrike">
+                          <a:solidFill>
+                            <a:srgbClr val="000000"/>
+                          </a:solidFill>
+                          <a:effectLst/>
+                          <a:latin typeface="Arial" panose="020B0604020202020204" pitchFamily="34" charset="0"/>
+                        </a:rPr>
+                        <a:t>10/28/14 21:39</a:t>
+                      </a:r>
+                    </a:p>
+                  </a:txBody>
+                  <a:tcPr marL="5665" marR="5665" marT="5665" marB="0" anchor="ctr"/>
+                </a:tc>
+                <a:extLst>
+                  <a:ext uri="{0D108BD9-81ED-4DB2-BD59-A6C34878D82A}">
+                    <a16:rowId xmlns:a16="http://schemas.microsoft.com/office/drawing/2014/main" val="4158170500"/>
+                  </a:ext>
+                </a:extLst>
+              </a:tr>
+              <a:tr h="190644">
+                <a:tc>
+                  <a:txBody>
+                    <a:bodyPr/>
+                    <a:lstStyle/>
+                    <a:p>
+                      <a:pPr algn="l" fontAlgn="b"/>
+                      <a:r>
+                        <a:rPr lang="en-US" sz="700" b="0" i="0" u="none" strike="noStrike">
+                          <a:solidFill>
+                            <a:srgbClr val="000000"/>
+                          </a:solidFill>
+                          <a:effectLst/>
+                          <a:latin typeface="Arial" panose="020B0604020202020204" pitchFamily="34" charset="0"/>
+                        </a:rPr>
+                        <a:t>when_the_Jumpman_arrived_at_pickup</a:t>
+                      </a:r>
+                    </a:p>
+                  </a:txBody>
+                  <a:tcPr marL="5665" marR="5665" marT="5665" marB="0" anchor="ctr"/>
+                </a:tc>
+                <a:tc>
+                  <a:txBody>
+                    <a:bodyPr/>
+                    <a:lstStyle/>
+                    <a:p>
+                      <a:pPr algn="l" fontAlgn="b"/>
+                      <a:r>
+                        <a:rPr lang="en-US" sz="700" b="0" i="0" u="none" strike="noStrike">
+                          <a:solidFill>
+                            <a:srgbClr val="000000"/>
+                          </a:solidFill>
+                          <a:effectLst/>
+                          <a:latin typeface="Arial" panose="020B0604020202020204" pitchFamily="34" charset="0"/>
+                        </a:rPr>
+                        <a:t>10/28/14 21:37</a:t>
+                      </a:r>
+                    </a:p>
+                  </a:txBody>
+                  <a:tcPr marL="5665" marR="5665" marT="5665" marB="0" anchor="ctr"/>
+                </a:tc>
+                <a:extLst>
+                  <a:ext uri="{0D108BD9-81ED-4DB2-BD59-A6C34878D82A}">
+                    <a16:rowId xmlns:a16="http://schemas.microsoft.com/office/drawing/2014/main" val="2140023924"/>
+                  </a:ext>
+                </a:extLst>
+              </a:tr>
+              <a:tr h="190644">
+                <a:tc>
+                  <a:txBody>
+                    <a:bodyPr/>
+                    <a:lstStyle/>
+                    <a:p>
+                      <a:pPr algn="l" fontAlgn="b"/>
+                      <a:r>
+                        <a:rPr lang="en-US" sz="700" b="0" i="0" u="none" strike="noStrike">
+                          <a:solidFill>
+                            <a:srgbClr val="000000"/>
+                          </a:solidFill>
+                          <a:effectLst/>
+                          <a:latin typeface="Arial" panose="020B0604020202020204" pitchFamily="34" charset="0"/>
+                        </a:rPr>
+                        <a:t>when_the_Jumpman_left_pickup</a:t>
+                      </a:r>
+                    </a:p>
+                  </a:txBody>
+                  <a:tcPr marL="5665" marR="5665" marT="5665" marB="0" anchor="ctr"/>
+                </a:tc>
+                <a:tc>
+                  <a:txBody>
+                    <a:bodyPr/>
+                    <a:lstStyle/>
+                    <a:p>
+                      <a:pPr algn="l" fontAlgn="b"/>
+                      <a:r>
+                        <a:rPr lang="en-US" sz="700" b="0" i="0" u="none" strike="noStrike">
+                          <a:solidFill>
+                            <a:srgbClr val="000000"/>
+                          </a:solidFill>
+                          <a:effectLst/>
+                          <a:latin typeface="Arial" panose="020B0604020202020204" pitchFamily="34" charset="0"/>
+                        </a:rPr>
+                        <a:t>10/28/14 21:59</a:t>
+                      </a:r>
+                    </a:p>
+                  </a:txBody>
+                  <a:tcPr marL="5665" marR="5665" marT="5665" marB="0" anchor="ctr"/>
+                </a:tc>
+                <a:extLst>
+                  <a:ext uri="{0D108BD9-81ED-4DB2-BD59-A6C34878D82A}">
+                    <a16:rowId xmlns:a16="http://schemas.microsoft.com/office/drawing/2014/main" val="1935126913"/>
+                  </a:ext>
+                </a:extLst>
+              </a:tr>
+              <a:tr h="190644">
+                <a:tc>
+                  <a:txBody>
+                    <a:bodyPr/>
+                    <a:lstStyle/>
+                    <a:p>
+                      <a:pPr algn="l" fontAlgn="b"/>
+                      <a:r>
+                        <a:rPr lang="en-US" sz="700" b="0" i="0" u="none" strike="noStrike" err="1">
+                          <a:solidFill>
+                            <a:srgbClr val="000000"/>
+                          </a:solidFill>
+                          <a:effectLst/>
+                          <a:latin typeface="Arial" panose="020B0604020202020204" pitchFamily="34" charset="0"/>
+                        </a:rPr>
+                        <a:t>when_the_Jumpman_arrived_at_dropoff</a:t>
+                      </a:r>
+                      <a:endParaRPr lang="en-US" sz="700" b="0" i="0" u="none" strike="noStrike">
+                        <a:solidFill>
+                          <a:srgbClr val="000000"/>
+                        </a:solidFill>
+                        <a:effectLst/>
+                        <a:latin typeface="Arial" panose="020B0604020202020204" pitchFamily="34" charset="0"/>
+                      </a:endParaRPr>
+                    </a:p>
+                  </a:txBody>
+                  <a:tcPr marL="5665" marR="5665" marT="5665" marB="0" anchor="ctr"/>
+                </a:tc>
+                <a:tc>
+                  <a:txBody>
+                    <a:bodyPr/>
+                    <a:lstStyle/>
+                    <a:p>
+                      <a:pPr algn="l" fontAlgn="b"/>
+                      <a:r>
+                        <a:rPr lang="en-US" sz="700" b="0" i="0" u="none" strike="noStrike">
+                          <a:solidFill>
+                            <a:srgbClr val="000000"/>
+                          </a:solidFill>
+                          <a:effectLst/>
+                          <a:latin typeface="Arial" panose="020B0604020202020204" pitchFamily="34" charset="0"/>
+                        </a:rPr>
+                        <a:t>10/28/14 22:04</a:t>
+                      </a:r>
+                    </a:p>
+                  </a:txBody>
+                  <a:tcPr marL="5665" marR="5665" marT="5665" marB="0" anchor="ctr"/>
+                </a:tc>
+                <a:extLst>
+                  <a:ext uri="{0D108BD9-81ED-4DB2-BD59-A6C34878D82A}">
+                    <a16:rowId xmlns:a16="http://schemas.microsoft.com/office/drawing/2014/main" val="3447613622"/>
+                  </a:ext>
+                </a:extLst>
+              </a:tr>
+            </a:tbl>
+          </a:graphicData>
+        </a:graphic>
+      </p:graphicFrame>
     </p:spTree>
     <p:extLst>
       <p:ext uri="{BB962C8B-B14F-4D97-AF65-F5344CB8AC3E}">
@@ -11120,7 +11468,7 @@
 </p:sld>
 </file>
 
-<file path=ppt/slides/slide13.xml><?xml version="1.0" encoding="utf-8"?>
+<file path=ppt/slides/slide14.xml><?xml version="1.0" encoding="utf-8"?>
 <p:sld xmlns:a="http://schemas.openxmlformats.org/drawingml/2006/main" xmlns:r="http://schemas.openxmlformats.org/officeDocument/2006/relationships" xmlns:p="http://schemas.openxmlformats.org/presentationml/2006/main">
   <p:cSld>
     <p:spTree>
@@ -11159,7 +11507,7 @@
           <a:lstStyle/>
           <a:p>
             <a:r>
-              <a:rPr lang="en-US" dirty="0"/>
+              <a:rPr lang="en-US"/>
               <a:t>Popular Pickup &amp; Dropoff Locations</a:t>
             </a:r>
           </a:p>
@@ -11213,7 +11561,7 @@
 </p:sld>
 </file>
 
-<file path=ppt/slides/slide14.xml><?xml version="1.0" encoding="utf-8"?>
+<file path=ppt/slides/slide15.xml><?xml version="1.0" encoding="utf-8"?>
 <p:sld xmlns:a="http://schemas.openxmlformats.org/drawingml/2006/main" xmlns:r="http://schemas.openxmlformats.org/officeDocument/2006/relationships" xmlns:p="http://schemas.openxmlformats.org/presentationml/2006/main">
   <p:cSld>
     <p:spTree>
@@ -11328,7 +11676,7 @@
 </p:sld>
 </file>
 
-<file path=ppt/slides/slide15.xml><?xml version="1.0" encoding="utf-8"?>
+<file path=ppt/slides/slide16.xml><?xml version="1.0" encoding="utf-8"?>
 <p:sld xmlns:a="http://schemas.openxmlformats.org/drawingml/2006/main" xmlns:r="http://schemas.openxmlformats.org/officeDocument/2006/relationships" xmlns:p="http://schemas.openxmlformats.org/presentationml/2006/main">
   <p:cSld>
     <p:spTree>
@@ -11367,15 +11715,15 @@
           <a:lstStyle/>
           <a:p>
             <a:r>
-              <a:rPr lang="en-US" dirty="0"/>
+              <a:rPr lang="en-US"/>
               <a:t>Who are the </a:t>
             </a:r>
             <a:r>
-              <a:rPr lang="en-US" dirty="0" err="1"/>
+              <a:rPr lang="en-US" err="1"/>
               <a:t>Jumpmen</a:t>
             </a:r>
             <a:r>
-              <a:rPr lang="en-US" dirty="0"/>
+              <a:rPr lang="en-US"/>
               <a:t>?</a:t>
             </a:r>
           </a:p>
@@ -11415,7 +11763,7 @@
           <a:p>
             <a:pPr algn="ctr"/>
             <a:r>
-              <a:rPr lang="en-US" sz="1400" dirty="0"/>
+              <a:rPr lang="en-US" sz="1400"/>
               <a:t>Avg. = 8.4</a:t>
             </a:r>
           </a:p>
@@ -11455,7 +11803,7 @@
           <a:p>
             <a:pPr algn="ctr"/>
             <a:r>
-              <a:rPr lang="en-US" sz="1400" dirty="0"/>
+              <a:rPr lang="en-US" sz="1400"/>
               <a:t>Max = 59</a:t>
             </a:r>
           </a:p>
@@ -11494,15 +11842,15 @@
               <a:buChar char="•"/>
             </a:pPr>
             <a:r>
-              <a:rPr lang="en-US" sz="1400" dirty="0"/>
+              <a:rPr lang="en-US" sz="1400"/>
               <a:t>565 </a:t>
             </a:r>
             <a:r>
-              <a:rPr lang="en-US" sz="1400" dirty="0" err="1"/>
+              <a:rPr lang="en-US" sz="1400" err="1"/>
               <a:t>Jumpmen</a:t>
             </a:r>
             <a:r>
-              <a:rPr lang="en-US" sz="1400" dirty="0"/>
+              <a:rPr lang="en-US" sz="1400"/>
               <a:t> completed 4,719 deliveries in October 2014</a:t>
             </a:r>
           </a:p>
@@ -11512,12 +11860,12 @@
               <a:buChar char="•"/>
             </a:pPr>
             <a:r>
-              <a:rPr lang="en-US" sz="1400" dirty="0"/>
+              <a:rPr lang="en-US" sz="1400"/>
               <a:t>Half completed 5 deliveries or more</a:t>
             </a:r>
           </a:p>
           <a:p>
-            <a:endParaRPr lang="en-US" sz="1400" dirty="0"/>
+            <a:endParaRPr lang="en-US" sz="1400"/>
           </a:p>
         </p:txBody>
       </p:sp>
@@ -11559,7 +11907,7 @@
 </p:sld>
 </file>
 
-<file path=ppt/slides/slide16.xml><?xml version="1.0" encoding="utf-8"?>
+<file path=ppt/slides/slide17.xml><?xml version="1.0" encoding="utf-8"?>
 <p:sld xmlns:a="http://schemas.openxmlformats.org/drawingml/2006/main" xmlns:r="http://schemas.openxmlformats.org/officeDocument/2006/relationships" xmlns:p="http://schemas.openxmlformats.org/presentationml/2006/main">
   <p:cSld>
     <p:spTree>
@@ -11598,8 +11946,8 @@
           <a:lstStyle/>
           <a:p>
             <a:r>
-              <a:rPr lang="en-US" dirty="0"/>
-              <a:t>Growth Strategy</a:t>
+              <a:rPr lang="en-US"/>
+              <a:t>05 Growth Strategy</a:t>
             </a:r>
           </a:p>
         </p:txBody>
@@ -11626,25 +11974,25 @@
           <a:lstStyle/>
           <a:p>
             <a:r>
-              <a:rPr lang="en-US" dirty="0"/>
+              <a:rPr lang="en-US"/>
               <a:t>Minimize wait times for Postmen. Recommend partnership with restaurants to minimize wasted time. </a:t>
             </a:r>
           </a:p>
           <a:p>
             <a:r>
-              <a:rPr lang="en-US" dirty="0"/>
+              <a:rPr lang="en-US"/>
               <a:t>Target untapped Zip Codes. </a:t>
             </a:r>
           </a:p>
           <a:p>
             <a:r>
-              <a:rPr lang="en-US" dirty="0"/>
+              <a:rPr lang="en-US"/>
               <a:t>Do customers leave the platform after a long wait time?</a:t>
             </a:r>
           </a:p>
           <a:p>
             <a:r>
-              <a:rPr lang="en-US" dirty="0"/>
+              <a:rPr lang="en-US"/>
               <a:t>Time is everything. Seek to minimize the time spent waiting at the business. Consider a partnership model with the most frequented businesses to expedite this part of the equation.</a:t>
             </a:r>
           </a:p>
@@ -11663,7 +12011,7 @@
 </p:sld>
 </file>
 
-<file path=ppt/slides/slide17.xml><?xml version="1.0" encoding="utf-8"?>
+<file path=ppt/slides/slide18.xml><?xml version="1.0" encoding="utf-8"?>
 <p:sld xmlns:a="http://schemas.openxmlformats.org/drawingml/2006/main" xmlns:r="http://schemas.openxmlformats.org/officeDocument/2006/relationships" xmlns:p="http://schemas.openxmlformats.org/presentationml/2006/main">
   <p:cSld>
     <p:spTree>
@@ -11702,8 +12050,8 @@
           <a:lstStyle/>
           <a:p>
             <a:r>
-              <a:rPr lang="en-US" dirty="0"/>
-              <a:t>Growth Opportunities</a:t>
+              <a:rPr lang="en-US"/>
+              <a:t>05 Growth Opportunities</a:t>
             </a:r>
           </a:p>
         </p:txBody>
@@ -11723,14 +12071,14 @@
           <p:nvPr>
             <p:extLst>
               <p:ext uri="{D42A27DB-BD31-4B8C-83A1-F6EECF244321}">
-                <p14:modId xmlns:p14="http://schemas.microsoft.com/office/powerpoint/2010/main" val="3015374811"/>
+                <p14:modId xmlns:p14="http://schemas.microsoft.com/office/powerpoint/2010/main" val="3910821783"/>
               </p:ext>
             </p:extLst>
           </p:nvPr>
         </p:nvGraphicFramePr>
         <p:xfrm>
-          <a:off x="324856" y="1690688"/>
-          <a:ext cx="3958390" cy="4366600"/>
+          <a:off x="324854" y="1690688"/>
+          <a:ext cx="4575759" cy="4458040"/>
         </p:xfrm>
         <a:graphic>
           <a:graphicData uri="http://schemas.openxmlformats.org/drawingml/2006/table">
@@ -11739,28 +12087,28 @@
                 <a:tableStyleId>{5C22544A-7EE6-4342-B048-85BDC9FD1C3A}</a:tableStyleId>
               </a:tblPr>
               <a:tblGrid>
-                <a:gridCol w="894347">
+                <a:gridCol w="985412">
                   <a:extLst>
                     <a:ext uri="{9D8B030D-6E8A-4147-A177-3AD203B41FA5}">
                       <a16:colId xmlns:a16="http://schemas.microsoft.com/office/drawing/2014/main" val="267374531"/>
                     </a:ext>
                   </a:extLst>
                 </a:gridCol>
-                <a:gridCol w="1187116">
+                <a:gridCol w="1307991">
                   <a:extLst>
                     <a:ext uri="{9D8B030D-6E8A-4147-A177-3AD203B41FA5}">
                       <a16:colId xmlns:a16="http://schemas.microsoft.com/office/drawing/2014/main" val="975810304"/>
                     </a:ext>
                   </a:extLst>
                 </a:gridCol>
-                <a:gridCol w="866274">
+                <a:gridCol w="1054325">
                   <a:extLst>
                     <a:ext uri="{9D8B030D-6E8A-4147-A177-3AD203B41FA5}">
                       <a16:colId xmlns:a16="http://schemas.microsoft.com/office/drawing/2014/main" val="3737206079"/>
                     </a:ext>
                   </a:extLst>
                 </a:gridCol>
-                <a:gridCol w="1010653">
+                <a:gridCol w="1228031">
                   <a:extLst>
                     <a:ext uri="{9D8B030D-6E8A-4147-A177-3AD203B41FA5}">
                       <a16:colId xmlns:a16="http://schemas.microsoft.com/office/drawing/2014/main" val="2957826634"/>
@@ -11776,7 +12124,7 @@
                     <a:p>
                       <a:pPr algn="l"/>
                       <a:r>
-                        <a:rPr lang="en-US" sz="1200" dirty="0"/>
+                        <a:rPr lang="en-US" sz="1400"/>
                         <a:t>Zip Code</a:t>
                       </a:r>
                     </a:p>
@@ -11790,14 +12138,14 @@
                     <a:p>
                       <a:pPr algn="ctr"/>
                       <a:r>
-                        <a:rPr lang="en-US" sz="1200" dirty="0"/>
+                        <a:rPr lang="en-US" sz="1400"/>
                         <a:t>Estimated</a:t>
                       </a:r>
                     </a:p>
                     <a:p>
                       <a:pPr algn="ctr"/>
                       <a:r>
-                        <a:rPr lang="en-US" sz="1200" dirty="0"/>
+                        <a:rPr lang="en-US" sz="1400"/>
                         <a:t>Population</a:t>
                       </a:r>
                     </a:p>
@@ -11811,7 +12159,7 @@
                     <a:p>
                       <a:pPr algn="ctr"/>
                       <a:r>
-                        <a:rPr lang="en-US" sz="1200" dirty="0"/>
+                        <a:rPr lang="en-US" sz="1400"/>
                         <a:t># Unique Customers</a:t>
                       </a:r>
                     </a:p>
@@ -11825,14 +12173,14 @@
                     <a:p>
                       <a:pPr algn="ctr"/>
                       <a:r>
-                        <a:rPr lang="en-US" sz="1200" dirty="0"/>
+                        <a:rPr lang="en-US" sz="1400"/>
                         <a:t>Market Penetration</a:t>
                       </a:r>
                     </a:p>
                     <a:p>
                       <a:pPr algn="ctr"/>
                       <a:r>
-                        <a:rPr lang="en-US" sz="1200" dirty="0"/>
+                        <a:rPr lang="en-US" sz="1400"/>
                         <a:t>X 10</a:t>
                       </a:r>
                     </a:p>
@@ -11853,7 +12201,7 @@
                     <a:p>
                       <a:pPr algn="l" fontAlgn="ctr"/>
                       <a:r>
-                        <a:rPr lang="en-US" sz="1600" b="0" dirty="0">
+                        <a:rPr lang="en-US" sz="1600" b="0">
                           <a:effectLst/>
                         </a:rPr>
                         <a:t>11226</a:t>
@@ -11869,7 +12217,7 @@
                     <a:p>
                       <a:pPr algn="ctr" rtl="0" fontAlgn="ctr"/>
                       <a:r>
-                        <a:rPr lang="en-US" sz="1600" b="0" i="0" u="none" strike="noStrike" dirty="0">
+                        <a:rPr lang="en-US" sz="1600" b="0" i="0" u="none" strike="noStrike">
                           <a:solidFill>
                             <a:schemeClr val="tx1"/>
                           </a:solidFill>
@@ -11889,7 +12237,7 @@
                     <a:p>
                       <a:pPr algn="ctr" rtl="0" fontAlgn="ctr"/>
                       <a:r>
-                        <a:rPr lang="en-US" sz="1600" b="0" i="0" u="none" strike="noStrike" dirty="0">
+                        <a:rPr lang="en-US" sz="1600" b="0" i="0" u="none" strike="noStrike">
                           <a:solidFill>
                             <a:schemeClr val="tx1"/>
                           </a:solidFill>
@@ -11936,7 +12284,7 @@
                     <a:p>
                       <a:pPr algn="l" fontAlgn="ctr"/>
                       <a:r>
-                        <a:rPr lang="en-US" sz="1600" b="0" dirty="0">
+                        <a:rPr lang="en-US" sz="1600" b="0">
                           <a:effectLst/>
                         </a:rPr>
                         <a:t>10025</a:t>
@@ -11952,7 +12300,7 @@
                     <a:p>
                       <a:pPr algn="ctr" rtl="0" fontAlgn="ctr"/>
                       <a:r>
-                        <a:rPr lang="en-US" sz="1600" b="0" i="0" u="none" strike="noStrike" dirty="0">
+                        <a:rPr lang="en-US" sz="1600" b="0" i="0" u="none" strike="noStrike">
                           <a:solidFill>
                             <a:schemeClr val="tx1"/>
                           </a:solidFill>
@@ -11972,7 +12320,7 @@
                     <a:p>
                       <a:pPr algn="ctr" rtl="0" fontAlgn="ctr"/>
                       <a:r>
-                        <a:rPr lang="en-US" sz="1600" b="0" i="0" u="none" strike="noStrike" dirty="0">
+                        <a:rPr lang="en-US" sz="1600" b="0" i="0" u="none" strike="noStrike">
                           <a:solidFill>
                             <a:schemeClr val="tx1"/>
                           </a:solidFill>
@@ -11992,7 +12340,7 @@
                     <a:p>
                       <a:pPr algn="ctr" fontAlgn="b"/>
                       <a:r>
-                        <a:rPr lang="en-US" sz="1600" b="0" i="0" u="none" strike="noStrike" dirty="0">
+                        <a:rPr lang="en-US" sz="1600" b="0" i="0" u="none" strike="noStrike">
                           <a:solidFill>
                             <a:schemeClr val="tx1"/>
                           </a:solidFill>
@@ -12019,7 +12367,7 @@
                     <a:p>
                       <a:pPr algn="l" fontAlgn="ctr"/>
                       <a:r>
-                        <a:rPr lang="en-US" sz="1600" b="0" dirty="0">
+                        <a:rPr lang="en-US" sz="1600" b="0">
                           <a:effectLst/>
                         </a:rPr>
                         <a:t>11211</a:t>
@@ -12035,7 +12383,7 @@
                     <a:p>
                       <a:pPr algn="ctr" rtl="0" fontAlgn="ctr"/>
                       <a:r>
-                        <a:rPr lang="en-US" sz="1600" b="0" i="0" u="none" strike="noStrike" dirty="0">
+                        <a:rPr lang="en-US" sz="1600" b="0" i="0" u="none" strike="noStrike">
                           <a:solidFill>
                             <a:schemeClr val="tx1"/>
                           </a:solidFill>
@@ -12055,7 +12403,7 @@
                     <a:p>
                       <a:pPr algn="ctr" rtl="0" fontAlgn="ctr"/>
                       <a:r>
-                        <a:rPr lang="en-US" sz="1600" b="0" i="0" u="none" strike="noStrike" dirty="0">
+                        <a:rPr lang="en-US" sz="1600" b="0" i="0" u="none" strike="noStrike">
                           <a:solidFill>
                             <a:schemeClr val="tx1"/>
                           </a:solidFill>
@@ -12075,7 +12423,7 @@
                     <a:p>
                       <a:pPr algn="ctr" fontAlgn="b"/>
                       <a:r>
-                        <a:rPr lang="en-US" sz="1600" b="0" i="0" u="none" strike="noStrike" dirty="0">
+                        <a:rPr lang="en-US" sz="1600" b="0" i="0" u="none" strike="noStrike">
                           <a:solidFill>
                             <a:schemeClr val="tx1"/>
                           </a:solidFill>
@@ -12102,7 +12450,7 @@
                     <a:p>
                       <a:pPr algn="l" fontAlgn="ctr"/>
                       <a:r>
-                        <a:rPr lang="en-US" sz="1600" b="0" dirty="0">
+                        <a:rPr lang="en-US" sz="1600" b="0">
                           <a:effectLst/>
                         </a:rPr>
                         <a:t>11206</a:t>
@@ -12118,7 +12466,7 @@
                     <a:p>
                       <a:pPr algn="ctr" rtl="0" fontAlgn="ctr"/>
                       <a:r>
-                        <a:rPr lang="en-US" sz="1600" b="0" i="0" u="none" strike="noStrike" dirty="0">
+                        <a:rPr lang="en-US" sz="1600" b="0" i="0" u="none" strike="noStrike">
                           <a:solidFill>
                             <a:schemeClr val="tx1"/>
                           </a:solidFill>
@@ -12138,7 +12486,7 @@
                     <a:p>
                       <a:pPr algn="ctr" rtl="0" fontAlgn="ctr"/>
                       <a:r>
-                        <a:rPr lang="en-US" sz="1600" b="0" i="0" u="none" strike="noStrike" dirty="0">
+                        <a:rPr lang="en-US" sz="1600" b="0" i="0" u="none" strike="noStrike">
                           <a:solidFill>
                             <a:schemeClr val="tx1"/>
                           </a:solidFill>
@@ -12158,7 +12506,7 @@
                     <a:p>
                       <a:pPr algn="ctr" fontAlgn="b"/>
                       <a:r>
-                        <a:rPr lang="en-US" sz="1600" b="0" i="0" u="none" strike="noStrike" dirty="0">
+                        <a:rPr lang="en-US" sz="1600" b="0" i="0" u="none" strike="noStrike">
                           <a:solidFill>
                             <a:schemeClr val="tx1"/>
                           </a:solidFill>
@@ -12185,7 +12533,7 @@
                     <a:p>
                       <a:pPr algn="l" fontAlgn="ctr"/>
                       <a:r>
-                        <a:rPr lang="en-US" sz="1600" b="0" dirty="0">
+                        <a:rPr lang="en-US" sz="1600" b="0">
                           <a:effectLst/>
                         </a:rPr>
                         <a:t>10002</a:t>
@@ -12221,7 +12569,7 @@
                     <a:p>
                       <a:pPr algn="ctr" rtl="0" fontAlgn="ctr"/>
                       <a:r>
-                        <a:rPr lang="en-US" sz="1600" b="0" i="0" u="none" strike="noStrike" dirty="0">
+                        <a:rPr lang="en-US" sz="1600" b="0" i="0" u="none" strike="noStrike">
                           <a:solidFill>
                             <a:schemeClr val="tx1"/>
                           </a:solidFill>
@@ -12241,7 +12589,7 @@
                     <a:p>
                       <a:pPr algn="ctr" fontAlgn="b"/>
                       <a:r>
-                        <a:rPr lang="en-US" sz="1600" b="0" i="0" u="none" strike="noStrike" dirty="0">
+                        <a:rPr lang="en-US" sz="1600" b="0" i="0" u="none" strike="noStrike">
                           <a:solidFill>
                             <a:schemeClr val="tx1"/>
                           </a:solidFill>
@@ -12268,7 +12616,7 @@
                     <a:p>
                       <a:pPr algn="l" fontAlgn="ctr"/>
                       <a:r>
-                        <a:rPr lang="en-US" sz="1600" b="0" dirty="0">
+                        <a:rPr lang="en-US" sz="1600" b="0">
                           <a:effectLst/>
                         </a:rPr>
                         <a:t>11221</a:t>
@@ -12304,7 +12652,7 @@
                     <a:p>
                       <a:pPr algn="ctr" rtl="0" fontAlgn="ctr"/>
                       <a:r>
-                        <a:rPr lang="en-US" sz="1600" b="0" i="0" u="none" strike="noStrike" dirty="0">
+                        <a:rPr lang="en-US" sz="1600" b="0" i="0" u="none" strike="noStrike">
                           <a:solidFill>
                             <a:schemeClr val="tx1"/>
                           </a:solidFill>
@@ -12324,7 +12672,7 @@
                     <a:p>
                       <a:pPr algn="ctr" fontAlgn="b"/>
                       <a:r>
-                        <a:rPr lang="en-US" sz="1600" b="0" i="0" u="none" strike="noStrike" dirty="0">
+                        <a:rPr lang="en-US" sz="1600" b="0" i="0" u="none" strike="noStrike">
                           <a:solidFill>
                             <a:schemeClr val="tx1"/>
                           </a:solidFill>
@@ -12351,7 +12699,7 @@
                     <a:p>
                       <a:pPr algn="l" fontAlgn="ctr"/>
                       <a:r>
-                        <a:rPr lang="en-US" sz="1600" b="0" dirty="0">
+                        <a:rPr lang="en-US" sz="1600" b="0">
                           <a:effectLst/>
                         </a:rPr>
                         <a:t>10029</a:t>
@@ -12387,7 +12735,7 @@
                     <a:p>
                       <a:pPr algn="ctr" rtl="0" fontAlgn="ctr"/>
                       <a:r>
-                        <a:rPr lang="en-US" sz="1600" b="0" i="0" u="none" strike="noStrike" dirty="0">
+                        <a:rPr lang="en-US" sz="1600" b="0" i="0" u="none" strike="noStrike">
                           <a:solidFill>
                             <a:schemeClr val="tx1"/>
                           </a:solidFill>
@@ -12407,7 +12755,7 @@
                     <a:p>
                       <a:pPr algn="ctr" fontAlgn="b"/>
                       <a:r>
-                        <a:rPr lang="en-US" sz="1600" b="0" i="0" u="none" strike="noStrike" dirty="0">
+                        <a:rPr lang="en-US" sz="1600" b="0" i="0" u="none" strike="noStrike">
                           <a:solidFill>
                             <a:schemeClr val="tx1"/>
                           </a:solidFill>
@@ -12434,7 +12782,7 @@
                     <a:p>
                       <a:pPr algn="l" fontAlgn="ctr"/>
                       <a:r>
-                        <a:rPr lang="en-US" sz="1600" b="0" dirty="0">
+                        <a:rPr lang="en-US" sz="1600" b="0">
                           <a:effectLst/>
                         </a:rPr>
                         <a:t>11215</a:t>
@@ -12490,7 +12838,7 @@
                     <a:p>
                       <a:pPr algn="ctr" fontAlgn="b"/>
                       <a:r>
-                        <a:rPr lang="en-US" sz="1600" b="0" i="0" u="none" strike="noStrike" dirty="0">
+                        <a:rPr lang="en-US" sz="1600" b="0" i="0" u="none" strike="noStrike">
                           <a:solidFill>
                             <a:schemeClr val="tx1"/>
                           </a:solidFill>
@@ -12517,7 +12865,7 @@
                     <a:p>
                       <a:pPr algn="l" fontAlgn="ctr"/>
                       <a:r>
-                        <a:rPr lang="en-US" sz="1600" b="0" dirty="0">
+                        <a:rPr lang="en-US" sz="1600" b="0">
                           <a:effectLst/>
                         </a:rPr>
                         <a:t>10009</a:t>
@@ -12573,7 +12921,7 @@
                     <a:p>
                       <a:pPr algn="ctr" fontAlgn="b"/>
                       <a:r>
-                        <a:rPr lang="en-US" sz="1600" b="0" i="0" u="none" strike="noStrike" dirty="0">
+                        <a:rPr lang="en-US" sz="1600" b="0" i="0" u="none" strike="noStrike">
                           <a:solidFill>
                             <a:schemeClr val="tx1"/>
                           </a:solidFill>
@@ -12600,7 +12948,7 @@
                     <a:p>
                       <a:pPr algn="l" fontAlgn="ctr"/>
                       <a:r>
-                        <a:rPr lang="en-US" sz="1600" b="0" dirty="0">
+                        <a:rPr lang="en-US" sz="1600" b="0">
                           <a:effectLst/>
                         </a:rPr>
                         <a:t>10023</a:t>
@@ -12656,7 +13004,7 @@
                     <a:p>
                       <a:pPr algn="ctr" fontAlgn="b"/>
                       <a:r>
-                        <a:rPr lang="en-US" sz="1600" b="0" i="0" u="none" strike="noStrike" dirty="0">
+                        <a:rPr lang="en-US" sz="1600" b="0" i="0" u="none" strike="noStrike">
                           <a:solidFill>
                             <a:schemeClr val="tx1"/>
                           </a:solidFill>
@@ -12694,14 +13042,14 @@
           <p:nvPr>
             <p:extLst>
               <p:ext uri="{D42A27DB-BD31-4B8C-83A1-F6EECF244321}">
-                <p14:modId xmlns:p14="http://schemas.microsoft.com/office/powerpoint/2010/main" val="72545405"/>
+                <p14:modId xmlns:p14="http://schemas.microsoft.com/office/powerpoint/2010/main" val="2846248619"/>
               </p:ext>
             </p:extLst>
           </p:nvPr>
         </p:nvGraphicFramePr>
         <p:xfrm>
-          <a:off x="6722146" y="1690688"/>
-          <a:ext cx="4631654" cy="4348480"/>
+          <a:off x="6722145" y="1690688"/>
+          <a:ext cx="5250780" cy="4439920"/>
         </p:xfrm>
         <a:graphic>
           <a:graphicData uri="http://schemas.openxmlformats.org/drawingml/2006/table">
@@ -12710,35 +13058,35 @@
                 <a:tableStyleId>{5C22544A-7EE6-4342-B048-85BDC9FD1C3A}</a:tableStyleId>
               </a:tblPr>
               <a:tblGrid>
-                <a:gridCol w="729118">
+                <a:gridCol w="826581">
                   <a:extLst>
                     <a:ext uri="{9D8B030D-6E8A-4147-A177-3AD203B41FA5}">
                       <a16:colId xmlns:a16="http://schemas.microsoft.com/office/drawing/2014/main" val="267374531"/>
                     </a:ext>
                   </a:extLst>
                 </a:gridCol>
-                <a:gridCol w="879666">
+                <a:gridCol w="1117406">
                   <a:extLst>
                     <a:ext uri="{9D8B030D-6E8A-4147-A177-3AD203B41FA5}">
                       <a16:colId xmlns:a16="http://schemas.microsoft.com/office/drawing/2014/main" val="975810304"/>
                     </a:ext>
                   </a:extLst>
                 </a:gridCol>
-                <a:gridCol w="1007624">
+                <a:gridCol w="1022163">
                   <a:extLst>
                     <a:ext uri="{9D8B030D-6E8A-4147-A177-3AD203B41FA5}">
                       <a16:colId xmlns:a16="http://schemas.microsoft.com/office/drawing/2014/main" val="1354174087"/>
                     </a:ext>
                   </a:extLst>
                 </a:gridCol>
-                <a:gridCol w="884095">
+                <a:gridCol w="1002275">
                   <a:extLst>
                     <a:ext uri="{9D8B030D-6E8A-4147-A177-3AD203B41FA5}">
                       <a16:colId xmlns:a16="http://schemas.microsoft.com/office/drawing/2014/main" val="3737206079"/>
                     </a:ext>
                   </a:extLst>
                 </a:gridCol>
-                <a:gridCol w="1131151">
+                <a:gridCol w="1282355">
                   <a:extLst>
                     <a:ext uri="{9D8B030D-6E8A-4147-A177-3AD203B41FA5}">
                       <a16:colId xmlns:a16="http://schemas.microsoft.com/office/drawing/2014/main" val="654462183"/>
@@ -12754,7 +13102,7 @@
                     <a:p>
                       <a:pPr algn="l"/>
                       <a:r>
-                        <a:rPr lang="en-US" sz="1200" dirty="0"/>
+                        <a:rPr lang="en-US" sz="1400"/>
                         <a:t>Zip Code</a:t>
                       </a:r>
                     </a:p>
@@ -12768,14 +13116,14 @@
                     <a:p>
                       <a:pPr algn="ctr"/>
                       <a:r>
-                        <a:rPr lang="en-US" sz="1200" dirty="0"/>
+                        <a:rPr lang="en-US" sz="1400"/>
                         <a:t>Median Household</a:t>
                       </a:r>
                     </a:p>
                     <a:p>
                       <a:pPr algn="ctr"/>
                       <a:r>
-                        <a:rPr lang="en-US" sz="1200" dirty="0"/>
+                        <a:rPr lang="en-US" sz="1400"/>
                         <a:t>Income</a:t>
                       </a:r>
                     </a:p>
@@ -12789,7 +13137,7 @@
                     <a:p>
                       <a:pPr algn="ctr"/>
                       <a:r>
-                        <a:rPr lang="en-US" sz="1200" dirty="0"/>
+                        <a:rPr lang="en-US" sz="1400"/>
                         <a:t>Estimated Population</a:t>
                       </a:r>
                     </a:p>
@@ -12803,7 +13151,7 @@
                     <a:p>
                       <a:pPr algn="ctr"/>
                       <a:r>
-                        <a:rPr lang="en-US" sz="1200" dirty="0"/>
+                        <a:rPr lang="en-US" sz="1400"/>
                         <a:t># Unique Customers</a:t>
                       </a:r>
                     </a:p>
@@ -12817,14 +13165,14 @@
                     <a:p>
                       <a:pPr algn="ctr"/>
                       <a:r>
-                        <a:rPr lang="en-US" sz="1200" dirty="0"/>
+                        <a:rPr lang="en-US" sz="1400"/>
                         <a:t>Market Penetration</a:t>
                       </a:r>
                     </a:p>
                     <a:p>
                       <a:pPr algn="ctr"/>
                       <a:r>
-                        <a:rPr lang="en-US" sz="1200" dirty="0"/>
+                        <a:rPr lang="en-US" sz="1400"/>
                         <a:t>X 10</a:t>
                       </a:r>
                     </a:p>
@@ -12845,7 +13193,7 @@
                     <a:p>
                       <a:pPr algn="l" fontAlgn="ctr"/>
                       <a:r>
-                        <a:rPr lang="en-US" sz="1200" b="1" dirty="0">
+                        <a:rPr lang="en-US" sz="1200" b="1">
                           <a:effectLst/>
                         </a:rPr>
                         <a:t>10282</a:t>
@@ -12861,7 +13209,7 @@
                     <a:p>
                       <a:pPr algn="ctr" fontAlgn="ctr"/>
                       <a:r>
-                        <a:rPr lang="en-US" sz="1200" dirty="0">
+                        <a:rPr lang="en-US" sz="1200">
                           <a:effectLst/>
                         </a:rPr>
                         <a:t>230,952</a:t>
@@ -12877,10 +13225,10 @@
                     <a:p>
                       <a:pPr algn="ctr" fontAlgn="ctr"/>
                       <a:r>
-                        <a:rPr lang="en-US" sz="1200" dirty="0">
-                          <a:effectLst/>
-                        </a:rPr>
-                        <a:t>4783</a:t>
+                        <a:rPr lang="en-US" sz="1200">
+                          <a:effectLst/>
+                        </a:rPr>
+                        <a:t>4,783</a:t>
                       </a:r>
                     </a:p>
                   </a:txBody>
@@ -12893,7 +13241,7 @@
                     <a:p>
                       <a:pPr algn="ctr" fontAlgn="ctr"/>
                       <a:r>
-                        <a:rPr lang="en-US" sz="1200" dirty="0">
+                        <a:rPr lang="en-US" sz="1200">
                           <a:effectLst/>
                         </a:rPr>
                         <a:t>27</a:t>
@@ -12909,7 +13257,7 @@
                     <a:p>
                       <a:pPr algn="ctr" fontAlgn="b"/>
                       <a:r>
-                        <a:rPr lang="en-US" sz="1200" b="0" i="0" u="none" strike="noStrike" dirty="0">
+                        <a:rPr lang="en-US" sz="1200" b="0" i="0" u="none" strike="noStrike">
                           <a:solidFill>
                             <a:srgbClr val="000000"/>
                           </a:solidFill>
@@ -12936,7 +13284,7 @@
                     <a:p>
                       <a:pPr algn="l" fontAlgn="ctr"/>
                       <a:r>
-                        <a:rPr lang="en-US" sz="1200" b="1" dirty="0">
+                        <a:rPr lang="en-US" sz="1200" b="1">
                           <a:effectLst/>
                         </a:rPr>
                         <a:t>10007</a:t>
@@ -12952,7 +13300,7 @@
                     <a:p>
                       <a:pPr algn="ctr" fontAlgn="ctr"/>
                       <a:r>
-                        <a:rPr lang="en-US" sz="1200" dirty="0">
+                        <a:rPr lang="en-US" sz="1200">
                           <a:effectLst/>
                         </a:rPr>
                         <a:t>216,037</a:t>
@@ -12968,10 +13316,10 @@
                     <a:p>
                       <a:pPr algn="ctr" fontAlgn="ctr"/>
                       <a:r>
-                        <a:rPr lang="en-US" sz="1200" dirty="0">
-                          <a:effectLst/>
-                        </a:rPr>
-                        <a:t>6988</a:t>
+                        <a:rPr lang="en-US" sz="1200">
+                          <a:effectLst/>
+                        </a:rPr>
+                        <a:t>6,988</a:t>
                       </a:r>
                     </a:p>
                   </a:txBody>
@@ -12984,7 +13332,7 @@
                     <a:p>
                       <a:pPr algn="ctr" fontAlgn="ctr"/>
                       <a:r>
-                        <a:rPr lang="en-US" sz="1200" dirty="0">
+                        <a:rPr lang="en-US" sz="1200">
                           <a:effectLst/>
                         </a:rPr>
                         <a:t>38</a:t>
@@ -13027,7 +13375,7 @@
                     <a:p>
                       <a:pPr algn="l" fontAlgn="ctr"/>
                       <a:r>
-                        <a:rPr lang="en-US" sz="1200" b="1" dirty="0">
+                        <a:rPr lang="en-US" sz="1200" b="1">
                           <a:effectLst/>
                         </a:rPr>
                         <a:t>10069</a:t>
@@ -13043,7 +13391,7 @@
                     <a:p>
                       <a:pPr algn="ctr" fontAlgn="ctr"/>
                       <a:r>
-                        <a:rPr lang="en-US" sz="1200" dirty="0">
+                        <a:rPr lang="en-US" sz="1200">
                           <a:effectLst/>
                         </a:rPr>
                         <a:t>170,630</a:t>
@@ -13059,10 +13407,10 @@
                     <a:p>
                       <a:pPr algn="ctr" fontAlgn="ctr"/>
                       <a:r>
-                        <a:rPr lang="en-US" sz="1200" dirty="0">
-                          <a:effectLst/>
-                        </a:rPr>
-                        <a:t>5199</a:t>
+                        <a:rPr lang="en-US" sz="1200">
+                          <a:effectLst/>
+                        </a:rPr>
+                        <a:t>5,199</a:t>
                       </a:r>
                     </a:p>
                   </a:txBody>
@@ -13075,7 +13423,7 @@
                     <a:p>
                       <a:pPr algn="ctr" fontAlgn="ctr"/>
                       <a:r>
-                        <a:rPr lang="en-US" sz="1200" dirty="0">
+                        <a:rPr lang="en-US" sz="1200">
                           <a:effectLst/>
                         </a:rPr>
                         <a:t>45</a:t>
@@ -13118,7 +13466,7 @@
                     <a:p>
                       <a:pPr algn="l" fontAlgn="ctr"/>
                       <a:r>
-                        <a:rPr lang="en-US" sz="1200" b="1" dirty="0">
+                        <a:rPr lang="en-US" sz="1200" b="1">
                           <a:effectLst/>
                         </a:rPr>
                         <a:t>10162</a:t>
@@ -13134,7 +13482,7 @@
                     <a:p>
                       <a:pPr algn="ctr" fontAlgn="ctr"/>
                       <a:r>
-                        <a:rPr lang="en-US" sz="1200" dirty="0">
+                        <a:rPr lang="en-US" sz="1200">
                           <a:effectLst/>
                         </a:rPr>
                         <a:t>168,667</a:t>
@@ -13150,10 +13498,10 @@
                     <a:p>
                       <a:pPr algn="ctr" fontAlgn="ctr"/>
                       <a:r>
-                        <a:rPr lang="en-US" sz="1200" dirty="0">
-                          <a:effectLst/>
-                        </a:rPr>
-                        <a:t>1685</a:t>
+                        <a:rPr lang="en-US" sz="1200">
+                          <a:effectLst/>
+                        </a:rPr>
+                        <a:t>1,685</a:t>
                       </a:r>
                     </a:p>
                   </a:txBody>
@@ -13166,7 +13514,7 @@
                     <a:p>
                       <a:pPr algn="ctr" fontAlgn="ctr"/>
                       <a:r>
-                        <a:rPr lang="en-US" sz="1200" dirty="0">
+                        <a:rPr lang="en-US" sz="1200">
                           <a:effectLst/>
                         </a:rPr>
                         <a:t>64</a:t>
@@ -13209,7 +13557,7 @@
                     <a:p>
                       <a:pPr algn="l" fontAlgn="ctr"/>
                       <a:r>
-                        <a:rPr lang="en-US" sz="1200" b="1" dirty="0">
+                        <a:rPr lang="en-US" sz="1200" b="1">
                           <a:effectLst/>
                         </a:rPr>
                         <a:t>10280</a:t>
@@ -13225,7 +13573,7 @@
                     <a:p>
                       <a:pPr algn="ctr" fontAlgn="ctr"/>
                       <a:r>
-                        <a:rPr lang="en-US" sz="1200" dirty="0">
+                        <a:rPr lang="en-US" sz="1200">
                           <a:effectLst/>
                         </a:rPr>
                         <a:t>129,574</a:t>
@@ -13241,10 +13589,10 @@
                     <a:p>
                       <a:pPr algn="ctr" fontAlgn="ctr"/>
                       <a:r>
-                        <a:rPr lang="en-US" sz="1200" dirty="0">
-                          <a:effectLst/>
-                        </a:rPr>
-                        <a:t>7853</a:t>
+                        <a:rPr lang="en-US" sz="1200">
+                          <a:effectLst/>
+                        </a:rPr>
+                        <a:t>7,853</a:t>
                       </a:r>
                     </a:p>
                   </a:txBody>
@@ -13257,7 +13605,7 @@
                     <a:p>
                       <a:pPr algn="ctr" fontAlgn="ctr"/>
                       <a:r>
-                        <a:rPr lang="en-US" sz="1200" dirty="0">
+                        <a:rPr lang="en-US" sz="1200">
                           <a:effectLst/>
                         </a:rPr>
                         <a:t>18</a:t>
@@ -13300,7 +13648,7 @@
                     <a:p>
                       <a:pPr algn="l" fontAlgn="ctr"/>
                       <a:r>
-                        <a:rPr lang="en-US" sz="1200" b="1" dirty="0">
+                        <a:rPr lang="en-US" sz="1200" b="1">
                           <a:effectLst/>
                         </a:rPr>
                         <a:t>11109</a:t>
@@ -13316,7 +13664,7 @@
                     <a:p>
                       <a:pPr algn="ctr" fontAlgn="ctr"/>
                       <a:r>
-                        <a:rPr lang="en-US" sz="1200" dirty="0">
+                        <a:rPr lang="en-US" sz="1200">
                           <a:effectLst/>
                         </a:rPr>
                         <a:t>125,871</a:t>
@@ -13332,10 +13680,10 @@
                     <a:p>
                       <a:pPr algn="ctr" fontAlgn="ctr"/>
                       <a:r>
-                        <a:rPr lang="en-US" sz="1200" dirty="0">
-                          <a:effectLst/>
-                        </a:rPr>
-                        <a:t>3523</a:t>
+                        <a:rPr lang="en-US" sz="1200">
+                          <a:effectLst/>
+                        </a:rPr>
+                        <a:t>3,523</a:t>
                       </a:r>
                     </a:p>
                   </a:txBody>
@@ -13348,7 +13696,7 @@
                     <a:p>
                       <a:pPr algn="ctr" fontAlgn="ctr"/>
                       <a:r>
-                        <a:rPr lang="en-US" sz="1200" dirty="0">
+                        <a:rPr lang="en-US" sz="1200">
                           <a:effectLst/>
                         </a:rPr>
                         <a:t>2</a:t>
@@ -13364,7 +13712,7 @@
                     <a:p>
                       <a:pPr algn="ctr" fontAlgn="b"/>
                       <a:r>
-                        <a:rPr lang="en-US" sz="1200" b="0" i="0" u="none" strike="noStrike" dirty="0">
+                        <a:rPr lang="en-US" sz="1200" b="0" i="0" u="none" strike="noStrike">
                           <a:solidFill>
                             <a:srgbClr val="000000"/>
                           </a:solidFill>
@@ -13391,7 +13739,7 @@
                     <a:p>
                       <a:pPr algn="l" fontAlgn="ctr"/>
                       <a:r>
-                        <a:rPr lang="en-US" sz="1200" b="1" dirty="0">
+                        <a:rPr lang="en-US" sz="1200" b="1">
                           <a:effectLst/>
                         </a:rPr>
                         <a:t>10005</a:t>
@@ -13407,7 +13755,7 @@
                     <a:p>
                       <a:pPr algn="ctr" fontAlgn="ctr"/>
                       <a:r>
-                        <a:rPr lang="en-US" sz="1200" dirty="0">
+                        <a:rPr lang="en-US" sz="1200">
                           <a:effectLst/>
                         </a:rPr>
                         <a:t>124,670</a:t>
@@ -13423,10 +13771,10 @@
                     <a:p>
                       <a:pPr algn="ctr" fontAlgn="ctr"/>
                       <a:r>
-                        <a:rPr lang="en-US" sz="1200" dirty="0">
-                          <a:effectLst/>
-                        </a:rPr>
-                        <a:t>7135</a:t>
+                        <a:rPr lang="en-US" sz="1200">
+                          <a:effectLst/>
+                        </a:rPr>
+                        <a:t>7,135</a:t>
                       </a:r>
                     </a:p>
                   </a:txBody>
@@ -13439,7 +13787,7 @@
                     <a:p>
                       <a:pPr algn="ctr" fontAlgn="ctr"/>
                       <a:r>
-                        <a:rPr lang="en-US" sz="1200" dirty="0">
+                        <a:rPr lang="en-US" sz="1200">
                           <a:effectLst/>
                         </a:rPr>
                         <a:t>18</a:t>
@@ -13455,7 +13803,7 @@
                     <a:p>
                       <a:pPr algn="ctr" fontAlgn="b"/>
                       <a:r>
-                        <a:rPr lang="en-US" sz="1200" b="0" i="0" u="none" strike="noStrike" dirty="0">
+                        <a:rPr lang="en-US" sz="1200" b="0" i="0" u="none" strike="noStrike">
                           <a:solidFill>
                             <a:srgbClr val="000000"/>
                           </a:solidFill>
@@ -13482,7 +13830,7 @@
                     <a:p>
                       <a:pPr algn="l" fontAlgn="ctr"/>
                       <a:r>
-                        <a:rPr lang="en-US" sz="1200" b="1" dirty="0">
+                        <a:rPr lang="en-US" sz="1200" b="1">
                           <a:effectLst/>
                         </a:rPr>
                         <a:t>10006</a:t>
@@ -13498,7 +13846,7 @@
                     <a:p>
                       <a:pPr algn="ctr" fontAlgn="ctr"/>
                       <a:r>
-                        <a:rPr lang="en-US" sz="1200" dirty="0">
+                        <a:rPr lang="en-US" sz="1200">
                           <a:effectLst/>
                         </a:rPr>
                         <a:t>119,274</a:t>
@@ -13514,10 +13862,10 @@
                     <a:p>
                       <a:pPr algn="ctr" fontAlgn="ctr"/>
                       <a:r>
-                        <a:rPr lang="en-US" sz="1200" dirty="0">
-                          <a:effectLst/>
-                        </a:rPr>
-                        <a:t>3011</a:t>
+                        <a:rPr lang="en-US" sz="1200">
+                          <a:effectLst/>
+                        </a:rPr>
+                        <a:t>3,011</a:t>
                       </a:r>
                     </a:p>
                   </a:txBody>
@@ -13530,7 +13878,7 @@
                     <a:p>
                       <a:pPr algn="ctr" fontAlgn="ctr"/>
                       <a:r>
-                        <a:rPr lang="en-US" sz="1200" dirty="0">
+                        <a:rPr lang="en-US" sz="1200">
                           <a:effectLst/>
                         </a:rPr>
                         <a:t>31</a:t>
@@ -13546,7 +13894,7 @@
                     <a:p>
                       <a:pPr algn="ctr" fontAlgn="b"/>
                       <a:r>
-                        <a:rPr lang="en-US" sz="1200" b="0" i="0" u="none" strike="noStrike" dirty="0">
+                        <a:rPr lang="en-US" sz="1200" b="0" i="0" u="none" strike="noStrike">
                           <a:solidFill>
                             <a:srgbClr val="000000"/>
                           </a:solidFill>
@@ -13573,7 +13921,7 @@
                     <a:p>
                       <a:pPr algn="l" fontAlgn="ctr"/>
                       <a:r>
-                        <a:rPr lang="en-US" sz="1200" b="1" dirty="0">
+                        <a:rPr lang="en-US" sz="1200" b="1">
                           <a:effectLst/>
                         </a:rPr>
                         <a:t>10065</a:t>
@@ -13589,7 +13937,7 @@
                     <a:p>
                       <a:pPr algn="ctr" fontAlgn="ctr"/>
                       <a:r>
-                        <a:rPr lang="en-US" sz="1200" dirty="0">
+                        <a:rPr lang="en-US" sz="1200">
                           <a:effectLst/>
                         </a:rPr>
                         <a:t>115,519</a:t>
@@ -13605,10 +13953,10 @@
                     <a:p>
                       <a:pPr algn="ctr" fontAlgn="ctr"/>
                       <a:r>
-                        <a:rPr lang="en-US" sz="1200" dirty="0">
-                          <a:effectLst/>
-                        </a:rPr>
-                        <a:t>32270</a:t>
+                        <a:rPr lang="en-US" sz="1200">
+                          <a:effectLst/>
+                        </a:rPr>
+                        <a:t>32,270</a:t>
                       </a:r>
                     </a:p>
                   </a:txBody>
@@ -13621,7 +13969,7 @@
                     <a:p>
                       <a:pPr algn="ctr" fontAlgn="ctr"/>
                       <a:r>
-                        <a:rPr lang="en-US" sz="1200" dirty="0">
+                        <a:rPr lang="en-US" sz="1200">
                           <a:effectLst/>
                         </a:rPr>
                         <a:t>99</a:t>
@@ -13637,7 +13985,7 @@
                     <a:p>
                       <a:pPr algn="ctr" fontAlgn="b"/>
                       <a:r>
-                        <a:rPr lang="en-US" sz="1200" b="0" i="0" u="none" strike="noStrike" dirty="0">
+                        <a:rPr lang="en-US" sz="1200" b="0" i="0" u="none" strike="noStrike">
                           <a:solidFill>
                             <a:srgbClr val="000000"/>
                           </a:solidFill>
@@ -13664,7 +14012,7 @@
                     <a:p>
                       <a:pPr algn="l" fontAlgn="ctr"/>
                       <a:r>
-                        <a:rPr lang="en-US" sz="1200" b="1" dirty="0">
+                        <a:rPr lang="en-US" sz="1200" b="1">
                           <a:effectLst/>
                         </a:rPr>
                         <a:t>10024</a:t>
@@ -13680,7 +14028,7 @@
                     <a:p>
                       <a:pPr algn="ctr" fontAlgn="ctr"/>
                       <a:r>
-                        <a:rPr lang="en-US" sz="1200" dirty="0">
+                        <a:rPr lang="en-US" sz="1200">
                           <a:effectLst/>
                         </a:rPr>
                         <a:t>109,956</a:t>
@@ -13696,10 +14044,10 @@
                     <a:p>
                       <a:pPr algn="ctr" fontAlgn="ctr"/>
                       <a:r>
-                        <a:rPr lang="en-US" sz="1200" dirty="0">
-                          <a:effectLst/>
-                        </a:rPr>
-                        <a:t>59283</a:t>
+                        <a:rPr lang="en-US" sz="1200">
+                          <a:effectLst/>
+                        </a:rPr>
+                        <a:t>59,283</a:t>
                       </a:r>
                     </a:p>
                   </a:txBody>
@@ -13712,7 +14060,7 @@
                     <a:p>
                       <a:pPr algn="ctr" fontAlgn="ctr"/>
                       <a:r>
-                        <a:rPr lang="en-US" sz="1200" dirty="0">
+                        <a:rPr lang="en-US" sz="1200">
                           <a:effectLst/>
                         </a:rPr>
                         <a:t>1</a:t>
@@ -13728,7 +14076,7 @@
                     <a:p>
                       <a:pPr algn="ctr" fontAlgn="b"/>
                       <a:r>
-                        <a:rPr lang="en-US" sz="1200" b="0" i="0" u="none" strike="noStrike" dirty="0">
+                        <a:rPr lang="en-US" sz="1200" b="0" i="0" u="none" strike="noStrike">
                           <a:solidFill>
                             <a:srgbClr val="000000"/>
                           </a:solidFill>
@@ -13764,7 +14112,7 @@
 </p:sld>
 </file>
 
-<file path=ppt/slides/slide18.xml><?xml version="1.0" encoding="utf-8"?>
+<file path=ppt/slides/slide19.xml><?xml version="1.0" encoding="utf-8"?>
 <p:sld xmlns:a="http://schemas.openxmlformats.org/drawingml/2006/main" xmlns:r="http://schemas.openxmlformats.org/officeDocument/2006/relationships" xmlns:p="http://schemas.openxmlformats.org/presentationml/2006/main">
   <p:cSld>
     <p:spTree>
@@ -13802,7 +14150,10 @@
           <a:bodyPr/>
           <a:lstStyle/>
           <a:p>
-            <a:endParaRPr lang="en-US"/>
+            <a:r>
+              <a:rPr lang="en-US"/>
+              <a:t>06 Next Steps</a:t>
+            </a:r>
           </a:p>
         </p:txBody>
       </p:sp>
@@ -13827,7 +14178,56 @@
           <a:bodyPr/>
           <a:lstStyle/>
           <a:p>
-            <a:endParaRPr lang="en-US"/>
+            <a:r>
+              <a:rPr lang="en-US"/>
+              <a:t>Hire Me</a:t>
+            </a:r>
+          </a:p>
+        </p:txBody>
+      </p:sp>
+      <p:sp>
+        <p:nvSpPr>
+          <p:cNvPr id="4" name="Rectangle 3">
+            <a:extLst>
+              <a:ext uri="{FF2B5EF4-FFF2-40B4-BE49-F238E27FC236}">
+                <a16:creationId xmlns:a16="http://schemas.microsoft.com/office/drawing/2014/main" id="{D31C4039-B839-1C4D-9E52-092B917EEF2D}"/>
+              </a:ext>
+            </a:extLst>
+          </p:cNvPr>
+          <p:cNvSpPr/>
+          <p:nvPr/>
+        </p:nvSpPr>
+        <p:spPr>
+          <a:xfrm>
+            <a:off x="838200" y="2984861"/>
+            <a:ext cx="6096000" cy="1477328"/>
+          </a:xfrm>
+          <a:prstGeom prst="rect">
+            <a:avLst/>
+          </a:prstGeom>
+        </p:spPr>
+        <p:txBody>
+          <a:bodyPr>
+            <a:spAutoFit/>
+          </a:bodyPr>
+          <a:lstStyle/>
+          <a:p>
+            <a:r>
+              <a:rPr lang="en-US"/>
+              <a:t>Potential Next Steps:</a:t>
+            </a:r>
+          </a:p>
+          <a:p>
+            <a:r>
+              <a:rPr lang="en-US"/>
+              <a:t>Invest in quality assurance measures</a:t>
+            </a:r>
+          </a:p>
+          <a:p>
+            <a:r>
+              <a:rPr lang="en-US"/>
+              <a:t>Broaden the scope of the analysis, build a classification model to predict the restaurant category based on the restaurant’s name using natural language processing</a:t>
+            </a:r>
           </a:p>
         </p:txBody>
       </p:sp>
@@ -13835,86 +14235,6 @@
     <p:extLst>
       <p:ext uri="{BB962C8B-B14F-4D97-AF65-F5344CB8AC3E}">
         <p14:creationId xmlns:p14="http://schemas.microsoft.com/office/powerpoint/2010/main" val="2045204373"/>
-      </p:ext>
-    </p:extLst>
-  </p:cSld>
-  <p:clrMapOvr>
-    <a:masterClrMapping/>
-  </p:clrMapOvr>
-</p:sld>
-</file>
-
-<file path=ppt/slides/slide19.xml><?xml version="1.0" encoding="utf-8"?>
-<p:sld xmlns:a="http://schemas.openxmlformats.org/drawingml/2006/main" xmlns:r="http://schemas.openxmlformats.org/officeDocument/2006/relationships" xmlns:p="http://schemas.openxmlformats.org/presentationml/2006/main">
-  <p:cSld>
-    <p:spTree>
-      <p:nvGrpSpPr>
-        <p:cNvPr id="1" name=""/>
-        <p:cNvGrpSpPr/>
-        <p:nvPr/>
-      </p:nvGrpSpPr>
-      <p:grpSpPr>
-        <a:xfrm>
-          <a:off x="0" y="0"/>
-          <a:ext cx="0" cy="0"/>
-          <a:chOff x="0" y="0"/>
-          <a:chExt cx="0" cy="0"/>
-        </a:xfrm>
-      </p:grpSpPr>
-      <p:sp>
-        <p:nvSpPr>
-          <p:cNvPr id="2" name="Title 1">
-            <a:extLst>
-              <a:ext uri="{FF2B5EF4-FFF2-40B4-BE49-F238E27FC236}">
-                <a16:creationId xmlns:a16="http://schemas.microsoft.com/office/drawing/2014/main" id="{29C75E93-C07D-1440-89C1-F0E2D13644DB}"/>
-              </a:ext>
-            </a:extLst>
-          </p:cNvPr>
-          <p:cNvSpPr>
-            <a:spLocks noGrp="1"/>
-          </p:cNvSpPr>
-          <p:nvPr>
-            <p:ph type="title"/>
-          </p:nvPr>
-        </p:nvSpPr>
-        <p:spPr/>
-        <p:txBody>
-          <a:bodyPr/>
-          <a:lstStyle/>
-          <a:p>
-            <a:endParaRPr lang="en-US"/>
-          </a:p>
-        </p:txBody>
-      </p:sp>
-      <p:sp>
-        <p:nvSpPr>
-          <p:cNvPr id="3" name="Content Placeholder 2">
-            <a:extLst>
-              <a:ext uri="{FF2B5EF4-FFF2-40B4-BE49-F238E27FC236}">
-                <a16:creationId xmlns:a16="http://schemas.microsoft.com/office/drawing/2014/main" id="{2B0F38EE-7E16-F643-A3EB-890C5E4B4856}"/>
-              </a:ext>
-            </a:extLst>
-          </p:cNvPr>
-          <p:cNvSpPr>
-            <a:spLocks noGrp="1"/>
-          </p:cNvSpPr>
-          <p:nvPr>
-            <p:ph idx="1"/>
-          </p:nvPr>
-        </p:nvSpPr>
-        <p:spPr/>
-        <p:txBody>
-          <a:bodyPr/>
-          <a:lstStyle/>
-          <a:p>
-            <a:endParaRPr lang="en-US"/>
-          </a:p>
-        </p:txBody>
-      </p:sp>
-    </p:spTree>
-    <p:extLst>
-      <p:ext uri="{BB962C8B-B14F-4D97-AF65-F5344CB8AC3E}">
-        <p14:creationId xmlns:p14="http://schemas.microsoft.com/office/powerpoint/2010/main" val="1833784149"/>
       </p:ext>
     </p:extLst>
   </p:cSld>
@@ -14006,8 +14326,19 @@
               <a:buNone/>
             </a:pPr>
             <a:r>
-              <a:rPr lang="en-US" dirty="0"/>
-              <a:t>01 EXECUTIVE SUMARY</a:t>
+              <a:rPr lang="en-US" dirty="0">
+                <a:solidFill>
+                  <a:schemeClr val="tx1">
+                    <a:lumMod val="50000"/>
+                    <a:lumOff val="50000"/>
+                  </a:schemeClr>
+                </a:solidFill>
+              </a:rPr>
+              <a:t>1 </a:t>
+            </a:r>
+            <a:r>
+              <a:rPr lang="en-US" b="1" dirty="0"/>
+              <a:t>EXECUTIVE SUMARY</a:t>
             </a:r>
           </a:p>
           <a:p>
@@ -14015,8 +14346,23 @@
               <a:buNone/>
             </a:pPr>
             <a:r>
+              <a:rPr lang="en-US" dirty="0">
+                <a:solidFill>
+                  <a:schemeClr val="tx1">
+                    <a:lumMod val="50000"/>
+                    <a:lumOff val="50000"/>
+                  </a:schemeClr>
+                </a:solidFill>
+              </a:rPr>
+              <a:t>2</a:t>
+            </a:r>
+            <a:r>
               <a:rPr lang="en-US" dirty="0"/>
-              <a:t>02 INTRODUCITON</a:t>
+              <a:t> </a:t>
+            </a:r>
+            <a:r>
+              <a:rPr lang="en-US" b="1" dirty="0"/>
+              <a:t>INTRODUCTION</a:t>
             </a:r>
           </a:p>
           <a:p>
@@ -14024,8 +14370,19 @@
               <a:buNone/>
             </a:pPr>
             <a:r>
-              <a:rPr lang="en-US" dirty="0"/>
-              <a:t>03 NEW MARKET ANALYSIS</a:t>
+              <a:rPr lang="en-US" dirty="0">
+                <a:solidFill>
+                  <a:schemeClr val="tx1">
+                    <a:lumMod val="50000"/>
+                    <a:lumOff val="50000"/>
+                  </a:schemeClr>
+                </a:solidFill>
+              </a:rPr>
+              <a:t>3 </a:t>
+            </a:r>
+            <a:r>
+              <a:rPr lang="en-US" b="1" dirty="0"/>
+              <a:t>NEW MARKET ANALYSIS</a:t>
             </a:r>
           </a:p>
           <a:p>
@@ -14033,8 +14390,23 @@
               <a:buNone/>
             </a:pPr>
             <a:r>
+              <a:rPr lang="en-US" dirty="0">
+                <a:solidFill>
+                  <a:schemeClr val="tx1">
+                    <a:lumMod val="50000"/>
+                    <a:lumOff val="50000"/>
+                  </a:schemeClr>
+                </a:solidFill>
+              </a:rPr>
+              <a:t>4</a:t>
+            </a:r>
+            <a:r>
               <a:rPr lang="en-US" dirty="0"/>
-              <a:t>04 DATA INTEGRITY CONCERNS</a:t>
+              <a:t> </a:t>
+            </a:r>
+            <a:r>
+              <a:rPr lang="en-US" b="1" dirty="0"/>
+              <a:t>DATA INTEGRITY CONCERNS</a:t>
             </a:r>
           </a:p>
           <a:p>
@@ -14042,8 +14414,19 @@
               <a:buNone/>
             </a:pPr>
             <a:r>
-              <a:rPr lang="en-US" dirty="0"/>
-              <a:t>05 GROWTH STRATEGY</a:t>
+              <a:rPr lang="en-US" dirty="0">
+                <a:solidFill>
+                  <a:schemeClr val="tx1">
+                    <a:lumMod val="50000"/>
+                    <a:lumOff val="50000"/>
+                  </a:schemeClr>
+                </a:solidFill>
+              </a:rPr>
+              <a:t>5 </a:t>
+            </a:r>
+            <a:r>
+              <a:rPr lang="en-US" b="1" dirty="0"/>
+              <a:t>GROWTH STRATEGY</a:t>
             </a:r>
           </a:p>
           <a:p>
@@ -14051,8 +14434,23 @@
               <a:buNone/>
             </a:pPr>
             <a:r>
+              <a:rPr lang="en-US" dirty="0">
+                <a:solidFill>
+                  <a:schemeClr val="tx1">
+                    <a:lumMod val="50000"/>
+                    <a:lumOff val="50000"/>
+                  </a:schemeClr>
+                </a:solidFill>
+              </a:rPr>
+              <a:t>6</a:t>
+            </a:r>
+            <a:r>
               <a:rPr lang="en-US" dirty="0"/>
-              <a:t>06 NEXT STEPS</a:t>
+              <a:t> </a:t>
+            </a:r>
+            <a:r>
+              <a:rPr lang="en-US" b="1" dirty="0"/>
+              <a:t>NEXT STEPS</a:t>
             </a:r>
           </a:p>
           <a:p>
@@ -14060,8 +14458,19 @@
               <a:buNone/>
             </a:pPr>
             <a:r>
-              <a:rPr lang="en-US" dirty="0"/>
-              <a:t>07 APPENDIX</a:t>
+              <a:rPr lang="en-US" dirty="0">
+                <a:solidFill>
+                  <a:schemeClr val="tx1">
+                    <a:lumMod val="50000"/>
+                    <a:lumOff val="50000"/>
+                  </a:schemeClr>
+                </a:solidFill>
+              </a:rPr>
+              <a:t>7 </a:t>
+            </a:r>
+            <a:r>
+              <a:rPr lang="en-US" b="1" dirty="0"/>
+              <a:t>APPENDIX</a:t>
             </a:r>
           </a:p>
         </p:txBody>
@@ -14118,8 +14527,8 @@
           <a:lstStyle/>
           <a:p>
             <a:r>
-              <a:rPr lang="en-US" dirty="0"/>
-              <a:t>Appendix</a:t>
+              <a:rPr lang="en-US"/>
+              <a:t>07 Appendix</a:t>
             </a:r>
           </a:p>
         </p:txBody>
@@ -14146,49 +14555,49 @@
           <a:lstStyle/>
           <a:p>
             <a:r>
-              <a:rPr lang="en-US" dirty="0"/>
+              <a:rPr lang="en-US"/>
               <a:t>Links to Analysis</a:t>
             </a:r>
           </a:p>
           <a:p>
             <a:r>
-              <a:rPr lang="en-US" dirty="0"/>
+              <a:rPr lang="en-US"/>
               <a:t>Thank you for the opportunity, I can be reached at </a:t>
             </a:r>
           </a:p>
           <a:p>
             <a:pPr lvl="1"/>
             <a:r>
-              <a:rPr lang="en-US" dirty="0">
+              <a:rPr lang="en-US">
                 <a:hlinkClick r:id="rId2"/>
               </a:rPr>
               <a:t>stephenstark@uchicago.edu</a:t>
             </a:r>
-            <a:endParaRPr lang="en-US" dirty="0"/>
+            <a:endParaRPr lang="en-US"/>
           </a:p>
           <a:p>
             <a:pPr lvl="1"/>
             <a:r>
-              <a:rPr lang="en-US" dirty="0"/>
+              <a:rPr lang="en-US"/>
               <a:t>Stephen stark </a:t>
             </a:r>
             <a:r>
-              <a:rPr lang="en-US" dirty="0" err="1"/>
+              <a:rPr lang="en-US" err="1"/>
               <a:t>linkedin</a:t>
             </a:r>
-            <a:endParaRPr lang="en-US" dirty="0"/>
+            <a:endParaRPr lang="en-US"/>
           </a:p>
           <a:p>
             <a:pPr lvl="1"/>
             <a:r>
-              <a:rPr lang="en-US" dirty="0"/>
+              <a:rPr lang="en-US"/>
               <a:t>Stephen stark </a:t>
             </a:r>
             <a:r>
-              <a:rPr lang="en-US" dirty="0" err="1"/>
+              <a:rPr lang="en-US" err="1"/>
               <a:t>github</a:t>
             </a:r>
-            <a:endParaRPr lang="en-US" dirty="0"/>
+            <a:endParaRPr lang="en-US"/>
           </a:p>
         </p:txBody>
       </p:sp>
@@ -14244,8 +14653,19 @@
           <a:lstStyle/>
           <a:p>
             <a:r>
+              <a:rPr lang="en-US" dirty="0">
+                <a:solidFill>
+                  <a:schemeClr val="tx1">
+                    <a:lumMod val="50000"/>
+                    <a:lumOff val="50000"/>
+                  </a:schemeClr>
+                </a:solidFill>
+              </a:rPr>
+              <a:t>1</a:t>
+            </a:r>
+            <a:r>
               <a:rPr lang="en-US" b="1" dirty="0"/>
-              <a:t>01 EXECUTIVE SUMMARY</a:t>
+              <a:t> EXECUTIVE SUMMARY </a:t>
             </a:r>
           </a:p>
         </p:txBody>
@@ -14266,10 +14686,15 @@
             <p:ph idx="1"/>
           </p:nvPr>
         </p:nvSpPr>
-        <p:spPr/>
+        <p:spPr>
+          <a:xfrm>
+            <a:off x="838200" y="1825625"/>
+            <a:ext cx="10515600" cy="4667250"/>
+          </a:xfrm>
+        </p:spPr>
         <p:txBody>
           <a:bodyPr>
-            <a:normAutofit fontScale="92500" lnSpcReduction="20000"/>
+            <a:normAutofit fontScale="92500"/>
           </a:bodyPr>
           <a:lstStyle/>
           <a:p>
@@ -14277,95 +14702,179 @@
               <a:buNone/>
             </a:pPr>
             <a:r>
-              <a:rPr lang="en-US" dirty="0"/>
-              <a:t>Three prong growth strategy recommendations:</a:t>
-            </a:r>
-          </a:p>
-          <a:p>
-            <a:pPr marL="514350" indent="-514350">
-              <a:buAutoNum type="arabicParenR"/>
-            </a:pPr>
-            <a:r>
-              <a:rPr lang="en-US" dirty="0"/>
-              <a:t>Target zip codes </a:t>
-            </a:r>
-            <a:r>
-              <a:rPr lang="en-US" dirty="0" err="1"/>
-              <a:t>a,b,c,d</a:t>
-            </a:r>
-            <a:r>
-              <a:rPr lang="en-US" dirty="0"/>
-              <a:t>, and e</a:t>
-            </a:r>
-          </a:p>
-          <a:p>
-            <a:pPr marL="514350" indent="-514350">
-              <a:buAutoNum type="arabicParenR"/>
-            </a:pPr>
-            <a:r>
-              <a:rPr lang="en-US" dirty="0" err="1"/>
-              <a:t>Jumpmen</a:t>
-            </a:r>
-            <a:r>
-              <a:rPr lang="en-US" dirty="0"/>
-              <a:t> and Customer engagement</a:t>
-            </a:r>
-          </a:p>
-          <a:p>
-            <a:pPr marL="514350" indent="-514350">
-              <a:buAutoNum type="arabicParenR"/>
-            </a:pPr>
-            <a:r>
-              <a:rPr lang="en-US" dirty="0"/>
-              <a:t>Decrease wasted time at restaurants</a:t>
-            </a:r>
-          </a:p>
-          <a:p>
-            <a:endParaRPr lang="en-US" dirty="0"/>
+              <a:rPr lang="en-US" sz="1600" dirty="0"/>
+              <a:t>The New York market is </a:t>
+            </a:r>
+            <a:r>
+              <a:rPr lang="en-US" sz="1600" b="1" dirty="0"/>
+              <a:t>strong with significant growth potential</a:t>
+            </a:r>
+            <a:r>
+              <a:rPr lang="en-US" sz="1600" dirty="0"/>
+              <a:t>:</a:t>
+            </a:r>
+          </a:p>
+          <a:p>
+            <a:r>
+              <a:rPr lang="en-US" sz="1600" dirty="0"/>
+              <a:t>Completed 4,700 transactions in the month of October 2014 </a:t>
+            </a:r>
+          </a:p>
+          <a:p>
+            <a:r>
+              <a:rPr lang="en-US" sz="1600" dirty="0"/>
+              <a:t>45-minute average delivery time </a:t>
+            </a:r>
+          </a:p>
+          <a:p>
+            <a:r>
+              <a:rPr lang="en-US" sz="1600" dirty="0"/>
+              <a:t>2,900+ unique customers served; 16% order twice, 6% order three or more times</a:t>
+            </a:r>
+          </a:p>
+          <a:p>
+            <a:r>
+              <a:rPr lang="en-US" sz="1600" dirty="0"/>
+              <a:t>Most popular delivery time is between 6PM-8PM</a:t>
+            </a:r>
           </a:p>
           <a:p>
             <a:pPr marL="0" indent="0">
               <a:buNone/>
             </a:pPr>
-            <a:r>
-              <a:rPr lang="en-US" dirty="0"/>
-              <a:t>The New York market is </a:t>
-            </a:r>
-            <a:r>
-              <a:rPr lang="en-US" b="1" dirty="0"/>
-              <a:t>strong</a:t>
-            </a:r>
-            <a:r>
-              <a:rPr lang="en-US" dirty="0"/>
-              <a:t>:</a:t>
-            </a:r>
-          </a:p>
-          <a:p>
-            <a:r>
-              <a:rPr lang="en-US" dirty="0"/>
-              <a:t>Completed X transactions in the month of October 2014</a:t>
-            </a:r>
-          </a:p>
-          <a:p>
-            <a:r>
-              <a:rPr lang="en-US" dirty="0"/>
-              <a:t>Average delivery time was xx mins</a:t>
-            </a:r>
-          </a:p>
-          <a:p>
-            <a:r>
-              <a:rPr lang="en-US" dirty="0"/>
-              <a:t>X unique customers, over x% order more than once, x% more than twice</a:t>
-            </a:r>
-          </a:p>
-          <a:p>
-            <a:r>
-              <a:rPr lang="en-US" dirty="0"/>
-              <a:t>Dinner is the most popular meal ordered</a:t>
-            </a:r>
-          </a:p>
-          <a:p>
-            <a:endParaRPr lang="en-US" dirty="0"/>
+            <a:endParaRPr lang="en-US" sz="1600" b="1" dirty="0"/>
+          </a:p>
+          <a:p>
+            <a:pPr marL="0" indent="0">
+              <a:buNone/>
+            </a:pPr>
+            <a:r>
+              <a:rPr lang="en-US" sz="1600" b="1" dirty="0"/>
+              <a:t>GROWTH RECOMMENDATION #1: </a:t>
+            </a:r>
+            <a:r>
+              <a:rPr lang="en-US" sz="1600" dirty="0"/>
+              <a:t>TARGETED </a:t>
+            </a:r>
+            <a:r>
+              <a:rPr lang="en-US" sz="1600" dirty="0">
+                <a:solidFill>
+                  <a:srgbClr val="FF0000"/>
+                </a:solidFill>
+              </a:rPr>
+              <a:t>CAMPAIGN</a:t>
+            </a:r>
+            <a:r>
+              <a:rPr lang="en-US" sz="1600" dirty="0"/>
+              <a:t> TO SPECIFIC ZIP CODES</a:t>
+            </a:r>
+          </a:p>
+          <a:p>
+            <a:r>
+              <a:rPr lang="en-US" sz="1600" dirty="0"/>
+              <a:t>[11226, 10025, 11211]: </a:t>
+            </a:r>
+            <a:r>
+              <a:rPr lang="en-US" sz="1600" dirty="0">
+                <a:solidFill>
+                  <a:srgbClr val="FF0000"/>
+                </a:solidFill>
+              </a:rPr>
+              <a:t>have the lowest market penetration rate, </a:t>
+            </a:r>
+            <a:r>
+              <a:rPr lang="en-US" sz="1600" dirty="0"/>
+              <a:t>currently reaching 60 of the 290K potential customers</a:t>
+            </a:r>
+          </a:p>
+          <a:p>
+            <a:r>
+              <a:rPr lang="en-US" sz="1600" dirty="0"/>
+              <a:t>[10282,10007,10069]: </a:t>
+            </a:r>
+            <a:r>
+              <a:rPr lang="en-US" sz="1600" dirty="0">
+                <a:solidFill>
+                  <a:srgbClr val="FF0000"/>
+                </a:solidFill>
+              </a:rPr>
+              <a:t>have the highest </a:t>
+            </a:r>
+            <a:r>
+              <a:rPr lang="en-US" sz="1600" dirty="0"/>
+              <a:t>average household median income $200K+ </a:t>
+            </a:r>
+            <a:r>
+              <a:rPr lang="en-US" sz="1600" dirty="0">
+                <a:solidFill>
+                  <a:srgbClr val="FF0000"/>
+                </a:solidFill>
+              </a:rPr>
+              <a:t>and a low market penetration r</a:t>
+            </a:r>
+            <a:r>
+              <a:rPr lang="en-US" sz="1600" dirty="0"/>
+              <a:t>ate, currently reach 110 of the 17K market potential</a:t>
+            </a:r>
+          </a:p>
+          <a:p>
+            <a:endParaRPr lang="en-US" sz="600" dirty="0"/>
+          </a:p>
+          <a:p>
+            <a:pPr marL="0" indent="0">
+              <a:buNone/>
+            </a:pPr>
+            <a:r>
+              <a:rPr lang="en-US" sz="1600" b="1" dirty="0"/>
+              <a:t>GROWTH RECOMMENDATION #2: </a:t>
+            </a:r>
+            <a:r>
+              <a:rPr lang="en-US" sz="1600" dirty="0"/>
+              <a:t>Focus on Jumpmen and Customer engagement. </a:t>
+            </a:r>
+            <a:r>
+              <a:rPr lang="en-US" sz="1600" dirty="0">
+                <a:solidFill>
+                  <a:srgbClr val="FF0000"/>
+                </a:solidFill>
+              </a:rPr>
+              <a:t>Survey</a:t>
+            </a:r>
+            <a:r>
+              <a:rPr lang="en-US" sz="1600" dirty="0"/>
+              <a:t> the ones who use the service the most to </a:t>
+            </a:r>
+            <a:r>
+              <a:rPr lang="en-US" sz="1600" dirty="0">
+                <a:solidFill>
+                  <a:srgbClr val="FF0000"/>
+                </a:solidFill>
+              </a:rPr>
+              <a:t>to gather feedback on their </a:t>
+            </a:r>
+            <a:r>
+              <a:rPr lang="en-US" sz="1600" dirty="0"/>
+              <a:t>hurdles and challenges. Also engage with the customers who only used once and haven’t returned</a:t>
+            </a:r>
+          </a:p>
+          <a:p>
+            <a:pPr marL="0" indent="0">
+              <a:buNone/>
+            </a:pPr>
+            <a:endParaRPr lang="en-US" sz="600" dirty="0"/>
+          </a:p>
+          <a:p>
+            <a:pPr marL="0" indent="0">
+              <a:buNone/>
+            </a:pPr>
+            <a:r>
+              <a:rPr lang="en-US" sz="1600" b="1" dirty="0"/>
+              <a:t>GROWTH RECOMMENDATION #3: </a:t>
+            </a:r>
+            <a:r>
+              <a:rPr lang="en-US" sz="1600" dirty="0"/>
+              <a:t>Decrease wasted time at restaurants. Explore a restaurant partnership model to minimize the time spent waiting at the pickup location.</a:t>
+            </a:r>
           </a:p>
         </p:txBody>
       </p:sp>
@@ -14421,18 +14930,29 @@
           <a:lstStyle/>
           <a:p>
             <a:r>
+              <a:rPr lang="en-US" dirty="0">
+                <a:solidFill>
+                  <a:schemeClr val="tx1">
+                    <a:lumMod val="50000"/>
+                    <a:lumOff val="50000"/>
+                  </a:schemeClr>
+                </a:solidFill>
+              </a:rPr>
+              <a:t>2</a:t>
+            </a:r>
+            <a:r>
               <a:rPr lang="en-US" b="1" dirty="0"/>
-              <a:t>02 INTRODUCTION</a:t>
+              <a:t> INTRODUCTION</a:t>
             </a:r>
           </a:p>
         </p:txBody>
       </p:sp>
       <p:sp>
         <p:nvSpPr>
-          <p:cNvPr id="14" name="Content Placeholder 13">
+          <p:cNvPr id="24" name="Content Placeholder 23">
             <a:extLst>
               <a:ext uri="{FF2B5EF4-FFF2-40B4-BE49-F238E27FC236}">
-                <a16:creationId xmlns:a16="http://schemas.microsoft.com/office/drawing/2014/main" id="{C401E365-2028-2742-A8F8-605A51B00999}"/>
+                <a16:creationId xmlns:a16="http://schemas.microsoft.com/office/drawing/2014/main" id="{04FCE0AD-685B-E742-9ACC-02B308525902}"/>
               </a:ext>
             </a:extLst>
           </p:cNvPr>
@@ -14443,152 +14963,261 @@
             <p:ph sz="half" idx="2"/>
           </p:nvPr>
         </p:nvSpPr>
-        <p:spPr>
-          <a:xfrm>
-            <a:off x="1163320" y="1825625"/>
-            <a:ext cx="3970154" cy="4351338"/>
-          </a:xfrm>
-        </p:spPr>
+        <p:spPr/>
         <p:txBody>
           <a:bodyPr>
-            <a:noAutofit/>
+            <a:normAutofit fontScale="70000" lnSpcReduction="20000"/>
           </a:bodyPr>
           <a:lstStyle/>
           <a:p>
-            <a:r>
-              <a:rPr lang="en-US" sz="2100" dirty="0"/>
-              <a:t>Jumpman23 is an on-demand delivery platform connecting “</a:t>
-            </a:r>
-            <a:r>
-              <a:rPr lang="en-US" sz="2100" b="1" dirty="0" err="1"/>
-              <a:t>Jumpmen</a:t>
-            </a:r>
-            <a:r>
-              <a:rPr lang="en-US" sz="2100" dirty="0"/>
-              <a:t>” and customers. </a:t>
-            </a:r>
-          </a:p>
-          <a:p>
-            <a:r>
-              <a:rPr lang="en-US" sz="2100" dirty="0" err="1"/>
-              <a:t>Jumpmen</a:t>
-            </a:r>
-            <a:r>
-              <a:rPr lang="en-US" sz="2100" dirty="0"/>
-              <a:t> are sent to merchants to pickup any items requested by the customer. </a:t>
-            </a:r>
-          </a:p>
-          <a:p>
-            <a:r>
-              <a:rPr lang="en-US" sz="2100" dirty="0"/>
-              <a:t>Whenever possible, Jumpman23 will order the  requested items ahead to save the </a:t>
-            </a:r>
-            <a:r>
-              <a:rPr lang="en-US" sz="2100" dirty="0" err="1"/>
-              <a:t>Jumpmen</a:t>
-            </a:r>
-            <a:r>
-              <a:rPr lang="en-US" sz="2100" dirty="0"/>
-              <a:t> time. </a:t>
-            </a:r>
-          </a:p>
-          <a:p>
-            <a:r>
-              <a:rPr lang="en-US" sz="2100" dirty="0"/>
-              <a:t>Each time a Jumpman23 delivery is  completed, a record is saved to the Jumpman23. </a:t>
-            </a:r>
+            <a:pPr marL="0" indent="0">
+              <a:buNone/>
+            </a:pPr>
+            <a:r>
+              <a:rPr lang="en-US" dirty="0"/>
+              <a:t>Assumptions:</a:t>
+            </a:r>
+          </a:p>
+          <a:p>
+            <a:r>
+              <a:rPr lang="en-US" dirty="0"/>
+              <a:t>Place category, item name, item quantity, category name were all replaced with “not disclosed”</a:t>
+            </a:r>
+          </a:p>
+          <a:p>
+            <a:r>
+              <a:rPr lang="en-US" dirty="0"/>
+              <a:t>Estimated time to order using an average value for the dataset as my analysis did not show meaningful deviation by place category </a:t>
+            </a:r>
+          </a:p>
+          <a:p>
+            <a:r>
+              <a:rPr lang="en-US" dirty="0"/>
+              <a:t>Dropped records that did not have Jumpman pickup arrival and departure times</a:t>
+            </a:r>
+          </a:p>
+          <a:p>
+            <a:r>
+              <a:rPr lang="en-US" dirty="0"/>
+              <a:t>Multiple items from the same order were broken out into separate records. I decided to only keep one record per delivery id</a:t>
+            </a:r>
+          </a:p>
+          <a:p>
+            <a:r>
+              <a:rPr lang="en-US" dirty="0"/>
+              <a:t>Excluded records with suspicious values. One record suggested a bicyclist traveled 100+ mph</a:t>
+            </a:r>
+          </a:p>
+          <a:p>
+            <a:endParaRPr lang="en-US" dirty="0"/>
           </a:p>
         </p:txBody>
       </p:sp>
-      <p:graphicFrame>
-        <p:nvGraphicFramePr>
-          <p:cNvPr id="4" name="Diagram 3">
+      <p:sp>
+        <p:nvSpPr>
+          <p:cNvPr id="25" name="Content Placeholder 23">
             <a:extLst>
               <a:ext uri="{FF2B5EF4-FFF2-40B4-BE49-F238E27FC236}">
-                <a16:creationId xmlns:a16="http://schemas.microsoft.com/office/drawing/2014/main" id="{FA3C3F24-4393-BB4C-8E69-B89EDE9F0781}"/>
+                <a16:creationId xmlns:a16="http://schemas.microsoft.com/office/drawing/2014/main" id="{39A61836-5866-3B42-9CE5-F668738B74E6}"/>
               </a:ext>
             </a:extLst>
           </p:cNvPr>
-          <p:cNvGraphicFramePr/>
-          <p:nvPr>
-            <p:extLst>
-              <p:ext uri="{D42A27DB-BD31-4B8C-83A1-F6EECF244321}">
-                <p14:modId xmlns:p14="http://schemas.microsoft.com/office/powerpoint/2010/main" val="3560703784"/>
-              </p:ext>
-            </p:extLst>
-          </p:nvPr>
-        </p:nvGraphicFramePr>
-        <p:xfrm>
-          <a:off x="5715610" y="1708882"/>
-          <a:ext cx="4972057" cy="4712703"/>
-        </p:xfrm>
-        <a:graphic>
-          <a:graphicData uri="http://schemas.openxmlformats.org/drawingml/2006/diagram">
-            <dgm:relIds xmlns:dgm="http://schemas.openxmlformats.org/drawingml/2006/diagram" xmlns:r="http://schemas.openxmlformats.org/officeDocument/2006/relationships" r:dm="rId2" r:lo="rId3" r:qs="rId4" r:cs="rId5"/>
-          </a:graphicData>
-        </a:graphic>
-      </p:graphicFrame>
-      <p:sp>
-        <p:nvSpPr>
-          <p:cNvPr id="17" name="TextBox 16">
-            <a:extLst>
-              <a:ext uri="{FF2B5EF4-FFF2-40B4-BE49-F238E27FC236}">
-                <a16:creationId xmlns:a16="http://schemas.microsoft.com/office/drawing/2014/main" id="{43823BFE-8FD8-6844-9BC9-8DCE7E5EEE24}"/>
-              </a:ext>
-            </a:extLst>
-          </p:cNvPr>
-          <p:cNvSpPr txBox="1"/>
+          <p:cNvSpPr txBox="1">
+            <a:spLocks/>
+          </p:cNvSpPr>
           <p:nvPr/>
         </p:nvSpPr>
         <p:spPr>
           <a:xfrm>
-            <a:off x="7380644" y="3429000"/>
-            <a:ext cx="1641987" cy="923330"/>
+            <a:off x="990600" y="1825625"/>
+            <a:ext cx="5181600" cy="4351338"/>
           </a:xfrm>
           <a:prstGeom prst="rect">
             <a:avLst/>
           </a:prstGeom>
-          <a:solidFill>
-            <a:schemeClr val="bg1">
-              <a:lumMod val="85000"/>
-            </a:schemeClr>
-          </a:solidFill>
-          <a:ln>
-            <a:solidFill>
-              <a:schemeClr val="bg2">
-                <a:lumMod val="90000"/>
-              </a:schemeClr>
-            </a:solidFill>
-          </a:ln>
         </p:spPr>
         <p:txBody>
-          <a:bodyPr wrap="square" rtlCol="0">
-            <a:spAutoFit/>
+          <a:bodyPr vert="horz" lIns="91440" tIns="45720" rIns="91440" bIns="45720" rtlCol="0">
+            <a:normAutofit/>
           </a:bodyPr>
-          <a:lstStyle/>
-          <a:p>
-            <a:pPr algn="ctr"/>
-            <a:r>
-              <a:rPr lang="en-US" dirty="0" err="1"/>
-              <a:t>Jumpman</a:t>
-            </a:r>
+          <a:lstStyle>
+            <a:lvl1pPr marL="228600" indent="-228600" algn="l" defTabSz="914400" rtl="0" eaLnBrk="1" latinLnBrk="0" hangingPunct="1">
+              <a:lnSpc>
+                <a:spcPct val="90000"/>
+              </a:lnSpc>
+              <a:spcBef>
+                <a:spcPts val="1000"/>
+              </a:spcBef>
+              <a:buFont typeface="Arial" panose="020B0604020202020204" pitchFamily="34" charset="0"/>
+              <a:buChar char="•"/>
+              <a:defRPr sz="2800" kern="1200">
+                <a:solidFill>
+                  <a:schemeClr val="tx1"/>
+                </a:solidFill>
+                <a:latin typeface="+mn-lt"/>
+                <a:ea typeface="+mn-ea"/>
+                <a:cs typeface="+mn-cs"/>
+              </a:defRPr>
+            </a:lvl1pPr>
+            <a:lvl2pPr marL="685800" indent="-228600" algn="l" defTabSz="914400" rtl="0" eaLnBrk="1" latinLnBrk="0" hangingPunct="1">
+              <a:lnSpc>
+                <a:spcPct val="90000"/>
+              </a:lnSpc>
+              <a:spcBef>
+                <a:spcPts val="500"/>
+              </a:spcBef>
+              <a:buFont typeface="Arial" panose="020B0604020202020204" pitchFamily="34" charset="0"/>
+              <a:buChar char="•"/>
+              <a:defRPr sz="2400" kern="1200">
+                <a:solidFill>
+                  <a:schemeClr val="tx1"/>
+                </a:solidFill>
+                <a:latin typeface="+mn-lt"/>
+                <a:ea typeface="+mn-ea"/>
+                <a:cs typeface="+mn-cs"/>
+              </a:defRPr>
+            </a:lvl2pPr>
+            <a:lvl3pPr marL="1143000" indent="-228600" algn="l" defTabSz="914400" rtl="0" eaLnBrk="1" latinLnBrk="0" hangingPunct="1">
+              <a:lnSpc>
+                <a:spcPct val="90000"/>
+              </a:lnSpc>
+              <a:spcBef>
+                <a:spcPts val="500"/>
+              </a:spcBef>
+              <a:buFont typeface="Arial" panose="020B0604020202020204" pitchFamily="34" charset="0"/>
+              <a:buChar char="•"/>
+              <a:defRPr sz="2000" kern="1200">
+                <a:solidFill>
+                  <a:schemeClr val="tx1"/>
+                </a:solidFill>
+                <a:latin typeface="+mn-lt"/>
+                <a:ea typeface="+mn-ea"/>
+                <a:cs typeface="+mn-cs"/>
+              </a:defRPr>
+            </a:lvl3pPr>
+            <a:lvl4pPr marL="1600200" indent="-228600" algn="l" defTabSz="914400" rtl="0" eaLnBrk="1" latinLnBrk="0" hangingPunct="1">
+              <a:lnSpc>
+                <a:spcPct val="90000"/>
+              </a:lnSpc>
+              <a:spcBef>
+                <a:spcPts val="500"/>
+              </a:spcBef>
+              <a:buFont typeface="Arial" panose="020B0604020202020204" pitchFamily="34" charset="0"/>
+              <a:buChar char="•"/>
+              <a:defRPr sz="1800" kern="1200">
+                <a:solidFill>
+                  <a:schemeClr val="tx1"/>
+                </a:solidFill>
+                <a:latin typeface="+mn-lt"/>
+                <a:ea typeface="+mn-ea"/>
+                <a:cs typeface="+mn-cs"/>
+              </a:defRPr>
+            </a:lvl4pPr>
+            <a:lvl5pPr marL="2057400" indent="-228600" algn="l" defTabSz="914400" rtl="0" eaLnBrk="1" latinLnBrk="0" hangingPunct="1">
+              <a:lnSpc>
+                <a:spcPct val="90000"/>
+              </a:lnSpc>
+              <a:spcBef>
+                <a:spcPts val="500"/>
+              </a:spcBef>
+              <a:buFont typeface="Arial" panose="020B0604020202020204" pitchFamily="34" charset="0"/>
+              <a:buChar char="•"/>
+              <a:defRPr sz="1800" kern="1200">
+                <a:solidFill>
+                  <a:schemeClr val="tx1"/>
+                </a:solidFill>
+                <a:latin typeface="+mn-lt"/>
+                <a:ea typeface="+mn-ea"/>
+                <a:cs typeface="+mn-cs"/>
+              </a:defRPr>
+            </a:lvl5pPr>
+            <a:lvl6pPr marL="2514600" indent="-228600" algn="l" defTabSz="914400" rtl="0" eaLnBrk="1" latinLnBrk="0" hangingPunct="1">
+              <a:lnSpc>
+                <a:spcPct val="90000"/>
+              </a:lnSpc>
+              <a:spcBef>
+                <a:spcPts val="500"/>
+              </a:spcBef>
+              <a:buFont typeface="Arial" panose="020B0604020202020204" pitchFamily="34" charset="0"/>
+              <a:buChar char="•"/>
+              <a:defRPr sz="1800" kern="1200">
+                <a:solidFill>
+                  <a:schemeClr val="tx1"/>
+                </a:solidFill>
+                <a:latin typeface="+mn-lt"/>
+                <a:ea typeface="+mn-ea"/>
+                <a:cs typeface="+mn-cs"/>
+              </a:defRPr>
+            </a:lvl6pPr>
+            <a:lvl7pPr marL="2971800" indent="-228600" algn="l" defTabSz="914400" rtl="0" eaLnBrk="1" latinLnBrk="0" hangingPunct="1">
+              <a:lnSpc>
+                <a:spcPct val="90000"/>
+              </a:lnSpc>
+              <a:spcBef>
+                <a:spcPts val="500"/>
+              </a:spcBef>
+              <a:buFont typeface="Arial" panose="020B0604020202020204" pitchFamily="34" charset="0"/>
+              <a:buChar char="•"/>
+              <a:defRPr sz="1800" kern="1200">
+                <a:solidFill>
+                  <a:schemeClr val="tx1"/>
+                </a:solidFill>
+                <a:latin typeface="+mn-lt"/>
+                <a:ea typeface="+mn-ea"/>
+                <a:cs typeface="+mn-cs"/>
+              </a:defRPr>
+            </a:lvl7pPr>
+            <a:lvl8pPr marL="3429000" indent="-228600" algn="l" defTabSz="914400" rtl="0" eaLnBrk="1" latinLnBrk="0" hangingPunct="1">
+              <a:lnSpc>
+                <a:spcPct val="90000"/>
+              </a:lnSpc>
+              <a:spcBef>
+                <a:spcPts val="500"/>
+              </a:spcBef>
+              <a:buFont typeface="Arial" panose="020B0604020202020204" pitchFamily="34" charset="0"/>
+              <a:buChar char="•"/>
+              <a:defRPr sz="1800" kern="1200">
+                <a:solidFill>
+                  <a:schemeClr val="tx1"/>
+                </a:solidFill>
+                <a:latin typeface="+mn-lt"/>
+                <a:ea typeface="+mn-ea"/>
+                <a:cs typeface="+mn-cs"/>
+              </a:defRPr>
+            </a:lvl8pPr>
+            <a:lvl9pPr marL="3886200" indent="-228600" algn="l" defTabSz="914400" rtl="0" eaLnBrk="1" latinLnBrk="0" hangingPunct="1">
+              <a:lnSpc>
+                <a:spcPct val="90000"/>
+              </a:lnSpc>
+              <a:spcBef>
+                <a:spcPts val="500"/>
+              </a:spcBef>
+              <a:buFont typeface="Arial" panose="020B0604020202020204" pitchFamily="34" charset="0"/>
+              <a:buChar char="•"/>
+              <a:defRPr sz="1800" kern="1200">
+                <a:solidFill>
+                  <a:schemeClr val="tx1"/>
+                </a:solidFill>
+                <a:latin typeface="+mn-lt"/>
+                <a:ea typeface="+mn-ea"/>
+                <a:cs typeface="+mn-cs"/>
+              </a:defRPr>
+            </a:lvl9pPr>
+          </a:lstStyle>
+          <a:p>
+            <a:pPr marL="0" indent="0">
+              <a:buFont typeface="Arial" panose="020B0604020202020204" pitchFamily="34" charset="0"/>
+              <a:buNone/>
+            </a:pPr>
             <a:r>
               <a:rPr lang="en-US" dirty="0"/>
-              <a:t> </a:t>
-            </a:r>
-          </a:p>
-          <a:p>
-            <a:pPr algn="ctr"/>
+              <a:t>Methodology:</a:t>
+            </a:r>
+          </a:p>
+          <a:p>
             <a:r>
               <a:rPr lang="en-US" dirty="0"/>
-              <a:t>Delivery</a:t>
-            </a:r>
-          </a:p>
-          <a:p>
-            <a:pPr algn="ctr"/>
-            <a:r>
-              <a:rPr lang="en-US" dirty="0"/>
-              <a:t>Journey</a:t>
+              <a:t>XXX</a:t>
             </a:r>
           </a:p>
         </p:txBody>
@@ -14645,8 +15274,19 @@
           <a:lstStyle/>
           <a:p>
             <a:r>
+              <a:rPr lang="en-US" dirty="0">
+                <a:solidFill>
+                  <a:schemeClr val="tx1">
+                    <a:lumMod val="50000"/>
+                    <a:lumOff val="50000"/>
+                  </a:schemeClr>
+                </a:solidFill>
+              </a:rPr>
+              <a:t>3</a:t>
+            </a:r>
+            <a:r>
               <a:rPr lang="en-US" b="1" dirty="0"/>
-              <a:t>03 NEW MARKET ANALYSIS</a:t>
+              <a:t> NEW MARKET ANALYSIS</a:t>
             </a:r>
           </a:p>
         </p:txBody>
@@ -14677,20 +15317,16 @@
             <a:pPr marL="0" indent="0" algn="ctr">
               <a:buNone/>
             </a:pPr>
-            <a:endParaRPr lang="en-US" sz="3000" dirty="0"/>
+            <a:r>
+              <a:rPr lang="en-US" sz="3000" dirty="0"/>
+              <a:t>KNOW THE MARKET </a:t>
+            </a:r>
           </a:p>
           <a:p>
             <a:pPr marL="0" indent="0" algn="ctr">
               <a:buNone/>
             </a:pPr>
-            <a:r>
-              <a:rPr lang="en-US" sz="3000" dirty="0"/>
-              <a:t>KNOW YOUR </a:t>
-            </a:r>
-            <a:r>
-              <a:rPr lang="en-US" sz="3000" b="1" dirty="0"/>
-              <a:t>CUSTOMERS</a:t>
-            </a:r>
+            <a:endParaRPr lang="en-US" sz="1200" dirty="0"/>
           </a:p>
           <a:p>
             <a:pPr marL="0" indent="0" algn="ctr">
@@ -14698,7 +15334,7 @@
             </a:pPr>
             <a:r>
               <a:rPr lang="en-US" sz="3000" b="1" dirty="0"/>
-              <a:t>+</a:t>
+              <a:t>CUSTOMERS</a:t>
             </a:r>
           </a:p>
           <a:p>
@@ -14706,12 +15342,8 @@
               <a:buNone/>
             </a:pPr>
             <a:r>
-              <a:rPr lang="en-US" sz="3000" dirty="0"/>
-              <a:t>KNOW YOUR </a:t>
-            </a:r>
-            <a:r>
               <a:rPr lang="en-US" sz="3000" b="1" dirty="0"/>
-              <a:t>JUMPMEN</a:t>
+              <a:t>+</a:t>
             </a:r>
           </a:p>
           <a:p>
@@ -14720,7 +15352,7 @@
             </a:pPr>
             <a:r>
               <a:rPr lang="en-US" sz="3000" b="1" dirty="0"/>
-              <a:t>+</a:t>
+              <a:t>JUMPMEN</a:t>
             </a:r>
           </a:p>
           <a:p>
@@ -14728,9 +15360,14 @@
               <a:buNone/>
             </a:pPr>
             <a:r>
-              <a:rPr lang="en-US" sz="3000" dirty="0"/>
-              <a:t>UNDERSTAND THE MARKET’S </a:t>
-            </a:r>
+              <a:rPr lang="en-US" sz="3000" b="1" dirty="0"/>
+              <a:t>+</a:t>
+            </a:r>
+          </a:p>
+          <a:p>
+            <a:pPr marL="0" indent="0" algn="ctr">
+              <a:buNone/>
+            </a:pPr>
             <a:r>
               <a:rPr lang="en-US" sz="3000" b="1" dirty="0"/>
               <a:t>BUSINESSES</a:t>
@@ -14791,34 +15428,95 @@
           <a:lstStyle/>
           <a:p>
             <a:r>
+              <a:rPr lang="en-US" dirty="0">
+                <a:solidFill>
+                  <a:schemeClr val="tx1">
+                    <a:lumMod val="50000"/>
+                    <a:lumOff val="50000"/>
+                  </a:schemeClr>
+                </a:solidFill>
+              </a:rPr>
+              <a:t>3.1</a:t>
+            </a:r>
+            <a:r>
               <a:rPr lang="en-US" b="1" dirty="0"/>
-              <a:t>03 NEW MARKET ANALYSIS [CUSTOMERS]</a:t>
+              <a:t> NEW MARKET ANALYSIS [CUSTOMERS]</a:t>
             </a:r>
           </a:p>
         </p:txBody>
       </p:sp>
-      <p:sp>
-        <p:nvSpPr>
-          <p:cNvPr id="3" name="Content Placeholder 2">
+      <p:pic>
+        <p:nvPicPr>
+          <p:cNvPr id="4" name="slide2" descr="Deliveries">
             <a:extLst>
               <a:ext uri="{FF2B5EF4-FFF2-40B4-BE49-F238E27FC236}">
-                <a16:creationId xmlns:a16="http://schemas.microsoft.com/office/drawing/2014/main" id="{65E9DD70-76F8-1B4A-B591-46D67652A7A2}"/>
+                <a16:creationId xmlns:a16="http://schemas.microsoft.com/office/drawing/2014/main" id="{DDD3D3BD-2829-9D4B-A1F1-0CB9B4FE7501}"/>
               </a:ext>
             </a:extLst>
           </p:cNvPr>
-          <p:cNvSpPr>
-            <a:spLocks noGrp="1"/>
-          </p:cNvSpPr>
-          <p:nvPr>
-            <p:ph idx="1"/>
-          </p:nvPr>
+          <p:cNvPicPr>
+            <a:picLocks noChangeAspect="1"/>
+          </p:cNvPicPr>
+          <p:nvPr/>
+        </p:nvPicPr>
+        <p:blipFill>
+          <a:blip r:embed="rId2">
+            <a:extLst>
+              <a:ext uri="{28A0092B-C50C-407E-A947-70E740481C1C}">
+                <a14:useLocalDpi xmlns:a14="http://schemas.microsoft.com/office/drawing/2010/main" val="0"/>
+              </a:ext>
+            </a:extLst>
+          </a:blip>
+          <a:stretch>
+            <a:fillRect/>
+          </a:stretch>
+        </p:blipFill>
+        <p:spPr>
+          <a:xfrm>
+            <a:off x="6096000" y="1690688"/>
+            <a:ext cx="3910664" cy="4480560"/>
+          </a:xfrm>
+          <a:prstGeom prst="rect">
+            <a:avLst/>
+          </a:prstGeom>
+        </p:spPr>
+      </p:pic>
+      <p:sp>
+        <p:nvSpPr>
+          <p:cNvPr id="5" name="TextBox 4">
+            <a:extLst>
+              <a:ext uri="{FF2B5EF4-FFF2-40B4-BE49-F238E27FC236}">
+                <a16:creationId xmlns:a16="http://schemas.microsoft.com/office/drawing/2014/main" id="{8F0C48AC-47B4-9B46-A914-04444F607DE8}"/>
+              </a:ext>
+            </a:extLst>
+          </p:cNvPr>
+          <p:cNvSpPr txBox="1"/>
+          <p:nvPr/>
         </p:nvSpPr>
-        <p:spPr/>
+        <p:spPr>
+          <a:xfrm>
+            <a:off x="1018572" y="1840375"/>
+            <a:ext cx="4595150" cy="369332"/>
+          </a:xfrm>
+          <a:prstGeom prst="rect">
+            <a:avLst/>
+          </a:prstGeom>
+          <a:noFill/>
+        </p:spPr>
         <p:txBody>
-          <a:bodyPr/>
+          <a:bodyPr wrap="square" rtlCol="0">
+            <a:spAutoFit/>
+          </a:bodyPr>
           <a:lstStyle/>
           <a:p>
-            <a:endParaRPr lang="en-US"/>
+            <a:r>
+              <a:rPr lang="en-US" dirty="0">
+                <a:solidFill>
+                  <a:srgbClr val="FF0000"/>
+                </a:solidFill>
+              </a:rPr>
+              <a:t>What are the key findings?</a:t>
+            </a:r>
           </a:p>
         </p:txBody>
       </p:sp>
@@ -14874,8 +15572,19 @@
           <a:lstStyle/>
           <a:p>
             <a:r>
+              <a:rPr lang="en-US" dirty="0">
+                <a:solidFill>
+                  <a:schemeClr val="tx1">
+                    <a:lumMod val="50000"/>
+                    <a:lumOff val="50000"/>
+                  </a:schemeClr>
+                </a:solidFill>
+              </a:rPr>
+              <a:t>3.2</a:t>
+            </a:r>
+            <a:r>
               <a:rPr lang="en-US" b="1" dirty="0"/>
-              <a:t>03 NEW MARKET ANALYSIS [JUMPMEN]</a:t>
+              <a:t> NEW MARKET ANALYSIS [JUMPMEN]</a:t>
             </a:r>
           </a:p>
         </p:txBody>
@@ -14898,8 +15607,8 @@
         </p:nvSpPr>
         <p:spPr>
           <a:xfrm>
-            <a:off x="6449960" y="1825625"/>
-            <a:ext cx="4903839" cy="4351338"/>
+            <a:off x="1017639" y="3443030"/>
+            <a:ext cx="4903839" cy="1460500"/>
           </a:xfrm>
         </p:spPr>
         <p:txBody>
@@ -14908,19 +15617,6 @@
           </a:bodyPr>
           <a:lstStyle/>
           <a:p>
-            <a:pPr marL="0" indent="0" algn="ctr">
-              <a:buNone/>
-            </a:pPr>
-            <a:r>
-              <a:rPr lang="en-US" sz="2600" dirty="0"/>
-              <a:t>In the month of </a:t>
-            </a:r>
-            <a:r>
-              <a:rPr lang="en-US" sz="2600" b="1" dirty="0"/>
-              <a:t>October 2014:</a:t>
-            </a:r>
-          </a:p>
-          <a:p>
             <a:pPr marL="0" indent="0">
               <a:buNone/>
             </a:pPr>
@@ -14932,15 +15628,7 @@
             </a:pPr>
             <a:r>
               <a:rPr lang="en-US" sz="2600" dirty="0"/>
-              <a:t>565 </a:t>
-            </a:r>
-            <a:r>
-              <a:rPr lang="en-US" sz="2600" dirty="0" err="1"/>
-              <a:t>Jumpmen</a:t>
-            </a:r>
-            <a:r>
-              <a:rPr lang="en-US" sz="2600" dirty="0"/>
-              <a:t> on the platform</a:t>
+              <a:t>83,000 minutes spent waiting at businesses, or ~1,400 hours</a:t>
             </a:r>
           </a:p>
           <a:p>
@@ -14948,89 +15636,9 @@
               <a:buNone/>
             </a:pPr>
             <a:r>
-              <a:rPr lang="en-US" sz="1300" dirty="0"/>
-              <a:t>      </a:t>
-            </a:r>
-            <a:r>
               <a:rPr lang="en-US" sz="1200" dirty="0"/>
-              <a:t>The average </a:t>
-            </a:r>
-            <a:r>
-              <a:rPr lang="en-US" sz="1200" dirty="0" err="1"/>
-              <a:t>Jumpman</a:t>
-            </a:r>
-            <a:r>
-              <a:rPr lang="en-US" sz="1200" dirty="0"/>
-              <a:t> completed 8.3 deliveries, or one every four day</a:t>
-            </a:r>
-            <a:r>
-              <a:rPr lang="en-US" sz="1300" dirty="0"/>
-              <a:t>s</a:t>
-            </a:r>
-          </a:p>
-          <a:p>
-            <a:pPr marL="0" indent="0">
-              <a:buNone/>
-            </a:pPr>
-            <a:endParaRPr lang="en-US" sz="1400" dirty="0"/>
-          </a:p>
-          <a:p>
-            <a:pPr marL="0" indent="0">
-              <a:buNone/>
-            </a:pPr>
-            <a:r>
-              <a:rPr lang="en-US" sz="2600" dirty="0"/>
-              <a:t>5,400+ total miles traveled*</a:t>
-            </a:r>
-          </a:p>
-          <a:p>
-            <a:pPr marL="0" indent="0">
-              <a:buNone/>
-            </a:pPr>
-            <a:r>
-              <a:rPr lang="en-US" sz="1200" dirty="0"/>
-              <a:t>      72% of deliveries via bicycle, 21% by car</a:t>
-            </a:r>
-          </a:p>
-          <a:p>
-            <a:pPr marL="0" indent="0">
-              <a:buNone/>
-            </a:pPr>
-            <a:endParaRPr lang="en-US" sz="1400" dirty="0"/>
-          </a:p>
-          <a:p>
-            <a:pPr marL="0" indent="0">
-              <a:buNone/>
-            </a:pPr>
-            <a:r>
-              <a:rPr lang="en-US" sz="2600" dirty="0"/>
-              <a:t>83,000 minutes spent waiting at businesses, or ~1,400 hours</a:t>
-            </a:r>
-          </a:p>
-          <a:p>
-            <a:pPr marL="0" indent="0">
-              <a:buNone/>
-            </a:pPr>
-            <a:r>
-              <a:rPr lang="en-US" sz="1200" dirty="0"/>
-              <a:t>      </a:t>
-            </a:r>
-            <a:endParaRPr lang="en-US" sz="2600" dirty="0"/>
-          </a:p>
-          <a:p>
-            <a:pPr marL="0" indent="0">
-              <a:buNone/>
-            </a:pPr>
-            <a:r>
-              <a:rPr lang="en-US" sz="2600" dirty="0"/>
-              <a:t>  </a:t>
-            </a:r>
-          </a:p>
-          <a:p>
-            <a:pPr marL="0" indent="0">
-              <a:buNone/>
-            </a:pPr>
-            <a:endParaRPr lang="en-US" sz="1200" dirty="0"/>
+              <a:t>Average wait time of 17 minutes</a:t>
+            </a:r>
           </a:p>
         </p:txBody>
       </p:sp>
@@ -15056,228 +15664,194 @@
         </p:blipFill>
         <p:spPr>
           <a:xfrm>
-            <a:off x="104022" y="1777668"/>
-            <a:ext cx="5161102" cy="2432869"/>
+            <a:off x="6466953" y="1378134"/>
+            <a:ext cx="4069743" cy="1918418"/>
           </a:xfrm>
           <a:prstGeom prst="rect">
             <a:avLst/>
           </a:prstGeom>
         </p:spPr>
       </p:pic>
-      <p:pic>
-        <p:nvPicPr>
-          <p:cNvPr id="6" name="Picture 5">
+      <p:grpSp>
+        <p:nvGrpSpPr>
+          <p:cNvPr id="26" name="Group 25">
             <a:extLst>
               <a:ext uri="{FF2B5EF4-FFF2-40B4-BE49-F238E27FC236}">
-                <a16:creationId xmlns:a16="http://schemas.microsoft.com/office/drawing/2014/main" id="{96AF72D2-37EB-AF40-B7DD-DE8C15B4468D}"/>
+                <a16:creationId xmlns:a16="http://schemas.microsoft.com/office/drawing/2014/main" id="{EDFDC4BD-9C5D-6041-9C0C-0C2FBABA6FEF}"/>
               </a:ext>
             </a:extLst>
           </p:cNvPr>
-          <p:cNvPicPr>
-            <a:picLocks noChangeAspect="1"/>
-          </p:cNvPicPr>
+          <p:cNvGrpSpPr/>
           <p:nvPr/>
-        </p:nvPicPr>
-        <p:blipFill>
-          <a:blip r:embed="rId3"/>
-          <a:stretch>
-            <a:fillRect/>
-          </a:stretch>
-        </p:blipFill>
-        <p:spPr>
+        </p:nvGrpSpPr>
+        <p:grpSpPr>
           <a:xfrm>
-            <a:off x="-8969" y="4513595"/>
-            <a:ext cx="2727807" cy="2286000"/>
+            <a:off x="7613988" y="3328029"/>
+            <a:ext cx="2165746" cy="1814973"/>
+            <a:chOff x="-8969" y="4284987"/>
+            <a:chExt cx="2727807" cy="2286000"/>
           </a:xfrm>
-          <a:prstGeom prst="rect">
-            <a:avLst/>
-          </a:prstGeom>
-        </p:spPr>
-      </p:pic>
-      <p:pic>
-        <p:nvPicPr>
-          <p:cNvPr id="15" name="Picture 14">
+        </p:grpSpPr>
+        <p:pic>
+          <p:nvPicPr>
+            <p:cNvPr id="6" name="Picture 5">
+              <a:extLst>
+                <a:ext uri="{FF2B5EF4-FFF2-40B4-BE49-F238E27FC236}">
+                  <a16:creationId xmlns:a16="http://schemas.microsoft.com/office/drawing/2014/main" id="{96AF72D2-37EB-AF40-B7DD-DE8C15B4468D}"/>
+                </a:ext>
+              </a:extLst>
+            </p:cNvPr>
+            <p:cNvPicPr>
+              <a:picLocks noChangeAspect="1"/>
+            </p:cNvPicPr>
+            <p:nvPr/>
+          </p:nvPicPr>
+          <p:blipFill>
+            <a:blip r:embed="rId3"/>
+            <a:stretch>
+              <a:fillRect/>
+            </a:stretch>
+          </p:blipFill>
+          <p:spPr>
+            <a:xfrm>
+              <a:off x="-8969" y="4284987"/>
+              <a:ext cx="2727807" cy="2286000"/>
+            </a:xfrm>
+            <a:prstGeom prst="rect">
+              <a:avLst/>
+            </a:prstGeom>
+          </p:spPr>
+        </p:pic>
+        <p:sp>
+          <p:nvSpPr>
+            <p:cNvPr id="17" name="TextBox 16">
+              <a:extLst>
+                <a:ext uri="{FF2B5EF4-FFF2-40B4-BE49-F238E27FC236}">
+                  <a16:creationId xmlns:a16="http://schemas.microsoft.com/office/drawing/2014/main" id="{52FE82C5-5136-4140-81C8-AB89B1AEFD62}"/>
+                </a:ext>
+              </a:extLst>
+            </p:cNvPr>
+            <p:cNvSpPr txBox="1"/>
+            <p:nvPr/>
+          </p:nvSpPr>
+          <p:spPr>
+            <a:xfrm>
+              <a:off x="1676784" y="5840633"/>
+              <a:ext cx="857588" cy="271357"/>
+            </a:xfrm>
+            <a:prstGeom prst="rect">
+              <a:avLst/>
+            </a:prstGeom>
+            <a:solidFill>
+              <a:schemeClr val="bg1">
+                <a:lumMod val="85000"/>
+              </a:schemeClr>
+            </a:solidFill>
+          </p:spPr>
+          <p:txBody>
+            <a:bodyPr wrap="square" rtlCol="0">
+              <a:spAutoFit/>
+            </a:bodyPr>
+            <a:lstStyle/>
+            <a:p>
+              <a:r>
+                <a:rPr lang="en-US" sz="800" dirty="0"/>
+                <a:t>max = 59</a:t>
+              </a:r>
+            </a:p>
+          </p:txBody>
+        </p:sp>
+      </p:grpSp>
+      <p:grpSp>
+        <p:nvGrpSpPr>
+          <p:cNvPr id="27" name="Group 26">
             <a:extLst>
               <a:ext uri="{FF2B5EF4-FFF2-40B4-BE49-F238E27FC236}">
-                <a16:creationId xmlns:a16="http://schemas.microsoft.com/office/drawing/2014/main" id="{CBEF5E2F-181E-4241-B770-FD853168FA9A}"/>
+                <a16:creationId xmlns:a16="http://schemas.microsoft.com/office/drawing/2014/main" id="{9F1D3798-79B1-194A-9A40-11EEDA9563D4}"/>
               </a:ext>
             </a:extLst>
           </p:cNvPr>
-          <p:cNvPicPr>
-            <a:picLocks noChangeAspect="1"/>
-          </p:cNvPicPr>
+          <p:cNvGrpSpPr/>
           <p:nvPr/>
-        </p:nvPicPr>
-        <p:blipFill>
-          <a:blip r:embed="rId4"/>
-          <a:stretch>
-            <a:fillRect/>
-          </a:stretch>
-        </p:blipFill>
-        <p:spPr>
+        </p:nvGrpSpPr>
+        <p:grpSpPr>
           <a:xfrm>
-            <a:off x="2861712" y="4513595"/>
-            <a:ext cx="2752512" cy="2286000"/>
+            <a:off x="7648398" y="5201214"/>
+            <a:ext cx="2131336" cy="1770105"/>
+            <a:chOff x="2861712" y="4284987"/>
+            <a:chExt cx="2752512" cy="2286000"/>
           </a:xfrm>
-          <a:prstGeom prst="rect">
-            <a:avLst/>
-          </a:prstGeom>
-        </p:spPr>
-      </p:pic>
-      <p:sp>
-        <p:nvSpPr>
-          <p:cNvPr id="16" name="TextBox 15">
-            <a:extLst>
-              <a:ext uri="{FF2B5EF4-FFF2-40B4-BE49-F238E27FC236}">
-                <a16:creationId xmlns:a16="http://schemas.microsoft.com/office/drawing/2014/main" id="{CB900575-CEBB-0D41-81A2-9393862CDF3F}"/>
-              </a:ext>
-            </a:extLst>
-          </p:cNvPr>
-          <p:cNvSpPr txBox="1"/>
-          <p:nvPr/>
-        </p:nvSpPr>
-        <p:spPr>
-          <a:xfrm>
-            <a:off x="6192698" y="6461041"/>
-            <a:ext cx="1504336" cy="338554"/>
-          </a:xfrm>
-          <a:prstGeom prst="rect">
-            <a:avLst/>
-          </a:prstGeom>
-          <a:noFill/>
-        </p:spPr>
-        <p:txBody>
-          <a:bodyPr wrap="square" rtlCol="0">
-            <a:spAutoFit/>
-          </a:bodyPr>
-          <a:lstStyle/>
-          <a:p>
-            <a:pPr algn="ctr"/>
-            <a:r>
-              <a:rPr lang="en-US" sz="800" dirty="0"/>
-              <a:t>*based on Haversine distance</a:t>
-            </a:r>
-          </a:p>
-          <a:p>
-            <a:pPr algn="ctr"/>
-            <a:endParaRPr lang="en-US" sz="800" dirty="0"/>
-          </a:p>
-        </p:txBody>
-      </p:sp>
-      <p:sp>
-        <p:nvSpPr>
-          <p:cNvPr id="17" name="TextBox 16">
-            <a:extLst>
-              <a:ext uri="{FF2B5EF4-FFF2-40B4-BE49-F238E27FC236}">
-                <a16:creationId xmlns:a16="http://schemas.microsoft.com/office/drawing/2014/main" id="{52FE82C5-5136-4140-81C8-AB89B1AEFD62}"/>
-              </a:ext>
-            </a:extLst>
-          </p:cNvPr>
-          <p:cNvSpPr txBox="1"/>
-          <p:nvPr/>
-        </p:nvSpPr>
-        <p:spPr>
-          <a:xfrm>
-            <a:off x="1963573" y="6069241"/>
-            <a:ext cx="570799" cy="215444"/>
-          </a:xfrm>
-          <a:prstGeom prst="rect">
-            <a:avLst/>
-          </a:prstGeom>
-          <a:solidFill>
-            <a:schemeClr val="bg1">
-              <a:lumMod val="85000"/>
-            </a:schemeClr>
-          </a:solidFill>
-        </p:spPr>
-        <p:txBody>
-          <a:bodyPr wrap="square" rtlCol="0">
-            <a:spAutoFit/>
-          </a:bodyPr>
-          <a:lstStyle/>
-          <a:p>
-            <a:r>
-              <a:rPr lang="en-US" sz="800" dirty="0"/>
-              <a:t>max = 59</a:t>
-            </a:r>
-          </a:p>
-        </p:txBody>
-      </p:sp>
-      <p:sp>
-        <p:nvSpPr>
-          <p:cNvPr id="18" name="TextBox 17">
-            <a:extLst>
-              <a:ext uri="{FF2B5EF4-FFF2-40B4-BE49-F238E27FC236}">
-                <a16:creationId xmlns:a16="http://schemas.microsoft.com/office/drawing/2014/main" id="{188AFE1C-3AB2-2C49-A08B-8B4AA259B31B}"/>
-              </a:ext>
-            </a:extLst>
-          </p:cNvPr>
-          <p:cNvSpPr txBox="1"/>
-          <p:nvPr/>
-        </p:nvSpPr>
-        <p:spPr>
-          <a:xfrm>
-            <a:off x="3477833" y="4933183"/>
-            <a:ext cx="661789" cy="215444"/>
-          </a:xfrm>
-          <a:prstGeom prst="rect">
-            <a:avLst/>
-          </a:prstGeom>
-          <a:solidFill>
-            <a:schemeClr val="bg1">
-              <a:lumMod val="85000"/>
-            </a:schemeClr>
-          </a:solidFill>
-        </p:spPr>
-        <p:txBody>
-          <a:bodyPr wrap="square" rtlCol="0">
-            <a:spAutoFit/>
-          </a:bodyPr>
-          <a:lstStyle/>
-          <a:p>
-            <a:r>
-              <a:rPr lang="en-US" sz="800" dirty="0"/>
-              <a:t>max = 17.7</a:t>
-            </a:r>
-          </a:p>
-        </p:txBody>
-      </p:sp>
-      <p:sp>
-        <p:nvSpPr>
-          <p:cNvPr id="19" name="TextBox 18">
-            <a:extLst>
-              <a:ext uri="{FF2B5EF4-FFF2-40B4-BE49-F238E27FC236}">
-                <a16:creationId xmlns:a16="http://schemas.microsoft.com/office/drawing/2014/main" id="{FEC5783A-9E1C-1D48-B802-9B0ADF0D8B3A}"/>
-              </a:ext>
-            </a:extLst>
-          </p:cNvPr>
-          <p:cNvSpPr txBox="1"/>
-          <p:nvPr/>
-        </p:nvSpPr>
-        <p:spPr>
-          <a:xfrm>
-            <a:off x="6193949" y="5250732"/>
-            <a:ext cx="2579300" cy="276999"/>
-          </a:xfrm>
-          <a:prstGeom prst="rect">
-            <a:avLst/>
-          </a:prstGeom>
-          <a:noFill/>
-        </p:spPr>
-        <p:txBody>
-          <a:bodyPr wrap="square" rtlCol="0">
-            <a:spAutoFit/>
-          </a:bodyPr>
-          <a:lstStyle/>
-          <a:p>
-            <a:pPr algn="ctr"/>
-            <a:r>
-              <a:rPr lang="en-US" sz="1200" dirty="0"/>
-              <a:t>Average wait time of 17 minutes</a:t>
-            </a:r>
-          </a:p>
-        </p:txBody>
-      </p:sp>
+        </p:grpSpPr>
+        <p:pic>
+          <p:nvPicPr>
+            <p:cNvPr id="15" name="Picture 14">
+              <a:extLst>
+                <a:ext uri="{FF2B5EF4-FFF2-40B4-BE49-F238E27FC236}">
+                  <a16:creationId xmlns:a16="http://schemas.microsoft.com/office/drawing/2014/main" id="{CBEF5E2F-181E-4241-B770-FD853168FA9A}"/>
+                </a:ext>
+              </a:extLst>
+            </p:cNvPr>
+            <p:cNvPicPr>
+              <a:picLocks noChangeAspect="1"/>
+            </p:cNvPicPr>
+            <p:nvPr/>
+          </p:nvPicPr>
+          <p:blipFill>
+            <a:blip r:embed="rId4"/>
+            <a:stretch>
+              <a:fillRect/>
+            </a:stretch>
+          </p:blipFill>
+          <p:spPr>
+            <a:xfrm>
+              <a:off x="2861712" y="4284987"/>
+              <a:ext cx="2752512" cy="2286000"/>
+            </a:xfrm>
+            <a:prstGeom prst="rect">
+              <a:avLst/>
+            </a:prstGeom>
+          </p:spPr>
+        </p:pic>
+        <p:sp>
+          <p:nvSpPr>
+            <p:cNvPr id="18" name="TextBox 17">
+              <a:extLst>
+                <a:ext uri="{FF2B5EF4-FFF2-40B4-BE49-F238E27FC236}">
+                  <a16:creationId xmlns:a16="http://schemas.microsoft.com/office/drawing/2014/main" id="{188AFE1C-3AB2-2C49-A08B-8B4AA259B31B}"/>
+                </a:ext>
+              </a:extLst>
+            </p:cNvPr>
+            <p:cNvSpPr txBox="1"/>
+            <p:nvPr/>
+          </p:nvSpPr>
+          <p:spPr>
+            <a:xfrm>
+              <a:off x="3477833" y="4704576"/>
+              <a:ext cx="838220" cy="278235"/>
+            </a:xfrm>
+            <a:prstGeom prst="rect">
+              <a:avLst/>
+            </a:prstGeom>
+            <a:solidFill>
+              <a:schemeClr val="bg1">
+                <a:lumMod val="85000"/>
+              </a:schemeClr>
+            </a:solidFill>
+          </p:spPr>
+          <p:txBody>
+            <a:bodyPr wrap="square" rtlCol="0">
+              <a:spAutoFit/>
+            </a:bodyPr>
+            <a:lstStyle/>
+            <a:p>
+              <a:r>
+                <a:rPr lang="en-US" sz="800" dirty="0"/>
+                <a:t>max = 17.7</a:t>
+              </a:r>
+            </a:p>
+          </p:txBody>
+        </p:sp>
+      </p:grpSp>
       <p:pic>
         <p:nvPicPr>
           <p:cNvPr id="21" name="Graphic 20" descr="Lightbulb">
@@ -15306,43 +15880,7 @@
         </p:blipFill>
         <p:spPr>
           <a:xfrm>
-            <a:off x="6069791" y="2476064"/>
-            <a:ext cx="358879" cy="358879"/>
-          </a:xfrm>
-          <a:prstGeom prst="rect">
-            <a:avLst/>
-          </a:prstGeom>
-        </p:spPr>
-      </p:pic>
-      <p:pic>
-        <p:nvPicPr>
-          <p:cNvPr id="22" name="Graphic 21" descr="Lightbulb">
-            <a:extLst>
-              <a:ext uri="{FF2B5EF4-FFF2-40B4-BE49-F238E27FC236}">
-                <a16:creationId xmlns:a16="http://schemas.microsoft.com/office/drawing/2014/main" id="{E2F62179-F737-524A-A265-B78EE95BE976}"/>
-              </a:ext>
-            </a:extLst>
-          </p:cNvPr>
-          <p:cNvPicPr>
-            <a:picLocks noChangeAspect="1"/>
-          </p:cNvPicPr>
-          <p:nvPr/>
-        </p:nvPicPr>
-        <p:blipFill>
-          <a:blip r:embed="rId5">
-            <a:extLst>
-              <a:ext uri="{96DAC541-7B7A-43D3-8B79-37D633B846F1}">
-                <asvg:svgBlip xmlns:asvg="http://schemas.microsoft.com/office/drawing/2016/SVG/main" r:embed="rId6"/>
-              </a:ext>
-            </a:extLst>
-          </a:blip>
-          <a:stretch>
-            <a:fillRect/>
-          </a:stretch>
-        </p:blipFill>
-        <p:spPr>
-          <a:xfrm>
-            <a:off x="6069791" y="3642415"/>
+            <a:off x="760148" y="3600898"/>
             <a:ext cx="358879" cy="358879"/>
           </a:xfrm>
           <a:prstGeom prst="rect">
@@ -15378,7 +15916,7 @@
         </p:blipFill>
         <p:spPr>
           <a:xfrm>
-            <a:off x="6069792" y="4749814"/>
+            <a:off x="788184" y="5510710"/>
             <a:ext cx="358879" cy="358879"/>
           </a:xfrm>
           <a:prstGeom prst="rect">
@@ -15386,6 +15924,263 @@
           </a:prstGeom>
         </p:spPr>
       </p:pic>
+      <p:sp>
+        <p:nvSpPr>
+          <p:cNvPr id="24" name="Rectangle 23">
+            <a:extLst>
+              <a:ext uri="{FF2B5EF4-FFF2-40B4-BE49-F238E27FC236}">
+                <a16:creationId xmlns:a16="http://schemas.microsoft.com/office/drawing/2014/main" id="{2BAD205F-EAF6-B148-BF05-88F5324CD0C7}"/>
+              </a:ext>
+            </a:extLst>
+          </p:cNvPr>
+          <p:cNvSpPr/>
+          <p:nvPr/>
+        </p:nvSpPr>
+        <p:spPr>
+          <a:xfrm>
+            <a:off x="1045675" y="5436196"/>
+            <a:ext cx="6096000" cy="677108"/>
+          </a:xfrm>
+          <a:prstGeom prst="rect">
+            <a:avLst/>
+          </a:prstGeom>
+        </p:spPr>
+        <p:txBody>
+          <a:bodyPr>
+            <a:spAutoFit/>
+          </a:bodyPr>
+          <a:lstStyle/>
+          <a:p>
+            <a:r>
+              <a:rPr lang="en-US" sz="2600" dirty="0"/>
+              <a:t>565 Jumpmen on the platform</a:t>
+            </a:r>
+          </a:p>
+          <a:p>
+            <a:r>
+              <a:rPr lang="en-US" sz="1200" dirty="0"/>
+              <a:t>The average Jumpman completed 8.3 deliveries, or one every four days</a:t>
+            </a:r>
+          </a:p>
+        </p:txBody>
+      </p:sp>
+      <p:grpSp>
+        <p:nvGrpSpPr>
+          <p:cNvPr id="31" name="Group 30">
+            <a:extLst>
+              <a:ext uri="{FF2B5EF4-FFF2-40B4-BE49-F238E27FC236}">
+                <a16:creationId xmlns:a16="http://schemas.microsoft.com/office/drawing/2014/main" id="{AB64131B-1027-3640-9EF8-3A4BA9B8A222}"/>
+              </a:ext>
+            </a:extLst>
+          </p:cNvPr>
+          <p:cNvGrpSpPr/>
+          <p:nvPr/>
+        </p:nvGrpSpPr>
+        <p:grpSpPr>
+          <a:xfrm>
+            <a:off x="815050" y="1811410"/>
+            <a:ext cx="4646567" cy="1225909"/>
+            <a:chOff x="600885" y="1788038"/>
+            <a:chExt cx="4646567" cy="1225909"/>
+          </a:xfrm>
+        </p:grpSpPr>
+        <p:sp>
+          <p:nvSpPr>
+            <p:cNvPr id="16" name="TextBox 15">
+              <a:extLst>
+                <a:ext uri="{FF2B5EF4-FFF2-40B4-BE49-F238E27FC236}">
+                  <a16:creationId xmlns:a16="http://schemas.microsoft.com/office/drawing/2014/main" id="{CB900575-CEBB-0D41-81A2-9393862CDF3F}"/>
+                </a:ext>
+              </a:extLst>
+            </p:cNvPr>
+            <p:cNvSpPr txBox="1"/>
+            <p:nvPr/>
+          </p:nvSpPr>
+          <p:spPr>
+            <a:xfrm>
+              <a:off x="919334" y="2675393"/>
+              <a:ext cx="1504336" cy="338554"/>
+            </a:xfrm>
+            <a:prstGeom prst="rect">
+              <a:avLst/>
+            </a:prstGeom>
+            <a:noFill/>
+          </p:spPr>
+          <p:txBody>
+            <a:bodyPr wrap="square" rtlCol="0">
+              <a:spAutoFit/>
+            </a:bodyPr>
+            <a:lstStyle/>
+            <a:p>
+              <a:pPr algn="ctr"/>
+              <a:r>
+                <a:rPr lang="en-US" sz="800" dirty="0"/>
+                <a:t>*based on Haversine distance</a:t>
+              </a:r>
+            </a:p>
+            <a:p>
+              <a:pPr algn="ctr"/>
+              <a:endParaRPr lang="en-US" sz="800" dirty="0"/>
+            </a:p>
+          </p:txBody>
+        </p:sp>
+        <p:pic>
+          <p:nvPicPr>
+            <p:cNvPr id="22" name="Graphic 21" descr="Lightbulb">
+              <a:extLst>
+                <a:ext uri="{FF2B5EF4-FFF2-40B4-BE49-F238E27FC236}">
+                  <a16:creationId xmlns:a16="http://schemas.microsoft.com/office/drawing/2014/main" id="{E2F62179-F737-524A-A265-B78EE95BE976}"/>
+                </a:ext>
+              </a:extLst>
+            </p:cNvPr>
+            <p:cNvPicPr>
+              <a:picLocks noChangeAspect="1"/>
+            </p:cNvPicPr>
+            <p:nvPr/>
+          </p:nvPicPr>
+          <p:blipFill>
+            <a:blip r:embed="rId5">
+              <a:extLst>
+                <a:ext uri="{96DAC541-7B7A-43D3-8B79-37D633B846F1}">
+                  <asvg:svgBlip xmlns:asvg="http://schemas.microsoft.com/office/drawing/2016/SVG/main" r:embed="rId6"/>
+                </a:ext>
+              </a:extLst>
+            </a:blip>
+            <a:stretch>
+              <a:fillRect/>
+            </a:stretch>
+          </p:blipFill>
+          <p:spPr>
+            <a:xfrm>
+              <a:off x="600885" y="1861292"/>
+              <a:ext cx="358879" cy="358879"/>
+            </a:xfrm>
+            <a:prstGeom prst="rect">
+              <a:avLst/>
+            </a:prstGeom>
+          </p:spPr>
+        </p:pic>
+        <p:sp>
+          <p:nvSpPr>
+            <p:cNvPr id="25" name="Rectangle 24">
+              <a:extLst>
+                <a:ext uri="{FF2B5EF4-FFF2-40B4-BE49-F238E27FC236}">
+                  <a16:creationId xmlns:a16="http://schemas.microsoft.com/office/drawing/2014/main" id="{E2D59C09-D64D-1F40-A329-5EB351BC3A09}"/>
+                </a:ext>
+              </a:extLst>
+            </p:cNvPr>
+            <p:cNvSpPr/>
+            <p:nvPr/>
+          </p:nvSpPr>
+          <p:spPr>
+            <a:xfrm>
+              <a:off x="919334" y="1788038"/>
+              <a:ext cx="4328118" cy="769441"/>
+            </a:xfrm>
+            <a:prstGeom prst="rect">
+              <a:avLst/>
+            </a:prstGeom>
+          </p:spPr>
+          <p:txBody>
+            <a:bodyPr wrap="square">
+              <a:spAutoFit/>
+            </a:bodyPr>
+            <a:lstStyle/>
+            <a:p>
+              <a:r>
+                <a:rPr lang="en-US" sz="2600" dirty="0"/>
+                <a:t>5,400+ total miles traveled*</a:t>
+              </a:r>
+            </a:p>
+            <a:p>
+              <a:r>
+                <a:rPr lang="en-US" dirty="0"/>
+                <a:t> </a:t>
+              </a:r>
+              <a:r>
+                <a:rPr lang="en-US" sz="1200" dirty="0"/>
+                <a:t>72% of deliveries via bicycle, 21% by car</a:t>
+              </a:r>
+            </a:p>
+          </p:txBody>
+        </p:sp>
+      </p:grpSp>
+      <p:cxnSp>
+        <p:nvCxnSpPr>
+          <p:cNvPr id="29" name="Straight Connector 28">
+            <a:extLst>
+              <a:ext uri="{FF2B5EF4-FFF2-40B4-BE49-F238E27FC236}">
+                <a16:creationId xmlns:a16="http://schemas.microsoft.com/office/drawing/2014/main" id="{9A8F8DA5-0F8C-AE4C-AB32-6C5AC68B80B1}"/>
+              </a:ext>
+            </a:extLst>
+          </p:cNvPr>
+          <p:cNvCxnSpPr>
+            <a:cxnSpLocks/>
+          </p:cNvCxnSpPr>
+          <p:nvPr/>
+        </p:nvCxnSpPr>
+        <p:spPr>
+          <a:xfrm>
+            <a:off x="815050" y="3296552"/>
+            <a:ext cx="10538750" cy="0"/>
+          </a:xfrm>
+          <a:prstGeom prst="line">
+            <a:avLst/>
+          </a:prstGeom>
+        </p:spPr>
+        <p:style>
+          <a:lnRef idx="1">
+            <a:schemeClr val="dk1"/>
+          </a:lnRef>
+          <a:fillRef idx="0">
+            <a:schemeClr val="dk1"/>
+          </a:fillRef>
+          <a:effectRef idx="0">
+            <a:schemeClr val="dk1"/>
+          </a:effectRef>
+          <a:fontRef idx="minor">
+            <a:schemeClr val="tx1"/>
+          </a:fontRef>
+        </p:style>
+      </p:cxnSp>
+      <p:cxnSp>
+        <p:nvCxnSpPr>
+          <p:cNvPr id="36" name="Straight Connector 35">
+            <a:extLst>
+              <a:ext uri="{FF2B5EF4-FFF2-40B4-BE49-F238E27FC236}">
+                <a16:creationId xmlns:a16="http://schemas.microsoft.com/office/drawing/2014/main" id="{D7AF7DA0-2A6D-6646-B690-448BF9C9B062}"/>
+              </a:ext>
+            </a:extLst>
+          </p:cNvPr>
+          <p:cNvCxnSpPr>
+            <a:cxnSpLocks/>
+          </p:cNvCxnSpPr>
+          <p:nvPr/>
+        </p:nvCxnSpPr>
+        <p:spPr>
+          <a:xfrm>
+            <a:off x="815050" y="5144513"/>
+            <a:ext cx="10538750" cy="0"/>
+          </a:xfrm>
+          <a:prstGeom prst="line">
+            <a:avLst/>
+          </a:prstGeom>
+        </p:spPr>
+        <p:style>
+          <a:lnRef idx="1">
+            <a:schemeClr val="dk1"/>
+          </a:lnRef>
+          <a:fillRef idx="0">
+            <a:schemeClr val="dk1"/>
+          </a:fillRef>
+          <a:effectRef idx="0">
+            <a:schemeClr val="dk1"/>
+          </a:effectRef>
+          <a:fontRef idx="minor">
+            <a:schemeClr val="tx1"/>
+          </a:fontRef>
+        </p:style>
+      </p:cxnSp>
     </p:spTree>
     <p:extLst>
       <p:ext uri="{BB962C8B-B14F-4D97-AF65-F5344CB8AC3E}">
@@ -15400,6 +16195,381 @@
 </file>
 
 <file path=ppt/slides/slide8.xml><?xml version="1.0" encoding="utf-8"?>
+<p:sld xmlns:a="http://schemas.openxmlformats.org/drawingml/2006/main" xmlns:r="http://schemas.openxmlformats.org/officeDocument/2006/relationships" xmlns:p="http://schemas.openxmlformats.org/presentationml/2006/main">
+  <p:cSld>
+    <p:spTree>
+      <p:nvGrpSpPr>
+        <p:cNvPr id="1" name=""/>
+        <p:cNvGrpSpPr/>
+        <p:nvPr/>
+      </p:nvGrpSpPr>
+      <p:grpSpPr>
+        <a:xfrm>
+          <a:off x="0" y="0"/>
+          <a:ext cx="0" cy="0"/>
+          <a:chOff x="0" y="0"/>
+          <a:chExt cx="0" cy="0"/>
+        </a:xfrm>
+      </p:grpSpPr>
+      <p:sp>
+        <p:nvSpPr>
+          <p:cNvPr id="2" name="Title 1">
+            <a:extLst>
+              <a:ext uri="{FF2B5EF4-FFF2-40B4-BE49-F238E27FC236}">
+                <a16:creationId xmlns:a16="http://schemas.microsoft.com/office/drawing/2014/main" id="{7CF832C4-7622-494F-9E4C-79C79E79ABD9}"/>
+              </a:ext>
+            </a:extLst>
+          </p:cNvPr>
+          <p:cNvSpPr>
+            <a:spLocks noGrp="1"/>
+          </p:cNvSpPr>
+          <p:nvPr>
+            <p:ph type="title"/>
+          </p:nvPr>
+        </p:nvSpPr>
+        <p:spPr/>
+        <p:txBody>
+          <a:bodyPr/>
+          <a:lstStyle/>
+          <a:p>
+            <a:r>
+              <a:rPr lang="en-US" dirty="0">
+                <a:solidFill>
+                  <a:schemeClr val="tx1">
+                    <a:lumMod val="50000"/>
+                    <a:lumOff val="50000"/>
+                  </a:schemeClr>
+                </a:solidFill>
+              </a:rPr>
+              <a:t>3.2.1</a:t>
+            </a:r>
+            <a:r>
+              <a:rPr lang="en-US" dirty="0"/>
+              <a:t> Understanding the Jumpman Journey</a:t>
+            </a:r>
+          </a:p>
+        </p:txBody>
+      </p:sp>
+      <p:sp>
+        <p:nvSpPr>
+          <p:cNvPr id="5" name="Content Placeholder 13">
+            <a:extLst>
+              <a:ext uri="{FF2B5EF4-FFF2-40B4-BE49-F238E27FC236}">
+                <a16:creationId xmlns:a16="http://schemas.microsoft.com/office/drawing/2014/main" id="{92E4A5FA-12EC-A14E-8D79-8CE28FF0C7C8}"/>
+              </a:ext>
+            </a:extLst>
+          </p:cNvPr>
+          <p:cNvSpPr txBox="1">
+            <a:spLocks/>
+          </p:cNvSpPr>
+          <p:nvPr/>
+        </p:nvSpPr>
+        <p:spPr>
+          <a:xfrm>
+            <a:off x="1163320" y="1825625"/>
+            <a:ext cx="3970154" cy="4351338"/>
+          </a:xfrm>
+          <a:prstGeom prst="rect">
+            <a:avLst/>
+          </a:prstGeom>
+        </p:spPr>
+        <p:txBody>
+          <a:bodyPr vert="horz" lIns="91440" tIns="45720" rIns="91440" bIns="45720" rtlCol="0">
+            <a:noAutofit/>
+          </a:bodyPr>
+          <a:lstStyle>
+            <a:lvl1pPr marL="228600" indent="-228600" algn="l" defTabSz="914400" rtl="0" eaLnBrk="1" latinLnBrk="0" hangingPunct="1">
+              <a:lnSpc>
+                <a:spcPct val="90000"/>
+              </a:lnSpc>
+              <a:spcBef>
+                <a:spcPts val="1000"/>
+              </a:spcBef>
+              <a:buFont typeface="Arial" panose="020B0604020202020204" pitchFamily="34" charset="0"/>
+              <a:buChar char="•"/>
+              <a:defRPr sz="2800" kern="1200">
+                <a:solidFill>
+                  <a:schemeClr val="tx1"/>
+                </a:solidFill>
+                <a:latin typeface="+mn-lt"/>
+                <a:ea typeface="+mn-ea"/>
+                <a:cs typeface="+mn-cs"/>
+              </a:defRPr>
+            </a:lvl1pPr>
+            <a:lvl2pPr marL="685800" indent="-228600" algn="l" defTabSz="914400" rtl="0" eaLnBrk="1" latinLnBrk="0" hangingPunct="1">
+              <a:lnSpc>
+                <a:spcPct val="90000"/>
+              </a:lnSpc>
+              <a:spcBef>
+                <a:spcPts val="500"/>
+              </a:spcBef>
+              <a:buFont typeface="Arial" panose="020B0604020202020204" pitchFamily="34" charset="0"/>
+              <a:buChar char="•"/>
+              <a:defRPr sz="2400" kern="1200">
+                <a:solidFill>
+                  <a:schemeClr val="tx1"/>
+                </a:solidFill>
+                <a:latin typeface="+mn-lt"/>
+                <a:ea typeface="+mn-ea"/>
+                <a:cs typeface="+mn-cs"/>
+              </a:defRPr>
+            </a:lvl2pPr>
+            <a:lvl3pPr marL="1143000" indent="-228600" algn="l" defTabSz="914400" rtl="0" eaLnBrk="1" latinLnBrk="0" hangingPunct="1">
+              <a:lnSpc>
+                <a:spcPct val="90000"/>
+              </a:lnSpc>
+              <a:spcBef>
+                <a:spcPts val="500"/>
+              </a:spcBef>
+              <a:buFont typeface="Arial" panose="020B0604020202020204" pitchFamily="34" charset="0"/>
+              <a:buChar char="•"/>
+              <a:defRPr sz="2000" kern="1200">
+                <a:solidFill>
+                  <a:schemeClr val="tx1"/>
+                </a:solidFill>
+                <a:latin typeface="+mn-lt"/>
+                <a:ea typeface="+mn-ea"/>
+                <a:cs typeface="+mn-cs"/>
+              </a:defRPr>
+            </a:lvl3pPr>
+            <a:lvl4pPr marL="1600200" indent="-228600" algn="l" defTabSz="914400" rtl="0" eaLnBrk="1" latinLnBrk="0" hangingPunct="1">
+              <a:lnSpc>
+                <a:spcPct val="90000"/>
+              </a:lnSpc>
+              <a:spcBef>
+                <a:spcPts val="500"/>
+              </a:spcBef>
+              <a:buFont typeface="Arial" panose="020B0604020202020204" pitchFamily="34" charset="0"/>
+              <a:buChar char="•"/>
+              <a:defRPr sz="1800" kern="1200">
+                <a:solidFill>
+                  <a:schemeClr val="tx1"/>
+                </a:solidFill>
+                <a:latin typeface="+mn-lt"/>
+                <a:ea typeface="+mn-ea"/>
+                <a:cs typeface="+mn-cs"/>
+              </a:defRPr>
+            </a:lvl4pPr>
+            <a:lvl5pPr marL="2057400" indent="-228600" algn="l" defTabSz="914400" rtl="0" eaLnBrk="1" latinLnBrk="0" hangingPunct="1">
+              <a:lnSpc>
+                <a:spcPct val="90000"/>
+              </a:lnSpc>
+              <a:spcBef>
+                <a:spcPts val="500"/>
+              </a:spcBef>
+              <a:buFont typeface="Arial" panose="020B0604020202020204" pitchFamily="34" charset="0"/>
+              <a:buChar char="•"/>
+              <a:defRPr sz="1800" kern="1200">
+                <a:solidFill>
+                  <a:schemeClr val="tx1"/>
+                </a:solidFill>
+                <a:latin typeface="+mn-lt"/>
+                <a:ea typeface="+mn-ea"/>
+                <a:cs typeface="+mn-cs"/>
+              </a:defRPr>
+            </a:lvl5pPr>
+            <a:lvl6pPr marL="2514600" indent="-228600" algn="l" defTabSz="914400" rtl="0" eaLnBrk="1" latinLnBrk="0" hangingPunct="1">
+              <a:lnSpc>
+                <a:spcPct val="90000"/>
+              </a:lnSpc>
+              <a:spcBef>
+                <a:spcPts val="500"/>
+              </a:spcBef>
+              <a:buFont typeface="Arial" panose="020B0604020202020204" pitchFamily="34" charset="0"/>
+              <a:buChar char="•"/>
+              <a:defRPr sz="1800" kern="1200">
+                <a:solidFill>
+                  <a:schemeClr val="tx1"/>
+                </a:solidFill>
+                <a:latin typeface="+mn-lt"/>
+                <a:ea typeface="+mn-ea"/>
+                <a:cs typeface="+mn-cs"/>
+              </a:defRPr>
+            </a:lvl6pPr>
+            <a:lvl7pPr marL="2971800" indent="-228600" algn="l" defTabSz="914400" rtl="0" eaLnBrk="1" latinLnBrk="0" hangingPunct="1">
+              <a:lnSpc>
+                <a:spcPct val="90000"/>
+              </a:lnSpc>
+              <a:spcBef>
+                <a:spcPts val="500"/>
+              </a:spcBef>
+              <a:buFont typeface="Arial" panose="020B0604020202020204" pitchFamily="34" charset="0"/>
+              <a:buChar char="•"/>
+              <a:defRPr sz="1800" kern="1200">
+                <a:solidFill>
+                  <a:schemeClr val="tx1"/>
+                </a:solidFill>
+                <a:latin typeface="+mn-lt"/>
+                <a:ea typeface="+mn-ea"/>
+                <a:cs typeface="+mn-cs"/>
+              </a:defRPr>
+            </a:lvl7pPr>
+            <a:lvl8pPr marL="3429000" indent="-228600" algn="l" defTabSz="914400" rtl="0" eaLnBrk="1" latinLnBrk="0" hangingPunct="1">
+              <a:lnSpc>
+                <a:spcPct val="90000"/>
+              </a:lnSpc>
+              <a:spcBef>
+                <a:spcPts val="500"/>
+              </a:spcBef>
+              <a:buFont typeface="Arial" panose="020B0604020202020204" pitchFamily="34" charset="0"/>
+              <a:buChar char="•"/>
+              <a:defRPr sz="1800" kern="1200">
+                <a:solidFill>
+                  <a:schemeClr val="tx1"/>
+                </a:solidFill>
+                <a:latin typeface="+mn-lt"/>
+                <a:ea typeface="+mn-ea"/>
+                <a:cs typeface="+mn-cs"/>
+              </a:defRPr>
+            </a:lvl8pPr>
+            <a:lvl9pPr marL="3886200" indent="-228600" algn="l" defTabSz="914400" rtl="0" eaLnBrk="1" latinLnBrk="0" hangingPunct="1">
+              <a:lnSpc>
+                <a:spcPct val="90000"/>
+              </a:lnSpc>
+              <a:spcBef>
+                <a:spcPts val="500"/>
+              </a:spcBef>
+              <a:buFont typeface="Arial" panose="020B0604020202020204" pitchFamily="34" charset="0"/>
+              <a:buChar char="•"/>
+              <a:defRPr sz="1800" kern="1200">
+                <a:solidFill>
+                  <a:schemeClr val="tx1"/>
+                </a:solidFill>
+                <a:latin typeface="+mn-lt"/>
+                <a:ea typeface="+mn-ea"/>
+                <a:cs typeface="+mn-cs"/>
+              </a:defRPr>
+            </a:lvl9pPr>
+          </a:lstStyle>
+          <a:p>
+            <a:r>
+              <a:rPr lang="en-US" sz="2100" dirty="0"/>
+              <a:t>Jumpman23 is an on-demand delivery platform connecting “</a:t>
+            </a:r>
+            <a:r>
+              <a:rPr lang="en-US" sz="2100" b="1" dirty="0"/>
+              <a:t>Jumpmen</a:t>
+            </a:r>
+            <a:r>
+              <a:rPr lang="en-US" sz="2100" dirty="0"/>
+              <a:t>” and customers. </a:t>
+            </a:r>
+          </a:p>
+          <a:p>
+            <a:r>
+              <a:rPr lang="en-US" sz="2100" dirty="0"/>
+              <a:t>Jumpmen are sent to merchants to pickup any items requested by the customer. </a:t>
+            </a:r>
+          </a:p>
+          <a:p>
+            <a:r>
+              <a:rPr lang="en-US" sz="2100" dirty="0"/>
+              <a:t>Whenever possible, Jumpman23 will order the  requested items ahead to save the Jumpmen time. </a:t>
+            </a:r>
+          </a:p>
+          <a:p>
+            <a:r>
+              <a:rPr lang="en-US" sz="2100" dirty="0"/>
+              <a:t>Each time a Jumpman23 delivery is  completed, a record is saved to the Jumpman23. </a:t>
+            </a:r>
+          </a:p>
+        </p:txBody>
+      </p:sp>
+      <p:graphicFrame>
+        <p:nvGraphicFramePr>
+          <p:cNvPr id="6" name="Diagram 5">
+            <a:extLst>
+              <a:ext uri="{FF2B5EF4-FFF2-40B4-BE49-F238E27FC236}">
+                <a16:creationId xmlns:a16="http://schemas.microsoft.com/office/drawing/2014/main" id="{BFB95A0F-348D-024D-9C5C-3978C84D2EA9}"/>
+              </a:ext>
+            </a:extLst>
+          </p:cNvPr>
+          <p:cNvGraphicFramePr/>
+          <p:nvPr>
+            <p:extLst>
+              <p:ext uri="{D42A27DB-BD31-4B8C-83A1-F6EECF244321}">
+                <p14:modId xmlns:p14="http://schemas.microsoft.com/office/powerpoint/2010/main" val="1981062134"/>
+              </p:ext>
+            </p:extLst>
+          </p:nvPr>
+        </p:nvGraphicFramePr>
+        <p:xfrm>
+          <a:off x="5715610" y="1708882"/>
+          <a:ext cx="4972057" cy="4712703"/>
+        </p:xfrm>
+        <a:graphic>
+          <a:graphicData uri="http://schemas.openxmlformats.org/drawingml/2006/diagram">
+            <dgm:relIds xmlns:dgm="http://schemas.openxmlformats.org/drawingml/2006/diagram" xmlns:r="http://schemas.openxmlformats.org/officeDocument/2006/relationships" r:dm="rId2" r:lo="rId3" r:qs="rId4" r:cs="rId5"/>
+          </a:graphicData>
+        </a:graphic>
+      </p:graphicFrame>
+      <p:sp>
+        <p:nvSpPr>
+          <p:cNvPr id="7" name="TextBox 6">
+            <a:extLst>
+              <a:ext uri="{FF2B5EF4-FFF2-40B4-BE49-F238E27FC236}">
+                <a16:creationId xmlns:a16="http://schemas.microsoft.com/office/drawing/2014/main" id="{FAA75B54-9849-E540-8122-5C4A88939DE5}"/>
+              </a:ext>
+            </a:extLst>
+          </p:cNvPr>
+          <p:cNvSpPr txBox="1"/>
+          <p:nvPr/>
+        </p:nvSpPr>
+        <p:spPr>
+          <a:xfrm>
+            <a:off x="7380644" y="3429000"/>
+            <a:ext cx="1641987" cy="923330"/>
+          </a:xfrm>
+          <a:prstGeom prst="rect">
+            <a:avLst/>
+          </a:prstGeom>
+          <a:noFill/>
+          <a:ln>
+            <a:noFill/>
+          </a:ln>
+        </p:spPr>
+        <p:txBody>
+          <a:bodyPr wrap="square" rtlCol="0">
+            <a:spAutoFit/>
+          </a:bodyPr>
+          <a:lstStyle/>
+          <a:p>
+            <a:pPr algn="ctr"/>
+            <a:r>
+              <a:rPr lang="en-US" b="1" dirty="0"/>
+              <a:t>Jumpman </a:t>
+            </a:r>
+          </a:p>
+          <a:p>
+            <a:pPr algn="ctr"/>
+            <a:r>
+              <a:rPr lang="en-US" b="1" dirty="0"/>
+              <a:t>Delivery</a:t>
+            </a:r>
+          </a:p>
+          <a:p>
+            <a:pPr algn="ctr"/>
+            <a:r>
+              <a:rPr lang="en-US" b="1" dirty="0"/>
+              <a:t>Journey</a:t>
+            </a:r>
+          </a:p>
+        </p:txBody>
+      </p:sp>
+    </p:spTree>
+    <p:extLst>
+      <p:ext uri="{BB962C8B-B14F-4D97-AF65-F5344CB8AC3E}">
+        <p14:creationId xmlns:p14="http://schemas.microsoft.com/office/powerpoint/2010/main" val="2628053026"/>
+      </p:ext>
+    </p:extLst>
+  </p:cSld>
+  <p:clrMapOvr>
+    <a:masterClrMapping/>
+  </p:clrMapOvr>
+</p:sld>
+</file>
+
+<file path=ppt/slides/slide9.xml><?xml version="1.0" encoding="utf-8"?>
 <p:sld xmlns:a="http://schemas.openxmlformats.org/drawingml/2006/main" xmlns:r="http://schemas.openxmlformats.org/officeDocument/2006/relationships" xmlns:p="http://schemas.openxmlformats.org/presentationml/2006/main" show="0">
   <p:cSld>
     <p:spTree>
@@ -15438,12 +16608,8 @@
           <a:lstStyle/>
           <a:p>
             <a:r>
-              <a:rPr lang="en-US" dirty="0" err="1"/>
-              <a:t>Jumpmen</a:t>
-            </a:r>
-            <a:r>
               <a:rPr lang="en-US" dirty="0"/>
-              <a:t> misc.</a:t>
+              <a:t>Jumpmen misc.</a:t>
             </a:r>
           </a:p>
         </p:txBody>
@@ -15483,129 +16649,6 @@
     <p:extLst>
       <p:ext uri="{BB962C8B-B14F-4D97-AF65-F5344CB8AC3E}">
         <p14:creationId xmlns:p14="http://schemas.microsoft.com/office/powerpoint/2010/main" val="3841840666"/>
-      </p:ext>
-    </p:extLst>
-  </p:cSld>
-  <p:clrMapOvr>
-    <a:masterClrMapping/>
-  </p:clrMapOvr>
-</p:sld>
-</file>
-
-<file path=ppt/slides/slide9.xml><?xml version="1.0" encoding="utf-8"?>
-<p:sld xmlns:a="http://schemas.openxmlformats.org/drawingml/2006/main" xmlns:r="http://schemas.openxmlformats.org/officeDocument/2006/relationships" xmlns:p="http://schemas.openxmlformats.org/presentationml/2006/main">
-  <p:cSld>
-    <p:spTree>
-      <p:nvGrpSpPr>
-        <p:cNvPr id="1" name=""/>
-        <p:cNvGrpSpPr/>
-        <p:nvPr/>
-      </p:nvGrpSpPr>
-      <p:grpSpPr>
-        <a:xfrm>
-          <a:off x="0" y="0"/>
-          <a:ext cx="0" cy="0"/>
-          <a:chOff x="0" y="0"/>
-          <a:chExt cx="0" cy="0"/>
-        </a:xfrm>
-      </p:grpSpPr>
-      <p:pic>
-        <p:nvPicPr>
-          <p:cNvPr id="6" name="Picture 5" descr="Text&#10;&#10;Description automatically generated">
-            <a:extLst>
-              <a:ext uri="{FF2B5EF4-FFF2-40B4-BE49-F238E27FC236}">
-                <a16:creationId xmlns:a16="http://schemas.microsoft.com/office/drawing/2014/main" id="{4787C4A7-26E7-FC44-B82B-522CCD87E220}"/>
-              </a:ext>
-            </a:extLst>
-          </p:cNvPr>
-          <p:cNvPicPr>
-            <a:picLocks noChangeAspect="1"/>
-          </p:cNvPicPr>
-          <p:nvPr/>
-        </p:nvPicPr>
-        <p:blipFill>
-          <a:blip r:embed="rId3"/>
-          <a:stretch>
-            <a:fillRect/>
-          </a:stretch>
-        </p:blipFill>
-        <p:spPr>
-          <a:xfrm>
-            <a:off x="206478" y="1128513"/>
-            <a:ext cx="6698574" cy="5042296"/>
-          </a:xfrm>
-          <a:prstGeom prst="rect">
-            <a:avLst/>
-          </a:prstGeom>
-        </p:spPr>
-      </p:pic>
-      <p:sp>
-        <p:nvSpPr>
-          <p:cNvPr id="2" name="Title 1">
-            <a:extLst>
-              <a:ext uri="{FF2B5EF4-FFF2-40B4-BE49-F238E27FC236}">
-                <a16:creationId xmlns:a16="http://schemas.microsoft.com/office/drawing/2014/main" id="{FB41548D-C3D9-F640-99CE-71F1CF5E7F96}"/>
-              </a:ext>
-            </a:extLst>
-          </p:cNvPr>
-          <p:cNvSpPr>
-            <a:spLocks noGrp="1"/>
-          </p:cNvSpPr>
-          <p:nvPr>
-            <p:ph type="title"/>
-          </p:nvPr>
-        </p:nvSpPr>
-        <p:spPr/>
-        <p:txBody>
-          <a:bodyPr/>
-          <a:lstStyle/>
-          <a:p>
-            <a:r>
-              <a:rPr lang="en-US" b="1" dirty="0"/>
-              <a:t>03 NEW MARKET ANALYSIS [BUSINESSES]</a:t>
-            </a:r>
-          </a:p>
-        </p:txBody>
-      </p:sp>
-      <p:pic>
-        <p:nvPicPr>
-          <p:cNvPr id="4" name="slide2" descr="Pickup">
-            <a:extLst>
-              <a:ext uri="{FF2B5EF4-FFF2-40B4-BE49-F238E27FC236}">
-                <a16:creationId xmlns:a16="http://schemas.microsoft.com/office/drawing/2014/main" id="{7F02E02E-6222-D147-98D0-687819BA61CF}"/>
-              </a:ext>
-            </a:extLst>
-          </p:cNvPr>
-          <p:cNvPicPr>
-            <a:picLocks noChangeAspect="1"/>
-          </p:cNvPicPr>
-          <p:nvPr/>
-        </p:nvPicPr>
-        <p:blipFill rotWithShape="1">
-          <a:blip r:embed="rId4">
-            <a:extLst>
-              <a:ext uri="{28A0092B-C50C-407E-A947-70E740481C1C}">
-                <a14:useLocalDpi xmlns:a14="http://schemas.microsoft.com/office/drawing/2010/main" val="0"/>
-              </a:ext>
-            </a:extLst>
-          </a:blip>
-          <a:srcRect l="-1" r="42097"/>
-          <a:stretch/>
-        </p:blipFill>
-        <p:spPr>
-          <a:xfrm>
-            <a:off x="7248221" y="1462810"/>
-            <a:ext cx="4572756" cy="4572000"/>
-          </a:xfrm>
-          <a:prstGeom prst="rect">
-            <a:avLst/>
-          </a:prstGeom>
-        </p:spPr>
-      </p:pic>
-    </p:spTree>
-    <p:extLst>
-      <p:ext uri="{BB962C8B-B14F-4D97-AF65-F5344CB8AC3E}">
-        <p14:creationId xmlns:p14="http://schemas.microsoft.com/office/powerpoint/2010/main" val="1006251923"/>
       </p:ext>
     </p:extLst>
   </p:cSld>

--- a/Stephen_Stark_Analysis.pptx
+++ b/Stephen_Stark_Analysis.pptx
@@ -16,18 +16,18 @@
     <p:sldId id="272" r:id="rId7"/>
     <p:sldId id="274" r:id="rId8"/>
     <p:sldId id="277" r:id="rId9"/>
-    <p:sldId id="275" r:id="rId10"/>
-    <p:sldId id="273" r:id="rId11"/>
-    <p:sldId id="278" r:id="rId12"/>
-    <p:sldId id="260" r:id="rId13"/>
-    <p:sldId id="259" r:id="rId14"/>
-    <p:sldId id="269" r:id="rId15"/>
-    <p:sldId id="261" r:id="rId16"/>
-    <p:sldId id="262" r:id="rId17"/>
-    <p:sldId id="263" r:id="rId18"/>
-    <p:sldId id="264" r:id="rId19"/>
-    <p:sldId id="265" r:id="rId20"/>
-    <p:sldId id="267" r:id="rId21"/>
+    <p:sldId id="273" r:id="rId10"/>
+    <p:sldId id="278" r:id="rId11"/>
+    <p:sldId id="260" r:id="rId12"/>
+    <p:sldId id="269" r:id="rId13"/>
+    <p:sldId id="263" r:id="rId14"/>
+    <p:sldId id="264" r:id="rId15"/>
+    <p:sldId id="265" r:id="rId16"/>
+    <p:sldId id="267" r:id="rId17"/>
+    <p:sldId id="261" r:id="rId18"/>
+    <p:sldId id="259" r:id="rId19"/>
+    <p:sldId id="279" r:id="rId20"/>
+    <p:sldId id="275" r:id="rId21"/>
   </p:sldIdLst>
   <p:sldSz cx="12192000" cy="6858000"/>
   <p:notesSz cx="6858000" cy="9144000"/>
@@ -142,6 +142,683 @@
 </file>
 
 <file path=ppt/charts/chart1.xml><?xml version="1.0" encoding="utf-8"?>
+<c:chartSpace xmlns:c="http://schemas.openxmlformats.org/drawingml/2006/chart" xmlns:a="http://schemas.openxmlformats.org/drawingml/2006/main" xmlns:r="http://schemas.openxmlformats.org/officeDocument/2006/relationships" xmlns:c16r2="http://schemas.microsoft.com/office/drawing/2015/06/chart">
+  <c:date1904 val="0"/>
+  <c:lang val="en-US"/>
+  <c:roundedCorners val="0"/>
+  <mc:AlternateContent xmlns:mc="http://schemas.openxmlformats.org/markup-compatibility/2006">
+    <mc:Choice xmlns:c14="http://schemas.microsoft.com/office/drawing/2007/8/2/chart" Requires="c14">
+      <c14:style val="102"/>
+    </mc:Choice>
+    <mc:Fallback>
+      <c:style val="2"/>
+    </mc:Fallback>
+  </mc:AlternateContent>
+  <c:chart>
+    <c:title>
+      <c:tx>
+        <c:rich>
+          <a:bodyPr rot="0" spcFirstLastPara="1" vertOverflow="ellipsis" vert="horz" wrap="square" anchor="ctr" anchorCtr="1"/>
+          <a:lstStyle/>
+          <a:p>
+            <a:pPr>
+              <a:defRPr sz="1862" b="0" i="0" u="none" strike="noStrike" kern="1200" spc="0" baseline="0">
+                <a:solidFill>
+                  <a:schemeClr val="tx1">
+                    <a:lumMod val="65000"/>
+                    <a:lumOff val="35000"/>
+                  </a:schemeClr>
+                </a:solidFill>
+                <a:latin typeface="+mn-lt"/>
+                <a:ea typeface="+mn-ea"/>
+                <a:cs typeface="+mn-cs"/>
+              </a:defRPr>
+            </a:pPr>
+            <a:r>
+              <a:rPr lang="en-US" dirty="0"/>
+              <a:t>Customer Loyalty</a:t>
+            </a:r>
+          </a:p>
+        </c:rich>
+      </c:tx>
+      <c:overlay val="0"/>
+      <c:spPr>
+        <a:noFill/>
+        <a:ln>
+          <a:noFill/>
+        </a:ln>
+        <a:effectLst/>
+      </c:spPr>
+      <c:txPr>
+        <a:bodyPr rot="0" spcFirstLastPara="1" vertOverflow="ellipsis" vert="horz" wrap="square" anchor="ctr" anchorCtr="1"/>
+        <a:lstStyle/>
+        <a:p>
+          <a:pPr>
+            <a:defRPr sz="1862" b="0" i="0" u="none" strike="noStrike" kern="1200" spc="0" baseline="0">
+              <a:solidFill>
+                <a:schemeClr val="tx1">
+                  <a:lumMod val="65000"/>
+                  <a:lumOff val="35000"/>
+                </a:schemeClr>
+              </a:solidFill>
+              <a:latin typeface="+mn-lt"/>
+              <a:ea typeface="+mn-ea"/>
+              <a:cs typeface="+mn-cs"/>
+            </a:defRPr>
+          </a:pPr>
+          <a:endParaRPr lang="en-US"/>
+        </a:p>
+      </c:txPr>
+    </c:title>
+    <c:autoTitleDeleted val="0"/>
+    <c:plotArea>
+      <c:layout/>
+      <c:barChart>
+        <c:barDir val="col"/>
+        <c:grouping val="clustered"/>
+        <c:varyColors val="0"/>
+        <c:ser>
+          <c:idx val="0"/>
+          <c:order val="0"/>
+          <c:tx>
+            <c:strRef>
+              <c:f>Sheet1!$B$1</c:f>
+              <c:strCache>
+                <c:ptCount val="1"/>
+                <c:pt idx="0">
+                  <c:v>Series 1</c:v>
+                </c:pt>
+              </c:strCache>
+            </c:strRef>
+          </c:tx>
+          <c:spPr>
+            <a:solidFill>
+              <a:schemeClr val="accent1"/>
+            </a:solidFill>
+            <a:ln>
+              <a:noFill/>
+            </a:ln>
+            <a:effectLst/>
+          </c:spPr>
+          <c:invertIfNegative val="0"/>
+          <c:dLbls>
+            <c:spPr>
+              <a:noFill/>
+              <a:ln>
+                <a:noFill/>
+              </a:ln>
+              <a:effectLst/>
+            </c:spPr>
+            <c:txPr>
+              <a:bodyPr rot="0" spcFirstLastPara="1" vertOverflow="ellipsis" vert="horz" wrap="square" lIns="38100" tIns="19050" rIns="38100" bIns="19050" anchor="ctr" anchorCtr="1">
+                <a:spAutoFit/>
+              </a:bodyPr>
+              <a:lstStyle/>
+              <a:p>
+                <a:pPr>
+                  <a:defRPr sz="1197" b="0" i="0" u="none" strike="noStrike" kern="1200" baseline="0">
+                    <a:solidFill>
+                      <a:schemeClr val="tx1">
+                        <a:lumMod val="75000"/>
+                        <a:lumOff val="25000"/>
+                      </a:schemeClr>
+                    </a:solidFill>
+                    <a:latin typeface="+mn-lt"/>
+                    <a:ea typeface="+mn-ea"/>
+                    <a:cs typeface="+mn-cs"/>
+                  </a:defRPr>
+                </a:pPr>
+                <a:endParaRPr lang="en-US"/>
+              </a:p>
+            </c:txPr>
+            <c:dLblPos val="inBase"/>
+            <c:showLegendKey val="0"/>
+            <c:showVal val="1"/>
+            <c:showCatName val="0"/>
+            <c:showSerName val="0"/>
+            <c:showPercent val="0"/>
+            <c:showBubbleSize val="0"/>
+            <c:separator>, </c:separator>
+            <c:showLeaderLines val="0"/>
+            <c:extLst>
+              <c:ext xmlns:c15="http://schemas.microsoft.com/office/drawing/2012/chart" uri="{CE6537A1-D6FC-4f65-9D91-7224C49458BB}">
+                <c15:showLeaderLines val="1"/>
+                <c15:leaderLines>
+                  <c:spPr>
+                    <a:ln w="9525" cap="flat" cmpd="sng" algn="ctr">
+                      <a:solidFill>
+                        <a:schemeClr val="tx1">
+                          <a:lumMod val="35000"/>
+                          <a:lumOff val="65000"/>
+                        </a:schemeClr>
+                      </a:solidFill>
+                      <a:round/>
+                    </a:ln>
+                    <a:effectLst/>
+                  </c:spPr>
+                </c15:leaderLines>
+              </c:ext>
+            </c:extLst>
+          </c:dLbls>
+          <c:cat>
+            <c:strRef>
+              <c:f>Sheet1!$A$2:$A$3</c:f>
+              <c:strCache>
+                <c:ptCount val="2"/>
+                <c:pt idx="0">
+                  <c:v>One-time Customer</c:v>
+                </c:pt>
+                <c:pt idx="1">
+                  <c:v>Return Customer</c:v>
+                </c:pt>
+              </c:strCache>
+            </c:strRef>
+          </c:cat>
+          <c:val>
+            <c:numRef>
+              <c:f>Sheet1!$B$2:$B$3</c:f>
+              <c:numCache>
+                <c:formatCode>General</c:formatCode>
+                <c:ptCount val="2"/>
+                <c:pt idx="0">
+                  <c:v>2104</c:v>
+                </c:pt>
+                <c:pt idx="1">
+                  <c:v>880</c:v>
+                </c:pt>
+              </c:numCache>
+            </c:numRef>
+          </c:val>
+          <c:extLst>
+            <c:ext xmlns:c16="http://schemas.microsoft.com/office/drawing/2014/chart" uri="{C3380CC4-5D6E-409C-BE32-E72D297353CC}">
+              <c16:uniqueId val="{00000000-E13C-4841-8E9D-AD121DFF7364}"/>
+            </c:ext>
+          </c:extLst>
+        </c:ser>
+        <c:dLbls>
+          <c:showLegendKey val="0"/>
+          <c:showVal val="0"/>
+          <c:showCatName val="0"/>
+          <c:showSerName val="0"/>
+          <c:showPercent val="0"/>
+          <c:showBubbleSize val="0"/>
+        </c:dLbls>
+        <c:gapWidth val="19"/>
+        <c:overlap val="-12"/>
+        <c:axId val="428518895"/>
+        <c:axId val="695790239"/>
+      </c:barChart>
+      <c:catAx>
+        <c:axId val="428518895"/>
+        <c:scaling>
+          <c:orientation val="minMax"/>
+        </c:scaling>
+        <c:delete val="0"/>
+        <c:axPos val="b"/>
+        <c:numFmt formatCode="General" sourceLinked="1"/>
+        <c:majorTickMark val="none"/>
+        <c:minorTickMark val="none"/>
+        <c:tickLblPos val="nextTo"/>
+        <c:spPr>
+          <a:noFill/>
+          <a:ln w="9525" cap="flat" cmpd="sng" algn="ctr">
+            <a:solidFill>
+              <a:schemeClr val="tx1">
+                <a:lumMod val="15000"/>
+                <a:lumOff val="85000"/>
+              </a:schemeClr>
+            </a:solidFill>
+            <a:round/>
+          </a:ln>
+          <a:effectLst/>
+        </c:spPr>
+        <c:txPr>
+          <a:bodyPr rot="-60000000" spcFirstLastPara="1" vertOverflow="ellipsis" vert="horz" wrap="square" anchor="ctr" anchorCtr="1"/>
+          <a:lstStyle/>
+          <a:p>
+            <a:pPr>
+              <a:defRPr sz="1197" b="0" i="0" u="none" strike="noStrike" kern="1200" baseline="0">
+                <a:solidFill>
+                  <a:schemeClr val="tx1">
+                    <a:lumMod val="65000"/>
+                    <a:lumOff val="35000"/>
+                  </a:schemeClr>
+                </a:solidFill>
+                <a:latin typeface="+mn-lt"/>
+                <a:ea typeface="+mn-ea"/>
+                <a:cs typeface="+mn-cs"/>
+              </a:defRPr>
+            </a:pPr>
+            <a:endParaRPr lang="en-US"/>
+          </a:p>
+        </c:txPr>
+        <c:crossAx val="695790239"/>
+        <c:crosses val="autoZero"/>
+        <c:auto val="1"/>
+        <c:lblAlgn val="ctr"/>
+        <c:lblOffset val="100"/>
+        <c:noMultiLvlLbl val="0"/>
+      </c:catAx>
+      <c:valAx>
+        <c:axId val="695790239"/>
+        <c:scaling>
+          <c:orientation val="minMax"/>
+        </c:scaling>
+        <c:delete val="0"/>
+        <c:axPos val="l"/>
+        <c:majorGridlines>
+          <c:spPr>
+            <a:ln w="9525" cap="flat" cmpd="sng" algn="ctr">
+              <a:solidFill>
+                <a:schemeClr val="tx1">
+                  <a:lumMod val="15000"/>
+                  <a:lumOff val="85000"/>
+                </a:schemeClr>
+              </a:solidFill>
+              <a:round/>
+            </a:ln>
+            <a:effectLst/>
+          </c:spPr>
+        </c:majorGridlines>
+        <c:numFmt formatCode="General" sourceLinked="1"/>
+        <c:majorTickMark val="none"/>
+        <c:minorTickMark val="none"/>
+        <c:tickLblPos val="nextTo"/>
+        <c:spPr>
+          <a:noFill/>
+          <a:ln>
+            <a:noFill/>
+          </a:ln>
+          <a:effectLst/>
+        </c:spPr>
+        <c:txPr>
+          <a:bodyPr rot="-60000000" spcFirstLastPara="1" vertOverflow="ellipsis" vert="horz" wrap="square" anchor="ctr" anchorCtr="1"/>
+          <a:lstStyle/>
+          <a:p>
+            <a:pPr>
+              <a:defRPr sz="1197" b="0" i="0" u="none" strike="noStrike" kern="1200" baseline="0">
+                <a:solidFill>
+                  <a:schemeClr val="tx1">
+                    <a:lumMod val="65000"/>
+                    <a:lumOff val="35000"/>
+                  </a:schemeClr>
+                </a:solidFill>
+                <a:latin typeface="+mn-lt"/>
+                <a:ea typeface="+mn-ea"/>
+                <a:cs typeface="+mn-cs"/>
+              </a:defRPr>
+            </a:pPr>
+            <a:endParaRPr lang="en-US"/>
+          </a:p>
+        </c:txPr>
+        <c:crossAx val="428518895"/>
+        <c:crosses val="autoZero"/>
+        <c:crossBetween val="between"/>
+      </c:valAx>
+      <c:spPr>
+        <a:solidFill>
+          <a:schemeClr val="tx1">
+            <a:lumMod val="50000"/>
+            <a:lumOff val="50000"/>
+            <a:alpha val="65000"/>
+          </a:schemeClr>
+        </a:solidFill>
+        <a:ln>
+          <a:noFill/>
+        </a:ln>
+        <a:effectLst/>
+      </c:spPr>
+    </c:plotArea>
+    <c:plotVisOnly val="1"/>
+    <c:dispBlanksAs val="gap"/>
+    <c:extLst>
+      <c:ext xmlns:c16r3="http://schemas.microsoft.com/office/drawing/2017/03/chart" uri="{56B9EC1D-385E-4148-901F-78D8002777C0}">
+        <c16r3:dataDisplayOptions16>
+          <c16r3:dispNaAsBlank val="1"/>
+        </c16r3:dataDisplayOptions16>
+      </c:ext>
+    </c:extLst>
+    <c:showDLblsOverMax val="0"/>
+  </c:chart>
+  <c:spPr>
+    <a:noFill/>
+    <a:ln>
+      <a:noFill/>
+    </a:ln>
+    <a:effectLst/>
+  </c:spPr>
+  <c:txPr>
+    <a:bodyPr/>
+    <a:lstStyle/>
+    <a:p>
+      <a:pPr>
+        <a:defRPr/>
+      </a:pPr>
+      <a:endParaRPr lang="en-US"/>
+    </a:p>
+  </c:txPr>
+  <c:externalData r:id="rId3">
+    <c:autoUpdate val="0"/>
+  </c:externalData>
+</c:chartSpace>
+</file>
+
+<file path=ppt/charts/chart2.xml><?xml version="1.0" encoding="utf-8"?>
+<c:chartSpace xmlns:c="http://schemas.openxmlformats.org/drawingml/2006/chart" xmlns:a="http://schemas.openxmlformats.org/drawingml/2006/main" xmlns:r="http://schemas.openxmlformats.org/officeDocument/2006/relationships" xmlns:c16r2="http://schemas.microsoft.com/office/drawing/2015/06/chart">
+  <c:date1904 val="0"/>
+  <c:lang val="en-US"/>
+  <c:roundedCorners val="0"/>
+  <mc:AlternateContent xmlns:mc="http://schemas.openxmlformats.org/markup-compatibility/2006">
+    <mc:Choice xmlns:c14="http://schemas.microsoft.com/office/drawing/2007/8/2/chart" Requires="c14">
+      <c14:style val="102"/>
+    </mc:Choice>
+    <mc:Fallback>
+      <c:style val="2"/>
+    </mc:Fallback>
+  </mc:AlternateContent>
+  <c:chart>
+    <c:title>
+      <c:tx>
+        <c:rich>
+          <a:bodyPr rot="0" spcFirstLastPara="1" vertOverflow="ellipsis" vert="horz" wrap="square" anchor="ctr" anchorCtr="1"/>
+          <a:lstStyle/>
+          <a:p>
+            <a:pPr>
+              <a:defRPr sz="1862" b="0" i="0" u="none" strike="noStrike" kern="1200" spc="0" baseline="0">
+                <a:solidFill>
+                  <a:schemeClr val="tx1">
+                    <a:lumMod val="65000"/>
+                    <a:lumOff val="35000"/>
+                  </a:schemeClr>
+                </a:solidFill>
+                <a:latin typeface="+mn-lt"/>
+                <a:ea typeface="+mn-ea"/>
+                <a:cs typeface="+mn-cs"/>
+              </a:defRPr>
+            </a:pPr>
+            <a:r>
+              <a:rPr lang="en-US" dirty="0"/>
+              <a:t>Customer Order Freq.</a:t>
+            </a:r>
+          </a:p>
+        </c:rich>
+      </c:tx>
+      <c:overlay val="0"/>
+      <c:spPr>
+        <a:noFill/>
+        <a:ln>
+          <a:noFill/>
+        </a:ln>
+        <a:effectLst/>
+      </c:spPr>
+      <c:txPr>
+        <a:bodyPr rot="0" spcFirstLastPara="1" vertOverflow="ellipsis" vert="horz" wrap="square" anchor="ctr" anchorCtr="1"/>
+        <a:lstStyle/>
+        <a:p>
+          <a:pPr>
+            <a:defRPr sz="1862" b="0" i="0" u="none" strike="noStrike" kern="1200" spc="0" baseline="0">
+              <a:solidFill>
+                <a:schemeClr val="tx1">
+                  <a:lumMod val="65000"/>
+                  <a:lumOff val="35000"/>
+                </a:schemeClr>
+              </a:solidFill>
+              <a:latin typeface="+mn-lt"/>
+              <a:ea typeface="+mn-ea"/>
+              <a:cs typeface="+mn-cs"/>
+            </a:defRPr>
+          </a:pPr>
+          <a:endParaRPr lang="en-US"/>
+        </a:p>
+      </c:txPr>
+    </c:title>
+    <c:autoTitleDeleted val="0"/>
+    <c:plotArea>
+      <c:layout/>
+      <c:barChart>
+        <c:barDir val="col"/>
+        <c:grouping val="clustered"/>
+        <c:varyColors val="0"/>
+        <c:ser>
+          <c:idx val="0"/>
+          <c:order val="0"/>
+          <c:tx>
+            <c:strRef>
+              <c:f>Sheet1!$B$1</c:f>
+              <c:strCache>
+                <c:ptCount val="1"/>
+                <c:pt idx="0">
+                  <c:v>Series 1</c:v>
+                </c:pt>
+              </c:strCache>
+            </c:strRef>
+          </c:tx>
+          <c:spPr>
+            <a:solidFill>
+              <a:schemeClr val="accent1"/>
+            </a:solidFill>
+            <a:ln>
+              <a:noFill/>
+            </a:ln>
+            <a:effectLst/>
+          </c:spPr>
+          <c:invertIfNegative val="0"/>
+          <c:cat>
+            <c:strRef>
+              <c:f>Sheet1!$A$2:$A$5</c:f>
+              <c:strCache>
+                <c:ptCount val="4"/>
+                <c:pt idx="0">
+                  <c:v>1</c:v>
+                </c:pt>
+                <c:pt idx="1">
+                  <c:v>2-5</c:v>
+                </c:pt>
+                <c:pt idx="2">
+                  <c:v>5-10</c:v>
+                </c:pt>
+                <c:pt idx="3">
+                  <c:v>&gt;10</c:v>
+                </c:pt>
+              </c:strCache>
+            </c:strRef>
+          </c:cat>
+          <c:val>
+            <c:numRef>
+              <c:f>Sheet1!$B$2:$B$5</c:f>
+              <c:numCache>
+                <c:formatCode>General</c:formatCode>
+                <c:ptCount val="4"/>
+                <c:pt idx="0">
+                  <c:v>2104</c:v>
+                </c:pt>
+                <c:pt idx="1">
+                  <c:v>824</c:v>
+                </c:pt>
+                <c:pt idx="2">
+                  <c:v>51</c:v>
+                </c:pt>
+                <c:pt idx="3">
+                  <c:v>5</c:v>
+                </c:pt>
+              </c:numCache>
+            </c:numRef>
+          </c:val>
+          <c:extLst>
+            <c:ext xmlns:c16="http://schemas.microsoft.com/office/drawing/2014/chart" uri="{C3380CC4-5D6E-409C-BE32-E72D297353CC}">
+              <c16:uniqueId val="{00000000-AFB2-C041-83BD-D358816ECFFA}"/>
+            </c:ext>
+          </c:extLst>
+        </c:ser>
+        <c:dLbls>
+          <c:showLegendKey val="0"/>
+          <c:showVal val="0"/>
+          <c:showCatName val="0"/>
+          <c:showSerName val="0"/>
+          <c:showPercent val="0"/>
+          <c:showBubbleSize val="0"/>
+        </c:dLbls>
+        <c:gapWidth val="238"/>
+        <c:overlap val="75"/>
+        <c:axId val="436560815"/>
+        <c:axId val="436540911"/>
+      </c:barChart>
+      <c:catAx>
+        <c:axId val="436560815"/>
+        <c:scaling>
+          <c:orientation val="minMax"/>
+        </c:scaling>
+        <c:delete val="0"/>
+        <c:axPos val="b"/>
+        <c:numFmt formatCode="General" sourceLinked="1"/>
+        <c:majorTickMark val="none"/>
+        <c:minorTickMark val="none"/>
+        <c:tickLblPos val="nextTo"/>
+        <c:spPr>
+          <a:noFill/>
+          <a:ln w="9525" cap="flat" cmpd="sng" algn="ctr">
+            <a:solidFill>
+              <a:schemeClr val="tx1">
+                <a:lumMod val="15000"/>
+                <a:lumOff val="85000"/>
+              </a:schemeClr>
+            </a:solidFill>
+            <a:round/>
+          </a:ln>
+          <a:effectLst/>
+        </c:spPr>
+        <c:txPr>
+          <a:bodyPr rot="-60000000" spcFirstLastPara="1" vertOverflow="ellipsis" vert="horz" wrap="square" anchor="ctr" anchorCtr="1"/>
+          <a:lstStyle/>
+          <a:p>
+            <a:pPr>
+              <a:defRPr sz="1197" b="0" i="0" u="none" strike="noStrike" kern="1200" baseline="0">
+                <a:solidFill>
+                  <a:schemeClr val="tx1">
+                    <a:lumMod val="65000"/>
+                    <a:lumOff val="35000"/>
+                  </a:schemeClr>
+                </a:solidFill>
+                <a:latin typeface="+mn-lt"/>
+                <a:ea typeface="+mn-ea"/>
+                <a:cs typeface="+mn-cs"/>
+              </a:defRPr>
+            </a:pPr>
+            <a:endParaRPr lang="en-US"/>
+          </a:p>
+        </c:txPr>
+        <c:crossAx val="436540911"/>
+        <c:crosses val="autoZero"/>
+        <c:auto val="1"/>
+        <c:lblAlgn val="ctr"/>
+        <c:lblOffset val="100"/>
+        <c:noMultiLvlLbl val="0"/>
+      </c:catAx>
+      <c:valAx>
+        <c:axId val="436540911"/>
+        <c:scaling>
+          <c:orientation val="minMax"/>
+        </c:scaling>
+        <c:delete val="0"/>
+        <c:axPos val="l"/>
+        <c:majorGridlines>
+          <c:spPr>
+            <a:ln w="9525" cap="flat" cmpd="sng" algn="ctr">
+              <a:solidFill>
+                <a:schemeClr val="tx1">
+                  <a:lumMod val="15000"/>
+                  <a:lumOff val="85000"/>
+                </a:schemeClr>
+              </a:solidFill>
+              <a:round/>
+            </a:ln>
+            <a:effectLst/>
+          </c:spPr>
+        </c:majorGridlines>
+        <c:numFmt formatCode="General" sourceLinked="1"/>
+        <c:majorTickMark val="none"/>
+        <c:minorTickMark val="none"/>
+        <c:tickLblPos val="nextTo"/>
+        <c:spPr>
+          <a:noFill/>
+          <a:ln>
+            <a:noFill/>
+          </a:ln>
+          <a:effectLst/>
+        </c:spPr>
+        <c:txPr>
+          <a:bodyPr rot="-60000000" spcFirstLastPara="1" vertOverflow="ellipsis" vert="horz" wrap="square" anchor="ctr" anchorCtr="1"/>
+          <a:lstStyle/>
+          <a:p>
+            <a:pPr>
+              <a:defRPr sz="1197" b="0" i="0" u="none" strike="noStrike" kern="1200" baseline="0">
+                <a:solidFill>
+                  <a:schemeClr val="tx1">
+                    <a:lumMod val="65000"/>
+                    <a:lumOff val="35000"/>
+                  </a:schemeClr>
+                </a:solidFill>
+                <a:latin typeface="+mn-lt"/>
+                <a:ea typeface="+mn-ea"/>
+                <a:cs typeface="+mn-cs"/>
+              </a:defRPr>
+            </a:pPr>
+            <a:endParaRPr lang="en-US"/>
+          </a:p>
+        </c:txPr>
+        <c:crossAx val="436560815"/>
+        <c:crosses val="autoZero"/>
+        <c:crossBetween val="between"/>
+      </c:valAx>
+      <c:spPr>
+        <a:solidFill>
+          <a:schemeClr val="tx1">
+            <a:lumMod val="50000"/>
+            <a:lumOff val="50000"/>
+            <a:alpha val="65000"/>
+          </a:schemeClr>
+        </a:solidFill>
+        <a:ln>
+          <a:noFill/>
+        </a:ln>
+        <a:effectLst/>
+      </c:spPr>
+    </c:plotArea>
+    <c:plotVisOnly val="1"/>
+    <c:dispBlanksAs val="gap"/>
+    <c:extLst>
+      <c:ext xmlns:c16r3="http://schemas.microsoft.com/office/drawing/2017/03/chart" uri="{56B9EC1D-385E-4148-901F-78D8002777C0}">
+        <c16r3:dataDisplayOptions16>
+          <c16r3:dispNaAsBlank val="1"/>
+        </c16r3:dataDisplayOptions16>
+      </c:ext>
+    </c:extLst>
+    <c:showDLblsOverMax val="0"/>
+  </c:chart>
+  <c:spPr>
+    <a:noFill/>
+    <a:ln>
+      <a:noFill/>
+    </a:ln>
+    <a:effectLst/>
+  </c:spPr>
+  <c:txPr>
+    <a:bodyPr/>
+    <a:lstStyle/>
+    <a:p>
+      <a:pPr>
+        <a:defRPr/>
+      </a:pPr>
+      <a:endParaRPr lang="en-US"/>
+    </a:p>
+  </c:txPr>
+  <c:externalData r:id="rId3">
+    <c:autoUpdate val="0"/>
+  </c:externalData>
+</c:chartSpace>
+</file>
+
+<file path=ppt/charts/chart3.xml><?xml version="1.0" encoding="utf-8"?>
 <c:chartSpace xmlns:c="http://schemas.openxmlformats.org/drawingml/2006/chart" xmlns:a="http://schemas.openxmlformats.org/drawingml/2006/main" xmlns:r="http://schemas.openxmlformats.org/officeDocument/2006/relationships" xmlns:c16r2="http://schemas.microsoft.com/office/drawing/2015/06/chart">
   <c:date1904 val="0"/>
   <c:lang val="en-US"/>
@@ -591,7 +1268,1097 @@
 </cs:colorStyle>
 </file>
 
+<file path=ppt/charts/colors2.xml><?xml version="1.0" encoding="utf-8"?>
+<cs:colorStyle xmlns:cs="http://schemas.microsoft.com/office/drawing/2012/chartStyle" xmlns:a="http://schemas.openxmlformats.org/drawingml/2006/main" meth="cycle" id="10">
+  <a:schemeClr val="accent1"/>
+  <a:schemeClr val="accent2"/>
+  <a:schemeClr val="accent3"/>
+  <a:schemeClr val="accent4"/>
+  <a:schemeClr val="accent5"/>
+  <a:schemeClr val="accent6"/>
+  <cs:variation/>
+  <cs:variation>
+    <a:lumMod val="60000"/>
+  </cs:variation>
+  <cs:variation>
+    <a:lumMod val="80000"/>
+    <a:lumOff val="20000"/>
+  </cs:variation>
+  <cs:variation>
+    <a:lumMod val="80000"/>
+  </cs:variation>
+  <cs:variation>
+    <a:lumMod val="60000"/>
+    <a:lumOff val="40000"/>
+  </cs:variation>
+  <cs:variation>
+    <a:lumMod val="50000"/>
+  </cs:variation>
+  <cs:variation>
+    <a:lumMod val="70000"/>
+    <a:lumOff val="30000"/>
+  </cs:variation>
+  <cs:variation>
+    <a:lumMod val="70000"/>
+  </cs:variation>
+  <cs:variation>
+    <a:lumMod val="50000"/>
+    <a:lumOff val="50000"/>
+  </cs:variation>
+</cs:colorStyle>
+</file>
+
+<file path=ppt/charts/colors3.xml><?xml version="1.0" encoding="utf-8"?>
+<cs:colorStyle xmlns:cs="http://schemas.microsoft.com/office/drawing/2012/chartStyle" xmlns:a="http://schemas.openxmlformats.org/drawingml/2006/main" meth="cycle" id="10">
+  <a:schemeClr val="accent1"/>
+  <a:schemeClr val="accent2"/>
+  <a:schemeClr val="accent3"/>
+  <a:schemeClr val="accent4"/>
+  <a:schemeClr val="accent5"/>
+  <a:schemeClr val="accent6"/>
+  <cs:variation/>
+  <cs:variation>
+    <a:lumMod val="60000"/>
+  </cs:variation>
+  <cs:variation>
+    <a:lumMod val="80000"/>
+    <a:lumOff val="20000"/>
+  </cs:variation>
+  <cs:variation>
+    <a:lumMod val="80000"/>
+  </cs:variation>
+  <cs:variation>
+    <a:lumMod val="60000"/>
+    <a:lumOff val="40000"/>
+  </cs:variation>
+  <cs:variation>
+    <a:lumMod val="50000"/>
+  </cs:variation>
+  <cs:variation>
+    <a:lumMod val="70000"/>
+    <a:lumOff val="30000"/>
+  </cs:variation>
+  <cs:variation>
+    <a:lumMod val="70000"/>
+  </cs:variation>
+  <cs:variation>
+    <a:lumMod val="50000"/>
+    <a:lumOff val="50000"/>
+  </cs:variation>
+</cs:colorStyle>
+</file>
+
 <file path=ppt/charts/style1.xml><?xml version="1.0" encoding="utf-8"?>
+<cs:chartStyle xmlns:cs="http://schemas.microsoft.com/office/drawing/2012/chartStyle" xmlns:a="http://schemas.openxmlformats.org/drawingml/2006/main" id="216">
+  <cs:axisTitle>
+    <cs:lnRef idx="0"/>
+    <cs:fillRef idx="0"/>
+    <cs:effectRef idx="0"/>
+    <cs:fontRef idx="minor">
+      <a:schemeClr val="tx1">
+        <a:lumMod val="65000"/>
+        <a:lumOff val="35000"/>
+      </a:schemeClr>
+    </cs:fontRef>
+    <cs:defRPr sz="1330" kern="1200"/>
+  </cs:axisTitle>
+  <cs:categoryAxis>
+    <cs:lnRef idx="0"/>
+    <cs:fillRef idx="0"/>
+    <cs:effectRef idx="0"/>
+    <cs:fontRef idx="minor">
+      <a:schemeClr val="tx1">
+        <a:lumMod val="65000"/>
+        <a:lumOff val="35000"/>
+      </a:schemeClr>
+    </cs:fontRef>
+    <cs:spPr>
+      <a:ln w="9525" cap="flat" cmpd="sng" algn="ctr">
+        <a:solidFill>
+          <a:schemeClr val="tx1">
+            <a:lumMod val="15000"/>
+            <a:lumOff val="85000"/>
+          </a:schemeClr>
+        </a:solidFill>
+        <a:round/>
+      </a:ln>
+    </cs:spPr>
+    <cs:defRPr sz="1197" kern="1200"/>
+  </cs:categoryAxis>
+  <cs:chartArea mods="allowNoFillOverride allowNoLineOverride">
+    <cs:lnRef idx="0"/>
+    <cs:fillRef idx="0"/>
+    <cs:effectRef idx="0"/>
+    <cs:fontRef idx="minor">
+      <a:schemeClr val="tx1"/>
+    </cs:fontRef>
+    <cs:spPr>
+      <a:solidFill>
+        <a:schemeClr val="bg1"/>
+      </a:solidFill>
+      <a:ln w="9525" cap="flat" cmpd="sng" algn="ctr">
+        <a:solidFill>
+          <a:schemeClr val="tx1">
+            <a:lumMod val="15000"/>
+            <a:lumOff val="85000"/>
+          </a:schemeClr>
+        </a:solidFill>
+        <a:round/>
+      </a:ln>
+    </cs:spPr>
+    <cs:defRPr sz="1330" kern="1200"/>
+  </cs:chartArea>
+  <cs:dataLabel>
+    <cs:lnRef idx="0"/>
+    <cs:fillRef idx="0"/>
+    <cs:effectRef idx="0"/>
+    <cs:fontRef idx="minor">
+      <a:schemeClr val="tx1">
+        <a:lumMod val="75000"/>
+        <a:lumOff val="25000"/>
+      </a:schemeClr>
+    </cs:fontRef>
+    <cs:defRPr sz="1197" kern="1200"/>
+  </cs:dataLabel>
+  <cs:dataLabelCallout>
+    <cs:lnRef idx="0"/>
+    <cs:fillRef idx="0"/>
+    <cs:effectRef idx="0"/>
+    <cs:fontRef idx="minor">
+      <a:schemeClr val="dk1">
+        <a:lumMod val="65000"/>
+        <a:lumOff val="35000"/>
+      </a:schemeClr>
+    </cs:fontRef>
+    <cs:spPr>
+      <a:solidFill>
+        <a:schemeClr val="lt1"/>
+      </a:solidFill>
+      <a:ln>
+        <a:solidFill>
+          <a:schemeClr val="dk1">
+            <a:lumMod val="25000"/>
+            <a:lumOff val="75000"/>
+          </a:schemeClr>
+        </a:solidFill>
+      </a:ln>
+    </cs:spPr>
+    <cs:defRPr sz="1197" kern="1200"/>
+    <cs:bodyPr rot="0" spcFirstLastPara="1" vertOverflow="clip" horzOverflow="clip" vert="horz" wrap="square" lIns="36576" tIns="18288" rIns="36576" bIns="18288" anchor="ctr" anchorCtr="1">
+      <a:spAutoFit/>
+    </cs:bodyPr>
+  </cs:dataLabelCallout>
+  <cs:dataPoint>
+    <cs:lnRef idx="0"/>
+    <cs:fillRef idx="1">
+      <cs:styleClr val="auto"/>
+    </cs:fillRef>
+    <cs:effectRef idx="0"/>
+    <cs:fontRef idx="minor">
+      <a:schemeClr val="tx1"/>
+    </cs:fontRef>
+  </cs:dataPoint>
+  <cs:dataPoint3D>
+    <cs:lnRef idx="0"/>
+    <cs:fillRef idx="1">
+      <cs:styleClr val="auto"/>
+    </cs:fillRef>
+    <cs:effectRef idx="0"/>
+    <cs:fontRef idx="minor">
+      <a:schemeClr val="tx1"/>
+    </cs:fontRef>
+  </cs:dataPoint3D>
+  <cs:dataPointLine>
+    <cs:lnRef idx="0">
+      <cs:styleClr val="auto"/>
+    </cs:lnRef>
+    <cs:fillRef idx="1"/>
+    <cs:effectRef idx="0"/>
+    <cs:fontRef idx="minor">
+      <a:schemeClr val="tx1"/>
+    </cs:fontRef>
+    <cs:spPr>
+      <a:ln w="28575" cap="rnd">
+        <a:solidFill>
+          <a:schemeClr val="phClr"/>
+        </a:solidFill>
+        <a:round/>
+      </a:ln>
+    </cs:spPr>
+  </cs:dataPointLine>
+  <cs:dataPointMarker>
+    <cs:lnRef idx="0">
+      <cs:styleClr val="auto"/>
+    </cs:lnRef>
+    <cs:fillRef idx="1">
+      <cs:styleClr val="auto"/>
+    </cs:fillRef>
+    <cs:effectRef idx="0"/>
+    <cs:fontRef idx="minor">
+      <a:schemeClr val="tx1"/>
+    </cs:fontRef>
+    <cs:spPr>
+      <a:ln w="9525">
+        <a:solidFill>
+          <a:schemeClr val="phClr"/>
+        </a:solidFill>
+      </a:ln>
+    </cs:spPr>
+  </cs:dataPointMarker>
+  <cs:dataPointMarkerLayout symbol="circle" size="5"/>
+  <cs:dataPointWireframe>
+    <cs:lnRef idx="0">
+      <cs:styleClr val="auto"/>
+    </cs:lnRef>
+    <cs:fillRef idx="1"/>
+    <cs:effectRef idx="0"/>
+    <cs:fontRef idx="minor">
+      <a:schemeClr val="tx1"/>
+    </cs:fontRef>
+    <cs:spPr>
+      <a:ln w="9525" cap="rnd">
+        <a:solidFill>
+          <a:schemeClr val="phClr"/>
+        </a:solidFill>
+        <a:round/>
+      </a:ln>
+    </cs:spPr>
+  </cs:dataPointWireframe>
+  <cs:dataTable>
+    <cs:lnRef idx="0"/>
+    <cs:fillRef idx="0"/>
+    <cs:effectRef idx="0"/>
+    <cs:fontRef idx="minor">
+      <a:schemeClr val="tx1">
+        <a:lumMod val="65000"/>
+        <a:lumOff val="35000"/>
+      </a:schemeClr>
+    </cs:fontRef>
+    <cs:spPr>
+      <a:noFill/>
+      <a:ln w="9525" cap="flat" cmpd="sng" algn="ctr">
+        <a:solidFill>
+          <a:schemeClr val="tx1">
+            <a:lumMod val="15000"/>
+            <a:lumOff val="85000"/>
+          </a:schemeClr>
+        </a:solidFill>
+        <a:round/>
+      </a:ln>
+    </cs:spPr>
+    <cs:defRPr sz="1197" kern="1200"/>
+  </cs:dataTable>
+  <cs:downBar>
+    <cs:lnRef idx="0"/>
+    <cs:fillRef idx="0"/>
+    <cs:effectRef idx="0"/>
+    <cs:fontRef idx="minor">
+      <a:schemeClr val="tx1"/>
+    </cs:fontRef>
+    <cs:spPr>
+      <a:solidFill>
+        <a:schemeClr val="dk1">
+          <a:lumMod val="75000"/>
+          <a:lumOff val="25000"/>
+        </a:schemeClr>
+      </a:solidFill>
+      <a:ln w="9525" cap="flat" cmpd="sng" algn="ctr">
+        <a:solidFill>
+          <a:schemeClr val="tx1">
+            <a:lumMod val="65000"/>
+            <a:lumOff val="35000"/>
+          </a:schemeClr>
+        </a:solidFill>
+        <a:round/>
+      </a:ln>
+    </cs:spPr>
+  </cs:downBar>
+  <cs:dropLine>
+    <cs:lnRef idx="0"/>
+    <cs:fillRef idx="0"/>
+    <cs:effectRef idx="0"/>
+    <cs:fontRef idx="minor">
+      <a:schemeClr val="tx1"/>
+    </cs:fontRef>
+    <cs:spPr>
+      <a:ln w="9525" cap="flat" cmpd="sng" algn="ctr">
+        <a:solidFill>
+          <a:schemeClr val="tx1">
+            <a:lumMod val="35000"/>
+            <a:lumOff val="65000"/>
+          </a:schemeClr>
+        </a:solidFill>
+        <a:round/>
+      </a:ln>
+    </cs:spPr>
+  </cs:dropLine>
+  <cs:errorBar>
+    <cs:lnRef idx="0"/>
+    <cs:fillRef idx="0"/>
+    <cs:effectRef idx="0"/>
+    <cs:fontRef idx="minor">
+      <a:schemeClr val="tx1"/>
+    </cs:fontRef>
+    <cs:spPr>
+      <a:ln w="9525" cap="flat" cmpd="sng" algn="ctr">
+        <a:solidFill>
+          <a:schemeClr val="tx1">
+            <a:lumMod val="65000"/>
+            <a:lumOff val="35000"/>
+          </a:schemeClr>
+        </a:solidFill>
+        <a:round/>
+      </a:ln>
+    </cs:spPr>
+  </cs:errorBar>
+  <cs:floor>
+    <cs:lnRef idx="0"/>
+    <cs:fillRef idx="0"/>
+    <cs:effectRef idx="0"/>
+    <cs:fontRef idx="minor">
+      <a:schemeClr val="tx1"/>
+    </cs:fontRef>
+    <cs:spPr>
+      <a:noFill/>
+      <a:ln>
+        <a:noFill/>
+      </a:ln>
+    </cs:spPr>
+  </cs:floor>
+  <cs:gridlineMajor>
+    <cs:lnRef idx="0"/>
+    <cs:fillRef idx="0"/>
+    <cs:effectRef idx="0"/>
+    <cs:fontRef idx="minor">
+      <a:schemeClr val="tx1"/>
+    </cs:fontRef>
+    <cs:spPr>
+      <a:ln w="9525" cap="flat" cmpd="sng" algn="ctr">
+        <a:solidFill>
+          <a:schemeClr val="tx1">
+            <a:lumMod val="15000"/>
+            <a:lumOff val="85000"/>
+          </a:schemeClr>
+        </a:solidFill>
+        <a:round/>
+      </a:ln>
+    </cs:spPr>
+  </cs:gridlineMajor>
+  <cs:gridlineMinor>
+    <cs:lnRef idx="0"/>
+    <cs:fillRef idx="0"/>
+    <cs:effectRef idx="0"/>
+    <cs:fontRef idx="minor">
+      <a:schemeClr val="tx1"/>
+    </cs:fontRef>
+    <cs:spPr>
+      <a:ln w="9525" cap="flat" cmpd="sng" algn="ctr">
+        <a:solidFill>
+          <a:schemeClr val="tx1">
+            <a:lumMod val="5000"/>
+            <a:lumOff val="95000"/>
+          </a:schemeClr>
+        </a:solidFill>
+        <a:round/>
+      </a:ln>
+    </cs:spPr>
+  </cs:gridlineMinor>
+  <cs:hiLoLine>
+    <cs:lnRef idx="0"/>
+    <cs:fillRef idx="0"/>
+    <cs:effectRef idx="0"/>
+    <cs:fontRef idx="minor">
+      <a:schemeClr val="tx1"/>
+    </cs:fontRef>
+    <cs:spPr>
+      <a:ln w="9525" cap="flat" cmpd="sng" algn="ctr">
+        <a:solidFill>
+          <a:schemeClr val="tx1">
+            <a:lumMod val="50000"/>
+            <a:lumOff val="50000"/>
+          </a:schemeClr>
+        </a:solidFill>
+        <a:round/>
+      </a:ln>
+    </cs:spPr>
+  </cs:hiLoLine>
+  <cs:leaderLine>
+    <cs:lnRef idx="0"/>
+    <cs:fillRef idx="0"/>
+    <cs:effectRef idx="0"/>
+    <cs:fontRef idx="minor">
+      <a:schemeClr val="tx1"/>
+    </cs:fontRef>
+    <cs:spPr>
+      <a:ln w="9525" cap="flat" cmpd="sng" algn="ctr">
+        <a:solidFill>
+          <a:schemeClr val="tx1">
+            <a:lumMod val="35000"/>
+            <a:lumOff val="65000"/>
+          </a:schemeClr>
+        </a:solidFill>
+        <a:round/>
+      </a:ln>
+    </cs:spPr>
+  </cs:leaderLine>
+  <cs:legend>
+    <cs:lnRef idx="0"/>
+    <cs:fillRef idx="0"/>
+    <cs:effectRef idx="0"/>
+    <cs:fontRef idx="minor">
+      <a:schemeClr val="tx1">
+        <a:lumMod val="65000"/>
+        <a:lumOff val="35000"/>
+      </a:schemeClr>
+    </cs:fontRef>
+    <cs:defRPr sz="1197" kern="1200"/>
+  </cs:legend>
+  <cs:plotArea mods="allowNoFillOverride allowNoLineOverride">
+    <cs:lnRef idx="0"/>
+    <cs:fillRef idx="0"/>
+    <cs:effectRef idx="0"/>
+    <cs:fontRef idx="minor">
+      <a:schemeClr val="tx1"/>
+    </cs:fontRef>
+  </cs:plotArea>
+  <cs:plotArea3D mods="allowNoFillOverride allowNoLineOverride">
+    <cs:lnRef idx="0"/>
+    <cs:fillRef idx="0"/>
+    <cs:effectRef idx="0"/>
+    <cs:fontRef idx="minor">
+      <a:schemeClr val="tx1"/>
+    </cs:fontRef>
+  </cs:plotArea3D>
+  <cs:seriesAxis>
+    <cs:lnRef idx="0"/>
+    <cs:fillRef idx="0"/>
+    <cs:effectRef idx="0"/>
+    <cs:fontRef idx="minor">
+      <a:schemeClr val="tx1">
+        <a:lumMod val="65000"/>
+        <a:lumOff val="35000"/>
+      </a:schemeClr>
+    </cs:fontRef>
+    <cs:defRPr sz="1197" kern="1200"/>
+  </cs:seriesAxis>
+  <cs:seriesLine>
+    <cs:lnRef idx="0"/>
+    <cs:fillRef idx="0"/>
+    <cs:effectRef idx="0"/>
+    <cs:fontRef idx="minor">
+      <a:schemeClr val="tx1"/>
+    </cs:fontRef>
+    <cs:spPr>
+      <a:ln w="9525" cap="flat" cmpd="sng" algn="ctr">
+        <a:solidFill>
+          <a:schemeClr val="tx1">
+            <a:lumMod val="35000"/>
+            <a:lumOff val="65000"/>
+          </a:schemeClr>
+        </a:solidFill>
+        <a:round/>
+      </a:ln>
+    </cs:spPr>
+  </cs:seriesLine>
+  <cs:title>
+    <cs:lnRef idx="0"/>
+    <cs:fillRef idx="0"/>
+    <cs:effectRef idx="0"/>
+    <cs:fontRef idx="minor">
+      <a:schemeClr val="tx1">
+        <a:lumMod val="65000"/>
+        <a:lumOff val="35000"/>
+      </a:schemeClr>
+    </cs:fontRef>
+    <cs:defRPr sz="1862" b="0" kern="1200" spc="0" baseline="0"/>
+  </cs:title>
+  <cs:trendline>
+    <cs:lnRef idx="0">
+      <cs:styleClr val="auto"/>
+    </cs:lnRef>
+    <cs:fillRef idx="0"/>
+    <cs:effectRef idx="0"/>
+    <cs:fontRef idx="minor">
+      <a:schemeClr val="tx1"/>
+    </cs:fontRef>
+    <cs:spPr>
+      <a:ln w="19050" cap="rnd">
+        <a:solidFill>
+          <a:schemeClr val="phClr"/>
+        </a:solidFill>
+        <a:prstDash val="sysDot"/>
+      </a:ln>
+    </cs:spPr>
+  </cs:trendline>
+  <cs:trendlineLabel>
+    <cs:lnRef idx="0"/>
+    <cs:fillRef idx="0"/>
+    <cs:effectRef idx="0"/>
+    <cs:fontRef idx="minor">
+      <a:schemeClr val="tx1">
+        <a:lumMod val="65000"/>
+        <a:lumOff val="35000"/>
+      </a:schemeClr>
+    </cs:fontRef>
+    <cs:defRPr sz="1197" kern="1200"/>
+  </cs:trendlineLabel>
+  <cs:upBar>
+    <cs:lnRef idx="0"/>
+    <cs:fillRef idx="0"/>
+    <cs:effectRef idx="0"/>
+    <cs:fontRef idx="minor">
+      <a:schemeClr val="tx1"/>
+    </cs:fontRef>
+    <cs:spPr>
+      <a:solidFill>
+        <a:schemeClr val="lt1"/>
+      </a:solidFill>
+      <a:ln w="9525" cap="flat" cmpd="sng" algn="ctr">
+        <a:solidFill>
+          <a:schemeClr val="tx1">
+            <a:lumMod val="65000"/>
+            <a:lumOff val="35000"/>
+          </a:schemeClr>
+        </a:solidFill>
+        <a:round/>
+      </a:ln>
+    </cs:spPr>
+  </cs:upBar>
+  <cs:valueAxis>
+    <cs:lnRef idx="0"/>
+    <cs:fillRef idx="0"/>
+    <cs:effectRef idx="0"/>
+    <cs:fontRef idx="minor">
+      <a:schemeClr val="tx1">
+        <a:lumMod val="65000"/>
+        <a:lumOff val="35000"/>
+      </a:schemeClr>
+    </cs:fontRef>
+    <cs:defRPr sz="1197" kern="1200"/>
+  </cs:valueAxis>
+  <cs:wall>
+    <cs:lnRef idx="0"/>
+    <cs:fillRef idx="0"/>
+    <cs:effectRef idx="0"/>
+    <cs:fontRef idx="minor">
+      <a:schemeClr val="tx1"/>
+    </cs:fontRef>
+    <cs:spPr>
+      <a:noFill/>
+      <a:ln>
+        <a:noFill/>
+      </a:ln>
+    </cs:spPr>
+  </cs:wall>
+</cs:chartStyle>
+</file>
+
+<file path=ppt/charts/style2.xml><?xml version="1.0" encoding="utf-8"?>
+<cs:chartStyle xmlns:cs="http://schemas.microsoft.com/office/drawing/2012/chartStyle" xmlns:a="http://schemas.openxmlformats.org/drawingml/2006/main" id="216">
+  <cs:axisTitle>
+    <cs:lnRef idx="0"/>
+    <cs:fillRef idx="0"/>
+    <cs:effectRef idx="0"/>
+    <cs:fontRef idx="minor">
+      <a:schemeClr val="tx1">
+        <a:lumMod val="65000"/>
+        <a:lumOff val="35000"/>
+      </a:schemeClr>
+    </cs:fontRef>
+    <cs:defRPr sz="1330" kern="1200"/>
+  </cs:axisTitle>
+  <cs:categoryAxis>
+    <cs:lnRef idx="0"/>
+    <cs:fillRef idx="0"/>
+    <cs:effectRef idx="0"/>
+    <cs:fontRef idx="minor">
+      <a:schemeClr val="tx1">
+        <a:lumMod val="65000"/>
+        <a:lumOff val="35000"/>
+      </a:schemeClr>
+    </cs:fontRef>
+    <cs:spPr>
+      <a:ln w="9525" cap="flat" cmpd="sng" algn="ctr">
+        <a:solidFill>
+          <a:schemeClr val="tx1">
+            <a:lumMod val="15000"/>
+            <a:lumOff val="85000"/>
+          </a:schemeClr>
+        </a:solidFill>
+        <a:round/>
+      </a:ln>
+    </cs:spPr>
+    <cs:defRPr sz="1197" kern="1200"/>
+  </cs:categoryAxis>
+  <cs:chartArea mods="allowNoFillOverride allowNoLineOverride">
+    <cs:lnRef idx="0"/>
+    <cs:fillRef idx="0"/>
+    <cs:effectRef idx="0"/>
+    <cs:fontRef idx="minor">
+      <a:schemeClr val="tx1"/>
+    </cs:fontRef>
+    <cs:spPr>
+      <a:solidFill>
+        <a:schemeClr val="bg1"/>
+      </a:solidFill>
+      <a:ln w="9525" cap="flat" cmpd="sng" algn="ctr">
+        <a:solidFill>
+          <a:schemeClr val="tx1">
+            <a:lumMod val="15000"/>
+            <a:lumOff val="85000"/>
+          </a:schemeClr>
+        </a:solidFill>
+        <a:round/>
+      </a:ln>
+    </cs:spPr>
+    <cs:defRPr sz="1330" kern="1200"/>
+  </cs:chartArea>
+  <cs:dataLabel>
+    <cs:lnRef idx="0"/>
+    <cs:fillRef idx="0"/>
+    <cs:effectRef idx="0"/>
+    <cs:fontRef idx="minor">
+      <a:schemeClr val="tx1">
+        <a:lumMod val="75000"/>
+        <a:lumOff val="25000"/>
+      </a:schemeClr>
+    </cs:fontRef>
+    <cs:defRPr sz="1197" kern="1200"/>
+  </cs:dataLabel>
+  <cs:dataLabelCallout>
+    <cs:lnRef idx="0"/>
+    <cs:fillRef idx="0"/>
+    <cs:effectRef idx="0"/>
+    <cs:fontRef idx="minor">
+      <a:schemeClr val="dk1">
+        <a:lumMod val="65000"/>
+        <a:lumOff val="35000"/>
+      </a:schemeClr>
+    </cs:fontRef>
+    <cs:spPr>
+      <a:solidFill>
+        <a:schemeClr val="lt1"/>
+      </a:solidFill>
+      <a:ln>
+        <a:solidFill>
+          <a:schemeClr val="dk1">
+            <a:lumMod val="25000"/>
+            <a:lumOff val="75000"/>
+          </a:schemeClr>
+        </a:solidFill>
+      </a:ln>
+    </cs:spPr>
+    <cs:defRPr sz="1197" kern="1200"/>
+    <cs:bodyPr rot="0" spcFirstLastPara="1" vertOverflow="clip" horzOverflow="clip" vert="horz" wrap="square" lIns="36576" tIns="18288" rIns="36576" bIns="18288" anchor="ctr" anchorCtr="1">
+      <a:spAutoFit/>
+    </cs:bodyPr>
+  </cs:dataLabelCallout>
+  <cs:dataPoint>
+    <cs:lnRef idx="0"/>
+    <cs:fillRef idx="1">
+      <cs:styleClr val="auto"/>
+    </cs:fillRef>
+    <cs:effectRef idx="0"/>
+    <cs:fontRef idx="minor">
+      <a:schemeClr val="tx1"/>
+    </cs:fontRef>
+  </cs:dataPoint>
+  <cs:dataPoint3D>
+    <cs:lnRef idx="0"/>
+    <cs:fillRef idx="1">
+      <cs:styleClr val="auto"/>
+    </cs:fillRef>
+    <cs:effectRef idx="0"/>
+    <cs:fontRef idx="minor">
+      <a:schemeClr val="tx1"/>
+    </cs:fontRef>
+  </cs:dataPoint3D>
+  <cs:dataPointLine>
+    <cs:lnRef idx="0">
+      <cs:styleClr val="auto"/>
+    </cs:lnRef>
+    <cs:fillRef idx="1"/>
+    <cs:effectRef idx="0"/>
+    <cs:fontRef idx="minor">
+      <a:schemeClr val="tx1"/>
+    </cs:fontRef>
+    <cs:spPr>
+      <a:ln w="28575" cap="rnd">
+        <a:solidFill>
+          <a:schemeClr val="phClr"/>
+        </a:solidFill>
+        <a:round/>
+      </a:ln>
+    </cs:spPr>
+  </cs:dataPointLine>
+  <cs:dataPointMarker>
+    <cs:lnRef idx="0">
+      <cs:styleClr val="auto"/>
+    </cs:lnRef>
+    <cs:fillRef idx="1">
+      <cs:styleClr val="auto"/>
+    </cs:fillRef>
+    <cs:effectRef idx="0"/>
+    <cs:fontRef idx="minor">
+      <a:schemeClr val="tx1"/>
+    </cs:fontRef>
+    <cs:spPr>
+      <a:ln w="9525">
+        <a:solidFill>
+          <a:schemeClr val="phClr"/>
+        </a:solidFill>
+      </a:ln>
+    </cs:spPr>
+  </cs:dataPointMarker>
+  <cs:dataPointMarkerLayout symbol="circle" size="5"/>
+  <cs:dataPointWireframe>
+    <cs:lnRef idx="0">
+      <cs:styleClr val="auto"/>
+    </cs:lnRef>
+    <cs:fillRef idx="1"/>
+    <cs:effectRef idx="0"/>
+    <cs:fontRef idx="minor">
+      <a:schemeClr val="tx1"/>
+    </cs:fontRef>
+    <cs:spPr>
+      <a:ln w="9525" cap="rnd">
+        <a:solidFill>
+          <a:schemeClr val="phClr"/>
+        </a:solidFill>
+        <a:round/>
+      </a:ln>
+    </cs:spPr>
+  </cs:dataPointWireframe>
+  <cs:dataTable>
+    <cs:lnRef idx="0"/>
+    <cs:fillRef idx="0"/>
+    <cs:effectRef idx="0"/>
+    <cs:fontRef idx="minor">
+      <a:schemeClr val="tx1">
+        <a:lumMod val="65000"/>
+        <a:lumOff val="35000"/>
+      </a:schemeClr>
+    </cs:fontRef>
+    <cs:spPr>
+      <a:noFill/>
+      <a:ln w="9525" cap="flat" cmpd="sng" algn="ctr">
+        <a:solidFill>
+          <a:schemeClr val="tx1">
+            <a:lumMod val="15000"/>
+            <a:lumOff val="85000"/>
+          </a:schemeClr>
+        </a:solidFill>
+        <a:round/>
+      </a:ln>
+    </cs:spPr>
+    <cs:defRPr sz="1197" kern="1200"/>
+  </cs:dataTable>
+  <cs:downBar>
+    <cs:lnRef idx="0"/>
+    <cs:fillRef idx="0"/>
+    <cs:effectRef idx="0"/>
+    <cs:fontRef idx="minor">
+      <a:schemeClr val="tx1"/>
+    </cs:fontRef>
+    <cs:spPr>
+      <a:solidFill>
+        <a:schemeClr val="dk1">
+          <a:lumMod val="75000"/>
+          <a:lumOff val="25000"/>
+        </a:schemeClr>
+      </a:solidFill>
+      <a:ln w="9525" cap="flat" cmpd="sng" algn="ctr">
+        <a:solidFill>
+          <a:schemeClr val="tx1">
+            <a:lumMod val="65000"/>
+            <a:lumOff val="35000"/>
+          </a:schemeClr>
+        </a:solidFill>
+        <a:round/>
+      </a:ln>
+    </cs:spPr>
+  </cs:downBar>
+  <cs:dropLine>
+    <cs:lnRef idx="0"/>
+    <cs:fillRef idx="0"/>
+    <cs:effectRef idx="0"/>
+    <cs:fontRef idx="minor">
+      <a:schemeClr val="tx1"/>
+    </cs:fontRef>
+    <cs:spPr>
+      <a:ln w="9525" cap="flat" cmpd="sng" algn="ctr">
+        <a:solidFill>
+          <a:schemeClr val="tx1">
+            <a:lumMod val="35000"/>
+            <a:lumOff val="65000"/>
+          </a:schemeClr>
+        </a:solidFill>
+        <a:round/>
+      </a:ln>
+    </cs:spPr>
+  </cs:dropLine>
+  <cs:errorBar>
+    <cs:lnRef idx="0"/>
+    <cs:fillRef idx="0"/>
+    <cs:effectRef idx="0"/>
+    <cs:fontRef idx="minor">
+      <a:schemeClr val="tx1"/>
+    </cs:fontRef>
+    <cs:spPr>
+      <a:ln w="9525" cap="flat" cmpd="sng" algn="ctr">
+        <a:solidFill>
+          <a:schemeClr val="tx1">
+            <a:lumMod val="65000"/>
+            <a:lumOff val="35000"/>
+          </a:schemeClr>
+        </a:solidFill>
+        <a:round/>
+      </a:ln>
+    </cs:spPr>
+  </cs:errorBar>
+  <cs:floor>
+    <cs:lnRef idx="0"/>
+    <cs:fillRef idx="0"/>
+    <cs:effectRef idx="0"/>
+    <cs:fontRef idx="minor">
+      <a:schemeClr val="tx1"/>
+    </cs:fontRef>
+    <cs:spPr>
+      <a:noFill/>
+      <a:ln>
+        <a:noFill/>
+      </a:ln>
+    </cs:spPr>
+  </cs:floor>
+  <cs:gridlineMajor>
+    <cs:lnRef idx="0"/>
+    <cs:fillRef idx="0"/>
+    <cs:effectRef idx="0"/>
+    <cs:fontRef idx="minor">
+      <a:schemeClr val="tx1"/>
+    </cs:fontRef>
+    <cs:spPr>
+      <a:ln w="9525" cap="flat" cmpd="sng" algn="ctr">
+        <a:solidFill>
+          <a:schemeClr val="tx1">
+            <a:lumMod val="15000"/>
+            <a:lumOff val="85000"/>
+          </a:schemeClr>
+        </a:solidFill>
+        <a:round/>
+      </a:ln>
+    </cs:spPr>
+  </cs:gridlineMajor>
+  <cs:gridlineMinor>
+    <cs:lnRef idx="0"/>
+    <cs:fillRef idx="0"/>
+    <cs:effectRef idx="0"/>
+    <cs:fontRef idx="minor">
+      <a:schemeClr val="tx1"/>
+    </cs:fontRef>
+    <cs:spPr>
+      <a:ln w="9525" cap="flat" cmpd="sng" algn="ctr">
+        <a:solidFill>
+          <a:schemeClr val="tx1">
+            <a:lumMod val="5000"/>
+            <a:lumOff val="95000"/>
+          </a:schemeClr>
+        </a:solidFill>
+        <a:round/>
+      </a:ln>
+    </cs:spPr>
+  </cs:gridlineMinor>
+  <cs:hiLoLine>
+    <cs:lnRef idx="0"/>
+    <cs:fillRef idx="0"/>
+    <cs:effectRef idx="0"/>
+    <cs:fontRef idx="minor">
+      <a:schemeClr val="tx1"/>
+    </cs:fontRef>
+    <cs:spPr>
+      <a:ln w="9525" cap="flat" cmpd="sng" algn="ctr">
+        <a:solidFill>
+          <a:schemeClr val="tx1">
+            <a:lumMod val="50000"/>
+            <a:lumOff val="50000"/>
+          </a:schemeClr>
+        </a:solidFill>
+        <a:round/>
+      </a:ln>
+    </cs:spPr>
+  </cs:hiLoLine>
+  <cs:leaderLine>
+    <cs:lnRef idx="0"/>
+    <cs:fillRef idx="0"/>
+    <cs:effectRef idx="0"/>
+    <cs:fontRef idx="minor">
+      <a:schemeClr val="tx1"/>
+    </cs:fontRef>
+    <cs:spPr>
+      <a:ln w="9525" cap="flat" cmpd="sng" algn="ctr">
+        <a:solidFill>
+          <a:schemeClr val="tx1">
+            <a:lumMod val="35000"/>
+            <a:lumOff val="65000"/>
+          </a:schemeClr>
+        </a:solidFill>
+        <a:round/>
+      </a:ln>
+    </cs:spPr>
+  </cs:leaderLine>
+  <cs:legend>
+    <cs:lnRef idx="0"/>
+    <cs:fillRef idx="0"/>
+    <cs:effectRef idx="0"/>
+    <cs:fontRef idx="minor">
+      <a:schemeClr val="tx1">
+        <a:lumMod val="65000"/>
+        <a:lumOff val="35000"/>
+      </a:schemeClr>
+    </cs:fontRef>
+    <cs:defRPr sz="1197" kern="1200"/>
+  </cs:legend>
+  <cs:plotArea mods="allowNoFillOverride allowNoLineOverride">
+    <cs:lnRef idx="0"/>
+    <cs:fillRef idx="0"/>
+    <cs:effectRef idx="0"/>
+    <cs:fontRef idx="minor">
+      <a:schemeClr val="tx1"/>
+    </cs:fontRef>
+  </cs:plotArea>
+  <cs:plotArea3D mods="allowNoFillOverride allowNoLineOverride">
+    <cs:lnRef idx="0"/>
+    <cs:fillRef idx="0"/>
+    <cs:effectRef idx="0"/>
+    <cs:fontRef idx="minor">
+      <a:schemeClr val="tx1"/>
+    </cs:fontRef>
+  </cs:plotArea3D>
+  <cs:seriesAxis>
+    <cs:lnRef idx="0"/>
+    <cs:fillRef idx="0"/>
+    <cs:effectRef idx="0"/>
+    <cs:fontRef idx="minor">
+      <a:schemeClr val="tx1">
+        <a:lumMod val="65000"/>
+        <a:lumOff val="35000"/>
+      </a:schemeClr>
+    </cs:fontRef>
+    <cs:defRPr sz="1197" kern="1200"/>
+  </cs:seriesAxis>
+  <cs:seriesLine>
+    <cs:lnRef idx="0"/>
+    <cs:fillRef idx="0"/>
+    <cs:effectRef idx="0"/>
+    <cs:fontRef idx="minor">
+      <a:schemeClr val="tx1"/>
+    </cs:fontRef>
+    <cs:spPr>
+      <a:ln w="9525" cap="flat" cmpd="sng" algn="ctr">
+        <a:solidFill>
+          <a:schemeClr val="tx1">
+            <a:lumMod val="35000"/>
+            <a:lumOff val="65000"/>
+          </a:schemeClr>
+        </a:solidFill>
+        <a:round/>
+      </a:ln>
+    </cs:spPr>
+  </cs:seriesLine>
+  <cs:title>
+    <cs:lnRef idx="0"/>
+    <cs:fillRef idx="0"/>
+    <cs:effectRef idx="0"/>
+    <cs:fontRef idx="minor">
+      <a:schemeClr val="tx1">
+        <a:lumMod val="65000"/>
+        <a:lumOff val="35000"/>
+      </a:schemeClr>
+    </cs:fontRef>
+    <cs:defRPr sz="1862" b="0" kern="1200" spc="0" baseline="0"/>
+  </cs:title>
+  <cs:trendline>
+    <cs:lnRef idx="0">
+      <cs:styleClr val="auto"/>
+    </cs:lnRef>
+    <cs:fillRef idx="0"/>
+    <cs:effectRef idx="0"/>
+    <cs:fontRef idx="minor">
+      <a:schemeClr val="tx1"/>
+    </cs:fontRef>
+    <cs:spPr>
+      <a:ln w="19050" cap="rnd">
+        <a:solidFill>
+          <a:schemeClr val="phClr"/>
+        </a:solidFill>
+        <a:prstDash val="sysDot"/>
+      </a:ln>
+    </cs:spPr>
+  </cs:trendline>
+  <cs:trendlineLabel>
+    <cs:lnRef idx="0"/>
+    <cs:fillRef idx="0"/>
+    <cs:effectRef idx="0"/>
+    <cs:fontRef idx="minor">
+      <a:schemeClr val="tx1">
+        <a:lumMod val="65000"/>
+        <a:lumOff val="35000"/>
+      </a:schemeClr>
+    </cs:fontRef>
+    <cs:defRPr sz="1197" kern="1200"/>
+  </cs:trendlineLabel>
+  <cs:upBar>
+    <cs:lnRef idx="0"/>
+    <cs:fillRef idx="0"/>
+    <cs:effectRef idx="0"/>
+    <cs:fontRef idx="minor">
+      <a:schemeClr val="tx1"/>
+    </cs:fontRef>
+    <cs:spPr>
+      <a:solidFill>
+        <a:schemeClr val="lt1"/>
+      </a:solidFill>
+      <a:ln w="9525" cap="flat" cmpd="sng" algn="ctr">
+        <a:solidFill>
+          <a:schemeClr val="tx1">
+            <a:lumMod val="65000"/>
+            <a:lumOff val="35000"/>
+          </a:schemeClr>
+        </a:solidFill>
+        <a:round/>
+      </a:ln>
+    </cs:spPr>
+  </cs:upBar>
+  <cs:valueAxis>
+    <cs:lnRef idx="0"/>
+    <cs:fillRef idx="0"/>
+    <cs:effectRef idx="0"/>
+    <cs:fontRef idx="minor">
+      <a:schemeClr val="tx1">
+        <a:lumMod val="65000"/>
+        <a:lumOff val="35000"/>
+      </a:schemeClr>
+    </cs:fontRef>
+    <cs:defRPr sz="1197" kern="1200"/>
+  </cs:valueAxis>
+  <cs:wall>
+    <cs:lnRef idx="0"/>
+    <cs:fillRef idx="0"/>
+    <cs:effectRef idx="0"/>
+    <cs:fontRef idx="minor">
+      <a:schemeClr val="tx1"/>
+    </cs:fontRef>
+    <cs:spPr>
+      <a:noFill/>
+      <a:ln>
+        <a:noFill/>
+      </a:ln>
+    </cs:spPr>
+  </cs:wall>
+</cs:chartStyle>
+</file>
+
+<file path=ppt/charts/style3.xml><?xml version="1.0" encoding="utf-8"?>
 <cs:chartStyle xmlns:cs="http://schemas.microsoft.com/office/drawing/2012/chartStyle" xmlns:a="http://schemas.openxmlformats.org/drawingml/2006/main" id="251">
   <cs:axisTitle>
     <cs:lnRef idx="0"/>
@@ -1112,38 +2879,6 @@
 
 <file path=ppt/comments/comment1.xml><?xml version="1.0" encoding="utf-8"?>
 <p:cmLst xmlns:a="http://schemas.openxmlformats.org/drawingml/2006/main" xmlns:r="http://schemas.openxmlformats.org/officeDocument/2006/relationships" xmlns:p="http://schemas.openxmlformats.org/presentationml/2006/main">
-  <p:cm authorId="1" dt="2020-10-08T22:24:59.816" idx="4">
-    <p:pos x="3294" y="1278"/>
-    <p:text>Maybe include increase in rates per day</p:text>
-    <p:extLst>
-      <p:ext uri="{C676402C-5697-4E1C-873F-D02D1690AC5C}">
-        <p15:threadingInfo xmlns:p15="http://schemas.microsoft.com/office/powerpoint/2012/main" timeZoneBias="300"/>
-      </p:ext>
-    </p:extLst>
-  </p:cm>
-  <p:cm authorId="1" dt="2020-10-08T22:30:39.851" idx="5">
-    <p:pos x="3231" y="2907"/>
-    <p:text>What about the jumpmen?</p:text>
-    <p:extLst>
-      <p:ext uri="{C676402C-5697-4E1C-873F-D02D1690AC5C}">
-        <p15:threadingInfo xmlns:p15="http://schemas.microsoft.com/office/powerpoint/2012/main" timeZoneBias="300"/>
-      </p:ext>
-    </p:extLst>
-  </p:cm>
-  <p:cm authorId="1" dt="2020-10-08T22:31:35.104" idx="6">
-    <p:pos x="4392" y="2178"/>
-    <p:text>What about a set rev opportunity metric here too?</p:text>
-    <p:extLst>
-      <p:ext uri="{C676402C-5697-4E1C-873F-D02D1690AC5C}">
-        <p15:threadingInfo xmlns:p15="http://schemas.microsoft.com/office/powerpoint/2012/main" timeZoneBias="300"/>
-      </p:ext>
-    </p:extLst>
-  </p:cm>
-</p:cmLst>
-</file>
-
-<file path=ppt/comments/comment2.xml><?xml version="1.0" encoding="utf-8"?>
-<p:cmLst xmlns:a="http://schemas.openxmlformats.org/drawingml/2006/main" xmlns:r="http://schemas.openxmlformats.org/officeDocument/2006/relationships" xmlns:p="http://schemas.openxmlformats.org/presentationml/2006/main">
   <p:cm authorId="1" dt="2020-10-08T22:35:12.738" idx="7">
     <p:pos x="2799" y="459"/>
     <p:text>This should be more about what data was used etc - maybe more like methodology</p:text>
@@ -1156,25 +2891,11 @@
 </p:cmLst>
 </file>
 
-<file path=ppt/comments/comment3.xml><?xml version="1.0" encoding="utf-8"?>
+<file path=ppt/comments/comment2.xml><?xml version="1.0" encoding="utf-8"?>
 <p:cmLst xmlns:a="http://schemas.openxmlformats.org/drawingml/2006/main" xmlns:r="http://schemas.openxmlformats.org/officeDocument/2006/relationships" xmlns:p="http://schemas.openxmlformats.org/presentationml/2006/main">
   <p:cm authorId="1" dt="2020-10-08T22:08:54.471" idx="1">
     <p:pos x="10" y="10"/>
     <p:text>Can you do this by zip so there are less dots?</p:text>
-    <p:extLst>
-      <p:ext uri="{C676402C-5697-4E1C-873F-D02D1690AC5C}">
-        <p15:threadingInfo xmlns:p15="http://schemas.microsoft.com/office/powerpoint/2012/main" timeZoneBias="300"/>
-      </p:ext>
-    </p:extLst>
-  </p:cm>
-</p:cmLst>
-</file>
-
-<file path=ppt/comments/comment4.xml><?xml version="1.0" encoding="utf-8"?>
-<p:cmLst xmlns:a="http://schemas.openxmlformats.org/drawingml/2006/main" xmlns:r="http://schemas.openxmlformats.org/officeDocument/2006/relationships" xmlns:p="http://schemas.openxmlformats.org/presentationml/2006/main">
-  <p:cm authorId="1" dt="2020-10-08T22:11:33.527" idx="2">
-    <p:pos x="2799" y="1359"/>
-    <p:text>What about estimate revenue opportunity based on multiplying median spend by zip times potential customer count - might also want to factor in a benchmark of 30% conversion rate</p:text>
     <p:extLst>
       <p:ext uri="{C676402C-5697-4E1C-873F-D02D1690AC5C}">
         <p15:threadingInfo xmlns:p15="http://schemas.microsoft.com/office/powerpoint/2012/main" timeZoneBias="300"/>
@@ -4514,7 +6235,7 @@
           <a:p>
             <a:fld id="{32C76CD2-7D08-0F4E-B13E-E2A58BE107D2}" type="slidenum">
               <a:rPr lang="en-US" smtClean="0"/>
-              <a:t>10</a:t>
+              <a:t>9</a:t>
             </a:fld>
             <a:endParaRPr lang="en-US" dirty="0"/>
           </a:p>
@@ -4601,7 +6322,7 @@
           <a:p>
             <a:fld id="{32C76CD2-7D08-0F4E-B13E-E2A58BE107D2}" type="slidenum">
               <a:rPr lang="en-US" smtClean="0"/>
-              <a:t>17</a:t>
+              <a:t>13</a:t>
             </a:fld>
             <a:endParaRPr lang="en-US"/>
           </a:p>
@@ -7906,7 +9627,7 @@
           <a:p>
             <a:pPr algn="l"/>
             <a:r>
-              <a:rPr lang="en-US" dirty="0"/>
+              <a:rPr lang="en-US" b="1" dirty="0"/>
               <a:t>Stephen Stark</a:t>
             </a:r>
           </a:p>
@@ -7990,86 +9711,12 @@
           <a:chExt cx="0" cy="0"/>
         </a:xfrm>
       </p:grpSpPr>
-      <p:sp>
-        <p:nvSpPr>
-          <p:cNvPr id="2" name="Title 1">
+      <p:pic>
+        <p:nvPicPr>
+          <p:cNvPr id="14" name="Picture 13" descr="Chart, bubble chart&#10;&#10;Description automatically generated">
             <a:extLst>
               <a:ext uri="{FF2B5EF4-FFF2-40B4-BE49-F238E27FC236}">
-                <a16:creationId xmlns:a16="http://schemas.microsoft.com/office/drawing/2014/main" id="{FB41548D-C3D9-F640-99CE-71F1CF5E7F96}"/>
-              </a:ext>
-            </a:extLst>
-          </p:cNvPr>
-          <p:cNvSpPr>
-            <a:spLocks noGrp="1"/>
-          </p:cNvSpPr>
-          <p:nvPr>
-            <p:ph type="title"/>
-          </p:nvPr>
-        </p:nvSpPr>
-        <p:spPr/>
-        <p:txBody>
-          <a:bodyPr/>
-          <a:lstStyle/>
-          <a:p>
-            <a:r>
-              <a:rPr lang="en-US" dirty="0">
-                <a:solidFill>
-                  <a:schemeClr val="tx1">
-                    <a:lumMod val="50000"/>
-                    <a:lumOff val="50000"/>
-                  </a:schemeClr>
-                </a:solidFill>
-              </a:rPr>
-              <a:t>3.3 </a:t>
-            </a:r>
-            <a:r>
-              <a:rPr lang="en-US" b="1" dirty="0"/>
-              <a:t>NEW MARKET ANALYSIS [BUSINESSES]</a:t>
-            </a:r>
-          </a:p>
-        </p:txBody>
-      </p:sp>
-      <p:pic>
-        <p:nvPicPr>
-          <p:cNvPr id="4" name="slide2" descr="Pickup">
-            <a:extLst>
-              <a:ext uri="{FF2B5EF4-FFF2-40B4-BE49-F238E27FC236}">
-                <a16:creationId xmlns:a16="http://schemas.microsoft.com/office/drawing/2014/main" id="{7F02E02E-6222-D147-98D0-687819BA61CF}"/>
-              </a:ext>
-            </a:extLst>
-          </p:cNvPr>
-          <p:cNvPicPr>
-            <a:picLocks noChangeAspect="1"/>
-          </p:cNvPicPr>
-          <p:nvPr/>
-        </p:nvPicPr>
-        <p:blipFill rotWithShape="1">
-          <a:blip r:embed="rId3">
-            <a:extLst>
-              <a:ext uri="{28A0092B-C50C-407E-A947-70E740481C1C}">
-                <a14:useLocalDpi xmlns:a14="http://schemas.microsoft.com/office/drawing/2010/main" val="0"/>
-              </a:ext>
-            </a:extLst>
-          </a:blip>
-          <a:srcRect l="-1" r="42097"/>
-          <a:stretch/>
-        </p:blipFill>
-        <p:spPr>
-          <a:xfrm>
-            <a:off x="6539696" y="2779689"/>
-            <a:ext cx="3568228" cy="3567638"/>
-          </a:xfrm>
-          <a:prstGeom prst="rect">
-            <a:avLst/>
-          </a:prstGeom>
-        </p:spPr>
-      </p:pic>
-      <p:pic>
-        <p:nvPicPr>
-          <p:cNvPr id="7" name="Picture 6">
-            <a:extLst>
-              <a:ext uri="{FF2B5EF4-FFF2-40B4-BE49-F238E27FC236}">
-                <a16:creationId xmlns:a16="http://schemas.microsoft.com/office/drawing/2014/main" id="{743012C2-9548-054E-BDA5-B4A381F6E674}"/>
+                <a16:creationId xmlns:a16="http://schemas.microsoft.com/office/drawing/2014/main" id="{34115ABB-37E0-A04D-A9DC-E6F13DBF0646}"/>
               </a:ext>
             </a:extLst>
           </p:cNvPr>
@@ -8079,168 +9726,21 @@
           <p:nvPr/>
         </p:nvPicPr>
         <p:blipFill>
-          <a:blip r:embed="rId4"/>
+          <a:blip r:embed="rId2"/>
           <a:stretch>
             <a:fillRect/>
           </a:stretch>
         </p:blipFill>
         <p:spPr>
           <a:xfrm>
-            <a:off x="1018572" y="3661499"/>
-            <a:ext cx="3652838" cy="2373311"/>
+            <a:off x="6979534" y="1310459"/>
+            <a:ext cx="5379185" cy="5379185"/>
           </a:xfrm>
           <a:prstGeom prst="rect">
             <a:avLst/>
           </a:prstGeom>
         </p:spPr>
       </p:pic>
-      <p:sp>
-        <p:nvSpPr>
-          <p:cNvPr id="9" name="TextBox 8">
-            <a:extLst>
-              <a:ext uri="{FF2B5EF4-FFF2-40B4-BE49-F238E27FC236}">
-                <a16:creationId xmlns:a16="http://schemas.microsoft.com/office/drawing/2014/main" id="{0AC6D36F-B33F-544A-BF15-D4DC7E9B56D2}"/>
-              </a:ext>
-            </a:extLst>
-          </p:cNvPr>
-          <p:cNvSpPr txBox="1"/>
-          <p:nvPr/>
-        </p:nvSpPr>
-        <p:spPr>
-          <a:xfrm>
-            <a:off x="1018572" y="1840375"/>
-            <a:ext cx="4595150" cy="369332"/>
-          </a:xfrm>
-          <a:prstGeom prst="rect">
-            <a:avLst/>
-          </a:prstGeom>
-          <a:noFill/>
-        </p:spPr>
-        <p:txBody>
-          <a:bodyPr wrap="square" rtlCol="0">
-            <a:spAutoFit/>
-          </a:bodyPr>
-          <a:lstStyle/>
-          <a:p>
-            <a:r>
-              <a:rPr lang="en-US" dirty="0">
-                <a:solidFill>
-                  <a:srgbClr val="FF0000"/>
-                </a:solidFill>
-              </a:rPr>
-              <a:t>What are the key findings?</a:t>
-            </a:r>
-          </a:p>
-        </p:txBody>
-      </p:sp>
-      <p:sp>
-        <p:nvSpPr>
-          <p:cNvPr id="10" name="TextBox 9">
-            <a:extLst>
-              <a:ext uri="{FF2B5EF4-FFF2-40B4-BE49-F238E27FC236}">
-                <a16:creationId xmlns:a16="http://schemas.microsoft.com/office/drawing/2014/main" id="{A3497F13-9E83-F742-A50B-9206278C11BF}"/>
-              </a:ext>
-            </a:extLst>
-          </p:cNvPr>
-          <p:cNvSpPr txBox="1"/>
-          <p:nvPr/>
-        </p:nvSpPr>
-        <p:spPr>
-          <a:xfrm>
-            <a:off x="6758650" y="1865856"/>
-            <a:ext cx="4595150" cy="369332"/>
-          </a:xfrm>
-          <a:prstGeom prst="rect">
-            <a:avLst/>
-          </a:prstGeom>
-          <a:noFill/>
-        </p:spPr>
-        <p:txBody>
-          <a:bodyPr wrap="square" rtlCol="0">
-            <a:spAutoFit/>
-          </a:bodyPr>
-          <a:lstStyle/>
-          <a:p>
-            <a:r>
-              <a:rPr lang="en-US" dirty="0">
-                <a:solidFill>
-                  <a:srgbClr val="FF0000"/>
-                </a:solidFill>
-              </a:rPr>
-              <a:t>What are the key findings?</a:t>
-            </a:r>
-          </a:p>
-        </p:txBody>
-      </p:sp>
-      <p:cxnSp>
-        <p:nvCxnSpPr>
-          <p:cNvPr id="12" name="Straight Connector 11">
-            <a:extLst>
-              <a:ext uri="{FF2B5EF4-FFF2-40B4-BE49-F238E27FC236}">
-                <a16:creationId xmlns:a16="http://schemas.microsoft.com/office/drawing/2014/main" id="{3219A36D-0468-304E-B5DC-C42CBB74736D}"/>
-              </a:ext>
-            </a:extLst>
-          </p:cNvPr>
-          <p:cNvCxnSpPr>
-            <a:cxnSpLocks/>
-            <a:stCxn id="9" idx="3"/>
-          </p:cNvCxnSpPr>
-          <p:nvPr/>
-        </p:nvCxnSpPr>
-        <p:spPr>
-          <a:xfrm>
-            <a:off x="5613722" y="2025041"/>
-            <a:ext cx="0" cy="4213713"/>
-          </a:xfrm>
-          <a:prstGeom prst="line">
-            <a:avLst/>
-          </a:prstGeom>
-        </p:spPr>
-        <p:style>
-          <a:lnRef idx="1">
-            <a:schemeClr val="dk1"/>
-          </a:lnRef>
-          <a:fillRef idx="0">
-            <a:schemeClr val="dk1"/>
-          </a:fillRef>
-          <a:effectRef idx="0">
-            <a:schemeClr val="dk1"/>
-          </a:effectRef>
-          <a:fontRef idx="minor">
-            <a:schemeClr val="tx1"/>
-          </a:fontRef>
-        </p:style>
-      </p:cxnSp>
-    </p:spTree>
-    <p:extLst>
-      <p:ext uri="{BB962C8B-B14F-4D97-AF65-F5344CB8AC3E}">
-        <p14:creationId xmlns:p14="http://schemas.microsoft.com/office/powerpoint/2010/main" val="1006251923"/>
-      </p:ext>
-    </p:extLst>
-  </p:cSld>
-  <p:clrMapOvr>
-    <a:masterClrMapping/>
-  </p:clrMapOvr>
-</p:sld>
-</file>
-
-<file path=ppt/slides/slide11.xml><?xml version="1.0" encoding="utf-8"?>
-<p:sld xmlns:a="http://schemas.openxmlformats.org/drawingml/2006/main" xmlns:r="http://schemas.openxmlformats.org/officeDocument/2006/relationships" xmlns:p="http://schemas.openxmlformats.org/presentationml/2006/main">
-  <p:cSld>
-    <p:spTree>
-      <p:nvGrpSpPr>
-        <p:cNvPr id="1" name=""/>
-        <p:cNvGrpSpPr/>
-        <p:nvPr/>
-      </p:nvGrpSpPr>
-      <p:grpSpPr>
-        <a:xfrm>
-          <a:off x="0" y="0"/>
-          <a:ext cx="0" cy="0"/>
-          <a:chOff x="0" y="0"/>
-          <a:chExt cx="0" cy="0"/>
-        </a:xfrm>
-      </p:grpSpPr>
       <p:sp>
         <p:nvSpPr>
           <p:cNvPr id="2" name="Title 1">
@@ -8262,6 +9762,21 @@
           <a:bodyPr/>
           <a:lstStyle/>
           <a:p>
+            <a:r>
+              <a:rPr lang="en-US" dirty="0">
+                <a:solidFill>
+                  <a:schemeClr val="tx1">
+                    <a:lumMod val="50000"/>
+                    <a:lumOff val="50000"/>
+                  </a:schemeClr>
+                </a:solidFill>
+              </a:rPr>
+              <a:t>3.3 </a:t>
+            </a:r>
+            <a:r>
+              <a:rPr lang="en-US" b="1" dirty="0"/>
+              <a:t>NEW MARKET ANALYSIS [BUSINESSES]</a:t>
+            </a:r>
             <a:endParaRPr lang="en-US" dirty="0"/>
           </a:p>
         </p:txBody>
@@ -8281,15 +9796,15 @@
           <p:nvPr/>
         </p:nvPicPr>
         <p:blipFill>
-          <a:blip r:embed="rId2"/>
+          <a:blip r:embed="rId3"/>
           <a:stretch>
             <a:fillRect/>
           </a:stretch>
         </p:blipFill>
         <p:spPr>
           <a:xfrm>
-            <a:off x="2526840" y="1825625"/>
-            <a:ext cx="6698574" cy="5042296"/>
+            <a:off x="0" y="1261640"/>
+            <a:ext cx="6784918" cy="5810492"/>
           </a:xfrm>
           <a:prstGeom prst="rect">
             <a:avLst/>
@@ -8298,10 +9813,10 @@
       </p:pic>
       <p:sp>
         <p:nvSpPr>
-          <p:cNvPr id="5" name="TextBox 4">
+          <p:cNvPr id="8" name="TextBox 7">
             <a:extLst>
               <a:ext uri="{FF2B5EF4-FFF2-40B4-BE49-F238E27FC236}">
-                <a16:creationId xmlns:a16="http://schemas.microsoft.com/office/drawing/2014/main" id="{74AD0AD4-C2DD-864F-B805-43D0BC5BE62B}"/>
+                <a16:creationId xmlns:a16="http://schemas.microsoft.com/office/drawing/2014/main" id="{7B402901-1FAB-4048-B735-E60D6892998B}"/>
               </a:ext>
             </a:extLst>
           </p:cNvPr>
@@ -8310,8 +9825,8 @@
         </p:nvSpPr>
         <p:spPr>
           <a:xfrm>
-            <a:off x="838200" y="2051051"/>
-            <a:ext cx="4595150" cy="369332"/>
+            <a:off x="1270879" y="1852734"/>
+            <a:ext cx="4271059" cy="369332"/>
           </a:xfrm>
           <a:prstGeom prst="rect">
             <a:avLst/>
@@ -8324,13 +9839,53 @@
           </a:bodyPr>
           <a:lstStyle/>
           <a:p>
-            <a:r>
-              <a:rPr lang="en-US" dirty="0">
-                <a:solidFill>
-                  <a:srgbClr val="FF0000"/>
-                </a:solidFill>
-              </a:rPr>
-              <a:t>What are the key findings?</a:t>
+            <a:pPr algn="ctr"/>
+            <a:r>
+              <a:rPr lang="en-US" dirty="0"/>
+              <a:t>Most Frequented Pickup Spots</a:t>
+            </a:r>
+          </a:p>
+        </p:txBody>
+      </p:sp>
+      <p:sp>
+        <p:nvSpPr>
+          <p:cNvPr id="15" name="TextBox 14">
+            <a:extLst>
+              <a:ext uri="{FF2B5EF4-FFF2-40B4-BE49-F238E27FC236}">
+                <a16:creationId xmlns:a16="http://schemas.microsoft.com/office/drawing/2014/main" id="{5F319334-4C17-6847-8ED1-12474C9011EE}"/>
+              </a:ext>
+            </a:extLst>
+          </p:cNvPr>
+          <p:cNvSpPr txBox="1"/>
+          <p:nvPr/>
+        </p:nvSpPr>
+        <p:spPr>
+          <a:xfrm>
+            <a:off x="7273574" y="5569545"/>
+            <a:ext cx="1678329" cy="923330"/>
+          </a:xfrm>
+          <a:prstGeom prst="rect">
+            <a:avLst/>
+          </a:prstGeom>
+          <a:noFill/>
+        </p:spPr>
+        <p:txBody>
+          <a:bodyPr wrap="square" rtlCol="0">
+            <a:spAutoFit/>
+          </a:bodyPr>
+          <a:lstStyle/>
+          <a:p>
+            <a:pPr algn="ctr"/>
+            <a:r>
+              <a:rPr lang="en-US" dirty="0"/>
+              <a:t>50+ categories available</a:t>
+            </a:r>
+          </a:p>
+          <a:p>
+            <a:pPr algn="ctr"/>
+            <a:r>
+              <a:rPr lang="en-US" dirty="0"/>
+              <a:t>on the platform</a:t>
             </a:r>
           </a:p>
         </p:txBody>
@@ -8348,7 +9903,7 @@
 </p:sld>
 </file>
 
-<file path=ppt/slides/slide12.xml><?xml version="1.0" encoding="utf-8"?>
+<file path=ppt/slides/slide11.xml><?xml version="1.0" encoding="utf-8"?>
 <p:sld xmlns:a="http://schemas.openxmlformats.org/drawingml/2006/main" xmlns:r="http://schemas.openxmlformats.org/officeDocument/2006/relationships" xmlns:p="http://schemas.openxmlformats.org/presentationml/2006/main">
   <p:cSld>
     <p:spTree>
@@ -8392,8 +9947,19 @@
           <a:lstStyle/>
           <a:p>
             <a:r>
+              <a:rPr lang="en-US" b="1" dirty="0">
+                <a:solidFill>
+                  <a:schemeClr val="tx1">
+                    <a:lumMod val="50000"/>
+                    <a:lumOff val="50000"/>
+                  </a:schemeClr>
+                </a:solidFill>
+              </a:rPr>
+              <a:t>4</a:t>
+            </a:r>
+            <a:r>
               <a:rPr lang="en-US" b="1" dirty="0"/>
-              <a:t>04 DATA INTEGRITY CONCERNS</a:t>
+              <a:t> DATA INTEGRITY CONCERNS</a:t>
             </a:r>
           </a:p>
         </p:txBody>
@@ -9392,2083 +10958,7 @@
 </p:sld>
 </file>
 
-<file path=ppt/slides/slide13.xml><?xml version="1.0" encoding="utf-8"?>
-<p:sld xmlns:a="http://schemas.openxmlformats.org/drawingml/2006/main" xmlns:r="http://schemas.openxmlformats.org/officeDocument/2006/relationships" xmlns:p="http://schemas.openxmlformats.org/presentationml/2006/main">
-  <p:cSld>
-    <p:spTree>
-      <p:nvGrpSpPr>
-        <p:cNvPr id="1" name=""/>
-        <p:cNvGrpSpPr/>
-        <p:nvPr/>
-      </p:nvGrpSpPr>
-      <p:grpSpPr>
-        <a:xfrm>
-          <a:off x="0" y="0"/>
-          <a:ext cx="0" cy="0"/>
-          <a:chOff x="0" y="0"/>
-          <a:chExt cx="0" cy="0"/>
-        </a:xfrm>
-      </p:grpSpPr>
-      <p:sp>
-        <p:nvSpPr>
-          <p:cNvPr id="10" name="Title 9">
-            <a:extLst>
-              <a:ext uri="{FF2B5EF4-FFF2-40B4-BE49-F238E27FC236}">
-                <a16:creationId xmlns:a16="http://schemas.microsoft.com/office/drawing/2014/main" id="{D43C1890-5AEA-3A48-8A35-4F5D310BCD35}"/>
-              </a:ext>
-            </a:extLst>
-          </p:cNvPr>
-          <p:cNvSpPr>
-            <a:spLocks noGrp="1"/>
-          </p:cNvSpPr>
-          <p:nvPr>
-            <p:ph type="title"/>
-          </p:nvPr>
-        </p:nvSpPr>
-        <p:spPr/>
-        <p:txBody>
-          <a:bodyPr/>
-          <a:lstStyle/>
-          <a:p>
-            <a:r>
-              <a:rPr lang="en-US" dirty="0"/>
-              <a:t>Dataset</a:t>
-            </a:r>
-          </a:p>
-        </p:txBody>
-      </p:sp>
-      <p:sp>
-        <p:nvSpPr>
-          <p:cNvPr id="12" name="Text Placeholder 11">
-            <a:extLst>
-              <a:ext uri="{FF2B5EF4-FFF2-40B4-BE49-F238E27FC236}">
-                <a16:creationId xmlns:a16="http://schemas.microsoft.com/office/drawing/2014/main" id="{ABFC9FF7-0F74-DC46-B1BA-0E0A7080891F}"/>
-              </a:ext>
-            </a:extLst>
-          </p:cNvPr>
-          <p:cNvSpPr>
-            <a:spLocks noGrp="1"/>
-          </p:cNvSpPr>
-          <p:nvPr>
-            <p:ph type="body" sz="half" idx="2"/>
-          </p:nvPr>
-        </p:nvSpPr>
-        <p:spPr/>
-        <p:txBody>
-          <a:bodyPr/>
-          <a:lstStyle/>
-          <a:p>
-            <a:r>
-              <a:rPr lang="en-US" dirty="0"/>
-              <a:t>5,900+ records and 18 features</a:t>
-            </a:r>
-          </a:p>
-          <a:p>
-            <a:r>
-              <a:rPr lang="en-US" dirty="0"/>
-              <a:t>Engineered Features:</a:t>
-            </a:r>
-          </a:p>
-          <a:p>
-            <a:r>
-              <a:rPr lang="en-US" dirty="0"/>
-              <a:t>-One </a:t>
-            </a:r>
-          </a:p>
-          <a:p>
-            <a:r>
-              <a:rPr lang="en-US" dirty="0"/>
-              <a:t>-Two</a:t>
-            </a:r>
-          </a:p>
-          <a:p>
-            <a:r>
-              <a:rPr lang="en-US" dirty="0"/>
-              <a:t>-Three</a:t>
-            </a:r>
-          </a:p>
-          <a:p>
-            <a:endParaRPr lang="en-US" dirty="0"/>
-          </a:p>
-        </p:txBody>
-      </p:sp>
-      <p:graphicFrame>
-        <p:nvGraphicFramePr>
-          <p:cNvPr id="17" name="Table 16">
-            <a:extLst>
-              <a:ext uri="{FF2B5EF4-FFF2-40B4-BE49-F238E27FC236}">
-                <a16:creationId xmlns:a16="http://schemas.microsoft.com/office/drawing/2014/main" id="{86D78131-E53B-7C45-B5FC-9B1D2140502F}"/>
-              </a:ext>
-            </a:extLst>
-          </p:cNvPr>
-          <p:cNvGraphicFramePr>
-            <a:graphicFrameLocks noGrp="1"/>
-          </p:cNvGraphicFramePr>
-          <p:nvPr>
-            <p:extLst>
-              <p:ext uri="{D42A27DB-BD31-4B8C-83A1-F6EECF244321}">
-                <p14:modId xmlns:p14="http://schemas.microsoft.com/office/powerpoint/2010/main" val="2836559622"/>
-              </p:ext>
-            </p:extLst>
-          </p:nvPr>
-        </p:nvGraphicFramePr>
-        <p:xfrm>
-          <a:off x="4772025" y="1679188"/>
-          <a:ext cx="2617026" cy="3653612"/>
-        </p:xfrm>
-        <a:graphic>
-          <a:graphicData uri="http://schemas.openxmlformats.org/drawingml/2006/table">
-            <a:tbl>
-              <a:tblPr firstRow="1" bandRow="1">
-                <a:tableStyleId>{5C22544A-7EE6-4342-B048-85BDC9FD1C3A}</a:tableStyleId>
-              </a:tblPr>
-              <a:tblGrid>
-                <a:gridCol w="1839786">
-                  <a:extLst>
-                    <a:ext uri="{9D8B030D-6E8A-4147-A177-3AD203B41FA5}">
-                      <a16:colId xmlns:a16="http://schemas.microsoft.com/office/drawing/2014/main" val="844011352"/>
-                    </a:ext>
-                  </a:extLst>
-                </a:gridCol>
-                <a:gridCol w="777240">
-                  <a:extLst>
-                    <a:ext uri="{9D8B030D-6E8A-4147-A177-3AD203B41FA5}">
-                      <a16:colId xmlns:a16="http://schemas.microsoft.com/office/drawing/2014/main" val="3467470163"/>
-                    </a:ext>
-                  </a:extLst>
-                </a:gridCol>
-              </a:tblGrid>
-              <a:tr h="213452">
-                <a:tc>
-                  <a:txBody>
-                    <a:bodyPr/>
-                    <a:lstStyle/>
-                    <a:p>
-                      <a:r>
-                        <a:rPr lang="en-US" sz="1100" dirty="0"/>
-                        <a:t>Attribute</a:t>
-                      </a:r>
-                    </a:p>
-                  </a:txBody>
-                  <a:tcPr marL="54381" marR="54381" marT="27190" marB="27190"/>
-                </a:tc>
-                <a:tc>
-                  <a:txBody>
-                    <a:bodyPr/>
-                    <a:lstStyle/>
-                    <a:p>
-                      <a:r>
-                        <a:rPr lang="en-US" sz="1100" dirty="0"/>
-                        <a:t>Entry</a:t>
-                      </a:r>
-                    </a:p>
-                  </a:txBody>
-                  <a:tcPr marL="54381" marR="54381" marT="27190" marB="27190"/>
-                </a:tc>
-                <a:extLst>
-                  <a:ext uri="{0D108BD9-81ED-4DB2-BD59-A6C34878D82A}">
-                    <a16:rowId xmlns:a16="http://schemas.microsoft.com/office/drawing/2014/main" val="2226192427"/>
-                  </a:ext>
-                </a:extLst>
-              </a:tr>
-              <a:tr h="190644">
-                <a:tc>
-                  <a:txBody>
-                    <a:bodyPr/>
-                    <a:lstStyle/>
-                    <a:p>
-                      <a:pPr algn="l" fontAlgn="b"/>
-                      <a:r>
-                        <a:rPr lang="en-US" sz="700" b="0" i="0" u="none" strike="noStrike" dirty="0">
-                          <a:solidFill>
-                            <a:srgbClr val="000000"/>
-                          </a:solidFill>
-                          <a:effectLst/>
-                          <a:latin typeface="Arial" panose="020B0604020202020204" pitchFamily="34" charset="0"/>
-                        </a:rPr>
-                        <a:t>delivery_id</a:t>
-                      </a:r>
-                    </a:p>
-                  </a:txBody>
-                  <a:tcPr marL="5665" marR="5665" marT="5665" marB="0" anchor="ctr"/>
-                </a:tc>
-                <a:tc>
-                  <a:txBody>
-                    <a:bodyPr/>
-                    <a:lstStyle/>
-                    <a:p>
-                      <a:pPr algn="l" fontAlgn="b"/>
-                      <a:r>
-                        <a:rPr lang="en-US" sz="700" b="0" i="0" u="none" strike="noStrike" dirty="0">
-                          <a:solidFill>
-                            <a:srgbClr val="000000"/>
-                          </a:solidFill>
-                          <a:effectLst/>
-                          <a:latin typeface="Arial" panose="020B0604020202020204" pitchFamily="34" charset="0"/>
-                        </a:rPr>
-                        <a:t>1476547</a:t>
-                      </a:r>
-                    </a:p>
-                  </a:txBody>
-                  <a:tcPr marL="5665" marR="5665" marT="5665" marB="0" anchor="ctr"/>
-                </a:tc>
-                <a:extLst>
-                  <a:ext uri="{0D108BD9-81ED-4DB2-BD59-A6C34878D82A}">
-                    <a16:rowId xmlns:a16="http://schemas.microsoft.com/office/drawing/2014/main" val="3460892982"/>
-                  </a:ext>
-                </a:extLst>
-              </a:tr>
-              <a:tr h="190644">
-                <a:tc>
-                  <a:txBody>
-                    <a:bodyPr/>
-                    <a:lstStyle/>
-                    <a:p>
-                      <a:pPr algn="l" fontAlgn="b"/>
-                      <a:r>
-                        <a:rPr lang="en-US" sz="700" b="0" i="0" u="none" strike="noStrike" dirty="0">
-                          <a:solidFill>
-                            <a:srgbClr val="000000"/>
-                          </a:solidFill>
-                          <a:effectLst/>
-                          <a:latin typeface="Arial" panose="020B0604020202020204" pitchFamily="34" charset="0"/>
-                        </a:rPr>
-                        <a:t>customer_id</a:t>
-                      </a:r>
-                    </a:p>
-                  </a:txBody>
-                  <a:tcPr marL="5665" marR="5665" marT="5665" marB="0" anchor="ctr"/>
-                </a:tc>
-                <a:tc>
-                  <a:txBody>
-                    <a:bodyPr/>
-                    <a:lstStyle/>
-                    <a:p>
-                      <a:pPr algn="l" fontAlgn="b"/>
-                      <a:r>
-                        <a:rPr lang="en-US" sz="700" b="0" i="0" u="none" strike="noStrike" dirty="0">
-                          <a:solidFill>
-                            <a:srgbClr val="000000"/>
-                          </a:solidFill>
-                          <a:effectLst/>
-                          <a:latin typeface="Arial" panose="020B0604020202020204" pitchFamily="34" charset="0"/>
-                        </a:rPr>
-                        <a:t>83095</a:t>
-                      </a:r>
-                    </a:p>
-                  </a:txBody>
-                  <a:tcPr marL="5665" marR="5665" marT="5665" marB="0" anchor="ctr"/>
-                </a:tc>
-                <a:extLst>
-                  <a:ext uri="{0D108BD9-81ED-4DB2-BD59-A6C34878D82A}">
-                    <a16:rowId xmlns:a16="http://schemas.microsoft.com/office/drawing/2014/main" val="4049968888"/>
-                  </a:ext>
-                </a:extLst>
-              </a:tr>
-              <a:tr h="190644">
-                <a:tc>
-                  <a:txBody>
-                    <a:bodyPr/>
-                    <a:lstStyle/>
-                    <a:p>
-                      <a:pPr algn="l" fontAlgn="b"/>
-                      <a:r>
-                        <a:rPr lang="en-US" sz="700" b="0" i="0" u="none" strike="noStrike" dirty="0" err="1">
-                          <a:solidFill>
-                            <a:srgbClr val="000000"/>
-                          </a:solidFill>
-                          <a:effectLst/>
-                          <a:latin typeface="Arial" panose="020B0604020202020204" pitchFamily="34" charset="0"/>
-                        </a:rPr>
-                        <a:t>jumpman_id</a:t>
-                      </a:r>
-                      <a:endParaRPr lang="en-US" sz="700" b="0" i="0" u="none" strike="noStrike" dirty="0">
-                        <a:solidFill>
-                          <a:srgbClr val="000000"/>
-                        </a:solidFill>
-                        <a:effectLst/>
-                        <a:latin typeface="Arial" panose="020B0604020202020204" pitchFamily="34" charset="0"/>
-                      </a:endParaRPr>
-                    </a:p>
-                  </a:txBody>
-                  <a:tcPr marL="5665" marR="5665" marT="5665" marB="0" anchor="ctr"/>
-                </a:tc>
-                <a:tc>
-                  <a:txBody>
-                    <a:bodyPr/>
-                    <a:lstStyle/>
-                    <a:p>
-                      <a:pPr algn="l" fontAlgn="b"/>
-                      <a:r>
-                        <a:rPr lang="en-US" sz="700" b="0" i="0" u="none" strike="noStrike">
-                          <a:solidFill>
-                            <a:srgbClr val="000000"/>
-                          </a:solidFill>
-                          <a:effectLst/>
-                          <a:latin typeface="Arial" panose="020B0604020202020204" pitchFamily="34" charset="0"/>
-                        </a:rPr>
-                        <a:t>132725</a:t>
-                      </a:r>
-                    </a:p>
-                  </a:txBody>
-                  <a:tcPr marL="5665" marR="5665" marT="5665" marB="0" anchor="ctr"/>
-                </a:tc>
-                <a:extLst>
-                  <a:ext uri="{0D108BD9-81ED-4DB2-BD59-A6C34878D82A}">
-                    <a16:rowId xmlns:a16="http://schemas.microsoft.com/office/drawing/2014/main" val="3865530348"/>
-                  </a:ext>
-                </a:extLst>
-              </a:tr>
-              <a:tr h="190644">
-                <a:tc>
-                  <a:txBody>
-                    <a:bodyPr/>
-                    <a:lstStyle/>
-                    <a:p>
-                      <a:pPr algn="l" fontAlgn="b"/>
-                      <a:r>
-                        <a:rPr lang="en-US" sz="700" b="0" i="0" u="none" strike="noStrike">
-                          <a:solidFill>
-                            <a:srgbClr val="000000"/>
-                          </a:solidFill>
-                          <a:effectLst/>
-                          <a:latin typeface="Arial" panose="020B0604020202020204" pitchFamily="34" charset="0"/>
-                        </a:rPr>
-                        <a:t>vehicle_type</a:t>
-                      </a:r>
-                    </a:p>
-                  </a:txBody>
-                  <a:tcPr marL="5665" marR="5665" marT="5665" marB="0" anchor="ctr"/>
-                </a:tc>
-                <a:tc>
-                  <a:txBody>
-                    <a:bodyPr/>
-                    <a:lstStyle/>
-                    <a:p>
-                      <a:pPr algn="l" fontAlgn="b"/>
-                      <a:r>
-                        <a:rPr lang="en-US" sz="700" b="0" i="0" u="none" strike="noStrike">
-                          <a:solidFill>
-                            <a:srgbClr val="000000"/>
-                          </a:solidFill>
-                          <a:effectLst/>
-                          <a:latin typeface="Arial" panose="020B0604020202020204" pitchFamily="34" charset="0"/>
-                        </a:rPr>
-                        <a:t>bicycle</a:t>
-                      </a:r>
-                    </a:p>
-                  </a:txBody>
-                  <a:tcPr marL="5665" marR="5665" marT="5665" marB="0" anchor="ctr"/>
-                </a:tc>
-                <a:extLst>
-                  <a:ext uri="{0D108BD9-81ED-4DB2-BD59-A6C34878D82A}">
-                    <a16:rowId xmlns:a16="http://schemas.microsoft.com/office/drawing/2014/main" val="1400598826"/>
-                  </a:ext>
-                </a:extLst>
-              </a:tr>
-              <a:tr h="190644">
-                <a:tc>
-                  <a:txBody>
-                    <a:bodyPr/>
-                    <a:lstStyle/>
-                    <a:p>
-                      <a:pPr algn="l" fontAlgn="b"/>
-                      <a:r>
-                        <a:rPr lang="en-US" sz="700" b="0" i="0" u="none" strike="noStrike" err="1">
-                          <a:solidFill>
-                            <a:srgbClr val="000000"/>
-                          </a:solidFill>
-                          <a:effectLst/>
-                          <a:latin typeface="Arial" panose="020B0604020202020204" pitchFamily="34" charset="0"/>
-                        </a:rPr>
-                        <a:t>pickup_place</a:t>
-                      </a:r>
-                      <a:endParaRPr lang="en-US" sz="700" b="0" i="0" u="none" strike="noStrike">
-                        <a:solidFill>
-                          <a:srgbClr val="000000"/>
-                        </a:solidFill>
-                        <a:effectLst/>
-                        <a:latin typeface="Arial" panose="020B0604020202020204" pitchFamily="34" charset="0"/>
-                      </a:endParaRPr>
-                    </a:p>
-                  </a:txBody>
-                  <a:tcPr marL="5665" marR="5665" marT="5665" marB="0" anchor="ctr"/>
-                </a:tc>
-                <a:tc>
-                  <a:txBody>
-                    <a:bodyPr/>
-                    <a:lstStyle/>
-                    <a:p>
-                      <a:pPr algn="l" fontAlgn="b"/>
-                      <a:r>
-                        <a:rPr lang="en-US" sz="700" b="0" i="0" u="none" strike="noStrike" err="1">
-                          <a:solidFill>
-                            <a:srgbClr val="000000"/>
-                          </a:solidFill>
-                          <a:effectLst/>
-                          <a:latin typeface="Arial" panose="020B0604020202020204" pitchFamily="34" charset="0"/>
-                        </a:rPr>
-                        <a:t>Bareburger</a:t>
-                      </a:r>
-                      <a:endParaRPr lang="en-US" sz="700" b="0" i="0" u="none" strike="noStrike">
-                        <a:solidFill>
-                          <a:srgbClr val="000000"/>
-                        </a:solidFill>
-                        <a:effectLst/>
-                        <a:latin typeface="Arial" panose="020B0604020202020204" pitchFamily="34" charset="0"/>
-                      </a:endParaRPr>
-                    </a:p>
-                  </a:txBody>
-                  <a:tcPr marL="5665" marR="5665" marT="5665" marB="0" anchor="ctr"/>
-                </a:tc>
-                <a:extLst>
-                  <a:ext uri="{0D108BD9-81ED-4DB2-BD59-A6C34878D82A}">
-                    <a16:rowId xmlns:a16="http://schemas.microsoft.com/office/drawing/2014/main" val="2576138324"/>
-                  </a:ext>
-                </a:extLst>
-              </a:tr>
-              <a:tr h="190644">
-                <a:tc>
-                  <a:txBody>
-                    <a:bodyPr/>
-                    <a:lstStyle/>
-                    <a:p>
-                      <a:pPr algn="l" fontAlgn="b"/>
-                      <a:r>
-                        <a:rPr lang="en-US" sz="700" b="0" i="0" u="none" strike="noStrike" err="1">
-                          <a:solidFill>
-                            <a:srgbClr val="000000"/>
-                          </a:solidFill>
-                          <a:effectLst/>
-                          <a:latin typeface="Arial" panose="020B0604020202020204" pitchFamily="34" charset="0"/>
-                        </a:rPr>
-                        <a:t>place_category</a:t>
-                      </a:r>
-                      <a:endParaRPr lang="en-US" sz="700" b="0" i="0" u="none" strike="noStrike">
-                        <a:solidFill>
-                          <a:srgbClr val="000000"/>
-                        </a:solidFill>
-                        <a:effectLst/>
-                        <a:latin typeface="Arial" panose="020B0604020202020204" pitchFamily="34" charset="0"/>
-                      </a:endParaRPr>
-                    </a:p>
-                  </a:txBody>
-                  <a:tcPr marL="5665" marR="5665" marT="5665" marB="0" anchor="ctr"/>
-                </a:tc>
-                <a:tc>
-                  <a:txBody>
-                    <a:bodyPr/>
-                    <a:lstStyle/>
-                    <a:p>
-                      <a:pPr algn="l" fontAlgn="b"/>
-                      <a:r>
-                        <a:rPr lang="en-US" sz="700" b="0" i="0" u="none" strike="noStrike">
-                          <a:solidFill>
-                            <a:srgbClr val="000000"/>
-                          </a:solidFill>
-                          <a:effectLst/>
-                          <a:latin typeface="Arial" panose="020B0604020202020204" pitchFamily="34" charset="0"/>
-                        </a:rPr>
-                        <a:t>Burger</a:t>
-                      </a:r>
-                    </a:p>
-                  </a:txBody>
-                  <a:tcPr marL="5665" marR="5665" marT="5665" marB="0" anchor="ctr"/>
-                </a:tc>
-                <a:extLst>
-                  <a:ext uri="{0D108BD9-81ED-4DB2-BD59-A6C34878D82A}">
-                    <a16:rowId xmlns:a16="http://schemas.microsoft.com/office/drawing/2014/main" val="3029226444"/>
-                  </a:ext>
-                </a:extLst>
-              </a:tr>
-              <a:tr h="190644">
-                <a:tc>
-                  <a:txBody>
-                    <a:bodyPr/>
-                    <a:lstStyle/>
-                    <a:p>
-                      <a:pPr algn="l" fontAlgn="b"/>
-                      <a:r>
-                        <a:rPr lang="en-US" sz="700" b="0" i="0" u="none" strike="noStrike">
-                          <a:solidFill>
-                            <a:srgbClr val="000000"/>
-                          </a:solidFill>
-                          <a:effectLst/>
-                          <a:latin typeface="Arial" panose="020B0604020202020204" pitchFamily="34" charset="0"/>
-                        </a:rPr>
-                        <a:t>item_name</a:t>
-                      </a:r>
-                    </a:p>
-                  </a:txBody>
-                  <a:tcPr marL="5665" marR="5665" marT="5665" marB="0" anchor="ctr"/>
-                </a:tc>
-                <a:tc>
-                  <a:txBody>
-                    <a:bodyPr/>
-                    <a:lstStyle/>
-                    <a:p>
-                      <a:pPr algn="l" fontAlgn="b"/>
-                      <a:r>
-                        <a:rPr lang="en-US" sz="700" b="0" i="0" u="none" strike="noStrike">
-                          <a:solidFill>
-                            <a:srgbClr val="000000"/>
-                          </a:solidFill>
-                          <a:effectLst/>
-                          <a:latin typeface="Arial" panose="020B0604020202020204" pitchFamily="34" charset="0"/>
-                        </a:rPr>
-                        <a:t>Bare Sodas</a:t>
-                      </a:r>
-                    </a:p>
-                  </a:txBody>
-                  <a:tcPr marL="5665" marR="5665" marT="5665" marB="0" anchor="ctr"/>
-                </a:tc>
-                <a:extLst>
-                  <a:ext uri="{0D108BD9-81ED-4DB2-BD59-A6C34878D82A}">
-                    <a16:rowId xmlns:a16="http://schemas.microsoft.com/office/drawing/2014/main" val="1397852573"/>
-                  </a:ext>
-                </a:extLst>
-              </a:tr>
-              <a:tr h="190644">
-                <a:tc>
-                  <a:txBody>
-                    <a:bodyPr/>
-                    <a:lstStyle/>
-                    <a:p>
-                      <a:pPr algn="l" fontAlgn="b"/>
-                      <a:r>
-                        <a:rPr lang="en-US" sz="700" b="0" i="0" u="none" strike="noStrike">
-                          <a:solidFill>
-                            <a:srgbClr val="000000"/>
-                          </a:solidFill>
-                          <a:effectLst/>
-                          <a:latin typeface="Arial" panose="020B0604020202020204" pitchFamily="34" charset="0"/>
-                        </a:rPr>
-                        <a:t>item_quantity</a:t>
-                      </a:r>
-                    </a:p>
-                  </a:txBody>
-                  <a:tcPr marL="5665" marR="5665" marT="5665" marB="0" anchor="ctr"/>
-                </a:tc>
-                <a:tc>
-                  <a:txBody>
-                    <a:bodyPr/>
-                    <a:lstStyle/>
-                    <a:p>
-                      <a:pPr algn="l" fontAlgn="b"/>
-                      <a:r>
-                        <a:rPr lang="en-US" sz="700" b="0" i="0" u="none" strike="noStrike">
-                          <a:solidFill>
-                            <a:srgbClr val="000000"/>
-                          </a:solidFill>
-                          <a:effectLst/>
-                          <a:latin typeface="Arial" panose="020B0604020202020204" pitchFamily="34" charset="0"/>
-                        </a:rPr>
-                        <a:t>1</a:t>
-                      </a:r>
-                    </a:p>
-                  </a:txBody>
-                  <a:tcPr marL="5665" marR="5665" marT="5665" marB="0" anchor="ctr"/>
-                </a:tc>
-                <a:extLst>
-                  <a:ext uri="{0D108BD9-81ED-4DB2-BD59-A6C34878D82A}">
-                    <a16:rowId xmlns:a16="http://schemas.microsoft.com/office/drawing/2014/main" val="1474757276"/>
-                  </a:ext>
-                </a:extLst>
-              </a:tr>
-              <a:tr h="190644">
-                <a:tc>
-                  <a:txBody>
-                    <a:bodyPr/>
-                    <a:lstStyle/>
-                    <a:p>
-                      <a:pPr algn="l" fontAlgn="b"/>
-                      <a:r>
-                        <a:rPr lang="en-US" sz="700" b="0" i="0" u="none" strike="noStrike">
-                          <a:solidFill>
-                            <a:srgbClr val="000000"/>
-                          </a:solidFill>
-                          <a:effectLst/>
-                          <a:latin typeface="Arial" panose="020B0604020202020204" pitchFamily="34" charset="0"/>
-                        </a:rPr>
-                        <a:t>item_category_name</a:t>
-                      </a:r>
-                    </a:p>
-                  </a:txBody>
-                  <a:tcPr marL="5665" marR="5665" marT="5665" marB="0" anchor="ctr"/>
-                </a:tc>
-                <a:tc>
-                  <a:txBody>
-                    <a:bodyPr/>
-                    <a:lstStyle/>
-                    <a:p>
-                      <a:pPr algn="l" fontAlgn="b"/>
-                      <a:r>
-                        <a:rPr lang="en-US" sz="700" b="0" i="0" u="none" strike="noStrike">
-                          <a:solidFill>
-                            <a:srgbClr val="000000"/>
-                          </a:solidFill>
-                          <a:effectLst/>
-                          <a:latin typeface="Arial" panose="020B0604020202020204" pitchFamily="34" charset="0"/>
-                        </a:rPr>
-                        <a:t>Drinks</a:t>
-                      </a:r>
-                    </a:p>
-                  </a:txBody>
-                  <a:tcPr marL="5665" marR="5665" marT="5665" marB="0" anchor="ctr"/>
-                </a:tc>
-                <a:extLst>
-                  <a:ext uri="{0D108BD9-81ED-4DB2-BD59-A6C34878D82A}">
-                    <a16:rowId xmlns:a16="http://schemas.microsoft.com/office/drawing/2014/main" val="2269621261"/>
-                  </a:ext>
-                </a:extLst>
-              </a:tr>
-              <a:tr h="190644">
-                <a:tc>
-                  <a:txBody>
-                    <a:bodyPr/>
-                    <a:lstStyle/>
-                    <a:p>
-                      <a:pPr algn="l" fontAlgn="b"/>
-                      <a:r>
-                        <a:rPr lang="en-US" sz="700" b="0" i="0" u="none" strike="noStrike">
-                          <a:solidFill>
-                            <a:srgbClr val="000000"/>
-                          </a:solidFill>
-                          <a:effectLst/>
-                          <a:latin typeface="Arial" panose="020B0604020202020204" pitchFamily="34" charset="0"/>
-                        </a:rPr>
-                        <a:t>how_long_it_took_to_order</a:t>
-                      </a:r>
-                    </a:p>
-                  </a:txBody>
-                  <a:tcPr marL="5665" marR="5665" marT="5665" marB="0" anchor="ctr"/>
-                </a:tc>
-                <a:tc>
-                  <a:txBody>
-                    <a:bodyPr/>
-                    <a:lstStyle/>
-                    <a:p>
-                      <a:pPr algn="l" fontAlgn="b"/>
-                      <a:r>
-                        <a:rPr lang="en-US" sz="700" b="0" i="0" u="none" strike="noStrike">
-                          <a:solidFill>
-                            <a:srgbClr val="000000"/>
-                          </a:solidFill>
-                          <a:effectLst/>
-                          <a:latin typeface="Arial" panose="020B0604020202020204" pitchFamily="34" charset="0"/>
-                        </a:rPr>
-                        <a:t>0:06:45</a:t>
-                      </a:r>
-                    </a:p>
-                  </a:txBody>
-                  <a:tcPr marL="9525" marR="9525" marT="9525" marB="0" anchor="ctr"/>
-                </a:tc>
-                <a:extLst>
-                  <a:ext uri="{0D108BD9-81ED-4DB2-BD59-A6C34878D82A}">
-                    <a16:rowId xmlns:a16="http://schemas.microsoft.com/office/drawing/2014/main" val="536241634"/>
-                  </a:ext>
-                </a:extLst>
-              </a:tr>
-              <a:tr h="190644">
-                <a:tc>
-                  <a:txBody>
-                    <a:bodyPr/>
-                    <a:lstStyle/>
-                    <a:p>
-                      <a:pPr algn="l" fontAlgn="b"/>
-                      <a:r>
-                        <a:rPr lang="en-US" sz="700" b="0" i="0" u="none" strike="noStrike">
-                          <a:solidFill>
-                            <a:srgbClr val="000000"/>
-                          </a:solidFill>
-                          <a:effectLst/>
-                          <a:latin typeface="Arial" panose="020B0604020202020204" pitchFamily="34" charset="0"/>
-                        </a:rPr>
-                        <a:t>pickup_lat</a:t>
-                      </a:r>
-                    </a:p>
-                  </a:txBody>
-                  <a:tcPr marL="5665" marR="5665" marT="5665" marB="0" anchor="ctr"/>
-                </a:tc>
-                <a:tc>
-                  <a:txBody>
-                    <a:bodyPr/>
-                    <a:lstStyle/>
-                    <a:p>
-                      <a:pPr algn="l" fontAlgn="b"/>
-                      <a:r>
-                        <a:rPr lang="en-US" sz="700" b="0" i="0" u="none" strike="noStrike">
-                          <a:solidFill>
-                            <a:srgbClr val="000000"/>
-                          </a:solidFill>
-                          <a:effectLst/>
-                          <a:latin typeface="Arial" panose="020B0604020202020204" pitchFamily="34" charset="0"/>
-                        </a:rPr>
-                        <a:t>40.7285</a:t>
-                      </a:r>
-                    </a:p>
-                  </a:txBody>
-                  <a:tcPr marL="5665" marR="5665" marT="5665" marB="0" anchor="ctr"/>
-                </a:tc>
-                <a:extLst>
-                  <a:ext uri="{0D108BD9-81ED-4DB2-BD59-A6C34878D82A}">
-                    <a16:rowId xmlns:a16="http://schemas.microsoft.com/office/drawing/2014/main" val="3798466228"/>
-                  </a:ext>
-                </a:extLst>
-              </a:tr>
-              <a:tr h="190644">
-                <a:tc>
-                  <a:txBody>
-                    <a:bodyPr/>
-                    <a:lstStyle/>
-                    <a:p>
-                      <a:pPr algn="l" fontAlgn="b"/>
-                      <a:r>
-                        <a:rPr lang="en-US" sz="700" b="0" i="0" u="none" strike="noStrike">
-                          <a:solidFill>
-                            <a:srgbClr val="000000"/>
-                          </a:solidFill>
-                          <a:effectLst/>
-                          <a:latin typeface="Arial" panose="020B0604020202020204" pitchFamily="34" charset="0"/>
-                        </a:rPr>
-                        <a:t>pickup_lon</a:t>
-                      </a:r>
-                    </a:p>
-                  </a:txBody>
-                  <a:tcPr marL="5665" marR="5665" marT="5665" marB="0" anchor="ctr"/>
-                </a:tc>
-                <a:tc>
-                  <a:txBody>
-                    <a:bodyPr/>
-                    <a:lstStyle/>
-                    <a:p>
-                      <a:pPr algn="l" fontAlgn="b"/>
-                      <a:r>
-                        <a:rPr lang="en-US" sz="700" b="0" i="0" u="none" strike="noStrike">
-                          <a:solidFill>
-                            <a:srgbClr val="000000"/>
-                          </a:solidFill>
-                          <a:effectLst/>
-                          <a:latin typeface="Arial" panose="020B0604020202020204" pitchFamily="34" charset="0"/>
-                        </a:rPr>
-                        <a:t>-73.9984</a:t>
-                      </a:r>
-                    </a:p>
-                  </a:txBody>
-                  <a:tcPr marL="5665" marR="5665" marT="5665" marB="0" anchor="ctr"/>
-                </a:tc>
-                <a:extLst>
-                  <a:ext uri="{0D108BD9-81ED-4DB2-BD59-A6C34878D82A}">
-                    <a16:rowId xmlns:a16="http://schemas.microsoft.com/office/drawing/2014/main" val="1683948745"/>
-                  </a:ext>
-                </a:extLst>
-              </a:tr>
-              <a:tr h="190644">
-                <a:tc>
-                  <a:txBody>
-                    <a:bodyPr/>
-                    <a:lstStyle/>
-                    <a:p>
-                      <a:pPr algn="l" fontAlgn="b"/>
-                      <a:r>
-                        <a:rPr lang="en-US" sz="700" b="0" i="0" u="none" strike="noStrike">
-                          <a:solidFill>
-                            <a:srgbClr val="000000"/>
-                          </a:solidFill>
-                          <a:effectLst/>
-                          <a:latin typeface="Arial" panose="020B0604020202020204" pitchFamily="34" charset="0"/>
-                        </a:rPr>
-                        <a:t>dropoff_lat</a:t>
-                      </a:r>
-                    </a:p>
-                  </a:txBody>
-                  <a:tcPr marL="5665" marR="5665" marT="5665" marB="0" anchor="ctr"/>
-                </a:tc>
-                <a:tc>
-                  <a:txBody>
-                    <a:bodyPr/>
-                    <a:lstStyle/>
-                    <a:p>
-                      <a:pPr algn="l" fontAlgn="b"/>
-                      <a:r>
-                        <a:rPr lang="en-US" sz="700" b="0" i="0" u="none" strike="noStrike">
-                          <a:solidFill>
-                            <a:srgbClr val="000000"/>
-                          </a:solidFill>
-                          <a:effectLst/>
-                          <a:latin typeface="Arial" panose="020B0604020202020204" pitchFamily="34" charset="0"/>
-                        </a:rPr>
-                        <a:t>40.7286</a:t>
-                      </a:r>
-                    </a:p>
-                  </a:txBody>
-                  <a:tcPr marL="5665" marR="5665" marT="5665" marB="0" anchor="ctr"/>
-                </a:tc>
-                <a:extLst>
-                  <a:ext uri="{0D108BD9-81ED-4DB2-BD59-A6C34878D82A}">
-                    <a16:rowId xmlns:a16="http://schemas.microsoft.com/office/drawing/2014/main" val="568431819"/>
-                  </a:ext>
-                </a:extLst>
-              </a:tr>
-              <a:tr h="190644">
-                <a:tc>
-                  <a:txBody>
-                    <a:bodyPr/>
-                    <a:lstStyle/>
-                    <a:p>
-                      <a:pPr algn="l" fontAlgn="b"/>
-                      <a:r>
-                        <a:rPr lang="en-US" sz="700" b="0" i="0" u="none" strike="noStrike">
-                          <a:solidFill>
-                            <a:srgbClr val="000000"/>
-                          </a:solidFill>
-                          <a:effectLst/>
-                          <a:latin typeface="Arial" panose="020B0604020202020204" pitchFamily="34" charset="0"/>
-                        </a:rPr>
-                        <a:t>dropoff_lon</a:t>
-                      </a:r>
-                    </a:p>
-                  </a:txBody>
-                  <a:tcPr marL="5665" marR="5665" marT="5665" marB="0" anchor="ctr"/>
-                </a:tc>
-                <a:tc>
-                  <a:txBody>
-                    <a:bodyPr/>
-                    <a:lstStyle/>
-                    <a:p>
-                      <a:pPr algn="l" fontAlgn="b"/>
-                      <a:r>
-                        <a:rPr lang="en-US" sz="700" b="0" i="0" u="none" strike="noStrike">
-                          <a:solidFill>
-                            <a:srgbClr val="000000"/>
-                          </a:solidFill>
-                          <a:effectLst/>
-                          <a:latin typeface="Arial" panose="020B0604020202020204" pitchFamily="34" charset="0"/>
-                        </a:rPr>
-                        <a:t>-73.9951</a:t>
-                      </a:r>
-                    </a:p>
-                  </a:txBody>
-                  <a:tcPr marL="5665" marR="5665" marT="5665" marB="0" anchor="ctr"/>
-                </a:tc>
-                <a:extLst>
-                  <a:ext uri="{0D108BD9-81ED-4DB2-BD59-A6C34878D82A}">
-                    <a16:rowId xmlns:a16="http://schemas.microsoft.com/office/drawing/2014/main" val="2841978685"/>
-                  </a:ext>
-                </a:extLst>
-              </a:tr>
-              <a:tr h="190644">
-                <a:tc>
-                  <a:txBody>
-                    <a:bodyPr/>
-                    <a:lstStyle/>
-                    <a:p>
-                      <a:pPr algn="l" fontAlgn="b"/>
-                      <a:r>
-                        <a:rPr lang="en-US" sz="700" b="0" i="0" u="none" strike="noStrike">
-                          <a:solidFill>
-                            <a:srgbClr val="000000"/>
-                          </a:solidFill>
-                          <a:effectLst/>
-                          <a:latin typeface="Arial" panose="020B0604020202020204" pitchFamily="34" charset="0"/>
-                        </a:rPr>
-                        <a:t>when_the_delivery_started</a:t>
-                      </a:r>
-                    </a:p>
-                  </a:txBody>
-                  <a:tcPr marL="5665" marR="5665" marT="5665" marB="0" anchor="ctr"/>
-                </a:tc>
-                <a:tc>
-                  <a:txBody>
-                    <a:bodyPr/>
-                    <a:lstStyle/>
-                    <a:p>
-                      <a:pPr algn="l" fontAlgn="b"/>
-                      <a:r>
-                        <a:rPr lang="en-US" sz="700" b="0" i="0" u="none" strike="noStrike">
-                          <a:solidFill>
-                            <a:srgbClr val="000000"/>
-                          </a:solidFill>
-                          <a:effectLst/>
-                          <a:latin typeface="Arial" panose="020B0604020202020204" pitchFamily="34" charset="0"/>
-                        </a:rPr>
-                        <a:t>10/28/14 21:39</a:t>
-                      </a:r>
-                    </a:p>
-                  </a:txBody>
-                  <a:tcPr marL="5665" marR="5665" marT="5665" marB="0" anchor="ctr"/>
-                </a:tc>
-                <a:extLst>
-                  <a:ext uri="{0D108BD9-81ED-4DB2-BD59-A6C34878D82A}">
-                    <a16:rowId xmlns:a16="http://schemas.microsoft.com/office/drawing/2014/main" val="4158170500"/>
-                  </a:ext>
-                </a:extLst>
-              </a:tr>
-              <a:tr h="190644">
-                <a:tc>
-                  <a:txBody>
-                    <a:bodyPr/>
-                    <a:lstStyle/>
-                    <a:p>
-                      <a:pPr algn="l" fontAlgn="b"/>
-                      <a:r>
-                        <a:rPr lang="en-US" sz="700" b="0" i="0" u="none" strike="noStrike">
-                          <a:solidFill>
-                            <a:srgbClr val="000000"/>
-                          </a:solidFill>
-                          <a:effectLst/>
-                          <a:latin typeface="Arial" panose="020B0604020202020204" pitchFamily="34" charset="0"/>
-                        </a:rPr>
-                        <a:t>when_the_Jumpman_arrived_at_pickup</a:t>
-                      </a:r>
-                    </a:p>
-                  </a:txBody>
-                  <a:tcPr marL="5665" marR="5665" marT="5665" marB="0" anchor="ctr"/>
-                </a:tc>
-                <a:tc>
-                  <a:txBody>
-                    <a:bodyPr/>
-                    <a:lstStyle/>
-                    <a:p>
-                      <a:pPr algn="l" fontAlgn="b"/>
-                      <a:r>
-                        <a:rPr lang="en-US" sz="700" b="0" i="0" u="none" strike="noStrike">
-                          <a:solidFill>
-                            <a:srgbClr val="000000"/>
-                          </a:solidFill>
-                          <a:effectLst/>
-                          <a:latin typeface="Arial" panose="020B0604020202020204" pitchFamily="34" charset="0"/>
-                        </a:rPr>
-                        <a:t>10/28/14 21:37</a:t>
-                      </a:r>
-                    </a:p>
-                  </a:txBody>
-                  <a:tcPr marL="5665" marR="5665" marT="5665" marB="0" anchor="ctr"/>
-                </a:tc>
-                <a:extLst>
-                  <a:ext uri="{0D108BD9-81ED-4DB2-BD59-A6C34878D82A}">
-                    <a16:rowId xmlns:a16="http://schemas.microsoft.com/office/drawing/2014/main" val="2140023924"/>
-                  </a:ext>
-                </a:extLst>
-              </a:tr>
-              <a:tr h="190644">
-                <a:tc>
-                  <a:txBody>
-                    <a:bodyPr/>
-                    <a:lstStyle/>
-                    <a:p>
-                      <a:pPr algn="l" fontAlgn="b"/>
-                      <a:r>
-                        <a:rPr lang="en-US" sz="700" b="0" i="0" u="none" strike="noStrike">
-                          <a:solidFill>
-                            <a:srgbClr val="000000"/>
-                          </a:solidFill>
-                          <a:effectLst/>
-                          <a:latin typeface="Arial" panose="020B0604020202020204" pitchFamily="34" charset="0"/>
-                        </a:rPr>
-                        <a:t>when_the_Jumpman_left_pickup</a:t>
-                      </a:r>
-                    </a:p>
-                  </a:txBody>
-                  <a:tcPr marL="5665" marR="5665" marT="5665" marB="0" anchor="ctr"/>
-                </a:tc>
-                <a:tc>
-                  <a:txBody>
-                    <a:bodyPr/>
-                    <a:lstStyle/>
-                    <a:p>
-                      <a:pPr algn="l" fontAlgn="b"/>
-                      <a:r>
-                        <a:rPr lang="en-US" sz="700" b="0" i="0" u="none" strike="noStrike">
-                          <a:solidFill>
-                            <a:srgbClr val="000000"/>
-                          </a:solidFill>
-                          <a:effectLst/>
-                          <a:latin typeface="Arial" panose="020B0604020202020204" pitchFamily="34" charset="0"/>
-                        </a:rPr>
-                        <a:t>10/28/14 21:59</a:t>
-                      </a:r>
-                    </a:p>
-                  </a:txBody>
-                  <a:tcPr marL="5665" marR="5665" marT="5665" marB="0" anchor="ctr"/>
-                </a:tc>
-                <a:extLst>
-                  <a:ext uri="{0D108BD9-81ED-4DB2-BD59-A6C34878D82A}">
-                    <a16:rowId xmlns:a16="http://schemas.microsoft.com/office/drawing/2014/main" val="1935126913"/>
-                  </a:ext>
-                </a:extLst>
-              </a:tr>
-              <a:tr h="190644">
-                <a:tc>
-                  <a:txBody>
-                    <a:bodyPr/>
-                    <a:lstStyle/>
-                    <a:p>
-                      <a:pPr algn="l" fontAlgn="b"/>
-                      <a:r>
-                        <a:rPr lang="en-US" sz="700" b="0" i="0" u="none" strike="noStrike">
-                          <a:solidFill>
-                            <a:srgbClr val="000000"/>
-                          </a:solidFill>
-                          <a:effectLst/>
-                          <a:latin typeface="Arial" panose="020B0604020202020204" pitchFamily="34" charset="0"/>
-                        </a:rPr>
-                        <a:t>when_the_Jumpman_arrived_at_dropoff</a:t>
-                      </a:r>
-                    </a:p>
-                  </a:txBody>
-                  <a:tcPr marL="5665" marR="5665" marT="5665" marB="0" anchor="ctr"/>
-                </a:tc>
-                <a:tc>
-                  <a:txBody>
-                    <a:bodyPr/>
-                    <a:lstStyle/>
-                    <a:p>
-                      <a:pPr algn="l" fontAlgn="b"/>
-                      <a:r>
-                        <a:rPr lang="en-US" sz="700" b="0" i="0" u="none" strike="noStrike">
-                          <a:solidFill>
-                            <a:srgbClr val="000000"/>
-                          </a:solidFill>
-                          <a:effectLst/>
-                          <a:latin typeface="Arial" panose="020B0604020202020204" pitchFamily="34" charset="0"/>
-                        </a:rPr>
-                        <a:t>10/28/14 22:04</a:t>
-                      </a:r>
-                    </a:p>
-                  </a:txBody>
-                  <a:tcPr marL="5665" marR="5665" marT="5665" marB="0" anchor="ctr"/>
-                </a:tc>
-                <a:extLst>
-                  <a:ext uri="{0D108BD9-81ED-4DB2-BD59-A6C34878D82A}">
-                    <a16:rowId xmlns:a16="http://schemas.microsoft.com/office/drawing/2014/main" val="3447613622"/>
-                  </a:ext>
-                </a:extLst>
-              </a:tr>
-            </a:tbl>
-          </a:graphicData>
-        </a:graphic>
-      </p:graphicFrame>
-      <p:sp>
-        <p:nvSpPr>
-          <p:cNvPr id="18" name="TextBox 17">
-            <a:extLst>
-              <a:ext uri="{FF2B5EF4-FFF2-40B4-BE49-F238E27FC236}">
-                <a16:creationId xmlns:a16="http://schemas.microsoft.com/office/drawing/2014/main" id="{7ABCDA3E-4BC8-D44C-B303-85C25C17CB1E}"/>
-              </a:ext>
-            </a:extLst>
-          </p:cNvPr>
-          <p:cNvSpPr txBox="1"/>
-          <p:nvPr/>
-        </p:nvSpPr>
-        <p:spPr>
-          <a:xfrm>
-            <a:off x="4772025" y="1257300"/>
-            <a:ext cx="2617026" cy="369332"/>
-          </a:xfrm>
-          <a:prstGeom prst="rect">
-            <a:avLst/>
-          </a:prstGeom>
-          <a:noFill/>
-        </p:spPr>
-        <p:txBody>
-          <a:bodyPr wrap="square" rtlCol="0">
-            <a:spAutoFit/>
-          </a:bodyPr>
-          <a:lstStyle/>
-          <a:p>
-            <a:r>
-              <a:rPr lang="en-US"/>
-              <a:t>Sample Record</a:t>
-            </a:r>
-          </a:p>
-        </p:txBody>
-      </p:sp>
-      <p:graphicFrame>
-        <p:nvGraphicFramePr>
-          <p:cNvPr id="19" name="Table 16">
-            <a:extLst>
-              <a:ext uri="{FF2B5EF4-FFF2-40B4-BE49-F238E27FC236}">
-                <a16:creationId xmlns:a16="http://schemas.microsoft.com/office/drawing/2014/main" id="{E8395635-868F-6548-9B58-8E869A22BD47}"/>
-              </a:ext>
-            </a:extLst>
-          </p:cNvPr>
-          <p:cNvGraphicFramePr>
-            <a:graphicFrameLocks noGrp="1"/>
-          </p:cNvGraphicFramePr>
-          <p:nvPr>
-            <p:extLst>
-              <p:ext uri="{D42A27DB-BD31-4B8C-83A1-F6EECF244321}">
-                <p14:modId xmlns:p14="http://schemas.microsoft.com/office/powerpoint/2010/main" val="209029473"/>
-              </p:ext>
-            </p:extLst>
-          </p:nvPr>
-        </p:nvGraphicFramePr>
-        <p:xfrm>
-          <a:off x="8704262" y="1679188"/>
-          <a:ext cx="2617026" cy="3653612"/>
-        </p:xfrm>
-        <a:graphic>
-          <a:graphicData uri="http://schemas.openxmlformats.org/drawingml/2006/table">
-            <a:tbl>
-              <a:tblPr firstRow="1" bandRow="1">
-                <a:tableStyleId>{5C22544A-7EE6-4342-B048-85BDC9FD1C3A}</a:tableStyleId>
-              </a:tblPr>
-              <a:tblGrid>
-                <a:gridCol w="1839786">
-                  <a:extLst>
-                    <a:ext uri="{9D8B030D-6E8A-4147-A177-3AD203B41FA5}">
-                      <a16:colId xmlns:a16="http://schemas.microsoft.com/office/drawing/2014/main" val="844011352"/>
-                    </a:ext>
-                  </a:extLst>
-                </a:gridCol>
-                <a:gridCol w="777240">
-                  <a:extLst>
-                    <a:ext uri="{9D8B030D-6E8A-4147-A177-3AD203B41FA5}">
-                      <a16:colId xmlns:a16="http://schemas.microsoft.com/office/drawing/2014/main" val="3467470163"/>
-                    </a:ext>
-                  </a:extLst>
-                </a:gridCol>
-              </a:tblGrid>
-              <a:tr h="213452">
-                <a:tc>
-                  <a:txBody>
-                    <a:bodyPr/>
-                    <a:lstStyle/>
-                    <a:p>
-                      <a:r>
-                        <a:rPr lang="en-US" sz="1100"/>
-                        <a:t>Attribute</a:t>
-                      </a:r>
-                    </a:p>
-                  </a:txBody>
-                  <a:tcPr marL="54381" marR="54381" marT="27190" marB="27190"/>
-                </a:tc>
-                <a:tc>
-                  <a:txBody>
-                    <a:bodyPr/>
-                    <a:lstStyle/>
-                    <a:p>
-                      <a:r>
-                        <a:rPr lang="en-US" sz="1100"/>
-                        <a:t>Entry</a:t>
-                      </a:r>
-                    </a:p>
-                  </a:txBody>
-                  <a:tcPr marL="54381" marR="54381" marT="27190" marB="27190"/>
-                </a:tc>
-                <a:extLst>
-                  <a:ext uri="{0D108BD9-81ED-4DB2-BD59-A6C34878D82A}">
-                    <a16:rowId xmlns:a16="http://schemas.microsoft.com/office/drawing/2014/main" val="2226192427"/>
-                  </a:ext>
-                </a:extLst>
-              </a:tr>
-              <a:tr h="190644">
-                <a:tc>
-                  <a:txBody>
-                    <a:bodyPr/>
-                    <a:lstStyle/>
-                    <a:p>
-                      <a:pPr algn="l" fontAlgn="b"/>
-                      <a:r>
-                        <a:rPr lang="en-US" sz="700" b="0" i="0" u="none" strike="noStrike" err="1">
-                          <a:solidFill>
-                            <a:srgbClr val="000000"/>
-                          </a:solidFill>
-                          <a:effectLst/>
-                          <a:latin typeface="Arial" panose="020B0604020202020204" pitchFamily="34" charset="0"/>
-                        </a:rPr>
-                        <a:t>delivery_id</a:t>
-                      </a:r>
-                      <a:endParaRPr lang="en-US" sz="700" b="0" i="0" u="none" strike="noStrike">
-                        <a:solidFill>
-                          <a:srgbClr val="000000"/>
-                        </a:solidFill>
-                        <a:effectLst/>
-                        <a:latin typeface="Arial" panose="020B0604020202020204" pitchFamily="34" charset="0"/>
-                      </a:endParaRPr>
-                    </a:p>
-                  </a:txBody>
-                  <a:tcPr marL="5665" marR="5665" marT="5665" marB="0" anchor="ctr"/>
-                </a:tc>
-                <a:tc>
-                  <a:txBody>
-                    <a:bodyPr/>
-                    <a:lstStyle/>
-                    <a:p>
-                      <a:pPr algn="l" fontAlgn="b"/>
-                      <a:r>
-                        <a:rPr lang="en-US" sz="700" b="0" i="0" u="none" strike="noStrike">
-                          <a:solidFill>
-                            <a:srgbClr val="000000"/>
-                          </a:solidFill>
-                          <a:effectLst/>
-                          <a:latin typeface="Arial" panose="020B0604020202020204" pitchFamily="34" charset="0"/>
-                        </a:rPr>
-                        <a:t>1476547</a:t>
-                      </a:r>
-                    </a:p>
-                  </a:txBody>
-                  <a:tcPr marL="5665" marR="5665" marT="5665" marB="0" anchor="ctr"/>
-                </a:tc>
-                <a:extLst>
-                  <a:ext uri="{0D108BD9-81ED-4DB2-BD59-A6C34878D82A}">
-                    <a16:rowId xmlns:a16="http://schemas.microsoft.com/office/drawing/2014/main" val="3460892982"/>
-                  </a:ext>
-                </a:extLst>
-              </a:tr>
-              <a:tr h="190644">
-                <a:tc>
-                  <a:txBody>
-                    <a:bodyPr/>
-                    <a:lstStyle/>
-                    <a:p>
-                      <a:pPr algn="l" fontAlgn="b"/>
-                      <a:r>
-                        <a:rPr lang="en-US" sz="700" b="0" i="0" u="none" strike="noStrike" err="1">
-                          <a:solidFill>
-                            <a:srgbClr val="000000"/>
-                          </a:solidFill>
-                          <a:effectLst/>
-                          <a:latin typeface="Arial" panose="020B0604020202020204" pitchFamily="34" charset="0"/>
-                        </a:rPr>
-                        <a:t>customer_id</a:t>
-                      </a:r>
-                      <a:endParaRPr lang="en-US" sz="700" b="0" i="0" u="none" strike="noStrike">
-                        <a:solidFill>
-                          <a:srgbClr val="000000"/>
-                        </a:solidFill>
-                        <a:effectLst/>
-                        <a:latin typeface="Arial" panose="020B0604020202020204" pitchFamily="34" charset="0"/>
-                      </a:endParaRPr>
-                    </a:p>
-                  </a:txBody>
-                  <a:tcPr marL="5665" marR="5665" marT="5665" marB="0" anchor="ctr"/>
-                </a:tc>
-                <a:tc>
-                  <a:txBody>
-                    <a:bodyPr/>
-                    <a:lstStyle/>
-                    <a:p>
-                      <a:pPr algn="l" fontAlgn="b"/>
-                      <a:r>
-                        <a:rPr lang="en-US" sz="700" b="0" i="0" u="none" strike="noStrike">
-                          <a:solidFill>
-                            <a:srgbClr val="000000"/>
-                          </a:solidFill>
-                          <a:effectLst/>
-                          <a:latin typeface="Arial" panose="020B0604020202020204" pitchFamily="34" charset="0"/>
-                        </a:rPr>
-                        <a:t>83095</a:t>
-                      </a:r>
-                    </a:p>
-                  </a:txBody>
-                  <a:tcPr marL="5665" marR="5665" marT="5665" marB="0" anchor="ctr"/>
-                </a:tc>
-                <a:extLst>
-                  <a:ext uri="{0D108BD9-81ED-4DB2-BD59-A6C34878D82A}">
-                    <a16:rowId xmlns:a16="http://schemas.microsoft.com/office/drawing/2014/main" val="4049968888"/>
-                  </a:ext>
-                </a:extLst>
-              </a:tr>
-              <a:tr h="190644">
-                <a:tc>
-                  <a:txBody>
-                    <a:bodyPr/>
-                    <a:lstStyle/>
-                    <a:p>
-                      <a:pPr algn="l" fontAlgn="b"/>
-                      <a:r>
-                        <a:rPr lang="en-US" sz="700" b="0" i="0" u="none" strike="noStrike">
-                          <a:solidFill>
-                            <a:srgbClr val="000000"/>
-                          </a:solidFill>
-                          <a:effectLst/>
-                          <a:latin typeface="Arial" panose="020B0604020202020204" pitchFamily="34" charset="0"/>
-                        </a:rPr>
-                        <a:t>jumpman_id</a:t>
-                      </a:r>
-                    </a:p>
-                  </a:txBody>
-                  <a:tcPr marL="5665" marR="5665" marT="5665" marB="0" anchor="ctr"/>
-                </a:tc>
-                <a:tc>
-                  <a:txBody>
-                    <a:bodyPr/>
-                    <a:lstStyle/>
-                    <a:p>
-                      <a:pPr algn="l" fontAlgn="b"/>
-                      <a:r>
-                        <a:rPr lang="en-US" sz="700" b="0" i="0" u="none" strike="noStrike">
-                          <a:solidFill>
-                            <a:srgbClr val="000000"/>
-                          </a:solidFill>
-                          <a:effectLst/>
-                          <a:latin typeface="Arial" panose="020B0604020202020204" pitchFamily="34" charset="0"/>
-                        </a:rPr>
-                        <a:t>132725</a:t>
-                      </a:r>
-                    </a:p>
-                  </a:txBody>
-                  <a:tcPr marL="5665" marR="5665" marT="5665" marB="0" anchor="ctr"/>
-                </a:tc>
-                <a:extLst>
-                  <a:ext uri="{0D108BD9-81ED-4DB2-BD59-A6C34878D82A}">
-                    <a16:rowId xmlns:a16="http://schemas.microsoft.com/office/drawing/2014/main" val="3865530348"/>
-                  </a:ext>
-                </a:extLst>
-              </a:tr>
-              <a:tr h="190644">
-                <a:tc>
-                  <a:txBody>
-                    <a:bodyPr/>
-                    <a:lstStyle/>
-                    <a:p>
-                      <a:pPr algn="l" fontAlgn="b"/>
-                      <a:r>
-                        <a:rPr lang="en-US" sz="700" b="0" i="0" u="none" strike="noStrike">
-                          <a:solidFill>
-                            <a:srgbClr val="000000"/>
-                          </a:solidFill>
-                          <a:effectLst/>
-                          <a:latin typeface="Arial" panose="020B0604020202020204" pitchFamily="34" charset="0"/>
-                        </a:rPr>
-                        <a:t>vehicle_type</a:t>
-                      </a:r>
-                    </a:p>
-                  </a:txBody>
-                  <a:tcPr marL="5665" marR="5665" marT="5665" marB="0" anchor="ctr"/>
-                </a:tc>
-                <a:tc>
-                  <a:txBody>
-                    <a:bodyPr/>
-                    <a:lstStyle/>
-                    <a:p>
-                      <a:pPr algn="l" fontAlgn="b"/>
-                      <a:r>
-                        <a:rPr lang="en-US" sz="700" b="0" i="0" u="none" strike="noStrike">
-                          <a:solidFill>
-                            <a:srgbClr val="000000"/>
-                          </a:solidFill>
-                          <a:effectLst/>
-                          <a:latin typeface="Arial" panose="020B0604020202020204" pitchFamily="34" charset="0"/>
-                        </a:rPr>
-                        <a:t>bicycle</a:t>
-                      </a:r>
-                    </a:p>
-                  </a:txBody>
-                  <a:tcPr marL="5665" marR="5665" marT="5665" marB="0" anchor="ctr"/>
-                </a:tc>
-                <a:extLst>
-                  <a:ext uri="{0D108BD9-81ED-4DB2-BD59-A6C34878D82A}">
-                    <a16:rowId xmlns:a16="http://schemas.microsoft.com/office/drawing/2014/main" val="1400598826"/>
-                  </a:ext>
-                </a:extLst>
-              </a:tr>
-              <a:tr h="190644">
-                <a:tc>
-                  <a:txBody>
-                    <a:bodyPr/>
-                    <a:lstStyle/>
-                    <a:p>
-                      <a:pPr algn="l" fontAlgn="b"/>
-                      <a:r>
-                        <a:rPr lang="en-US" sz="700" b="0" i="0" u="none" strike="noStrike">
-                          <a:solidFill>
-                            <a:srgbClr val="000000"/>
-                          </a:solidFill>
-                          <a:effectLst/>
-                          <a:latin typeface="Arial" panose="020B0604020202020204" pitchFamily="34" charset="0"/>
-                        </a:rPr>
-                        <a:t>pickup_place</a:t>
-                      </a:r>
-                    </a:p>
-                  </a:txBody>
-                  <a:tcPr marL="5665" marR="5665" marT="5665" marB="0" anchor="ctr"/>
-                </a:tc>
-                <a:tc>
-                  <a:txBody>
-                    <a:bodyPr/>
-                    <a:lstStyle/>
-                    <a:p>
-                      <a:pPr algn="l" fontAlgn="b"/>
-                      <a:r>
-                        <a:rPr lang="en-US" sz="700" b="0" i="0" u="none" strike="noStrike" err="1">
-                          <a:solidFill>
-                            <a:srgbClr val="000000"/>
-                          </a:solidFill>
-                          <a:effectLst/>
-                          <a:latin typeface="Arial" panose="020B0604020202020204" pitchFamily="34" charset="0"/>
-                        </a:rPr>
-                        <a:t>Bareburger</a:t>
-                      </a:r>
-                      <a:endParaRPr lang="en-US" sz="700" b="0" i="0" u="none" strike="noStrike">
-                        <a:solidFill>
-                          <a:srgbClr val="000000"/>
-                        </a:solidFill>
-                        <a:effectLst/>
-                        <a:latin typeface="Arial" panose="020B0604020202020204" pitchFamily="34" charset="0"/>
-                      </a:endParaRPr>
-                    </a:p>
-                  </a:txBody>
-                  <a:tcPr marL="5665" marR="5665" marT="5665" marB="0" anchor="ctr"/>
-                </a:tc>
-                <a:extLst>
-                  <a:ext uri="{0D108BD9-81ED-4DB2-BD59-A6C34878D82A}">
-                    <a16:rowId xmlns:a16="http://schemas.microsoft.com/office/drawing/2014/main" val="2576138324"/>
-                  </a:ext>
-                </a:extLst>
-              </a:tr>
-              <a:tr h="190644">
-                <a:tc>
-                  <a:txBody>
-                    <a:bodyPr/>
-                    <a:lstStyle/>
-                    <a:p>
-                      <a:pPr algn="l" fontAlgn="b"/>
-                      <a:r>
-                        <a:rPr lang="en-US" sz="700" b="0" i="0" u="none" strike="noStrike" err="1">
-                          <a:solidFill>
-                            <a:srgbClr val="000000"/>
-                          </a:solidFill>
-                          <a:effectLst/>
-                          <a:latin typeface="Arial" panose="020B0604020202020204" pitchFamily="34" charset="0"/>
-                        </a:rPr>
-                        <a:t>place_category</a:t>
-                      </a:r>
-                      <a:endParaRPr lang="en-US" sz="700" b="0" i="0" u="none" strike="noStrike">
-                        <a:solidFill>
-                          <a:srgbClr val="000000"/>
-                        </a:solidFill>
-                        <a:effectLst/>
-                        <a:latin typeface="Arial" panose="020B0604020202020204" pitchFamily="34" charset="0"/>
-                      </a:endParaRPr>
-                    </a:p>
-                  </a:txBody>
-                  <a:tcPr marL="5665" marR="5665" marT="5665" marB="0" anchor="ctr"/>
-                </a:tc>
-                <a:tc>
-                  <a:txBody>
-                    <a:bodyPr/>
-                    <a:lstStyle/>
-                    <a:p>
-                      <a:pPr algn="l" fontAlgn="b"/>
-                      <a:r>
-                        <a:rPr lang="en-US" sz="700" b="0" i="0" u="none" strike="noStrike">
-                          <a:solidFill>
-                            <a:srgbClr val="000000"/>
-                          </a:solidFill>
-                          <a:effectLst/>
-                          <a:latin typeface="Arial" panose="020B0604020202020204" pitchFamily="34" charset="0"/>
-                        </a:rPr>
-                        <a:t>Burger</a:t>
-                      </a:r>
-                    </a:p>
-                  </a:txBody>
-                  <a:tcPr marL="5665" marR="5665" marT="5665" marB="0" anchor="ctr"/>
-                </a:tc>
-                <a:extLst>
-                  <a:ext uri="{0D108BD9-81ED-4DB2-BD59-A6C34878D82A}">
-                    <a16:rowId xmlns:a16="http://schemas.microsoft.com/office/drawing/2014/main" val="3029226444"/>
-                  </a:ext>
-                </a:extLst>
-              </a:tr>
-              <a:tr h="190644">
-                <a:tc>
-                  <a:txBody>
-                    <a:bodyPr/>
-                    <a:lstStyle/>
-                    <a:p>
-                      <a:pPr algn="l" fontAlgn="b"/>
-                      <a:r>
-                        <a:rPr lang="en-US" sz="700" b="0" i="0" u="none" strike="noStrike">
-                          <a:solidFill>
-                            <a:srgbClr val="000000"/>
-                          </a:solidFill>
-                          <a:effectLst/>
-                          <a:latin typeface="Arial" panose="020B0604020202020204" pitchFamily="34" charset="0"/>
-                        </a:rPr>
-                        <a:t>item_name</a:t>
-                      </a:r>
-                    </a:p>
-                  </a:txBody>
-                  <a:tcPr marL="5665" marR="5665" marT="5665" marB="0" anchor="ctr"/>
-                </a:tc>
-                <a:tc>
-                  <a:txBody>
-                    <a:bodyPr/>
-                    <a:lstStyle/>
-                    <a:p>
-                      <a:pPr algn="l" fontAlgn="b"/>
-                      <a:r>
-                        <a:rPr lang="en-US" sz="700" b="0" i="0" u="none" strike="noStrike">
-                          <a:solidFill>
-                            <a:srgbClr val="000000"/>
-                          </a:solidFill>
-                          <a:effectLst/>
-                          <a:latin typeface="Arial" panose="020B0604020202020204" pitchFamily="34" charset="0"/>
-                        </a:rPr>
-                        <a:t>Bare Sodas</a:t>
-                      </a:r>
-                    </a:p>
-                  </a:txBody>
-                  <a:tcPr marL="5665" marR="5665" marT="5665" marB="0" anchor="ctr"/>
-                </a:tc>
-                <a:extLst>
-                  <a:ext uri="{0D108BD9-81ED-4DB2-BD59-A6C34878D82A}">
-                    <a16:rowId xmlns:a16="http://schemas.microsoft.com/office/drawing/2014/main" val="1397852573"/>
-                  </a:ext>
-                </a:extLst>
-              </a:tr>
-              <a:tr h="190644">
-                <a:tc>
-                  <a:txBody>
-                    <a:bodyPr/>
-                    <a:lstStyle/>
-                    <a:p>
-                      <a:pPr algn="l" fontAlgn="b"/>
-                      <a:r>
-                        <a:rPr lang="en-US" sz="700" b="0" i="0" u="none" strike="noStrike">
-                          <a:solidFill>
-                            <a:srgbClr val="000000"/>
-                          </a:solidFill>
-                          <a:effectLst/>
-                          <a:latin typeface="Arial" panose="020B0604020202020204" pitchFamily="34" charset="0"/>
-                        </a:rPr>
-                        <a:t>item_quantity</a:t>
-                      </a:r>
-                    </a:p>
-                  </a:txBody>
-                  <a:tcPr marL="5665" marR="5665" marT="5665" marB="0" anchor="ctr"/>
-                </a:tc>
-                <a:tc>
-                  <a:txBody>
-                    <a:bodyPr/>
-                    <a:lstStyle/>
-                    <a:p>
-                      <a:pPr algn="l" fontAlgn="b"/>
-                      <a:r>
-                        <a:rPr lang="en-US" sz="700" b="0" i="0" u="none" strike="noStrike">
-                          <a:solidFill>
-                            <a:srgbClr val="000000"/>
-                          </a:solidFill>
-                          <a:effectLst/>
-                          <a:latin typeface="Arial" panose="020B0604020202020204" pitchFamily="34" charset="0"/>
-                        </a:rPr>
-                        <a:t>1</a:t>
-                      </a:r>
-                    </a:p>
-                  </a:txBody>
-                  <a:tcPr marL="5665" marR="5665" marT="5665" marB="0" anchor="ctr"/>
-                </a:tc>
-                <a:extLst>
-                  <a:ext uri="{0D108BD9-81ED-4DB2-BD59-A6C34878D82A}">
-                    <a16:rowId xmlns:a16="http://schemas.microsoft.com/office/drawing/2014/main" val="1474757276"/>
-                  </a:ext>
-                </a:extLst>
-              </a:tr>
-              <a:tr h="190644">
-                <a:tc>
-                  <a:txBody>
-                    <a:bodyPr/>
-                    <a:lstStyle/>
-                    <a:p>
-                      <a:pPr algn="l" fontAlgn="b"/>
-                      <a:r>
-                        <a:rPr lang="en-US" sz="700" b="0" i="0" u="none" strike="noStrike" err="1">
-                          <a:solidFill>
-                            <a:srgbClr val="000000"/>
-                          </a:solidFill>
-                          <a:effectLst/>
-                          <a:latin typeface="Arial" panose="020B0604020202020204" pitchFamily="34" charset="0"/>
-                        </a:rPr>
-                        <a:t>item_category_name</a:t>
-                      </a:r>
-                      <a:endParaRPr lang="en-US" sz="700" b="0" i="0" u="none" strike="noStrike">
-                        <a:solidFill>
-                          <a:srgbClr val="000000"/>
-                        </a:solidFill>
-                        <a:effectLst/>
-                        <a:latin typeface="Arial" panose="020B0604020202020204" pitchFamily="34" charset="0"/>
-                      </a:endParaRPr>
-                    </a:p>
-                  </a:txBody>
-                  <a:tcPr marL="5665" marR="5665" marT="5665" marB="0" anchor="ctr"/>
-                </a:tc>
-                <a:tc>
-                  <a:txBody>
-                    <a:bodyPr/>
-                    <a:lstStyle/>
-                    <a:p>
-                      <a:pPr algn="l" fontAlgn="b"/>
-                      <a:r>
-                        <a:rPr lang="en-US" sz="700" b="0" i="0" u="none" strike="noStrike">
-                          <a:solidFill>
-                            <a:srgbClr val="000000"/>
-                          </a:solidFill>
-                          <a:effectLst/>
-                          <a:latin typeface="Arial" panose="020B0604020202020204" pitchFamily="34" charset="0"/>
-                        </a:rPr>
-                        <a:t>Drinks</a:t>
-                      </a:r>
-                    </a:p>
-                  </a:txBody>
-                  <a:tcPr marL="5665" marR="5665" marT="5665" marB="0" anchor="ctr"/>
-                </a:tc>
-                <a:extLst>
-                  <a:ext uri="{0D108BD9-81ED-4DB2-BD59-A6C34878D82A}">
-                    <a16:rowId xmlns:a16="http://schemas.microsoft.com/office/drawing/2014/main" val="2269621261"/>
-                  </a:ext>
-                </a:extLst>
-              </a:tr>
-              <a:tr h="190644">
-                <a:tc>
-                  <a:txBody>
-                    <a:bodyPr/>
-                    <a:lstStyle/>
-                    <a:p>
-                      <a:pPr algn="l" fontAlgn="b"/>
-                      <a:r>
-                        <a:rPr lang="en-US" sz="700" b="0" i="0" u="none" strike="noStrike">
-                          <a:solidFill>
-                            <a:srgbClr val="000000"/>
-                          </a:solidFill>
-                          <a:effectLst/>
-                          <a:latin typeface="Arial" panose="020B0604020202020204" pitchFamily="34" charset="0"/>
-                        </a:rPr>
-                        <a:t>how_long_it_took_to_order</a:t>
-                      </a:r>
-                    </a:p>
-                  </a:txBody>
-                  <a:tcPr marL="5665" marR="5665" marT="5665" marB="0" anchor="ctr"/>
-                </a:tc>
-                <a:tc>
-                  <a:txBody>
-                    <a:bodyPr/>
-                    <a:lstStyle/>
-                    <a:p>
-                      <a:pPr algn="l" fontAlgn="b"/>
-                      <a:r>
-                        <a:rPr lang="en-US" sz="700" b="0" i="0" u="none" strike="noStrike">
-                          <a:solidFill>
-                            <a:srgbClr val="000000"/>
-                          </a:solidFill>
-                          <a:effectLst/>
-                          <a:latin typeface="Arial" panose="020B0604020202020204" pitchFamily="34" charset="0"/>
-                        </a:rPr>
-                        <a:t>0:06:45</a:t>
-                      </a:r>
-                    </a:p>
-                  </a:txBody>
-                  <a:tcPr marL="9525" marR="9525" marT="9525" marB="0" anchor="ctr"/>
-                </a:tc>
-                <a:extLst>
-                  <a:ext uri="{0D108BD9-81ED-4DB2-BD59-A6C34878D82A}">
-                    <a16:rowId xmlns:a16="http://schemas.microsoft.com/office/drawing/2014/main" val="536241634"/>
-                  </a:ext>
-                </a:extLst>
-              </a:tr>
-              <a:tr h="190644">
-                <a:tc>
-                  <a:txBody>
-                    <a:bodyPr/>
-                    <a:lstStyle/>
-                    <a:p>
-                      <a:pPr algn="l" fontAlgn="b"/>
-                      <a:r>
-                        <a:rPr lang="en-US" sz="700" b="0" i="0" u="none" strike="noStrike">
-                          <a:solidFill>
-                            <a:srgbClr val="000000"/>
-                          </a:solidFill>
-                          <a:effectLst/>
-                          <a:latin typeface="Arial" panose="020B0604020202020204" pitchFamily="34" charset="0"/>
-                        </a:rPr>
-                        <a:t>pickup_lat</a:t>
-                      </a:r>
-                    </a:p>
-                  </a:txBody>
-                  <a:tcPr marL="5665" marR="5665" marT="5665" marB="0" anchor="ctr"/>
-                </a:tc>
-                <a:tc>
-                  <a:txBody>
-                    <a:bodyPr/>
-                    <a:lstStyle/>
-                    <a:p>
-                      <a:pPr algn="l" fontAlgn="b"/>
-                      <a:r>
-                        <a:rPr lang="en-US" sz="700" b="0" i="0" u="none" strike="noStrike">
-                          <a:solidFill>
-                            <a:srgbClr val="000000"/>
-                          </a:solidFill>
-                          <a:effectLst/>
-                          <a:latin typeface="Arial" panose="020B0604020202020204" pitchFamily="34" charset="0"/>
-                        </a:rPr>
-                        <a:t>40.7285</a:t>
-                      </a:r>
-                    </a:p>
-                  </a:txBody>
-                  <a:tcPr marL="5665" marR="5665" marT="5665" marB="0" anchor="ctr"/>
-                </a:tc>
-                <a:extLst>
-                  <a:ext uri="{0D108BD9-81ED-4DB2-BD59-A6C34878D82A}">
-                    <a16:rowId xmlns:a16="http://schemas.microsoft.com/office/drawing/2014/main" val="3798466228"/>
-                  </a:ext>
-                </a:extLst>
-              </a:tr>
-              <a:tr h="190644">
-                <a:tc>
-                  <a:txBody>
-                    <a:bodyPr/>
-                    <a:lstStyle/>
-                    <a:p>
-                      <a:pPr algn="l" fontAlgn="b"/>
-                      <a:r>
-                        <a:rPr lang="en-US" sz="700" b="0" i="0" u="none" strike="noStrike">
-                          <a:solidFill>
-                            <a:srgbClr val="000000"/>
-                          </a:solidFill>
-                          <a:effectLst/>
-                          <a:latin typeface="Arial" panose="020B0604020202020204" pitchFamily="34" charset="0"/>
-                        </a:rPr>
-                        <a:t>pickup_lon</a:t>
-                      </a:r>
-                    </a:p>
-                  </a:txBody>
-                  <a:tcPr marL="5665" marR="5665" marT="5665" marB="0" anchor="ctr"/>
-                </a:tc>
-                <a:tc>
-                  <a:txBody>
-                    <a:bodyPr/>
-                    <a:lstStyle/>
-                    <a:p>
-                      <a:pPr algn="l" fontAlgn="b"/>
-                      <a:r>
-                        <a:rPr lang="en-US" sz="700" b="0" i="0" u="none" strike="noStrike">
-                          <a:solidFill>
-                            <a:srgbClr val="000000"/>
-                          </a:solidFill>
-                          <a:effectLst/>
-                          <a:latin typeface="Arial" panose="020B0604020202020204" pitchFamily="34" charset="0"/>
-                        </a:rPr>
-                        <a:t>-73.9984</a:t>
-                      </a:r>
-                    </a:p>
-                  </a:txBody>
-                  <a:tcPr marL="5665" marR="5665" marT="5665" marB="0" anchor="ctr"/>
-                </a:tc>
-                <a:extLst>
-                  <a:ext uri="{0D108BD9-81ED-4DB2-BD59-A6C34878D82A}">
-                    <a16:rowId xmlns:a16="http://schemas.microsoft.com/office/drawing/2014/main" val="1683948745"/>
-                  </a:ext>
-                </a:extLst>
-              </a:tr>
-              <a:tr h="190644">
-                <a:tc>
-                  <a:txBody>
-                    <a:bodyPr/>
-                    <a:lstStyle/>
-                    <a:p>
-                      <a:pPr algn="l" fontAlgn="b"/>
-                      <a:r>
-                        <a:rPr lang="en-US" sz="700" b="0" i="0" u="none" strike="noStrike">
-                          <a:solidFill>
-                            <a:srgbClr val="000000"/>
-                          </a:solidFill>
-                          <a:effectLst/>
-                          <a:latin typeface="Arial" panose="020B0604020202020204" pitchFamily="34" charset="0"/>
-                        </a:rPr>
-                        <a:t>dropoff_lat</a:t>
-                      </a:r>
-                    </a:p>
-                  </a:txBody>
-                  <a:tcPr marL="5665" marR="5665" marT="5665" marB="0" anchor="ctr"/>
-                </a:tc>
-                <a:tc>
-                  <a:txBody>
-                    <a:bodyPr/>
-                    <a:lstStyle/>
-                    <a:p>
-                      <a:pPr algn="l" fontAlgn="b"/>
-                      <a:r>
-                        <a:rPr lang="en-US" sz="700" b="0" i="0" u="none" strike="noStrike">
-                          <a:solidFill>
-                            <a:srgbClr val="000000"/>
-                          </a:solidFill>
-                          <a:effectLst/>
-                          <a:latin typeface="Arial" panose="020B0604020202020204" pitchFamily="34" charset="0"/>
-                        </a:rPr>
-                        <a:t>40.7286</a:t>
-                      </a:r>
-                    </a:p>
-                  </a:txBody>
-                  <a:tcPr marL="5665" marR="5665" marT="5665" marB="0" anchor="ctr"/>
-                </a:tc>
-                <a:extLst>
-                  <a:ext uri="{0D108BD9-81ED-4DB2-BD59-A6C34878D82A}">
-                    <a16:rowId xmlns:a16="http://schemas.microsoft.com/office/drawing/2014/main" val="568431819"/>
-                  </a:ext>
-                </a:extLst>
-              </a:tr>
-              <a:tr h="190644">
-                <a:tc>
-                  <a:txBody>
-                    <a:bodyPr/>
-                    <a:lstStyle/>
-                    <a:p>
-                      <a:pPr algn="l" fontAlgn="b"/>
-                      <a:r>
-                        <a:rPr lang="en-US" sz="700" b="0" i="0" u="none" strike="noStrike">
-                          <a:solidFill>
-                            <a:srgbClr val="000000"/>
-                          </a:solidFill>
-                          <a:effectLst/>
-                          <a:latin typeface="Arial" panose="020B0604020202020204" pitchFamily="34" charset="0"/>
-                        </a:rPr>
-                        <a:t>dropoff_lon</a:t>
-                      </a:r>
-                    </a:p>
-                  </a:txBody>
-                  <a:tcPr marL="5665" marR="5665" marT="5665" marB="0" anchor="ctr"/>
-                </a:tc>
-                <a:tc>
-                  <a:txBody>
-                    <a:bodyPr/>
-                    <a:lstStyle/>
-                    <a:p>
-                      <a:pPr algn="l" fontAlgn="b"/>
-                      <a:r>
-                        <a:rPr lang="en-US" sz="700" b="0" i="0" u="none" strike="noStrike">
-                          <a:solidFill>
-                            <a:srgbClr val="000000"/>
-                          </a:solidFill>
-                          <a:effectLst/>
-                          <a:latin typeface="Arial" panose="020B0604020202020204" pitchFamily="34" charset="0"/>
-                        </a:rPr>
-                        <a:t>-73.9951</a:t>
-                      </a:r>
-                    </a:p>
-                  </a:txBody>
-                  <a:tcPr marL="5665" marR="5665" marT="5665" marB="0" anchor="ctr"/>
-                </a:tc>
-                <a:extLst>
-                  <a:ext uri="{0D108BD9-81ED-4DB2-BD59-A6C34878D82A}">
-                    <a16:rowId xmlns:a16="http://schemas.microsoft.com/office/drawing/2014/main" val="2841978685"/>
-                  </a:ext>
-                </a:extLst>
-              </a:tr>
-              <a:tr h="190644">
-                <a:tc>
-                  <a:txBody>
-                    <a:bodyPr/>
-                    <a:lstStyle/>
-                    <a:p>
-                      <a:pPr algn="l" fontAlgn="b"/>
-                      <a:r>
-                        <a:rPr lang="en-US" sz="700" b="0" i="0" u="none" strike="noStrike">
-                          <a:solidFill>
-                            <a:srgbClr val="000000"/>
-                          </a:solidFill>
-                          <a:effectLst/>
-                          <a:latin typeface="Arial" panose="020B0604020202020204" pitchFamily="34" charset="0"/>
-                        </a:rPr>
-                        <a:t>when_the_delivery_started</a:t>
-                      </a:r>
-                    </a:p>
-                  </a:txBody>
-                  <a:tcPr marL="5665" marR="5665" marT="5665" marB="0" anchor="ctr"/>
-                </a:tc>
-                <a:tc>
-                  <a:txBody>
-                    <a:bodyPr/>
-                    <a:lstStyle/>
-                    <a:p>
-                      <a:pPr algn="l" fontAlgn="b"/>
-                      <a:r>
-                        <a:rPr lang="en-US" sz="700" b="0" i="0" u="none" strike="noStrike">
-                          <a:solidFill>
-                            <a:srgbClr val="000000"/>
-                          </a:solidFill>
-                          <a:effectLst/>
-                          <a:latin typeface="Arial" panose="020B0604020202020204" pitchFamily="34" charset="0"/>
-                        </a:rPr>
-                        <a:t>10/28/14 21:39</a:t>
-                      </a:r>
-                    </a:p>
-                  </a:txBody>
-                  <a:tcPr marL="5665" marR="5665" marT="5665" marB="0" anchor="ctr"/>
-                </a:tc>
-                <a:extLst>
-                  <a:ext uri="{0D108BD9-81ED-4DB2-BD59-A6C34878D82A}">
-                    <a16:rowId xmlns:a16="http://schemas.microsoft.com/office/drawing/2014/main" val="4158170500"/>
-                  </a:ext>
-                </a:extLst>
-              </a:tr>
-              <a:tr h="190644">
-                <a:tc>
-                  <a:txBody>
-                    <a:bodyPr/>
-                    <a:lstStyle/>
-                    <a:p>
-                      <a:pPr algn="l" fontAlgn="b"/>
-                      <a:r>
-                        <a:rPr lang="en-US" sz="700" b="0" i="0" u="none" strike="noStrike">
-                          <a:solidFill>
-                            <a:srgbClr val="000000"/>
-                          </a:solidFill>
-                          <a:effectLst/>
-                          <a:latin typeface="Arial" panose="020B0604020202020204" pitchFamily="34" charset="0"/>
-                        </a:rPr>
-                        <a:t>when_the_Jumpman_arrived_at_pickup</a:t>
-                      </a:r>
-                    </a:p>
-                  </a:txBody>
-                  <a:tcPr marL="5665" marR="5665" marT="5665" marB="0" anchor="ctr"/>
-                </a:tc>
-                <a:tc>
-                  <a:txBody>
-                    <a:bodyPr/>
-                    <a:lstStyle/>
-                    <a:p>
-                      <a:pPr algn="l" fontAlgn="b"/>
-                      <a:r>
-                        <a:rPr lang="en-US" sz="700" b="0" i="0" u="none" strike="noStrike">
-                          <a:solidFill>
-                            <a:srgbClr val="000000"/>
-                          </a:solidFill>
-                          <a:effectLst/>
-                          <a:latin typeface="Arial" panose="020B0604020202020204" pitchFamily="34" charset="0"/>
-                        </a:rPr>
-                        <a:t>10/28/14 21:37</a:t>
-                      </a:r>
-                    </a:p>
-                  </a:txBody>
-                  <a:tcPr marL="5665" marR="5665" marT="5665" marB="0" anchor="ctr"/>
-                </a:tc>
-                <a:extLst>
-                  <a:ext uri="{0D108BD9-81ED-4DB2-BD59-A6C34878D82A}">
-                    <a16:rowId xmlns:a16="http://schemas.microsoft.com/office/drawing/2014/main" val="2140023924"/>
-                  </a:ext>
-                </a:extLst>
-              </a:tr>
-              <a:tr h="190644">
-                <a:tc>
-                  <a:txBody>
-                    <a:bodyPr/>
-                    <a:lstStyle/>
-                    <a:p>
-                      <a:pPr algn="l" fontAlgn="b"/>
-                      <a:r>
-                        <a:rPr lang="en-US" sz="700" b="0" i="0" u="none" strike="noStrike">
-                          <a:solidFill>
-                            <a:srgbClr val="000000"/>
-                          </a:solidFill>
-                          <a:effectLst/>
-                          <a:latin typeface="Arial" panose="020B0604020202020204" pitchFamily="34" charset="0"/>
-                        </a:rPr>
-                        <a:t>when_the_Jumpman_left_pickup</a:t>
-                      </a:r>
-                    </a:p>
-                  </a:txBody>
-                  <a:tcPr marL="5665" marR="5665" marT="5665" marB="0" anchor="ctr"/>
-                </a:tc>
-                <a:tc>
-                  <a:txBody>
-                    <a:bodyPr/>
-                    <a:lstStyle/>
-                    <a:p>
-                      <a:pPr algn="l" fontAlgn="b"/>
-                      <a:r>
-                        <a:rPr lang="en-US" sz="700" b="0" i="0" u="none" strike="noStrike">
-                          <a:solidFill>
-                            <a:srgbClr val="000000"/>
-                          </a:solidFill>
-                          <a:effectLst/>
-                          <a:latin typeface="Arial" panose="020B0604020202020204" pitchFamily="34" charset="0"/>
-                        </a:rPr>
-                        <a:t>10/28/14 21:59</a:t>
-                      </a:r>
-                    </a:p>
-                  </a:txBody>
-                  <a:tcPr marL="5665" marR="5665" marT="5665" marB="0" anchor="ctr"/>
-                </a:tc>
-                <a:extLst>
-                  <a:ext uri="{0D108BD9-81ED-4DB2-BD59-A6C34878D82A}">
-                    <a16:rowId xmlns:a16="http://schemas.microsoft.com/office/drawing/2014/main" val="1935126913"/>
-                  </a:ext>
-                </a:extLst>
-              </a:tr>
-              <a:tr h="190644">
-                <a:tc>
-                  <a:txBody>
-                    <a:bodyPr/>
-                    <a:lstStyle/>
-                    <a:p>
-                      <a:pPr algn="l" fontAlgn="b"/>
-                      <a:r>
-                        <a:rPr lang="en-US" sz="700" b="0" i="0" u="none" strike="noStrike" err="1">
-                          <a:solidFill>
-                            <a:srgbClr val="000000"/>
-                          </a:solidFill>
-                          <a:effectLst/>
-                          <a:latin typeface="Arial" panose="020B0604020202020204" pitchFamily="34" charset="0"/>
-                        </a:rPr>
-                        <a:t>when_the_Jumpman_arrived_at_dropoff</a:t>
-                      </a:r>
-                      <a:endParaRPr lang="en-US" sz="700" b="0" i="0" u="none" strike="noStrike">
-                        <a:solidFill>
-                          <a:srgbClr val="000000"/>
-                        </a:solidFill>
-                        <a:effectLst/>
-                        <a:latin typeface="Arial" panose="020B0604020202020204" pitchFamily="34" charset="0"/>
-                      </a:endParaRPr>
-                    </a:p>
-                  </a:txBody>
-                  <a:tcPr marL="5665" marR="5665" marT="5665" marB="0" anchor="ctr"/>
-                </a:tc>
-                <a:tc>
-                  <a:txBody>
-                    <a:bodyPr/>
-                    <a:lstStyle/>
-                    <a:p>
-                      <a:pPr algn="l" fontAlgn="b"/>
-                      <a:r>
-                        <a:rPr lang="en-US" sz="700" b="0" i="0" u="none" strike="noStrike">
-                          <a:solidFill>
-                            <a:srgbClr val="000000"/>
-                          </a:solidFill>
-                          <a:effectLst/>
-                          <a:latin typeface="Arial" panose="020B0604020202020204" pitchFamily="34" charset="0"/>
-                        </a:rPr>
-                        <a:t>10/28/14 22:04</a:t>
-                      </a:r>
-                    </a:p>
-                  </a:txBody>
-                  <a:tcPr marL="5665" marR="5665" marT="5665" marB="0" anchor="ctr"/>
-                </a:tc>
-                <a:extLst>
-                  <a:ext uri="{0D108BD9-81ED-4DB2-BD59-A6C34878D82A}">
-                    <a16:rowId xmlns:a16="http://schemas.microsoft.com/office/drawing/2014/main" val="3447613622"/>
-                  </a:ext>
-                </a:extLst>
-              </a:tr>
-            </a:tbl>
-          </a:graphicData>
-        </a:graphic>
-      </p:graphicFrame>
-    </p:spTree>
-    <p:extLst>
-      <p:ext uri="{BB962C8B-B14F-4D97-AF65-F5344CB8AC3E}">
-        <p14:creationId xmlns:p14="http://schemas.microsoft.com/office/powerpoint/2010/main" val="1465185019"/>
-      </p:ext>
-    </p:extLst>
-  </p:cSld>
-  <p:clrMapOvr>
-    <a:masterClrMapping/>
-  </p:clrMapOvr>
-</p:sld>
-</file>
-
-<file path=ppt/slides/slide14.xml><?xml version="1.0" encoding="utf-8"?>
+<file path=ppt/slides/slide12.xml><?xml version="1.0" encoding="utf-8"?>
 <p:sld xmlns:a="http://schemas.openxmlformats.org/drawingml/2006/main" xmlns:r="http://schemas.openxmlformats.org/officeDocument/2006/relationships" xmlns:p="http://schemas.openxmlformats.org/presentationml/2006/main">
   <p:cSld>
     <p:spTree>
@@ -11561,353 +11051,7 @@
 </p:sld>
 </file>
 
-<file path=ppt/slides/slide15.xml><?xml version="1.0" encoding="utf-8"?>
-<p:sld xmlns:a="http://schemas.openxmlformats.org/drawingml/2006/main" xmlns:r="http://schemas.openxmlformats.org/officeDocument/2006/relationships" xmlns:p="http://schemas.openxmlformats.org/presentationml/2006/main">
-  <p:cSld>
-    <p:spTree>
-      <p:nvGrpSpPr>
-        <p:cNvPr id="1" name=""/>
-        <p:cNvGrpSpPr/>
-        <p:nvPr/>
-      </p:nvGrpSpPr>
-      <p:grpSpPr>
-        <a:xfrm>
-          <a:off x="0" y="0"/>
-          <a:ext cx="0" cy="0"/>
-          <a:chOff x="0" y="0"/>
-          <a:chExt cx="0" cy="0"/>
-        </a:xfrm>
-      </p:grpSpPr>
-      <p:sp>
-        <p:nvSpPr>
-          <p:cNvPr id="2" name="Title 1">
-            <a:extLst>
-              <a:ext uri="{FF2B5EF4-FFF2-40B4-BE49-F238E27FC236}">
-                <a16:creationId xmlns:a16="http://schemas.microsoft.com/office/drawing/2014/main" id="{4F8A69E6-EAC1-CA49-9AB5-A2179A65F403}"/>
-              </a:ext>
-            </a:extLst>
-          </p:cNvPr>
-          <p:cNvSpPr>
-            <a:spLocks noGrp="1"/>
-          </p:cNvSpPr>
-          <p:nvPr>
-            <p:ph type="title"/>
-          </p:nvPr>
-        </p:nvSpPr>
-        <p:spPr/>
-        <p:txBody>
-          <a:bodyPr/>
-          <a:lstStyle/>
-          <a:p>
-            <a:endParaRPr lang="en-US"/>
-          </a:p>
-        </p:txBody>
-      </p:sp>
-      <p:pic>
-        <p:nvPicPr>
-          <p:cNvPr id="5" name="Picture 4">
-            <a:extLst>
-              <a:ext uri="{FF2B5EF4-FFF2-40B4-BE49-F238E27FC236}">
-                <a16:creationId xmlns:a16="http://schemas.microsoft.com/office/drawing/2014/main" id="{C087BD82-DE94-2D4B-BBFE-B128B957F7C3}"/>
-              </a:ext>
-            </a:extLst>
-          </p:cNvPr>
-          <p:cNvPicPr>
-            <a:picLocks noChangeAspect="1"/>
-          </p:cNvPicPr>
-          <p:nvPr/>
-        </p:nvPicPr>
-        <p:blipFill>
-          <a:blip r:embed="rId2"/>
-          <a:stretch>
-            <a:fillRect/>
-          </a:stretch>
-        </p:blipFill>
-        <p:spPr>
-          <a:xfrm>
-            <a:off x="102721" y="3183217"/>
-            <a:ext cx="4940300" cy="3530600"/>
-          </a:xfrm>
-          <a:prstGeom prst="rect">
-            <a:avLst/>
-          </a:prstGeom>
-        </p:spPr>
-      </p:pic>
-      <p:pic>
-        <p:nvPicPr>
-          <p:cNvPr id="6" name="Picture 5">
-            <a:extLst>
-              <a:ext uri="{FF2B5EF4-FFF2-40B4-BE49-F238E27FC236}">
-                <a16:creationId xmlns:a16="http://schemas.microsoft.com/office/drawing/2014/main" id="{A6D4A592-9907-ED43-9094-9502AD4AA337}"/>
-              </a:ext>
-            </a:extLst>
-          </p:cNvPr>
-          <p:cNvPicPr>
-            <a:picLocks noChangeAspect="1"/>
-          </p:cNvPicPr>
-          <p:nvPr/>
-        </p:nvPicPr>
-        <p:blipFill>
-          <a:blip r:embed="rId3"/>
-          <a:stretch>
-            <a:fillRect/>
-          </a:stretch>
-        </p:blipFill>
-        <p:spPr>
-          <a:xfrm>
-            <a:off x="5452176" y="2962275"/>
-            <a:ext cx="5016500" cy="3530600"/>
-          </a:xfrm>
-          <a:prstGeom prst="rect">
-            <a:avLst/>
-          </a:prstGeom>
-        </p:spPr>
-      </p:pic>
-    </p:spTree>
-    <p:extLst>
-      <p:ext uri="{BB962C8B-B14F-4D97-AF65-F5344CB8AC3E}">
-        <p14:creationId xmlns:p14="http://schemas.microsoft.com/office/powerpoint/2010/main" val="4215003581"/>
-      </p:ext>
-    </p:extLst>
-  </p:cSld>
-  <p:clrMapOvr>
-    <a:masterClrMapping/>
-  </p:clrMapOvr>
-</p:sld>
-</file>
-
-<file path=ppt/slides/slide16.xml><?xml version="1.0" encoding="utf-8"?>
-<p:sld xmlns:a="http://schemas.openxmlformats.org/drawingml/2006/main" xmlns:r="http://schemas.openxmlformats.org/officeDocument/2006/relationships" xmlns:p="http://schemas.openxmlformats.org/presentationml/2006/main">
-  <p:cSld>
-    <p:spTree>
-      <p:nvGrpSpPr>
-        <p:cNvPr id="1" name=""/>
-        <p:cNvGrpSpPr/>
-        <p:nvPr/>
-      </p:nvGrpSpPr>
-      <p:grpSpPr>
-        <a:xfrm>
-          <a:off x="0" y="0"/>
-          <a:ext cx="0" cy="0"/>
-          <a:chOff x="0" y="0"/>
-          <a:chExt cx="0" cy="0"/>
-        </a:xfrm>
-      </p:grpSpPr>
-      <p:sp>
-        <p:nvSpPr>
-          <p:cNvPr id="2" name="Title 1">
-            <a:extLst>
-              <a:ext uri="{FF2B5EF4-FFF2-40B4-BE49-F238E27FC236}">
-                <a16:creationId xmlns:a16="http://schemas.microsoft.com/office/drawing/2014/main" id="{F1E7F9AC-AAE7-4345-A416-E07CA295B92C}"/>
-              </a:ext>
-            </a:extLst>
-          </p:cNvPr>
-          <p:cNvSpPr>
-            <a:spLocks noGrp="1"/>
-          </p:cNvSpPr>
-          <p:nvPr>
-            <p:ph type="title"/>
-          </p:nvPr>
-        </p:nvSpPr>
-        <p:spPr/>
-        <p:txBody>
-          <a:bodyPr/>
-          <a:lstStyle/>
-          <a:p>
-            <a:r>
-              <a:rPr lang="en-US"/>
-              <a:t>Who are the </a:t>
-            </a:r>
-            <a:r>
-              <a:rPr lang="en-US" err="1"/>
-              <a:t>Jumpmen</a:t>
-            </a:r>
-            <a:r>
-              <a:rPr lang="en-US"/>
-              <a:t>?</a:t>
-            </a:r>
-          </a:p>
-        </p:txBody>
-      </p:sp>
-      <p:sp>
-        <p:nvSpPr>
-          <p:cNvPr id="10" name="TextBox 9">
-            <a:extLst>
-              <a:ext uri="{FF2B5EF4-FFF2-40B4-BE49-F238E27FC236}">
-                <a16:creationId xmlns:a16="http://schemas.microsoft.com/office/drawing/2014/main" id="{213C4F03-35D9-5C41-A59F-18B8C2046495}"/>
-              </a:ext>
-            </a:extLst>
-          </p:cNvPr>
-          <p:cNvSpPr txBox="1"/>
-          <p:nvPr/>
-        </p:nvSpPr>
-        <p:spPr>
-          <a:xfrm>
-            <a:off x="7242048" y="4721252"/>
-            <a:ext cx="905256" cy="307777"/>
-          </a:xfrm>
-          <a:prstGeom prst="rect">
-            <a:avLst/>
-          </a:prstGeom>
-          <a:solidFill>
-            <a:schemeClr val="bg1">
-              <a:lumMod val="85000"/>
-            </a:schemeClr>
-          </a:solidFill>
-        </p:spPr>
-        <p:txBody>
-          <a:bodyPr wrap="square" rtlCol="0">
-            <a:spAutoFit/>
-          </a:bodyPr>
-          <a:lstStyle/>
-          <a:p>
-            <a:pPr algn="ctr"/>
-            <a:r>
-              <a:rPr lang="en-US" sz="1400"/>
-              <a:t>Avg. = 8.4</a:t>
-            </a:r>
-          </a:p>
-        </p:txBody>
-      </p:sp>
-      <p:sp>
-        <p:nvSpPr>
-          <p:cNvPr id="11" name="TextBox 10">
-            <a:extLst>
-              <a:ext uri="{FF2B5EF4-FFF2-40B4-BE49-F238E27FC236}">
-                <a16:creationId xmlns:a16="http://schemas.microsoft.com/office/drawing/2014/main" id="{F84E8CFC-44D5-2941-A41E-D84E88143473}"/>
-              </a:ext>
-            </a:extLst>
-          </p:cNvPr>
-          <p:cNvSpPr txBox="1"/>
-          <p:nvPr/>
-        </p:nvSpPr>
-        <p:spPr>
-          <a:xfrm>
-            <a:off x="9982200" y="5580959"/>
-            <a:ext cx="905256" cy="307777"/>
-          </a:xfrm>
-          <a:prstGeom prst="rect">
-            <a:avLst/>
-          </a:prstGeom>
-          <a:solidFill>
-            <a:schemeClr val="bg1">
-              <a:lumMod val="85000"/>
-            </a:schemeClr>
-          </a:solidFill>
-        </p:spPr>
-        <p:txBody>
-          <a:bodyPr wrap="square" rtlCol="0">
-            <a:spAutoFit/>
-          </a:bodyPr>
-          <a:lstStyle/>
-          <a:p>
-            <a:pPr algn="ctr"/>
-            <a:r>
-              <a:rPr lang="en-US" sz="1400"/>
-              <a:t>Max = 59</a:t>
-            </a:r>
-          </a:p>
-        </p:txBody>
-      </p:sp>
-      <p:sp>
-        <p:nvSpPr>
-          <p:cNvPr id="12" name="TextBox 11">
-            <a:extLst>
-              <a:ext uri="{FF2B5EF4-FFF2-40B4-BE49-F238E27FC236}">
-                <a16:creationId xmlns:a16="http://schemas.microsoft.com/office/drawing/2014/main" id="{B5A747B5-E8CB-4B49-90BF-06C6B2CB7440}"/>
-              </a:ext>
-            </a:extLst>
-          </p:cNvPr>
-          <p:cNvSpPr txBox="1"/>
-          <p:nvPr/>
-        </p:nvSpPr>
-        <p:spPr>
-          <a:xfrm>
-            <a:off x="6413500" y="1444752"/>
-            <a:ext cx="4940300" cy="738664"/>
-          </a:xfrm>
-          <a:prstGeom prst="rect">
-            <a:avLst/>
-          </a:prstGeom>
-          <a:noFill/>
-        </p:spPr>
-        <p:txBody>
-          <a:bodyPr wrap="square" rtlCol="0">
-            <a:spAutoFit/>
-          </a:bodyPr>
-          <a:lstStyle/>
-          <a:p>
-            <a:pPr marL="285750" indent="-285750">
-              <a:buFont typeface="Arial" panose="020B0604020202020204" pitchFamily="34" charset="0"/>
-              <a:buChar char="•"/>
-            </a:pPr>
-            <a:r>
-              <a:rPr lang="en-US" sz="1400"/>
-              <a:t>565 </a:t>
-            </a:r>
-            <a:r>
-              <a:rPr lang="en-US" sz="1400" err="1"/>
-              <a:t>Jumpmen</a:t>
-            </a:r>
-            <a:r>
-              <a:rPr lang="en-US" sz="1400"/>
-              <a:t> completed 4,719 deliveries in October 2014</a:t>
-            </a:r>
-          </a:p>
-          <a:p>
-            <a:pPr marL="285750" indent="-285750">
-              <a:buFont typeface="Arial" panose="020B0604020202020204" pitchFamily="34" charset="0"/>
-              <a:buChar char="•"/>
-            </a:pPr>
-            <a:r>
-              <a:rPr lang="en-US" sz="1400"/>
-              <a:t>Half completed 5 deliveries or more</a:t>
-            </a:r>
-          </a:p>
-          <a:p>
-            <a:endParaRPr lang="en-US" sz="1400"/>
-          </a:p>
-        </p:txBody>
-      </p:sp>
-      <p:sp>
-        <p:nvSpPr>
-          <p:cNvPr id="13" name="Content Placeholder 12">
-            <a:extLst>
-              <a:ext uri="{FF2B5EF4-FFF2-40B4-BE49-F238E27FC236}">
-                <a16:creationId xmlns:a16="http://schemas.microsoft.com/office/drawing/2014/main" id="{92EDFFB5-2820-1F4F-90EA-AD81F66E84D9}"/>
-              </a:ext>
-            </a:extLst>
-          </p:cNvPr>
-          <p:cNvSpPr>
-            <a:spLocks noGrp="1"/>
-          </p:cNvSpPr>
-          <p:nvPr>
-            <p:ph idx="1"/>
-          </p:nvPr>
-        </p:nvSpPr>
-        <p:spPr/>
-        <p:txBody>
-          <a:bodyPr/>
-          <a:lstStyle/>
-          <a:p>
-            <a:endParaRPr lang="en-US"/>
-          </a:p>
-        </p:txBody>
-      </p:sp>
-    </p:spTree>
-    <p:extLst>
-      <p:ext uri="{BB962C8B-B14F-4D97-AF65-F5344CB8AC3E}">
-        <p14:creationId xmlns:p14="http://schemas.microsoft.com/office/powerpoint/2010/main" val="982642825"/>
-      </p:ext>
-    </p:extLst>
-  </p:cSld>
-  <p:clrMapOvr>
-    <a:masterClrMapping/>
-  </p:clrMapOvr>
-</p:sld>
-</file>
-
-<file path=ppt/slides/slide17.xml><?xml version="1.0" encoding="utf-8"?>
+<file path=ppt/slides/slide13.xml><?xml version="1.0" encoding="utf-8"?>
 <p:sld xmlns:a="http://schemas.openxmlformats.org/drawingml/2006/main" xmlns:r="http://schemas.openxmlformats.org/officeDocument/2006/relationships" xmlns:p="http://schemas.openxmlformats.org/presentationml/2006/main">
   <p:cSld>
     <p:spTree>
@@ -12011,7 +11155,7 @@
 </p:sld>
 </file>
 
-<file path=ppt/slides/slide18.xml><?xml version="1.0" encoding="utf-8"?>
+<file path=ppt/slides/slide14.xml><?xml version="1.0" encoding="utf-8"?>
 <p:sld xmlns:a="http://schemas.openxmlformats.org/drawingml/2006/main" xmlns:r="http://schemas.openxmlformats.org/officeDocument/2006/relationships" xmlns:p="http://schemas.openxmlformats.org/presentationml/2006/main">
   <p:cSld>
     <p:spTree>
@@ -12050,7 +11194,7 @@
           <a:lstStyle/>
           <a:p>
             <a:r>
-              <a:rPr lang="en-US"/>
+              <a:rPr lang="en-US" dirty="0"/>
               <a:t>05 Growth Opportunities</a:t>
             </a:r>
           </a:p>
@@ -12071,7 +11215,7 @@
           <p:nvPr>
             <p:extLst>
               <p:ext uri="{D42A27DB-BD31-4B8C-83A1-F6EECF244321}">
-                <p14:modId xmlns:p14="http://schemas.microsoft.com/office/powerpoint/2010/main" val="3910821783"/>
+                <p14:modId xmlns:p14="http://schemas.microsoft.com/office/powerpoint/2010/main" val="1892429905"/>
               </p:ext>
             </p:extLst>
           </p:nvPr>
@@ -12173,15 +11317,15 @@
                     <a:p>
                       <a:pPr algn="ctr"/>
                       <a:r>
-                        <a:rPr lang="en-US" sz="1400"/>
+                        <a:rPr lang="en-US" sz="1400" dirty="0"/>
                         <a:t>Market Penetration</a:t>
                       </a:r>
                     </a:p>
                     <a:p>
                       <a:pPr algn="ctr"/>
                       <a:r>
-                        <a:rPr lang="en-US" sz="1400"/>
-                        <a:t>X 10</a:t>
+                        <a:rPr lang="en-US" sz="1400" dirty="0"/>
+                        <a:t>(X 10)</a:t>
                       </a:r>
                     </a:p>
                   </a:txBody>
@@ -12201,7 +11345,7 @@
                     <a:p>
                       <a:pPr algn="l" fontAlgn="ctr"/>
                       <a:r>
-                        <a:rPr lang="en-US" sz="1600" b="0">
+                        <a:rPr lang="en-US" sz="1600" b="0" dirty="0">
                           <a:effectLst/>
                         </a:rPr>
                         <a:t>11226</a:t>
@@ -13004,7 +12148,7 @@
                     <a:p>
                       <a:pPr algn="ctr" fontAlgn="b"/>
                       <a:r>
-                        <a:rPr lang="en-US" sz="1600" b="0" i="0" u="none" strike="noStrike">
+                        <a:rPr lang="en-US" sz="1600" b="0" i="0" u="none" strike="noStrike" dirty="0">
                           <a:solidFill>
                             <a:schemeClr val="tx1"/>
                           </a:solidFill>
@@ -13042,7 +12186,7 @@
           <p:nvPr>
             <p:extLst>
               <p:ext uri="{D42A27DB-BD31-4B8C-83A1-F6EECF244321}">
-                <p14:modId xmlns:p14="http://schemas.microsoft.com/office/powerpoint/2010/main" val="2846248619"/>
+                <p14:modId xmlns:p14="http://schemas.microsoft.com/office/powerpoint/2010/main" val="2977781284"/>
               </p:ext>
             </p:extLst>
           </p:nvPr>
@@ -13165,15 +12309,15 @@
                     <a:p>
                       <a:pPr algn="ctr"/>
                       <a:r>
-                        <a:rPr lang="en-US" sz="1400"/>
+                        <a:rPr lang="en-US" sz="1400" dirty="0"/>
                         <a:t>Market Penetration</a:t>
                       </a:r>
                     </a:p>
                     <a:p>
                       <a:pPr algn="ctr"/>
                       <a:r>
-                        <a:rPr lang="en-US" sz="1400"/>
-                        <a:t>X 10</a:t>
+                        <a:rPr lang="en-US" sz="1400" dirty="0"/>
+                        <a:t>(X 10)</a:t>
                       </a:r>
                     </a:p>
                   </a:txBody>
@@ -13193,7 +12337,7 @@
                     <a:p>
                       <a:pPr algn="l" fontAlgn="ctr"/>
                       <a:r>
-                        <a:rPr lang="en-US" sz="1200" b="1">
+                        <a:rPr lang="en-US" sz="1200" b="0" dirty="0">
                           <a:effectLst/>
                         </a:rPr>
                         <a:t>10282</a:t>
@@ -13284,7 +12428,7 @@
                     <a:p>
                       <a:pPr algn="l" fontAlgn="ctr"/>
                       <a:r>
-                        <a:rPr lang="en-US" sz="1200" b="1">
+                        <a:rPr lang="en-US" sz="1200" b="0" dirty="0">
                           <a:effectLst/>
                         </a:rPr>
                         <a:t>10007</a:t>
@@ -13375,7 +12519,7 @@
                     <a:p>
                       <a:pPr algn="l" fontAlgn="ctr"/>
                       <a:r>
-                        <a:rPr lang="en-US" sz="1200" b="1">
+                        <a:rPr lang="en-US" sz="1200" b="0" dirty="0">
                           <a:effectLst/>
                         </a:rPr>
                         <a:t>10069</a:t>
@@ -13466,7 +12610,7 @@
                     <a:p>
                       <a:pPr algn="l" fontAlgn="ctr"/>
                       <a:r>
-                        <a:rPr lang="en-US" sz="1200" b="1">
+                        <a:rPr lang="en-US" sz="1200" b="0" dirty="0">
                           <a:effectLst/>
                         </a:rPr>
                         <a:t>10162</a:t>
@@ -13557,7 +12701,7 @@
                     <a:p>
                       <a:pPr algn="l" fontAlgn="ctr"/>
                       <a:r>
-                        <a:rPr lang="en-US" sz="1200" b="1">
+                        <a:rPr lang="en-US" sz="1200" b="0" dirty="0">
                           <a:effectLst/>
                         </a:rPr>
                         <a:t>10280</a:t>
@@ -13648,7 +12792,7 @@
                     <a:p>
                       <a:pPr algn="l" fontAlgn="ctr"/>
                       <a:r>
-                        <a:rPr lang="en-US" sz="1200" b="1">
+                        <a:rPr lang="en-US" sz="1200" b="0" dirty="0">
                           <a:effectLst/>
                         </a:rPr>
                         <a:t>11109</a:t>
@@ -13739,7 +12883,7 @@
                     <a:p>
                       <a:pPr algn="l" fontAlgn="ctr"/>
                       <a:r>
-                        <a:rPr lang="en-US" sz="1200" b="1">
+                        <a:rPr lang="en-US" sz="1200" b="0" dirty="0">
                           <a:effectLst/>
                         </a:rPr>
                         <a:t>10005</a:t>
@@ -13830,7 +12974,7 @@
                     <a:p>
                       <a:pPr algn="l" fontAlgn="ctr"/>
                       <a:r>
-                        <a:rPr lang="en-US" sz="1200" b="1">
+                        <a:rPr lang="en-US" sz="1200" b="0" dirty="0">
                           <a:effectLst/>
                         </a:rPr>
                         <a:t>10006</a:t>
@@ -13921,7 +13065,7 @@
                     <a:p>
                       <a:pPr algn="l" fontAlgn="ctr"/>
                       <a:r>
-                        <a:rPr lang="en-US" sz="1200" b="1">
+                        <a:rPr lang="en-US" sz="1200" b="0" dirty="0">
                           <a:effectLst/>
                         </a:rPr>
                         <a:t>10065</a:t>
@@ -14012,7 +13156,7 @@
                     <a:p>
                       <a:pPr algn="l" fontAlgn="ctr"/>
                       <a:r>
-                        <a:rPr lang="en-US" sz="1200" b="1">
+                        <a:rPr lang="en-US" sz="1200" b="0" dirty="0">
                           <a:effectLst/>
                         </a:rPr>
                         <a:t>10024</a:t>
@@ -14076,7 +13220,7 @@
                     <a:p>
                       <a:pPr algn="ctr" fontAlgn="b"/>
                       <a:r>
-                        <a:rPr lang="en-US" sz="1200" b="0" i="0" u="none" strike="noStrike">
+                        <a:rPr lang="en-US" sz="1200" b="0" i="0" u="none" strike="noStrike" dirty="0">
                           <a:solidFill>
                             <a:srgbClr val="000000"/>
                           </a:solidFill>
@@ -14099,6 +13243,78 @@
           </a:graphicData>
         </a:graphic>
       </p:graphicFrame>
+      <p:sp>
+        <p:nvSpPr>
+          <p:cNvPr id="8" name="TextBox 7">
+            <a:extLst>
+              <a:ext uri="{FF2B5EF4-FFF2-40B4-BE49-F238E27FC236}">
+                <a16:creationId xmlns:a16="http://schemas.microsoft.com/office/drawing/2014/main" id="{EA6E750B-0D7B-9B49-9499-2B0824E02B7D}"/>
+              </a:ext>
+            </a:extLst>
+          </p:cNvPr>
+          <p:cNvSpPr txBox="1"/>
+          <p:nvPr/>
+        </p:nvSpPr>
+        <p:spPr>
+          <a:xfrm>
+            <a:off x="1229558" y="1321356"/>
+            <a:ext cx="2766349" cy="369332"/>
+          </a:xfrm>
+          <a:prstGeom prst="rect">
+            <a:avLst/>
+          </a:prstGeom>
+          <a:noFill/>
+        </p:spPr>
+        <p:txBody>
+          <a:bodyPr wrap="square" rtlCol="0">
+            <a:spAutoFit/>
+          </a:bodyPr>
+          <a:lstStyle/>
+          <a:p>
+            <a:pPr algn="ctr"/>
+            <a:r>
+              <a:rPr lang="en-US" dirty="0"/>
+              <a:t>MOST POPULOUS </a:t>
+            </a:r>
+          </a:p>
+        </p:txBody>
+      </p:sp>
+      <p:sp>
+        <p:nvSpPr>
+          <p:cNvPr id="9" name="TextBox 8">
+            <a:extLst>
+              <a:ext uri="{FF2B5EF4-FFF2-40B4-BE49-F238E27FC236}">
+                <a16:creationId xmlns:a16="http://schemas.microsoft.com/office/drawing/2014/main" id="{ED28936C-1E73-0F46-99ED-12DC7B365785}"/>
+              </a:ext>
+            </a:extLst>
+          </p:cNvPr>
+          <p:cNvSpPr txBox="1"/>
+          <p:nvPr/>
+        </p:nvSpPr>
+        <p:spPr>
+          <a:xfrm>
+            <a:off x="8508371" y="1321356"/>
+            <a:ext cx="1863524" cy="369332"/>
+          </a:xfrm>
+          <a:prstGeom prst="rect">
+            <a:avLst/>
+          </a:prstGeom>
+          <a:noFill/>
+        </p:spPr>
+        <p:txBody>
+          <a:bodyPr wrap="square" rtlCol="0">
+            <a:spAutoFit/>
+          </a:bodyPr>
+          <a:lstStyle/>
+          <a:p>
+            <a:pPr algn="ctr"/>
+            <a:r>
+              <a:rPr lang="en-US" dirty="0"/>
+              <a:t>MOST WEALTHY</a:t>
+            </a:r>
+          </a:p>
+        </p:txBody>
+      </p:sp>
     </p:spTree>
     <p:extLst>
       <p:ext uri="{BB962C8B-B14F-4D97-AF65-F5344CB8AC3E}">
@@ -14112,7 +13328,7 @@
 </p:sld>
 </file>
 
-<file path=ppt/slides/slide19.xml><?xml version="1.0" encoding="utf-8"?>
+<file path=ppt/slides/slide15.xml><?xml version="1.0" encoding="utf-8"?>
 <p:sld xmlns:a="http://schemas.openxmlformats.org/drawingml/2006/main" xmlns:r="http://schemas.openxmlformats.org/officeDocument/2006/relationships" xmlns:p="http://schemas.openxmlformats.org/presentationml/2006/main">
   <p:cSld>
     <p:spTree>
@@ -14178,55 +13394,39 @@
           <a:bodyPr/>
           <a:lstStyle/>
           <a:p>
-            <a:r>
-              <a:rPr lang="en-US"/>
-              <a:t>Hire Me</a:t>
-            </a:r>
-          </a:p>
-        </p:txBody>
-      </p:sp>
-      <p:sp>
-        <p:nvSpPr>
-          <p:cNvPr id="4" name="Rectangle 3">
-            <a:extLst>
-              <a:ext uri="{FF2B5EF4-FFF2-40B4-BE49-F238E27FC236}">
-                <a16:creationId xmlns:a16="http://schemas.microsoft.com/office/drawing/2014/main" id="{D31C4039-B839-1C4D-9E52-092B917EEF2D}"/>
-              </a:ext>
-            </a:extLst>
-          </p:cNvPr>
-          <p:cNvSpPr/>
-          <p:nvPr/>
-        </p:nvSpPr>
-        <p:spPr>
-          <a:xfrm>
-            <a:off x="838200" y="2984861"/>
-            <a:ext cx="6096000" cy="1477328"/>
-          </a:xfrm>
-          <a:prstGeom prst="rect">
-            <a:avLst/>
-          </a:prstGeom>
-        </p:spPr>
-        <p:txBody>
-          <a:bodyPr>
-            <a:spAutoFit/>
-          </a:bodyPr>
-          <a:lstStyle/>
-          <a:p>
-            <a:r>
-              <a:rPr lang="en-US"/>
-              <a:t>Potential Next Steps:</a:t>
-            </a:r>
-          </a:p>
-          <a:p>
-            <a:r>
-              <a:rPr lang="en-US"/>
-              <a:t>Invest in quality assurance measures</a:t>
-            </a:r>
-          </a:p>
-          <a:p>
-            <a:r>
-              <a:rPr lang="en-US"/>
-              <a:t>Broaden the scope of the analysis, build a classification model to predict the restaurant category based on the restaurant’s name using natural language processing</a:t>
+            <a:pPr marL="0" indent="0">
+              <a:buNone/>
+            </a:pPr>
+            <a:r>
+              <a:rPr lang="en-US" dirty="0"/>
+              <a:t>Next Steps</a:t>
+            </a:r>
+          </a:p>
+          <a:p>
+            <a:pPr marL="514350" indent="-514350">
+              <a:buAutoNum type="arabicParenR"/>
+            </a:pPr>
+            <a:r>
+              <a:rPr lang="en-US" dirty="0"/>
+              <a:t>Hire me!</a:t>
+            </a:r>
+          </a:p>
+          <a:p>
+            <a:pPr marL="514350" indent="-514350">
+              <a:buAutoNum type="arabicParenR"/>
+            </a:pPr>
+            <a:r>
+              <a:rPr lang="en-US" dirty="0"/>
+              <a:t>Invest in quality assurance measures to investigate data inconsistencies </a:t>
+            </a:r>
+          </a:p>
+          <a:p>
+            <a:pPr marL="514350" indent="-514350">
+              <a:buAutoNum type="arabicParenR"/>
+            </a:pPr>
+            <a:r>
+              <a:rPr lang="en-US" dirty="0"/>
+              <a:t>Broaden the scope of the analysis. More data! Time series modeling to account for seasonality. What insights from other markets could we leverage to better forecast the New York Market?</a:t>
             </a:r>
           </a:p>
         </p:txBody>
@@ -14235,6 +13435,2405 @@
     <p:extLst>
       <p:ext uri="{BB962C8B-B14F-4D97-AF65-F5344CB8AC3E}">
         <p14:creationId xmlns:p14="http://schemas.microsoft.com/office/powerpoint/2010/main" val="2045204373"/>
+      </p:ext>
+    </p:extLst>
+  </p:cSld>
+  <p:clrMapOvr>
+    <a:masterClrMapping/>
+  </p:clrMapOvr>
+</p:sld>
+</file>
+
+<file path=ppt/slides/slide16.xml><?xml version="1.0" encoding="utf-8"?>
+<p:sld xmlns:a="http://schemas.openxmlformats.org/drawingml/2006/main" xmlns:r="http://schemas.openxmlformats.org/officeDocument/2006/relationships" xmlns:p="http://schemas.openxmlformats.org/presentationml/2006/main">
+  <p:cSld>
+    <p:spTree>
+      <p:nvGrpSpPr>
+        <p:cNvPr id="1" name=""/>
+        <p:cNvGrpSpPr/>
+        <p:nvPr/>
+      </p:nvGrpSpPr>
+      <p:grpSpPr>
+        <a:xfrm>
+          <a:off x="0" y="0"/>
+          <a:ext cx="0" cy="0"/>
+          <a:chOff x="0" y="0"/>
+          <a:chExt cx="0" cy="0"/>
+        </a:xfrm>
+      </p:grpSpPr>
+      <p:sp>
+        <p:nvSpPr>
+          <p:cNvPr id="2" name="Title 1">
+            <a:extLst>
+              <a:ext uri="{FF2B5EF4-FFF2-40B4-BE49-F238E27FC236}">
+                <a16:creationId xmlns:a16="http://schemas.microsoft.com/office/drawing/2014/main" id="{8738DA99-C362-584A-B5CC-2CDA40E3F694}"/>
+              </a:ext>
+            </a:extLst>
+          </p:cNvPr>
+          <p:cNvSpPr>
+            <a:spLocks noGrp="1"/>
+          </p:cNvSpPr>
+          <p:nvPr>
+            <p:ph type="title"/>
+          </p:nvPr>
+        </p:nvSpPr>
+        <p:spPr/>
+        <p:txBody>
+          <a:bodyPr/>
+          <a:lstStyle/>
+          <a:p>
+            <a:r>
+              <a:rPr lang="en-US"/>
+              <a:t>07 Appendix</a:t>
+            </a:r>
+          </a:p>
+        </p:txBody>
+      </p:sp>
+      <p:sp>
+        <p:nvSpPr>
+          <p:cNvPr id="3" name="Content Placeholder 2">
+            <a:extLst>
+              <a:ext uri="{FF2B5EF4-FFF2-40B4-BE49-F238E27FC236}">
+                <a16:creationId xmlns:a16="http://schemas.microsoft.com/office/drawing/2014/main" id="{A1D82CB1-4D3C-C84E-BC17-72AC1020EB2E}"/>
+              </a:ext>
+            </a:extLst>
+          </p:cNvPr>
+          <p:cNvSpPr>
+            <a:spLocks noGrp="1"/>
+          </p:cNvSpPr>
+          <p:nvPr>
+            <p:ph idx="1"/>
+          </p:nvPr>
+        </p:nvSpPr>
+        <p:spPr/>
+        <p:txBody>
+          <a:bodyPr/>
+          <a:lstStyle/>
+          <a:p>
+            <a:r>
+              <a:rPr lang="en-US" dirty="0"/>
+              <a:t>For more detail, the full analysis can be found on my GitHub profile</a:t>
+            </a:r>
+          </a:p>
+          <a:p>
+            <a:r>
+              <a:rPr lang="en-US" dirty="0"/>
+              <a:t>I hope you enjoyed my analysis. Please reach out with any further questions.</a:t>
+            </a:r>
+          </a:p>
+          <a:p>
+            <a:pPr lvl="1"/>
+            <a:r>
+              <a:rPr lang="en-US" dirty="0">
+                <a:hlinkClick r:id="rId2"/>
+              </a:rPr>
+              <a:t>stephenstark@uchicago.edu</a:t>
+            </a:r>
+            <a:endParaRPr lang="en-US" dirty="0"/>
+          </a:p>
+          <a:p>
+            <a:pPr lvl="1"/>
+            <a:r>
+              <a:rPr lang="en-US" dirty="0">
+                <a:hlinkClick r:id="rId3"/>
+              </a:rPr>
+              <a:t>Stephen Stark | LinkedIn</a:t>
+            </a:r>
+            <a:endParaRPr lang="en-US" dirty="0"/>
+          </a:p>
+          <a:p>
+            <a:pPr lvl="1"/>
+            <a:r>
+              <a:rPr lang="en-US" dirty="0">
+                <a:hlinkClick r:id="rId4"/>
+              </a:rPr>
+              <a:t>Stephen Stark | GitHub</a:t>
+            </a:r>
+            <a:endParaRPr lang="en-US" dirty="0"/>
+          </a:p>
+        </p:txBody>
+      </p:sp>
+    </p:spTree>
+    <p:extLst>
+      <p:ext uri="{BB962C8B-B14F-4D97-AF65-F5344CB8AC3E}">
+        <p14:creationId xmlns:p14="http://schemas.microsoft.com/office/powerpoint/2010/main" val="4243127914"/>
+      </p:ext>
+    </p:extLst>
+  </p:cSld>
+  <p:clrMapOvr>
+    <a:masterClrMapping/>
+  </p:clrMapOvr>
+</p:sld>
+</file>
+
+<file path=ppt/slides/slide17.xml><?xml version="1.0" encoding="utf-8"?>
+<p:sld xmlns:a="http://schemas.openxmlformats.org/drawingml/2006/main" xmlns:r="http://schemas.openxmlformats.org/officeDocument/2006/relationships" xmlns:p="http://schemas.openxmlformats.org/presentationml/2006/main" show="0">
+  <p:cSld>
+    <p:spTree>
+      <p:nvGrpSpPr>
+        <p:cNvPr id="1" name=""/>
+        <p:cNvGrpSpPr/>
+        <p:nvPr/>
+      </p:nvGrpSpPr>
+      <p:grpSpPr>
+        <a:xfrm>
+          <a:off x="0" y="0"/>
+          <a:ext cx="0" cy="0"/>
+          <a:chOff x="0" y="0"/>
+          <a:chExt cx="0" cy="0"/>
+        </a:xfrm>
+      </p:grpSpPr>
+      <p:sp>
+        <p:nvSpPr>
+          <p:cNvPr id="2" name="Title 1">
+            <a:extLst>
+              <a:ext uri="{FF2B5EF4-FFF2-40B4-BE49-F238E27FC236}">
+                <a16:creationId xmlns:a16="http://schemas.microsoft.com/office/drawing/2014/main" id="{4F8A69E6-EAC1-CA49-9AB5-A2179A65F403}"/>
+              </a:ext>
+            </a:extLst>
+          </p:cNvPr>
+          <p:cNvSpPr>
+            <a:spLocks noGrp="1"/>
+          </p:cNvSpPr>
+          <p:nvPr>
+            <p:ph type="title"/>
+          </p:nvPr>
+        </p:nvSpPr>
+        <p:spPr/>
+        <p:txBody>
+          <a:bodyPr/>
+          <a:lstStyle/>
+          <a:p>
+            <a:endParaRPr lang="en-US"/>
+          </a:p>
+        </p:txBody>
+      </p:sp>
+      <p:pic>
+        <p:nvPicPr>
+          <p:cNvPr id="6" name="Picture 5">
+            <a:extLst>
+              <a:ext uri="{FF2B5EF4-FFF2-40B4-BE49-F238E27FC236}">
+                <a16:creationId xmlns:a16="http://schemas.microsoft.com/office/drawing/2014/main" id="{A6D4A592-9907-ED43-9094-9502AD4AA337}"/>
+              </a:ext>
+            </a:extLst>
+          </p:cNvPr>
+          <p:cNvPicPr>
+            <a:picLocks noChangeAspect="1"/>
+          </p:cNvPicPr>
+          <p:nvPr/>
+        </p:nvPicPr>
+        <p:blipFill>
+          <a:blip r:embed="rId2"/>
+          <a:stretch>
+            <a:fillRect/>
+          </a:stretch>
+        </p:blipFill>
+        <p:spPr>
+          <a:xfrm>
+            <a:off x="5452176" y="2962275"/>
+            <a:ext cx="5016500" cy="3530600"/>
+          </a:xfrm>
+          <a:prstGeom prst="rect">
+            <a:avLst/>
+          </a:prstGeom>
+        </p:spPr>
+      </p:pic>
+    </p:spTree>
+    <p:extLst>
+      <p:ext uri="{BB962C8B-B14F-4D97-AF65-F5344CB8AC3E}">
+        <p14:creationId xmlns:p14="http://schemas.microsoft.com/office/powerpoint/2010/main" val="4215003581"/>
+      </p:ext>
+    </p:extLst>
+  </p:cSld>
+  <p:clrMapOvr>
+    <a:masterClrMapping/>
+  </p:clrMapOvr>
+</p:sld>
+</file>
+
+<file path=ppt/slides/slide18.xml><?xml version="1.0" encoding="utf-8"?>
+<p:sld xmlns:a="http://schemas.openxmlformats.org/drawingml/2006/main" xmlns:r="http://schemas.openxmlformats.org/officeDocument/2006/relationships" xmlns:p="http://schemas.openxmlformats.org/presentationml/2006/main" show="0">
+  <p:cSld>
+    <p:spTree>
+      <p:nvGrpSpPr>
+        <p:cNvPr id="1" name=""/>
+        <p:cNvGrpSpPr/>
+        <p:nvPr/>
+      </p:nvGrpSpPr>
+      <p:grpSpPr>
+        <a:xfrm>
+          <a:off x="0" y="0"/>
+          <a:ext cx="0" cy="0"/>
+          <a:chOff x="0" y="0"/>
+          <a:chExt cx="0" cy="0"/>
+        </a:xfrm>
+      </p:grpSpPr>
+      <p:sp>
+        <p:nvSpPr>
+          <p:cNvPr id="10" name="Title 9">
+            <a:extLst>
+              <a:ext uri="{FF2B5EF4-FFF2-40B4-BE49-F238E27FC236}">
+                <a16:creationId xmlns:a16="http://schemas.microsoft.com/office/drawing/2014/main" id="{D43C1890-5AEA-3A48-8A35-4F5D310BCD35}"/>
+              </a:ext>
+            </a:extLst>
+          </p:cNvPr>
+          <p:cNvSpPr>
+            <a:spLocks noGrp="1"/>
+          </p:cNvSpPr>
+          <p:nvPr>
+            <p:ph type="title"/>
+          </p:nvPr>
+        </p:nvSpPr>
+        <p:spPr/>
+        <p:txBody>
+          <a:bodyPr/>
+          <a:lstStyle/>
+          <a:p>
+            <a:r>
+              <a:rPr lang="en-US" dirty="0"/>
+              <a:t>Dataset</a:t>
+            </a:r>
+          </a:p>
+        </p:txBody>
+      </p:sp>
+      <p:sp>
+        <p:nvSpPr>
+          <p:cNvPr id="12" name="Text Placeholder 11">
+            <a:extLst>
+              <a:ext uri="{FF2B5EF4-FFF2-40B4-BE49-F238E27FC236}">
+                <a16:creationId xmlns:a16="http://schemas.microsoft.com/office/drawing/2014/main" id="{ABFC9FF7-0F74-DC46-B1BA-0E0A7080891F}"/>
+              </a:ext>
+            </a:extLst>
+          </p:cNvPr>
+          <p:cNvSpPr>
+            <a:spLocks noGrp="1"/>
+          </p:cNvSpPr>
+          <p:nvPr>
+            <p:ph type="body" sz="half" idx="2"/>
+          </p:nvPr>
+        </p:nvSpPr>
+        <p:spPr/>
+        <p:txBody>
+          <a:bodyPr/>
+          <a:lstStyle/>
+          <a:p>
+            <a:r>
+              <a:rPr lang="en-US" dirty="0"/>
+              <a:t>5,900+ records and 18 features</a:t>
+            </a:r>
+          </a:p>
+          <a:p>
+            <a:r>
+              <a:rPr lang="en-US" dirty="0"/>
+              <a:t>Engineered Features:</a:t>
+            </a:r>
+          </a:p>
+          <a:p>
+            <a:r>
+              <a:rPr lang="en-US" dirty="0"/>
+              <a:t>-One </a:t>
+            </a:r>
+          </a:p>
+          <a:p>
+            <a:r>
+              <a:rPr lang="en-US" dirty="0"/>
+              <a:t>-Two</a:t>
+            </a:r>
+          </a:p>
+          <a:p>
+            <a:r>
+              <a:rPr lang="en-US" dirty="0"/>
+              <a:t>-Three</a:t>
+            </a:r>
+          </a:p>
+          <a:p>
+            <a:endParaRPr lang="en-US" dirty="0"/>
+          </a:p>
+        </p:txBody>
+      </p:sp>
+      <p:graphicFrame>
+        <p:nvGraphicFramePr>
+          <p:cNvPr id="17" name="Table 16">
+            <a:extLst>
+              <a:ext uri="{FF2B5EF4-FFF2-40B4-BE49-F238E27FC236}">
+                <a16:creationId xmlns:a16="http://schemas.microsoft.com/office/drawing/2014/main" id="{86D78131-E53B-7C45-B5FC-9B1D2140502F}"/>
+              </a:ext>
+            </a:extLst>
+          </p:cNvPr>
+          <p:cNvGraphicFramePr>
+            <a:graphicFrameLocks noGrp="1"/>
+          </p:cNvGraphicFramePr>
+          <p:nvPr>
+            <p:extLst>
+              <p:ext uri="{D42A27DB-BD31-4B8C-83A1-F6EECF244321}">
+                <p14:modId xmlns:p14="http://schemas.microsoft.com/office/powerpoint/2010/main" val="2836559622"/>
+              </p:ext>
+            </p:extLst>
+          </p:nvPr>
+        </p:nvGraphicFramePr>
+        <p:xfrm>
+          <a:off x="4772025" y="1679188"/>
+          <a:ext cx="2617026" cy="3653612"/>
+        </p:xfrm>
+        <a:graphic>
+          <a:graphicData uri="http://schemas.openxmlformats.org/drawingml/2006/table">
+            <a:tbl>
+              <a:tblPr firstRow="1" bandRow="1">
+                <a:tableStyleId>{5C22544A-7EE6-4342-B048-85BDC9FD1C3A}</a:tableStyleId>
+              </a:tblPr>
+              <a:tblGrid>
+                <a:gridCol w="1839786">
+                  <a:extLst>
+                    <a:ext uri="{9D8B030D-6E8A-4147-A177-3AD203B41FA5}">
+                      <a16:colId xmlns:a16="http://schemas.microsoft.com/office/drawing/2014/main" val="844011352"/>
+                    </a:ext>
+                  </a:extLst>
+                </a:gridCol>
+                <a:gridCol w="777240">
+                  <a:extLst>
+                    <a:ext uri="{9D8B030D-6E8A-4147-A177-3AD203B41FA5}">
+                      <a16:colId xmlns:a16="http://schemas.microsoft.com/office/drawing/2014/main" val="3467470163"/>
+                    </a:ext>
+                  </a:extLst>
+                </a:gridCol>
+              </a:tblGrid>
+              <a:tr h="213452">
+                <a:tc>
+                  <a:txBody>
+                    <a:bodyPr/>
+                    <a:lstStyle/>
+                    <a:p>
+                      <a:r>
+                        <a:rPr lang="en-US" sz="1100" dirty="0"/>
+                        <a:t>Attribute</a:t>
+                      </a:r>
+                    </a:p>
+                  </a:txBody>
+                  <a:tcPr marL="54381" marR="54381" marT="27190" marB="27190"/>
+                </a:tc>
+                <a:tc>
+                  <a:txBody>
+                    <a:bodyPr/>
+                    <a:lstStyle/>
+                    <a:p>
+                      <a:r>
+                        <a:rPr lang="en-US" sz="1100" dirty="0"/>
+                        <a:t>Entry</a:t>
+                      </a:r>
+                    </a:p>
+                  </a:txBody>
+                  <a:tcPr marL="54381" marR="54381" marT="27190" marB="27190"/>
+                </a:tc>
+                <a:extLst>
+                  <a:ext uri="{0D108BD9-81ED-4DB2-BD59-A6C34878D82A}">
+                    <a16:rowId xmlns:a16="http://schemas.microsoft.com/office/drawing/2014/main" val="2226192427"/>
+                  </a:ext>
+                </a:extLst>
+              </a:tr>
+              <a:tr h="190644">
+                <a:tc>
+                  <a:txBody>
+                    <a:bodyPr/>
+                    <a:lstStyle/>
+                    <a:p>
+                      <a:pPr algn="l" fontAlgn="b"/>
+                      <a:r>
+                        <a:rPr lang="en-US" sz="700" b="0" i="0" u="none" strike="noStrike" dirty="0">
+                          <a:solidFill>
+                            <a:srgbClr val="000000"/>
+                          </a:solidFill>
+                          <a:effectLst/>
+                          <a:latin typeface="Arial" panose="020B0604020202020204" pitchFamily="34" charset="0"/>
+                        </a:rPr>
+                        <a:t>delivery_id</a:t>
+                      </a:r>
+                    </a:p>
+                  </a:txBody>
+                  <a:tcPr marL="5665" marR="5665" marT="5665" marB="0" anchor="ctr"/>
+                </a:tc>
+                <a:tc>
+                  <a:txBody>
+                    <a:bodyPr/>
+                    <a:lstStyle/>
+                    <a:p>
+                      <a:pPr algn="l" fontAlgn="b"/>
+                      <a:r>
+                        <a:rPr lang="en-US" sz="700" b="0" i="0" u="none" strike="noStrike" dirty="0">
+                          <a:solidFill>
+                            <a:srgbClr val="000000"/>
+                          </a:solidFill>
+                          <a:effectLst/>
+                          <a:latin typeface="Arial" panose="020B0604020202020204" pitchFamily="34" charset="0"/>
+                        </a:rPr>
+                        <a:t>1476547</a:t>
+                      </a:r>
+                    </a:p>
+                  </a:txBody>
+                  <a:tcPr marL="5665" marR="5665" marT="5665" marB="0" anchor="ctr"/>
+                </a:tc>
+                <a:extLst>
+                  <a:ext uri="{0D108BD9-81ED-4DB2-BD59-A6C34878D82A}">
+                    <a16:rowId xmlns:a16="http://schemas.microsoft.com/office/drawing/2014/main" val="3460892982"/>
+                  </a:ext>
+                </a:extLst>
+              </a:tr>
+              <a:tr h="190644">
+                <a:tc>
+                  <a:txBody>
+                    <a:bodyPr/>
+                    <a:lstStyle/>
+                    <a:p>
+                      <a:pPr algn="l" fontAlgn="b"/>
+                      <a:r>
+                        <a:rPr lang="en-US" sz="700" b="0" i="0" u="none" strike="noStrike" dirty="0">
+                          <a:solidFill>
+                            <a:srgbClr val="000000"/>
+                          </a:solidFill>
+                          <a:effectLst/>
+                          <a:latin typeface="Arial" panose="020B0604020202020204" pitchFamily="34" charset="0"/>
+                        </a:rPr>
+                        <a:t>customer_id</a:t>
+                      </a:r>
+                    </a:p>
+                  </a:txBody>
+                  <a:tcPr marL="5665" marR="5665" marT="5665" marB="0" anchor="ctr"/>
+                </a:tc>
+                <a:tc>
+                  <a:txBody>
+                    <a:bodyPr/>
+                    <a:lstStyle/>
+                    <a:p>
+                      <a:pPr algn="l" fontAlgn="b"/>
+                      <a:r>
+                        <a:rPr lang="en-US" sz="700" b="0" i="0" u="none" strike="noStrike" dirty="0">
+                          <a:solidFill>
+                            <a:srgbClr val="000000"/>
+                          </a:solidFill>
+                          <a:effectLst/>
+                          <a:latin typeface="Arial" panose="020B0604020202020204" pitchFamily="34" charset="0"/>
+                        </a:rPr>
+                        <a:t>83095</a:t>
+                      </a:r>
+                    </a:p>
+                  </a:txBody>
+                  <a:tcPr marL="5665" marR="5665" marT="5665" marB="0" anchor="ctr"/>
+                </a:tc>
+                <a:extLst>
+                  <a:ext uri="{0D108BD9-81ED-4DB2-BD59-A6C34878D82A}">
+                    <a16:rowId xmlns:a16="http://schemas.microsoft.com/office/drawing/2014/main" val="4049968888"/>
+                  </a:ext>
+                </a:extLst>
+              </a:tr>
+              <a:tr h="190644">
+                <a:tc>
+                  <a:txBody>
+                    <a:bodyPr/>
+                    <a:lstStyle/>
+                    <a:p>
+                      <a:pPr algn="l" fontAlgn="b"/>
+                      <a:r>
+                        <a:rPr lang="en-US" sz="700" b="0" i="0" u="none" strike="noStrike" dirty="0" err="1">
+                          <a:solidFill>
+                            <a:srgbClr val="000000"/>
+                          </a:solidFill>
+                          <a:effectLst/>
+                          <a:latin typeface="Arial" panose="020B0604020202020204" pitchFamily="34" charset="0"/>
+                        </a:rPr>
+                        <a:t>jumpman_id</a:t>
+                      </a:r>
+                      <a:endParaRPr lang="en-US" sz="700" b="0" i="0" u="none" strike="noStrike" dirty="0">
+                        <a:solidFill>
+                          <a:srgbClr val="000000"/>
+                        </a:solidFill>
+                        <a:effectLst/>
+                        <a:latin typeface="Arial" panose="020B0604020202020204" pitchFamily="34" charset="0"/>
+                      </a:endParaRPr>
+                    </a:p>
+                  </a:txBody>
+                  <a:tcPr marL="5665" marR="5665" marT="5665" marB="0" anchor="ctr"/>
+                </a:tc>
+                <a:tc>
+                  <a:txBody>
+                    <a:bodyPr/>
+                    <a:lstStyle/>
+                    <a:p>
+                      <a:pPr algn="l" fontAlgn="b"/>
+                      <a:r>
+                        <a:rPr lang="en-US" sz="700" b="0" i="0" u="none" strike="noStrike">
+                          <a:solidFill>
+                            <a:srgbClr val="000000"/>
+                          </a:solidFill>
+                          <a:effectLst/>
+                          <a:latin typeface="Arial" panose="020B0604020202020204" pitchFamily="34" charset="0"/>
+                        </a:rPr>
+                        <a:t>132725</a:t>
+                      </a:r>
+                    </a:p>
+                  </a:txBody>
+                  <a:tcPr marL="5665" marR="5665" marT="5665" marB="0" anchor="ctr"/>
+                </a:tc>
+                <a:extLst>
+                  <a:ext uri="{0D108BD9-81ED-4DB2-BD59-A6C34878D82A}">
+                    <a16:rowId xmlns:a16="http://schemas.microsoft.com/office/drawing/2014/main" val="3865530348"/>
+                  </a:ext>
+                </a:extLst>
+              </a:tr>
+              <a:tr h="190644">
+                <a:tc>
+                  <a:txBody>
+                    <a:bodyPr/>
+                    <a:lstStyle/>
+                    <a:p>
+                      <a:pPr algn="l" fontAlgn="b"/>
+                      <a:r>
+                        <a:rPr lang="en-US" sz="700" b="0" i="0" u="none" strike="noStrike">
+                          <a:solidFill>
+                            <a:srgbClr val="000000"/>
+                          </a:solidFill>
+                          <a:effectLst/>
+                          <a:latin typeface="Arial" panose="020B0604020202020204" pitchFamily="34" charset="0"/>
+                        </a:rPr>
+                        <a:t>vehicle_type</a:t>
+                      </a:r>
+                    </a:p>
+                  </a:txBody>
+                  <a:tcPr marL="5665" marR="5665" marT="5665" marB="0" anchor="ctr"/>
+                </a:tc>
+                <a:tc>
+                  <a:txBody>
+                    <a:bodyPr/>
+                    <a:lstStyle/>
+                    <a:p>
+                      <a:pPr algn="l" fontAlgn="b"/>
+                      <a:r>
+                        <a:rPr lang="en-US" sz="700" b="0" i="0" u="none" strike="noStrike">
+                          <a:solidFill>
+                            <a:srgbClr val="000000"/>
+                          </a:solidFill>
+                          <a:effectLst/>
+                          <a:latin typeface="Arial" panose="020B0604020202020204" pitchFamily="34" charset="0"/>
+                        </a:rPr>
+                        <a:t>bicycle</a:t>
+                      </a:r>
+                    </a:p>
+                  </a:txBody>
+                  <a:tcPr marL="5665" marR="5665" marT="5665" marB="0" anchor="ctr"/>
+                </a:tc>
+                <a:extLst>
+                  <a:ext uri="{0D108BD9-81ED-4DB2-BD59-A6C34878D82A}">
+                    <a16:rowId xmlns:a16="http://schemas.microsoft.com/office/drawing/2014/main" val="1400598826"/>
+                  </a:ext>
+                </a:extLst>
+              </a:tr>
+              <a:tr h="190644">
+                <a:tc>
+                  <a:txBody>
+                    <a:bodyPr/>
+                    <a:lstStyle/>
+                    <a:p>
+                      <a:pPr algn="l" fontAlgn="b"/>
+                      <a:r>
+                        <a:rPr lang="en-US" sz="700" b="0" i="0" u="none" strike="noStrike" err="1">
+                          <a:solidFill>
+                            <a:srgbClr val="000000"/>
+                          </a:solidFill>
+                          <a:effectLst/>
+                          <a:latin typeface="Arial" panose="020B0604020202020204" pitchFamily="34" charset="0"/>
+                        </a:rPr>
+                        <a:t>pickup_place</a:t>
+                      </a:r>
+                      <a:endParaRPr lang="en-US" sz="700" b="0" i="0" u="none" strike="noStrike">
+                        <a:solidFill>
+                          <a:srgbClr val="000000"/>
+                        </a:solidFill>
+                        <a:effectLst/>
+                        <a:latin typeface="Arial" panose="020B0604020202020204" pitchFamily="34" charset="0"/>
+                      </a:endParaRPr>
+                    </a:p>
+                  </a:txBody>
+                  <a:tcPr marL="5665" marR="5665" marT="5665" marB="0" anchor="ctr"/>
+                </a:tc>
+                <a:tc>
+                  <a:txBody>
+                    <a:bodyPr/>
+                    <a:lstStyle/>
+                    <a:p>
+                      <a:pPr algn="l" fontAlgn="b"/>
+                      <a:r>
+                        <a:rPr lang="en-US" sz="700" b="0" i="0" u="none" strike="noStrike" err="1">
+                          <a:solidFill>
+                            <a:srgbClr val="000000"/>
+                          </a:solidFill>
+                          <a:effectLst/>
+                          <a:latin typeface="Arial" panose="020B0604020202020204" pitchFamily="34" charset="0"/>
+                        </a:rPr>
+                        <a:t>Bareburger</a:t>
+                      </a:r>
+                      <a:endParaRPr lang="en-US" sz="700" b="0" i="0" u="none" strike="noStrike">
+                        <a:solidFill>
+                          <a:srgbClr val="000000"/>
+                        </a:solidFill>
+                        <a:effectLst/>
+                        <a:latin typeface="Arial" panose="020B0604020202020204" pitchFamily="34" charset="0"/>
+                      </a:endParaRPr>
+                    </a:p>
+                  </a:txBody>
+                  <a:tcPr marL="5665" marR="5665" marT="5665" marB="0" anchor="ctr"/>
+                </a:tc>
+                <a:extLst>
+                  <a:ext uri="{0D108BD9-81ED-4DB2-BD59-A6C34878D82A}">
+                    <a16:rowId xmlns:a16="http://schemas.microsoft.com/office/drawing/2014/main" val="2576138324"/>
+                  </a:ext>
+                </a:extLst>
+              </a:tr>
+              <a:tr h="190644">
+                <a:tc>
+                  <a:txBody>
+                    <a:bodyPr/>
+                    <a:lstStyle/>
+                    <a:p>
+                      <a:pPr algn="l" fontAlgn="b"/>
+                      <a:r>
+                        <a:rPr lang="en-US" sz="700" b="0" i="0" u="none" strike="noStrike" err="1">
+                          <a:solidFill>
+                            <a:srgbClr val="000000"/>
+                          </a:solidFill>
+                          <a:effectLst/>
+                          <a:latin typeface="Arial" panose="020B0604020202020204" pitchFamily="34" charset="0"/>
+                        </a:rPr>
+                        <a:t>place_category</a:t>
+                      </a:r>
+                      <a:endParaRPr lang="en-US" sz="700" b="0" i="0" u="none" strike="noStrike">
+                        <a:solidFill>
+                          <a:srgbClr val="000000"/>
+                        </a:solidFill>
+                        <a:effectLst/>
+                        <a:latin typeface="Arial" panose="020B0604020202020204" pitchFamily="34" charset="0"/>
+                      </a:endParaRPr>
+                    </a:p>
+                  </a:txBody>
+                  <a:tcPr marL="5665" marR="5665" marT="5665" marB="0" anchor="ctr"/>
+                </a:tc>
+                <a:tc>
+                  <a:txBody>
+                    <a:bodyPr/>
+                    <a:lstStyle/>
+                    <a:p>
+                      <a:pPr algn="l" fontAlgn="b"/>
+                      <a:r>
+                        <a:rPr lang="en-US" sz="700" b="0" i="0" u="none" strike="noStrike">
+                          <a:solidFill>
+                            <a:srgbClr val="000000"/>
+                          </a:solidFill>
+                          <a:effectLst/>
+                          <a:latin typeface="Arial" panose="020B0604020202020204" pitchFamily="34" charset="0"/>
+                        </a:rPr>
+                        <a:t>Burger</a:t>
+                      </a:r>
+                    </a:p>
+                  </a:txBody>
+                  <a:tcPr marL="5665" marR="5665" marT="5665" marB="0" anchor="ctr"/>
+                </a:tc>
+                <a:extLst>
+                  <a:ext uri="{0D108BD9-81ED-4DB2-BD59-A6C34878D82A}">
+                    <a16:rowId xmlns:a16="http://schemas.microsoft.com/office/drawing/2014/main" val="3029226444"/>
+                  </a:ext>
+                </a:extLst>
+              </a:tr>
+              <a:tr h="190644">
+                <a:tc>
+                  <a:txBody>
+                    <a:bodyPr/>
+                    <a:lstStyle/>
+                    <a:p>
+                      <a:pPr algn="l" fontAlgn="b"/>
+                      <a:r>
+                        <a:rPr lang="en-US" sz="700" b="0" i="0" u="none" strike="noStrike">
+                          <a:solidFill>
+                            <a:srgbClr val="000000"/>
+                          </a:solidFill>
+                          <a:effectLst/>
+                          <a:latin typeface="Arial" panose="020B0604020202020204" pitchFamily="34" charset="0"/>
+                        </a:rPr>
+                        <a:t>item_name</a:t>
+                      </a:r>
+                    </a:p>
+                  </a:txBody>
+                  <a:tcPr marL="5665" marR="5665" marT="5665" marB="0" anchor="ctr"/>
+                </a:tc>
+                <a:tc>
+                  <a:txBody>
+                    <a:bodyPr/>
+                    <a:lstStyle/>
+                    <a:p>
+                      <a:pPr algn="l" fontAlgn="b"/>
+                      <a:r>
+                        <a:rPr lang="en-US" sz="700" b="0" i="0" u="none" strike="noStrike">
+                          <a:solidFill>
+                            <a:srgbClr val="000000"/>
+                          </a:solidFill>
+                          <a:effectLst/>
+                          <a:latin typeface="Arial" panose="020B0604020202020204" pitchFamily="34" charset="0"/>
+                        </a:rPr>
+                        <a:t>Bare Sodas</a:t>
+                      </a:r>
+                    </a:p>
+                  </a:txBody>
+                  <a:tcPr marL="5665" marR="5665" marT="5665" marB="0" anchor="ctr"/>
+                </a:tc>
+                <a:extLst>
+                  <a:ext uri="{0D108BD9-81ED-4DB2-BD59-A6C34878D82A}">
+                    <a16:rowId xmlns:a16="http://schemas.microsoft.com/office/drawing/2014/main" val="1397852573"/>
+                  </a:ext>
+                </a:extLst>
+              </a:tr>
+              <a:tr h="190644">
+                <a:tc>
+                  <a:txBody>
+                    <a:bodyPr/>
+                    <a:lstStyle/>
+                    <a:p>
+                      <a:pPr algn="l" fontAlgn="b"/>
+                      <a:r>
+                        <a:rPr lang="en-US" sz="700" b="0" i="0" u="none" strike="noStrike">
+                          <a:solidFill>
+                            <a:srgbClr val="000000"/>
+                          </a:solidFill>
+                          <a:effectLst/>
+                          <a:latin typeface="Arial" panose="020B0604020202020204" pitchFamily="34" charset="0"/>
+                        </a:rPr>
+                        <a:t>item_quantity</a:t>
+                      </a:r>
+                    </a:p>
+                  </a:txBody>
+                  <a:tcPr marL="5665" marR="5665" marT="5665" marB="0" anchor="ctr"/>
+                </a:tc>
+                <a:tc>
+                  <a:txBody>
+                    <a:bodyPr/>
+                    <a:lstStyle/>
+                    <a:p>
+                      <a:pPr algn="l" fontAlgn="b"/>
+                      <a:r>
+                        <a:rPr lang="en-US" sz="700" b="0" i="0" u="none" strike="noStrike">
+                          <a:solidFill>
+                            <a:srgbClr val="000000"/>
+                          </a:solidFill>
+                          <a:effectLst/>
+                          <a:latin typeface="Arial" panose="020B0604020202020204" pitchFamily="34" charset="0"/>
+                        </a:rPr>
+                        <a:t>1</a:t>
+                      </a:r>
+                    </a:p>
+                  </a:txBody>
+                  <a:tcPr marL="5665" marR="5665" marT="5665" marB="0" anchor="ctr"/>
+                </a:tc>
+                <a:extLst>
+                  <a:ext uri="{0D108BD9-81ED-4DB2-BD59-A6C34878D82A}">
+                    <a16:rowId xmlns:a16="http://schemas.microsoft.com/office/drawing/2014/main" val="1474757276"/>
+                  </a:ext>
+                </a:extLst>
+              </a:tr>
+              <a:tr h="190644">
+                <a:tc>
+                  <a:txBody>
+                    <a:bodyPr/>
+                    <a:lstStyle/>
+                    <a:p>
+                      <a:pPr algn="l" fontAlgn="b"/>
+                      <a:r>
+                        <a:rPr lang="en-US" sz="700" b="0" i="0" u="none" strike="noStrike">
+                          <a:solidFill>
+                            <a:srgbClr val="000000"/>
+                          </a:solidFill>
+                          <a:effectLst/>
+                          <a:latin typeface="Arial" panose="020B0604020202020204" pitchFamily="34" charset="0"/>
+                        </a:rPr>
+                        <a:t>item_category_name</a:t>
+                      </a:r>
+                    </a:p>
+                  </a:txBody>
+                  <a:tcPr marL="5665" marR="5665" marT="5665" marB="0" anchor="ctr"/>
+                </a:tc>
+                <a:tc>
+                  <a:txBody>
+                    <a:bodyPr/>
+                    <a:lstStyle/>
+                    <a:p>
+                      <a:pPr algn="l" fontAlgn="b"/>
+                      <a:r>
+                        <a:rPr lang="en-US" sz="700" b="0" i="0" u="none" strike="noStrike">
+                          <a:solidFill>
+                            <a:srgbClr val="000000"/>
+                          </a:solidFill>
+                          <a:effectLst/>
+                          <a:latin typeface="Arial" panose="020B0604020202020204" pitchFamily="34" charset="0"/>
+                        </a:rPr>
+                        <a:t>Drinks</a:t>
+                      </a:r>
+                    </a:p>
+                  </a:txBody>
+                  <a:tcPr marL="5665" marR="5665" marT="5665" marB="0" anchor="ctr"/>
+                </a:tc>
+                <a:extLst>
+                  <a:ext uri="{0D108BD9-81ED-4DB2-BD59-A6C34878D82A}">
+                    <a16:rowId xmlns:a16="http://schemas.microsoft.com/office/drawing/2014/main" val="2269621261"/>
+                  </a:ext>
+                </a:extLst>
+              </a:tr>
+              <a:tr h="190644">
+                <a:tc>
+                  <a:txBody>
+                    <a:bodyPr/>
+                    <a:lstStyle/>
+                    <a:p>
+                      <a:pPr algn="l" fontAlgn="b"/>
+                      <a:r>
+                        <a:rPr lang="en-US" sz="700" b="0" i="0" u="none" strike="noStrike">
+                          <a:solidFill>
+                            <a:srgbClr val="000000"/>
+                          </a:solidFill>
+                          <a:effectLst/>
+                          <a:latin typeface="Arial" panose="020B0604020202020204" pitchFamily="34" charset="0"/>
+                        </a:rPr>
+                        <a:t>how_long_it_took_to_order</a:t>
+                      </a:r>
+                    </a:p>
+                  </a:txBody>
+                  <a:tcPr marL="5665" marR="5665" marT="5665" marB="0" anchor="ctr"/>
+                </a:tc>
+                <a:tc>
+                  <a:txBody>
+                    <a:bodyPr/>
+                    <a:lstStyle/>
+                    <a:p>
+                      <a:pPr algn="l" fontAlgn="b"/>
+                      <a:r>
+                        <a:rPr lang="en-US" sz="700" b="0" i="0" u="none" strike="noStrike">
+                          <a:solidFill>
+                            <a:srgbClr val="000000"/>
+                          </a:solidFill>
+                          <a:effectLst/>
+                          <a:latin typeface="Arial" panose="020B0604020202020204" pitchFamily="34" charset="0"/>
+                        </a:rPr>
+                        <a:t>0:06:45</a:t>
+                      </a:r>
+                    </a:p>
+                  </a:txBody>
+                  <a:tcPr marL="9525" marR="9525" marT="9525" marB="0" anchor="ctr"/>
+                </a:tc>
+                <a:extLst>
+                  <a:ext uri="{0D108BD9-81ED-4DB2-BD59-A6C34878D82A}">
+                    <a16:rowId xmlns:a16="http://schemas.microsoft.com/office/drawing/2014/main" val="536241634"/>
+                  </a:ext>
+                </a:extLst>
+              </a:tr>
+              <a:tr h="190644">
+                <a:tc>
+                  <a:txBody>
+                    <a:bodyPr/>
+                    <a:lstStyle/>
+                    <a:p>
+                      <a:pPr algn="l" fontAlgn="b"/>
+                      <a:r>
+                        <a:rPr lang="en-US" sz="700" b="0" i="0" u="none" strike="noStrike">
+                          <a:solidFill>
+                            <a:srgbClr val="000000"/>
+                          </a:solidFill>
+                          <a:effectLst/>
+                          <a:latin typeface="Arial" panose="020B0604020202020204" pitchFamily="34" charset="0"/>
+                        </a:rPr>
+                        <a:t>pickup_lat</a:t>
+                      </a:r>
+                    </a:p>
+                  </a:txBody>
+                  <a:tcPr marL="5665" marR="5665" marT="5665" marB="0" anchor="ctr"/>
+                </a:tc>
+                <a:tc>
+                  <a:txBody>
+                    <a:bodyPr/>
+                    <a:lstStyle/>
+                    <a:p>
+                      <a:pPr algn="l" fontAlgn="b"/>
+                      <a:r>
+                        <a:rPr lang="en-US" sz="700" b="0" i="0" u="none" strike="noStrike">
+                          <a:solidFill>
+                            <a:srgbClr val="000000"/>
+                          </a:solidFill>
+                          <a:effectLst/>
+                          <a:latin typeface="Arial" panose="020B0604020202020204" pitchFamily="34" charset="0"/>
+                        </a:rPr>
+                        <a:t>40.7285</a:t>
+                      </a:r>
+                    </a:p>
+                  </a:txBody>
+                  <a:tcPr marL="5665" marR="5665" marT="5665" marB="0" anchor="ctr"/>
+                </a:tc>
+                <a:extLst>
+                  <a:ext uri="{0D108BD9-81ED-4DB2-BD59-A6C34878D82A}">
+                    <a16:rowId xmlns:a16="http://schemas.microsoft.com/office/drawing/2014/main" val="3798466228"/>
+                  </a:ext>
+                </a:extLst>
+              </a:tr>
+              <a:tr h="190644">
+                <a:tc>
+                  <a:txBody>
+                    <a:bodyPr/>
+                    <a:lstStyle/>
+                    <a:p>
+                      <a:pPr algn="l" fontAlgn="b"/>
+                      <a:r>
+                        <a:rPr lang="en-US" sz="700" b="0" i="0" u="none" strike="noStrike">
+                          <a:solidFill>
+                            <a:srgbClr val="000000"/>
+                          </a:solidFill>
+                          <a:effectLst/>
+                          <a:latin typeface="Arial" panose="020B0604020202020204" pitchFamily="34" charset="0"/>
+                        </a:rPr>
+                        <a:t>pickup_lon</a:t>
+                      </a:r>
+                    </a:p>
+                  </a:txBody>
+                  <a:tcPr marL="5665" marR="5665" marT="5665" marB="0" anchor="ctr"/>
+                </a:tc>
+                <a:tc>
+                  <a:txBody>
+                    <a:bodyPr/>
+                    <a:lstStyle/>
+                    <a:p>
+                      <a:pPr algn="l" fontAlgn="b"/>
+                      <a:r>
+                        <a:rPr lang="en-US" sz="700" b="0" i="0" u="none" strike="noStrike">
+                          <a:solidFill>
+                            <a:srgbClr val="000000"/>
+                          </a:solidFill>
+                          <a:effectLst/>
+                          <a:latin typeface="Arial" panose="020B0604020202020204" pitchFamily="34" charset="0"/>
+                        </a:rPr>
+                        <a:t>-73.9984</a:t>
+                      </a:r>
+                    </a:p>
+                  </a:txBody>
+                  <a:tcPr marL="5665" marR="5665" marT="5665" marB="0" anchor="ctr"/>
+                </a:tc>
+                <a:extLst>
+                  <a:ext uri="{0D108BD9-81ED-4DB2-BD59-A6C34878D82A}">
+                    <a16:rowId xmlns:a16="http://schemas.microsoft.com/office/drawing/2014/main" val="1683948745"/>
+                  </a:ext>
+                </a:extLst>
+              </a:tr>
+              <a:tr h="190644">
+                <a:tc>
+                  <a:txBody>
+                    <a:bodyPr/>
+                    <a:lstStyle/>
+                    <a:p>
+                      <a:pPr algn="l" fontAlgn="b"/>
+                      <a:r>
+                        <a:rPr lang="en-US" sz="700" b="0" i="0" u="none" strike="noStrike">
+                          <a:solidFill>
+                            <a:srgbClr val="000000"/>
+                          </a:solidFill>
+                          <a:effectLst/>
+                          <a:latin typeface="Arial" panose="020B0604020202020204" pitchFamily="34" charset="0"/>
+                        </a:rPr>
+                        <a:t>dropoff_lat</a:t>
+                      </a:r>
+                    </a:p>
+                  </a:txBody>
+                  <a:tcPr marL="5665" marR="5665" marT="5665" marB="0" anchor="ctr"/>
+                </a:tc>
+                <a:tc>
+                  <a:txBody>
+                    <a:bodyPr/>
+                    <a:lstStyle/>
+                    <a:p>
+                      <a:pPr algn="l" fontAlgn="b"/>
+                      <a:r>
+                        <a:rPr lang="en-US" sz="700" b="0" i="0" u="none" strike="noStrike">
+                          <a:solidFill>
+                            <a:srgbClr val="000000"/>
+                          </a:solidFill>
+                          <a:effectLst/>
+                          <a:latin typeface="Arial" panose="020B0604020202020204" pitchFamily="34" charset="0"/>
+                        </a:rPr>
+                        <a:t>40.7286</a:t>
+                      </a:r>
+                    </a:p>
+                  </a:txBody>
+                  <a:tcPr marL="5665" marR="5665" marT="5665" marB="0" anchor="ctr"/>
+                </a:tc>
+                <a:extLst>
+                  <a:ext uri="{0D108BD9-81ED-4DB2-BD59-A6C34878D82A}">
+                    <a16:rowId xmlns:a16="http://schemas.microsoft.com/office/drawing/2014/main" val="568431819"/>
+                  </a:ext>
+                </a:extLst>
+              </a:tr>
+              <a:tr h="190644">
+                <a:tc>
+                  <a:txBody>
+                    <a:bodyPr/>
+                    <a:lstStyle/>
+                    <a:p>
+                      <a:pPr algn="l" fontAlgn="b"/>
+                      <a:r>
+                        <a:rPr lang="en-US" sz="700" b="0" i="0" u="none" strike="noStrike">
+                          <a:solidFill>
+                            <a:srgbClr val="000000"/>
+                          </a:solidFill>
+                          <a:effectLst/>
+                          <a:latin typeface="Arial" panose="020B0604020202020204" pitchFamily="34" charset="0"/>
+                        </a:rPr>
+                        <a:t>dropoff_lon</a:t>
+                      </a:r>
+                    </a:p>
+                  </a:txBody>
+                  <a:tcPr marL="5665" marR="5665" marT="5665" marB="0" anchor="ctr"/>
+                </a:tc>
+                <a:tc>
+                  <a:txBody>
+                    <a:bodyPr/>
+                    <a:lstStyle/>
+                    <a:p>
+                      <a:pPr algn="l" fontAlgn="b"/>
+                      <a:r>
+                        <a:rPr lang="en-US" sz="700" b="0" i="0" u="none" strike="noStrike">
+                          <a:solidFill>
+                            <a:srgbClr val="000000"/>
+                          </a:solidFill>
+                          <a:effectLst/>
+                          <a:latin typeface="Arial" panose="020B0604020202020204" pitchFamily="34" charset="0"/>
+                        </a:rPr>
+                        <a:t>-73.9951</a:t>
+                      </a:r>
+                    </a:p>
+                  </a:txBody>
+                  <a:tcPr marL="5665" marR="5665" marT="5665" marB="0" anchor="ctr"/>
+                </a:tc>
+                <a:extLst>
+                  <a:ext uri="{0D108BD9-81ED-4DB2-BD59-A6C34878D82A}">
+                    <a16:rowId xmlns:a16="http://schemas.microsoft.com/office/drawing/2014/main" val="2841978685"/>
+                  </a:ext>
+                </a:extLst>
+              </a:tr>
+              <a:tr h="190644">
+                <a:tc>
+                  <a:txBody>
+                    <a:bodyPr/>
+                    <a:lstStyle/>
+                    <a:p>
+                      <a:pPr algn="l" fontAlgn="b"/>
+                      <a:r>
+                        <a:rPr lang="en-US" sz="700" b="0" i="0" u="none" strike="noStrike">
+                          <a:solidFill>
+                            <a:srgbClr val="000000"/>
+                          </a:solidFill>
+                          <a:effectLst/>
+                          <a:latin typeface="Arial" panose="020B0604020202020204" pitchFamily="34" charset="0"/>
+                        </a:rPr>
+                        <a:t>when_the_delivery_started</a:t>
+                      </a:r>
+                    </a:p>
+                  </a:txBody>
+                  <a:tcPr marL="5665" marR="5665" marT="5665" marB="0" anchor="ctr"/>
+                </a:tc>
+                <a:tc>
+                  <a:txBody>
+                    <a:bodyPr/>
+                    <a:lstStyle/>
+                    <a:p>
+                      <a:pPr algn="l" fontAlgn="b"/>
+                      <a:r>
+                        <a:rPr lang="en-US" sz="700" b="0" i="0" u="none" strike="noStrike">
+                          <a:solidFill>
+                            <a:srgbClr val="000000"/>
+                          </a:solidFill>
+                          <a:effectLst/>
+                          <a:latin typeface="Arial" panose="020B0604020202020204" pitchFamily="34" charset="0"/>
+                        </a:rPr>
+                        <a:t>10/28/14 21:39</a:t>
+                      </a:r>
+                    </a:p>
+                  </a:txBody>
+                  <a:tcPr marL="5665" marR="5665" marT="5665" marB="0" anchor="ctr"/>
+                </a:tc>
+                <a:extLst>
+                  <a:ext uri="{0D108BD9-81ED-4DB2-BD59-A6C34878D82A}">
+                    <a16:rowId xmlns:a16="http://schemas.microsoft.com/office/drawing/2014/main" val="4158170500"/>
+                  </a:ext>
+                </a:extLst>
+              </a:tr>
+              <a:tr h="190644">
+                <a:tc>
+                  <a:txBody>
+                    <a:bodyPr/>
+                    <a:lstStyle/>
+                    <a:p>
+                      <a:pPr algn="l" fontAlgn="b"/>
+                      <a:r>
+                        <a:rPr lang="en-US" sz="700" b="0" i="0" u="none" strike="noStrike">
+                          <a:solidFill>
+                            <a:srgbClr val="000000"/>
+                          </a:solidFill>
+                          <a:effectLst/>
+                          <a:latin typeface="Arial" panose="020B0604020202020204" pitchFamily="34" charset="0"/>
+                        </a:rPr>
+                        <a:t>when_the_Jumpman_arrived_at_pickup</a:t>
+                      </a:r>
+                    </a:p>
+                  </a:txBody>
+                  <a:tcPr marL="5665" marR="5665" marT="5665" marB="0" anchor="ctr"/>
+                </a:tc>
+                <a:tc>
+                  <a:txBody>
+                    <a:bodyPr/>
+                    <a:lstStyle/>
+                    <a:p>
+                      <a:pPr algn="l" fontAlgn="b"/>
+                      <a:r>
+                        <a:rPr lang="en-US" sz="700" b="0" i="0" u="none" strike="noStrike">
+                          <a:solidFill>
+                            <a:srgbClr val="000000"/>
+                          </a:solidFill>
+                          <a:effectLst/>
+                          <a:latin typeface="Arial" panose="020B0604020202020204" pitchFamily="34" charset="0"/>
+                        </a:rPr>
+                        <a:t>10/28/14 21:37</a:t>
+                      </a:r>
+                    </a:p>
+                  </a:txBody>
+                  <a:tcPr marL="5665" marR="5665" marT="5665" marB="0" anchor="ctr"/>
+                </a:tc>
+                <a:extLst>
+                  <a:ext uri="{0D108BD9-81ED-4DB2-BD59-A6C34878D82A}">
+                    <a16:rowId xmlns:a16="http://schemas.microsoft.com/office/drawing/2014/main" val="2140023924"/>
+                  </a:ext>
+                </a:extLst>
+              </a:tr>
+              <a:tr h="190644">
+                <a:tc>
+                  <a:txBody>
+                    <a:bodyPr/>
+                    <a:lstStyle/>
+                    <a:p>
+                      <a:pPr algn="l" fontAlgn="b"/>
+                      <a:r>
+                        <a:rPr lang="en-US" sz="700" b="0" i="0" u="none" strike="noStrike">
+                          <a:solidFill>
+                            <a:srgbClr val="000000"/>
+                          </a:solidFill>
+                          <a:effectLst/>
+                          <a:latin typeface="Arial" panose="020B0604020202020204" pitchFamily="34" charset="0"/>
+                        </a:rPr>
+                        <a:t>when_the_Jumpman_left_pickup</a:t>
+                      </a:r>
+                    </a:p>
+                  </a:txBody>
+                  <a:tcPr marL="5665" marR="5665" marT="5665" marB="0" anchor="ctr"/>
+                </a:tc>
+                <a:tc>
+                  <a:txBody>
+                    <a:bodyPr/>
+                    <a:lstStyle/>
+                    <a:p>
+                      <a:pPr algn="l" fontAlgn="b"/>
+                      <a:r>
+                        <a:rPr lang="en-US" sz="700" b="0" i="0" u="none" strike="noStrike">
+                          <a:solidFill>
+                            <a:srgbClr val="000000"/>
+                          </a:solidFill>
+                          <a:effectLst/>
+                          <a:latin typeface="Arial" panose="020B0604020202020204" pitchFamily="34" charset="0"/>
+                        </a:rPr>
+                        <a:t>10/28/14 21:59</a:t>
+                      </a:r>
+                    </a:p>
+                  </a:txBody>
+                  <a:tcPr marL="5665" marR="5665" marT="5665" marB="0" anchor="ctr"/>
+                </a:tc>
+                <a:extLst>
+                  <a:ext uri="{0D108BD9-81ED-4DB2-BD59-A6C34878D82A}">
+                    <a16:rowId xmlns:a16="http://schemas.microsoft.com/office/drawing/2014/main" val="1935126913"/>
+                  </a:ext>
+                </a:extLst>
+              </a:tr>
+              <a:tr h="190644">
+                <a:tc>
+                  <a:txBody>
+                    <a:bodyPr/>
+                    <a:lstStyle/>
+                    <a:p>
+                      <a:pPr algn="l" fontAlgn="b"/>
+                      <a:r>
+                        <a:rPr lang="en-US" sz="700" b="0" i="0" u="none" strike="noStrike">
+                          <a:solidFill>
+                            <a:srgbClr val="000000"/>
+                          </a:solidFill>
+                          <a:effectLst/>
+                          <a:latin typeface="Arial" panose="020B0604020202020204" pitchFamily="34" charset="0"/>
+                        </a:rPr>
+                        <a:t>when_the_Jumpman_arrived_at_dropoff</a:t>
+                      </a:r>
+                    </a:p>
+                  </a:txBody>
+                  <a:tcPr marL="5665" marR="5665" marT="5665" marB="0" anchor="ctr"/>
+                </a:tc>
+                <a:tc>
+                  <a:txBody>
+                    <a:bodyPr/>
+                    <a:lstStyle/>
+                    <a:p>
+                      <a:pPr algn="l" fontAlgn="b"/>
+                      <a:r>
+                        <a:rPr lang="en-US" sz="700" b="0" i="0" u="none" strike="noStrike">
+                          <a:solidFill>
+                            <a:srgbClr val="000000"/>
+                          </a:solidFill>
+                          <a:effectLst/>
+                          <a:latin typeface="Arial" panose="020B0604020202020204" pitchFamily="34" charset="0"/>
+                        </a:rPr>
+                        <a:t>10/28/14 22:04</a:t>
+                      </a:r>
+                    </a:p>
+                  </a:txBody>
+                  <a:tcPr marL="5665" marR="5665" marT="5665" marB="0" anchor="ctr"/>
+                </a:tc>
+                <a:extLst>
+                  <a:ext uri="{0D108BD9-81ED-4DB2-BD59-A6C34878D82A}">
+                    <a16:rowId xmlns:a16="http://schemas.microsoft.com/office/drawing/2014/main" val="3447613622"/>
+                  </a:ext>
+                </a:extLst>
+              </a:tr>
+            </a:tbl>
+          </a:graphicData>
+        </a:graphic>
+      </p:graphicFrame>
+      <p:sp>
+        <p:nvSpPr>
+          <p:cNvPr id="18" name="TextBox 17">
+            <a:extLst>
+              <a:ext uri="{FF2B5EF4-FFF2-40B4-BE49-F238E27FC236}">
+                <a16:creationId xmlns:a16="http://schemas.microsoft.com/office/drawing/2014/main" id="{7ABCDA3E-4BC8-D44C-B303-85C25C17CB1E}"/>
+              </a:ext>
+            </a:extLst>
+          </p:cNvPr>
+          <p:cNvSpPr txBox="1"/>
+          <p:nvPr/>
+        </p:nvSpPr>
+        <p:spPr>
+          <a:xfrm>
+            <a:off x="4772025" y="1257300"/>
+            <a:ext cx="2617026" cy="369332"/>
+          </a:xfrm>
+          <a:prstGeom prst="rect">
+            <a:avLst/>
+          </a:prstGeom>
+          <a:noFill/>
+        </p:spPr>
+        <p:txBody>
+          <a:bodyPr wrap="square" rtlCol="0">
+            <a:spAutoFit/>
+          </a:bodyPr>
+          <a:lstStyle/>
+          <a:p>
+            <a:r>
+              <a:rPr lang="en-US"/>
+              <a:t>Sample Record</a:t>
+            </a:r>
+          </a:p>
+        </p:txBody>
+      </p:sp>
+      <p:graphicFrame>
+        <p:nvGraphicFramePr>
+          <p:cNvPr id="19" name="Table 16">
+            <a:extLst>
+              <a:ext uri="{FF2B5EF4-FFF2-40B4-BE49-F238E27FC236}">
+                <a16:creationId xmlns:a16="http://schemas.microsoft.com/office/drawing/2014/main" id="{E8395635-868F-6548-9B58-8E869A22BD47}"/>
+              </a:ext>
+            </a:extLst>
+          </p:cNvPr>
+          <p:cNvGraphicFramePr>
+            <a:graphicFrameLocks noGrp="1"/>
+          </p:cNvGraphicFramePr>
+          <p:nvPr>
+            <p:extLst>
+              <p:ext uri="{D42A27DB-BD31-4B8C-83A1-F6EECF244321}">
+                <p14:modId xmlns:p14="http://schemas.microsoft.com/office/powerpoint/2010/main" val="209029473"/>
+              </p:ext>
+            </p:extLst>
+          </p:nvPr>
+        </p:nvGraphicFramePr>
+        <p:xfrm>
+          <a:off x="8704262" y="1679188"/>
+          <a:ext cx="2617026" cy="3653612"/>
+        </p:xfrm>
+        <a:graphic>
+          <a:graphicData uri="http://schemas.openxmlformats.org/drawingml/2006/table">
+            <a:tbl>
+              <a:tblPr firstRow="1" bandRow="1">
+                <a:tableStyleId>{5C22544A-7EE6-4342-B048-85BDC9FD1C3A}</a:tableStyleId>
+              </a:tblPr>
+              <a:tblGrid>
+                <a:gridCol w="1839786">
+                  <a:extLst>
+                    <a:ext uri="{9D8B030D-6E8A-4147-A177-3AD203B41FA5}">
+                      <a16:colId xmlns:a16="http://schemas.microsoft.com/office/drawing/2014/main" val="844011352"/>
+                    </a:ext>
+                  </a:extLst>
+                </a:gridCol>
+                <a:gridCol w="777240">
+                  <a:extLst>
+                    <a:ext uri="{9D8B030D-6E8A-4147-A177-3AD203B41FA5}">
+                      <a16:colId xmlns:a16="http://schemas.microsoft.com/office/drawing/2014/main" val="3467470163"/>
+                    </a:ext>
+                  </a:extLst>
+                </a:gridCol>
+              </a:tblGrid>
+              <a:tr h="213452">
+                <a:tc>
+                  <a:txBody>
+                    <a:bodyPr/>
+                    <a:lstStyle/>
+                    <a:p>
+                      <a:r>
+                        <a:rPr lang="en-US" sz="1100"/>
+                        <a:t>Attribute</a:t>
+                      </a:r>
+                    </a:p>
+                  </a:txBody>
+                  <a:tcPr marL="54381" marR="54381" marT="27190" marB="27190"/>
+                </a:tc>
+                <a:tc>
+                  <a:txBody>
+                    <a:bodyPr/>
+                    <a:lstStyle/>
+                    <a:p>
+                      <a:r>
+                        <a:rPr lang="en-US" sz="1100"/>
+                        <a:t>Entry</a:t>
+                      </a:r>
+                    </a:p>
+                  </a:txBody>
+                  <a:tcPr marL="54381" marR="54381" marT="27190" marB="27190"/>
+                </a:tc>
+                <a:extLst>
+                  <a:ext uri="{0D108BD9-81ED-4DB2-BD59-A6C34878D82A}">
+                    <a16:rowId xmlns:a16="http://schemas.microsoft.com/office/drawing/2014/main" val="2226192427"/>
+                  </a:ext>
+                </a:extLst>
+              </a:tr>
+              <a:tr h="190644">
+                <a:tc>
+                  <a:txBody>
+                    <a:bodyPr/>
+                    <a:lstStyle/>
+                    <a:p>
+                      <a:pPr algn="l" fontAlgn="b"/>
+                      <a:r>
+                        <a:rPr lang="en-US" sz="700" b="0" i="0" u="none" strike="noStrike" err="1">
+                          <a:solidFill>
+                            <a:srgbClr val="000000"/>
+                          </a:solidFill>
+                          <a:effectLst/>
+                          <a:latin typeface="Arial" panose="020B0604020202020204" pitchFamily="34" charset="0"/>
+                        </a:rPr>
+                        <a:t>delivery_id</a:t>
+                      </a:r>
+                      <a:endParaRPr lang="en-US" sz="700" b="0" i="0" u="none" strike="noStrike">
+                        <a:solidFill>
+                          <a:srgbClr val="000000"/>
+                        </a:solidFill>
+                        <a:effectLst/>
+                        <a:latin typeface="Arial" panose="020B0604020202020204" pitchFamily="34" charset="0"/>
+                      </a:endParaRPr>
+                    </a:p>
+                  </a:txBody>
+                  <a:tcPr marL="5665" marR="5665" marT="5665" marB="0" anchor="ctr"/>
+                </a:tc>
+                <a:tc>
+                  <a:txBody>
+                    <a:bodyPr/>
+                    <a:lstStyle/>
+                    <a:p>
+                      <a:pPr algn="l" fontAlgn="b"/>
+                      <a:r>
+                        <a:rPr lang="en-US" sz="700" b="0" i="0" u="none" strike="noStrike">
+                          <a:solidFill>
+                            <a:srgbClr val="000000"/>
+                          </a:solidFill>
+                          <a:effectLst/>
+                          <a:latin typeface="Arial" panose="020B0604020202020204" pitchFamily="34" charset="0"/>
+                        </a:rPr>
+                        <a:t>1476547</a:t>
+                      </a:r>
+                    </a:p>
+                  </a:txBody>
+                  <a:tcPr marL="5665" marR="5665" marT="5665" marB="0" anchor="ctr"/>
+                </a:tc>
+                <a:extLst>
+                  <a:ext uri="{0D108BD9-81ED-4DB2-BD59-A6C34878D82A}">
+                    <a16:rowId xmlns:a16="http://schemas.microsoft.com/office/drawing/2014/main" val="3460892982"/>
+                  </a:ext>
+                </a:extLst>
+              </a:tr>
+              <a:tr h="190644">
+                <a:tc>
+                  <a:txBody>
+                    <a:bodyPr/>
+                    <a:lstStyle/>
+                    <a:p>
+                      <a:pPr algn="l" fontAlgn="b"/>
+                      <a:r>
+                        <a:rPr lang="en-US" sz="700" b="0" i="0" u="none" strike="noStrike" err="1">
+                          <a:solidFill>
+                            <a:srgbClr val="000000"/>
+                          </a:solidFill>
+                          <a:effectLst/>
+                          <a:latin typeface="Arial" panose="020B0604020202020204" pitchFamily="34" charset="0"/>
+                        </a:rPr>
+                        <a:t>customer_id</a:t>
+                      </a:r>
+                      <a:endParaRPr lang="en-US" sz="700" b="0" i="0" u="none" strike="noStrike">
+                        <a:solidFill>
+                          <a:srgbClr val="000000"/>
+                        </a:solidFill>
+                        <a:effectLst/>
+                        <a:latin typeface="Arial" panose="020B0604020202020204" pitchFamily="34" charset="0"/>
+                      </a:endParaRPr>
+                    </a:p>
+                  </a:txBody>
+                  <a:tcPr marL="5665" marR="5665" marT="5665" marB="0" anchor="ctr"/>
+                </a:tc>
+                <a:tc>
+                  <a:txBody>
+                    <a:bodyPr/>
+                    <a:lstStyle/>
+                    <a:p>
+                      <a:pPr algn="l" fontAlgn="b"/>
+                      <a:r>
+                        <a:rPr lang="en-US" sz="700" b="0" i="0" u="none" strike="noStrike">
+                          <a:solidFill>
+                            <a:srgbClr val="000000"/>
+                          </a:solidFill>
+                          <a:effectLst/>
+                          <a:latin typeface="Arial" panose="020B0604020202020204" pitchFamily="34" charset="0"/>
+                        </a:rPr>
+                        <a:t>83095</a:t>
+                      </a:r>
+                    </a:p>
+                  </a:txBody>
+                  <a:tcPr marL="5665" marR="5665" marT="5665" marB="0" anchor="ctr"/>
+                </a:tc>
+                <a:extLst>
+                  <a:ext uri="{0D108BD9-81ED-4DB2-BD59-A6C34878D82A}">
+                    <a16:rowId xmlns:a16="http://schemas.microsoft.com/office/drawing/2014/main" val="4049968888"/>
+                  </a:ext>
+                </a:extLst>
+              </a:tr>
+              <a:tr h="190644">
+                <a:tc>
+                  <a:txBody>
+                    <a:bodyPr/>
+                    <a:lstStyle/>
+                    <a:p>
+                      <a:pPr algn="l" fontAlgn="b"/>
+                      <a:r>
+                        <a:rPr lang="en-US" sz="700" b="0" i="0" u="none" strike="noStrike">
+                          <a:solidFill>
+                            <a:srgbClr val="000000"/>
+                          </a:solidFill>
+                          <a:effectLst/>
+                          <a:latin typeface="Arial" panose="020B0604020202020204" pitchFamily="34" charset="0"/>
+                        </a:rPr>
+                        <a:t>jumpman_id</a:t>
+                      </a:r>
+                    </a:p>
+                  </a:txBody>
+                  <a:tcPr marL="5665" marR="5665" marT="5665" marB="0" anchor="ctr"/>
+                </a:tc>
+                <a:tc>
+                  <a:txBody>
+                    <a:bodyPr/>
+                    <a:lstStyle/>
+                    <a:p>
+                      <a:pPr algn="l" fontAlgn="b"/>
+                      <a:r>
+                        <a:rPr lang="en-US" sz="700" b="0" i="0" u="none" strike="noStrike">
+                          <a:solidFill>
+                            <a:srgbClr val="000000"/>
+                          </a:solidFill>
+                          <a:effectLst/>
+                          <a:latin typeface="Arial" panose="020B0604020202020204" pitchFamily="34" charset="0"/>
+                        </a:rPr>
+                        <a:t>132725</a:t>
+                      </a:r>
+                    </a:p>
+                  </a:txBody>
+                  <a:tcPr marL="5665" marR="5665" marT="5665" marB="0" anchor="ctr"/>
+                </a:tc>
+                <a:extLst>
+                  <a:ext uri="{0D108BD9-81ED-4DB2-BD59-A6C34878D82A}">
+                    <a16:rowId xmlns:a16="http://schemas.microsoft.com/office/drawing/2014/main" val="3865530348"/>
+                  </a:ext>
+                </a:extLst>
+              </a:tr>
+              <a:tr h="190644">
+                <a:tc>
+                  <a:txBody>
+                    <a:bodyPr/>
+                    <a:lstStyle/>
+                    <a:p>
+                      <a:pPr algn="l" fontAlgn="b"/>
+                      <a:r>
+                        <a:rPr lang="en-US" sz="700" b="0" i="0" u="none" strike="noStrike">
+                          <a:solidFill>
+                            <a:srgbClr val="000000"/>
+                          </a:solidFill>
+                          <a:effectLst/>
+                          <a:latin typeface="Arial" panose="020B0604020202020204" pitchFamily="34" charset="0"/>
+                        </a:rPr>
+                        <a:t>vehicle_type</a:t>
+                      </a:r>
+                    </a:p>
+                  </a:txBody>
+                  <a:tcPr marL="5665" marR="5665" marT="5665" marB="0" anchor="ctr"/>
+                </a:tc>
+                <a:tc>
+                  <a:txBody>
+                    <a:bodyPr/>
+                    <a:lstStyle/>
+                    <a:p>
+                      <a:pPr algn="l" fontAlgn="b"/>
+                      <a:r>
+                        <a:rPr lang="en-US" sz="700" b="0" i="0" u="none" strike="noStrike">
+                          <a:solidFill>
+                            <a:srgbClr val="000000"/>
+                          </a:solidFill>
+                          <a:effectLst/>
+                          <a:latin typeface="Arial" panose="020B0604020202020204" pitchFamily="34" charset="0"/>
+                        </a:rPr>
+                        <a:t>bicycle</a:t>
+                      </a:r>
+                    </a:p>
+                  </a:txBody>
+                  <a:tcPr marL="5665" marR="5665" marT="5665" marB="0" anchor="ctr"/>
+                </a:tc>
+                <a:extLst>
+                  <a:ext uri="{0D108BD9-81ED-4DB2-BD59-A6C34878D82A}">
+                    <a16:rowId xmlns:a16="http://schemas.microsoft.com/office/drawing/2014/main" val="1400598826"/>
+                  </a:ext>
+                </a:extLst>
+              </a:tr>
+              <a:tr h="190644">
+                <a:tc>
+                  <a:txBody>
+                    <a:bodyPr/>
+                    <a:lstStyle/>
+                    <a:p>
+                      <a:pPr algn="l" fontAlgn="b"/>
+                      <a:r>
+                        <a:rPr lang="en-US" sz="700" b="0" i="0" u="none" strike="noStrike">
+                          <a:solidFill>
+                            <a:srgbClr val="000000"/>
+                          </a:solidFill>
+                          <a:effectLst/>
+                          <a:latin typeface="Arial" panose="020B0604020202020204" pitchFamily="34" charset="0"/>
+                        </a:rPr>
+                        <a:t>pickup_place</a:t>
+                      </a:r>
+                    </a:p>
+                  </a:txBody>
+                  <a:tcPr marL="5665" marR="5665" marT="5665" marB="0" anchor="ctr"/>
+                </a:tc>
+                <a:tc>
+                  <a:txBody>
+                    <a:bodyPr/>
+                    <a:lstStyle/>
+                    <a:p>
+                      <a:pPr algn="l" fontAlgn="b"/>
+                      <a:r>
+                        <a:rPr lang="en-US" sz="700" b="0" i="0" u="none" strike="noStrike" err="1">
+                          <a:solidFill>
+                            <a:srgbClr val="000000"/>
+                          </a:solidFill>
+                          <a:effectLst/>
+                          <a:latin typeface="Arial" panose="020B0604020202020204" pitchFamily="34" charset="0"/>
+                        </a:rPr>
+                        <a:t>Bareburger</a:t>
+                      </a:r>
+                      <a:endParaRPr lang="en-US" sz="700" b="0" i="0" u="none" strike="noStrike">
+                        <a:solidFill>
+                          <a:srgbClr val="000000"/>
+                        </a:solidFill>
+                        <a:effectLst/>
+                        <a:latin typeface="Arial" panose="020B0604020202020204" pitchFamily="34" charset="0"/>
+                      </a:endParaRPr>
+                    </a:p>
+                  </a:txBody>
+                  <a:tcPr marL="5665" marR="5665" marT="5665" marB="0" anchor="ctr"/>
+                </a:tc>
+                <a:extLst>
+                  <a:ext uri="{0D108BD9-81ED-4DB2-BD59-A6C34878D82A}">
+                    <a16:rowId xmlns:a16="http://schemas.microsoft.com/office/drawing/2014/main" val="2576138324"/>
+                  </a:ext>
+                </a:extLst>
+              </a:tr>
+              <a:tr h="190644">
+                <a:tc>
+                  <a:txBody>
+                    <a:bodyPr/>
+                    <a:lstStyle/>
+                    <a:p>
+                      <a:pPr algn="l" fontAlgn="b"/>
+                      <a:r>
+                        <a:rPr lang="en-US" sz="700" b="0" i="0" u="none" strike="noStrike" err="1">
+                          <a:solidFill>
+                            <a:srgbClr val="000000"/>
+                          </a:solidFill>
+                          <a:effectLst/>
+                          <a:latin typeface="Arial" panose="020B0604020202020204" pitchFamily="34" charset="0"/>
+                        </a:rPr>
+                        <a:t>place_category</a:t>
+                      </a:r>
+                      <a:endParaRPr lang="en-US" sz="700" b="0" i="0" u="none" strike="noStrike">
+                        <a:solidFill>
+                          <a:srgbClr val="000000"/>
+                        </a:solidFill>
+                        <a:effectLst/>
+                        <a:latin typeface="Arial" panose="020B0604020202020204" pitchFamily="34" charset="0"/>
+                      </a:endParaRPr>
+                    </a:p>
+                  </a:txBody>
+                  <a:tcPr marL="5665" marR="5665" marT="5665" marB="0" anchor="ctr"/>
+                </a:tc>
+                <a:tc>
+                  <a:txBody>
+                    <a:bodyPr/>
+                    <a:lstStyle/>
+                    <a:p>
+                      <a:pPr algn="l" fontAlgn="b"/>
+                      <a:r>
+                        <a:rPr lang="en-US" sz="700" b="0" i="0" u="none" strike="noStrike">
+                          <a:solidFill>
+                            <a:srgbClr val="000000"/>
+                          </a:solidFill>
+                          <a:effectLst/>
+                          <a:latin typeface="Arial" panose="020B0604020202020204" pitchFamily="34" charset="0"/>
+                        </a:rPr>
+                        <a:t>Burger</a:t>
+                      </a:r>
+                    </a:p>
+                  </a:txBody>
+                  <a:tcPr marL="5665" marR="5665" marT="5665" marB="0" anchor="ctr"/>
+                </a:tc>
+                <a:extLst>
+                  <a:ext uri="{0D108BD9-81ED-4DB2-BD59-A6C34878D82A}">
+                    <a16:rowId xmlns:a16="http://schemas.microsoft.com/office/drawing/2014/main" val="3029226444"/>
+                  </a:ext>
+                </a:extLst>
+              </a:tr>
+              <a:tr h="190644">
+                <a:tc>
+                  <a:txBody>
+                    <a:bodyPr/>
+                    <a:lstStyle/>
+                    <a:p>
+                      <a:pPr algn="l" fontAlgn="b"/>
+                      <a:r>
+                        <a:rPr lang="en-US" sz="700" b="0" i="0" u="none" strike="noStrike">
+                          <a:solidFill>
+                            <a:srgbClr val="000000"/>
+                          </a:solidFill>
+                          <a:effectLst/>
+                          <a:latin typeface="Arial" panose="020B0604020202020204" pitchFamily="34" charset="0"/>
+                        </a:rPr>
+                        <a:t>item_name</a:t>
+                      </a:r>
+                    </a:p>
+                  </a:txBody>
+                  <a:tcPr marL="5665" marR="5665" marT="5665" marB="0" anchor="ctr"/>
+                </a:tc>
+                <a:tc>
+                  <a:txBody>
+                    <a:bodyPr/>
+                    <a:lstStyle/>
+                    <a:p>
+                      <a:pPr algn="l" fontAlgn="b"/>
+                      <a:r>
+                        <a:rPr lang="en-US" sz="700" b="0" i="0" u="none" strike="noStrike">
+                          <a:solidFill>
+                            <a:srgbClr val="000000"/>
+                          </a:solidFill>
+                          <a:effectLst/>
+                          <a:latin typeface="Arial" panose="020B0604020202020204" pitchFamily="34" charset="0"/>
+                        </a:rPr>
+                        <a:t>Bare Sodas</a:t>
+                      </a:r>
+                    </a:p>
+                  </a:txBody>
+                  <a:tcPr marL="5665" marR="5665" marT="5665" marB="0" anchor="ctr"/>
+                </a:tc>
+                <a:extLst>
+                  <a:ext uri="{0D108BD9-81ED-4DB2-BD59-A6C34878D82A}">
+                    <a16:rowId xmlns:a16="http://schemas.microsoft.com/office/drawing/2014/main" val="1397852573"/>
+                  </a:ext>
+                </a:extLst>
+              </a:tr>
+              <a:tr h="190644">
+                <a:tc>
+                  <a:txBody>
+                    <a:bodyPr/>
+                    <a:lstStyle/>
+                    <a:p>
+                      <a:pPr algn="l" fontAlgn="b"/>
+                      <a:r>
+                        <a:rPr lang="en-US" sz="700" b="0" i="0" u="none" strike="noStrike">
+                          <a:solidFill>
+                            <a:srgbClr val="000000"/>
+                          </a:solidFill>
+                          <a:effectLst/>
+                          <a:latin typeface="Arial" panose="020B0604020202020204" pitchFamily="34" charset="0"/>
+                        </a:rPr>
+                        <a:t>item_quantity</a:t>
+                      </a:r>
+                    </a:p>
+                  </a:txBody>
+                  <a:tcPr marL="5665" marR="5665" marT="5665" marB="0" anchor="ctr"/>
+                </a:tc>
+                <a:tc>
+                  <a:txBody>
+                    <a:bodyPr/>
+                    <a:lstStyle/>
+                    <a:p>
+                      <a:pPr algn="l" fontAlgn="b"/>
+                      <a:r>
+                        <a:rPr lang="en-US" sz="700" b="0" i="0" u="none" strike="noStrike">
+                          <a:solidFill>
+                            <a:srgbClr val="000000"/>
+                          </a:solidFill>
+                          <a:effectLst/>
+                          <a:latin typeface="Arial" panose="020B0604020202020204" pitchFamily="34" charset="0"/>
+                        </a:rPr>
+                        <a:t>1</a:t>
+                      </a:r>
+                    </a:p>
+                  </a:txBody>
+                  <a:tcPr marL="5665" marR="5665" marT="5665" marB="0" anchor="ctr"/>
+                </a:tc>
+                <a:extLst>
+                  <a:ext uri="{0D108BD9-81ED-4DB2-BD59-A6C34878D82A}">
+                    <a16:rowId xmlns:a16="http://schemas.microsoft.com/office/drawing/2014/main" val="1474757276"/>
+                  </a:ext>
+                </a:extLst>
+              </a:tr>
+              <a:tr h="190644">
+                <a:tc>
+                  <a:txBody>
+                    <a:bodyPr/>
+                    <a:lstStyle/>
+                    <a:p>
+                      <a:pPr algn="l" fontAlgn="b"/>
+                      <a:r>
+                        <a:rPr lang="en-US" sz="700" b="0" i="0" u="none" strike="noStrike" err="1">
+                          <a:solidFill>
+                            <a:srgbClr val="000000"/>
+                          </a:solidFill>
+                          <a:effectLst/>
+                          <a:latin typeface="Arial" panose="020B0604020202020204" pitchFamily="34" charset="0"/>
+                        </a:rPr>
+                        <a:t>item_category_name</a:t>
+                      </a:r>
+                      <a:endParaRPr lang="en-US" sz="700" b="0" i="0" u="none" strike="noStrike">
+                        <a:solidFill>
+                          <a:srgbClr val="000000"/>
+                        </a:solidFill>
+                        <a:effectLst/>
+                        <a:latin typeface="Arial" panose="020B0604020202020204" pitchFamily="34" charset="0"/>
+                      </a:endParaRPr>
+                    </a:p>
+                  </a:txBody>
+                  <a:tcPr marL="5665" marR="5665" marT="5665" marB="0" anchor="ctr"/>
+                </a:tc>
+                <a:tc>
+                  <a:txBody>
+                    <a:bodyPr/>
+                    <a:lstStyle/>
+                    <a:p>
+                      <a:pPr algn="l" fontAlgn="b"/>
+                      <a:r>
+                        <a:rPr lang="en-US" sz="700" b="0" i="0" u="none" strike="noStrike">
+                          <a:solidFill>
+                            <a:srgbClr val="000000"/>
+                          </a:solidFill>
+                          <a:effectLst/>
+                          <a:latin typeface="Arial" panose="020B0604020202020204" pitchFamily="34" charset="0"/>
+                        </a:rPr>
+                        <a:t>Drinks</a:t>
+                      </a:r>
+                    </a:p>
+                  </a:txBody>
+                  <a:tcPr marL="5665" marR="5665" marT="5665" marB="0" anchor="ctr"/>
+                </a:tc>
+                <a:extLst>
+                  <a:ext uri="{0D108BD9-81ED-4DB2-BD59-A6C34878D82A}">
+                    <a16:rowId xmlns:a16="http://schemas.microsoft.com/office/drawing/2014/main" val="2269621261"/>
+                  </a:ext>
+                </a:extLst>
+              </a:tr>
+              <a:tr h="190644">
+                <a:tc>
+                  <a:txBody>
+                    <a:bodyPr/>
+                    <a:lstStyle/>
+                    <a:p>
+                      <a:pPr algn="l" fontAlgn="b"/>
+                      <a:r>
+                        <a:rPr lang="en-US" sz="700" b="0" i="0" u="none" strike="noStrike">
+                          <a:solidFill>
+                            <a:srgbClr val="000000"/>
+                          </a:solidFill>
+                          <a:effectLst/>
+                          <a:latin typeface="Arial" panose="020B0604020202020204" pitchFamily="34" charset="0"/>
+                        </a:rPr>
+                        <a:t>how_long_it_took_to_order</a:t>
+                      </a:r>
+                    </a:p>
+                  </a:txBody>
+                  <a:tcPr marL="5665" marR="5665" marT="5665" marB="0" anchor="ctr"/>
+                </a:tc>
+                <a:tc>
+                  <a:txBody>
+                    <a:bodyPr/>
+                    <a:lstStyle/>
+                    <a:p>
+                      <a:pPr algn="l" fontAlgn="b"/>
+                      <a:r>
+                        <a:rPr lang="en-US" sz="700" b="0" i="0" u="none" strike="noStrike">
+                          <a:solidFill>
+                            <a:srgbClr val="000000"/>
+                          </a:solidFill>
+                          <a:effectLst/>
+                          <a:latin typeface="Arial" panose="020B0604020202020204" pitchFamily="34" charset="0"/>
+                        </a:rPr>
+                        <a:t>0:06:45</a:t>
+                      </a:r>
+                    </a:p>
+                  </a:txBody>
+                  <a:tcPr marL="9525" marR="9525" marT="9525" marB="0" anchor="ctr"/>
+                </a:tc>
+                <a:extLst>
+                  <a:ext uri="{0D108BD9-81ED-4DB2-BD59-A6C34878D82A}">
+                    <a16:rowId xmlns:a16="http://schemas.microsoft.com/office/drawing/2014/main" val="536241634"/>
+                  </a:ext>
+                </a:extLst>
+              </a:tr>
+              <a:tr h="190644">
+                <a:tc>
+                  <a:txBody>
+                    <a:bodyPr/>
+                    <a:lstStyle/>
+                    <a:p>
+                      <a:pPr algn="l" fontAlgn="b"/>
+                      <a:r>
+                        <a:rPr lang="en-US" sz="700" b="0" i="0" u="none" strike="noStrike">
+                          <a:solidFill>
+                            <a:srgbClr val="000000"/>
+                          </a:solidFill>
+                          <a:effectLst/>
+                          <a:latin typeface="Arial" panose="020B0604020202020204" pitchFamily="34" charset="0"/>
+                        </a:rPr>
+                        <a:t>pickup_lat</a:t>
+                      </a:r>
+                    </a:p>
+                  </a:txBody>
+                  <a:tcPr marL="5665" marR="5665" marT="5665" marB="0" anchor="ctr"/>
+                </a:tc>
+                <a:tc>
+                  <a:txBody>
+                    <a:bodyPr/>
+                    <a:lstStyle/>
+                    <a:p>
+                      <a:pPr algn="l" fontAlgn="b"/>
+                      <a:r>
+                        <a:rPr lang="en-US" sz="700" b="0" i="0" u="none" strike="noStrike">
+                          <a:solidFill>
+                            <a:srgbClr val="000000"/>
+                          </a:solidFill>
+                          <a:effectLst/>
+                          <a:latin typeface="Arial" panose="020B0604020202020204" pitchFamily="34" charset="0"/>
+                        </a:rPr>
+                        <a:t>40.7285</a:t>
+                      </a:r>
+                    </a:p>
+                  </a:txBody>
+                  <a:tcPr marL="5665" marR="5665" marT="5665" marB="0" anchor="ctr"/>
+                </a:tc>
+                <a:extLst>
+                  <a:ext uri="{0D108BD9-81ED-4DB2-BD59-A6C34878D82A}">
+                    <a16:rowId xmlns:a16="http://schemas.microsoft.com/office/drawing/2014/main" val="3798466228"/>
+                  </a:ext>
+                </a:extLst>
+              </a:tr>
+              <a:tr h="190644">
+                <a:tc>
+                  <a:txBody>
+                    <a:bodyPr/>
+                    <a:lstStyle/>
+                    <a:p>
+                      <a:pPr algn="l" fontAlgn="b"/>
+                      <a:r>
+                        <a:rPr lang="en-US" sz="700" b="0" i="0" u="none" strike="noStrike">
+                          <a:solidFill>
+                            <a:srgbClr val="000000"/>
+                          </a:solidFill>
+                          <a:effectLst/>
+                          <a:latin typeface="Arial" panose="020B0604020202020204" pitchFamily="34" charset="0"/>
+                        </a:rPr>
+                        <a:t>pickup_lon</a:t>
+                      </a:r>
+                    </a:p>
+                  </a:txBody>
+                  <a:tcPr marL="5665" marR="5665" marT="5665" marB="0" anchor="ctr"/>
+                </a:tc>
+                <a:tc>
+                  <a:txBody>
+                    <a:bodyPr/>
+                    <a:lstStyle/>
+                    <a:p>
+                      <a:pPr algn="l" fontAlgn="b"/>
+                      <a:r>
+                        <a:rPr lang="en-US" sz="700" b="0" i="0" u="none" strike="noStrike">
+                          <a:solidFill>
+                            <a:srgbClr val="000000"/>
+                          </a:solidFill>
+                          <a:effectLst/>
+                          <a:latin typeface="Arial" panose="020B0604020202020204" pitchFamily="34" charset="0"/>
+                        </a:rPr>
+                        <a:t>-73.9984</a:t>
+                      </a:r>
+                    </a:p>
+                  </a:txBody>
+                  <a:tcPr marL="5665" marR="5665" marT="5665" marB="0" anchor="ctr"/>
+                </a:tc>
+                <a:extLst>
+                  <a:ext uri="{0D108BD9-81ED-4DB2-BD59-A6C34878D82A}">
+                    <a16:rowId xmlns:a16="http://schemas.microsoft.com/office/drawing/2014/main" val="1683948745"/>
+                  </a:ext>
+                </a:extLst>
+              </a:tr>
+              <a:tr h="190644">
+                <a:tc>
+                  <a:txBody>
+                    <a:bodyPr/>
+                    <a:lstStyle/>
+                    <a:p>
+                      <a:pPr algn="l" fontAlgn="b"/>
+                      <a:r>
+                        <a:rPr lang="en-US" sz="700" b="0" i="0" u="none" strike="noStrike">
+                          <a:solidFill>
+                            <a:srgbClr val="000000"/>
+                          </a:solidFill>
+                          <a:effectLst/>
+                          <a:latin typeface="Arial" panose="020B0604020202020204" pitchFamily="34" charset="0"/>
+                        </a:rPr>
+                        <a:t>dropoff_lat</a:t>
+                      </a:r>
+                    </a:p>
+                  </a:txBody>
+                  <a:tcPr marL="5665" marR="5665" marT="5665" marB="0" anchor="ctr"/>
+                </a:tc>
+                <a:tc>
+                  <a:txBody>
+                    <a:bodyPr/>
+                    <a:lstStyle/>
+                    <a:p>
+                      <a:pPr algn="l" fontAlgn="b"/>
+                      <a:r>
+                        <a:rPr lang="en-US" sz="700" b="0" i="0" u="none" strike="noStrike">
+                          <a:solidFill>
+                            <a:srgbClr val="000000"/>
+                          </a:solidFill>
+                          <a:effectLst/>
+                          <a:latin typeface="Arial" panose="020B0604020202020204" pitchFamily="34" charset="0"/>
+                        </a:rPr>
+                        <a:t>40.7286</a:t>
+                      </a:r>
+                    </a:p>
+                  </a:txBody>
+                  <a:tcPr marL="5665" marR="5665" marT="5665" marB="0" anchor="ctr"/>
+                </a:tc>
+                <a:extLst>
+                  <a:ext uri="{0D108BD9-81ED-4DB2-BD59-A6C34878D82A}">
+                    <a16:rowId xmlns:a16="http://schemas.microsoft.com/office/drawing/2014/main" val="568431819"/>
+                  </a:ext>
+                </a:extLst>
+              </a:tr>
+              <a:tr h="190644">
+                <a:tc>
+                  <a:txBody>
+                    <a:bodyPr/>
+                    <a:lstStyle/>
+                    <a:p>
+                      <a:pPr algn="l" fontAlgn="b"/>
+                      <a:r>
+                        <a:rPr lang="en-US" sz="700" b="0" i="0" u="none" strike="noStrike">
+                          <a:solidFill>
+                            <a:srgbClr val="000000"/>
+                          </a:solidFill>
+                          <a:effectLst/>
+                          <a:latin typeface="Arial" panose="020B0604020202020204" pitchFamily="34" charset="0"/>
+                        </a:rPr>
+                        <a:t>dropoff_lon</a:t>
+                      </a:r>
+                    </a:p>
+                  </a:txBody>
+                  <a:tcPr marL="5665" marR="5665" marT="5665" marB="0" anchor="ctr"/>
+                </a:tc>
+                <a:tc>
+                  <a:txBody>
+                    <a:bodyPr/>
+                    <a:lstStyle/>
+                    <a:p>
+                      <a:pPr algn="l" fontAlgn="b"/>
+                      <a:r>
+                        <a:rPr lang="en-US" sz="700" b="0" i="0" u="none" strike="noStrike">
+                          <a:solidFill>
+                            <a:srgbClr val="000000"/>
+                          </a:solidFill>
+                          <a:effectLst/>
+                          <a:latin typeface="Arial" panose="020B0604020202020204" pitchFamily="34" charset="0"/>
+                        </a:rPr>
+                        <a:t>-73.9951</a:t>
+                      </a:r>
+                    </a:p>
+                  </a:txBody>
+                  <a:tcPr marL="5665" marR="5665" marT="5665" marB="0" anchor="ctr"/>
+                </a:tc>
+                <a:extLst>
+                  <a:ext uri="{0D108BD9-81ED-4DB2-BD59-A6C34878D82A}">
+                    <a16:rowId xmlns:a16="http://schemas.microsoft.com/office/drawing/2014/main" val="2841978685"/>
+                  </a:ext>
+                </a:extLst>
+              </a:tr>
+              <a:tr h="190644">
+                <a:tc>
+                  <a:txBody>
+                    <a:bodyPr/>
+                    <a:lstStyle/>
+                    <a:p>
+                      <a:pPr algn="l" fontAlgn="b"/>
+                      <a:r>
+                        <a:rPr lang="en-US" sz="700" b="0" i="0" u="none" strike="noStrike">
+                          <a:solidFill>
+                            <a:srgbClr val="000000"/>
+                          </a:solidFill>
+                          <a:effectLst/>
+                          <a:latin typeface="Arial" panose="020B0604020202020204" pitchFamily="34" charset="0"/>
+                        </a:rPr>
+                        <a:t>when_the_delivery_started</a:t>
+                      </a:r>
+                    </a:p>
+                  </a:txBody>
+                  <a:tcPr marL="5665" marR="5665" marT="5665" marB="0" anchor="ctr"/>
+                </a:tc>
+                <a:tc>
+                  <a:txBody>
+                    <a:bodyPr/>
+                    <a:lstStyle/>
+                    <a:p>
+                      <a:pPr algn="l" fontAlgn="b"/>
+                      <a:r>
+                        <a:rPr lang="en-US" sz="700" b="0" i="0" u="none" strike="noStrike">
+                          <a:solidFill>
+                            <a:srgbClr val="000000"/>
+                          </a:solidFill>
+                          <a:effectLst/>
+                          <a:latin typeface="Arial" panose="020B0604020202020204" pitchFamily="34" charset="0"/>
+                        </a:rPr>
+                        <a:t>10/28/14 21:39</a:t>
+                      </a:r>
+                    </a:p>
+                  </a:txBody>
+                  <a:tcPr marL="5665" marR="5665" marT="5665" marB="0" anchor="ctr"/>
+                </a:tc>
+                <a:extLst>
+                  <a:ext uri="{0D108BD9-81ED-4DB2-BD59-A6C34878D82A}">
+                    <a16:rowId xmlns:a16="http://schemas.microsoft.com/office/drawing/2014/main" val="4158170500"/>
+                  </a:ext>
+                </a:extLst>
+              </a:tr>
+              <a:tr h="190644">
+                <a:tc>
+                  <a:txBody>
+                    <a:bodyPr/>
+                    <a:lstStyle/>
+                    <a:p>
+                      <a:pPr algn="l" fontAlgn="b"/>
+                      <a:r>
+                        <a:rPr lang="en-US" sz="700" b="0" i="0" u="none" strike="noStrike">
+                          <a:solidFill>
+                            <a:srgbClr val="000000"/>
+                          </a:solidFill>
+                          <a:effectLst/>
+                          <a:latin typeface="Arial" panose="020B0604020202020204" pitchFamily="34" charset="0"/>
+                        </a:rPr>
+                        <a:t>when_the_Jumpman_arrived_at_pickup</a:t>
+                      </a:r>
+                    </a:p>
+                  </a:txBody>
+                  <a:tcPr marL="5665" marR="5665" marT="5665" marB="0" anchor="ctr"/>
+                </a:tc>
+                <a:tc>
+                  <a:txBody>
+                    <a:bodyPr/>
+                    <a:lstStyle/>
+                    <a:p>
+                      <a:pPr algn="l" fontAlgn="b"/>
+                      <a:r>
+                        <a:rPr lang="en-US" sz="700" b="0" i="0" u="none" strike="noStrike">
+                          <a:solidFill>
+                            <a:srgbClr val="000000"/>
+                          </a:solidFill>
+                          <a:effectLst/>
+                          <a:latin typeface="Arial" panose="020B0604020202020204" pitchFamily="34" charset="0"/>
+                        </a:rPr>
+                        <a:t>10/28/14 21:37</a:t>
+                      </a:r>
+                    </a:p>
+                  </a:txBody>
+                  <a:tcPr marL="5665" marR="5665" marT="5665" marB="0" anchor="ctr"/>
+                </a:tc>
+                <a:extLst>
+                  <a:ext uri="{0D108BD9-81ED-4DB2-BD59-A6C34878D82A}">
+                    <a16:rowId xmlns:a16="http://schemas.microsoft.com/office/drawing/2014/main" val="2140023924"/>
+                  </a:ext>
+                </a:extLst>
+              </a:tr>
+              <a:tr h="190644">
+                <a:tc>
+                  <a:txBody>
+                    <a:bodyPr/>
+                    <a:lstStyle/>
+                    <a:p>
+                      <a:pPr algn="l" fontAlgn="b"/>
+                      <a:r>
+                        <a:rPr lang="en-US" sz="700" b="0" i="0" u="none" strike="noStrike">
+                          <a:solidFill>
+                            <a:srgbClr val="000000"/>
+                          </a:solidFill>
+                          <a:effectLst/>
+                          <a:latin typeface="Arial" panose="020B0604020202020204" pitchFamily="34" charset="0"/>
+                        </a:rPr>
+                        <a:t>when_the_Jumpman_left_pickup</a:t>
+                      </a:r>
+                    </a:p>
+                  </a:txBody>
+                  <a:tcPr marL="5665" marR="5665" marT="5665" marB="0" anchor="ctr"/>
+                </a:tc>
+                <a:tc>
+                  <a:txBody>
+                    <a:bodyPr/>
+                    <a:lstStyle/>
+                    <a:p>
+                      <a:pPr algn="l" fontAlgn="b"/>
+                      <a:r>
+                        <a:rPr lang="en-US" sz="700" b="0" i="0" u="none" strike="noStrike">
+                          <a:solidFill>
+                            <a:srgbClr val="000000"/>
+                          </a:solidFill>
+                          <a:effectLst/>
+                          <a:latin typeface="Arial" panose="020B0604020202020204" pitchFamily="34" charset="0"/>
+                        </a:rPr>
+                        <a:t>10/28/14 21:59</a:t>
+                      </a:r>
+                    </a:p>
+                  </a:txBody>
+                  <a:tcPr marL="5665" marR="5665" marT="5665" marB="0" anchor="ctr"/>
+                </a:tc>
+                <a:extLst>
+                  <a:ext uri="{0D108BD9-81ED-4DB2-BD59-A6C34878D82A}">
+                    <a16:rowId xmlns:a16="http://schemas.microsoft.com/office/drawing/2014/main" val="1935126913"/>
+                  </a:ext>
+                </a:extLst>
+              </a:tr>
+              <a:tr h="190644">
+                <a:tc>
+                  <a:txBody>
+                    <a:bodyPr/>
+                    <a:lstStyle/>
+                    <a:p>
+                      <a:pPr algn="l" fontAlgn="b"/>
+                      <a:r>
+                        <a:rPr lang="en-US" sz="700" b="0" i="0" u="none" strike="noStrike" err="1">
+                          <a:solidFill>
+                            <a:srgbClr val="000000"/>
+                          </a:solidFill>
+                          <a:effectLst/>
+                          <a:latin typeface="Arial" panose="020B0604020202020204" pitchFamily="34" charset="0"/>
+                        </a:rPr>
+                        <a:t>when_the_Jumpman_arrived_at_dropoff</a:t>
+                      </a:r>
+                      <a:endParaRPr lang="en-US" sz="700" b="0" i="0" u="none" strike="noStrike">
+                        <a:solidFill>
+                          <a:srgbClr val="000000"/>
+                        </a:solidFill>
+                        <a:effectLst/>
+                        <a:latin typeface="Arial" panose="020B0604020202020204" pitchFamily="34" charset="0"/>
+                      </a:endParaRPr>
+                    </a:p>
+                  </a:txBody>
+                  <a:tcPr marL="5665" marR="5665" marT="5665" marB="0" anchor="ctr"/>
+                </a:tc>
+                <a:tc>
+                  <a:txBody>
+                    <a:bodyPr/>
+                    <a:lstStyle/>
+                    <a:p>
+                      <a:pPr algn="l" fontAlgn="b"/>
+                      <a:r>
+                        <a:rPr lang="en-US" sz="700" b="0" i="0" u="none" strike="noStrike">
+                          <a:solidFill>
+                            <a:srgbClr val="000000"/>
+                          </a:solidFill>
+                          <a:effectLst/>
+                          <a:latin typeface="Arial" panose="020B0604020202020204" pitchFamily="34" charset="0"/>
+                        </a:rPr>
+                        <a:t>10/28/14 22:04</a:t>
+                      </a:r>
+                    </a:p>
+                  </a:txBody>
+                  <a:tcPr marL="5665" marR="5665" marT="5665" marB="0" anchor="ctr"/>
+                </a:tc>
+                <a:extLst>
+                  <a:ext uri="{0D108BD9-81ED-4DB2-BD59-A6C34878D82A}">
+                    <a16:rowId xmlns:a16="http://schemas.microsoft.com/office/drawing/2014/main" val="3447613622"/>
+                  </a:ext>
+                </a:extLst>
+              </a:tr>
+            </a:tbl>
+          </a:graphicData>
+        </a:graphic>
+      </p:graphicFrame>
+    </p:spTree>
+    <p:extLst>
+      <p:ext uri="{BB962C8B-B14F-4D97-AF65-F5344CB8AC3E}">
+        <p14:creationId xmlns:p14="http://schemas.microsoft.com/office/powerpoint/2010/main" val="1465185019"/>
+      </p:ext>
+    </p:extLst>
+  </p:cSld>
+  <p:clrMapOvr>
+    <a:masterClrMapping/>
+  </p:clrMapOvr>
+</p:sld>
+</file>
+
+<file path=ppt/slides/slide19.xml><?xml version="1.0" encoding="utf-8"?>
+<p:sld xmlns:a="http://schemas.openxmlformats.org/drawingml/2006/main" xmlns:r="http://schemas.openxmlformats.org/officeDocument/2006/relationships" xmlns:p="http://schemas.openxmlformats.org/presentationml/2006/main" show="0">
+  <p:cSld>
+    <p:spTree>
+      <p:nvGrpSpPr>
+        <p:cNvPr id="1" name=""/>
+        <p:cNvGrpSpPr/>
+        <p:nvPr/>
+      </p:nvGrpSpPr>
+      <p:grpSpPr>
+        <a:xfrm>
+          <a:off x="0" y="0"/>
+          <a:ext cx="0" cy="0"/>
+          <a:chOff x="0" y="0"/>
+          <a:chExt cx="0" cy="0"/>
+        </a:xfrm>
+      </p:grpSpPr>
+      <p:sp>
+        <p:nvSpPr>
+          <p:cNvPr id="2" name="Title 1">
+            <a:extLst>
+              <a:ext uri="{FF2B5EF4-FFF2-40B4-BE49-F238E27FC236}">
+                <a16:creationId xmlns:a16="http://schemas.microsoft.com/office/drawing/2014/main" id="{58076ACC-7505-724F-91E0-B41997995499}"/>
+              </a:ext>
+            </a:extLst>
+          </p:cNvPr>
+          <p:cNvSpPr>
+            <a:spLocks noGrp="1"/>
+          </p:cNvSpPr>
+          <p:nvPr>
+            <p:ph type="title"/>
+          </p:nvPr>
+        </p:nvSpPr>
+        <p:spPr/>
+        <p:txBody>
+          <a:bodyPr/>
+          <a:lstStyle/>
+          <a:p>
+            <a:endParaRPr lang="en-US"/>
+          </a:p>
+        </p:txBody>
+      </p:sp>
+      <p:sp>
+        <p:nvSpPr>
+          <p:cNvPr id="3" name="Content Placeholder 2">
+            <a:extLst>
+              <a:ext uri="{FF2B5EF4-FFF2-40B4-BE49-F238E27FC236}">
+                <a16:creationId xmlns:a16="http://schemas.microsoft.com/office/drawing/2014/main" id="{BE5AEBFC-092D-5B4E-A7CC-8E373416AC05}"/>
+              </a:ext>
+            </a:extLst>
+          </p:cNvPr>
+          <p:cNvSpPr>
+            <a:spLocks noGrp="1"/>
+          </p:cNvSpPr>
+          <p:nvPr>
+            <p:ph idx="1"/>
+          </p:nvPr>
+        </p:nvSpPr>
+        <p:spPr/>
+        <p:txBody>
+          <a:bodyPr/>
+          <a:lstStyle/>
+          <a:p>
+            <a:endParaRPr lang="en-US"/>
+          </a:p>
+        </p:txBody>
+      </p:sp>
+      <p:pic>
+        <p:nvPicPr>
+          <p:cNvPr id="4" name="slide2" descr="Deliveries">
+            <a:extLst>
+              <a:ext uri="{FF2B5EF4-FFF2-40B4-BE49-F238E27FC236}">
+                <a16:creationId xmlns:a16="http://schemas.microsoft.com/office/drawing/2014/main" id="{18A6A2F8-E546-114A-B38C-AF383C84C856}"/>
+              </a:ext>
+            </a:extLst>
+          </p:cNvPr>
+          <p:cNvPicPr>
+            <a:picLocks noChangeAspect="1"/>
+          </p:cNvPicPr>
+          <p:nvPr/>
+        </p:nvPicPr>
+        <p:blipFill>
+          <a:blip r:embed="rId2">
+            <a:extLst>
+              <a:ext uri="{28A0092B-C50C-407E-A947-70E740481C1C}">
+                <a14:useLocalDpi xmlns:a14="http://schemas.microsoft.com/office/drawing/2010/main" val="0"/>
+              </a:ext>
+            </a:extLst>
+          </a:blip>
+          <a:stretch>
+            <a:fillRect/>
+          </a:stretch>
+        </p:blipFill>
+        <p:spPr>
+          <a:xfrm>
+            <a:off x="4469845" y="2138162"/>
+            <a:ext cx="3252309" cy="3726264"/>
+          </a:xfrm>
+          <a:prstGeom prst="rect">
+            <a:avLst/>
+          </a:prstGeom>
+        </p:spPr>
+      </p:pic>
+    </p:spTree>
+    <p:extLst>
+      <p:ext uri="{BB962C8B-B14F-4D97-AF65-F5344CB8AC3E}">
+        <p14:creationId xmlns:p14="http://schemas.microsoft.com/office/powerpoint/2010/main" val="181376388"/>
       </p:ext>
     </p:extLst>
   </p:cSld>
@@ -14489,7 +16088,7 @@
 </file>
 
 <file path=ppt/slides/slide20.xml><?xml version="1.0" encoding="utf-8"?>
-<p:sld xmlns:a="http://schemas.openxmlformats.org/drawingml/2006/main" xmlns:r="http://schemas.openxmlformats.org/officeDocument/2006/relationships" xmlns:p="http://schemas.openxmlformats.org/presentationml/2006/main">
+<p:sld xmlns:a="http://schemas.openxmlformats.org/drawingml/2006/main" xmlns:r="http://schemas.openxmlformats.org/officeDocument/2006/relationships" xmlns:p="http://schemas.openxmlformats.org/presentationml/2006/main" show="0">
   <p:cSld>
     <p:spTree>
       <p:nvGrpSpPr>
@@ -14510,7 +16109,7 @@
           <p:cNvPr id="2" name="Title 1">
             <a:extLst>
               <a:ext uri="{FF2B5EF4-FFF2-40B4-BE49-F238E27FC236}">
-                <a16:creationId xmlns:a16="http://schemas.microsoft.com/office/drawing/2014/main" id="{8738DA99-C362-584A-B5CC-2CDA40E3F694}"/>
+                <a16:creationId xmlns:a16="http://schemas.microsoft.com/office/drawing/2014/main" id="{38C51B99-3936-8F44-9378-5AAC7ED95A7C}"/>
               </a:ext>
             </a:extLst>
           </p:cNvPr>
@@ -14527,84 +16126,47 @@
           <a:lstStyle/>
           <a:p>
             <a:r>
-              <a:rPr lang="en-US"/>
-              <a:t>07 Appendix</a:t>
+              <a:rPr lang="en-US" dirty="0"/>
+              <a:t>Jumpmen misc.</a:t>
             </a:r>
           </a:p>
         </p:txBody>
       </p:sp>
-      <p:sp>
-        <p:nvSpPr>
-          <p:cNvPr id="3" name="Content Placeholder 2">
+      <p:graphicFrame>
+        <p:nvGraphicFramePr>
+          <p:cNvPr id="4" name="Content Placeholder 6">
             <a:extLst>
               <a:ext uri="{FF2B5EF4-FFF2-40B4-BE49-F238E27FC236}">
-                <a16:creationId xmlns:a16="http://schemas.microsoft.com/office/drawing/2014/main" id="{A1D82CB1-4D3C-C84E-BC17-72AC1020EB2E}"/>
+                <a16:creationId xmlns:a16="http://schemas.microsoft.com/office/drawing/2014/main" id="{51A4EE9E-CF8F-F840-A1AA-CBEEDF29CCD8}"/>
               </a:ext>
             </a:extLst>
           </p:cNvPr>
-          <p:cNvSpPr>
-            <a:spLocks noGrp="1"/>
-          </p:cNvSpPr>
+          <p:cNvGraphicFramePr>
+            <a:graphicFrameLocks noGrp="1"/>
+          </p:cNvGraphicFramePr>
           <p:nvPr>
             <p:ph idx="1"/>
+            <p:extLst>
+              <p:ext uri="{D42A27DB-BD31-4B8C-83A1-F6EECF244321}">
+                <p14:modId xmlns:p14="http://schemas.microsoft.com/office/powerpoint/2010/main" val="696542645"/>
+              </p:ext>
+            </p:extLst>
           </p:nvPr>
-        </p:nvSpPr>
-        <p:spPr/>
-        <p:txBody>
-          <a:bodyPr/>
-          <a:lstStyle/>
-          <a:p>
-            <a:r>
-              <a:rPr lang="en-US"/>
-              <a:t>Links to Analysis</a:t>
-            </a:r>
-          </a:p>
-          <a:p>
-            <a:r>
-              <a:rPr lang="en-US"/>
-              <a:t>Thank you for the opportunity, I can be reached at </a:t>
-            </a:r>
-          </a:p>
-          <a:p>
-            <a:pPr lvl="1"/>
-            <a:r>
-              <a:rPr lang="en-US">
-                <a:hlinkClick r:id="rId2"/>
-              </a:rPr>
-              <a:t>stephenstark@uchicago.edu</a:t>
-            </a:r>
-            <a:endParaRPr lang="en-US"/>
-          </a:p>
-          <a:p>
-            <a:pPr lvl="1"/>
-            <a:r>
-              <a:rPr lang="en-US"/>
-              <a:t>Stephen stark </a:t>
-            </a:r>
-            <a:r>
-              <a:rPr lang="en-US" err="1"/>
-              <a:t>linkedin</a:t>
-            </a:r>
-            <a:endParaRPr lang="en-US"/>
-          </a:p>
-          <a:p>
-            <a:pPr lvl="1"/>
-            <a:r>
-              <a:rPr lang="en-US"/>
-              <a:t>Stephen stark </a:t>
-            </a:r>
-            <a:r>
-              <a:rPr lang="en-US" err="1"/>
-              <a:t>github</a:t>
-            </a:r>
-            <a:endParaRPr lang="en-US"/>
-          </a:p>
-        </p:txBody>
-      </p:sp>
+        </p:nvGraphicFramePr>
+        <p:xfrm>
+          <a:off x="838200" y="1825625"/>
+          <a:ext cx="10515600" cy="4351338"/>
+        </p:xfrm>
+        <a:graphic>
+          <a:graphicData uri="http://schemas.openxmlformats.org/drawingml/2006/chart">
+            <c:chart xmlns:c="http://schemas.openxmlformats.org/drawingml/2006/chart" xmlns:r="http://schemas.openxmlformats.org/officeDocument/2006/relationships" r:id="rId2"/>
+          </a:graphicData>
+        </a:graphic>
+      </p:graphicFrame>
     </p:spTree>
     <p:extLst>
       <p:ext uri="{BB962C8B-B14F-4D97-AF65-F5344CB8AC3E}">
-        <p14:creationId xmlns:p14="http://schemas.microsoft.com/office/powerpoint/2010/main" val="4243127914"/>
+        <p14:creationId xmlns:p14="http://schemas.microsoft.com/office/powerpoint/2010/main" val="3841840666"/>
       </p:ext>
     </p:extLst>
   </p:cSld>
@@ -14754,67 +16316,19 @@
             </a:r>
             <a:r>
               <a:rPr lang="en-US" sz="1600" dirty="0"/>
-              <a:t>TARGETED </a:t>
-            </a:r>
-            <a:r>
-              <a:rPr lang="en-US" sz="1600" dirty="0">
-                <a:solidFill>
-                  <a:srgbClr val="FF0000"/>
-                </a:solidFill>
-              </a:rPr>
-              <a:t>CAMPAIGN</a:t>
-            </a:r>
+              <a:t>TARGETED CAMPAIGN TO SPECIFIC ZIP CODES</a:t>
+            </a:r>
+          </a:p>
+          <a:p>
             <a:r>
               <a:rPr lang="en-US" sz="1600" dirty="0"/>
-              <a:t> TO SPECIFIC ZIP CODES</a:t>
+              <a:t>[11226, 10025, 11211]: have the lowest market penetration rate, currently reaching 60 of the 290K potential customers</a:t>
             </a:r>
           </a:p>
           <a:p>
             <a:r>
               <a:rPr lang="en-US" sz="1600" dirty="0"/>
-              <a:t>[11226, 10025, 11211]: </a:t>
-            </a:r>
-            <a:r>
-              <a:rPr lang="en-US" sz="1600" dirty="0">
-                <a:solidFill>
-                  <a:srgbClr val="FF0000"/>
-                </a:solidFill>
-              </a:rPr>
-              <a:t>have the lowest market penetration rate, </a:t>
-            </a:r>
-            <a:r>
-              <a:rPr lang="en-US" sz="1600" dirty="0"/>
-              <a:t>currently reaching 60 of the 290K potential customers</a:t>
-            </a:r>
-          </a:p>
-          <a:p>
-            <a:r>
-              <a:rPr lang="en-US" sz="1600" dirty="0"/>
-              <a:t>[10282,10007,10069]: </a:t>
-            </a:r>
-            <a:r>
-              <a:rPr lang="en-US" sz="1600" dirty="0">
-                <a:solidFill>
-                  <a:srgbClr val="FF0000"/>
-                </a:solidFill>
-              </a:rPr>
-              <a:t>have the highest </a:t>
-            </a:r>
-            <a:r>
-              <a:rPr lang="en-US" sz="1600" dirty="0"/>
-              <a:t>average household median income $200K+ </a:t>
-            </a:r>
-            <a:r>
-              <a:rPr lang="en-US" sz="1600" dirty="0">
-                <a:solidFill>
-                  <a:srgbClr val="FF0000"/>
-                </a:solidFill>
-              </a:rPr>
-              <a:t>and a low market penetration r</a:t>
-            </a:r>
-            <a:r>
-              <a:rPr lang="en-US" sz="1600" dirty="0"/>
-              <a:t>ate, currently reach 110 of the 17K market potential</a:t>
+              <a:t>[10282,10007,10069]: have the highest average household median income $200K+ and a low market penetration rate, currently reaching 110 of the 17K potential customers</a:t>
             </a:r>
           </a:p>
           <a:p>
@@ -14830,31 +16344,7 @@
             </a:r>
             <a:r>
               <a:rPr lang="en-US" sz="1600" dirty="0"/>
-              <a:t>Focus on Jumpmen and Customer engagement. </a:t>
-            </a:r>
-            <a:r>
-              <a:rPr lang="en-US" sz="1600" dirty="0">
-                <a:solidFill>
-                  <a:srgbClr val="FF0000"/>
-                </a:solidFill>
-              </a:rPr>
-              <a:t>Survey</a:t>
-            </a:r>
-            <a:r>
-              <a:rPr lang="en-US" sz="1600" dirty="0"/>
-              <a:t> the ones who use the service the most to </a:t>
-            </a:r>
-            <a:r>
-              <a:rPr lang="en-US" sz="1600" dirty="0">
-                <a:solidFill>
-                  <a:srgbClr val="FF0000"/>
-                </a:solidFill>
-              </a:rPr>
-              <a:t>to gather feedback on their </a:t>
-            </a:r>
-            <a:r>
-              <a:rPr lang="en-US" sz="1600" dirty="0"/>
-              <a:t>hurdles and challenges. Also engage with the customers who only used once and haven’t returned</a:t>
+              <a:t>Focus on Jumpmen and Customer engagement. Survey the ones who use the service the most to to gather feedback on their hurdles and challenges. Also engage with the customers who only used once and haven’t returned</a:t>
             </a:r>
           </a:p>
           <a:p>
@@ -14966,7 +16456,7 @@
         <p:spPr/>
         <p:txBody>
           <a:bodyPr>
-            <a:normAutofit fontScale="70000" lnSpcReduction="20000"/>
+            <a:normAutofit fontScale="47500" lnSpcReduction="20000"/>
           </a:bodyPr>
           <a:lstStyle/>
           <a:p>
@@ -14974,37 +16464,37 @@
               <a:buNone/>
             </a:pPr>
             <a:r>
-              <a:rPr lang="en-US" dirty="0"/>
+              <a:rPr lang="en-US" sz="4000" b="1" dirty="0"/>
               <a:t>Assumptions:</a:t>
             </a:r>
           </a:p>
           <a:p>
             <a:r>
-              <a:rPr lang="en-US" dirty="0"/>
+              <a:rPr lang="en-US" sz="4000" dirty="0"/>
               <a:t>Place category, item name, item quantity, category name were all replaced with “not disclosed”</a:t>
             </a:r>
           </a:p>
           <a:p>
             <a:r>
-              <a:rPr lang="en-US" dirty="0"/>
+              <a:rPr lang="en-US" sz="4000" dirty="0"/>
               <a:t>Estimated time to order using an average value for the dataset as my analysis did not show meaningful deviation by place category </a:t>
             </a:r>
           </a:p>
           <a:p>
             <a:r>
-              <a:rPr lang="en-US" dirty="0"/>
+              <a:rPr lang="en-US" sz="4000" dirty="0"/>
               <a:t>Dropped records that did not have Jumpman pickup arrival and departure times</a:t>
             </a:r>
           </a:p>
           <a:p>
             <a:r>
-              <a:rPr lang="en-US" dirty="0"/>
+              <a:rPr lang="en-US" sz="4000" dirty="0"/>
               <a:t>Multiple items from the same order were broken out into separate records. I decided to only keep one record per delivery id</a:t>
             </a:r>
           </a:p>
           <a:p>
             <a:r>
-              <a:rPr lang="en-US" dirty="0"/>
+              <a:rPr lang="en-US" sz="4000" dirty="0"/>
               <a:t>Excluded records with suspicious values. One record suggested a bicyclist traveled 100+ mph</a:t>
             </a:r>
           </a:p>
@@ -15210,15 +16700,51 @@
               <a:buNone/>
             </a:pPr>
             <a:r>
-              <a:rPr lang="en-US" dirty="0"/>
+              <a:rPr lang="en-US" sz="2600" dirty="0"/>
               <a:t>Methodology:</a:t>
             </a:r>
           </a:p>
           <a:p>
-            <a:r>
-              <a:rPr lang="en-US" dirty="0"/>
-              <a:t>XXX</a:t>
-            </a:r>
+            <a:pPr marL="514350" indent="-514350">
+              <a:buAutoNum type="arabicPeriod"/>
+            </a:pPr>
+            <a:r>
+              <a:rPr lang="en-US" sz="2600" dirty="0"/>
+              <a:t>Examine data integrity concerns</a:t>
+            </a:r>
+          </a:p>
+          <a:p>
+            <a:pPr marL="514350" indent="-514350">
+              <a:buAutoNum type="arabicPeriod"/>
+            </a:pPr>
+            <a:r>
+              <a:rPr lang="en-US" sz="2600" dirty="0"/>
+              <a:t>Exploratory data analysis</a:t>
+            </a:r>
+          </a:p>
+          <a:p>
+            <a:pPr marL="514350" indent="-514350">
+              <a:buAutoNum type="arabicPeriod"/>
+            </a:pPr>
+            <a:r>
+              <a:rPr lang="en-US" sz="2600" dirty="0"/>
+              <a:t>Feature engineering</a:t>
+            </a:r>
+          </a:p>
+          <a:p>
+            <a:pPr marL="514350" indent="-514350">
+              <a:buAutoNum type="arabicPeriod"/>
+            </a:pPr>
+            <a:r>
+              <a:rPr lang="en-US" sz="2600" dirty="0"/>
+              <a:t>Determine growth strategy</a:t>
+            </a:r>
+          </a:p>
+          <a:p>
+            <a:pPr marL="514350" indent="-514350">
+              <a:buAutoNum type="arabicPeriod"/>
+            </a:pPr>
+            <a:endParaRPr lang="en-US" sz="2600" dirty="0"/>
           </a:p>
         </p:txBody>
       </p:sp>
@@ -15445,12 +16971,196 @@
           </a:p>
         </p:txBody>
       </p:sp>
+      <p:sp>
+        <p:nvSpPr>
+          <p:cNvPr id="8" name="Content Placeholder 7">
+            <a:extLst>
+              <a:ext uri="{FF2B5EF4-FFF2-40B4-BE49-F238E27FC236}">
+                <a16:creationId xmlns:a16="http://schemas.microsoft.com/office/drawing/2014/main" id="{51D60E37-4447-0847-BCB8-8C365F0CF1CB}"/>
+              </a:ext>
+            </a:extLst>
+          </p:cNvPr>
+          <p:cNvSpPr>
+            <a:spLocks noGrp="1"/>
+          </p:cNvSpPr>
+          <p:nvPr>
+            <p:ph sz="half" idx="1"/>
+          </p:nvPr>
+        </p:nvSpPr>
+        <p:spPr/>
+        <p:txBody>
+          <a:bodyPr>
+            <a:normAutofit/>
+          </a:bodyPr>
+          <a:lstStyle/>
+          <a:p>
+            <a:pPr marL="0" indent="0">
+              <a:buNone/>
+            </a:pPr>
+            <a:r>
+              <a:rPr lang="en-US" sz="1400" b="1" dirty="0"/>
+              <a:t>Who are they?</a:t>
+            </a:r>
+          </a:p>
+          <a:p>
+            <a:pPr marL="0" indent="0">
+              <a:buNone/>
+            </a:pPr>
+            <a:r>
+              <a:rPr lang="en-US" sz="1400" dirty="0"/>
+              <a:t>Most popular order time is dinner (6PM – 8PM) followed by lunch</a:t>
+            </a:r>
+          </a:p>
+          <a:p>
+            <a:pPr marL="0" indent="0">
+              <a:buNone/>
+            </a:pPr>
+            <a:r>
+              <a:rPr lang="en-US" sz="1400" dirty="0"/>
+              <a:t>[10001, 10002, 10003, 10011, 10012] the five most frequented </a:t>
+            </a:r>
+            <a:r>
+              <a:rPr lang="en-US" sz="1400" dirty="0" err="1"/>
+              <a:t>dropoff</a:t>
+            </a:r>
+            <a:r>
+              <a:rPr lang="en-US" sz="1400" dirty="0"/>
+              <a:t> zip code location</a:t>
+            </a:r>
+          </a:p>
+          <a:p>
+            <a:pPr marL="0" indent="0">
+              <a:buNone/>
+            </a:pPr>
+            <a:r>
+              <a:rPr lang="en-US" sz="1400" dirty="0"/>
+              <a:t>These customers have an average median household income of $80K and an average population per zip code of 46K</a:t>
+            </a:r>
+          </a:p>
+          <a:p>
+            <a:pPr marL="0" indent="0">
+              <a:buNone/>
+            </a:pPr>
+            <a:r>
+              <a:rPr lang="en-US" sz="1400" dirty="0"/>
+              <a:t>Prefer to order from Italian, American, burger joints, Japanese, and dessert categories </a:t>
+            </a:r>
+          </a:p>
+          <a:p>
+            <a:pPr marL="0" indent="0">
+              <a:buNone/>
+            </a:pPr>
+            <a:endParaRPr lang="en-US" sz="1400" dirty="0"/>
+          </a:p>
+        </p:txBody>
+      </p:sp>
+      <p:sp>
+        <p:nvSpPr>
+          <p:cNvPr id="10" name="Content Placeholder 9">
+            <a:extLst>
+              <a:ext uri="{FF2B5EF4-FFF2-40B4-BE49-F238E27FC236}">
+                <a16:creationId xmlns:a16="http://schemas.microsoft.com/office/drawing/2014/main" id="{F6910CA8-34C1-3A4B-A6C1-94452995C4DE}"/>
+              </a:ext>
+            </a:extLst>
+          </p:cNvPr>
+          <p:cNvSpPr>
+            <a:spLocks noGrp="1"/>
+          </p:cNvSpPr>
+          <p:nvPr>
+            <p:ph sz="half" idx="2"/>
+          </p:nvPr>
+        </p:nvSpPr>
+        <p:spPr/>
+        <p:txBody>
+          <a:bodyPr>
+            <a:normAutofit/>
+          </a:bodyPr>
+          <a:lstStyle/>
+          <a:p>
+            <a:pPr marL="0" indent="0">
+              <a:buNone/>
+            </a:pPr>
+            <a:r>
+              <a:rPr lang="en-US" sz="1600" dirty="0"/>
+              <a:t>Loyalty</a:t>
+            </a:r>
+          </a:p>
+          <a:p>
+            <a:pPr marL="0" indent="0">
+              <a:buNone/>
+            </a:pPr>
+            <a:r>
+              <a:rPr lang="en-US" sz="1600" dirty="0"/>
+              <a:t>Most loyal customer, customer id #369272, ordered 23 times</a:t>
+            </a:r>
+          </a:p>
+          <a:p>
+            <a:pPr marL="0" indent="0">
+              <a:buNone/>
+            </a:pPr>
+            <a:r>
+              <a:rPr lang="en-US" sz="1600" dirty="0"/>
+              <a:t>Average order frequency per customer is 1.6</a:t>
+            </a:r>
+          </a:p>
+          <a:p>
+            <a:pPr marL="0" indent="0">
+              <a:buNone/>
+            </a:pPr>
+            <a:r>
+              <a:rPr lang="en-US" sz="1600" dirty="0"/>
+              <a:t>30% of customers ordered more than once</a:t>
+            </a:r>
+          </a:p>
+          <a:p>
+            <a:endParaRPr lang="en-US" sz="1600" dirty="0">
+              <a:solidFill>
+                <a:srgbClr val="FF0000"/>
+              </a:solidFill>
+            </a:endParaRPr>
+          </a:p>
+          <a:p>
+            <a:endParaRPr lang="en-US" sz="1600" dirty="0"/>
+          </a:p>
+          <a:p>
+            <a:endParaRPr lang="en-US" sz="1600" dirty="0"/>
+          </a:p>
+        </p:txBody>
+      </p:sp>
+      <p:graphicFrame>
+        <p:nvGraphicFramePr>
+          <p:cNvPr id="6" name="Chart 5">
+            <a:extLst>
+              <a:ext uri="{FF2B5EF4-FFF2-40B4-BE49-F238E27FC236}">
+                <a16:creationId xmlns:a16="http://schemas.microsoft.com/office/drawing/2014/main" id="{6913B4B3-C0B5-AD4A-A6DD-6DD670FFABEC}"/>
+              </a:ext>
+            </a:extLst>
+          </p:cNvPr>
+          <p:cNvGraphicFramePr/>
+          <p:nvPr>
+            <p:extLst>
+              <p:ext uri="{D42A27DB-BD31-4B8C-83A1-F6EECF244321}">
+                <p14:modId xmlns:p14="http://schemas.microsoft.com/office/powerpoint/2010/main" val="2319072148"/>
+              </p:ext>
+            </p:extLst>
+          </p:nvPr>
+        </p:nvGraphicFramePr>
+        <p:xfrm>
+          <a:off x="8939060" y="3924085"/>
+          <a:ext cx="2414740" cy="2387815"/>
+        </p:xfrm>
+        <a:graphic>
+          <a:graphicData uri="http://schemas.openxmlformats.org/drawingml/2006/chart">
+            <c:chart xmlns:c="http://schemas.openxmlformats.org/drawingml/2006/chart" xmlns:r="http://schemas.openxmlformats.org/officeDocument/2006/relationships" r:id="rId2"/>
+          </a:graphicData>
+        </a:graphic>
+      </p:graphicFrame>
       <p:pic>
         <p:nvPicPr>
-          <p:cNvPr id="4" name="slide2" descr="Deliveries">
+          <p:cNvPr id="7" name="Picture 6">
             <a:extLst>
               <a:ext uri="{FF2B5EF4-FFF2-40B4-BE49-F238E27FC236}">
-                <a16:creationId xmlns:a16="http://schemas.microsoft.com/office/drawing/2014/main" id="{DDD3D3BD-2829-9D4B-A1F1-0CB9B4FE7501}"/>
+                <a16:creationId xmlns:a16="http://schemas.microsoft.com/office/drawing/2014/main" id="{9DD48B3D-B43E-C346-905C-5090D406A944}"/>
               </a:ext>
             </a:extLst>
           </p:cNvPr>
@@ -15460,66 +17170,49 @@
           <p:nvPr/>
         </p:nvPicPr>
         <p:blipFill>
-          <a:blip r:embed="rId2">
-            <a:extLst>
-              <a:ext uri="{28A0092B-C50C-407E-A947-70E740481C1C}">
-                <a14:useLocalDpi xmlns:a14="http://schemas.microsoft.com/office/drawing/2010/main" val="0"/>
-              </a:ext>
-            </a:extLst>
-          </a:blip>
+          <a:blip r:embed="rId3"/>
           <a:stretch>
             <a:fillRect/>
           </a:stretch>
         </p:blipFill>
         <p:spPr>
           <a:xfrm>
-            <a:off x="6096000" y="1690688"/>
-            <a:ext cx="3910664" cy="4480560"/>
+            <a:off x="1334945" y="4119564"/>
+            <a:ext cx="3320928" cy="2373311"/>
           </a:xfrm>
           <a:prstGeom prst="rect">
             <a:avLst/>
           </a:prstGeom>
         </p:spPr>
       </p:pic>
-      <p:sp>
-        <p:nvSpPr>
-          <p:cNvPr id="5" name="TextBox 4">
+      <p:graphicFrame>
+        <p:nvGraphicFramePr>
+          <p:cNvPr id="15" name="Chart 14">
             <a:extLst>
               <a:ext uri="{FF2B5EF4-FFF2-40B4-BE49-F238E27FC236}">
-                <a16:creationId xmlns:a16="http://schemas.microsoft.com/office/drawing/2014/main" id="{8F0C48AC-47B4-9B46-A914-04444F607DE8}"/>
+                <a16:creationId xmlns:a16="http://schemas.microsoft.com/office/drawing/2014/main" id="{75E141CC-77D3-8748-8474-6284E4FE187D}"/>
               </a:ext>
             </a:extLst>
           </p:cNvPr>
-          <p:cNvSpPr txBox="1"/>
-          <p:nvPr/>
-        </p:nvSpPr>
-        <p:spPr>
-          <a:xfrm>
-            <a:off x="1018572" y="1840375"/>
-            <a:ext cx="4595150" cy="369332"/>
-          </a:xfrm>
-          <a:prstGeom prst="rect">
-            <a:avLst/>
-          </a:prstGeom>
-          <a:noFill/>
-        </p:spPr>
-        <p:txBody>
-          <a:bodyPr wrap="square" rtlCol="0">
-            <a:spAutoFit/>
-          </a:bodyPr>
-          <a:lstStyle/>
-          <a:p>
-            <a:r>
-              <a:rPr lang="en-US" dirty="0">
-                <a:solidFill>
-                  <a:srgbClr val="FF0000"/>
-                </a:solidFill>
-              </a:rPr>
-              <a:t>What are the key findings?</a:t>
-            </a:r>
-          </a:p>
-        </p:txBody>
-      </p:sp>
+          <p:cNvGraphicFramePr/>
+          <p:nvPr>
+            <p:extLst>
+              <p:ext uri="{D42A27DB-BD31-4B8C-83A1-F6EECF244321}">
+                <p14:modId xmlns:p14="http://schemas.microsoft.com/office/powerpoint/2010/main" val="905666192"/>
+              </p:ext>
+            </p:extLst>
+          </p:nvPr>
+        </p:nvGraphicFramePr>
+        <p:xfrm>
+          <a:off x="5992521" y="3966837"/>
+          <a:ext cx="2860423" cy="2098956"/>
+        </p:xfrm>
+        <a:graphic>
+          <a:graphicData uri="http://schemas.openxmlformats.org/drawingml/2006/chart">
+            <c:chart xmlns:c="http://schemas.openxmlformats.org/drawingml/2006/chart" xmlns:r="http://schemas.openxmlformats.org/officeDocument/2006/relationships" r:id="rId4"/>
+          </a:graphicData>
+        </a:graphic>
+      </p:graphicFrame>
     </p:spTree>
     <p:extLst>
       <p:ext uri="{BB962C8B-B14F-4D97-AF65-F5344CB8AC3E}">
@@ -15637,7 +17330,7 @@
             </a:pPr>
             <a:r>
               <a:rPr lang="en-US" sz="1200" dirty="0"/>
-              <a:t>Average wait time of 17 minutes</a:t>
+              <a:t>Average wait time of 17 minutes per business</a:t>
             </a:r>
           </a:p>
         </p:txBody>
@@ -15686,8 +17379,8 @@
         </p:nvGrpSpPr>
         <p:grpSpPr>
           <a:xfrm>
-            <a:off x="7613988" y="3328029"/>
-            <a:ext cx="2165746" cy="1814973"/>
+            <a:off x="7662440" y="3328030"/>
+            <a:ext cx="2874255" cy="1784884"/>
             <a:chOff x="-8969" y="4284987"/>
             <a:chExt cx="2727807" cy="2286000"/>
           </a:xfrm>
@@ -15776,8 +17469,8 @@
         </p:nvGrpSpPr>
         <p:grpSpPr>
           <a:xfrm>
-            <a:off x="7648398" y="5201214"/>
-            <a:ext cx="2131336" cy="1770105"/>
+            <a:off x="7833302" y="5201215"/>
+            <a:ext cx="2703394" cy="1656786"/>
             <a:chOff x="2861712" y="4284987"/>
             <a:chExt cx="2752512" cy="2286000"/>
           </a:xfrm>
@@ -15826,7 +17519,7 @@
           </p:nvSpPr>
           <p:spPr>
             <a:xfrm>
-              <a:off x="3477833" y="4704576"/>
+              <a:off x="4545756" y="5804887"/>
               <a:ext cx="838220" cy="278235"/>
             </a:xfrm>
             <a:prstGeom prst="rect">
@@ -15880,7 +17573,7 @@
         </p:blipFill>
         <p:spPr>
           <a:xfrm>
-            <a:off x="760148" y="3600898"/>
+            <a:off x="721569" y="3588235"/>
             <a:ext cx="358879" cy="358879"/>
           </a:xfrm>
           <a:prstGeom prst="rect">
@@ -15916,7 +17609,7 @@
         </p:blipFill>
         <p:spPr>
           <a:xfrm>
-            <a:off x="788184" y="5510710"/>
+            <a:off x="721568" y="5526112"/>
             <a:ext cx="358879" cy="358879"/>
           </a:xfrm>
           <a:prstGeom prst="rect">
@@ -15978,10 +17671,10 @@
         </p:nvGrpSpPr>
         <p:grpSpPr>
           <a:xfrm>
-            <a:off x="815050" y="1811410"/>
-            <a:ext cx="4646567" cy="1225909"/>
-            <a:chOff x="600885" y="1788038"/>
-            <a:chExt cx="4646567" cy="1225909"/>
+            <a:off x="785262" y="1811410"/>
+            <a:ext cx="4676355" cy="1225909"/>
+            <a:chOff x="571097" y="1788038"/>
+            <a:chExt cx="4676355" cy="1225909"/>
           </a:xfrm>
         </p:grpSpPr>
         <p:sp>
@@ -16052,7 +17745,7 @@
           </p:blipFill>
           <p:spPr>
             <a:xfrm>
-              <a:off x="600885" y="1861292"/>
+              <a:off x="571097" y="1859970"/>
               <a:ext cx="358879" cy="358879"/>
             </a:xfrm>
             <a:prstGeom prst="rect">
@@ -16245,7 +17938,7 @@
             </a:r>
             <a:r>
               <a:rPr lang="en-US" dirty="0"/>
-              <a:t> Understanding the Jumpman Journey</a:t>
+              <a:t> THE JUMPMAN JOURNEY</a:t>
             </a:r>
           </a:p>
         </p:txBody>
@@ -16570,7 +18263,7 @@
 </file>
 
 <file path=ppt/slides/slide9.xml><?xml version="1.0" encoding="utf-8"?>
-<p:sld xmlns:a="http://schemas.openxmlformats.org/drawingml/2006/main" xmlns:r="http://schemas.openxmlformats.org/officeDocument/2006/relationships" xmlns:p="http://schemas.openxmlformats.org/presentationml/2006/main" show="0">
+<p:sld xmlns:a="http://schemas.openxmlformats.org/drawingml/2006/main" xmlns:r="http://schemas.openxmlformats.org/officeDocument/2006/relationships" xmlns:p="http://schemas.openxmlformats.org/presentationml/2006/main">
   <p:cSld>
     <p:spTree>
       <p:nvGrpSpPr>
@@ -16591,7 +18284,7 @@
           <p:cNvPr id="2" name="Title 1">
             <a:extLst>
               <a:ext uri="{FF2B5EF4-FFF2-40B4-BE49-F238E27FC236}">
-                <a16:creationId xmlns:a16="http://schemas.microsoft.com/office/drawing/2014/main" id="{38C51B99-3936-8F44-9378-5AAC7ED95A7C}"/>
+                <a16:creationId xmlns:a16="http://schemas.microsoft.com/office/drawing/2014/main" id="{FB41548D-C3D9-F640-99CE-71F1CF5E7F96}"/>
               </a:ext>
             </a:extLst>
           </p:cNvPr>
@@ -16608,47 +18301,209 @@
           <a:lstStyle/>
           <a:p>
             <a:r>
-              <a:rPr lang="en-US" dirty="0"/>
-              <a:t>Jumpmen misc.</a:t>
+              <a:rPr lang="en-US" dirty="0">
+                <a:solidFill>
+                  <a:schemeClr val="tx1">
+                    <a:lumMod val="50000"/>
+                    <a:lumOff val="50000"/>
+                  </a:schemeClr>
+                </a:solidFill>
+              </a:rPr>
+              <a:t>3.3 </a:t>
+            </a:r>
+            <a:r>
+              <a:rPr lang="en-US" b="1" dirty="0"/>
+              <a:t>NEW MARKET ANALYSIS [BUSINESSES]</a:t>
             </a:r>
           </a:p>
         </p:txBody>
       </p:sp>
-      <p:graphicFrame>
-        <p:nvGraphicFramePr>
-          <p:cNvPr id="4" name="Content Placeholder 6">
+      <p:pic>
+        <p:nvPicPr>
+          <p:cNvPr id="4" name="slide2" descr="Pickup">
             <a:extLst>
               <a:ext uri="{FF2B5EF4-FFF2-40B4-BE49-F238E27FC236}">
-                <a16:creationId xmlns:a16="http://schemas.microsoft.com/office/drawing/2014/main" id="{51A4EE9E-CF8F-F840-A1AA-CBEEDF29CCD8}"/>
+                <a16:creationId xmlns:a16="http://schemas.microsoft.com/office/drawing/2014/main" id="{7F02E02E-6222-D147-98D0-687819BA61CF}"/>
               </a:ext>
             </a:extLst>
           </p:cNvPr>
-          <p:cNvGraphicFramePr>
-            <a:graphicFrameLocks noGrp="1"/>
-          </p:cNvGraphicFramePr>
-          <p:nvPr>
-            <p:ph idx="1"/>
-            <p:extLst>
-              <p:ext uri="{D42A27DB-BD31-4B8C-83A1-F6EECF244321}">
-                <p14:modId xmlns:p14="http://schemas.microsoft.com/office/powerpoint/2010/main" val="696542645"/>
-              </p:ext>
-            </p:extLst>
-          </p:nvPr>
-        </p:nvGraphicFramePr>
-        <p:xfrm>
-          <a:off x="838200" y="1825625"/>
-          <a:ext cx="10515600" cy="4351338"/>
-        </p:xfrm>
-        <a:graphic>
-          <a:graphicData uri="http://schemas.openxmlformats.org/drawingml/2006/chart">
-            <c:chart xmlns:c="http://schemas.openxmlformats.org/drawingml/2006/chart" xmlns:r="http://schemas.openxmlformats.org/officeDocument/2006/relationships" r:id="rId2"/>
-          </a:graphicData>
-        </a:graphic>
-      </p:graphicFrame>
+          <p:cNvPicPr>
+            <a:picLocks noChangeAspect="1"/>
+          </p:cNvPicPr>
+          <p:nvPr/>
+        </p:nvPicPr>
+        <p:blipFill rotWithShape="1">
+          <a:blip r:embed="rId3">
+            <a:extLst>
+              <a:ext uri="{28A0092B-C50C-407E-A947-70E740481C1C}">
+                <a14:useLocalDpi xmlns:a14="http://schemas.microsoft.com/office/drawing/2010/main" val="0"/>
+              </a:ext>
+            </a:extLst>
+          </a:blip>
+          <a:srcRect l="-1" r="42097"/>
+          <a:stretch/>
+        </p:blipFill>
+        <p:spPr>
+          <a:xfrm>
+            <a:off x="6539696" y="2779689"/>
+            <a:ext cx="3568228" cy="3567638"/>
+          </a:xfrm>
+          <a:prstGeom prst="rect">
+            <a:avLst/>
+          </a:prstGeom>
+        </p:spPr>
+      </p:pic>
+      <p:pic>
+        <p:nvPicPr>
+          <p:cNvPr id="7" name="Picture 6">
+            <a:extLst>
+              <a:ext uri="{FF2B5EF4-FFF2-40B4-BE49-F238E27FC236}">
+                <a16:creationId xmlns:a16="http://schemas.microsoft.com/office/drawing/2014/main" id="{743012C2-9548-054E-BDA5-B4A381F6E674}"/>
+              </a:ext>
+            </a:extLst>
+          </p:cNvPr>
+          <p:cNvPicPr>
+            <a:picLocks noChangeAspect="1"/>
+          </p:cNvPicPr>
+          <p:nvPr/>
+        </p:nvPicPr>
+        <p:blipFill>
+          <a:blip r:embed="rId4"/>
+          <a:stretch>
+            <a:fillRect/>
+          </a:stretch>
+        </p:blipFill>
+        <p:spPr>
+          <a:xfrm>
+            <a:off x="1018572" y="3934563"/>
+            <a:ext cx="3652838" cy="2373311"/>
+          </a:xfrm>
+          <a:prstGeom prst="rect">
+            <a:avLst/>
+          </a:prstGeom>
+        </p:spPr>
+      </p:pic>
+      <p:sp>
+        <p:nvSpPr>
+          <p:cNvPr id="9" name="TextBox 8">
+            <a:extLst>
+              <a:ext uri="{FF2B5EF4-FFF2-40B4-BE49-F238E27FC236}">
+                <a16:creationId xmlns:a16="http://schemas.microsoft.com/office/drawing/2014/main" id="{0AC6D36F-B33F-544A-BF15-D4DC7E9B56D2}"/>
+              </a:ext>
+            </a:extLst>
+          </p:cNvPr>
+          <p:cNvSpPr txBox="1"/>
+          <p:nvPr/>
+        </p:nvSpPr>
+        <p:spPr>
+          <a:xfrm>
+            <a:off x="1018572" y="1840375"/>
+            <a:ext cx="4595150" cy="369332"/>
+          </a:xfrm>
+          <a:prstGeom prst="rect">
+            <a:avLst/>
+          </a:prstGeom>
+          <a:noFill/>
+        </p:spPr>
+        <p:txBody>
+          <a:bodyPr wrap="square" rtlCol="0">
+            <a:spAutoFit/>
+          </a:bodyPr>
+          <a:lstStyle/>
+          <a:p>
+            <a:r>
+              <a:rPr lang="en-US" dirty="0">
+                <a:solidFill>
+                  <a:srgbClr val="FF0000"/>
+                </a:solidFill>
+              </a:rPr>
+              <a:t>What are the key findings?</a:t>
+            </a:r>
+          </a:p>
+        </p:txBody>
+      </p:sp>
+      <p:sp>
+        <p:nvSpPr>
+          <p:cNvPr id="10" name="TextBox 9">
+            <a:extLst>
+              <a:ext uri="{FF2B5EF4-FFF2-40B4-BE49-F238E27FC236}">
+                <a16:creationId xmlns:a16="http://schemas.microsoft.com/office/drawing/2014/main" id="{A3497F13-9E83-F742-A50B-9206278C11BF}"/>
+              </a:ext>
+            </a:extLst>
+          </p:cNvPr>
+          <p:cNvSpPr txBox="1"/>
+          <p:nvPr/>
+        </p:nvSpPr>
+        <p:spPr>
+          <a:xfrm>
+            <a:off x="6758650" y="1865856"/>
+            <a:ext cx="4595150" cy="369332"/>
+          </a:xfrm>
+          <a:prstGeom prst="rect">
+            <a:avLst/>
+          </a:prstGeom>
+          <a:noFill/>
+        </p:spPr>
+        <p:txBody>
+          <a:bodyPr wrap="square" rtlCol="0">
+            <a:spAutoFit/>
+          </a:bodyPr>
+          <a:lstStyle/>
+          <a:p>
+            <a:r>
+              <a:rPr lang="en-US" dirty="0">
+                <a:solidFill>
+                  <a:srgbClr val="FF0000"/>
+                </a:solidFill>
+              </a:rPr>
+              <a:t>What are the key findings?</a:t>
+            </a:r>
+          </a:p>
+        </p:txBody>
+      </p:sp>
+      <p:cxnSp>
+        <p:nvCxnSpPr>
+          <p:cNvPr id="12" name="Straight Connector 11">
+            <a:extLst>
+              <a:ext uri="{FF2B5EF4-FFF2-40B4-BE49-F238E27FC236}">
+                <a16:creationId xmlns:a16="http://schemas.microsoft.com/office/drawing/2014/main" id="{3219A36D-0468-304E-B5DC-C42CBB74736D}"/>
+              </a:ext>
+            </a:extLst>
+          </p:cNvPr>
+          <p:cNvCxnSpPr>
+            <a:cxnSpLocks/>
+            <a:stCxn id="9" idx="3"/>
+          </p:cNvCxnSpPr>
+          <p:nvPr/>
+        </p:nvCxnSpPr>
+        <p:spPr>
+          <a:xfrm>
+            <a:off x="5613722" y="2025041"/>
+            <a:ext cx="0" cy="4213713"/>
+          </a:xfrm>
+          <a:prstGeom prst="line">
+            <a:avLst/>
+          </a:prstGeom>
+        </p:spPr>
+        <p:style>
+          <a:lnRef idx="1">
+            <a:schemeClr val="dk1"/>
+          </a:lnRef>
+          <a:fillRef idx="0">
+            <a:schemeClr val="dk1"/>
+          </a:fillRef>
+          <a:effectRef idx="0">
+            <a:schemeClr val="dk1"/>
+          </a:effectRef>
+          <a:fontRef idx="minor">
+            <a:schemeClr val="tx1"/>
+          </a:fontRef>
+        </p:style>
+      </p:cxnSp>
     </p:spTree>
     <p:extLst>
       <p:ext uri="{BB962C8B-B14F-4D97-AF65-F5344CB8AC3E}">
-        <p14:creationId xmlns:p14="http://schemas.microsoft.com/office/powerpoint/2010/main" val="3841840666"/>
+        <p14:creationId xmlns:p14="http://schemas.microsoft.com/office/powerpoint/2010/main" val="1006251923"/>
       </p:ext>
     </p:extLst>
   </p:cSld>

--- a/Stephen_Stark_Analysis.pptx
+++ b/Stephen_Stark_Analysis.pptx
@@ -5,7 +5,7 @@
     <p:sldMasterId id="2147483648" r:id="rId1"/>
   </p:sldMasterIdLst>
   <p:notesMasterIdLst>
-    <p:notesMasterId r:id="rId22"/>
+    <p:notesMasterId r:id="rId23"/>
   </p:notesMasterIdLst>
   <p:sldIdLst>
     <p:sldId id="256" r:id="rId2"/>
@@ -19,15 +19,16 @@
     <p:sldId id="273" r:id="rId10"/>
     <p:sldId id="278" r:id="rId11"/>
     <p:sldId id="260" r:id="rId12"/>
-    <p:sldId id="269" r:id="rId13"/>
+    <p:sldId id="280" r:id="rId13"/>
     <p:sldId id="263" r:id="rId14"/>
     <p:sldId id="264" r:id="rId15"/>
     <p:sldId id="265" r:id="rId16"/>
     <p:sldId id="267" r:id="rId17"/>
-    <p:sldId id="261" r:id="rId18"/>
-    <p:sldId id="259" r:id="rId19"/>
-    <p:sldId id="279" r:id="rId20"/>
-    <p:sldId id="275" r:id="rId21"/>
+    <p:sldId id="269" r:id="rId18"/>
+    <p:sldId id="261" r:id="rId19"/>
+    <p:sldId id="259" r:id="rId20"/>
+    <p:sldId id="279" r:id="rId21"/>
+    <p:sldId id="275" r:id="rId22"/>
   </p:sldIdLst>
   <p:sldSz cx="12192000" cy="6858000"/>
   <p:notesSz cx="6858000" cy="9144000"/>
@@ -175,7 +176,7 @@
               </a:defRPr>
             </a:pPr>
             <a:r>
-              <a:rPr lang="en-US" dirty="0"/>
+              <a:rPr lang="en-US" sz="1600" dirty="0"/>
               <a:t>Customer Loyalty</a:t>
             </a:r>
           </a:p>
@@ -213,10 +214,8 @@
     <c:autoTitleDeleted val="0"/>
     <c:plotArea>
       <c:layout/>
-      <c:barChart>
-        <c:barDir val="col"/>
-        <c:grouping val="clustered"/>
-        <c:varyColors val="0"/>
+      <c:pieChart>
+        <c:varyColors val="1"/>
         <c:ser>
           <c:idx val="0"/>
           <c:order val="0"/>
@@ -231,75 +230,40 @@
               </c:strCache>
             </c:strRef>
           </c:tx>
-          <c:spPr>
-            <a:solidFill>
-              <a:schemeClr val="accent1"/>
-            </a:solidFill>
-            <a:ln>
-              <a:noFill/>
-            </a:ln>
-            <a:effectLst/>
-          </c:spPr>
-          <c:invertIfNegative val="0"/>
-          <c:dLbls>
+          <c:dPt>
+            <c:idx val="0"/>
+            <c:bubble3D val="0"/>
             <c:spPr>
-              <a:noFill/>
+              <a:solidFill>
+                <a:schemeClr val="accent1"/>
+              </a:solidFill>
               <a:ln>
                 <a:noFill/>
               </a:ln>
               <a:effectLst/>
             </c:spPr>
-            <c:txPr>
-              <a:bodyPr rot="0" spcFirstLastPara="1" vertOverflow="ellipsis" vert="horz" wrap="square" lIns="38100" tIns="19050" rIns="38100" bIns="19050" anchor="ctr" anchorCtr="1">
-                <a:spAutoFit/>
-              </a:bodyPr>
-              <a:lstStyle/>
-              <a:p>
-                <a:pPr>
-                  <a:defRPr sz="1197" b="0" i="0" u="none" strike="noStrike" kern="1200" baseline="0">
-                    <a:solidFill>
-                      <a:schemeClr val="tx1">
-                        <a:lumMod val="75000"/>
-                        <a:lumOff val="25000"/>
-                      </a:schemeClr>
-                    </a:solidFill>
-                    <a:latin typeface="+mn-lt"/>
-                    <a:ea typeface="+mn-ea"/>
-                    <a:cs typeface="+mn-cs"/>
-                  </a:defRPr>
-                </a:pPr>
-                <a:endParaRPr lang="en-US"/>
-              </a:p>
-            </c:txPr>
-            <c:dLblPos val="inBase"/>
-            <c:showLegendKey val="0"/>
-            <c:showVal val="1"/>
-            <c:showCatName val="0"/>
-            <c:showSerName val="0"/>
-            <c:showPercent val="0"/>
-            <c:showBubbleSize val="0"/>
-            <c:separator>, </c:separator>
-            <c:showLeaderLines val="0"/>
+          </c:dPt>
+          <c:dPt>
+            <c:idx val="1"/>
+            <c:bubble3D val="0"/>
+            <c:spPr>
+              <a:solidFill>
+                <a:schemeClr val="accent1">
+                  <a:lumMod val="20000"/>
+                  <a:lumOff val="80000"/>
+                </a:schemeClr>
+              </a:solidFill>
+              <a:ln>
+                <a:noFill/>
+              </a:ln>
+              <a:effectLst/>
+            </c:spPr>
             <c:extLst>
-              <c:ext xmlns:c15="http://schemas.microsoft.com/office/drawing/2012/chart" uri="{CE6537A1-D6FC-4f65-9D91-7224C49458BB}">
-                <c15:showLeaderLines val="1"/>
-                <c15:leaderLines>
-                  <c:spPr>
-                    <a:ln w="9525" cap="flat" cmpd="sng" algn="ctr">
-                      <a:solidFill>
-                        <a:schemeClr val="tx1">
-                          <a:lumMod val="35000"/>
-                          <a:lumOff val="65000"/>
-                        </a:schemeClr>
-                      </a:solidFill>
-                      <a:round/>
-                    </a:ln>
-                    <a:effectLst/>
-                  </c:spPr>
-                </c15:leaderLines>
+              <c:ext xmlns:c16="http://schemas.microsoft.com/office/drawing/2014/chart" uri="{C3380CC4-5D6E-409C-BE32-E72D297353CC}">
+                <c16:uniqueId val="{00000004-E13C-4841-8E9D-AD121DFF7364}"/>
               </c:ext>
             </c:extLst>
-          </c:dLbls>
+          </c:dPt>
           <c:cat>
             <c:strRef>
               <c:f>Sheet1!$A$2:$A$3</c:f>
@@ -342,119 +306,10 @@
           <c:showSerName val="0"/>
           <c:showPercent val="0"/>
           <c:showBubbleSize val="0"/>
+          <c:showLeaderLines val="1"/>
         </c:dLbls>
-        <c:gapWidth val="19"/>
-        <c:overlap val="-12"/>
-        <c:axId val="428518895"/>
-        <c:axId val="695790239"/>
-      </c:barChart>
-      <c:catAx>
-        <c:axId val="428518895"/>
-        <c:scaling>
-          <c:orientation val="minMax"/>
-        </c:scaling>
-        <c:delete val="0"/>
-        <c:axPos val="b"/>
-        <c:numFmt formatCode="General" sourceLinked="1"/>
-        <c:majorTickMark val="none"/>
-        <c:minorTickMark val="none"/>
-        <c:tickLblPos val="nextTo"/>
-        <c:spPr>
-          <a:noFill/>
-          <a:ln w="9525" cap="flat" cmpd="sng" algn="ctr">
-            <a:solidFill>
-              <a:schemeClr val="tx1">
-                <a:lumMod val="15000"/>
-                <a:lumOff val="85000"/>
-              </a:schemeClr>
-            </a:solidFill>
-            <a:round/>
-          </a:ln>
-          <a:effectLst/>
-        </c:spPr>
-        <c:txPr>
-          <a:bodyPr rot="-60000000" spcFirstLastPara="1" vertOverflow="ellipsis" vert="horz" wrap="square" anchor="ctr" anchorCtr="1"/>
-          <a:lstStyle/>
-          <a:p>
-            <a:pPr>
-              <a:defRPr sz="1197" b="0" i="0" u="none" strike="noStrike" kern="1200" baseline="0">
-                <a:solidFill>
-                  <a:schemeClr val="tx1">
-                    <a:lumMod val="65000"/>
-                    <a:lumOff val="35000"/>
-                  </a:schemeClr>
-                </a:solidFill>
-                <a:latin typeface="+mn-lt"/>
-                <a:ea typeface="+mn-ea"/>
-                <a:cs typeface="+mn-cs"/>
-              </a:defRPr>
-            </a:pPr>
-            <a:endParaRPr lang="en-US"/>
-          </a:p>
-        </c:txPr>
-        <c:crossAx val="695790239"/>
-        <c:crosses val="autoZero"/>
-        <c:auto val="1"/>
-        <c:lblAlgn val="ctr"/>
-        <c:lblOffset val="100"/>
-        <c:noMultiLvlLbl val="0"/>
-      </c:catAx>
-      <c:valAx>
-        <c:axId val="695790239"/>
-        <c:scaling>
-          <c:orientation val="minMax"/>
-        </c:scaling>
-        <c:delete val="0"/>
-        <c:axPos val="l"/>
-        <c:majorGridlines>
-          <c:spPr>
-            <a:ln w="9525" cap="flat" cmpd="sng" algn="ctr">
-              <a:solidFill>
-                <a:schemeClr val="tx1">
-                  <a:lumMod val="15000"/>
-                  <a:lumOff val="85000"/>
-                </a:schemeClr>
-              </a:solidFill>
-              <a:round/>
-            </a:ln>
-            <a:effectLst/>
-          </c:spPr>
-        </c:majorGridlines>
-        <c:numFmt formatCode="General" sourceLinked="1"/>
-        <c:majorTickMark val="none"/>
-        <c:minorTickMark val="none"/>
-        <c:tickLblPos val="nextTo"/>
-        <c:spPr>
-          <a:noFill/>
-          <a:ln>
-            <a:noFill/>
-          </a:ln>
-          <a:effectLst/>
-        </c:spPr>
-        <c:txPr>
-          <a:bodyPr rot="-60000000" spcFirstLastPara="1" vertOverflow="ellipsis" vert="horz" wrap="square" anchor="ctr" anchorCtr="1"/>
-          <a:lstStyle/>
-          <a:p>
-            <a:pPr>
-              <a:defRPr sz="1197" b="0" i="0" u="none" strike="noStrike" kern="1200" baseline="0">
-                <a:solidFill>
-                  <a:schemeClr val="tx1">
-                    <a:lumMod val="65000"/>
-                    <a:lumOff val="35000"/>
-                  </a:schemeClr>
-                </a:solidFill>
-                <a:latin typeface="+mn-lt"/>
-                <a:ea typeface="+mn-ea"/>
-                <a:cs typeface="+mn-cs"/>
-              </a:defRPr>
-            </a:pPr>
-            <a:endParaRPr lang="en-US"/>
-          </a:p>
-        </c:txPr>
-        <c:crossAx val="428518895"/>
-        <c:crosses val="autoZero"/>
-        <c:crossBetween val="between"/>
-      </c:valAx>
+        <c:firstSliceAng val="0"/>
+      </c:pieChart>
       <c:spPr>
         <a:solidFill>
           <a:schemeClr val="tx1">
@@ -500,6 +355,7 @@
   <c:externalData r:id="rId3">
     <c:autoUpdate val="0"/>
   </c:externalData>
+  <c:userShapes r:id="rId4"/>
 </c:chartSpace>
 </file>
 
@@ -537,8 +393,8 @@
               </a:defRPr>
             </a:pPr>
             <a:r>
-              <a:rPr lang="en-US" dirty="0"/>
-              <a:t>Customer Order Freq.</a:t>
+              <a:rPr lang="en-US" sz="1500" dirty="0"/>
+              <a:t>Customer Order Frequency</a:t>
             </a:r>
           </a:p>
         </c:rich>
@@ -658,7 +514,7 @@
           <c:showPercent val="0"/>
           <c:showBubbleSize val="0"/>
         </c:dLbls>
-        <c:gapWidth val="238"/>
+        <c:gapWidth val="15"/>
         <c:overlap val="75"/>
         <c:axId val="436560815"/>
         <c:axId val="436540911"/>
@@ -819,6 +675,157 @@
 </file>
 
 <file path=ppt/charts/chart3.xml><?xml version="1.0" encoding="utf-8"?>
+<c:chartSpace xmlns:c="http://schemas.openxmlformats.org/drawingml/2006/chart" xmlns:a="http://schemas.openxmlformats.org/drawingml/2006/main" xmlns:r="http://schemas.openxmlformats.org/officeDocument/2006/relationships" xmlns:c16r2="http://schemas.microsoft.com/office/drawing/2015/06/chart">
+  <c:date1904 val="0"/>
+  <c:lang val="en-US"/>
+  <c:roundedCorners val="0"/>
+  <mc:AlternateContent xmlns:mc="http://schemas.openxmlformats.org/markup-compatibility/2006">
+    <mc:Choice xmlns:c14="http://schemas.microsoft.com/office/drawing/2007/8/2/chart" Requires="c14">
+      <c14:style val="102"/>
+    </mc:Choice>
+    <mc:Fallback>
+      <c:style val="2"/>
+    </mc:Fallback>
+  </mc:AlternateContent>
+  <c:chart>
+    <c:autoTitleDeleted val="1"/>
+    <c:plotArea>
+      <c:layout/>
+      <c:pieChart>
+        <c:varyColors val="1"/>
+        <c:ser>
+          <c:idx val="0"/>
+          <c:order val="0"/>
+          <c:tx>
+            <c:strRef>
+              <c:f>Sheet1!$B$1</c:f>
+              <c:strCache>
+                <c:ptCount val="1"/>
+                <c:pt idx="0">
+                  <c:v>Sales</c:v>
+                </c:pt>
+              </c:strCache>
+            </c:strRef>
+          </c:tx>
+          <c:dPt>
+            <c:idx val="0"/>
+            <c:bubble3D val="0"/>
+            <c:spPr>
+              <a:solidFill>
+                <a:schemeClr val="accent1"/>
+              </a:solidFill>
+              <a:ln w="19050">
+                <a:solidFill>
+                  <a:schemeClr val="lt1"/>
+                </a:solidFill>
+              </a:ln>
+              <a:effectLst/>
+            </c:spPr>
+          </c:dPt>
+          <c:dPt>
+            <c:idx val="1"/>
+            <c:bubble3D val="0"/>
+            <c:spPr>
+              <a:solidFill>
+                <a:schemeClr val="accent2"/>
+              </a:solidFill>
+              <a:ln w="19050">
+                <a:solidFill>
+                  <a:schemeClr val="lt1"/>
+                </a:solidFill>
+              </a:ln>
+              <a:effectLst/>
+            </c:spPr>
+          </c:dPt>
+          <c:cat>
+            <c:strRef>
+              <c:f>Sheet1!$A$2:$A$3</c:f>
+              <c:strCache>
+                <c:ptCount val="2"/>
+                <c:pt idx="0">
+                  <c:v>1st Qtr</c:v>
+                </c:pt>
+                <c:pt idx="1">
+                  <c:v>2nd Qtr</c:v>
+                </c:pt>
+              </c:strCache>
+            </c:strRef>
+          </c:cat>
+          <c:val>
+            <c:numRef>
+              <c:f>Sheet1!$B$2:$B$3</c:f>
+              <c:numCache>
+                <c:formatCode>General</c:formatCode>
+                <c:ptCount val="2"/>
+                <c:pt idx="0">
+                  <c:v>131730</c:v>
+                </c:pt>
+                <c:pt idx="1">
+                  <c:v>343</c:v>
+                </c:pt>
+              </c:numCache>
+            </c:numRef>
+          </c:val>
+          <c:extLst>
+            <c:ext xmlns:c16="http://schemas.microsoft.com/office/drawing/2014/chart" uri="{C3380CC4-5D6E-409C-BE32-E72D297353CC}">
+              <c16:uniqueId val="{00000000-D25B-C54C-9D4C-465CBA76CCF1}"/>
+            </c:ext>
+          </c:extLst>
+        </c:ser>
+        <c:dLbls>
+          <c:showLegendKey val="0"/>
+          <c:showVal val="0"/>
+          <c:showCatName val="0"/>
+          <c:showSerName val="0"/>
+          <c:showPercent val="0"/>
+          <c:showBubbleSize val="0"/>
+          <c:showLeaderLines val="1"/>
+        </c:dLbls>
+        <c:firstSliceAng val="0"/>
+      </c:pieChart>
+      <c:spPr>
+        <a:noFill/>
+        <a:ln>
+          <a:noFill/>
+        </a:ln>
+        <a:effectLst/>
+      </c:spPr>
+    </c:plotArea>
+    <c:plotVisOnly val="1"/>
+    <c:dispBlanksAs val="gap"/>
+    <c:extLst>
+      <c:ext xmlns:c16r3="http://schemas.microsoft.com/office/drawing/2017/03/chart" uri="{56B9EC1D-385E-4148-901F-78D8002777C0}">
+        <c16r3:dataDisplayOptions16>
+          <c16r3:dispNaAsBlank val="1"/>
+        </c16r3:dataDisplayOptions16>
+      </c:ext>
+    </c:extLst>
+    <c:showDLblsOverMax val="0"/>
+  </c:chart>
+  <c:spPr>
+    <a:noFill/>
+    <a:ln>
+      <a:noFill/>
+    </a:ln>
+    <a:effectLst/>
+  </c:spPr>
+  <c:txPr>
+    <a:bodyPr/>
+    <a:lstStyle/>
+    <a:p>
+      <a:pPr>
+        <a:defRPr/>
+      </a:pPr>
+      <a:endParaRPr lang="en-US"/>
+    </a:p>
+  </c:txPr>
+  <c:externalData r:id="rId3">
+    <c:autoUpdate val="0"/>
+  </c:externalData>
+</c:chartSpace>
+</file>
+
+<file path=ppt/charts/chart4.xml><?xml version="1.0" encoding="utf-8"?>
 <c:chartSpace xmlns:c="http://schemas.openxmlformats.org/drawingml/2006/chart" xmlns:a="http://schemas.openxmlformats.org/drawingml/2006/main" xmlns:r="http://schemas.openxmlformats.org/officeDocument/2006/relationships" xmlns:c16r2="http://schemas.microsoft.com/office/drawing/2015/06/chart">
   <c:date1904 val="0"/>
   <c:lang val="en-US"/>
@@ -1309,6 +1316,46 @@
 </file>
 
 <file path=ppt/charts/colors3.xml><?xml version="1.0" encoding="utf-8"?>
+<cs:colorStyle xmlns:cs="http://schemas.microsoft.com/office/drawing/2012/chartStyle" xmlns:a="http://schemas.openxmlformats.org/drawingml/2006/main" meth="cycle" id="10">
+  <a:schemeClr val="accent1"/>
+  <a:schemeClr val="accent2"/>
+  <a:schemeClr val="accent3"/>
+  <a:schemeClr val="accent4"/>
+  <a:schemeClr val="accent5"/>
+  <a:schemeClr val="accent6"/>
+  <cs:variation/>
+  <cs:variation>
+    <a:lumMod val="60000"/>
+  </cs:variation>
+  <cs:variation>
+    <a:lumMod val="80000"/>
+    <a:lumOff val="20000"/>
+  </cs:variation>
+  <cs:variation>
+    <a:lumMod val="80000"/>
+  </cs:variation>
+  <cs:variation>
+    <a:lumMod val="60000"/>
+    <a:lumOff val="40000"/>
+  </cs:variation>
+  <cs:variation>
+    <a:lumMod val="50000"/>
+  </cs:variation>
+  <cs:variation>
+    <a:lumMod val="70000"/>
+    <a:lumOff val="30000"/>
+  </cs:variation>
+  <cs:variation>
+    <a:lumMod val="70000"/>
+  </cs:variation>
+  <cs:variation>
+    <a:lumMod val="50000"/>
+    <a:lumOff val="50000"/>
+  </cs:variation>
+</cs:colorStyle>
+</file>
+
+<file path=ppt/charts/colors4.xml><?xml version="1.0" encoding="utf-8"?>
 <cs:colorStyle xmlns:cs="http://schemas.microsoft.com/office/drawing/2012/chartStyle" xmlns:a="http://schemas.openxmlformats.org/drawingml/2006/main" meth="cycle" id="10">
   <a:schemeClr val="accent1"/>
   <a:schemeClr val="accent2"/>
@@ -2877,21 +2924,526 @@
 </cs:chartStyle>
 </file>
 
-<file path=ppt/comments/comment1.xml><?xml version="1.0" encoding="utf-8"?>
-<p:cmLst xmlns:a="http://schemas.openxmlformats.org/drawingml/2006/main" xmlns:r="http://schemas.openxmlformats.org/officeDocument/2006/relationships" xmlns:p="http://schemas.openxmlformats.org/presentationml/2006/main">
-  <p:cm authorId="1" dt="2020-10-08T22:35:12.738" idx="7">
-    <p:pos x="2799" y="459"/>
-    <p:text>This should be more about what data was used etc - maybe more like methodology</p:text>
-    <p:extLst>
-      <p:ext uri="{C676402C-5697-4E1C-873F-D02D1690AC5C}">
-        <p15:threadingInfo xmlns:p15="http://schemas.microsoft.com/office/powerpoint/2012/main" timeZoneBias="300"/>
-      </p:ext>
-    </p:extLst>
-  </p:cm>
-</p:cmLst>
+<file path=ppt/charts/style4.xml><?xml version="1.0" encoding="utf-8"?>
+<cs:chartStyle xmlns:cs="http://schemas.microsoft.com/office/drawing/2012/chartStyle" xmlns:a="http://schemas.openxmlformats.org/drawingml/2006/main" id="251">
+  <cs:axisTitle>
+    <cs:lnRef idx="0"/>
+    <cs:fillRef idx="0"/>
+    <cs:effectRef idx="0"/>
+    <cs:fontRef idx="minor">
+      <a:schemeClr val="tx1">
+        <a:lumMod val="65000"/>
+        <a:lumOff val="35000"/>
+      </a:schemeClr>
+    </cs:fontRef>
+    <cs:defRPr sz="1330" kern="1200"/>
+  </cs:axisTitle>
+  <cs:categoryAxis>
+    <cs:lnRef idx="0"/>
+    <cs:fillRef idx="0"/>
+    <cs:effectRef idx="0"/>
+    <cs:fontRef idx="minor">
+      <a:schemeClr val="tx1">
+        <a:lumMod val="65000"/>
+        <a:lumOff val="35000"/>
+      </a:schemeClr>
+    </cs:fontRef>
+    <cs:spPr>
+      <a:ln w="9525" cap="flat" cmpd="sng" algn="ctr">
+        <a:solidFill>
+          <a:schemeClr val="tx1">
+            <a:lumMod val="15000"/>
+            <a:lumOff val="85000"/>
+          </a:schemeClr>
+        </a:solidFill>
+        <a:round/>
+      </a:ln>
+    </cs:spPr>
+    <cs:defRPr sz="1197" kern="1200"/>
+  </cs:categoryAxis>
+  <cs:chartArea mods="allowNoFillOverride allowNoLineOverride">
+    <cs:lnRef idx="0"/>
+    <cs:fillRef idx="0"/>
+    <cs:effectRef idx="0"/>
+    <cs:fontRef idx="minor">
+      <a:schemeClr val="tx1"/>
+    </cs:fontRef>
+    <cs:spPr>
+      <a:solidFill>
+        <a:schemeClr val="bg1"/>
+      </a:solidFill>
+      <a:ln w="9525" cap="flat" cmpd="sng" algn="ctr">
+        <a:solidFill>
+          <a:schemeClr val="tx1">
+            <a:lumMod val="15000"/>
+            <a:lumOff val="85000"/>
+          </a:schemeClr>
+        </a:solidFill>
+        <a:round/>
+      </a:ln>
+    </cs:spPr>
+    <cs:defRPr sz="1197" kern="1200"/>
+  </cs:chartArea>
+  <cs:dataLabel>
+    <cs:lnRef idx="0"/>
+    <cs:fillRef idx="0"/>
+    <cs:effectRef idx="0"/>
+    <cs:fontRef idx="minor">
+      <a:schemeClr val="tx1">
+        <a:lumMod val="75000"/>
+        <a:lumOff val="25000"/>
+      </a:schemeClr>
+    </cs:fontRef>
+    <cs:defRPr sz="1197" kern="1200"/>
+  </cs:dataLabel>
+  <cs:dataLabelCallout>
+    <cs:lnRef idx="0"/>
+    <cs:fillRef idx="0"/>
+    <cs:effectRef idx="0"/>
+    <cs:fontRef idx="minor">
+      <a:schemeClr val="dk1">
+        <a:lumMod val="65000"/>
+        <a:lumOff val="35000"/>
+      </a:schemeClr>
+    </cs:fontRef>
+    <cs:spPr>
+      <a:solidFill>
+        <a:schemeClr val="lt1"/>
+      </a:solidFill>
+      <a:ln>
+        <a:solidFill>
+          <a:schemeClr val="dk1">
+            <a:lumMod val="25000"/>
+            <a:lumOff val="75000"/>
+          </a:schemeClr>
+        </a:solidFill>
+      </a:ln>
+    </cs:spPr>
+    <cs:defRPr sz="1197" kern="1200"/>
+    <cs:bodyPr rot="0" spcFirstLastPara="1" vertOverflow="clip" horzOverflow="clip" vert="horz" wrap="square" lIns="36576" tIns="18288" rIns="36576" bIns="18288" anchor="ctr" anchorCtr="1">
+      <a:spAutoFit/>
+    </cs:bodyPr>
+  </cs:dataLabelCallout>
+  <cs:dataPoint>
+    <cs:lnRef idx="0"/>
+    <cs:fillRef idx="1">
+      <cs:styleClr val="auto"/>
+    </cs:fillRef>
+    <cs:effectRef idx="0"/>
+    <cs:fontRef idx="minor">
+      <a:schemeClr val="tx1"/>
+    </cs:fontRef>
+    <cs:spPr>
+      <a:ln w="19050">
+        <a:solidFill>
+          <a:schemeClr val="lt1"/>
+        </a:solidFill>
+      </a:ln>
+    </cs:spPr>
+  </cs:dataPoint>
+  <cs:dataPoint3D>
+    <cs:lnRef idx="0"/>
+    <cs:fillRef idx="1">
+      <cs:styleClr val="auto"/>
+    </cs:fillRef>
+    <cs:effectRef idx="0"/>
+    <cs:fontRef idx="minor">
+      <a:schemeClr val="tx1"/>
+    </cs:fontRef>
+    <cs:spPr>
+      <a:ln w="25400">
+        <a:solidFill>
+          <a:schemeClr val="lt1"/>
+        </a:solidFill>
+      </a:ln>
+    </cs:spPr>
+  </cs:dataPoint3D>
+  <cs:dataPointLine>
+    <cs:lnRef idx="0">
+      <cs:styleClr val="auto"/>
+    </cs:lnRef>
+    <cs:fillRef idx="0"/>
+    <cs:effectRef idx="0"/>
+    <cs:fontRef idx="minor">
+      <a:schemeClr val="tx1"/>
+    </cs:fontRef>
+    <cs:spPr>
+      <a:ln w="28575" cap="rnd">
+        <a:solidFill>
+          <a:schemeClr val="phClr"/>
+        </a:solidFill>
+        <a:round/>
+      </a:ln>
+    </cs:spPr>
+  </cs:dataPointLine>
+  <cs:dataPointMarker>
+    <cs:lnRef idx="0">
+      <cs:styleClr val="auto"/>
+    </cs:lnRef>
+    <cs:fillRef idx="1">
+      <cs:styleClr val="auto"/>
+    </cs:fillRef>
+    <cs:effectRef idx="0"/>
+    <cs:fontRef idx="minor">
+      <a:schemeClr val="tx1"/>
+    </cs:fontRef>
+    <cs:spPr>
+      <a:ln w="9525">
+        <a:solidFill>
+          <a:schemeClr val="phClr"/>
+        </a:solidFill>
+      </a:ln>
+    </cs:spPr>
+  </cs:dataPointMarker>
+  <cs:dataPointMarkerLayout symbol="circle" size="5"/>
+  <cs:dataPointWireframe>
+    <cs:lnRef idx="0">
+      <cs:styleClr val="auto"/>
+    </cs:lnRef>
+    <cs:fillRef idx="0"/>
+    <cs:effectRef idx="0"/>
+    <cs:fontRef idx="minor">
+      <a:schemeClr val="tx1"/>
+    </cs:fontRef>
+    <cs:spPr>
+      <a:ln w="9525" cap="rnd">
+        <a:solidFill>
+          <a:schemeClr val="phClr"/>
+        </a:solidFill>
+        <a:round/>
+      </a:ln>
+    </cs:spPr>
+  </cs:dataPointWireframe>
+  <cs:dataTable>
+    <cs:lnRef idx="0"/>
+    <cs:fillRef idx="0"/>
+    <cs:effectRef idx="0"/>
+    <cs:fontRef idx="minor">
+      <a:schemeClr val="tx1">
+        <a:lumMod val="65000"/>
+        <a:lumOff val="35000"/>
+      </a:schemeClr>
+    </cs:fontRef>
+    <cs:spPr>
+      <a:noFill/>
+      <a:ln w="9525" cap="flat" cmpd="sng" algn="ctr">
+        <a:solidFill>
+          <a:schemeClr val="tx1">
+            <a:lumMod val="15000"/>
+            <a:lumOff val="85000"/>
+          </a:schemeClr>
+        </a:solidFill>
+        <a:round/>
+      </a:ln>
+    </cs:spPr>
+    <cs:defRPr sz="1197" kern="1200"/>
+  </cs:dataTable>
+  <cs:downBar>
+    <cs:lnRef idx="0"/>
+    <cs:fillRef idx="0"/>
+    <cs:effectRef idx="0"/>
+    <cs:fontRef idx="minor">
+      <a:schemeClr val="tx1"/>
+    </cs:fontRef>
+    <cs:spPr>
+      <a:solidFill>
+        <a:schemeClr val="dk1">
+          <a:lumMod val="75000"/>
+          <a:lumOff val="25000"/>
+        </a:schemeClr>
+      </a:solidFill>
+      <a:ln w="9525" cap="flat" cmpd="sng" algn="ctr">
+        <a:solidFill>
+          <a:schemeClr val="tx1">
+            <a:lumMod val="65000"/>
+            <a:lumOff val="35000"/>
+          </a:schemeClr>
+        </a:solidFill>
+        <a:round/>
+      </a:ln>
+    </cs:spPr>
+  </cs:downBar>
+  <cs:dropLine>
+    <cs:lnRef idx="0"/>
+    <cs:fillRef idx="0"/>
+    <cs:effectRef idx="0"/>
+    <cs:fontRef idx="minor">
+      <a:schemeClr val="tx1"/>
+    </cs:fontRef>
+    <cs:spPr>
+      <a:ln w="9525" cap="flat" cmpd="sng" algn="ctr">
+        <a:solidFill>
+          <a:schemeClr val="tx1">
+            <a:lumMod val="35000"/>
+            <a:lumOff val="65000"/>
+          </a:schemeClr>
+        </a:solidFill>
+        <a:round/>
+      </a:ln>
+    </cs:spPr>
+  </cs:dropLine>
+  <cs:errorBar>
+    <cs:lnRef idx="0"/>
+    <cs:fillRef idx="0"/>
+    <cs:effectRef idx="0"/>
+    <cs:fontRef idx="minor">
+      <a:schemeClr val="tx1"/>
+    </cs:fontRef>
+    <cs:spPr>
+      <a:ln w="9525" cap="flat" cmpd="sng" algn="ctr">
+        <a:solidFill>
+          <a:schemeClr val="tx1">
+            <a:lumMod val="65000"/>
+            <a:lumOff val="35000"/>
+          </a:schemeClr>
+        </a:solidFill>
+        <a:round/>
+      </a:ln>
+    </cs:spPr>
+  </cs:errorBar>
+  <cs:floor>
+    <cs:lnRef idx="0"/>
+    <cs:fillRef idx="0"/>
+    <cs:effectRef idx="0"/>
+    <cs:fontRef idx="minor">
+      <a:schemeClr val="tx1"/>
+    </cs:fontRef>
+    <cs:spPr>
+      <a:noFill/>
+      <a:ln>
+        <a:noFill/>
+      </a:ln>
+    </cs:spPr>
+  </cs:floor>
+  <cs:gridlineMajor>
+    <cs:lnRef idx="0"/>
+    <cs:fillRef idx="0"/>
+    <cs:effectRef idx="0"/>
+    <cs:fontRef idx="minor">
+      <a:schemeClr val="tx1"/>
+    </cs:fontRef>
+    <cs:spPr>
+      <a:ln w="9525" cap="flat" cmpd="sng" algn="ctr">
+        <a:solidFill>
+          <a:schemeClr val="tx1">
+            <a:lumMod val="15000"/>
+            <a:lumOff val="85000"/>
+          </a:schemeClr>
+        </a:solidFill>
+        <a:round/>
+      </a:ln>
+    </cs:spPr>
+  </cs:gridlineMajor>
+  <cs:gridlineMinor>
+    <cs:lnRef idx="0"/>
+    <cs:fillRef idx="0"/>
+    <cs:effectRef idx="0"/>
+    <cs:fontRef idx="minor">
+      <a:schemeClr val="tx1"/>
+    </cs:fontRef>
+    <cs:spPr>
+      <a:ln w="9525" cap="flat" cmpd="sng" algn="ctr">
+        <a:solidFill>
+          <a:schemeClr val="tx1">
+            <a:lumMod val="5000"/>
+            <a:lumOff val="95000"/>
+          </a:schemeClr>
+        </a:solidFill>
+        <a:round/>
+      </a:ln>
+    </cs:spPr>
+  </cs:gridlineMinor>
+  <cs:hiLoLine>
+    <cs:lnRef idx="0"/>
+    <cs:fillRef idx="0"/>
+    <cs:effectRef idx="0"/>
+    <cs:fontRef idx="minor">
+      <a:schemeClr val="tx1"/>
+    </cs:fontRef>
+    <cs:spPr>
+      <a:ln w="9525" cap="flat" cmpd="sng" algn="ctr">
+        <a:solidFill>
+          <a:schemeClr val="tx1">
+            <a:lumMod val="50000"/>
+            <a:lumOff val="50000"/>
+          </a:schemeClr>
+        </a:solidFill>
+        <a:round/>
+      </a:ln>
+    </cs:spPr>
+  </cs:hiLoLine>
+  <cs:leaderLine>
+    <cs:lnRef idx="0"/>
+    <cs:fillRef idx="0"/>
+    <cs:effectRef idx="0"/>
+    <cs:fontRef idx="minor">
+      <a:schemeClr val="tx1"/>
+    </cs:fontRef>
+    <cs:spPr>
+      <a:ln w="9525" cap="flat" cmpd="sng" algn="ctr">
+        <a:solidFill>
+          <a:schemeClr val="tx1">
+            <a:lumMod val="35000"/>
+            <a:lumOff val="65000"/>
+          </a:schemeClr>
+        </a:solidFill>
+        <a:round/>
+      </a:ln>
+    </cs:spPr>
+  </cs:leaderLine>
+  <cs:legend>
+    <cs:lnRef idx="0"/>
+    <cs:fillRef idx="0"/>
+    <cs:effectRef idx="0"/>
+    <cs:fontRef idx="minor">
+      <a:schemeClr val="tx1">
+        <a:lumMod val="65000"/>
+        <a:lumOff val="35000"/>
+      </a:schemeClr>
+    </cs:fontRef>
+    <cs:defRPr sz="1197" kern="1200"/>
+  </cs:legend>
+  <cs:plotArea mods="allowNoFillOverride allowNoLineOverride">
+    <cs:lnRef idx="0"/>
+    <cs:fillRef idx="0"/>
+    <cs:effectRef idx="0"/>
+    <cs:fontRef idx="minor">
+      <a:schemeClr val="tx1"/>
+    </cs:fontRef>
+  </cs:plotArea>
+  <cs:plotArea3D mods="allowNoFillOverride allowNoLineOverride">
+    <cs:lnRef idx="0"/>
+    <cs:fillRef idx="0"/>
+    <cs:effectRef idx="0"/>
+    <cs:fontRef idx="minor">
+      <a:schemeClr val="tx1"/>
+    </cs:fontRef>
+  </cs:plotArea3D>
+  <cs:seriesAxis>
+    <cs:lnRef idx="0"/>
+    <cs:fillRef idx="0"/>
+    <cs:effectRef idx="0"/>
+    <cs:fontRef idx="minor">
+      <a:schemeClr val="tx1">
+        <a:lumMod val="65000"/>
+        <a:lumOff val="35000"/>
+      </a:schemeClr>
+    </cs:fontRef>
+    <cs:defRPr sz="1197" kern="1200"/>
+  </cs:seriesAxis>
+  <cs:seriesLine>
+    <cs:lnRef idx="0"/>
+    <cs:fillRef idx="0"/>
+    <cs:effectRef idx="0"/>
+    <cs:fontRef idx="minor">
+      <a:schemeClr val="tx1"/>
+    </cs:fontRef>
+    <cs:spPr>
+      <a:ln w="9525" cap="flat" cmpd="sng" algn="ctr">
+        <a:solidFill>
+          <a:schemeClr val="tx1">
+            <a:lumMod val="35000"/>
+            <a:lumOff val="65000"/>
+          </a:schemeClr>
+        </a:solidFill>
+        <a:round/>
+      </a:ln>
+    </cs:spPr>
+  </cs:seriesLine>
+  <cs:title>
+    <cs:lnRef idx="0"/>
+    <cs:fillRef idx="0"/>
+    <cs:effectRef idx="0"/>
+    <cs:fontRef idx="minor">
+      <a:schemeClr val="tx1">
+        <a:lumMod val="65000"/>
+        <a:lumOff val="35000"/>
+      </a:schemeClr>
+    </cs:fontRef>
+    <cs:defRPr sz="1862" b="0" kern="1200" spc="0" baseline="0"/>
+  </cs:title>
+  <cs:trendline>
+    <cs:lnRef idx="0">
+      <cs:styleClr val="auto"/>
+    </cs:lnRef>
+    <cs:fillRef idx="0"/>
+    <cs:effectRef idx="0"/>
+    <cs:fontRef idx="minor">
+      <a:schemeClr val="tx1"/>
+    </cs:fontRef>
+    <cs:spPr>
+      <a:ln w="19050" cap="rnd">
+        <a:solidFill>
+          <a:schemeClr val="phClr"/>
+        </a:solidFill>
+        <a:prstDash val="sysDot"/>
+      </a:ln>
+    </cs:spPr>
+  </cs:trendline>
+  <cs:trendlineLabel>
+    <cs:lnRef idx="0"/>
+    <cs:fillRef idx="0"/>
+    <cs:effectRef idx="0"/>
+    <cs:fontRef idx="minor">
+      <a:schemeClr val="tx1">
+        <a:lumMod val="65000"/>
+        <a:lumOff val="35000"/>
+      </a:schemeClr>
+    </cs:fontRef>
+    <cs:defRPr sz="1197" kern="1200"/>
+  </cs:trendlineLabel>
+  <cs:upBar>
+    <cs:lnRef idx="0"/>
+    <cs:fillRef idx="0"/>
+    <cs:effectRef idx="0"/>
+    <cs:fontRef idx="minor">
+      <a:schemeClr val="tx1"/>
+    </cs:fontRef>
+    <cs:spPr>
+      <a:solidFill>
+        <a:schemeClr val="lt1"/>
+      </a:solidFill>
+      <a:ln w="9525" cap="flat" cmpd="sng" algn="ctr">
+        <a:solidFill>
+          <a:schemeClr val="tx1">
+            <a:lumMod val="65000"/>
+            <a:lumOff val="35000"/>
+          </a:schemeClr>
+        </a:solidFill>
+        <a:round/>
+      </a:ln>
+    </cs:spPr>
+  </cs:upBar>
+  <cs:valueAxis>
+    <cs:lnRef idx="0"/>
+    <cs:fillRef idx="0"/>
+    <cs:effectRef idx="0"/>
+    <cs:fontRef idx="minor">
+      <a:schemeClr val="tx1">
+        <a:lumMod val="65000"/>
+        <a:lumOff val="35000"/>
+      </a:schemeClr>
+    </cs:fontRef>
+    <cs:defRPr sz="1197" kern="1200"/>
+  </cs:valueAxis>
+  <cs:wall>
+    <cs:lnRef idx="0"/>
+    <cs:fillRef idx="0"/>
+    <cs:effectRef idx="0"/>
+    <cs:fontRef idx="minor">
+      <a:schemeClr val="tx1"/>
+    </cs:fontRef>
+    <cs:spPr>
+      <a:noFill/>
+      <a:ln>
+        <a:noFill/>
+      </a:ln>
+    </cs:spPr>
+  </cs:wall>
+</cs:chartStyle>
 </file>
 
-<file path=ppt/comments/comment2.xml><?xml version="1.0" encoding="utf-8"?>
+<file path=ppt/comments/comment1.xml><?xml version="1.0" encoding="utf-8"?>
 <p:cmLst xmlns:a="http://schemas.openxmlformats.org/drawingml/2006/main" xmlns:r="http://schemas.openxmlformats.org/officeDocument/2006/relationships" xmlns:p="http://schemas.openxmlformats.org/presentationml/2006/main">
   <p:cm authorId="1" dt="2020-10-08T22:08:54.471" idx="1">
     <p:pos x="10" y="10"/>
@@ -5821,6 +6373,61 @@
 </dgm:styleDef>
 </file>
 
+<file path=ppt/drawings/drawing1.xml><?xml version="1.0" encoding="utf-8"?>
+<c:userShapes xmlns:c="http://schemas.openxmlformats.org/drawingml/2006/chart">
+  <cdr:relSizeAnchor xmlns:cdr="http://schemas.openxmlformats.org/drawingml/2006/chartDrawing">
+    <cdr:from>
+      <cdr:x>0.13303</cdr:x>
+      <cdr:y>0.36792</cdr:y>
+    </cdr:from>
+    <cdr:to>
+      <cdr:x>0.47017</cdr:x>
+      <cdr:y>0.55471</cdr:y>
+    </cdr:to>
+    <cdr:sp macro="" textlink="">
+      <cdr:nvSpPr>
+        <cdr:cNvPr id="2" name="TextBox 1">
+          <a:extLst xmlns:a="http://schemas.openxmlformats.org/drawingml/2006/main">
+            <a:ext uri="{FF2B5EF4-FFF2-40B4-BE49-F238E27FC236}">
+              <a16:creationId xmlns:a16="http://schemas.microsoft.com/office/drawing/2014/main" id="{18D85E8A-C3DD-0D4E-89B8-30C13DD2E539}"/>
+            </a:ext>
+          </a:extLst>
+        </cdr:cNvPr>
+        <cdr:cNvSpPr txBox="1"/>
+      </cdr:nvSpPr>
+      <cdr:spPr>
+        <a:xfrm xmlns:a="http://schemas.openxmlformats.org/drawingml/2006/main">
+          <a:off x="321227" y="925780"/>
+          <a:ext cx="814101" cy="470006"/>
+        </a:xfrm>
+        <a:prstGeom xmlns:a="http://schemas.openxmlformats.org/drawingml/2006/main" prst="rect">
+          <a:avLst/>
+        </a:prstGeom>
+      </cdr:spPr>
+      <cdr:txBody>
+        <a:bodyPr xmlns:a="http://schemas.openxmlformats.org/drawingml/2006/main" vertOverflow="clip" wrap="square" rtlCol="0"/>
+        <a:lstStyle xmlns:a="http://schemas.openxmlformats.org/drawingml/2006/main"/>
+        <a:p xmlns:a="http://schemas.openxmlformats.org/drawingml/2006/main">
+          <a:pPr algn="ctr"/>
+          <a:r>
+            <a:rPr lang="en-US" sz="1100" b="1" dirty="0"/>
+            <a:t>SINGLE </a:t>
+          </a:r>
+        </a:p>
+        <a:p xmlns:a="http://schemas.openxmlformats.org/drawingml/2006/main">
+          <a:pPr algn="ctr"/>
+          <a:r>
+            <a:rPr lang="en-US" b="1" dirty="0"/>
+            <a:t>ORDER</a:t>
+          </a:r>
+          <a:endParaRPr lang="en-US" sz="1100" b="1" dirty="0"/>
+        </a:p>
+      </cdr:txBody>
+    </cdr:sp>
+  </cdr:relSizeAnchor>
+</c:userShapes>
+</file>
+
 <file path=ppt/notesMasters/notesMaster1.xml><?xml version="1.0" encoding="utf-8"?>
 <p:notesMaster xmlns:a="http://schemas.openxmlformats.org/drawingml/2006/main" xmlns:r="http://schemas.openxmlformats.org/officeDocument/2006/relationships" xmlns:p="http://schemas.openxmlformats.org/presentationml/2006/main">
   <p:cSld>
@@ -5870,7 +6477,7 @@
             </a:lvl1pPr>
           </a:lstStyle>
           <a:p>
-            <a:endParaRPr lang="en-US"/>
+            <a:endParaRPr lang="en-US" dirty="0"/>
           </a:p>
         </p:txBody>
       </p:sp>
@@ -5905,7 +6512,7 @@
               <a:rPr lang="en-US" smtClean="0"/>
               <a:t>10/8/20</a:t>
             </a:fld>
-            <a:endParaRPr lang="en-US"/>
+            <a:endParaRPr lang="en-US" dirty="0"/>
           </a:p>
         </p:txBody>
       </p:sp>
@@ -5938,7 +6545,7 @@
           <a:bodyPr vert="horz" lIns="91440" tIns="45720" rIns="91440" bIns="45720" rtlCol="0" anchor="ctr"/>
           <a:lstStyle/>
           <a:p>
-            <a:endParaRPr lang="en-US"/>
+            <a:endParaRPr lang="en-US" dirty="0"/>
           </a:p>
         </p:txBody>
       </p:sp>
@@ -6028,7 +6635,7 @@
             </a:lvl1pPr>
           </a:lstStyle>
           <a:p>
-            <a:endParaRPr lang="en-US"/>
+            <a:endParaRPr lang="en-US" dirty="0"/>
           </a:p>
         </p:txBody>
       </p:sp>
@@ -6063,7 +6670,7 @@
               <a:rPr lang="en-US" smtClean="0"/>
               <a:t>‹#›</a:t>
             </a:fld>
-            <a:endParaRPr lang="en-US"/>
+            <a:endParaRPr lang="en-US" dirty="0"/>
           </a:p>
         </p:txBody>
       </p:sp>
@@ -6299,7 +6906,7 @@
           <a:lstStyle/>
           <a:p>
             <a:r>
-              <a:rPr lang="en-US"/>
+              <a:rPr lang="en-US" dirty="0"/>
               <a:t>The time to delivery is a simple function of the the time the delivery starts, the time spent waiting at the pickup place, and the time spent traveling to the customer. We should seek to minimize time spent waiting at the business since the time spent traveling to the customer is out of our control.</a:t>
             </a:r>
           </a:p>
@@ -6324,7 +6931,7 @@
               <a:rPr lang="en-US" smtClean="0"/>
               <a:t>13</a:t>
             </a:fld>
-            <a:endParaRPr lang="en-US"/>
+            <a:endParaRPr lang="en-US" dirty="0"/>
           </a:p>
         </p:txBody>
       </p:sp>
@@ -6490,7 +7097,7 @@
               <a:rPr lang="en-US" smtClean="0"/>
               <a:t>10/7/20</a:t>
             </a:fld>
-            <a:endParaRPr lang="en-US"/>
+            <a:endParaRPr lang="en-US" dirty="0"/>
           </a:p>
         </p:txBody>
       </p:sp>
@@ -6515,7 +7122,7 @@
           <a:bodyPr/>
           <a:lstStyle/>
           <a:p>
-            <a:endParaRPr lang="en-US"/>
+            <a:endParaRPr lang="en-US" dirty="0"/>
           </a:p>
         </p:txBody>
       </p:sp>
@@ -6544,7 +7151,7 @@
               <a:rPr lang="en-US" smtClean="0"/>
               <a:t>‹#›</a:t>
             </a:fld>
-            <a:endParaRPr lang="en-US"/>
+            <a:endParaRPr lang="en-US" dirty="0"/>
           </a:p>
         </p:txBody>
       </p:sp>
@@ -6688,7 +7295,7 @@
               <a:rPr lang="en-US" smtClean="0"/>
               <a:t>10/7/20</a:t>
             </a:fld>
-            <a:endParaRPr lang="en-US"/>
+            <a:endParaRPr lang="en-US" dirty="0"/>
           </a:p>
         </p:txBody>
       </p:sp>
@@ -6713,7 +7320,7 @@
           <a:bodyPr/>
           <a:lstStyle/>
           <a:p>
-            <a:endParaRPr lang="en-US"/>
+            <a:endParaRPr lang="en-US" dirty="0"/>
           </a:p>
         </p:txBody>
       </p:sp>
@@ -6742,7 +7349,7 @@
               <a:rPr lang="en-US" smtClean="0"/>
               <a:t>‹#›</a:t>
             </a:fld>
-            <a:endParaRPr lang="en-US"/>
+            <a:endParaRPr lang="en-US" dirty="0"/>
           </a:p>
         </p:txBody>
       </p:sp>
@@ -6896,7 +7503,7 @@
               <a:rPr lang="en-US" smtClean="0"/>
               <a:t>10/7/20</a:t>
             </a:fld>
-            <a:endParaRPr lang="en-US"/>
+            <a:endParaRPr lang="en-US" dirty="0"/>
           </a:p>
         </p:txBody>
       </p:sp>
@@ -6921,7 +7528,7 @@
           <a:bodyPr/>
           <a:lstStyle/>
           <a:p>
-            <a:endParaRPr lang="en-US"/>
+            <a:endParaRPr lang="en-US" dirty="0"/>
           </a:p>
         </p:txBody>
       </p:sp>
@@ -6950,7 +7557,7 @@
               <a:rPr lang="en-US" smtClean="0"/>
               <a:t>‹#›</a:t>
             </a:fld>
-            <a:endParaRPr lang="en-US"/>
+            <a:endParaRPr lang="en-US" dirty="0"/>
           </a:p>
         </p:txBody>
       </p:sp>
@@ -7094,7 +7701,7 @@
               <a:rPr lang="en-US" smtClean="0"/>
               <a:t>10/7/20</a:t>
             </a:fld>
-            <a:endParaRPr lang="en-US"/>
+            <a:endParaRPr lang="en-US" dirty="0"/>
           </a:p>
         </p:txBody>
       </p:sp>
@@ -7119,7 +7726,7 @@
           <a:bodyPr/>
           <a:lstStyle/>
           <a:p>
-            <a:endParaRPr lang="en-US"/>
+            <a:endParaRPr lang="en-US" dirty="0"/>
           </a:p>
         </p:txBody>
       </p:sp>
@@ -7145,7 +7752,7 @@
           <a:lstStyle/>
           <a:p>
             <a:r>
-              <a:rPr lang="en-US"/>
+              <a:rPr lang="en-US" dirty="0"/>
               <a:t>#</a:t>
             </a:r>
           </a:p>
@@ -7368,7 +7975,7 @@
               <a:rPr lang="en-US" smtClean="0"/>
               <a:t>10/7/20</a:t>
             </a:fld>
-            <a:endParaRPr lang="en-US"/>
+            <a:endParaRPr lang="en-US" dirty="0"/>
           </a:p>
         </p:txBody>
       </p:sp>
@@ -7393,7 +8000,7 @@
           <a:bodyPr/>
           <a:lstStyle/>
           <a:p>
-            <a:endParaRPr lang="en-US"/>
+            <a:endParaRPr lang="en-US" dirty="0"/>
           </a:p>
         </p:txBody>
       </p:sp>
@@ -7422,7 +8029,7 @@
               <a:rPr lang="en-US" smtClean="0"/>
               <a:t>‹#›</a:t>
             </a:fld>
-            <a:endParaRPr lang="en-US"/>
+            <a:endParaRPr lang="en-US" dirty="0"/>
           </a:p>
         </p:txBody>
       </p:sp>
@@ -7633,7 +8240,7 @@
               <a:rPr lang="en-US" smtClean="0"/>
               <a:t>10/7/20</a:t>
             </a:fld>
-            <a:endParaRPr lang="en-US"/>
+            <a:endParaRPr lang="en-US" dirty="0"/>
           </a:p>
         </p:txBody>
       </p:sp>
@@ -7658,7 +8265,7 @@
           <a:bodyPr/>
           <a:lstStyle/>
           <a:p>
-            <a:endParaRPr lang="en-US"/>
+            <a:endParaRPr lang="en-US" dirty="0"/>
           </a:p>
         </p:txBody>
       </p:sp>
@@ -7687,7 +8294,7 @@
               <a:rPr lang="en-US" smtClean="0"/>
               <a:t>‹#›</a:t>
             </a:fld>
-            <a:endParaRPr lang="en-US"/>
+            <a:endParaRPr lang="en-US" dirty="0"/>
           </a:p>
         </p:txBody>
       </p:sp>
@@ -8045,7 +8652,7 @@
               <a:rPr lang="en-US" smtClean="0"/>
               <a:t>10/7/20</a:t>
             </a:fld>
-            <a:endParaRPr lang="en-US"/>
+            <a:endParaRPr lang="en-US" dirty="0"/>
           </a:p>
         </p:txBody>
       </p:sp>
@@ -8070,7 +8677,7 @@
           <a:bodyPr/>
           <a:lstStyle/>
           <a:p>
-            <a:endParaRPr lang="en-US"/>
+            <a:endParaRPr lang="en-US" dirty="0"/>
           </a:p>
         </p:txBody>
       </p:sp>
@@ -8099,7 +8706,7 @@
               <a:rPr lang="en-US" smtClean="0"/>
               <a:t>‹#›</a:t>
             </a:fld>
-            <a:endParaRPr lang="en-US"/>
+            <a:endParaRPr lang="en-US" dirty="0"/>
           </a:p>
         </p:txBody>
       </p:sp>
@@ -8186,7 +8793,7 @@
               <a:rPr lang="en-US" smtClean="0"/>
               <a:t>10/7/20</a:t>
             </a:fld>
-            <a:endParaRPr lang="en-US"/>
+            <a:endParaRPr lang="en-US" dirty="0"/>
           </a:p>
         </p:txBody>
       </p:sp>
@@ -8211,7 +8818,7 @@
           <a:bodyPr/>
           <a:lstStyle/>
           <a:p>
-            <a:endParaRPr lang="en-US"/>
+            <a:endParaRPr lang="en-US" dirty="0"/>
           </a:p>
         </p:txBody>
       </p:sp>
@@ -8240,7 +8847,7 @@
               <a:rPr lang="en-US" smtClean="0"/>
               <a:t>‹#›</a:t>
             </a:fld>
-            <a:endParaRPr lang="en-US"/>
+            <a:endParaRPr lang="en-US" dirty="0"/>
           </a:p>
         </p:txBody>
       </p:sp>
@@ -8299,7 +8906,7 @@
               <a:rPr lang="en-US" smtClean="0"/>
               <a:t>10/7/20</a:t>
             </a:fld>
-            <a:endParaRPr lang="en-US"/>
+            <a:endParaRPr lang="en-US" dirty="0"/>
           </a:p>
         </p:txBody>
       </p:sp>
@@ -8324,7 +8931,7 @@
           <a:bodyPr/>
           <a:lstStyle/>
           <a:p>
-            <a:endParaRPr lang="en-US"/>
+            <a:endParaRPr lang="en-US" dirty="0"/>
           </a:p>
         </p:txBody>
       </p:sp>
@@ -8353,7 +8960,7 @@
               <a:rPr lang="en-US" smtClean="0"/>
               <a:t>‹#›</a:t>
             </a:fld>
-            <a:endParaRPr lang="en-US"/>
+            <a:endParaRPr lang="en-US" dirty="0"/>
           </a:p>
         </p:txBody>
       </p:sp>
@@ -8610,7 +9217,7 @@
               <a:rPr lang="en-US" smtClean="0"/>
               <a:t>10/7/20</a:t>
             </a:fld>
-            <a:endParaRPr lang="en-US"/>
+            <a:endParaRPr lang="en-US" dirty="0"/>
           </a:p>
         </p:txBody>
       </p:sp>
@@ -8635,7 +9242,7 @@
           <a:bodyPr/>
           <a:lstStyle/>
           <a:p>
-            <a:endParaRPr lang="en-US"/>
+            <a:endParaRPr lang="en-US" dirty="0"/>
           </a:p>
         </p:txBody>
       </p:sp>
@@ -8664,7 +9271,7 @@
               <a:rPr lang="en-US" smtClean="0"/>
               <a:t>‹#›</a:t>
             </a:fld>
-            <a:endParaRPr lang="en-US"/>
+            <a:endParaRPr lang="en-US" dirty="0"/>
           </a:p>
         </p:txBody>
       </p:sp>
@@ -8798,7 +9405,7 @@
             </a:lvl9pPr>
           </a:lstStyle>
           <a:p>
-            <a:endParaRPr lang="en-US"/>
+            <a:endParaRPr lang="en-US" dirty="0"/>
           </a:p>
         </p:txBody>
       </p:sp>
@@ -8898,7 +9505,7 @@
               <a:rPr lang="en-US" smtClean="0"/>
               <a:t>10/7/20</a:t>
             </a:fld>
-            <a:endParaRPr lang="en-US"/>
+            <a:endParaRPr lang="en-US" dirty="0"/>
           </a:p>
         </p:txBody>
       </p:sp>
@@ -8923,7 +9530,7 @@
           <a:bodyPr/>
           <a:lstStyle/>
           <a:p>
-            <a:endParaRPr lang="en-US"/>
+            <a:endParaRPr lang="en-US" dirty="0"/>
           </a:p>
         </p:txBody>
       </p:sp>
@@ -8952,7 +9559,7 @@
               <a:rPr lang="en-US" smtClean="0"/>
               <a:t>‹#›</a:t>
             </a:fld>
-            <a:endParaRPr lang="en-US"/>
+            <a:endParaRPr lang="en-US" dirty="0"/>
           </a:p>
         </p:txBody>
       </p:sp>
@@ -9139,7 +9746,7 @@
               <a:rPr lang="en-US" smtClean="0"/>
               <a:t>10/7/20</a:t>
             </a:fld>
-            <a:endParaRPr lang="en-US"/>
+            <a:endParaRPr lang="en-US" dirty="0"/>
           </a:p>
         </p:txBody>
       </p:sp>
@@ -9182,7 +9789,7 @@
             </a:lvl1pPr>
           </a:lstStyle>
           <a:p>
-            <a:endParaRPr lang="en-US"/>
+            <a:endParaRPr lang="en-US" dirty="0"/>
           </a:p>
         </p:txBody>
       </p:sp>
@@ -9229,7 +9836,7 @@
               <a:rPr lang="en-US" smtClean="0"/>
               <a:t>‹#›</a:t>
             </a:fld>
-            <a:endParaRPr lang="en-US"/>
+            <a:endParaRPr lang="en-US" dirty="0"/>
           </a:p>
         </p:txBody>
       </p:sp>
@@ -9592,7 +10199,7 @@
             </a:br>
             <a:r>
               <a:rPr lang="en-US" b="1" dirty="0"/>
-              <a:t>New Market Analysis</a:t>
+              <a:t>[New Market Analysis]</a:t>
             </a:r>
           </a:p>
         </p:txBody>
@@ -9955,11 +10562,11 @@
                   </a:schemeClr>
                 </a:solidFill>
               </a:rPr>
-              <a:t>4</a:t>
+              <a:t>4.1</a:t>
             </a:r>
             <a:r>
               <a:rPr lang="en-US" b="1" dirty="0"/>
-              <a:t> DATA INTEGRITY CONCERNS</a:t>
+              <a:t> DATASET [INTEGRITY CONCERNS]</a:t>
             </a:r>
           </a:p>
         </p:txBody>
@@ -9982,8 +10589,8 @@
         </p:nvSpPr>
         <p:spPr>
           <a:xfrm>
-            <a:off x="914400" y="1690688"/>
-            <a:ext cx="5181600" cy="431438"/>
+            <a:off x="241717" y="1856873"/>
+            <a:ext cx="6303191" cy="431438"/>
           </a:xfrm>
         </p:spPr>
         <p:txBody>
@@ -9996,8 +10603,8 @@
               <a:buNone/>
             </a:pPr>
             <a:r>
-              <a:rPr lang="en-US" sz="1200" dirty="0"/>
-              <a:t>There is a systematic issue in data collection as evidence by the missing records:</a:t>
+              <a:rPr lang="en-US" sz="1800" dirty="0"/>
+              <a:t>Systemic data quality problems</a:t>
             </a:r>
           </a:p>
         </p:txBody>
@@ -10017,14 +10624,14 @@
           <p:nvPr>
             <p:extLst>
               <p:ext uri="{D42A27DB-BD31-4B8C-83A1-F6EECF244321}">
-                <p14:modId xmlns:p14="http://schemas.microsoft.com/office/powerpoint/2010/main" val="3865230126"/>
+                <p14:modId xmlns:p14="http://schemas.microsoft.com/office/powerpoint/2010/main" val="1375816670"/>
               </p:ext>
             </p:extLst>
           </p:nvPr>
         </p:nvGraphicFramePr>
         <p:xfrm>
-          <a:off x="995423" y="2227225"/>
-          <a:ext cx="4734045" cy="3590482"/>
+          <a:off x="241717" y="2288311"/>
+          <a:ext cx="2916819" cy="4121696"/>
         </p:xfrm>
         <a:graphic>
           <a:graphicData uri="http://schemas.openxmlformats.org/drawingml/2006/table">
@@ -10033,14 +10640,14 @@
                 <a:tableStyleId>{5C22544A-7EE6-4342-B048-85BDC9FD1C3A}</a:tableStyleId>
               </a:tblPr>
               <a:tblGrid>
-                <a:gridCol w="3136065">
+                <a:gridCol w="2096369">
                   <a:extLst>
                     <a:ext uri="{9D8B030D-6E8A-4147-A177-3AD203B41FA5}">
                       <a16:colId xmlns:a16="http://schemas.microsoft.com/office/drawing/2014/main" val="1258085703"/>
                     </a:ext>
                   </a:extLst>
                 </a:gridCol>
-                <a:gridCol w="1597980">
+                <a:gridCol w="820450">
                   <a:extLst>
                     <a:ext uri="{9D8B030D-6E8A-4147-A177-3AD203B41FA5}">
                       <a16:colId xmlns:a16="http://schemas.microsoft.com/office/drawing/2014/main" val="3386613569"/>
@@ -10412,7 +11019,7 @@
                           <a:effectLst/>
                           <a:latin typeface="Calibri" panose="020F0502020204030204" pitchFamily="34" charset="0"/>
                         </a:rPr>
-                        <a:t>1230</a:t>
+                        <a:t>1,230</a:t>
                       </a:r>
                     </a:p>
                   </a:txBody>
@@ -10459,7 +11066,7 @@
                           <a:effectLst/>
                           <a:latin typeface="Calibri" panose="020F0502020204030204" pitchFamily="34" charset="0"/>
                         </a:rPr>
-                        <a:t>1230</a:t>
+                        <a:t>1,230</a:t>
                       </a:r>
                     </a:p>
                   </a:txBody>
@@ -10506,7 +11113,7 @@
                           <a:effectLst/>
                           <a:latin typeface="Calibri" panose="020F0502020204030204" pitchFamily="34" charset="0"/>
                         </a:rPr>
-                        <a:t>1230</a:t>
+                        <a:t>1,230</a:t>
                       </a:r>
                     </a:p>
                   </a:txBody>
@@ -10553,7 +11160,7 @@
                           <a:effectLst/>
                           <a:latin typeface="Calibri" panose="020F0502020204030204" pitchFamily="34" charset="0"/>
                         </a:rPr>
-                        <a:t>2945</a:t>
+                        <a:t>2,945</a:t>
                       </a:r>
                     </a:p>
                   </a:txBody>
@@ -10945,6 +11552,916 @@
           </a:graphicData>
         </a:graphic>
       </p:graphicFrame>
+      <p:grpSp>
+        <p:nvGrpSpPr>
+          <p:cNvPr id="18" name="Group 17">
+            <a:extLst>
+              <a:ext uri="{FF2B5EF4-FFF2-40B4-BE49-F238E27FC236}">
+                <a16:creationId xmlns:a16="http://schemas.microsoft.com/office/drawing/2014/main" id="{235C2947-CD6C-204B-9BB5-A88B9F60F749}"/>
+              </a:ext>
+            </a:extLst>
+          </p:cNvPr>
+          <p:cNvGrpSpPr/>
+          <p:nvPr/>
+        </p:nvGrpSpPr>
+        <p:grpSpPr>
+          <a:xfrm>
+            <a:off x="7011173" y="2288311"/>
+            <a:ext cx="5071639" cy="2742342"/>
+            <a:chOff x="6562846" y="1645080"/>
+            <a:chExt cx="5071639" cy="2742342"/>
+          </a:xfrm>
+        </p:grpSpPr>
+        <p:pic>
+          <p:nvPicPr>
+            <p:cNvPr id="14" name="Picture 13">
+              <a:extLst>
+                <a:ext uri="{FF2B5EF4-FFF2-40B4-BE49-F238E27FC236}">
+                  <a16:creationId xmlns:a16="http://schemas.microsoft.com/office/drawing/2014/main" id="{8470A7D9-B0D0-8948-A51C-27C18BC9E30E}"/>
+                </a:ext>
+              </a:extLst>
+            </p:cNvPr>
+            <p:cNvPicPr>
+              <a:picLocks noChangeAspect="1"/>
+            </p:cNvPicPr>
+            <p:nvPr/>
+          </p:nvPicPr>
+          <p:blipFill>
+            <a:blip r:embed="rId2"/>
+            <a:stretch>
+              <a:fillRect/>
+            </a:stretch>
+          </p:blipFill>
+          <p:spPr>
+            <a:xfrm>
+              <a:off x="6562846" y="1645080"/>
+              <a:ext cx="4441968" cy="2742342"/>
+            </a:xfrm>
+            <a:prstGeom prst="rect">
+              <a:avLst/>
+            </a:prstGeom>
+          </p:spPr>
+        </p:pic>
+        <p:sp>
+          <p:nvSpPr>
+            <p:cNvPr id="15" name="Oval 14">
+              <a:extLst>
+                <a:ext uri="{FF2B5EF4-FFF2-40B4-BE49-F238E27FC236}">
+                  <a16:creationId xmlns:a16="http://schemas.microsoft.com/office/drawing/2014/main" id="{4DD39339-EA4B-8648-9175-EE6414F8B859}"/>
+                </a:ext>
+              </a:extLst>
+            </p:cNvPr>
+            <p:cNvSpPr/>
+            <p:nvPr/>
+          </p:nvSpPr>
+          <p:spPr>
+            <a:xfrm>
+              <a:off x="10571544" y="1690688"/>
+              <a:ext cx="433270" cy="368169"/>
+            </a:xfrm>
+            <a:prstGeom prst="ellipse">
+              <a:avLst/>
+            </a:prstGeom>
+            <a:noFill/>
+            <a:ln w="41275">
+              <a:solidFill>
+                <a:srgbClr val="FF0000"/>
+              </a:solidFill>
+            </a:ln>
+          </p:spPr>
+          <p:style>
+            <a:lnRef idx="2">
+              <a:schemeClr val="accent1">
+                <a:shade val="50000"/>
+              </a:schemeClr>
+            </a:lnRef>
+            <a:fillRef idx="1">
+              <a:schemeClr val="accent1"/>
+            </a:fillRef>
+            <a:effectRef idx="0">
+              <a:schemeClr val="accent1"/>
+            </a:effectRef>
+            <a:fontRef idx="minor">
+              <a:schemeClr val="lt1"/>
+            </a:fontRef>
+          </p:style>
+          <p:txBody>
+            <a:bodyPr rtlCol="0" anchor="ctr"/>
+            <a:lstStyle/>
+            <a:p>
+              <a:pPr algn="ctr"/>
+              <a:endParaRPr lang="en-US" dirty="0"/>
+            </a:p>
+          </p:txBody>
+        </p:sp>
+        <p:sp>
+          <p:nvSpPr>
+            <p:cNvPr id="16" name="TextBox 15">
+              <a:extLst>
+                <a:ext uri="{FF2B5EF4-FFF2-40B4-BE49-F238E27FC236}">
+                  <a16:creationId xmlns:a16="http://schemas.microsoft.com/office/drawing/2014/main" id="{47402183-9A22-CC42-8D68-02E8E497A7D0}"/>
+                </a:ext>
+              </a:extLst>
+            </p:cNvPr>
+            <p:cNvSpPr txBox="1"/>
+            <p:nvPr/>
+          </p:nvSpPr>
+          <p:spPr>
+            <a:xfrm>
+              <a:off x="10439790" y="2058857"/>
+              <a:ext cx="756787" cy="276999"/>
+            </a:xfrm>
+            <a:prstGeom prst="rect">
+              <a:avLst/>
+            </a:prstGeom>
+            <a:noFill/>
+          </p:spPr>
+          <p:txBody>
+            <a:bodyPr wrap="square" rtlCol="0">
+              <a:spAutoFit/>
+            </a:bodyPr>
+            <a:lstStyle/>
+            <a:p>
+              <a:pPr algn="ctr"/>
+              <a:r>
+                <a:rPr lang="en-US" sz="1200" dirty="0">
+                  <a:solidFill>
+                    <a:srgbClr val="FF0000"/>
+                  </a:solidFill>
+                </a:rPr>
+                <a:t>115 mph</a:t>
+              </a:r>
+            </a:p>
+          </p:txBody>
+        </p:sp>
+        <p:sp>
+          <p:nvSpPr>
+            <p:cNvPr id="17" name="TextBox 16">
+              <a:extLst>
+                <a:ext uri="{FF2B5EF4-FFF2-40B4-BE49-F238E27FC236}">
+                  <a16:creationId xmlns:a16="http://schemas.microsoft.com/office/drawing/2014/main" id="{7D69FC7B-3E70-4B48-A959-44F1C0080094}"/>
+                </a:ext>
+              </a:extLst>
+            </p:cNvPr>
+            <p:cNvSpPr txBox="1"/>
+            <p:nvPr/>
+          </p:nvSpPr>
+          <p:spPr>
+            <a:xfrm>
+              <a:off x="10001880" y="2335856"/>
+              <a:ext cx="1632605" cy="646331"/>
+            </a:xfrm>
+            <a:prstGeom prst="rect">
+              <a:avLst/>
+            </a:prstGeom>
+            <a:solidFill>
+              <a:schemeClr val="bg1"/>
+            </a:solidFill>
+            <a:ln>
+              <a:solidFill>
+                <a:srgbClr val="FF0000"/>
+              </a:solidFill>
+            </a:ln>
+          </p:spPr>
+          <p:txBody>
+            <a:bodyPr wrap="square" rtlCol="0">
+              <a:spAutoFit/>
+            </a:bodyPr>
+            <a:lstStyle/>
+            <a:p>
+              <a:pPr algn="ctr"/>
+              <a:r>
+                <a:rPr lang="en-US" sz="1200" dirty="0">
+                  <a:solidFill>
+                    <a:srgbClr val="FF0000"/>
+                  </a:solidFill>
+                </a:rPr>
+                <a:t>Not even Lance Armstrong could achieve these speeds!</a:t>
+              </a:r>
+            </a:p>
+          </p:txBody>
+        </p:sp>
+      </p:grpSp>
+      <p:pic>
+        <p:nvPicPr>
+          <p:cNvPr id="19" name="Picture 18">
+            <a:extLst>
+              <a:ext uri="{FF2B5EF4-FFF2-40B4-BE49-F238E27FC236}">
+                <a16:creationId xmlns:a16="http://schemas.microsoft.com/office/drawing/2014/main" id="{4668D784-DF3D-D34A-92F7-59BFC216C959}"/>
+              </a:ext>
+            </a:extLst>
+          </p:cNvPr>
+          <p:cNvPicPr>
+            <a:picLocks noChangeAspect="1"/>
+          </p:cNvPicPr>
+          <p:nvPr/>
+        </p:nvPicPr>
+        <p:blipFill rotWithShape="1">
+          <a:blip r:embed="rId3"/>
+          <a:srcRect l="2703" t="29267"/>
+          <a:stretch/>
+        </p:blipFill>
+        <p:spPr>
+          <a:xfrm>
+            <a:off x="3402957" y="4039564"/>
+            <a:ext cx="3222769" cy="2811386"/>
+          </a:xfrm>
+          <a:prstGeom prst="rect">
+            <a:avLst/>
+          </a:prstGeom>
+        </p:spPr>
+      </p:pic>
+      <p:sp>
+        <p:nvSpPr>
+          <p:cNvPr id="20" name="Content Placeholder 12">
+            <a:extLst>
+              <a:ext uri="{FF2B5EF4-FFF2-40B4-BE49-F238E27FC236}">
+                <a16:creationId xmlns:a16="http://schemas.microsoft.com/office/drawing/2014/main" id="{651C0AD6-433E-D848-A4EF-A88040FD6051}"/>
+              </a:ext>
+            </a:extLst>
+          </p:cNvPr>
+          <p:cNvSpPr txBox="1">
+            <a:spLocks/>
+          </p:cNvSpPr>
+          <p:nvPr/>
+        </p:nvSpPr>
+        <p:spPr>
+          <a:xfrm>
+            <a:off x="3402957" y="2276044"/>
+            <a:ext cx="3328871" cy="1705646"/>
+          </a:xfrm>
+          <a:prstGeom prst="rect">
+            <a:avLst/>
+          </a:prstGeom>
+        </p:spPr>
+        <p:txBody>
+          <a:bodyPr vert="horz" lIns="91440" tIns="45720" rIns="91440" bIns="45720" rtlCol="0">
+            <a:noAutofit/>
+          </a:bodyPr>
+          <a:lstStyle>
+            <a:lvl1pPr marL="228600" indent="-228600" algn="l" defTabSz="914400" rtl="0" eaLnBrk="1" latinLnBrk="0" hangingPunct="1">
+              <a:lnSpc>
+                <a:spcPct val="90000"/>
+              </a:lnSpc>
+              <a:spcBef>
+                <a:spcPts val="1000"/>
+              </a:spcBef>
+              <a:buFont typeface="Arial" panose="020B0604020202020204" pitchFamily="34" charset="0"/>
+              <a:buChar char="•"/>
+              <a:defRPr sz="2800" kern="1200">
+                <a:solidFill>
+                  <a:schemeClr val="tx1"/>
+                </a:solidFill>
+                <a:latin typeface="+mn-lt"/>
+                <a:ea typeface="+mn-ea"/>
+                <a:cs typeface="+mn-cs"/>
+              </a:defRPr>
+            </a:lvl1pPr>
+            <a:lvl2pPr marL="685800" indent="-228600" algn="l" defTabSz="914400" rtl="0" eaLnBrk="1" latinLnBrk="0" hangingPunct="1">
+              <a:lnSpc>
+                <a:spcPct val="90000"/>
+              </a:lnSpc>
+              <a:spcBef>
+                <a:spcPts val="500"/>
+              </a:spcBef>
+              <a:buFont typeface="Arial" panose="020B0604020202020204" pitchFamily="34" charset="0"/>
+              <a:buChar char="•"/>
+              <a:defRPr sz="2400" kern="1200">
+                <a:solidFill>
+                  <a:schemeClr val="tx1"/>
+                </a:solidFill>
+                <a:latin typeface="+mn-lt"/>
+                <a:ea typeface="+mn-ea"/>
+                <a:cs typeface="+mn-cs"/>
+              </a:defRPr>
+            </a:lvl2pPr>
+            <a:lvl3pPr marL="1143000" indent="-228600" algn="l" defTabSz="914400" rtl="0" eaLnBrk="1" latinLnBrk="0" hangingPunct="1">
+              <a:lnSpc>
+                <a:spcPct val="90000"/>
+              </a:lnSpc>
+              <a:spcBef>
+                <a:spcPts val="500"/>
+              </a:spcBef>
+              <a:buFont typeface="Arial" panose="020B0604020202020204" pitchFamily="34" charset="0"/>
+              <a:buChar char="•"/>
+              <a:defRPr sz="2000" kern="1200">
+                <a:solidFill>
+                  <a:schemeClr val="tx1"/>
+                </a:solidFill>
+                <a:latin typeface="+mn-lt"/>
+                <a:ea typeface="+mn-ea"/>
+                <a:cs typeface="+mn-cs"/>
+              </a:defRPr>
+            </a:lvl3pPr>
+            <a:lvl4pPr marL="1600200" indent="-228600" algn="l" defTabSz="914400" rtl="0" eaLnBrk="1" latinLnBrk="0" hangingPunct="1">
+              <a:lnSpc>
+                <a:spcPct val="90000"/>
+              </a:lnSpc>
+              <a:spcBef>
+                <a:spcPts val="500"/>
+              </a:spcBef>
+              <a:buFont typeface="Arial" panose="020B0604020202020204" pitchFamily="34" charset="0"/>
+              <a:buChar char="•"/>
+              <a:defRPr sz="1800" kern="1200">
+                <a:solidFill>
+                  <a:schemeClr val="tx1"/>
+                </a:solidFill>
+                <a:latin typeface="+mn-lt"/>
+                <a:ea typeface="+mn-ea"/>
+                <a:cs typeface="+mn-cs"/>
+              </a:defRPr>
+            </a:lvl4pPr>
+            <a:lvl5pPr marL="2057400" indent="-228600" algn="l" defTabSz="914400" rtl="0" eaLnBrk="1" latinLnBrk="0" hangingPunct="1">
+              <a:lnSpc>
+                <a:spcPct val="90000"/>
+              </a:lnSpc>
+              <a:spcBef>
+                <a:spcPts val="500"/>
+              </a:spcBef>
+              <a:buFont typeface="Arial" panose="020B0604020202020204" pitchFamily="34" charset="0"/>
+              <a:buChar char="•"/>
+              <a:defRPr sz="1800" kern="1200">
+                <a:solidFill>
+                  <a:schemeClr val="tx1"/>
+                </a:solidFill>
+                <a:latin typeface="+mn-lt"/>
+                <a:ea typeface="+mn-ea"/>
+                <a:cs typeface="+mn-cs"/>
+              </a:defRPr>
+            </a:lvl5pPr>
+            <a:lvl6pPr marL="2514600" indent="-228600" algn="l" defTabSz="914400" rtl="0" eaLnBrk="1" latinLnBrk="0" hangingPunct="1">
+              <a:lnSpc>
+                <a:spcPct val="90000"/>
+              </a:lnSpc>
+              <a:spcBef>
+                <a:spcPts val="500"/>
+              </a:spcBef>
+              <a:buFont typeface="Arial" panose="020B0604020202020204" pitchFamily="34" charset="0"/>
+              <a:buChar char="•"/>
+              <a:defRPr sz="1800" kern="1200">
+                <a:solidFill>
+                  <a:schemeClr val="tx1"/>
+                </a:solidFill>
+                <a:latin typeface="+mn-lt"/>
+                <a:ea typeface="+mn-ea"/>
+                <a:cs typeface="+mn-cs"/>
+              </a:defRPr>
+            </a:lvl6pPr>
+            <a:lvl7pPr marL="2971800" indent="-228600" algn="l" defTabSz="914400" rtl="0" eaLnBrk="1" latinLnBrk="0" hangingPunct="1">
+              <a:lnSpc>
+                <a:spcPct val="90000"/>
+              </a:lnSpc>
+              <a:spcBef>
+                <a:spcPts val="500"/>
+              </a:spcBef>
+              <a:buFont typeface="Arial" panose="020B0604020202020204" pitchFamily="34" charset="0"/>
+              <a:buChar char="•"/>
+              <a:defRPr sz="1800" kern="1200">
+                <a:solidFill>
+                  <a:schemeClr val="tx1"/>
+                </a:solidFill>
+                <a:latin typeface="+mn-lt"/>
+                <a:ea typeface="+mn-ea"/>
+                <a:cs typeface="+mn-cs"/>
+              </a:defRPr>
+            </a:lvl7pPr>
+            <a:lvl8pPr marL="3429000" indent="-228600" algn="l" defTabSz="914400" rtl="0" eaLnBrk="1" latinLnBrk="0" hangingPunct="1">
+              <a:lnSpc>
+                <a:spcPct val="90000"/>
+              </a:lnSpc>
+              <a:spcBef>
+                <a:spcPts val="500"/>
+              </a:spcBef>
+              <a:buFont typeface="Arial" panose="020B0604020202020204" pitchFamily="34" charset="0"/>
+              <a:buChar char="•"/>
+              <a:defRPr sz="1800" kern="1200">
+                <a:solidFill>
+                  <a:schemeClr val="tx1"/>
+                </a:solidFill>
+                <a:latin typeface="+mn-lt"/>
+                <a:ea typeface="+mn-ea"/>
+                <a:cs typeface="+mn-cs"/>
+              </a:defRPr>
+            </a:lvl8pPr>
+            <a:lvl9pPr marL="3886200" indent="-228600" algn="l" defTabSz="914400" rtl="0" eaLnBrk="1" latinLnBrk="0" hangingPunct="1">
+              <a:lnSpc>
+                <a:spcPct val="90000"/>
+              </a:lnSpc>
+              <a:spcBef>
+                <a:spcPts val="500"/>
+              </a:spcBef>
+              <a:buFont typeface="Arial" panose="020B0604020202020204" pitchFamily="34" charset="0"/>
+              <a:buChar char="•"/>
+              <a:defRPr sz="1800" kern="1200">
+                <a:solidFill>
+                  <a:schemeClr val="tx1"/>
+                </a:solidFill>
+                <a:latin typeface="+mn-lt"/>
+                <a:ea typeface="+mn-ea"/>
+                <a:cs typeface="+mn-cs"/>
+              </a:defRPr>
+            </a:lvl9pPr>
+          </a:lstStyle>
+          <a:p>
+            <a:pPr marL="0" indent="0">
+              <a:buFont typeface="Arial" panose="020B0604020202020204" pitchFamily="34" charset="0"/>
+              <a:buNone/>
+            </a:pPr>
+            <a:r>
+              <a:rPr lang="en-US" sz="1200" dirty="0"/>
+              <a:t>This is a heatmap of seven columns of missing data by record descending vertically.</a:t>
+            </a:r>
+          </a:p>
+          <a:p>
+            <a:pPr marL="0" indent="0">
+              <a:buFont typeface="Arial" panose="020B0604020202020204" pitchFamily="34" charset="0"/>
+              <a:buNone/>
+            </a:pPr>
+            <a:endParaRPr lang="en-US" sz="100" dirty="0"/>
+          </a:p>
+          <a:p>
+            <a:pPr marL="0" indent="0">
+              <a:buFont typeface="Arial" panose="020B0604020202020204" pitchFamily="34" charset="0"/>
+              <a:buNone/>
+            </a:pPr>
+            <a:r>
+              <a:rPr lang="en-US" sz="1200" dirty="0"/>
+              <a:t>White space indicates missing data. Significant amount missing! </a:t>
+            </a:r>
+          </a:p>
+          <a:p>
+            <a:pPr marL="0" indent="0">
+              <a:buFont typeface="Arial" panose="020B0604020202020204" pitchFamily="34" charset="0"/>
+              <a:buNone/>
+            </a:pPr>
+            <a:endParaRPr lang="en-US" sz="100" dirty="0"/>
+          </a:p>
+          <a:p>
+            <a:pPr marL="0" indent="0">
+              <a:buFont typeface="Arial" panose="020B0604020202020204" pitchFamily="34" charset="0"/>
+              <a:buNone/>
+            </a:pPr>
+            <a:r>
+              <a:rPr lang="en-US" sz="1200" dirty="0"/>
+              <a:t>Also notice data is usually missing for multiple columns for the same record. Systemic data collection issue! </a:t>
+            </a:r>
+          </a:p>
+        </p:txBody>
+      </p:sp>
+      <p:cxnSp>
+        <p:nvCxnSpPr>
+          <p:cNvPr id="21" name="Straight Connector 20">
+            <a:extLst>
+              <a:ext uri="{FF2B5EF4-FFF2-40B4-BE49-F238E27FC236}">
+                <a16:creationId xmlns:a16="http://schemas.microsoft.com/office/drawing/2014/main" id="{7DD302B8-2BD1-2945-801D-C7F143BA4785}"/>
+              </a:ext>
+            </a:extLst>
+          </p:cNvPr>
+          <p:cNvCxnSpPr>
+            <a:cxnSpLocks/>
+          </p:cNvCxnSpPr>
+          <p:nvPr/>
+        </p:nvCxnSpPr>
+        <p:spPr>
+          <a:xfrm>
+            <a:off x="6836775" y="1856873"/>
+            <a:ext cx="0" cy="4803500"/>
+          </a:xfrm>
+          <a:prstGeom prst="line">
+            <a:avLst/>
+          </a:prstGeom>
+        </p:spPr>
+        <p:style>
+          <a:lnRef idx="1">
+            <a:schemeClr val="dk1"/>
+          </a:lnRef>
+          <a:fillRef idx="0">
+            <a:schemeClr val="dk1"/>
+          </a:fillRef>
+          <a:effectRef idx="0">
+            <a:schemeClr val="dk1"/>
+          </a:effectRef>
+          <a:fontRef idx="minor">
+            <a:schemeClr val="tx1"/>
+          </a:fontRef>
+        </p:style>
+      </p:cxnSp>
+      <p:sp>
+        <p:nvSpPr>
+          <p:cNvPr id="23" name="Content Placeholder 12">
+            <a:extLst>
+              <a:ext uri="{FF2B5EF4-FFF2-40B4-BE49-F238E27FC236}">
+                <a16:creationId xmlns:a16="http://schemas.microsoft.com/office/drawing/2014/main" id="{2B5FA299-71CB-2647-A2F8-FA91AF0CAF48}"/>
+              </a:ext>
+            </a:extLst>
+          </p:cNvPr>
+          <p:cNvSpPr txBox="1">
+            <a:spLocks/>
+          </p:cNvSpPr>
+          <p:nvPr/>
+        </p:nvSpPr>
+        <p:spPr>
+          <a:xfrm>
+            <a:off x="7288974" y="1775769"/>
+            <a:ext cx="2642104" cy="431438"/>
+          </a:xfrm>
+          <a:prstGeom prst="rect">
+            <a:avLst/>
+          </a:prstGeom>
+        </p:spPr>
+        <p:txBody>
+          <a:bodyPr vert="horz" lIns="91440" tIns="45720" rIns="91440" bIns="45720" rtlCol="0">
+            <a:noAutofit/>
+          </a:bodyPr>
+          <a:lstStyle>
+            <a:lvl1pPr marL="228600" indent="-228600" algn="l" defTabSz="914400" rtl="0" eaLnBrk="1" latinLnBrk="0" hangingPunct="1">
+              <a:lnSpc>
+                <a:spcPct val="90000"/>
+              </a:lnSpc>
+              <a:spcBef>
+                <a:spcPts val="1000"/>
+              </a:spcBef>
+              <a:buFont typeface="Arial" panose="020B0604020202020204" pitchFamily="34" charset="0"/>
+              <a:buChar char="•"/>
+              <a:defRPr sz="2800" kern="1200">
+                <a:solidFill>
+                  <a:schemeClr val="tx1"/>
+                </a:solidFill>
+                <a:latin typeface="+mn-lt"/>
+                <a:ea typeface="+mn-ea"/>
+                <a:cs typeface="+mn-cs"/>
+              </a:defRPr>
+            </a:lvl1pPr>
+            <a:lvl2pPr marL="685800" indent="-228600" algn="l" defTabSz="914400" rtl="0" eaLnBrk="1" latinLnBrk="0" hangingPunct="1">
+              <a:lnSpc>
+                <a:spcPct val="90000"/>
+              </a:lnSpc>
+              <a:spcBef>
+                <a:spcPts val="500"/>
+              </a:spcBef>
+              <a:buFont typeface="Arial" panose="020B0604020202020204" pitchFamily="34" charset="0"/>
+              <a:buChar char="•"/>
+              <a:defRPr sz="2400" kern="1200">
+                <a:solidFill>
+                  <a:schemeClr val="tx1"/>
+                </a:solidFill>
+                <a:latin typeface="+mn-lt"/>
+                <a:ea typeface="+mn-ea"/>
+                <a:cs typeface="+mn-cs"/>
+              </a:defRPr>
+            </a:lvl2pPr>
+            <a:lvl3pPr marL="1143000" indent="-228600" algn="l" defTabSz="914400" rtl="0" eaLnBrk="1" latinLnBrk="0" hangingPunct="1">
+              <a:lnSpc>
+                <a:spcPct val="90000"/>
+              </a:lnSpc>
+              <a:spcBef>
+                <a:spcPts val="500"/>
+              </a:spcBef>
+              <a:buFont typeface="Arial" panose="020B0604020202020204" pitchFamily="34" charset="0"/>
+              <a:buChar char="•"/>
+              <a:defRPr sz="2000" kern="1200">
+                <a:solidFill>
+                  <a:schemeClr val="tx1"/>
+                </a:solidFill>
+                <a:latin typeface="+mn-lt"/>
+                <a:ea typeface="+mn-ea"/>
+                <a:cs typeface="+mn-cs"/>
+              </a:defRPr>
+            </a:lvl3pPr>
+            <a:lvl4pPr marL="1600200" indent="-228600" algn="l" defTabSz="914400" rtl="0" eaLnBrk="1" latinLnBrk="0" hangingPunct="1">
+              <a:lnSpc>
+                <a:spcPct val="90000"/>
+              </a:lnSpc>
+              <a:spcBef>
+                <a:spcPts val="500"/>
+              </a:spcBef>
+              <a:buFont typeface="Arial" panose="020B0604020202020204" pitchFamily="34" charset="0"/>
+              <a:buChar char="•"/>
+              <a:defRPr sz="1800" kern="1200">
+                <a:solidFill>
+                  <a:schemeClr val="tx1"/>
+                </a:solidFill>
+                <a:latin typeface="+mn-lt"/>
+                <a:ea typeface="+mn-ea"/>
+                <a:cs typeface="+mn-cs"/>
+              </a:defRPr>
+            </a:lvl4pPr>
+            <a:lvl5pPr marL="2057400" indent="-228600" algn="l" defTabSz="914400" rtl="0" eaLnBrk="1" latinLnBrk="0" hangingPunct="1">
+              <a:lnSpc>
+                <a:spcPct val="90000"/>
+              </a:lnSpc>
+              <a:spcBef>
+                <a:spcPts val="500"/>
+              </a:spcBef>
+              <a:buFont typeface="Arial" panose="020B0604020202020204" pitchFamily="34" charset="0"/>
+              <a:buChar char="•"/>
+              <a:defRPr sz="1800" kern="1200">
+                <a:solidFill>
+                  <a:schemeClr val="tx1"/>
+                </a:solidFill>
+                <a:latin typeface="+mn-lt"/>
+                <a:ea typeface="+mn-ea"/>
+                <a:cs typeface="+mn-cs"/>
+              </a:defRPr>
+            </a:lvl5pPr>
+            <a:lvl6pPr marL="2514600" indent="-228600" algn="l" defTabSz="914400" rtl="0" eaLnBrk="1" latinLnBrk="0" hangingPunct="1">
+              <a:lnSpc>
+                <a:spcPct val="90000"/>
+              </a:lnSpc>
+              <a:spcBef>
+                <a:spcPts val="500"/>
+              </a:spcBef>
+              <a:buFont typeface="Arial" panose="020B0604020202020204" pitchFamily="34" charset="0"/>
+              <a:buChar char="•"/>
+              <a:defRPr sz="1800" kern="1200">
+                <a:solidFill>
+                  <a:schemeClr val="tx1"/>
+                </a:solidFill>
+                <a:latin typeface="+mn-lt"/>
+                <a:ea typeface="+mn-ea"/>
+                <a:cs typeface="+mn-cs"/>
+              </a:defRPr>
+            </a:lvl6pPr>
+            <a:lvl7pPr marL="2971800" indent="-228600" algn="l" defTabSz="914400" rtl="0" eaLnBrk="1" latinLnBrk="0" hangingPunct="1">
+              <a:lnSpc>
+                <a:spcPct val="90000"/>
+              </a:lnSpc>
+              <a:spcBef>
+                <a:spcPts val="500"/>
+              </a:spcBef>
+              <a:buFont typeface="Arial" panose="020B0604020202020204" pitchFamily="34" charset="0"/>
+              <a:buChar char="•"/>
+              <a:defRPr sz="1800" kern="1200">
+                <a:solidFill>
+                  <a:schemeClr val="tx1"/>
+                </a:solidFill>
+                <a:latin typeface="+mn-lt"/>
+                <a:ea typeface="+mn-ea"/>
+                <a:cs typeface="+mn-cs"/>
+              </a:defRPr>
+            </a:lvl7pPr>
+            <a:lvl8pPr marL="3429000" indent="-228600" algn="l" defTabSz="914400" rtl="0" eaLnBrk="1" latinLnBrk="0" hangingPunct="1">
+              <a:lnSpc>
+                <a:spcPct val="90000"/>
+              </a:lnSpc>
+              <a:spcBef>
+                <a:spcPts val="500"/>
+              </a:spcBef>
+              <a:buFont typeface="Arial" panose="020B0604020202020204" pitchFamily="34" charset="0"/>
+              <a:buChar char="•"/>
+              <a:defRPr sz="1800" kern="1200">
+                <a:solidFill>
+                  <a:schemeClr val="tx1"/>
+                </a:solidFill>
+                <a:latin typeface="+mn-lt"/>
+                <a:ea typeface="+mn-ea"/>
+                <a:cs typeface="+mn-cs"/>
+              </a:defRPr>
+            </a:lvl8pPr>
+            <a:lvl9pPr marL="3886200" indent="-228600" algn="l" defTabSz="914400" rtl="0" eaLnBrk="1" latinLnBrk="0" hangingPunct="1">
+              <a:lnSpc>
+                <a:spcPct val="90000"/>
+              </a:lnSpc>
+              <a:spcBef>
+                <a:spcPts val="500"/>
+              </a:spcBef>
+              <a:buFont typeface="Arial" panose="020B0604020202020204" pitchFamily="34" charset="0"/>
+              <a:buChar char="•"/>
+              <a:defRPr sz="1800" kern="1200">
+                <a:solidFill>
+                  <a:schemeClr val="tx1"/>
+                </a:solidFill>
+                <a:latin typeface="+mn-lt"/>
+                <a:ea typeface="+mn-ea"/>
+                <a:cs typeface="+mn-cs"/>
+              </a:defRPr>
+            </a:lvl9pPr>
+          </a:lstStyle>
+          <a:p>
+            <a:pPr marL="0" indent="0">
+              <a:buFont typeface="Arial" panose="020B0604020202020204" pitchFamily="34" charset="0"/>
+              <a:buNone/>
+            </a:pPr>
+            <a:r>
+              <a:rPr lang="en-US" sz="1800" dirty="0"/>
+              <a:t>Other suspicious records</a:t>
+            </a:r>
+          </a:p>
+        </p:txBody>
+      </p:sp>
+      <p:sp>
+        <p:nvSpPr>
+          <p:cNvPr id="24" name="Content Placeholder 12">
+            <a:extLst>
+              <a:ext uri="{FF2B5EF4-FFF2-40B4-BE49-F238E27FC236}">
+                <a16:creationId xmlns:a16="http://schemas.microsoft.com/office/drawing/2014/main" id="{0E553AAF-88C0-024D-9237-8B92AE15D09D}"/>
+              </a:ext>
+            </a:extLst>
+          </p:cNvPr>
+          <p:cNvSpPr txBox="1">
+            <a:spLocks/>
+          </p:cNvSpPr>
+          <p:nvPr/>
+        </p:nvSpPr>
+        <p:spPr>
+          <a:xfrm>
+            <a:off x="7288973" y="5444430"/>
+            <a:ext cx="4339154" cy="920955"/>
+          </a:xfrm>
+          <a:prstGeom prst="rect">
+            <a:avLst/>
+          </a:prstGeom>
+          <a:solidFill>
+            <a:schemeClr val="bg1">
+              <a:lumMod val="85000"/>
+            </a:schemeClr>
+          </a:solidFill>
+          <a:ln>
+            <a:solidFill>
+              <a:schemeClr val="dk1"/>
+            </a:solidFill>
+          </a:ln>
+        </p:spPr>
+        <p:txBody>
+          <a:bodyPr vert="horz" lIns="91440" tIns="45720" rIns="91440" bIns="45720" rtlCol="0">
+            <a:noAutofit/>
+          </a:bodyPr>
+          <a:lstStyle>
+            <a:lvl1pPr marL="228600" indent="-228600" algn="l" defTabSz="914400" rtl="0" eaLnBrk="1" latinLnBrk="0" hangingPunct="1">
+              <a:lnSpc>
+                <a:spcPct val="90000"/>
+              </a:lnSpc>
+              <a:spcBef>
+                <a:spcPts val="1000"/>
+              </a:spcBef>
+              <a:buFont typeface="Arial" panose="020B0604020202020204" pitchFamily="34" charset="0"/>
+              <a:buChar char="•"/>
+              <a:defRPr sz="2800" kern="1200">
+                <a:solidFill>
+                  <a:schemeClr val="tx1"/>
+                </a:solidFill>
+                <a:latin typeface="+mn-lt"/>
+                <a:ea typeface="+mn-ea"/>
+                <a:cs typeface="+mn-cs"/>
+              </a:defRPr>
+            </a:lvl1pPr>
+            <a:lvl2pPr marL="685800" indent="-228600" algn="l" defTabSz="914400" rtl="0" eaLnBrk="1" latinLnBrk="0" hangingPunct="1">
+              <a:lnSpc>
+                <a:spcPct val="90000"/>
+              </a:lnSpc>
+              <a:spcBef>
+                <a:spcPts val="500"/>
+              </a:spcBef>
+              <a:buFont typeface="Arial" panose="020B0604020202020204" pitchFamily="34" charset="0"/>
+              <a:buChar char="•"/>
+              <a:defRPr sz="2400" kern="1200">
+                <a:solidFill>
+                  <a:schemeClr val="tx1"/>
+                </a:solidFill>
+                <a:latin typeface="+mn-lt"/>
+                <a:ea typeface="+mn-ea"/>
+                <a:cs typeface="+mn-cs"/>
+              </a:defRPr>
+            </a:lvl2pPr>
+            <a:lvl3pPr marL="1143000" indent="-228600" algn="l" defTabSz="914400" rtl="0" eaLnBrk="1" latinLnBrk="0" hangingPunct="1">
+              <a:lnSpc>
+                <a:spcPct val="90000"/>
+              </a:lnSpc>
+              <a:spcBef>
+                <a:spcPts val="500"/>
+              </a:spcBef>
+              <a:buFont typeface="Arial" panose="020B0604020202020204" pitchFamily="34" charset="0"/>
+              <a:buChar char="•"/>
+              <a:defRPr sz="2000" kern="1200">
+                <a:solidFill>
+                  <a:schemeClr val="tx1"/>
+                </a:solidFill>
+                <a:latin typeface="+mn-lt"/>
+                <a:ea typeface="+mn-ea"/>
+                <a:cs typeface="+mn-cs"/>
+              </a:defRPr>
+            </a:lvl3pPr>
+            <a:lvl4pPr marL="1600200" indent="-228600" algn="l" defTabSz="914400" rtl="0" eaLnBrk="1" latinLnBrk="0" hangingPunct="1">
+              <a:lnSpc>
+                <a:spcPct val="90000"/>
+              </a:lnSpc>
+              <a:spcBef>
+                <a:spcPts val="500"/>
+              </a:spcBef>
+              <a:buFont typeface="Arial" panose="020B0604020202020204" pitchFamily="34" charset="0"/>
+              <a:buChar char="•"/>
+              <a:defRPr sz="1800" kern="1200">
+                <a:solidFill>
+                  <a:schemeClr val="tx1"/>
+                </a:solidFill>
+                <a:latin typeface="+mn-lt"/>
+                <a:ea typeface="+mn-ea"/>
+                <a:cs typeface="+mn-cs"/>
+              </a:defRPr>
+            </a:lvl4pPr>
+            <a:lvl5pPr marL="2057400" indent="-228600" algn="l" defTabSz="914400" rtl="0" eaLnBrk="1" latinLnBrk="0" hangingPunct="1">
+              <a:lnSpc>
+                <a:spcPct val="90000"/>
+              </a:lnSpc>
+              <a:spcBef>
+                <a:spcPts val="500"/>
+              </a:spcBef>
+              <a:buFont typeface="Arial" panose="020B0604020202020204" pitchFamily="34" charset="0"/>
+              <a:buChar char="•"/>
+              <a:defRPr sz="1800" kern="1200">
+                <a:solidFill>
+                  <a:schemeClr val="tx1"/>
+                </a:solidFill>
+                <a:latin typeface="+mn-lt"/>
+                <a:ea typeface="+mn-ea"/>
+                <a:cs typeface="+mn-cs"/>
+              </a:defRPr>
+            </a:lvl5pPr>
+            <a:lvl6pPr marL="2514600" indent="-228600" algn="l" defTabSz="914400" rtl="0" eaLnBrk="1" latinLnBrk="0" hangingPunct="1">
+              <a:lnSpc>
+                <a:spcPct val="90000"/>
+              </a:lnSpc>
+              <a:spcBef>
+                <a:spcPts val="500"/>
+              </a:spcBef>
+              <a:buFont typeface="Arial" panose="020B0604020202020204" pitchFamily="34" charset="0"/>
+              <a:buChar char="•"/>
+              <a:defRPr sz="1800" kern="1200">
+                <a:solidFill>
+                  <a:schemeClr val="tx1"/>
+                </a:solidFill>
+                <a:latin typeface="+mn-lt"/>
+                <a:ea typeface="+mn-ea"/>
+                <a:cs typeface="+mn-cs"/>
+              </a:defRPr>
+            </a:lvl6pPr>
+            <a:lvl7pPr marL="2971800" indent="-228600" algn="l" defTabSz="914400" rtl="0" eaLnBrk="1" latinLnBrk="0" hangingPunct="1">
+              <a:lnSpc>
+                <a:spcPct val="90000"/>
+              </a:lnSpc>
+              <a:spcBef>
+                <a:spcPts val="500"/>
+              </a:spcBef>
+              <a:buFont typeface="Arial" panose="020B0604020202020204" pitchFamily="34" charset="0"/>
+              <a:buChar char="•"/>
+              <a:defRPr sz="1800" kern="1200">
+                <a:solidFill>
+                  <a:schemeClr val="tx1"/>
+                </a:solidFill>
+                <a:latin typeface="+mn-lt"/>
+                <a:ea typeface="+mn-ea"/>
+                <a:cs typeface="+mn-cs"/>
+              </a:defRPr>
+            </a:lvl7pPr>
+            <a:lvl8pPr marL="3429000" indent="-228600" algn="l" defTabSz="914400" rtl="0" eaLnBrk="1" latinLnBrk="0" hangingPunct="1">
+              <a:lnSpc>
+                <a:spcPct val="90000"/>
+              </a:lnSpc>
+              <a:spcBef>
+                <a:spcPts val="500"/>
+              </a:spcBef>
+              <a:buFont typeface="Arial" panose="020B0604020202020204" pitchFamily="34" charset="0"/>
+              <a:buChar char="•"/>
+              <a:defRPr sz="1800" kern="1200">
+                <a:solidFill>
+                  <a:schemeClr val="tx1"/>
+                </a:solidFill>
+                <a:latin typeface="+mn-lt"/>
+                <a:ea typeface="+mn-ea"/>
+                <a:cs typeface="+mn-cs"/>
+              </a:defRPr>
+            </a:lvl8pPr>
+            <a:lvl9pPr marL="3886200" indent="-228600" algn="l" defTabSz="914400" rtl="0" eaLnBrk="1" latinLnBrk="0" hangingPunct="1">
+              <a:lnSpc>
+                <a:spcPct val="90000"/>
+              </a:lnSpc>
+              <a:spcBef>
+                <a:spcPts val="500"/>
+              </a:spcBef>
+              <a:buFont typeface="Arial" panose="020B0604020202020204" pitchFamily="34" charset="0"/>
+              <a:buChar char="•"/>
+              <a:defRPr sz="1800" kern="1200">
+                <a:solidFill>
+                  <a:schemeClr val="tx1"/>
+                </a:solidFill>
+                <a:latin typeface="+mn-lt"/>
+                <a:ea typeface="+mn-ea"/>
+                <a:cs typeface="+mn-cs"/>
+              </a:defRPr>
+            </a:lvl9pPr>
+          </a:lstStyle>
+          <a:p>
+            <a:pPr marL="0" indent="0" algn="ctr">
+              <a:buFont typeface="Arial" panose="020B0604020202020204" pitchFamily="34" charset="0"/>
+              <a:buNone/>
+            </a:pPr>
+            <a:r>
+              <a:rPr lang="en-US" sz="1800" dirty="0"/>
+              <a:t>In total, data quality concerns are significant and should be addresses. However, they do not pose a threat to this analysis </a:t>
+            </a:r>
+          </a:p>
+        </p:txBody>
+      </p:sp>
     </p:spTree>
     <p:extLst>
       <p:ext uri="{BB962C8B-B14F-4D97-AF65-F5344CB8AC3E}">
@@ -10977,10 +12494,10 @@
       </p:grpSpPr>
       <p:sp>
         <p:nvSpPr>
-          <p:cNvPr id="5" name="Title 4">
+          <p:cNvPr id="2" name="Title 1">
             <a:extLst>
               <a:ext uri="{FF2B5EF4-FFF2-40B4-BE49-F238E27FC236}">
-                <a16:creationId xmlns:a16="http://schemas.microsoft.com/office/drawing/2014/main" id="{75FBB874-51FD-724A-9BB2-48C90D56B3A7}"/>
+                <a16:creationId xmlns:a16="http://schemas.microsoft.com/office/drawing/2014/main" id="{E6D31B3F-7BFC-2140-B2D5-809FEF6159AA}"/>
               </a:ext>
             </a:extLst>
           </p:cNvPr>
@@ -10991,24 +12508,40 @@
             <p:ph type="title"/>
           </p:nvPr>
         </p:nvSpPr>
-        <p:spPr/>
+        <p:spPr>
+          <a:xfrm>
+            <a:off x="838200" y="365125"/>
+            <a:ext cx="10515600" cy="1325563"/>
+          </a:xfrm>
+        </p:spPr>
         <p:txBody>
           <a:bodyPr/>
           <a:lstStyle/>
           <a:p>
             <a:r>
-              <a:rPr lang="en-US"/>
-              <a:t>Popular Pickup &amp; Dropoff Locations</a:t>
+              <a:rPr lang="en-US" b="1" dirty="0">
+                <a:solidFill>
+                  <a:schemeClr val="tx1">
+                    <a:lumMod val="50000"/>
+                    <a:lumOff val="50000"/>
+                  </a:schemeClr>
+                </a:solidFill>
+              </a:rPr>
+              <a:t>4.2</a:t>
+            </a:r>
+            <a:r>
+              <a:rPr lang="en-US" b="1" dirty="0"/>
+              <a:t> DATASET [FEATURE ENGINEERING]</a:t>
             </a:r>
           </a:p>
         </p:txBody>
       </p:sp>
       <p:pic>
         <p:nvPicPr>
-          <p:cNvPr id="10" name="slide3" descr="Dropoff">
+          <p:cNvPr id="6" name="Picture 5" descr="Text&#10;&#10;Description automatically generated">
             <a:extLst>
               <a:ext uri="{FF2B5EF4-FFF2-40B4-BE49-F238E27FC236}">
-                <a16:creationId xmlns:a16="http://schemas.microsoft.com/office/drawing/2014/main" id="{F7584828-8964-D141-B37B-DB324D5DDCEF}"/>
+                <a16:creationId xmlns:a16="http://schemas.microsoft.com/office/drawing/2014/main" id="{0258118B-CF9D-B442-BC68-B1A786FB3D67}"/>
               </a:ext>
             </a:extLst>
           </p:cNvPr>
@@ -11017,31 +12550,305 @@
           </p:cNvPicPr>
           <p:nvPr/>
         </p:nvPicPr>
-        <p:blipFill rotWithShape="1">
-          <a:blip r:embed="rId2">
-            <a:extLst>
-              <a:ext uri="{28A0092B-C50C-407E-A947-70E740481C1C}">
-                <a14:useLocalDpi xmlns:a14="http://schemas.microsoft.com/office/drawing/2010/main" val="0"/>
-              </a:ext>
-            </a:extLst>
-          </a:blip>
-          <a:srcRect r="42096"/>
-          <a:stretch/>
+        <p:blipFill>
+          <a:blip r:embed="rId2"/>
+          <a:stretch>
+            <a:fillRect/>
+          </a:stretch>
         </p:blipFill>
         <p:spPr>
           <a:xfrm>
-            <a:off x="6872273" y="1786609"/>
-            <a:ext cx="4572756" cy="4572000"/>
+            <a:off x="6751737" y="1369953"/>
+            <a:ext cx="5054600" cy="1638300"/>
           </a:xfrm>
           <a:prstGeom prst="rect">
             <a:avLst/>
           </a:prstGeom>
         </p:spPr>
       </p:pic>
+      <p:pic>
+        <p:nvPicPr>
+          <p:cNvPr id="9" name="Picture 8" descr="Chart&#10;&#10;Description automatically generated">
+            <a:extLst>
+              <a:ext uri="{FF2B5EF4-FFF2-40B4-BE49-F238E27FC236}">
+                <a16:creationId xmlns:a16="http://schemas.microsoft.com/office/drawing/2014/main" id="{240A7E94-0DCA-5F47-A126-765D5324EDCE}"/>
+              </a:ext>
+            </a:extLst>
+          </p:cNvPr>
+          <p:cNvPicPr>
+            <a:picLocks noChangeAspect="1"/>
+          </p:cNvPicPr>
+          <p:nvPr/>
+        </p:nvPicPr>
+        <p:blipFill>
+          <a:blip r:embed="rId3"/>
+          <a:stretch>
+            <a:fillRect/>
+          </a:stretch>
+        </p:blipFill>
+        <p:spPr>
+          <a:xfrm>
+            <a:off x="6550138" y="4404412"/>
+            <a:ext cx="4902200" cy="2146300"/>
+          </a:xfrm>
+          <a:prstGeom prst="rect">
+            <a:avLst/>
+          </a:prstGeom>
+        </p:spPr>
+      </p:pic>
+      <p:pic>
+        <p:nvPicPr>
+          <p:cNvPr id="11" name="Picture 10" descr="Text&#10;&#10;Description automatically generated">
+            <a:extLst>
+              <a:ext uri="{FF2B5EF4-FFF2-40B4-BE49-F238E27FC236}">
+                <a16:creationId xmlns:a16="http://schemas.microsoft.com/office/drawing/2014/main" id="{9955B0AA-F950-A541-A499-EFBF8D68B1CF}"/>
+              </a:ext>
+            </a:extLst>
+          </p:cNvPr>
+          <p:cNvPicPr>
+            <a:picLocks noChangeAspect="1"/>
+          </p:cNvPicPr>
+          <p:nvPr/>
+        </p:nvPicPr>
+        <p:blipFill>
+          <a:blip r:embed="rId4"/>
+          <a:stretch>
+            <a:fillRect/>
+          </a:stretch>
+        </p:blipFill>
+        <p:spPr>
+          <a:xfrm>
+            <a:off x="318234" y="1966847"/>
+            <a:ext cx="5933221" cy="2381361"/>
+          </a:xfrm>
+          <a:prstGeom prst="rect">
+            <a:avLst/>
+          </a:prstGeom>
+        </p:spPr>
+      </p:pic>
+      <p:cxnSp>
+        <p:nvCxnSpPr>
+          <p:cNvPr id="25" name="Straight Connector 24">
+            <a:extLst>
+              <a:ext uri="{FF2B5EF4-FFF2-40B4-BE49-F238E27FC236}">
+                <a16:creationId xmlns:a16="http://schemas.microsoft.com/office/drawing/2014/main" id="{D53711E3-4A56-4045-B7A7-CD7ACE6F6095}"/>
+              </a:ext>
+            </a:extLst>
+          </p:cNvPr>
+          <p:cNvCxnSpPr>
+            <a:cxnSpLocks/>
+          </p:cNvCxnSpPr>
+          <p:nvPr/>
+        </p:nvCxnSpPr>
+        <p:spPr>
+          <a:xfrm>
+            <a:off x="6400796" y="1429704"/>
+            <a:ext cx="0" cy="4936372"/>
+          </a:xfrm>
+          <a:prstGeom prst="line">
+            <a:avLst/>
+          </a:prstGeom>
+        </p:spPr>
+        <p:style>
+          <a:lnRef idx="1">
+            <a:schemeClr val="dk1"/>
+          </a:lnRef>
+          <a:fillRef idx="0">
+            <a:schemeClr val="dk1"/>
+          </a:fillRef>
+          <a:effectRef idx="0">
+            <a:schemeClr val="dk1"/>
+          </a:effectRef>
+          <a:fontRef idx="minor">
+            <a:schemeClr val="tx1"/>
+          </a:fontRef>
+        </p:style>
+      </p:cxnSp>
+      <p:sp>
+        <p:nvSpPr>
+          <p:cNvPr id="12" name="TextBox 11">
+            <a:extLst>
+              <a:ext uri="{FF2B5EF4-FFF2-40B4-BE49-F238E27FC236}">
+                <a16:creationId xmlns:a16="http://schemas.microsoft.com/office/drawing/2014/main" id="{505D1DB7-B146-3C4B-AADA-443B2A3F99B1}"/>
+              </a:ext>
+            </a:extLst>
+          </p:cNvPr>
+          <p:cNvSpPr txBox="1"/>
+          <p:nvPr/>
+        </p:nvSpPr>
+        <p:spPr>
+          <a:xfrm>
+            <a:off x="385662" y="1506021"/>
+            <a:ext cx="3908546" cy="369332"/>
+          </a:xfrm>
+          <a:prstGeom prst="rect">
+            <a:avLst/>
+          </a:prstGeom>
+          <a:noFill/>
+          <a:ln>
+            <a:solidFill>
+              <a:schemeClr val="dk1"/>
+            </a:solidFill>
+          </a:ln>
+        </p:spPr>
+        <p:txBody>
+          <a:bodyPr wrap="square" rtlCol="0">
+            <a:spAutoFit/>
+          </a:bodyPr>
+          <a:lstStyle/>
+          <a:p>
+            <a:pPr algn="ctr"/>
+            <a:r>
+              <a:rPr lang="en-US" dirty="0"/>
+              <a:t>DEMOGRAPHIC &amp; GEOGRAPHIC DATA</a:t>
+            </a:r>
+          </a:p>
+        </p:txBody>
+      </p:sp>
+      <p:sp>
+        <p:nvSpPr>
+          <p:cNvPr id="22" name="TextBox 21">
+            <a:extLst>
+              <a:ext uri="{FF2B5EF4-FFF2-40B4-BE49-F238E27FC236}">
+                <a16:creationId xmlns:a16="http://schemas.microsoft.com/office/drawing/2014/main" id="{C44C767E-0F45-E14B-A32F-81C999A80F74}"/>
+              </a:ext>
+            </a:extLst>
+          </p:cNvPr>
+          <p:cNvSpPr txBox="1"/>
+          <p:nvPr/>
+        </p:nvSpPr>
+        <p:spPr>
+          <a:xfrm>
+            <a:off x="385662" y="4624367"/>
+            <a:ext cx="5436402" cy="1477328"/>
+          </a:xfrm>
+          <a:prstGeom prst="rect">
+            <a:avLst/>
+          </a:prstGeom>
+          <a:noFill/>
+        </p:spPr>
+        <p:txBody>
+          <a:bodyPr wrap="square" rtlCol="0">
+            <a:spAutoFit/>
+          </a:bodyPr>
+          <a:lstStyle/>
+          <a:p>
+            <a:r>
+              <a:rPr lang="en-US" dirty="0"/>
+              <a:t>“</a:t>
+            </a:r>
+            <a:r>
+              <a:rPr lang="en-US" dirty="0" err="1"/>
+              <a:t>uszipcode</a:t>
+            </a:r>
+            <a:r>
+              <a:rPr lang="en-US" dirty="0"/>
+              <a:t>” package provides access US census data in dictionary format</a:t>
+            </a:r>
+          </a:p>
+          <a:p>
+            <a:endParaRPr lang="en-US" dirty="0"/>
+          </a:p>
+          <a:p>
+            <a:r>
+              <a:rPr lang="en-US" dirty="0"/>
+              <a:t>A sample </a:t>
+            </a:r>
+            <a:r>
+              <a:rPr lang="en-US" dirty="0" err="1"/>
+              <a:t>funciton</a:t>
+            </a:r>
+            <a:r>
+              <a:rPr lang="en-US" dirty="0"/>
+              <a:t> returns a the zip code using latitude and longitude inputs</a:t>
+            </a:r>
+          </a:p>
+        </p:txBody>
+      </p:sp>
+      <p:sp>
+        <p:nvSpPr>
+          <p:cNvPr id="28" name="TextBox 27">
+            <a:extLst>
+              <a:ext uri="{FF2B5EF4-FFF2-40B4-BE49-F238E27FC236}">
+                <a16:creationId xmlns:a16="http://schemas.microsoft.com/office/drawing/2014/main" id="{7F298BE5-A43C-9D46-8757-7062DEB5C0A3}"/>
+              </a:ext>
+            </a:extLst>
+          </p:cNvPr>
+          <p:cNvSpPr txBox="1"/>
+          <p:nvPr/>
+        </p:nvSpPr>
+        <p:spPr>
+          <a:xfrm>
+            <a:off x="6751737" y="3088077"/>
+            <a:ext cx="5201214" cy="646331"/>
+          </a:xfrm>
+          <a:prstGeom prst="rect">
+            <a:avLst/>
+          </a:prstGeom>
+          <a:noFill/>
+          <a:ln>
+            <a:solidFill>
+              <a:schemeClr val="dk1"/>
+            </a:solidFill>
+          </a:ln>
+        </p:spPr>
+        <p:txBody>
+          <a:bodyPr wrap="square" rtlCol="0">
+            <a:spAutoFit/>
+          </a:bodyPr>
+          <a:lstStyle/>
+          <a:p>
+            <a:r>
+              <a:rPr lang="en-US" dirty="0"/>
+              <a:t>I used Haversine distance, aka “as the crow flies”, as a measure of distance between two coordinate points</a:t>
+            </a:r>
+          </a:p>
+        </p:txBody>
+      </p:sp>
+      <p:sp>
+        <p:nvSpPr>
+          <p:cNvPr id="32" name="TextBox 31">
+            <a:extLst>
+              <a:ext uri="{FF2B5EF4-FFF2-40B4-BE49-F238E27FC236}">
+                <a16:creationId xmlns:a16="http://schemas.microsoft.com/office/drawing/2014/main" id="{D44C3F3A-CE48-4B4E-B22A-2F098C3851DD}"/>
+              </a:ext>
+            </a:extLst>
+          </p:cNvPr>
+          <p:cNvSpPr txBox="1"/>
+          <p:nvPr/>
+        </p:nvSpPr>
+        <p:spPr>
+          <a:xfrm>
+            <a:off x="9502656" y="5193760"/>
+            <a:ext cx="2460737" cy="1323439"/>
+          </a:xfrm>
+          <a:prstGeom prst="rect">
+            <a:avLst/>
+          </a:prstGeom>
+          <a:noFill/>
+          <a:ln>
+            <a:solidFill>
+              <a:schemeClr val="dk1"/>
+            </a:solidFill>
+          </a:ln>
+        </p:spPr>
+        <p:txBody>
+          <a:bodyPr wrap="square" rtlCol="0">
+            <a:spAutoFit/>
+          </a:bodyPr>
+          <a:lstStyle/>
+          <a:p>
+            <a:r>
+              <a:rPr lang="en-US" sz="1600" dirty="0"/>
+              <a:t>I engineered certain new features (e.g. total delivery time or time spent at pickup) that are a function of existing features</a:t>
+            </a:r>
+          </a:p>
+        </p:txBody>
+      </p:sp>
     </p:spTree>
     <p:extLst>
       <p:ext uri="{BB962C8B-B14F-4D97-AF65-F5344CB8AC3E}">
-        <p14:creationId xmlns:p14="http://schemas.microsoft.com/office/powerpoint/2010/main" val="1797046035"/>
+        <p14:creationId xmlns:p14="http://schemas.microsoft.com/office/powerpoint/2010/main" val="3656307848"/>
       </p:ext>
     </p:extLst>
   </p:cSld>
@@ -11090,9 +12897,21 @@
           <a:lstStyle/>
           <a:p>
             <a:r>
-              <a:rPr lang="en-US"/>
-              <a:t>05 Growth Strategy</a:t>
-            </a:r>
+              <a:rPr lang="en-US" dirty="0">
+                <a:solidFill>
+                  <a:schemeClr val="tx1">
+                    <a:lumMod val="50000"/>
+                    <a:lumOff val="50000"/>
+                  </a:schemeClr>
+                </a:solidFill>
+              </a:rPr>
+              <a:t>5 </a:t>
+            </a:r>
+            <a:r>
+              <a:rPr lang="en-US" b="1" dirty="0"/>
+              <a:t>GROWTH STRATEGY</a:t>
+            </a:r>
+            <a:endParaRPr lang="en-US" dirty="0"/>
           </a:p>
         </p:txBody>
       </p:sp>
@@ -11114,34 +12933,668 @@
         </p:nvSpPr>
         <p:spPr/>
         <p:txBody>
-          <a:bodyPr/>
+          <a:bodyPr>
+            <a:normAutofit/>
+          </a:bodyPr>
           <a:lstStyle/>
           <a:p>
-            <a:r>
-              <a:rPr lang="en-US"/>
-              <a:t>Minimize wait times for Postmen. Recommend partnership with restaurants to minimize wasted time. </a:t>
-            </a:r>
-          </a:p>
-          <a:p>
-            <a:r>
-              <a:rPr lang="en-US"/>
-              <a:t>Target untapped Zip Codes. </a:t>
-            </a:r>
-          </a:p>
-          <a:p>
-            <a:r>
-              <a:rPr lang="en-US"/>
-              <a:t>Do customers leave the platform after a long wait time?</a:t>
-            </a:r>
-          </a:p>
-          <a:p>
-            <a:r>
-              <a:rPr lang="en-US"/>
-              <a:t>Time is everything. Seek to minimize the time spent waiting at the business. Consider a partnership model with the most frequented businesses to expedite this part of the equation.</a:t>
+            <a:pPr marL="0" indent="0">
+              <a:buNone/>
+            </a:pPr>
+            <a:r>
+              <a:rPr lang="en-US" sz="1600" b="1" dirty="0"/>
+              <a:t>Minimize wait times for Postmen. </a:t>
+            </a:r>
+            <a:r>
+              <a:rPr lang="en-US" sz="1600" dirty="0"/>
+              <a:t>Recommend partnership model with restaurants to minimize wasted time. </a:t>
+            </a:r>
+          </a:p>
+          <a:p>
+            <a:endParaRPr lang="en-US" sz="1500" dirty="0"/>
+          </a:p>
+          <a:p>
+            <a:endParaRPr lang="en-US" sz="1500" dirty="0"/>
+          </a:p>
+          <a:p>
+            <a:endParaRPr lang="en-US" sz="1500" dirty="0"/>
+          </a:p>
+          <a:p>
+            <a:pPr lvl="2"/>
+            <a:endParaRPr lang="en-US" sz="700" dirty="0"/>
+          </a:p>
+          <a:p>
+            <a:endParaRPr lang="en-US" sz="1500" dirty="0"/>
+          </a:p>
+          <a:p>
+            <a:endParaRPr lang="en-US" sz="1500" dirty="0"/>
+          </a:p>
+          <a:p>
+            <a:endParaRPr lang="en-US" sz="1500" dirty="0"/>
+          </a:p>
+          <a:p>
+            <a:pPr marL="0" indent="0">
+              <a:buNone/>
+            </a:pPr>
+            <a:endParaRPr lang="en-US" sz="100" b="1" dirty="0"/>
+          </a:p>
+          <a:p>
+            <a:pPr marL="0" indent="0">
+              <a:buNone/>
+            </a:pPr>
+            <a:r>
+              <a:rPr lang="en-US" sz="1500" b="1" dirty="0"/>
+              <a:t>Target untapped markets. [SEE NEXT SLIDE FOR DETAIL]</a:t>
             </a:r>
           </a:p>
         </p:txBody>
       </p:sp>
+      <p:sp>
+        <p:nvSpPr>
+          <p:cNvPr id="12" name="TextBox 11">
+            <a:extLst>
+              <a:ext uri="{FF2B5EF4-FFF2-40B4-BE49-F238E27FC236}">
+                <a16:creationId xmlns:a16="http://schemas.microsoft.com/office/drawing/2014/main" id="{7FD0B37A-54DE-9E48-B073-CC050E645C00}"/>
+              </a:ext>
+            </a:extLst>
+          </p:cNvPr>
+          <p:cNvSpPr txBox="1"/>
+          <p:nvPr/>
+        </p:nvSpPr>
+        <p:spPr>
+          <a:xfrm>
+            <a:off x="4641448" y="2158707"/>
+            <a:ext cx="6111433" cy="1815882"/>
+          </a:xfrm>
+          <a:prstGeom prst="rect">
+            <a:avLst/>
+          </a:prstGeom>
+          <a:noFill/>
+        </p:spPr>
+        <p:txBody>
+          <a:bodyPr wrap="square" rtlCol="0">
+            <a:spAutoFit/>
+          </a:bodyPr>
+          <a:lstStyle/>
+          <a:p>
+            <a:r>
+              <a:rPr lang="en-US" sz="1400" dirty="0"/>
+              <a:t>Set an ambitious goal to have Jumpmen spending </a:t>
+            </a:r>
+            <a:r>
+              <a:rPr lang="en-US" sz="1400" b="1" dirty="0"/>
+              <a:t>no longer than 15 minutes </a:t>
+            </a:r>
+            <a:r>
+              <a:rPr lang="en-US" sz="1400" dirty="0"/>
+              <a:t>at each restaurant. Achieve this goal by implementing a business partnership model.</a:t>
+            </a:r>
+          </a:p>
+          <a:p>
+            <a:endParaRPr lang="en-US" sz="1400" dirty="0"/>
+          </a:p>
+          <a:p>
+            <a:r>
+              <a:rPr lang="en-US" sz="1400" dirty="0"/>
+              <a:t>In October 2014,  reducing all wait times to a max of 15 minutes would have saved Jumpmen a total of 14,000 minutes, or an average of 27 minutes per Jumpman</a:t>
+            </a:r>
+          </a:p>
+          <a:p>
+            <a:endParaRPr lang="en-US" sz="1400" dirty="0"/>
+          </a:p>
+          <a:p>
+            <a:r>
+              <a:rPr lang="en-US" sz="1400" dirty="0"/>
+              <a:t>Giving time back to Jumpmen allows them to put more time into the platform</a:t>
+            </a:r>
+          </a:p>
+        </p:txBody>
+      </p:sp>
+      <p:grpSp>
+        <p:nvGrpSpPr>
+          <p:cNvPr id="13" name="Group 12">
+            <a:extLst>
+              <a:ext uri="{FF2B5EF4-FFF2-40B4-BE49-F238E27FC236}">
+                <a16:creationId xmlns:a16="http://schemas.microsoft.com/office/drawing/2014/main" id="{D52FAE57-C3E1-5E41-A3E7-B1D31A25A338}"/>
+              </a:ext>
+            </a:extLst>
+          </p:cNvPr>
+          <p:cNvGrpSpPr/>
+          <p:nvPr/>
+        </p:nvGrpSpPr>
+        <p:grpSpPr>
+          <a:xfrm>
+            <a:off x="1065766" y="2131808"/>
+            <a:ext cx="2973795" cy="2092949"/>
+            <a:chOff x="1169941" y="2235983"/>
+            <a:chExt cx="2973795" cy="2092949"/>
+          </a:xfrm>
+        </p:grpSpPr>
+        <p:pic>
+          <p:nvPicPr>
+            <p:cNvPr id="11" name="Picture 10">
+              <a:extLst>
+                <a:ext uri="{FF2B5EF4-FFF2-40B4-BE49-F238E27FC236}">
+                  <a16:creationId xmlns:a16="http://schemas.microsoft.com/office/drawing/2014/main" id="{D9C7E0DF-23C7-7846-8734-55BA48518141}"/>
+                </a:ext>
+              </a:extLst>
+            </p:cNvPr>
+            <p:cNvPicPr>
+              <a:picLocks noChangeAspect="1"/>
+            </p:cNvPicPr>
+            <p:nvPr/>
+          </p:nvPicPr>
+          <p:blipFill>
+            <a:blip r:embed="rId3"/>
+            <a:stretch>
+              <a:fillRect/>
+            </a:stretch>
+          </p:blipFill>
+          <p:spPr>
+            <a:xfrm>
+              <a:off x="1169941" y="2235983"/>
+              <a:ext cx="2973795" cy="2092949"/>
+            </a:xfrm>
+            <a:prstGeom prst="rect">
+              <a:avLst/>
+            </a:prstGeom>
+          </p:spPr>
+        </p:pic>
+        <p:pic>
+          <p:nvPicPr>
+            <p:cNvPr id="10" name="Picture 9" descr="Table&#10;&#10;Description automatically generated">
+              <a:extLst>
+                <a:ext uri="{FF2B5EF4-FFF2-40B4-BE49-F238E27FC236}">
+                  <a16:creationId xmlns:a16="http://schemas.microsoft.com/office/drawing/2014/main" id="{4EA8C663-CB05-C04A-A3FB-67453AAFCD9A}"/>
+                </a:ext>
+              </a:extLst>
+            </p:cNvPr>
+            <p:cNvPicPr>
+              <a:picLocks noChangeAspect="1"/>
+            </p:cNvPicPr>
+            <p:nvPr/>
+          </p:nvPicPr>
+          <p:blipFill>
+            <a:blip r:embed="rId4"/>
+            <a:stretch>
+              <a:fillRect/>
+            </a:stretch>
+          </p:blipFill>
+          <p:spPr>
+            <a:xfrm>
+              <a:off x="2751017" y="2546431"/>
+              <a:ext cx="1153082" cy="1240436"/>
+            </a:xfrm>
+            <a:prstGeom prst="rect">
+              <a:avLst/>
+            </a:prstGeom>
+            <a:ln>
+              <a:solidFill>
+                <a:schemeClr val="dk1"/>
+              </a:solidFill>
+            </a:ln>
+          </p:spPr>
+        </p:pic>
+      </p:grpSp>
+      <p:grpSp>
+        <p:nvGrpSpPr>
+          <p:cNvPr id="25" name="Group 24">
+            <a:extLst>
+              <a:ext uri="{FF2B5EF4-FFF2-40B4-BE49-F238E27FC236}">
+                <a16:creationId xmlns:a16="http://schemas.microsoft.com/office/drawing/2014/main" id="{CD87038C-311F-1346-914D-D081BC643C76}"/>
+              </a:ext>
+            </a:extLst>
+          </p:cNvPr>
+          <p:cNvGrpSpPr/>
+          <p:nvPr/>
+        </p:nvGrpSpPr>
+        <p:grpSpPr>
+          <a:xfrm>
+            <a:off x="1061912" y="4863565"/>
+            <a:ext cx="5034089" cy="1539433"/>
+            <a:chOff x="1061912" y="4794115"/>
+            <a:chExt cx="5034089" cy="1539433"/>
+          </a:xfrm>
+        </p:grpSpPr>
+        <p:sp>
+          <p:nvSpPr>
+            <p:cNvPr id="19" name="TextBox 18">
+              <a:extLst>
+                <a:ext uri="{FF2B5EF4-FFF2-40B4-BE49-F238E27FC236}">
+                  <a16:creationId xmlns:a16="http://schemas.microsoft.com/office/drawing/2014/main" id="{44D7A650-5E8D-A34B-809E-48C5AF286A89}"/>
+                </a:ext>
+              </a:extLst>
+            </p:cNvPr>
+            <p:cNvSpPr txBox="1"/>
+            <p:nvPr/>
+          </p:nvSpPr>
+          <p:spPr>
+            <a:xfrm>
+              <a:off x="1061912" y="4794115"/>
+              <a:ext cx="5034089" cy="1539433"/>
+            </a:xfrm>
+            <a:prstGeom prst="rect">
+              <a:avLst/>
+            </a:prstGeom>
+            <a:solidFill>
+              <a:srgbClr val="00B050">
+                <a:alpha val="94000"/>
+              </a:srgbClr>
+            </a:solidFill>
+          </p:spPr>
+          <p:txBody>
+            <a:bodyPr wrap="square" rtlCol="0">
+              <a:spAutoFit/>
+            </a:bodyPr>
+            <a:lstStyle/>
+            <a:p>
+              <a:endParaRPr lang="en-US" dirty="0"/>
+            </a:p>
+          </p:txBody>
+        </p:sp>
+        <p:sp>
+          <p:nvSpPr>
+            <p:cNvPr id="14" name="TextBox 13">
+              <a:extLst>
+                <a:ext uri="{FF2B5EF4-FFF2-40B4-BE49-F238E27FC236}">
+                  <a16:creationId xmlns:a16="http://schemas.microsoft.com/office/drawing/2014/main" id="{9D534804-B2C4-7D42-B381-CC35985DCE4F}"/>
+                </a:ext>
+              </a:extLst>
+            </p:cNvPr>
+            <p:cNvSpPr txBox="1"/>
+            <p:nvPr/>
+          </p:nvSpPr>
+          <p:spPr>
+            <a:xfrm>
+              <a:off x="1285686" y="4891507"/>
+              <a:ext cx="2464510" cy="861774"/>
+            </a:xfrm>
+            <a:prstGeom prst="rect">
+              <a:avLst/>
+            </a:prstGeom>
+            <a:noFill/>
+          </p:spPr>
+          <p:txBody>
+            <a:bodyPr wrap="square" rtlCol="0">
+              <a:spAutoFit/>
+            </a:bodyPr>
+            <a:lstStyle/>
+            <a:p>
+              <a:pPr algn="ctr"/>
+              <a:r>
+                <a:rPr lang="en-US" sz="5000" dirty="0"/>
+                <a:t>286,000</a:t>
+              </a:r>
+            </a:p>
+          </p:txBody>
+        </p:sp>
+        <p:sp>
+          <p:nvSpPr>
+            <p:cNvPr id="15" name="TextBox 14">
+              <a:extLst>
+                <a:ext uri="{FF2B5EF4-FFF2-40B4-BE49-F238E27FC236}">
+                  <a16:creationId xmlns:a16="http://schemas.microsoft.com/office/drawing/2014/main" id="{924B26F6-584C-F846-8DA0-A297851AAB05}"/>
+                </a:ext>
+              </a:extLst>
+            </p:cNvPr>
+            <p:cNvSpPr txBox="1"/>
+            <p:nvPr/>
+          </p:nvSpPr>
+          <p:spPr>
+            <a:xfrm>
+              <a:off x="4381727" y="4891507"/>
+              <a:ext cx="1237078" cy="861774"/>
+            </a:xfrm>
+            <a:prstGeom prst="rect">
+              <a:avLst/>
+            </a:prstGeom>
+            <a:noFill/>
+          </p:spPr>
+          <p:txBody>
+            <a:bodyPr wrap="square" rtlCol="0">
+              <a:spAutoFit/>
+            </a:bodyPr>
+            <a:lstStyle/>
+            <a:p>
+              <a:pPr algn="ctr"/>
+              <a:r>
+                <a:rPr lang="en-US" sz="5000" dirty="0"/>
+                <a:t>60</a:t>
+              </a:r>
+            </a:p>
+          </p:txBody>
+        </p:sp>
+        <p:sp>
+          <p:nvSpPr>
+            <p:cNvPr id="16" name="TextBox 15">
+              <a:extLst>
+                <a:ext uri="{FF2B5EF4-FFF2-40B4-BE49-F238E27FC236}">
+                  <a16:creationId xmlns:a16="http://schemas.microsoft.com/office/drawing/2014/main" id="{683B8A9B-5221-E543-91A7-A809F6839108}"/>
+                </a:ext>
+              </a:extLst>
+            </p:cNvPr>
+            <p:cNvSpPr txBox="1"/>
+            <p:nvPr/>
+          </p:nvSpPr>
+          <p:spPr>
+            <a:xfrm>
+              <a:off x="1638842" y="5657385"/>
+              <a:ext cx="1758197" cy="461665"/>
+            </a:xfrm>
+            <a:prstGeom prst="rect">
+              <a:avLst/>
+            </a:prstGeom>
+            <a:noFill/>
+          </p:spPr>
+          <p:txBody>
+            <a:bodyPr wrap="square" rtlCol="0">
+              <a:spAutoFit/>
+            </a:bodyPr>
+            <a:lstStyle/>
+            <a:p>
+              <a:pPr algn="ctr"/>
+              <a:r>
+                <a:rPr lang="en-US" sz="1200" dirty="0"/>
+                <a:t>Population of NY’s three most populous zip codes</a:t>
+              </a:r>
+            </a:p>
+          </p:txBody>
+        </p:sp>
+        <p:sp>
+          <p:nvSpPr>
+            <p:cNvPr id="17" name="TextBox 16">
+              <a:extLst>
+                <a:ext uri="{FF2B5EF4-FFF2-40B4-BE49-F238E27FC236}">
+                  <a16:creationId xmlns:a16="http://schemas.microsoft.com/office/drawing/2014/main" id="{3122E106-8C04-7E44-A7ED-176C64C67467}"/>
+                </a:ext>
+              </a:extLst>
+            </p:cNvPr>
+            <p:cNvSpPr txBox="1"/>
+            <p:nvPr/>
+          </p:nvSpPr>
+          <p:spPr>
+            <a:xfrm>
+              <a:off x="3957301" y="5657385"/>
+              <a:ext cx="2085929" cy="461665"/>
+            </a:xfrm>
+            <a:prstGeom prst="rect">
+              <a:avLst/>
+            </a:prstGeom>
+            <a:noFill/>
+          </p:spPr>
+          <p:txBody>
+            <a:bodyPr wrap="square" rtlCol="0">
+              <a:spAutoFit/>
+            </a:bodyPr>
+            <a:lstStyle/>
+            <a:p>
+              <a:pPr algn="ctr"/>
+              <a:r>
+                <a:rPr lang="en-US" sz="1200" dirty="0"/>
+                <a:t>Number of current customers in those same three zip codes</a:t>
+              </a:r>
+            </a:p>
+          </p:txBody>
+        </p:sp>
+      </p:grpSp>
+      <p:grpSp>
+        <p:nvGrpSpPr>
+          <p:cNvPr id="29" name="Group 28">
+            <a:extLst>
+              <a:ext uri="{FF2B5EF4-FFF2-40B4-BE49-F238E27FC236}">
+                <a16:creationId xmlns:a16="http://schemas.microsoft.com/office/drawing/2014/main" id="{FDDEBF90-3B70-EC41-ADF3-2EB413E314F7}"/>
+              </a:ext>
+            </a:extLst>
+          </p:cNvPr>
+          <p:cNvGrpSpPr/>
+          <p:nvPr/>
+        </p:nvGrpSpPr>
+        <p:grpSpPr>
+          <a:xfrm>
+            <a:off x="8017740" y="4452297"/>
+            <a:ext cx="3817117" cy="2328222"/>
+            <a:chOff x="8168214" y="4440722"/>
+            <a:chExt cx="3817117" cy="2328222"/>
+          </a:xfrm>
+        </p:grpSpPr>
+        <p:graphicFrame>
+          <p:nvGraphicFramePr>
+            <p:cNvPr id="18" name="Chart 17">
+              <a:extLst>
+                <a:ext uri="{FF2B5EF4-FFF2-40B4-BE49-F238E27FC236}">
+                  <a16:creationId xmlns:a16="http://schemas.microsoft.com/office/drawing/2014/main" id="{23F35BF7-C1E0-7542-9617-779367A6833F}"/>
+                </a:ext>
+              </a:extLst>
+            </p:cNvPr>
+            <p:cNvGraphicFramePr/>
+            <p:nvPr>
+              <p:extLst>
+                <p:ext uri="{D42A27DB-BD31-4B8C-83A1-F6EECF244321}">
+                  <p14:modId xmlns:p14="http://schemas.microsoft.com/office/powerpoint/2010/main" val="970497319"/>
+                </p:ext>
+              </p:extLst>
+            </p:nvPr>
+          </p:nvGraphicFramePr>
+          <p:xfrm>
+            <a:off x="8168214" y="4737618"/>
+            <a:ext cx="2192759" cy="2031326"/>
+          </p:xfrm>
+          <a:graphic>
+            <a:graphicData uri="http://schemas.openxmlformats.org/drawingml/2006/chart">
+              <c:chart xmlns:c="http://schemas.openxmlformats.org/drawingml/2006/chart" xmlns:r="http://schemas.openxmlformats.org/officeDocument/2006/relationships" r:id="rId5"/>
+            </a:graphicData>
+          </a:graphic>
+        </p:graphicFrame>
+        <p:sp>
+          <p:nvSpPr>
+            <p:cNvPr id="20" name="TextBox 19">
+              <a:extLst>
+                <a:ext uri="{FF2B5EF4-FFF2-40B4-BE49-F238E27FC236}">
+                  <a16:creationId xmlns:a16="http://schemas.microsoft.com/office/drawing/2014/main" id="{01752634-0AE8-BA4C-91E6-5133D76CC961}"/>
+                </a:ext>
+              </a:extLst>
+            </p:cNvPr>
+            <p:cNvSpPr txBox="1"/>
+            <p:nvPr/>
+          </p:nvSpPr>
+          <p:spPr>
+            <a:xfrm>
+              <a:off x="10447137" y="4440722"/>
+              <a:ext cx="1538194" cy="1585049"/>
+            </a:xfrm>
+            <a:prstGeom prst="rect">
+              <a:avLst/>
+            </a:prstGeom>
+            <a:noFill/>
+          </p:spPr>
+          <p:txBody>
+            <a:bodyPr wrap="square" rtlCol="0">
+              <a:spAutoFit/>
+            </a:bodyPr>
+            <a:lstStyle/>
+            <a:p>
+              <a:r>
+                <a:rPr lang="en-US" sz="1400" b="1" dirty="0"/>
+                <a:t>0.26%</a:t>
+              </a:r>
+            </a:p>
+            <a:p>
+              <a:endParaRPr lang="en-US" sz="100" dirty="0"/>
+            </a:p>
+            <a:p>
+              <a:r>
+                <a:rPr lang="en-US" sz="1400" dirty="0"/>
+                <a:t>Current reach of the 10 highest earning* zip codes</a:t>
+              </a:r>
+            </a:p>
+            <a:p>
+              <a:endParaRPr lang="en-US" sz="1400" dirty="0"/>
+            </a:p>
+            <a:p>
+              <a:endParaRPr lang="en-US" sz="600" dirty="0"/>
+            </a:p>
+            <a:p>
+              <a:r>
+                <a:rPr lang="en-US" sz="600" dirty="0"/>
+                <a:t>*by estimated average household income</a:t>
+              </a:r>
+            </a:p>
+            <a:p>
+              <a:r>
+                <a:rPr lang="en-US" sz="1400" dirty="0"/>
+                <a:t> </a:t>
+              </a:r>
+            </a:p>
+          </p:txBody>
+        </p:sp>
+        <p:cxnSp>
+          <p:nvCxnSpPr>
+            <p:cNvPr id="24" name="Straight Arrow Connector 23">
+              <a:extLst>
+                <a:ext uri="{FF2B5EF4-FFF2-40B4-BE49-F238E27FC236}">
+                  <a16:creationId xmlns:a16="http://schemas.microsoft.com/office/drawing/2014/main" id="{E371244B-9DB4-6F48-BA3B-2ED9832551F9}"/>
+                </a:ext>
+              </a:extLst>
+            </p:cNvPr>
+            <p:cNvCxnSpPr/>
+            <p:nvPr/>
+          </p:nvCxnSpPr>
+          <p:spPr>
+            <a:xfrm flipH="1">
+              <a:off x="9352344" y="4662014"/>
+              <a:ext cx="1008629" cy="132101"/>
+            </a:xfrm>
+            <a:prstGeom prst="straightConnector1">
+              <a:avLst/>
+            </a:prstGeom>
+            <a:ln w="41275">
+              <a:tailEnd type="triangle"/>
+            </a:ln>
+          </p:spPr>
+          <p:style>
+            <a:lnRef idx="1">
+              <a:schemeClr val="accent1"/>
+            </a:lnRef>
+            <a:fillRef idx="0">
+              <a:schemeClr val="accent1"/>
+            </a:fillRef>
+            <a:effectRef idx="0">
+              <a:schemeClr val="accent1"/>
+            </a:effectRef>
+            <a:fontRef idx="minor">
+              <a:schemeClr val="tx1"/>
+            </a:fontRef>
+          </p:style>
+        </p:cxnSp>
+      </p:grpSp>
+      <p:pic>
+        <p:nvPicPr>
+          <p:cNvPr id="26" name="Graphic 25" descr="Lightbulb">
+            <a:extLst>
+              <a:ext uri="{FF2B5EF4-FFF2-40B4-BE49-F238E27FC236}">
+                <a16:creationId xmlns:a16="http://schemas.microsoft.com/office/drawing/2014/main" id="{05FF07B6-9ECA-8742-85FD-14359CFD3DFE}"/>
+              </a:ext>
+            </a:extLst>
+          </p:cNvPr>
+          <p:cNvPicPr>
+            <a:picLocks noChangeAspect="1"/>
+          </p:cNvPicPr>
+          <p:nvPr/>
+        </p:nvPicPr>
+        <p:blipFill>
+          <a:blip r:embed="rId6">
+            <a:extLst>
+              <a:ext uri="{96DAC541-7B7A-43D3-8B79-37D633B846F1}">
+                <asvg:svgBlip xmlns:asvg="http://schemas.microsoft.com/office/drawing/2016/SVG/main" r:embed="rId7"/>
+              </a:ext>
+            </a:extLst>
+          </a:blip>
+          <a:stretch>
+            <a:fillRect/>
+          </a:stretch>
+        </p:blipFill>
+        <p:spPr>
+          <a:xfrm>
+            <a:off x="4310541" y="2197022"/>
+            <a:ext cx="358879" cy="358879"/>
+          </a:xfrm>
+          <a:prstGeom prst="rect">
+            <a:avLst/>
+          </a:prstGeom>
+        </p:spPr>
+      </p:pic>
+      <p:pic>
+        <p:nvPicPr>
+          <p:cNvPr id="27" name="Graphic 26" descr="Lightbulb">
+            <a:extLst>
+              <a:ext uri="{FF2B5EF4-FFF2-40B4-BE49-F238E27FC236}">
+                <a16:creationId xmlns:a16="http://schemas.microsoft.com/office/drawing/2014/main" id="{C5F04BF3-9E77-6641-A200-FAAA0CF1F7D4}"/>
+              </a:ext>
+            </a:extLst>
+          </p:cNvPr>
+          <p:cNvPicPr>
+            <a:picLocks noChangeAspect="1"/>
+          </p:cNvPicPr>
+          <p:nvPr/>
+        </p:nvPicPr>
+        <p:blipFill>
+          <a:blip r:embed="rId6">
+            <a:extLst>
+              <a:ext uri="{96DAC541-7B7A-43D3-8B79-37D633B846F1}">
+                <asvg:svgBlip xmlns:asvg="http://schemas.microsoft.com/office/drawing/2016/SVG/main" r:embed="rId7"/>
+              </a:ext>
+            </a:extLst>
+          </a:blip>
+          <a:stretch>
+            <a:fillRect/>
+          </a:stretch>
+        </p:blipFill>
+        <p:spPr>
+          <a:xfrm>
+            <a:off x="4310540" y="2880607"/>
+            <a:ext cx="358879" cy="358879"/>
+          </a:xfrm>
+          <a:prstGeom prst="rect">
+            <a:avLst/>
+          </a:prstGeom>
+        </p:spPr>
+      </p:pic>
+      <p:pic>
+        <p:nvPicPr>
+          <p:cNvPr id="28" name="Graphic 27" descr="Lightbulb">
+            <a:extLst>
+              <a:ext uri="{FF2B5EF4-FFF2-40B4-BE49-F238E27FC236}">
+                <a16:creationId xmlns:a16="http://schemas.microsoft.com/office/drawing/2014/main" id="{CB4E01AA-556E-C344-B3C8-7ADC0196DF62}"/>
+              </a:ext>
+            </a:extLst>
+          </p:cNvPr>
+          <p:cNvPicPr>
+            <a:picLocks noChangeAspect="1"/>
+          </p:cNvPicPr>
+          <p:nvPr/>
+        </p:nvPicPr>
+        <p:blipFill>
+          <a:blip r:embed="rId6">
+            <a:extLst>
+              <a:ext uri="{96DAC541-7B7A-43D3-8B79-37D633B846F1}">
+                <asvg:svgBlip xmlns:asvg="http://schemas.microsoft.com/office/drawing/2016/SVG/main" r:embed="rId7"/>
+              </a:ext>
+            </a:extLst>
+          </a:blip>
+          <a:stretch>
+            <a:fillRect/>
+          </a:stretch>
+        </p:blipFill>
+        <p:spPr>
+          <a:xfrm>
+            <a:off x="4310540" y="3694430"/>
+            <a:ext cx="358879" cy="358879"/>
+          </a:xfrm>
+          <a:prstGeom prst="rect">
+            <a:avLst/>
+          </a:prstGeom>
+        </p:spPr>
+      </p:pic>
     </p:spTree>
     <p:extLst>
       <p:ext uri="{BB962C8B-B14F-4D97-AF65-F5344CB8AC3E}">
@@ -11194,9 +13647,21 @@
           <a:lstStyle/>
           <a:p>
             <a:r>
-              <a:rPr lang="en-US" dirty="0"/>
-              <a:t>05 Growth Opportunities</a:t>
-            </a:r>
+              <a:rPr lang="en-US" dirty="0">
+                <a:solidFill>
+                  <a:schemeClr val="tx1">
+                    <a:lumMod val="50000"/>
+                    <a:lumOff val="50000"/>
+                  </a:schemeClr>
+                </a:solidFill>
+              </a:rPr>
+              <a:t>5 </a:t>
+            </a:r>
+            <a:r>
+              <a:rPr lang="en-US" b="1" dirty="0"/>
+              <a:t>GROWTH STRATEGY [OPPORTUNITIES]</a:t>
+            </a:r>
+            <a:endParaRPr lang="en-US" dirty="0"/>
           </a:p>
         </p:txBody>
       </p:sp>
@@ -11215,14 +13680,14 @@
           <p:nvPr>
             <p:extLst>
               <p:ext uri="{D42A27DB-BD31-4B8C-83A1-F6EECF244321}">
-                <p14:modId xmlns:p14="http://schemas.microsoft.com/office/powerpoint/2010/main" val="1892429905"/>
+                <p14:modId xmlns:p14="http://schemas.microsoft.com/office/powerpoint/2010/main" val="2393753105"/>
               </p:ext>
             </p:extLst>
           </p:nvPr>
         </p:nvGraphicFramePr>
         <p:xfrm>
-          <a:off x="324854" y="1690688"/>
-          <a:ext cx="4575759" cy="4458040"/>
+          <a:off x="521627" y="1899038"/>
+          <a:ext cx="4575759" cy="4549480"/>
         </p:xfrm>
         <a:graphic>
           <a:graphicData uri="http://schemas.openxmlformats.org/drawingml/2006/table">
@@ -11268,7 +13733,7 @@
                     <a:p>
                       <a:pPr algn="l"/>
                       <a:r>
-                        <a:rPr lang="en-US" sz="1400"/>
+                        <a:rPr lang="en-US" sz="1600" dirty="0"/>
                         <a:t>Zip Code</a:t>
                       </a:r>
                     </a:p>
@@ -11282,14 +13747,14 @@
                     <a:p>
                       <a:pPr algn="ctr"/>
                       <a:r>
-                        <a:rPr lang="en-US" sz="1400"/>
+                        <a:rPr lang="en-US" sz="1600" dirty="0"/>
                         <a:t>Estimated</a:t>
                       </a:r>
                     </a:p>
                     <a:p>
                       <a:pPr algn="ctr"/>
                       <a:r>
-                        <a:rPr lang="en-US" sz="1400"/>
+                        <a:rPr lang="en-US" sz="1600" dirty="0"/>
                         <a:t>Population</a:t>
                       </a:r>
                     </a:p>
@@ -11303,7 +13768,7 @@
                     <a:p>
                       <a:pPr algn="ctr"/>
                       <a:r>
-                        <a:rPr lang="en-US" sz="1400"/>
+                        <a:rPr lang="en-US" sz="1600" dirty="0"/>
                         <a:t># Unique Customers</a:t>
                       </a:r>
                     </a:p>
@@ -11317,14 +13782,14 @@
                     <a:p>
                       <a:pPr algn="ctr"/>
                       <a:r>
-                        <a:rPr lang="en-US" sz="1400" dirty="0"/>
+                        <a:rPr lang="en-US" sz="1600" dirty="0"/>
                         <a:t>Market Penetration</a:t>
                       </a:r>
                     </a:p>
                     <a:p>
                       <a:pPr algn="ctr"/>
                       <a:r>
-                        <a:rPr lang="en-US" sz="1400" dirty="0"/>
+                        <a:rPr lang="en-US" sz="1600" dirty="0"/>
                         <a:t>(X 10)</a:t>
                       </a:r>
                     </a:p>
@@ -11361,7 +13826,7 @@
                     <a:p>
                       <a:pPr algn="ctr" rtl="0" fontAlgn="ctr"/>
                       <a:r>
-                        <a:rPr lang="en-US" sz="1600" b="0" i="0" u="none" strike="noStrike">
+                        <a:rPr lang="en-US" sz="1600" b="0" i="0" u="none" strike="noStrike" dirty="0">
                           <a:solidFill>
                             <a:schemeClr val="tx1"/>
                           </a:solidFill>
@@ -11381,7 +13846,7 @@
                     <a:p>
                       <a:pPr algn="ctr" rtl="0" fontAlgn="ctr"/>
                       <a:r>
-                        <a:rPr lang="en-US" sz="1600" b="0" i="0" u="none" strike="noStrike">
+                        <a:rPr lang="en-US" sz="1600" b="0" i="0" u="none" strike="noStrike" dirty="0">
                           <a:solidFill>
                             <a:schemeClr val="tx1"/>
                           </a:solidFill>
@@ -11401,7 +13866,7 @@
                     <a:p>
                       <a:pPr algn="ctr" fontAlgn="b"/>
                       <a:r>
-                        <a:rPr lang="en-US" sz="1600" b="0" i="0" u="none" strike="noStrike">
+                        <a:rPr lang="en-US" sz="1600" b="0" i="0" u="none" strike="noStrike" dirty="0">
                           <a:solidFill>
                             <a:schemeClr val="tx1"/>
                           </a:solidFill>
@@ -11428,7 +13893,7 @@
                     <a:p>
                       <a:pPr algn="l" fontAlgn="ctr"/>
                       <a:r>
-                        <a:rPr lang="en-US" sz="1600" b="0">
+                        <a:rPr lang="en-US" sz="1600" b="0" dirty="0">
                           <a:effectLst/>
                         </a:rPr>
                         <a:t>10025</a:t>
@@ -11444,7 +13909,7 @@
                     <a:p>
                       <a:pPr algn="ctr" rtl="0" fontAlgn="ctr"/>
                       <a:r>
-                        <a:rPr lang="en-US" sz="1600" b="0" i="0" u="none" strike="noStrike">
+                        <a:rPr lang="en-US" sz="1600" b="0" i="0" u="none" strike="noStrike" dirty="0">
                           <a:solidFill>
                             <a:schemeClr val="tx1"/>
                           </a:solidFill>
@@ -11464,7 +13929,7 @@
                     <a:p>
                       <a:pPr algn="ctr" rtl="0" fontAlgn="ctr"/>
                       <a:r>
-                        <a:rPr lang="en-US" sz="1600" b="0" i="0" u="none" strike="noStrike">
+                        <a:rPr lang="en-US" sz="1600" b="0" i="0" u="none" strike="noStrike" dirty="0">
                           <a:solidFill>
                             <a:schemeClr val="tx1"/>
                           </a:solidFill>
@@ -11484,7 +13949,7 @@
                     <a:p>
                       <a:pPr algn="ctr" fontAlgn="b"/>
                       <a:r>
-                        <a:rPr lang="en-US" sz="1600" b="0" i="0" u="none" strike="noStrike">
+                        <a:rPr lang="en-US" sz="1600" b="0" i="0" u="none" strike="noStrike" dirty="0">
                           <a:solidFill>
                             <a:schemeClr val="tx1"/>
                           </a:solidFill>
@@ -11511,7 +13976,7 @@
                     <a:p>
                       <a:pPr algn="l" fontAlgn="ctr"/>
                       <a:r>
-                        <a:rPr lang="en-US" sz="1600" b="0">
+                        <a:rPr lang="en-US" sz="1600" b="0" dirty="0">
                           <a:effectLst/>
                         </a:rPr>
                         <a:t>11211</a:t>
@@ -11527,7 +13992,7 @@
                     <a:p>
                       <a:pPr algn="ctr" rtl="0" fontAlgn="ctr"/>
                       <a:r>
-                        <a:rPr lang="en-US" sz="1600" b="0" i="0" u="none" strike="noStrike">
+                        <a:rPr lang="en-US" sz="1600" b="0" i="0" u="none" strike="noStrike" dirty="0">
                           <a:solidFill>
                             <a:schemeClr val="tx1"/>
                           </a:solidFill>
@@ -11547,7 +14012,7 @@
                     <a:p>
                       <a:pPr algn="ctr" rtl="0" fontAlgn="ctr"/>
                       <a:r>
-                        <a:rPr lang="en-US" sz="1600" b="0" i="0" u="none" strike="noStrike">
+                        <a:rPr lang="en-US" sz="1600" b="0" i="0" u="none" strike="noStrike" dirty="0">
                           <a:solidFill>
                             <a:schemeClr val="tx1"/>
                           </a:solidFill>
@@ -11567,7 +14032,7 @@
                     <a:p>
                       <a:pPr algn="ctr" fontAlgn="b"/>
                       <a:r>
-                        <a:rPr lang="en-US" sz="1600" b="0" i="0" u="none" strike="noStrike">
+                        <a:rPr lang="en-US" sz="1600" b="0" i="0" u="none" strike="noStrike" dirty="0">
                           <a:solidFill>
                             <a:schemeClr val="tx1"/>
                           </a:solidFill>
@@ -11594,7 +14059,7 @@
                     <a:p>
                       <a:pPr algn="l" fontAlgn="ctr"/>
                       <a:r>
-                        <a:rPr lang="en-US" sz="1600" b="0">
+                        <a:rPr lang="en-US" sz="1600" b="0" dirty="0">
                           <a:effectLst/>
                         </a:rPr>
                         <a:t>11206</a:t>
@@ -11610,7 +14075,7 @@
                     <a:p>
                       <a:pPr algn="ctr" rtl="0" fontAlgn="ctr"/>
                       <a:r>
-                        <a:rPr lang="en-US" sz="1600" b="0" i="0" u="none" strike="noStrike">
+                        <a:rPr lang="en-US" sz="1600" b="0" i="0" u="none" strike="noStrike" dirty="0">
                           <a:solidFill>
                             <a:schemeClr val="tx1"/>
                           </a:solidFill>
@@ -11630,7 +14095,7 @@
                     <a:p>
                       <a:pPr algn="ctr" rtl="0" fontAlgn="ctr"/>
                       <a:r>
-                        <a:rPr lang="en-US" sz="1600" b="0" i="0" u="none" strike="noStrike">
+                        <a:rPr lang="en-US" sz="1600" b="0" i="0" u="none" strike="noStrike" dirty="0">
                           <a:solidFill>
                             <a:schemeClr val="tx1"/>
                           </a:solidFill>
@@ -11650,7 +14115,7 @@
                     <a:p>
                       <a:pPr algn="ctr" fontAlgn="b"/>
                       <a:r>
-                        <a:rPr lang="en-US" sz="1600" b="0" i="0" u="none" strike="noStrike">
+                        <a:rPr lang="en-US" sz="1600" b="0" i="0" u="none" strike="noStrike" dirty="0">
                           <a:solidFill>
                             <a:schemeClr val="tx1"/>
                           </a:solidFill>
@@ -11677,7 +14142,7 @@
                     <a:p>
                       <a:pPr algn="l" fontAlgn="ctr"/>
                       <a:r>
-                        <a:rPr lang="en-US" sz="1600" b="0">
+                        <a:rPr lang="en-US" sz="1600" b="0" dirty="0">
                           <a:effectLst/>
                         </a:rPr>
                         <a:t>10002</a:t>
@@ -11693,7 +14158,7 @@
                     <a:p>
                       <a:pPr algn="ctr" rtl="0" fontAlgn="ctr"/>
                       <a:r>
-                        <a:rPr lang="en-US" sz="1600" b="0" i="0" u="none" strike="noStrike">
+                        <a:rPr lang="en-US" sz="1600" b="0" i="0" u="none" strike="noStrike" dirty="0">
                           <a:solidFill>
                             <a:schemeClr val="tx1"/>
                           </a:solidFill>
@@ -11713,7 +14178,7 @@
                     <a:p>
                       <a:pPr algn="ctr" rtl="0" fontAlgn="ctr"/>
                       <a:r>
-                        <a:rPr lang="en-US" sz="1600" b="0" i="0" u="none" strike="noStrike">
+                        <a:rPr lang="en-US" sz="1600" b="0" i="0" u="none" strike="noStrike" dirty="0">
                           <a:solidFill>
                             <a:schemeClr val="tx1"/>
                           </a:solidFill>
@@ -11733,7 +14198,7 @@
                     <a:p>
                       <a:pPr algn="ctr" fontAlgn="b"/>
                       <a:r>
-                        <a:rPr lang="en-US" sz="1600" b="0" i="0" u="none" strike="noStrike">
+                        <a:rPr lang="en-US" sz="1600" b="0" i="0" u="none" strike="noStrike" dirty="0">
                           <a:solidFill>
                             <a:schemeClr val="tx1"/>
                           </a:solidFill>
@@ -11760,7 +14225,7 @@
                     <a:p>
                       <a:pPr algn="l" fontAlgn="ctr"/>
                       <a:r>
-                        <a:rPr lang="en-US" sz="1600" b="0">
+                        <a:rPr lang="en-US" sz="1600" b="0" dirty="0">
                           <a:effectLst/>
                         </a:rPr>
                         <a:t>11221</a:t>
@@ -11776,7 +14241,7 @@
                     <a:p>
                       <a:pPr algn="ctr" rtl="0" fontAlgn="ctr"/>
                       <a:r>
-                        <a:rPr lang="en-US" sz="1600" b="0" i="0" u="none" strike="noStrike">
+                        <a:rPr lang="en-US" sz="1600" b="0" i="0" u="none" strike="noStrike" dirty="0">
                           <a:solidFill>
                             <a:schemeClr val="tx1"/>
                           </a:solidFill>
@@ -11796,7 +14261,7 @@
                     <a:p>
                       <a:pPr algn="ctr" rtl="0" fontAlgn="ctr"/>
                       <a:r>
-                        <a:rPr lang="en-US" sz="1600" b="0" i="0" u="none" strike="noStrike">
+                        <a:rPr lang="en-US" sz="1600" b="0" i="0" u="none" strike="noStrike" dirty="0">
                           <a:solidFill>
                             <a:schemeClr val="tx1"/>
                           </a:solidFill>
@@ -11816,7 +14281,7 @@
                     <a:p>
                       <a:pPr algn="ctr" fontAlgn="b"/>
                       <a:r>
-                        <a:rPr lang="en-US" sz="1600" b="0" i="0" u="none" strike="noStrike">
+                        <a:rPr lang="en-US" sz="1600" b="0" i="0" u="none" strike="noStrike" dirty="0">
                           <a:solidFill>
                             <a:schemeClr val="tx1"/>
                           </a:solidFill>
@@ -11843,7 +14308,7 @@
                     <a:p>
                       <a:pPr algn="l" fontAlgn="ctr"/>
                       <a:r>
-                        <a:rPr lang="en-US" sz="1600" b="0">
+                        <a:rPr lang="en-US" sz="1600" b="0" dirty="0">
                           <a:effectLst/>
                         </a:rPr>
                         <a:t>10029</a:t>
@@ -11859,7 +14324,7 @@
                     <a:p>
                       <a:pPr algn="ctr" rtl="0" fontAlgn="ctr"/>
                       <a:r>
-                        <a:rPr lang="en-US" sz="1600" b="0" i="0" u="none" strike="noStrike">
+                        <a:rPr lang="en-US" sz="1600" b="0" i="0" u="none" strike="noStrike" dirty="0">
                           <a:solidFill>
                             <a:schemeClr val="tx1"/>
                           </a:solidFill>
@@ -11879,7 +14344,7 @@
                     <a:p>
                       <a:pPr algn="ctr" rtl="0" fontAlgn="ctr"/>
                       <a:r>
-                        <a:rPr lang="en-US" sz="1600" b="0" i="0" u="none" strike="noStrike">
+                        <a:rPr lang="en-US" sz="1600" b="0" i="0" u="none" strike="noStrike" dirty="0">
                           <a:solidFill>
                             <a:schemeClr val="tx1"/>
                           </a:solidFill>
@@ -11899,7 +14364,7 @@
                     <a:p>
                       <a:pPr algn="ctr" fontAlgn="b"/>
                       <a:r>
-                        <a:rPr lang="en-US" sz="1600" b="0" i="0" u="none" strike="noStrike">
+                        <a:rPr lang="en-US" sz="1600" b="0" i="0" u="none" strike="noStrike" dirty="0">
                           <a:solidFill>
                             <a:schemeClr val="tx1"/>
                           </a:solidFill>
@@ -11926,7 +14391,7 @@
                     <a:p>
                       <a:pPr algn="l" fontAlgn="ctr"/>
                       <a:r>
-                        <a:rPr lang="en-US" sz="1600" b="0">
+                        <a:rPr lang="en-US" sz="1600" b="0" dirty="0">
                           <a:effectLst/>
                         </a:rPr>
                         <a:t>11215</a:t>
@@ -11942,7 +14407,7 @@
                     <a:p>
                       <a:pPr algn="ctr" rtl="0" fontAlgn="ctr"/>
                       <a:r>
-                        <a:rPr lang="en-US" sz="1600" b="0" i="0" u="none" strike="noStrike">
+                        <a:rPr lang="en-US" sz="1600" b="0" i="0" u="none" strike="noStrike" dirty="0">
                           <a:solidFill>
                             <a:schemeClr val="tx1"/>
                           </a:solidFill>
@@ -11962,7 +14427,7 @@
                     <a:p>
                       <a:pPr algn="ctr" rtl="0" fontAlgn="ctr"/>
                       <a:r>
-                        <a:rPr lang="en-US" sz="1600" b="0" i="0" u="none" strike="noStrike">
+                        <a:rPr lang="en-US" sz="1600" b="0" i="0" u="none" strike="noStrike" dirty="0">
                           <a:solidFill>
                             <a:schemeClr val="tx1"/>
                           </a:solidFill>
@@ -11982,7 +14447,7 @@
                     <a:p>
                       <a:pPr algn="ctr" fontAlgn="b"/>
                       <a:r>
-                        <a:rPr lang="en-US" sz="1600" b="0" i="0" u="none" strike="noStrike">
+                        <a:rPr lang="en-US" sz="1600" b="0" i="0" u="none" strike="noStrike" dirty="0">
                           <a:solidFill>
                             <a:schemeClr val="tx1"/>
                           </a:solidFill>
@@ -12009,7 +14474,7 @@
                     <a:p>
                       <a:pPr algn="l" fontAlgn="ctr"/>
                       <a:r>
-                        <a:rPr lang="en-US" sz="1600" b="0">
+                        <a:rPr lang="en-US" sz="1600" b="0" dirty="0">
                           <a:effectLst/>
                         </a:rPr>
                         <a:t>10009</a:t>
@@ -12025,7 +14490,7 @@
                     <a:p>
                       <a:pPr algn="ctr" rtl="0" fontAlgn="ctr"/>
                       <a:r>
-                        <a:rPr lang="en-US" sz="1600" b="0" i="0" u="none" strike="noStrike">
+                        <a:rPr lang="en-US" sz="1600" b="0" i="0" u="none" strike="noStrike" dirty="0">
                           <a:solidFill>
                             <a:schemeClr val="tx1"/>
                           </a:solidFill>
@@ -12045,7 +14510,7 @@
                     <a:p>
                       <a:pPr algn="ctr" rtl="0" fontAlgn="ctr"/>
                       <a:r>
-                        <a:rPr lang="en-US" sz="1600" b="0" i="0" u="none" strike="noStrike">
+                        <a:rPr lang="en-US" sz="1600" b="0" i="0" u="none" strike="noStrike" dirty="0">
                           <a:solidFill>
                             <a:schemeClr val="tx1"/>
                           </a:solidFill>
@@ -12065,7 +14530,7 @@
                     <a:p>
                       <a:pPr algn="ctr" fontAlgn="b"/>
                       <a:r>
-                        <a:rPr lang="en-US" sz="1600" b="0" i="0" u="none" strike="noStrike">
+                        <a:rPr lang="en-US" sz="1600" b="0" i="0" u="none" strike="noStrike" dirty="0">
                           <a:solidFill>
                             <a:schemeClr val="tx1"/>
                           </a:solidFill>
@@ -12092,7 +14557,7 @@
                     <a:p>
                       <a:pPr algn="l" fontAlgn="ctr"/>
                       <a:r>
-                        <a:rPr lang="en-US" sz="1600" b="0">
+                        <a:rPr lang="en-US" sz="1600" b="0" dirty="0">
                           <a:effectLst/>
                         </a:rPr>
                         <a:t>10023</a:t>
@@ -12108,7 +14573,7 @@
                     <a:p>
                       <a:pPr algn="ctr" rtl="0" fontAlgn="ctr"/>
                       <a:r>
-                        <a:rPr lang="en-US" sz="1600" b="0" i="0" u="none" strike="noStrike">
+                        <a:rPr lang="en-US" sz="1600" b="0" i="0" u="none" strike="noStrike" dirty="0">
                           <a:solidFill>
                             <a:schemeClr val="tx1"/>
                           </a:solidFill>
@@ -12128,7 +14593,7 @@
                     <a:p>
                       <a:pPr algn="ctr" rtl="0" fontAlgn="ctr"/>
                       <a:r>
-                        <a:rPr lang="en-US" sz="1600" b="0" i="0" u="none" strike="noStrike">
+                        <a:rPr lang="en-US" sz="1600" b="0" i="0" u="none" strike="noStrike" dirty="0">
                           <a:solidFill>
                             <a:schemeClr val="tx1"/>
                           </a:solidFill>
@@ -12186,14 +14651,14 @@
           <p:nvPr>
             <p:extLst>
               <p:ext uri="{D42A27DB-BD31-4B8C-83A1-F6EECF244321}">
-                <p14:modId xmlns:p14="http://schemas.microsoft.com/office/powerpoint/2010/main" val="2977781284"/>
+                <p14:modId xmlns:p14="http://schemas.microsoft.com/office/powerpoint/2010/main" val="728857066"/>
               </p:ext>
             </p:extLst>
           </p:nvPr>
         </p:nvGraphicFramePr>
         <p:xfrm>
-          <a:off x="6722145" y="1690688"/>
-          <a:ext cx="5250780" cy="4439920"/>
+          <a:off x="6412375" y="1917158"/>
+          <a:ext cx="5340627" cy="4485640"/>
         </p:xfrm>
         <a:graphic>
           <a:graphicData uri="http://schemas.openxmlformats.org/drawingml/2006/table">
@@ -12202,35 +14667,35 @@
                 <a:tableStyleId>{5C22544A-7EE6-4342-B048-85BDC9FD1C3A}</a:tableStyleId>
               </a:tblPr>
               <a:tblGrid>
-                <a:gridCol w="826581">
+                <a:gridCol w="968162">
                   <a:extLst>
                     <a:ext uri="{9D8B030D-6E8A-4147-A177-3AD203B41FA5}">
                       <a16:colId xmlns:a16="http://schemas.microsoft.com/office/drawing/2014/main" val="267374531"/>
                     </a:ext>
                   </a:extLst>
                 </a:gridCol>
-                <a:gridCol w="1117406">
+                <a:gridCol w="1045833">
                   <a:extLst>
                     <a:ext uri="{9D8B030D-6E8A-4147-A177-3AD203B41FA5}">
                       <a16:colId xmlns:a16="http://schemas.microsoft.com/office/drawing/2014/main" val="975810304"/>
                     </a:ext>
                   </a:extLst>
                 </a:gridCol>
-                <a:gridCol w="1022163">
+                <a:gridCol w="1111169">
                   <a:extLst>
                     <a:ext uri="{9D8B030D-6E8A-4147-A177-3AD203B41FA5}">
                       <a16:colId xmlns:a16="http://schemas.microsoft.com/office/drawing/2014/main" val="1354174087"/>
                     </a:ext>
                   </a:extLst>
                 </a:gridCol>
-                <a:gridCol w="1002275">
+                <a:gridCol w="1076446">
                   <a:extLst>
                     <a:ext uri="{9D8B030D-6E8A-4147-A177-3AD203B41FA5}">
                       <a16:colId xmlns:a16="http://schemas.microsoft.com/office/drawing/2014/main" val="3737206079"/>
                     </a:ext>
                   </a:extLst>
                 </a:gridCol>
-                <a:gridCol w="1282355">
+                <a:gridCol w="1139017">
                   <a:extLst>
                     <a:ext uri="{9D8B030D-6E8A-4147-A177-3AD203B41FA5}">
                       <a16:colId xmlns:a16="http://schemas.microsoft.com/office/drawing/2014/main" val="654462183"/>
@@ -12246,7 +14711,7 @@
                     <a:p>
                       <a:pPr algn="l"/>
                       <a:r>
-                        <a:rPr lang="en-US" sz="1400"/>
+                        <a:rPr lang="en-US" sz="1500" dirty="0"/>
                         <a:t>Zip Code</a:t>
                       </a:r>
                     </a:p>
@@ -12260,14 +14725,14 @@
                     <a:p>
                       <a:pPr algn="ctr"/>
                       <a:r>
-                        <a:rPr lang="en-US" sz="1400"/>
+                        <a:rPr lang="en-US" sz="1500" dirty="0"/>
                         <a:t>Median Household</a:t>
                       </a:r>
                     </a:p>
                     <a:p>
                       <a:pPr algn="ctr"/>
                       <a:r>
-                        <a:rPr lang="en-US" sz="1400"/>
+                        <a:rPr lang="en-US" sz="1500" dirty="0"/>
                         <a:t>Income</a:t>
                       </a:r>
                     </a:p>
@@ -12281,7 +14746,7 @@
                     <a:p>
                       <a:pPr algn="ctr"/>
                       <a:r>
-                        <a:rPr lang="en-US" sz="1400"/>
+                        <a:rPr lang="en-US" sz="1500" dirty="0"/>
                         <a:t>Estimated Population</a:t>
                       </a:r>
                     </a:p>
@@ -12295,7 +14760,7 @@
                     <a:p>
                       <a:pPr algn="ctr"/>
                       <a:r>
-                        <a:rPr lang="en-US" sz="1400"/>
+                        <a:rPr lang="en-US" sz="1500" dirty="0"/>
                         <a:t># Unique Customers</a:t>
                       </a:r>
                     </a:p>
@@ -12309,14 +14774,14 @@
                     <a:p>
                       <a:pPr algn="ctr"/>
                       <a:r>
-                        <a:rPr lang="en-US" sz="1400" dirty="0"/>
+                        <a:rPr lang="en-US" sz="1500" dirty="0"/>
                         <a:t>Market Penetration</a:t>
                       </a:r>
                     </a:p>
                     <a:p>
                       <a:pPr algn="ctr"/>
                       <a:r>
-                        <a:rPr lang="en-US" sz="1400" dirty="0"/>
+                        <a:rPr lang="en-US" sz="1500" dirty="0"/>
                         <a:t>(X 10)</a:t>
                       </a:r>
                     </a:p>
@@ -12337,7 +14802,7 @@
                     <a:p>
                       <a:pPr algn="l" fontAlgn="ctr"/>
                       <a:r>
-                        <a:rPr lang="en-US" sz="1200" b="0" dirty="0">
+                        <a:rPr lang="en-US" sz="1500" b="0" dirty="0">
                           <a:effectLst/>
                         </a:rPr>
                         <a:t>10282</a:t>
@@ -12353,7 +14818,7 @@
                     <a:p>
                       <a:pPr algn="ctr" fontAlgn="ctr"/>
                       <a:r>
-                        <a:rPr lang="en-US" sz="1200">
+                        <a:rPr lang="en-US" sz="1500" dirty="0">
                           <a:effectLst/>
                         </a:rPr>
                         <a:t>230,952</a:t>
@@ -12369,7 +14834,7 @@
                     <a:p>
                       <a:pPr algn="ctr" fontAlgn="ctr"/>
                       <a:r>
-                        <a:rPr lang="en-US" sz="1200">
+                        <a:rPr lang="en-US" sz="1500" dirty="0">
                           <a:effectLst/>
                         </a:rPr>
                         <a:t>4,783</a:t>
@@ -12385,7 +14850,7 @@
                     <a:p>
                       <a:pPr algn="ctr" fontAlgn="ctr"/>
                       <a:r>
-                        <a:rPr lang="en-US" sz="1200">
+                        <a:rPr lang="en-US" sz="1500" dirty="0">
                           <a:effectLst/>
                         </a:rPr>
                         <a:t>27</a:t>
@@ -12401,7 +14866,7 @@
                     <a:p>
                       <a:pPr algn="ctr" fontAlgn="b"/>
                       <a:r>
-                        <a:rPr lang="en-US" sz="1200" b="0" i="0" u="none" strike="noStrike">
+                        <a:rPr lang="en-US" sz="1500" b="0" i="0" u="none" strike="noStrike" dirty="0">
                           <a:solidFill>
                             <a:srgbClr val="000000"/>
                           </a:solidFill>
@@ -12428,7 +14893,7 @@
                     <a:p>
                       <a:pPr algn="l" fontAlgn="ctr"/>
                       <a:r>
-                        <a:rPr lang="en-US" sz="1200" b="0" dirty="0">
+                        <a:rPr lang="en-US" sz="1500" b="0" dirty="0">
                           <a:effectLst/>
                         </a:rPr>
                         <a:t>10007</a:t>
@@ -12444,7 +14909,7 @@
                     <a:p>
                       <a:pPr algn="ctr" fontAlgn="ctr"/>
                       <a:r>
-                        <a:rPr lang="en-US" sz="1200">
+                        <a:rPr lang="en-US" sz="1500" dirty="0">
                           <a:effectLst/>
                         </a:rPr>
                         <a:t>216,037</a:t>
@@ -12460,7 +14925,7 @@
                     <a:p>
                       <a:pPr algn="ctr" fontAlgn="ctr"/>
                       <a:r>
-                        <a:rPr lang="en-US" sz="1200">
+                        <a:rPr lang="en-US" sz="1500" dirty="0">
                           <a:effectLst/>
                         </a:rPr>
                         <a:t>6,988</a:t>
@@ -12476,7 +14941,7 @@
                     <a:p>
                       <a:pPr algn="ctr" fontAlgn="ctr"/>
                       <a:r>
-                        <a:rPr lang="en-US" sz="1200">
+                        <a:rPr lang="en-US" sz="1500" dirty="0">
                           <a:effectLst/>
                         </a:rPr>
                         <a:t>38</a:t>
@@ -12492,7 +14957,7 @@
                     <a:p>
                       <a:pPr algn="ctr" fontAlgn="b"/>
                       <a:r>
-                        <a:rPr lang="en-US" sz="1200" b="0" i="0" u="none" strike="noStrike">
+                        <a:rPr lang="en-US" sz="1500" b="0" i="0" u="none" strike="noStrike" dirty="0">
                           <a:solidFill>
                             <a:srgbClr val="000000"/>
                           </a:solidFill>
@@ -12519,7 +14984,7 @@
                     <a:p>
                       <a:pPr algn="l" fontAlgn="ctr"/>
                       <a:r>
-                        <a:rPr lang="en-US" sz="1200" b="0" dirty="0">
+                        <a:rPr lang="en-US" sz="1500" b="0" dirty="0">
                           <a:effectLst/>
                         </a:rPr>
                         <a:t>10069</a:t>
@@ -12535,7 +15000,7 @@
                     <a:p>
                       <a:pPr algn="ctr" fontAlgn="ctr"/>
                       <a:r>
-                        <a:rPr lang="en-US" sz="1200">
+                        <a:rPr lang="en-US" sz="1500" dirty="0">
                           <a:effectLst/>
                         </a:rPr>
                         <a:t>170,630</a:t>
@@ -12551,7 +15016,7 @@
                     <a:p>
                       <a:pPr algn="ctr" fontAlgn="ctr"/>
                       <a:r>
-                        <a:rPr lang="en-US" sz="1200">
+                        <a:rPr lang="en-US" sz="1500" dirty="0">
                           <a:effectLst/>
                         </a:rPr>
                         <a:t>5,199</a:t>
@@ -12567,7 +15032,7 @@
                     <a:p>
                       <a:pPr algn="ctr" fontAlgn="ctr"/>
                       <a:r>
-                        <a:rPr lang="en-US" sz="1200">
+                        <a:rPr lang="en-US" sz="1500" dirty="0">
                           <a:effectLst/>
                         </a:rPr>
                         <a:t>45</a:t>
@@ -12583,7 +15048,7 @@
                     <a:p>
                       <a:pPr algn="ctr" fontAlgn="b"/>
                       <a:r>
-                        <a:rPr lang="en-US" sz="1200" b="0" i="0" u="none" strike="noStrike">
+                        <a:rPr lang="en-US" sz="1500" b="0" i="0" u="none" strike="noStrike" dirty="0">
                           <a:solidFill>
                             <a:srgbClr val="000000"/>
                           </a:solidFill>
@@ -12610,7 +15075,7 @@
                     <a:p>
                       <a:pPr algn="l" fontAlgn="ctr"/>
                       <a:r>
-                        <a:rPr lang="en-US" sz="1200" b="0" dirty="0">
+                        <a:rPr lang="en-US" sz="1500" b="0" dirty="0">
                           <a:effectLst/>
                         </a:rPr>
                         <a:t>10162</a:t>
@@ -12626,7 +15091,7 @@
                     <a:p>
                       <a:pPr algn="ctr" fontAlgn="ctr"/>
                       <a:r>
-                        <a:rPr lang="en-US" sz="1200">
+                        <a:rPr lang="en-US" sz="1500" dirty="0">
                           <a:effectLst/>
                         </a:rPr>
                         <a:t>168,667</a:t>
@@ -12642,7 +15107,7 @@
                     <a:p>
                       <a:pPr algn="ctr" fontAlgn="ctr"/>
                       <a:r>
-                        <a:rPr lang="en-US" sz="1200">
+                        <a:rPr lang="en-US" sz="1500" dirty="0">
                           <a:effectLst/>
                         </a:rPr>
                         <a:t>1,685</a:t>
@@ -12658,7 +15123,7 @@
                     <a:p>
                       <a:pPr algn="ctr" fontAlgn="ctr"/>
                       <a:r>
-                        <a:rPr lang="en-US" sz="1200">
+                        <a:rPr lang="en-US" sz="1500" dirty="0">
                           <a:effectLst/>
                         </a:rPr>
                         <a:t>64</a:t>
@@ -12674,7 +15139,7 @@
                     <a:p>
                       <a:pPr algn="ctr" fontAlgn="b"/>
                       <a:r>
-                        <a:rPr lang="en-US" sz="1200" b="0" i="0" u="none" strike="noStrike">
+                        <a:rPr lang="en-US" sz="1500" b="0" i="0" u="none" strike="noStrike" dirty="0">
                           <a:solidFill>
                             <a:srgbClr val="000000"/>
                           </a:solidFill>
@@ -12701,7 +15166,7 @@
                     <a:p>
                       <a:pPr algn="l" fontAlgn="ctr"/>
                       <a:r>
-                        <a:rPr lang="en-US" sz="1200" b="0" dirty="0">
+                        <a:rPr lang="en-US" sz="1500" b="0" dirty="0">
                           <a:effectLst/>
                         </a:rPr>
                         <a:t>10280</a:t>
@@ -12717,7 +15182,7 @@
                     <a:p>
                       <a:pPr algn="ctr" fontAlgn="ctr"/>
                       <a:r>
-                        <a:rPr lang="en-US" sz="1200">
+                        <a:rPr lang="en-US" sz="1500" dirty="0">
                           <a:effectLst/>
                         </a:rPr>
                         <a:t>129,574</a:t>
@@ -12733,7 +15198,7 @@
                     <a:p>
                       <a:pPr algn="ctr" fontAlgn="ctr"/>
                       <a:r>
-                        <a:rPr lang="en-US" sz="1200">
+                        <a:rPr lang="en-US" sz="1500" dirty="0">
                           <a:effectLst/>
                         </a:rPr>
                         <a:t>7,853</a:t>
@@ -12749,7 +15214,7 @@
                     <a:p>
                       <a:pPr algn="ctr" fontAlgn="ctr"/>
                       <a:r>
-                        <a:rPr lang="en-US" sz="1200">
+                        <a:rPr lang="en-US" sz="1500" dirty="0">
                           <a:effectLst/>
                         </a:rPr>
                         <a:t>18</a:t>
@@ -12765,7 +15230,7 @@
                     <a:p>
                       <a:pPr algn="ctr" fontAlgn="b"/>
                       <a:r>
-                        <a:rPr lang="en-US" sz="1200" b="0" i="0" u="none" strike="noStrike">
+                        <a:rPr lang="en-US" sz="1500" b="0" i="0" u="none" strike="noStrike" dirty="0">
                           <a:solidFill>
                             <a:srgbClr val="000000"/>
                           </a:solidFill>
@@ -12792,7 +15257,7 @@
                     <a:p>
                       <a:pPr algn="l" fontAlgn="ctr"/>
                       <a:r>
-                        <a:rPr lang="en-US" sz="1200" b="0" dirty="0">
+                        <a:rPr lang="en-US" sz="1500" b="0" dirty="0">
                           <a:effectLst/>
                         </a:rPr>
                         <a:t>11109</a:t>
@@ -12808,7 +15273,7 @@
                     <a:p>
                       <a:pPr algn="ctr" fontAlgn="ctr"/>
                       <a:r>
-                        <a:rPr lang="en-US" sz="1200">
+                        <a:rPr lang="en-US" sz="1500" dirty="0">
                           <a:effectLst/>
                         </a:rPr>
                         <a:t>125,871</a:t>
@@ -12824,7 +15289,7 @@
                     <a:p>
                       <a:pPr algn="ctr" fontAlgn="ctr"/>
                       <a:r>
-                        <a:rPr lang="en-US" sz="1200">
+                        <a:rPr lang="en-US" sz="1500" dirty="0">
                           <a:effectLst/>
                         </a:rPr>
                         <a:t>3,523</a:t>
@@ -12840,7 +15305,7 @@
                     <a:p>
                       <a:pPr algn="ctr" fontAlgn="ctr"/>
                       <a:r>
-                        <a:rPr lang="en-US" sz="1200">
+                        <a:rPr lang="en-US" sz="1500" dirty="0">
                           <a:effectLst/>
                         </a:rPr>
                         <a:t>2</a:t>
@@ -12856,7 +15321,7 @@
                     <a:p>
                       <a:pPr algn="ctr" fontAlgn="b"/>
                       <a:r>
-                        <a:rPr lang="en-US" sz="1200" b="0" i="0" u="none" strike="noStrike">
+                        <a:rPr lang="en-US" sz="1500" b="0" i="0" u="none" strike="noStrike" dirty="0">
                           <a:solidFill>
                             <a:srgbClr val="000000"/>
                           </a:solidFill>
@@ -12883,7 +15348,7 @@
                     <a:p>
                       <a:pPr algn="l" fontAlgn="ctr"/>
                       <a:r>
-                        <a:rPr lang="en-US" sz="1200" b="0" dirty="0">
+                        <a:rPr lang="en-US" sz="1500" b="0" dirty="0">
                           <a:effectLst/>
                         </a:rPr>
                         <a:t>10005</a:t>
@@ -12899,7 +15364,7 @@
                     <a:p>
                       <a:pPr algn="ctr" fontAlgn="ctr"/>
                       <a:r>
-                        <a:rPr lang="en-US" sz="1200">
+                        <a:rPr lang="en-US" sz="1500" dirty="0">
                           <a:effectLst/>
                         </a:rPr>
                         <a:t>124,670</a:t>
@@ -12915,7 +15380,7 @@
                     <a:p>
                       <a:pPr algn="ctr" fontAlgn="ctr"/>
                       <a:r>
-                        <a:rPr lang="en-US" sz="1200">
+                        <a:rPr lang="en-US" sz="1500" dirty="0">
                           <a:effectLst/>
                         </a:rPr>
                         <a:t>7,135</a:t>
@@ -12931,7 +15396,7 @@
                     <a:p>
                       <a:pPr algn="ctr" fontAlgn="ctr"/>
                       <a:r>
-                        <a:rPr lang="en-US" sz="1200">
+                        <a:rPr lang="en-US" sz="1500" dirty="0">
                           <a:effectLst/>
                         </a:rPr>
                         <a:t>18</a:t>
@@ -12947,7 +15412,7 @@
                     <a:p>
                       <a:pPr algn="ctr" fontAlgn="b"/>
                       <a:r>
-                        <a:rPr lang="en-US" sz="1200" b="0" i="0" u="none" strike="noStrike">
+                        <a:rPr lang="en-US" sz="1500" b="0" i="0" u="none" strike="noStrike" dirty="0">
                           <a:solidFill>
                             <a:srgbClr val="000000"/>
                           </a:solidFill>
@@ -12974,7 +15439,7 @@
                     <a:p>
                       <a:pPr algn="l" fontAlgn="ctr"/>
                       <a:r>
-                        <a:rPr lang="en-US" sz="1200" b="0" dirty="0">
+                        <a:rPr lang="en-US" sz="1500" b="0" dirty="0">
                           <a:effectLst/>
                         </a:rPr>
                         <a:t>10006</a:t>
@@ -12990,7 +15455,7 @@
                     <a:p>
                       <a:pPr algn="ctr" fontAlgn="ctr"/>
                       <a:r>
-                        <a:rPr lang="en-US" sz="1200">
+                        <a:rPr lang="en-US" sz="1500" dirty="0">
                           <a:effectLst/>
                         </a:rPr>
                         <a:t>119,274</a:t>
@@ -13006,7 +15471,7 @@
                     <a:p>
                       <a:pPr algn="ctr" fontAlgn="ctr"/>
                       <a:r>
-                        <a:rPr lang="en-US" sz="1200">
+                        <a:rPr lang="en-US" sz="1500" dirty="0">
                           <a:effectLst/>
                         </a:rPr>
                         <a:t>3,011</a:t>
@@ -13022,7 +15487,7 @@
                     <a:p>
                       <a:pPr algn="ctr" fontAlgn="ctr"/>
                       <a:r>
-                        <a:rPr lang="en-US" sz="1200">
+                        <a:rPr lang="en-US" sz="1500" dirty="0">
                           <a:effectLst/>
                         </a:rPr>
                         <a:t>31</a:t>
@@ -13038,7 +15503,7 @@
                     <a:p>
                       <a:pPr algn="ctr" fontAlgn="b"/>
                       <a:r>
-                        <a:rPr lang="en-US" sz="1200" b="0" i="0" u="none" strike="noStrike">
+                        <a:rPr lang="en-US" sz="1500" b="0" i="0" u="none" strike="noStrike" dirty="0">
                           <a:solidFill>
                             <a:srgbClr val="000000"/>
                           </a:solidFill>
@@ -13065,7 +15530,7 @@
                     <a:p>
                       <a:pPr algn="l" fontAlgn="ctr"/>
                       <a:r>
-                        <a:rPr lang="en-US" sz="1200" b="0" dirty="0">
+                        <a:rPr lang="en-US" sz="1500" b="0" dirty="0">
                           <a:effectLst/>
                         </a:rPr>
                         <a:t>10065</a:t>
@@ -13081,7 +15546,7 @@
                     <a:p>
                       <a:pPr algn="ctr" fontAlgn="ctr"/>
                       <a:r>
-                        <a:rPr lang="en-US" sz="1200">
+                        <a:rPr lang="en-US" sz="1500" dirty="0">
                           <a:effectLst/>
                         </a:rPr>
                         <a:t>115,519</a:t>
@@ -13097,7 +15562,7 @@
                     <a:p>
                       <a:pPr algn="ctr" fontAlgn="ctr"/>
                       <a:r>
-                        <a:rPr lang="en-US" sz="1200">
+                        <a:rPr lang="en-US" sz="1500" dirty="0">
                           <a:effectLst/>
                         </a:rPr>
                         <a:t>32,270</a:t>
@@ -13113,7 +15578,7 @@
                     <a:p>
                       <a:pPr algn="ctr" fontAlgn="ctr"/>
                       <a:r>
-                        <a:rPr lang="en-US" sz="1200">
+                        <a:rPr lang="en-US" sz="1500" dirty="0">
                           <a:effectLst/>
                         </a:rPr>
                         <a:t>99</a:t>
@@ -13129,7 +15594,7 @@
                     <a:p>
                       <a:pPr algn="ctr" fontAlgn="b"/>
                       <a:r>
-                        <a:rPr lang="en-US" sz="1200" b="0" i="0" u="none" strike="noStrike">
+                        <a:rPr lang="en-US" sz="1500" b="0" i="0" u="none" strike="noStrike" dirty="0">
                           <a:solidFill>
                             <a:srgbClr val="000000"/>
                           </a:solidFill>
@@ -13156,7 +15621,7 @@
                     <a:p>
                       <a:pPr algn="l" fontAlgn="ctr"/>
                       <a:r>
-                        <a:rPr lang="en-US" sz="1200" b="0" dirty="0">
+                        <a:rPr lang="en-US" sz="1500" b="0" dirty="0">
                           <a:effectLst/>
                         </a:rPr>
                         <a:t>10024</a:t>
@@ -13172,7 +15637,7 @@
                     <a:p>
                       <a:pPr algn="ctr" fontAlgn="ctr"/>
                       <a:r>
-                        <a:rPr lang="en-US" sz="1200">
+                        <a:rPr lang="en-US" sz="1500" dirty="0">
                           <a:effectLst/>
                         </a:rPr>
                         <a:t>109,956</a:t>
@@ -13188,7 +15653,7 @@
                     <a:p>
                       <a:pPr algn="ctr" fontAlgn="ctr"/>
                       <a:r>
-                        <a:rPr lang="en-US" sz="1200">
+                        <a:rPr lang="en-US" sz="1500" dirty="0">
                           <a:effectLst/>
                         </a:rPr>
                         <a:t>59,283</a:t>
@@ -13204,7 +15669,7 @@
                     <a:p>
                       <a:pPr algn="ctr" fontAlgn="ctr"/>
                       <a:r>
-                        <a:rPr lang="en-US" sz="1200">
+                        <a:rPr lang="en-US" sz="1500" dirty="0">
                           <a:effectLst/>
                         </a:rPr>
                         <a:t>1</a:t>
@@ -13220,7 +15685,7 @@
                     <a:p>
                       <a:pPr algn="ctr" fontAlgn="b"/>
                       <a:r>
-                        <a:rPr lang="en-US" sz="1200" b="0" i="0" u="none" strike="noStrike" dirty="0">
+                        <a:rPr lang="en-US" sz="1500" b="0" i="0" u="none" strike="noStrike" dirty="0">
                           <a:solidFill>
                             <a:srgbClr val="000000"/>
                           </a:solidFill>
@@ -13257,8 +15722,8 @@
         </p:nvSpPr>
         <p:spPr>
           <a:xfrm>
-            <a:off x="1229558" y="1321356"/>
-            <a:ext cx="2766349" cy="369332"/>
+            <a:off x="1161434" y="1506022"/>
+            <a:ext cx="3296143" cy="369332"/>
           </a:xfrm>
           <a:prstGeom prst="rect">
             <a:avLst/>
@@ -13274,7 +15739,15 @@
             <a:pPr algn="ctr"/>
             <a:r>
               <a:rPr lang="en-US" dirty="0"/>
-              <a:t>MOST POPULOUS </a:t>
+              <a:t>10 MOST </a:t>
+            </a:r>
+            <a:r>
+              <a:rPr lang="en-US" b="1" dirty="0"/>
+              <a:t>POPULOUS</a:t>
+            </a:r>
+            <a:r>
+              <a:rPr lang="en-US" dirty="0"/>
+              <a:t> ZIP CODES</a:t>
             </a:r>
           </a:p>
         </p:txBody>
@@ -13293,8 +15766,8 @@
         </p:nvSpPr>
         <p:spPr>
           <a:xfrm>
-            <a:off x="8508371" y="1321356"/>
-            <a:ext cx="1863524" cy="369332"/>
+            <a:off x="7403300" y="1506022"/>
+            <a:ext cx="3358775" cy="369332"/>
           </a:xfrm>
           <a:prstGeom prst="rect">
             <a:avLst/>
@@ -13310,7 +15783,15 @@
             <a:pPr algn="ctr"/>
             <a:r>
               <a:rPr lang="en-US" dirty="0"/>
-              <a:t>MOST WEALTHY</a:t>
+              <a:t>10 </a:t>
+            </a:r>
+            <a:r>
+              <a:rPr lang="en-US" b="1" dirty="0"/>
+              <a:t>HIGEST EARNING</a:t>
+            </a:r>
+            <a:r>
+              <a:rPr lang="en-US" dirty="0"/>
+              <a:t> ZIP CODES</a:t>
             </a:r>
           </a:p>
         </p:txBody>
@@ -13367,9 +15848,21 @@
           <a:lstStyle/>
           <a:p>
             <a:r>
-              <a:rPr lang="en-US"/>
-              <a:t>06 Next Steps</a:t>
-            </a:r>
+              <a:rPr lang="en-US" b="1" dirty="0">
+                <a:solidFill>
+                  <a:schemeClr val="tx1">
+                    <a:lumMod val="50000"/>
+                    <a:lumOff val="50000"/>
+                  </a:schemeClr>
+                </a:solidFill>
+              </a:rPr>
+              <a:t>6</a:t>
+            </a:r>
+            <a:r>
+              <a:rPr lang="en-US" b="1" dirty="0"/>
+              <a:t> NEXT STEPS [BEYOND THIS ANALYSIS]</a:t>
+            </a:r>
+            <a:endParaRPr lang="en-US" dirty="0"/>
           </a:p>
         </p:txBody>
       </p:sp>
@@ -13391,24 +15884,35 @@
         </p:nvSpPr>
         <p:spPr/>
         <p:txBody>
-          <a:bodyPr/>
+          <a:bodyPr>
+            <a:normAutofit fontScale="92500" lnSpcReduction="10000"/>
+          </a:bodyPr>
           <a:lstStyle/>
-          <a:p>
-            <a:pPr marL="0" indent="0">
-              <a:buNone/>
-            </a:pPr>
-            <a:r>
-              <a:rPr lang="en-US" dirty="0"/>
-              <a:t>Next Steps</a:t>
-            </a:r>
-          </a:p>
           <a:p>
             <a:pPr marL="514350" indent="-514350">
               <a:buAutoNum type="arabicParenR"/>
             </a:pPr>
             <a:r>
               <a:rPr lang="en-US" dirty="0"/>
-              <a:t>Hire me!</a:t>
+              <a:t>Survey/Customer Engagement</a:t>
+            </a:r>
+          </a:p>
+          <a:p>
+            <a:pPr marL="971550" lvl="1" indent="-514350">
+              <a:buAutoNum type="arabicParenR"/>
+            </a:pPr>
+            <a:r>
+              <a:rPr lang="en-US" sz="2200" dirty="0"/>
+              <a:t>VIP Postmen &amp; VIP Customers: What works for them? What are their hurdles?</a:t>
+            </a:r>
+          </a:p>
+          <a:p>
+            <a:pPr marL="971550" lvl="1" indent="-514350">
+              <a:buAutoNum type="arabicParenR"/>
+            </a:pPr>
+            <a:r>
+              <a:rPr lang="en-US" sz="2200" dirty="0"/>
+              <a:t>If someone left the platform after a single delivery, ask them what, if anything, went wrong?</a:t>
             </a:r>
           </a:p>
           <a:p>
@@ -13417,7 +15921,16 @@
             </a:pPr>
             <a:r>
               <a:rPr lang="en-US" dirty="0"/>
-              <a:t>Invest in quality assurance measures to investigate data inconsistencies </a:t>
+              <a:t>Define specific KPIs to better understand performance. </a:t>
+            </a:r>
+          </a:p>
+          <a:p>
+            <a:pPr marL="971550" lvl="1" indent="-514350">
+              <a:buAutoNum type="arabicParenR"/>
+            </a:pPr>
+            <a:r>
+              <a:rPr lang="en-US" dirty="0"/>
+              <a:t>The CEO wants to grow the business 20%. In terms of what? Number of transactions? Number of customer’s reached? Number of restaurants on the platform? Completed transaction value?</a:t>
             </a:r>
           </a:p>
           <a:p>
@@ -13426,7 +15939,25 @@
             </a:pPr>
             <a:r>
               <a:rPr lang="en-US" dirty="0"/>
-              <a:t>Broaden the scope of the analysis. More data! Time series modeling to account for seasonality. What insights from other markets could we leverage to better forecast the New York Market?</a:t>
+              <a:t>Invest in quality assurance measures to investigate data inconsistencies </a:t>
+            </a:r>
+          </a:p>
+          <a:p>
+            <a:pPr marL="514350" indent="-514350">
+              <a:buAutoNum type="arabicParenR"/>
+            </a:pPr>
+            <a:r>
+              <a:rPr lang="en-US" dirty="0"/>
+              <a:t>Broaden the scope of the analysis. More data! </a:t>
+            </a:r>
+          </a:p>
+          <a:p>
+            <a:pPr marL="971550" lvl="1" indent="-514350">
+              <a:buAutoNum type="arabicParenR"/>
+            </a:pPr>
+            <a:r>
+              <a:rPr lang="en-US" dirty="0"/>
+              <a:t>Time series modeling to account for seasonality. What insights from other markets could we leverage to better forecast the New York Market?</a:t>
             </a:r>
           </a:p>
         </p:txBody>
@@ -13483,9 +16014,21 @@
           <a:lstStyle/>
           <a:p>
             <a:r>
-              <a:rPr lang="en-US"/>
-              <a:t>07 Appendix</a:t>
-            </a:r>
+              <a:rPr lang="en-US" b="1" dirty="0">
+                <a:solidFill>
+                  <a:schemeClr val="tx1">
+                    <a:lumMod val="50000"/>
+                    <a:lumOff val="50000"/>
+                  </a:schemeClr>
+                </a:solidFill>
+              </a:rPr>
+              <a:t>7</a:t>
+            </a:r>
+            <a:r>
+              <a:rPr lang="en-US" b="1" dirty="0"/>
+              <a:t> APPENDIX</a:t>
+            </a:r>
+            <a:endParaRPr lang="en-US" dirty="0"/>
           </a:p>
         </p:txBody>
       </p:sp>
@@ -13512,7 +16055,7 @@
           <a:p>
             <a:r>
               <a:rPr lang="en-US" dirty="0"/>
-              <a:t>For more detail, the full analysis can be found on my GitHub profile</a:t>
+              <a:t>The full analysis can be found on my GitHub profile</a:t>
             </a:r>
           </a:p>
           <a:p>
@@ -13522,32 +16065,46 @@
             </a:r>
           </a:p>
           <a:p>
-            <a:pPr lvl="1"/>
+            <a:endParaRPr lang="en-US" dirty="0"/>
+          </a:p>
+          <a:p>
+            <a:pPr marL="0" indent="0">
+              <a:buNone/>
+            </a:pPr>
+            <a:r>
+              <a:rPr lang="en-US" dirty="0"/>
+              <a:t>Stephen Stark | Contact Information</a:t>
+            </a:r>
+          </a:p>
+          <a:p>
+            <a:pPr marL="0" indent="0">
+              <a:buNone/>
+            </a:pPr>
             <a:r>
               <a:rPr lang="en-US" dirty="0">
                 <a:hlinkClick r:id="rId2"/>
               </a:rPr>
-              <a:t>stephenstark@uchicago.edu</a:t>
-            </a:r>
-            <a:endParaRPr lang="en-US" dirty="0"/>
-          </a:p>
-          <a:p>
-            <a:pPr lvl="1"/>
+              <a:t>Email</a:t>
+            </a:r>
+            <a:r>
+              <a:rPr lang="en-US" dirty="0"/>
+              <a:t> | </a:t>
+            </a:r>
             <a:r>
               <a:rPr lang="en-US" dirty="0">
                 <a:hlinkClick r:id="rId3"/>
               </a:rPr>
-              <a:t>Stephen Stark | LinkedIn</a:t>
-            </a:r>
-            <a:endParaRPr lang="en-US" dirty="0"/>
-          </a:p>
-          <a:p>
-            <a:pPr lvl="1"/>
+              <a:t>LinkedIn</a:t>
+            </a:r>
+            <a:r>
+              <a:rPr lang="en-US" dirty="0"/>
+              <a:t> | </a:t>
+            </a:r>
             <a:r>
               <a:rPr lang="en-US" dirty="0">
                 <a:hlinkClick r:id="rId4"/>
               </a:rPr>
-              <a:t>Stephen Stark | GitHub</a:t>
+              <a:t>GitHub</a:t>
             </a:r>
             <a:endParaRPr lang="en-US" dirty="0"/>
           </a:p>
@@ -13567,6 +16124,99 @@
 </file>
 
 <file path=ppt/slides/slide17.xml><?xml version="1.0" encoding="utf-8"?>
+<p:sld xmlns:a="http://schemas.openxmlformats.org/drawingml/2006/main" xmlns:r="http://schemas.openxmlformats.org/officeDocument/2006/relationships" xmlns:p="http://schemas.openxmlformats.org/presentationml/2006/main" show="0">
+  <p:cSld>
+    <p:spTree>
+      <p:nvGrpSpPr>
+        <p:cNvPr id="1" name=""/>
+        <p:cNvGrpSpPr/>
+        <p:nvPr/>
+      </p:nvGrpSpPr>
+      <p:grpSpPr>
+        <a:xfrm>
+          <a:off x="0" y="0"/>
+          <a:ext cx="0" cy="0"/>
+          <a:chOff x="0" y="0"/>
+          <a:chExt cx="0" cy="0"/>
+        </a:xfrm>
+      </p:grpSpPr>
+      <p:sp>
+        <p:nvSpPr>
+          <p:cNvPr id="5" name="Title 4">
+            <a:extLst>
+              <a:ext uri="{FF2B5EF4-FFF2-40B4-BE49-F238E27FC236}">
+                <a16:creationId xmlns:a16="http://schemas.microsoft.com/office/drawing/2014/main" id="{75FBB874-51FD-724A-9BB2-48C90D56B3A7}"/>
+              </a:ext>
+            </a:extLst>
+          </p:cNvPr>
+          <p:cNvSpPr>
+            <a:spLocks noGrp="1"/>
+          </p:cNvSpPr>
+          <p:nvPr>
+            <p:ph type="title"/>
+          </p:nvPr>
+        </p:nvSpPr>
+        <p:spPr/>
+        <p:txBody>
+          <a:bodyPr/>
+          <a:lstStyle/>
+          <a:p>
+            <a:r>
+              <a:rPr lang="en-US" dirty="0"/>
+              <a:t>Popular Pickup &amp; Dropoff Locations</a:t>
+            </a:r>
+          </a:p>
+        </p:txBody>
+      </p:sp>
+      <p:pic>
+        <p:nvPicPr>
+          <p:cNvPr id="10" name="slide3" descr="Dropoff">
+            <a:extLst>
+              <a:ext uri="{FF2B5EF4-FFF2-40B4-BE49-F238E27FC236}">
+                <a16:creationId xmlns:a16="http://schemas.microsoft.com/office/drawing/2014/main" id="{F7584828-8964-D141-B37B-DB324D5DDCEF}"/>
+              </a:ext>
+            </a:extLst>
+          </p:cNvPr>
+          <p:cNvPicPr>
+            <a:picLocks noChangeAspect="1"/>
+          </p:cNvPicPr>
+          <p:nvPr/>
+        </p:nvPicPr>
+        <p:blipFill rotWithShape="1">
+          <a:blip r:embed="rId2">
+            <a:extLst>
+              <a:ext uri="{28A0092B-C50C-407E-A947-70E740481C1C}">
+                <a14:useLocalDpi xmlns:a14="http://schemas.microsoft.com/office/drawing/2010/main" val="0"/>
+              </a:ext>
+            </a:extLst>
+          </a:blip>
+          <a:srcRect r="42096"/>
+          <a:stretch/>
+        </p:blipFill>
+        <p:spPr>
+          <a:xfrm>
+            <a:off x="6872273" y="1786609"/>
+            <a:ext cx="4572756" cy="4572000"/>
+          </a:xfrm>
+          <a:prstGeom prst="rect">
+            <a:avLst/>
+          </a:prstGeom>
+        </p:spPr>
+      </p:pic>
+    </p:spTree>
+    <p:extLst>
+      <p:ext uri="{BB962C8B-B14F-4D97-AF65-F5344CB8AC3E}">
+        <p14:creationId xmlns:p14="http://schemas.microsoft.com/office/powerpoint/2010/main" val="1797046035"/>
+      </p:ext>
+    </p:extLst>
+  </p:cSld>
+  <p:clrMapOvr>
+    <a:masterClrMapping/>
+  </p:clrMapOvr>
+</p:sld>
+</file>
+
+<file path=ppt/slides/slide18.xml><?xml version="1.0" encoding="utf-8"?>
 <p:sld xmlns:a="http://schemas.openxmlformats.org/drawingml/2006/main" xmlns:r="http://schemas.openxmlformats.org/officeDocument/2006/relationships" xmlns:p="http://schemas.openxmlformats.org/presentationml/2006/main" show="0">
   <p:cSld>
     <p:spTree>
@@ -13604,7 +16254,7 @@
           <a:bodyPr/>
           <a:lstStyle/>
           <a:p>
-            <a:endParaRPr lang="en-US"/>
+            <a:endParaRPr lang="en-US" dirty="0"/>
           </a:p>
         </p:txBody>
       </p:sp>
@@ -13651,7 +16301,7 @@
 </p:sld>
 </file>
 
-<file path=ppt/slides/slide18.xml><?xml version="1.0" encoding="utf-8"?>
+<file path=ppt/slides/slide19.xml><?xml version="1.0" encoding="utf-8"?>
 <p:sld xmlns:a="http://schemas.openxmlformats.org/drawingml/2006/main" xmlns:r="http://schemas.openxmlformats.org/officeDocument/2006/relationships" xmlns:p="http://schemas.openxmlformats.org/presentationml/2006/main" show="0">
   <p:cSld>
     <p:spTree>
@@ -13932,7 +16582,7 @@
                     <a:p>
                       <a:pPr algn="l" fontAlgn="b"/>
                       <a:r>
-                        <a:rPr lang="en-US" sz="700" b="0" i="0" u="none" strike="noStrike" dirty="0" err="1">
+                        <a:rPr lang="en-US" sz="700" b="0" i="0" u="none" strike="noStrike" dirty="0">
                           <a:solidFill>
                             <a:srgbClr val="000000"/>
                           </a:solidFill>
@@ -13941,13 +16591,6 @@
                         </a:rPr>
                         <a:t>jumpman_id</a:t>
                       </a:r>
-                      <a:endParaRPr lang="en-US" sz="700" b="0" i="0" u="none" strike="noStrike" dirty="0">
-                        <a:solidFill>
-                          <a:srgbClr val="000000"/>
-                        </a:solidFill>
-                        <a:effectLst/>
-                        <a:latin typeface="Arial" panose="020B0604020202020204" pitchFamily="34" charset="0"/>
-                      </a:endParaRPr>
                     </a:p>
                   </a:txBody>
                   <a:tcPr marL="5665" marR="5665" marT="5665" marB="0" anchor="ctr"/>
@@ -13959,7 +16602,7 @@
                     <a:p>
                       <a:pPr algn="l" fontAlgn="b"/>
                       <a:r>
-                        <a:rPr lang="en-US" sz="700" b="0" i="0" u="none" strike="noStrike">
+                        <a:rPr lang="en-US" sz="700" b="0" i="0" u="none" strike="noStrike" dirty="0">
                           <a:solidFill>
                             <a:srgbClr val="000000"/>
                           </a:solidFill>
@@ -13986,7 +16629,7 @@
                     <a:p>
                       <a:pPr algn="l" fontAlgn="b"/>
                       <a:r>
-                        <a:rPr lang="en-US" sz="700" b="0" i="0" u="none" strike="noStrike">
+                        <a:rPr lang="en-US" sz="700" b="0" i="0" u="none" strike="noStrike" dirty="0">
                           <a:solidFill>
                             <a:srgbClr val="000000"/>
                           </a:solidFill>
@@ -14006,7 +16649,7 @@
                     <a:p>
                       <a:pPr algn="l" fontAlgn="b"/>
                       <a:r>
-                        <a:rPr lang="en-US" sz="700" b="0" i="0" u="none" strike="noStrike">
+                        <a:rPr lang="en-US" sz="700" b="0" i="0" u="none" strike="noStrike" dirty="0">
                           <a:solidFill>
                             <a:srgbClr val="000000"/>
                           </a:solidFill>
@@ -14033,7 +16676,7 @@
                     <a:p>
                       <a:pPr algn="l" fontAlgn="b"/>
                       <a:r>
-                        <a:rPr lang="en-US" sz="700" b="0" i="0" u="none" strike="noStrike" err="1">
+                        <a:rPr lang="en-US" sz="700" b="0" i="0" u="none" strike="noStrike" dirty="0">
                           <a:solidFill>
                             <a:srgbClr val="000000"/>
                           </a:solidFill>
@@ -14042,13 +16685,6 @@
                         </a:rPr>
                         <a:t>pickup_place</a:t>
                       </a:r>
-                      <a:endParaRPr lang="en-US" sz="700" b="0" i="0" u="none" strike="noStrike">
-                        <a:solidFill>
-                          <a:srgbClr val="000000"/>
-                        </a:solidFill>
-                        <a:effectLst/>
-                        <a:latin typeface="Arial" panose="020B0604020202020204" pitchFamily="34" charset="0"/>
-                      </a:endParaRPr>
                     </a:p>
                   </a:txBody>
                   <a:tcPr marL="5665" marR="5665" marT="5665" marB="0" anchor="ctr"/>
@@ -14060,7 +16696,7 @@
                     <a:p>
                       <a:pPr algn="l" fontAlgn="b"/>
                       <a:r>
-                        <a:rPr lang="en-US" sz="700" b="0" i="0" u="none" strike="noStrike" err="1">
+                        <a:rPr lang="en-US" sz="700" b="0" i="0" u="none" strike="noStrike" dirty="0">
                           <a:solidFill>
                             <a:srgbClr val="000000"/>
                           </a:solidFill>
@@ -14069,13 +16705,6 @@
                         </a:rPr>
                         <a:t>Bareburger</a:t>
                       </a:r>
-                      <a:endParaRPr lang="en-US" sz="700" b="0" i="0" u="none" strike="noStrike">
-                        <a:solidFill>
-                          <a:srgbClr val="000000"/>
-                        </a:solidFill>
-                        <a:effectLst/>
-                        <a:latin typeface="Arial" panose="020B0604020202020204" pitchFamily="34" charset="0"/>
-                      </a:endParaRPr>
                     </a:p>
                   </a:txBody>
                   <a:tcPr marL="5665" marR="5665" marT="5665" marB="0" anchor="ctr"/>
@@ -14094,7 +16723,7 @@
                     <a:p>
                       <a:pPr algn="l" fontAlgn="b"/>
                       <a:r>
-                        <a:rPr lang="en-US" sz="700" b="0" i="0" u="none" strike="noStrike" err="1">
+                        <a:rPr lang="en-US" sz="700" b="0" i="0" u="none" strike="noStrike" dirty="0">
                           <a:solidFill>
                             <a:srgbClr val="000000"/>
                           </a:solidFill>
@@ -14103,13 +16732,6 @@
                         </a:rPr>
                         <a:t>place_category</a:t>
                       </a:r>
-                      <a:endParaRPr lang="en-US" sz="700" b="0" i="0" u="none" strike="noStrike">
-                        <a:solidFill>
-                          <a:srgbClr val="000000"/>
-                        </a:solidFill>
-                        <a:effectLst/>
-                        <a:latin typeface="Arial" panose="020B0604020202020204" pitchFamily="34" charset="0"/>
-                      </a:endParaRPr>
                     </a:p>
                   </a:txBody>
                   <a:tcPr marL="5665" marR="5665" marT="5665" marB="0" anchor="ctr"/>
@@ -14121,7 +16743,7 @@
                     <a:p>
                       <a:pPr algn="l" fontAlgn="b"/>
                       <a:r>
-                        <a:rPr lang="en-US" sz="700" b="0" i="0" u="none" strike="noStrike">
+                        <a:rPr lang="en-US" sz="700" b="0" i="0" u="none" strike="noStrike" dirty="0">
                           <a:solidFill>
                             <a:srgbClr val="000000"/>
                           </a:solidFill>
@@ -14148,7 +16770,7 @@
                     <a:p>
                       <a:pPr algn="l" fontAlgn="b"/>
                       <a:r>
-                        <a:rPr lang="en-US" sz="700" b="0" i="0" u="none" strike="noStrike">
+                        <a:rPr lang="en-US" sz="700" b="0" i="0" u="none" strike="noStrike" dirty="0">
                           <a:solidFill>
                             <a:srgbClr val="000000"/>
                           </a:solidFill>
@@ -14168,7 +16790,7 @@
                     <a:p>
                       <a:pPr algn="l" fontAlgn="b"/>
                       <a:r>
-                        <a:rPr lang="en-US" sz="700" b="0" i="0" u="none" strike="noStrike">
+                        <a:rPr lang="en-US" sz="700" b="0" i="0" u="none" strike="noStrike" dirty="0">
                           <a:solidFill>
                             <a:srgbClr val="000000"/>
                           </a:solidFill>
@@ -14195,7 +16817,7 @@
                     <a:p>
                       <a:pPr algn="l" fontAlgn="b"/>
                       <a:r>
-                        <a:rPr lang="en-US" sz="700" b="0" i="0" u="none" strike="noStrike">
+                        <a:rPr lang="en-US" sz="700" b="0" i="0" u="none" strike="noStrike" dirty="0">
                           <a:solidFill>
                             <a:srgbClr val="000000"/>
                           </a:solidFill>
@@ -14215,7 +16837,7 @@
                     <a:p>
                       <a:pPr algn="l" fontAlgn="b"/>
                       <a:r>
-                        <a:rPr lang="en-US" sz="700" b="0" i="0" u="none" strike="noStrike">
+                        <a:rPr lang="en-US" sz="700" b="0" i="0" u="none" strike="noStrike" dirty="0">
                           <a:solidFill>
                             <a:srgbClr val="000000"/>
                           </a:solidFill>
@@ -14242,7 +16864,7 @@
                     <a:p>
                       <a:pPr algn="l" fontAlgn="b"/>
                       <a:r>
-                        <a:rPr lang="en-US" sz="700" b="0" i="0" u="none" strike="noStrike">
+                        <a:rPr lang="en-US" sz="700" b="0" i="0" u="none" strike="noStrike" dirty="0">
                           <a:solidFill>
                             <a:srgbClr val="000000"/>
                           </a:solidFill>
@@ -14262,7 +16884,7 @@
                     <a:p>
                       <a:pPr algn="l" fontAlgn="b"/>
                       <a:r>
-                        <a:rPr lang="en-US" sz="700" b="0" i="0" u="none" strike="noStrike">
+                        <a:rPr lang="en-US" sz="700" b="0" i="0" u="none" strike="noStrike" dirty="0">
                           <a:solidFill>
                             <a:srgbClr val="000000"/>
                           </a:solidFill>
@@ -14289,7 +16911,7 @@
                     <a:p>
                       <a:pPr algn="l" fontAlgn="b"/>
                       <a:r>
-                        <a:rPr lang="en-US" sz="700" b="0" i="0" u="none" strike="noStrike">
+                        <a:rPr lang="en-US" sz="700" b="0" i="0" u="none" strike="noStrike" dirty="0">
                           <a:solidFill>
                             <a:srgbClr val="000000"/>
                           </a:solidFill>
@@ -14309,7 +16931,7 @@
                     <a:p>
                       <a:pPr algn="l" fontAlgn="b"/>
                       <a:r>
-                        <a:rPr lang="en-US" sz="700" b="0" i="0" u="none" strike="noStrike">
+                        <a:rPr lang="en-US" sz="700" b="0" i="0" u="none" strike="noStrike" dirty="0">
                           <a:solidFill>
                             <a:srgbClr val="000000"/>
                           </a:solidFill>
@@ -14336,7 +16958,7 @@
                     <a:p>
                       <a:pPr algn="l" fontAlgn="b"/>
                       <a:r>
-                        <a:rPr lang="en-US" sz="700" b="0" i="0" u="none" strike="noStrike">
+                        <a:rPr lang="en-US" sz="700" b="0" i="0" u="none" strike="noStrike" dirty="0">
                           <a:solidFill>
                             <a:srgbClr val="000000"/>
                           </a:solidFill>
@@ -14356,7 +16978,7 @@
                     <a:p>
                       <a:pPr algn="l" fontAlgn="b"/>
                       <a:r>
-                        <a:rPr lang="en-US" sz="700" b="0" i="0" u="none" strike="noStrike">
+                        <a:rPr lang="en-US" sz="700" b="0" i="0" u="none" strike="noStrike" dirty="0">
                           <a:solidFill>
                             <a:srgbClr val="000000"/>
                           </a:solidFill>
@@ -14383,7 +17005,7 @@
                     <a:p>
                       <a:pPr algn="l" fontAlgn="b"/>
                       <a:r>
-                        <a:rPr lang="en-US" sz="700" b="0" i="0" u="none" strike="noStrike">
+                        <a:rPr lang="en-US" sz="700" b="0" i="0" u="none" strike="noStrike" dirty="0">
                           <a:solidFill>
                             <a:srgbClr val="000000"/>
                           </a:solidFill>
@@ -14403,7 +17025,7 @@
                     <a:p>
                       <a:pPr algn="l" fontAlgn="b"/>
                       <a:r>
-                        <a:rPr lang="en-US" sz="700" b="0" i="0" u="none" strike="noStrike">
+                        <a:rPr lang="en-US" sz="700" b="0" i="0" u="none" strike="noStrike" dirty="0">
                           <a:solidFill>
                             <a:srgbClr val="000000"/>
                           </a:solidFill>
@@ -14430,7 +17052,7 @@
                     <a:p>
                       <a:pPr algn="l" fontAlgn="b"/>
                       <a:r>
-                        <a:rPr lang="en-US" sz="700" b="0" i="0" u="none" strike="noStrike">
+                        <a:rPr lang="en-US" sz="700" b="0" i="0" u="none" strike="noStrike" dirty="0">
                           <a:solidFill>
                             <a:srgbClr val="000000"/>
                           </a:solidFill>
@@ -14450,7 +17072,7 @@
                     <a:p>
                       <a:pPr algn="l" fontAlgn="b"/>
                       <a:r>
-                        <a:rPr lang="en-US" sz="700" b="0" i="0" u="none" strike="noStrike">
+                        <a:rPr lang="en-US" sz="700" b="0" i="0" u="none" strike="noStrike" dirty="0">
                           <a:solidFill>
                             <a:srgbClr val="000000"/>
                           </a:solidFill>
@@ -14477,7 +17099,7 @@
                     <a:p>
                       <a:pPr algn="l" fontAlgn="b"/>
                       <a:r>
-                        <a:rPr lang="en-US" sz="700" b="0" i="0" u="none" strike="noStrike">
+                        <a:rPr lang="en-US" sz="700" b="0" i="0" u="none" strike="noStrike" dirty="0">
                           <a:solidFill>
                             <a:srgbClr val="000000"/>
                           </a:solidFill>
@@ -14497,7 +17119,7 @@
                     <a:p>
                       <a:pPr algn="l" fontAlgn="b"/>
                       <a:r>
-                        <a:rPr lang="en-US" sz="700" b="0" i="0" u="none" strike="noStrike">
+                        <a:rPr lang="en-US" sz="700" b="0" i="0" u="none" strike="noStrike" dirty="0">
                           <a:solidFill>
                             <a:srgbClr val="000000"/>
                           </a:solidFill>
@@ -14524,7 +17146,7 @@
                     <a:p>
                       <a:pPr algn="l" fontAlgn="b"/>
                       <a:r>
-                        <a:rPr lang="en-US" sz="700" b="0" i="0" u="none" strike="noStrike">
+                        <a:rPr lang="en-US" sz="700" b="0" i="0" u="none" strike="noStrike" dirty="0">
                           <a:solidFill>
                             <a:srgbClr val="000000"/>
                           </a:solidFill>
@@ -14544,7 +17166,7 @@
                     <a:p>
                       <a:pPr algn="l" fontAlgn="b"/>
                       <a:r>
-                        <a:rPr lang="en-US" sz="700" b="0" i="0" u="none" strike="noStrike">
+                        <a:rPr lang="en-US" sz="700" b="0" i="0" u="none" strike="noStrike" dirty="0">
                           <a:solidFill>
                             <a:srgbClr val="000000"/>
                           </a:solidFill>
@@ -14571,7 +17193,7 @@
                     <a:p>
                       <a:pPr algn="l" fontAlgn="b"/>
                       <a:r>
-                        <a:rPr lang="en-US" sz="700" b="0" i="0" u="none" strike="noStrike">
+                        <a:rPr lang="en-US" sz="700" b="0" i="0" u="none" strike="noStrike" dirty="0">
                           <a:solidFill>
                             <a:srgbClr val="000000"/>
                           </a:solidFill>
@@ -14591,7 +17213,7 @@
                     <a:p>
                       <a:pPr algn="l" fontAlgn="b"/>
                       <a:r>
-                        <a:rPr lang="en-US" sz="700" b="0" i="0" u="none" strike="noStrike">
+                        <a:rPr lang="en-US" sz="700" b="0" i="0" u="none" strike="noStrike" dirty="0">
                           <a:solidFill>
                             <a:srgbClr val="000000"/>
                           </a:solidFill>
@@ -14618,7 +17240,7 @@
                     <a:p>
                       <a:pPr algn="l" fontAlgn="b"/>
                       <a:r>
-                        <a:rPr lang="en-US" sz="700" b="0" i="0" u="none" strike="noStrike">
+                        <a:rPr lang="en-US" sz="700" b="0" i="0" u="none" strike="noStrike" dirty="0">
                           <a:solidFill>
                             <a:srgbClr val="000000"/>
                           </a:solidFill>
@@ -14638,7 +17260,7 @@
                     <a:p>
                       <a:pPr algn="l" fontAlgn="b"/>
                       <a:r>
-                        <a:rPr lang="en-US" sz="700" b="0" i="0" u="none" strike="noStrike">
+                        <a:rPr lang="en-US" sz="700" b="0" i="0" u="none" strike="noStrike" dirty="0">
                           <a:solidFill>
                             <a:srgbClr val="000000"/>
                           </a:solidFill>
@@ -14665,7 +17287,7 @@
                     <a:p>
                       <a:pPr algn="l" fontAlgn="b"/>
                       <a:r>
-                        <a:rPr lang="en-US" sz="700" b="0" i="0" u="none" strike="noStrike">
+                        <a:rPr lang="en-US" sz="700" b="0" i="0" u="none" strike="noStrike" dirty="0">
                           <a:solidFill>
                             <a:srgbClr val="000000"/>
                           </a:solidFill>
@@ -14685,7 +17307,7 @@
                     <a:p>
                       <a:pPr algn="l" fontAlgn="b"/>
                       <a:r>
-                        <a:rPr lang="en-US" sz="700" b="0" i="0" u="none" strike="noStrike">
+                        <a:rPr lang="en-US" sz="700" b="0" i="0" u="none" strike="noStrike" dirty="0">
                           <a:solidFill>
                             <a:srgbClr val="000000"/>
                           </a:solidFill>
@@ -14737,7 +17359,7 @@
           <a:lstStyle/>
           <a:p>
             <a:r>
-              <a:rPr lang="en-US"/>
+              <a:rPr lang="en-US" dirty="0"/>
               <a:t>Sample Record</a:t>
             </a:r>
           </a:p>
@@ -14796,7 +17418,7 @@
                     <a:lstStyle/>
                     <a:p>
                       <a:r>
-                        <a:rPr lang="en-US" sz="1100"/>
+                        <a:rPr lang="en-US" sz="1100" dirty="0"/>
                         <a:t>Attribute</a:t>
                       </a:r>
                     </a:p>
@@ -14809,7 +17431,7 @@
                     <a:lstStyle/>
                     <a:p>
                       <a:r>
-                        <a:rPr lang="en-US" sz="1100"/>
+                        <a:rPr lang="en-US" sz="1100" dirty="0"/>
                         <a:t>Entry</a:t>
                       </a:r>
                     </a:p>
@@ -14830,7 +17452,7 @@
                     <a:p>
                       <a:pPr algn="l" fontAlgn="b"/>
                       <a:r>
-                        <a:rPr lang="en-US" sz="700" b="0" i="0" u="none" strike="noStrike" err="1">
+                        <a:rPr lang="en-US" sz="700" b="0" i="0" u="none" strike="noStrike" dirty="0">
                           <a:solidFill>
                             <a:srgbClr val="000000"/>
                           </a:solidFill>
@@ -14839,13 +17461,6 @@
                         </a:rPr>
                         <a:t>delivery_id</a:t>
                       </a:r>
-                      <a:endParaRPr lang="en-US" sz="700" b="0" i="0" u="none" strike="noStrike">
-                        <a:solidFill>
-                          <a:srgbClr val="000000"/>
-                        </a:solidFill>
-                        <a:effectLst/>
-                        <a:latin typeface="Arial" panose="020B0604020202020204" pitchFamily="34" charset="0"/>
-                      </a:endParaRPr>
                     </a:p>
                   </a:txBody>
                   <a:tcPr marL="5665" marR="5665" marT="5665" marB="0" anchor="ctr"/>
@@ -14857,7 +17472,7 @@
                     <a:p>
                       <a:pPr algn="l" fontAlgn="b"/>
                       <a:r>
-                        <a:rPr lang="en-US" sz="700" b="0" i="0" u="none" strike="noStrike">
+                        <a:rPr lang="en-US" sz="700" b="0" i="0" u="none" strike="noStrike" dirty="0">
                           <a:solidFill>
                             <a:srgbClr val="000000"/>
                           </a:solidFill>
@@ -14884,7 +17499,7 @@
                     <a:p>
                       <a:pPr algn="l" fontAlgn="b"/>
                       <a:r>
-                        <a:rPr lang="en-US" sz="700" b="0" i="0" u="none" strike="noStrike" err="1">
+                        <a:rPr lang="en-US" sz="700" b="0" i="0" u="none" strike="noStrike" dirty="0">
                           <a:solidFill>
                             <a:srgbClr val="000000"/>
                           </a:solidFill>
@@ -14893,13 +17508,6 @@
                         </a:rPr>
                         <a:t>customer_id</a:t>
                       </a:r>
-                      <a:endParaRPr lang="en-US" sz="700" b="0" i="0" u="none" strike="noStrike">
-                        <a:solidFill>
-                          <a:srgbClr val="000000"/>
-                        </a:solidFill>
-                        <a:effectLst/>
-                        <a:latin typeface="Arial" panose="020B0604020202020204" pitchFamily="34" charset="0"/>
-                      </a:endParaRPr>
                     </a:p>
                   </a:txBody>
                   <a:tcPr marL="5665" marR="5665" marT="5665" marB="0" anchor="ctr"/>
@@ -14911,7 +17519,7 @@
                     <a:p>
                       <a:pPr algn="l" fontAlgn="b"/>
                       <a:r>
-                        <a:rPr lang="en-US" sz="700" b="0" i="0" u="none" strike="noStrike">
+                        <a:rPr lang="en-US" sz="700" b="0" i="0" u="none" strike="noStrike" dirty="0">
                           <a:solidFill>
                             <a:srgbClr val="000000"/>
                           </a:solidFill>
@@ -14938,7 +17546,7 @@
                     <a:p>
                       <a:pPr algn="l" fontAlgn="b"/>
                       <a:r>
-                        <a:rPr lang="en-US" sz="700" b="0" i="0" u="none" strike="noStrike">
+                        <a:rPr lang="en-US" sz="700" b="0" i="0" u="none" strike="noStrike" dirty="0">
                           <a:solidFill>
                             <a:srgbClr val="000000"/>
                           </a:solidFill>
@@ -14958,7 +17566,7 @@
                     <a:p>
                       <a:pPr algn="l" fontAlgn="b"/>
                       <a:r>
-                        <a:rPr lang="en-US" sz="700" b="0" i="0" u="none" strike="noStrike">
+                        <a:rPr lang="en-US" sz="700" b="0" i="0" u="none" strike="noStrike" dirty="0">
                           <a:solidFill>
                             <a:srgbClr val="000000"/>
                           </a:solidFill>
@@ -14985,7 +17593,7 @@
                     <a:p>
                       <a:pPr algn="l" fontAlgn="b"/>
                       <a:r>
-                        <a:rPr lang="en-US" sz="700" b="0" i="0" u="none" strike="noStrike">
+                        <a:rPr lang="en-US" sz="700" b="0" i="0" u="none" strike="noStrike" dirty="0">
                           <a:solidFill>
                             <a:srgbClr val="000000"/>
                           </a:solidFill>
@@ -15005,7 +17613,7 @@
                     <a:p>
                       <a:pPr algn="l" fontAlgn="b"/>
                       <a:r>
-                        <a:rPr lang="en-US" sz="700" b="0" i="0" u="none" strike="noStrike">
+                        <a:rPr lang="en-US" sz="700" b="0" i="0" u="none" strike="noStrike" dirty="0">
                           <a:solidFill>
                             <a:srgbClr val="000000"/>
                           </a:solidFill>
@@ -15032,7 +17640,7 @@
                     <a:p>
                       <a:pPr algn="l" fontAlgn="b"/>
                       <a:r>
-                        <a:rPr lang="en-US" sz="700" b="0" i="0" u="none" strike="noStrike">
+                        <a:rPr lang="en-US" sz="700" b="0" i="0" u="none" strike="noStrike" dirty="0">
                           <a:solidFill>
                             <a:srgbClr val="000000"/>
                           </a:solidFill>
@@ -15052,7 +17660,7 @@
                     <a:p>
                       <a:pPr algn="l" fontAlgn="b"/>
                       <a:r>
-                        <a:rPr lang="en-US" sz="700" b="0" i="0" u="none" strike="noStrike" err="1">
+                        <a:rPr lang="en-US" sz="700" b="0" i="0" u="none" strike="noStrike" dirty="0">
                           <a:solidFill>
                             <a:srgbClr val="000000"/>
                           </a:solidFill>
@@ -15061,13 +17669,6 @@
                         </a:rPr>
                         <a:t>Bareburger</a:t>
                       </a:r>
-                      <a:endParaRPr lang="en-US" sz="700" b="0" i="0" u="none" strike="noStrike">
-                        <a:solidFill>
-                          <a:srgbClr val="000000"/>
-                        </a:solidFill>
-                        <a:effectLst/>
-                        <a:latin typeface="Arial" panose="020B0604020202020204" pitchFamily="34" charset="0"/>
-                      </a:endParaRPr>
                     </a:p>
                   </a:txBody>
                   <a:tcPr marL="5665" marR="5665" marT="5665" marB="0" anchor="ctr"/>
@@ -15086,7 +17687,7 @@
                     <a:p>
                       <a:pPr algn="l" fontAlgn="b"/>
                       <a:r>
-                        <a:rPr lang="en-US" sz="700" b="0" i="0" u="none" strike="noStrike" err="1">
+                        <a:rPr lang="en-US" sz="700" b="0" i="0" u="none" strike="noStrike" dirty="0">
                           <a:solidFill>
                             <a:srgbClr val="000000"/>
                           </a:solidFill>
@@ -15095,13 +17696,6 @@
                         </a:rPr>
                         <a:t>place_category</a:t>
                       </a:r>
-                      <a:endParaRPr lang="en-US" sz="700" b="0" i="0" u="none" strike="noStrike">
-                        <a:solidFill>
-                          <a:srgbClr val="000000"/>
-                        </a:solidFill>
-                        <a:effectLst/>
-                        <a:latin typeface="Arial" panose="020B0604020202020204" pitchFamily="34" charset="0"/>
-                      </a:endParaRPr>
                     </a:p>
                   </a:txBody>
                   <a:tcPr marL="5665" marR="5665" marT="5665" marB="0" anchor="ctr"/>
@@ -15113,7 +17707,7 @@
                     <a:p>
                       <a:pPr algn="l" fontAlgn="b"/>
                       <a:r>
-                        <a:rPr lang="en-US" sz="700" b="0" i="0" u="none" strike="noStrike">
+                        <a:rPr lang="en-US" sz="700" b="0" i="0" u="none" strike="noStrike" dirty="0">
                           <a:solidFill>
                             <a:srgbClr val="000000"/>
                           </a:solidFill>
@@ -15140,7 +17734,7 @@
                     <a:p>
                       <a:pPr algn="l" fontAlgn="b"/>
                       <a:r>
-                        <a:rPr lang="en-US" sz="700" b="0" i="0" u="none" strike="noStrike">
+                        <a:rPr lang="en-US" sz="700" b="0" i="0" u="none" strike="noStrike" dirty="0">
                           <a:solidFill>
                             <a:srgbClr val="000000"/>
                           </a:solidFill>
@@ -15160,7 +17754,7 @@
                     <a:p>
                       <a:pPr algn="l" fontAlgn="b"/>
                       <a:r>
-                        <a:rPr lang="en-US" sz="700" b="0" i="0" u="none" strike="noStrike">
+                        <a:rPr lang="en-US" sz="700" b="0" i="0" u="none" strike="noStrike" dirty="0">
                           <a:solidFill>
                             <a:srgbClr val="000000"/>
                           </a:solidFill>
@@ -15187,7 +17781,7 @@
                     <a:p>
                       <a:pPr algn="l" fontAlgn="b"/>
                       <a:r>
-                        <a:rPr lang="en-US" sz="700" b="0" i="0" u="none" strike="noStrike">
+                        <a:rPr lang="en-US" sz="700" b="0" i="0" u="none" strike="noStrike" dirty="0">
                           <a:solidFill>
                             <a:srgbClr val="000000"/>
                           </a:solidFill>
@@ -15207,7 +17801,7 @@
                     <a:p>
                       <a:pPr algn="l" fontAlgn="b"/>
                       <a:r>
-                        <a:rPr lang="en-US" sz="700" b="0" i="0" u="none" strike="noStrike">
+                        <a:rPr lang="en-US" sz="700" b="0" i="0" u="none" strike="noStrike" dirty="0">
                           <a:solidFill>
                             <a:srgbClr val="000000"/>
                           </a:solidFill>
@@ -15234,7 +17828,7 @@
                     <a:p>
                       <a:pPr algn="l" fontAlgn="b"/>
                       <a:r>
-                        <a:rPr lang="en-US" sz="700" b="0" i="0" u="none" strike="noStrike" err="1">
+                        <a:rPr lang="en-US" sz="700" b="0" i="0" u="none" strike="noStrike" dirty="0">
                           <a:solidFill>
                             <a:srgbClr val="000000"/>
                           </a:solidFill>
@@ -15243,13 +17837,6 @@
                         </a:rPr>
                         <a:t>item_category_name</a:t>
                       </a:r>
-                      <a:endParaRPr lang="en-US" sz="700" b="0" i="0" u="none" strike="noStrike">
-                        <a:solidFill>
-                          <a:srgbClr val="000000"/>
-                        </a:solidFill>
-                        <a:effectLst/>
-                        <a:latin typeface="Arial" panose="020B0604020202020204" pitchFamily="34" charset="0"/>
-                      </a:endParaRPr>
                     </a:p>
                   </a:txBody>
                   <a:tcPr marL="5665" marR="5665" marT="5665" marB="0" anchor="ctr"/>
@@ -15261,7 +17848,7 @@
                     <a:p>
                       <a:pPr algn="l" fontAlgn="b"/>
                       <a:r>
-                        <a:rPr lang="en-US" sz="700" b="0" i="0" u="none" strike="noStrike">
+                        <a:rPr lang="en-US" sz="700" b="0" i="0" u="none" strike="noStrike" dirty="0">
                           <a:solidFill>
                             <a:srgbClr val="000000"/>
                           </a:solidFill>
@@ -15288,7 +17875,7 @@
                     <a:p>
                       <a:pPr algn="l" fontAlgn="b"/>
                       <a:r>
-                        <a:rPr lang="en-US" sz="700" b="0" i="0" u="none" strike="noStrike">
+                        <a:rPr lang="en-US" sz="700" b="0" i="0" u="none" strike="noStrike" dirty="0">
                           <a:solidFill>
                             <a:srgbClr val="000000"/>
                           </a:solidFill>
@@ -15308,7 +17895,7 @@
                     <a:p>
                       <a:pPr algn="l" fontAlgn="b"/>
                       <a:r>
-                        <a:rPr lang="en-US" sz="700" b="0" i="0" u="none" strike="noStrike">
+                        <a:rPr lang="en-US" sz="700" b="0" i="0" u="none" strike="noStrike" dirty="0">
                           <a:solidFill>
                             <a:srgbClr val="000000"/>
                           </a:solidFill>
@@ -15335,7 +17922,7 @@
                     <a:p>
                       <a:pPr algn="l" fontAlgn="b"/>
                       <a:r>
-                        <a:rPr lang="en-US" sz="700" b="0" i="0" u="none" strike="noStrike">
+                        <a:rPr lang="en-US" sz="700" b="0" i="0" u="none" strike="noStrike" dirty="0">
                           <a:solidFill>
                             <a:srgbClr val="000000"/>
                           </a:solidFill>
@@ -15355,7 +17942,7 @@
                     <a:p>
                       <a:pPr algn="l" fontAlgn="b"/>
                       <a:r>
-                        <a:rPr lang="en-US" sz="700" b="0" i="0" u="none" strike="noStrike">
+                        <a:rPr lang="en-US" sz="700" b="0" i="0" u="none" strike="noStrike" dirty="0">
                           <a:solidFill>
                             <a:srgbClr val="000000"/>
                           </a:solidFill>
@@ -15382,7 +17969,7 @@
                     <a:p>
                       <a:pPr algn="l" fontAlgn="b"/>
                       <a:r>
-                        <a:rPr lang="en-US" sz="700" b="0" i="0" u="none" strike="noStrike">
+                        <a:rPr lang="en-US" sz="700" b="0" i="0" u="none" strike="noStrike" dirty="0">
                           <a:solidFill>
                             <a:srgbClr val="000000"/>
                           </a:solidFill>
@@ -15402,7 +17989,7 @@
                     <a:p>
                       <a:pPr algn="l" fontAlgn="b"/>
                       <a:r>
-                        <a:rPr lang="en-US" sz="700" b="0" i="0" u="none" strike="noStrike">
+                        <a:rPr lang="en-US" sz="700" b="0" i="0" u="none" strike="noStrike" dirty="0">
                           <a:solidFill>
                             <a:srgbClr val="000000"/>
                           </a:solidFill>
@@ -15429,7 +18016,7 @@
                     <a:p>
                       <a:pPr algn="l" fontAlgn="b"/>
                       <a:r>
-                        <a:rPr lang="en-US" sz="700" b="0" i="0" u="none" strike="noStrike">
+                        <a:rPr lang="en-US" sz="700" b="0" i="0" u="none" strike="noStrike" dirty="0">
                           <a:solidFill>
                             <a:srgbClr val="000000"/>
                           </a:solidFill>
@@ -15449,7 +18036,7 @@
                     <a:p>
                       <a:pPr algn="l" fontAlgn="b"/>
                       <a:r>
-                        <a:rPr lang="en-US" sz="700" b="0" i="0" u="none" strike="noStrike">
+                        <a:rPr lang="en-US" sz="700" b="0" i="0" u="none" strike="noStrike" dirty="0">
                           <a:solidFill>
                             <a:srgbClr val="000000"/>
                           </a:solidFill>
@@ -15476,7 +18063,7 @@
                     <a:p>
                       <a:pPr algn="l" fontAlgn="b"/>
                       <a:r>
-                        <a:rPr lang="en-US" sz="700" b="0" i="0" u="none" strike="noStrike">
+                        <a:rPr lang="en-US" sz="700" b="0" i="0" u="none" strike="noStrike" dirty="0">
                           <a:solidFill>
                             <a:srgbClr val="000000"/>
                           </a:solidFill>
@@ -15496,7 +18083,7 @@
                     <a:p>
                       <a:pPr algn="l" fontAlgn="b"/>
                       <a:r>
-                        <a:rPr lang="en-US" sz="700" b="0" i="0" u="none" strike="noStrike">
+                        <a:rPr lang="en-US" sz="700" b="0" i="0" u="none" strike="noStrike" dirty="0">
                           <a:solidFill>
                             <a:srgbClr val="000000"/>
                           </a:solidFill>
@@ -15523,7 +18110,7 @@
                     <a:p>
                       <a:pPr algn="l" fontAlgn="b"/>
                       <a:r>
-                        <a:rPr lang="en-US" sz="700" b="0" i="0" u="none" strike="noStrike">
+                        <a:rPr lang="en-US" sz="700" b="0" i="0" u="none" strike="noStrike" dirty="0">
                           <a:solidFill>
                             <a:srgbClr val="000000"/>
                           </a:solidFill>
@@ -15543,7 +18130,7 @@
                     <a:p>
                       <a:pPr algn="l" fontAlgn="b"/>
                       <a:r>
-                        <a:rPr lang="en-US" sz="700" b="0" i="0" u="none" strike="noStrike">
+                        <a:rPr lang="en-US" sz="700" b="0" i="0" u="none" strike="noStrike" dirty="0">
                           <a:solidFill>
                             <a:srgbClr val="000000"/>
                           </a:solidFill>
@@ -15570,7 +18157,7 @@
                     <a:p>
                       <a:pPr algn="l" fontAlgn="b"/>
                       <a:r>
-                        <a:rPr lang="en-US" sz="700" b="0" i="0" u="none" strike="noStrike">
+                        <a:rPr lang="en-US" sz="700" b="0" i="0" u="none" strike="noStrike" dirty="0">
                           <a:solidFill>
                             <a:srgbClr val="000000"/>
                           </a:solidFill>
@@ -15590,7 +18177,7 @@
                     <a:p>
                       <a:pPr algn="l" fontAlgn="b"/>
                       <a:r>
-                        <a:rPr lang="en-US" sz="700" b="0" i="0" u="none" strike="noStrike">
+                        <a:rPr lang="en-US" sz="700" b="0" i="0" u="none" strike="noStrike" dirty="0">
                           <a:solidFill>
                             <a:srgbClr val="000000"/>
                           </a:solidFill>
@@ -15617,7 +18204,7 @@
                     <a:p>
                       <a:pPr algn="l" fontAlgn="b"/>
                       <a:r>
-                        <a:rPr lang="en-US" sz="700" b="0" i="0" u="none" strike="noStrike">
+                        <a:rPr lang="en-US" sz="700" b="0" i="0" u="none" strike="noStrike" dirty="0">
                           <a:solidFill>
                             <a:srgbClr val="000000"/>
                           </a:solidFill>
@@ -15637,7 +18224,7 @@
                     <a:p>
                       <a:pPr algn="l" fontAlgn="b"/>
                       <a:r>
-                        <a:rPr lang="en-US" sz="700" b="0" i="0" u="none" strike="noStrike">
+                        <a:rPr lang="en-US" sz="700" b="0" i="0" u="none" strike="noStrike" dirty="0">
                           <a:solidFill>
                             <a:srgbClr val="000000"/>
                           </a:solidFill>
@@ -15664,7 +18251,7 @@
                     <a:p>
                       <a:pPr algn="l" fontAlgn="b"/>
                       <a:r>
-                        <a:rPr lang="en-US" sz="700" b="0" i="0" u="none" strike="noStrike" err="1">
+                        <a:rPr lang="en-US" sz="700" b="0" i="0" u="none" strike="noStrike" dirty="0">
                           <a:solidFill>
                             <a:srgbClr val="000000"/>
                           </a:solidFill>
@@ -15673,13 +18260,6 @@
                         </a:rPr>
                         <a:t>when_the_Jumpman_arrived_at_dropoff</a:t>
                       </a:r>
-                      <a:endParaRPr lang="en-US" sz="700" b="0" i="0" u="none" strike="noStrike">
-                        <a:solidFill>
-                          <a:srgbClr val="000000"/>
-                        </a:solidFill>
-                        <a:effectLst/>
-                        <a:latin typeface="Arial" panose="020B0604020202020204" pitchFamily="34" charset="0"/>
-                      </a:endParaRPr>
                     </a:p>
                   </a:txBody>
                   <a:tcPr marL="5665" marR="5665" marT="5665" marB="0" anchor="ctr"/>
@@ -15691,7 +18271,7 @@
                     <a:p>
                       <a:pPr algn="l" fontAlgn="b"/>
                       <a:r>
-                        <a:rPr lang="en-US" sz="700" b="0" i="0" u="none" strike="noStrike">
+                        <a:rPr lang="en-US" sz="700" b="0" i="0" u="none" strike="noStrike" dirty="0">
                           <a:solidFill>
                             <a:srgbClr val="000000"/>
                           </a:solidFill>
@@ -15718,122 +18298,6 @@
     <p:extLst>
       <p:ext uri="{BB962C8B-B14F-4D97-AF65-F5344CB8AC3E}">
         <p14:creationId xmlns:p14="http://schemas.microsoft.com/office/powerpoint/2010/main" val="1465185019"/>
-      </p:ext>
-    </p:extLst>
-  </p:cSld>
-  <p:clrMapOvr>
-    <a:masterClrMapping/>
-  </p:clrMapOvr>
-</p:sld>
-</file>
-
-<file path=ppt/slides/slide19.xml><?xml version="1.0" encoding="utf-8"?>
-<p:sld xmlns:a="http://schemas.openxmlformats.org/drawingml/2006/main" xmlns:r="http://schemas.openxmlformats.org/officeDocument/2006/relationships" xmlns:p="http://schemas.openxmlformats.org/presentationml/2006/main" show="0">
-  <p:cSld>
-    <p:spTree>
-      <p:nvGrpSpPr>
-        <p:cNvPr id="1" name=""/>
-        <p:cNvGrpSpPr/>
-        <p:nvPr/>
-      </p:nvGrpSpPr>
-      <p:grpSpPr>
-        <a:xfrm>
-          <a:off x="0" y="0"/>
-          <a:ext cx="0" cy="0"/>
-          <a:chOff x="0" y="0"/>
-          <a:chExt cx="0" cy="0"/>
-        </a:xfrm>
-      </p:grpSpPr>
-      <p:sp>
-        <p:nvSpPr>
-          <p:cNvPr id="2" name="Title 1">
-            <a:extLst>
-              <a:ext uri="{FF2B5EF4-FFF2-40B4-BE49-F238E27FC236}">
-                <a16:creationId xmlns:a16="http://schemas.microsoft.com/office/drawing/2014/main" id="{58076ACC-7505-724F-91E0-B41997995499}"/>
-              </a:ext>
-            </a:extLst>
-          </p:cNvPr>
-          <p:cNvSpPr>
-            <a:spLocks noGrp="1"/>
-          </p:cNvSpPr>
-          <p:nvPr>
-            <p:ph type="title"/>
-          </p:nvPr>
-        </p:nvSpPr>
-        <p:spPr/>
-        <p:txBody>
-          <a:bodyPr/>
-          <a:lstStyle/>
-          <a:p>
-            <a:endParaRPr lang="en-US"/>
-          </a:p>
-        </p:txBody>
-      </p:sp>
-      <p:sp>
-        <p:nvSpPr>
-          <p:cNvPr id="3" name="Content Placeholder 2">
-            <a:extLst>
-              <a:ext uri="{FF2B5EF4-FFF2-40B4-BE49-F238E27FC236}">
-                <a16:creationId xmlns:a16="http://schemas.microsoft.com/office/drawing/2014/main" id="{BE5AEBFC-092D-5B4E-A7CC-8E373416AC05}"/>
-              </a:ext>
-            </a:extLst>
-          </p:cNvPr>
-          <p:cNvSpPr>
-            <a:spLocks noGrp="1"/>
-          </p:cNvSpPr>
-          <p:nvPr>
-            <p:ph idx="1"/>
-          </p:nvPr>
-        </p:nvSpPr>
-        <p:spPr/>
-        <p:txBody>
-          <a:bodyPr/>
-          <a:lstStyle/>
-          <a:p>
-            <a:endParaRPr lang="en-US"/>
-          </a:p>
-        </p:txBody>
-      </p:sp>
-      <p:pic>
-        <p:nvPicPr>
-          <p:cNvPr id="4" name="slide2" descr="Deliveries">
-            <a:extLst>
-              <a:ext uri="{FF2B5EF4-FFF2-40B4-BE49-F238E27FC236}">
-                <a16:creationId xmlns:a16="http://schemas.microsoft.com/office/drawing/2014/main" id="{18A6A2F8-E546-114A-B38C-AF383C84C856}"/>
-              </a:ext>
-            </a:extLst>
-          </p:cNvPr>
-          <p:cNvPicPr>
-            <a:picLocks noChangeAspect="1"/>
-          </p:cNvPicPr>
-          <p:nvPr/>
-        </p:nvPicPr>
-        <p:blipFill>
-          <a:blip r:embed="rId2">
-            <a:extLst>
-              <a:ext uri="{28A0092B-C50C-407E-A947-70E740481C1C}">
-                <a14:useLocalDpi xmlns:a14="http://schemas.microsoft.com/office/drawing/2010/main" val="0"/>
-              </a:ext>
-            </a:extLst>
-          </a:blip>
-          <a:stretch>
-            <a:fillRect/>
-          </a:stretch>
-        </p:blipFill>
-        <p:spPr>
-          <a:xfrm>
-            <a:off x="4469845" y="2138162"/>
-            <a:ext cx="3252309" cy="3726264"/>
-          </a:xfrm>
-          <a:prstGeom prst="rect">
-            <a:avLst/>
-          </a:prstGeom>
-        </p:spPr>
-      </p:pic>
-    </p:spTree>
-    <p:extLst>
-      <p:ext uri="{BB962C8B-B14F-4D97-AF65-F5344CB8AC3E}">
-        <p14:creationId xmlns:p14="http://schemas.microsoft.com/office/powerpoint/2010/main" val="181376388"/>
       </p:ext>
     </p:extLst>
   </p:cSld>
@@ -16005,7 +18469,7 @@
             </a:r>
             <a:r>
               <a:rPr lang="en-US" b="1" dirty="0"/>
-              <a:t>DATA INTEGRITY CONCERNS</a:t>
+              <a:t>DATASET</a:t>
             </a:r>
           </a:p>
           <a:p>
@@ -16088,6 +18552,122 @@
 </file>
 
 <file path=ppt/slides/slide20.xml><?xml version="1.0" encoding="utf-8"?>
+<p:sld xmlns:a="http://schemas.openxmlformats.org/drawingml/2006/main" xmlns:r="http://schemas.openxmlformats.org/officeDocument/2006/relationships" xmlns:p="http://schemas.openxmlformats.org/presentationml/2006/main" show="0">
+  <p:cSld>
+    <p:spTree>
+      <p:nvGrpSpPr>
+        <p:cNvPr id="1" name=""/>
+        <p:cNvGrpSpPr/>
+        <p:nvPr/>
+      </p:nvGrpSpPr>
+      <p:grpSpPr>
+        <a:xfrm>
+          <a:off x="0" y="0"/>
+          <a:ext cx="0" cy="0"/>
+          <a:chOff x="0" y="0"/>
+          <a:chExt cx="0" cy="0"/>
+        </a:xfrm>
+      </p:grpSpPr>
+      <p:sp>
+        <p:nvSpPr>
+          <p:cNvPr id="2" name="Title 1">
+            <a:extLst>
+              <a:ext uri="{FF2B5EF4-FFF2-40B4-BE49-F238E27FC236}">
+                <a16:creationId xmlns:a16="http://schemas.microsoft.com/office/drawing/2014/main" id="{58076ACC-7505-724F-91E0-B41997995499}"/>
+              </a:ext>
+            </a:extLst>
+          </p:cNvPr>
+          <p:cNvSpPr>
+            <a:spLocks noGrp="1"/>
+          </p:cNvSpPr>
+          <p:nvPr>
+            <p:ph type="title"/>
+          </p:nvPr>
+        </p:nvSpPr>
+        <p:spPr/>
+        <p:txBody>
+          <a:bodyPr/>
+          <a:lstStyle/>
+          <a:p>
+            <a:endParaRPr lang="en-US" dirty="0"/>
+          </a:p>
+        </p:txBody>
+      </p:sp>
+      <p:sp>
+        <p:nvSpPr>
+          <p:cNvPr id="3" name="Content Placeholder 2">
+            <a:extLst>
+              <a:ext uri="{FF2B5EF4-FFF2-40B4-BE49-F238E27FC236}">
+                <a16:creationId xmlns:a16="http://schemas.microsoft.com/office/drawing/2014/main" id="{BE5AEBFC-092D-5B4E-A7CC-8E373416AC05}"/>
+              </a:ext>
+            </a:extLst>
+          </p:cNvPr>
+          <p:cNvSpPr>
+            <a:spLocks noGrp="1"/>
+          </p:cNvSpPr>
+          <p:nvPr>
+            <p:ph idx="1"/>
+          </p:nvPr>
+        </p:nvSpPr>
+        <p:spPr/>
+        <p:txBody>
+          <a:bodyPr/>
+          <a:lstStyle/>
+          <a:p>
+            <a:endParaRPr lang="en-US" dirty="0"/>
+          </a:p>
+        </p:txBody>
+      </p:sp>
+      <p:pic>
+        <p:nvPicPr>
+          <p:cNvPr id="4" name="slide2" descr="Deliveries">
+            <a:extLst>
+              <a:ext uri="{FF2B5EF4-FFF2-40B4-BE49-F238E27FC236}">
+                <a16:creationId xmlns:a16="http://schemas.microsoft.com/office/drawing/2014/main" id="{18A6A2F8-E546-114A-B38C-AF383C84C856}"/>
+              </a:ext>
+            </a:extLst>
+          </p:cNvPr>
+          <p:cNvPicPr>
+            <a:picLocks noChangeAspect="1"/>
+          </p:cNvPicPr>
+          <p:nvPr/>
+        </p:nvPicPr>
+        <p:blipFill>
+          <a:blip r:embed="rId2">
+            <a:extLst>
+              <a:ext uri="{28A0092B-C50C-407E-A947-70E740481C1C}">
+                <a14:useLocalDpi xmlns:a14="http://schemas.microsoft.com/office/drawing/2010/main" val="0"/>
+              </a:ext>
+            </a:extLst>
+          </a:blip>
+          <a:stretch>
+            <a:fillRect/>
+          </a:stretch>
+        </p:blipFill>
+        <p:spPr>
+          <a:xfrm>
+            <a:off x="4469845" y="2138162"/>
+            <a:ext cx="3252309" cy="3726264"/>
+          </a:xfrm>
+          <a:prstGeom prst="rect">
+            <a:avLst/>
+          </a:prstGeom>
+        </p:spPr>
+      </p:pic>
+    </p:spTree>
+    <p:extLst>
+      <p:ext uri="{BB962C8B-B14F-4D97-AF65-F5344CB8AC3E}">
+        <p14:creationId xmlns:p14="http://schemas.microsoft.com/office/powerpoint/2010/main" val="181376388"/>
+      </p:ext>
+    </p:extLst>
+  </p:cSld>
+  <p:clrMapOvr>
+    <a:masterClrMapping/>
+  </p:clrMapOvr>
+</p:sld>
+</file>
+
+<file path=ppt/slides/slide21.xml><?xml version="1.0" encoding="utf-8"?>
 <p:sld xmlns:a="http://schemas.openxmlformats.org/drawingml/2006/main" xmlns:r="http://schemas.openxmlformats.org/officeDocument/2006/relationships" xmlns:p="http://schemas.openxmlformats.org/presentationml/2006/main" show="0">
   <p:cSld>
     <p:spTree>
@@ -16269,7 +18849,7 @@
             </a:r>
             <a:r>
               <a:rPr lang="en-US" sz="1600" b="1" dirty="0"/>
-              <a:t>strong with significant growth potential</a:t>
+              <a:t>STRONG with SIGNIFICANT GROWTH POTENTIAL</a:t>
             </a:r>
             <a:r>
               <a:rPr lang="en-US" sz="1600" dirty="0"/>
@@ -16812,8 +19392,47 @@
             </a:r>
             <a:r>
               <a:rPr lang="en-US" b="1" dirty="0"/>
-              <a:t> NEW MARKET ANALYSIS</a:t>
-            </a:r>
+              <a:t> NEW MARKET ANALYSIS </a:t>
+            </a:r>
+          </a:p>
+        </p:txBody>
+      </p:sp>
+      <p:sp>
+        <p:nvSpPr>
+          <p:cNvPr id="7" name="TextBox 6">
+            <a:extLst>
+              <a:ext uri="{FF2B5EF4-FFF2-40B4-BE49-F238E27FC236}">
+                <a16:creationId xmlns:a16="http://schemas.microsoft.com/office/drawing/2014/main" id="{66FBDD22-ACDF-7D4E-9CF9-B962CB5B5953}"/>
+              </a:ext>
+            </a:extLst>
+          </p:cNvPr>
+          <p:cNvSpPr txBox="1"/>
+          <p:nvPr/>
+        </p:nvSpPr>
+        <p:spPr>
+          <a:xfrm>
+            <a:off x="4272987" y="2722944"/>
+            <a:ext cx="3747648" cy="3588955"/>
+          </a:xfrm>
+          <a:prstGeom prst="rect">
+            <a:avLst/>
+          </a:prstGeom>
+          <a:solidFill>
+            <a:schemeClr val="bg1">
+              <a:lumMod val="85000"/>
+            </a:schemeClr>
+          </a:solidFill>
+          <a:effectLst>
+            <a:softEdge rad="0"/>
+          </a:effectLst>
+        </p:spPr>
+        <p:txBody>
+          <a:bodyPr wrap="square" rtlCol="0">
+            <a:spAutoFit/>
+          </a:bodyPr>
+          <a:lstStyle/>
+          <a:p>
+            <a:endParaRPr lang="en-US" dirty="0"/>
           </a:p>
         </p:txBody>
       </p:sp>
@@ -16845,14 +19464,14 @@
             </a:pPr>
             <a:r>
               <a:rPr lang="en-US" sz="3000" dirty="0"/>
-              <a:t>KNOW THE MARKET </a:t>
+              <a:t>KNOW THE BUSINESS </a:t>
             </a:r>
           </a:p>
           <a:p>
             <a:pPr marL="0" indent="0" algn="ctr">
               <a:buNone/>
             </a:pPr>
-            <a:endParaRPr lang="en-US" sz="1200" dirty="0"/>
+            <a:endParaRPr lang="en-US" sz="3000" dirty="0"/>
           </a:p>
           <a:p>
             <a:pPr marL="0" indent="0" algn="ctr">
@@ -16868,7 +19487,7 @@
               <a:buNone/>
             </a:pPr>
             <a:r>
-              <a:rPr lang="en-US" sz="3000" b="1" dirty="0"/>
+              <a:rPr lang="en-US" sz="5000" b="1" dirty="0"/>
               <a:t>+</a:t>
             </a:r>
           </a:p>
@@ -16886,7 +19505,7 @@
               <a:buNone/>
             </a:pPr>
             <a:r>
-              <a:rPr lang="en-US" sz="3000" b="1" dirty="0"/>
+              <a:rPr lang="en-US" sz="5000" b="1" dirty="0"/>
               <a:t>+</a:t>
             </a:r>
           </a:p>
@@ -16987,7 +19606,12 @@
             <p:ph sz="half" idx="1"/>
           </p:nvPr>
         </p:nvSpPr>
-        <p:spPr/>
+        <p:spPr>
+          <a:xfrm>
+            <a:off x="838200" y="1825625"/>
+            <a:ext cx="4941425" cy="4351338"/>
+          </a:xfrm>
+        </p:spPr>
         <p:txBody>
           <a:bodyPr>
             <a:normAutofit/>
@@ -16998,8 +19622,8 @@
               <a:buNone/>
             </a:pPr>
             <a:r>
-              <a:rPr lang="en-US" sz="1400" b="1" dirty="0"/>
-              <a:t>Who are they?</a:t>
+              <a:rPr lang="en-US" sz="1600" b="1" dirty="0"/>
+              <a:t>CUSTOMER PROFILE</a:t>
             </a:r>
           </a:p>
           <a:p>
@@ -17007,34 +19631,23 @@
               <a:buNone/>
             </a:pPr>
             <a:r>
-              <a:rPr lang="en-US" sz="1400" dirty="0"/>
-              <a:t>Most popular order time is dinner (6PM – 8PM) followed by lunch</a:t>
+              <a:rPr lang="en-US" sz="1600" dirty="0"/>
+              <a:t>Dinner is most popular (6PM – 8PM) followed by lunch</a:t>
             </a:r>
           </a:p>
           <a:p>
             <a:pPr marL="0" indent="0">
               <a:buNone/>
             </a:pPr>
-            <a:r>
-              <a:rPr lang="en-US" sz="1400" dirty="0"/>
-              <a:t>[10001, 10002, 10003, 10011, 10012] the five most frequented </a:t>
-            </a:r>
-            <a:r>
-              <a:rPr lang="en-US" sz="1400" dirty="0" err="1"/>
-              <a:t>dropoff</a:t>
-            </a:r>
-            <a:r>
-              <a:rPr lang="en-US" sz="1400" dirty="0"/>
-              <a:t> zip code location</a:t>
-            </a:r>
+            <a:endParaRPr lang="en-US" sz="100" dirty="0"/>
           </a:p>
           <a:p>
             <a:pPr marL="0" indent="0">
               <a:buNone/>
             </a:pPr>
             <a:r>
-              <a:rPr lang="en-US" sz="1400" dirty="0"/>
-              <a:t>These customers have an average median household income of $80K and an average population per zip code of 46K</a:t>
+              <a:rPr lang="en-US" sz="1600" b="1" dirty="0"/>
+              <a:t>[10001, 10002, 10003, 10011, 10012]</a:t>
             </a:r>
           </a:p>
           <a:p>
@@ -17042,8 +19655,38 @@
               <a:buNone/>
             </a:pPr>
             <a:r>
-              <a:rPr lang="en-US" sz="1400" dirty="0"/>
-              <a:t>Prefer to order from Italian, American, burger joints, Japanese, and dessert categories </a:t>
+              <a:rPr lang="en-US" sz="1600" dirty="0"/>
+              <a:t>Five most frequented drop off zip codes</a:t>
+            </a:r>
+          </a:p>
+          <a:p>
+            <a:pPr marL="0" indent="0">
+              <a:buNone/>
+            </a:pPr>
+            <a:endParaRPr lang="en-US" sz="100" dirty="0"/>
+          </a:p>
+          <a:p>
+            <a:pPr marL="0" indent="0">
+              <a:buNone/>
+            </a:pPr>
+            <a:r>
+              <a:rPr lang="en-US" sz="1600" dirty="0"/>
+              <a:t>Average median household income of $80K, with average population of 46K per zip code</a:t>
+            </a:r>
+          </a:p>
+          <a:p>
+            <a:pPr marL="0" indent="0">
+              <a:buNone/>
+            </a:pPr>
+            <a:endParaRPr lang="en-US" sz="100" dirty="0"/>
+          </a:p>
+          <a:p>
+            <a:pPr marL="0" indent="0">
+              <a:buNone/>
+            </a:pPr>
+            <a:r>
+              <a:rPr lang="en-US" sz="1600" dirty="0"/>
+              <a:t>Most popular categories: Italian, American, burgers, Japanese, and dessert  </a:t>
             </a:r>
           </a:p>
           <a:p>
@@ -17070,7 +19713,12 @@
             <p:ph sz="half" idx="2"/>
           </p:nvPr>
         </p:nvSpPr>
-        <p:spPr/>
+        <p:spPr>
+          <a:xfrm>
+            <a:off x="6412374" y="1825625"/>
+            <a:ext cx="4941425" cy="4351338"/>
+          </a:xfrm>
+        </p:spPr>
         <p:txBody>
           <a:bodyPr>
             <a:normAutofit/>
@@ -17081,8 +19729,8 @@
               <a:buNone/>
             </a:pPr>
             <a:r>
-              <a:rPr lang="en-US" sz="1600" dirty="0"/>
-              <a:t>Loyalty</a:t>
+              <a:rPr lang="en-US" sz="1600" b="1" dirty="0"/>
+              <a:t>CUSTOMER LOYALTY</a:t>
             </a:r>
           </a:p>
           <a:p>
@@ -17091,17 +19739,29 @@
             </a:pPr>
             <a:r>
               <a:rPr lang="en-US" sz="1600" dirty="0"/>
-              <a:t>Most loyal customer, customer id #369272, ordered 23 times</a:t>
+              <a:t>Most loyal customer, customer id #369272, ordered 23 times!</a:t>
             </a:r>
           </a:p>
           <a:p>
             <a:pPr marL="0" indent="0">
               <a:buNone/>
             </a:pPr>
+            <a:endParaRPr lang="en-US" sz="100" dirty="0"/>
+          </a:p>
+          <a:p>
+            <a:pPr marL="0" indent="0">
+              <a:buNone/>
+            </a:pPr>
             <a:r>
               <a:rPr lang="en-US" sz="1600" dirty="0"/>
-              <a:t>Average order frequency per customer is 1.6</a:t>
-            </a:r>
+              <a:t>Average order frequency per customer is 1.6x</a:t>
+            </a:r>
+          </a:p>
+          <a:p>
+            <a:pPr marL="0" indent="0">
+              <a:buNone/>
+            </a:pPr>
+            <a:endParaRPr lang="en-US" sz="100" dirty="0"/>
           </a:p>
           <a:p>
             <a:pPr marL="0" indent="0">
@@ -17140,14 +19800,14 @@
           <p:nvPr>
             <p:extLst>
               <p:ext uri="{D42A27DB-BD31-4B8C-83A1-F6EECF244321}">
-                <p14:modId xmlns:p14="http://schemas.microsoft.com/office/powerpoint/2010/main" val="2319072148"/>
+                <p14:modId xmlns:p14="http://schemas.microsoft.com/office/powerpoint/2010/main" val="1361481739"/>
               </p:ext>
             </p:extLst>
           </p:nvPr>
         </p:nvGraphicFramePr>
         <p:xfrm>
-          <a:off x="8939060" y="3924085"/>
-          <a:ext cx="2414740" cy="2387815"/>
+          <a:off x="9065840" y="4032741"/>
+          <a:ext cx="2414740" cy="2516253"/>
         </p:xfrm>
         <a:graphic>
           <a:graphicData uri="http://schemas.openxmlformats.org/drawingml/2006/chart">
@@ -17177,8 +19837,8 @@
         </p:blipFill>
         <p:spPr>
           <a:xfrm>
-            <a:off x="1334945" y="4119564"/>
-            <a:ext cx="3320928" cy="2373311"/>
+            <a:off x="2466776" y="4738362"/>
+            <a:ext cx="2965968" cy="2119638"/>
           </a:xfrm>
           <a:prstGeom prst="rect">
             <a:avLst/>
@@ -17198,14 +19858,14 @@
           <p:nvPr>
             <p:extLst>
               <p:ext uri="{D42A27DB-BD31-4B8C-83A1-F6EECF244321}">
-                <p14:modId xmlns:p14="http://schemas.microsoft.com/office/powerpoint/2010/main" val="905666192"/>
+                <p14:modId xmlns:p14="http://schemas.microsoft.com/office/powerpoint/2010/main" val="1018048205"/>
               </p:ext>
             </p:extLst>
           </p:nvPr>
         </p:nvGraphicFramePr>
         <p:xfrm>
-          <a:off x="5992521" y="3966837"/>
-          <a:ext cx="2860423" cy="2098956"/>
+          <a:off x="5992521" y="4047862"/>
+          <a:ext cx="2860423" cy="2400052"/>
         </p:xfrm>
         <a:graphic>
           <a:graphicData uri="http://schemas.openxmlformats.org/drawingml/2006/chart">
@@ -17213,6 +19873,356 @@
           </a:graphicData>
         </a:graphic>
       </p:graphicFrame>
+      <p:pic>
+        <p:nvPicPr>
+          <p:cNvPr id="18" name="Graphic 17" descr="Lightbulb">
+            <a:extLst>
+              <a:ext uri="{FF2B5EF4-FFF2-40B4-BE49-F238E27FC236}">
+                <a16:creationId xmlns:a16="http://schemas.microsoft.com/office/drawing/2014/main" id="{442D39E5-3ABF-E141-934A-2BF525B1457B}"/>
+              </a:ext>
+            </a:extLst>
+          </p:cNvPr>
+          <p:cNvPicPr>
+            <a:picLocks noChangeAspect="1"/>
+          </p:cNvPicPr>
+          <p:nvPr/>
+        </p:nvPicPr>
+        <p:blipFill>
+          <a:blip r:embed="rId5">
+            <a:extLst>
+              <a:ext uri="{96DAC541-7B7A-43D3-8B79-37D633B846F1}">
+                <asvg:svgBlip xmlns:asvg="http://schemas.microsoft.com/office/drawing/2016/SVG/main" r:embed="rId6"/>
+              </a:ext>
+            </a:extLst>
+          </a:blip>
+          <a:stretch>
+            <a:fillRect/>
+          </a:stretch>
+        </p:blipFill>
+        <p:spPr>
+          <a:xfrm>
+            <a:off x="530442" y="2141400"/>
+            <a:ext cx="358879" cy="358879"/>
+          </a:xfrm>
+          <a:prstGeom prst="rect">
+            <a:avLst/>
+          </a:prstGeom>
+        </p:spPr>
+      </p:pic>
+      <p:pic>
+        <p:nvPicPr>
+          <p:cNvPr id="19" name="Graphic 18" descr="Lightbulb">
+            <a:extLst>
+              <a:ext uri="{FF2B5EF4-FFF2-40B4-BE49-F238E27FC236}">
+                <a16:creationId xmlns:a16="http://schemas.microsoft.com/office/drawing/2014/main" id="{B620C810-6412-E54A-9B35-F497593DDF63}"/>
+              </a:ext>
+            </a:extLst>
+          </p:cNvPr>
+          <p:cNvPicPr>
+            <a:picLocks noChangeAspect="1"/>
+          </p:cNvPicPr>
+          <p:nvPr/>
+        </p:nvPicPr>
+        <p:blipFill>
+          <a:blip r:embed="rId5">
+            <a:extLst>
+              <a:ext uri="{96DAC541-7B7A-43D3-8B79-37D633B846F1}">
+                <asvg:svgBlip xmlns:asvg="http://schemas.microsoft.com/office/drawing/2016/SVG/main" r:embed="rId6"/>
+              </a:ext>
+            </a:extLst>
+          </a:blip>
+          <a:stretch>
+            <a:fillRect/>
+          </a:stretch>
+        </p:blipFill>
+        <p:spPr>
+          <a:xfrm>
+            <a:off x="530440" y="3045225"/>
+            <a:ext cx="358879" cy="358879"/>
+          </a:xfrm>
+          <a:prstGeom prst="rect">
+            <a:avLst/>
+          </a:prstGeom>
+        </p:spPr>
+      </p:pic>
+      <p:pic>
+        <p:nvPicPr>
+          <p:cNvPr id="20" name="Graphic 19" descr="Lightbulb">
+            <a:extLst>
+              <a:ext uri="{FF2B5EF4-FFF2-40B4-BE49-F238E27FC236}">
+                <a16:creationId xmlns:a16="http://schemas.microsoft.com/office/drawing/2014/main" id="{AE1BEE2C-34C2-7547-A5AB-E446E467EF4C}"/>
+              </a:ext>
+            </a:extLst>
+          </p:cNvPr>
+          <p:cNvPicPr>
+            <a:picLocks noChangeAspect="1"/>
+          </p:cNvPicPr>
+          <p:nvPr/>
+        </p:nvPicPr>
+        <p:blipFill>
+          <a:blip r:embed="rId5">
+            <a:extLst>
+              <a:ext uri="{96DAC541-7B7A-43D3-8B79-37D633B846F1}">
+                <asvg:svgBlip xmlns:asvg="http://schemas.microsoft.com/office/drawing/2016/SVG/main" r:embed="rId6"/>
+              </a:ext>
+            </a:extLst>
+          </a:blip>
+          <a:stretch>
+            <a:fillRect/>
+          </a:stretch>
+        </p:blipFill>
+        <p:spPr>
+          <a:xfrm>
+            <a:off x="6088330" y="2235926"/>
+            <a:ext cx="358879" cy="358879"/>
+          </a:xfrm>
+          <a:prstGeom prst="rect">
+            <a:avLst/>
+          </a:prstGeom>
+        </p:spPr>
+      </p:pic>
+      <p:pic>
+        <p:nvPicPr>
+          <p:cNvPr id="21" name="Graphic 20" descr="Lightbulb">
+            <a:extLst>
+              <a:ext uri="{FF2B5EF4-FFF2-40B4-BE49-F238E27FC236}">
+                <a16:creationId xmlns:a16="http://schemas.microsoft.com/office/drawing/2014/main" id="{402CA333-2D3F-E84A-9FFD-261F09EAA35A}"/>
+              </a:ext>
+            </a:extLst>
+          </p:cNvPr>
+          <p:cNvPicPr>
+            <a:picLocks noChangeAspect="1"/>
+          </p:cNvPicPr>
+          <p:nvPr/>
+        </p:nvPicPr>
+        <p:blipFill>
+          <a:blip r:embed="rId5">
+            <a:extLst>
+              <a:ext uri="{96DAC541-7B7A-43D3-8B79-37D633B846F1}">
+                <asvg:svgBlip xmlns:asvg="http://schemas.microsoft.com/office/drawing/2016/SVG/main" r:embed="rId6"/>
+              </a:ext>
+            </a:extLst>
+          </a:blip>
+          <a:stretch>
+            <a:fillRect/>
+          </a:stretch>
+        </p:blipFill>
+        <p:spPr>
+          <a:xfrm>
+            <a:off x="530439" y="4222646"/>
+            <a:ext cx="358879" cy="358879"/>
+          </a:xfrm>
+          <a:prstGeom prst="rect">
+            <a:avLst/>
+          </a:prstGeom>
+        </p:spPr>
+      </p:pic>
+      <p:pic>
+        <p:nvPicPr>
+          <p:cNvPr id="23" name="Graphic 22" descr="Lightbulb">
+            <a:extLst>
+              <a:ext uri="{FF2B5EF4-FFF2-40B4-BE49-F238E27FC236}">
+                <a16:creationId xmlns:a16="http://schemas.microsoft.com/office/drawing/2014/main" id="{6DDDAA5F-914C-D148-B311-13EF69AE8618}"/>
+              </a:ext>
+            </a:extLst>
+          </p:cNvPr>
+          <p:cNvPicPr>
+            <a:picLocks noChangeAspect="1"/>
+          </p:cNvPicPr>
+          <p:nvPr/>
+        </p:nvPicPr>
+        <p:blipFill>
+          <a:blip r:embed="rId5">
+            <a:extLst>
+              <a:ext uri="{96DAC541-7B7A-43D3-8B79-37D633B846F1}">
+                <asvg:svgBlip xmlns:asvg="http://schemas.microsoft.com/office/drawing/2016/SVG/main" r:embed="rId6"/>
+              </a:ext>
+            </a:extLst>
+          </a:blip>
+          <a:stretch>
+            <a:fillRect/>
+          </a:stretch>
+        </p:blipFill>
+        <p:spPr>
+          <a:xfrm>
+            <a:off x="6088330" y="2865755"/>
+            <a:ext cx="358879" cy="358879"/>
+          </a:xfrm>
+          <a:prstGeom prst="rect">
+            <a:avLst/>
+          </a:prstGeom>
+        </p:spPr>
+      </p:pic>
+      <p:pic>
+        <p:nvPicPr>
+          <p:cNvPr id="24" name="Graphic 23" descr="Lightbulb">
+            <a:extLst>
+              <a:ext uri="{FF2B5EF4-FFF2-40B4-BE49-F238E27FC236}">
+                <a16:creationId xmlns:a16="http://schemas.microsoft.com/office/drawing/2014/main" id="{50B54B39-6621-E741-AE25-96E9AACE9393}"/>
+              </a:ext>
+            </a:extLst>
+          </p:cNvPr>
+          <p:cNvPicPr>
+            <a:picLocks noChangeAspect="1"/>
+          </p:cNvPicPr>
+          <p:nvPr/>
+        </p:nvPicPr>
+        <p:blipFill>
+          <a:blip r:embed="rId5">
+            <a:extLst>
+              <a:ext uri="{96DAC541-7B7A-43D3-8B79-37D633B846F1}">
+                <asvg:svgBlip xmlns:asvg="http://schemas.microsoft.com/office/drawing/2016/SVG/main" r:embed="rId6"/>
+              </a:ext>
+            </a:extLst>
+          </a:blip>
+          <a:stretch>
+            <a:fillRect/>
+          </a:stretch>
+        </p:blipFill>
+        <p:spPr>
+          <a:xfrm>
+            <a:off x="6096000" y="3379839"/>
+            <a:ext cx="358879" cy="358879"/>
+          </a:xfrm>
+          <a:prstGeom prst="rect">
+            <a:avLst/>
+          </a:prstGeom>
+        </p:spPr>
+      </p:pic>
+      <p:sp>
+        <p:nvSpPr>
+          <p:cNvPr id="25" name="TextBox 1">
+            <a:extLst>
+              <a:ext uri="{FF2B5EF4-FFF2-40B4-BE49-F238E27FC236}">
+                <a16:creationId xmlns:a16="http://schemas.microsoft.com/office/drawing/2014/main" id="{A72614E6-1058-3B4E-8FA7-EBC39EEEBEA4}"/>
+              </a:ext>
+            </a:extLst>
+          </p:cNvPr>
+          <p:cNvSpPr txBox="1"/>
+          <p:nvPr/>
+        </p:nvSpPr>
+        <p:spPr>
+          <a:xfrm>
+            <a:off x="10185394" y="5406369"/>
+            <a:ext cx="905718" cy="470006"/>
+          </a:xfrm>
+          <a:prstGeom prst="rect">
+            <a:avLst/>
+          </a:prstGeom>
+        </p:spPr>
+        <p:txBody>
+          <a:bodyPr wrap="square" rtlCol="0"/>
+          <a:lstStyle>
+            <a:lvl1pPr marL="0" indent="0">
+              <a:defRPr sz="1100">
+                <a:latin typeface="+mn-lt"/>
+                <a:ea typeface="+mn-ea"/>
+                <a:cs typeface="+mn-cs"/>
+              </a:defRPr>
+            </a:lvl1pPr>
+            <a:lvl2pPr marL="457200" indent="0">
+              <a:defRPr sz="1100">
+                <a:latin typeface="+mn-lt"/>
+                <a:ea typeface="+mn-ea"/>
+                <a:cs typeface="+mn-cs"/>
+              </a:defRPr>
+            </a:lvl2pPr>
+            <a:lvl3pPr marL="914400" indent="0">
+              <a:defRPr sz="1100">
+                <a:latin typeface="+mn-lt"/>
+                <a:ea typeface="+mn-ea"/>
+                <a:cs typeface="+mn-cs"/>
+              </a:defRPr>
+            </a:lvl3pPr>
+            <a:lvl4pPr marL="1371600" indent="0">
+              <a:defRPr sz="1100">
+                <a:latin typeface="+mn-lt"/>
+                <a:ea typeface="+mn-ea"/>
+                <a:cs typeface="+mn-cs"/>
+              </a:defRPr>
+            </a:lvl4pPr>
+            <a:lvl5pPr marL="1828800" indent="0">
+              <a:defRPr sz="1100">
+                <a:latin typeface="+mn-lt"/>
+                <a:ea typeface="+mn-ea"/>
+                <a:cs typeface="+mn-cs"/>
+              </a:defRPr>
+            </a:lvl5pPr>
+            <a:lvl6pPr marL="2286000" indent="0">
+              <a:defRPr sz="1100">
+                <a:latin typeface="+mn-lt"/>
+                <a:ea typeface="+mn-ea"/>
+                <a:cs typeface="+mn-cs"/>
+              </a:defRPr>
+            </a:lvl6pPr>
+            <a:lvl7pPr marL="2743200" indent="0">
+              <a:defRPr sz="1100">
+                <a:latin typeface="+mn-lt"/>
+                <a:ea typeface="+mn-ea"/>
+                <a:cs typeface="+mn-cs"/>
+              </a:defRPr>
+            </a:lvl7pPr>
+            <a:lvl8pPr marL="3200400" indent="0">
+              <a:defRPr sz="1100">
+                <a:latin typeface="+mn-lt"/>
+                <a:ea typeface="+mn-ea"/>
+                <a:cs typeface="+mn-cs"/>
+              </a:defRPr>
+            </a:lvl8pPr>
+            <a:lvl9pPr marL="3657600" indent="0">
+              <a:defRPr sz="1100">
+                <a:latin typeface="+mn-lt"/>
+                <a:ea typeface="+mn-ea"/>
+                <a:cs typeface="+mn-cs"/>
+              </a:defRPr>
+            </a:lvl9pPr>
+          </a:lstStyle>
+          <a:p>
+            <a:pPr algn="ctr"/>
+            <a:r>
+              <a:rPr lang="en-US" b="1" dirty="0"/>
+              <a:t>RETURN CUSTOMER</a:t>
+            </a:r>
+            <a:endParaRPr lang="en-US" sz="1100" b="1" dirty="0"/>
+          </a:p>
+        </p:txBody>
+      </p:sp>
+      <p:pic>
+        <p:nvPicPr>
+          <p:cNvPr id="26" name="Graphic 25" descr="Lightbulb">
+            <a:extLst>
+              <a:ext uri="{FF2B5EF4-FFF2-40B4-BE49-F238E27FC236}">
+                <a16:creationId xmlns:a16="http://schemas.microsoft.com/office/drawing/2014/main" id="{03F1D714-941D-C242-98E2-0DA87CA02EC7}"/>
+              </a:ext>
+            </a:extLst>
+          </p:cNvPr>
+          <p:cNvPicPr>
+            <a:picLocks noChangeAspect="1"/>
+          </p:cNvPicPr>
+          <p:nvPr/>
+        </p:nvPicPr>
+        <p:blipFill>
+          <a:blip r:embed="rId5">
+            <a:extLst>
+              <a:ext uri="{96DAC541-7B7A-43D3-8B79-37D633B846F1}">
+                <asvg:svgBlip xmlns:asvg="http://schemas.microsoft.com/office/drawing/2016/SVG/main" r:embed="rId6"/>
+              </a:ext>
+            </a:extLst>
+          </a:blip>
+          <a:stretch>
+            <a:fillRect/>
+          </a:stretch>
+        </p:blipFill>
+        <p:spPr>
+          <a:xfrm>
+            <a:off x="530440" y="3560216"/>
+            <a:ext cx="358879" cy="358879"/>
+          </a:xfrm>
+          <a:prstGeom prst="rect">
+            <a:avLst/>
+          </a:prstGeom>
+        </p:spPr>
+      </p:pic>
     </p:spTree>
     <p:extLst>
       <p:ext uri="{BB962C8B-B14F-4D97-AF65-F5344CB8AC3E}">
@@ -18135,6 +21145,9 @@
             </a:lvl9pPr>
           </a:lstStyle>
           <a:p>
+            <a:pPr marL="0" indent="0">
+              <a:buNone/>
+            </a:pPr>
             <a:r>
               <a:rPr lang="en-US" sz="2100" dirty="0"/>
               <a:t>Jumpman23 is an on-demand delivery platform connecting “</a:t>
@@ -18149,18 +21162,45 @@
             </a:r>
           </a:p>
           <a:p>
+            <a:pPr marL="0" indent="0">
+              <a:buNone/>
+            </a:pPr>
+            <a:endParaRPr lang="en-US" sz="100" dirty="0"/>
+          </a:p>
+          <a:p>
+            <a:pPr marL="0" indent="0">
+              <a:buNone/>
+            </a:pPr>
             <a:r>
               <a:rPr lang="en-US" sz="2100" dirty="0"/>
               <a:t>Jumpmen are sent to merchants to pickup any items requested by the customer. </a:t>
             </a:r>
           </a:p>
           <a:p>
+            <a:pPr marL="0" indent="0">
+              <a:buNone/>
+            </a:pPr>
+            <a:endParaRPr lang="en-US" sz="100" dirty="0"/>
+          </a:p>
+          <a:p>
+            <a:pPr marL="0" indent="0">
+              <a:buNone/>
+            </a:pPr>
             <a:r>
               <a:rPr lang="en-US" sz="2100" dirty="0"/>
-              <a:t>Whenever possible, Jumpman23 will order the  requested items ahead to save the Jumpmen time. </a:t>
-            </a:r>
-          </a:p>
-          <a:p>
+              <a:t>Whenever possible, Jumpman23 will order the  requested items ahead to save the Jumpmen time.</a:t>
+            </a:r>
+          </a:p>
+          <a:p>
+            <a:pPr marL="0" indent="0">
+              <a:buNone/>
+            </a:pPr>
+            <a:endParaRPr lang="en-US" sz="100" dirty="0"/>
+          </a:p>
+          <a:p>
+            <a:pPr marL="0" indent="0">
+              <a:buNone/>
+            </a:pPr>
             <a:r>
               <a:rPr lang="en-US" sz="2100" dirty="0"/>
               <a:t>Each time a Jumpman23 delivery is  completed, a record is saved to the Jumpman23. </a:t>
@@ -18320,41 +21360,6 @@
       </p:sp>
       <p:pic>
         <p:nvPicPr>
-          <p:cNvPr id="4" name="slide2" descr="Pickup">
-            <a:extLst>
-              <a:ext uri="{FF2B5EF4-FFF2-40B4-BE49-F238E27FC236}">
-                <a16:creationId xmlns:a16="http://schemas.microsoft.com/office/drawing/2014/main" id="{7F02E02E-6222-D147-98D0-687819BA61CF}"/>
-              </a:ext>
-            </a:extLst>
-          </p:cNvPr>
-          <p:cNvPicPr>
-            <a:picLocks noChangeAspect="1"/>
-          </p:cNvPicPr>
-          <p:nvPr/>
-        </p:nvPicPr>
-        <p:blipFill rotWithShape="1">
-          <a:blip r:embed="rId3">
-            <a:extLst>
-              <a:ext uri="{28A0092B-C50C-407E-A947-70E740481C1C}">
-                <a14:useLocalDpi xmlns:a14="http://schemas.microsoft.com/office/drawing/2010/main" val="0"/>
-              </a:ext>
-            </a:extLst>
-          </a:blip>
-          <a:srcRect l="-1" r="42097"/>
-          <a:stretch/>
-        </p:blipFill>
-        <p:spPr>
-          <a:xfrm>
-            <a:off x="6539696" y="2779689"/>
-            <a:ext cx="3568228" cy="3567638"/>
-          </a:xfrm>
-          <a:prstGeom prst="rect">
-            <a:avLst/>
-          </a:prstGeom>
-        </p:spPr>
-      </p:pic>
-      <p:pic>
-        <p:nvPicPr>
           <p:cNvPr id="7" name="Picture 6">
             <a:extLst>
               <a:ext uri="{FF2B5EF4-FFF2-40B4-BE49-F238E27FC236}">
@@ -18368,15 +21373,15 @@
           <p:nvPr/>
         </p:nvPicPr>
         <p:blipFill>
-          <a:blip r:embed="rId4"/>
+          <a:blip r:embed="rId3"/>
           <a:stretch>
             <a:fillRect/>
           </a:stretch>
         </p:blipFill>
         <p:spPr>
           <a:xfrm>
-            <a:off x="1018572" y="3934563"/>
-            <a:ext cx="3652838" cy="2373311"/>
+            <a:off x="6671349" y="2291533"/>
+            <a:ext cx="4600960" cy="2989322"/>
           </a:xfrm>
           <a:prstGeom prst="rect">
             <a:avLst/>
@@ -18397,8 +21402,8 @@
         </p:nvSpPr>
         <p:spPr>
           <a:xfrm>
-            <a:off x="1018572" y="1840375"/>
-            <a:ext cx="4595150" cy="369332"/>
+            <a:off x="7025484" y="1655023"/>
+            <a:ext cx="4815766" cy="369332"/>
           </a:xfrm>
           <a:prstGeom prst="rect">
             <a:avLst/>
@@ -18411,52 +21416,10 @@
           </a:bodyPr>
           <a:lstStyle/>
           <a:p>
-            <a:r>
-              <a:rPr lang="en-US" dirty="0">
-                <a:solidFill>
-                  <a:srgbClr val="FF0000"/>
-                </a:solidFill>
-              </a:rPr>
-              <a:t>What are the key findings?</a:t>
-            </a:r>
-          </a:p>
-        </p:txBody>
-      </p:sp>
-      <p:sp>
-        <p:nvSpPr>
-          <p:cNvPr id="10" name="TextBox 9">
-            <a:extLst>
-              <a:ext uri="{FF2B5EF4-FFF2-40B4-BE49-F238E27FC236}">
-                <a16:creationId xmlns:a16="http://schemas.microsoft.com/office/drawing/2014/main" id="{A3497F13-9E83-F742-A50B-9206278C11BF}"/>
-              </a:ext>
-            </a:extLst>
-          </p:cNvPr>
-          <p:cNvSpPr txBox="1"/>
-          <p:nvPr/>
-        </p:nvSpPr>
-        <p:spPr>
-          <a:xfrm>
-            <a:off x="6758650" y="1865856"/>
-            <a:ext cx="4595150" cy="369332"/>
-          </a:xfrm>
-          <a:prstGeom prst="rect">
-            <a:avLst/>
-          </a:prstGeom>
-          <a:noFill/>
-        </p:spPr>
-        <p:txBody>
-          <a:bodyPr wrap="square" rtlCol="0">
-            <a:spAutoFit/>
-          </a:bodyPr>
-          <a:lstStyle/>
-          <a:p>
-            <a:r>
-              <a:rPr lang="en-US" dirty="0">
-                <a:solidFill>
-                  <a:srgbClr val="FF0000"/>
-                </a:solidFill>
-              </a:rPr>
-              <a:t>What are the key findings?</a:t>
+            <a:pPr algn="ctr"/>
+            <a:r>
+              <a:rPr lang="en-US" dirty="0"/>
+              <a:t>Average Jumpmen wait time is almost 18 minutes</a:t>
             </a:r>
           </a:p>
         </p:txBody>
@@ -18472,14 +21435,13 @@
           </p:cNvPr>
           <p:cNvCxnSpPr>
             <a:cxnSpLocks/>
-            <a:stCxn id="9" idx="3"/>
           </p:cNvCxnSpPr>
           <p:nvPr/>
         </p:nvCxnSpPr>
         <p:spPr>
           <a:xfrm>
-            <a:off x="5613722" y="2025041"/>
-            <a:ext cx="0" cy="4213713"/>
+            <a:off x="6188597" y="2444061"/>
+            <a:ext cx="0" cy="4075213"/>
           </a:xfrm>
           <a:prstGeom prst="line">
             <a:avLst/>
@@ -18500,6 +21462,149 @@
           </a:fontRef>
         </p:style>
       </p:cxnSp>
+      <p:sp>
+        <p:nvSpPr>
+          <p:cNvPr id="15" name="TextBox 14">
+            <a:extLst>
+              <a:ext uri="{FF2B5EF4-FFF2-40B4-BE49-F238E27FC236}">
+                <a16:creationId xmlns:a16="http://schemas.microsoft.com/office/drawing/2014/main" id="{B7540A6E-F9C2-5A4C-94C2-9AB987C04FC6}"/>
+              </a:ext>
+            </a:extLst>
+          </p:cNvPr>
+          <p:cNvSpPr txBox="1"/>
+          <p:nvPr/>
+        </p:nvSpPr>
+        <p:spPr>
+          <a:xfrm>
+            <a:off x="297241" y="1516524"/>
+            <a:ext cx="5798759" cy="646331"/>
+          </a:xfrm>
+          <a:prstGeom prst="rect">
+            <a:avLst/>
+          </a:prstGeom>
+          <a:noFill/>
+        </p:spPr>
+        <p:txBody>
+          <a:bodyPr wrap="square" rtlCol="0">
+            <a:spAutoFit/>
+          </a:bodyPr>
+          <a:lstStyle/>
+          <a:p>
+            <a:pPr algn="ctr"/>
+            <a:r>
+              <a:rPr lang="en-US" dirty="0"/>
+              <a:t>Some of the most popular restaurants can be found in the East Village, SoHo, and Lower East Side neighborhoods</a:t>
+            </a:r>
+          </a:p>
+        </p:txBody>
+      </p:sp>
+      <p:pic>
+        <p:nvPicPr>
+          <p:cNvPr id="16" name="slide2" descr="Sheet 1">
+            <a:extLst>
+              <a:ext uri="{FF2B5EF4-FFF2-40B4-BE49-F238E27FC236}">
+                <a16:creationId xmlns:a16="http://schemas.microsoft.com/office/drawing/2014/main" id="{AEA542AC-B527-5E41-87F3-2F42A43A83F7}"/>
+              </a:ext>
+            </a:extLst>
+          </p:cNvPr>
+          <p:cNvPicPr>
+            <a:picLocks noChangeAspect="1"/>
+          </p:cNvPicPr>
+          <p:nvPr/>
+        </p:nvPicPr>
+        <p:blipFill rotWithShape="1">
+          <a:blip r:embed="rId4">
+            <a:extLst>
+              <a:ext uri="{28A0092B-C50C-407E-A947-70E740481C1C}">
+                <a14:useLocalDpi xmlns:a14="http://schemas.microsoft.com/office/drawing/2010/main" val="0"/>
+              </a:ext>
+            </a:extLst>
+          </a:blip>
+          <a:srcRect l="42147" t="4458" b="8500"/>
+          <a:stretch/>
+        </p:blipFill>
+        <p:spPr>
+          <a:xfrm>
+            <a:off x="412990" y="2162855"/>
+            <a:ext cx="5228740" cy="4365945"/>
+          </a:xfrm>
+          <a:prstGeom prst="rect">
+            <a:avLst/>
+          </a:prstGeom>
+        </p:spPr>
+      </p:pic>
+      <p:pic>
+        <p:nvPicPr>
+          <p:cNvPr id="22" name="Picture 21" descr="Table&#10;&#10;Description automatically generated">
+            <a:extLst>
+              <a:ext uri="{FF2B5EF4-FFF2-40B4-BE49-F238E27FC236}">
+                <a16:creationId xmlns:a16="http://schemas.microsoft.com/office/drawing/2014/main" id="{266F21FF-4D4E-4E4C-A993-C6E90711C85E}"/>
+              </a:ext>
+            </a:extLst>
+          </p:cNvPr>
+          <p:cNvPicPr>
+            <a:picLocks noChangeAspect="1"/>
+          </p:cNvPicPr>
+          <p:nvPr/>
+        </p:nvPicPr>
+        <p:blipFill>
+          <a:blip r:embed="rId5"/>
+          <a:stretch>
+            <a:fillRect/>
+          </a:stretch>
+        </p:blipFill>
+        <p:spPr>
+          <a:xfrm>
+            <a:off x="9264427" y="2980586"/>
+            <a:ext cx="1256960" cy="1374800"/>
+          </a:xfrm>
+          <a:prstGeom prst="rect">
+            <a:avLst/>
+          </a:prstGeom>
+          <a:ln>
+            <a:solidFill>
+              <a:schemeClr val="bg2">
+                <a:lumMod val="90000"/>
+              </a:schemeClr>
+            </a:solidFill>
+          </a:ln>
+        </p:spPr>
+      </p:pic>
+      <p:sp>
+        <p:nvSpPr>
+          <p:cNvPr id="23" name="TextBox 22">
+            <a:extLst>
+              <a:ext uri="{FF2B5EF4-FFF2-40B4-BE49-F238E27FC236}">
+                <a16:creationId xmlns:a16="http://schemas.microsoft.com/office/drawing/2014/main" id="{D889F8F1-3CDA-B94E-9E06-9DEAADF588FC}"/>
+              </a:ext>
+            </a:extLst>
+          </p:cNvPr>
+          <p:cNvSpPr txBox="1"/>
+          <p:nvPr/>
+        </p:nvSpPr>
+        <p:spPr>
+          <a:xfrm>
+            <a:off x="6671349" y="5595944"/>
+            <a:ext cx="4815766" cy="923330"/>
+          </a:xfrm>
+          <a:prstGeom prst="rect">
+            <a:avLst/>
+          </a:prstGeom>
+          <a:noFill/>
+        </p:spPr>
+        <p:txBody>
+          <a:bodyPr wrap="square" rtlCol="0">
+            <a:spAutoFit/>
+          </a:bodyPr>
+          <a:lstStyle/>
+          <a:p>
+            <a:r>
+              <a:rPr lang="en-US" dirty="0"/>
+              <a:t>The right skew indicates inefficiency. I recommend a partnership model to decrease time spend at restaurants</a:t>
+            </a:r>
+          </a:p>
+        </p:txBody>
+      </p:sp>
     </p:spTree>
     <p:extLst>
       <p:ext uri="{BB962C8B-B14F-4D97-AF65-F5344CB8AC3E}">

--- a/Stephen_Stark_Analysis.pptx
+++ b/Stephen_Stark_Analysis.pptx
@@ -5,7 +5,7 @@
     <p:sldMasterId id="2147483648" r:id="rId1"/>
   </p:sldMasterIdLst>
   <p:notesMasterIdLst>
-    <p:notesMasterId r:id="rId23"/>
+    <p:notesMasterId r:id="rId22"/>
   </p:notesMasterIdLst>
   <p:sldIdLst>
     <p:sldId id="256" r:id="rId2"/>
@@ -19,16 +19,15 @@
     <p:sldId id="273" r:id="rId10"/>
     <p:sldId id="278" r:id="rId11"/>
     <p:sldId id="260" r:id="rId12"/>
-    <p:sldId id="280" r:id="rId13"/>
-    <p:sldId id="263" r:id="rId14"/>
-    <p:sldId id="264" r:id="rId15"/>
-    <p:sldId id="265" r:id="rId16"/>
-    <p:sldId id="267" r:id="rId17"/>
-    <p:sldId id="269" r:id="rId18"/>
-    <p:sldId id="261" r:id="rId19"/>
-    <p:sldId id="259" r:id="rId20"/>
-    <p:sldId id="279" r:id="rId21"/>
-    <p:sldId id="275" r:id="rId22"/>
+    <p:sldId id="281" r:id="rId13"/>
+    <p:sldId id="280" r:id="rId14"/>
+    <p:sldId id="283" r:id="rId15"/>
+    <p:sldId id="263" r:id="rId16"/>
+    <p:sldId id="264" r:id="rId17"/>
+    <p:sldId id="285" r:id="rId18"/>
+    <p:sldId id="284" r:id="rId19"/>
+    <p:sldId id="265" r:id="rId20"/>
+    <p:sldId id="267" r:id="rId21"/>
   </p:sldIdLst>
   <p:sldSz cx="12192000" cy="6858000"/>
   <p:notesSz cx="6858000" cy="9144000"/>
@@ -721,6 +720,11 @@
               </a:ln>
               <a:effectLst/>
             </c:spPr>
+            <c:extLst>
+              <c:ext xmlns:c16="http://schemas.microsoft.com/office/drawing/2014/chart" uri="{C3380CC4-5D6E-409C-BE32-E72D297353CC}">
+                <c16:uniqueId val="{00000001-9D3F-D04C-9365-54010EEB25C2}"/>
+              </c:ext>
+            </c:extLst>
           </c:dPt>
           <c:dPt>
             <c:idx val="1"/>
@@ -736,6 +740,11 @@
               </a:ln>
               <a:effectLst/>
             </c:spPr>
+            <c:extLst>
+              <c:ext xmlns:c16="http://schemas.microsoft.com/office/drawing/2014/chart" uri="{C3380CC4-5D6E-409C-BE32-E72D297353CC}">
+                <c16:uniqueId val="{00000003-9D3F-D04C-9365-54010EEB25C2}"/>
+              </c:ext>
+            </c:extLst>
           </c:dPt>
           <c:cat>
             <c:strRef>
@@ -768,7 +777,7 @@
           </c:val>
           <c:extLst>
             <c:ext xmlns:c16="http://schemas.microsoft.com/office/drawing/2014/chart" uri="{C3380CC4-5D6E-409C-BE32-E72D297353CC}">
-              <c16:uniqueId val="{00000000-D25B-C54C-9D4C-465CBA76CCF1}"/>
+              <c16:uniqueId val="{00000004-9D3F-D04C-9365-54010EEB25C2}"/>
             </c:ext>
           </c:extLst>
         </c:ser>
@@ -791,416 +800,6 @@
         <a:effectLst/>
       </c:spPr>
     </c:plotArea>
-    <c:plotVisOnly val="1"/>
-    <c:dispBlanksAs val="gap"/>
-    <c:extLst>
-      <c:ext xmlns:c16r3="http://schemas.microsoft.com/office/drawing/2017/03/chart" uri="{56B9EC1D-385E-4148-901F-78D8002777C0}">
-        <c16r3:dataDisplayOptions16>
-          <c16r3:dispNaAsBlank val="1"/>
-        </c16r3:dataDisplayOptions16>
-      </c:ext>
-    </c:extLst>
-    <c:showDLblsOverMax val="0"/>
-  </c:chart>
-  <c:spPr>
-    <a:noFill/>
-    <a:ln>
-      <a:noFill/>
-    </a:ln>
-    <a:effectLst/>
-  </c:spPr>
-  <c:txPr>
-    <a:bodyPr/>
-    <a:lstStyle/>
-    <a:p>
-      <a:pPr>
-        <a:defRPr/>
-      </a:pPr>
-      <a:endParaRPr lang="en-US"/>
-    </a:p>
-  </c:txPr>
-  <c:externalData r:id="rId3">
-    <c:autoUpdate val="0"/>
-  </c:externalData>
-</c:chartSpace>
-</file>
-
-<file path=ppt/charts/chart4.xml><?xml version="1.0" encoding="utf-8"?>
-<c:chartSpace xmlns:c="http://schemas.openxmlformats.org/drawingml/2006/chart" xmlns:a="http://schemas.openxmlformats.org/drawingml/2006/main" xmlns:r="http://schemas.openxmlformats.org/officeDocument/2006/relationships" xmlns:c16r2="http://schemas.microsoft.com/office/drawing/2015/06/chart">
-  <c:date1904 val="0"/>
-  <c:lang val="en-US"/>
-  <c:roundedCorners val="0"/>
-  <mc:AlternateContent xmlns:mc="http://schemas.openxmlformats.org/markup-compatibility/2006">
-    <mc:Choice xmlns:c14="http://schemas.microsoft.com/office/drawing/2007/8/2/chart" Requires="c14">
-      <c14:style val="102"/>
-    </mc:Choice>
-    <mc:Fallback>
-      <c:style val="2"/>
-    </mc:Fallback>
-  </mc:AlternateContent>
-  <c:chart>
-    <c:title>
-      <c:overlay val="0"/>
-      <c:spPr>
-        <a:noFill/>
-        <a:ln>
-          <a:noFill/>
-        </a:ln>
-        <a:effectLst/>
-      </c:spPr>
-      <c:txPr>
-        <a:bodyPr rot="0" spcFirstLastPara="1" vertOverflow="ellipsis" vert="horz" wrap="square" anchor="ctr" anchorCtr="1"/>
-        <a:lstStyle/>
-        <a:p>
-          <a:pPr>
-            <a:defRPr sz="1862" b="0" i="0" u="none" strike="noStrike" kern="1200" spc="0" baseline="0">
-              <a:solidFill>
-                <a:schemeClr val="tx1">
-                  <a:lumMod val="65000"/>
-                  <a:lumOff val="35000"/>
-                </a:schemeClr>
-              </a:solidFill>
-              <a:latin typeface="+mn-lt"/>
-              <a:ea typeface="+mn-ea"/>
-              <a:cs typeface="+mn-cs"/>
-            </a:defRPr>
-          </a:pPr>
-          <a:endParaRPr lang="en-US"/>
-        </a:p>
-      </c:txPr>
-    </c:title>
-    <c:autoTitleDeleted val="0"/>
-    <c:plotArea>
-      <c:layout/>
-      <c:pieChart>
-        <c:varyColors val="1"/>
-        <c:ser>
-          <c:idx val="0"/>
-          <c:order val="0"/>
-          <c:tx>
-            <c:strRef>
-              <c:f>Sheet1!$B$1</c:f>
-              <c:strCache>
-                <c:ptCount val="1"/>
-                <c:pt idx="0">
-                  <c:v>Vehicle Type Count</c:v>
-                </c:pt>
-              </c:strCache>
-            </c:strRef>
-          </c:tx>
-          <c:dPt>
-            <c:idx val="0"/>
-            <c:bubble3D val="0"/>
-            <c:spPr>
-              <a:solidFill>
-                <a:schemeClr val="accent1"/>
-              </a:solidFill>
-              <a:ln w="19050">
-                <a:solidFill>
-                  <a:schemeClr val="lt1"/>
-                </a:solidFill>
-              </a:ln>
-              <a:effectLst/>
-            </c:spPr>
-            <c:extLst>
-              <c:ext xmlns:c16="http://schemas.microsoft.com/office/drawing/2014/chart" uri="{C3380CC4-5D6E-409C-BE32-E72D297353CC}">
-                <c16:uniqueId val="{00000001-A63B-4E47-9249-E102F8FCC79B}"/>
-              </c:ext>
-            </c:extLst>
-          </c:dPt>
-          <c:dPt>
-            <c:idx val="1"/>
-            <c:bubble3D val="0"/>
-            <c:spPr>
-              <a:solidFill>
-                <a:schemeClr val="accent2"/>
-              </a:solidFill>
-              <a:ln w="19050">
-                <a:solidFill>
-                  <a:schemeClr val="lt1"/>
-                </a:solidFill>
-              </a:ln>
-              <a:effectLst/>
-            </c:spPr>
-            <c:extLst>
-              <c:ext xmlns:c16="http://schemas.microsoft.com/office/drawing/2014/chart" uri="{C3380CC4-5D6E-409C-BE32-E72D297353CC}">
-                <c16:uniqueId val="{00000003-A63B-4E47-9249-E102F8FCC79B}"/>
-              </c:ext>
-            </c:extLst>
-          </c:dPt>
-          <c:dPt>
-            <c:idx val="2"/>
-            <c:bubble3D val="0"/>
-            <c:spPr>
-              <a:solidFill>
-                <a:schemeClr val="accent3"/>
-              </a:solidFill>
-              <a:ln w="19050">
-                <a:solidFill>
-                  <a:schemeClr val="lt1"/>
-                </a:solidFill>
-              </a:ln>
-              <a:effectLst/>
-            </c:spPr>
-            <c:extLst>
-              <c:ext xmlns:c16="http://schemas.microsoft.com/office/drawing/2014/chart" uri="{C3380CC4-5D6E-409C-BE32-E72D297353CC}">
-                <c16:uniqueId val="{00000005-A63B-4E47-9249-E102F8FCC79B}"/>
-              </c:ext>
-            </c:extLst>
-          </c:dPt>
-          <c:dPt>
-            <c:idx val="3"/>
-            <c:bubble3D val="0"/>
-            <c:spPr>
-              <a:solidFill>
-                <a:schemeClr val="accent4"/>
-              </a:solidFill>
-              <a:ln w="19050">
-                <a:solidFill>
-                  <a:schemeClr val="lt1"/>
-                </a:solidFill>
-              </a:ln>
-              <a:effectLst/>
-            </c:spPr>
-            <c:extLst>
-              <c:ext xmlns:c16="http://schemas.microsoft.com/office/drawing/2014/chart" uri="{C3380CC4-5D6E-409C-BE32-E72D297353CC}">
-                <c16:uniqueId val="{00000007-A63B-4E47-9249-E102F8FCC79B}"/>
-              </c:ext>
-            </c:extLst>
-          </c:dPt>
-          <c:dPt>
-            <c:idx val="4"/>
-            <c:bubble3D val="0"/>
-            <c:spPr>
-              <a:solidFill>
-                <a:schemeClr val="accent5"/>
-              </a:solidFill>
-              <a:ln w="19050">
-                <a:solidFill>
-                  <a:schemeClr val="lt1"/>
-                </a:solidFill>
-              </a:ln>
-              <a:effectLst/>
-            </c:spPr>
-            <c:extLst>
-              <c:ext xmlns:c16="http://schemas.microsoft.com/office/drawing/2014/chart" uri="{C3380CC4-5D6E-409C-BE32-E72D297353CC}">
-                <c16:uniqueId val="{00000009-A63B-4E47-9249-E102F8FCC79B}"/>
-              </c:ext>
-            </c:extLst>
-          </c:dPt>
-          <c:dPt>
-            <c:idx val="5"/>
-            <c:bubble3D val="0"/>
-            <c:spPr>
-              <a:solidFill>
-                <a:schemeClr val="accent6"/>
-              </a:solidFill>
-              <a:ln w="19050">
-                <a:solidFill>
-                  <a:schemeClr val="lt1"/>
-                </a:solidFill>
-              </a:ln>
-              <a:effectLst/>
-            </c:spPr>
-            <c:extLst>
-              <c:ext xmlns:c16="http://schemas.microsoft.com/office/drawing/2014/chart" uri="{C3380CC4-5D6E-409C-BE32-E72D297353CC}">
-                <c16:uniqueId val="{0000000B-A63B-4E47-9249-E102F8FCC79B}"/>
-              </c:ext>
-            </c:extLst>
-          </c:dPt>
-          <c:dPt>
-            <c:idx val="6"/>
-            <c:bubble3D val="0"/>
-            <c:spPr>
-              <a:solidFill>
-                <a:schemeClr val="accent1">
-                  <a:lumMod val="60000"/>
-                </a:schemeClr>
-              </a:solidFill>
-              <a:ln w="19050">
-                <a:solidFill>
-                  <a:schemeClr val="lt1"/>
-                </a:solidFill>
-              </a:ln>
-              <a:effectLst/>
-            </c:spPr>
-            <c:extLst>
-              <c:ext xmlns:c16="http://schemas.microsoft.com/office/drawing/2014/chart" uri="{C3380CC4-5D6E-409C-BE32-E72D297353CC}">
-                <c16:uniqueId val="{0000000D-A63B-4E47-9249-E102F8FCC79B}"/>
-              </c:ext>
-            </c:extLst>
-          </c:dPt>
-          <c:dLbls>
-            <c:spPr>
-              <a:noFill/>
-              <a:ln>
-                <a:noFill/>
-              </a:ln>
-              <a:effectLst/>
-            </c:spPr>
-            <c:txPr>
-              <a:bodyPr rot="0" spcFirstLastPara="1" vertOverflow="ellipsis" vert="horz" wrap="square" lIns="38100" tIns="19050" rIns="38100" bIns="19050" anchor="ctr" anchorCtr="1">
-                <a:spAutoFit/>
-              </a:bodyPr>
-              <a:lstStyle/>
-              <a:p>
-                <a:pPr>
-                  <a:defRPr sz="1197" b="0" i="0" u="none" strike="noStrike" kern="1200" baseline="0">
-                    <a:solidFill>
-                      <a:schemeClr val="tx1">
-                        <a:lumMod val="75000"/>
-                        <a:lumOff val="25000"/>
-                      </a:schemeClr>
-                    </a:solidFill>
-                    <a:latin typeface="+mn-lt"/>
-                    <a:ea typeface="+mn-ea"/>
-                    <a:cs typeface="+mn-cs"/>
-                  </a:defRPr>
-                </a:pPr>
-                <a:endParaRPr lang="en-US"/>
-              </a:p>
-            </c:txPr>
-            <c:showLegendKey val="0"/>
-            <c:showVal val="0"/>
-            <c:showCatName val="1"/>
-            <c:showSerName val="0"/>
-            <c:showPercent val="1"/>
-            <c:showBubbleSize val="0"/>
-            <c:separator>. </c:separator>
-            <c:showLeaderLines val="1"/>
-            <c:leaderLines>
-              <c:spPr>
-                <a:ln w="9525" cap="flat" cmpd="sng" algn="ctr">
-                  <a:solidFill>
-                    <a:schemeClr val="tx1">
-                      <a:lumMod val="35000"/>
-                      <a:lumOff val="65000"/>
-                    </a:schemeClr>
-                  </a:solidFill>
-                  <a:round/>
-                </a:ln>
-                <a:effectLst/>
-              </c:spPr>
-            </c:leaderLines>
-            <c:extLst>
-              <c:ext xmlns:c15="http://schemas.microsoft.com/office/drawing/2012/chart" uri="{CE6537A1-D6FC-4f65-9D91-7224C49458BB}"/>
-            </c:extLst>
-          </c:dLbls>
-          <c:cat>
-            <c:strRef>
-              <c:f>Sheet1!$A$2:$A$8</c:f>
-              <c:strCache>
-                <c:ptCount val="7"/>
-                <c:pt idx="0">
-                  <c:v>Bicycle</c:v>
-                </c:pt>
-                <c:pt idx="1">
-                  <c:v>Car</c:v>
-                </c:pt>
-                <c:pt idx="2">
-                  <c:v>Walker</c:v>
-                </c:pt>
-                <c:pt idx="3">
-                  <c:v>Van</c:v>
-                </c:pt>
-                <c:pt idx="4">
-                  <c:v>Scooter</c:v>
-                </c:pt>
-                <c:pt idx="5">
-                  <c:v>Truck</c:v>
-                </c:pt>
-                <c:pt idx="6">
-                  <c:v>Motorcycle</c:v>
-                </c:pt>
-              </c:strCache>
-            </c:strRef>
-          </c:cat>
-          <c:val>
-            <c:numRef>
-              <c:f>Sheet1!$B$2:$B$8</c:f>
-              <c:numCache>
-                <c:formatCode>General</c:formatCode>
-                <c:ptCount val="7"/>
-                <c:pt idx="0">
-                  <c:v>3373</c:v>
-                </c:pt>
-                <c:pt idx="1">
-                  <c:v>967</c:v>
-                </c:pt>
-                <c:pt idx="2">
-                  <c:v>209</c:v>
-                </c:pt>
-                <c:pt idx="3">
-                  <c:v>60</c:v>
-                </c:pt>
-                <c:pt idx="4">
-                  <c:v>58</c:v>
-                </c:pt>
-                <c:pt idx="5">
-                  <c:v>34</c:v>
-                </c:pt>
-                <c:pt idx="6">
-                  <c:v>18</c:v>
-                </c:pt>
-              </c:numCache>
-            </c:numRef>
-          </c:val>
-          <c:extLst>
-            <c:ext xmlns:c16="http://schemas.microsoft.com/office/drawing/2014/chart" uri="{C3380CC4-5D6E-409C-BE32-E72D297353CC}">
-              <c16:uniqueId val="{0000000E-A63B-4E47-9249-E102F8FCC79B}"/>
-            </c:ext>
-          </c:extLst>
-        </c:ser>
-        <c:dLbls>
-          <c:showLegendKey val="0"/>
-          <c:showVal val="0"/>
-          <c:showCatName val="0"/>
-          <c:showSerName val="0"/>
-          <c:showPercent val="0"/>
-          <c:showBubbleSize val="0"/>
-          <c:showLeaderLines val="1"/>
-        </c:dLbls>
-        <c:firstSliceAng val="0"/>
-      </c:pieChart>
-      <c:spPr>
-        <a:noFill/>
-        <a:ln>
-          <a:noFill/>
-        </a:ln>
-        <a:effectLst/>
-      </c:spPr>
-    </c:plotArea>
-    <c:legend>
-      <c:legendPos val="l"/>
-      <c:overlay val="0"/>
-      <c:spPr>
-        <a:noFill/>
-        <a:ln>
-          <a:noFill/>
-        </a:ln>
-        <a:effectLst/>
-      </c:spPr>
-      <c:txPr>
-        <a:bodyPr rot="0" spcFirstLastPara="1" vertOverflow="ellipsis" vert="horz" wrap="square" anchor="ctr" anchorCtr="1"/>
-        <a:lstStyle/>
-        <a:p>
-          <a:pPr>
-            <a:defRPr sz="1197" b="0" i="0" u="none" strike="noStrike" kern="1200" baseline="0">
-              <a:solidFill>
-                <a:schemeClr val="tx1">
-                  <a:lumMod val="65000"/>
-                  <a:lumOff val="35000"/>
-                </a:schemeClr>
-              </a:solidFill>
-              <a:latin typeface="+mn-lt"/>
-              <a:ea typeface="+mn-ea"/>
-              <a:cs typeface="+mn-cs"/>
-            </a:defRPr>
-          </a:pPr>
-          <a:endParaRPr lang="en-US"/>
-        </a:p>
-      </c:txPr>
-    </c:legend>
     <c:plotVisOnly val="1"/>
     <c:dispBlanksAs val="gap"/>
     <c:extLst>
@@ -1316,46 +915,6 @@
 </file>
 
 <file path=ppt/charts/colors3.xml><?xml version="1.0" encoding="utf-8"?>
-<cs:colorStyle xmlns:cs="http://schemas.microsoft.com/office/drawing/2012/chartStyle" xmlns:a="http://schemas.openxmlformats.org/drawingml/2006/main" meth="cycle" id="10">
-  <a:schemeClr val="accent1"/>
-  <a:schemeClr val="accent2"/>
-  <a:schemeClr val="accent3"/>
-  <a:schemeClr val="accent4"/>
-  <a:schemeClr val="accent5"/>
-  <a:schemeClr val="accent6"/>
-  <cs:variation/>
-  <cs:variation>
-    <a:lumMod val="60000"/>
-  </cs:variation>
-  <cs:variation>
-    <a:lumMod val="80000"/>
-    <a:lumOff val="20000"/>
-  </cs:variation>
-  <cs:variation>
-    <a:lumMod val="80000"/>
-  </cs:variation>
-  <cs:variation>
-    <a:lumMod val="60000"/>
-    <a:lumOff val="40000"/>
-  </cs:variation>
-  <cs:variation>
-    <a:lumMod val="50000"/>
-  </cs:variation>
-  <cs:variation>
-    <a:lumMod val="70000"/>
-    <a:lumOff val="30000"/>
-  </cs:variation>
-  <cs:variation>
-    <a:lumMod val="70000"/>
-  </cs:variation>
-  <cs:variation>
-    <a:lumMod val="50000"/>
-    <a:lumOff val="50000"/>
-  </cs:variation>
-</cs:colorStyle>
-</file>
-
-<file path=ppt/charts/colors4.xml><?xml version="1.0" encoding="utf-8"?>
 <cs:colorStyle xmlns:cs="http://schemas.microsoft.com/office/drawing/2012/chartStyle" xmlns:a="http://schemas.openxmlformats.org/drawingml/2006/main" meth="cycle" id="10">
   <a:schemeClr val="accent1"/>
   <a:schemeClr val="accent2"/>
@@ -2922,539 +2481,6 @@
     </cs:spPr>
   </cs:wall>
 </cs:chartStyle>
-</file>
-
-<file path=ppt/charts/style4.xml><?xml version="1.0" encoding="utf-8"?>
-<cs:chartStyle xmlns:cs="http://schemas.microsoft.com/office/drawing/2012/chartStyle" xmlns:a="http://schemas.openxmlformats.org/drawingml/2006/main" id="251">
-  <cs:axisTitle>
-    <cs:lnRef idx="0"/>
-    <cs:fillRef idx="0"/>
-    <cs:effectRef idx="0"/>
-    <cs:fontRef idx="minor">
-      <a:schemeClr val="tx1">
-        <a:lumMod val="65000"/>
-        <a:lumOff val="35000"/>
-      </a:schemeClr>
-    </cs:fontRef>
-    <cs:defRPr sz="1330" kern="1200"/>
-  </cs:axisTitle>
-  <cs:categoryAxis>
-    <cs:lnRef idx="0"/>
-    <cs:fillRef idx="0"/>
-    <cs:effectRef idx="0"/>
-    <cs:fontRef idx="minor">
-      <a:schemeClr val="tx1">
-        <a:lumMod val="65000"/>
-        <a:lumOff val="35000"/>
-      </a:schemeClr>
-    </cs:fontRef>
-    <cs:spPr>
-      <a:ln w="9525" cap="flat" cmpd="sng" algn="ctr">
-        <a:solidFill>
-          <a:schemeClr val="tx1">
-            <a:lumMod val="15000"/>
-            <a:lumOff val="85000"/>
-          </a:schemeClr>
-        </a:solidFill>
-        <a:round/>
-      </a:ln>
-    </cs:spPr>
-    <cs:defRPr sz="1197" kern="1200"/>
-  </cs:categoryAxis>
-  <cs:chartArea mods="allowNoFillOverride allowNoLineOverride">
-    <cs:lnRef idx="0"/>
-    <cs:fillRef idx="0"/>
-    <cs:effectRef idx="0"/>
-    <cs:fontRef idx="minor">
-      <a:schemeClr val="tx1"/>
-    </cs:fontRef>
-    <cs:spPr>
-      <a:solidFill>
-        <a:schemeClr val="bg1"/>
-      </a:solidFill>
-      <a:ln w="9525" cap="flat" cmpd="sng" algn="ctr">
-        <a:solidFill>
-          <a:schemeClr val="tx1">
-            <a:lumMod val="15000"/>
-            <a:lumOff val="85000"/>
-          </a:schemeClr>
-        </a:solidFill>
-        <a:round/>
-      </a:ln>
-    </cs:spPr>
-    <cs:defRPr sz="1197" kern="1200"/>
-  </cs:chartArea>
-  <cs:dataLabel>
-    <cs:lnRef idx="0"/>
-    <cs:fillRef idx="0"/>
-    <cs:effectRef idx="0"/>
-    <cs:fontRef idx="minor">
-      <a:schemeClr val="tx1">
-        <a:lumMod val="75000"/>
-        <a:lumOff val="25000"/>
-      </a:schemeClr>
-    </cs:fontRef>
-    <cs:defRPr sz="1197" kern="1200"/>
-  </cs:dataLabel>
-  <cs:dataLabelCallout>
-    <cs:lnRef idx="0"/>
-    <cs:fillRef idx="0"/>
-    <cs:effectRef idx="0"/>
-    <cs:fontRef idx="minor">
-      <a:schemeClr val="dk1">
-        <a:lumMod val="65000"/>
-        <a:lumOff val="35000"/>
-      </a:schemeClr>
-    </cs:fontRef>
-    <cs:spPr>
-      <a:solidFill>
-        <a:schemeClr val="lt1"/>
-      </a:solidFill>
-      <a:ln>
-        <a:solidFill>
-          <a:schemeClr val="dk1">
-            <a:lumMod val="25000"/>
-            <a:lumOff val="75000"/>
-          </a:schemeClr>
-        </a:solidFill>
-      </a:ln>
-    </cs:spPr>
-    <cs:defRPr sz="1197" kern="1200"/>
-    <cs:bodyPr rot="0" spcFirstLastPara="1" vertOverflow="clip" horzOverflow="clip" vert="horz" wrap="square" lIns="36576" tIns="18288" rIns="36576" bIns="18288" anchor="ctr" anchorCtr="1">
-      <a:spAutoFit/>
-    </cs:bodyPr>
-  </cs:dataLabelCallout>
-  <cs:dataPoint>
-    <cs:lnRef idx="0"/>
-    <cs:fillRef idx="1">
-      <cs:styleClr val="auto"/>
-    </cs:fillRef>
-    <cs:effectRef idx="0"/>
-    <cs:fontRef idx="minor">
-      <a:schemeClr val="tx1"/>
-    </cs:fontRef>
-    <cs:spPr>
-      <a:ln w="19050">
-        <a:solidFill>
-          <a:schemeClr val="lt1"/>
-        </a:solidFill>
-      </a:ln>
-    </cs:spPr>
-  </cs:dataPoint>
-  <cs:dataPoint3D>
-    <cs:lnRef idx="0"/>
-    <cs:fillRef idx="1">
-      <cs:styleClr val="auto"/>
-    </cs:fillRef>
-    <cs:effectRef idx="0"/>
-    <cs:fontRef idx="minor">
-      <a:schemeClr val="tx1"/>
-    </cs:fontRef>
-    <cs:spPr>
-      <a:ln w="25400">
-        <a:solidFill>
-          <a:schemeClr val="lt1"/>
-        </a:solidFill>
-      </a:ln>
-    </cs:spPr>
-  </cs:dataPoint3D>
-  <cs:dataPointLine>
-    <cs:lnRef idx="0">
-      <cs:styleClr val="auto"/>
-    </cs:lnRef>
-    <cs:fillRef idx="0"/>
-    <cs:effectRef idx="0"/>
-    <cs:fontRef idx="minor">
-      <a:schemeClr val="tx1"/>
-    </cs:fontRef>
-    <cs:spPr>
-      <a:ln w="28575" cap="rnd">
-        <a:solidFill>
-          <a:schemeClr val="phClr"/>
-        </a:solidFill>
-        <a:round/>
-      </a:ln>
-    </cs:spPr>
-  </cs:dataPointLine>
-  <cs:dataPointMarker>
-    <cs:lnRef idx="0">
-      <cs:styleClr val="auto"/>
-    </cs:lnRef>
-    <cs:fillRef idx="1">
-      <cs:styleClr val="auto"/>
-    </cs:fillRef>
-    <cs:effectRef idx="0"/>
-    <cs:fontRef idx="minor">
-      <a:schemeClr val="tx1"/>
-    </cs:fontRef>
-    <cs:spPr>
-      <a:ln w="9525">
-        <a:solidFill>
-          <a:schemeClr val="phClr"/>
-        </a:solidFill>
-      </a:ln>
-    </cs:spPr>
-  </cs:dataPointMarker>
-  <cs:dataPointMarkerLayout symbol="circle" size="5"/>
-  <cs:dataPointWireframe>
-    <cs:lnRef idx="0">
-      <cs:styleClr val="auto"/>
-    </cs:lnRef>
-    <cs:fillRef idx="0"/>
-    <cs:effectRef idx="0"/>
-    <cs:fontRef idx="minor">
-      <a:schemeClr val="tx1"/>
-    </cs:fontRef>
-    <cs:spPr>
-      <a:ln w="9525" cap="rnd">
-        <a:solidFill>
-          <a:schemeClr val="phClr"/>
-        </a:solidFill>
-        <a:round/>
-      </a:ln>
-    </cs:spPr>
-  </cs:dataPointWireframe>
-  <cs:dataTable>
-    <cs:lnRef idx="0"/>
-    <cs:fillRef idx="0"/>
-    <cs:effectRef idx="0"/>
-    <cs:fontRef idx="minor">
-      <a:schemeClr val="tx1">
-        <a:lumMod val="65000"/>
-        <a:lumOff val="35000"/>
-      </a:schemeClr>
-    </cs:fontRef>
-    <cs:spPr>
-      <a:noFill/>
-      <a:ln w="9525" cap="flat" cmpd="sng" algn="ctr">
-        <a:solidFill>
-          <a:schemeClr val="tx1">
-            <a:lumMod val="15000"/>
-            <a:lumOff val="85000"/>
-          </a:schemeClr>
-        </a:solidFill>
-        <a:round/>
-      </a:ln>
-    </cs:spPr>
-    <cs:defRPr sz="1197" kern="1200"/>
-  </cs:dataTable>
-  <cs:downBar>
-    <cs:lnRef idx="0"/>
-    <cs:fillRef idx="0"/>
-    <cs:effectRef idx="0"/>
-    <cs:fontRef idx="minor">
-      <a:schemeClr val="tx1"/>
-    </cs:fontRef>
-    <cs:spPr>
-      <a:solidFill>
-        <a:schemeClr val="dk1">
-          <a:lumMod val="75000"/>
-          <a:lumOff val="25000"/>
-        </a:schemeClr>
-      </a:solidFill>
-      <a:ln w="9525" cap="flat" cmpd="sng" algn="ctr">
-        <a:solidFill>
-          <a:schemeClr val="tx1">
-            <a:lumMod val="65000"/>
-            <a:lumOff val="35000"/>
-          </a:schemeClr>
-        </a:solidFill>
-        <a:round/>
-      </a:ln>
-    </cs:spPr>
-  </cs:downBar>
-  <cs:dropLine>
-    <cs:lnRef idx="0"/>
-    <cs:fillRef idx="0"/>
-    <cs:effectRef idx="0"/>
-    <cs:fontRef idx="minor">
-      <a:schemeClr val="tx1"/>
-    </cs:fontRef>
-    <cs:spPr>
-      <a:ln w="9525" cap="flat" cmpd="sng" algn="ctr">
-        <a:solidFill>
-          <a:schemeClr val="tx1">
-            <a:lumMod val="35000"/>
-            <a:lumOff val="65000"/>
-          </a:schemeClr>
-        </a:solidFill>
-        <a:round/>
-      </a:ln>
-    </cs:spPr>
-  </cs:dropLine>
-  <cs:errorBar>
-    <cs:lnRef idx="0"/>
-    <cs:fillRef idx="0"/>
-    <cs:effectRef idx="0"/>
-    <cs:fontRef idx="minor">
-      <a:schemeClr val="tx1"/>
-    </cs:fontRef>
-    <cs:spPr>
-      <a:ln w="9525" cap="flat" cmpd="sng" algn="ctr">
-        <a:solidFill>
-          <a:schemeClr val="tx1">
-            <a:lumMod val="65000"/>
-            <a:lumOff val="35000"/>
-          </a:schemeClr>
-        </a:solidFill>
-        <a:round/>
-      </a:ln>
-    </cs:spPr>
-  </cs:errorBar>
-  <cs:floor>
-    <cs:lnRef idx="0"/>
-    <cs:fillRef idx="0"/>
-    <cs:effectRef idx="0"/>
-    <cs:fontRef idx="minor">
-      <a:schemeClr val="tx1"/>
-    </cs:fontRef>
-    <cs:spPr>
-      <a:noFill/>
-      <a:ln>
-        <a:noFill/>
-      </a:ln>
-    </cs:spPr>
-  </cs:floor>
-  <cs:gridlineMajor>
-    <cs:lnRef idx="0"/>
-    <cs:fillRef idx="0"/>
-    <cs:effectRef idx="0"/>
-    <cs:fontRef idx="minor">
-      <a:schemeClr val="tx1"/>
-    </cs:fontRef>
-    <cs:spPr>
-      <a:ln w="9525" cap="flat" cmpd="sng" algn="ctr">
-        <a:solidFill>
-          <a:schemeClr val="tx1">
-            <a:lumMod val="15000"/>
-            <a:lumOff val="85000"/>
-          </a:schemeClr>
-        </a:solidFill>
-        <a:round/>
-      </a:ln>
-    </cs:spPr>
-  </cs:gridlineMajor>
-  <cs:gridlineMinor>
-    <cs:lnRef idx="0"/>
-    <cs:fillRef idx="0"/>
-    <cs:effectRef idx="0"/>
-    <cs:fontRef idx="minor">
-      <a:schemeClr val="tx1"/>
-    </cs:fontRef>
-    <cs:spPr>
-      <a:ln w="9525" cap="flat" cmpd="sng" algn="ctr">
-        <a:solidFill>
-          <a:schemeClr val="tx1">
-            <a:lumMod val="5000"/>
-            <a:lumOff val="95000"/>
-          </a:schemeClr>
-        </a:solidFill>
-        <a:round/>
-      </a:ln>
-    </cs:spPr>
-  </cs:gridlineMinor>
-  <cs:hiLoLine>
-    <cs:lnRef idx="0"/>
-    <cs:fillRef idx="0"/>
-    <cs:effectRef idx="0"/>
-    <cs:fontRef idx="minor">
-      <a:schemeClr val="tx1"/>
-    </cs:fontRef>
-    <cs:spPr>
-      <a:ln w="9525" cap="flat" cmpd="sng" algn="ctr">
-        <a:solidFill>
-          <a:schemeClr val="tx1">
-            <a:lumMod val="50000"/>
-            <a:lumOff val="50000"/>
-          </a:schemeClr>
-        </a:solidFill>
-        <a:round/>
-      </a:ln>
-    </cs:spPr>
-  </cs:hiLoLine>
-  <cs:leaderLine>
-    <cs:lnRef idx="0"/>
-    <cs:fillRef idx="0"/>
-    <cs:effectRef idx="0"/>
-    <cs:fontRef idx="minor">
-      <a:schemeClr val="tx1"/>
-    </cs:fontRef>
-    <cs:spPr>
-      <a:ln w="9525" cap="flat" cmpd="sng" algn="ctr">
-        <a:solidFill>
-          <a:schemeClr val="tx1">
-            <a:lumMod val="35000"/>
-            <a:lumOff val="65000"/>
-          </a:schemeClr>
-        </a:solidFill>
-        <a:round/>
-      </a:ln>
-    </cs:spPr>
-  </cs:leaderLine>
-  <cs:legend>
-    <cs:lnRef idx="0"/>
-    <cs:fillRef idx="0"/>
-    <cs:effectRef idx="0"/>
-    <cs:fontRef idx="minor">
-      <a:schemeClr val="tx1">
-        <a:lumMod val="65000"/>
-        <a:lumOff val="35000"/>
-      </a:schemeClr>
-    </cs:fontRef>
-    <cs:defRPr sz="1197" kern="1200"/>
-  </cs:legend>
-  <cs:plotArea mods="allowNoFillOverride allowNoLineOverride">
-    <cs:lnRef idx="0"/>
-    <cs:fillRef idx="0"/>
-    <cs:effectRef idx="0"/>
-    <cs:fontRef idx="minor">
-      <a:schemeClr val="tx1"/>
-    </cs:fontRef>
-  </cs:plotArea>
-  <cs:plotArea3D mods="allowNoFillOverride allowNoLineOverride">
-    <cs:lnRef idx="0"/>
-    <cs:fillRef idx="0"/>
-    <cs:effectRef idx="0"/>
-    <cs:fontRef idx="minor">
-      <a:schemeClr val="tx1"/>
-    </cs:fontRef>
-  </cs:plotArea3D>
-  <cs:seriesAxis>
-    <cs:lnRef idx="0"/>
-    <cs:fillRef idx="0"/>
-    <cs:effectRef idx="0"/>
-    <cs:fontRef idx="minor">
-      <a:schemeClr val="tx1">
-        <a:lumMod val="65000"/>
-        <a:lumOff val="35000"/>
-      </a:schemeClr>
-    </cs:fontRef>
-    <cs:defRPr sz="1197" kern="1200"/>
-  </cs:seriesAxis>
-  <cs:seriesLine>
-    <cs:lnRef idx="0"/>
-    <cs:fillRef idx="0"/>
-    <cs:effectRef idx="0"/>
-    <cs:fontRef idx="minor">
-      <a:schemeClr val="tx1"/>
-    </cs:fontRef>
-    <cs:spPr>
-      <a:ln w="9525" cap="flat" cmpd="sng" algn="ctr">
-        <a:solidFill>
-          <a:schemeClr val="tx1">
-            <a:lumMod val="35000"/>
-            <a:lumOff val="65000"/>
-          </a:schemeClr>
-        </a:solidFill>
-        <a:round/>
-      </a:ln>
-    </cs:spPr>
-  </cs:seriesLine>
-  <cs:title>
-    <cs:lnRef idx="0"/>
-    <cs:fillRef idx="0"/>
-    <cs:effectRef idx="0"/>
-    <cs:fontRef idx="minor">
-      <a:schemeClr val="tx1">
-        <a:lumMod val="65000"/>
-        <a:lumOff val="35000"/>
-      </a:schemeClr>
-    </cs:fontRef>
-    <cs:defRPr sz="1862" b="0" kern="1200" spc="0" baseline="0"/>
-  </cs:title>
-  <cs:trendline>
-    <cs:lnRef idx="0">
-      <cs:styleClr val="auto"/>
-    </cs:lnRef>
-    <cs:fillRef idx="0"/>
-    <cs:effectRef idx="0"/>
-    <cs:fontRef idx="minor">
-      <a:schemeClr val="tx1"/>
-    </cs:fontRef>
-    <cs:spPr>
-      <a:ln w="19050" cap="rnd">
-        <a:solidFill>
-          <a:schemeClr val="phClr"/>
-        </a:solidFill>
-        <a:prstDash val="sysDot"/>
-      </a:ln>
-    </cs:spPr>
-  </cs:trendline>
-  <cs:trendlineLabel>
-    <cs:lnRef idx="0"/>
-    <cs:fillRef idx="0"/>
-    <cs:effectRef idx="0"/>
-    <cs:fontRef idx="minor">
-      <a:schemeClr val="tx1">
-        <a:lumMod val="65000"/>
-        <a:lumOff val="35000"/>
-      </a:schemeClr>
-    </cs:fontRef>
-    <cs:defRPr sz="1197" kern="1200"/>
-  </cs:trendlineLabel>
-  <cs:upBar>
-    <cs:lnRef idx="0"/>
-    <cs:fillRef idx="0"/>
-    <cs:effectRef idx="0"/>
-    <cs:fontRef idx="minor">
-      <a:schemeClr val="tx1"/>
-    </cs:fontRef>
-    <cs:spPr>
-      <a:solidFill>
-        <a:schemeClr val="lt1"/>
-      </a:solidFill>
-      <a:ln w="9525" cap="flat" cmpd="sng" algn="ctr">
-        <a:solidFill>
-          <a:schemeClr val="tx1">
-            <a:lumMod val="65000"/>
-            <a:lumOff val="35000"/>
-          </a:schemeClr>
-        </a:solidFill>
-        <a:round/>
-      </a:ln>
-    </cs:spPr>
-  </cs:upBar>
-  <cs:valueAxis>
-    <cs:lnRef idx="0"/>
-    <cs:fillRef idx="0"/>
-    <cs:effectRef idx="0"/>
-    <cs:fontRef idx="minor">
-      <a:schemeClr val="tx1">
-        <a:lumMod val="65000"/>
-        <a:lumOff val="35000"/>
-      </a:schemeClr>
-    </cs:fontRef>
-    <cs:defRPr sz="1197" kern="1200"/>
-  </cs:valueAxis>
-  <cs:wall>
-    <cs:lnRef idx="0"/>
-    <cs:fillRef idx="0"/>
-    <cs:effectRef idx="0"/>
-    <cs:fontRef idx="minor">
-      <a:schemeClr val="tx1"/>
-    </cs:fontRef>
-    <cs:spPr>
-      <a:noFill/>
-      <a:ln>
-        <a:noFill/>
-      </a:ln>
-    </cs:spPr>
-  </cs:wall>
-</cs:chartStyle>
-</file>
-
-<file path=ppt/comments/comment1.xml><?xml version="1.0" encoding="utf-8"?>
-<p:cmLst xmlns:a="http://schemas.openxmlformats.org/drawingml/2006/main" xmlns:r="http://schemas.openxmlformats.org/officeDocument/2006/relationships" xmlns:p="http://schemas.openxmlformats.org/presentationml/2006/main">
-  <p:cm authorId="1" dt="2020-10-08T22:08:54.471" idx="1">
-    <p:pos x="10" y="10"/>
-    <p:text>Can you do this by zip so there are less dots?</p:text>
-    <p:extLst>
-      <p:ext uri="{C676402C-5697-4E1C-873F-D02D1690AC5C}">
-        <p15:threadingInfo xmlns:p15="http://schemas.microsoft.com/office/powerpoint/2012/main" timeZoneBias="300"/>
-      </p:ext>
-    </p:extLst>
-  </p:cm>
-</p:cmLst>
 </file>
 
 <file path=ppt/diagrams/colors1.xml><?xml version="1.0" encoding="utf-8"?>
@@ -6929,7 +5955,7 @@
           <a:p>
             <a:fld id="{32C76CD2-7D08-0F4E-B13E-E2A58BE107D2}" type="slidenum">
               <a:rPr lang="en-US" smtClean="0"/>
-              <a:t>13</a:t>
+              <a:t>15</a:t>
             </a:fld>
             <a:endParaRPr lang="en-US" dirty="0"/>
           </a:p>
@@ -7201,7 +6227,12 @@
             <p:ph type="title"/>
           </p:nvPr>
         </p:nvSpPr>
-        <p:spPr/>
+        <p:spPr>
+          <a:xfrm>
+            <a:off x="474562" y="365125"/>
+            <a:ext cx="11242876" cy="1325563"/>
+          </a:xfrm>
+        </p:spPr>
         <p:txBody>
           <a:bodyPr/>
           <a:lstStyle/>
@@ -7229,7 +6260,12 @@
             <p:ph type="body" orient="vert" idx="1"/>
           </p:nvPr>
         </p:nvSpPr>
-        <p:spPr/>
+        <p:spPr>
+          <a:xfrm>
+            <a:off x="474562" y="1825625"/>
+            <a:ext cx="11242876" cy="4351338"/>
+          </a:xfrm>
+        </p:spPr>
         <p:txBody>
           <a:bodyPr vert="eaVert"/>
           <a:lstStyle/>
@@ -7607,7 +6643,12 @@
             <p:ph type="title"/>
           </p:nvPr>
         </p:nvSpPr>
-        <p:spPr/>
+        <p:spPr>
+          <a:xfrm>
+            <a:off x="462987" y="409575"/>
+            <a:ext cx="11247120" cy="1236664"/>
+          </a:xfrm>
+        </p:spPr>
         <p:txBody>
           <a:bodyPr/>
           <a:lstStyle/>
@@ -7635,7 +6676,12 @@
             <p:ph idx="1"/>
           </p:nvPr>
         </p:nvSpPr>
-        <p:spPr/>
+        <p:spPr>
+          <a:xfrm>
+            <a:off x="462987" y="1825625"/>
+            <a:ext cx="11247120" cy="4351338"/>
+          </a:xfrm>
+        </p:spPr>
         <p:txBody>
           <a:bodyPr/>
           <a:lstStyle/>
@@ -7806,8 +6852,8 @@
         </p:nvSpPr>
         <p:spPr>
           <a:xfrm>
-            <a:off x="831850" y="1709738"/>
-            <a:ext cx="10515600" cy="2852737"/>
+            <a:off x="462987" y="1709738"/>
+            <a:ext cx="11253326" cy="2852737"/>
           </a:xfrm>
         </p:spPr>
         <p:txBody>
@@ -7843,8 +6889,8 @@
         </p:nvSpPr>
         <p:spPr>
           <a:xfrm>
-            <a:off x="831850" y="4589463"/>
-            <a:ext cx="10515600" cy="1500187"/>
+            <a:off x="462987" y="4589463"/>
+            <a:ext cx="11253326" cy="1500187"/>
           </a:xfrm>
         </p:spPr>
         <p:txBody>
@@ -8079,13 +7125,18 @@
             <p:ph type="title"/>
           </p:nvPr>
         </p:nvSpPr>
-        <p:spPr/>
+        <p:spPr>
+          <a:xfrm>
+            <a:off x="474562" y="365125"/>
+            <a:ext cx="11242876" cy="1325563"/>
+          </a:xfrm>
+        </p:spPr>
         <p:txBody>
           <a:bodyPr/>
           <a:lstStyle/>
           <a:p>
             <a:r>
-              <a:rPr lang="en-US"/>
+              <a:rPr lang="en-US" dirty="0"/>
               <a:t>Click to edit Master title style</a:t>
             </a:r>
           </a:p>
@@ -8109,8 +7160,8 @@
         </p:nvSpPr>
         <p:spPr>
           <a:xfrm>
-            <a:off x="838200" y="1825625"/>
-            <a:ext cx="5181600" cy="4351338"/>
+            <a:off x="474562" y="1825625"/>
+            <a:ext cx="5545238" cy="4351338"/>
           </a:xfrm>
         </p:spPr>
         <p:txBody>
@@ -8171,8 +7222,8 @@
         </p:nvSpPr>
         <p:spPr>
           <a:xfrm>
-            <a:off x="6172200" y="1825625"/>
-            <a:ext cx="5181600" cy="4351338"/>
+            <a:off x="6172199" y="1825625"/>
+            <a:ext cx="5545237" cy="4351338"/>
           </a:xfrm>
         </p:spPr>
         <p:txBody>
@@ -8346,8 +7397,8 @@
         </p:nvSpPr>
         <p:spPr>
           <a:xfrm>
-            <a:off x="839788" y="365125"/>
-            <a:ext cx="10515600" cy="1325563"/>
+            <a:off x="474562" y="365125"/>
+            <a:ext cx="11246052" cy="1325563"/>
           </a:xfrm>
         </p:spPr>
         <p:txBody>
@@ -8379,8 +7430,8 @@
         </p:nvSpPr>
         <p:spPr>
           <a:xfrm>
-            <a:off x="839788" y="1681163"/>
-            <a:ext cx="5157787" cy="823912"/>
+            <a:off x="496788" y="1681163"/>
+            <a:ext cx="5500787" cy="823912"/>
           </a:xfrm>
         </p:spPr>
         <p:txBody>
@@ -8450,8 +7501,8 @@
         </p:nvSpPr>
         <p:spPr>
           <a:xfrm>
-            <a:off x="839788" y="2505075"/>
-            <a:ext cx="5157787" cy="3684588"/>
+            <a:off x="474562" y="2505075"/>
+            <a:ext cx="5523013" cy="3684588"/>
           </a:xfrm>
         </p:spPr>
         <p:txBody>
@@ -8460,35 +7511,35 @@
           <a:p>
             <a:pPr lvl="0"/>
             <a:r>
-              <a:rPr lang="en-US"/>
+              <a:rPr lang="en-US" dirty="0"/>
               <a:t>Click to edit Master text styles</a:t>
             </a:r>
           </a:p>
           <a:p>
             <a:pPr lvl="1"/>
             <a:r>
-              <a:rPr lang="en-US"/>
+              <a:rPr lang="en-US" dirty="0"/>
               <a:t>Second level</a:t>
             </a:r>
           </a:p>
           <a:p>
             <a:pPr lvl="2"/>
             <a:r>
-              <a:rPr lang="en-US"/>
+              <a:rPr lang="en-US" dirty="0"/>
               <a:t>Third level</a:t>
             </a:r>
           </a:p>
           <a:p>
             <a:pPr lvl="3"/>
             <a:r>
-              <a:rPr lang="en-US"/>
+              <a:rPr lang="en-US" dirty="0"/>
               <a:t>Fourth level</a:t>
             </a:r>
           </a:p>
           <a:p>
             <a:pPr lvl="4"/>
             <a:r>
-              <a:rPr lang="en-US"/>
+              <a:rPr lang="en-US" dirty="0"/>
               <a:t>Fifth level</a:t>
             </a:r>
           </a:p>
@@ -8513,7 +7564,7 @@
         <p:spPr>
           <a:xfrm>
             <a:off x="6172200" y="1681163"/>
-            <a:ext cx="5183188" cy="823912"/>
+            <a:ext cx="5523012" cy="823912"/>
           </a:xfrm>
         </p:spPr>
         <p:txBody>
@@ -8584,7 +7635,7 @@
         <p:spPr>
           <a:xfrm>
             <a:off x="6172200" y="2505075"/>
-            <a:ext cx="5183188" cy="3684588"/>
+            <a:ext cx="5523012" cy="3684588"/>
           </a:xfrm>
         </p:spPr>
         <p:txBody>
@@ -8756,7 +7807,12 @@
             <p:ph type="title"/>
           </p:nvPr>
         </p:nvSpPr>
-        <p:spPr/>
+        <p:spPr>
+          <a:xfrm>
+            <a:off x="474562" y="365125"/>
+            <a:ext cx="11242876" cy="1325563"/>
+          </a:xfrm>
+        </p:spPr>
         <p:txBody>
           <a:bodyPr/>
           <a:lstStyle/>
@@ -10340,7 +9396,7 @@
         </p:blipFill>
         <p:spPr>
           <a:xfrm>
-            <a:off x="6979534" y="1310459"/>
+            <a:off x="7002684" y="1298884"/>
             <a:ext cx="5379185" cy="5379185"/>
           </a:xfrm>
           <a:prstGeom prst="rect">
@@ -10410,8 +9466,8 @@
         </p:blipFill>
         <p:spPr>
           <a:xfrm>
-            <a:off x="0" y="1261640"/>
-            <a:ext cx="6784918" cy="5810492"/>
+            <a:off x="104175" y="1189175"/>
+            <a:ext cx="6910084" cy="5917682"/>
           </a:xfrm>
           <a:prstGeom prst="rect">
             <a:avLst/>
@@ -10432,7 +9488,7 @@
         </p:nvSpPr>
         <p:spPr>
           <a:xfrm>
-            <a:off x="1270879" y="1852734"/>
+            <a:off x="1421350" y="1841160"/>
             <a:ext cx="4271059" cy="369332"/>
           </a:xfrm>
           <a:prstGeom prst="rect">
@@ -10448,7 +9504,7 @@
           <a:p>
             <a:pPr algn="ctr"/>
             <a:r>
-              <a:rPr lang="en-US" dirty="0"/>
+              <a:rPr lang="en-US" b="1" dirty="0"/>
               <a:t>Most Frequented Pickup Spots</a:t>
             </a:r>
           </a:p>
@@ -10482,16 +9538,14 @@
           </a:bodyPr>
           <a:lstStyle/>
           <a:p>
-            <a:pPr algn="ctr"/>
-            <a:r>
-              <a:rPr lang="en-US" dirty="0"/>
+            <a:r>
+              <a:rPr lang="en-US" b="1" dirty="0"/>
               <a:t>50+ categories available</a:t>
             </a:r>
           </a:p>
           <a:p>
-            <a:pPr algn="ctr"/>
-            <a:r>
-              <a:rPr lang="en-US" dirty="0"/>
+            <a:r>
+              <a:rPr lang="en-US" b="1" dirty="0"/>
               <a:t>on the platform</a:t>
             </a:r>
           </a:p>
@@ -10543,10 +9597,382 @@
             <p:ph type="title"/>
           </p:nvPr>
         </p:nvSpPr>
+        <p:spPr/>
+        <p:txBody>
+          <a:bodyPr/>
+          <a:lstStyle/>
+          <a:p>
+            <a:r>
+              <a:rPr lang="en-US" dirty="0">
+                <a:solidFill>
+                  <a:schemeClr val="tx1">
+                    <a:lumMod val="50000"/>
+                    <a:lumOff val="50000"/>
+                  </a:schemeClr>
+                </a:solidFill>
+              </a:rPr>
+              <a:t>4</a:t>
+            </a:r>
+            <a:r>
+              <a:rPr lang="en-US" dirty="0"/>
+              <a:t> </a:t>
+            </a:r>
+            <a:r>
+              <a:rPr lang="en-US" b="1" dirty="0"/>
+              <a:t>DATA</a:t>
+            </a:r>
+          </a:p>
+        </p:txBody>
+      </p:sp>
+      <p:sp>
+        <p:nvSpPr>
+          <p:cNvPr id="36" name="Rectangle 35">
+            <a:extLst>
+              <a:ext uri="{FF2B5EF4-FFF2-40B4-BE49-F238E27FC236}">
+                <a16:creationId xmlns:a16="http://schemas.microsoft.com/office/drawing/2014/main" id="{AEF0AC59-DA72-0644-A83B-6581C8B50F98}"/>
+              </a:ext>
+            </a:extLst>
+          </p:cNvPr>
+          <p:cNvSpPr/>
+          <p:nvPr/>
+        </p:nvSpPr>
         <p:spPr>
           <a:xfrm>
-            <a:off x="838200" y="365125"/>
-            <a:ext cx="10515600" cy="1325563"/>
+            <a:off x="838200" y="1400536"/>
+            <a:ext cx="5435277" cy="5262979"/>
+          </a:xfrm>
+          <a:prstGeom prst="rect">
+            <a:avLst/>
+          </a:prstGeom>
+        </p:spPr>
+        <p:txBody>
+          <a:bodyPr wrap="square">
+            <a:spAutoFit/>
+          </a:bodyPr>
+          <a:lstStyle/>
+          <a:p>
+            <a:r>
+              <a:rPr lang="en-US" sz="1400" b="1" dirty="0" err="1"/>
+              <a:t>Job_ID</a:t>
+            </a:r>
+            <a:r>
+              <a:rPr lang="en-US" sz="1400" b="1" dirty="0"/>
+              <a:t>  </a:t>
+            </a:r>
+            <a:r>
+              <a:rPr lang="en-US" sz="1400" dirty="0">
+                <a:sym typeface="Wingdings" pitchFamily="2" charset="2"/>
+              </a:rPr>
+              <a:t></a:t>
+            </a:r>
+            <a:r>
+              <a:rPr lang="en-US" sz="1400" dirty="0"/>
+              <a:t> a unique identifier of a delivery</a:t>
+            </a:r>
+          </a:p>
+          <a:p>
+            <a:r>
+              <a:rPr lang="en-US" sz="1400" b="1" dirty="0"/>
+              <a:t>Customer_id </a:t>
+            </a:r>
+            <a:r>
+              <a:rPr lang="en-US" sz="1400" dirty="0"/>
+              <a:t>→ a unique identifier for the Jumpman23 customer</a:t>
+            </a:r>
+          </a:p>
+          <a:p>
+            <a:r>
+              <a:rPr lang="en-US" sz="1400" b="1" dirty="0"/>
+              <a:t>Jumpman_id </a:t>
+            </a:r>
+            <a:r>
+              <a:rPr lang="en-US" sz="1400" dirty="0"/>
+              <a:t>→ a unique identifier for the Jumpman who completed the delivery</a:t>
+            </a:r>
+          </a:p>
+          <a:p>
+            <a:r>
+              <a:rPr lang="en-US" sz="1400" b="1" dirty="0"/>
+              <a:t>vehicle_type </a:t>
+            </a:r>
+            <a:r>
+              <a:rPr lang="en-US" sz="1400" dirty="0"/>
+              <a:t>→ The method of transport the Jumpman used to complete the delivery</a:t>
+            </a:r>
+          </a:p>
+          <a:p>
+            <a:r>
+              <a:rPr lang="en-US" sz="1400" b="1" dirty="0"/>
+              <a:t>pickup_place </a:t>
+            </a:r>
+            <a:r>
+              <a:rPr lang="en-US" sz="1400" dirty="0"/>
+              <a:t>→ The name of the Pickup location</a:t>
+            </a:r>
+          </a:p>
+          <a:p>
+            <a:r>
+              <a:rPr lang="en-US" sz="1400" b="1" dirty="0"/>
+              <a:t>place_category </a:t>
+            </a:r>
+            <a:r>
+              <a:rPr lang="en-US" sz="1400" dirty="0"/>
+              <a:t>→ A categorization of the Pickup location</a:t>
+            </a:r>
+          </a:p>
+          <a:p>
+            <a:r>
+              <a:rPr lang="en-US" sz="1400" b="1" dirty="0"/>
+              <a:t>Item_name </a:t>
+            </a:r>
+            <a:r>
+              <a:rPr lang="en-US" sz="1400" dirty="0"/>
+              <a:t>→ the name of the item requested</a:t>
+            </a:r>
+          </a:p>
+          <a:p>
+            <a:r>
+              <a:rPr lang="en-US" sz="1400" b="1" dirty="0"/>
+              <a:t>Item_quantity </a:t>
+            </a:r>
+            <a:r>
+              <a:rPr lang="en-US" sz="1400" dirty="0"/>
+              <a:t>→ how many of that item was requested</a:t>
+            </a:r>
+          </a:p>
+          <a:p>
+            <a:r>
+              <a:rPr lang="en-US" sz="1400" b="1" dirty="0"/>
+              <a:t>Item_category_name </a:t>
+            </a:r>
+            <a:r>
+              <a:rPr lang="en-US" sz="1400" dirty="0"/>
+              <a:t>→ categorization provided by the merchant, think “appetizers”, ”soups” </a:t>
+            </a:r>
+            <a:r>
+              <a:rPr lang="en-US" sz="1400" dirty="0" err="1"/>
+              <a:t>etc</a:t>
+            </a:r>
+            <a:endParaRPr lang="en-US" sz="1400" dirty="0"/>
+          </a:p>
+          <a:p>
+            <a:r>
+              <a:rPr lang="en-US" sz="1400" b="1" dirty="0"/>
+              <a:t>How_long_it_took_to_order </a:t>
+            </a:r>
+            <a:r>
+              <a:rPr lang="en-US" sz="1400" dirty="0"/>
+              <a:t>→ how long it took to place the order [interval]</a:t>
+            </a:r>
+          </a:p>
+          <a:p>
+            <a:r>
+              <a:rPr lang="en-US" sz="1400" b="1" dirty="0"/>
+              <a:t>pickup_lat </a:t>
+            </a:r>
+            <a:r>
+              <a:rPr lang="en-US" sz="1400" dirty="0"/>
+              <a:t>→ the coordinates of the pickup location</a:t>
+            </a:r>
+          </a:p>
+          <a:p>
+            <a:r>
+              <a:rPr lang="en-US" sz="1400" b="1" dirty="0"/>
+              <a:t>pickup_lon </a:t>
+            </a:r>
+            <a:r>
+              <a:rPr lang="en-US" sz="1400" dirty="0"/>
+              <a:t>→ the coordinates of the pickup location</a:t>
+            </a:r>
+          </a:p>
+          <a:p>
+            <a:r>
+              <a:rPr lang="en-US" sz="1400" b="1" dirty="0"/>
+              <a:t>dropoff_lat </a:t>
+            </a:r>
+            <a:r>
+              <a:rPr lang="en-US" sz="1400" dirty="0"/>
+              <a:t>→ the coordinates of the </a:t>
+            </a:r>
+            <a:r>
+              <a:rPr lang="en-US" sz="1400" dirty="0" err="1"/>
+              <a:t>dropoff</a:t>
+            </a:r>
+            <a:r>
+              <a:rPr lang="en-US" sz="1400" dirty="0"/>
+              <a:t> location</a:t>
+            </a:r>
+          </a:p>
+          <a:p>
+            <a:r>
+              <a:rPr lang="en-US" sz="1400" b="1" dirty="0"/>
+              <a:t>dropoff_lon </a:t>
+            </a:r>
+            <a:r>
+              <a:rPr lang="en-US" sz="1400" dirty="0"/>
+              <a:t>→ the coordinates of the </a:t>
+            </a:r>
+            <a:r>
+              <a:rPr lang="en-US" sz="1400" dirty="0" err="1"/>
+              <a:t>dropoff</a:t>
+            </a:r>
+            <a:r>
+              <a:rPr lang="en-US" sz="1400" dirty="0"/>
+              <a:t> location</a:t>
+            </a:r>
+          </a:p>
+          <a:p>
+            <a:r>
+              <a:rPr lang="en-US" sz="1400" b="1" dirty="0"/>
+              <a:t>when_the_delivery_started</a:t>
+            </a:r>
+            <a:r>
+              <a:rPr lang="en-US" sz="1400" dirty="0"/>
+              <a:t>→ localized timestamp representing when the delivery began</a:t>
+            </a:r>
+          </a:p>
+          <a:p>
+            <a:r>
+              <a:rPr lang="en-US" sz="1400" b="1" dirty="0"/>
+              <a:t>when_the_Jumpman_arrived_at_pickup </a:t>
+            </a:r>
+            <a:r>
+              <a:rPr lang="en-US" sz="1400" dirty="0"/>
+              <a:t>→ localized timestamp representing when the Jumpman arrived at the pickup location</a:t>
+            </a:r>
+          </a:p>
+          <a:p>
+            <a:r>
+              <a:rPr lang="en-US" sz="1400" b="1" dirty="0"/>
+              <a:t>when_the_Jumpman_left_pickup </a:t>
+            </a:r>
+            <a:r>
+              <a:rPr lang="en-US" sz="1400" dirty="0"/>
+              <a:t>→ localized timestamp representing when the Jumpman left the pickup location</a:t>
+            </a:r>
+          </a:p>
+        </p:txBody>
+      </p:sp>
+      <p:pic>
+        <p:nvPicPr>
+          <p:cNvPr id="38" name="Picture 37" descr="Table&#10;&#10;Description automatically generated">
+            <a:extLst>
+              <a:ext uri="{FF2B5EF4-FFF2-40B4-BE49-F238E27FC236}">
+                <a16:creationId xmlns:a16="http://schemas.microsoft.com/office/drawing/2014/main" id="{00FF7397-40A1-1344-8085-202DB38A0DD1}"/>
+              </a:ext>
+            </a:extLst>
+          </p:cNvPr>
+          <p:cNvPicPr>
+            <a:picLocks noChangeAspect="1"/>
+          </p:cNvPicPr>
+          <p:nvPr/>
+        </p:nvPicPr>
+        <p:blipFill>
+          <a:blip r:embed="rId2"/>
+          <a:stretch>
+            <a:fillRect/>
+          </a:stretch>
+        </p:blipFill>
+        <p:spPr>
+          <a:xfrm>
+            <a:off x="7068145" y="1815608"/>
+            <a:ext cx="3707050" cy="3226784"/>
+          </a:xfrm>
+          <a:prstGeom prst="rect">
+            <a:avLst/>
+          </a:prstGeom>
+          <a:ln>
+            <a:solidFill>
+              <a:schemeClr val="dk1"/>
+            </a:solidFill>
+          </a:ln>
+        </p:spPr>
+      </p:pic>
+      <p:sp>
+        <p:nvSpPr>
+          <p:cNvPr id="39" name="TextBox 38">
+            <a:extLst>
+              <a:ext uri="{FF2B5EF4-FFF2-40B4-BE49-F238E27FC236}">
+                <a16:creationId xmlns:a16="http://schemas.microsoft.com/office/drawing/2014/main" id="{C2BB076D-CE05-9541-8204-50137ADB7224}"/>
+              </a:ext>
+            </a:extLst>
+          </p:cNvPr>
+          <p:cNvSpPr txBox="1"/>
+          <p:nvPr/>
+        </p:nvSpPr>
+        <p:spPr>
+          <a:xfrm>
+            <a:off x="7068145" y="5299974"/>
+            <a:ext cx="3707050" cy="307777"/>
+          </a:xfrm>
+          <a:prstGeom prst="rect">
+            <a:avLst/>
+          </a:prstGeom>
+          <a:noFill/>
+        </p:spPr>
+        <p:txBody>
+          <a:bodyPr wrap="square" rtlCol="0">
+            <a:spAutoFit/>
+          </a:bodyPr>
+          <a:lstStyle/>
+          <a:p>
+            <a:r>
+              <a:rPr lang="en-US" sz="1400" dirty="0"/>
+              <a:t>Initial dataset: 5,983 records, 18 features</a:t>
+            </a:r>
+          </a:p>
+        </p:txBody>
+      </p:sp>
+    </p:spTree>
+    <p:extLst>
+      <p:ext uri="{BB962C8B-B14F-4D97-AF65-F5344CB8AC3E}">
+        <p14:creationId xmlns:p14="http://schemas.microsoft.com/office/powerpoint/2010/main" val="3691253493"/>
+      </p:ext>
+    </p:extLst>
+  </p:cSld>
+  <p:clrMapOvr>
+    <a:masterClrMapping/>
+  </p:clrMapOvr>
+</p:sld>
+</file>
+
+<file path=ppt/slides/slide12.xml><?xml version="1.0" encoding="utf-8"?>
+<p:sld xmlns:a="http://schemas.openxmlformats.org/drawingml/2006/main" xmlns:r="http://schemas.openxmlformats.org/officeDocument/2006/relationships" xmlns:p="http://schemas.openxmlformats.org/presentationml/2006/main">
+  <p:cSld>
+    <p:spTree>
+      <p:nvGrpSpPr>
+        <p:cNvPr id="1" name=""/>
+        <p:cNvGrpSpPr/>
+        <p:nvPr/>
+      </p:nvGrpSpPr>
+      <p:grpSpPr>
+        <a:xfrm>
+          <a:off x="0" y="0"/>
+          <a:ext cx="0" cy="0"/>
+          <a:chOff x="0" y="0"/>
+          <a:chExt cx="0" cy="0"/>
+        </a:xfrm>
+      </p:grpSpPr>
+      <p:sp>
+        <p:nvSpPr>
+          <p:cNvPr id="2" name="Title 1">
+            <a:extLst>
+              <a:ext uri="{FF2B5EF4-FFF2-40B4-BE49-F238E27FC236}">
+                <a16:creationId xmlns:a16="http://schemas.microsoft.com/office/drawing/2014/main" id="{E6D31B3F-7BFC-2140-B2D5-809FEF6159AA}"/>
+              </a:ext>
+            </a:extLst>
+          </p:cNvPr>
+          <p:cNvSpPr>
+            <a:spLocks noGrp="1"/>
+          </p:cNvSpPr>
+          <p:nvPr>
+            <p:ph type="title"/>
+          </p:nvPr>
+        </p:nvSpPr>
+        <p:spPr>
+          <a:xfrm>
+            <a:off x="474562" y="365125"/>
+            <a:ext cx="11242876" cy="1325563"/>
           </a:xfrm>
         </p:spPr>
         <p:txBody>
@@ -10554,7 +9980,7 @@
           <a:lstStyle/>
           <a:p>
             <a:r>
-              <a:rPr lang="en-US" b="1" dirty="0">
+              <a:rPr lang="en-US" dirty="0">
                 <a:solidFill>
                   <a:schemeClr val="tx1">
                     <a:lumMod val="50000"/>
@@ -10565,46 +9991,12 @@
               <a:t>4.1</a:t>
             </a:r>
             <a:r>
+              <a:rPr lang="en-US" dirty="0"/>
+              <a:t> </a:t>
+            </a:r>
+            <a:r>
               <a:rPr lang="en-US" b="1" dirty="0"/>
-              <a:t> DATASET [INTEGRITY CONCERNS]</a:t>
-            </a:r>
-          </a:p>
-        </p:txBody>
-      </p:sp>
-      <p:sp>
-        <p:nvSpPr>
-          <p:cNvPr id="13" name="Content Placeholder 12">
-            <a:extLst>
-              <a:ext uri="{FF2B5EF4-FFF2-40B4-BE49-F238E27FC236}">
-                <a16:creationId xmlns:a16="http://schemas.microsoft.com/office/drawing/2014/main" id="{68253D8F-FB7E-A847-A7E6-A28325B5B8A3}"/>
-              </a:ext>
-            </a:extLst>
-          </p:cNvPr>
-          <p:cNvSpPr>
-            <a:spLocks noGrp="1"/>
-          </p:cNvSpPr>
-          <p:nvPr>
-            <p:ph sz="half" idx="2"/>
-          </p:nvPr>
-        </p:nvSpPr>
-        <p:spPr>
-          <a:xfrm>
-            <a:off x="241717" y="1856873"/>
-            <a:ext cx="6303191" cy="431438"/>
-          </a:xfrm>
-        </p:spPr>
-        <p:txBody>
-          <a:bodyPr>
-            <a:noAutofit/>
-          </a:bodyPr>
-          <a:lstStyle/>
-          <a:p>
-            <a:pPr marL="0" indent="0">
-              <a:buNone/>
-            </a:pPr>
-            <a:r>
-              <a:rPr lang="en-US" sz="1800" dirty="0"/>
-              <a:t>Systemic data quality problems</a:t>
+              <a:t>DATA [INTEGRITY CONCERNS]</a:t>
             </a:r>
           </a:p>
         </p:txBody>
@@ -10624,13 +10016,13 @@
           <p:nvPr>
             <p:extLst>
               <p:ext uri="{D42A27DB-BD31-4B8C-83A1-F6EECF244321}">
-                <p14:modId xmlns:p14="http://schemas.microsoft.com/office/powerpoint/2010/main" val="1375816670"/>
+                <p14:modId xmlns:p14="http://schemas.microsoft.com/office/powerpoint/2010/main" val="2821516201"/>
               </p:ext>
             </p:extLst>
           </p:nvPr>
         </p:nvGraphicFramePr>
         <p:xfrm>
-          <a:off x="241717" y="2288311"/>
+          <a:off x="240807" y="2291533"/>
           <a:ext cx="2916819" cy="4121696"/>
         </p:xfrm>
         <a:graphic>
@@ -11554,10 +10946,10 @@
       </p:graphicFrame>
       <p:grpSp>
         <p:nvGrpSpPr>
-          <p:cNvPr id="18" name="Group 17">
+          <p:cNvPr id="47" name="Group 46">
             <a:extLst>
               <a:ext uri="{FF2B5EF4-FFF2-40B4-BE49-F238E27FC236}">
-                <a16:creationId xmlns:a16="http://schemas.microsoft.com/office/drawing/2014/main" id="{235C2947-CD6C-204B-9BB5-A88B9F60F749}"/>
+                <a16:creationId xmlns:a16="http://schemas.microsoft.com/office/drawing/2014/main" id="{FD8D4786-50F6-5848-9F7A-436EAE9E5854}"/>
               </a:ext>
             </a:extLst>
           </p:cNvPr>
@@ -11566,10 +10958,10 @@
         </p:nvGrpSpPr>
         <p:grpSpPr>
           <a:xfrm>
-            <a:off x="7011173" y="2288311"/>
-            <a:ext cx="5071639" cy="2742342"/>
-            <a:chOff x="6562846" y="1645080"/>
-            <a:chExt cx="5071639" cy="2742342"/>
+            <a:off x="7980341" y="1700197"/>
+            <a:ext cx="3924212" cy="2296308"/>
+            <a:chOff x="7818294" y="1653897"/>
+            <a:chExt cx="3924212" cy="2296308"/>
           </a:xfrm>
         </p:grpSpPr>
         <p:pic>
@@ -11594,8 +10986,8 @@
           </p:blipFill>
           <p:spPr>
             <a:xfrm>
-              <a:off x="6562846" y="1645080"/>
-              <a:ext cx="4441968" cy="2742342"/>
+              <a:off x="7818294" y="1653897"/>
+              <a:ext cx="3719495" cy="2296308"/>
             </a:xfrm>
             <a:prstGeom prst="rect">
               <a:avLst/>
@@ -11616,8 +11008,8 @@
           </p:nvSpPr>
           <p:spPr>
             <a:xfrm>
-              <a:off x="10571544" y="1690688"/>
-              <a:ext cx="433270" cy="368169"/>
+              <a:off x="11174989" y="1692087"/>
+              <a:ext cx="362800" cy="308287"/>
             </a:xfrm>
             <a:prstGeom prst="ellipse">
               <a:avLst/>
@@ -11668,8 +11060,8 @@
           </p:nvSpPr>
           <p:spPr>
             <a:xfrm>
-              <a:off x="10439790" y="2058857"/>
-              <a:ext cx="756787" cy="276999"/>
+              <a:off x="11064664" y="2000374"/>
+              <a:ext cx="633698" cy="231946"/>
             </a:xfrm>
             <a:prstGeom prst="rect">
               <a:avLst/>
@@ -11708,8 +11100,8 @@
           </p:nvSpPr>
           <p:spPr>
             <a:xfrm>
-              <a:off x="10001880" y="2335856"/>
-              <a:ext cx="1632605" cy="646331"/>
+              <a:off x="10397034" y="2243895"/>
+              <a:ext cx="1345472" cy="830997"/>
             </a:xfrm>
             <a:prstGeom prst="rect">
               <a:avLst/>
@@ -11763,7 +11155,7 @@
         </p:blipFill>
         <p:spPr>
           <a:xfrm>
-            <a:off x="3402957" y="4039564"/>
+            <a:off x="3333507" y="4016414"/>
             <a:ext cx="3222769" cy="2811386"/>
           </a:xfrm>
           <a:prstGeom prst="rect">
@@ -11787,7 +11179,7 @@
         </p:nvSpPr>
         <p:spPr>
           <a:xfrm>
-            <a:off x="3402957" y="2276044"/>
+            <a:off x="3310357" y="2252894"/>
             <a:ext cx="3328871" cy="1705646"/>
           </a:xfrm>
           <a:prstGeom prst="rect">
@@ -11969,8 +11361,13 @@
             </a:pPr>
             <a:r>
               <a:rPr lang="en-US" sz="1200" dirty="0"/>
-              <a:t>This is a heatmap of seven columns of missing data by record descending vertically.</a:t>
-            </a:r>
+              <a:t>Heatmap showing seven columns of missing data, by record descending vertically. White space indicates missing data. </a:t>
+            </a:r>
+            <a:r>
+              <a:rPr lang="en-US" sz="1200" b="1" dirty="0"/>
+              <a:t>Significant.</a:t>
+            </a:r>
+            <a:endParaRPr lang="en-US" sz="1200" dirty="0"/>
           </a:p>
           <a:p>
             <a:pPr marL="0" indent="0">
@@ -11986,66 +11383,11 @@
             </a:pPr>
             <a:r>
               <a:rPr lang="en-US" sz="1200" dirty="0"/>
-              <a:t>White space indicates missing data. Significant amount missing! </a:t>
-            </a:r>
-          </a:p>
-          <a:p>
-            <a:pPr marL="0" indent="0">
-              <a:buFont typeface="Arial" panose="020B0604020202020204" pitchFamily="34" charset="0"/>
-              <a:buNone/>
-            </a:pPr>
-            <a:endParaRPr lang="en-US" sz="100" dirty="0"/>
-          </a:p>
-          <a:p>
-            <a:pPr marL="0" indent="0">
-              <a:buFont typeface="Arial" panose="020B0604020202020204" pitchFamily="34" charset="0"/>
-              <a:buNone/>
-            </a:pPr>
-            <a:r>
-              <a:rPr lang="en-US" sz="1200" dirty="0"/>
-              <a:t>Also notice data is usually missing for multiple columns for the same record. Systemic data collection issue! </a:t>
+              <a:t>Notice data is usually missing for multiple columns for the same record. Systemic data collection issue! </a:t>
             </a:r>
           </a:p>
         </p:txBody>
       </p:sp>
-      <p:cxnSp>
-        <p:nvCxnSpPr>
-          <p:cNvPr id="21" name="Straight Connector 20">
-            <a:extLst>
-              <a:ext uri="{FF2B5EF4-FFF2-40B4-BE49-F238E27FC236}">
-                <a16:creationId xmlns:a16="http://schemas.microsoft.com/office/drawing/2014/main" id="{7DD302B8-2BD1-2945-801D-C7F143BA4785}"/>
-              </a:ext>
-            </a:extLst>
-          </p:cNvPr>
-          <p:cNvCxnSpPr>
-            <a:cxnSpLocks/>
-          </p:cNvCxnSpPr>
-          <p:nvPr/>
-        </p:nvCxnSpPr>
-        <p:spPr>
-          <a:xfrm>
-            <a:off x="6836775" y="1856873"/>
-            <a:ext cx="0" cy="4803500"/>
-          </a:xfrm>
-          <a:prstGeom prst="line">
-            <a:avLst/>
-          </a:prstGeom>
-        </p:spPr>
-        <p:style>
-          <a:lnRef idx="1">
-            <a:schemeClr val="dk1"/>
-          </a:lnRef>
-          <a:fillRef idx="0">
-            <a:schemeClr val="dk1"/>
-          </a:fillRef>
-          <a:effectRef idx="0">
-            <a:schemeClr val="dk1"/>
-          </a:effectRef>
-          <a:fontRef idx="minor">
-            <a:schemeClr val="tx1"/>
-          </a:fontRef>
-        </p:style>
-      </p:cxnSp>
       <p:sp>
         <p:nvSpPr>
           <p:cNvPr id="23" name="Content Placeholder 12">
@@ -12062,8 +11404,8 @@
         </p:nvSpPr>
         <p:spPr>
           <a:xfrm>
-            <a:off x="7288974" y="1775769"/>
-            <a:ext cx="2642104" cy="431438"/>
+            <a:off x="6682812" y="1615972"/>
+            <a:ext cx="1626660" cy="431438"/>
           </a:xfrm>
           <a:prstGeom prst="rect">
             <a:avLst/>
@@ -12239,13 +11581,15 @@
           </a:lstStyle>
           <a:p>
             <a:pPr marL="0" indent="0">
-              <a:buFont typeface="Arial" panose="020B0604020202020204" pitchFamily="34" charset="0"/>
               <a:buNone/>
             </a:pPr>
             <a:r>
-              <a:rPr lang="en-US" sz="1800" dirty="0"/>
-              <a:t>Other suspicious records</a:t>
-            </a:r>
+              <a:rPr lang="en-US" sz="1800" b="1" dirty="0"/>
+              <a:t>SUSPICIOUS…</a:t>
+            </a:r>
+          </a:p>
+          <a:p>
+            <a:endParaRPr lang="en-US" sz="1800" dirty="0"/>
           </a:p>
         </p:txBody>
       </p:sp>
@@ -12265,17 +11609,13 @@
         </p:nvSpPr>
         <p:spPr>
           <a:xfrm>
-            <a:off x="7288973" y="5444430"/>
-            <a:ext cx="4339154" cy="920955"/>
+            <a:off x="7092202" y="5607664"/>
+            <a:ext cx="4842240" cy="920955"/>
           </a:xfrm>
           <a:prstGeom prst="rect">
             <a:avLst/>
           </a:prstGeom>
-          <a:solidFill>
-            <a:schemeClr val="bg1">
-              <a:lumMod val="85000"/>
-            </a:schemeClr>
-          </a:solidFill>
+          <a:noFill/>
           <a:ln>
             <a:solidFill>
               <a:schemeClr val="dk1"/>
@@ -12457,15 +11797,456 @@
             </a:pPr>
             <a:r>
               <a:rPr lang="en-US" sz="1800" dirty="0"/>
-              <a:t>In total, data quality concerns are significant and should be addresses. However, they do not pose a threat to this analysis </a:t>
-            </a:r>
+              <a:t>In total, data quality concerns are significant and should be addresses. However, they do not pose a threat to this analysis. </a:t>
+            </a:r>
+          </a:p>
+        </p:txBody>
+      </p:sp>
+      <p:pic>
+        <p:nvPicPr>
+          <p:cNvPr id="4" name="Picture 3" descr="A picture containing graphical user interface&#10;&#10;Description automatically generated">
+            <a:extLst>
+              <a:ext uri="{FF2B5EF4-FFF2-40B4-BE49-F238E27FC236}">
+                <a16:creationId xmlns:a16="http://schemas.microsoft.com/office/drawing/2014/main" id="{0561A8DE-EA3C-CE43-85AC-620D072A77EB}"/>
+              </a:ext>
+            </a:extLst>
+          </p:cNvPr>
+          <p:cNvPicPr>
+            <a:picLocks noChangeAspect="1"/>
+          </p:cNvPicPr>
+          <p:nvPr/>
+        </p:nvPicPr>
+        <p:blipFill>
+          <a:blip r:embed="rId4"/>
+          <a:stretch>
+            <a:fillRect/>
+          </a:stretch>
+        </p:blipFill>
+        <p:spPr>
+          <a:xfrm>
+            <a:off x="6906584" y="4207368"/>
+            <a:ext cx="4973293" cy="770231"/>
+          </a:xfrm>
+          <a:prstGeom prst="rect">
+            <a:avLst/>
+          </a:prstGeom>
+          <a:effectLst>
+            <a:glow rad="63500">
+              <a:schemeClr val="accent3">
+                <a:satMod val="175000"/>
+                <a:alpha val="40000"/>
+              </a:schemeClr>
+            </a:glow>
+            <a:outerShdw blurRad="50800" dist="38100" dir="2700000" algn="tl" rotWithShape="0">
+              <a:prstClr val="black">
+                <a:alpha val="40000"/>
+              </a:prstClr>
+            </a:outerShdw>
+          </a:effectLst>
+        </p:spPr>
+      </p:pic>
+      <p:grpSp>
+        <p:nvGrpSpPr>
+          <p:cNvPr id="48" name="Group 47">
+            <a:extLst>
+              <a:ext uri="{FF2B5EF4-FFF2-40B4-BE49-F238E27FC236}">
+                <a16:creationId xmlns:a16="http://schemas.microsoft.com/office/drawing/2014/main" id="{F14EB148-3F7E-B244-909F-B33201EB4B60}"/>
+              </a:ext>
+            </a:extLst>
+          </p:cNvPr>
+          <p:cNvGrpSpPr/>
+          <p:nvPr/>
+        </p:nvGrpSpPr>
+        <p:grpSpPr>
+          <a:xfrm>
+            <a:off x="3429000" y="3749040"/>
+            <a:ext cx="2743200" cy="274320"/>
+            <a:chOff x="3429000" y="3749040"/>
+            <a:chExt cx="2743200" cy="274320"/>
+          </a:xfrm>
+        </p:grpSpPr>
+        <p:pic>
+          <p:nvPicPr>
+            <p:cNvPr id="6" name="Graphic 5" descr="Badge 7">
+              <a:extLst>
+                <a:ext uri="{FF2B5EF4-FFF2-40B4-BE49-F238E27FC236}">
+                  <a16:creationId xmlns:a16="http://schemas.microsoft.com/office/drawing/2014/main" id="{5418B7C7-2C3E-904C-82A6-2ED880D7394F}"/>
+                </a:ext>
+              </a:extLst>
+            </p:cNvPr>
+            <p:cNvPicPr>
+              <a:picLocks noChangeAspect="1"/>
+            </p:cNvPicPr>
+            <p:nvPr/>
+          </p:nvPicPr>
+          <p:blipFill>
+            <a:blip r:embed="rId5">
+              <a:extLst>
+                <a:ext uri="{96DAC541-7B7A-43D3-8B79-37D633B846F1}">
+                  <asvg:svgBlip xmlns:asvg="http://schemas.microsoft.com/office/drawing/2016/SVG/main" r:embed="rId6"/>
+                </a:ext>
+              </a:extLst>
+            </a:blip>
+            <a:stretch>
+              <a:fillRect/>
+            </a:stretch>
+          </p:blipFill>
+          <p:spPr>
+            <a:xfrm>
+              <a:off x="5897880" y="3749040"/>
+              <a:ext cx="274320" cy="274320"/>
+            </a:xfrm>
+            <a:prstGeom prst="rect">
+              <a:avLst/>
+            </a:prstGeom>
+          </p:spPr>
+        </p:pic>
+        <p:pic>
+          <p:nvPicPr>
+            <p:cNvPr id="9" name="Graphic 8" descr="Badge 6">
+              <a:extLst>
+                <a:ext uri="{FF2B5EF4-FFF2-40B4-BE49-F238E27FC236}">
+                  <a16:creationId xmlns:a16="http://schemas.microsoft.com/office/drawing/2014/main" id="{12F3AE79-891F-064C-BEB8-352576EF5BDC}"/>
+                </a:ext>
+              </a:extLst>
+            </p:cNvPr>
+            <p:cNvPicPr>
+              <a:picLocks noChangeAspect="1"/>
+            </p:cNvPicPr>
+            <p:nvPr/>
+          </p:nvPicPr>
+          <p:blipFill>
+            <a:blip r:embed="rId7">
+              <a:extLst>
+                <a:ext uri="{96DAC541-7B7A-43D3-8B79-37D633B846F1}">
+                  <asvg:svgBlip xmlns:asvg="http://schemas.microsoft.com/office/drawing/2016/SVG/main" r:embed="rId8"/>
+                </a:ext>
+              </a:extLst>
+            </a:blip>
+            <a:stretch>
+              <a:fillRect/>
+            </a:stretch>
+          </p:blipFill>
+          <p:spPr>
+            <a:xfrm>
+              <a:off x="5486400" y="3749040"/>
+              <a:ext cx="274320" cy="274320"/>
+            </a:xfrm>
+            <a:prstGeom prst="rect">
+              <a:avLst/>
+            </a:prstGeom>
+          </p:spPr>
+        </p:pic>
+        <p:pic>
+          <p:nvPicPr>
+            <p:cNvPr id="11" name="Graphic 10" descr="Badge 5">
+              <a:extLst>
+                <a:ext uri="{FF2B5EF4-FFF2-40B4-BE49-F238E27FC236}">
+                  <a16:creationId xmlns:a16="http://schemas.microsoft.com/office/drawing/2014/main" id="{1870EF5F-685D-2D4C-A102-34D8C10690BD}"/>
+                </a:ext>
+              </a:extLst>
+            </p:cNvPr>
+            <p:cNvPicPr>
+              <a:picLocks noChangeAspect="1"/>
+            </p:cNvPicPr>
+            <p:nvPr/>
+          </p:nvPicPr>
+          <p:blipFill>
+            <a:blip r:embed="rId9">
+              <a:extLst>
+                <a:ext uri="{96DAC541-7B7A-43D3-8B79-37D633B846F1}">
+                  <asvg:svgBlip xmlns:asvg="http://schemas.microsoft.com/office/drawing/2016/SVG/main" r:embed="rId10"/>
+                </a:ext>
+              </a:extLst>
+            </a:blip>
+            <a:stretch>
+              <a:fillRect/>
+            </a:stretch>
+          </p:blipFill>
+          <p:spPr>
+            <a:xfrm>
+              <a:off x="5074920" y="3749040"/>
+              <a:ext cx="274320" cy="274320"/>
+            </a:xfrm>
+            <a:prstGeom prst="rect">
+              <a:avLst/>
+            </a:prstGeom>
+          </p:spPr>
+        </p:pic>
+        <p:pic>
+          <p:nvPicPr>
+            <p:cNvPr id="22" name="Graphic 21" descr="Badge 4">
+              <a:extLst>
+                <a:ext uri="{FF2B5EF4-FFF2-40B4-BE49-F238E27FC236}">
+                  <a16:creationId xmlns:a16="http://schemas.microsoft.com/office/drawing/2014/main" id="{6130CB05-D2C8-9847-9EA6-39E8F6F8AFF9}"/>
+                </a:ext>
+              </a:extLst>
+            </p:cNvPr>
+            <p:cNvPicPr>
+              <a:picLocks noChangeAspect="1"/>
+            </p:cNvPicPr>
+            <p:nvPr/>
+          </p:nvPicPr>
+          <p:blipFill>
+            <a:blip r:embed="rId11">
+              <a:extLst>
+                <a:ext uri="{96DAC541-7B7A-43D3-8B79-37D633B846F1}">
+                  <asvg:svgBlip xmlns:asvg="http://schemas.microsoft.com/office/drawing/2016/SVG/main" r:embed="rId12"/>
+                </a:ext>
+              </a:extLst>
+            </a:blip>
+            <a:stretch>
+              <a:fillRect/>
+            </a:stretch>
+          </p:blipFill>
+          <p:spPr>
+            <a:xfrm>
+              <a:off x="4663440" y="3749040"/>
+              <a:ext cx="274320" cy="274320"/>
+            </a:xfrm>
+            <a:prstGeom prst="rect">
+              <a:avLst/>
+            </a:prstGeom>
+          </p:spPr>
+        </p:pic>
+        <p:pic>
+          <p:nvPicPr>
+            <p:cNvPr id="26" name="Graphic 25" descr="Badge 3">
+              <a:extLst>
+                <a:ext uri="{FF2B5EF4-FFF2-40B4-BE49-F238E27FC236}">
+                  <a16:creationId xmlns:a16="http://schemas.microsoft.com/office/drawing/2014/main" id="{4846ABDE-6C36-814B-876B-625932773DC8}"/>
+                </a:ext>
+              </a:extLst>
+            </p:cNvPr>
+            <p:cNvPicPr>
+              <a:picLocks noChangeAspect="1"/>
+            </p:cNvPicPr>
+            <p:nvPr/>
+          </p:nvPicPr>
+          <p:blipFill>
+            <a:blip r:embed="rId13">
+              <a:extLst>
+                <a:ext uri="{96DAC541-7B7A-43D3-8B79-37D633B846F1}">
+                  <asvg:svgBlip xmlns:asvg="http://schemas.microsoft.com/office/drawing/2016/SVG/main" r:embed="rId14"/>
+                </a:ext>
+              </a:extLst>
+            </a:blip>
+            <a:stretch>
+              <a:fillRect/>
+            </a:stretch>
+          </p:blipFill>
+          <p:spPr>
+            <a:xfrm>
+              <a:off x="4251960" y="3749040"/>
+              <a:ext cx="274320" cy="274320"/>
+            </a:xfrm>
+            <a:prstGeom prst="rect">
+              <a:avLst/>
+            </a:prstGeom>
+          </p:spPr>
+        </p:pic>
+        <p:pic>
+          <p:nvPicPr>
+            <p:cNvPr id="28" name="Graphic 27" descr="Badge">
+              <a:extLst>
+                <a:ext uri="{FF2B5EF4-FFF2-40B4-BE49-F238E27FC236}">
+                  <a16:creationId xmlns:a16="http://schemas.microsoft.com/office/drawing/2014/main" id="{BE31A402-876B-DA41-8524-F81FA39F21FD}"/>
+                </a:ext>
+              </a:extLst>
+            </p:cNvPr>
+            <p:cNvPicPr>
+              <a:picLocks noChangeAspect="1"/>
+            </p:cNvPicPr>
+            <p:nvPr/>
+          </p:nvPicPr>
+          <p:blipFill>
+            <a:blip r:embed="rId15">
+              <a:extLst>
+                <a:ext uri="{96DAC541-7B7A-43D3-8B79-37D633B846F1}">
+                  <asvg:svgBlip xmlns:asvg="http://schemas.microsoft.com/office/drawing/2016/SVG/main" r:embed="rId16"/>
+                </a:ext>
+              </a:extLst>
+            </a:blip>
+            <a:stretch>
+              <a:fillRect/>
+            </a:stretch>
+          </p:blipFill>
+          <p:spPr>
+            <a:xfrm>
+              <a:off x="3840480" y="3749040"/>
+              <a:ext cx="274320" cy="274320"/>
+            </a:xfrm>
+            <a:prstGeom prst="rect">
+              <a:avLst/>
+            </a:prstGeom>
+          </p:spPr>
+        </p:pic>
+        <p:pic>
+          <p:nvPicPr>
+            <p:cNvPr id="30" name="Graphic 29" descr="Badge 1">
+              <a:extLst>
+                <a:ext uri="{FF2B5EF4-FFF2-40B4-BE49-F238E27FC236}">
+                  <a16:creationId xmlns:a16="http://schemas.microsoft.com/office/drawing/2014/main" id="{539A14CF-7DB6-D942-969B-A04A42C1BB52}"/>
+                </a:ext>
+              </a:extLst>
+            </p:cNvPr>
+            <p:cNvPicPr>
+              <a:picLocks noChangeAspect="1"/>
+            </p:cNvPicPr>
+            <p:nvPr/>
+          </p:nvPicPr>
+          <p:blipFill>
+            <a:blip r:embed="rId17">
+              <a:extLst>
+                <a:ext uri="{96DAC541-7B7A-43D3-8B79-37D633B846F1}">
+                  <asvg:svgBlip xmlns:asvg="http://schemas.microsoft.com/office/drawing/2016/SVG/main" r:embed="rId18"/>
+                </a:ext>
+              </a:extLst>
+            </a:blip>
+            <a:stretch>
+              <a:fillRect/>
+            </a:stretch>
+          </p:blipFill>
+          <p:spPr>
+            <a:xfrm>
+              <a:off x="3429000" y="3749040"/>
+              <a:ext cx="274320" cy="274320"/>
+            </a:xfrm>
+            <a:prstGeom prst="rect">
+              <a:avLst/>
+            </a:prstGeom>
+          </p:spPr>
+        </p:pic>
+      </p:grpSp>
+      <p:sp>
+        <p:nvSpPr>
+          <p:cNvPr id="31" name="TextBox 30">
+            <a:extLst>
+              <a:ext uri="{FF2B5EF4-FFF2-40B4-BE49-F238E27FC236}">
+                <a16:creationId xmlns:a16="http://schemas.microsoft.com/office/drawing/2014/main" id="{95723BCB-2D34-8641-ACD2-D95D98AF3A7A}"/>
+              </a:ext>
+            </a:extLst>
+          </p:cNvPr>
+          <p:cNvSpPr txBox="1"/>
+          <p:nvPr/>
+        </p:nvSpPr>
+        <p:spPr>
+          <a:xfrm>
+            <a:off x="7176458" y="4878739"/>
+            <a:ext cx="4472521" cy="276999"/>
+          </a:xfrm>
+          <a:prstGeom prst="rect">
+            <a:avLst/>
+          </a:prstGeom>
+          <a:solidFill>
+            <a:schemeClr val="bg1"/>
+          </a:solidFill>
+          <a:ln>
+            <a:solidFill>
+              <a:srgbClr val="FF0000"/>
+            </a:solidFill>
+          </a:ln>
+        </p:spPr>
+        <p:txBody>
+          <a:bodyPr wrap="square" rtlCol="0">
+            <a:spAutoFit/>
+          </a:bodyPr>
+          <a:lstStyle/>
+          <a:p>
+            <a:r>
+              <a:rPr lang="en-US" sz="1200" dirty="0">
+                <a:solidFill>
+                  <a:srgbClr val="FF0000"/>
+                </a:solidFill>
+              </a:rPr>
+              <a:t>Deliveries with multiple items are broken out on as separate records</a:t>
+            </a:r>
+          </a:p>
+        </p:txBody>
+      </p:sp>
+      <p:cxnSp>
+        <p:nvCxnSpPr>
+          <p:cNvPr id="32" name="Straight Connector 31">
+            <a:extLst>
+              <a:ext uri="{FF2B5EF4-FFF2-40B4-BE49-F238E27FC236}">
+                <a16:creationId xmlns:a16="http://schemas.microsoft.com/office/drawing/2014/main" id="{AA0D3A3E-6BBB-F249-AD04-D36CA56181E3}"/>
+              </a:ext>
+            </a:extLst>
+          </p:cNvPr>
+          <p:cNvCxnSpPr>
+            <a:cxnSpLocks/>
+          </p:cNvCxnSpPr>
+          <p:nvPr/>
+        </p:nvCxnSpPr>
+        <p:spPr>
+          <a:xfrm>
+            <a:off x="6613362" y="1831691"/>
+            <a:ext cx="0" cy="4535055"/>
+          </a:xfrm>
+          <a:prstGeom prst="line">
+            <a:avLst/>
+          </a:prstGeom>
+        </p:spPr>
+        <p:style>
+          <a:lnRef idx="1">
+            <a:schemeClr val="dk1"/>
+          </a:lnRef>
+          <a:fillRef idx="0">
+            <a:schemeClr val="dk1"/>
+          </a:fillRef>
+          <a:effectRef idx="0">
+            <a:schemeClr val="dk1"/>
+          </a:effectRef>
+          <a:fontRef idx="minor">
+            <a:schemeClr val="tx1"/>
+          </a:fontRef>
+        </p:style>
+      </p:cxnSp>
+      <p:sp>
+        <p:nvSpPr>
+          <p:cNvPr id="46" name="TextBox 45">
+            <a:extLst>
+              <a:ext uri="{FF2B5EF4-FFF2-40B4-BE49-F238E27FC236}">
+                <a16:creationId xmlns:a16="http://schemas.microsoft.com/office/drawing/2014/main" id="{F9D28DD2-FC1B-7C42-BCC0-6F8D5906DFF1}"/>
+              </a:ext>
+            </a:extLst>
+          </p:cNvPr>
+          <p:cNvSpPr txBox="1"/>
+          <p:nvPr/>
+        </p:nvSpPr>
+        <p:spPr>
+          <a:xfrm>
+            <a:off x="240807" y="1615972"/>
+            <a:ext cx="3599673" cy="923330"/>
+          </a:xfrm>
+          <a:prstGeom prst="rect">
+            <a:avLst/>
+          </a:prstGeom>
+          <a:noFill/>
+        </p:spPr>
+        <p:txBody>
+          <a:bodyPr wrap="square" rtlCol="0">
+            <a:spAutoFit/>
+          </a:bodyPr>
+          <a:lstStyle/>
+          <a:p>
+            <a:r>
+              <a:rPr lang="en-US" b="1" dirty="0"/>
+              <a:t>SYSTEMIC data quality problems</a:t>
+            </a:r>
+          </a:p>
+          <a:p>
+            <a:endParaRPr lang="en-US" dirty="0"/>
+          </a:p>
+          <a:p>
+            <a:endParaRPr lang="en-US" dirty="0"/>
           </a:p>
         </p:txBody>
       </p:sp>
     </p:spTree>
     <p:extLst>
       <p:ext uri="{BB962C8B-B14F-4D97-AF65-F5344CB8AC3E}">
-        <p14:creationId xmlns:p14="http://schemas.microsoft.com/office/powerpoint/2010/main" val="3691253493"/>
+        <p14:creationId xmlns:p14="http://schemas.microsoft.com/office/powerpoint/2010/main" val="1407074639"/>
       </p:ext>
     </p:extLst>
   </p:cSld>
@@ -12475,7 +12256,7 @@
 </p:sld>
 </file>
 
-<file path=ppt/slides/slide12.xml><?xml version="1.0" encoding="utf-8"?>
+<file path=ppt/slides/slide13.xml><?xml version="1.0" encoding="utf-8"?>
 <p:sld xmlns:a="http://schemas.openxmlformats.org/drawingml/2006/main" xmlns:r="http://schemas.openxmlformats.org/officeDocument/2006/relationships" xmlns:p="http://schemas.openxmlformats.org/presentationml/2006/main">
   <p:cSld>
     <p:spTree>
@@ -12510,8 +12291,8 @@
         </p:nvSpPr>
         <p:spPr>
           <a:xfrm>
-            <a:off x="838200" y="365125"/>
-            <a:ext cx="10515600" cy="1325563"/>
+            <a:off x="474562" y="365125"/>
+            <a:ext cx="11242876" cy="1325563"/>
           </a:xfrm>
         </p:spPr>
         <p:txBody>
@@ -12519,7 +12300,7 @@
           <a:lstStyle/>
           <a:p>
             <a:r>
-              <a:rPr lang="en-US" b="1" dirty="0">
+              <a:rPr lang="en-US" dirty="0">
                 <a:solidFill>
                   <a:schemeClr val="tx1">
                     <a:lumMod val="50000"/>
@@ -12530,8 +12311,12 @@
               <a:t>4.2</a:t>
             </a:r>
             <a:r>
+              <a:rPr lang="en-US" dirty="0"/>
+              <a:t> </a:t>
+            </a:r>
+            <a:r>
               <a:rPr lang="en-US" b="1" dirty="0"/>
-              <a:t> DATASET [FEATURE ENGINEERING]</a:t>
+              <a:t>DATA [FEATURE ENGINEERING]</a:t>
             </a:r>
           </a:p>
         </p:txBody>
@@ -12626,44 +12411,6 @@
           </a:prstGeom>
         </p:spPr>
       </p:pic>
-      <p:cxnSp>
-        <p:nvCxnSpPr>
-          <p:cNvPr id="25" name="Straight Connector 24">
-            <a:extLst>
-              <a:ext uri="{FF2B5EF4-FFF2-40B4-BE49-F238E27FC236}">
-                <a16:creationId xmlns:a16="http://schemas.microsoft.com/office/drawing/2014/main" id="{D53711E3-4A56-4045-B7A7-CD7ACE6F6095}"/>
-              </a:ext>
-            </a:extLst>
-          </p:cNvPr>
-          <p:cNvCxnSpPr>
-            <a:cxnSpLocks/>
-          </p:cNvCxnSpPr>
-          <p:nvPr/>
-        </p:nvCxnSpPr>
-        <p:spPr>
-          <a:xfrm>
-            <a:off x="6400796" y="1429704"/>
-            <a:ext cx="0" cy="4936372"/>
-          </a:xfrm>
-          <a:prstGeom prst="line">
-            <a:avLst/>
-          </a:prstGeom>
-        </p:spPr>
-        <p:style>
-          <a:lnRef idx="1">
-            <a:schemeClr val="dk1"/>
-          </a:lnRef>
-          <a:fillRef idx="0">
-            <a:schemeClr val="dk1"/>
-          </a:fillRef>
-          <a:effectRef idx="0">
-            <a:schemeClr val="dk1"/>
-          </a:effectRef>
-          <a:fontRef idx="minor">
-            <a:schemeClr val="tx1"/>
-          </a:fontRef>
-        </p:style>
-      </p:cxnSp>
       <p:sp>
         <p:nvSpPr>
           <p:cNvPr id="12" name="TextBox 11">
@@ -12686,9 +12433,7 @@
           </a:prstGeom>
           <a:noFill/>
           <a:ln>
-            <a:solidFill>
-              <a:schemeClr val="dk1"/>
-            </a:solidFill>
+            <a:noFill/>
           </a:ln>
         </p:spPr>
         <p:txBody>
@@ -12699,7 +12444,7 @@
           <a:p>
             <a:pPr algn="ctr"/>
             <a:r>
-              <a:rPr lang="en-US" dirty="0"/>
+              <a:rPr lang="en-US" b="1" dirty="0"/>
               <a:t>DEMOGRAPHIC &amp; GEOGRAPHIC DATA</a:t>
             </a:r>
           </a:p>
@@ -12752,15 +12497,7 @@
           <a:p>
             <a:r>
               <a:rPr lang="en-US" dirty="0"/>
-              <a:t>A sample </a:t>
-            </a:r>
-            <a:r>
-              <a:rPr lang="en-US" dirty="0" err="1"/>
-              <a:t>funciton</a:t>
-            </a:r>
-            <a:r>
-              <a:rPr lang="en-US" dirty="0"/>
-              <a:t> returns a the zip code using latitude and longitude inputs</a:t>
+              <a:t>A sample function returns zip code based on latitude and longitude coordinates</a:t>
             </a:r>
           </a:p>
         </p:txBody>
@@ -12845,6 +12582,44 @@
           </a:p>
         </p:txBody>
       </p:sp>
+      <p:cxnSp>
+        <p:nvCxnSpPr>
+          <p:cNvPr id="33" name="Straight Connector 32">
+            <a:extLst>
+              <a:ext uri="{FF2B5EF4-FFF2-40B4-BE49-F238E27FC236}">
+                <a16:creationId xmlns:a16="http://schemas.microsoft.com/office/drawing/2014/main" id="{32EF5149-B186-2048-845E-01C4E957A56E}"/>
+              </a:ext>
+            </a:extLst>
+          </p:cNvPr>
+          <p:cNvCxnSpPr>
+            <a:cxnSpLocks/>
+          </p:cNvCxnSpPr>
+          <p:nvPr/>
+        </p:nvCxnSpPr>
+        <p:spPr>
+          <a:xfrm>
+            <a:off x="6567062" y="2291533"/>
+            <a:ext cx="0" cy="4075213"/>
+          </a:xfrm>
+          <a:prstGeom prst="line">
+            <a:avLst/>
+          </a:prstGeom>
+        </p:spPr>
+        <p:style>
+          <a:lnRef idx="1">
+            <a:schemeClr val="dk1"/>
+          </a:lnRef>
+          <a:fillRef idx="0">
+            <a:schemeClr val="dk1"/>
+          </a:fillRef>
+          <a:effectRef idx="0">
+            <a:schemeClr val="dk1"/>
+          </a:effectRef>
+          <a:fontRef idx="minor">
+            <a:schemeClr val="tx1"/>
+          </a:fontRef>
+        </p:style>
+      </p:cxnSp>
     </p:spTree>
     <p:extLst>
       <p:ext uri="{BB962C8B-B14F-4D97-AF65-F5344CB8AC3E}">
@@ -12858,7 +12633,199 @@
 </p:sld>
 </file>
 
-<file path=ppt/slides/slide13.xml><?xml version="1.0" encoding="utf-8"?>
+<file path=ppt/slides/slide14.xml><?xml version="1.0" encoding="utf-8"?>
+<p:sld xmlns:a="http://schemas.openxmlformats.org/drawingml/2006/main" xmlns:r="http://schemas.openxmlformats.org/officeDocument/2006/relationships" xmlns:p="http://schemas.openxmlformats.org/presentationml/2006/main">
+  <p:cSld>
+    <p:spTree>
+      <p:nvGrpSpPr>
+        <p:cNvPr id="1" name=""/>
+        <p:cNvGrpSpPr/>
+        <p:nvPr/>
+      </p:nvGrpSpPr>
+      <p:grpSpPr>
+        <a:xfrm>
+          <a:off x="0" y="0"/>
+          <a:ext cx="0" cy="0"/>
+          <a:chOff x="0" y="0"/>
+          <a:chExt cx="0" cy="0"/>
+        </a:xfrm>
+      </p:grpSpPr>
+      <p:sp>
+        <p:nvSpPr>
+          <p:cNvPr id="5" name="Title 4">
+            <a:extLst>
+              <a:ext uri="{FF2B5EF4-FFF2-40B4-BE49-F238E27FC236}">
+                <a16:creationId xmlns:a16="http://schemas.microsoft.com/office/drawing/2014/main" id="{6D20CC92-6045-F848-8B3F-E6A948D47CBA}"/>
+              </a:ext>
+            </a:extLst>
+          </p:cNvPr>
+          <p:cNvSpPr>
+            <a:spLocks noGrp="1"/>
+          </p:cNvSpPr>
+          <p:nvPr>
+            <p:ph type="title"/>
+          </p:nvPr>
+        </p:nvSpPr>
+        <p:spPr/>
+        <p:txBody>
+          <a:bodyPr/>
+          <a:lstStyle/>
+          <a:p>
+            <a:r>
+              <a:rPr lang="en-US" dirty="0">
+                <a:solidFill>
+                  <a:schemeClr val="tx1">
+                    <a:lumMod val="50000"/>
+                    <a:lumOff val="50000"/>
+                  </a:schemeClr>
+                </a:solidFill>
+              </a:rPr>
+              <a:t>5 </a:t>
+            </a:r>
+            <a:r>
+              <a:rPr lang="en-US" b="1" dirty="0"/>
+              <a:t>GROWTH STRATEGY</a:t>
+            </a:r>
+          </a:p>
+        </p:txBody>
+      </p:sp>
+      <p:sp>
+        <p:nvSpPr>
+          <p:cNvPr id="7" name="TextBox 6">
+            <a:extLst>
+              <a:ext uri="{FF2B5EF4-FFF2-40B4-BE49-F238E27FC236}">
+                <a16:creationId xmlns:a16="http://schemas.microsoft.com/office/drawing/2014/main" id="{66FBDD22-ACDF-7D4E-9CF9-B962CB5B5953}"/>
+              </a:ext>
+            </a:extLst>
+          </p:cNvPr>
+          <p:cNvSpPr txBox="1"/>
+          <p:nvPr/>
+        </p:nvSpPr>
+        <p:spPr>
+          <a:xfrm>
+            <a:off x="3657600" y="2722945"/>
+            <a:ext cx="4872942" cy="3588955"/>
+          </a:xfrm>
+          <a:prstGeom prst="rect">
+            <a:avLst/>
+          </a:prstGeom>
+          <a:solidFill>
+            <a:schemeClr val="bg1">
+              <a:lumMod val="85000"/>
+            </a:schemeClr>
+          </a:solidFill>
+          <a:effectLst>
+            <a:softEdge rad="0"/>
+          </a:effectLst>
+        </p:spPr>
+        <p:txBody>
+          <a:bodyPr wrap="square" rtlCol="0">
+            <a:spAutoFit/>
+          </a:bodyPr>
+          <a:lstStyle/>
+          <a:p>
+            <a:endParaRPr lang="en-US" dirty="0"/>
+          </a:p>
+        </p:txBody>
+      </p:sp>
+      <p:sp>
+        <p:nvSpPr>
+          <p:cNvPr id="6" name="Content Placeholder 5">
+            <a:extLst>
+              <a:ext uri="{FF2B5EF4-FFF2-40B4-BE49-F238E27FC236}">
+                <a16:creationId xmlns:a16="http://schemas.microsoft.com/office/drawing/2014/main" id="{6B1F088F-90EF-FB44-8402-452E04D326F4}"/>
+              </a:ext>
+            </a:extLst>
+          </p:cNvPr>
+          <p:cNvSpPr>
+            <a:spLocks noGrp="1"/>
+          </p:cNvSpPr>
+          <p:nvPr>
+            <p:ph idx="1"/>
+          </p:nvPr>
+        </p:nvSpPr>
+        <p:spPr/>
+        <p:txBody>
+          <a:bodyPr>
+            <a:normAutofit/>
+          </a:bodyPr>
+          <a:lstStyle/>
+          <a:p>
+            <a:pPr marL="0" indent="0" algn="ctr">
+              <a:buNone/>
+            </a:pPr>
+            <a:r>
+              <a:rPr lang="en-US" sz="3000" dirty="0"/>
+              <a:t>GROWTH RECOMMENDATIONS</a:t>
+            </a:r>
+          </a:p>
+          <a:p>
+            <a:pPr marL="0" indent="0" algn="ctr">
+              <a:buNone/>
+            </a:pPr>
+            <a:endParaRPr lang="en-US" sz="3000" dirty="0"/>
+          </a:p>
+          <a:p>
+            <a:pPr marL="0" indent="0" algn="ctr">
+              <a:buNone/>
+            </a:pPr>
+            <a:r>
+              <a:rPr lang="en-US" sz="3200" b="1" dirty="0"/>
+              <a:t>TARGETED CAMPAIGNS </a:t>
+            </a:r>
+          </a:p>
+          <a:p>
+            <a:pPr marL="0" indent="0" algn="ctr">
+              <a:buNone/>
+            </a:pPr>
+            <a:r>
+              <a:rPr lang="en-US" sz="5000" b="1" dirty="0"/>
+              <a:t>+</a:t>
+            </a:r>
+          </a:p>
+          <a:p>
+            <a:pPr marL="0" indent="0" algn="ctr">
+              <a:buNone/>
+            </a:pPr>
+            <a:r>
+              <a:rPr lang="en-US" sz="3200" b="1" dirty="0"/>
+              <a:t>ENGAGEMENT </a:t>
+            </a:r>
+          </a:p>
+          <a:p>
+            <a:pPr marL="0" indent="0" algn="ctr">
+              <a:buNone/>
+            </a:pPr>
+            <a:r>
+              <a:rPr lang="en-US" sz="5000" b="1" dirty="0"/>
+              <a:t>+</a:t>
+            </a:r>
+          </a:p>
+          <a:p>
+            <a:pPr marL="0" indent="0" algn="ctr">
+              <a:buNone/>
+            </a:pPr>
+            <a:r>
+              <a:rPr lang="en-US" sz="3000" b="1" dirty="0"/>
+              <a:t>WAIT TIMES</a:t>
+            </a:r>
+          </a:p>
+        </p:txBody>
+      </p:sp>
+    </p:spTree>
+    <p:extLst>
+      <p:ext uri="{BB962C8B-B14F-4D97-AF65-F5344CB8AC3E}">
+        <p14:creationId xmlns:p14="http://schemas.microsoft.com/office/powerpoint/2010/main" val="1755969269"/>
+      </p:ext>
+    </p:extLst>
+  </p:cSld>
+  <p:clrMapOvr>
+    <a:masterClrMapping/>
+  </p:clrMapOvr>
+</p:sld>
+</file>
+
+<file path=ppt/slides/slide15.xml><?xml version="1.0" encoding="utf-8"?>
 <p:sld xmlns:a="http://schemas.openxmlformats.org/drawingml/2006/main" xmlns:r="http://schemas.openxmlformats.org/officeDocument/2006/relationships" xmlns:p="http://schemas.openxmlformats.org/presentationml/2006/main">
   <p:cSld>
     <p:spTree>
@@ -12891,9 +12858,16 @@
             <p:ph type="title"/>
           </p:nvPr>
         </p:nvSpPr>
-        <p:spPr/>
+        <p:spPr>
+          <a:xfrm>
+            <a:off x="462987" y="409575"/>
+            <a:ext cx="11247120" cy="1236664"/>
+          </a:xfrm>
+        </p:spPr>
         <p:txBody>
-          <a:bodyPr/>
+          <a:bodyPr>
+            <a:normAutofit/>
+          </a:bodyPr>
           <a:lstStyle/>
           <a:p>
             <a:r>
@@ -12905,22 +12879,21 @@
                   </a:schemeClr>
                 </a:solidFill>
               </a:rPr>
-              <a:t>5 </a:t>
+              <a:t>5.1</a:t>
             </a:r>
             <a:r>
               <a:rPr lang="en-US" b="1" dirty="0"/>
-              <a:t>GROWTH STRATEGY</a:t>
-            </a:r>
-            <a:endParaRPr lang="en-US" dirty="0"/>
+              <a:t> GROWTH STRATEGY [TARGETED CAMPAIGNS]</a:t>
+            </a:r>
           </a:p>
         </p:txBody>
       </p:sp>
       <p:sp>
         <p:nvSpPr>
-          <p:cNvPr id="3" name="Content Placeholder 2">
+          <p:cNvPr id="33" name="Content Placeholder 32">
             <a:extLst>
               <a:ext uri="{FF2B5EF4-FFF2-40B4-BE49-F238E27FC236}">
-                <a16:creationId xmlns:a16="http://schemas.microsoft.com/office/drawing/2014/main" id="{10E23F0F-BE41-0A41-9705-141A1F6AD0D5}"/>
+                <a16:creationId xmlns:a16="http://schemas.microsoft.com/office/drawing/2014/main" id="{56371E86-D5C0-4147-97B7-869DEA9B7570}"/>
               </a:ext>
             </a:extLst>
           </p:cNvPr>
@@ -12931,7 +12904,12 @@
             <p:ph idx="1"/>
           </p:nvPr>
         </p:nvSpPr>
-        <p:spPr/>
+        <p:spPr>
+          <a:xfrm>
+            <a:off x="462987" y="1825625"/>
+            <a:ext cx="11247120" cy="4351338"/>
+          </a:xfrm>
+        </p:spPr>
         <p:txBody>
           <a:bodyPr>
             <a:normAutofit/>
@@ -12942,120 +12920,74 @@
               <a:buNone/>
             </a:pPr>
             <a:r>
-              <a:rPr lang="en-US" sz="1600" b="1" dirty="0"/>
-              <a:t>Minimize wait times for Postmen. </a:t>
-            </a:r>
-            <a:r>
-              <a:rPr lang="en-US" sz="1600" dirty="0"/>
-              <a:t>Recommend partnership model with restaurants to minimize wasted time. </a:t>
-            </a:r>
-          </a:p>
-          <a:p>
-            <a:endParaRPr lang="en-US" sz="1500" dirty="0"/>
-          </a:p>
-          <a:p>
-            <a:endParaRPr lang="en-US" sz="1500" dirty="0"/>
-          </a:p>
-          <a:p>
-            <a:endParaRPr lang="en-US" sz="1500" dirty="0"/>
-          </a:p>
-          <a:p>
-            <a:pPr lvl="2"/>
-            <a:endParaRPr lang="en-US" sz="700" dirty="0"/>
-          </a:p>
-          <a:p>
-            <a:endParaRPr lang="en-US" sz="1500" dirty="0"/>
-          </a:p>
-          <a:p>
-            <a:endParaRPr lang="en-US" sz="1500" dirty="0"/>
-          </a:p>
-          <a:p>
-            <a:endParaRPr lang="en-US" sz="1500" dirty="0"/>
-          </a:p>
-          <a:p>
-            <a:pPr marL="0" indent="0">
-              <a:buNone/>
-            </a:pPr>
-            <a:endParaRPr lang="en-US" sz="100" b="1" dirty="0"/>
-          </a:p>
-          <a:p>
-            <a:pPr marL="0" indent="0">
-              <a:buNone/>
-            </a:pPr>
-            <a:r>
-              <a:rPr lang="en-US" sz="1500" b="1" dirty="0"/>
-              <a:t>Target untapped markets. [SEE NEXT SLIDE FOR DETAIL]</a:t>
-            </a:r>
+              <a:rPr lang="en-US" sz="1800" b="1" dirty="0"/>
+              <a:t>GROWTH RECOMMENDATION #1</a:t>
+            </a:r>
+            <a:r>
+              <a:rPr lang="en-US" sz="1800" dirty="0"/>
+              <a:t>: Targeted campaigns to specific zip codes.</a:t>
+            </a:r>
+          </a:p>
+          <a:p>
+            <a:r>
+              <a:rPr lang="en-US" sz="1800" dirty="0"/>
+              <a:t>[11226, 10025, 11211]: have the lowest market penetration rate, currently reaching 60 of the 290K potential customers</a:t>
+            </a:r>
+          </a:p>
+          <a:p>
+            <a:r>
+              <a:rPr lang="en-US" sz="1800" dirty="0"/>
+              <a:t>[10282,10007,10069]: have the highest average household median income $200K+ and a low market penetration rate, currently reaching 110 of the 17K potential customers</a:t>
+            </a:r>
+          </a:p>
+          <a:p>
+            <a:endParaRPr lang="en-US" sz="1800" dirty="0"/>
+          </a:p>
+          <a:p>
+            <a:endParaRPr lang="en-US" sz="1800" dirty="0"/>
           </a:p>
         </p:txBody>
       </p:sp>
       <p:sp>
         <p:nvSpPr>
-          <p:cNvPr id="12" name="TextBox 11">
+          <p:cNvPr id="34" name="Rectangle 33">
             <a:extLst>
               <a:ext uri="{FF2B5EF4-FFF2-40B4-BE49-F238E27FC236}">
-                <a16:creationId xmlns:a16="http://schemas.microsoft.com/office/drawing/2014/main" id="{7FD0B37A-54DE-9E48-B073-CC050E645C00}"/>
+                <a16:creationId xmlns:a16="http://schemas.microsoft.com/office/drawing/2014/main" id="{F4E83141-E8EE-BA4E-A37D-419B00B5010C}"/>
               </a:ext>
             </a:extLst>
           </p:cNvPr>
-          <p:cNvSpPr txBox="1"/>
+          <p:cNvSpPr/>
           <p:nvPr/>
         </p:nvSpPr>
         <p:spPr>
           <a:xfrm>
-            <a:off x="4641448" y="2158707"/>
-            <a:ext cx="6111433" cy="1815882"/>
+            <a:off x="838200" y="3570848"/>
+            <a:ext cx="2855012" cy="369332"/>
           </a:xfrm>
           <a:prstGeom prst="rect">
             <a:avLst/>
           </a:prstGeom>
-          <a:noFill/>
         </p:spPr>
         <p:txBody>
-          <a:bodyPr wrap="square" rtlCol="0">
+          <a:bodyPr wrap="none">
             <a:spAutoFit/>
           </a:bodyPr>
           <a:lstStyle/>
           <a:p>
             <a:r>
-              <a:rPr lang="en-US" sz="1400" dirty="0"/>
-              <a:t>Set an ambitious goal to have Jumpmen spending </a:t>
-            </a:r>
-            <a:r>
-              <a:rPr lang="en-US" sz="1400" b="1" dirty="0"/>
-              <a:t>no longer than 15 minutes </a:t>
-            </a:r>
-            <a:r>
-              <a:rPr lang="en-US" sz="1400" dirty="0"/>
-              <a:t>at each restaurant. Achieve this goal by implementing a business partnership model.</a:t>
-            </a:r>
-          </a:p>
-          <a:p>
-            <a:endParaRPr lang="en-US" sz="1400" dirty="0"/>
-          </a:p>
-          <a:p>
-            <a:r>
-              <a:rPr lang="en-US" sz="1400" dirty="0"/>
-              <a:t>In October 2014,  reducing all wait times to a max of 15 minutes would have saved Jumpmen a total of 14,000 minutes, or an average of 27 minutes per Jumpman</a:t>
-            </a:r>
-          </a:p>
-          <a:p>
-            <a:endParaRPr lang="en-US" sz="1400" dirty="0"/>
-          </a:p>
-          <a:p>
-            <a:r>
-              <a:rPr lang="en-US" sz="1400" dirty="0"/>
-              <a:t>Giving time back to Jumpmen allows them to put more time into the platform</a:t>
+              <a:rPr lang="en-US" b="1" dirty="0"/>
+              <a:t>Target UNTAPPED MARKETS</a:t>
             </a:r>
           </a:p>
         </p:txBody>
       </p:sp>
       <p:grpSp>
         <p:nvGrpSpPr>
-          <p:cNvPr id="13" name="Group 12">
+          <p:cNvPr id="35" name="Group 34">
             <a:extLst>
               <a:ext uri="{FF2B5EF4-FFF2-40B4-BE49-F238E27FC236}">
-                <a16:creationId xmlns:a16="http://schemas.microsoft.com/office/drawing/2014/main" id="{D52FAE57-C3E1-5E41-A3E7-B1D31A25A338}"/>
+                <a16:creationId xmlns:a16="http://schemas.microsoft.com/office/drawing/2014/main" id="{EB852704-94E3-4942-9BE1-9259124CB4FE}"/>
               </a:ext>
             </a:extLst>
           </p:cNvPr>
@@ -13064,104 +12996,18 @@
         </p:nvGrpSpPr>
         <p:grpSpPr>
           <a:xfrm>
-            <a:off x="1065766" y="2131808"/>
-            <a:ext cx="2973795" cy="2092949"/>
-            <a:chOff x="1169941" y="2235983"/>
-            <a:chExt cx="2973795" cy="2092949"/>
-          </a:xfrm>
-        </p:grpSpPr>
-        <p:pic>
-          <p:nvPicPr>
-            <p:cNvPr id="11" name="Picture 10">
-              <a:extLst>
-                <a:ext uri="{FF2B5EF4-FFF2-40B4-BE49-F238E27FC236}">
-                  <a16:creationId xmlns:a16="http://schemas.microsoft.com/office/drawing/2014/main" id="{D9C7E0DF-23C7-7846-8734-55BA48518141}"/>
-                </a:ext>
-              </a:extLst>
-            </p:cNvPr>
-            <p:cNvPicPr>
-              <a:picLocks noChangeAspect="1"/>
-            </p:cNvPicPr>
-            <p:nvPr/>
-          </p:nvPicPr>
-          <p:blipFill>
-            <a:blip r:embed="rId3"/>
-            <a:stretch>
-              <a:fillRect/>
-            </a:stretch>
-          </p:blipFill>
-          <p:spPr>
-            <a:xfrm>
-              <a:off x="1169941" y="2235983"/>
-              <a:ext cx="2973795" cy="2092949"/>
-            </a:xfrm>
-            <a:prstGeom prst="rect">
-              <a:avLst/>
-            </a:prstGeom>
-          </p:spPr>
-        </p:pic>
-        <p:pic>
-          <p:nvPicPr>
-            <p:cNvPr id="10" name="Picture 9" descr="Table&#10;&#10;Description automatically generated">
-              <a:extLst>
-                <a:ext uri="{FF2B5EF4-FFF2-40B4-BE49-F238E27FC236}">
-                  <a16:creationId xmlns:a16="http://schemas.microsoft.com/office/drawing/2014/main" id="{4EA8C663-CB05-C04A-A3FB-67453AAFCD9A}"/>
-                </a:ext>
-              </a:extLst>
-            </p:cNvPr>
-            <p:cNvPicPr>
-              <a:picLocks noChangeAspect="1"/>
-            </p:cNvPicPr>
-            <p:nvPr/>
-          </p:nvPicPr>
-          <p:blipFill>
-            <a:blip r:embed="rId4"/>
-            <a:stretch>
-              <a:fillRect/>
-            </a:stretch>
-          </p:blipFill>
-          <p:spPr>
-            <a:xfrm>
-              <a:off x="2751017" y="2546431"/>
-              <a:ext cx="1153082" cy="1240436"/>
-            </a:xfrm>
-            <a:prstGeom prst="rect">
-              <a:avLst/>
-            </a:prstGeom>
-            <a:ln>
-              <a:solidFill>
-                <a:schemeClr val="dk1"/>
-              </a:solidFill>
-            </a:ln>
-          </p:spPr>
-        </p:pic>
-      </p:grpSp>
-      <p:grpSp>
-        <p:nvGrpSpPr>
-          <p:cNvPr id="25" name="Group 24">
-            <a:extLst>
-              <a:ext uri="{FF2B5EF4-FFF2-40B4-BE49-F238E27FC236}">
-                <a16:creationId xmlns:a16="http://schemas.microsoft.com/office/drawing/2014/main" id="{CD87038C-311F-1346-914D-D081BC643C76}"/>
-              </a:ext>
-            </a:extLst>
-          </p:cNvPr>
-          <p:cNvGrpSpPr/>
-          <p:nvPr/>
-        </p:nvGrpSpPr>
-        <p:grpSpPr>
-          <a:xfrm>
-            <a:off x="1061912" y="4863565"/>
-            <a:ext cx="5034089" cy="1539433"/>
-            <a:chOff x="1061912" y="4794115"/>
-            <a:chExt cx="5034089" cy="1539433"/>
+            <a:off x="950495" y="4298665"/>
+            <a:ext cx="5485434" cy="1677455"/>
+            <a:chOff x="799824" y="4805690"/>
+            <a:chExt cx="5485434" cy="1677455"/>
           </a:xfrm>
         </p:grpSpPr>
         <p:sp>
           <p:nvSpPr>
-            <p:cNvPr id="19" name="TextBox 18">
+            <p:cNvPr id="36" name="TextBox 35">
               <a:extLst>
                 <a:ext uri="{FF2B5EF4-FFF2-40B4-BE49-F238E27FC236}">
-                  <a16:creationId xmlns:a16="http://schemas.microsoft.com/office/drawing/2014/main" id="{44D7A650-5E8D-A34B-809E-48C5AF286A89}"/>
+                  <a16:creationId xmlns:a16="http://schemas.microsoft.com/office/drawing/2014/main" id="{3FB72F36-83CE-CC45-8BDC-A96D7264456A}"/>
                 </a:ext>
               </a:extLst>
             </p:cNvPr>
@@ -13170,8 +13016,8 @@
           </p:nvSpPr>
           <p:spPr>
             <a:xfrm>
-              <a:off x="1061912" y="4794115"/>
-              <a:ext cx="5034089" cy="1539433"/>
+              <a:off x="799824" y="4805690"/>
+              <a:ext cx="5485434" cy="1677455"/>
             </a:xfrm>
             <a:prstGeom prst="rect">
               <a:avLst/>
@@ -13194,10 +13040,10 @@
         </p:sp>
         <p:sp>
           <p:nvSpPr>
-            <p:cNvPr id="14" name="TextBox 13">
+            <p:cNvPr id="37" name="TextBox 36">
               <a:extLst>
                 <a:ext uri="{FF2B5EF4-FFF2-40B4-BE49-F238E27FC236}">
-                  <a16:creationId xmlns:a16="http://schemas.microsoft.com/office/drawing/2014/main" id="{9D534804-B2C4-7D42-B381-CC35985DCE4F}"/>
+                  <a16:creationId xmlns:a16="http://schemas.microsoft.com/office/drawing/2014/main" id="{491B93E9-0788-8244-8327-6EE9E70D9C75}"/>
                 </a:ext>
               </a:extLst>
             </p:cNvPr>
@@ -13206,7 +13052,7 @@
           </p:nvSpPr>
           <p:spPr>
             <a:xfrm>
-              <a:off x="1285686" y="4891507"/>
+              <a:off x="1285686" y="4960957"/>
               <a:ext cx="2464510" cy="861774"/>
             </a:xfrm>
             <a:prstGeom prst="rect">
@@ -13230,10 +13076,10 @@
         </p:sp>
         <p:sp>
           <p:nvSpPr>
-            <p:cNvPr id="15" name="TextBox 14">
+            <p:cNvPr id="38" name="TextBox 37">
               <a:extLst>
                 <a:ext uri="{FF2B5EF4-FFF2-40B4-BE49-F238E27FC236}">
-                  <a16:creationId xmlns:a16="http://schemas.microsoft.com/office/drawing/2014/main" id="{924B26F6-584C-F846-8DA0-A297851AAB05}"/>
+                  <a16:creationId xmlns:a16="http://schemas.microsoft.com/office/drawing/2014/main" id="{B9D83FE9-3B6F-924C-B8E3-C3195501BB97}"/>
                 </a:ext>
               </a:extLst>
             </p:cNvPr>
@@ -13242,7 +13088,7 @@
           </p:nvSpPr>
           <p:spPr>
             <a:xfrm>
-              <a:off x="4381727" y="4891507"/>
+              <a:off x="4381727" y="4960957"/>
               <a:ext cx="1237078" cy="861774"/>
             </a:xfrm>
             <a:prstGeom prst="rect">
@@ -13266,10 +13112,10 @@
         </p:sp>
         <p:sp>
           <p:nvSpPr>
-            <p:cNvPr id="16" name="TextBox 15">
+            <p:cNvPr id="39" name="TextBox 38">
               <a:extLst>
                 <a:ext uri="{FF2B5EF4-FFF2-40B4-BE49-F238E27FC236}">
-                  <a16:creationId xmlns:a16="http://schemas.microsoft.com/office/drawing/2014/main" id="{683B8A9B-5221-E543-91A7-A809F6839108}"/>
+                  <a16:creationId xmlns:a16="http://schemas.microsoft.com/office/drawing/2014/main" id="{FD2A3DF2-59DD-2C43-94E9-70F322299AF4}"/>
                 </a:ext>
               </a:extLst>
             </p:cNvPr>
@@ -13278,7 +13124,7 @@
           </p:nvSpPr>
           <p:spPr>
             <a:xfrm>
-              <a:off x="1638842" y="5657385"/>
+              <a:off x="1638842" y="5726835"/>
               <a:ext cx="1758197" cy="461665"/>
             </a:xfrm>
             <a:prstGeom prst="rect">
@@ -13302,10 +13148,10 @@
         </p:sp>
         <p:sp>
           <p:nvSpPr>
-            <p:cNvPr id="17" name="TextBox 16">
+            <p:cNvPr id="40" name="TextBox 39">
               <a:extLst>
                 <a:ext uri="{FF2B5EF4-FFF2-40B4-BE49-F238E27FC236}">
-                  <a16:creationId xmlns:a16="http://schemas.microsoft.com/office/drawing/2014/main" id="{3122E106-8C04-7E44-A7ED-176C64C67467}"/>
+                  <a16:creationId xmlns:a16="http://schemas.microsoft.com/office/drawing/2014/main" id="{A0DE40BE-6ECC-8541-B760-CB31C365AA55}"/>
                 </a:ext>
               </a:extLst>
             </p:cNvPr>
@@ -13314,7 +13160,7 @@
           </p:nvSpPr>
           <p:spPr>
             <a:xfrm>
-              <a:off x="3957301" y="5657385"/>
+              <a:off x="3957301" y="5726835"/>
               <a:ext cx="2085929" cy="461665"/>
             </a:xfrm>
             <a:prstGeom prst="rect">
@@ -13339,10 +13185,10 @@
       </p:grpSp>
       <p:grpSp>
         <p:nvGrpSpPr>
-          <p:cNvPr id="29" name="Group 28">
+          <p:cNvPr id="41" name="Group 40">
             <a:extLst>
               <a:ext uri="{FF2B5EF4-FFF2-40B4-BE49-F238E27FC236}">
-                <a16:creationId xmlns:a16="http://schemas.microsoft.com/office/drawing/2014/main" id="{FDDEBF90-3B70-EC41-ADF3-2EB413E314F7}"/>
+                <a16:creationId xmlns:a16="http://schemas.microsoft.com/office/drawing/2014/main" id="{296B83FF-887E-1E4B-84FC-6C0DC3192CF9}"/>
               </a:ext>
             </a:extLst>
           </p:cNvPr>
@@ -13351,29 +13197,23 @@
         </p:nvGrpSpPr>
         <p:grpSpPr>
           <a:xfrm>
-            <a:off x="8017740" y="4452297"/>
-            <a:ext cx="3817117" cy="2328222"/>
+            <a:off x="7429870" y="4265267"/>
+            <a:ext cx="3888387" cy="2328222"/>
             <a:chOff x="8168214" y="4440722"/>
-            <a:chExt cx="3817117" cy="2328222"/>
+            <a:chExt cx="3888387" cy="2328222"/>
           </a:xfrm>
         </p:grpSpPr>
         <p:graphicFrame>
           <p:nvGraphicFramePr>
-            <p:cNvPr id="18" name="Chart 17">
+            <p:cNvPr id="42" name="Chart 41">
               <a:extLst>
                 <a:ext uri="{FF2B5EF4-FFF2-40B4-BE49-F238E27FC236}">
-                  <a16:creationId xmlns:a16="http://schemas.microsoft.com/office/drawing/2014/main" id="{23F35BF7-C1E0-7542-9617-779367A6833F}"/>
+                  <a16:creationId xmlns:a16="http://schemas.microsoft.com/office/drawing/2014/main" id="{B04378BE-C333-D445-BB55-B08847B80F77}"/>
                 </a:ext>
               </a:extLst>
             </p:cNvPr>
             <p:cNvGraphicFramePr/>
-            <p:nvPr>
-              <p:extLst>
-                <p:ext uri="{D42A27DB-BD31-4B8C-83A1-F6EECF244321}">
-                  <p14:modId xmlns:p14="http://schemas.microsoft.com/office/powerpoint/2010/main" val="970497319"/>
-                </p:ext>
-              </p:extLst>
-            </p:nvPr>
+            <p:nvPr/>
           </p:nvGraphicFramePr>
           <p:xfrm>
             <a:off x="8168214" y="4737618"/>
@@ -13381,16 +13221,16 @@
           </p:xfrm>
           <a:graphic>
             <a:graphicData uri="http://schemas.openxmlformats.org/drawingml/2006/chart">
-              <c:chart xmlns:c="http://schemas.openxmlformats.org/drawingml/2006/chart" xmlns:r="http://schemas.openxmlformats.org/officeDocument/2006/relationships" r:id="rId5"/>
+              <c:chart xmlns:c="http://schemas.openxmlformats.org/drawingml/2006/chart" xmlns:r="http://schemas.openxmlformats.org/officeDocument/2006/relationships" r:id="rId3"/>
             </a:graphicData>
           </a:graphic>
         </p:graphicFrame>
         <p:sp>
           <p:nvSpPr>
-            <p:cNvPr id="20" name="TextBox 19">
+            <p:cNvPr id="43" name="TextBox 42">
               <a:extLst>
                 <a:ext uri="{FF2B5EF4-FFF2-40B4-BE49-F238E27FC236}">
-                  <a16:creationId xmlns:a16="http://schemas.microsoft.com/office/drawing/2014/main" id="{01752634-0AE8-BA4C-91E6-5133D76CC961}"/>
+                  <a16:creationId xmlns:a16="http://schemas.microsoft.com/office/drawing/2014/main" id="{3640F651-0F6B-F145-AF82-2A5C0AD62206}"/>
                 </a:ext>
               </a:extLst>
             </p:cNvPr>
@@ -13400,7 +13240,7 @@
           <p:spPr>
             <a:xfrm>
               <a:off x="10447137" y="4440722"/>
-              <a:ext cx="1538194" cy="1585049"/>
+              <a:ext cx="1609464" cy="1600438"/>
             </a:xfrm>
             <a:prstGeom prst="rect">
               <a:avLst/>
@@ -13419,12 +13259,19 @@
               </a:r>
             </a:p>
             <a:p>
+              <a:endParaRPr lang="en-US" sz="100" b="1" dirty="0"/>
+            </a:p>
+            <a:p>
               <a:endParaRPr lang="en-US" sz="100" dirty="0"/>
             </a:p>
             <a:p>
               <a:r>
                 <a:rPr lang="en-US" sz="1400" dirty="0"/>
-                <a:t>Current reach of the 10 highest earning* zip codes</a:t>
+                <a:t>Current reach of the </a:t>
+              </a:r>
+              <a:r>
+                <a:rPr lang="en-US" sz="1400" b="1" dirty="0"/>
+                <a:t>10 highest earning* zip codes</a:t>
               </a:r>
             </a:p>
             <a:p>
@@ -13449,10 +13296,10 @@
         </p:sp>
         <p:cxnSp>
           <p:nvCxnSpPr>
-            <p:cNvPr id="24" name="Straight Arrow Connector 23">
+            <p:cNvPr id="44" name="Straight Arrow Connector 43">
               <a:extLst>
                 <a:ext uri="{FF2B5EF4-FFF2-40B4-BE49-F238E27FC236}">
-                  <a16:creationId xmlns:a16="http://schemas.microsoft.com/office/drawing/2014/main" id="{E371244B-9DB4-6F48-BA3B-2ED9832551F9}"/>
+                  <a16:creationId xmlns:a16="http://schemas.microsoft.com/office/drawing/2014/main" id="{A6FA7938-5B2F-2146-917E-B0FB0794481F}"/>
                 </a:ext>
               </a:extLst>
             </p:cNvPr>
@@ -13487,114 +13334,6 @@
           </p:style>
         </p:cxnSp>
       </p:grpSp>
-      <p:pic>
-        <p:nvPicPr>
-          <p:cNvPr id="26" name="Graphic 25" descr="Lightbulb">
-            <a:extLst>
-              <a:ext uri="{FF2B5EF4-FFF2-40B4-BE49-F238E27FC236}">
-                <a16:creationId xmlns:a16="http://schemas.microsoft.com/office/drawing/2014/main" id="{05FF07B6-9ECA-8742-85FD-14359CFD3DFE}"/>
-              </a:ext>
-            </a:extLst>
-          </p:cNvPr>
-          <p:cNvPicPr>
-            <a:picLocks noChangeAspect="1"/>
-          </p:cNvPicPr>
-          <p:nvPr/>
-        </p:nvPicPr>
-        <p:blipFill>
-          <a:blip r:embed="rId6">
-            <a:extLst>
-              <a:ext uri="{96DAC541-7B7A-43D3-8B79-37D633B846F1}">
-                <asvg:svgBlip xmlns:asvg="http://schemas.microsoft.com/office/drawing/2016/SVG/main" r:embed="rId7"/>
-              </a:ext>
-            </a:extLst>
-          </a:blip>
-          <a:stretch>
-            <a:fillRect/>
-          </a:stretch>
-        </p:blipFill>
-        <p:spPr>
-          <a:xfrm>
-            <a:off x="4310541" y="2197022"/>
-            <a:ext cx="358879" cy="358879"/>
-          </a:xfrm>
-          <a:prstGeom prst="rect">
-            <a:avLst/>
-          </a:prstGeom>
-        </p:spPr>
-      </p:pic>
-      <p:pic>
-        <p:nvPicPr>
-          <p:cNvPr id="27" name="Graphic 26" descr="Lightbulb">
-            <a:extLst>
-              <a:ext uri="{FF2B5EF4-FFF2-40B4-BE49-F238E27FC236}">
-                <a16:creationId xmlns:a16="http://schemas.microsoft.com/office/drawing/2014/main" id="{C5F04BF3-9E77-6641-A200-FAAA0CF1F7D4}"/>
-              </a:ext>
-            </a:extLst>
-          </p:cNvPr>
-          <p:cNvPicPr>
-            <a:picLocks noChangeAspect="1"/>
-          </p:cNvPicPr>
-          <p:nvPr/>
-        </p:nvPicPr>
-        <p:blipFill>
-          <a:blip r:embed="rId6">
-            <a:extLst>
-              <a:ext uri="{96DAC541-7B7A-43D3-8B79-37D633B846F1}">
-                <asvg:svgBlip xmlns:asvg="http://schemas.microsoft.com/office/drawing/2016/SVG/main" r:embed="rId7"/>
-              </a:ext>
-            </a:extLst>
-          </a:blip>
-          <a:stretch>
-            <a:fillRect/>
-          </a:stretch>
-        </p:blipFill>
-        <p:spPr>
-          <a:xfrm>
-            <a:off x="4310540" y="2880607"/>
-            <a:ext cx="358879" cy="358879"/>
-          </a:xfrm>
-          <a:prstGeom prst="rect">
-            <a:avLst/>
-          </a:prstGeom>
-        </p:spPr>
-      </p:pic>
-      <p:pic>
-        <p:nvPicPr>
-          <p:cNvPr id="28" name="Graphic 27" descr="Lightbulb">
-            <a:extLst>
-              <a:ext uri="{FF2B5EF4-FFF2-40B4-BE49-F238E27FC236}">
-                <a16:creationId xmlns:a16="http://schemas.microsoft.com/office/drawing/2014/main" id="{CB4E01AA-556E-C344-B3C8-7ADC0196DF62}"/>
-              </a:ext>
-            </a:extLst>
-          </p:cNvPr>
-          <p:cNvPicPr>
-            <a:picLocks noChangeAspect="1"/>
-          </p:cNvPicPr>
-          <p:nvPr/>
-        </p:nvPicPr>
-        <p:blipFill>
-          <a:blip r:embed="rId6">
-            <a:extLst>
-              <a:ext uri="{96DAC541-7B7A-43D3-8B79-37D633B846F1}">
-                <asvg:svgBlip xmlns:asvg="http://schemas.microsoft.com/office/drawing/2016/SVG/main" r:embed="rId7"/>
-              </a:ext>
-            </a:extLst>
-          </a:blip>
-          <a:stretch>
-            <a:fillRect/>
-          </a:stretch>
-        </p:blipFill>
-        <p:spPr>
-          <a:xfrm>
-            <a:off x="4310540" y="3694430"/>
-            <a:ext cx="358879" cy="358879"/>
-          </a:xfrm>
-          <a:prstGeom prst="rect">
-            <a:avLst/>
-          </a:prstGeom>
-        </p:spPr>
-      </p:pic>
     </p:spTree>
     <p:extLst>
       <p:ext uri="{BB962C8B-B14F-4D97-AF65-F5344CB8AC3E}">
@@ -13608,7 +13347,7 @@
 </p:sld>
 </file>
 
-<file path=ppt/slides/slide14.xml><?xml version="1.0" encoding="utf-8"?>
+<file path=ppt/slides/slide16.xml><?xml version="1.0" encoding="utf-8"?>
 <p:sld xmlns:a="http://schemas.openxmlformats.org/drawingml/2006/main" xmlns:r="http://schemas.openxmlformats.org/officeDocument/2006/relationships" xmlns:p="http://schemas.openxmlformats.org/presentationml/2006/main">
   <p:cSld>
     <p:spTree>
@@ -13625,46 +13364,6 @@
           <a:chExt cx="0" cy="0"/>
         </a:xfrm>
       </p:grpSpPr>
-      <p:sp>
-        <p:nvSpPr>
-          <p:cNvPr id="2" name="Title 1">
-            <a:extLst>
-              <a:ext uri="{FF2B5EF4-FFF2-40B4-BE49-F238E27FC236}">
-                <a16:creationId xmlns:a16="http://schemas.microsoft.com/office/drawing/2014/main" id="{F85A7569-74D4-0A4B-9638-8C36D6B9A994}"/>
-              </a:ext>
-            </a:extLst>
-          </p:cNvPr>
-          <p:cNvSpPr>
-            <a:spLocks noGrp="1"/>
-          </p:cNvSpPr>
-          <p:nvPr>
-            <p:ph type="title"/>
-          </p:nvPr>
-        </p:nvSpPr>
-        <p:spPr/>
-        <p:txBody>
-          <a:bodyPr/>
-          <a:lstStyle/>
-          <a:p>
-            <a:r>
-              <a:rPr lang="en-US" dirty="0">
-                <a:solidFill>
-                  <a:schemeClr val="tx1">
-                    <a:lumMod val="50000"/>
-                    <a:lumOff val="50000"/>
-                  </a:schemeClr>
-                </a:solidFill>
-              </a:rPr>
-              <a:t>5 </a:t>
-            </a:r>
-            <a:r>
-              <a:rPr lang="en-US" b="1" dirty="0"/>
-              <a:t>GROWTH STRATEGY [OPPORTUNITIES]</a:t>
-            </a:r>
-            <a:endParaRPr lang="en-US" dirty="0"/>
-          </a:p>
-        </p:txBody>
-      </p:sp>
       <p:graphicFrame>
         <p:nvGraphicFramePr>
           <p:cNvPr id="5" name="Table 5">
@@ -13680,14 +13379,14 @@
           <p:nvPr>
             <p:extLst>
               <p:ext uri="{D42A27DB-BD31-4B8C-83A1-F6EECF244321}">
-                <p14:modId xmlns:p14="http://schemas.microsoft.com/office/powerpoint/2010/main" val="2393753105"/>
+                <p14:modId xmlns:p14="http://schemas.microsoft.com/office/powerpoint/2010/main" val="1017542527"/>
               </p:ext>
             </p:extLst>
           </p:nvPr>
         </p:nvGraphicFramePr>
         <p:xfrm>
-          <a:off x="521627" y="1899038"/>
-          <a:ext cx="4575759" cy="4549480"/>
+          <a:off x="382728" y="1991638"/>
+          <a:ext cx="4235567" cy="4458040"/>
         </p:xfrm>
         <a:graphic>
           <a:graphicData uri="http://schemas.openxmlformats.org/drawingml/2006/table">
@@ -13696,28 +13395,28 @@
                 <a:tableStyleId>{5C22544A-7EE6-4342-B048-85BDC9FD1C3A}</a:tableStyleId>
               </a:tblPr>
               <a:tblGrid>
-                <a:gridCol w="985412">
+                <a:gridCol w="912150">
                   <a:extLst>
                     <a:ext uri="{9D8B030D-6E8A-4147-A177-3AD203B41FA5}">
                       <a16:colId xmlns:a16="http://schemas.microsoft.com/office/drawing/2014/main" val="267374531"/>
                     </a:ext>
                   </a:extLst>
                 </a:gridCol>
-                <a:gridCol w="1307991">
+                <a:gridCol w="1210746">
                   <a:extLst>
                     <a:ext uri="{9D8B030D-6E8A-4147-A177-3AD203B41FA5}">
                       <a16:colId xmlns:a16="http://schemas.microsoft.com/office/drawing/2014/main" val="975810304"/>
                     </a:ext>
                   </a:extLst>
                 </a:gridCol>
-                <a:gridCol w="1054325">
+                <a:gridCol w="975940">
                   <a:extLst>
                     <a:ext uri="{9D8B030D-6E8A-4147-A177-3AD203B41FA5}">
                       <a16:colId xmlns:a16="http://schemas.microsoft.com/office/drawing/2014/main" val="3737206079"/>
                     </a:ext>
                   </a:extLst>
                 </a:gridCol>
-                <a:gridCol w="1228031">
+                <a:gridCol w="1136731">
                   <a:extLst>
                     <a:ext uri="{9D8B030D-6E8A-4147-A177-3AD203B41FA5}">
                       <a16:colId xmlns:a16="http://schemas.microsoft.com/office/drawing/2014/main" val="2957826634"/>
@@ -13733,7 +13432,7 @@
                     <a:p>
                       <a:pPr algn="l"/>
                       <a:r>
-                        <a:rPr lang="en-US" sz="1600" dirty="0"/>
+                        <a:rPr lang="en-US" sz="1400" dirty="0"/>
                         <a:t>Zip Code</a:t>
                       </a:r>
                     </a:p>
@@ -13747,14 +13446,14 @@
                     <a:p>
                       <a:pPr algn="ctr"/>
                       <a:r>
-                        <a:rPr lang="en-US" sz="1600" dirty="0"/>
+                        <a:rPr lang="en-US" sz="1400" dirty="0"/>
                         <a:t>Estimated</a:t>
                       </a:r>
                     </a:p>
                     <a:p>
                       <a:pPr algn="ctr"/>
                       <a:r>
-                        <a:rPr lang="en-US" sz="1600" dirty="0"/>
+                        <a:rPr lang="en-US" sz="1400" dirty="0"/>
                         <a:t>Population</a:t>
                       </a:r>
                     </a:p>
@@ -13768,7 +13467,7 @@
                     <a:p>
                       <a:pPr algn="ctr"/>
                       <a:r>
-                        <a:rPr lang="en-US" sz="1600" dirty="0"/>
+                        <a:rPr lang="en-US" sz="1400" dirty="0"/>
                         <a:t># Unique Customers</a:t>
                       </a:r>
                     </a:p>
@@ -13782,14 +13481,14 @@
                     <a:p>
                       <a:pPr algn="ctr"/>
                       <a:r>
-                        <a:rPr lang="en-US" sz="1600" dirty="0"/>
+                        <a:rPr lang="en-US" sz="1400" dirty="0"/>
                         <a:t>Market Penetration</a:t>
                       </a:r>
                     </a:p>
                     <a:p>
                       <a:pPr algn="ctr"/>
                       <a:r>
-                        <a:rPr lang="en-US" sz="1600" dirty="0"/>
+                        <a:rPr lang="en-US" sz="1400" dirty="0"/>
                         <a:t>(X 10)</a:t>
                       </a:r>
                     </a:p>
@@ -13810,7 +13509,7 @@
                     <a:p>
                       <a:pPr algn="l" fontAlgn="ctr"/>
                       <a:r>
-                        <a:rPr lang="en-US" sz="1600" b="0" dirty="0">
+                        <a:rPr lang="en-US" sz="1400" b="0" dirty="0">
                           <a:effectLst/>
                         </a:rPr>
                         <a:t>11226</a:t>
@@ -13826,7 +13525,7 @@
                     <a:p>
                       <a:pPr algn="ctr" rtl="0" fontAlgn="ctr"/>
                       <a:r>
-                        <a:rPr lang="en-US" sz="1600" b="0" i="0" u="none" strike="noStrike" dirty="0">
+                        <a:rPr lang="en-US" sz="1400" b="0" i="0" u="none" strike="noStrike" dirty="0">
                           <a:solidFill>
                             <a:schemeClr val="tx1"/>
                           </a:solidFill>
@@ -13846,7 +13545,7 @@
                     <a:p>
                       <a:pPr algn="ctr" rtl="0" fontAlgn="ctr"/>
                       <a:r>
-                        <a:rPr lang="en-US" sz="1600" b="0" i="0" u="none" strike="noStrike" dirty="0">
+                        <a:rPr lang="en-US" sz="1400" b="0" i="0" u="none" strike="noStrike" dirty="0">
                           <a:solidFill>
                             <a:schemeClr val="tx1"/>
                           </a:solidFill>
@@ -13866,7 +13565,7 @@
                     <a:p>
                       <a:pPr algn="ctr" fontAlgn="b"/>
                       <a:r>
-                        <a:rPr lang="en-US" sz="1600" b="0" i="0" u="none" strike="noStrike" dirty="0">
+                        <a:rPr lang="en-US" sz="1400" b="0" i="0" u="none" strike="noStrike" dirty="0">
                           <a:solidFill>
                             <a:schemeClr val="tx1"/>
                           </a:solidFill>
@@ -13893,7 +13592,7 @@
                     <a:p>
                       <a:pPr algn="l" fontAlgn="ctr"/>
                       <a:r>
-                        <a:rPr lang="en-US" sz="1600" b="0" dirty="0">
+                        <a:rPr lang="en-US" sz="1400" b="0" dirty="0">
                           <a:effectLst/>
                         </a:rPr>
                         <a:t>10025</a:t>
@@ -13909,7 +13608,7 @@
                     <a:p>
                       <a:pPr algn="ctr" rtl="0" fontAlgn="ctr"/>
                       <a:r>
-                        <a:rPr lang="en-US" sz="1600" b="0" i="0" u="none" strike="noStrike" dirty="0">
+                        <a:rPr lang="en-US" sz="1400" b="0" i="0" u="none" strike="noStrike" dirty="0">
                           <a:solidFill>
                             <a:schemeClr val="tx1"/>
                           </a:solidFill>
@@ -13929,7 +13628,7 @@
                     <a:p>
                       <a:pPr algn="ctr" rtl="0" fontAlgn="ctr"/>
                       <a:r>
-                        <a:rPr lang="en-US" sz="1600" b="0" i="0" u="none" strike="noStrike" dirty="0">
+                        <a:rPr lang="en-US" sz="1400" b="0" i="0" u="none" strike="noStrike" dirty="0">
                           <a:solidFill>
                             <a:schemeClr val="tx1"/>
                           </a:solidFill>
@@ -13949,7 +13648,7 @@
                     <a:p>
                       <a:pPr algn="ctr" fontAlgn="b"/>
                       <a:r>
-                        <a:rPr lang="en-US" sz="1600" b="0" i="0" u="none" strike="noStrike" dirty="0">
+                        <a:rPr lang="en-US" sz="1400" b="0" i="0" u="none" strike="noStrike" dirty="0">
                           <a:solidFill>
                             <a:schemeClr val="tx1"/>
                           </a:solidFill>
@@ -13976,7 +13675,7 @@
                     <a:p>
                       <a:pPr algn="l" fontAlgn="ctr"/>
                       <a:r>
-                        <a:rPr lang="en-US" sz="1600" b="0" dirty="0">
+                        <a:rPr lang="en-US" sz="1400" b="0" dirty="0">
                           <a:effectLst/>
                         </a:rPr>
                         <a:t>11211</a:t>
@@ -13992,7 +13691,7 @@
                     <a:p>
                       <a:pPr algn="ctr" rtl="0" fontAlgn="ctr"/>
                       <a:r>
-                        <a:rPr lang="en-US" sz="1600" b="0" i="0" u="none" strike="noStrike" dirty="0">
+                        <a:rPr lang="en-US" sz="1400" b="0" i="0" u="none" strike="noStrike" dirty="0">
                           <a:solidFill>
                             <a:schemeClr val="tx1"/>
                           </a:solidFill>
@@ -14012,7 +13711,7 @@
                     <a:p>
                       <a:pPr algn="ctr" rtl="0" fontAlgn="ctr"/>
                       <a:r>
-                        <a:rPr lang="en-US" sz="1600" b="0" i="0" u="none" strike="noStrike" dirty="0">
+                        <a:rPr lang="en-US" sz="1400" b="0" i="0" u="none" strike="noStrike" dirty="0">
                           <a:solidFill>
                             <a:schemeClr val="tx1"/>
                           </a:solidFill>
@@ -14032,7 +13731,7 @@
                     <a:p>
                       <a:pPr algn="ctr" fontAlgn="b"/>
                       <a:r>
-                        <a:rPr lang="en-US" sz="1600" b="0" i="0" u="none" strike="noStrike" dirty="0">
+                        <a:rPr lang="en-US" sz="1400" b="0" i="0" u="none" strike="noStrike" dirty="0">
                           <a:solidFill>
                             <a:schemeClr val="tx1"/>
                           </a:solidFill>
@@ -14059,7 +13758,7 @@
                     <a:p>
                       <a:pPr algn="l" fontAlgn="ctr"/>
                       <a:r>
-                        <a:rPr lang="en-US" sz="1600" b="0" dirty="0">
+                        <a:rPr lang="en-US" sz="1400" b="0" dirty="0">
                           <a:effectLst/>
                         </a:rPr>
                         <a:t>11206</a:t>
@@ -14075,7 +13774,7 @@
                     <a:p>
                       <a:pPr algn="ctr" rtl="0" fontAlgn="ctr"/>
                       <a:r>
-                        <a:rPr lang="en-US" sz="1600" b="0" i="0" u="none" strike="noStrike" dirty="0">
+                        <a:rPr lang="en-US" sz="1400" b="0" i="0" u="none" strike="noStrike" dirty="0">
                           <a:solidFill>
                             <a:schemeClr val="tx1"/>
                           </a:solidFill>
@@ -14095,7 +13794,7 @@
                     <a:p>
                       <a:pPr algn="ctr" rtl="0" fontAlgn="ctr"/>
                       <a:r>
-                        <a:rPr lang="en-US" sz="1600" b="0" i="0" u="none" strike="noStrike" dirty="0">
+                        <a:rPr lang="en-US" sz="1400" b="0" i="0" u="none" strike="noStrike" dirty="0">
                           <a:solidFill>
                             <a:schemeClr val="tx1"/>
                           </a:solidFill>
@@ -14115,7 +13814,7 @@
                     <a:p>
                       <a:pPr algn="ctr" fontAlgn="b"/>
                       <a:r>
-                        <a:rPr lang="en-US" sz="1600" b="0" i="0" u="none" strike="noStrike" dirty="0">
+                        <a:rPr lang="en-US" sz="1400" b="0" i="0" u="none" strike="noStrike" dirty="0">
                           <a:solidFill>
                             <a:schemeClr val="tx1"/>
                           </a:solidFill>
@@ -14142,7 +13841,7 @@
                     <a:p>
                       <a:pPr algn="l" fontAlgn="ctr"/>
                       <a:r>
-                        <a:rPr lang="en-US" sz="1600" b="0" dirty="0">
+                        <a:rPr lang="en-US" sz="1400" b="0" dirty="0">
                           <a:effectLst/>
                         </a:rPr>
                         <a:t>10002</a:t>
@@ -14158,7 +13857,7 @@
                     <a:p>
                       <a:pPr algn="ctr" rtl="0" fontAlgn="ctr"/>
                       <a:r>
-                        <a:rPr lang="en-US" sz="1600" b="0" i="0" u="none" strike="noStrike" dirty="0">
+                        <a:rPr lang="en-US" sz="1400" b="0" i="0" u="none" strike="noStrike" dirty="0">
                           <a:solidFill>
                             <a:schemeClr val="tx1"/>
                           </a:solidFill>
@@ -14178,7 +13877,7 @@
                     <a:p>
                       <a:pPr algn="ctr" rtl="0" fontAlgn="ctr"/>
                       <a:r>
-                        <a:rPr lang="en-US" sz="1600" b="0" i="0" u="none" strike="noStrike" dirty="0">
+                        <a:rPr lang="en-US" sz="1400" b="0" i="0" u="none" strike="noStrike" dirty="0">
                           <a:solidFill>
                             <a:schemeClr val="tx1"/>
                           </a:solidFill>
@@ -14198,7 +13897,7 @@
                     <a:p>
                       <a:pPr algn="ctr" fontAlgn="b"/>
                       <a:r>
-                        <a:rPr lang="en-US" sz="1600" b="0" i="0" u="none" strike="noStrike" dirty="0">
+                        <a:rPr lang="en-US" sz="1400" b="0" i="0" u="none" strike="noStrike" dirty="0">
                           <a:solidFill>
                             <a:schemeClr val="tx1"/>
                           </a:solidFill>
@@ -14225,7 +13924,7 @@
                     <a:p>
                       <a:pPr algn="l" fontAlgn="ctr"/>
                       <a:r>
-                        <a:rPr lang="en-US" sz="1600" b="0" dirty="0">
+                        <a:rPr lang="en-US" sz="1400" b="0" dirty="0">
                           <a:effectLst/>
                         </a:rPr>
                         <a:t>11221</a:t>
@@ -14241,7 +13940,7 @@
                     <a:p>
                       <a:pPr algn="ctr" rtl="0" fontAlgn="ctr"/>
                       <a:r>
-                        <a:rPr lang="en-US" sz="1600" b="0" i="0" u="none" strike="noStrike" dirty="0">
+                        <a:rPr lang="en-US" sz="1400" b="0" i="0" u="none" strike="noStrike" dirty="0">
                           <a:solidFill>
                             <a:schemeClr val="tx1"/>
                           </a:solidFill>
@@ -14261,7 +13960,7 @@
                     <a:p>
                       <a:pPr algn="ctr" rtl="0" fontAlgn="ctr"/>
                       <a:r>
-                        <a:rPr lang="en-US" sz="1600" b="0" i="0" u="none" strike="noStrike" dirty="0">
+                        <a:rPr lang="en-US" sz="1400" b="0" i="0" u="none" strike="noStrike" dirty="0">
                           <a:solidFill>
                             <a:schemeClr val="tx1"/>
                           </a:solidFill>
@@ -14281,7 +13980,7 @@
                     <a:p>
                       <a:pPr algn="ctr" fontAlgn="b"/>
                       <a:r>
-                        <a:rPr lang="en-US" sz="1600" b="0" i="0" u="none" strike="noStrike" dirty="0">
+                        <a:rPr lang="en-US" sz="1400" b="0" i="0" u="none" strike="noStrike" dirty="0">
                           <a:solidFill>
                             <a:schemeClr val="tx1"/>
                           </a:solidFill>
@@ -14308,7 +14007,7 @@
                     <a:p>
                       <a:pPr algn="l" fontAlgn="ctr"/>
                       <a:r>
-                        <a:rPr lang="en-US" sz="1600" b="0" dirty="0">
+                        <a:rPr lang="en-US" sz="1400" b="0" dirty="0">
                           <a:effectLst/>
                         </a:rPr>
                         <a:t>10029</a:t>
@@ -14324,7 +14023,7 @@
                     <a:p>
                       <a:pPr algn="ctr" rtl="0" fontAlgn="ctr"/>
                       <a:r>
-                        <a:rPr lang="en-US" sz="1600" b="0" i="0" u="none" strike="noStrike" dirty="0">
+                        <a:rPr lang="en-US" sz="1400" b="0" i="0" u="none" strike="noStrike" dirty="0">
                           <a:solidFill>
                             <a:schemeClr val="tx1"/>
                           </a:solidFill>
@@ -14344,7 +14043,7 @@
                     <a:p>
                       <a:pPr algn="ctr" rtl="0" fontAlgn="ctr"/>
                       <a:r>
-                        <a:rPr lang="en-US" sz="1600" b="0" i="0" u="none" strike="noStrike" dirty="0">
+                        <a:rPr lang="en-US" sz="1400" b="0" i="0" u="none" strike="noStrike" dirty="0">
                           <a:solidFill>
                             <a:schemeClr val="tx1"/>
                           </a:solidFill>
@@ -14364,7 +14063,7 @@
                     <a:p>
                       <a:pPr algn="ctr" fontAlgn="b"/>
                       <a:r>
-                        <a:rPr lang="en-US" sz="1600" b="0" i="0" u="none" strike="noStrike" dirty="0">
+                        <a:rPr lang="en-US" sz="1400" b="0" i="0" u="none" strike="noStrike" dirty="0">
                           <a:solidFill>
                             <a:schemeClr val="tx1"/>
                           </a:solidFill>
@@ -14391,7 +14090,7 @@
                     <a:p>
                       <a:pPr algn="l" fontAlgn="ctr"/>
                       <a:r>
-                        <a:rPr lang="en-US" sz="1600" b="0" dirty="0">
+                        <a:rPr lang="en-US" sz="1400" b="0" dirty="0">
                           <a:effectLst/>
                         </a:rPr>
                         <a:t>11215</a:t>
@@ -14407,7 +14106,7 @@
                     <a:p>
                       <a:pPr algn="ctr" rtl="0" fontAlgn="ctr"/>
                       <a:r>
-                        <a:rPr lang="en-US" sz="1600" b="0" i="0" u="none" strike="noStrike" dirty="0">
+                        <a:rPr lang="en-US" sz="1400" b="0" i="0" u="none" strike="noStrike" dirty="0">
                           <a:solidFill>
                             <a:schemeClr val="tx1"/>
                           </a:solidFill>
@@ -14427,7 +14126,7 @@
                     <a:p>
                       <a:pPr algn="ctr" rtl="0" fontAlgn="ctr"/>
                       <a:r>
-                        <a:rPr lang="en-US" sz="1600" b="0" i="0" u="none" strike="noStrike" dirty="0">
+                        <a:rPr lang="en-US" sz="1400" b="0" i="0" u="none" strike="noStrike" dirty="0">
                           <a:solidFill>
                             <a:schemeClr val="tx1"/>
                           </a:solidFill>
@@ -14447,7 +14146,7 @@
                     <a:p>
                       <a:pPr algn="ctr" fontAlgn="b"/>
                       <a:r>
-                        <a:rPr lang="en-US" sz="1600" b="0" i="0" u="none" strike="noStrike" dirty="0">
+                        <a:rPr lang="en-US" sz="1400" b="0" i="0" u="none" strike="noStrike" dirty="0">
                           <a:solidFill>
                             <a:schemeClr val="tx1"/>
                           </a:solidFill>
@@ -14474,7 +14173,7 @@
                     <a:p>
                       <a:pPr algn="l" fontAlgn="ctr"/>
                       <a:r>
-                        <a:rPr lang="en-US" sz="1600" b="0" dirty="0">
+                        <a:rPr lang="en-US" sz="1400" b="0" dirty="0">
                           <a:effectLst/>
                         </a:rPr>
                         <a:t>10009</a:t>
@@ -14490,7 +14189,7 @@
                     <a:p>
                       <a:pPr algn="ctr" rtl="0" fontAlgn="ctr"/>
                       <a:r>
-                        <a:rPr lang="en-US" sz="1600" b="0" i="0" u="none" strike="noStrike" dirty="0">
+                        <a:rPr lang="en-US" sz="1400" b="0" i="0" u="none" strike="noStrike" dirty="0">
                           <a:solidFill>
                             <a:schemeClr val="tx1"/>
                           </a:solidFill>
@@ -14510,7 +14209,7 @@
                     <a:p>
                       <a:pPr algn="ctr" rtl="0" fontAlgn="ctr"/>
                       <a:r>
-                        <a:rPr lang="en-US" sz="1600" b="0" i="0" u="none" strike="noStrike" dirty="0">
+                        <a:rPr lang="en-US" sz="1400" b="0" i="0" u="none" strike="noStrike" dirty="0">
                           <a:solidFill>
                             <a:schemeClr val="tx1"/>
                           </a:solidFill>
@@ -14530,7 +14229,7 @@
                     <a:p>
                       <a:pPr algn="ctr" fontAlgn="b"/>
                       <a:r>
-                        <a:rPr lang="en-US" sz="1600" b="0" i="0" u="none" strike="noStrike" dirty="0">
+                        <a:rPr lang="en-US" sz="1400" b="0" i="0" u="none" strike="noStrike" dirty="0">
                           <a:solidFill>
                             <a:schemeClr val="tx1"/>
                           </a:solidFill>
@@ -14557,7 +14256,7 @@
                     <a:p>
                       <a:pPr algn="l" fontAlgn="ctr"/>
                       <a:r>
-                        <a:rPr lang="en-US" sz="1600" b="0" dirty="0">
+                        <a:rPr lang="en-US" sz="1400" b="0" dirty="0">
                           <a:effectLst/>
                         </a:rPr>
                         <a:t>10023</a:t>
@@ -14573,7 +14272,7 @@
                     <a:p>
                       <a:pPr algn="ctr" rtl="0" fontAlgn="ctr"/>
                       <a:r>
-                        <a:rPr lang="en-US" sz="1600" b="0" i="0" u="none" strike="noStrike" dirty="0">
+                        <a:rPr lang="en-US" sz="1400" b="0" i="0" u="none" strike="noStrike" dirty="0">
                           <a:solidFill>
                             <a:schemeClr val="tx1"/>
                           </a:solidFill>
@@ -14593,7 +14292,7 @@
                     <a:p>
                       <a:pPr algn="ctr" rtl="0" fontAlgn="ctr"/>
                       <a:r>
-                        <a:rPr lang="en-US" sz="1600" b="0" i="0" u="none" strike="noStrike" dirty="0">
+                        <a:rPr lang="en-US" sz="1400" b="0" i="0" u="none" strike="noStrike" dirty="0">
                           <a:solidFill>
                             <a:schemeClr val="tx1"/>
                           </a:solidFill>
@@ -14613,7 +14312,7 @@
                     <a:p>
                       <a:pPr algn="ctr" fontAlgn="b"/>
                       <a:r>
-                        <a:rPr lang="en-US" sz="1600" b="0" i="0" u="none" strike="noStrike" dirty="0">
+                        <a:rPr lang="en-US" sz="1400" b="0" i="0" u="none" strike="noStrike" dirty="0">
                           <a:solidFill>
                             <a:schemeClr val="tx1"/>
                           </a:solidFill>
@@ -14651,14 +14350,14 @@
           <p:nvPr>
             <p:extLst>
               <p:ext uri="{D42A27DB-BD31-4B8C-83A1-F6EECF244321}">
-                <p14:modId xmlns:p14="http://schemas.microsoft.com/office/powerpoint/2010/main" val="728857066"/>
+                <p14:modId xmlns:p14="http://schemas.microsoft.com/office/powerpoint/2010/main" val="4125369147"/>
               </p:ext>
             </p:extLst>
           </p:nvPr>
         </p:nvGraphicFramePr>
         <p:xfrm>
-          <a:off x="6412375" y="1917158"/>
-          <a:ext cx="5340627" cy="4485640"/>
+          <a:off x="5034972" y="2009758"/>
+          <a:ext cx="5011839" cy="4439920"/>
         </p:xfrm>
         <a:graphic>
           <a:graphicData uri="http://schemas.openxmlformats.org/drawingml/2006/table">
@@ -14667,35 +14366,35 @@
                 <a:tableStyleId>{5C22544A-7EE6-4342-B048-85BDC9FD1C3A}</a:tableStyleId>
               </a:tblPr>
               <a:tblGrid>
-                <a:gridCol w="968162">
+                <a:gridCol w="908559">
                   <a:extLst>
                     <a:ext uri="{9D8B030D-6E8A-4147-A177-3AD203B41FA5}">
                       <a16:colId xmlns:a16="http://schemas.microsoft.com/office/drawing/2014/main" val="267374531"/>
                     </a:ext>
                   </a:extLst>
                 </a:gridCol>
-                <a:gridCol w="1045833">
+                <a:gridCol w="981447">
                   <a:extLst>
                     <a:ext uri="{9D8B030D-6E8A-4147-A177-3AD203B41FA5}">
                       <a16:colId xmlns:a16="http://schemas.microsoft.com/office/drawing/2014/main" val="975810304"/>
                     </a:ext>
                   </a:extLst>
                 </a:gridCol>
-                <a:gridCol w="1111169">
+                <a:gridCol w="1042761">
                   <a:extLst>
                     <a:ext uri="{9D8B030D-6E8A-4147-A177-3AD203B41FA5}">
                       <a16:colId xmlns:a16="http://schemas.microsoft.com/office/drawing/2014/main" val="1354174087"/>
                     </a:ext>
                   </a:extLst>
                 </a:gridCol>
-                <a:gridCol w="1076446">
+                <a:gridCol w="1010177">
                   <a:extLst>
                     <a:ext uri="{9D8B030D-6E8A-4147-A177-3AD203B41FA5}">
                       <a16:colId xmlns:a16="http://schemas.microsoft.com/office/drawing/2014/main" val="3737206079"/>
                     </a:ext>
                   </a:extLst>
                 </a:gridCol>
-                <a:gridCol w="1139017">
+                <a:gridCol w="1068895">
                   <a:extLst>
                     <a:ext uri="{9D8B030D-6E8A-4147-A177-3AD203B41FA5}">
                       <a16:colId xmlns:a16="http://schemas.microsoft.com/office/drawing/2014/main" val="654462183"/>
@@ -14711,7 +14410,7 @@
                     <a:p>
                       <a:pPr algn="l"/>
                       <a:r>
-                        <a:rPr lang="en-US" sz="1500" dirty="0"/>
+                        <a:rPr lang="en-US" sz="1400" dirty="0"/>
                         <a:t>Zip Code</a:t>
                       </a:r>
                     </a:p>
@@ -14725,14 +14424,14 @@
                     <a:p>
                       <a:pPr algn="ctr"/>
                       <a:r>
-                        <a:rPr lang="en-US" sz="1500" dirty="0"/>
+                        <a:rPr lang="en-US" sz="1400" dirty="0"/>
                         <a:t>Median Household</a:t>
                       </a:r>
                     </a:p>
                     <a:p>
                       <a:pPr algn="ctr"/>
                       <a:r>
-                        <a:rPr lang="en-US" sz="1500" dirty="0"/>
+                        <a:rPr lang="en-US" sz="1400" dirty="0"/>
                         <a:t>Income</a:t>
                       </a:r>
                     </a:p>
@@ -14746,7 +14445,7 @@
                     <a:p>
                       <a:pPr algn="ctr"/>
                       <a:r>
-                        <a:rPr lang="en-US" sz="1500" dirty="0"/>
+                        <a:rPr lang="en-US" sz="1400" dirty="0"/>
                         <a:t>Estimated Population</a:t>
                       </a:r>
                     </a:p>
@@ -14760,7 +14459,7 @@
                     <a:p>
                       <a:pPr algn="ctr"/>
                       <a:r>
-                        <a:rPr lang="en-US" sz="1500" dirty="0"/>
+                        <a:rPr lang="en-US" sz="1400" dirty="0"/>
                         <a:t># Unique Customers</a:t>
                       </a:r>
                     </a:p>
@@ -14774,14 +14473,14 @@
                     <a:p>
                       <a:pPr algn="ctr"/>
                       <a:r>
-                        <a:rPr lang="en-US" sz="1500" dirty="0"/>
+                        <a:rPr lang="en-US" sz="1400" dirty="0"/>
                         <a:t>Market Penetration</a:t>
                       </a:r>
                     </a:p>
                     <a:p>
                       <a:pPr algn="ctr"/>
                       <a:r>
-                        <a:rPr lang="en-US" sz="1500" dirty="0"/>
+                        <a:rPr lang="en-US" sz="1400" dirty="0"/>
                         <a:t>(X 10)</a:t>
                       </a:r>
                     </a:p>
@@ -14802,7 +14501,7 @@
                     <a:p>
                       <a:pPr algn="l" fontAlgn="ctr"/>
                       <a:r>
-                        <a:rPr lang="en-US" sz="1500" b="0" dirty="0">
+                        <a:rPr lang="en-US" sz="1400" b="0" dirty="0">
                           <a:effectLst/>
                         </a:rPr>
                         <a:t>10282</a:t>
@@ -14818,7 +14517,7 @@
                     <a:p>
                       <a:pPr algn="ctr" fontAlgn="ctr"/>
                       <a:r>
-                        <a:rPr lang="en-US" sz="1500" dirty="0">
+                        <a:rPr lang="en-US" sz="1400" dirty="0">
                           <a:effectLst/>
                         </a:rPr>
                         <a:t>230,952</a:t>
@@ -14834,7 +14533,7 @@
                     <a:p>
                       <a:pPr algn="ctr" fontAlgn="ctr"/>
                       <a:r>
-                        <a:rPr lang="en-US" sz="1500" dirty="0">
+                        <a:rPr lang="en-US" sz="1400" dirty="0">
                           <a:effectLst/>
                         </a:rPr>
                         <a:t>4,783</a:t>
@@ -14850,7 +14549,7 @@
                     <a:p>
                       <a:pPr algn="ctr" fontAlgn="ctr"/>
                       <a:r>
-                        <a:rPr lang="en-US" sz="1500" dirty="0">
+                        <a:rPr lang="en-US" sz="1400" dirty="0">
                           <a:effectLst/>
                         </a:rPr>
                         <a:t>27</a:t>
@@ -14866,7 +14565,7 @@
                     <a:p>
                       <a:pPr algn="ctr" fontAlgn="b"/>
                       <a:r>
-                        <a:rPr lang="en-US" sz="1500" b="0" i="0" u="none" strike="noStrike" dirty="0">
+                        <a:rPr lang="en-US" sz="1400" b="0" i="0" u="none" strike="noStrike" dirty="0">
                           <a:solidFill>
                             <a:srgbClr val="000000"/>
                           </a:solidFill>
@@ -14893,7 +14592,7 @@
                     <a:p>
                       <a:pPr algn="l" fontAlgn="ctr"/>
                       <a:r>
-                        <a:rPr lang="en-US" sz="1500" b="0" dirty="0">
+                        <a:rPr lang="en-US" sz="1400" b="0" dirty="0">
                           <a:effectLst/>
                         </a:rPr>
                         <a:t>10007</a:t>
@@ -14909,7 +14608,7 @@
                     <a:p>
                       <a:pPr algn="ctr" fontAlgn="ctr"/>
                       <a:r>
-                        <a:rPr lang="en-US" sz="1500" dirty="0">
+                        <a:rPr lang="en-US" sz="1400" dirty="0">
                           <a:effectLst/>
                         </a:rPr>
                         <a:t>216,037</a:t>
@@ -14925,7 +14624,7 @@
                     <a:p>
                       <a:pPr algn="ctr" fontAlgn="ctr"/>
                       <a:r>
-                        <a:rPr lang="en-US" sz="1500" dirty="0">
+                        <a:rPr lang="en-US" sz="1400" dirty="0">
                           <a:effectLst/>
                         </a:rPr>
                         <a:t>6,988</a:t>
@@ -14941,7 +14640,7 @@
                     <a:p>
                       <a:pPr algn="ctr" fontAlgn="ctr"/>
                       <a:r>
-                        <a:rPr lang="en-US" sz="1500" dirty="0">
+                        <a:rPr lang="en-US" sz="1400" dirty="0">
                           <a:effectLst/>
                         </a:rPr>
                         <a:t>38</a:t>
@@ -14957,7 +14656,7 @@
                     <a:p>
                       <a:pPr algn="ctr" fontAlgn="b"/>
                       <a:r>
-                        <a:rPr lang="en-US" sz="1500" b="0" i="0" u="none" strike="noStrike" dirty="0">
+                        <a:rPr lang="en-US" sz="1400" b="0" i="0" u="none" strike="noStrike" dirty="0">
                           <a:solidFill>
                             <a:srgbClr val="000000"/>
                           </a:solidFill>
@@ -14984,7 +14683,7 @@
                     <a:p>
                       <a:pPr algn="l" fontAlgn="ctr"/>
                       <a:r>
-                        <a:rPr lang="en-US" sz="1500" b="0" dirty="0">
+                        <a:rPr lang="en-US" sz="1400" b="0" dirty="0">
                           <a:effectLst/>
                         </a:rPr>
                         <a:t>10069</a:t>
@@ -15000,7 +14699,7 @@
                     <a:p>
                       <a:pPr algn="ctr" fontAlgn="ctr"/>
                       <a:r>
-                        <a:rPr lang="en-US" sz="1500" dirty="0">
+                        <a:rPr lang="en-US" sz="1400" dirty="0">
                           <a:effectLst/>
                         </a:rPr>
                         <a:t>170,630</a:t>
@@ -15016,7 +14715,7 @@
                     <a:p>
                       <a:pPr algn="ctr" fontAlgn="ctr"/>
                       <a:r>
-                        <a:rPr lang="en-US" sz="1500" dirty="0">
+                        <a:rPr lang="en-US" sz="1400" dirty="0">
                           <a:effectLst/>
                         </a:rPr>
                         <a:t>5,199</a:t>
@@ -15032,7 +14731,7 @@
                     <a:p>
                       <a:pPr algn="ctr" fontAlgn="ctr"/>
                       <a:r>
-                        <a:rPr lang="en-US" sz="1500" dirty="0">
+                        <a:rPr lang="en-US" sz="1400" dirty="0">
                           <a:effectLst/>
                         </a:rPr>
                         <a:t>45</a:t>
@@ -15048,7 +14747,7 @@
                     <a:p>
                       <a:pPr algn="ctr" fontAlgn="b"/>
                       <a:r>
-                        <a:rPr lang="en-US" sz="1500" b="0" i="0" u="none" strike="noStrike" dirty="0">
+                        <a:rPr lang="en-US" sz="1400" b="0" i="0" u="none" strike="noStrike" dirty="0">
                           <a:solidFill>
                             <a:srgbClr val="000000"/>
                           </a:solidFill>
@@ -15075,7 +14774,7 @@
                     <a:p>
                       <a:pPr algn="l" fontAlgn="ctr"/>
                       <a:r>
-                        <a:rPr lang="en-US" sz="1500" b="0" dirty="0">
+                        <a:rPr lang="en-US" sz="1400" b="0" dirty="0">
                           <a:effectLst/>
                         </a:rPr>
                         <a:t>10162</a:t>
@@ -15091,7 +14790,7 @@
                     <a:p>
                       <a:pPr algn="ctr" fontAlgn="ctr"/>
                       <a:r>
-                        <a:rPr lang="en-US" sz="1500" dirty="0">
+                        <a:rPr lang="en-US" sz="1400" dirty="0">
                           <a:effectLst/>
                         </a:rPr>
                         <a:t>168,667</a:t>
@@ -15107,7 +14806,7 @@
                     <a:p>
                       <a:pPr algn="ctr" fontAlgn="ctr"/>
                       <a:r>
-                        <a:rPr lang="en-US" sz="1500" dirty="0">
+                        <a:rPr lang="en-US" sz="1400" dirty="0">
                           <a:effectLst/>
                         </a:rPr>
                         <a:t>1,685</a:t>
@@ -15123,7 +14822,7 @@
                     <a:p>
                       <a:pPr algn="ctr" fontAlgn="ctr"/>
                       <a:r>
-                        <a:rPr lang="en-US" sz="1500" dirty="0">
+                        <a:rPr lang="en-US" sz="1400" dirty="0">
                           <a:effectLst/>
                         </a:rPr>
                         <a:t>64</a:t>
@@ -15139,7 +14838,7 @@
                     <a:p>
                       <a:pPr algn="ctr" fontAlgn="b"/>
                       <a:r>
-                        <a:rPr lang="en-US" sz="1500" b="0" i="0" u="none" strike="noStrike" dirty="0">
+                        <a:rPr lang="en-US" sz="1400" b="0" i="0" u="none" strike="noStrike" dirty="0">
                           <a:solidFill>
                             <a:srgbClr val="000000"/>
                           </a:solidFill>
@@ -15166,7 +14865,7 @@
                     <a:p>
                       <a:pPr algn="l" fontAlgn="ctr"/>
                       <a:r>
-                        <a:rPr lang="en-US" sz="1500" b="0" dirty="0">
+                        <a:rPr lang="en-US" sz="1400" b="0" dirty="0">
                           <a:effectLst/>
                         </a:rPr>
                         <a:t>10280</a:t>
@@ -15182,7 +14881,7 @@
                     <a:p>
                       <a:pPr algn="ctr" fontAlgn="ctr"/>
                       <a:r>
-                        <a:rPr lang="en-US" sz="1500" dirty="0">
+                        <a:rPr lang="en-US" sz="1400" dirty="0">
                           <a:effectLst/>
                         </a:rPr>
                         <a:t>129,574</a:t>
@@ -15198,7 +14897,7 @@
                     <a:p>
                       <a:pPr algn="ctr" fontAlgn="ctr"/>
                       <a:r>
-                        <a:rPr lang="en-US" sz="1500" dirty="0">
+                        <a:rPr lang="en-US" sz="1400" dirty="0">
                           <a:effectLst/>
                         </a:rPr>
                         <a:t>7,853</a:t>
@@ -15214,7 +14913,7 @@
                     <a:p>
                       <a:pPr algn="ctr" fontAlgn="ctr"/>
                       <a:r>
-                        <a:rPr lang="en-US" sz="1500" dirty="0">
+                        <a:rPr lang="en-US" sz="1400" dirty="0">
                           <a:effectLst/>
                         </a:rPr>
                         <a:t>18</a:t>
@@ -15230,7 +14929,7 @@
                     <a:p>
                       <a:pPr algn="ctr" fontAlgn="b"/>
                       <a:r>
-                        <a:rPr lang="en-US" sz="1500" b="0" i="0" u="none" strike="noStrike" dirty="0">
+                        <a:rPr lang="en-US" sz="1400" b="0" i="0" u="none" strike="noStrike" dirty="0">
                           <a:solidFill>
                             <a:srgbClr val="000000"/>
                           </a:solidFill>
@@ -15257,7 +14956,7 @@
                     <a:p>
                       <a:pPr algn="l" fontAlgn="ctr"/>
                       <a:r>
-                        <a:rPr lang="en-US" sz="1500" b="0" dirty="0">
+                        <a:rPr lang="en-US" sz="1400" b="0" dirty="0">
                           <a:effectLst/>
                         </a:rPr>
                         <a:t>11109</a:t>
@@ -15273,7 +14972,7 @@
                     <a:p>
                       <a:pPr algn="ctr" fontAlgn="ctr"/>
                       <a:r>
-                        <a:rPr lang="en-US" sz="1500" dirty="0">
+                        <a:rPr lang="en-US" sz="1400" dirty="0">
                           <a:effectLst/>
                         </a:rPr>
                         <a:t>125,871</a:t>
@@ -15289,7 +14988,7 @@
                     <a:p>
                       <a:pPr algn="ctr" fontAlgn="ctr"/>
                       <a:r>
-                        <a:rPr lang="en-US" sz="1500" dirty="0">
+                        <a:rPr lang="en-US" sz="1400" dirty="0">
                           <a:effectLst/>
                         </a:rPr>
                         <a:t>3,523</a:t>
@@ -15305,7 +15004,7 @@
                     <a:p>
                       <a:pPr algn="ctr" fontAlgn="ctr"/>
                       <a:r>
-                        <a:rPr lang="en-US" sz="1500" dirty="0">
+                        <a:rPr lang="en-US" sz="1400" dirty="0">
                           <a:effectLst/>
                         </a:rPr>
                         <a:t>2</a:t>
@@ -15321,7 +15020,7 @@
                     <a:p>
                       <a:pPr algn="ctr" fontAlgn="b"/>
                       <a:r>
-                        <a:rPr lang="en-US" sz="1500" b="0" i="0" u="none" strike="noStrike" dirty="0">
+                        <a:rPr lang="en-US" sz="1400" b="0" i="0" u="none" strike="noStrike" dirty="0">
                           <a:solidFill>
                             <a:srgbClr val="000000"/>
                           </a:solidFill>
@@ -15348,7 +15047,7 @@
                     <a:p>
                       <a:pPr algn="l" fontAlgn="ctr"/>
                       <a:r>
-                        <a:rPr lang="en-US" sz="1500" b="0" dirty="0">
+                        <a:rPr lang="en-US" sz="1400" b="0" dirty="0">
                           <a:effectLst/>
                         </a:rPr>
                         <a:t>10005</a:t>
@@ -15364,7 +15063,7 @@
                     <a:p>
                       <a:pPr algn="ctr" fontAlgn="ctr"/>
                       <a:r>
-                        <a:rPr lang="en-US" sz="1500" dirty="0">
+                        <a:rPr lang="en-US" sz="1400" dirty="0">
                           <a:effectLst/>
                         </a:rPr>
                         <a:t>124,670</a:t>
@@ -15380,7 +15079,7 @@
                     <a:p>
                       <a:pPr algn="ctr" fontAlgn="ctr"/>
                       <a:r>
-                        <a:rPr lang="en-US" sz="1500" dirty="0">
+                        <a:rPr lang="en-US" sz="1400" dirty="0">
                           <a:effectLst/>
                         </a:rPr>
                         <a:t>7,135</a:t>
@@ -15396,7 +15095,7 @@
                     <a:p>
                       <a:pPr algn="ctr" fontAlgn="ctr"/>
                       <a:r>
-                        <a:rPr lang="en-US" sz="1500" dirty="0">
+                        <a:rPr lang="en-US" sz="1400" dirty="0">
                           <a:effectLst/>
                         </a:rPr>
                         <a:t>18</a:t>
@@ -15412,7 +15111,7 @@
                     <a:p>
                       <a:pPr algn="ctr" fontAlgn="b"/>
                       <a:r>
-                        <a:rPr lang="en-US" sz="1500" b="0" i="0" u="none" strike="noStrike" dirty="0">
+                        <a:rPr lang="en-US" sz="1400" b="0" i="0" u="none" strike="noStrike" dirty="0">
                           <a:solidFill>
                             <a:srgbClr val="000000"/>
                           </a:solidFill>
@@ -15439,7 +15138,7 @@
                     <a:p>
                       <a:pPr algn="l" fontAlgn="ctr"/>
                       <a:r>
-                        <a:rPr lang="en-US" sz="1500" b="0" dirty="0">
+                        <a:rPr lang="en-US" sz="1400" b="0" dirty="0">
                           <a:effectLst/>
                         </a:rPr>
                         <a:t>10006</a:t>
@@ -15455,7 +15154,7 @@
                     <a:p>
                       <a:pPr algn="ctr" fontAlgn="ctr"/>
                       <a:r>
-                        <a:rPr lang="en-US" sz="1500" dirty="0">
+                        <a:rPr lang="en-US" sz="1400" dirty="0">
                           <a:effectLst/>
                         </a:rPr>
                         <a:t>119,274</a:t>
@@ -15471,7 +15170,7 @@
                     <a:p>
                       <a:pPr algn="ctr" fontAlgn="ctr"/>
                       <a:r>
-                        <a:rPr lang="en-US" sz="1500" dirty="0">
+                        <a:rPr lang="en-US" sz="1400" dirty="0">
                           <a:effectLst/>
                         </a:rPr>
                         <a:t>3,011</a:t>
@@ -15487,7 +15186,7 @@
                     <a:p>
                       <a:pPr algn="ctr" fontAlgn="ctr"/>
                       <a:r>
-                        <a:rPr lang="en-US" sz="1500" dirty="0">
+                        <a:rPr lang="en-US" sz="1400" dirty="0">
                           <a:effectLst/>
                         </a:rPr>
                         <a:t>31</a:t>
@@ -15503,7 +15202,7 @@
                     <a:p>
                       <a:pPr algn="ctr" fontAlgn="b"/>
                       <a:r>
-                        <a:rPr lang="en-US" sz="1500" b="0" i="0" u="none" strike="noStrike" dirty="0">
+                        <a:rPr lang="en-US" sz="1400" b="0" i="0" u="none" strike="noStrike" dirty="0">
                           <a:solidFill>
                             <a:srgbClr val="000000"/>
                           </a:solidFill>
@@ -15530,7 +15229,7 @@
                     <a:p>
                       <a:pPr algn="l" fontAlgn="ctr"/>
                       <a:r>
-                        <a:rPr lang="en-US" sz="1500" b="0" dirty="0">
+                        <a:rPr lang="en-US" sz="1400" b="0" dirty="0">
                           <a:effectLst/>
                         </a:rPr>
                         <a:t>10065</a:t>
@@ -15546,7 +15245,7 @@
                     <a:p>
                       <a:pPr algn="ctr" fontAlgn="ctr"/>
                       <a:r>
-                        <a:rPr lang="en-US" sz="1500" dirty="0">
+                        <a:rPr lang="en-US" sz="1400" dirty="0">
                           <a:effectLst/>
                         </a:rPr>
                         <a:t>115,519</a:t>
@@ -15562,7 +15261,7 @@
                     <a:p>
                       <a:pPr algn="ctr" fontAlgn="ctr"/>
                       <a:r>
-                        <a:rPr lang="en-US" sz="1500" dirty="0">
+                        <a:rPr lang="en-US" sz="1400" dirty="0">
                           <a:effectLst/>
                         </a:rPr>
                         <a:t>32,270</a:t>
@@ -15578,7 +15277,7 @@
                     <a:p>
                       <a:pPr algn="ctr" fontAlgn="ctr"/>
                       <a:r>
-                        <a:rPr lang="en-US" sz="1500" dirty="0">
+                        <a:rPr lang="en-US" sz="1400" dirty="0">
                           <a:effectLst/>
                         </a:rPr>
                         <a:t>99</a:t>
@@ -15594,7 +15293,7 @@
                     <a:p>
                       <a:pPr algn="ctr" fontAlgn="b"/>
                       <a:r>
-                        <a:rPr lang="en-US" sz="1500" b="0" i="0" u="none" strike="noStrike" dirty="0">
+                        <a:rPr lang="en-US" sz="1400" b="0" i="0" u="none" strike="noStrike" dirty="0">
                           <a:solidFill>
                             <a:srgbClr val="000000"/>
                           </a:solidFill>
@@ -15621,7 +15320,7 @@
                     <a:p>
                       <a:pPr algn="l" fontAlgn="ctr"/>
                       <a:r>
-                        <a:rPr lang="en-US" sz="1500" b="0" dirty="0">
+                        <a:rPr lang="en-US" sz="1400" b="0" dirty="0">
                           <a:effectLst/>
                         </a:rPr>
                         <a:t>10024</a:t>
@@ -15637,7 +15336,7 @@
                     <a:p>
                       <a:pPr algn="ctr" fontAlgn="ctr"/>
                       <a:r>
-                        <a:rPr lang="en-US" sz="1500" dirty="0">
+                        <a:rPr lang="en-US" sz="1400" dirty="0">
                           <a:effectLst/>
                         </a:rPr>
                         <a:t>109,956</a:t>
@@ -15653,7 +15352,7 @@
                     <a:p>
                       <a:pPr algn="ctr" fontAlgn="ctr"/>
                       <a:r>
-                        <a:rPr lang="en-US" sz="1500" dirty="0">
+                        <a:rPr lang="en-US" sz="1400" dirty="0">
                           <a:effectLst/>
                         </a:rPr>
                         <a:t>59,283</a:t>
@@ -15669,7 +15368,7 @@
                     <a:p>
                       <a:pPr algn="ctr" fontAlgn="ctr"/>
                       <a:r>
-                        <a:rPr lang="en-US" sz="1500" dirty="0">
+                        <a:rPr lang="en-US" sz="1400" dirty="0">
                           <a:effectLst/>
                         </a:rPr>
                         <a:t>1</a:t>
@@ -15685,7 +15384,7 @@
                     <a:p>
                       <a:pPr algn="ctr" fontAlgn="b"/>
                       <a:r>
-                        <a:rPr lang="en-US" sz="1500" b="0" i="0" u="none" strike="noStrike" dirty="0">
+                        <a:rPr lang="en-US" sz="1400" b="0" i="0" u="none" strike="noStrike" dirty="0">
                           <a:solidFill>
                             <a:srgbClr val="000000"/>
                           </a:solidFill>
@@ -15722,7 +15421,7 @@
         </p:nvSpPr>
         <p:spPr>
           <a:xfrm>
-            <a:off x="1161434" y="1506022"/>
+            <a:off x="382727" y="1598622"/>
             <a:ext cx="3296143" cy="369332"/>
           </a:xfrm>
           <a:prstGeom prst="rect">
@@ -15736,18 +15435,9 @@
           </a:bodyPr>
           <a:lstStyle/>
           <a:p>
-            <a:pPr algn="ctr"/>
-            <a:r>
-              <a:rPr lang="en-US" dirty="0"/>
-              <a:t>10 MOST </a:t>
-            </a:r>
             <a:r>
               <a:rPr lang="en-US" b="1" dirty="0"/>
-              <a:t>POPULOUS</a:t>
-            </a:r>
-            <a:r>
-              <a:rPr lang="en-US" dirty="0"/>
-              <a:t> ZIP CODES</a:t>
+              <a:t>10 MOST POPULOUS ZIP CODES</a:t>
             </a:r>
           </a:p>
         </p:txBody>
@@ -15766,7 +15456,7 @@
         </p:nvSpPr>
         <p:spPr>
           <a:xfrm>
-            <a:off x="7403300" y="1506022"/>
+            <a:off x="4949452" y="1622306"/>
             <a:ext cx="3358775" cy="369332"/>
           </a:xfrm>
           <a:prstGeom prst="rect">
@@ -15780,19 +15470,107 @@
           </a:bodyPr>
           <a:lstStyle/>
           <a:p>
-            <a:pPr algn="ctr"/>
-            <a:r>
-              <a:rPr lang="en-US" dirty="0"/>
-              <a:t>10 </a:t>
-            </a:r>
             <a:r>
               <a:rPr lang="en-US" b="1" dirty="0"/>
-              <a:t>HIGEST EARNING</a:t>
-            </a:r>
-            <a:r>
-              <a:rPr lang="en-US" dirty="0"/>
-              <a:t> ZIP CODES</a:t>
-            </a:r>
+              <a:t>10 HIGEST EARNING ZIP CODES</a:t>
+            </a:r>
+          </a:p>
+        </p:txBody>
+      </p:sp>
+      <p:sp>
+        <p:nvSpPr>
+          <p:cNvPr id="10" name="TextBox 9">
+            <a:extLst>
+              <a:ext uri="{FF2B5EF4-FFF2-40B4-BE49-F238E27FC236}">
+                <a16:creationId xmlns:a16="http://schemas.microsoft.com/office/drawing/2014/main" id="{81C915D4-67D0-CD4B-9D70-CCFD7E33CF4D}"/>
+              </a:ext>
+            </a:extLst>
+          </p:cNvPr>
+          <p:cNvSpPr txBox="1"/>
+          <p:nvPr/>
+        </p:nvSpPr>
+        <p:spPr>
+          <a:xfrm>
+            <a:off x="10150998" y="3614165"/>
+            <a:ext cx="1886672" cy="1231106"/>
+          </a:xfrm>
+          <a:prstGeom prst="rect">
+            <a:avLst/>
+          </a:prstGeom>
+          <a:noFill/>
+          <a:ln>
+            <a:solidFill>
+              <a:schemeClr val="dk1"/>
+            </a:solidFill>
+          </a:ln>
+        </p:spPr>
+        <p:txBody>
+          <a:bodyPr wrap="square" rtlCol="0">
+            <a:spAutoFit/>
+          </a:bodyPr>
+          <a:lstStyle/>
+          <a:p>
+            <a:r>
+              <a:rPr lang="en-US" sz="1600" b="1" dirty="0"/>
+              <a:t>Market Penetration (X10) </a:t>
+            </a:r>
+            <a:r>
+              <a:rPr lang="en-US" sz="1600" dirty="0"/>
+              <a:t>= </a:t>
+            </a:r>
+          </a:p>
+          <a:p>
+            <a:r>
+              <a:rPr lang="en-US" sz="1400" dirty="0"/>
+              <a:t>(# Unique Customers / Estimated Population) *10</a:t>
+            </a:r>
+          </a:p>
+        </p:txBody>
+      </p:sp>
+      <p:sp>
+        <p:nvSpPr>
+          <p:cNvPr id="23" name="Title 22">
+            <a:extLst>
+              <a:ext uri="{FF2B5EF4-FFF2-40B4-BE49-F238E27FC236}">
+                <a16:creationId xmlns:a16="http://schemas.microsoft.com/office/drawing/2014/main" id="{0B1346FC-AE0F-5F47-96F1-8554A41F7725}"/>
+              </a:ext>
+            </a:extLst>
+          </p:cNvPr>
+          <p:cNvSpPr>
+            <a:spLocks noGrp="1"/>
+          </p:cNvSpPr>
+          <p:nvPr>
+            <p:ph type="title"/>
+          </p:nvPr>
+        </p:nvSpPr>
+        <p:spPr>
+          <a:xfrm>
+            <a:off x="497711" y="365125"/>
+            <a:ext cx="11311562" cy="1325563"/>
+          </a:xfrm>
+        </p:spPr>
+        <p:txBody>
+          <a:bodyPr>
+            <a:normAutofit/>
+          </a:bodyPr>
+          <a:lstStyle/>
+          <a:p>
+            <a:r>
+              <a:rPr lang="en-US" dirty="0">
+                <a:solidFill>
+                  <a:schemeClr val="tx1">
+                    <a:lumMod val="50000"/>
+                    <a:lumOff val="50000"/>
+                  </a:schemeClr>
+                </a:solidFill>
+              </a:rPr>
+              <a:t>5.1 </a:t>
+            </a:r>
+            <a:r>
+              <a:rPr lang="en-US" b="1" dirty="0"/>
+              <a:t>GROWTH STRATEGY [TARGETED CAMPAIGNS]</a:t>
+            </a:r>
+            <a:endParaRPr lang="en-US" dirty="0"/>
           </a:p>
         </p:txBody>
       </p:sp>
@@ -15809,7 +15587,860 @@
 </p:sld>
 </file>
 
-<file path=ppt/slides/slide15.xml><?xml version="1.0" encoding="utf-8"?>
+<file path=ppt/slides/slide17.xml><?xml version="1.0" encoding="utf-8"?>
+<p:sld xmlns:a="http://schemas.openxmlformats.org/drawingml/2006/main" xmlns:r="http://schemas.openxmlformats.org/officeDocument/2006/relationships" xmlns:p="http://schemas.openxmlformats.org/presentationml/2006/main">
+  <p:cSld>
+    <p:spTree>
+      <p:nvGrpSpPr>
+        <p:cNvPr id="1" name=""/>
+        <p:cNvGrpSpPr/>
+        <p:nvPr/>
+      </p:nvGrpSpPr>
+      <p:grpSpPr>
+        <a:xfrm>
+          <a:off x="0" y="0"/>
+          <a:ext cx="0" cy="0"/>
+          <a:chOff x="0" y="0"/>
+          <a:chExt cx="0" cy="0"/>
+        </a:xfrm>
+      </p:grpSpPr>
+      <p:sp>
+        <p:nvSpPr>
+          <p:cNvPr id="2" name="Title 1">
+            <a:extLst>
+              <a:ext uri="{FF2B5EF4-FFF2-40B4-BE49-F238E27FC236}">
+                <a16:creationId xmlns:a16="http://schemas.microsoft.com/office/drawing/2014/main" id="{F85A7569-74D4-0A4B-9638-8C36D6B9A994}"/>
+              </a:ext>
+            </a:extLst>
+          </p:cNvPr>
+          <p:cNvSpPr>
+            <a:spLocks noGrp="1"/>
+          </p:cNvSpPr>
+          <p:nvPr>
+            <p:ph type="title"/>
+          </p:nvPr>
+        </p:nvSpPr>
+        <p:spPr>
+          <a:xfrm>
+            <a:off x="462987" y="409575"/>
+            <a:ext cx="11247120" cy="1236664"/>
+          </a:xfrm>
+        </p:spPr>
+        <p:txBody>
+          <a:bodyPr/>
+          <a:lstStyle/>
+          <a:p>
+            <a:r>
+              <a:rPr lang="en-US" b="1" dirty="0">
+                <a:solidFill>
+                  <a:schemeClr val="tx1">
+                    <a:lumMod val="50000"/>
+                    <a:lumOff val="50000"/>
+                  </a:schemeClr>
+                </a:solidFill>
+              </a:rPr>
+              <a:t>5.2</a:t>
+            </a:r>
+            <a:r>
+              <a:rPr lang="en-US" b="1" dirty="0"/>
+              <a:t> GROWTH STRATEGY [ENGAGEMENT]</a:t>
+            </a:r>
+          </a:p>
+        </p:txBody>
+      </p:sp>
+      <p:sp>
+        <p:nvSpPr>
+          <p:cNvPr id="3" name="Content Placeholder 2">
+            <a:extLst>
+              <a:ext uri="{FF2B5EF4-FFF2-40B4-BE49-F238E27FC236}">
+                <a16:creationId xmlns:a16="http://schemas.microsoft.com/office/drawing/2014/main" id="{794413B6-26DB-0142-9C6D-5D0BBC5C8B5C}"/>
+              </a:ext>
+            </a:extLst>
+          </p:cNvPr>
+          <p:cNvSpPr>
+            <a:spLocks noGrp="1"/>
+          </p:cNvSpPr>
+          <p:nvPr>
+            <p:ph idx="1"/>
+          </p:nvPr>
+        </p:nvSpPr>
+        <p:spPr>
+          <a:xfrm>
+            <a:off x="462987" y="1825625"/>
+            <a:ext cx="11247120" cy="4351338"/>
+          </a:xfrm>
+        </p:spPr>
+        <p:txBody>
+          <a:bodyPr>
+            <a:normAutofit/>
+          </a:bodyPr>
+          <a:lstStyle/>
+          <a:p>
+            <a:pPr marL="0" indent="0">
+              <a:buNone/>
+            </a:pPr>
+            <a:r>
+              <a:rPr lang="en-US" sz="1800" dirty="0"/>
+              <a:t>GROWTH RECOMMENDATION #2: Focus on Jumpmen and Customer engagement. Survey the ones who use the service the most to to gather feedback on their hurdles and challenges. Also engage with the customers who only used once and haven’t returned.</a:t>
+            </a:r>
+          </a:p>
+          <a:p>
+            <a:endParaRPr lang="en-US" sz="1800" dirty="0"/>
+          </a:p>
+        </p:txBody>
+      </p:sp>
+      <p:pic>
+        <p:nvPicPr>
+          <p:cNvPr id="30" name="Picture 29" descr="Table&#10;&#10;Description automatically generated">
+            <a:extLst>
+              <a:ext uri="{FF2B5EF4-FFF2-40B4-BE49-F238E27FC236}">
+                <a16:creationId xmlns:a16="http://schemas.microsoft.com/office/drawing/2014/main" id="{F66FC9CD-94B2-3E45-AFED-D15DFC44205B}"/>
+              </a:ext>
+            </a:extLst>
+          </p:cNvPr>
+          <p:cNvPicPr>
+            <a:picLocks noChangeAspect="1"/>
+          </p:cNvPicPr>
+          <p:nvPr/>
+        </p:nvPicPr>
+        <p:blipFill>
+          <a:blip r:embed="rId2"/>
+          <a:stretch>
+            <a:fillRect/>
+          </a:stretch>
+        </p:blipFill>
+        <p:spPr>
+          <a:xfrm>
+            <a:off x="2302974" y="2745401"/>
+            <a:ext cx="1348284" cy="4026841"/>
+          </a:xfrm>
+          <a:prstGeom prst="rect">
+            <a:avLst/>
+          </a:prstGeom>
+          <a:effectLst>
+            <a:outerShdw blurRad="63500" sx="102000" sy="102000" algn="ctr" rotWithShape="0">
+              <a:prstClr val="black">
+                <a:alpha val="40000"/>
+              </a:prstClr>
+            </a:outerShdw>
+          </a:effectLst>
+        </p:spPr>
+      </p:pic>
+      <p:sp>
+        <p:nvSpPr>
+          <p:cNvPr id="31" name="Left Brace 30">
+            <a:extLst>
+              <a:ext uri="{FF2B5EF4-FFF2-40B4-BE49-F238E27FC236}">
+                <a16:creationId xmlns:a16="http://schemas.microsoft.com/office/drawing/2014/main" id="{DF002DCC-B31E-AE4D-9438-1B248B027D2B}"/>
+              </a:ext>
+            </a:extLst>
+          </p:cNvPr>
+          <p:cNvSpPr/>
+          <p:nvPr/>
+        </p:nvSpPr>
+        <p:spPr>
+          <a:xfrm>
+            <a:off x="7294463" y="3040000"/>
+            <a:ext cx="254643" cy="1006997"/>
+          </a:xfrm>
+          <a:prstGeom prst="leftBrace">
+            <a:avLst/>
+          </a:prstGeom>
+          <a:ln w="19050"/>
+        </p:spPr>
+        <p:style>
+          <a:lnRef idx="1">
+            <a:schemeClr val="accent1"/>
+          </a:lnRef>
+          <a:fillRef idx="0">
+            <a:schemeClr val="accent1"/>
+          </a:fillRef>
+          <a:effectRef idx="0">
+            <a:schemeClr val="accent1"/>
+          </a:effectRef>
+          <a:fontRef idx="minor">
+            <a:schemeClr val="tx1"/>
+          </a:fontRef>
+        </p:style>
+        <p:txBody>
+          <a:bodyPr rtlCol="0" anchor="ctr"/>
+          <a:lstStyle/>
+          <a:p>
+            <a:pPr algn="ctr"/>
+            <a:endParaRPr lang="en-US" dirty="0"/>
+          </a:p>
+        </p:txBody>
+      </p:sp>
+      <p:sp>
+        <p:nvSpPr>
+          <p:cNvPr id="32" name="Left Brace 31">
+            <a:extLst>
+              <a:ext uri="{FF2B5EF4-FFF2-40B4-BE49-F238E27FC236}">
+                <a16:creationId xmlns:a16="http://schemas.microsoft.com/office/drawing/2014/main" id="{342A3E99-CC34-CE48-9F1C-998EAD16CABA}"/>
+              </a:ext>
+            </a:extLst>
+          </p:cNvPr>
+          <p:cNvSpPr/>
+          <p:nvPr/>
+        </p:nvSpPr>
+        <p:spPr>
+          <a:xfrm>
+            <a:off x="7294462" y="4261057"/>
+            <a:ext cx="254643" cy="2208669"/>
+          </a:xfrm>
+          <a:prstGeom prst="leftBrace">
+            <a:avLst/>
+          </a:prstGeom>
+          <a:ln w="19050"/>
+        </p:spPr>
+        <p:style>
+          <a:lnRef idx="1">
+            <a:schemeClr val="accent1"/>
+          </a:lnRef>
+          <a:fillRef idx="0">
+            <a:schemeClr val="accent1"/>
+          </a:fillRef>
+          <a:effectRef idx="0">
+            <a:schemeClr val="accent1"/>
+          </a:effectRef>
+          <a:fontRef idx="minor">
+            <a:schemeClr val="tx1"/>
+          </a:fontRef>
+        </p:style>
+        <p:txBody>
+          <a:bodyPr rtlCol="0" anchor="ctr"/>
+          <a:lstStyle/>
+          <a:p>
+            <a:pPr algn="ctr"/>
+            <a:endParaRPr lang="en-US" dirty="0"/>
+          </a:p>
+        </p:txBody>
+      </p:sp>
+      <p:sp>
+        <p:nvSpPr>
+          <p:cNvPr id="33" name="TextBox 32">
+            <a:extLst>
+              <a:ext uri="{FF2B5EF4-FFF2-40B4-BE49-F238E27FC236}">
+                <a16:creationId xmlns:a16="http://schemas.microsoft.com/office/drawing/2014/main" id="{4C8A6FD3-9DC4-8E4D-924B-D23107FB8136}"/>
+              </a:ext>
+            </a:extLst>
+          </p:cNvPr>
+          <p:cNvSpPr txBox="1"/>
+          <p:nvPr/>
+        </p:nvSpPr>
+        <p:spPr>
+          <a:xfrm>
+            <a:off x="4945683" y="3004889"/>
+            <a:ext cx="1651718" cy="1077218"/>
+          </a:xfrm>
+          <a:prstGeom prst="rect">
+            <a:avLst/>
+          </a:prstGeom>
+          <a:noFill/>
+          <a:ln>
+            <a:solidFill>
+              <a:schemeClr val="accent1"/>
+            </a:solidFill>
+          </a:ln>
+        </p:spPr>
+        <p:txBody>
+          <a:bodyPr wrap="square" rtlCol="0">
+            <a:spAutoFit/>
+          </a:bodyPr>
+          <a:lstStyle/>
+          <a:p>
+            <a:pPr algn="ctr"/>
+            <a:r>
+              <a:rPr lang="en-US" sz="1600" dirty="0"/>
+              <a:t>Five most active Jumpmen/Customers on the platform</a:t>
+            </a:r>
+          </a:p>
+        </p:txBody>
+      </p:sp>
+      <p:sp>
+        <p:nvSpPr>
+          <p:cNvPr id="34" name="TextBox 33">
+            <a:extLst>
+              <a:ext uri="{FF2B5EF4-FFF2-40B4-BE49-F238E27FC236}">
+                <a16:creationId xmlns:a16="http://schemas.microsoft.com/office/drawing/2014/main" id="{6551651E-2892-F148-A930-02F508E6B803}"/>
+              </a:ext>
+            </a:extLst>
+          </p:cNvPr>
+          <p:cNvSpPr txBox="1"/>
+          <p:nvPr/>
+        </p:nvSpPr>
+        <p:spPr>
+          <a:xfrm>
+            <a:off x="4855706" y="4771836"/>
+            <a:ext cx="1778997" cy="1323439"/>
+          </a:xfrm>
+          <a:prstGeom prst="rect">
+            <a:avLst/>
+          </a:prstGeom>
+          <a:noFill/>
+          <a:ln>
+            <a:solidFill>
+              <a:schemeClr val="accent1"/>
+            </a:solidFill>
+          </a:ln>
+        </p:spPr>
+        <p:txBody>
+          <a:bodyPr wrap="square" rtlCol="0">
+            <a:spAutoFit/>
+          </a:bodyPr>
+          <a:lstStyle/>
+          <a:p>
+            <a:pPr algn="ctr"/>
+            <a:r>
+              <a:rPr lang="en-US" sz="1600" dirty="0"/>
+              <a:t>Ten minimally active Jumpmen/Customers (random sample)</a:t>
+            </a:r>
+          </a:p>
+        </p:txBody>
+      </p:sp>
+      <p:pic>
+        <p:nvPicPr>
+          <p:cNvPr id="36" name="Picture 35" descr="Table&#10;&#10;Description automatically generated">
+            <a:extLst>
+              <a:ext uri="{FF2B5EF4-FFF2-40B4-BE49-F238E27FC236}">
+                <a16:creationId xmlns:a16="http://schemas.microsoft.com/office/drawing/2014/main" id="{CBF86B2D-FFD5-FC46-A682-B3D63647CB6F}"/>
+              </a:ext>
+            </a:extLst>
+          </p:cNvPr>
+          <p:cNvPicPr>
+            <a:picLocks noChangeAspect="1"/>
+          </p:cNvPicPr>
+          <p:nvPr/>
+        </p:nvPicPr>
+        <p:blipFill>
+          <a:blip r:embed="rId3"/>
+          <a:stretch>
+            <a:fillRect/>
+          </a:stretch>
+        </p:blipFill>
+        <p:spPr>
+          <a:xfrm>
+            <a:off x="7630086" y="2714715"/>
+            <a:ext cx="1351868" cy="4026841"/>
+          </a:xfrm>
+          <a:prstGeom prst="rect">
+            <a:avLst/>
+          </a:prstGeom>
+          <a:effectLst>
+            <a:outerShdw blurRad="63500" sx="102000" sy="102000" algn="ctr" rotWithShape="0">
+              <a:prstClr val="black">
+                <a:alpha val="40000"/>
+              </a:prstClr>
+            </a:outerShdw>
+          </a:effectLst>
+        </p:spPr>
+      </p:pic>
+      <p:sp>
+        <p:nvSpPr>
+          <p:cNvPr id="37" name="Left Brace 36">
+            <a:extLst>
+              <a:ext uri="{FF2B5EF4-FFF2-40B4-BE49-F238E27FC236}">
+                <a16:creationId xmlns:a16="http://schemas.microsoft.com/office/drawing/2014/main" id="{1B01D0DA-6F22-A843-9B31-9ECF0F6DBCE7}"/>
+              </a:ext>
+            </a:extLst>
+          </p:cNvPr>
+          <p:cNvSpPr/>
+          <p:nvPr/>
+        </p:nvSpPr>
+        <p:spPr>
+          <a:xfrm rot="10800000">
+            <a:off x="3802409" y="4261056"/>
+            <a:ext cx="254643" cy="2208669"/>
+          </a:xfrm>
+          <a:prstGeom prst="leftBrace">
+            <a:avLst/>
+          </a:prstGeom>
+          <a:ln w="19050"/>
+        </p:spPr>
+        <p:style>
+          <a:lnRef idx="1">
+            <a:schemeClr val="accent1"/>
+          </a:lnRef>
+          <a:fillRef idx="0">
+            <a:schemeClr val="accent1"/>
+          </a:fillRef>
+          <a:effectRef idx="0">
+            <a:schemeClr val="accent1"/>
+          </a:effectRef>
+          <a:fontRef idx="minor">
+            <a:schemeClr val="tx1"/>
+          </a:fontRef>
+        </p:style>
+        <p:txBody>
+          <a:bodyPr rtlCol="0" anchor="ctr"/>
+          <a:lstStyle/>
+          <a:p>
+            <a:pPr algn="ctr"/>
+            <a:endParaRPr lang="en-US" dirty="0"/>
+          </a:p>
+        </p:txBody>
+      </p:sp>
+      <p:sp>
+        <p:nvSpPr>
+          <p:cNvPr id="38" name="Left Brace 37">
+            <a:extLst>
+              <a:ext uri="{FF2B5EF4-FFF2-40B4-BE49-F238E27FC236}">
+                <a16:creationId xmlns:a16="http://schemas.microsoft.com/office/drawing/2014/main" id="{BF611547-D888-934A-B46A-37BBA5F71864}"/>
+              </a:ext>
+            </a:extLst>
+          </p:cNvPr>
+          <p:cNvSpPr/>
+          <p:nvPr/>
+        </p:nvSpPr>
+        <p:spPr>
+          <a:xfrm rot="10800000">
+            <a:off x="3802409" y="3039999"/>
+            <a:ext cx="254643" cy="1006997"/>
+          </a:xfrm>
+          <a:prstGeom prst="leftBrace">
+            <a:avLst/>
+          </a:prstGeom>
+          <a:ln w="19050"/>
+        </p:spPr>
+        <p:style>
+          <a:lnRef idx="1">
+            <a:schemeClr val="accent1"/>
+          </a:lnRef>
+          <a:fillRef idx="0">
+            <a:schemeClr val="accent1"/>
+          </a:fillRef>
+          <a:effectRef idx="0">
+            <a:schemeClr val="accent1"/>
+          </a:effectRef>
+          <a:fontRef idx="minor">
+            <a:schemeClr val="tx1"/>
+          </a:fontRef>
+        </p:style>
+        <p:txBody>
+          <a:bodyPr rtlCol="0" anchor="ctr"/>
+          <a:lstStyle/>
+          <a:p>
+            <a:pPr algn="ctr"/>
+            <a:endParaRPr lang="en-US" dirty="0"/>
+          </a:p>
+        </p:txBody>
+      </p:sp>
+    </p:spTree>
+    <p:extLst>
+      <p:ext uri="{BB962C8B-B14F-4D97-AF65-F5344CB8AC3E}">
+        <p14:creationId xmlns:p14="http://schemas.microsoft.com/office/powerpoint/2010/main" val="3650026535"/>
+      </p:ext>
+    </p:extLst>
+  </p:cSld>
+  <p:clrMapOvr>
+    <a:masterClrMapping/>
+  </p:clrMapOvr>
+</p:sld>
+</file>
+
+<file path=ppt/slides/slide18.xml><?xml version="1.0" encoding="utf-8"?>
+<p:sld xmlns:a="http://schemas.openxmlformats.org/drawingml/2006/main" xmlns:r="http://schemas.openxmlformats.org/officeDocument/2006/relationships" xmlns:p="http://schemas.openxmlformats.org/presentationml/2006/main">
+  <p:cSld>
+    <p:spTree>
+      <p:nvGrpSpPr>
+        <p:cNvPr id="1" name=""/>
+        <p:cNvGrpSpPr/>
+        <p:nvPr/>
+      </p:nvGrpSpPr>
+      <p:grpSpPr>
+        <a:xfrm>
+          <a:off x="0" y="0"/>
+          <a:ext cx="0" cy="0"/>
+          <a:chOff x="0" y="0"/>
+          <a:chExt cx="0" cy="0"/>
+        </a:xfrm>
+      </p:grpSpPr>
+      <p:sp>
+        <p:nvSpPr>
+          <p:cNvPr id="2" name="Title 1">
+            <a:extLst>
+              <a:ext uri="{FF2B5EF4-FFF2-40B4-BE49-F238E27FC236}">
+                <a16:creationId xmlns:a16="http://schemas.microsoft.com/office/drawing/2014/main" id="{F85A7569-74D4-0A4B-9638-8C36D6B9A994}"/>
+              </a:ext>
+            </a:extLst>
+          </p:cNvPr>
+          <p:cNvSpPr>
+            <a:spLocks noGrp="1"/>
+          </p:cNvSpPr>
+          <p:nvPr>
+            <p:ph type="title"/>
+          </p:nvPr>
+        </p:nvSpPr>
+        <p:spPr/>
+        <p:txBody>
+          <a:bodyPr/>
+          <a:lstStyle/>
+          <a:p>
+            <a:r>
+              <a:rPr lang="en-US" dirty="0">
+                <a:solidFill>
+                  <a:schemeClr val="tx1">
+                    <a:lumMod val="50000"/>
+                    <a:lumOff val="50000"/>
+                  </a:schemeClr>
+                </a:solidFill>
+              </a:rPr>
+              <a:t>5.3 </a:t>
+            </a:r>
+            <a:r>
+              <a:rPr lang="en-US" b="1" dirty="0"/>
+              <a:t>GROWTH STRATEGY [WAIT TIMES]</a:t>
+            </a:r>
+          </a:p>
+        </p:txBody>
+      </p:sp>
+      <p:sp>
+        <p:nvSpPr>
+          <p:cNvPr id="11" name="Content Placeholder 2">
+            <a:extLst>
+              <a:ext uri="{FF2B5EF4-FFF2-40B4-BE49-F238E27FC236}">
+                <a16:creationId xmlns:a16="http://schemas.microsoft.com/office/drawing/2014/main" id="{3E82C8E6-2B81-AC4A-8EC3-CE229E3620C8}"/>
+              </a:ext>
+            </a:extLst>
+          </p:cNvPr>
+          <p:cNvSpPr>
+            <a:spLocks noGrp="1"/>
+          </p:cNvSpPr>
+          <p:nvPr>
+            <p:ph idx="1"/>
+          </p:nvPr>
+        </p:nvSpPr>
+        <p:spPr/>
+        <p:txBody>
+          <a:bodyPr>
+            <a:normAutofit/>
+          </a:bodyPr>
+          <a:lstStyle/>
+          <a:p>
+            <a:pPr marL="0" indent="0">
+              <a:buNone/>
+            </a:pPr>
+            <a:r>
+              <a:rPr lang="en-US" sz="1800" b="1" dirty="0"/>
+              <a:t>GROWTH RECOMMENDATION #3: </a:t>
+            </a:r>
+            <a:r>
+              <a:rPr lang="en-US" sz="1800" dirty="0"/>
+              <a:t>Decrease wasted time at restaurants. Explore a restaurant partnership model to minimize the time spent waiting at the pickup location.</a:t>
+            </a:r>
+          </a:p>
+          <a:p>
+            <a:pPr marL="0" indent="0">
+              <a:buNone/>
+            </a:pPr>
+            <a:endParaRPr lang="en-US" sz="1600" dirty="0"/>
+          </a:p>
+          <a:p>
+            <a:pPr marL="0" indent="0">
+              <a:buNone/>
+            </a:pPr>
+            <a:r>
+              <a:rPr lang="en-US" sz="1600" b="1" dirty="0"/>
+              <a:t>Minimize WAIT TIMES for Jumpmen. </a:t>
+            </a:r>
+            <a:r>
+              <a:rPr lang="en-US" sz="1600" dirty="0"/>
+              <a:t>Recommend partnership model with restaurants to minimize wasted time. </a:t>
+            </a:r>
+          </a:p>
+          <a:p>
+            <a:endParaRPr lang="en-US" sz="1500" dirty="0"/>
+          </a:p>
+          <a:p>
+            <a:endParaRPr lang="en-US" sz="1500" dirty="0"/>
+          </a:p>
+          <a:p>
+            <a:endParaRPr lang="en-US" sz="1500" dirty="0"/>
+          </a:p>
+          <a:p>
+            <a:pPr lvl="2"/>
+            <a:endParaRPr lang="en-US" sz="700" dirty="0"/>
+          </a:p>
+          <a:p>
+            <a:endParaRPr lang="en-US" sz="1500" dirty="0"/>
+          </a:p>
+          <a:p>
+            <a:endParaRPr lang="en-US" sz="1500" dirty="0"/>
+          </a:p>
+          <a:p>
+            <a:endParaRPr lang="en-US" sz="1500" dirty="0"/>
+          </a:p>
+        </p:txBody>
+      </p:sp>
+      <p:sp>
+        <p:nvSpPr>
+          <p:cNvPr id="12" name="TextBox 11">
+            <a:extLst>
+              <a:ext uri="{FF2B5EF4-FFF2-40B4-BE49-F238E27FC236}">
+                <a16:creationId xmlns:a16="http://schemas.microsoft.com/office/drawing/2014/main" id="{E0189592-D2A4-7A43-9C0A-5FCF939C805E}"/>
+              </a:ext>
+            </a:extLst>
+          </p:cNvPr>
+          <p:cNvSpPr txBox="1"/>
+          <p:nvPr/>
+        </p:nvSpPr>
+        <p:spPr>
+          <a:xfrm>
+            <a:off x="4817007" y="3177279"/>
+            <a:ext cx="5812483" cy="2031325"/>
+          </a:xfrm>
+          <a:prstGeom prst="rect">
+            <a:avLst/>
+          </a:prstGeom>
+          <a:noFill/>
+        </p:spPr>
+        <p:txBody>
+          <a:bodyPr wrap="square" rtlCol="0">
+            <a:spAutoFit/>
+          </a:bodyPr>
+          <a:lstStyle/>
+          <a:p>
+            <a:r>
+              <a:rPr lang="en-US" sz="1400" dirty="0"/>
+              <a:t>Set an ambitious goal to have Jumpmen spending </a:t>
+            </a:r>
+            <a:r>
+              <a:rPr lang="en-US" sz="1400" b="1" dirty="0"/>
+              <a:t>no longer than 15 minutes </a:t>
+            </a:r>
+            <a:r>
+              <a:rPr lang="en-US" sz="1400" dirty="0"/>
+              <a:t>at each restaurant. Achieve this goal by implementing a business partnership model.</a:t>
+            </a:r>
+          </a:p>
+          <a:p>
+            <a:endParaRPr lang="en-US" sz="1400" dirty="0"/>
+          </a:p>
+          <a:p>
+            <a:r>
+              <a:rPr lang="en-US" sz="1400" dirty="0"/>
+              <a:t>In October 2014,  reducing all wait times to a max of 15 minutes would have saved Jumpmen a total of 14,000 minutes, or an average of 27 minutes per Jumpman</a:t>
+            </a:r>
+          </a:p>
+          <a:p>
+            <a:endParaRPr lang="en-US" sz="1400" dirty="0"/>
+          </a:p>
+          <a:p>
+            <a:r>
+              <a:rPr lang="en-US" sz="1400" dirty="0"/>
+              <a:t>Giving time back to Jumpmen allows them to put more time into the platform</a:t>
+            </a:r>
+          </a:p>
+        </p:txBody>
+      </p:sp>
+      <p:grpSp>
+        <p:nvGrpSpPr>
+          <p:cNvPr id="13" name="Group 12">
+            <a:extLst>
+              <a:ext uri="{FF2B5EF4-FFF2-40B4-BE49-F238E27FC236}">
+                <a16:creationId xmlns:a16="http://schemas.microsoft.com/office/drawing/2014/main" id="{A7C65497-6EC3-B245-8CBB-45BA30D0F956}"/>
+              </a:ext>
+            </a:extLst>
+          </p:cNvPr>
+          <p:cNvGrpSpPr/>
+          <p:nvPr/>
+        </p:nvGrpSpPr>
+        <p:grpSpPr>
+          <a:xfrm>
+            <a:off x="838200" y="3185105"/>
+            <a:ext cx="2973795" cy="2092949"/>
+            <a:chOff x="1169941" y="2235983"/>
+            <a:chExt cx="2973795" cy="2092949"/>
+          </a:xfrm>
+        </p:grpSpPr>
+        <p:pic>
+          <p:nvPicPr>
+            <p:cNvPr id="14" name="Picture 13">
+              <a:extLst>
+                <a:ext uri="{FF2B5EF4-FFF2-40B4-BE49-F238E27FC236}">
+                  <a16:creationId xmlns:a16="http://schemas.microsoft.com/office/drawing/2014/main" id="{FA89F47A-E11E-424A-A894-6420A6FBD149}"/>
+                </a:ext>
+              </a:extLst>
+            </p:cNvPr>
+            <p:cNvPicPr>
+              <a:picLocks noChangeAspect="1"/>
+            </p:cNvPicPr>
+            <p:nvPr/>
+          </p:nvPicPr>
+          <p:blipFill>
+            <a:blip r:embed="rId2"/>
+            <a:stretch>
+              <a:fillRect/>
+            </a:stretch>
+          </p:blipFill>
+          <p:spPr>
+            <a:xfrm>
+              <a:off x="1169941" y="2235983"/>
+              <a:ext cx="2973795" cy="2092949"/>
+            </a:xfrm>
+            <a:prstGeom prst="rect">
+              <a:avLst/>
+            </a:prstGeom>
+          </p:spPr>
+        </p:pic>
+        <p:pic>
+          <p:nvPicPr>
+            <p:cNvPr id="15" name="Picture 14" descr="Table&#10;&#10;Description automatically generated">
+              <a:extLst>
+                <a:ext uri="{FF2B5EF4-FFF2-40B4-BE49-F238E27FC236}">
+                  <a16:creationId xmlns:a16="http://schemas.microsoft.com/office/drawing/2014/main" id="{AAC3E3C2-9194-BA41-B744-93A2604323C5}"/>
+                </a:ext>
+              </a:extLst>
+            </p:cNvPr>
+            <p:cNvPicPr>
+              <a:picLocks noChangeAspect="1"/>
+            </p:cNvPicPr>
+            <p:nvPr/>
+          </p:nvPicPr>
+          <p:blipFill>
+            <a:blip r:embed="rId3"/>
+            <a:stretch>
+              <a:fillRect/>
+            </a:stretch>
+          </p:blipFill>
+          <p:spPr>
+            <a:xfrm>
+              <a:off x="2751017" y="2546431"/>
+              <a:ext cx="1153082" cy="1240436"/>
+            </a:xfrm>
+            <a:prstGeom prst="rect">
+              <a:avLst/>
+            </a:prstGeom>
+            <a:ln>
+              <a:solidFill>
+                <a:schemeClr val="dk1"/>
+              </a:solidFill>
+            </a:ln>
+          </p:spPr>
+        </p:pic>
+      </p:grpSp>
+      <p:pic>
+        <p:nvPicPr>
+          <p:cNvPr id="16" name="Graphic 15" descr="Lightbulb">
+            <a:extLst>
+              <a:ext uri="{FF2B5EF4-FFF2-40B4-BE49-F238E27FC236}">
+                <a16:creationId xmlns:a16="http://schemas.microsoft.com/office/drawing/2014/main" id="{C8B90E7F-E7DE-9648-B2F9-CD63F1500970}"/>
+              </a:ext>
+            </a:extLst>
+          </p:cNvPr>
+          <p:cNvPicPr>
+            <a:picLocks noChangeAspect="1"/>
+          </p:cNvPicPr>
+          <p:nvPr/>
+        </p:nvPicPr>
+        <p:blipFill>
+          <a:blip r:embed="rId4">
+            <a:extLst>
+              <a:ext uri="{96DAC541-7B7A-43D3-8B79-37D633B846F1}">
+                <asvg:svgBlip xmlns:asvg="http://schemas.microsoft.com/office/drawing/2016/SVG/main" r:embed="rId5"/>
+              </a:ext>
+            </a:extLst>
+          </a:blip>
+          <a:stretch>
+            <a:fillRect/>
+          </a:stretch>
+        </p:blipFill>
+        <p:spPr>
+          <a:xfrm>
+            <a:off x="4291325" y="3215594"/>
+            <a:ext cx="358879" cy="358879"/>
+          </a:xfrm>
+          <a:prstGeom prst="rect">
+            <a:avLst/>
+          </a:prstGeom>
+        </p:spPr>
+      </p:pic>
+      <p:pic>
+        <p:nvPicPr>
+          <p:cNvPr id="17" name="Graphic 16" descr="Lightbulb">
+            <a:extLst>
+              <a:ext uri="{FF2B5EF4-FFF2-40B4-BE49-F238E27FC236}">
+                <a16:creationId xmlns:a16="http://schemas.microsoft.com/office/drawing/2014/main" id="{CED393EE-A629-8A48-B51A-5307167B844A}"/>
+              </a:ext>
+            </a:extLst>
+          </p:cNvPr>
+          <p:cNvPicPr>
+            <a:picLocks noChangeAspect="1"/>
+          </p:cNvPicPr>
+          <p:nvPr/>
+        </p:nvPicPr>
+        <p:blipFill>
+          <a:blip r:embed="rId4">
+            <a:extLst>
+              <a:ext uri="{96DAC541-7B7A-43D3-8B79-37D633B846F1}">
+                <asvg:svgBlip xmlns:asvg="http://schemas.microsoft.com/office/drawing/2016/SVG/main" r:embed="rId5"/>
+              </a:ext>
+            </a:extLst>
+          </a:blip>
+          <a:stretch>
+            <a:fillRect/>
+          </a:stretch>
+        </p:blipFill>
+        <p:spPr>
+          <a:xfrm>
+            <a:off x="4291324" y="4119101"/>
+            <a:ext cx="358879" cy="358879"/>
+          </a:xfrm>
+          <a:prstGeom prst="rect">
+            <a:avLst/>
+          </a:prstGeom>
+        </p:spPr>
+      </p:pic>
+      <p:pic>
+        <p:nvPicPr>
+          <p:cNvPr id="18" name="Graphic 17" descr="Lightbulb">
+            <a:extLst>
+              <a:ext uri="{FF2B5EF4-FFF2-40B4-BE49-F238E27FC236}">
+                <a16:creationId xmlns:a16="http://schemas.microsoft.com/office/drawing/2014/main" id="{3F016C98-E2F4-A748-A279-D996D7CC337B}"/>
+              </a:ext>
+            </a:extLst>
+          </p:cNvPr>
+          <p:cNvPicPr>
+            <a:picLocks noChangeAspect="1"/>
+          </p:cNvPicPr>
+          <p:nvPr/>
+        </p:nvPicPr>
+        <p:blipFill>
+          <a:blip r:embed="rId4">
+            <a:extLst>
+              <a:ext uri="{96DAC541-7B7A-43D3-8B79-37D633B846F1}">
+                <asvg:svgBlip xmlns:asvg="http://schemas.microsoft.com/office/drawing/2016/SVG/main" r:embed="rId5"/>
+              </a:ext>
+            </a:extLst>
+          </a:blip>
+          <a:stretch>
+            <a:fillRect/>
+          </a:stretch>
+        </p:blipFill>
+        <p:spPr>
+          <a:xfrm>
+            <a:off x="4291324" y="4889043"/>
+            <a:ext cx="358879" cy="358879"/>
+          </a:xfrm>
+          <a:prstGeom prst="rect">
+            <a:avLst/>
+          </a:prstGeom>
+        </p:spPr>
+      </p:pic>
+    </p:spTree>
+    <p:extLst>
+      <p:ext uri="{BB962C8B-B14F-4D97-AF65-F5344CB8AC3E}">
+        <p14:creationId xmlns:p14="http://schemas.microsoft.com/office/powerpoint/2010/main" val="3428352006"/>
+      </p:ext>
+    </p:extLst>
+  </p:cSld>
+  <p:clrMapOvr>
+    <a:masterClrMapping/>
+  </p:clrMapOvr>
+</p:sld>
+</file>
+
+<file path=ppt/slides/slide19.xml><?xml version="1.0" encoding="utf-8"?>
 <p:sld xmlns:a="http://schemas.openxmlformats.org/drawingml/2006/main" xmlns:r="http://schemas.openxmlformats.org/officeDocument/2006/relationships" xmlns:p="http://schemas.openxmlformats.org/presentationml/2006/main">
   <p:cSld>
     <p:spTree>
@@ -15862,7 +16493,6 @@
               <a:rPr lang="en-US" b="1" dirty="0"/>
               <a:t> NEXT STEPS [BEYOND THIS ANALYSIS]</a:t>
             </a:r>
-            <a:endParaRPr lang="en-US" dirty="0"/>
           </a:p>
         </p:txBody>
       </p:sp>
@@ -15882,15 +16512,44 @@
             <p:ph idx="1"/>
           </p:nvPr>
         </p:nvSpPr>
-        <p:spPr/>
+        <p:spPr>
+          <a:xfrm>
+            <a:off x="1506429" y="1690688"/>
+            <a:ext cx="9847371" cy="4351338"/>
+          </a:xfrm>
+        </p:spPr>
         <p:txBody>
           <a:bodyPr>
-            <a:normAutofit fontScale="92500" lnSpcReduction="10000"/>
+            <a:normAutofit fontScale="70000" lnSpcReduction="20000"/>
           </a:bodyPr>
           <a:lstStyle/>
           <a:p>
-            <a:pPr marL="514350" indent="-514350">
-              <a:buAutoNum type="arabicParenR"/>
+            <a:pPr marL="0" indent="0">
+              <a:lnSpc>
+                <a:spcPct val="120000"/>
+              </a:lnSpc>
+              <a:buNone/>
+            </a:pPr>
+            <a:r>
+              <a:rPr lang="en-US" dirty="0"/>
+              <a:t>Implement the outlined growth strategies</a:t>
+            </a:r>
+          </a:p>
+          <a:p>
+            <a:pPr marL="0" indent="0">
+              <a:lnSpc>
+                <a:spcPct val="120000"/>
+              </a:lnSpc>
+              <a:buNone/>
+            </a:pPr>
+            <a:endParaRPr lang="en-US" sz="100" dirty="0"/>
+          </a:p>
+          <a:p>
+            <a:pPr marL="0" indent="0">
+              <a:lnSpc>
+                <a:spcPct val="120000"/>
+              </a:lnSpc>
+              <a:buNone/>
             </a:pPr>
             <a:r>
               <a:rPr lang="en-US" dirty="0"/>
@@ -15899,7 +16558,11 @@
           </a:p>
           <a:p>
             <a:pPr marL="971550" lvl="1" indent="-514350">
-              <a:buAutoNum type="arabicParenR"/>
+              <a:lnSpc>
+                <a:spcPct val="120000"/>
+              </a:lnSpc>
+              <a:buFont typeface="+mj-lt"/>
+              <a:buAutoNum type="alphaLcParenR"/>
             </a:pPr>
             <a:r>
               <a:rPr lang="en-US" sz="2200" dirty="0"/>
@@ -15908,7 +16571,10 @@
           </a:p>
           <a:p>
             <a:pPr marL="971550" lvl="1" indent="-514350">
-              <a:buAutoNum type="arabicParenR"/>
+              <a:lnSpc>
+                <a:spcPct val="120000"/>
+              </a:lnSpc>
+              <a:buAutoNum type="alphaLcParenR"/>
             </a:pPr>
             <a:r>
               <a:rPr lang="en-US" sz="2200" dirty="0"/>
@@ -15916,8 +16582,20 @@
             </a:r>
           </a:p>
           <a:p>
-            <a:pPr marL="514350" indent="-514350">
-              <a:buAutoNum type="arabicParenR"/>
+            <a:pPr marL="457200" lvl="1" indent="0">
+              <a:lnSpc>
+                <a:spcPct val="120000"/>
+              </a:lnSpc>
+              <a:buNone/>
+            </a:pPr>
+            <a:endParaRPr lang="en-US" sz="100" dirty="0"/>
+          </a:p>
+          <a:p>
+            <a:pPr marL="0" indent="0">
+              <a:lnSpc>
+                <a:spcPct val="120000"/>
+              </a:lnSpc>
+              <a:buNone/>
             </a:pPr>
             <a:r>
               <a:rPr lang="en-US" dirty="0"/>
@@ -15926,7 +16604,11 @@
           </a:p>
           <a:p>
             <a:pPr marL="971550" lvl="1" indent="-514350">
-              <a:buAutoNum type="arabicParenR"/>
+              <a:lnSpc>
+                <a:spcPct val="120000"/>
+              </a:lnSpc>
+              <a:buFont typeface="+mj-lt"/>
+              <a:buAutoNum type="alphaLcParenR"/>
             </a:pPr>
             <a:r>
               <a:rPr lang="en-US" dirty="0"/>
@@ -15934,8 +16616,20 @@
             </a:r>
           </a:p>
           <a:p>
-            <a:pPr marL="514350" indent="-514350">
-              <a:buAutoNum type="arabicParenR"/>
+            <a:pPr marL="457200" lvl="1" indent="0">
+              <a:lnSpc>
+                <a:spcPct val="120000"/>
+              </a:lnSpc>
+              <a:buNone/>
+            </a:pPr>
+            <a:endParaRPr lang="en-US" sz="100" dirty="0"/>
+          </a:p>
+          <a:p>
+            <a:pPr marL="0" indent="0">
+              <a:lnSpc>
+                <a:spcPct val="120000"/>
+              </a:lnSpc>
+              <a:buNone/>
             </a:pPr>
             <a:r>
               <a:rPr lang="en-US" dirty="0"/>
@@ -15943,8 +16637,20 @@
             </a:r>
           </a:p>
           <a:p>
-            <a:pPr marL="514350" indent="-514350">
-              <a:buAutoNum type="arabicParenR"/>
+            <a:pPr marL="0" indent="0">
+              <a:lnSpc>
+                <a:spcPct val="120000"/>
+              </a:lnSpc>
+              <a:buNone/>
+            </a:pPr>
+            <a:endParaRPr lang="en-US" sz="100" dirty="0"/>
+          </a:p>
+          <a:p>
+            <a:pPr marL="0" indent="0">
+              <a:lnSpc>
+                <a:spcPct val="120000"/>
+              </a:lnSpc>
+              <a:buNone/>
             </a:pPr>
             <a:r>
               <a:rPr lang="en-US" dirty="0"/>
@@ -15953,227 +16659,25 @@
           </a:p>
           <a:p>
             <a:pPr marL="971550" lvl="1" indent="-514350">
-              <a:buAutoNum type="arabicParenR"/>
+              <a:lnSpc>
+                <a:spcPct val="120000"/>
+              </a:lnSpc>
+              <a:buFont typeface="+mj-lt"/>
+              <a:buAutoNum type="alphaLcParenR"/>
             </a:pPr>
             <a:r>
               <a:rPr lang="en-US" dirty="0"/>
               <a:t>Time series modeling to account for seasonality. What insights from other markets could we leverage to better forecast the New York Market?</a:t>
-            </a:r>
-          </a:p>
-        </p:txBody>
-      </p:sp>
-    </p:spTree>
-    <p:extLst>
-      <p:ext uri="{BB962C8B-B14F-4D97-AF65-F5344CB8AC3E}">
-        <p14:creationId xmlns:p14="http://schemas.microsoft.com/office/powerpoint/2010/main" val="2045204373"/>
-      </p:ext>
-    </p:extLst>
-  </p:cSld>
-  <p:clrMapOvr>
-    <a:masterClrMapping/>
-  </p:clrMapOvr>
-</p:sld>
-</file>
-
-<file path=ppt/slides/slide16.xml><?xml version="1.0" encoding="utf-8"?>
-<p:sld xmlns:a="http://schemas.openxmlformats.org/drawingml/2006/main" xmlns:r="http://schemas.openxmlformats.org/officeDocument/2006/relationships" xmlns:p="http://schemas.openxmlformats.org/presentationml/2006/main">
-  <p:cSld>
-    <p:spTree>
-      <p:nvGrpSpPr>
-        <p:cNvPr id="1" name=""/>
-        <p:cNvGrpSpPr/>
-        <p:nvPr/>
-      </p:nvGrpSpPr>
-      <p:grpSpPr>
-        <a:xfrm>
-          <a:off x="0" y="0"/>
-          <a:ext cx="0" cy="0"/>
-          <a:chOff x="0" y="0"/>
-          <a:chExt cx="0" cy="0"/>
-        </a:xfrm>
-      </p:grpSpPr>
-      <p:sp>
-        <p:nvSpPr>
-          <p:cNvPr id="2" name="Title 1">
-            <a:extLst>
-              <a:ext uri="{FF2B5EF4-FFF2-40B4-BE49-F238E27FC236}">
-                <a16:creationId xmlns:a16="http://schemas.microsoft.com/office/drawing/2014/main" id="{8738DA99-C362-584A-B5CC-2CDA40E3F694}"/>
-              </a:ext>
-            </a:extLst>
-          </p:cNvPr>
-          <p:cNvSpPr>
-            <a:spLocks noGrp="1"/>
-          </p:cNvSpPr>
-          <p:nvPr>
-            <p:ph type="title"/>
-          </p:nvPr>
-        </p:nvSpPr>
-        <p:spPr/>
-        <p:txBody>
-          <a:bodyPr/>
-          <a:lstStyle/>
-          <a:p>
-            <a:r>
-              <a:rPr lang="en-US" b="1" dirty="0">
-                <a:solidFill>
-                  <a:schemeClr val="tx1">
-                    <a:lumMod val="50000"/>
-                    <a:lumOff val="50000"/>
-                  </a:schemeClr>
-                </a:solidFill>
-              </a:rPr>
-              <a:t>7</a:t>
-            </a:r>
-            <a:r>
-              <a:rPr lang="en-US" b="1" dirty="0"/>
-              <a:t> APPENDIX</a:t>
-            </a:r>
-            <a:endParaRPr lang="en-US" dirty="0"/>
-          </a:p>
-        </p:txBody>
-      </p:sp>
-      <p:sp>
-        <p:nvSpPr>
-          <p:cNvPr id="3" name="Content Placeholder 2">
-            <a:extLst>
-              <a:ext uri="{FF2B5EF4-FFF2-40B4-BE49-F238E27FC236}">
-                <a16:creationId xmlns:a16="http://schemas.microsoft.com/office/drawing/2014/main" id="{A1D82CB1-4D3C-C84E-BC17-72AC1020EB2E}"/>
-              </a:ext>
-            </a:extLst>
-          </p:cNvPr>
-          <p:cNvSpPr>
-            <a:spLocks noGrp="1"/>
-          </p:cNvSpPr>
-          <p:nvPr>
-            <p:ph idx="1"/>
-          </p:nvPr>
-        </p:nvSpPr>
-        <p:spPr/>
-        <p:txBody>
-          <a:bodyPr/>
-          <a:lstStyle/>
-          <a:p>
-            <a:r>
-              <a:rPr lang="en-US" dirty="0"/>
-              <a:t>The full analysis can be found on my GitHub profile</a:t>
-            </a:r>
-          </a:p>
-          <a:p>
-            <a:r>
-              <a:rPr lang="en-US" dirty="0"/>
-              <a:t>I hope you enjoyed my analysis. Please reach out with any further questions.</a:t>
-            </a:r>
-          </a:p>
-          <a:p>
-            <a:endParaRPr lang="en-US" dirty="0"/>
-          </a:p>
-          <a:p>
-            <a:pPr marL="0" indent="0">
-              <a:buNone/>
-            </a:pPr>
-            <a:r>
-              <a:rPr lang="en-US" dirty="0"/>
-              <a:t>Stephen Stark | Contact Information</a:t>
-            </a:r>
-          </a:p>
-          <a:p>
-            <a:pPr marL="0" indent="0">
-              <a:buNone/>
-            </a:pPr>
-            <a:r>
-              <a:rPr lang="en-US" dirty="0">
-                <a:hlinkClick r:id="rId2"/>
-              </a:rPr>
-              <a:t>Email</a:t>
-            </a:r>
-            <a:r>
-              <a:rPr lang="en-US" dirty="0"/>
-              <a:t> | </a:t>
-            </a:r>
-            <a:r>
-              <a:rPr lang="en-US" dirty="0">
-                <a:hlinkClick r:id="rId3"/>
-              </a:rPr>
-              <a:t>LinkedIn</a:t>
-            </a:r>
-            <a:r>
-              <a:rPr lang="en-US" dirty="0"/>
-              <a:t> | </a:t>
-            </a:r>
-            <a:r>
-              <a:rPr lang="en-US" dirty="0">
-                <a:hlinkClick r:id="rId4"/>
-              </a:rPr>
-              <a:t>GitHub</a:t>
-            </a:r>
-            <a:endParaRPr lang="en-US" dirty="0"/>
-          </a:p>
-        </p:txBody>
-      </p:sp>
-    </p:spTree>
-    <p:extLst>
-      <p:ext uri="{BB962C8B-B14F-4D97-AF65-F5344CB8AC3E}">
-        <p14:creationId xmlns:p14="http://schemas.microsoft.com/office/powerpoint/2010/main" val="4243127914"/>
-      </p:ext>
-    </p:extLst>
-  </p:cSld>
-  <p:clrMapOvr>
-    <a:masterClrMapping/>
-  </p:clrMapOvr>
-</p:sld>
-</file>
-
-<file path=ppt/slides/slide17.xml><?xml version="1.0" encoding="utf-8"?>
-<p:sld xmlns:a="http://schemas.openxmlformats.org/drawingml/2006/main" xmlns:r="http://schemas.openxmlformats.org/officeDocument/2006/relationships" xmlns:p="http://schemas.openxmlformats.org/presentationml/2006/main" show="0">
-  <p:cSld>
-    <p:spTree>
-      <p:nvGrpSpPr>
-        <p:cNvPr id="1" name=""/>
-        <p:cNvGrpSpPr/>
-        <p:nvPr/>
-      </p:nvGrpSpPr>
-      <p:grpSpPr>
-        <a:xfrm>
-          <a:off x="0" y="0"/>
-          <a:ext cx="0" cy="0"/>
-          <a:chOff x="0" y="0"/>
-          <a:chExt cx="0" cy="0"/>
-        </a:xfrm>
-      </p:grpSpPr>
-      <p:sp>
-        <p:nvSpPr>
-          <p:cNvPr id="5" name="Title 4">
-            <a:extLst>
-              <a:ext uri="{FF2B5EF4-FFF2-40B4-BE49-F238E27FC236}">
-                <a16:creationId xmlns:a16="http://schemas.microsoft.com/office/drawing/2014/main" id="{75FBB874-51FD-724A-9BB2-48C90D56B3A7}"/>
-              </a:ext>
-            </a:extLst>
-          </p:cNvPr>
-          <p:cNvSpPr>
-            <a:spLocks noGrp="1"/>
-          </p:cNvSpPr>
-          <p:nvPr>
-            <p:ph type="title"/>
-          </p:nvPr>
-        </p:nvSpPr>
-        <p:spPr/>
-        <p:txBody>
-          <a:bodyPr/>
-          <a:lstStyle/>
-          <a:p>
-            <a:r>
-              <a:rPr lang="en-US" dirty="0"/>
-              <a:t>Popular Pickup &amp; Dropoff Locations</a:t>
             </a:r>
           </a:p>
         </p:txBody>
       </p:sp>
       <p:pic>
         <p:nvPicPr>
-          <p:cNvPr id="10" name="slide3" descr="Dropoff">
+          <p:cNvPr id="6" name="Graphic 5" descr="Badge 5">
             <a:extLst>
               <a:ext uri="{FF2B5EF4-FFF2-40B4-BE49-F238E27FC236}">
-                <a16:creationId xmlns:a16="http://schemas.microsoft.com/office/drawing/2014/main" id="{F7584828-8964-D141-B37B-DB324D5DDCEF}"/>
+                <a16:creationId xmlns:a16="http://schemas.microsoft.com/office/drawing/2014/main" id="{1F589860-CBAC-CC45-A24D-CA35F3D68CAE}"/>
               </a:ext>
             </a:extLst>
           </p:cNvPr>
@@ -16182,21 +16686,166 @@
           </p:cNvPicPr>
           <p:nvPr/>
         </p:nvPicPr>
-        <p:blipFill rotWithShape="1">
+        <p:blipFill>
           <a:blip r:embed="rId2">
             <a:extLst>
-              <a:ext uri="{28A0092B-C50C-407E-A947-70E740481C1C}">
-                <a14:useLocalDpi xmlns:a14="http://schemas.microsoft.com/office/drawing/2010/main" val="0"/>
+              <a:ext uri="{96DAC541-7B7A-43D3-8B79-37D633B846F1}">
+                <asvg:svgBlip xmlns:asvg="http://schemas.microsoft.com/office/drawing/2016/SVG/main" r:embed="rId3"/>
               </a:ext>
             </a:extLst>
           </a:blip>
-          <a:srcRect r="42096"/>
-          <a:stretch/>
+          <a:stretch>
+            <a:fillRect/>
+          </a:stretch>
         </p:blipFill>
         <p:spPr>
           <a:xfrm>
-            <a:off x="6872273" y="1786609"/>
-            <a:ext cx="4572756" cy="4572000"/>
+            <a:off x="838200" y="4990910"/>
+            <a:ext cx="548640" cy="548640"/>
+          </a:xfrm>
+          <a:prstGeom prst="rect">
+            <a:avLst/>
+          </a:prstGeom>
+        </p:spPr>
+      </p:pic>
+      <p:pic>
+        <p:nvPicPr>
+          <p:cNvPr id="8" name="Graphic 7" descr="Badge 4">
+            <a:extLst>
+              <a:ext uri="{FF2B5EF4-FFF2-40B4-BE49-F238E27FC236}">
+                <a16:creationId xmlns:a16="http://schemas.microsoft.com/office/drawing/2014/main" id="{31DE6A80-DD1A-0C46-A6A2-940EA0FAAB87}"/>
+              </a:ext>
+            </a:extLst>
+          </p:cNvPr>
+          <p:cNvPicPr>
+            <a:picLocks noChangeAspect="1"/>
+          </p:cNvPicPr>
+          <p:nvPr/>
+        </p:nvPicPr>
+        <p:blipFill>
+          <a:blip r:embed="rId4">
+            <a:extLst>
+              <a:ext uri="{96DAC541-7B7A-43D3-8B79-37D633B846F1}">
+                <asvg:svgBlip xmlns:asvg="http://schemas.microsoft.com/office/drawing/2016/SVG/main" r:embed="rId5"/>
+              </a:ext>
+            </a:extLst>
+          </a:blip>
+          <a:stretch>
+            <a:fillRect/>
+          </a:stretch>
+        </p:blipFill>
+        <p:spPr>
+          <a:xfrm>
+            <a:off x="838200" y="4367119"/>
+            <a:ext cx="548640" cy="548640"/>
+          </a:xfrm>
+          <a:prstGeom prst="rect">
+            <a:avLst/>
+          </a:prstGeom>
+        </p:spPr>
+      </p:pic>
+      <p:pic>
+        <p:nvPicPr>
+          <p:cNvPr id="10" name="Graphic 9" descr="Badge 3">
+            <a:extLst>
+              <a:ext uri="{FF2B5EF4-FFF2-40B4-BE49-F238E27FC236}">
+                <a16:creationId xmlns:a16="http://schemas.microsoft.com/office/drawing/2014/main" id="{4BC9566D-7899-8845-922B-A4BF2F00A522}"/>
+              </a:ext>
+            </a:extLst>
+          </p:cNvPr>
+          <p:cNvPicPr>
+            <a:picLocks noChangeAspect="1"/>
+          </p:cNvPicPr>
+          <p:nvPr/>
+        </p:nvPicPr>
+        <p:blipFill>
+          <a:blip r:embed="rId6">
+            <a:extLst>
+              <a:ext uri="{96DAC541-7B7A-43D3-8B79-37D633B846F1}">
+                <asvg:svgBlip xmlns:asvg="http://schemas.microsoft.com/office/drawing/2016/SVG/main" r:embed="rId7"/>
+              </a:ext>
+            </a:extLst>
+          </a:blip>
+          <a:stretch>
+            <a:fillRect/>
+          </a:stretch>
+        </p:blipFill>
+        <p:spPr>
+          <a:xfrm>
+            <a:off x="838200" y="3299637"/>
+            <a:ext cx="548640" cy="548640"/>
+          </a:xfrm>
+          <a:prstGeom prst="rect">
+            <a:avLst/>
+          </a:prstGeom>
+        </p:spPr>
+      </p:pic>
+      <p:pic>
+        <p:nvPicPr>
+          <p:cNvPr id="12" name="Graphic 11" descr="Badge">
+            <a:extLst>
+              <a:ext uri="{FF2B5EF4-FFF2-40B4-BE49-F238E27FC236}">
+                <a16:creationId xmlns:a16="http://schemas.microsoft.com/office/drawing/2014/main" id="{8C119C1A-E8B8-9A4C-9460-836D5856A565}"/>
+              </a:ext>
+            </a:extLst>
+          </p:cNvPr>
+          <p:cNvPicPr>
+            <a:picLocks noChangeAspect="1"/>
+          </p:cNvPicPr>
+          <p:nvPr/>
+        </p:nvPicPr>
+        <p:blipFill>
+          <a:blip r:embed="rId8">
+            <a:extLst>
+              <a:ext uri="{96DAC541-7B7A-43D3-8B79-37D633B846F1}">
+                <asvg:svgBlip xmlns:asvg="http://schemas.microsoft.com/office/drawing/2016/SVG/main" r:embed="rId9"/>
+              </a:ext>
+            </a:extLst>
+          </a:blip>
+          <a:stretch>
+            <a:fillRect/>
+          </a:stretch>
+        </p:blipFill>
+        <p:spPr>
+          <a:xfrm>
+            <a:off x="838200" y="2259153"/>
+            <a:ext cx="548640" cy="548640"/>
+          </a:xfrm>
+          <a:prstGeom prst="rect">
+            <a:avLst/>
+          </a:prstGeom>
+        </p:spPr>
+      </p:pic>
+      <p:pic>
+        <p:nvPicPr>
+          <p:cNvPr id="14" name="Graphic 13" descr="Badge 1">
+            <a:extLst>
+              <a:ext uri="{FF2B5EF4-FFF2-40B4-BE49-F238E27FC236}">
+                <a16:creationId xmlns:a16="http://schemas.microsoft.com/office/drawing/2014/main" id="{8B24C999-D85A-594D-A974-8C1A28EC1066}"/>
+              </a:ext>
+            </a:extLst>
+          </p:cNvPr>
+          <p:cNvPicPr>
+            <a:picLocks noChangeAspect="1"/>
+          </p:cNvPicPr>
+          <p:nvPr/>
+        </p:nvPicPr>
+        <p:blipFill>
+          <a:blip r:embed="rId10">
+            <a:extLst>
+              <a:ext uri="{96DAC541-7B7A-43D3-8B79-37D633B846F1}">
+                <asvg:svgBlip xmlns:asvg="http://schemas.microsoft.com/office/drawing/2016/SVG/main" r:embed="rId11"/>
+              </a:ext>
+            </a:extLst>
+          </a:blip>
+          <a:stretch>
+            <a:fillRect/>
+          </a:stretch>
+        </p:blipFill>
+        <p:spPr>
+          <a:xfrm>
+            <a:off x="838200" y="1690688"/>
+            <a:ext cx="548640" cy="548640"/>
           </a:xfrm>
           <a:prstGeom prst="rect">
             <a:avLst/>
@@ -16206,2098 +16855,7 @@
     </p:spTree>
     <p:extLst>
       <p:ext uri="{BB962C8B-B14F-4D97-AF65-F5344CB8AC3E}">
-        <p14:creationId xmlns:p14="http://schemas.microsoft.com/office/powerpoint/2010/main" val="1797046035"/>
-      </p:ext>
-    </p:extLst>
-  </p:cSld>
-  <p:clrMapOvr>
-    <a:masterClrMapping/>
-  </p:clrMapOvr>
-</p:sld>
-</file>
-
-<file path=ppt/slides/slide18.xml><?xml version="1.0" encoding="utf-8"?>
-<p:sld xmlns:a="http://schemas.openxmlformats.org/drawingml/2006/main" xmlns:r="http://schemas.openxmlformats.org/officeDocument/2006/relationships" xmlns:p="http://schemas.openxmlformats.org/presentationml/2006/main" show="0">
-  <p:cSld>
-    <p:spTree>
-      <p:nvGrpSpPr>
-        <p:cNvPr id="1" name=""/>
-        <p:cNvGrpSpPr/>
-        <p:nvPr/>
-      </p:nvGrpSpPr>
-      <p:grpSpPr>
-        <a:xfrm>
-          <a:off x="0" y="0"/>
-          <a:ext cx="0" cy="0"/>
-          <a:chOff x="0" y="0"/>
-          <a:chExt cx="0" cy="0"/>
-        </a:xfrm>
-      </p:grpSpPr>
-      <p:sp>
-        <p:nvSpPr>
-          <p:cNvPr id="2" name="Title 1">
-            <a:extLst>
-              <a:ext uri="{FF2B5EF4-FFF2-40B4-BE49-F238E27FC236}">
-                <a16:creationId xmlns:a16="http://schemas.microsoft.com/office/drawing/2014/main" id="{4F8A69E6-EAC1-CA49-9AB5-A2179A65F403}"/>
-              </a:ext>
-            </a:extLst>
-          </p:cNvPr>
-          <p:cNvSpPr>
-            <a:spLocks noGrp="1"/>
-          </p:cNvSpPr>
-          <p:nvPr>
-            <p:ph type="title"/>
-          </p:nvPr>
-        </p:nvSpPr>
-        <p:spPr/>
-        <p:txBody>
-          <a:bodyPr/>
-          <a:lstStyle/>
-          <a:p>
-            <a:endParaRPr lang="en-US" dirty="0"/>
-          </a:p>
-        </p:txBody>
-      </p:sp>
-      <p:pic>
-        <p:nvPicPr>
-          <p:cNvPr id="6" name="Picture 5">
-            <a:extLst>
-              <a:ext uri="{FF2B5EF4-FFF2-40B4-BE49-F238E27FC236}">
-                <a16:creationId xmlns:a16="http://schemas.microsoft.com/office/drawing/2014/main" id="{A6D4A592-9907-ED43-9094-9502AD4AA337}"/>
-              </a:ext>
-            </a:extLst>
-          </p:cNvPr>
-          <p:cNvPicPr>
-            <a:picLocks noChangeAspect="1"/>
-          </p:cNvPicPr>
-          <p:nvPr/>
-        </p:nvPicPr>
-        <p:blipFill>
-          <a:blip r:embed="rId2"/>
-          <a:stretch>
-            <a:fillRect/>
-          </a:stretch>
-        </p:blipFill>
-        <p:spPr>
-          <a:xfrm>
-            <a:off x="5452176" y="2962275"/>
-            <a:ext cx="5016500" cy="3530600"/>
-          </a:xfrm>
-          <a:prstGeom prst="rect">
-            <a:avLst/>
-          </a:prstGeom>
-        </p:spPr>
-      </p:pic>
-    </p:spTree>
-    <p:extLst>
-      <p:ext uri="{BB962C8B-B14F-4D97-AF65-F5344CB8AC3E}">
-        <p14:creationId xmlns:p14="http://schemas.microsoft.com/office/powerpoint/2010/main" val="4215003581"/>
-      </p:ext>
-    </p:extLst>
-  </p:cSld>
-  <p:clrMapOvr>
-    <a:masterClrMapping/>
-  </p:clrMapOvr>
-</p:sld>
-</file>
-
-<file path=ppt/slides/slide19.xml><?xml version="1.0" encoding="utf-8"?>
-<p:sld xmlns:a="http://schemas.openxmlformats.org/drawingml/2006/main" xmlns:r="http://schemas.openxmlformats.org/officeDocument/2006/relationships" xmlns:p="http://schemas.openxmlformats.org/presentationml/2006/main" show="0">
-  <p:cSld>
-    <p:spTree>
-      <p:nvGrpSpPr>
-        <p:cNvPr id="1" name=""/>
-        <p:cNvGrpSpPr/>
-        <p:nvPr/>
-      </p:nvGrpSpPr>
-      <p:grpSpPr>
-        <a:xfrm>
-          <a:off x="0" y="0"/>
-          <a:ext cx="0" cy="0"/>
-          <a:chOff x="0" y="0"/>
-          <a:chExt cx="0" cy="0"/>
-        </a:xfrm>
-      </p:grpSpPr>
-      <p:sp>
-        <p:nvSpPr>
-          <p:cNvPr id="10" name="Title 9">
-            <a:extLst>
-              <a:ext uri="{FF2B5EF4-FFF2-40B4-BE49-F238E27FC236}">
-                <a16:creationId xmlns:a16="http://schemas.microsoft.com/office/drawing/2014/main" id="{D43C1890-5AEA-3A48-8A35-4F5D310BCD35}"/>
-              </a:ext>
-            </a:extLst>
-          </p:cNvPr>
-          <p:cNvSpPr>
-            <a:spLocks noGrp="1"/>
-          </p:cNvSpPr>
-          <p:nvPr>
-            <p:ph type="title"/>
-          </p:nvPr>
-        </p:nvSpPr>
-        <p:spPr/>
-        <p:txBody>
-          <a:bodyPr/>
-          <a:lstStyle/>
-          <a:p>
-            <a:r>
-              <a:rPr lang="en-US" dirty="0"/>
-              <a:t>Dataset</a:t>
-            </a:r>
-          </a:p>
-        </p:txBody>
-      </p:sp>
-      <p:sp>
-        <p:nvSpPr>
-          <p:cNvPr id="12" name="Text Placeholder 11">
-            <a:extLst>
-              <a:ext uri="{FF2B5EF4-FFF2-40B4-BE49-F238E27FC236}">
-                <a16:creationId xmlns:a16="http://schemas.microsoft.com/office/drawing/2014/main" id="{ABFC9FF7-0F74-DC46-B1BA-0E0A7080891F}"/>
-              </a:ext>
-            </a:extLst>
-          </p:cNvPr>
-          <p:cNvSpPr>
-            <a:spLocks noGrp="1"/>
-          </p:cNvSpPr>
-          <p:nvPr>
-            <p:ph type="body" sz="half" idx="2"/>
-          </p:nvPr>
-        </p:nvSpPr>
-        <p:spPr/>
-        <p:txBody>
-          <a:bodyPr/>
-          <a:lstStyle/>
-          <a:p>
-            <a:r>
-              <a:rPr lang="en-US" dirty="0"/>
-              <a:t>5,900+ records and 18 features</a:t>
-            </a:r>
-          </a:p>
-          <a:p>
-            <a:r>
-              <a:rPr lang="en-US" dirty="0"/>
-              <a:t>Engineered Features:</a:t>
-            </a:r>
-          </a:p>
-          <a:p>
-            <a:r>
-              <a:rPr lang="en-US" dirty="0"/>
-              <a:t>-One </a:t>
-            </a:r>
-          </a:p>
-          <a:p>
-            <a:r>
-              <a:rPr lang="en-US" dirty="0"/>
-              <a:t>-Two</a:t>
-            </a:r>
-          </a:p>
-          <a:p>
-            <a:r>
-              <a:rPr lang="en-US" dirty="0"/>
-              <a:t>-Three</a:t>
-            </a:r>
-          </a:p>
-          <a:p>
-            <a:endParaRPr lang="en-US" dirty="0"/>
-          </a:p>
-        </p:txBody>
-      </p:sp>
-      <p:graphicFrame>
-        <p:nvGraphicFramePr>
-          <p:cNvPr id="17" name="Table 16">
-            <a:extLst>
-              <a:ext uri="{FF2B5EF4-FFF2-40B4-BE49-F238E27FC236}">
-                <a16:creationId xmlns:a16="http://schemas.microsoft.com/office/drawing/2014/main" id="{86D78131-E53B-7C45-B5FC-9B1D2140502F}"/>
-              </a:ext>
-            </a:extLst>
-          </p:cNvPr>
-          <p:cNvGraphicFramePr>
-            <a:graphicFrameLocks noGrp="1"/>
-          </p:cNvGraphicFramePr>
-          <p:nvPr>
-            <p:extLst>
-              <p:ext uri="{D42A27DB-BD31-4B8C-83A1-F6EECF244321}">
-                <p14:modId xmlns:p14="http://schemas.microsoft.com/office/powerpoint/2010/main" val="2836559622"/>
-              </p:ext>
-            </p:extLst>
-          </p:nvPr>
-        </p:nvGraphicFramePr>
-        <p:xfrm>
-          <a:off x="4772025" y="1679188"/>
-          <a:ext cx="2617026" cy="3653612"/>
-        </p:xfrm>
-        <a:graphic>
-          <a:graphicData uri="http://schemas.openxmlformats.org/drawingml/2006/table">
-            <a:tbl>
-              <a:tblPr firstRow="1" bandRow="1">
-                <a:tableStyleId>{5C22544A-7EE6-4342-B048-85BDC9FD1C3A}</a:tableStyleId>
-              </a:tblPr>
-              <a:tblGrid>
-                <a:gridCol w="1839786">
-                  <a:extLst>
-                    <a:ext uri="{9D8B030D-6E8A-4147-A177-3AD203B41FA5}">
-                      <a16:colId xmlns:a16="http://schemas.microsoft.com/office/drawing/2014/main" val="844011352"/>
-                    </a:ext>
-                  </a:extLst>
-                </a:gridCol>
-                <a:gridCol w="777240">
-                  <a:extLst>
-                    <a:ext uri="{9D8B030D-6E8A-4147-A177-3AD203B41FA5}">
-                      <a16:colId xmlns:a16="http://schemas.microsoft.com/office/drawing/2014/main" val="3467470163"/>
-                    </a:ext>
-                  </a:extLst>
-                </a:gridCol>
-              </a:tblGrid>
-              <a:tr h="213452">
-                <a:tc>
-                  <a:txBody>
-                    <a:bodyPr/>
-                    <a:lstStyle/>
-                    <a:p>
-                      <a:r>
-                        <a:rPr lang="en-US" sz="1100" dirty="0"/>
-                        <a:t>Attribute</a:t>
-                      </a:r>
-                    </a:p>
-                  </a:txBody>
-                  <a:tcPr marL="54381" marR="54381" marT="27190" marB="27190"/>
-                </a:tc>
-                <a:tc>
-                  <a:txBody>
-                    <a:bodyPr/>
-                    <a:lstStyle/>
-                    <a:p>
-                      <a:r>
-                        <a:rPr lang="en-US" sz="1100" dirty="0"/>
-                        <a:t>Entry</a:t>
-                      </a:r>
-                    </a:p>
-                  </a:txBody>
-                  <a:tcPr marL="54381" marR="54381" marT="27190" marB="27190"/>
-                </a:tc>
-                <a:extLst>
-                  <a:ext uri="{0D108BD9-81ED-4DB2-BD59-A6C34878D82A}">
-                    <a16:rowId xmlns:a16="http://schemas.microsoft.com/office/drawing/2014/main" val="2226192427"/>
-                  </a:ext>
-                </a:extLst>
-              </a:tr>
-              <a:tr h="190644">
-                <a:tc>
-                  <a:txBody>
-                    <a:bodyPr/>
-                    <a:lstStyle/>
-                    <a:p>
-                      <a:pPr algn="l" fontAlgn="b"/>
-                      <a:r>
-                        <a:rPr lang="en-US" sz="700" b="0" i="0" u="none" strike="noStrike" dirty="0">
-                          <a:solidFill>
-                            <a:srgbClr val="000000"/>
-                          </a:solidFill>
-                          <a:effectLst/>
-                          <a:latin typeface="Arial" panose="020B0604020202020204" pitchFamily="34" charset="0"/>
-                        </a:rPr>
-                        <a:t>delivery_id</a:t>
-                      </a:r>
-                    </a:p>
-                  </a:txBody>
-                  <a:tcPr marL="5665" marR="5665" marT="5665" marB="0" anchor="ctr"/>
-                </a:tc>
-                <a:tc>
-                  <a:txBody>
-                    <a:bodyPr/>
-                    <a:lstStyle/>
-                    <a:p>
-                      <a:pPr algn="l" fontAlgn="b"/>
-                      <a:r>
-                        <a:rPr lang="en-US" sz="700" b="0" i="0" u="none" strike="noStrike" dirty="0">
-                          <a:solidFill>
-                            <a:srgbClr val="000000"/>
-                          </a:solidFill>
-                          <a:effectLst/>
-                          <a:latin typeface="Arial" panose="020B0604020202020204" pitchFamily="34" charset="0"/>
-                        </a:rPr>
-                        <a:t>1476547</a:t>
-                      </a:r>
-                    </a:p>
-                  </a:txBody>
-                  <a:tcPr marL="5665" marR="5665" marT="5665" marB="0" anchor="ctr"/>
-                </a:tc>
-                <a:extLst>
-                  <a:ext uri="{0D108BD9-81ED-4DB2-BD59-A6C34878D82A}">
-                    <a16:rowId xmlns:a16="http://schemas.microsoft.com/office/drawing/2014/main" val="3460892982"/>
-                  </a:ext>
-                </a:extLst>
-              </a:tr>
-              <a:tr h="190644">
-                <a:tc>
-                  <a:txBody>
-                    <a:bodyPr/>
-                    <a:lstStyle/>
-                    <a:p>
-                      <a:pPr algn="l" fontAlgn="b"/>
-                      <a:r>
-                        <a:rPr lang="en-US" sz="700" b="0" i="0" u="none" strike="noStrike" dirty="0">
-                          <a:solidFill>
-                            <a:srgbClr val="000000"/>
-                          </a:solidFill>
-                          <a:effectLst/>
-                          <a:latin typeface="Arial" panose="020B0604020202020204" pitchFamily="34" charset="0"/>
-                        </a:rPr>
-                        <a:t>customer_id</a:t>
-                      </a:r>
-                    </a:p>
-                  </a:txBody>
-                  <a:tcPr marL="5665" marR="5665" marT="5665" marB="0" anchor="ctr"/>
-                </a:tc>
-                <a:tc>
-                  <a:txBody>
-                    <a:bodyPr/>
-                    <a:lstStyle/>
-                    <a:p>
-                      <a:pPr algn="l" fontAlgn="b"/>
-                      <a:r>
-                        <a:rPr lang="en-US" sz="700" b="0" i="0" u="none" strike="noStrike" dirty="0">
-                          <a:solidFill>
-                            <a:srgbClr val="000000"/>
-                          </a:solidFill>
-                          <a:effectLst/>
-                          <a:latin typeface="Arial" panose="020B0604020202020204" pitchFamily="34" charset="0"/>
-                        </a:rPr>
-                        <a:t>83095</a:t>
-                      </a:r>
-                    </a:p>
-                  </a:txBody>
-                  <a:tcPr marL="5665" marR="5665" marT="5665" marB="0" anchor="ctr"/>
-                </a:tc>
-                <a:extLst>
-                  <a:ext uri="{0D108BD9-81ED-4DB2-BD59-A6C34878D82A}">
-                    <a16:rowId xmlns:a16="http://schemas.microsoft.com/office/drawing/2014/main" val="4049968888"/>
-                  </a:ext>
-                </a:extLst>
-              </a:tr>
-              <a:tr h="190644">
-                <a:tc>
-                  <a:txBody>
-                    <a:bodyPr/>
-                    <a:lstStyle/>
-                    <a:p>
-                      <a:pPr algn="l" fontAlgn="b"/>
-                      <a:r>
-                        <a:rPr lang="en-US" sz="700" b="0" i="0" u="none" strike="noStrike" dirty="0">
-                          <a:solidFill>
-                            <a:srgbClr val="000000"/>
-                          </a:solidFill>
-                          <a:effectLst/>
-                          <a:latin typeface="Arial" panose="020B0604020202020204" pitchFamily="34" charset="0"/>
-                        </a:rPr>
-                        <a:t>jumpman_id</a:t>
-                      </a:r>
-                    </a:p>
-                  </a:txBody>
-                  <a:tcPr marL="5665" marR="5665" marT="5665" marB="0" anchor="ctr"/>
-                </a:tc>
-                <a:tc>
-                  <a:txBody>
-                    <a:bodyPr/>
-                    <a:lstStyle/>
-                    <a:p>
-                      <a:pPr algn="l" fontAlgn="b"/>
-                      <a:r>
-                        <a:rPr lang="en-US" sz="700" b="0" i="0" u="none" strike="noStrike" dirty="0">
-                          <a:solidFill>
-                            <a:srgbClr val="000000"/>
-                          </a:solidFill>
-                          <a:effectLst/>
-                          <a:latin typeface="Arial" panose="020B0604020202020204" pitchFamily="34" charset="0"/>
-                        </a:rPr>
-                        <a:t>132725</a:t>
-                      </a:r>
-                    </a:p>
-                  </a:txBody>
-                  <a:tcPr marL="5665" marR="5665" marT="5665" marB="0" anchor="ctr"/>
-                </a:tc>
-                <a:extLst>
-                  <a:ext uri="{0D108BD9-81ED-4DB2-BD59-A6C34878D82A}">
-                    <a16:rowId xmlns:a16="http://schemas.microsoft.com/office/drawing/2014/main" val="3865530348"/>
-                  </a:ext>
-                </a:extLst>
-              </a:tr>
-              <a:tr h="190644">
-                <a:tc>
-                  <a:txBody>
-                    <a:bodyPr/>
-                    <a:lstStyle/>
-                    <a:p>
-                      <a:pPr algn="l" fontAlgn="b"/>
-                      <a:r>
-                        <a:rPr lang="en-US" sz="700" b="0" i="0" u="none" strike="noStrike" dirty="0">
-                          <a:solidFill>
-                            <a:srgbClr val="000000"/>
-                          </a:solidFill>
-                          <a:effectLst/>
-                          <a:latin typeface="Arial" panose="020B0604020202020204" pitchFamily="34" charset="0"/>
-                        </a:rPr>
-                        <a:t>vehicle_type</a:t>
-                      </a:r>
-                    </a:p>
-                  </a:txBody>
-                  <a:tcPr marL="5665" marR="5665" marT="5665" marB="0" anchor="ctr"/>
-                </a:tc>
-                <a:tc>
-                  <a:txBody>
-                    <a:bodyPr/>
-                    <a:lstStyle/>
-                    <a:p>
-                      <a:pPr algn="l" fontAlgn="b"/>
-                      <a:r>
-                        <a:rPr lang="en-US" sz="700" b="0" i="0" u="none" strike="noStrike" dirty="0">
-                          <a:solidFill>
-                            <a:srgbClr val="000000"/>
-                          </a:solidFill>
-                          <a:effectLst/>
-                          <a:latin typeface="Arial" panose="020B0604020202020204" pitchFamily="34" charset="0"/>
-                        </a:rPr>
-                        <a:t>bicycle</a:t>
-                      </a:r>
-                    </a:p>
-                  </a:txBody>
-                  <a:tcPr marL="5665" marR="5665" marT="5665" marB="0" anchor="ctr"/>
-                </a:tc>
-                <a:extLst>
-                  <a:ext uri="{0D108BD9-81ED-4DB2-BD59-A6C34878D82A}">
-                    <a16:rowId xmlns:a16="http://schemas.microsoft.com/office/drawing/2014/main" val="1400598826"/>
-                  </a:ext>
-                </a:extLst>
-              </a:tr>
-              <a:tr h="190644">
-                <a:tc>
-                  <a:txBody>
-                    <a:bodyPr/>
-                    <a:lstStyle/>
-                    <a:p>
-                      <a:pPr algn="l" fontAlgn="b"/>
-                      <a:r>
-                        <a:rPr lang="en-US" sz="700" b="0" i="0" u="none" strike="noStrike" dirty="0">
-                          <a:solidFill>
-                            <a:srgbClr val="000000"/>
-                          </a:solidFill>
-                          <a:effectLst/>
-                          <a:latin typeface="Arial" panose="020B0604020202020204" pitchFamily="34" charset="0"/>
-                        </a:rPr>
-                        <a:t>pickup_place</a:t>
-                      </a:r>
-                    </a:p>
-                  </a:txBody>
-                  <a:tcPr marL="5665" marR="5665" marT="5665" marB="0" anchor="ctr"/>
-                </a:tc>
-                <a:tc>
-                  <a:txBody>
-                    <a:bodyPr/>
-                    <a:lstStyle/>
-                    <a:p>
-                      <a:pPr algn="l" fontAlgn="b"/>
-                      <a:r>
-                        <a:rPr lang="en-US" sz="700" b="0" i="0" u="none" strike="noStrike" dirty="0">
-                          <a:solidFill>
-                            <a:srgbClr val="000000"/>
-                          </a:solidFill>
-                          <a:effectLst/>
-                          <a:latin typeface="Arial" panose="020B0604020202020204" pitchFamily="34" charset="0"/>
-                        </a:rPr>
-                        <a:t>Bareburger</a:t>
-                      </a:r>
-                    </a:p>
-                  </a:txBody>
-                  <a:tcPr marL="5665" marR="5665" marT="5665" marB="0" anchor="ctr"/>
-                </a:tc>
-                <a:extLst>
-                  <a:ext uri="{0D108BD9-81ED-4DB2-BD59-A6C34878D82A}">
-                    <a16:rowId xmlns:a16="http://schemas.microsoft.com/office/drawing/2014/main" val="2576138324"/>
-                  </a:ext>
-                </a:extLst>
-              </a:tr>
-              <a:tr h="190644">
-                <a:tc>
-                  <a:txBody>
-                    <a:bodyPr/>
-                    <a:lstStyle/>
-                    <a:p>
-                      <a:pPr algn="l" fontAlgn="b"/>
-                      <a:r>
-                        <a:rPr lang="en-US" sz="700" b="0" i="0" u="none" strike="noStrike" dirty="0">
-                          <a:solidFill>
-                            <a:srgbClr val="000000"/>
-                          </a:solidFill>
-                          <a:effectLst/>
-                          <a:latin typeface="Arial" panose="020B0604020202020204" pitchFamily="34" charset="0"/>
-                        </a:rPr>
-                        <a:t>place_category</a:t>
-                      </a:r>
-                    </a:p>
-                  </a:txBody>
-                  <a:tcPr marL="5665" marR="5665" marT="5665" marB="0" anchor="ctr"/>
-                </a:tc>
-                <a:tc>
-                  <a:txBody>
-                    <a:bodyPr/>
-                    <a:lstStyle/>
-                    <a:p>
-                      <a:pPr algn="l" fontAlgn="b"/>
-                      <a:r>
-                        <a:rPr lang="en-US" sz="700" b="0" i="0" u="none" strike="noStrike" dirty="0">
-                          <a:solidFill>
-                            <a:srgbClr val="000000"/>
-                          </a:solidFill>
-                          <a:effectLst/>
-                          <a:latin typeface="Arial" panose="020B0604020202020204" pitchFamily="34" charset="0"/>
-                        </a:rPr>
-                        <a:t>Burger</a:t>
-                      </a:r>
-                    </a:p>
-                  </a:txBody>
-                  <a:tcPr marL="5665" marR="5665" marT="5665" marB="0" anchor="ctr"/>
-                </a:tc>
-                <a:extLst>
-                  <a:ext uri="{0D108BD9-81ED-4DB2-BD59-A6C34878D82A}">
-                    <a16:rowId xmlns:a16="http://schemas.microsoft.com/office/drawing/2014/main" val="3029226444"/>
-                  </a:ext>
-                </a:extLst>
-              </a:tr>
-              <a:tr h="190644">
-                <a:tc>
-                  <a:txBody>
-                    <a:bodyPr/>
-                    <a:lstStyle/>
-                    <a:p>
-                      <a:pPr algn="l" fontAlgn="b"/>
-                      <a:r>
-                        <a:rPr lang="en-US" sz="700" b="0" i="0" u="none" strike="noStrike" dirty="0">
-                          <a:solidFill>
-                            <a:srgbClr val="000000"/>
-                          </a:solidFill>
-                          <a:effectLst/>
-                          <a:latin typeface="Arial" panose="020B0604020202020204" pitchFamily="34" charset="0"/>
-                        </a:rPr>
-                        <a:t>item_name</a:t>
-                      </a:r>
-                    </a:p>
-                  </a:txBody>
-                  <a:tcPr marL="5665" marR="5665" marT="5665" marB="0" anchor="ctr"/>
-                </a:tc>
-                <a:tc>
-                  <a:txBody>
-                    <a:bodyPr/>
-                    <a:lstStyle/>
-                    <a:p>
-                      <a:pPr algn="l" fontAlgn="b"/>
-                      <a:r>
-                        <a:rPr lang="en-US" sz="700" b="0" i="0" u="none" strike="noStrike" dirty="0">
-                          <a:solidFill>
-                            <a:srgbClr val="000000"/>
-                          </a:solidFill>
-                          <a:effectLst/>
-                          <a:latin typeface="Arial" panose="020B0604020202020204" pitchFamily="34" charset="0"/>
-                        </a:rPr>
-                        <a:t>Bare Sodas</a:t>
-                      </a:r>
-                    </a:p>
-                  </a:txBody>
-                  <a:tcPr marL="5665" marR="5665" marT="5665" marB="0" anchor="ctr"/>
-                </a:tc>
-                <a:extLst>
-                  <a:ext uri="{0D108BD9-81ED-4DB2-BD59-A6C34878D82A}">
-                    <a16:rowId xmlns:a16="http://schemas.microsoft.com/office/drawing/2014/main" val="1397852573"/>
-                  </a:ext>
-                </a:extLst>
-              </a:tr>
-              <a:tr h="190644">
-                <a:tc>
-                  <a:txBody>
-                    <a:bodyPr/>
-                    <a:lstStyle/>
-                    <a:p>
-                      <a:pPr algn="l" fontAlgn="b"/>
-                      <a:r>
-                        <a:rPr lang="en-US" sz="700" b="0" i="0" u="none" strike="noStrike" dirty="0">
-                          <a:solidFill>
-                            <a:srgbClr val="000000"/>
-                          </a:solidFill>
-                          <a:effectLst/>
-                          <a:latin typeface="Arial" panose="020B0604020202020204" pitchFamily="34" charset="0"/>
-                        </a:rPr>
-                        <a:t>item_quantity</a:t>
-                      </a:r>
-                    </a:p>
-                  </a:txBody>
-                  <a:tcPr marL="5665" marR="5665" marT="5665" marB="0" anchor="ctr"/>
-                </a:tc>
-                <a:tc>
-                  <a:txBody>
-                    <a:bodyPr/>
-                    <a:lstStyle/>
-                    <a:p>
-                      <a:pPr algn="l" fontAlgn="b"/>
-                      <a:r>
-                        <a:rPr lang="en-US" sz="700" b="0" i="0" u="none" strike="noStrike" dirty="0">
-                          <a:solidFill>
-                            <a:srgbClr val="000000"/>
-                          </a:solidFill>
-                          <a:effectLst/>
-                          <a:latin typeface="Arial" panose="020B0604020202020204" pitchFamily="34" charset="0"/>
-                        </a:rPr>
-                        <a:t>1</a:t>
-                      </a:r>
-                    </a:p>
-                  </a:txBody>
-                  <a:tcPr marL="5665" marR="5665" marT="5665" marB="0" anchor="ctr"/>
-                </a:tc>
-                <a:extLst>
-                  <a:ext uri="{0D108BD9-81ED-4DB2-BD59-A6C34878D82A}">
-                    <a16:rowId xmlns:a16="http://schemas.microsoft.com/office/drawing/2014/main" val="1474757276"/>
-                  </a:ext>
-                </a:extLst>
-              </a:tr>
-              <a:tr h="190644">
-                <a:tc>
-                  <a:txBody>
-                    <a:bodyPr/>
-                    <a:lstStyle/>
-                    <a:p>
-                      <a:pPr algn="l" fontAlgn="b"/>
-                      <a:r>
-                        <a:rPr lang="en-US" sz="700" b="0" i="0" u="none" strike="noStrike" dirty="0">
-                          <a:solidFill>
-                            <a:srgbClr val="000000"/>
-                          </a:solidFill>
-                          <a:effectLst/>
-                          <a:latin typeface="Arial" panose="020B0604020202020204" pitchFamily="34" charset="0"/>
-                        </a:rPr>
-                        <a:t>item_category_name</a:t>
-                      </a:r>
-                    </a:p>
-                  </a:txBody>
-                  <a:tcPr marL="5665" marR="5665" marT="5665" marB="0" anchor="ctr"/>
-                </a:tc>
-                <a:tc>
-                  <a:txBody>
-                    <a:bodyPr/>
-                    <a:lstStyle/>
-                    <a:p>
-                      <a:pPr algn="l" fontAlgn="b"/>
-                      <a:r>
-                        <a:rPr lang="en-US" sz="700" b="0" i="0" u="none" strike="noStrike" dirty="0">
-                          <a:solidFill>
-                            <a:srgbClr val="000000"/>
-                          </a:solidFill>
-                          <a:effectLst/>
-                          <a:latin typeface="Arial" panose="020B0604020202020204" pitchFamily="34" charset="0"/>
-                        </a:rPr>
-                        <a:t>Drinks</a:t>
-                      </a:r>
-                    </a:p>
-                  </a:txBody>
-                  <a:tcPr marL="5665" marR="5665" marT="5665" marB="0" anchor="ctr"/>
-                </a:tc>
-                <a:extLst>
-                  <a:ext uri="{0D108BD9-81ED-4DB2-BD59-A6C34878D82A}">
-                    <a16:rowId xmlns:a16="http://schemas.microsoft.com/office/drawing/2014/main" val="2269621261"/>
-                  </a:ext>
-                </a:extLst>
-              </a:tr>
-              <a:tr h="190644">
-                <a:tc>
-                  <a:txBody>
-                    <a:bodyPr/>
-                    <a:lstStyle/>
-                    <a:p>
-                      <a:pPr algn="l" fontAlgn="b"/>
-                      <a:r>
-                        <a:rPr lang="en-US" sz="700" b="0" i="0" u="none" strike="noStrike" dirty="0">
-                          <a:solidFill>
-                            <a:srgbClr val="000000"/>
-                          </a:solidFill>
-                          <a:effectLst/>
-                          <a:latin typeface="Arial" panose="020B0604020202020204" pitchFamily="34" charset="0"/>
-                        </a:rPr>
-                        <a:t>how_long_it_took_to_order</a:t>
-                      </a:r>
-                    </a:p>
-                  </a:txBody>
-                  <a:tcPr marL="5665" marR="5665" marT="5665" marB="0" anchor="ctr"/>
-                </a:tc>
-                <a:tc>
-                  <a:txBody>
-                    <a:bodyPr/>
-                    <a:lstStyle/>
-                    <a:p>
-                      <a:pPr algn="l" fontAlgn="b"/>
-                      <a:r>
-                        <a:rPr lang="en-US" sz="700" b="0" i="0" u="none" strike="noStrike" dirty="0">
-                          <a:solidFill>
-                            <a:srgbClr val="000000"/>
-                          </a:solidFill>
-                          <a:effectLst/>
-                          <a:latin typeface="Arial" panose="020B0604020202020204" pitchFamily="34" charset="0"/>
-                        </a:rPr>
-                        <a:t>0:06:45</a:t>
-                      </a:r>
-                    </a:p>
-                  </a:txBody>
-                  <a:tcPr marL="9525" marR="9525" marT="9525" marB="0" anchor="ctr"/>
-                </a:tc>
-                <a:extLst>
-                  <a:ext uri="{0D108BD9-81ED-4DB2-BD59-A6C34878D82A}">
-                    <a16:rowId xmlns:a16="http://schemas.microsoft.com/office/drawing/2014/main" val="536241634"/>
-                  </a:ext>
-                </a:extLst>
-              </a:tr>
-              <a:tr h="190644">
-                <a:tc>
-                  <a:txBody>
-                    <a:bodyPr/>
-                    <a:lstStyle/>
-                    <a:p>
-                      <a:pPr algn="l" fontAlgn="b"/>
-                      <a:r>
-                        <a:rPr lang="en-US" sz="700" b="0" i="0" u="none" strike="noStrike" dirty="0">
-                          <a:solidFill>
-                            <a:srgbClr val="000000"/>
-                          </a:solidFill>
-                          <a:effectLst/>
-                          <a:latin typeface="Arial" panose="020B0604020202020204" pitchFamily="34" charset="0"/>
-                        </a:rPr>
-                        <a:t>pickup_lat</a:t>
-                      </a:r>
-                    </a:p>
-                  </a:txBody>
-                  <a:tcPr marL="5665" marR="5665" marT="5665" marB="0" anchor="ctr"/>
-                </a:tc>
-                <a:tc>
-                  <a:txBody>
-                    <a:bodyPr/>
-                    <a:lstStyle/>
-                    <a:p>
-                      <a:pPr algn="l" fontAlgn="b"/>
-                      <a:r>
-                        <a:rPr lang="en-US" sz="700" b="0" i="0" u="none" strike="noStrike" dirty="0">
-                          <a:solidFill>
-                            <a:srgbClr val="000000"/>
-                          </a:solidFill>
-                          <a:effectLst/>
-                          <a:latin typeface="Arial" panose="020B0604020202020204" pitchFamily="34" charset="0"/>
-                        </a:rPr>
-                        <a:t>40.7285</a:t>
-                      </a:r>
-                    </a:p>
-                  </a:txBody>
-                  <a:tcPr marL="5665" marR="5665" marT="5665" marB="0" anchor="ctr"/>
-                </a:tc>
-                <a:extLst>
-                  <a:ext uri="{0D108BD9-81ED-4DB2-BD59-A6C34878D82A}">
-                    <a16:rowId xmlns:a16="http://schemas.microsoft.com/office/drawing/2014/main" val="3798466228"/>
-                  </a:ext>
-                </a:extLst>
-              </a:tr>
-              <a:tr h="190644">
-                <a:tc>
-                  <a:txBody>
-                    <a:bodyPr/>
-                    <a:lstStyle/>
-                    <a:p>
-                      <a:pPr algn="l" fontAlgn="b"/>
-                      <a:r>
-                        <a:rPr lang="en-US" sz="700" b="0" i="0" u="none" strike="noStrike" dirty="0">
-                          <a:solidFill>
-                            <a:srgbClr val="000000"/>
-                          </a:solidFill>
-                          <a:effectLst/>
-                          <a:latin typeface="Arial" panose="020B0604020202020204" pitchFamily="34" charset="0"/>
-                        </a:rPr>
-                        <a:t>pickup_lon</a:t>
-                      </a:r>
-                    </a:p>
-                  </a:txBody>
-                  <a:tcPr marL="5665" marR="5665" marT="5665" marB="0" anchor="ctr"/>
-                </a:tc>
-                <a:tc>
-                  <a:txBody>
-                    <a:bodyPr/>
-                    <a:lstStyle/>
-                    <a:p>
-                      <a:pPr algn="l" fontAlgn="b"/>
-                      <a:r>
-                        <a:rPr lang="en-US" sz="700" b="0" i="0" u="none" strike="noStrike" dirty="0">
-                          <a:solidFill>
-                            <a:srgbClr val="000000"/>
-                          </a:solidFill>
-                          <a:effectLst/>
-                          <a:latin typeface="Arial" panose="020B0604020202020204" pitchFamily="34" charset="0"/>
-                        </a:rPr>
-                        <a:t>-73.9984</a:t>
-                      </a:r>
-                    </a:p>
-                  </a:txBody>
-                  <a:tcPr marL="5665" marR="5665" marT="5665" marB="0" anchor="ctr"/>
-                </a:tc>
-                <a:extLst>
-                  <a:ext uri="{0D108BD9-81ED-4DB2-BD59-A6C34878D82A}">
-                    <a16:rowId xmlns:a16="http://schemas.microsoft.com/office/drawing/2014/main" val="1683948745"/>
-                  </a:ext>
-                </a:extLst>
-              </a:tr>
-              <a:tr h="190644">
-                <a:tc>
-                  <a:txBody>
-                    <a:bodyPr/>
-                    <a:lstStyle/>
-                    <a:p>
-                      <a:pPr algn="l" fontAlgn="b"/>
-                      <a:r>
-                        <a:rPr lang="en-US" sz="700" b="0" i="0" u="none" strike="noStrike" dirty="0">
-                          <a:solidFill>
-                            <a:srgbClr val="000000"/>
-                          </a:solidFill>
-                          <a:effectLst/>
-                          <a:latin typeface="Arial" panose="020B0604020202020204" pitchFamily="34" charset="0"/>
-                        </a:rPr>
-                        <a:t>dropoff_lat</a:t>
-                      </a:r>
-                    </a:p>
-                  </a:txBody>
-                  <a:tcPr marL="5665" marR="5665" marT="5665" marB="0" anchor="ctr"/>
-                </a:tc>
-                <a:tc>
-                  <a:txBody>
-                    <a:bodyPr/>
-                    <a:lstStyle/>
-                    <a:p>
-                      <a:pPr algn="l" fontAlgn="b"/>
-                      <a:r>
-                        <a:rPr lang="en-US" sz="700" b="0" i="0" u="none" strike="noStrike" dirty="0">
-                          <a:solidFill>
-                            <a:srgbClr val="000000"/>
-                          </a:solidFill>
-                          <a:effectLst/>
-                          <a:latin typeface="Arial" panose="020B0604020202020204" pitchFamily="34" charset="0"/>
-                        </a:rPr>
-                        <a:t>40.7286</a:t>
-                      </a:r>
-                    </a:p>
-                  </a:txBody>
-                  <a:tcPr marL="5665" marR="5665" marT="5665" marB="0" anchor="ctr"/>
-                </a:tc>
-                <a:extLst>
-                  <a:ext uri="{0D108BD9-81ED-4DB2-BD59-A6C34878D82A}">
-                    <a16:rowId xmlns:a16="http://schemas.microsoft.com/office/drawing/2014/main" val="568431819"/>
-                  </a:ext>
-                </a:extLst>
-              </a:tr>
-              <a:tr h="190644">
-                <a:tc>
-                  <a:txBody>
-                    <a:bodyPr/>
-                    <a:lstStyle/>
-                    <a:p>
-                      <a:pPr algn="l" fontAlgn="b"/>
-                      <a:r>
-                        <a:rPr lang="en-US" sz="700" b="0" i="0" u="none" strike="noStrike" dirty="0">
-                          <a:solidFill>
-                            <a:srgbClr val="000000"/>
-                          </a:solidFill>
-                          <a:effectLst/>
-                          <a:latin typeface="Arial" panose="020B0604020202020204" pitchFamily="34" charset="0"/>
-                        </a:rPr>
-                        <a:t>dropoff_lon</a:t>
-                      </a:r>
-                    </a:p>
-                  </a:txBody>
-                  <a:tcPr marL="5665" marR="5665" marT="5665" marB="0" anchor="ctr"/>
-                </a:tc>
-                <a:tc>
-                  <a:txBody>
-                    <a:bodyPr/>
-                    <a:lstStyle/>
-                    <a:p>
-                      <a:pPr algn="l" fontAlgn="b"/>
-                      <a:r>
-                        <a:rPr lang="en-US" sz="700" b="0" i="0" u="none" strike="noStrike" dirty="0">
-                          <a:solidFill>
-                            <a:srgbClr val="000000"/>
-                          </a:solidFill>
-                          <a:effectLst/>
-                          <a:latin typeface="Arial" panose="020B0604020202020204" pitchFamily="34" charset="0"/>
-                        </a:rPr>
-                        <a:t>-73.9951</a:t>
-                      </a:r>
-                    </a:p>
-                  </a:txBody>
-                  <a:tcPr marL="5665" marR="5665" marT="5665" marB="0" anchor="ctr"/>
-                </a:tc>
-                <a:extLst>
-                  <a:ext uri="{0D108BD9-81ED-4DB2-BD59-A6C34878D82A}">
-                    <a16:rowId xmlns:a16="http://schemas.microsoft.com/office/drawing/2014/main" val="2841978685"/>
-                  </a:ext>
-                </a:extLst>
-              </a:tr>
-              <a:tr h="190644">
-                <a:tc>
-                  <a:txBody>
-                    <a:bodyPr/>
-                    <a:lstStyle/>
-                    <a:p>
-                      <a:pPr algn="l" fontAlgn="b"/>
-                      <a:r>
-                        <a:rPr lang="en-US" sz="700" b="0" i="0" u="none" strike="noStrike" dirty="0">
-                          <a:solidFill>
-                            <a:srgbClr val="000000"/>
-                          </a:solidFill>
-                          <a:effectLst/>
-                          <a:latin typeface="Arial" panose="020B0604020202020204" pitchFamily="34" charset="0"/>
-                        </a:rPr>
-                        <a:t>when_the_delivery_started</a:t>
-                      </a:r>
-                    </a:p>
-                  </a:txBody>
-                  <a:tcPr marL="5665" marR="5665" marT="5665" marB="0" anchor="ctr"/>
-                </a:tc>
-                <a:tc>
-                  <a:txBody>
-                    <a:bodyPr/>
-                    <a:lstStyle/>
-                    <a:p>
-                      <a:pPr algn="l" fontAlgn="b"/>
-                      <a:r>
-                        <a:rPr lang="en-US" sz="700" b="0" i="0" u="none" strike="noStrike" dirty="0">
-                          <a:solidFill>
-                            <a:srgbClr val="000000"/>
-                          </a:solidFill>
-                          <a:effectLst/>
-                          <a:latin typeface="Arial" panose="020B0604020202020204" pitchFamily="34" charset="0"/>
-                        </a:rPr>
-                        <a:t>10/28/14 21:39</a:t>
-                      </a:r>
-                    </a:p>
-                  </a:txBody>
-                  <a:tcPr marL="5665" marR="5665" marT="5665" marB="0" anchor="ctr"/>
-                </a:tc>
-                <a:extLst>
-                  <a:ext uri="{0D108BD9-81ED-4DB2-BD59-A6C34878D82A}">
-                    <a16:rowId xmlns:a16="http://schemas.microsoft.com/office/drawing/2014/main" val="4158170500"/>
-                  </a:ext>
-                </a:extLst>
-              </a:tr>
-              <a:tr h="190644">
-                <a:tc>
-                  <a:txBody>
-                    <a:bodyPr/>
-                    <a:lstStyle/>
-                    <a:p>
-                      <a:pPr algn="l" fontAlgn="b"/>
-                      <a:r>
-                        <a:rPr lang="en-US" sz="700" b="0" i="0" u="none" strike="noStrike" dirty="0">
-                          <a:solidFill>
-                            <a:srgbClr val="000000"/>
-                          </a:solidFill>
-                          <a:effectLst/>
-                          <a:latin typeface="Arial" panose="020B0604020202020204" pitchFamily="34" charset="0"/>
-                        </a:rPr>
-                        <a:t>when_the_Jumpman_arrived_at_pickup</a:t>
-                      </a:r>
-                    </a:p>
-                  </a:txBody>
-                  <a:tcPr marL="5665" marR="5665" marT="5665" marB="0" anchor="ctr"/>
-                </a:tc>
-                <a:tc>
-                  <a:txBody>
-                    <a:bodyPr/>
-                    <a:lstStyle/>
-                    <a:p>
-                      <a:pPr algn="l" fontAlgn="b"/>
-                      <a:r>
-                        <a:rPr lang="en-US" sz="700" b="0" i="0" u="none" strike="noStrike" dirty="0">
-                          <a:solidFill>
-                            <a:srgbClr val="000000"/>
-                          </a:solidFill>
-                          <a:effectLst/>
-                          <a:latin typeface="Arial" panose="020B0604020202020204" pitchFamily="34" charset="0"/>
-                        </a:rPr>
-                        <a:t>10/28/14 21:37</a:t>
-                      </a:r>
-                    </a:p>
-                  </a:txBody>
-                  <a:tcPr marL="5665" marR="5665" marT="5665" marB="0" anchor="ctr"/>
-                </a:tc>
-                <a:extLst>
-                  <a:ext uri="{0D108BD9-81ED-4DB2-BD59-A6C34878D82A}">
-                    <a16:rowId xmlns:a16="http://schemas.microsoft.com/office/drawing/2014/main" val="2140023924"/>
-                  </a:ext>
-                </a:extLst>
-              </a:tr>
-              <a:tr h="190644">
-                <a:tc>
-                  <a:txBody>
-                    <a:bodyPr/>
-                    <a:lstStyle/>
-                    <a:p>
-                      <a:pPr algn="l" fontAlgn="b"/>
-                      <a:r>
-                        <a:rPr lang="en-US" sz="700" b="0" i="0" u="none" strike="noStrike" dirty="0">
-                          <a:solidFill>
-                            <a:srgbClr val="000000"/>
-                          </a:solidFill>
-                          <a:effectLst/>
-                          <a:latin typeface="Arial" panose="020B0604020202020204" pitchFamily="34" charset="0"/>
-                        </a:rPr>
-                        <a:t>when_the_Jumpman_left_pickup</a:t>
-                      </a:r>
-                    </a:p>
-                  </a:txBody>
-                  <a:tcPr marL="5665" marR="5665" marT="5665" marB="0" anchor="ctr"/>
-                </a:tc>
-                <a:tc>
-                  <a:txBody>
-                    <a:bodyPr/>
-                    <a:lstStyle/>
-                    <a:p>
-                      <a:pPr algn="l" fontAlgn="b"/>
-                      <a:r>
-                        <a:rPr lang="en-US" sz="700" b="0" i="0" u="none" strike="noStrike" dirty="0">
-                          <a:solidFill>
-                            <a:srgbClr val="000000"/>
-                          </a:solidFill>
-                          <a:effectLst/>
-                          <a:latin typeface="Arial" panose="020B0604020202020204" pitchFamily="34" charset="0"/>
-                        </a:rPr>
-                        <a:t>10/28/14 21:59</a:t>
-                      </a:r>
-                    </a:p>
-                  </a:txBody>
-                  <a:tcPr marL="5665" marR="5665" marT="5665" marB="0" anchor="ctr"/>
-                </a:tc>
-                <a:extLst>
-                  <a:ext uri="{0D108BD9-81ED-4DB2-BD59-A6C34878D82A}">
-                    <a16:rowId xmlns:a16="http://schemas.microsoft.com/office/drawing/2014/main" val="1935126913"/>
-                  </a:ext>
-                </a:extLst>
-              </a:tr>
-              <a:tr h="190644">
-                <a:tc>
-                  <a:txBody>
-                    <a:bodyPr/>
-                    <a:lstStyle/>
-                    <a:p>
-                      <a:pPr algn="l" fontAlgn="b"/>
-                      <a:r>
-                        <a:rPr lang="en-US" sz="700" b="0" i="0" u="none" strike="noStrike" dirty="0">
-                          <a:solidFill>
-                            <a:srgbClr val="000000"/>
-                          </a:solidFill>
-                          <a:effectLst/>
-                          <a:latin typeface="Arial" panose="020B0604020202020204" pitchFamily="34" charset="0"/>
-                        </a:rPr>
-                        <a:t>when_the_Jumpman_arrived_at_dropoff</a:t>
-                      </a:r>
-                    </a:p>
-                  </a:txBody>
-                  <a:tcPr marL="5665" marR="5665" marT="5665" marB="0" anchor="ctr"/>
-                </a:tc>
-                <a:tc>
-                  <a:txBody>
-                    <a:bodyPr/>
-                    <a:lstStyle/>
-                    <a:p>
-                      <a:pPr algn="l" fontAlgn="b"/>
-                      <a:r>
-                        <a:rPr lang="en-US" sz="700" b="0" i="0" u="none" strike="noStrike" dirty="0">
-                          <a:solidFill>
-                            <a:srgbClr val="000000"/>
-                          </a:solidFill>
-                          <a:effectLst/>
-                          <a:latin typeface="Arial" panose="020B0604020202020204" pitchFamily="34" charset="0"/>
-                        </a:rPr>
-                        <a:t>10/28/14 22:04</a:t>
-                      </a:r>
-                    </a:p>
-                  </a:txBody>
-                  <a:tcPr marL="5665" marR="5665" marT="5665" marB="0" anchor="ctr"/>
-                </a:tc>
-                <a:extLst>
-                  <a:ext uri="{0D108BD9-81ED-4DB2-BD59-A6C34878D82A}">
-                    <a16:rowId xmlns:a16="http://schemas.microsoft.com/office/drawing/2014/main" val="3447613622"/>
-                  </a:ext>
-                </a:extLst>
-              </a:tr>
-            </a:tbl>
-          </a:graphicData>
-        </a:graphic>
-      </p:graphicFrame>
-      <p:sp>
-        <p:nvSpPr>
-          <p:cNvPr id="18" name="TextBox 17">
-            <a:extLst>
-              <a:ext uri="{FF2B5EF4-FFF2-40B4-BE49-F238E27FC236}">
-                <a16:creationId xmlns:a16="http://schemas.microsoft.com/office/drawing/2014/main" id="{7ABCDA3E-4BC8-D44C-B303-85C25C17CB1E}"/>
-              </a:ext>
-            </a:extLst>
-          </p:cNvPr>
-          <p:cNvSpPr txBox="1"/>
-          <p:nvPr/>
-        </p:nvSpPr>
-        <p:spPr>
-          <a:xfrm>
-            <a:off x="4772025" y="1257300"/>
-            <a:ext cx="2617026" cy="369332"/>
-          </a:xfrm>
-          <a:prstGeom prst="rect">
-            <a:avLst/>
-          </a:prstGeom>
-          <a:noFill/>
-        </p:spPr>
-        <p:txBody>
-          <a:bodyPr wrap="square" rtlCol="0">
-            <a:spAutoFit/>
-          </a:bodyPr>
-          <a:lstStyle/>
-          <a:p>
-            <a:r>
-              <a:rPr lang="en-US" dirty="0"/>
-              <a:t>Sample Record</a:t>
-            </a:r>
-          </a:p>
-        </p:txBody>
-      </p:sp>
-      <p:graphicFrame>
-        <p:nvGraphicFramePr>
-          <p:cNvPr id="19" name="Table 16">
-            <a:extLst>
-              <a:ext uri="{FF2B5EF4-FFF2-40B4-BE49-F238E27FC236}">
-                <a16:creationId xmlns:a16="http://schemas.microsoft.com/office/drawing/2014/main" id="{E8395635-868F-6548-9B58-8E869A22BD47}"/>
-              </a:ext>
-            </a:extLst>
-          </p:cNvPr>
-          <p:cNvGraphicFramePr>
-            <a:graphicFrameLocks noGrp="1"/>
-          </p:cNvGraphicFramePr>
-          <p:nvPr>
-            <p:extLst>
-              <p:ext uri="{D42A27DB-BD31-4B8C-83A1-F6EECF244321}">
-                <p14:modId xmlns:p14="http://schemas.microsoft.com/office/powerpoint/2010/main" val="209029473"/>
-              </p:ext>
-            </p:extLst>
-          </p:nvPr>
-        </p:nvGraphicFramePr>
-        <p:xfrm>
-          <a:off x="8704262" y="1679188"/>
-          <a:ext cx="2617026" cy="3653612"/>
-        </p:xfrm>
-        <a:graphic>
-          <a:graphicData uri="http://schemas.openxmlformats.org/drawingml/2006/table">
-            <a:tbl>
-              <a:tblPr firstRow="1" bandRow="1">
-                <a:tableStyleId>{5C22544A-7EE6-4342-B048-85BDC9FD1C3A}</a:tableStyleId>
-              </a:tblPr>
-              <a:tblGrid>
-                <a:gridCol w="1839786">
-                  <a:extLst>
-                    <a:ext uri="{9D8B030D-6E8A-4147-A177-3AD203B41FA5}">
-                      <a16:colId xmlns:a16="http://schemas.microsoft.com/office/drawing/2014/main" val="844011352"/>
-                    </a:ext>
-                  </a:extLst>
-                </a:gridCol>
-                <a:gridCol w="777240">
-                  <a:extLst>
-                    <a:ext uri="{9D8B030D-6E8A-4147-A177-3AD203B41FA5}">
-                      <a16:colId xmlns:a16="http://schemas.microsoft.com/office/drawing/2014/main" val="3467470163"/>
-                    </a:ext>
-                  </a:extLst>
-                </a:gridCol>
-              </a:tblGrid>
-              <a:tr h="213452">
-                <a:tc>
-                  <a:txBody>
-                    <a:bodyPr/>
-                    <a:lstStyle/>
-                    <a:p>
-                      <a:r>
-                        <a:rPr lang="en-US" sz="1100" dirty="0"/>
-                        <a:t>Attribute</a:t>
-                      </a:r>
-                    </a:p>
-                  </a:txBody>
-                  <a:tcPr marL="54381" marR="54381" marT="27190" marB="27190"/>
-                </a:tc>
-                <a:tc>
-                  <a:txBody>
-                    <a:bodyPr/>
-                    <a:lstStyle/>
-                    <a:p>
-                      <a:r>
-                        <a:rPr lang="en-US" sz="1100" dirty="0"/>
-                        <a:t>Entry</a:t>
-                      </a:r>
-                    </a:p>
-                  </a:txBody>
-                  <a:tcPr marL="54381" marR="54381" marT="27190" marB="27190"/>
-                </a:tc>
-                <a:extLst>
-                  <a:ext uri="{0D108BD9-81ED-4DB2-BD59-A6C34878D82A}">
-                    <a16:rowId xmlns:a16="http://schemas.microsoft.com/office/drawing/2014/main" val="2226192427"/>
-                  </a:ext>
-                </a:extLst>
-              </a:tr>
-              <a:tr h="190644">
-                <a:tc>
-                  <a:txBody>
-                    <a:bodyPr/>
-                    <a:lstStyle/>
-                    <a:p>
-                      <a:pPr algn="l" fontAlgn="b"/>
-                      <a:r>
-                        <a:rPr lang="en-US" sz="700" b="0" i="0" u="none" strike="noStrike" dirty="0">
-                          <a:solidFill>
-                            <a:srgbClr val="000000"/>
-                          </a:solidFill>
-                          <a:effectLst/>
-                          <a:latin typeface="Arial" panose="020B0604020202020204" pitchFamily="34" charset="0"/>
-                        </a:rPr>
-                        <a:t>delivery_id</a:t>
-                      </a:r>
-                    </a:p>
-                  </a:txBody>
-                  <a:tcPr marL="5665" marR="5665" marT="5665" marB="0" anchor="ctr"/>
-                </a:tc>
-                <a:tc>
-                  <a:txBody>
-                    <a:bodyPr/>
-                    <a:lstStyle/>
-                    <a:p>
-                      <a:pPr algn="l" fontAlgn="b"/>
-                      <a:r>
-                        <a:rPr lang="en-US" sz="700" b="0" i="0" u="none" strike="noStrike" dirty="0">
-                          <a:solidFill>
-                            <a:srgbClr val="000000"/>
-                          </a:solidFill>
-                          <a:effectLst/>
-                          <a:latin typeface="Arial" panose="020B0604020202020204" pitchFamily="34" charset="0"/>
-                        </a:rPr>
-                        <a:t>1476547</a:t>
-                      </a:r>
-                    </a:p>
-                  </a:txBody>
-                  <a:tcPr marL="5665" marR="5665" marT="5665" marB="0" anchor="ctr"/>
-                </a:tc>
-                <a:extLst>
-                  <a:ext uri="{0D108BD9-81ED-4DB2-BD59-A6C34878D82A}">
-                    <a16:rowId xmlns:a16="http://schemas.microsoft.com/office/drawing/2014/main" val="3460892982"/>
-                  </a:ext>
-                </a:extLst>
-              </a:tr>
-              <a:tr h="190644">
-                <a:tc>
-                  <a:txBody>
-                    <a:bodyPr/>
-                    <a:lstStyle/>
-                    <a:p>
-                      <a:pPr algn="l" fontAlgn="b"/>
-                      <a:r>
-                        <a:rPr lang="en-US" sz="700" b="0" i="0" u="none" strike="noStrike" dirty="0">
-                          <a:solidFill>
-                            <a:srgbClr val="000000"/>
-                          </a:solidFill>
-                          <a:effectLst/>
-                          <a:latin typeface="Arial" panose="020B0604020202020204" pitchFamily="34" charset="0"/>
-                        </a:rPr>
-                        <a:t>customer_id</a:t>
-                      </a:r>
-                    </a:p>
-                  </a:txBody>
-                  <a:tcPr marL="5665" marR="5665" marT="5665" marB="0" anchor="ctr"/>
-                </a:tc>
-                <a:tc>
-                  <a:txBody>
-                    <a:bodyPr/>
-                    <a:lstStyle/>
-                    <a:p>
-                      <a:pPr algn="l" fontAlgn="b"/>
-                      <a:r>
-                        <a:rPr lang="en-US" sz="700" b="0" i="0" u="none" strike="noStrike" dirty="0">
-                          <a:solidFill>
-                            <a:srgbClr val="000000"/>
-                          </a:solidFill>
-                          <a:effectLst/>
-                          <a:latin typeface="Arial" panose="020B0604020202020204" pitchFamily="34" charset="0"/>
-                        </a:rPr>
-                        <a:t>83095</a:t>
-                      </a:r>
-                    </a:p>
-                  </a:txBody>
-                  <a:tcPr marL="5665" marR="5665" marT="5665" marB="0" anchor="ctr"/>
-                </a:tc>
-                <a:extLst>
-                  <a:ext uri="{0D108BD9-81ED-4DB2-BD59-A6C34878D82A}">
-                    <a16:rowId xmlns:a16="http://schemas.microsoft.com/office/drawing/2014/main" val="4049968888"/>
-                  </a:ext>
-                </a:extLst>
-              </a:tr>
-              <a:tr h="190644">
-                <a:tc>
-                  <a:txBody>
-                    <a:bodyPr/>
-                    <a:lstStyle/>
-                    <a:p>
-                      <a:pPr algn="l" fontAlgn="b"/>
-                      <a:r>
-                        <a:rPr lang="en-US" sz="700" b="0" i="0" u="none" strike="noStrike" dirty="0">
-                          <a:solidFill>
-                            <a:srgbClr val="000000"/>
-                          </a:solidFill>
-                          <a:effectLst/>
-                          <a:latin typeface="Arial" panose="020B0604020202020204" pitchFamily="34" charset="0"/>
-                        </a:rPr>
-                        <a:t>jumpman_id</a:t>
-                      </a:r>
-                    </a:p>
-                  </a:txBody>
-                  <a:tcPr marL="5665" marR="5665" marT="5665" marB="0" anchor="ctr"/>
-                </a:tc>
-                <a:tc>
-                  <a:txBody>
-                    <a:bodyPr/>
-                    <a:lstStyle/>
-                    <a:p>
-                      <a:pPr algn="l" fontAlgn="b"/>
-                      <a:r>
-                        <a:rPr lang="en-US" sz="700" b="0" i="0" u="none" strike="noStrike" dirty="0">
-                          <a:solidFill>
-                            <a:srgbClr val="000000"/>
-                          </a:solidFill>
-                          <a:effectLst/>
-                          <a:latin typeface="Arial" panose="020B0604020202020204" pitchFamily="34" charset="0"/>
-                        </a:rPr>
-                        <a:t>132725</a:t>
-                      </a:r>
-                    </a:p>
-                  </a:txBody>
-                  <a:tcPr marL="5665" marR="5665" marT="5665" marB="0" anchor="ctr"/>
-                </a:tc>
-                <a:extLst>
-                  <a:ext uri="{0D108BD9-81ED-4DB2-BD59-A6C34878D82A}">
-                    <a16:rowId xmlns:a16="http://schemas.microsoft.com/office/drawing/2014/main" val="3865530348"/>
-                  </a:ext>
-                </a:extLst>
-              </a:tr>
-              <a:tr h="190644">
-                <a:tc>
-                  <a:txBody>
-                    <a:bodyPr/>
-                    <a:lstStyle/>
-                    <a:p>
-                      <a:pPr algn="l" fontAlgn="b"/>
-                      <a:r>
-                        <a:rPr lang="en-US" sz="700" b="0" i="0" u="none" strike="noStrike" dirty="0">
-                          <a:solidFill>
-                            <a:srgbClr val="000000"/>
-                          </a:solidFill>
-                          <a:effectLst/>
-                          <a:latin typeface="Arial" panose="020B0604020202020204" pitchFamily="34" charset="0"/>
-                        </a:rPr>
-                        <a:t>vehicle_type</a:t>
-                      </a:r>
-                    </a:p>
-                  </a:txBody>
-                  <a:tcPr marL="5665" marR="5665" marT="5665" marB="0" anchor="ctr"/>
-                </a:tc>
-                <a:tc>
-                  <a:txBody>
-                    <a:bodyPr/>
-                    <a:lstStyle/>
-                    <a:p>
-                      <a:pPr algn="l" fontAlgn="b"/>
-                      <a:r>
-                        <a:rPr lang="en-US" sz="700" b="0" i="0" u="none" strike="noStrike" dirty="0">
-                          <a:solidFill>
-                            <a:srgbClr val="000000"/>
-                          </a:solidFill>
-                          <a:effectLst/>
-                          <a:latin typeface="Arial" panose="020B0604020202020204" pitchFamily="34" charset="0"/>
-                        </a:rPr>
-                        <a:t>bicycle</a:t>
-                      </a:r>
-                    </a:p>
-                  </a:txBody>
-                  <a:tcPr marL="5665" marR="5665" marT="5665" marB="0" anchor="ctr"/>
-                </a:tc>
-                <a:extLst>
-                  <a:ext uri="{0D108BD9-81ED-4DB2-BD59-A6C34878D82A}">
-                    <a16:rowId xmlns:a16="http://schemas.microsoft.com/office/drawing/2014/main" val="1400598826"/>
-                  </a:ext>
-                </a:extLst>
-              </a:tr>
-              <a:tr h="190644">
-                <a:tc>
-                  <a:txBody>
-                    <a:bodyPr/>
-                    <a:lstStyle/>
-                    <a:p>
-                      <a:pPr algn="l" fontAlgn="b"/>
-                      <a:r>
-                        <a:rPr lang="en-US" sz="700" b="0" i="0" u="none" strike="noStrike" dirty="0">
-                          <a:solidFill>
-                            <a:srgbClr val="000000"/>
-                          </a:solidFill>
-                          <a:effectLst/>
-                          <a:latin typeface="Arial" panose="020B0604020202020204" pitchFamily="34" charset="0"/>
-                        </a:rPr>
-                        <a:t>pickup_place</a:t>
-                      </a:r>
-                    </a:p>
-                  </a:txBody>
-                  <a:tcPr marL="5665" marR="5665" marT="5665" marB="0" anchor="ctr"/>
-                </a:tc>
-                <a:tc>
-                  <a:txBody>
-                    <a:bodyPr/>
-                    <a:lstStyle/>
-                    <a:p>
-                      <a:pPr algn="l" fontAlgn="b"/>
-                      <a:r>
-                        <a:rPr lang="en-US" sz="700" b="0" i="0" u="none" strike="noStrike" dirty="0">
-                          <a:solidFill>
-                            <a:srgbClr val="000000"/>
-                          </a:solidFill>
-                          <a:effectLst/>
-                          <a:latin typeface="Arial" panose="020B0604020202020204" pitchFamily="34" charset="0"/>
-                        </a:rPr>
-                        <a:t>Bareburger</a:t>
-                      </a:r>
-                    </a:p>
-                  </a:txBody>
-                  <a:tcPr marL="5665" marR="5665" marT="5665" marB="0" anchor="ctr"/>
-                </a:tc>
-                <a:extLst>
-                  <a:ext uri="{0D108BD9-81ED-4DB2-BD59-A6C34878D82A}">
-                    <a16:rowId xmlns:a16="http://schemas.microsoft.com/office/drawing/2014/main" val="2576138324"/>
-                  </a:ext>
-                </a:extLst>
-              </a:tr>
-              <a:tr h="190644">
-                <a:tc>
-                  <a:txBody>
-                    <a:bodyPr/>
-                    <a:lstStyle/>
-                    <a:p>
-                      <a:pPr algn="l" fontAlgn="b"/>
-                      <a:r>
-                        <a:rPr lang="en-US" sz="700" b="0" i="0" u="none" strike="noStrike" dirty="0">
-                          <a:solidFill>
-                            <a:srgbClr val="000000"/>
-                          </a:solidFill>
-                          <a:effectLst/>
-                          <a:latin typeface="Arial" panose="020B0604020202020204" pitchFamily="34" charset="0"/>
-                        </a:rPr>
-                        <a:t>place_category</a:t>
-                      </a:r>
-                    </a:p>
-                  </a:txBody>
-                  <a:tcPr marL="5665" marR="5665" marT="5665" marB="0" anchor="ctr"/>
-                </a:tc>
-                <a:tc>
-                  <a:txBody>
-                    <a:bodyPr/>
-                    <a:lstStyle/>
-                    <a:p>
-                      <a:pPr algn="l" fontAlgn="b"/>
-                      <a:r>
-                        <a:rPr lang="en-US" sz="700" b="0" i="0" u="none" strike="noStrike" dirty="0">
-                          <a:solidFill>
-                            <a:srgbClr val="000000"/>
-                          </a:solidFill>
-                          <a:effectLst/>
-                          <a:latin typeface="Arial" panose="020B0604020202020204" pitchFamily="34" charset="0"/>
-                        </a:rPr>
-                        <a:t>Burger</a:t>
-                      </a:r>
-                    </a:p>
-                  </a:txBody>
-                  <a:tcPr marL="5665" marR="5665" marT="5665" marB="0" anchor="ctr"/>
-                </a:tc>
-                <a:extLst>
-                  <a:ext uri="{0D108BD9-81ED-4DB2-BD59-A6C34878D82A}">
-                    <a16:rowId xmlns:a16="http://schemas.microsoft.com/office/drawing/2014/main" val="3029226444"/>
-                  </a:ext>
-                </a:extLst>
-              </a:tr>
-              <a:tr h="190644">
-                <a:tc>
-                  <a:txBody>
-                    <a:bodyPr/>
-                    <a:lstStyle/>
-                    <a:p>
-                      <a:pPr algn="l" fontAlgn="b"/>
-                      <a:r>
-                        <a:rPr lang="en-US" sz="700" b="0" i="0" u="none" strike="noStrike" dirty="0">
-                          <a:solidFill>
-                            <a:srgbClr val="000000"/>
-                          </a:solidFill>
-                          <a:effectLst/>
-                          <a:latin typeface="Arial" panose="020B0604020202020204" pitchFamily="34" charset="0"/>
-                        </a:rPr>
-                        <a:t>item_name</a:t>
-                      </a:r>
-                    </a:p>
-                  </a:txBody>
-                  <a:tcPr marL="5665" marR="5665" marT="5665" marB="0" anchor="ctr"/>
-                </a:tc>
-                <a:tc>
-                  <a:txBody>
-                    <a:bodyPr/>
-                    <a:lstStyle/>
-                    <a:p>
-                      <a:pPr algn="l" fontAlgn="b"/>
-                      <a:r>
-                        <a:rPr lang="en-US" sz="700" b="0" i="0" u="none" strike="noStrike" dirty="0">
-                          <a:solidFill>
-                            <a:srgbClr val="000000"/>
-                          </a:solidFill>
-                          <a:effectLst/>
-                          <a:latin typeface="Arial" panose="020B0604020202020204" pitchFamily="34" charset="0"/>
-                        </a:rPr>
-                        <a:t>Bare Sodas</a:t>
-                      </a:r>
-                    </a:p>
-                  </a:txBody>
-                  <a:tcPr marL="5665" marR="5665" marT="5665" marB="0" anchor="ctr"/>
-                </a:tc>
-                <a:extLst>
-                  <a:ext uri="{0D108BD9-81ED-4DB2-BD59-A6C34878D82A}">
-                    <a16:rowId xmlns:a16="http://schemas.microsoft.com/office/drawing/2014/main" val="1397852573"/>
-                  </a:ext>
-                </a:extLst>
-              </a:tr>
-              <a:tr h="190644">
-                <a:tc>
-                  <a:txBody>
-                    <a:bodyPr/>
-                    <a:lstStyle/>
-                    <a:p>
-                      <a:pPr algn="l" fontAlgn="b"/>
-                      <a:r>
-                        <a:rPr lang="en-US" sz="700" b="0" i="0" u="none" strike="noStrike" dirty="0">
-                          <a:solidFill>
-                            <a:srgbClr val="000000"/>
-                          </a:solidFill>
-                          <a:effectLst/>
-                          <a:latin typeface="Arial" panose="020B0604020202020204" pitchFamily="34" charset="0"/>
-                        </a:rPr>
-                        <a:t>item_quantity</a:t>
-                      </a:r>
-                    </a:p>
-                  </a:txBody>
-                  <a:tcPr marL="5665" marR="5665" marT="5665" marB="0" anchor="ctr"/>
-                </a:tc>
-                <a:tc>
-                  <a:txBody>
-                    <a:bodyPr/>
-                    <a:lstStyle/>
-                    <a:p>
-                      <a:pPr algn="l" fontAlgn="b"/>
-                      <a:r>
-                        <a:rPr lang="en-US" sz="700" b="0" i="0" u="none" strike="noStrike" dirty="0">
-                          <a:solidFill>
-                            <a:srgbClr val="000000"/>
-                          </a:solidFill>
-                          <a:effectLst/>
-                          <a:latin typeface="Arial" panose="020B0604020202020204" pitchFamily="34" charset="0"/>
-                        </a:rPr>
-                        <a:t>1</a:t>
-                      </a:r>
-                    </a:p>
-                  </a:txBody>
-                  <a:tcPr marL="5665" marR="5665" marT="5665" marB="0" anchor="ctr"/>
-                </a:tc>
-                <a:extLst>
-                  <a:ext uri="{0D108BD9-81ED-4DB2-BD59-A6C34878D82A}">
-                    <a16:rowId xmlns:a16="http://schemas.microsoft.com/office/drawing/2014/main" val="1474757276"/>
-                  </a:ext>
-                </a:extLst>
-              </a:tr>
-              <a:tr h="190644">
-                <a:tc>
-                  <a:txBody>
-                    <a:bodyPr/>
-                    <a:lstStyle/>
-                    <a:p>
-                      <a:pPr algn="l" fontAlgn="b"/>
-                      <a:r>
-                        <a:rPr lang="en-US" sz="700" b="0" i="0" u="none" strike="noStrike" dirty="0">
-                          <a:solidFill>
-                            <a:srgbClr val="000000"/>
-                          </a:solidFill>
-                          <a:effectLst/>
-                          <a:latin typeface="Arial" panose="020B0604020202020204" pitchFamily="34" charset="0"/>
-                        </a:rPr>
-                        <a:t>item_category_name</a:t>
-                      </a:r>
-                    </a:p>
-                  </a:txBody>
-                  <a:tcPr marL="5665" marR="5665" marT="5665" marB="0" anchor="ctr"/>
-                </a:tc>
-                <a:tc>
-                  <a:txBody>
-                    <a:bodyPr/>
-                    <a:lstStyle/>
-                    <a:p>
-                      <a:pPr algn="l" fontAlgn="b"/>
-                      <a:r>
-                        <a:rPr lang="en-US" sz="700" b="0" i="0" u="none" strike="noStrike" dirty="0">
-                          <a:solidFill>
-                            <a:srgbClr val="000000"/>
-                          </a:solidFill>
-                          <a:effectLst/>
-                          <a:latin typeface="Arial" panose="020B0604020202020204" pitchFamily="34" charset="0"/>
-                        </a:rPr>
-                        <a:t>Drinks</a:t>
-                      </a:r>
-                    </a:p>
-                  </a:txBody>
-                  <a:tcPr marL="5665" marR="5665" marT="5665" marB="0" anchor="ctr"/>
-                </a:tc>
-                <a:extLst>
-                  <a:ext uri="{0D108BD9-81ED-4DB2-BD59-A6C34878D82A}">
-                    <a16:rowId xmlns:a16="http://schemas.microsoft.com/office/drawing/2014/main" val="2269621261"/>
-                  </a:ext>
-                </a:extLst>
-              </a:tr>
-              <a:tr h="190644">
-                <a:tc>
-                  <a:txBody>
-                    <a:bodyPr/>
-                    <a:lstStyle/>
-                    <a:p>
-                      <a:pPr algn="l" fontAlgn="b"/>
-                      <a:r>
-                        <a:rPr lang="en-US" sz="700" b="0" i="0" u="none" strike="noStrike" dirty="0">
-                          <a:solidFill>
-                            <a:srgbClr val="000000"/>
-                          </a:solidFill>
-                          <a:effectLst/>
-                          <a:latin typeface="Arial" panose="020B0604020202020204" pitchFamily="34" charset="0"/>
-                        </a:rPr>
-                        <a:t>how_long_it_took_to_order</a:t>
-                      </a:r>
-                    </a:p>
-                  </a:txBody>
-                  <a:tcPr marL="5665" marR="5665" marT="5665" marB="0" anchor="ctr"/>
-                </a:tc>
-                <a:tc>
-                  <a:txBody>
-                    <a:bodyPr/>
-                    <a:lstStyle/>
-                    <a:p>
-                      <a:pPr algn="l" fontAlgn="b"/>
-                      <a:r>
-                        <a:rPr lang="en-US" sz="700" b="0" i="0" u="none" strike="noStrike" dirty="0">
-                          <a:solidFill>
-                            <a:srgbClr val="000000"/>
-                          </a:solidFill>
-                          <a:effectLst/>
-                          <a:latin typeface="Arial" panose="020B0604020202020204" pitchFamily="34" charset="0"/>
-                        </a:rPr>
-                        <a:t>0:06:45</a:t>
-                      </a:r>
-                    </a:p>
-                  </a:txBody>
-                  <a:tcPr marL="9525" marR="9525" marT="9525" marB="0" anchor="ctr"/>
-                </a:tc>
-                <a:extLst>
-                  <a:ext uri="{0D108BD9-81ED-4DB2-BD59-A6C34878D82A}">
-                    <a16:rowId xmlns:a16="http://schemas.microsoft.com/office/drawing/2014/main" val="536241634"/>
-                  </a:ext>
-                </a:extLst>
-              </a:tr>
-              <a:tr h="190644">
-                <a:tc>
-                  <a:txBody>
-                    <a:bodyPr/>
-                    <a:lstStyle/>
-                    <a:p>
-                      <a:pPr algn="l" fontAlgn="b"/>
-                      <a:r>
-                        <a:rPr lang="en-US" sz="700" b="0" i="0" u="none" strike="noStrike" dirty="0">
-                          <a:solidFill>
-                            <a:srgbClr val="000000"/>
-                          </a:solidFill>
-                          <a:effectLst/>
-                          <a:latin typeface="Arial" panose="020B0604020202020204" pitchFamily="34" charset="0"/>
-                        </a:rPr>
-                        <a:t>pickup_lat</a:t>
-                      </a:r>
-                    </a:p>
-                  </a:txBody>
-                  <a:tcPr marL="5665" marR="5665" marT="5665" marB="0" anchor="ctr"/>
-                </a:tc>
-                <a:tc>
-                  <a:txBody>
-                    <a:bodyPr/>
-                    <a:lstStyle/>
-                    <a:p>
-                      <a:pPr algn="l" fontAlgn="b"/>
-                      <a:r>
-                        <a:rPr lang="en-US" sz="700" b="0" i="0" u="none" strike="noStrike" dirty="0">
-                          <a:solidFill>
-                            <a:srgbClr val="000000"/>
-                          </a:solidFill>
-                          <a:effectLst/>
-                          <a:latin typeface="Arial" panose="020B0604020202020204" pitchFamily="34" charset="0"/>
-                        </a:rPr>
-                        <a:t>40.7285</a:t>
-                      </a:r>
-                    </a:p>
-                  </a:txBody>
-                  <a:tcPr marL="5665" marR="5665" marT="5665" marB="0" anchor="ctr"/>
-                </a:tc>
-                <a:extLst>
-                  <a:ext uri="{0D108BD9-81ED-4DB2-BD59-A6C34878D82A}">
-                    <a16:rowId xmlns:a16="http://schemas.microsoft.com/office/drawing/2014/main" val="3798466228"/>
-                  </a:ext>
-                </a:extLst>
-              </a:tr>
-              <a:tr h="190644">
-                <a:tc>
-                  <a:txBody>
-                    <a:bodyPr/>
-                    <a:lstStyle/>
-                    <a:p>
-                      <a:pPr algn="l" fontAlgn="b"/>
-                      <a:r>
-                        <a:rPr lang="en-US" sz="700" b="0" i="0" u="none" strike="noStrike" dirty="0">
-                          <a:solidFill>
-                            <a:srgbClr val="000000"/>
-                          </a:solidFill>
-                          <a:effectLst/>
-                          <a:latin typeface="Arial" panose="020B0604020202020204" pitchFamily="34" charset="0"/>
-                        </a:rPr>
-                        <a:t>pickup_lon</a:t>
-                      </a:r>
-                    </a:p>
-                  </a:txBody>
-                  <a:tcPr marL="5665" marR="5665" marT="5665" marB="0" anchor="ctr"/>
-                </a:tc>
-                <a:tc>
-                  <a:txBody>
-                    <a:bodyPr/>
-                    <a:lstStyle/>
-                    <a:p>
-                      <a:pPr algn="l" fontAlgn="b"/>
-                      <a:r>
-                        <a:rPr lang="en-US" sz="700" b="0" i="0" u="none" strike="noStrike" dirty="0">
-                          <a:solidFill>
-                            <a:srgbClr val="000000"/>
-                          </a:solidFill>
-                          <a:effectLst/>
-                          <a:latin typeface="Arial" panose="020B0604020202020204" pitchFamily="34" charset="0"/>
-                        </a:rPr>
-                        <a:t>-73.9984</a:t>
-                      </a:r>
-                    </a:p>
-                  </a:txBody>
-                  <a:tcPr marL="5665" marR="5665" marT="5665" marB="0" anchor="ctr"/>
-                </a:tc>
-                <a:extLst>
-                  <a:ext uri="{0D108BD9-81ED-4DB2-BD59-A6C34878D82A}">
-                    <a16:rowId xmlns:a16="http://schemas.microsoft.com/office/drawing/2014/main" val="1683948745"/>
-                  </a:ext>
-                </a:extLst>
-              </a:tr>
-              <a:tr h="190644">
-                <a:tc>
-                  <a:txBody>
-                    <a:bodyPr/>
-                    <a:lstStyle/>
-                    <a:p>
-                      <a:pPr algn="l" fontAlgn="b"/>
-                      <a:r>
-                        <a:rPr lang="en-US" sz="700" b="0" i="0" u="none" strike="noStrike" dirty="0">
-                          <a:solidFill>
-                            <a:srgbClr val="000000"/>
-                          </a:solidFill>
-                          <a:effectLst/>
-                          <a:latin typeface="Arial" panose="020B0604020202020204" pitchFamily="34" charset="0"/>
-                        </a:rPr>
-                        <a:t>dropoff_lat</a:t>
-                      </a:r>
-                    </a:p>
-                  </a:txBody>
-                  <a:tcPr marL="5665" marR="5665" marT="5665" marB="0" anchor="ctr"/>
-                </a:tc>
-                <a:tc>
-                  <a:txBody>
-                    <a:bodyPr/>
-                    <a:lstStyle/>
-                    <a:p>
-                      <a:pPr algn="l" fontAlgn="b"/>
-                      <a:r>
-                        <a:rPr lang="en-US" sz="700" b="0" i="0" u="none" strike="noStrike" dirty="0">
-                          <a:solidFill>
-                            <a:srgbClr val="000000"/>
-                          </a:solidFill>
-                          <a:effectLst/>
-                          <a:latin typeface="Arial" panose="020B0604020202020204" pitchFamily="34" charset="0"/>
-                        </a:rPr>
-                        <a:t>40.7286</a:t>
-                      </a:r>
-                    </a:p>
-                  </a:txBody>
-                  <a:tcPr marL="5665" marR="5665" marT="5665" marB="0" anchor="ctr"/>
-                </a:tc>
-                <a:extLst>
-                  <a:ext uri="{0D108BD9-81ED-4DB2-BD59-A6C34878D82A}">
-                    <a16:rowId xmlns:a16="http://schemas.microsoft.com/office/drawing/2014/main" val="568431819"/>
-                  </a:ext>
-                </a:extLst>
-              </a:tr>
-              <a:tr h="190644">
-                <a:tc>
-                  <a:txBody>
-                    <a:bodyPr/>
-                    <a:lstStyle/>
-                    <a:p>
-                      <a:pPr algn="l" fontAlgn="b"/>
-                      <a:r>
-                        <a:rPr lang="en-US" sz="700" b="0" i="0" u="none" strike="noStrike" dirty="0">
-                          <a:solidFill>
-                            <a:srgbClr val="000000"/>
-                          </a:solidFill>
-                          <a:effectLst/>
-                          <a:latin typeface="Arial" panose="020B0604020202020204" pitchFamily="34" charset="0"/>
-                        </a:rPr>
-                        <a:t>dropoff_lon</a:t>
-                      </a:r>
-                    </a:p>
-                  </a:txBody>
-                  <a:tcPr marL="5665" marR="5665" marT="5665" marB="0" anchor="ctr"/>
-                </a:tc>
-                <a:tc>
-                  <a:txBody>
-                    <a:bodyPr/>
-                    <a:lstStyle/>
-                    <a:p>
-                      <a:pPr algn="l" fontAlgn="b"/>
-                      <a:r>
-                        <a:rPr lang="en-US" sz="700" b="0" i="0" u="none" strike="noStrike" dirty="0">
-                          <a:solidFill>
-                            <a:srgbClr val="000000"/>
-                          </a:solidFill>
-                          <a:effectLst/>
-                          <a:latin typeface="Arial" panose="020B0604020202020204" pitchFamily="34" charset="0"/>
-                        </a:rPr>
-                        <a:t>-73.9951</a:t>
-                      </a:r>
-                    </a:p>
-                  </a:txBody>
-                  <a:tcPr marL="5665" marR="5665" marT="5665" marB="0" anchor="ctr"/>
-                </a:tc>
-                <a:extLst>
-                  <a:ext uri="{0D108BD9-81ED-4DB2-BD59-A6C34878D82A}">
-                    <a16:rowId xmlns:a16="http://schemas.microsoft.com/office/drawing/2014/main" val="2841978685"/>
-                  </a:ext>
-                </a:extLst>
-              </a:tr>
-              <a:tr h="190644">
-                <a:tc>
-                  <a:txBody>
-                    <a:bodyPr/>
-                    <a:lstStyle/>
-                    <a:p>
-                      <a:pPr algn="l" fontAlgn="b"/>
-                      <a:r>
-                        <a:rPr lang="en-US" sz="700" b="0" i="0" u="none" strike="noStrike" dirty="0">
-                          <a:solidFill>
-                            <a:srgbClr val="000000"/>
-                          </a:solidFill>
-                          <a:effectLst/>
-                          <a:latin typeface="Arial" panose="020B0604020202020204" pitchFamily="34" charset="0"/>
-                        </a:rPr>
-                        <a:t>when_the_delivery_started</a:t>
-                      </a:r>
-                    </a:p>
-                  </a:txBody>
-                  <a:tcPr marL="5665" marR="5665" marT="5665" marB="0" anchor="ctr"/>
-                </a:tc>
-                <a:tc>
-                  <a:txBody>
-                    <a:bodyPr/>
-                    <a:lstStyle/>
-                    <a:p>
-                      <a:pPr algn="l" fontAlgn="b"/>
-                      <a:r>
-                        <a:rPr lang="en-US" sz="700" b="0" i="0" u="none" strike="noStrike" dirty="0">
-                          <a:solidFill>
-                            <a:srgbClr val="000000"/>
-                          </a:solidFill>
-                          <a:effectLst/>
-                          <a:latin typeface="Arial" panose="020B0604020202020204" pitchFamily="34" charset="0"/>
-                        </a:rPr>
-                        <a:t>10/28/14 21:39</a:t>
-                      </a:r>
-                    </a:p>
-                  </a:txBody>
-                  <a:tcPr marL="5665" marR="5665" marT="5665" marB="0" anchor="ctr"/>
-                </a:tc>
-                <a:extLst>
-                  <a:ext uri="{0D108BD9-81ED-4DB2-BD59-A6C34878D82A}">
-                    <a16:rowId xmlns:a16="http://schemas.microsoft.com/office/drawing/2014/main" val="4158170500"/>
-                  </a:ext>
-                </a:extLst>
-              </a:tr>
-              <a:tr h="190644">
-                <a:tc>
-                  <a:txBody>
-                    <a:bodyPr/>
-                    <a:lstStyle/>
-                    <a:p>
-                      <a:pPr algn="l" fontAlgn="b"/>
-                      <a:r>
-                        <a:rPr lang="en-US" sz="700" b="0" i="0" u="none" strike="noStrike" dirty="0">
-                          <a:solidFill>
-                            <a:srgbClr val="000000"/>
-                          </a:solidFill>
-                          <a:effectLst/>
-                          <a:latin typeface="Arial" panose="020B0604020202020204" pitchFamily="34" charset="0"/>
-                        </a:rPr>
-                        <a:t>when_the_Jumpman_arrived_at_pickup</a:t>
-                      </a:r>
-                    </a:p>
-                  </a:txBody>
-                  <a:tcPr marL="5665" marR="5665" marT="5665" marB="0" anchor="ctr"/>
-                </a:tc>
-                <a:tc>
-                  <a:txBody>
-                    <a:bodyPr/>
-                    <a:lstStyle/>
-                    <a:p>
-                      <a:pPr algn="l" fontAlgn="b"/>
-                      <a:r>
-                        <a:rPr lang="en-US" sz="700" b="0" i="0" u="none" strike="noStrike" dirty="0">
-                          <a:solidFill>
-                            <a:srgbClr val="000000"/>
-                          </a:solidFill>
-                          <a:effectLst/>
-                          <a:latin typeface="Arial" panose="020B0604020202020204" pitchFamily="34" charset="0"/>
-                        </a:rPr>
-                        <a:t>10/28/14 21:37</a:t>
-                      </a:r>
-                    </a:p>
-                  </a:txBody>
-                  <a:tcPr marL="5665" marR="5665" marT="5665" marB="0" anchor="ctr"/>
-                </a:tc>
-                <a:extLst>
-                  <a:ext uri="{0D108BD9-81ED-4DB2-BD59-A6C34878D82A}">
-                    <a16:rowId xmlns:a16="http://schemas.microsoft.com/office/drawing/2014/main" val="2140023924"/>
-                  </a:ext>
-                </a:extLst>
-              </a:tr>
-              <a:tr h="190644">
-                <a:tc>
-                  <a:txBody>
-                    <a:bodyPr/>
-                    <a:lstStyle/>
-                    <a:p>
-                      <a:pPr algn="l" fontAlgn="b"/>
-                      <a:r>
-                        <a:rPr lang="en-US" sz="700" b="0" i="0" u="none" strike="noStrike" dirty="0">
-                          <a:solidFill>
-                            <a:srgbClr val="000000"/>
-                          </a:solidFill>
-                          <a:effectLst/>
-                          <a:latin typeface="Arial" panose="020B0604020202020204" pitchFamily="34" charset="0"/>
-                        </a:rPr>
-                        <a:t>when_the_Jumpman_left_pickup</a:t>
-                      </a:r>
-                    </a:p>
-                  </a:txBody>
-                  <a:tcPr marL="5665" marR="5665" marT="5665" marB="0" anchor="ctr"/>
-                </a:tc>
-                <a:tc>
-                  <a:txBody>
-                    <a:bodyPr/>
-                    <a:lstStyle/>
-                    <a:p>
-                      <a:pPr algn="l" fontAlgn="b"/>
-                      <a:r>
-                        <a:rPr lang="en-US" sz="700" b="0" i="0" u="none" strike="noStrike" dirty="0">
-                          <a:solidFill>
-                            <a:srgbClr val="000000"/>
-                          </a:solidFill>
-                          <a:effectLst/>
-                          <a:latin typeface="Arial" panose="020B0604020202020204" pitchFamily="34" charset="0"/>
-                        </a:rPr>
-                        <a:t>10/28/14 21:59</a:t>
-                      </a:r>
-                    </a:p>
-                  </a:txBody>
-                  <a:tcPr marL="5665" marR="5665" marT="5665" marB="0" anchor="ctr"/>
-                </a:tc>
-                <a:extLst>
-                  <a:ext uri="{0D108BD9-81ED-4DB2-BD59-A6C34878D82A}">
-                    <a16:rowId xmlns:a16="http://schemas.microsoft.com/office/drawing/2014/main" val="1935126913"/>
-                  </a:ext>
-                </a:extLst>
-              </a:tr>
-              <a:tr h="190644">
-                <a:tc>
-                  <a:txBody>
-                    <a:bodyPr/>
-                    <a:lstStyle/>
-                    <a:p>
-                      <a:pPr algn="l" fontAlgn="b"/>
-                      <a:r>
-                        <a:rPr lang="en-US" sz="700" b="0" i="0" u="none" strike="noStrike" dirty="0">
-                          <a:solidFill>
-                            <a:srgbClr val="000000"/>
-                          </a:solidFill>
-                          <a:effectLst/>
-                          <a:latin typeface="Arial" panose="020B0604020202020204" pitchFamily="34" charset="0"/>
-                        </a:rPr>
-                        <a:t>when_the_Jumpman_arrived_at_dropoff</a:t>
-                      </a:r>
-                    </a:p>
-                  </a:txBody>
-                  <a:tcPr marL="5665" marR="5665" marT="5665" marB="0" anchor="ctr"/>
-                </a:tc>
-                <a:tc>
-                  <a:txBody>
-                    <a:bodyPr/>
-                    <a:lstStyle/>
-                    <a:p>
-                      <a:pPr algn="l" fontAlgn="b"/>
-                      <a:r>
-                        <a:rPr lang="en-US" sz="700" b="0" i="0" u="none" strike="noStrike" dirty="0">
-                          <a:solidFill>
-                            <a:srgbClr val="000000"/>
-                          </a:solidFill>
-                          <a:effectLst/>
-                          <a:latin typeface="Arial" panose="020B0604020202020204" pitchFamily="34" charset="0"/>
-                        </a:rPr>
-                        <a:t>10/28/14 22:04</a:t>
-                      </a:r>
-                    </a:p>
-                  </a:txBody>
-                  <a:tcPr marL="5665" marR="5665" marT="5665" marB="0" anchor="ctr"/>
-                </a:tc>
-                <a:extLst>
-                  <a:ext uri="{0D108BD9-81ED-4DB2-BD59-A6C34878D82A}">
-                    <a16:rowId xmlns:a16="http://schemas.microsoft.com/office/drawing/2014/main" val="3447613622"/>
-                  </a:ext>
-                </a:extLst>
-              </a:tr>
-            </a:tbl>
-          </a:graphicData>
-        </a:graphic>
-      </p:graphicFrame>
-    </p:spTree>
-    <p:extLst>
-      <p:ext uri="{BB962C8B-B14F-4D97-AF65-F5344CB8AC3E}">
-        <p14:creationId xmlns:p14="http://schemas.microsoft.com/office/powerpoint/2010/main" val="1465185019"/>
+        <p14:creationId xmlns:p14="http://schemas.microsoft.com/office/powerpoint/2010/main" val="2045204373"/>
       </p:ext>
     </p:extLst>
   </p:cSld>
@@ -18469,7 +17027,7 @@
             </a:r>
             <a:r>
               <a:rPr lang="en-US" b="1" dirty="0"/>
-              <a:t>DATASET</a:t>
+              <a:t>DATA</a:t>
             </a:r>
           </a:p>
           <a:p>
@@ -18552,7 +17110,7 @@
 </file>
 
 <file path=ppt/slides/slide20.xml><?xml version="1.0" encoding="utf-8"?>
-<p:sld xmlns:a="http://schemas.openxmlformats.org/drawingml/2006/main" xmlns:r="http://schemas.openxmlformats.org/officeDocument/2006/relationships" xmlns:p="http://schemas.openxmlformats.org/presentationml/2006/main" show="0">
+<p:sld xmlns:a="http://schemas.openxmlformats.org/drawingml/2006/main" xmlns:r="http://schemas.openxmlformats.org/officeDocument/2006/relationships" xmlns:p="http://schemas.openxmlformats.org/presentationml/2006/main">
   <p:cSld>
     <p:spTree>
       <p:nvGrpSpPr>
@@ -18573,7 +17131,7 @@
           <p:cNvPr id="2" name="Title 1">
             <a:extLst>
               <a:ext uri="{FF2B5EF4-FFF2-40B4-BE49-F238E27FC236}">
-                <a16:creationId xmlns:a16="http://schemas.microsoft.com/office/drawing/2014/main" id="{58076ACC-7505-724F-91E0-B41997995499}"/>
+                <a16:creationId xmlns:a16="http://schemas.microsoft.com/office/drawing/2014/main" id="{8738DA99-C362-584A-B5CC-2CDA40E3F694}"/>
               </a:ext>
             </a:extLst>
           </p:cNvPr>
@@ -18589,7 +17147,21 @@
           <a:bodyPr/>
           <a:lstStyle/>
           <a:p>
-            <a:endParaRPr lang="en-US" dirty="0"/>
+            <a:r>
+              <a:rPr lang="en-US" dirty="0">
+                <a:solidFill>
+                  <a:schemeClr val="tx1">
+                    <a:lumMod val="50000"/>
+                    <a:lumOff val="50000"/>
+                  </a:schemeClr>
+                </a:solidFill>
+              </a:rPr>
+              <a:t>7</a:t>
+            </a:r>
+            <a:r>
+              <a:rPr lang="en-US" b="1" dirty="0"/>
+              <a:t> APPENDIX</a:t>
+            </a:r>
           </a:p>
         </p:txBody>
       </p:sp>
@@ -18598,7 +17170,7 @@
           <p:cNvPr id="3" name="Content Placeholder 2">
             <a:extLst>
               <a:ext uri="{FF2B5EF4-FFF2-40B4-BE49-F238E27FC236}">
-                <a16:creationId xmlns:a16="http://schemas.microsoft.com/office/drawing/2014/main" id="{BE5AEBFC-092D-5B4E-A7CC-8E373416AC05}"/>
+                <a16:creationId xmlns:a16="http://schemas.microsoft.com/office/drawing/2014/main" id="{A1D82CB1-4D3C-C84E-BC17-72AC1020EB2E}"/>
               </a:ext>
             </a:extLst>
           </p:cNvPr>
@@ -18614,139 +17186,88 @@
           <a:bodyPr/>
           <a:lstStyle/>
           <a:p>
+            <a:pPr marL="0" indent="0">
+              <a:buNone/>
+            </a:pPr>
+            <a:r>
+              <a:rPr lang="en-US" dirty="0"/>
+              <a:t>I hope you enjoyed my analysis. Please reach out with any further questions.</a:t>
+            </a:r>
+          </a:p>
+          <a:p>
+            <a:pPr marL="0" indent="0">
+              <a:buNone/>
+            </a:pPr>
+            <a:endParaRPr lang="en-US" dirty="0"/>
+          </a:p>
+          <a:p>
+            <a:pPr marL="0" indent="0">
+              <a:buNone/>
+            </a:pPr>
+            <a:r>
+              <a:rPr lang="en-US" dirty="0"/>
+              <a:t>The full analysis can be found on my GitHub profile.</a:t>
+            </a:r>
+          </a:p>
+          <a:p>
+            <a:endParaRPr lang="en-US" dirty="0"/>
+          </a:p>
+          <a:p>
+            <a:pPr marL="0" indent="0">
+              <a:buNone/>
+            </a:pPr>
+            <a:r>
+              <a:rPr lang="en-US" dirty="0"/>
+              <a:t>Contact Information:</a:t>
+            </a:r>
+          </a:p>
+          <a:p>
+            <a:pPr marL="0" indent="0">
+              <a:buNone/>
+            </a:pPr>
+            <a:r>
+              <a:rPr lang="en-US" dirty="0"/>
+              <a:t>Stephen Stark</a:t>
+            </a:r>
+          </a:p>
+          <a:p>
+            <a:pPr marL="0" indent="0">
+              <a:buNone/>
+            </a:pPr>
+            <a:r>
+              <a:rPr lang="en-US" dirty="0">
+                <a:hlinkClick r:id="rId2"/>
+              </a:rPr>
+              <a:t>Email</a:t>
+            </a:r>
+            <a:r>
+              <a:rPr lang="en-US" dirty="0"/>
+              <a:t> | </a:t>
+            </a:r>
+            <a:r>
+              <a:rPr lang="en-US" dirty="0">
+                <a:hlinkClick r:id="rId3"/>
+              </a:rPr>
+              <a:t>LinkedIn</a:t>
+            </a:r>
+            <a:r>
+              <a:rPr lang="en-US" dirty="0"/>
+              <a:t> | </a:t>
+            </a:r>
+            <a:r>
+              <a:rPr lang="en-US" dirty="0">
+                <a:hlinkClick r:id="rId4"/>
+              </a:rPr>
+              <a:t>GitHub</a:t>
+            </a:r>
             <a:endParaRPr lang="en-US" dirty="0"/>
           </a:p>
         </p:txBody>
       </p:sp>
-      <p:pic>
-        <p:nvPicPr>
-          <p:cNvPr id="4" name="slide2" descr="Deliveries">
-            <a:extLst>
-              <a:ext uri="{FF2B5EF4-FFF2-40B4-BE49-F238E27FC236}">
-                <a16:creationId xmlns:a16="http://schemas.microsoft.com/office/drawing/2014/main" id="{18A6A2F8-E546-114A-B38C-AF383C84C856}"/>
-              </a:ext>
-            </a:extLst>
-          </p:cNvPr>
-          <p:cNvPicPr>
-            <a:picLocks noChangeAspect="1"/>
-          </p:cNvPicPr>
-          <p:nvPr/>
-        </p:nvPicPr>
-        <p:blipFill>
-          <a:blip r:embed="rId2">
-            <a:extLst>
-              <a:ext uri="{28A0092B-C50C-407E-A947-70E740481C1C}">
-                <a14:useLocalDpi xmlns:a14="http://schemas.microsoft.com/office/drawing/2010/main" val="0"/>
-              </a:ext>
-            </a:extLst>
-          </a:blip>
-          <a:stretch>
-            <a:fillRect/>
-          </a:stretch>
-        </p:blipFill>
-        <p:spPr>
-          <a:xfrm>
-            <a:off x="4469845" y="2138162"/>
-            <a:ext cx="3252309" cy="3726264"/>
-          </a:xfrm>
-          <a:prstGeom prst="rect">
-            <a:avLst/>
-          </a:prstGeom>
-        </p:spPr>
-      </p:pic>
     </p:spTree>
     <p:extLst>
       <p:ext uri="{BB962C8B-B14F-4D97-AF65-F5344CB8AC3E}">
-        <p14:creationId xmlns:p14="http://schemas.microsoft.com/office/powerpoint/2010/main" val="181376388"/>
-      </p:ext>
-    </p:extLst>
-  </p:cSld>
-  <p:clrMapOvr>
-    <a:masterClrMapping/>
-  </p:clrMapOvr>
-</p:sld>
-</file>
-
-<file path=ppt/slides/slide21.xml><?xml version="1.0" encoding="utf-8"?>
-<p:sld xmlns:a="http://schemas.openxmlformats.org/drawingml/2006/main" xmlns:r="http://schemas.openxmlformats.org/officeDocument/2006/relationships" xmlns:p="http://schemas.openxmlformats.org/presentationml/2006/main" show="0">
-  <p:cSld>
-    <p:spTree>
-      <p:nvGrpSpPr>
-        <p:cNvPr id="1" name=""/>
-        <p:cNvGrpSpPr/>
-        <p:nvPr/>
-      </p:nvGrpSpPr>
-      <p:grpSpPr>
-        <a:xfrm>
-          <a:off x="0" y="0"/>
-          <a:ext cx="0" cy="0"/>
-          <a:chOff x="0" y="0"/>
-          <a:chExt cx="0" cy="0"/>
-        </a:xfrm>
-      </p:grpSpPr>
-      <p:sp>
-        <p:nvSpPr>
-          <p:cNvPr id="2" name="Title 1">
-            <a:extLst>
-              <a:ext uri="{FF2B5EF4-FFF2-40B4-BE49-F238E27FC236}">
-                <a16:creationId xmlns:a16="http://schemas.microsoft.com/office/drawing/2014/main" id="{38C51B99-3936-8F44-9378-5AAC7ED95A7C}"/>
-              </a:ext>
-            </a:extLst>
-          </p:cNvPr>
-          <p:cNvSpPr>
-            <a:spLocks noGrp="1"/>
-          </p:cNvSpPr>
-          <p:nvPr>
-            <p:ph type="title"/>
-          </p:nvPr>
-        </p:nvSpPr>
-        <p:spPr/>
-        <p:txBody>
-          <a:bodyPr/>
-          <a:lstStyle/>
-          <a:p>
-            <a:r>
-              <a:rPr lang="en-US" dirty="0"/>
-              <a:t>Jumpmen misc.</a:t>
-            </a:r>
-          </a:p>
-        </p:txBody>
-      </p:sp>
-      <p:graphicFrame>
-        <p:nvGraphicFramePr>
-          <p:cNvPr id="4" name="Content Placeholder 6">
-            <a:extLst>
-              <a:ext uri="{FF2B5EF4-FFF2-40B4-BE49-F238E27FC236}">
-                <a16:creationId xmlns:a16="http://schemas.microsoft.com/office/drawing/2014/main" id="{51A4EE9E-CF8F-F840-A1AA-CBEEDF29CCD8}"/>
-              </a:ext>
-            </a:extLst>
-          </p:cNvPr>
-          <p:cNvGraphicFramePr>
-            <a:graphicFrameLocks noGrp="1"/>
-          </p:cNvGraphicFramePr>
-          <p:nvPr>
-            <p:ph idx="1"/>
-            <p:extLst>
-              <p:ext uri="{D42A27DB-BD31-4B8C-83A1-F6EECF244321}">
-                <p14:modId xmlns:p14="http://schemas.microsoft.com/office/powerpoint/2010/main" val="696542645"/>
-              </p:ext>
-            </p:extLst>
-          </p:nvPr>
-        </p:nvGraphicFramePr>
-        <p:xfrm>
-          <a:off x="838200" y="1825625"/>
-          <a:ext cx="10515600" cy="4351338"/>
-        </p:xfrm>
-        <a:graphic>
-          <a:graphicData uri="http://schemas.openxmlformats.org/drawingml/2006/chart">
-            <c:chart xmlns:c="http://schemas.openxmlformats.org/drawingml/2006/chart" xmlns:r="http://schemas.openxmlformats.org/officeDocument/2006/relationships" r:id="rId2"/>
-          </a:graphicData>
-        </a:graphic>
-      </p:graphicFrame>
-    </p:spTree>
-    <p:extLst>
-      <p:ext uri="{BB962C8B-B14F-4D97-AF65-F5344CB8AC3E}">
-        <p14:creationId xmlns:p14="http://schemas.microsoft.com/office/powerpoint/2010/main" val="3841840666"/>
+        <p14:creationId xmlns:p14="http://schemas.microsoft.com/office/powerpoint/2010/main" val="4243127914"/>
       </p:ext>
     </p:extLst>
   </p:cSld>
@@ -18896,7 +17417,7 @@
             </a:r>
             <a:r>
               <a:rPr lang="en-US" sz="1600" dirty="0"/>
-              <a:t>TARGETED CAMPAIGN TO SPECIFIC ZIP CODES</a:t>
+              <a:t>Targeted campaigns to specific zip codes.</a:t>
             </a:r>
           </a:p>
           <a:p>
@@ -18924,7 +17445,7 @@
             </a:r>
             <a:r>
               <a:rPr lang="en-US" sz="1600" dirty="0"/>
-              <a:t>Focus on Jumpmen and Customer engagement. Survey the ones who use the service the most to to gather feedback on their hurdles and challenges. Also engage with the customers who only used once and haven’t returned</a:t>
+              <a:t>Focus on Jumpmen and Customer engagement. Survey the ones who use the service the most to to gather feedback on their hurdles and challenges. Also engage with the customers who only used once and haven’t returned.</a:t>
             </a:r>
           </a:p>
           <a:p>
@@ -19033,10 +17554,15 @@
             <p:ph sz="half" idx="2"/>
           </p:nvPr>
         </p:nvSpPr>
-        <p:spPr/>
+        <p:spPr>
+          <a:xfrm>
+            <a:off x="6172200" y="1825624"/>
+            <a:ext cx="5181600" cy="5032375"/>
+          </a:xfrm>
+        </p:spPr>
         <p:txBody>
           <a:bodyPr>
-            <a:normAutofit fontScale="47500" lnSpcReduction="20000"/>
+            <a:normAutofit fontScale="32500" lnSpcReduction="20000"/>
           </a:bodyPr>
           <a:lstStyle/>
           <a:p>
@@ -19044,37 +17570,66 @@
               <a:buNone/>
             </a:pPr>
             <a:r>
+              <a:rPr lang="en-US" sz="8000" b="1" dirty="0"/>
+              <a:t>Assumptions</a:t>
+            </a:r>
+            <a:r>
               <a:rPr lang="en-US" sz="4000" b="1" dirty="0"/>
-              <a:t>Assumptions:</a:t>
-            </a:r>
-          </a:p>
-          <a:p>
-            <a:r>
-              <a:rPr lang="en-US" sz="4000" dirty="0"/>
+              <a:t>:</a:t>
+            </a:r>
+          </a:p>
+          <a:p>
+            <a:pPr>
+              <a:lnSpc>
+                <a:spcPct val="120000"/>
+              </a:lnSpc>
+            </a:pPr>
+            <a:r>
+              <a:rPr lang="en-US" sz="5500" dirty="0"/>
               <a:t>Place category, item name, item quantity, category name were all replaced with “not disclosed”</a:t>
             </a:r>
           </a:p>
           <a:p>
-            <a:r>
-              <a:rPr lang="en-US" sz="4000" dirty="0"/>
+            <a:pPr>
+              <a:lnSpc>
+                <a:spcPct val="120000"/>
+              </a:lnSpc>
+            </a:pPr>
+            <a:r>
+              <a:rPr lang="en-US" sz="5500" dirty="0"/>
               <a:t>Estimated time to order using an average value for the dataset as my analysis did not show meaningful deviation by place category </a:t>
             </a:r>
           </a:p>
           <a:p>
-            <a:r>
-              <a:rPr lang="en-US" sz="4000" dirty="0"/>
+            <a:pPr>
+              <a:lnSpc>
+                <a:spcPct val="120000"/>
+              </a:lnSpc>
+            </a:pPr>
+            <a:r>
+              <a:rPr lang="en-US" sz="5500" dirty="0"/>
               <a:t>Dropped records that did not have Jumpman pickup arrival and departure times</a:t>
             </a:r>
           </a:p>
           <a:p>
-            <a:r>
-              <a:rPr lang="en-US" sz="4000" dirty="0"/>
+            <a:pPr>
+              <a:lnSpc>
+                <a:spcPct val="120000"/>
+              </a:lnSpc>
+            </a:pPr>
+            <a:r>
+              <a:rPr lang="en-US" sz="5500" dirty="0"/>
               <a:t>Multiple items from the same order were broken out into separate records. I decided to only keep one record per delivery id</a:t>
             </a:r>
           </a:p>
           <a:p>
-            <a:r>
-              <a:rPr lang="en-US" sz="4000" dirty="0"/>
+            <a:pPr>
+              <a:lnSpc>
+                <a:spcPct val="120000"/>
+              </a:lnSpc>
+            </a:pPr>
+            <a:r>
+              <a:rPr lang="en-US" sz="5500" dirty="0"/>
               <a:t>Excluded records with suspicious values. One record suggested a bicyclist traveled 100+ mph</a:t>
             </a:r>
           </a:p>
@@ -19280,8 +17835,12 @@
               <a:buNone/>
             </a:pPr>
             <a:r>
+              <a:rPr lang="en-US" sz="2600" b="1" dirty="0"/>
+              <a:t>Methodology</a:t>
+            </a:r>
+            <a:r>
               <a:rPr lang="en-US" sz="2600" dirty="0"/>
-              <a:t>Methodology:</a:t>
+              <a:t>:</a:t>
             </a:r>
           </a:p>
           <a:p>
@@ -19289,7 +17848,7 @@
               <a:buAutoNum type="arabicPeriod"/>
             </a:pPr>
             <a:r>
-              <a:rPr lang="en-US" sz="2600" dirty="0"/>
+              <a:rPr lang="en-US" sz="2000" dirty="0"/>
               <a:t>Examine data integrity concerns</a:t>
             </a:r>
           </a:p>
@@ -19298,7 +17857,7 @@
               <a:buAutoNum type="arabicPeriod"/>
             </a:pPr>
             <a:r>
-              <a:rPr lang="en-US" sz="2600" dirty="0"/>
+              <a:rPr lang="en-US" sz="2000" dirty="0"/>
               <a:t>Exploratory data analysis</a:t>
             </a:r>
           </a:p>
@@ -19307,7 +17866,7 @@
               <a:buAutoNum type="arabicPeriod"/>
             </a:pPr>
             <a:r>
-              <a:rPr lang="en-US" sz="2600" dirty="0"/>
+              <a:rPr lang="en-US" sz="2000" dirty="0"/>
               <a:t>Feature engineering</a:t>
             </a:r>
           </a:p>
@@ -19316,7 +17875,7 @@
               <a:buAutoNum type="arabicPeriod"/>
             </a:pPr>
             <a:r>
-              <a:rPr lang="en-US" sz="2600" dirty="0"/>
+              <a:rPr lang="en-US" sz="2000" dirty="0"/>
               <a:t>Determine growth strategy</a:t>
             </a:r>
           </a:p>
@@ -19608,8 +18167,8 @@
         </p:nvSpPr>
         <p:spPr>
           <a:xfrm>
-            <a:off x="838200" y="1825625"/>
-            <a:ext cx="4941425" cy="4351338"/>
+            <a:off x="838201" y="1825625"/>
+            <a:ext cx="4736244" cy="4351338"/>
           </a:xfrm>
         </p:spPr>
         <p:txBody>
@@ -19646,8 +18205,8 @@
               <a:buNone/>
             </a:pPr>
             <a:r>
-              <a:rPr lang="en-US" sz="1600" b="1" dirty="0"/>
-              <a:t>[10001, 10002, 10003, 10011, 10012]</a:t>
+              <a:rPr lang="en-US" sz="1600" dirty="0"/>
+              <a:t>Five most frequented drop off zip codes are</a:t>
             </a:r>
           </a:p>
           <a:p>
@@ -19656,7 +18215,7 @@
             </a:pPr>
             <a:r>
               <a:rPr lang="en-US" sz="1600" dirty="0"/>
-              <a:t>Five most frequented drop off zip codes</a:t>
+              <a:t>[10001, 10002, 10003, 10011, 10012]</a:t>
             </a:r>
           </a:p>
           <a:p>
@@ -19837,8 +18396,8 @@
         </p:blipFill>
         <p:spPr>
           <a:xfrm>
-            <a:off x="2466776" y="4738362"/>
-            <a:ext cx="2965968" cy="2119638"/>
+            <a:off x="1504708" y="4709959"/>
+            <a:ext cx="3005712" cy="2148041"/>
           </a:xfrm>
           <a:prstGeom prst="rect">
             <a:avLst/>
@@ -19858,13 +18417,13 @@
           <p:nvPr>
             <p:extLst>
               <p:ext uri="{D42A27DB-BD31-4B8C-83A1-F6EECF244321}">
-                <p14:modId xmlns:p14="http://schemas.microsoft.com/office/powerpoint/2010/main" val="1018048205"/>
+                <p14:modId xmlns:p14="http://schemas.microsoft.com/office/powerpoint/2010/main" val="1074991232"/>
               </p:ext>
             </p:extLst>
           </p:nvPr>
         </p:nvGraphicFramePr>
         <p:xfrm>
-          <a:off x="5992521" y="4047862"/>
+          <a:off x="5992521" y="4047861"/>
           <a:ext cx="2860423" cy="2400052"/>
         </p:xfrm>
         <a:graphic>
@@ -19937,7 +18496,7 @@
         </p:blipFill>
         <p:spPr>
           <a:xfrm>
-            <a:off x="530440" y="3045225"/>
+            <a:off x="521825" y="2781828"/>
             <a:ext cx="358879" cy="358879"/>
           </a:xfrm>
           <a:prstGeom prst="rect">
@@ -20223,6 +18782,44 @@
           </a:prstGeom>
         </p:spPr>
       </p:pic>
+      <p:cxnSp>
+        <p:nvCxnSpPr>
+          <p:cNvPr id="27" name="Straight Connector 26">
+            <a:extLst>
+              <a:ext uri="{FF2B5EF4-FFF2-40B4-BE49-F238E27FC236}">
+                <a16:creationId xmlns:a16="http://schemas.microsoft.com/office/drawing/2014/main" id="{875B11A6-F89E-C142-8EFC-44F62144DF09}"/>
+              </a:ext>
+            </a:extLst>
+          </p:cNvPr>
+          <p:cNvCxnSpPr>
+            <a:cxnSpLocks/>
+          </p:cNvCxnSpPr>
+          <p:nvPr/>
+        </p:nvCxnSpPr>
+        <p:spPr>
+          <a:xfrm>
+            <a:off x="5764192" y="2101750"/>
+            <a:ext cx="0" cy="4075213"/>
+          </a:xfrm>
+          <a:prstGeom prst="line">
+            <a:avLst/>
+          </a:prstGeom>
+        </p:spPr>
+        <p:style>
+          <a:lnRef idx="1">
+            <a:schemeClr val="dk1"/>
+          </a:lnRef>
+          <a:fillRef idx="0">
+            <a:schemeClr val="dk1"/>
+          </a:fillRef>
+          <a:effectRef idx="0">
+            <a:schemeClr val="dk1"/>
+          </a:effectRef>
+          <a:fontRef idx="minor">
+            <a:schemeClr val="tx1"/>
+          </a:fontRef>
+        </p:style>
+      </p:cxnSp>
     </p:spTree>
     <p:extLst>
       <p:ext uri="{BB962C8B-B14F-4D97-AF65-F5344CB8AC3E}">
@@ -20367,7 +18964,7 @@
         </p:blipFill>
         <p:spPr>
           <a:xfrm>
-            <a:off x="6466953" y="1378134"/>
+            <a:off x="6466953" y="1389709"/>
             <a:ext cx="4069743" cy="1918418"/>
           </a:xfrm>
           <a:prstGeom prst="rect">
@@ -20389,7 +18986,7 @@
         </p:nvGrpSpPr>
         <p:grpSpPr>
           <a:xfrm>
-            <a:off x="7662440" y="3328030"/>
+            <a:off x="7662440" y="3339605"/>
             <a:ext cx="2874255" cy="1784884"/>
             <a:chOff x="-8969" y="4284987"/>
             <a:chExt cx="2727807" cy="2286000"/>
@@ -20862,7 +19459,7 @@
         </p:nvCxnSpPr>
         <p:spPr>
           <a:xfrm>
-            <a:off x="815050" y="5144513"/>
+            <a:off x="815050" y="5156088"/>
             <a:ext cx="10538750" cy="0"/>
           </a:xfrm>
           <a:prstGeom prst="line">
@@ -20944,12 +19541,13 @@
                   </a:schemeClr>
                 </a:solidFill>
               </a:rPr>
-              <a:t>3.2.1</a:t>
-            </a:r>
-            <a:r>
-              <a:rPr lang="en-US" dirty="0"/>
-              <a:t> THE JUMPMAN JOURNEY</a:t>
-            </a:r>
+              <a:t>3.2</a:t>
+            </a:r>
+            <a:r>
+              <a:rPr lang="en-US" b="1" dirty="0"/>
+              <a:t> NEW MARKET ANALYSIS [JUMPMEN]</a:t>
+            </a:r>
+            <a:endParaRPr lang="en-US" dirty="0"/>
           </a:p>
         </p:txBody>
       </p:sp>
@@ -20969,7 +19567,7 @@
         </p:nvSpPr>
         <p:spPr>
           <a:xfrm>
-            <a:off x="1163320" y="1825625"/>
+            <a:off x="1163320" y="1714996"/>
             <a:ext cx="3970154" cy="4351338"/>
           </a:xfrm>
           <a:prstGeom prst="rect">
@@ -21149,15 +19747,24 @@
               <a:buNone/>
             </a:pPr>
             <a:r>
-              <a:rPr lang="en-US" sz="2100" dirty="0"/>
+              <a:rPr lang="en-US" sz="2100" b="1" dirty="0"/>
+              <a:t>The Jumpman Journey</a:t>
+            </a:r>
+          </a:p>
+          <a:p>
+            <a:pPr marL="0" indent="0">
+              <a:buNone/>
+            </a:pPr>
+            <a:r>
+              <a:rPr lang="en-US" sz="2000" dirty="0"/>
               <a:t>Jumpman23 is an on-demand delivery platform connecting “</a:t>
             </a:r>
             <a:r>
-              <a:rPr lang="en-US" sz="2100" b="1" dirty="0"/>
+              <a:rPr lang="en-US" sz="2000" b="1" dirty="0"/>
               <a:t>Jumpmen</a:t>
             </a:r>
             <a:r>
-              <a:rPr lang="en-US" sz="2100" dirty="0"/>
+              <a:rPr lang="en-US" sz="2000" dirty="0"/>
               <a:t>” and customers. </a:t>
             </a:r>
           </a:p>
@@ -21172,7 +19779,7 @@
               <a:buNone/>
             </a:pPr>
             <a:r>
-              <a:rPr lang="en-US" sz="2100" dirty="0"/>
+              <a:rPr lang="en-US" sz="2000" dirty="0"/>
               <a:t>Jumpmen are sent to merchants to pickup any items requested by the customer. </a:t>
             </a:r>
           </a:p>
@@ -21187,7 +19794,7 @@
               <a:buNone/>
             </a:pPr>
             <a:r>
-              <a:rPr lang="en-US" sz="2100" dirty="0"/>
+              <a:rPr lang="en-US" sz="2000" dirty="0"/>
               <a:t>Whenever possible, Jumpman23 will order the  requested items ahead to save the Jumpmen time.</a:t>
             </a:r>
           </a:p>
@@ -21202,7 +19809,7 @@
               <a:buNone/>
             </a:pPr>
             <a:r>
-              <a:rPr lang="en-US" sz="2100" dirty="0"/>
+              <a:rPr lang="en-US" sz="2000" dirty="0"/>
               <a:t>Each time a Jumpman23 delivery is  completed, a record is saved to the Jumpman23. </a:t>
             </a:r>
           </a:p>
@@ -21440,7 +20047,7 @@
         </p:nvCxnSpPr>
         <p:spPr>
           <a:xfrm>
-            <a:off x="6188597" y="2444061"/>
+            <a:off x="6567062" y="2291533"/>
             <a:ext cx="0" cy="4075213"/>
           </a:xfrm>
           <a:prstGeom prst="line">
@@ -21476,7 +20083,7 @@
         </p:nvSpPr>
         <p:spPr>
           <a:xfrm>
-            <a:off x="297241" y="1516524"/>
+            <a:off x="772162" y="1516523"/>
             <a:ext cx="5798759" cy="646331"/>
           </a:xfrm>
           <a:prstGeom prst="rect">
@@ -21490,7 +20097,6 @@
           </a:bodyPr>
           <a:lstStyle/>
           <a:p>
-            <a:pPr algn="ctr"/>
             <a:r>
               <a:rPr lang="en-US" dirty="0"/>
               <a:t>Some of the most popular restaurants can be found in the East Village, SoHo, and Lower East Side neighborhoods</a:t>
@@ -21525,7 +20131,7 @@
         </p:blipFill>
         <p:spPr>
           <a:xfrm>
-            <a:off x="412990" y="2162855"/>
+            <a:off x="838199" y="2172413"/>
             <a:ext cx="5228740" cy="4365945"/>
           </a:xfrm>
           <a:prstGeom prst="rect">
@@ -21584,13 +20190,18 @@
         </p:nvSpPr>
         <p:spPr>
           <a:xfrm>
-            <a:off x="6671349" y="5595944"/>
+            <a:off x="7056866" y="5508243"/>
             <a:ext cx="4815766" cy="923330"/>
           </a:xfrm>
           <a:prstGeom prst="rect">
             <a:avLst/>
           </a:prstGeom>
           <a:noFill/>
+          <a:ln w="3175">
+            <a:solidFill>
+              <a:schemeClr val="tx1"/>
+            </a:solidFill>
+          </a:ln>
         </p:spPr>
         <p:txBody>
           <a:bodyPr wrap="square" rtlCol="0">
@@ -21605,6 +20216,78 @@
           </a:p>
         </p:txBody>
       </p:sp>
+      <p:pic>
+        <p:nvPicPr>
+          <p:cNvPr id="24" name="Graphic 23" descr="Lightbulb">
+            <a:extLst>
+              <a:ext uri="{FF2B5EF4-FFF2-40B4-BE49-F238E27FC236}">
+                <a16:creationId xmlns:a16="http://schemas.microsoft.com/office/drawing/2014/main" id="{04AC4AE8-D4F4-BB4D-88E1-8973FFF6AFE9}"/>
+              </a:ext>
+            </a:extLst>
+          </p:cNvPr>
+          <p:cNvPicPr>
+            <a:picLocks noChangeAspect="1"/>
+          </p:cNvPicPr>
+          <p:nvPr/>
+        </p:nvPicPr>
+        <p:blipFill>
+          <a:blip r:embed="rId6">
+            <a:extLst>
+              <a:ext uri="{96DAC541-7B7A-43D3-8B79-37D633B846F1}">
+                <asvg:svgBlip xmlns:asvg="http://schemas.microsoft.com/office/drawing/2016/SVG/main" r:embed="rId7"/>
+              </a:ext>
+            </a:extLst>
+          </a:blip>
+          <a:stretch>
+            <a:fillRect/>
+          </a:stretch>
+        </p:blipFill>
+        <p:spPr>
+          <a:xfrm>
+            <a:off x="479320" y="1645718"/>
+            <a:ext cx="358879" cy="358879"/>
+          </a:xfrm>
+          <a:prstGeom prst="rect">
+            <a:avLst/>
+          </a:prstGeom>
+        </p:spPr>
+      </p:pic>
+      <p:pic>
+        <p:nvPicPr>
+          <p:cNvPr id="25" name="Graphic 24" descr="Lightbulb">
+            <a:extLst>
+              <a:ext uri="{FF2B5EF4-FFF2-40B4-BE49-F238E27FC236}">
+                <a16:creationId xmlns:a16="http://schemas.microsoft.com/office/drawing/2014/main" id="{72E1F7EE-31DE-714A-9FFC-8985B60D6C69}"/>
+              </a:ext>
+            </a:extLst>
+          </p:cNvPr>
+          <p:cNvPicPr>
+            <a:picLocks noChangeAspect="1"/>
+          </p:cNvPicPr>
+          <p:nvPr/>
+        </p:nvPicPr>
+        <p:blipFill>
+          <a:blip r:embed="rId6">
+            <a:extLst>
+              <a:ext uri="{96DAC541-7B7A-43D3-8B79-37D633B846F1}">
+                <asvg:svgBlip xmlns:asvg="http://schemas.microsoft.com/office/drawing/2016/SVG/main" r:embed="rId7"/>
+              </a:ext>
+            </a:extLst>
+          </a:blip>
+          <a:stretch>
+            <a:fillRect/>
+          </a:stretch>
+        </p:blipFill>
+        <p:spPr>
+          <a:xfrm>
+            <a:off x="6697987" y="1660248"/>
+            <a:ext cx="358879" cy="358879"/>
+          </a:xfrm>
+          <a:prstGeom prst="rect">
+            <a:avLst/>
+          </a:prstGeom>
+        </p:spPr>
+      </p:pic>
     </p:spTree>
     <p:extLst>
       <p:ext uri="{BB962C8B-B14F-4D97-AF65-F5344CB8AC3E}">

--- a/Stephen_Stark_Analysis.pptx
+++ b/Stephen_Stark_Analysis.pptx
@@ -1,6 +1,6 @@
 
 <file path=ppt/presentation.xml><?xml version="1.0" encoding="utf-8"?>
-<p:presentation xmlns:a="http://schemas.openxmlformats.org/drawingml/2006/main" xmlns:r="http://schemas.openxmlformats.org/officeDocument/2006/relationships" xmlns:p="http://schemas.openxmlformats.org/presentationml/2006/main" saveSubsetFonts="1" autoCompressPictures="0">
+<p:presentation xmlns:a="http://schemas.openxmlformats.org/drawingml/2006/main" xmlns:r="http://schemas.openxmlformats.org/officeDocument/2006/relationships" xmlns:p="http://schemas.openxmlformats.org/presentationml/2006/main" showSpecialPlsOnTitleSld="0" saveSubsetFonts="1" autoCompressPictures="0">
   <p:sldMasterIdLst>
     <p:sldMasterId id="2147483648" r:id="rId1"/>
   </p:sldMasterIdLst>
@@ -6119,9 +6119,9 @@
           <a:bodyPr/>
           <a:lstStyle/>
           <a:p>
-            <a:fld id="{80E3DE54-7BA0-D443-9D54-D30C16798DF8}" type="datetimeFigureOut">
+            <a:fld id="{39D1BB5D-E72A-FD4A-A442-7EA154EF6045}" type="datetime1">
               <a:rPr lang="en-US" smtClean="0"/>
-              <a:t>10/7/20</a:t>
+              <a:t>10/9/20</a:t>
             </a:fld>
             <a:endParaRPr lang="en-US" dirty="0"/>
           </a:p>
@@ -6148,6 +6148,10 @@
           <a:bodyPr/>
           <a:lstStyle/>
           <a:p>
+            <a:r>
+              <a:rPr lang="en-US"/>
+              <a:t>Stephen Stark - New Market Analysis</a:t>
+            </a:r>
             <a:endParaRPr lang="en-US" dirty="0"/>
           </a:p>
         </p:txBody>
@@ -6327,9 +6331,9 @@
           <a:bodyPr/>
           <a:lstStyle/>
           <a:p>
-            <a:fld id="{80E3DE54-7BA0-D443-9D54-D30C16798DF8}" type="datetimeFigureOut">
+            <a:fld id="{D8D3179C-6261-CF4E-B9FF-626B81544066}" type="datetime1">
               <a:rPr lang="en-US" smtClean="0"/>
-              <a:t>10/7/20</a:t>
+              <a:t>10/9/20</a:t>
             </a:fld>
             <a:endParaRPr lang="en-US" dirty="0"/>
           </a:p>
@@ -6356,6 +6360,10 @@
           <a:bodyPr/>
           <a:lstStyle/>
           <a:p>
+            <a:r>
+              <a:rPr lang="en-US"/>
+              <a:t>Stephen Stark - New Market Analysis</a:t>
+            </a:r>
             <a:endParaRPr lang="en-US" dirty="0"/>
           </a:p>
         </p:txBody>
@@ -6535,9 +6543,9 @@
           <a:bodyPr/>
           <a:lstStyle/>
           <a:p>
-            <a:fld id="{80E3DE54-7BA0-D443-9D54-D30C16798DF8}" type="datetimeFigureOut">
+            <a:fld id="{62CEC35B-22C7-5E48-B8F2-B245452DB208}" type="datetime1">
               <a:rPr lang="en-US" smtClean="0"/>
-              <a:t>10/7/20</a:t>
+              <a:t>10/9/20</a:t>
             </a:fld>
             <a:endParaRPr lang="en-US" dirty="0"/>
           </a:p>
@@ -6564,6 +6572,10 @@
           <a:bodyPr/>
           <a:lstStyle/>
           <a:p>
+            <a:r>
+              <a:rPr lang="en-US"/>
+              <a:t>Stephen Stark - New Market Analysis</a:t>
+            </a:r>
             <a:endParaRPr lang="en-US" dirty="0"/>
           </a:p>
         </p:txBody>
@@ -6743,9 +6755,9 @@
           <a:bodyPr/>
           <a:lstStyle/>
           <a:p>
-            <a:fld id="{80E3DE54-7BA0-D443-9D54-D30C16798DF8}" type="datetimeFigureOut">
+            <a:fld id="{E5CD1CEB-807C-3643-B077-B77E233F7CDB}" type="datetime1">
               <a:rPr lang="en-US" smtClean="0"/>
-              <a:t>10/7/20</a:t>
+              <a:t>10/9/20</a:t>
             </a:fld>
             <a:endParaRPr lang="en-US" dirty="0"/>
           </a:p>
@@ -6772,6 +6784,10 @@
           <a:bodyPr/>
           <a:lstStyle/>
           <a:p>
+            <a:r>
+              <a:rPr lang="en-US"/>
+              <a:t>Stephen Stark - New Market Analysis</a:t>
+            </a:r>
             <a:endParaRPr lang="en-US" dirty="0"/>
           </a:p>
         </p:txBody>
@@ -6797,10 +6813,12 @@
           <a:bodyPr/>
           <a:lstStyle/>
           <a:p>
-            <a:r>
-              <a:rPr lang="en-US" dirty="0"/>
-              <a:t>#</a:t>
-            </a:r>
+            <a:fld id="{AD44F050-9915-E24F-A2A7-E8AD21817AE0}" type="slidenum">
+              <a:rPr lang="en-US" smtClean="0"/>
+              <a:pPr/>
+              <a:t>‹#›</a:t>
+            </a:fld>
+            <a:endParaRPr lang="en-US" dirty="0"/>
           </a:p>
         </p:txBody>
       </p:sp>
@@ -7017,9 +7035,9 @@
           <a:bodyPr/>
           <a:lstStyle/>
           <a:p>
-            <a:fld id="{80E3DE54-7BA0-D443-9D54-D30C16798DF8}" type="datetimeFigureOut">
+            <a:fld id="{BC7E46C4-5E79-504C-BEC3-92478324900C}" type="datetime1">
               <a:rPr lang="en-US" smtClean="0"/>
-              <a:t>10/7/20</a:t>
+              <a:t>10/9/20</a:t>
             </a:fld>
             <a:endParaRPr lang="en-US" dirty="0"/>
           </a:p>
@@ -7046,6 +7064,10 @@
           <a:bodyPr/>
           <a:lstStyle/>
           <a:p>
+            <a:r>
+              <a:rPr lang="en-US"/>
+              <a:t>Stephen Stark - New Market Analysis</a:t>
+            </a:r>
             <a:endParaRPr lang="en-US" dirty="0"/>
           </a:p>
         </p:txBody>
@@ -7287,9 +7309,9 @@
           <a:bodyPr/>
           <a:lstStyle/>
           <a:p>
-            <a:fld id="{80E3DE54-7BA0-D443-9D54-D30C16798DF8}" type="datetimeFigureOut">
+            <a:fld id="{71C3B0EA-06F7-9648-BCB9-BAACAAE7DB4B}" type="datetime1">
               <a:rPr lang="en-US" smtClean="0"/>
-              <a:t>10/7/20</a:t>
+              <a:t>10/9/20</a:t>
             </a:fld>
             <a:endParaRPr lang="en-US" dirty="0"/>
           </a:p>
@@ -7316,6 +7338,10 @@
           <a:bodyPr/>
           <a:lstStyle/>
           <a:p>
+            <a:r>
+              <a:rPr lang="en-US"/>
+              <a:t>Stephen Stark - New Market Analysis</a:t>
+            </a:r>
             <a:endParaRPr lang="en-US" dirty="0"/>
           </a:p>
         </p:txBody>
@@ -7699,9 +7725,9 @@
           <a:bodyPr/>
           <a:lstStyle/>
           <a:p>
-            <a:fld id="{80E3DE54-7BA0-D443-9D54-D30C16798DF8}" type="datetimeFigureOut">
+            <a:fld id="{83468B6D-EB98-174E-ADAD-6BC07C5FC72A}" type="datetime1">
               <a:rPr lang="en-US" smtClean="0"/>
-              <a:t>10/7/20</a:t>
+              <a:t>10/9/20</a:t>
             </a:fld>
             <a:endParaRPr lang="en-US" dirty="0"/>
           </a:p>
@@ -7728,6 +7754,10 @@
           <a:bodyPr/>
           <a:lstStyle/>
           <a:p>
+            <a:r>
+              <a:rPr lang="en-US"/>
+              <a:t>Stephen Stark - New Market Analysis</a:t>
+            </a:r>
             <a:endParaRPr lang="en-US" dirty="0"/>
           </a:p>
         </p:txBody>
@@ -7845,9 +7875,9 @@
           <a:bodyPr/>
           <a:lstStyle/>
           <a:p>
-            <a:fld id="{80E3DE54-7BA0-D443-9D54-D30C16798DF8}" type="datetimeFigureOut">
+            <a:fld id="{831A5B11-8C50-974B-9D3D-D80DBB7BAD48}" type="datetime1">
               <a:rPr lang="en-US" smtClean="0"/>
-              <a:t>10/7/20</a:t>
+              <a:t>10/9/20</a:t>
             </a:fld>
             <a:endParaRPr lang="en-US" dirty="0"/>
           </a:p>
@@ -7874,6 +7904,10 @@
           <a:bodyPr/>
           <a:lstStyle/>
           <a:p>
+            <a:r>
+              <a:rPr lang="en-US"/>
+              <a:t>Stephen Stark - New Market Analysis</a:t>
+            </a:r>
             <a:endParaRPr lang="en-US" dirty="0"/>
           </a:p>
         </p:txBody>
@@ -7958,9 +7992,9 @@
           <a:bodyPr/>
           <a:lstStyle/>
           <a:p>
-            <a:fld id="{80E3DE54-7BA0-D443-9D54-D30C16798DF8}" type="datetimeFigureOut">
+            <a:fld id="{4CDCBED0-1364-8B45-864F-6F3DBCE1126C}" type="datetime1">
               <a:rPr lang="en-US" smtClean="0"/>
-              <a:t>10/7/20</a:t>
+              <a:t>10/9/20</a:t>
             </a:fld>
             <a:endParaRPr lang="en-US" dirty="0"/>
           </a:p>
@@ -7987,6 +8021,10 @@
           <a:bodyPr/>
           <a:lstStyle/>
           <a:p>
+            <a:r>
+              <a:rPr lang="en-US"/>
+              <a:t>Stephen Stark - New Market Analysis</a:t>
+            </a:r>
             <a:endParaRPr lang="en-US" dirty="0"/>
           </a:p>
         </p:txBody>
@@ -8269,9 +8307,9 @@
           <a:bodyPr/>
           <a:lstStyle/>
           <a:p>
-            <a:fld id="{80E3DE54-7BA0-D443-9D54-D30C16798DF8}" type="datetimeFigureOut">
+            <a:fld id="{66EDCA37-87DA-D741-98B3-FA6232C3939C}" type="datetime1">
               <a:rPr lang="en-US" smtClean="0"/>
-              <a:t>10/7/20</a:t>
+              <a:t>10/9/20</a:t>
             </a:fld>
             <a:endParaRPr lang="en-US" dirty="0"/>
           </a:p>
@@ -8298,6 +8336,10 @@
           <a:bodyPr/>
           <a:lstStyle/>
           <a:p>
+            <a:r>
+              <a:rPr lang="en-US"/>
+              <a:t>Stephen Stark - New Market Analysis</a:t>
+            </a:r>
             <a:endParaRPr lang="en-US" dirty="0"/>
           </a:p>
         </p:txBody>
@@ -8557,9 +8599,9 @@
           <a:bodyPr/>
           <a:lstStyle/>
           <a:p>
-            <a:fld id="{80E3DE54-7BA0-D443-9D54-D30C16798DF8}" type="datetimeFigureOut">
+            <a:fld id="{EA820F33-F562-A14F-AA6D-B64B867BB538}" type="datetime1">
               <a:rPr lang="en-US" smtClean="0"/>
-              <a:t>10/7/20</a:t>
+              <a:t>10/9/20</a:t>
             </a:fld>
             <a:endParaRPr lang="en-US" dirty="0"/>
           </a:p>
@@ -8586,6 +8628,10 @@
           <a:bodyPr/>
           <a:lstStyle/>
           <a:p>
+            <a:r>
+              <a:rPr lang="en-US"/>
+              <a:t>Stephen Stark - New Market Analysis</a:t>
+            </a:r>
             <a:endParaRPr lang="en-US" dirty="0"/>
           </a:p>
         </p:txBody>
@@ -8798,9 +8844,9 @@
             </a:lvl1pPr>
           </a:lstStyle>
           <a:p>
-            <a:fld id="{80E3DE54-7BA0-D443-9D54-D30C16798DF8}" type="datetimeFigureOut">
+            <a:fld id="{04577862-A8A8-BC44-BEF0-EA8F5C803850}" type="datetime1">
               <a:rPr lang="en-US" smtClean="0"/>
-              <a:t>10/7/20</a:t>
+              <a:t>10/9/20</a:t>
             </a:fld>
             <a:endParaRPr lang="en-US" dirty="0"/>
           </a:p>
@@ -8845,6 +8891,10 @@
             </a:lvl1pPr>
           </a:lstStyle>
           <a:p>
+            <a:r>
+              <a:rPr lang="en-US"/>
+              <a:t>Stephen Stark - New Market Analysis</a:t>
+            </a:r>
             <a:endParaRPr lang="en-US" dirty="0"/>
           </a:p>
         </p:txBody>
@@ -8917,6 +8967,7 @@
     <p:sldLayoutId id="2147483658" r:id="rId10"/>
     <p:sldLayoutId id="2147483659" r:id="rId11"/>
   </p:sldLayoutIdLst>
+  <p:hf hdr="0" dt="0"/>
   <p:txStyles>
     <p:titleStyle>
       <a:lvl1pPr algn="l" defTabSz="914400" rtl="0" eaLnBrk="1" latinLnBrk="0" hangingPunct="1">
@@ -9551,6 +9602,64 @@
           </a:p>
         </p:txBody>
       </p:sp>
+      <p:sp>
+        <p:nvSpPr>
+          <p:cNvPr id="16" name="Footer Placeholder 15">
+            <a:extLst>
+              <a:ext uri="{FF2B5EF4-FFF2-40B4-BE49-F238E27FC236}">
+                <a16:creationId xmlns:a16="http://schemas.microsoft.com/office/drawing/2014/main" id="{56E2CEB0-4928-A54F-B833-E71C8AC01BF2}"/>
+              </a:ext>
+            </a:extLst>
+          </p:cNvPr>
+          <p:cNvSpPr>
+            <a:spLocks noGrp="1"/>
+          </p:cNvSpPr>
+          <p:nvPr>
+            <p:ph type="ftr" sz="quarter" idx="11"/>
+          </p:nvPr>
+        </p:nvSpPr>
+        <p:spPr/>
+        <p:txBody>
+          <a:bodyPr/>
+          <a:lstStyle/>
+          <a:p>
+            <a:r>
+              <a:rPr lang="en-US"/>
+              <a:t>Stephen Stark - New Market Analysis</a:t>
+            </a:r>
+            <a:endParaRPr lang="en-US" dirty="0"/>
+          </a:p>
+        </p:txBody>
+      </p:sp>
+      <p:sp>
+        <p:nvSpPr>
+          <p:cNvPr id="17" name="Slide Number Placeholder 16">
+            <a:extLst>
+              <a:ext uri="{FF2B5EF4-FFF2-40B4-BE49-F238E27FC236}">
+                <a16:creationId xmlns:a16="http://schemas.microsoft.com/office/drawing/2014/main" id="{723A716C-CADA-794B-8E16-4164A8BFBEB7}"/>
+              </a:ext>
+            </a:extLst>
+          </p:cNvPr>
+          <p:cNvSpPr>
+            <a:spLocks noGrp="1"/>
+          </p:cNvSpPr>
+          <p:nvPr>
+            <p:ph type="sldNum" sz="quarter" idx="12"/>
+          </p:nvPr>
+        </p:nvSpPr>
+        <p:spPr/>
+        <p:txBody>
+          <a:bodyPr/>
+          <a:lstStyle/>
+          <a:p>
+            <a:fld id="{AD44F050-9915-E24F-A2A7-E8AD21817AE0}" type="slidenum">
+              <a:rPr lang="en-US" smtClean="0"/>
+              <a:t>10</a:t>
+            </a:fld>
+            <a:endParaRPr lang="en-US" dirty="0"/>
+          </a:p>
+        </p:txBody>
+      </p:sp>
     </p:spTree>
     <p:extLst>
       <p:ext uri="{BB962C8B-B14F-4D97-AF65-F5344CB8AC3E}">
@@ -9919,6 +10028,63 @@
             <a:r>
               <a:rPr lang="en-US" sz="1400" dirty="0"/>
               <a:t>Initial dataset: 5,983 records, 18 features</a:t>
+            </a:r>
+          </a:p>
+        </p:txBody>
+      </p:sp>
+      <p:sp>
+        <p:nvSpPr>
+          <p:cNvPr id="42" name="Footer Placeholder 41">
+            <a:extLst>
+              <a:ext uri="{FF2B5EF4-FFF2-40B4-BE49-F238E27FC236}">
+                <a16:creationId xmlns:a16="http://schemas.microsoft.com/office/drawing/2014/main" id="{F10649E6-DF26-7140-9D10-D1E04FF29ED2}"/>
+              </a:ext>
+            </a:extLst>
+          </p:cNvPr>
+          <p:cNvSpPr>
+            <a:spLocks noGrp="1"/>
+          </p:cNvSpPr>
+          <p:nvPr>
+            <p:ph type="ftr" sz="quarter" idx="11"/>
+          </p:nvPr>
+        </p:nvSpPr>
+        <p:spPr/>
+        <p:txBody>
+          <a:bodyPr/>
+          <a:lstStyle/>
+          <a:p>
+            <a:r>
+              <a:rPr lang="en-US"/>
+              <a:t>Stephen Stark - New Market Analysis</a:t>
+            </a:r>
+            <a:endParaRPr lang="en-US" dirty="0"/>
+          </a:p>
+        </p:txBody>
+      </p:sp>
+      <p:sp>
+        <p:nvSpPr>
+          <p:cNvPr id="43" name="Slide Number Placeholder 42">
+            <a:extLst>
+              <a:ext uri="{FF2B5EF4-FFF2-40B4-BE49-F238E27FC236}">
+                <a16:creationId xmlns:a16="http://schemas.microsoft.com/office/drawing/2014/main" id="{97B3CAF1-1B37-4445-AA5E-5AD40CFED2A1}"/>
+              </a:ext>
+            </a:extLst>
+          </p:cNvPr>
+          <p:cNvSpPr>
+            <a:spLocks noGrp="1"/>
+          </p:cNvSpPr>
+          <p:nvPr>
+            <p:ph type="sldNum" sz="quarter" idx="12"/>
+          </p:nvPr>
+        </p:nvSpPr>
+        <p:spPr/>
+        <p:txBody>
+          <a:bodyPr/>
+          <a:lstStyle/>
+          <a:p>
+            <a:r>
+              <a:rPr lang="en-US" dirty="0"/>
+              <a:t>11</a:t>
             </a:r>
           </a:p>
         </p:txBody>
@@ -10016,13 +10182,13 @@
           <p:nvPr>
             <p:extLst>
               <p:ext uri="{D42A27DB-BD31-4B8C-83A1-F6EECF244321}">
-                <p14:modId xmlns:p14="http://schemas.microsoft.com/office/powerpoint/2010/main" val="2821516201"/>
+                <p14:modId xmlns:p14="http://schemas.microsoft.com/office/powerpoint/2010/main" val="1581957003"/>
               </p:ext>
             </p:extLst>
           </p:nvPr>
         </p:nvGraphicFramePr>
         <p:xfrm>
-          <a:off x="240807" y="2291533"/>
+          <a:off x="3746710" y="2436583"/>
           <a:ext cx="2916819" cy="4121696"/>
         </p:xfrm>
         <a:graphic>
@@ -10958,7 +11124,7 @@
         </p:nvGrpSpPr>
         <p:grpSpPr>
           <a:xfrm>
-            <a:off x="7980341" y="1700197"/>
+            <a:off x="7416277" y="2669682"/>
             <a:ext cx="3924212" cy="2296308"/>
             <a:chOff x="7818294" y="1653897"/>
             <a:chExt cx="3924212" cy="2296308"/>
@@ -11111,7 +11277,7 @@
             </a:solidFill>
             <a:ln>
               <a:solidFill>
-                <a:srgbClr val="FF0000"/>
+                <a:schemeClr val="tx1"/>
               </a:solidFill>
             </a:ln>
           </p:spPr>
@@ -11125,7 +11291,7 @@
               <a:r>
                 <a:rPr lang="en-US" sz="1200" dirty="0">
                   <a:solidFill>
-                    <a:srgbClr val="FF0000"/>
+                    <a:sysClr val="windowText" lastClr="000000"/>
                   </a:solidFill>
                 </a:rPr>
                 <a:t>Not even Lance Armstrong could achieve these speeds!</a:t>
@@ -11134,35 +11300,6 @@
           </p:txBody>
         </p:sp>
       </p:grpSp>
-      <p:pic>
-        <p:nvPicPr>
-          <p:cNvPr id="19" name="Picture 18">
-            <a:extLst>
-              <a:ext uri="{FF2B5EF4-FFF2-40B4-BE49-F238E27FC236}">
-                <a16:creationId xmlns:a16="http://schemas.microsoft.com/office/drawing/2014/main" id="{4668D784-DF3D-D34A-92F7-59BFC216C959}"/>
-              </a:ext>
-            </a:extLst>
-          </p:cNvPr>
-          <p:cNvPicPr>
-            <a:picLocks noChangeAspect="1"/>
-          </p:cNvPicPr>
-          <p:nvPr/>
-        </p:nvPicPr>
-        <p:blipFill rotWithShape="1">
-          <a:blip r:embed="rId3"/>
-          <a:srcRect l="2703" t="29267"/>
-          <a:stretch/>
-        </p:blipFill>
-        <p:spPr>
-          <a:xfrm>
-            <a:off x="3333507" y="4016414"/>
-            <a:ext cx="3222769" cy="2811386"/>
-          </a:xfrm>
-          <a:prstGeom prst="rect">
-            <a:avLst/>
-          </a:prstGeom>
-        </p:spPr>
-      </p:pic>
       <p:sp>
         <p:nvSpPr>
           <p:cNvPr id="20" name="Content Placeholder 12">
@@ -11179,8 +11316,8 @@
         </p:nvSpPr>
         <p:spPr>
           <a:xfrm>
-            <a:off x="3310357" y="2252894"/>
-            <a:ext cx="3328871" cy="1705646"/>
+            <a:off x="338441" y="2436583"/>
+            <a:ext cx="3271109" cy="1705646"/>
           </a:xfrm>
           <a:prstGeom prst="rect">
             <a:avLst/>
@@ -11404,8 +11541,8 @@
         </p:nvSpPr>
         <p:spPr>
           <a:xfrm>
-            <a:off x="6682812" y="1615972"/>
-            <a:ext cx="1626660" cy="431438"/>
+            <a:off x="7036758" y="2029920"/>
+            <a:ext cx="2660600" cy="431438"/>
           </a:xfrm>
           <a:prstGeom prst="rect">
             <a:avLst/>
@@ -11585,7 +11722,7 @@
             </a:pPr>
             <a:r>
               <a:rPr lang="en-US" sz="1800" b="1" dirty="0"/>
-              <a:t>SUSPICIOUS…</a:t>
+              <a:t>SUSPICIOUS examples:</a:t>
             </a:r>
           </a:p>
           <a:p>
@@ -11593,264 +11730,12 @@
           </a:p>
         </p:txBody>
       </p:sp>
-      <p:sp>
-        <p:nvSpPr>
-          <p:cNvPr id="24" name="Content Placeholder 12">
-            <a:extLst>
-              <a:ext uri="{FF2B5EF4-FFF2-40B4-BE49-F238E27FC236}">
-                <a16:creationId xmlns:a16="http://schemas.microsoft.com/office/drawing/2014/main" id="{0E553AAF-88C0-024D-9237-8B92AE15D09D}"/>
-              </a:ext>
-            </a:extLst>
-          </p:cNvPr>
-          <p:cNvSpPr txBox="1">
-            <a:spLocks/>
-          </p:cNvSpPr>
-          <p:nvPr/>
-        </p:nvSpPr>
-        <p:spPr>
-          <a:xfrm>
-            <a:off x="7092202" y="5607664"/>
-            <a:ext cx="4842240" cy="920955"/>
-          </a:xfrm>
-          <a:prstGeom prst="rect">
-            <a:avLst/>
-          </a:prstGeom>
-          <a:noFill/>
-          <a:ln>
-            <a:solidFill>
-              <a:schemeClr val="dk1"/>
-            </a:solidFill>
-          </a:ln>
-        </p:spPr>
-        <p:txBody>
-          <a:bodyPr vert="horz" lIns="91440" tIns="45720" rIns="91440" bIns="45720" rtlCol="0">
-            <a:noAutofit/>
-          </a:bodyPr>
-          <a:lstStyle>
-            <a:lvl1pPr marL="228600" indent="-228600" algn="l" defTabSz="914400" rtl="0" eaLnBrk="1" latinLnBrk="0" hangingPunct="1">
-              <a:lnSpc>
-                <a:spcPct val="90000"/>
-              </a:lnSpc>
-              <a:spcBef>
-                <a:spcPts val="1000"/>
-              </a:spcBef>
-              <a:buFont typeface="Arial" panose="020B0604020202020204" pitchFamily="34" charset="0"/>
-              <a:buChar char="•"/>
-              <a:defRPr sz="2800" kern="1200">
-                <a:solidFill>
-                  <a:schemeClr val="tx1"/>
-                </a:solidFill>
-                <a:latin typeface="+mn-lt"/>
-                <a:ea typeface="+mn-ea"/>
-                <a:cs typeface="+mn-cs"/>
-              </a:defRPr>
-            </a:lvl1pPr>
-            <a:lvl2pPr marL="685800" indent="-228600" algn="l" defTabSz="914400" rtl="0" eaLnBrk="1" latinLnBrk="0" hangingPunct="1">
-              <a:lnSpc>
-                <a:spcPct val="90000"/>
-              </a:lnSpc>
-              <a:spcBef>
-                <a:spcPts val="500"/>
-              </a:spcBef>
-              <a:buFont typeface="Arial" panose="020B0604020202020204" pitchFamily="34" charset="0"/>
-              <a:buChar char="•"/>
-              <a:defRPr sz="2400" kern="1200">
-                <a:solidFill>
-                  <a:schemeClr val="tx1"/>
-                </a:solidFill>
-                <a:latin typeface="+mn-lt"/>
-                <a:ea typeface="+mn-ea"/>
-                <a:cs typeface="+mn-cs"/>
-              </a:defRPr>
-            </a:lvl2pPr>
-            <a:lvl3pPr marL="1143000" indent="-228600" algn="l" defTabSz="914400" rtl="0" eaLnBrk="1" latinLnBrk="0" hangingPunct="1">
-              <a:lnSpc>
-                <a:spcPct val="90000"/>
-              </a:lnSpc>
-              <a:spcBef>
-                <a:spcPts val="500"/>
-              </a:spcBef>
-              <a:buFont typeface="Arial" panose="020B0604020202020204" pitchFamily="34" charset="0"/>
-              <a:buChar char="•"/>
-              <a:defRPr sz="2000" kern="1200">
-                <a:solidFill>
-                  <a:schemeClr val="tx1"/>
-                </a:solidFill>
-                <a:latin typeface="+mn-lt"/>
-                <a:ea typeface="+mn-ea"/>
-                <a:cs typeface="+mn-cs"/>
-              </a:defRPr>
-            </a:lvl3pPr>
-            <a:lvl4pPr marL="1600200" indent="-228600" algn="l" defTabSz="914400" rtl="0" eaLnBrk="1" latinLnBrk="0" hangingPunct="1">
-              <a:lnSpc>
-                <a:spcPct val="90000"/>
-              </a:lnSpc>
-              <a:spcBef>
-                <a:spcPts val="500"/>
-              </a:spcBef>
-              <a:buFont typeface="Arial" panose="020B0604020202020204" pitchFamily="34" charset="0"/>
-              <a:buChar char="•"/>
-              <a:defRPr sz="1800" kern="1200">
-                <a:solidFill>
-                  <a:schemeClr val="tx1"/>
-                </a:solidFill>
-                <a:latin typeface="+mn-lt"/>
-                <a:ea typeface="+mn-ea"/>
-                <a:cs typeface="+mn-cs"/>
-              </a:defRPr>
-            </a:lvl4pPr>
-            <a:lvl5pPr marL="2057400" indent="-228600" algn="l" defTabSz="914400" rtl="0" eaLnBrk="1" latinLnBrk="0" hangingPunct="1">
-              <a:lnSpc>
-                <a:spcPct val="90000"/>
-              </a:lnSpc>
-              <a:spcBef>
-                <a:spcPts val="500"/>
-              </a:spcBef>
-              <a:buFont typeface="Arial" panose="020B0604020202020204" pitchFamily="34" charset="0"/>
-              <a:buChar char="•"/>
-              <a:defRPr sz="1800" kern="1200">
-                <a:solidFill>
-                  <a:schemeClr val="tx1"/>
-                </a:solidFill>
-                <a:latin typeface="+mn-lt"/>
-                <a:ea typeface="+mn-ea"/>
-                <a:cs typeface="+mn-cs"/>
-              </a:defRPr>
-            </a:lvl5pPr>
-            <a:lvl6pPr marL="2514600" indent="-228600" algn="l" defTabSz="914400" rtl="0" eaLnBrk="1" latinLnBrk="0" hangingPunct="1">
-              <a:lnSpc>
-                <a:spcPct val="90000"/>
-              </a:lnSpc>
-              <a:spcBef>
-                <a:spcPts val="500"/>
-              </a:spcBef>
-              <a:buFont typeface="Arial" panose="020B0604020202020204" pitchFamily="34" charset="0"/>
-              <a:buChar char="•"/>
-              <a:defRPr sz="1800" kern="1200">
-                <a:solidFill>
-                  <a:schemeClr val="tx1"/>
-                </a:solidFill>
-                <a:latin typeface="+mn-lt"/>
-                <a:ea typeface="+mn-ea"/>
-                <a:cs typeface="+mn-cs"/>
-              </a:defRPr>
-            </a:lvl6pPr>
-            <a:lvl7pPr marL="2971800" indent="-228600" algn="l" defTabSz="914400" rtl="0" eaLnBrk="1" latinLnBrk="0" hangingPunct="1">
-              <a:lnSpc>
-                <a:spcPct val="90000"/>
-              </a:lnSpc>
-              <a:spcBef>
-                <a:spcPts val="500"/>
-              </a:spcBef>
-              <a:buFont typeface="Arial" panose="020B0604020202020204" pitchFamily="34" charset="0"/>
-              <a:buChar char="•"/>
-              <a:defRPr sz="1800" kern="1200">
-                <a:solidFill>
-                  <a:schemeClr val="tx1"/>
-                </a:solidFill>
-                <a:latin typeface="+mn-lt"/>
-                <a:ea typeface="+mn-ea"/>
-                <a:cs typeface="+mn-cs"/>
-              </a:defRPr>
-            </a:lvl7pPr>
-            <a:lvl8pPr marL="3429000" indent="-228600" algn="l" defTabSz="914400" rtl="0" eaLnBrk="1" latinLnBrk="0" hangingPunct="1">
-              <a:lnSpc>
-                <a:spcPct val="90000"/>
-              </a:lnSpc>
-              <a:spcBef>
-                <a:spcPts val="500"/>
-              </a:spcBef>
-              <a:buFont typeface="Arial" panose="020B0604020202020204" pitchFamily="34" charset="0"/>
-              <a:buChar char="•"/>
-              <a:defRPr sz="1800" kern="1200">
-                <a:solidFill>
-                  <a:schemeClr val="tx1"/>
-                </a:solidFill>
-                <a:latin typeface="+mn-lt"/>
-                <a:ea typeface="+mn-ea"/>
-                <a:cs typeface="+mn-cs"/>
-              </a:defRPr>
-            </a:lvl8pPr>
-            <a:lvl9pPr marL="3886200" indent="-228600" algn="l" defTabSz="914400" rtl="0" eaLnBrk="1" latinLnBrk="0" hangingPunct="1">
-              <a:lnSpc>
-                <a:spcPct val="90000"/>
-              </a:lnSpc>
-              <a:spcBef>
-                <a:spcPts val="500"/>
-              </a:spcBef>
-              <a:buFont typeface="Arial" panose="020B0604020202020204" pitchFamily="34" charset="0"/>
-              <a:buChar char="•"/>
-              <a:defRPr sz="1800" kern="1200">
-                <a:solidFill>
-                  <a:schemeClr val="tx1"/>
-                </a:solidFill>
-                <a:latin typeface="+mn-lt"/>
-                <a:ea typeface="+mn-ea"/>
-                <a:cs typeface="+mn-cs"/>
-              </a:defRPr>
-            </a:lvl9pPr>
-          </a:lstStyle>
-          <a:p>
-            <a:pPr marL="0" indent="0" algn="ctr">
-              <a:buFont typeface="Arial" panose="020B0604020202020204" pitchFamily="34" charset="0"/>
-              <a:buNone/>
-            </a:pPr>
-            <a:r>
-              <a:rPr lang="en-US" sz="1800" dirty="0"/>
-              <a:t>In total, data quality concerns are significant and should be addresses. However, they do not pose a threat to this analysis. </a:t>
-            </a:r>
-          </a:p>
-        </p:txBody>
-      </p:sp>
-      <p:pic>
-        <p:nvPicPr>
-          <p:cNvPr id="4" name="Picture 3" descr="A picture containing graphical user interface&#10;&#10;Description automatically generated">
-            <a:extLst>
-              <a:ext uri="{FF2B5EF4-FFF2-40B4-BE49-F238E27FC236}">
-                <a16:creationId xmlns:a16="http://schemas.microsoft.com/office/drawing/2014/main" id="{0561A8DE-EA3C-CE43-85AC-620D072A77EB}"/>
-              </a:ext>
-            </a:extLst>
-          </p:cNvPr>
-          <p:cNvPicPr>
-            <a:picLocks noChangeAspect="1"/>
-          </p:cNvPicPr>
-          <p:nvPr/>
-        </p:nvPicPr>
-        <p:blipFill>
-          <a:blip r:embed="rId4"/>
-          <a:stretch>
-            <a:fillRect/>
-          </a:stretch>
-        </p:blipFill>
-        <p:spPr>
-          <a:xfrm>
-            <a:off x="6906584" y="4207368"/>
-            <a:ext cx="4973293" cy="770231"/>
-          </a:xfrm>
-          <a:prstGeom prst="rect">
-            <a:avLst/>
-          </a:prstGeom>
-          <a:effectLst>
-            <a:glow rad="63500">
-              <a:schemeClr val="accent3">
-                <a:satMod val="175000"/>
-                <a:alpha val="40000"/>
-              </a:schemeClr>
-            </a:glow>
-            <a:outerShdw blurRad="50800" dist="38100" dir="2700000" algn="tl" rotWithShape="0">
-              <a:prstClr val="black">
-                <a:alpha val="40000"/>
-              </a:prstClr>
-            </a:outerShdw>
-          </a:effectLst>
-        </p:spPr>
-      </p:pic>
       <p:grpSp>
         <p:nvGrpSpPr>
-          <p:cNvPr id="48" name="Group 47">
-            <a:extLst>
-              <a:ext uri="{FF2B5EF4-FFF2-40B4-BE49-F238E27FC236}">
-                <a16:creationId xmlns:a16="http://schemas.microsoft.com/office/drawing/2014/main" id="{F14EB148-3F7E-B244-909F-B33201EB4B60}"/>
+          <p:cNvPr id="53" name="Group 52">
+            <a:extLst>
+              <a:ext uri="{FF2B5EF4-FFF2-40B4-BE49-F238E27FC236}">
+                <a16:creationId xmlns:a16="http://schemas.microsoft.com/office/drawing/2014/main" id="{6101D0D2-CCF4-454A-84DF-59DDD02D3130}"/>
               </a:ext>
             </a:extLst>
           </p:cNvPr>
@@ -11859,18 +11744,341 @@
         </p:nvGrpSpPr>
         <p:grpSpPr>
           <a:xfrm>
-            <a:off x="3429000" y="3749040"/>
-            <a:ext cx="2743200" cy="274320"/>
-            <a:chOff x="3429000" y="3749040"/>
-            <a:chExt cx="2743200" cy="274320"/>
+            <a:off x="344538" y="3758034"/>
+            <a:ext cx="3271109" cy="3078760"/>
+            <a:chOff x="3333507" y="3749040"/>
+            <a:chExt cx="3271109" cy="3078760"/>
           </a:xfrm>
         </p:grpSpPr>
         <p:pic>
           <p:nvPicPr>
-            <p:cNvPr id="6" name="Graphic 5" descr="Badge 7">
+            <p:cNvPr id="19" name="Picture 18">
               <a:extLst>
                 <a:ext uri="{FF2B5EF4-FFF2-40B4-BE49-F238E27FC236}">
-                  <a16:creationId xmlns:a16="http://schemas.microsoft.com/office/drawing/2014/main" id="{5418B7C7-2C3E-904C-82A6-2ED880D7394F}"/>
+                  <a16:creationId xmlns:a16="http://schemas.microsoft.com/office/drawing/2014/main" id="{4668D784-DF3D-D34A-92F7-59BFC216C959}"/>
+                </a:ext>
+              </a:extLst>
+            </p:cNvPr>
+            <p:cNvPicPr>
+              <a:picLocks noChangeAspect="1"/>
+            </p:cNvPicPr>
+            <p:nvPr/>
+          </p:nvPicPr>
+          <p:blipFill rotWithShape="1">
+            <a:blip r:embed="rId3"/>
+            <a:srcRect l="2703" t="29267"/>
+            <a:stretch/>
+          </p:blipFill>
+          <p:spPr>
+            <a:xfrm>
+              <a:off x="3333507" y="4016414"/>
+              <a:ext cx="3271109" cy="2811386"/>
+            </a:xfrm>
+            <a:prstGeom prst="rect">
+              <a:avLst/>
+            </a:prstGeom>
+          </p:spPr>
+        </p:pic>
+        <p:grpSp>
+          <p:nvGrpSpPr>
+            <p:cNvPr id="48" name="Group 47">
+              <a:extLst>
+                <a:ext uri="{FF2B5EF4-FFF2-40B4-BE49-F238E27FC236}">
+                  <a16:creationId xmlns:a16="http://schemas.microsoft.com/office/drawing/2014/main" id="{F14EB148-3F7E-B244-909F-B33201EB4B60}"/>
+                </a:ext>
+              </a:extLst>
+            </p:cNvPr>
+            <p:cNvGrpSpPr/>
+            <p:nvPr/>
+          </p:nvGrpSpPr>
+          <p:grpSpPr>
+            <a:xfrm>
+              <a:off x="3429000" y="3749040"/>
+              <a:ext cx="2743200" cy="274320"/>
+              <a:chOff x="3429000" y="3749040"/>
+              <a:chExt cx="2743200" cy="274320"/>
+            </a:xfrm>
+          </p:grpSpPr>
+          <p:pic>
+            <p:nvPicPr>
+              <p:cNvPr id="6" name="Graphic 5" descr="Badge 7">
+                <a:extLst>
+                  <a:ext uri="{FF2B5EF4-FFF2-40B4-BE49-F238E27FC236}">
+                    <a16:creationId xmlns:a16="http://schemas.microsoft.com/office/drawing/2014/main" id="{5418B7C7-2C3E-904C-82A6-2ED880D7394F}"/>
+                  </a:ext>
+                </a:extLst>
+              </p:cNvPr>
+              <p:cNvPicPr>
+                <a:picLocks noChangeAspect="1"/>
+              </p:cNvPicPr>
+              <p:nvPr/>
+            </p:nvPicPr>
+            <p:blipFill>
+              <a:blip r:embed="rId4">
+                <a:extLst>
+                  <a:ext uri="{96DAC541-7B7A-43D3-8B79-37D633B846F1}">
+                    <asvg:svgBlip xmlns:asvg="http://schemas.microsoft.com/office/drawing/2016/SVG/main" r:embed="rId5"/>
+                  </a:ext>
+                </a:extLst>
+              </a:blip>
+              <a:stretch>
+                <a:fillRect/>
+              </a:stretch>
+            </p:blipFill>
+            <p:spPr>
+              <a:xfrm>
+                <a:off x="5897880" y="3749040"/>
+                <a:ext cx="274320" cy="274320"/>
+              </a:xfrm>
+              <a:prstGeom prst="rect">
+                <a:avLst/>
+              </a:prstGeom>
+            </p:spPr>
+          </p:pic>
+          <p:pic>
+            <p:nvPicPr>
+              <p:cNvPr id="9" name="Graphic 8" descr="Badge 6">
+                <a:extLst>
+                  <a:ext uri="{FF2B5EF4-FFF2-40B4-BE49-F238E27FC236}">
+                    <a16:creationId xmlns:a16="http://schemas.microsoft.com/office/drawing/2014/main" id="{12F3AE79-891F-064C-BEB8-352576EF5BDC}"/>
+                  </a:ext>
+                </a:extLst>
+              </p:cNvPr>
+              <p:cNvPicPr>
+                <a:picLocks noChangeAspect="1"/>
+              </p:cNvPicPr>
+              <p:nvPr/>
+            </p:nvPicPr>
+            <p:blipFill>
+              <a:blip r:embed="rId6">
+                <a:extLst>
+                  <a:ext uri="{96DAC541-7B7A-43D3-8B79-37D633B846F1}">
+                    <asvg:svgBlip xmlns:asvg="http://schemas.microsoft.com/office/drawing/2016/SVG/main" r:embed="rId7"/>
+                  </a:ext>
+                </a:extLst>
+              </a:blip>
+              <a:stretch>
+                <a:fillRect/>
+              </a:stretch>
+            </p:blipFill>
+            <p:spPr>
+              <a:xfrm>
+                <a:off x="5486400" y="3749040"/>
+                <a:ext cx="274320" cy="274320"/>
+              </a:xfrm>
+              <a:prstGeom prst="rect">
+                <a:avLst/>
+              </a:prstGeom>
+            </p:spPr>
+          </p:pic>
+          <p:pic>
+            <p:nvPicPr>
+              <p:cNvPr id="11" name="Graphic 10" descr="Badge 5">
+                <a:extLst>
+                  <a:ext uri="{FF2B5EF4-FFF2-40B4-BE49-F238E27FC236}">
+                    <a16:creationId xmlns:a16="http://schemas.microsoft.com/office/drawing/2014/main" id="{1870EF5F-685D-2D4C-A102-34D8C10690BD}"/>
+                  </a:ext>
+                </a:extLst>
+              </p:cNvPr>
+              <p:cNvPicPr>
+                <a:picLocks noChangeAspect="1"/>
+              </p:cNvPicPr>
+              <p:nvPr/>
+            </p:nvPicPr>
+            <p:blipFill>
+              <a:blip r:embed="rId8">
+                <a:extLst>
+                  <a:ext uri="{96DAC541-7B7A-43D3-8B79-37D633B846F1}">
+                    <asvg:svgBlip xmlns:asvg="http://schemas.microsoft.com/office/drawing/2016/SVG/main" r:embed="rId9"/>
+                  </a:ext>
+                </a:extLst>
+              </a:blip>
+              <a:stretch>
+                <a:fillRect/>
+              </a:stretch>
+            </p:blipFill>
+            <p:spPr>
+              <a:xfrm>
+                <a:off x="5074920" y="3749040"/>
+                <a:ext cx="274320" cy="274320"/>
+              </a:xfrm>
+              <a:prstGeom prst="rect">
+                <a:avLst/>
+              </a:prstGeom>
+            </p:spPr>
+          </p:pic>
+          <p:pic>
+            <p:nvPicPr>
+              <p:cNvPr id="22" name="Graphic 21" descr="Badge 4">
+                <a:extLst>
+                  <a:ext uri="{FF2B5EF4-FFF2-40B4-BE49-F238E27FC236}">
+                    <a16:creationId xmlns:a16="http://schemas.microsoft.com/office/drawing/2014/main" id="{6130CB05-D2C8-9847-9EA6-39E8F6F8AFF9}"/>
+                  </a:ext>
+                </a:extLst>
+              </p:cNvPr>
+              <p:cNvPicPr>
+                <a:picLocks noChangeAspect="1"/>
+              </p:cNvPicPr>
+              <p:nvPr/>
+            </p:nvPicPr>
+            <p:blipFill>
+              <a:blip r:embed="rId10">
+                <a:extLst>
+                  <a:ext uri="{96DAC541-7B7A-43D3-8B79-37D633B846F1}">
+                    <asvg:svgBlip xmlns:asvg="http://schemas.microsoft.com/office/drawing/2016/SVG/main" r:embed="rId11"/>
+                  </a:ext>
+                </a:extLst>
+              </a:blip>
+              <a:stretch>
+                <a:fillRect/>
+              </a:stretch>
+            </p:blipFill>
+            <p:spPr>
+              <a:xfrm>
+                <a:off x="4663440" y="3749040"/>
+                <a:ext cx="274320" cy="274320"/>
+              </a:xfrm>
+              <a:prstGeom prst="rect">
+                <a:avLst/>
+              </a:prstGeom>
+            </p:spPr>
+          </p:pic>
+          <p:pic>
+            <p:nvPicPr>
+              <p:cNvPr id="26" name="Graphic 25" descr="Badge 3">
+                <a:extLst>
+                  <a:ext uri="{FF2B5EF4-FFF2-40B4-BE49-F238E27FC236}">
+                    <a16:creationId xmlns:a16="http://schemas.microsoft.com/office/drawing/2014/main" id="{4846ABDE-6C36-814B-876B-625932773DC8}"/>
+                  </a:ext>
+                </a:extLst>
+              </p:cNvPr>
+              <p:cNvPicPr>
+                <a:picLocks noChangeAspect="1"/>
+              </p:cNvPicPr>
+              <p:nvPr/>
+            </p:nvPicPr>
+            <p:blipFill>
+              <a:blip r:embed="rId12">
+                <a:extLst>
+                  <a:ext uri="{96DAC541-7B7A-43D3-8B79-37D633B846F1}">
+                    <asvg:svgBlip xmlns:asvg="http://schemas.microsoft.com/office/drawing/2016/SVG/main" r:embed="rId13"/>
+                  </a:ext>
+                </a:extLst>
+              </a:blip>
+              <a:stretch>
+                <a:fillRect/>
+              </a:stretch>
+            </p:blipFill>
+            <p:spPr>
+              <a:xfrm>
+                <a:off x="4251960" y="3749040"/>
+                <a:ext cx="274320" cy="274320"/>
+              </a:xfrm>
+              <a:prstGeom prst="rect">
+                <a:avLst/>
+              </a:prstGeom>
+            </p:spPr>
+          </p:pic>
+          <p:pic>
+            <p:nvPicPr>
+              <p:cNvPr id="28" name="Graphic 27" descr="Badge">
+                <a:extLst>
+                  <a:ext uri="{FF2B5EF4-FFF2-40B4-BE49-F238E27FC236}">
+                    <a16:creationId xmlns:a16="http://schemas.microsoft.com/office/drawing/2014/main" id="{BE31A402-876B-DA41-8524-F81FA39F21FD}"/>
+                  </a:ext>
+                </a:extLst>
+              </p:cNvPr>
+              <p:cNvPicPr>
+                <a:picLocks noChangeAspect="1"/>
+              </p:cNvPicPr>
+              <p:nvPr/>
+            </p:nvPicPr>
+            <p:blipFill>
+              <a:blip r:embed="rId14">
+                <a:extLst>
+                  <a:ext uri="{96DAC541-7B7A-43D3-8B79-37D633B846F1}">
+                    <asvg:svgBlip xmlns:asvg="http://schemas.microsoft.com/office/drawing/2016/SVG/main" r:embed="rId15"/>
+                  </a:ext>
+                </a:extLst>
+              </a:blip>
+              <a:stretch>
+                <a:fillRect/>
+              </a:stretch>
+            </p:blipFill>
+            <p:spPr>
+              <a:xfrm>
+                <a:off x="3840480" y="3749040"/>
+                <a:ext cx="274320" cy="274320"/>
+              </a:xfrm>
+              <a:prstGeom prst="rect">
+                <a:avLst/>
+              </a:prstGeom>
+            </p:spPr>
+          </p:pic>
+          <p:pic>
+            <p:nvPicPr>
+              <p:cNvPr id="30" name="Graphic 29" descr="Badge 1">
+                <a:extLst>
+                  <a:ext uri="{FF2B5EF4-FFF2-40B4-BE49-F238E27FC236}">
+                    <a16:creationId xmlns:a16="http://schemas.microsoft.com/office/drawing/2014/main" id="{539A14CF-7DB6-D942-969B-A04A42C1BB52}"/>
+                  </a:ext>
+                </a:extLst>
+              </p:cNvPr>
+              <p:cNvPicPr>
+                <a:picLocks noChangeAspect="1"/>
+              </p:cNvPicPr>
+              <p:nvPr/>
+            </p:nvPicPr>
+            <p:blipFill>
+              <a:blip r:embed="rId16">
+                <a:extLst>
+                  <a:ext uri="{96DAC541-7B7A-43D3-8B79-37D633B846F1}">
+                    <asvg:svgBlip xmlns:asvg="http://schemas.microsoft.com/office/drawing/2016/SVG/main" r:embed="rId17"/>
+                  </a:ext>
+                </a:extLst>
+              </a:blip>
+              <a:stretch>
+                <a:fillRect/>
+              </a:stretch>
+            </p:blipFill>
+            <p:spPr>
+              <a:xfrm>
+                <a:off x="3429000" y="3749040"/>
+                <a:ext cx="274320" cy="274320"/>
+              </a:xfrm>
+              <a:prstGeom prst="rect">
+                <a:avLst/>
+              </a:prstGeom>
+            </p:spPr>
+          </p:pic>
+        </p:grpSp>
+      </p:grpSp>
+      <p:grpSp>
+        <p:nvGrpSpPr>
+          <p:cNvPr id="54" name="Group 53">
+            <a:extLst>
+              <a:ext uri="{FF2B5EF4-FFF2-40B4-BE49-F238E27FC236}">
+                <a16:creationId xmlns:a16="http://schemas.microsoft.com/office/drawing/2014/main" id="{F3D10B3D-9481-254C-ADC0-E5DF3B8CAED2}"/>
+              </a:ext>
+            </a:extLst>
+          </p:cNvPr>
+          <p:cNvGrpSpPr/>
+          <p:nvPr/>
+        </p:nvGrpSpPr>
+        <p:grpSpPr>
+          <a:xfrm>
+            <a:off x="7017748" y="5274277"/>
+            <a:ext cx="4973293" cy="948370"/>
+            <a:chOff x="7036758" y="5722644"/>
+            <a:chExt cx="4973293" cy="948370"/>
+          </a:xfrm>
+        </p:grpSpPr>
+        <p:pic>
+          <p:nvPicPr>
+            <p:cNvPr id="4" name="Picture 3" descr="A picture containing graphical user interface&#10;&#10;Description automatically generated">
+              <a:extLst>
+                <a:ext uri="{FF2B5EF4-FFF2-40B4-BE49-F238E27FC236}">
+                  <a16:creationId xmlns:a16="http://schemas.microsoft.com/office/drawing/2014/main" id="{0561A8DE-EA3C-CE43-85AC-620D072A77EB}"/>
                 </a:ext>
               </a:extLst>
             </p:cNvPr>
@@ -11880,250 +12088,83 @@
             <p:nvPr/>
           </p:nvPicPr>
           <p:blipFill>
-            <a:blip r:embed="rId5">
-              <a:extLst>
-                <a:ext uri="{96DAC541-7B7A-43D3-8B79-37D633B846F1}">
-                  <asvg:svgBlip xmlns:asvg="http://schemas.microsoft.com/office/drawing/2016/SVG/main" r:embed="rId6"/>
-                </a:ext>
-              </a:extLst>
-            </a:blip>
+            <a:blip r:embed="rId18"/>
             <a:stretch>
               <a:fillRect/>
             </a:stretch>
           </p:blipFill>
           <p:spPr>
             <a:xfrm>
-              <a:off x="5897880" y="3749040"/>
-              <a:ext cx="274320" cy="274320"/>
+              <a:off x="7036758" y="5722644"/>
+              <a:ext cx="4973293" cy="770231"/>
             </a:xfrm>
             <a:prstGeom prst="rect">
               <a:avLst/>
             </a:prstGeom>
+            <a:effectLst>
+              <a:glow rad="63500">
+                <a:schemeClr val="accent3">
+                  <a:satMod val="175000"/>
+                  <a:alpha val="40000"/>
+                </a:schemeClr>
+              </a:glow>
+              <a:outerShdw blurRad="50800" dist="38100" dir="2700000" algn="tl" rotWithShape="0">
+                <a:prstClr val="black">
+                  <a:alpha val="40000"/>
+                </a:prstClr>
+              </a:outerShdw>
+            </a:effectLst>
           </p:spPr>
         </p:pic>
-        <p:pic>
-          <p:nvPicPr>
-            <p:cNvPr id="9" name="Graphic 8" descr="Badge 6">
+        <p:sp>
+          <p:nvSpPr>
+            <p:cNvPr id="31" name="TextBox 30">
               <a:extLst>
                 <a:ext uri="{FF2B5EF4-FFF2-40B4-BE49-F238E27FC236}">
-                  <a16:creationId xmlns:a16="http://schemas.microsoft.com/office/drawing/2014/main" id="{12F3AE79-891F-064C-BEB8-352576EF5BDC}"/>
+                  <a16:creationId xmlns:a16="http://schemas.microsoft.com/office/drawing/2014/main" id="{95723BCB-2D34-8641-ACD2-D95D98AF3A7A}"/>
                 </a:ext>
               </a:extLst>
             </p:cNvPr>
-            <p:cNvPicPr>
-              <a:picLocks noChangeAspect="1"/>
-            </p:cNvPicPr>
+            <p:cNvSpPr txBox="1"/>
             <p:nvPr/>
-          </p:nvPicPr>
-          <p:blipFill>
-            <a:blip r:embed="rId7">
-              <a:extLst>
-                <a:ext uri="{96DAC541-7B7A-43D3-8B79-37D633B846F1}">
-                  <asvg:svgBlip xmlns:asvg="http://schemas.microsoft.com/office/drawing/2016/SVG/main" r:embed="rId8"/>
-                </a:ext>
-              </a:extLst>
-            </a:blip>
-            <a:stretch>
-              <a:fillRect/>
-            </a:stretch>
-          </p:blipFill>
+          </p:nvSpPr>
           <p:spPr>
             <a:xfrm>
-              <a:off x="5486400" y="3749040"/>
-              <a:ext cx="274320" cy="274320"/>
+              <a:off x="7306632" y="6394015"/>
+              <a:ext cx="4472521" cy="276999"/>
             </a:xfrm>
             <a:prstGeom prst="rect">
               <a:avLst/>
             </a:prstGeom>
+            <a:solidFill>
+              <a:schemeClr val="bg1"/>
+            </a:solidFill>
+            <a:ln>
+              <a:solidFill>
+                <a:schemeClr val="tx1"/>
+              </a:solidFill>
+            </a:ln>
           </p:spPr>
-        </p:pic>
-        <p:pic>
-          <p:nvPicPr>
-            <p:cNvPr id="11" name="Graphic 10" descr="Badge 5">
-              <a:extLst>
-                <a:ext uri="{FF2B5EF4-FFF2-40B4-BE49-F238E27FC236}">
-                  <a16:creationId xmlns:a16="http://schemas.microsoft.com/office/drawing/2014/main" id="{1870EF5F-685D-2D4C-A102-34D8C10690BD}"/>
-                </a:ext>
-              </a:extLst>
-            </p:cNvPr>
-            <p:cNvPicPr>
-              <a:picLocks noChangeAspect="1"/>
-            </p:cNvPicPr>
-            <p:nvPr/>
-          </p:nvPicPr>
-          <p:blipFill>
-            <a:blip r:embed="rId9">
-              <a:extLst>
-                <a:ext uri="{96DAC541-7B7A-43D3-8B79-37D633B846F1}">
-                  <asvg:svgBlip xmlns:asvg="http://schemas.microsoft.com/office/drawing/2016/SVG/main" r:embed="rId10"/>
-                </a:ext>
-              </a:extLst>
-            </a:blip>
-            <a:stretch>
-              <a:fillRect/>
-            </a:stretch>
-          </p:blipFill>
-          <p:spPr>
-            <a:xfrm>
-              <a:off x="5074920" y="3749040"/>
-              <a:ext cx="274320" cy="274320"/>
-            </a:xfrm>
-            <a:prstGeom prst="rect">
-              <a:avLst/>
-            </a:prstGeom>
-          </p:spPr>
-        </p:pic>
-        <p:pic>
-          <p:nvPicPr>
-            <p:cNvPr id="22" name="Graphic 21" descr="Badge 4">
-              <a:extLst>
-                <a:ext uri="{FF2B5EF4-FFF2-40B4-BE49-F238E27FC236}">
-                  <a16:creationId xmlns:a16="http://schemas.microsoft.com/office/drawing/2014/main" id="{6130CB05-D2C8-9847-9EA6-39E8F6F8AFF9}"/>
-                </a:ext>
-              </a:extLst>
-            </p:cNvPr>
-            <p:cNvPicPr>
-              <a:picLocks noChangeAspect="1"/>
-            </p:cNvPicPr>
-            <p:nvPr/>
-          </p:nvPicPr>
-          <p:blipFill>
-            <a:blip r:embed="rId11">
-              <a:extLst>
-                <a:ext uri="{96DAC541-7B7A-43D3-8B79-37D633B846F1}">
-                  <asvg:svgBlip xmlns:asvg="http://schemas.microsoft.com/office/drawing/2016/SVG/main" r:embed="rId12"/>
-                </a:ext>
-              </a:extLst>
-            </a:blip>
-            <a:stretch>
-              <a:fillRect/>
-            </a:stretch>
-          </p:blipFill>
-          <p:spPr>
-            <a:xfrm>
-              <a:off x="4663440" y="3749040"/>
-              <a:ext cx="274320" cy="274320"/>
-            </a:xfrm>
-            <a:prstGeom prst="rect">
-              <a:avLst/>
-            </a:prstGeom>
-          </p:spPr>
-        </p:pic>
-        <p:pic>
-          <p:nvPicPr>
-            <p:cNvPr id="26" name="Graphic 25" descr="Badge 3">
-              <a:extLst>
-                <a:ext uri="{FF2B5EF4-FFF2-40B4-BE49-F238E27FC236}">
-                  <a16:creationId xmlns:a16="http://schemas.microsoft.com/office/drawing/2014/main" id="{4846ABDE-6C36-814B-876B-625932773DC8}"/>
-                </a:ext>
-              </a:extLst>
-            </p:cNvPr>
-            <p:cNvPicPr>
-              <a:picLocks noChangeAspect="1"/>
-            </p:cNvPicPr>
-            <p:nvPr/>
-          </p:nvPicPr>
-          <p:blipFill>
-            <a:blip r:embed="rId13">
-              <a:extLst>
-                <a:ext uri="{96DAC541-7B7A-43D3-8B79-37D633B846F1}">
-                  <asvg:svgBlip xmlns:asvg="http://schemas.microsoft.com/office/drawing/2016/SVG/main" r:embed="rId14"/>
-                </a:ext>
-              </a:extLst>
-            </a:blip>
-            <a:stretch>
-              <a:fillRect/>
-            </a:stretch>
-          </p:blipFill>
-          <p:spPr>
-            <a:xfrm>
-              <a:off x="4251960" y="3749040"/>
-              <a:ext cx="274320" cy="274320"/>
-            </a:xfrm>
-            <a:prstGeom prst="rect">
-              <a:avLst/>
-            </a:prstGeom>
-          </p:spPr>
-        </p:pic>
-        <p:pic>
-          <p:nvPicPr>
-            <p:cNvPr id="28" name="Graphic 27" descr="Badge">
-              <a:extLst>
-                <a:ext uri="{FF2B5EF4-FFF2-40B4-BE49-F238E27FC236}">
-                  <a16:creationId xmlns:a16="http://schemas.microsoft.com/office/drawing/2014/main" id="{BE31A402-876B-DA41-8524-F81FA39F21FD}"/>
-                </a:ext>
-              </a:extLst>
-            </p:cNvPr>
-            <p:cNvPicPr>
-              <a:picLocks noChangeAspect="1"/>
-            </p:cNvPicPr>
-            <p:nvPr/>
-          </p:nvPicPr>
-          <p:blipFill>
-            <a:blip r:embed="rId15">
-              <a:extLst>
-                <a:ext uri="{96DAC541-7B7A-43D3-8B79-37D633B846F1}">
-                  <asvg:svgBlip xmlns:asvg="http://schemas.microsoft.com/office/drawing/2016/SVG/main" r:embed="rId16"/>
-                </a:ext>
-              </a:extLst>
-            </a:blip>
-            <a:stretch>
-              <a:fillRect/>
-            </a:stretch>
-          </p:blipFill>
-          <p:spPr>
-            <a:xfrm>
-              <a:off x="3840480" y="3749040"/>
-              <a:ext cx="274320" cy="274320"/>
-            </a:xfrm>
-            <a:prstGeom prst="rect">
-              <a:avLst/>
-            </a:prstGeom>
-          </p:spPr>
-        </p:pic>
-        <p:pic>
-          <p:nvPicPr>
-            <p:cNvPr id="30" name="Graphic 29" descr="Badge 1">
-              <a:extLst>
-                <a:ext uri="{FF2B5EF4-FFF2-40B4-BE49-F238E27FC236}">
-                  <a16:creationId xmlns:a16="http://schemas.microsoft.com/office/drawing/2014/main" id="{539A14CF-7DB6-D942-969B-A04A42C1BB52}"/>
-                </a:ext>
-              </a:extLst>
-            </p:cNvPr>
-            <p:cNvPicPr>
-              <a:picLocks noChangeAspect="1"/>
-            </p:cNvPicPr>
-            <p:nvPr/>
-          </p:nvPicPr>
-          <p:blipFill>
-            <a:blip r:embed="rId17">
-              <a:extLst>
-                <a:ext uri="{96DAC541-7B7A-43D3-8B79-37D633B846F1}">
-                  <asvg:svgBlip xmlns:asvg="http://schemas.microsoft.com/office/drawing/2016/SVG/main" r:embed="rId18"/>
-                </a:ext>
-              </a:extLst>
-            </a:blip>
-            <a:stretch>
-              <a:fillRect/>
-            </a:stretch>
-          </p:blipFill>
-          <p:spPr>
-            <a:xfrm>
-              <a:off x="3429000" y="3749040"/>
-              <a:ext cx="274320" cy="274320"/>
-            </a:xfrm>
-            <a:prstGeom prst="rect">
-              <a:avLst/>
-            </a:prstGeom>
-          </p:spPr>
-        </p:pic>
+          <p:txBody>
+            <a:bodyPr wrap="square" rtlCol="0">
+              <a:spAutoFit/>
+            </a:bodyPr>
+            <a:lstStyle/>
+            <a:p>
+              <a:r>
+                <a:rPr lang="en-US" sz="1200" dirty="0"/>
+                <a:t>Deliveries with multiple items are broken out on as separate records</a:t>
+              </a:r>
+            </a:p>
+          </p:txBody>
+        </p:sp>
       </p:grpSp>
       <p:sp>
         <p:nvSpPr>
-          <p:cNvPr id="31" name="TextBox 30">
-            <a:extLst>
-              <a:ext uri="{FF2B5EF4-FFF2-40B4-BE49-F238E27FC236}">
-                <a16:creationId xmlns:a16="http://schemas.microsoft.com/office/drawing/2014/main" id="{95723BCB-2D34-8641-ACD2-D95D98AF3A7A}"/>
+          <p:cNvPr id="46" name="TextBox 45">
+            <a:extLst>
+              <a:ext uri="{FF2B5EF4-FFF2-40B4-BE49-F238E27FC236}">
+                <a16:creationId xmlns:a16="http://schemas.microsoft.com/office/drawing/2014/main" id="{F9D28DD2-FC1B-7C42-BCC0-6F8D5906DFF1}"/>
               </a:ext>
             </a:extLst>
           </p:cNvPr>
@@ -12132,20 +12173,13 @@
         </p:nvSpPr>
         <p:spPr>
           <a:xfrm>
-            <a:off x="7176458" y="4878739"/>
-            <a:ext cx="4472521" cy="276999"/>
+            <a:off x="344538" y="2029920"/>
+            <a:ext cx="3381561" cy="369332"/>
           </a:xfrm>
           <a:prstGeom prst="rect">
             <a:avLst/>
           </a:prstGeom>
-          <a:solidFill>
-            <a:schemeClr val="bg1"/>
-          </a:solidFill>
-          <a:ln>
-            <a:solidFill>
-              <a:srgbClr val="FF0000"/>
-            </a:solidFill>
-          </a:ln>
+          <a:noFill/>
         </p:spPr>
         <p:txBody>
           <a:bodyPr wrap="square" rtlCol="0">
@@ -12154,22 +12188,55 @@
           <a:lstStyle/>
           <a:p>
             <a:r>
-              <a:rPr lang="en-US" sz="1200" dirty="0">
-                <a:solidFill>
-                  <a:srgbClr val="FF0000"/>
-                </a:solidFill>
-              </a:rPr>
-              <a:t>Deliveries with multiple items are broken out on as separate records</a:t>
+              <a:rPr lang="en-US" b="1" dirty="0"/>
+              <a:t>Data quality examples:</a:t>
+            </a:r>
+          </a:p>
+        </p:txBody>
+      </p:sp>
+      <p:sp>
+        <p:nvSpPr>
+          <p:cNvPr id="50" name="Rectangle 49">
+            <a:extLst>
+              <a:ext uri="{FF2B5EF4-FFF2-40B4-BE49-F238E27FC236}">
+                <a16:creationId xmlns:a16="http://schemas.microsoft.com/office/drawing/2014/main" id="{0BEBFC90-1C0E-354A-9A8D-FB0F2D5B2FFA}"/>
+              </a:ext>
+            </a:extLst>
+          </p:cNvPr>
+          <p:cNvSpPr/>
+          <p:nvPr/>
+        </p:nvSpPr>
+        <p:spPr>
+          <a:xfrm>
+            <a:off x="344538" y="1483042"/>
+            <a:ext cx="11242675" cy="338554"/>
+          </a:xfrm>
+          <a:prstGeom prst="rect">
+            <a:avLst/>
+          </a:prstGeom>
+          <a:ln>
+            <a:noFill/>
+          </a:ln>
+        </p:spPr>
+        <p:txBody>
+          <a:bodyPr wrap="square">
+            <a:spAutoFit/>
+          </a:bodyPr>
+          <a:lstStyle/>
+          <a:p>
+            <a:r>
+              <a:rPr lang="en-US" sz="1600" dirty="0"/>
+              <a:t>No major data quality concerns that affect the analysis. Minor issues include missing data and suspicious observations.</a:t>
             </a:r>
           </a:p>
         </p:txBody>
       </p:sp>
       <p:cxnSp>
         <p:nvCxnSpPr>
-          <p:cNvPr id="32" name="Straight Connector 31">
-            <a:extLst>
-              <a:ext uri="{FF2B5EF4-FFF2-40B4-BE49-F238E27FC236}">
-                <a16:creationId xmlns:a16="http://schemas.microsoft.com/office/drawing/2014/main" id="{AA0D3A3E-6BBB-F249-AD04-D36CA56181E3}"/>
+          <p:cNvPr id="52" name="Straight Connector 51">
+            <a:extLst>
+              <a:ext uri="{FF2B5EF4-FFF2-40B4-BE49-F238E27FC236}">
+                <a16:creationId xmlns:a16="http://schemas.microsoft.com/office/drawing/2014/main" id="{279145BC-DC61-194D-A3D6-75A55312E856}"/>
               </a:ext>
             </a:extLst>
           </p:cNvPr>
@@ -12180,8 +12247,8 @@
         </p:nvCxnSpPr>
         <p:spPr>
           <a:xfrm>
-            <a:off x="6613362" y="1831691"/>
-            <a:ext cx="0" cy="4535055"/>
+            <a:off x="6840638" y="2271406"/>
+            <a:ext cx="0" cy="4075213"/>
           </a:xfrm>
           <a:prstGeom prst="line">
             <a:avLst/>
@@ -12204,41 +12271,58 @@
       </p:cxnSp>
       <p:sp>
         <p:nvSpPr>
-          <p:cNvPr id="46" name="TextBox 45">
-            <a:extLst>
-              <a:ext uri="{FF2B5EF4-FFF2-40B4-BE49-F238E27FC236}">
-                <a16:creationId xmlns:a16="http://schemas.microsoft.com/office/drawing/2014/main" id="{F9D28DD2-FC1B-7C42-BCC0-6F8D5906DFF1}"/>
-              </a:ext>
-            </a:extLst>
-          </p:cNvPr>
-          <p:cNvSpPr txBox="1"/>
-          <p:nvPr/>
+          <p:cNvPr id="55" name="Footer Placeholder 54">
+            <a:extLst>
+              <a:ext uri="{FF2B5EF4-FFF2-40B4-BE49-F238E27FC236}">
+                <a16:creationId xmlns:a16="http://schemas.microsoft.com/office/drawing/2014/main" id="{758915DF-5584-664A-BAD7-6CEE67038857}"/>
+              </a:ext>
+            </a:extLst>
+          </p:cNvPr>
+          <p:cNvSpPr>
+            <a:spLocks noGrp="1"/>
+          </p:cNvSpPr>
+          <p:nvPr>
+            <p:ph type="ftr" sz="quarter" idx="11"/>
+          </p:nvPr>
         </p:nvSpPr>
-        <p:spPr>
-          <a:xfrm>
-            <a:off x="240807" y="1615972"/>
-            <a:ext cx="3599673" cy="923330"/>
-          </a:xfrm>
-          <a:prstGeom prst="rect">
-            <a:avLst/>
-          </a:prstGeom>
-          <a:noFill/>
-        </p:spPr>
+        <p:spPr/>
         <p:txBody>
-          <a:bodyPr wrap="square" rtlCol="0">
-            <a:spAutoFit/>
-          </a:bodyPr>
+          <a:bodyPr/>
           <a:lstStyle/>
           <a:p>
             <a:r>
-              <a:rPr lang="en-US" b="1" dirty="0"/>
-              <a:t>SYSTEMIC data quality problems</a:t>
-            </a:r>
-          </a:p>
-          <a:p>
+              <a:rPr lang="en-US"/>
+              <a:t>Stephen Stark - New Market Analysis</a:t>
+            </a:r>
             <a:endParaRPr lang="en-US" dirty="0"/>
           </a:p>
-          <a:p>
+        </p:txBody>
+      </p:sp>
+      <p:sp>
+        <p:nvSpPr>
+          <p:cNvPr id="56" name="Slide Number Placeholder 55">
+            <a:extLst>
+              <a:ext uri="{FF2B5EF4-FFF2-40B4-BE49-F238E27FC236}">
+                <a16:creationId xmlns:a16="http://schemas.microsoft.com/office/drawing/2014/main" id="{D15C1BBE-11D2-0549-9A7D-84EDB0CDB7A6}"/>
+              </a:ext>
+            </a:extLst>
+          </p:cNvPr>
+          <p:cNvSpPr>
+            <a:spLocks noGrp="1"/>
+          </p:cNvSpPr>
+          <p:nvPr>
+            <p:ph type="sldNum" sz="quarter" idx="12"/>
+          </p:nvPr>
+        </p:nvSpPr>
+        <p:spPr/>
+        <p:txBody>
+          <a:bodyPr/>
+          <a:lstStyle/>
+          <a:p>
+            <a:fld id="{AD44F050-9915-E24F-A2A7-E8AD21817AE0}" type="slidenum">
+              <a:rPr lang="en-US" smtClean="0"/>
+              <a:t>12</a:t>
+            </a:fld>
             <a:endParaRPr lang="en-US" dirty="0"/>
           </a:p>
         </p:txBody>
@@ -12343,7 +12427,7 @@
         </p:blipFill>
         <p:spPr>
           <a:xfrm>
-            <a:off x="6751737" y="1369953"/>
+            <a:off x="6564954" y="2324524"/>
             <a:ext cx="5054600" cy="1638300"/>
           </a:xfrm>
           <a:prstGeom prst="rect">
@@ -12373,7 +12457,7 @@
         </p:blipFill>
         <p:spPr>
           <a:xfrm>
-            <a:off x="6550138" y="4404412"/>
+            <a:off x="6811779" y="4444965"/>
             <a:ext cx="4902200" cy="2146300"/>
           </a:xfrm>
           <a:prstGeom prst="rect">
@@ -12403,8 +12487,8 @@
         </p:blipFill>
         <p:spPr>
           <a:xfrm>
-            <a:off x="318234" y="1966847"/>
-            <a:ext cx="5933221" cy="2381361"/>
+            <a:off x="318235" y="2510865"/>
+            <a:ext cx="5777766" cy="2381361"/>
           </a:xfrm>
           <a:prstGeom prst="rect">
             <a:avLst/>
@@ -12425,8 +12509,8 @@
         </p:nvSpPr>
         <p:spPr>
           <a:xfrm>
-            <a:off x="385662" y="1506021"/>
-            <a:ext cx="3908546" cy="369332"/>
+            <a:off x="385662" y="1887497"/>
+            <a:ext cx="5996726" cy="307777"/>
           </a:xfrm>
           <a:prstGeom prst="rect">
             <a:avLst/>
@@ -12442,10 +12526,9 @@
           </a:bodyPr>
           <a:lstStyle/>
           <a:p>
-            <a:pPr algn="ctr"/>
-            <a:r>
-              <a:rPr lang="en-US" b="1" dirty="0"/>
-              <a:t>DEMOGRAPHIC &amp; GEOGRAPHIC DATA</a:t>
+            <a:r>
+              <a:rPr lang="en-US" sz="1400" b="1" dirty="0"/>
+              <a:t>DEMOGRAPHIC: Zip code, population, &amp; median household income </a:t>
             </a:r>
           </a:p>
         </p:txBody>
@@ -12464,8 +12547,8 @@
         </p:nvSpPr>
         <p:spPr>
           <a:xfrm>
-            <a:off x="385662" y="4624367"/>
-            <a:ext cx="5436402" cy="1477328"/>
+            <a:off x="385662" y="5052635"/>
+            <a:ext cx="5710338" cy="646331"/>
           </a:xfrm>
           <a:prstGeom prst="rect">
             <a:avLst/>
@@ -12479,105 +12562,25 @@
           <a:lstStyle/>
           <a:p>
             <a:r>
-              <a:rPr lang="en-US" dirty="0"/>
+              <a:rPr lang="en-US" sz="1200" dirty="0"/>
               <a:t>“</a:t>
             </a:r>
             <a:r>
-              <a:rPr lang="en-US" dirty="0" err="1"/>
+              <a:rPr lang="en-US" sz="1200" dirty="0" err="1"/>
               <a:t>uszipcode</a:t>
             </a:r>
             <a:r>
-              <a:rPr lang="en-US" dirty="0"/>
+              <a:rPr lang="en-US" sz="1200" dirty="0"/>
               <a:t>” package provides access US census data in dictionary format</a:t>
             </a:r>
           </a:p>
           <a:p>
-            <a:endParaRPr lang="en-US" dirty="0"/>
-          </a:p>
-          <a:p>
-            <a:r>
-              <a:rPr lang="en-US" dirty="0"/>
+            <a:endParaRPr lang="en-US" sz="1200" dirty="0"/>
+          </a:p>
+          <a:p>
+            <a:r>
+              <a:rPr lang="en-US" sz="1200" dirty="0"/>
               <a:t>A sample function returns zip code based on latitude and longitude coordinates</a:t>
-            </a:r>
-          </a:p>
-        </p:txBody>
-      </p:sp>
-      <p:sp>
-        <p:nvSpPr>
-          <p:cNvPr id="28" name="TextBox 27">
-            <a:extLst>
-              <a:ext uri="{FF2B5EF4-FFF2-40B4-BE49-F238E27FC236}">
-                <a16:creationId xmlns:a16="http://schemas.microsoft.com/office/drawing/2014/main" id="{7F298BE5-A43C-9D46-8757-7062DEB5C0A3}"/>
-              </a:ext>
-            </a:extLst>
-          </p:cNvPr>
-          <p:cNvSpPr txBox="1"/>
-          <p:nvPr/>
-        </p:nvSpPr>
-        <p:spPr>
-          <a:xfrm>
-            <a:off x="6751737" y="3088077"/>
-            <a:ext cx="5201214" cy="646331"/>
-          </a:xfrm>
-          <a:prstGeom prst="rect">
-            <a:avLst/>
-          </a:prstGeom>
-          <a:noFill/>
-          <a:ln>
-            <a:solidFill>
-              <a:schemeClr val="dk1"/>
-            </a:solidFill>
-          </a:ln>
-        </p:spPr>
-        <p:txBody>
-          <a:bodyPr wrap="square" rtlCol="0">
-            <a:spAutoFit/>
-          </a:bodyPr>
-          <a:lstStyle/>
-          <a:p>
-            <a:r>
-              <a:rPr lang="en-US" dirty="0"/>
-              <a:t>I used Haversine distance, aka “as the crow flies”, as a measure of distance between two coordinate points</a:t>
-            </a:r>
-          </a:p>
-        </p:txBody>
-      </p:sp>
-      <p:sp>
-        <p:nvSpPr>
-          <p:cNvPr id="32" name="TextBox 31">
-            <a:extLst>
-              <a:ext uri="{FF2B5EF4-FFF2-40B4-BE49-F238E27FC236}">
-                <a16:creationId xmlns:a16="http://schemas.microsoft.com/office/drawing/2014/main" id="{D44C3F3A-CE48-4B4E-B22A-2F098C3851DD}"/>
-              </a:ext>
-            </a:extLst>
-          </p:cNvPr>
-          <p:cNvSpPr txBox="1"/>
-          <p:nvPr/>
-        </p:nvSpPr>
-        <p:spPr>
-          <a:xfrm>
-            <a:off x="9502656" y="5193760"/>
-            <a:ext cx="2460737" cy="1323439"/>
-          </a:xfrm>
-          <a:prstGeom prst="rect">
-            <a:avLst/>
-          </a:prstGeom>
-          <a:noFill/>
-          <a:ln>
-            <a:solidFill>
-              <a:schemeClr val="dk1"/>
-            </a:solidFill>
-          </a:ln>
-        </p:spPr>
-        <p:txBody>
-          <a:bodyPr wrap="square" rtlCol="0">
-            <a:spAutoFit/>
-          </a:bodyPr>
-          <a:lstStyle/>
-          <a:p>
-            <a:r>
-              <a:rPr lang="en-US" sz="1600" dirty="0"/>
-              <a:t>I engineered certain new features (e.g. total delivery time or time spent at pickup) that are a function of existing features</a:t>
             </a:r>
           </a:p>
         </p:txBody>
@@ -12598,7 +12601,7 @@
         </p:nvCxnSpPr>
         <p:spPr>
           <a:xfrm>
-            <a:off x="6567062" y="2291533"/>
+            <a:off x="6312938" y="2303184"/>
             <a:ext cx="0" cy="4075213"/>
           </a:xfrm>
           <a:prstGeom prst="line">
@@ -12620,6 +12623,215 @@
           </a:fontRef>
         </p:style>
       </p:cxnSp>
+      <p:sp>
+        <p:nvSpPr>
+          <p:cNvPr id="37" name="TextBox 36">
+            <a:extLst>
+              <a:ext uri="{FF2B5EF4-FFF2-40B4-BE49-F238E27FC236}">
+                <a16:creationId xmlns:a16="http://schemas.microsoft.com/office/drawing/2014/main" id="{B32418A2-0343-B646-968C-80BDE0FC95EC}"/>
+              </a:ext>
+            </a:extLst>
+          </p:cNvPr>
+          <p:cNvSpPr txBox="1"/>
+          <p:nvPr/>
+        </p:nvSpPr>
+        <p:spPr>
+          <a:xfrm>
+            <a:off x="318234" y="1444059"/>
+            <a:ext cx="9740162" cy="369332"/>
+          </a:xfrm>
+          <a:prstGeom prst="rect">
+            <a:avLst/>
+          </a:prstGeom>
+          <a:noFill/>
+          <a:ln>
+            <a:noFill/>
+          </a:ln>
+        </p:spPr>
+        <p:txBody>
+          <a:bodyPr wrap="square" rtlCol="0">
+            <a:spAutoFit/>
+          </a:bodyPr>
+          <a:lstStyle/>
+          <a:p>
+            <a:r>
+              <a:rPr lang="en-US" dirty="0"/>
+              <a:t>Sample code to show the process behind feature engineering of attributes not in the original dataset. </a:t>
+            </a:r>
+          </a:p>
+        </p:txBody>
+      </p:sp>
+      <p:sp>
+        <p:nvSpPr>
+          <p:cNvPr id="38" name="TextBox 37">
+            <a:extLst>
+              <a:ext uri="{FF2B5EF4-FFF2-40B4-BE49-F238E27FC236}">
+                <a16:creationId xmlns:a16="http://schemas.microsoft.com/office/drawing/2014/main" id="{5A6E6F9C-F8E4-AA47-BD2F-7F9F9572EAFB}"/>
+              </a:ext>
+            </a:extLst>
+          </p:cNvPr>
+          <p:cNvSpPr txBox="1"/>
+          <p:nvPr/>
+        </p:nvSpPr>
+        <p:spPr>
+          <a:xfrm>
+            <a:off x="6467170" y="1883581"/>
+            <a:ext cx="5250168" cy="307777"/>
+          </a:xfrm>
+          <a:prstGeom prst="rect">
+            <a:avLst/>
+          </a:prstGeom>
+          <a:noFill/>
+          <a:ln>
+            <a:noFill/>
+          </a:ln>
+        </p:spPr>
+        <p:txBody>
+          <a:bodyPr wrap="square" rtlCol="0">
+            <a:spAutoFit/>
+          </a:bodyPr>
+          <a:lstStyle/>
+          <a:p>
+            <a:r>
+              <a:rPr lang="en-US" sz="1400" b="1" dirty="0"/>
+              <a:t>GEOGRAPHIC: Haversine “as the crow flies”  distance calculation</a:t>
+            </a:r>
+          </a:p>
+        </p:txBody>
+      </p:sp>
+      <p:sp>
+        <p:nvSpPr>
+          <p:cNvPr id="39" name="TextBox 38">
+            <a:extLst>
+              <a:ext uri="{FF2B5EF4-FFF2-40B4-BE49-F238E27FC236}">
+                <a16:creationId xmlns:a16="http://schemas.microsoft.com/office/drawing/2014/main" id="{4DA2F895-F31A-C14D-B3F8-95258056EE40}"/>
+              </a:ext>
+            </a:extLst>
+          </p:cNvPr>
+          <p:cNvSpPr txBox="1"/>
+          <p:nvPr/>
+        </p:nvSpPr>
+        <p:spPr>
+          <a:xfrm>
+            <a:off x="6467170" y="4079313"/>
+            <a:ext cx="5250168" cy="307777"/>
+          </a:xfrm>
+          <a:prstGeom prst="rect">
+            <a:avLst/>
+          </a:prstGeom>
+          <a:noFill/>
+          <a:ln>
+            <a:noFill/>
+          </a:ln>
+        </p:spPr>
+        <p:txBody>
+          <a:bodyPr wrap="square" rtlCol="0">
+            <a:spAutoFit/>
+          </a:bodyPr>
+          <a:lstStyle/>
+          <a:p>
+            <a:r>
+              <a:rPr lang="en-US" sz="1400" b="1" dirty="0"/>
+              <a:t>DESCRIPTIVE STATISTICS: Total Time to Delivery</a:t>
+            </a:r>
+          </a:p>
+        </p:txBody>
+      </p:sp>
+      <p:pic>
+        <p:nvPicPr>
+          <p:cNvPr id="41" name="Picture 40" descr="Table&#10;&#10;Description automatically generated">
+            <a:extLst>
+              <a:ext uri="{FF2B5EF4-FFF2-40B4-BE49-F238E27FC236}">
+                <a16:creationId xmlns:a16="http://schemas.microsoft.com/office/drawing/2014/main" id="{89FE9315-14AE-B744-8172-50F72FF40115}"/>
+              </a:ext>
+            </a:extLst>
+          </p:cNvPr>
+          <p:cNvPicPr>
+            <a:picLocks noChangeAspect="1"/>
+          </p:cNvPicPr>
+          <p:nvPr/>
+        </p:nvPicPr>
+        <p:blipFill>
+          <a:blip r:embed="rId5"/>
+          <a:stretch>
+            <a:fillRect/>
+          </a:stretch>
+        </p:blipFill>
+        <p:spPr>
+          <a:xfrm>
+            <a:off x="9769022" y="5052635"/>
+            <a:ext cx="1306823" cy="1325762"/>
+          </a:xfrm>
+          <a:prstGeom prst="rect">
+            <a:avLst/>
+          </a:prstGeom>
+          <a:effectLst>
+            <a:outerShdw blurRad="63500" sx="102000" sy="102000" algn="ctr" rotWithShape="0">
+              <a:prstClr val="black">
+                <a:alpha val="40000"/>
+              </a:prstClr>
+            </a:outerShdw>
+          </a:effectLst>
+        </p:spPr>
+      </p:pic>
+      <p:sp>
+        <p:nvSpPr>
+          <p:cNvPr id="42" name="Footer Placeholder 41">
+            <a:extLst>
+              <a:ext uri="{FF2B5EF4-FFF2-40B4-BE49-F238E27FC236}">
+                <a16:creationId xmlns:a16="http://schemas.microsoft.com/office/drawing/2014/main" id="{6E166C9B-BF5A-C647-8AE3-768833EF0D84}"/>
+              </a:ext>
+            </a:extLst>
+          </p:cNvPr>
+          <p:cNvSpPr>
+            <a:spLocks noGrp="1"/>
+          </p:cNvSpPr>
+          <p:nvPr>
+            <p:ph type="ftr" sz="quarter" idx="11"/>
+          </p:nvPr>
+        </p:nvSpPr>
+        <p:spPr/>
+        <p:txBody>
+          <a:bodyPr/>
+          <a:lstStyle/>
+          <a:p>
+            <a:r>
+              <a:rPr lang="en-US"/>
+              <a:t>Stephen Stark - New Market Analysis</a:t>
+            </a:r>
+            <a:endParaRPr lang="en-US" dirty="0"/>
+          </a:p>
+        </p:txBody>
+      </p:sp>
+      <p:sp>
+        <p:nvSpPr>
+          <p:cNvPr id="43" name="Slide Number Placeholder 42">
+            <a:extLst>
+              <a:ext uri="{FF2B5EF4-FFF2-40B4-BE49-F238E27FC236}">
+                <a16:creationId xmlns:a16="http://schemas.microsoft.com/office/drawing/2014/main" id="{2532CFD9-1272-964A-A4D6-0477594079BE}"/>
+              </a:ext>
+            </a:extLst>
+          </p:cNvPr>
+          <p:cNvSpPr>
+            <a:spLocks noGrp="1"/>
+          </p:cNvSpPr>
+          <p:nvPr>
+            <p:ph type="sldNum" sz="quarter" idx="12"/>
+          </p:nvPr>
+        </p:nvSpPr>
+        <p:spPr/>
+        <p:txBody>
+          <a:bodyPr/>
+          <a:lstStyle/>
+          <a:p>
+            <a:fld id="{AD44F050-9915-E24F-A2A7-E8AD21817AE0}" type="slidenum">
+              <a:rPr lang="en-US" smtClean="0"/>
+              <a:t>13</a:t>
+            </a:fld>
+            <a:endParaRPr lang="en-US" dirty="0"/>
+          </a:p>
+        </p:txBody>
+      </p:sp>
     </p:spTree>
     <p:extLst>
       <p:ext uri="{BB962C8B-B14F-4D97-AF65-F5344CB8AC3E}">
@@ -12808,6 +13020,63 @@
             <a:r>
               <a:rPr lang="en-US" sz="3000" b="1" dirty="0"/>
               <a:t>WAIT TIMES</a:t>
+            </a:r>
+          </a:p>
+        </p:txBody>
+      </p:sp>
+      <p:sp>
+        <p:nvSpPr>
+          <p:cNvPr id="2" name="Footer Placeholder 1">
+            <a:extLst>
+              <a:ext uri="{FF2B5EF4-FFF2-40B4-BE49-F238E27FC236}">
+                <a16:creationId xmlns:a16="http://schemas.microsoft.com/office/drawing/2014/main" id="{D7A187C8-25FB-7841-A960-4468F8E0904F}"/>
+              </a:ext>
+            </a:extLst>
+          </p:cNvPr>
+          <p:cNvSpPr>
+            <a:spLocks noGrp="1"/>
+          </p:cNvSpPr>
+          <p:nvPr>
+            <p:ph type="ftr" sz="quarter" idx="11"/>
+          </p:nvPr>
+        </p:nvSpPr>
+        <p:spPr/>
+        <p:txBody>
+          <a:bodyPr/>
+          <a:lstStyle/>
+          <a:p>
+            <a:r>
+              <a:rPr lang="en-US"/>
+              <a:t>Stephen Stark - New Market Analysis</a:t>
+            </a:r>
+            <a:endParaRPr lang="en-US" dirty="0"/>
+          </a:p>
+        </p:txBody>
+      </p:sp>
+      <p:sp>
+        <p:nvSpPr>
+          <p:cNvPr id="3" name="Slide Number Placeholder 2">
+            <a:extLst>
+              <a:ext uri="{FF2B5EF4-FFF2-40B4-BE49-F238E27FC236}">
+                <a16:creationId xmlns:a16="http://schemas.microsoft.com/office/drawing/2014/main" id="{9FDF2BA9-F15E-A541-A3AC-377CD796F7B1}"/>
+              </a:ext>
+            </a:extLst>
+          </p:cNvPr>
+          <p:cNvSpPr>
+            <a:spLocks noGrp="1"/>
+          </p:cNvSpPr>
+          <p:nvPr>
+            <p:ph type="sldNum" sz="quarter" idx="12"/>
+          </p:nvPr>
+        </p:nvSpPr>
+        <p:spPr/>
+        <p:txBody>
+          <a:bodyPr/>
+          <a:lstStyle/>
+          <a:p>
+            <a:r>
+              <a:rPr lang="en-US" dirty="0"/>
+              <a:t>14</a:t>
             </a:r>
           </a:p>
         </p:txBody>
@@ -12962,8 +13231,8 @@
         </p:nvSpPr>
         <p:spPr>
           <a:xfrm>
-            <a:off x="838200" y="3570848"/>
-            <a:ext cx="2855012" cy="369332"/>
+            <a:off x="950495" y="3839640"/>
+            <a:ext cx="3221588" cy="369332"/>
           </a:xfrm>
           <a:prstGeom prst="rect">
             <a:avLst/>
@@ -12977,7 +13246,7 @@
           <a:p>
             <a:r>
               <a:rPr lang="en-US" b="1" dirty="0"/>
-              <a:t>Target UNTAPPED MARKETS</a:t>
+              <a:t>UNTAPPED MARKET POTENTIAL</a:t>
             </a:r>
           </a:p>
         </p:txBody>
@@ -13069,7 +13338,7 @@
               <a:pPr algn="ctr"/>
               <a:r>
                 <a:rPr lang="en-US" sz="5000" dirty="0"/>
-                <a:t>286,000</a:t>
+                <a:t>290,000</a:t>
               </a:r>
             </a:p>
           </p:txBody>
@@ -13334,6 +13603,63 @@
           </p:style>
         </p:cxnSp>
       </p:grpSp>
+      <p:sp>
+        <p:nvSpPr>
+          <p:cNvPr id="49" name="Footer Placeholder 48">
+            <a:extLst>
+              <a:ext uri="{FF2B5EF4-FFF2-40B4-BE49-F238E27FC236}">
+                <a16:creationId xmlns:a16="http://schemas.microsoft.com/office/drawing/2014/main" id="{F50C3E9E-1A51-FC4F-99A1-F0238B738DE3}"/>
+              </a:ext>
+            </a:extLst>
+          </p:cNvPr>
+          <p:cNvSpPr>
+            <a:spLocks noGrp="1"/>
+          </p:cNvSpPr>
+          <p:nvPr>
+            <p:ph type="ftr" sz="quarter" idx="11"/>
+          </p:nvPr>
+        </p:nvSpPr>
+        <p:spPr/>
+        <p:txBody>
+          <a:bodyPr/>
+          <a:lstStyle/>
+          <a:p>
+            <a:r>
+              <a:rPr lang="en-US"/>
+              <a:t>Stephen Stark - New Market Analysis</a:t>
+            </a:r>
+            <a:endParaRPr lang="en-US" dirty="0"/>
+          </a:p>
+        </p:txBody>
+      </p:sp>
+      <p:sp>
+        <p:nvSpPr>
+          <p:cNvPr id="50" name="Slide Number Placeholder 49">
+            <a:extLst>
+              <a:ext uri="{FF2B5EF4-FFF2-40B4-BE49-F238E27FC236}">
+                <a16:creationId xmlns:a16="http://schemas.microsoft.com/office/drawing/2014/main" id="{438C26AC-4713-954F-A743-1F1D227023CE}"/>
+              </a:ext>
+            </a:extLst>
+          </p:cNvPr>
+          <p:cNvSpPr>
+            <a:spLocks noGrp="1"/>
+          </p:cNvSpPr>
+          <p:nvPr>
+            <p:ph type="sldNum" sz="quarter" idx="12"/>
+          </p:nvPr>
+        </p:nvSpPr>
+        <p:spPr/>
+        <p:txBody>
+          <a:bodyPr/>
+          <a:lstStyle/>
+          <a:p>
+            <a:r>
+              <a:rPr lang="en-US" dirty="0"/>
+              <a:t>15</a:t>
+            </a:r>
+          </a:p>
+        </p:txBody>
+      </p:sp>
     </p:spTree>
     <p:extLst>
       <p:ext uri="{BB962C8B-B14F-4D97-AF65-F5344CB8AC3E}">
@@ -15574,6 +15900,63 @@
           </a:p>
         </p:txBody>
       </p:sp>
+      <p:sp>
+        <p:nvSpPr>
+          <p:cNvPr id="25" name="Footer Placeholder 24">
+            <a:extLst>
+              <a:ext uri="{FF2B5EF4-FFF2-40B4-BE49-F238E27FC236}">
+                <a16:creationId xmlns:a16="http://schemas.microsoft.com/office/drawing/2014/main" id="{890A4C4F-6EB6-CC4B-9D10-1733BD2FAB63}"/>
+              </a:ext>
+            </a:extLst>
+          </p:cNvPr>
+          <p:cNvSpPr>
+            <a:spLocks noGrp="1"/>
+          </p:cNvSpPr>
+          <p:nvPr>
+            <p:ph type="ftr" sz="quarter" idx="11"/>
+          </p:nvPr>
+        </p:nvSpPr>
+        <p:spPr/>
+        <p:txBody>
+          <a:bodyPr/>
+          <a:lstStyle/>
+          <a:p>
+            <a:r>
+              <a:rPr lang="en-US"/>
+              <a:t>Stephen Stark - New Market Analysis</a:t>
+            </a:r>
+            <a:endParaRPr lang="en-US" dirty="0"/>
+          </a:p>
+        </p:txBody>
+      </p:sp>
+      <p:sp>
+        <p:nvSpPr>
+          <p:cNvPr id="26" name="Slide Number Placeholder 25">
+            <a:extLst>
+              <a:ext uri="{FF2B5EF4-FFF2-40B4-BE49-F238E27FC236}">
+                <a16:creationId xmlns:a16="http://schemas.microsoft.com/office/drawing/2014/main" id="{8A30FD36-01E5-1542-A05E-35B7FE6024E8}"/>
+              </a:ext>
+            </a:extLst>
+          </p:cNvPr>
+          <p:cNvSpPr>
+            <a:spLocks noGrp="1"/>
+          </p:cNvSpPr>
+          <p:nvPr>
+            <p:ph type="sldNum" sz="quarter" idx="12"/>
+          </p:nvPr>
+        </p:nvSpPr>
+        <p:spPr/>
+        <p:txBody>
+          <a:bodyPr/>
+          <a:lstStyle/>
+          <a:p>
+            <a:r>
+              <a:rPr lang="en-US" dirty="0"/>
+              <a:t>16</a:t>
+            </a:r>
+          </a:p>
+        </p:txBody>
+      </p:sp>
     </p:spTree>
     <p:extLst>
       <p:ext uri="{BB962C8B-B14F-4D97-AF65-F5344CB8AC3E}">
@@ -15680,8 +16063,12 @@
               <a:buNone/>
             </a:pPr>
             <a:r>
+              <a:rPr lang="en-US" sz="1800" b="1" dirty="0"/>
+              <a:t>GROWTH RECOMMENDATION #2</a:t>
+            </a:r>
+            <a:r>
               <a:rPr lang="en-US" sz="1800" dirty="0"/>
-              <a:t>GROWTH RECOMMENDATION #2: Focus on Jumpmen and Customer engagement. Survey the ones who use the service the most to to gather feedback on their hurdles and challenges. Also engage with the customers who only used once and haven’t returned.</a:t>
+              <a:t>: Focus on Jumpmen and Customer engagement. Survey the people who use the platform the most to gather feedback on their hurdles and challenges. Also engage with the single use customers who have not yet returned.</a:t>
             </a:r>
           </a:p>
           <a:p>
@@ -15830,8 +16217,8 @@
         </p:nvSpPr>
         <p:spPr>
           <a:xfrm>
-            <a:off x="4945683" y="3004889"/>
-            <a:ext cx="1651718" cy="1077218"/>
+            <a:off x="4757196" y="3004889"/>
+            <a:ext cx="1967484" cy="830997"/>
           </a:xfrm>
           <a:prstGeom prst="rect">
             <a:avLst/>
@@ -15871,8 +16258,8 @@
         </p:nvSpPr>
         <p:spPr>
           <a:xfrm>
-            <a:off x="4855706" y="4771836"/>
-            <a:ext cx="1778997" cy="1323439"/>
+            <a:off x="4757196" y="4949892"/>
+            <a:ext cx="1967484" cy="830997"/>
           </a:xfrm>
           <a:prstGeom prst="rect">
             <a:avLst/>
@@ -16022,6 +16409,63 @@
           <a:p>
             <a:pPr algn="ctr"/>
             <a:endParaRPr lang="en-US" dirty="0"/>
+          </a:p>
+        </p:txBody>
+      </p:sp>
+      <p:sp>
+        <p:nvSpPr>
+          <p:cNvPr id="44" name="Footer Placeholder 43">
+            <a:extLst>
+              <a:ext uri="{FF2B5EF4-FFF2-40B4-BE49-F238E27FC236}">
+                <a16:creationId xmlns:a16="http://schemas.microsoft.com/office/drawing/2014/main" id="{DD80B8C5-2BA5-064A-8027-876437600980}"/>
+              </a:ext>
+            </a:extLst>
+          </p:cNvPr>
+          <p:cNvSpPr>
+            <a:spLocks noGrp="1"/>
+          </p:cNvSpPr>
+          <p:nvPr>
+            <p:ph type="ftr" sz="quarter" idx="11"/>
+          </p:nvPr>
+        </p:nvSpPr>
+        <p:spPr/>
+        <p:txBody>
+          <a:bodyPr/>
+          <a:lstStyle/>
+          <a:p>
+            <a:r>
+              <a:rPr lang="en-US"/>
+              <a:t>Stephen Stark - New Market Analysis</a:t>
+            </a:r>
+            <a:endParaRPr lang="en-US" dirty="0"/>
+          </a:p>
+        </p:txBody>
+      </p:sp>
+      <p:sp>
+        <p:nvSpPr>
+          <p:cNvPr id="45" name="Slide Number Placeholder 44">
+            <a:extLst>
+              <a:ext uri="{FF2B5EF4-FFF2-40B4-BE49-F238E27FC236}">
+                <a16:creationId xmlns:a16="http://schemas.microsoft.com/office/drawing/2014/main" id="{7EA9B281-4C4F-4247-85F8-4A8A6D1D47CA}"/>
+              </a:ext>
+            </a:extLst>
+          </p:cNvPr>
+          <p:cNvSpPr>
+            <a:spLocks noGrp="1"/>
+          </p:cNvSpPr>
+          <p:nvPr>
+            <p:ph type="sldNum" sz="quarter" idx="12"/>
+          </p:nvPr>
+        </p:nvSpPr>
+        <p:spPr/>
+        <p:txBody>
+          <a:bodyPr/>
+          <a:lstStyle/>
+          <a:p>
+            <a:r>
+              <a:rPr lang="en-US" dirty="0"/>
+              <a:t>17</a:t>
+            </a:r>
           </a:p>
         </p:txBody>
       </p:sp>
@@ -16126,7 +16570,15 @@
             </a:r>
             <a:r>
               <a:rPr lang="en-US" sz="1800" dirty="0"/>
-              <a:t>Decrease wasted time at restaurants. Explore a restaurant partnership model to minimize the time spent waiting at the pickup location.</a:t>
+              <a:t>Decrease wasted time at restaurants by minimizing </a:t>
+            </a:r>
+            <a:r>
+              <a:rPr lang="en-US" sz="1800" b="1" dirty="0"/>
+              <a:t>WAIT TIMES </a:t>
+            </a:r>
+            <a:r>
+              <a:rPr lang="en-US" sz="1800" dirty="0"/>
+              <a:t>for the Jumpmen. Explore a restaurant partnership model to minimize the time spent waiting at the pickup location.</a:t>
             </a:r>
           </a:p>
           <a:p>
@@ -16134,28 +16586,6 @@
               <a:buNone/>
             </a:pPr>
             <a:endParaRPr lang="en-US" sz="1600" dirty="0"/>
-          </a:p>
-          <a:p>
-            <a:pPr marL="0" indent="0">
-              <a:buNone/>
-            </a:pPr>
-            <a:r>
-              <a:rPr lang="en-US" sz="1600" b="1" dirty="0"/>
-              <a:t>Minimize WAIT TIMES for Jumpmen. </a:t>
-            </a:r>
-            <a:r>
-              <a:rPr lang="en-US" sz="1600" dirty="0"/>
-              <a:t>Recommend partnership model with restaurants to minimize wasted time. </a:t>
-            </a:r>
-          </a:p>
-          <a:p>
-            <a:endParaRPr lang="en-US" sz="1500" dirty="0"/>
-          </a:p>
-          <a:p>
-            <a:endParaRPr lang="en-US" sz="1500" dirty="0"/>
-          </a:p>
-          <a:p>
-            <a:endParaRPr lang="en-US" sz="1500" dirty="0"/>
           </a:p>
           <a:p>
             <a:pPr lvl="2"/>
@@ -16186,8 +16616,8 @@
         </p:nvSpPr>
         <p:spPr>
           <a:xfrm>
-            <a:off x="4817007" y="3177279"/>
-            <a:ext cx="5812483" cy="2031325"/>
+            <a:off x="4647172" y="3093335"/>
+            <a:ext cx="6300558" cy="2400657"/>
           </a:xfrm>
           <a:prstGeom prst="rect">
             <a:avLst/>
@@ -16200,34 +16630,54 @@
           </a:bodyPr>
           <a:lstStyle/>
           <a:p>
-            <a:r>
-              <a:rPr lang="en-US" sz="1400" dirty="0"/>
+            <a:pPr marL="285750" indent="-285750">
+              <a:buFont typeface="Arial" panose="020B0604020202020204" pitchFamily="34" charset="0"/>
+              <a:buChar char="•"/>
+            </a:pPr>
+            <a:r>
+              <a:rPr lang="en-US" sz="1500" dirty="0"/>
               <a:t>Set an ambitious goal to have Jumpmen spending </a:t>
             </a:r>
             <a:r>
-              <a:rPr lang="en-US" sz="1400" b="1" dirty="0"/>
+              <a:rPr lang="en-US" sz="1500" b="1" dirty="0"/>
               <a:t>no longer than 15 minutes </a:t>
             </a:r>
             <a:r>
-              <a:rPr lang="en-US" sz="1400" dirty="0"/>
+              <a:rPr lang="en-US" sz="1500" dirty="0"/>
               <a:t>at each restaurant. Achieve this goal by implementing a business partnership model.</a:t>
             </a:r>
           </a:p>
           <a:p>
-            <a:endParaRPr lang="en-US" sz="1400" dirty="0"/>
-          </a:p>
-          <a:p>
-            <a:r>
-              <a:rPr lang="en-US" sz="1400" dirty="0"/>
+            <a:pPr marL="285750" indent="-285750">
+              <a:buFont typeface="Arial" panose="020B0604020202020204" pitchFamily="34" charset="0"/>
+              <a:buChar char="•"/>
+            </a:pPr>
+            <a:endParaRPr lang="en-US" sz="1500" dirty="0"/>
+          </a:p>
+          <a:p>
+            <a:pPr marL="285750" indent="-285750">
+              <a:buFont typeface="Arial" panose="020B0604020202020204" pitchFamily="34" charset="0"/>
+              <a:buChar char="•"/>
+            </a:pPr>
+            <a:r>
+              <a:rPr lang="en-US" sz="1500" dirty="0"/>
               <a:t>In October 2014,  reducing all wait times to a max of 15 minutes would have saved Jumpmen a total of 14,000 minutes, or an average of 27 minutes per Jumpman</a:t>
             </a:r>
           </a:p>
           <a:p>
-            <a:endParaRPr lang="en-US" sz="1400" dirty="0"/>
-          </a:p>
-          <a:p>
-            <a:r>
-              <a:rPr lang="en-US" sz="1400" dirty="0"/>
+            <a:pPr marL="285750" indent="-285750">
+              <a:buFont typeface="Arial" panose="020B0604020202020204" pitchFamily="34" charset="0"/>
+              <a:buChar char="•"/>
+            </a:pPr>
+            <a:endParaRPr lang="en-US" sz="1500" dirty="0"/>
+          </a:p>
+          <a:p>
+            <a:pPr marL="285750" indent="-285750">
+              <a:buFont typeface="Arial" panose="020B0604020202020204" pitchFamily="34" charset="0"/>
+              <a:buChar char="•"/>
+            </a:pPr>
+            <a:r>
+              <a:rPr lang="en-US" sz="1500" dirty="0"/>
               <a:t>Giving time back to Jumpmen allows them to put more time into the platform</a:t>
             </a:r>
           </a:p>
@@ -16247,8 +16697,8 @@
         </p:nvGrpSpPr>
         <p:grpSpPr>
           <a:xfrm>
-            <a:off x="838200" y="3185105"/>
-            <a:ext cx="2973795" cy="2092949"/>
+            <a:off x="763929" y="3033056"/>
+            <a:ext cx="3582301" cy="2521214"/>
             <a:chOff x="1169941" y="2235983"/>
             <a:chExt cx="2973795" cy="2092949"/>
           </a:xfrm>
@@ -16319,114 +16769,63 @@
           </p:spPr>
         </p:pic>
       </p:grpSp>
-      <p:pic>
-        <p:nvPicPr>
-          <p:cNvPr id="16" name="Graphic 15" descr="Lightbulb">
-            <a:extLst>
-              <a:ext uri="{FF2B5EF4-FFF2-40B4-BE49-F238E27FC236}">
-                <a16:creationId xmlns:a16="http://schemas.microsoft.com/office/drawing/2014/main" id="{C8B90E7F-E7DE-9648-B2F9-CD63F1500970}"/>
-              </a:ext>
-            </a:extLst>
-          </p:cNvPr>
-          <p:cNvPicPr>
-            <a:picLocks noChangeAspect="1"/>
-          </p:cNvPicPr>
-          <p:nvPr/>
-        </p:nvPicPr>
-        <p:blipFill>
-          <a:blip r:embed="rId4">
-            <a:extLst>
-              <a:ext uri="{96DAC541-7B7A-43D3-8B79-37D633B846F1}">
-                <asvg:svgBlip xmlns:asvg="http://schemas.microsoft.com/office/drawing/2016/SVG/main" r:embed="rId5"/>
-              </a:ext>
-            </a:extLst>
-          </a:blip>
-          <a:stretch>
-            <a:fillRect/>
-          </a:stretch>
-        </p:blipFill>
-        <p:spPr>
-          <a:xfrm>
-            <a:off x="4291325" y="3215594"/>
-            <a:ext cx="358879" cy="358879"/>
-          </a:xfrm>
-          <a:prstGeom prst="rect">
-            <a:avLst/>
-          </a:prstGeom>
-        </p:spPr>
-      </p:pic>
-      <p:pic>
-        <p:nvPicPr>
-          <p:cNvPr id="17" name="Graphic 16" descr="Lightbulb">
-            <a:extLst>
-              <a:ext uri="{FF2B5EF4-FFF2-40B4-BE49-F238E27FC236}">
-                <a16:creationId xmlns:a16="http://schemas.microsoft.com/office/drawing/2014/main" id="{CED393EE-A629-8A48-B51A-5307167B844A}"/>
-              </a:ext>
-            </a:extLst>
-          </p:cNvPr>
-          <p:cNvPicPr>
-            <a:picLocks noChangeAspect="1"/>
-          </p:cNvPicPr>
-          <p:nvPr/>
-        </p:nvPicPr>
-        <p:blipFill>
-          <a:blip r:embed="rId4">
-            <a:extLst>
-              <a:ext uri="{96DAC541-7B7A-43D3-8B79-37D633B846F1}">
-                <asvg:svgBlip xmlns:asvg="http://schemas.microsoft.com/office/drawing/2016/SVG/main" r:embed="rId5"/>
-              </a:ext>
-            </a:extLst>
-          </a:blip>
-          <a:stretch>
-            <a:fillRect/>
-          </a:stretch>
-        </p:blipFill>
-        <p:spPr>
-          <a:xfrm>
-            <a:off x="4291324" y="4119101"/>
-            <a:ext cx="358879" cy="358879"/>
-          </a:xfrm>
-          <a:prstGeom prst="rect">
-            <a:avLst/>
-          </a:prstGeom>
-        </p:spPr>
-      </p:pic>
-      <p:pic>
-        <p:nvPicPr>
-          <p:cNvPr id="18" name="Graphic 17" descr="Lightbulb">
-            <a:extLst>
-              <a:ext uri="{FF2B5EF4-FFF2-40B4-BE49-F238E27FC236}">
-                <a16:creationId xmlns:a16="http://schemas.microsoft.com/office/drawing/2014/main" id="{3F016C98-E2F4-A748-A279-D996D7CC337B}"/>
-              </a:ext>
-            </a:extLst>
-          </p:cNvPr>
-          <p:cNvPicPr>
-            <a:picLocks noChangeAspect="1"/>
-          </p:cNvPicPr>
-          <p:nvPr/>
-        </p:nvPicPr>
-        <p:blipFill>
-          <a:blip r:embed="rId4">
-            <a:extLst>
-              <a:ext uri="{96DAC541-7B7A-43D3-8B79-37D633B846F1}">
-                <asvg:svgBlip xmlns:asvg="http://schemas.microsoft.com/office/drawing/2016/SVG/main" r:embed="rId5"/>
-              </a:ext>
-            </a:extLst>
-          </a:blip>
-          <a:stretch>
-            <a:fillRect/>
-          </a:stretch>
-        </p:blipFill>
-        <p:spPr>
-          <a:xfrm>
-            <a:off x="4291324" y="4889043"/>
-            <a:ext cx="358879" cy="358879"/>
-          </a:xfrm>
-          <a:prstGeom prst="rect">
-            <a:avLst/>
-          </a:prstGeom>
-        </p:spPr>
-      </p:pic>
+      <p:sp>
+        <p:nvSpPr>
+          <p:cNvPr id="3" name="Footer Placeholder 2">
+            <a:extLst>
+              <a:ext uri="{FF2B5EF4-FFF2-40B4-BE49-F238E27FC236}">
+                <a16:creationId xmlns:a16="http://schemas.microsoft.com/office/drawing/2014/main" id="{50F06A25-1023-9144-BBBF-F740EE884FF1}"/>
+              </a:ext>
+            </a:extLst>
+          </p:cNvPr>
+          <p:cNvSpPr>
+            <a:spLocks noGrp="1"/>
+          </p:cNvSpPr>
+          <p:nvPr>
+            <p:ph type="ftr" sz="quarter" idx="11"/>
+          </p:nvPr>
+        </p:nvSpPr>
+        <p:spPr/>
+        <p:txBody>
+          <a:bodyPr/>
+          <a:lstStyle/>
+          <a:p>
+            <a:r>
+              <a:rPr lang="en-US"/>
+              <a:t>Stephen Stark - New Market Analysis</a:t>
+            </a:r>
+            <a:endParaRPr lang="en-US" dirty="0"/>
+          </a:p>
+        </p:txBody>
+      </p:sp>
+      <p:sp>
+        <p:nvSpPr>
+          <p:cNvPr id="4" name="Slide Number Placeholder 3">
+            <a:extLst>
+              <a:ext uri="{FF2B5EF4-FFF2-40B4-BE49-F238E27FC236}">
+                <a16:creationId xmlns:a16="http://schemas.microsoft.com/office/drawing/2014/main" id="{78C083CD-F6CB-1143-B1FE-8782BBC4BFA4}"/>
+              </a:ext>
+            </a:extLst>
+          </p:cNvPr>
+          <p:cNvSpPr>
+            <a:spLocks noGrp="1"/>
+          </p:cNvSpPr>
+          <p:nvPr>
+            <p:ph type="sldNum" sz="quarter" idx="12"/>
+          </p:nvPr>
+        </p:nvSpPr>
+        <p:spPr/>
+        <p:txBody>
+          <a:bodyPr/>
+          <a:lstStyle/>
+          <a:p>
+            <a:r>
+              <a:rPr lang="en-US" dirty="0"/>
+              <a:t>18</a:t>
+            </a:r>
+          </a:p>
+        </p:txBody>
+      </p:sp>
     </p:spTree>
     <p:extLst>
       <p:ext uri="{BB962C8B-B14F-4D97-AF65-F5344CB8AC3E}">
@@ -16520,7 +16919,7 @@
         </p:spPr>
         <p:txBody>
           <a:bodyPr>
-            <a:normAutofit fontScale="70000" lnSpcReduction="20000"/>
+            <a:normAutofit fontScale="92500" lnSpcReduction="20000"/>
           </a:bodyPr>
           <a:lstStyle/>
           <a:p>
@@ -16553,7 +16952,7 @@
             </a:pPr>
             <a:r>
               <a:rPr lang="en-US" dirty="0"/>
-              <a:t>Survey/Customer Engagement</a:t>
+              <a:t>Define specific KPIs to better understand performance. </a:t>
             </a:r>
           </a:p>
           <a:p>
@@ -16565,20 +16964,8 @@
               <a:buAutoNum type="alphaLcParenR"/>
             </a:pPr>
             <a:r>
-              <a:rPr lang="en-US" sz="2200" dirty="0"/>
-              <a:t>VIP Postmen &amp; VIP Customers: What works for them? What are their hurdles?</a:t>
-            </a:r>
-          </a:p>
-          <a:p>
-            <a:pPr marL="971550" lvl="1" indent="-514350">
-              <a:lnSpc>
-                <a:spcPct val="120000"/>
-              </a:lnSpc>
-              <a:buAutoNum type="alphaLcParenR"/>
-            </a:pPr>
-            <a:r>
-              <a:rPr lang="en-US" sz="2200" dirty="0"/>
-              <a:t>If someone left the platform after a single delivery, ask them what, if anything, went wrong?</a:t>
+              <a:rPr lang="en-US" dirty="0"/>
+              <a:t>The CEO wants to grow the business 20%. In terms of what? Number of transactions? Number of customer’s reached? Number of restaurants on the platform? Completed transaction value?</a:t>
             </a:r>
           </a:p>
           <a:p>
@@ -16599,7 +16986,28 @@
             </a:pPr>
             <a:r>
               <a:rPr lang="en-US" dirty="0"/>
-              <a:t>Define specific KPIs to better understand performance. </a:t>
+              <a:t>Invest in quality assurance measures to investigate data inconsistencies </a:t>
+            </a:r>
+          </a:p>
+          <a:p>
+            <a:pPr marL="0" indent="0">
+              <a:lnSpc>
+                <a:spcPct val="120000"/>
+              </a:lnSpc>
+              <a:buNone/>
+            </a:pPr>
+            <a:endParaRPr lang="en-US" sz="100" dirty="0"/>
+          </a:p>
+          <a:p>
+            <a:pPr marL="0" indent="0">
+              <a:lnSpc>
+                <a:spcPct val="120000"/>
+              </a:lnSpc>
+              <a:buNone/>
+            </a:pPr>
+            <a:r>
+              <a:rPr lang="en-US" dirty="0"/>
+              <a:t>Broaden the scope of the analysis. More data! </a:t>
             </a:r>
           </a:p>
           <a:p>
@@ -16612,61 +17020,6 @@
             </a:pPr>
             <a:r>
               <a:rPr lang="en-US" dirty="0"/>
-              <a:t>The CEO wants to grow the business 20%. In terms of what? Number of transactions? Number of customer’s reached? Number of restaurants on the platform? Completed transaction value?</a:t>
-            </a:r>
-          </a:p>
-          <a:p>
-            <a:pPr marL="457200" lvl="1" indent="0">
-              <a:lnSpc>
-                <a:spcPct val="120000"/>
-              </a:lnSpc>
-              <a:buNone/>
-            </a:pPr>
-            <a:endParaRPr lang="en-US" sz="100" dirty="0"/>
-          </a:p>
-          <a:p>
-            <a:pPr marL="0" indent="0">
-              <a:lnSpc>
-                <a:spcPct val="120000"/>
-              </a:lnSpc>
-              <a:buNone/>
-            </a:pPr>
-            <a:r>
-              <a:rPr lang="en-US" dirty="0"/>
-              <a:t>Invest in quality assurance measures to investigate data inconsistencies </a:t>
-            </a:r>
-          </a:p>
-          <a:p>
-            <a:pPr marL="0" indent="0">
-              <a:lnSpc>
-                <a:spcPct val="120000"/>
-              </a:lnSpc>
-              <a:buNone/>
-            </a:pPr>
-            <a:endParaRPr lang="en-US" sz="100" dirty="0"/>
-          </a:p>
-          <a:p>
-            <a:pPr marL="0" indent="0">
-              <a:lnSpc>
-                <a:spcPct val="120000"/>
-              </a:lnSpc>
-              <a:buNone/>
-            </a:pPr>
-            <a:r>
-              <a:rPr lang="en-US" dirty="0"/>
-              <a:t>Broaden the scope of the analysis. More data! </a:t>
-            </a:r>
-          </a:p>
-          <a:p>
-            <a:pPr marL="971550" lvl="1" indent="-514350">
-              <a:lnSpc>
-                <a:spcPct val="120000"/>
-              </a:lnSpc>
-              <a:buFont typeface="+mj-lt"/>
-              <a:buAutoNum type="alphaLcParenR"/>
-            </a:pPr>
-            <a:r>
-              <a:rPr lang="en-US" dirty="0"/>
               <a:t>Time series modeling to account for seasonality. What insights from other markets could we leverage to better forecast the New York Market?</a:t>
             </a:r>
           </a:p>
@@ -16674,10 +17027,10 @@
       </p:sp>
       <p:pic>
         <p:nvPicPr>
-          <p:cNvPr id="6" name="Graphic 5" descr="Badge 5">
-            <a:extLst>
-              <a:ext uri="{FF2B5EF4-FFF2-40B4-BE49-F238E27FC236}">
-                <a16:creationId xmlns:a16="http://schemas.microsoft.com/office/drawing/2014/main" id="{1F589860-CBAC-CC45-A24D-CA35F3D68CAE}"/>
+          <p:cNvPr id="8" name="Graphic 7" descr="Badge 4">
+            <a:extLst>
+              <a:ext uri="{FF2B5EF4-FFF2-40B4-BE49-F238E27FC236}">
+                <a16:creationId xmlns:a16="http://schemas.microsoft.com/office/drawing/2014/main" id="{31DE6A80-DD1A-0C46-A6A2-940EA0FAAB87}"/>
               </a:ext>
             </a:extLst>
           </p:cNvPr>
@@ -16700,43 +17053,7 @@
         </p:blipFill>
         <p:spPr>
           <a:xfrm>
-            <a:off x="838200" y="4990910"/>
-            <a:ext cx="548640" cy="548640"/>
-          </a:xfrm>
-          <a:prstGeom prst="rect">
-            <a:avLst/>
-          </a:prstGeom>
-        </p:spPr>
-      </p:pic>
-      <p:pic>
-        <p:nvPicPr>
-          <p:cNvPr id="8" name="Graphic 7" descr="Badge 4">
-            <a:extLst>
-              <a:ext uri="{FF2B5EF4-FFF2-40B4-BE49-F238E27FC236}">
-                <a16:creationId xmlns:a16="http://schemas.microsoft.com/office/drawing/2014/main" id="{31DE6A80-DD1A-0C46-A6A2-940EA0FAAB87}"/>
-              </a:ext>
-            </a:extLst>
-          </p:cNvPr>
-          <p:cNvPicPr>
-            <a:picLocks noChangeAspect="1"/>
-          </p:cNvPicPr>
-          <p:nvPr/>
-        </p:nvPicPr>
-        <p:blipFill>
-          <a:blip r:embed="rId4">
-            <a:extLst>
-              <a:ext uri="{96DAC541-7B7A-43D3-8B79-37D633B846F1}">
-                <asvg:svgBlip xmlns:asvg="http://schemas.microsoft.com/office/drawing/2016/SVG/main" r:embed="rId5"/>
-              </a:ext>
-            </a:extLst>
-          </a:blip>
-          <a:stretch>
-            <a:fillRect/>
-          </a:stretch>
-        </p:blipFill>
-        <p:spPr>
-          <a:xfrm>
-            <a:off x="838200" y="4367119"/>
+            <a:off x="838200" y="4719434"/>
             <a:ext cx="548640" cy="548640"/>
           </a:xfrm>
           <a:prstGeom prst="rect">
@@ -16759,10 +17076,10 @@
           <p:nvPr/>
         </p:nvPicPr>
         <p:blipFill>
-          <a:blip r:embed="rId6">
+          <a:blip r:embed="rId4">
             <a:extLst>
               <a:ext uri="{96DAC541-7B7A-43D3-8B79-37D633B846F1}">
-                <asvg:svgBlip xmlns:asvg="http://schemas.microsoft.com/office/drawing/2016/SVG/main" r:embed="rId7"/>
+                <asvg:svgBlip xmlns:asvg="http://schemas.microsoft.com/office/drawing/2016/SVG/main" r:embed="rId5"/>
               </a:ext>
             </a:extLst>
           </a:blip>
@@ -16772,7 +17089,7 @@
         </p:blipFill>
         <p:spPr>
           <a:xfrm>
-            <a:off x="838200" y="3299637"/>
+            <a:off x="838200" y="4050137"/>
             <a:ext cx="548640" cy="548640"/>
           </a:xfrm>
           <a:prstGeom prst="rect">
@@ -16795,10 +17112,10 @@
           <p:nvPr/>
         </p:nvPicPr>
         <p:blipFill>
-          <a:blip r:embed="rId8">
+          <a:blip r:embed="rId6">
             <a:extLst>
               <a:ext uri="{96DAC541-7B7A-43D3-8B79-37D633B846F1}">
-                <asvg:svgBlip xmlns:asvg="http://schemas.microsoft.com/office/drawing/2016/SVG/main" r:embed="rId9"/>
+                <asvg:svgBlip xmlns:asvg="http://schemas.microsoft.com/office/drawing/2016/SVG/main" r:embed="rId7"/>
               </a:ext>
             </a:extLst>
           </a:blip>
@@ -16808,7 +17125,7 @@
         </p:blipFill>
         <p:spPr>
           <a:xfrm>
-            <a:off x="838200" y="2259153"/>
+            <a:off x="838200" y="2383135"/>
             <a:ext cx="548640" cy="548640"/>
           </a:xfrm>
           <a:prstGeom prst="rect">
@@ -16831,10 +17148,10 @@
           <p:nvPr/>
         </p:nvPicPr>
         <p:blipFill>
-          <a:blip r:embed="rId10">
+          <a:blip r:embed="rId8">
             <a:extLst>
               <a:ext uri="{96DAC541-7B7A-43D3-8B79-37D633B846F1}">
-                <asvg:svgBlip xmlns:asvg="http://schemas.microsoft.com/office/drawing/2016/SVG/main" r:embed="rId11"/>
+                <asvg:svgBlip xmlns:asvg="http://schemas.microsoft.com/office/drawing/2016/SVG/main" r:embed="rId9"/>
               </a:ext>
             </a:extLst>
           </a:blip>
@@ -16852,6 +17169,63 @@
           </a:prstGeom>
         </p:spPr>
       </p:pic>
+      <p:sp>
+        <p:nvSpPr>
+          <p:cNvPr id="15" name="Footer Placeholder 14">
+            <a:extLst>
+              <a:ext uri="{FF2B5EF4-FFF2-40B4-BE49-F238E27FC236}">
+                <a16:creationId xmlns:a16="http://schemas.microsoft.com/office/drawing/2014/main" id="{CC2198B1-6C47-964E-9E0C-F243DDBC905F}"/>
+              </a:ext>
+            </a:extLst>
+          </p:cNvPr>
+          <p:cNvSpPr>
+            <a:spLocks noGrp="1"/>
+          </p:cNvSpPr>
+          <p:nvPr>
+            <p:ph type="ftr" sz="quarter" idx="11"/>
+          </p:nvPr>
+        </p:nvSpPr>
+        <p:spPr/>
+        <p:txBody>
+          <a:bodyPr/>
+          <a:lstStyle/>
+          <a:p>
+            <a:r>
+              <a:rPr lang="en-US"/>
+              <a:t>Stephen Stark - New Market Analysis</a:t>
+            </a:r>
+            <a:endParaRPr lang="en-US" dirty="0"/>
+          </a:p>
+        </p:txBody>
+      </p:sp>
+      <p:sp>
+        <p:nvSpPr>
+          <p:cNvPr id="16" name="Slide Number Placeholder 15">
+            <a:extLst>
+              <a:ext uri="{FF2B5EF4-FFF2-40B4-BE49-F238E27FC236}">
+                <a16:creationId xmlns:a16="http://schemas.microsoft.com/office/drawing/2014/main" id="{0B0202AE-FB51-694C-B167-D80812A8D4D1}"/>
+              </a:ext>
+            </a:extLst>
+          </p:cNvPr>
+          <p:cNvSpPr>
+            <a:spLocks noGrp="1"/>
+          </p:cNvSpPr>
+          <p:nvPr>
+            <p:ph type="sldNum" sz="quarter" idx="12"/>
+          </p:nvPr>
+        </p:nvSpPr>
+        <p:spPr/>
+        <p:txBody>
+          <a:bodyPr/>
+          <a:lstStyle/>
+          <a:p>
+            <a:r>
+              <a:rPr lang="en-US" dirty="0"/>
+              <a:t>19</a:t>
+            </a:r>
+          </a:p>
+        </p:txBody>
+      </p:sp>
     </p:spTree>
     <p:extLst>
       <p:ext uri="{BB962C8B-B14F-4D97-AF65-F5344CB8AC3E}">
@@ -17096,6 +17470,64 @@
           </a:p>
         </p:txBody>
       </p:sp>
+      <p:sp>
+        <p:nvSpPr>
+          <p:cNvPr id="35" name="Footer Placeholder 34">
+            <a:extLst>
+              <a:ext uri="{FF2B5EF4-FFF2-40B4-BE49-F238E27FC236}">
+                <a16:creationId xmlns:a16="http://schemas.microsoft.com/office/drawing/2014/main" id="{016BF782-0831-5B47-8D51-23047D2E7E1D}"/>
+              </a:ext>
+            </a:extLst>
+          </p:cNvPr>
+          <p:cNvSpPr>
+            <a:spLocks noGrp="1"/>
+          </p:cNvSpPr>
+          <p:nvPr>
+            <p:ph type="ftr" sz="quarter" idx="11"/>
+          </p:nvPr>
+        </p:nvSpPr>
+        <p:spPr/>
+        <p:txBody>
+          <a:bodyPr/>
+          <a:lstStyle/>
+          <a:p>
+            <a:r>
+              <a:rPr lang="en-US"/>
+              <a:t>Stephen Stark - New Market Analysis</a:t>
+            </a:r>
+            <a:endParaRPr lang="en-US" dirty="0"/>
+          </a:p>
+        </p:txBody>
+      </p:sp>
+      <p:sp>
+        <p:nvSpPr>
+          <p:cNvPr id="36" name="Slide Number Placeholder 35">
+            <a:extLst>
+              <a:ext uri="{FF2B5EF4-FFF2-40B4-BE49-F238E27FC236}">
+                <a16:creationId xmlns:a16="http://schemas.microsoft.com/office/drawing/2014/main" id="{74796CA1-ACAB-FE42-8F52-25A989E414BB}"/>
+              </a:ext>
+            </a:extLst>
+          </p:cNvPr>
+          <p:cNvSpPr>
+            <a:spLocks noGrp="1"/>
+          </p:cNvSpPr>
+          <p:nvPr>
+            <p:ph type="sldNum" sz="quarter" idx="12"/>
+          </p:nvPr>
+        </p:nvSpPr>
+        <p:spPr/>
+        <p:txBody>
+          <a:bodyPr/>
+          <a:lstStyle/>
+          <a:p>
+            <a:fld id="{AD44F050-9915-E24F-A2A7-E8AD21817AE0}" type="slidenum">
+              <a:rPr lang="en-US" smtClean="0"/>
+              <a:t>2</a:t>
+            </a:fld>
+            <a:endParaRPr lang="en-US" dirty="0"/>
+          </a:p>
+        </p:txBody>
+      </p:sp>
     </p:spTree>
     <p:extLst>
       <p:ext uri="{BB962C8B-B14F-4D97-AF65-F5344CB8AC3E}">
@@ -17261,6 +17693,63 @@
               <a:t>GitHub</a:t>
             </a:r>
             <a:endParaRPr lang="en-US" dirty="0"/>
+          </a:p>
+        </p:txBody>
+      </p:sp>
+      <p:sp>
+        <p:nvSpPr>
+          <p:cNvPr id="4" name="Footer Placeholder 3">
+            <a:extLst>
+              <a:ext uri="{FF2B5EF4-FFF2-40B4-BE49-F238E27FC236}">
+                <a16:creationId xmlns:a16="http://schemas.microsoft.com/office/drawing/2014/main" id="{BF8B94CE-0536-7340-9D48-C281891F46F5}"/>
+              </a:ext>
+            </a:extLst>
+          </p:cNvPr>
+          <p:cNvSpPr>
+            <a:spLocks noGrp="1"/>
+          </p:cNvSpPr>
+          <p:nvPr>
+            <p:ph type="ftr" sz="quarter" idx="11"/>
+          </p:nvPr>
+        </p:nvSpPr>
+        <p:spPr/>
+        <p:txBody>
+          <a:bodyPr/>
+          <a:lstStyle/>
+          <a:p>
+            <a:r>
+              <a:rPr lang="en-US"/>
+              <a:t>Stephen Stark - New Market Analysis</a:t>
+            </a:r>
+            <a:endParaRPr lang="en-US" dirty="0"/>
+          </a:p>
+        </p:txBody>
+      </p:sp>
+      <p:sp>
+        <p:nvSpPr>
+          <p:cNvPr id="5" name="Slide Number Placeholder 4">
+            <a:extLst>
+              <a:ext uri="{FF2B5EF4-FFF2-40B4-BE49-F238E27FC236}">
+                <a16:creationId xmlns:a16="http://schemas.microsoft.com/office/drawing/2014/main" id="{23634FD6-C2B5-5148-8C75-ED1BC772EE35}"/>
+              </a:ext>
+            </a:extLst>
+          </p:cNvPr>
+          <p:cNvSpPr>
+            <a:spLocks noGrp="1"/>
+          </p:cNvSpPr>
+          <p:nvPr>
+            <p:ph type="sldNum" sz="quarter" idx="12"/>
+          </p:nvPr>
+        </p:nvSpPr>
+        <p:spPr/>
+        <p:txBody>
+          <a:bodyPr/>
+          <a:lstStyle/>
+          <a:p>
+            <a:r>
+              <a:rPr lang="en-US" dirty="0"/>
+              <a:t>20</a:t>
+            </a:r>
           </a:p>
         </p:txBody>
       </p:sp>
@@ -17316,7 +17805,7 @@
           <a:lstStyle/>
           <a:p>
             <a:r>
-              <a:rPr lang="en-US" dirty="0">
+              <a:rPr lang="en-US">
                 <a:solidFill>
                   <a:schemeClr val="tx1">
                     <a:lumMod val="50000"/>
@@ -17327,9 +17816,10 @@
               <a:t>1</a:t>
             </a:r>
             <a:r>
-              <a:rPr lang="en-US" b="1" dirty="0"/>
+              <a:rPr lang="en-US" b="1"/>
               <a:t> EXECUTIVE SUMMARY </a:t>
             </a:r>
+            <a:endParaRPr lang="en-US" b="1" dirty="0"/>
           </a:p>
         </p:txBody>
       </p:sp>
@@ -17365,39 +17855,39 @@
               <a:buNone/>
             </a:pPr>
             <a:r>
-              <a:rPr lang="en-US" sz="1600" dirty="0"/>
+              <a:rPr lang="en-US" sz="1600"/>
               <a:t>The New York market is </a:t>
             </a:r>
             <a:r>
-              <a:rPr lang="en-US" sz="1600" b="1" dirty="0"/>
+              <a:rPr lang="en-US" sz="1600" b="1"/>
               <a:t>STRONG with SIGNIFICANT GROWTH POTENTIAL</a:t>
             </a:r>
             <a:r>
-              <a:rPr lang="en-US" sz="1600" dirty="0"/>
+              <a:rPr lang="en-US" sz="1600"/>
               <a:t>:</a:t>
             </a:r>
           </a:p>
           <a:p>
             <a:r>
-              <a:rPr lang="en-US" sz="1600" dirty="0"/>
+              <a:rPr lang="en-US" sz="1600"/>
               <a:t>Completed 4,700 transactions in the month of October 2014 </a:t>
             </a:r>
           </a:p>
           <a:p>
             <a:r>
-              <a:rPr lang="en-US" sz="1600" dirty="0"/>
+              <a:rPr lang="en-US" sz="1600"/>
               <a:t>45-minute average delivery time </a:t>
             </a:r>
           </a:p>
           <a:p>
             <a:r>
-              <a:rPr lang="en-US" sz="1600" dirty="0"/>
+              <a:rPr lang="en-US" sz="1600"/>
               <a:t>2,900+ unique customers served; 16% order twice, 6% order three or more times</a:t>
             </a:r>
           </a:p>
           <a:p>
             <a:r>
-              <a:rPr lang="en-US" sz="1600" dirty="0"/>
+              <a:rPr lang="en-US" sz="1600"/>
               <a:t>Most popular delivery time is between 6PM-8PM</a:t>
             </a:r>
           </a:p>
@@ -17405,46 +17895,46 @@
             <a:pPr marL="0" indent="0">
               <a:buNone/>
             </a:pPr>
-            <a:endParaRPr lang="en-US" sz="1600" b="1" dirty="0"/>
+            <a:endParaRPr lang="en-US" sz="1600" b="1"/>
           </a:p>
           <a:p>
             <a:pPr marL="0" indent="0">
               <a:buNone/>
             </a:pPr>
             <a:r>
-              <a:rPr lang="en-US" sz="1600" b="1" dirty="0"/>
+              <a:rPr lang="en-US" sz="1600" b="1"/>
               <a:t>GROWTH RECOMMENDATION #1: </a:t>
             </a:r>
             <a:r>
-              <a:rPr lang="en-US" sz="1600" dirty="0"/>
+              <a:rPr lang="en-US" sz="1600"/>
               <a:t>Targeted campaigns to specific zip codes.</a:t>
             </a:r>
           </a:p>
           <a:p>
             <a:r>
-              <a:rPr lang="en-US" sz="1600" dirty="0"/>
+              <a:rPr lang="en-US" sz="1600"/>
               <a:t>[11226, 10025, 11211]: have the lowest market penetration rate, currently reaching 60 of the 290K potential customers</a:t>
             </a:r>
           </a:p>
           <a:p>
             <a:r>
-              <a:rPr lang="en-US" sz="1600" dirty="0"/>
+              <a:rPr lang="en-US" sz="1600"/>
               <a:t>[10282,10007,10069]: have the highest average household median income $200K+ and a low market penetration rate, currently reaching 110 of the 17K potential customers</a:t>
             </a:r>
           </a:p>
           <a:p>
-            <a:endParaRPr lang="en-US" sz="600" dirty="0"/>
+            <a:endParaRPr lang="en-US" sz="600"/>
           </a:p>
           <a:p>
             <a:pPr marL="0" indent="0">
               <a:buNone/>
             </a:pPr>
             <a:r>
-              <a:rPr lang="en-US" sz="1600" b="1" dirty="0"/>
+              <a:rPr lang="en-US" sz="1600" b="1"/>
               <a:t>GROWTH RECOMMENDATION #2: </a:t>
             </a:r>
             <a:r>
-              <a:rPr lang="en-US" sz="1600" dirty="0"/>
+              <a:rPr lang="en-US" sz="1600"/>
               <a:t>Focus on Jumpmen and Customer engagement. Survey the ones who use the service the most to to gather feedback on their hurdles and challenges. Also engage with the customers who only used once and haven’t returned.</a:t>
             </a:r>
           </a:p>
@@ -17452,19 +17942,77 @@
             <a:pPr marL="0" indent="0">
               <a:buNone/>
             </a:pPr>
-            <a:endParaRPr lang="en-US" sz="600" dirty="0"/>
+            <a:endParaRPr lang="en-US" sz="600"/>
           </a:p>
           <a:p>
             <a:pPr marL="0" indent="0">
               <a:buNone/>
             </a:pPr>
             <a:r>
-              <a:rPr lang="en-US" sz="1600" b="1" dirty="0"/>
+              <a:rPr lang="en-US" sz="1600" b="1"/>
               <a:t>GROWTH RECOMMENDATION #3: </a:t>
             </a:r>
             <a:r>
-              <a:rPr lang="en-US" sz="1600" dirty="0"/>
+              <a:rPr lang="en-US" sz="1600"/>
               <a:t>Decrease wasted time at restaurants. Explore a restaurant partnership model to minimize the time spent waiting at the pickup location.</a:t>
+            </a:r>
+            <a:endParaRPr lang="en-US" sz="1600" dirty="0"/>
+          </a:p>
+        </p:txBody>
+      </p:sp>
+      <p:sp>
+        <p:nvSpPr>
+          <p:cNvPr id="5" name="Footer Placeholder 4">
+            <a:extLst>
+              <a:ext uri="{FF2B5EF4-FFF2-40B4-BE49-F238E27FC236}">
+                <a16:creationId xmlns:a16="http://schemas.microsoft.com/office/drawing/2014/main" id="{6E5A3199-F90E-9141-AB85-E65D273F3790}"/>
+              </a:ext>
+            </a:extLst>
+          </p:cNvPr>
+          <p:cNvSpPr>
+            <a:spLocks noGrp="1"/>
+          </p:cNvSpPr>
+          <p:nvPr>
+            <p:ph type="ftr" sz="quarter" idx="11"/>
+          </p:nvPr>
+        </p:nvSpPr>
+        <p:spPr/>
+        <p:txBody>
+          <a:bodyPr/>
+          <a:lstStyle/>
+          <a:p>
+            <a:r>
+              <a:rPr lang="en-US"/>
+              <a:t>Stephen Stark - New Market Analysis</a:t>
+            </a:r>
+            <a:endParaRPr lang="en-US" dirty="0"/>
+          </a:p>
+        </p:txBody>
+      </p:sp>
+      <p:sp>
+        <p:nvSpPr>
+          <p:cNvPr id="6" name="Slide Number Placeholder 5">
+            <a:extLst>
+              <a:ext uri="{FF2B5EF4-FFF2-40B4-BE49-F238E27FC236}">
+                <a16:creationId xmlns:a16="http://schemas.microsoft.com/office/drawing/2014/main" id="{4FDA0C36-A381-DB40-B7AF-1430D7E523D2}"/>
+              </a:ext>
+            </a:extLst>
+          </p:cNvPr>
+          <p:cNvSpPr>
+            <a:spLocks noGrp="1"/>
+          </p:cNvSpPr>
+          <p:nvPr>
+            <p:ph type="sldNum" sz="quarter" idx="12"/>
+          </p:nvPr>
+        </p:nvSpPr>
+        <p:spPr/>
+        <p:txBody>
+          <a:bodyPr/>
+          <a:lstStyle/>
+          <a:p>
+            <a:r>
+              <a:rPr lang="en-US" dirty="0"/>
+              <a:t>3</a:t>
             </a:r>
           </a:p>
         </p:txBody>
@@ -17887,6 +18435,64 @@
           </a:p>
         </p:txBody>
       </p:sp>
+      <p:sp>
+        <p:nvSpPr>
+          <p:cNvPr id="26" name="Footer Placeholder 25">
+            <a:extLst>
+              <a:ext uri="{FF2B5EF4-FFF2-40B4-BE49-F238E27FC236}">
+                <a16:creationId xmlns:a16="http://schemas.microsoft.com/office/drawing/2014/main" id="{FB4AF97D-9199-894C-9F2E-7F7D6777BFB8}"/>
+              </a:ext>
+            </a:extLst>
+          </p:cNvPr>
+          <p:cNvSpPr>
+            <a:spLocks noGrp="1"/>
+          </p:cNvSpPr>
+          <p:nvPr>
+            <p:ph type="ftr" sz="quarter" idx="11"/>
+          </p:nvPr>
+        </p:nvSpPr>
+        <p:spPr/>
+        <p:txBody>
+          <a:bodyPr/>
+          <a:lstStyle/>
+          <a:p>
+            <a:r>
+              <a:rPr lang="en-US"/>
+              <a:t>Stephen Stark - New Market Analysis</a:t>
+            </a:r>
+            <a:endParaRPr lang="en-US" dirty="0"/>
+          </a:p>
+        </p:txBody>
+      </p:sp>
+      <p:sp>
+        <p:nvSpPr>
+          <p:cNvPr id="27" name="Slide Number Placeholder 26">
+            <a:extLst>
+              <a:ext uri="{FF2B5EF4-FFF2-40B4-BE49-F238E27FC236}">
+                <a16:creationId xmlns:a16="http://schemas.microsoft.com/office/drawing/2014/main" id="{916C936F-6FDD-4E45-8C6B-186BDB0A2797}"/>
+              </a:ext>
+            </a:extLst>
+          </p:cNvPr>
+          <p:cNvSpPr>
+            <a:spLocks noGrp="1"/>
+          </p:cNvSpPr>
+          <p:nvPr>
+            <p:ph type="sldNum" sz="quarter" idx="12"/>
+          </p:nvPr>
+        </p:nvSpPr>
+        <p:spPr/>
+        <p:txBody>
+          <a:bodyPr/>
+          <a:lstStyle/>
+          <a:p>
+            <a:fld id="{AD44F050-9915-E24F-A2A7-E8AD21817AE0}" type="slidenum">
+              <a:rPr lang="en-US" smtClean="0"/>
+              <a:t>4</a:t>
+            </a:fld>
+            <a:endParaRPr lang="en-US" dirty="0"/>
+          </a:p>
+        </p:txBody>
+      </p:sp>
     </p:spTree>
     <p:extLst>
       <p:ext uri="{BB962C8B-B14F-4D97-AF65-F5344CB8AC3E}">
@@ -18077,6 +18683,63 @@
               <a:t>BUSINESSES</a:t>
             </a:r>
             <a:endParaRPr lang="en-US" sz="3000" dirty="0"/>
+          </a:p>
+        </p:txBody>
+      </p:sp>
+      <p:sp>
+        <p:nvSpPr>
+          <p:cNvPr id="10" name="Footer Placeholder 9">
+            <a:extLst>
+              <a:ext uri="{FF2B5EF4-FFF2-40B4-BE49-F238E27FC236}">
+                <a16:creationId xmlns:a16="http://schemas.microsoft.com/office/drawing/2014/main" id="{54770B20-BD77-6A4D-B194-4830578E7C0F}"/>
+              </a:ext>
+            </a:extLst>
+          </p:cNvPr>
+          <p:cNvSpPr>
+            <a:spLocks noGrp="1"/>
+          </p:cNvSpPr>
+          <p:nvPr>
+            <p:ph type="ftr" sz="quarter" idx="11"/>
+          </p:nvPr>
+        </p:nvSpPr>
+        <p:spPr/>
+        <p:txBody>
+          <a:bodyPr/>
+          <a:lstStyle/>
+          <a:p>
+            <a:r>
+              <a:rPr lang="en-US"/>
+              <a:t>Stephen Stark - New Market Analysis</a:t>
+            </a:r>
+            <a:endParaRPr lang="en-US" dirty="0"/>
+          </a:p>
+        </p:txBody>
+      </p:sp>
+      <p:sp>
+        <p:nvSpPr>
+          <p:cNvPr id="11" name="Slide Number Placeholder 10">
+            <a:extLst>
+              <a:ext uri="{FF2B5EF4-FFF2-40B4-BE49-F238E27FC236}">
+                <a16:creationId xmlns:a16="http://schemas.microsoft.com/office/drawing/2014/main" id="{356CF980-9E51-ED49-913C-16A8252CFFDD}"/>
+              </a:ext>
+            </a:extLst>
+          </p:cNvPr>
+          <p:cNvSpPr>
+            <a:spLocks noGrp="1"/>
+          </p:cNvSpPr>
+          <p:nvPr>
+            <p:ph type="sldNum" sz="quarter" idx="12"/>
+          </p:nvPr>
+        </p:nvSpPr>
+        <p:spPr/>
+        <p:txBody>
+          <a:bodyPr/>
+          <a:lstStyle/>
+          <a:p>
+            <a:r>
+              <a:rPr lang="en-US" dirty="0"/>
+              <a:t>5</a:t>
+            </a:r>
           </a:p>
         </p:txBody>
       </p:sp>
@@ -18820,6 +19483,64 @@
           </a:fontRef>
         </p:style>
       </p:cxnSp>
+      <p:sp>
+        <p:nvSpPr>
+          <p:cNvPr id="28" name="Footer Placeholder 27">
+            <a:extLst>
+              <a:ext uri="{FF2B5EF4-FFF2-40B4-BE49-F238E27FC236}">
+                <a16:creationId xmlns:a16="http://schemas.microsoft.com/office/drawing/2014/main" id="{DF66FCD7-C118-EE48-9F52-4D877CF4765D}"/>
+              </a:ext>
+            </a:extLst>
+          </p:cNvPr>
+          <p:cNvSpPr>
+            <a:spLocks noGrp="1"/>
+          </p:cNvSpPr>
+          <p:nvPr>
+            <p:ph type="ftr" sz="quarter" idx="11"/>
+          </p:nvPr>
+        </p:nvSpPr>
+        <p:spPr/>
+        <p:txBody>
+          <a:bodyPr/>
+          <a:lstStyle/>
+          <a:p>
+            <a:r>
+              <a:rPr lang="en-US"/>
+              <a:t>Stephen Stark - New Market Analysis</a:t>
+            </a:r>
+            <a:endParaRPr lang="en-US" dirty="0"/>
+          </a:p>
+        </p:txBody>
+      </p:sp>
+      <p:sp>
+        <p:nvSpPr>
+          <p:cNvPr id="29" name="Slide Number Placeholder 28">
+            <a:extLst>
+              <a:ext uri="{FF2B5EF4-FFF2-40B4-BE49-F238E27FC236}">
+                <a16:creationId xmlns:a16="http://schemas.microsoft.com/office/drawing/2014/main" id="{341217C0-AACE-6D45-B8EC-672721F82E10}"/>
+              </a:ext>
+            </a:extLst>
+          </p:cNvPr>
+          <p:cNvSpPr>
+            <a:spLocks noGrp="1"/>
+          </p:cNvSpPr>
+          <p:nvPr>
+            <p:ph type="sldNum" sz="quarter" idx="12"/>
+          </p:nvPr>
+        </p:nvSpPr>
+        <p:spPr/>
+        <p:txBody>
+          <a:bodyPr/>
+          <a:lstStyle/>
+          <a:p>
+            <a:fld id="{AD44F050-9915-E24F-A2A7-E8AD21817AE0}" type="slidenum">
+              <a:rPr lang="en-US" smtClean="0"/>
+              <a:t>6</a:t>
+            </a:fld>
+            <a:endParaRPr lang="en-US" dirty="0"/>
+          </a:p>
+        </p:txBody>
+      </p:sp>
     </p:spTree>
     <p:extLst>
       <p:ext uri="{BB962C8B-B14F-4D97-AF65-F5344CB8AC3E}">
@@ -19481,6 +20202,64 @@
           </a:fontRef>
         </p:style>
       </p:cxnSp>
+      <p:sp>
+        <p:nvSpPr>
+          <p:cNvPr id="37" name="Footer Placeholder 36">
+            <a:extLst>
+              <a:ext uri="{FF2B5EF4-FFF2-40B4-BE49-F238E27FC236}">
+                <a16:creationId xmlns:a16="http://schemas.microsoft.com/office/drawing/2014/main" id="{4EF4B54D-294D-7E48-A4AE-7A39F078B9B9}"/>
+              </a:ext>
+            </a:extLst>
+          </p:cNvPr>
+          <p:cNvSpPr>
+            <a:spLocks noGrp="1"/>
+          </p:cNvSpPr>
+          <p:nvPr>
+            <p:ph type="ftr" sz="quarter" idx="11"/>
+          </p:nvPr>
+        </p:nvSpPr>
+        <p:spPr/>
+        <p:txBody>
+          <a:bodyPr/>
+          <a:lstStyle/>
+          <a:p>
+            <a:r>
+              <a:rPr lang="en-US"/>
+              <a:t>Stephen Stark - New Market Analysis</a:t>
+            </a:r>
+            <a:endParaRPr lang="en-US" dirty="0"/>
+          </a:p>
+        </p:txBody>
+      </p:sp>
+      <p:sp>
+        <p:nvSpPr>
+          <p:cNvPr id="38" name="Slide Number Placeholder 37">
+            <a:extLst>
+              <a:ext uri="{FF2B5EF4-FFF2-40B4-BE49-F238E27FC236}">
+                <a16:creationId xmlns:a16="http://schemas.microsoft.com/office/drawing/2014/main" id="{2BAD5635-57E2-AD45-A98E-F68A90E72023}"/>
+              </a:ext>
+            </a:extLst>
+          </p:cNvPr>
+          <p:cNvSpPr>
+            <a:spLocks noGrp="1"/>
+          </p:cNvSpPr>
+          <p:nvPr>
+            <p:ph type="sldNum" sz="quarter" idx="12"/>
+          </p:nvPr>
+        </p:nvSpPr>
+        <p:spPr/>
+        <p:txBody>
+          <a:bodyPr/>
+          <a:lstStyle/>
+          <a:p>
+            <a:fld id="{AD44F050-9915-E24F-A2A7-E8AD21817AE0}" type="slidenum">
+              <a:rPr lang="en-US" smtClean="0"/>
+              <a:t>7</a:t>
+            </a:fld>
+            <a:endParaRPr lang="en-US" dirty="0"/>
+          </a:p>
+        </p:txBody>
+      </p:sp>
     </p:spTree>
     <p:extLst>
       <p:ext uri="{BB962C8B-B14F-4D97-AF65-F5344CB8AC3E}">
@@ -19896,6 +20675,64 @@
           </a:p>
         </p:txBody>
       </p:sp>
+      <p:sp>
+        <p:nvSpPr>
+          <p:cNvPr id="9" name="Footer Placeholder 8">
+            <a:extLst>
+              <a:ext uri="{FF2B5EF4-FFF2-40B4-BE49-F238E27FC236}">
+                <a16:creationId xmlns:a16="http://schemas.microsoft.com/office/drawing/2014/main" id="{C9653837-0318-464D-AA7B-88BE66F44189}"/>
+              </a:ext>
+            </a:extLst>
+          </p:cNvPr>
+          <p:cNvSpPr>
+            <a:spLocks noGrp="1"/>
+          </p:cNvSpPr>
+          <p:nvPr>
+            <p:ph type="ftr" sz="quarter" idx="11"/>
+          </p:nvPr>
+        </p:nvSpPr>
+        <p:spPr/>
+        <p:txBody>
+          <a:bodyPr/>
+          <a:lstStyle/>
+          <a:p>
+            <a:r>
+              <a:rPr lang="en-US"/>
+              <a:t>Stephen Stark - New Market Analysis</a:t>
+            </a:r>
+            <a:endParaRPr lang="en-US" dirty="0"/>
+          </a:p>
+        </p:txBody>
+      </p:sp>
+      <p:sp>
+        <p:nvSpPr>
+          <p:cNvPr id="10" name="Slide Number Placeholder 9">
+            <a:extLst>
+              <a:ext uri="{FF2B5EF4-FFF2-40B4-BE49-F238E27FC236}">
+                <a16:creationId xmlns:a16="http://schemas.microsoft.com/office/drawing/2014/main" id="{43762BB7-276E-544C-8333-7DC855BD4141}"/>
+              </a:ext>
+            </a:extLst>
+          </p:cNvPr>
+          <p:cNvSpPr>
+            <a:spLocks noGrp="1"/>
+          </p:cNvSpPr>
+          <p:nvPr>
+            <p:ph type="sldNum" sz="quarter" idx="12"/>
+          </p:nvPr>
+        </p:nvSpPr>
+        <p:spPr/>
+        <p:txBody>
+          <a:bodyPr/>
+          <a:lstStyle/>
+          <a:p>
+            <a:fld id="{AD44F050-9915-E24F-A2A7-E8AD21817AE0}" type="slidenum">
+              <a:rPr lang="en-US" smtClean="0"/>
+              <a:t>8</a:t>
+            </a:fld>
+            <a:endParaRPr lang="en-US" dirty="0"/>
+          </a:p>
+        </p:txBody>
+      </p:sp>
     </p:spTree>
     <p:extLst>
       <p:ext uri="{BB962C8B-B14F-4D97-AF65-F5344CB8AC3E}">
@@ -20288,6 +21125,63 @@
           </a:prstGeom>
         </p:spPr>
       </p:pic>
+      <p:sp>
+        <p:nvSpPr>
+          <p:cNvPr id="26" name="Footer Placeholder 25">
+            <a:extLst>
+              <a:ext uri="{FF2B5EF4-FFF2-40B4-BE49-F238E27FC236}">
+                <a16:creationId xmlns:a16="http://schemas.microsoft.com/office/drawing/2014/main" id="{5775917C-F977-5F4E-980A-0663CDFB378C}"/>
+              </a:ext>
+            </a:extLst>
+          </p:cNvPr>
+          <p:cNvSpPr>
+            <a:spLocks noGrp="1"/>
+          </p:cNvSpPr>
+          <p:nvPr>
+            <p:ph type="ftr" sz="quarter" idx="11"/>
+          </p:nvPr>
+        </p:nvSpPr>
+        <p:spPr/>
+        <p:txBody>
+          <a:bodyPr/>
+          <a:lstStyle/>
+          <a:p>
+            <a:r>
+              <a:rPr lang="en-US"/>
+              <a:t>Stephen Stark - New Market Analysis</a:t>
+            </a:r>
+            <a:endParaRPr lang="en-US" dirty="0"/>
+          </a:p>
+        </p:txBody>
+      </p:sp>
+      <p:sp>
+        <p:nvSpPr>
+          <p:cNvPr id="27" name="Slide Number Placeholder 26">
+            <a:extLst>
+              <a:ext uri="{FF2B5EF4-FFF2-40B4-BE49-F238E27FC236}">
+                <a16:creationId xmlns:a16="http://schemas.microsoft.com/office/drawing/2014/main" id="{6837C7B1-C637-D145-9850-B0AC47FD7D6B}"/>
+              </a:ext>
+            </a:extLst>
+          </p:cNvPr>
+          <p:cNvSpPr>
+            <a:spLocks noGrp="1"/>
+          </p:cNvSpPr>
+          <p:nvPr>
+            <p:ph type="sldNum" sz="quarter" idx="12"/>
+          </p:nvPr>
+        </p:nvSpPr>
+        <p:spPr/>
+        <p:txBody>
+          <a:bodyPr/>
+          <a:lstStyle/>
+          <a:p>
+            <a:r>
+              <a:rPr lang="en-US" dirty="0"/>
+              <a:t>9</a:t>
+            </a:r>
+          </a:p>
+        </p:txBody>
+      </p:sp>
     </p:spTree>
     <p:extLst>
       <p:ext uri="{BB962C8B-B14F-4D97-AF65-F5344CB8AC3E}">

--- a/Stephen_Stark_Analysis.pptx
+++ b/Stephen_Stark_Analysis.pptx
@@ -9298,16 +9298,17 @@
           <a:p>
             <a:pPr algn="l"/>
             <a:r>
-              <a:rPr lang="en-US" b="1" dirty="0"/>
+              <a:rPr lang="en-US" b="1"/>
               <a:t>Jumpman23 </a:t>
             </a:r>
             <a:br>
-              <a:rPr lang="en-US" b="1" dirty="0"/>
+              <a:rPr lang="en-US" b="1"/>
             </a:br>
             <a:r>
-              <a:rPr lang="en-US" b="1" dirty="0"/>
+              <a:rPr lang="en-US" b="1"/>
               <a:t>[New Market Analysis]</a:t>
             </a:r>
+            <a:endParaRPr lang="en-US" b="1" dirty="0"/>
           </a:p>
         </p:txBody>
       </p:sp>
@@ -9341,27 +9342,28 @@
           <a:p>
             <a:pPr algn="l"/>
             <a:r>
-              <a:rPr lang="en-US" b="1" dirty="0"/>
+              <a:rPr lang="en-US" b="1"/>
               <a:t>Stephen Stark</a:t>
             </a:r>
           </a:p>
           <a:p>
             <a:pPr algn="l"/>
             <a:r>
-              <a:rPr lang="en-US" dirty="0"/>
+              <a:rPr lang="en-US"/>
               <a:t>October 2020</a:t>
             </a:r>
           </a:p>
           <a:p>
             <a:pPr algn="l"/>
+            <a:endParaRPr lang="en-US"/>
+          </a:p>
+          <a:p>
+            <a:pPr algn="l"/>
+            <a:r>
+              <a:rPr lang="en-US"/>
+              <a:t>Presented to:</a:t>
+            </a:r>
             <a:endParaRPr lang="en-US" dirty="0"/>
-          </a:p>
-          <a:p>
-            <a:pPr algn="l"/>
-            <a:r>
-              <a:rPr lang="en-US" dirty="0"/>
-              <a:t>Presented to:</a:t>
-            </a:r>
           </a:p>
         </p:txBody>
       </p:sp>
@@ -16014,7 +16016,7 @@
           <a:lstStyle/>
           <a:p>
             <a:r>
-              <a:rPr lang="en-US" b="1" dirty="0">
+              <a:rPr lang="en-US" dirty="0">
                 <a:solidFill>
                   <a:schemeClr val="tx1">
                     <a:lumMod val="50000"/>
@@ -16025,8 +16027,12 @@
               <a:t>5.2</a:t>
             </a:r>
             <a:r>
+              <a:rPr lang="en-US" dirty="0"/>
+              <a:t> </a:t>
+            </a:r>
+            <a:r>
               <a:rPr lang="en-US" b="1" dirty="0"/>
-              <a:t> GROWTH STRATEGY [ENGAGEMENT]</a:t>
+              <a:t>GROWTH STRATEGY [ENGAGEMENT]</a:t>
             </a:r>
           </a:p>
         </p:txBody>
@@ -16878,7 +16884,7 @@
           <a:lstStyle/>
           <a:p>
             <a:r>
-              <a:rPr lang="en-US" b="1" dirty="0">
+              <a:rPr lang="en-US" dirty="0">
                 <a:solidFill>
                   <a:schemeClr val="tx1">
                     <a:lumMod val="50000"/>
